--- a/Paper Reading/____Writing/Fig_Overview.pptx
+++ b/Paper Reading/____Writing/Fig_Overview.pptx
@@ -342,7 +342,7 @@
           <a:p>
             <a:fld id="{B7268E1E-0E44-426D-905E-8AD9B19D2182}" type="datetimeFigureOut">
               <a:rPr lang="cs-CZ" smtClean="0"/>
-              <a:t>28.02.2025</a:t>
+              <a:t>02.03.2025</a:t>
             </a:fld>
             <a:endParaRPr lang="cs-CZ"/>
           </a:p>
@@ -11356,44 +11356,120 @@
           <a:chExt cx="0" cy="0"/>
         </a:xfrm>
       </p:grpSpPr>
+      <p:sp>
+        <p:nvSpPr>
+          <p:cNvPr id="8" name="AutoShape 8"/>
+          <p:cNvSpPr/>
+          <p:nvPr/>
+        </p:nvSpPr>
+        <p:spPr>
+          <a:xfrm>
+            <a:off x="175563" y="132767"/>
+            <a:ext cx="2219315" cy="2297141"/>
+          </a:xfrm>
+          <a:prstGeom prst="roundRect">
+            <a:avLst>
+              <a:gd name="adj" fmla="val 0"/>
+            </a:avLst>
+          </a:prstGeom>
+          <a:noFill/>
+          <a:ln w="25400" cap="flat">
+            <a:solidFill>
+              <a:srgbClr val="000000">
+                <a:alpha val="100000"/>
+              </a:srgbClr>
+            </a:solidFill>
+            <a:prstDash val="dash"/>
+          </a:ln>
+        </p:spPr>
+        <p:txBody>
+          <a:bodyPr lIns="91440" tIns="45720" rIns="91440" bIns="45720" rtlCol="0" anchor="ctr">
+            <a:noAutofit/>
+          </a:bodyPr>
+          <a:lstStyle/>
+          <a:p>
+            <a:pPr algn="ctr">
+              <a:defRPr/>
+            </a:pPr>
+            <a:endParaRPr dirty="0"/>
+          </a:p>
+        </p:txBody>
+      </p:sp>
+      <p:sp>
+        <p:nvSpPr>
+          <p:cNvPr id="9" name="AutoShape 9"/>
+          <p:cNvSpPr/>
+          <p:nvPr/>
+        </p:nvSpPr>
+        <p:spPr>
+          <a:xfrm>
+            <a:off x="208478" y="132767"/>
+            <a:ext cx="2191336" cy="368300"/>
+          </a:xfrm>
+          <a:prstGeom prst="rect">
+            <a:avLst/>
+          </a:prstGeom>
+          <a:noFill/>
+          <a:ln w="12700">
+            <a:noFill/>
+            <a:prstDash val="solid"/>
+          </a:ln>
+        </p:spPr>
+        <p:txBody>
+          <a:bodyPr lIns="91440" tIns="45720" rIns="91440" bIns="45720" rtlCol="0" anchor="t">
+            <a:noAutofit/>
+          </a:bodyPr>
+          <a:lstStyle/>
+          <a:p>
+            <a:pPr>
+              <a:defRPr/>
+            </a:pPr>
+            <a:r>
+              <a:rPr lang="en-US" sz="1800" b="1" dirty="0"/>
+              <a:t>Project Collection</a:t>
+            </a:r>
+            <a:endParaRPr lang="en-US" sz="1100" dirty="0"/>
+          </a:p>
+        </p:txBody>
+      </p:sp>
       <p:grpSp>
         <p:nvGrpSpPr>
-          <p:cNvPr id="7" name="Group 7"/>
+          <p:cNvPr id="10" name="Group 10"/>
           <p:cNvGrpSpPr/>
           <p:nvPr/>
         </p:nvGrpSpPr>
         <p:grpSpPr>
           <a:xfrm>
-            <a:off x="118560" y="339379"/>
-            <a:ext cx="2253544" cy="3178734"/>
-            <a:chOff x="151272" y="1232151"/>
-            <a:chExt cx="2253544" cy="3178734"/>
+            <a:off x="394062" y="471834"/>
+            <a:ext cx="1912105" cy="363206"/>
+            <a:chOff x="263549" y="1618545"/>
+            <a:chExt cx="1912105" cy="363206"/>
           </a:xfrm>
         </p:grpSpPr>
         <p:sp>
           <p:nvSpPr>
-            <p:cNvPr id="8" name="AutoShape 8"/>
+            <p:cNvPr id="11" name="AutoShape 11"/>
             <p:cNvSpPr/>
             <p:nvPr/>
           </p:nvSpPr>
           <p:spPr>
             <a:xfrm>
-              <a:off x="151272" y="1232151"/>
-              <a:ext cx="2253544" cy="3178734"/>
+              <a:off x="263549" y="1618545"/>
+              <a:ext cx="1832302" cy="363206"/>
             </a:xfrm>
             <a:prstGeom prst="roundRect">
               <a:avLst>
-                <a:gd name="adj" fmla="val 0"/>
+                <a:gd name="adj" fmla="val 6803"/>
               </a:avLst>
             </a:prstGeom>
             <a:noFill/>
             <a:ln w="25400" cap="flat">
               <a:solidFill>
-                <a:srgbClr val="000000">
+                <a:srgbClr val="262626">
                   <a:alpha val="100000"/>
                 </a:srgbClr>
               </a:solidFill>
-              <a:prstDash val="dash"/>
+              <a:prstDash val="solid"/>
             </a:ln>
           </p:spPr>
           <p:txBody>
@@ -11405,20 +11481,49 @@
               <a:pPr algn="ctr">
                 <a:defRPr/>
               </a:pPr>
-              <a:endParaRPr/>
+              <a:endParaRPr dirty="0"/>
             </a:p>
           </p:txBody>
         </p:sp>
+        <p:pic>
+          <p:nvPicPr>
+            <p:cNvPr id="12" name="Picture 12"/>
+            <p:cNvPicPr>
+              <a:picLocks noChangeAspect="1"/>
+            </p:cNvPicPr>
+            <p:nvPr/>
+          </p:nvPicPr>
+          <p:blipFill>
+            <a:blip r:embed="rId3"/>
+            <a:srcRect/>
+            <a:stretch>
+              <a:fillRect/>
+            </a:stretch>
+          </p:blipFill>
+          <p:spPr>
+            <a:xfrm>
+              <a:off x="285950" y="1647808"/>
+              <a:ext cx="295298" cy="289289"/>
+            </a:xfrm>
+            <a:prstGeom prst="rect">
+              <a:avLst/>
+            </a:prstGeom>
+            <a:ln w="12700">
+              <a:noFill/>
+              <a:prstDash val="solid"/>
+            </a:ln>
+          </p:spPr>
+        </p:pic>
         <p:sp>
           <p:nvSpPr>
-            <p:cNvPr id="9" name="AutoShape 9"/>
+            <p:cNvPr id="13" name="AutoShape 13"/>
             <p:cNvSpPr/>
             <p:nvPr/>
           </p:nvSpPr>
           <p:spPr>
             <a:xfrm>
-              <a:off x="213480" y="1232151"/>
-              <a:ext cx="2191336" cy="368300"/>
+              <a:off x="470001" y="1685177"/>
+              <a:ext cx="1705653" cy="215493"/>
             </a:xfrm>
             <a:prstGeom prst="rect">
               <a:avLst/>
@@ -11435,144 +11540,37 @@
             </a:bodyPr>
             <a:lstStyle/>
             <a:p>
-              <a:pPr>
+              <a:pPr algn="ctr">
                 <a:defRPr/>
               </a:pPr>
               <a:r>
-                <a:rPr lang="en-US" sz="1800" b="1" dirty="0"/>
-                <a:t>Project Collection</a:t>
+                <a:rPr lang="en-US" sz="1000" dirty="0"/>
+                <a:t>Open Source Repositories</a:t>
               </a:r>
-              <a:endParaRPr lang="en-US" sz="1100" dirty="0"/>
             </a:p>
           </p:txBody>
         </p:sp>
-        <p:grpSp>
-          <p:nvGrpSpPr>
-            <p:cNvPr id="10" name="Group 10"/>
-            <p:cNvGrpSpPr/>
-            <p:nvPr/>
-          </p:nvGrpSpPr>
-          <p:grpSpPr>
-            <a:xfrm>
-              <a:off x="263549" y="1618544"/>
-              <a:ext cx="1977135" cy="562880"/>
-              <a:chOff x="263549" y="1618544"/>
-              <a:chExt cx="1977135" cy="562880"/>
-            </a:xfrm>
-          </p:grpSpPr>
-          <p:sp>
-            <p:nvSpPr>
-              <p:cNvPr id="11" name="AutoShape 11"/>
-              <p:cNvSpPr/>
-              <p:nvPr/>
-            </p:nvSpPr>
-            <p:spPr>
-              <a:xfrm>
-                <a:off x="263549" y="1618544"/>
-                <a:ext cx="1977135" cy="562880"/>
-              </a:xfrm>
-              <a:prstGeom prst="roundRect">
-                <a:avLst>
-                  <a:gd name="adj" fmla="val 6803"/>
-                </a:avLst>
-              </a:prstGeom>
-              <a:noFill/>
-              <a:ln w="25400" cap="flat">
-                <a:solidFill>
-                  <a:srgbClr val="262626">
-                    <a:alpha val="100000"/>
-                  </a:srgbClr>
-                </a:solidFill>
-                <a:prstDash val="solid"/>
-              </a:ln>
-            </p:spPr>
-            <p:txBody>
-              <a:bodyPr lIns="91440" tIns="45720" rIns="91440" bIns="45720" rtlCol="0" anchor="ctr">
-                <a:noAutofit/>
-              </a:bodyPr>
-              <a:lstStyle/>
-              <a:p>
-                <a:pPr algn="ctr">
-                  <a:defRPr/>
-                </a:pPr>
-                <a:endParaRPr/>
-              </a:p>
-            </p:txBody>
-          </p:sp>
-          <p:pic>
-            <p:nvPicPr>
-              <p:cNvPr id="12" name="Picture 12"/>
-              <p:cNvPicPr>
-                <a:picLocks noChangeAspect="1"/>
-              </p:cNvPicPr>
-              <p:nvPr/>
-            </p:nvPicPr>
-            <p:blipFill>
-              <a:blip r:embed="rId3"/>
-              <a:srcRect/>
-              <a:stretch>
-                <a:fillRect/>
-              </a:stretch>
-            </p:blipFill>
-            <p:spPr>
-              <a:xfrm>
-                <a:off x="348603" y="1618544"/>
-                <a:ext cx="573593" cy="561920"/>
-              </a:xfrm>
-              <a:prstGeom prst="rect">
-                <a:avLst/>
-              </a:prstGeom>
-              <a:ln w="12700">
-                <a:noFill/>
-                <a:prstDash val="solid"/>
-              </a:ln>
-            </p:spPr>
-          </p:pic>
-          <p:sp>
-            <p:nvSpPr>
-              <p:cNvPr id="13" name="AutoShape 13"/>
-              <p:cNvSpPr/>
-              <p:nvPr/>
-            </p:nvSpPr>
-            <p:spPr>
-              <a:xfrm>
-                <a:off x="870079" y="1661581"/>
-                <a:ext cx="1289918" cy="457200"/>
-              </a:xfrm>
-              <a:prstGeom prst="rect">
-                <a:avLst/>
-              </a:prstGeom>
-              <a:noFill/>
-              <a:ln w="12700">
-                <a:noFill/>
-                <a:prstDash val="solid"/>
-              </a:ln>
-            </p:spPr>
-            <p:txBody>
-              <a:bodyPr lIns="91440" tIns="45720" rIns="91440" bIns="45720" rtlCol="0" anchor="t">
-                <a:noAutofit/>
-              </a:bodyPr>
-              <a:lstStyle/>
-              <a:p>
-                <a:pPr algn="ctr">
-                  <a:defRPr/>
-                </a:pPr>
-                <a:r>
-                  <a:rPr lang="en-US" sz="1200" dirty="0"/>
-                  <a:t>Open Source</a:t>
-                </a:r>
-                <a:endParaRPr lang="en-US" sz="1100" dirty="0"/>
-              </a:p>
-              <a:p>
-                <a:pPr algn="ctr"/>
-                <a:r>
-                  <a:rPr lang="en-US" sz="1200" dirty="0"/>
-                  <a:t>Repositories</a:t>
-                </a:r>
-              </a:p>
-            </p:txBody>
-          </p:sp>
-        </p:grpSp>
+      </p:grpSp>
+      <p:grpSp>
+        <p:nvGrpSpPr>
+          <p:cNvPr id="148" name="组合 147">
+            <a:extLst>
+              <a:ext uri="{FF2B5EF4-FFF2-40B4-BE49-F238E27FC236}">
+                <a16:creationId xmlns:a16="http://schemas.microsoft.com/office/drawing/2014/main" id="{9F0F279B-D923-371E-2484-808A01A2B079}"/>
+              </a:ext>
+            </a:extLst>
+          </p:cNvPr>
+          <p:cNvGrpSpPr/>
+          <p:nvPr/>
+        </p:nvGrpSpPr>
+        <p:grpSpPr>
+          <a:xfrm>
+            <a:off x="539580" y="863241"/>
+            <a:ext cx="1323762" cy="270290"/>
+            <a:chOff x="153579" y="1175873"/>
+            <a:chExt cx="1323762" cy="270290"/>
+          </a:xfrm>
+        </p:grpSpPr>
         <p:sp>
           <p:nvSpPr>
             <p:cNvPr id="14" name="AutoShape 14"/>
@@ -11581,8 +11579,8 @@
           </p:nvSpPr>
           <p:spPr>
             <a:xfrm>
-              <a:off x="1574130" y="2223120"/>
-              <a:ext cx="326688" cy="401320"/>
+              <a:off x="1183161" y="1209812"/>
+              <a:ext cx="204600" cy="236351"/>
             </a:xfrm>
             <a:prstGeom prst="downArrow">
               <a:avLst>
@@ -11627,7 +11625,7 @@
           </p:nvSpPr>
           <p:spPr>
             <a:xfrm>
-              <a:off x="250368" y="2278862"/>
+              <a:off x="153579" y="1175873"/>
               <a:ext cx="1323762" cy="266700"/>
             </a:xfrm>
             <a:prstGeom prst="rect">
@@ -11649,140 +11647,153 @@
                 <a:defRPr/>
               </a:pPr>
               <a:r>
-                <a:rPr lang="en-US" sz="1200" dirty="0"/>
+                <a:rPr lang="en-US" sz="1050" dirty="0"/>
                 <a:t>Tags &amp; Topics</a:t>
               </a:r>
-              <a:endParaRPr lang="en-US" sz="1100" dirty="0"/>
+              <a:endParaRPr lang="en-US" sz="1000" dirty="0"/>
             </a:p>
           </p:txBody>
         </p:sp>
-        <p:grpSp>
-          <p:nvGrpSpPr>
-            <p:cNvPr id="16" name="Group 16"/>
-            <p:cNvGrpSpPr/>
+      </p:grpSp>
+      <p:grpSp>
+        <p:nvGrpSpPr>
+          <p:cNvPr id="16" name="Group 16"/>
+          <p:cNvGrpSpPr/>
+          <p:nvPr/>
+        </p:nvGrpSpPr>
+        <p:grpSpPr>
+          <a:xfrm>
+            <a:off x="402168" y="1161732"/>
+            <a:ext cx="1804730" cy="346483"/>
+            <a:chOff x="289530" y="2392556"/>
+            <a:chExt cx="1135546" cy="429942"/>
+          </a:xfrm>
+        </p:grpSpPr>
+        <p:sp>
+          <p:nvSpPr>
+            <p:cNvPr id="17" name="AutoShape 17"/>
+            <p:cNvSpPr/>
             <p:nvPr/>
-          </p:nvGrpSpPr>
-          <p:grpSpPr>
-            <a:xfrm>
-              <a:off x="306608" y="2684456"/>
-              <a:ext cx="1977135" cy="536057"/>
-              <a:chOff x="306608" y="2684456"/>
-              <a:chExt cx="1977135" cy="536057"/>
-            </a:xfrm>
-          </p:grpSpPr>
-          <p:sp>
-            <p:nvSpPr>
-              <p:cNvPr id="17" name="AutoShape 17"/>
-              <p:cNvSpPr/>
-              <p:nvPr/>
-            </p:nvSpPr>
-            <p:spPr>
-              <a:xfrm>
-                <a:off x="306608" y="2684456"/>
-                <a:ext cx="1977135" cy="536057"/>
-              </a:xfrm>
-              <a:prstGeom prst="roundRect">
-                <a:avLst>
-                  <a:gd name="adj" fmla="val 6802"/>
-                </a:avLst>
-              </a:prstGeom>
-              <a:noFill/>
-              <a:ln w="25400" cap="flat">
-                <a:solidFill>
-                  <a:srgbClr val="262626">
-                    <a:alpha val="100000"/>
-                  </a:srgbClr>
-                </a:solidFill>
-                <a:prstDash val="solid"/>
-              </a:ln>
-            </p:spPr>
-            <p:txBody>
-              <a:bodyPr lIns="91440" tIns="45720" rIns="91440" bIns="45720" rtlCol="0" anchor="ctr">
-                <a:noAutofit/>
-              </a:bodyPr>
-              <a:lstStyle/>
-              <a:p>
-                <a:pPr algn="ctr">
-                  <a:defRPr/>
-                </a:pPr>
-                <a:endParaRPr/>
-              </a:p>
-            </p:txBody>
-          </p:sp>
-          <p:sp>
-            <p:nvSpPr>
-              <p:cNvPr id="18" name="AutoShape 18"/>
-              <p:cNvSpPr/>
-              <p:nvPr/>
-            </p:nvSpPr>
-            <p:spPr>
-              <a:xfrm>
-                <a:off x="913138" y="2722574"/>
-                <a:ext cx="1289918" cy="457200"/>
-              </a:xfrm>
-              <a:prstGeom prst="rect">
-                <a:avLst/>
-              </a:prstGeom>
-              <a:noFill/>
-              <a:ln w="12700">
-                <a:noFill/>
-                <a:prstDash val="solid"/>
-              </a:ln>
-            </p:spPr>
-            <p:txBody>
-              <a:bodyPr lIns="91440" tIns="45720" rIns="91440" bIns="45720" rtlCol="0" anchor="t">
-                <a:noAutofit/>
-              </a:bodyPr>
-              <a:lstStyle/>
-              <a:p>
-                <a:pPr algn="ctr">
-                  <a:defRPr/>
-                </a:pPr>
-                <a:r>
-                  <a:rPr lang="en-US" sz="1200"/>
-                  <a:t>Unity-based</a:t>
-                </a:r>
-                <a:br>
-                  <a:rPr lang="en-US" sz="1200"/>
-                </a:br>
-                <a:r>
-                  <a:rPr lang="en-US" sz="1200"/>
-                  <a:t>Projects</a:t>
-                </a:r>
-                <a:endParaRPr lang="en-US" sz="1100"/>
-              </a:p>
-            </p:txBody>
-          </p:sp>
-        </p:grpSp>
-        <p:pic>
-          <p:nvPicPr>
-            <p:cNvPr id="19" name="Picture 19"/>
-            <p:cNvPicPr>
-              <a:picLocks noChangeAspect="1"/>
-            </p:cNvPicPr>
-            <p:nvPr/>
-          </p:nvPicPr>
-          <p:blipFill>
-            <a:blip r:embed="rId4"/>
-            <a:srcRect/>
-            <a:stretch>
-              <a:fillRect/>
-            </a:stretch>
-          </p:blipFill>
+          </p:nvSpPr>
           <p:spPr>
             <a:xfrm>
-              <a:off x="479621" y="2737268"/>
-              <a:ext cx="390458" cy="432676"/>
+              <a:off x="289530" y="2392556"/>
+              <a:ext cx="1135546" cy="429942"/>
+            </a:xfrm>
+            <a:prstGeom prst="roundRect">
+              <a:avLst>
+                <a:gd name="adj" fmla="val 6802"/>
+              </a:avLst>
+            </a:prstGeom>
+            <a:noFill/>
+            <a:ln w="25400" cap="flat">
+              <a:solidFill>
+                <a:srgbClr val="262626">
+                  <a:alpha val="100000"/>
+                </a:srgbClr>
+              </a:solidFill>
+              <a:prstDash val="solid"/>
+            </a:ln>
+          </p:spPr>
+          <p:txBody>
+            <a:bodyPr lIns="91440" tIns="45720" rIns="91440" bIns="45720" rtlCol="0" anchor="ctr">
+              <a:noAutofit/>
+            </a:bodyPr>
+            <a:lstStyle/>
+            <a:p>
+              <a:pPr algn="ctr">
+                <a:defRPr/>
+              </a:pPr>
+              <a:endParaRPr dirty="0"/>
+            </a:p>
+          </p:txBody>
+        </p:sp>
+        <p:sp>
+          <p:nvSpPr>
+            <p:cNvPr id="18" name="AutoShape 18"/>
+            <p:cNvSpPr/>
+            <p:nvPr/>
+          </p:nvSpPr>
+          <p:spPr>
+            <a:xfrm>
+              <a:off x="449965" y="2468779"/>
+              <a:ext cx="916915" cy="238657"/>
             </a:xfrm>
             <a:prstGeom prst="rect">
               <a:avLst/>
             </a:prstGeom>
+            <a:noFill/>
             <a:ln w="12700">
               <a:noFill/>
               <a:prstDash val="solid"/>
             </a:ln>
           </p:spPr>
-        </p:pic>
+          <p:txBody>
+            <a:bodyPr lIns="91440" tIns="45720" rIns="91440" bIns="45720" rtlCol="0" anchor="t">
+              <a:noAutofit/>
+            </a:bodyPr>
+            <a:lstStyle/>
+            <a:p>
+              <a:pPr algn="ctr">
+                <a:defRPr/>
+              </a:pPr>
+              <a:r>
+                <a:rPr lang="en-US" sz="1050" dirty="0"/>
+                <a:t>Unity-based Projects</a:t>
+              </a:r>
+            </a:p>
+          </p:txBody>
+        </p:sp>
+      </p:grpSp>
+      <p:pic>
+        <p:nvPicPr>
+          <p:cNvPr id="19" name="Picture 19"/>
+          <p:cNvPicPr>
+            <a:picLocks noChangeAspect="1"/>
+          </p:cNvPicPr>
+          <p:nvPr/>
+        </p:nvPicPr>
+        <p:blipFill>
+          <a:blip r:embed="rId4"/>
+          <a:srcRect/>
+          <a:stretch>
+            <a:fillRect/>
+          </a:stretch>
+        </p:blipFill>
+        <p:spPr>
+          <a:xfrm>
+            <a:off x="448427" y="1219900"/>
+            <a:ext cx="214392" cy="237573"/>
+          </a:xfrm>
+          <a:prstGeom prst="rect">
+            <a:avLst/>
+          </a:prstGeom>
+          <a:ln w="12700">
+            <a:noFill/>
+            <a:prstDash val="solid"/>
+          </a:ln>
+        </p:spPr>
+      </p:pic>
+      <p:grpSp>
+        <p:nvGrpSpPr>
+          <p:cNvPr id="152" name="组合 151">
+            <a:extLst>
+              <a:ext uri="{FF2B5EF4-FFF2-40B4-BE49-F238E27FC236}">
+                <a16:creationId xmlns:a16="http://schemas.microsoft.com/office/drawing/2014/main" id="{D271149E-5CB0-86A2-D6E6-0FA33E27CBAF}"/>
+              </a:ext>
+            </a:extLst>
+          </p:cNvPr>
+          <p:cNvGrpSpPr/>
+          <p:nvPr/>
+        </p:nvGrpSpPr>
+        <p:grpSpPr>
+          <a:xfrm>
+            <a:off x="376711" y="1876595"/>
+            <a:ext cx="1852392" cy="388904"/>
+            <a:chOff x="420657" y="2183146"/>
+            <a:chExt cx="1794226" cy="388904"/>
+          </a:xfrm>
+        </p:grpSpPr>
         <p:grpSp>
           <p:nvGrpSpPr>
             <p:cNvPr id="20" name="Group 20"/>
@@ -11791,10 +11802,10 @@
           </p:nvGrpSpPr>
           <p:grpSpPr>
             <a:xfrm>
-              <a:off x="313381" y="3697260"/>
-              <a:ext cx="2003649" cy="536057"/>
-              <a:chOff x="313381" y="3697260"/>
-              <a:chExt cx="2003649" cy="536057"/>
+              <a:off x="420657" y="2183146"/>
+              <a:ext cx="1794226" cy="388904"/>
+              <a:chOff x="204912" y="3167433"/>
+              <a:chExt cx="1359720" cy="442796"/>
             </a:xfrm>
           </p:grpSpPr>
           <p:sp>
@@ -11805,8 +11816,8 @@
             </p:nvSpPr>
             <p:spPr>
               <a:xfrm>
-                <a:off x="313381" y="3697260"/>
-                <a:ext cx="1977135" cy="536057"/>
+                <a:off x="204912" y="3167433"/>
+                <a:ext cx="1351621" cy="442796"/>
               </a:xfrm>
               <a:prstGeom prst="roundRect">
                 <a:avLst>
@@ -11844,8 +11855,8 @@
             </p:nvSpPr>
             <p:spPr>
               <a:xfrm>
-                <a:off x="843565" y="3768009"/>
-                <a:ext cx="1473465" cy="393700"/>
+                <a:off x="379776" y="3270617"/>
+                <a:ext cx="1184856" cy="331760"/>
               </a:xfrm>
               <a:prstGeom prst="rect">
                 <a:avLst/>
@@ -11867,15 +11878,7 @@
                 </a:pPr>
                 <a:r>
                   <a:rPr lang="en-US" sz="1000" dirty="0"/>
-                  <a:t>Quality Unity-based</a:t>
-                </a:r>
-                <a:endParaRPr lang="en-US" sz="1100" dirty="0"/>
-              </a:p>
-              <a:p>
-                <a:pPr algn="ctr"/>
-                <a:r>
-                  <a:rPr lang="en-US" sz="1000" dirty="0"/>
-                  <a:t>VR Projects</a:t>
+                  <a:t>Quality Unity VR Projects</a:t>
                 </a:r>
               </a:p>
             </p:txBody>
@@ -11889,10 +11892,10 @@
           </p:nvGrpSpPr>
           <p:grpSpPr>
             <a:xfrm>
-              <a:off x="429501" y="3720959"/>
-              <a:ext cx="551090" cy="477937"/>
-              <a:chOff x="429501" y="3720959"/>
-              <a:chExt cx="551090" cy="477937"/>
+              <a:off x="482514" y="2260901"/>
+              <a:ext cx="299348" cy="305809"/>
+              <a:chOff x="254041" y="3222883"/>
+              <a:chExt cx="354124" cy="379460"/>
             </a:xfrm>
           </p:grpSpPr>
           <p:pic>
@@ -11912,8 +11915,8 @@
             </p:blipFill>
             <p:spPr>
               <a:xfrm>
-                <a:off x="429501" y="3720959"/>
-                <a:ext cx="310913" cy="344530"/>
+                <a:off x="254041" y="3222883"/>
+                <a:ext cx="268277" cy="297284"/>
               </a:xfrm>
               <a:prstGeom prst="rect">
                 <a:avLst/>
@@ -11941,8 +11944,8 @@
             </p:blipFill>
             <p:spPr>
               <a:xfrm>
-                <a:off x="706539" y="3945763"/>
-                <a:ext cx="274052" cy="253133"/>
+                <a:off x="457034" y="3462748"/>
+                <a:ext cx="151131" cy="139595"/>
               </a:xfrm>
               <a:prstGeom prst="rect">
                 <a:avLst/>
@@ -11954,96 +11957,6 @@
             </p:spPr>
           </p:pic>
         </p:grpSp>
-        <p:sp>
-          <p:nvSpPr>
-            <p:cNvPr id="26" name="AutoShape 26"/>
-            <p:cNvSpPr/>
-            <p:nvPr/>
-          </p:nvSpPr>
-          <p:spPr>
-            <a:xfrm>
-              <a:off x="203408" y="3262209"/>
-              <a:ext cx="1324096" cy="393700"/>
-            </a:xfrm>
-            <a:prstGeom prst="rect">
-              <a:avLst/>
-            </a:prstGeom>
-            <a:noFill/>
-            <a:ln w="12700">
-              <a:noFill/>
-              <a:prstDash val="solid"/>
-            </a:ln>
-          </p:spPr>
-          <p:txBody>
-            <a:bodyPr lIns="91440" tIns="45720" rIns="91440" bIns="45720" rtlCol="0" anchor="t">
-              <a:noAutofit/>
-            </a:bodyPr>
-            <a:lstStyle/>
-            <a:p>
-              <a:pPr algn="ctr">
-                <a:defRPr/>
-              </a:pPr>
-              <a:r>
-                <a:rPr lang="en-US" sz="1000"/>
-                <a:t>Manifest Validation </a:t>
-              </a:r>
-              <a:endParaRPr lang="en-US" sz="1100"/>
-            </a:p>
-            <a:p>
-              <a:pPr algn="ctr"/>
-              <a:r>
-                <a:rPr lang="en-US" sz="1000"/>
-                <a:t>&amp; Manual Check</a:t>
-              </a:r>
-            </a:p>
-          </p:txBody>
-        </p:sp>
-        <p:sp>
-          <p:nvSpPr>
-            <p:cNvPr id="27" name="AutoShape 27"/>
-            <p:cNvSpPr/>
-            <p:nvPr/>
-          </p:nvSpPr>
-          <p:spPr>
-            <a:xfrm>
-              <a:off x="1583533" y="3256455"/>
-              <a:ext cx="320040" cy="401320"/>
-            </a:xfrm>
-            <a:prstGeom prst="downArrow">
-              <a:avLst>
-                <a:gd name="adj1" fmla="val 50000"/>
-                <a:gd name="adj2" fmla="val 50000"/>
-              </a:avLst>
-            </a:prstGeom>
-            <a:ln/>
-          </p:spPr>
-          <p:style>
-            <a:lnRef idx="1">
-              <a:schemeClr val="dk1"/>
-            </a:lnRef>
-            <a:fillRef idx="2">
-              <a:schemeClr val="dk1"/>
-            </a:fillRef>
-            <a:effectRef idx="1">
-              <a:schemeClr val="dk1"/>
-            </a:effectRef>
-            <a:fontRef idx="minor">
-              <a:schemeClr val="dk1"/>
-            </a:fontRef>
-          </p:style>
-          <p:txBody>
-            <a:bodyPr lIns="91440" tIns="45720" rIns="91440" bIns="45720" rtlCol="0" anchor="ctr">
-              <a:noAutofit/>
-            </a:bodyPr>
-            <a:lstStyle/>
-            <a:p>
-              <a:pPr algn="ctr">
-                <a:defRPr/>
-              </a:pPr>
-              <a:endParaRPr dirty="0"/>
-            </a:p>
-          </p:txBody>
-        </p:sp>
       </p:grpSp>
       <p:sp>
         <p:nvSpPr>
@@ -12089,1150 +12002,124 @@
           </a:p>
         </p:txBody>
       </p:sp>
+      <p:sp>
+        <p:nvSpPr>
+          <p:cNvPr id="94" name="AutoShape 94"/>
+          <p:cNvSpPr/>
+          <p:nvPr/>
+        </p:nvSpPr>
+        <p:spPr>
+          <a:xfrm>
+            <a:off x="2729287" y="473127"/>
+            <a:ext cx="3722489" cy="1193069"/>
+          </a:xfrm>
+          <a:prstGeom prst="roundRect">
+            <a:avLst>
+              <a:gd name="adj" fmla="val 1335"/>
+            </a:avLst>
+          </a:prstGeom>
+          <a:noFill/>
+          <a:ln w="12700" cap="flat" cmpd="sng">
+            <a:solidFill>
+              <a:schemeClr val="tx1"/>
+            </a:solidFill>
+            <a:prstDash val="solid"/>
+            <a:round/>
+          </a:ln>
+        </p:spPr>
+        <p:txBody>
+          <a:bodyPr lIns="63500" tIns="63500" rIns="63500" bIns="63500" rtlCol="0" anchor="ctr">
+            <a:noAutofit/>
+          </a:bodyPr>
+          <a:lstStyle/>
+          <a:p>
+            <a:pPr algn="ctr">
+              <a:defRPr/>
+            </a:pPr>
+            <a:endParaRPr dirty="0"/>
+          </a:p>
+        </p:txBody>
+      </p:sp>
       <p:grpSp>
         <p:nvGrpSpPr>
-          <p:cNvPr id="93" name="Group 93"/>
+          <p:cNvPr id="104" name="Group 104"/>
           <p:cNvGrpSpPr/>
           <p:nvPr/>
         </p:nvGrpSpPr>
         <p:grpSpPr>
           <a:xfrm>
-            <a:off x="2729287" y="454630"/>
-            <a:ext cx="4057988" cy="2780087"/>
-            <a:chOff x="2724109" y="1411455"/>
-            <a:chExt cx="4057988" cy="2780087"/>
+            <a:off x="2805451" y="607133"/>
+            <a:ext cx="3522099" cy="1077372"/>
+            <a:chOff x="2800273" y="1563958"/>
+            <a:chExt cx="3522099" cy="1077372"/>
           </a:xfrm>
         </p:grpSpPr>
+        <p:pic>
+          <p:nvPicPr>
+            <p:cNvPr id="105" name="Picture 105"/>
+            <p:cNvPicPr>
+              <a:picLocks noChangeAspect="1"/>
+            </p:cNvPicPr>
+            <p:nvPr/>
+          </p:nvPicPr>
+          <p:blipFill>
+            <a:blip r:embed="rId6"/>
+            <a:stretch>
+              <a:fillRect/>
+            </a:stretch>
+          </p:blipFill>
+          <p:spPr>
+            <a:xfrm>
+              <a:off x="2800273" y="1581459"/>
+              <a:ext cx="1217367" cy="835792"/>
+            </a:xfrm>
+            <a:prstGeom prst="rect">
+              <a:avLst/>
+            </a:prstGeom>
+            <a:ln>
+              <a:noFill/>
+              <a:prstDash val="solid"/>
+            </a:ln>
+          </p:spPr>
+        </p:pic>
+        <p:pic>
+          <p:nvPicPr>
+            <p:cNvPr id="106" name="Picture 106"/>
+            <p:cNvPicPr>
+              <a:picLocks noChangeAspect="1"/>
+            </p:cNvPicPr>
+            <p:nvPr/>
+          </p:nvPicPr>
+          <p:blipFill>
+            <a:blip r:embed="rId7"/>
+            <a:stretch>
+              <a:fillRect/>
+            </a:stretch>
+          </p:blipFill>
+          <p:spPr>
+            <a:xfrm>
+              <a:off x="5024022" y="1563958"/>
+              <a:ext cx="1221304" cy="872974"/>
+            </a:xfrm>
+            <a:prstGeom prst="rect">
+              <a:avLst/>
+            </a:prstGeom>
+            <a:ln>
+              <a:noFill/>
+              <a:prstDash val="solid"/>
+            </a:ln>
+          </p:spPr>
+        </p:pic>
         <p:sp>
           <p:nvSpPr>
-            <p:cNvPr id="94" name="AutoShape 94"/>
+            <p:cNvPr id="107" name="AutoShape 107"/>
             <p:cNvSpPr/>
             <p:nvPr/>
           </p:nvSpPr>
           <p:spPr>
-            <a:xfrm>
-              <a:off x="2724109" y="1429952"/>
-              <a:ext cx="3766450" cy="2761590"/>
-            </a:xfrm>
-            <a:prstGeom prst="roundRect">
-              <a:avLst>
-                <a:gd name="adj" fmla="val 1335"/>
-              </a:avLst>
-            </a:prstGeom>
-            <a:noFill/>
-            <a:ln w="12700" cap="flat" cmpd="sng">
-              <a:solidFill>
-                <a:schemeClr val="tx1"/>
-              </a:solidFill>
-              <a:prstDash val="solid"/>
-              <a:round/>
-            </a:ln>
-          </p:spPr>
-          <p:txBody>
-            <a:bodyPr lIns="63500" tIns="63500" rIns="63500" bIns="63500" rtlCol="0" anchor="ctr">
-              <a:noAutofit/>
-            </a:bodyPr>
-            <a:lstStyle/>
-            <a:p>
-              <a:pPr algn="ctr">
-                <a:defRPr/>
-              </a:pPr>
-              <a:endParaRPr dirty="0"/>
-            </a:p>
-          </p:txBody>
-        </p:sp>
-        <p:grpSp>
-          <p:nvGrpSpPr>
-            <p:cNvPr id="95" name="Group 95"/>
-            <p:cNvGrpSpPr/>
-            <p:nvPr/>
-          </p:nvGrpSpPr>
-          <p:grpSpPr>
-            <a:xfrm>
-              <a:off x="5129760" y="3197891"/>
-              <a:ext cx="1318745" cy="808609"/>
-              <a:chOff x="5129760" y="3197891"/>
-              <a:chExt cx="1318745" cy="808609"/>
-            </a:xfrm>
-          </p:grpSpPr>
-          <p:sp>
-            <p:nvSpPr>
-              <p:cNvPr id="96" name="AutoShape 96"/>
-              <p:cNvSpPr/>
-              <p:nvPr/>
-            </p:nvSpPr>
-            <p:spPr>
-              <a:xfrm>
-                <a:off x="5129760" y="3197891"/>
-                <a:ext cx="1231900" cy="791700"/>
-              </a:xfrm>
-              <a:prstGeom prst="roundRect">
-                <a:avLst>
-                  <a:gd name="adj" fmla="val 12833"/>
-                </a:avLst>
-              </a:prstGeom>
-              <a:solidFill>
-                <a:srgbClr val="FCB86B">
-                  <a:alpha val="70000"/>
-                </a:srgbClr>
-              </a:solidFill>
-              <a:ln w="25400" cap="flat" cmpd="sng">
-                <a:solidFill>
-                  <a:srgbClr val="2B2F36">
-                    <a:alpha val="70000"/>
-                  </a:srgbClr>
-                </a:solidFill>
-                <a:prstDash val="solid"/>
-                <a:round/>
-              </a:ln>
-            </p:spPr>
-            <p:txBody>
-              <a:bodyPr lIns="63500" tIns="63500" rIns="63500" bIns="63500" rtlCol="0" anchor="ctr">
-                <a:noAutofit/>
-              </a:bodyPr>
-              <a:lstStyle/>
-              <a:p>
-                <a:pPr algn="ctr">
-                  <a:defRPr/>
-                </a:pPr>
-                <a:endParaRPr/>
-              </a:p>
-            </p:txBody>
-          </p:sp>
-          <p:grpSp>
-            <p:nvGrpSpPr>
-              <p:cNvPr id="97" name="Group 97"/>
-              <p:cNvGrpSpPr/>
-              <p:nvPr/>
-            </p:nvGrpSpPr>
-            <p:grpSpPr>
-              <a:xfrm>
-                <a:off x="5315414" y="3279362"/>
-                <a:ext cx="432300" cy="456990"/>
-                <a:chOff x="5315414" y="3279362"/>
-                <a:chExt cx="432300" cy="456990"/>
-              </a:xfrm>
-            </p:grpSpPr>
-            <p:pic>
-              <p:nvPicPr>
-                <p:cNvPr id="98" name="Picture 98"/>
-                <p:cNvPicPr>
-                  <a:picLocks noChangeAspect="1"/>
-                </p:cNvPicPr>
-                <p:nvPr/>
-              </p:nvPicPr>
-              <p:blipFill>
-                <a:blip r:embed="rId6"/>
-                <a:stretch>
-                  <a:fillRect/>
-                </a:stretch>
-              </p:blipFill>
-              <p:spPr>
-                <a:xfrm>
-                  <a:off x="5315414" y="3279362"/>
-                  <a:ext cx="385930" cy="378504"/>
-                </a:xfrm>
-                <a:prstGeom prst="roundRect">
-                  <a:avLst>
-                    <a:gd name="adj" fmla="val 10920"/>
-                  </a:avLst>
-                </a:prstGeom>
-                <a:ln>
-                  <a:noFill/>
-                  <a:prstDash val="solid"/>
-                </a:ln>
-              </p:spPr>
-            </p:pic>
-            <p:pic>
-              <p:nvPicPr>
-                <p:cNvPr id="99" name="Picture 99"/>
-                <p:cNvPicPr>
-                  <a:picLocks noChangeAspect="1"/>
-                </p:cNvPicPr>
-                <p:nvPr/>
-              </p:nvPicPr>
-              <p:blipFill>
-                <a:blip r:embed="rId7"/>
-                <a:stretch>
-                  <a:fillRect/>
-                </a:stretch>
-              </p:blipFill>
-              <p:spPr>
-                <a:xfrm>
-                  <a:off x="5548991" y="3541452"/>
-                  <a:ext cx="198723" cy="194900"/>
-                </a:xfrm>
-                <a:prstGeom prst="rect">
-                  <a:avLst/>
-                </a:prstGeom>
-                <a:ln>
-                  <a:noFill/>
-                  <a:prstDash val="solid"/>
-                </a:ln>
-              </p:spPr>
-            </p:pic>
-          </p:grpSp>
-          <p:sp>
-            <p:nvSpPr>
-              <p:cNvPr id="100" name="AutoShape 100"/>
-              <p:cNvSpPr/>
-              <p:nvPr/>
-            </p:nvSpPr>
-            <p:spPr>
-              <a:xfrm>
-                <a:off x="5129760" y="3701700"/>
-                <a:ext cx="1318745" cy="304800"/>
-              </a:xfrm>
-              <a:prstGeom prst="rect">
-                <a:avLst/>
-              </a:prstGeom>
-              <a:noFill/>
-              <a:ln w="12700">
-                <a:noFill/>
-                <a:prstDash val="solid"/>
-              </a:ln>
-            </p:spPr>
-            <p:txBody>
-              <a:bodyPr lIns="91440" tIns="45720" rIns="91440" bIns="45720" rtlCol="0" anchor="t">
-                <a:noAutofit/>
-              </a:bodyPr>
-              <a:lstStyle/>
-              <a:p>
-                <a:pPr>
-                  <a:defRPr/>
-                </a:pPr>
-                <a:r>
-                  <a:rPr lang="en-US" sz="700"/>
-                  <a:t>Mono Scripts Implemented Entity Interface</a:t>
-                </a:r>
-                <a:endParaRPr lang="en-US" sz="1100"/>
-              </a:p>
-            </p:txBody>
-          </p:sp>
-          <p:grpSp>
-            <p:nvGrpSpPr>
-              <p:cNvPr id="101" name="Group 101"/>
-              <p:cNvGrpSpPr/>
-              <p:nvPr/>
-            </p:nvGrpSpPr>
-            <p:grpSpPr>
-              <a:xfrm>
-                <a:off x="5761861" y="3292477"/>
-                <a:ext cx="419164" cy="446593"/>
-                <a:chOff x="5761861" y="3292477"/>
-                <a:chExt cx="419164" cy="446593"/>
-              </a:xfrm>
-            </p:grpSpPr>
-            <p:pic>
-              <p:nvPicPr>
-                <p:cNvPr id="102" name="Picture 102"/>
-                <p:cNvPicPr>
-                  <a:picLocks noChangeAspect="1"/>
-                </p:cNvPicPr>
-                <p:nvPr/>
-              </p:nvPicPr>
-              <p:blipFill>
-                <a:blip r:embed="rId6"/>
-                <a:stretch>
-                  <a:fillRect/>
-                </a:stretch>
-              </p:blipFill>
-              <p:spPr>
-                <a:xfrm>
-                  <a:off x="5761861" y="3292477"/>
-                  <a:ext cx="385930" cy="378504"/>
-                </a:xfrm>
-                <a:prstGeom prst="roundRect">
-                  <a:avLst>
-                    <a:gd name="adj" fmla="val 10920"/>
-                  </a:avLst>
-                </a:prstGeom>
-                <a:ln>
-                  <a:noFill/>
-                  <a:prstDash val="solid"/>
-                </a:ln>
-              </p:spPr>
-            </p:pic>
-            <p:pic>
-              <p:nvPicPr>
-                <p:cNvPr id="103" name="Picture 103"/>
-                <p:cNvPicPr>
-                  <a:picLocks noChangeAspect="1"/>
-                </p:cNvPicPr>
-                <p:nvPr/>
-              </p:nvPicPr>
-              <p:blipFill>
-                <a:blip r:embed="rId7"/>
-                <a:stretch>
-                  <a:fillRect/>
-                </a:stretch>
-              </p:blipFill>
-              <p:spPr>
-                <a:xfrm>
-                  <a:off x="5982302" y="3544170"/>
-                  <a:ext cx="198723" cy="194900"/>
-                </a:xfrm>
-                <a:prstGeom prst="rect">
-                  <a:avLst/>
-                </a:prstGeom>
-                <a:ln>
-                  <a:noFill/>
-                  <a:prstDash val="solid"/>
-                </a:ln>
-              </p:spPr>
-            </p:pic>
-          </p:grpSp>
-        </p:grpSp>
-        <p:grpSp>
-          <p:nvGrpSpPr>
-            <p:cNvPr id="104" name="Group 104"/>
-            <p:cNvGrpSpPr/>
-            <p:nvPr/>
-          </p:nvGrpSpPr>
-          <p:grpSpPr>
-            <a:xfrm>
-              <a:off x="2800273" y="1563957"/>
-              <a:ext cx="3503565" cy="1268293"/>
-              <a:chOff x="2800273" y="1563957"/>
-              <a:chExt cx="3503565" cy="1268293"/>
-            </a:xfrm>
-          </p:grpSpPr>
-          <p:pic>
-            <p:nvPicPr>
-              <p:cNvPr id="105" name="Picture 105"/>
-              <p:cNvPicPr>
-                <a:picLocks noChangeAspect="1"/>
-              </p:cNvPicPr>
-              <p:nvPr/>
-            </p:nvPicPr>
-            <p:blipFill>
-              <a:blip r:embed="rId8"/>
-              <a:stretch>
-                <a:fillRect/>
-              </a:stretch>
-            </p:blipFill>
-            <p:spPr>
-              <a:xfrm>
-                <a:off x="2800273" y="1581459"/>
-                <a:ext cx="1217367" cy="835792"/>
-              </a:xfrm>
-              <a:prstGeom prst="rect">
-                <a:avLst/>
-              </a:prstGeom>
-              <a:ln>
-                <a:noFill/>
-                <a:prstDash val="solid"/>
-              </a:ln>
-            </p:spPr>
-          </p:pic>
-          <p:pic>
-            <p:nvPicPr>
-              <p:cNvPr id="106" name="Picture 106"/>
-              <p:cNvPicPr>
-                <a:picLocks noChangeAspect="1"/>
-              </p:cNvPicPr>
-              <p:nvPr/>
-            </p:nvPicPr>
-            <p:blipFill>
-              <a:blip r:embed="rId9"/>
-              <a:stretch>
-                <a:fillRect/>
-              </a:stretch>
-            </p:blipFill>
-            <p:spPr>
-              <a:xfrm>
-                <a:off x="4820042" y="1563957"/>
-                <a:ext cx="1425284" cy="1018777"/>
-              </a:xfrm>
-              <a:prstGeom prst="rect">
-                <a:avLst/>
-              </a:prstGeom>
-              <a:ln>
-                <a:noFill/>
-                <a:prstDash val="solid"/>
-              </a:ln>
-            </p:spPr>
-          </p:pic>
-          <p:sp>
-            <p:nvSpPr>
-              <p:cNvPr id="107" name="AutoShape 107"/>
-              <p:cNvSpPr/>
-              <p:nvPr/>
-            </p:nvSpPr>
-            <p:spPr>
-              <a:xfrm rot="16200000">
-                <a:off x="4268484" y="1900696"/>
-                <a:ext cx="197372" cy="607329"/>
-              </a:xfrm>
-              <a:prstGeom prst="downArrow">
-                <a:avLst>
-                  <a:gd name="adj1" fmla="val 50000"/>
-                  <a:gd name="adj2" fmla="val 50000"/>
-                </a:avLst>
-              </a:prstGeom>
-              <a:ln w="6350"/>
-            </p:spPr>
-            <p:style>
-              <a:lnRef idx="1">
-                <a:schemeClr val="dk1"/>
-              </a:lnRef>
-              <a:fillRef idx="2">
-                <a:schemeClr val="dk1"/>
-              </a:fillRef>
-              <a:effectRef idx="1">
-                <a:schemeClr val="dk1"/>
-              </a:effectRef>
-              <a:fontRef idx="minor">
-                <a:schemeClr val="dk1"/>
-              </a:fontRef>
-            </p:style>
-            <p:txBody>
-              <a:bodyPr lIns="91440" tIns="45720" rIns="0" bIns="45720" rtlCol="0" anchor="ctr">
-                <a:noAutofit/>
-              </a:bodyPr>
-              <a:lstStyle/>
-              <a:p>
-                <a:pPr algn="ctr">
-                  <a:defRPr/>
-                </a:pPr>
-                <a:endParaRPr/>
-              </a:p>
-            </p:txBody>
-          </p:sp>
-          <p:sp>
-            <p:nvSpPr>
-              <p:cNvPr id="108" name="AutoShape 108"/>
-              <p:cNvSpPr/>
-              <p:nvPr/>
-            </p:nvSpPr>
-            <p:spPr>
-              <a:xfrm>
-                <a:off x="3831818" y="1903063"/>
-                <a:ext cx="1058353" cy="241300"/>
-              </a:xfrm>
-              <a:prstGeom prst="rect">
-                <a:avLst/>
-              </a:prstGeom>
-              <a:noFill/>
-              <a:ln w="12700">
-                <a:noFill/>
-                <a:prstDash val="solid"/>
-              </a:ln>
-            </p:spPr>
-            <p:txBody>
-              <a:bodyPr lIns="91440" tIns="45720" rIns="91440" bIns="45720" rtlCol="0" anchor="t">
-                <a:noAutofit/>
-              </a:bodyPr>
-              <a:lstStyle/>
-              <a:p>
-                <a:pPr algn="ctr">
-                  <a:defRPr/>
-                </a:pPr>
-                <a:r>
-                  <a:rPr lang="en-US" sz="1000" dirty="0">
-                    <a:solidFill>
-                      <a:srgbClr val="2B2F36"/>
-                    </a:solidFill>
-                  </a:rPr>
-                  <a:t>Bake NavMesh</a:t>
-                </a:r>
-                <a:endParaRPr lang="en-US" sz="1100" dirty="0"/>
-              </a:p>
-            </p:txBody>
-          </p:sp>
-          <p:sp>
-            <p:nvSpPr>
-              <p:cNvPr id="109" name="AutoShape 109"/>
-              <p:cNvSpPr/>
-              <p:nvPr/>
-            </p:nvSpPr>
-            <p:spPr>
-              <a:xfrm>
-                <a:off x="2837170" y="2309379"/>
-                <a:ext cx="1180471" cy="241300"/>
-              </a:xfrm>
-              <a:prstGeom prst="rect">
-                <a:avLst/>
-              </a:prstGeom>
-              <a:noFill/>
-              <a:ln w="12700">
-                <a:noFill/>
-                <a:prstDash val="solid"/>
-              </a:ln>
-            </p:spPr>
-            <p:txBody>
-              <a:bodyPr lIns="91440" tIns="45720" rIns="91440" bIns="45720" rtlCol="0" anchor="t">
-                <a:noAutofit/>
-              </a:bodyPr>
-              <a:lstStyle/>
-              <a:p>
-                <a:pPr algn="ctr">
-                  <a:defRPr/>
-                </a:pPr>
-                <a:r>
-                  <a:rPr lang="en-US" sz="1000"/>
-                  <a:t>Original Scene</a:t>
-                </a:r>
-                <a:endParaRPr lang="en-US" sz="1100"/>
-              </a:p>
-            </p:txBody>
-          </p:sp>
-          <p:sp>
-            <p:nvSpPr>
-              <p:cNvPr id="110" name="AutoShape 110"/>
-              <p:cNvSpPr/>
-              <p:nvPr/>
-            </p:nvSpPr>
-            <p:spPr>
-              <a:xfrm>
-                <a:off x="4906046" y="2590950"/>
-                <a:ext cx="1397792" cy="241300"/>
-              </a:xfrm>
-              <a:prstGeom prst="rect">
-                <a:avLst/>
-              </a:prstGeom>
-              <a:noFill/>
-              <a:ln w="12700">
-                <a:noFill/>
-                <a:prstDash val="solid"/>
-              </a:ln>
-            </p:spPr>
-            <p:txBody>
-              <a:bodyPr lIns="91440" tIns="45720" rIns="91440" bIns="45720" rtlCol="0" anchor="t">
-                <a:noAutofit/>
-              </a:bodyPr>
-              <a:lstStyle/>
-              <a:p>
-                <a:pPr algn="ctr">
-                  <a:defRPr/>
-                </a:pPr>
-                <a:r>
-                  <a:rPr lang="en-US" sz="1000"/>
-                  <a:t>Scene with NavMesh</a:t>
-                </a:r>
-                <a:endParaRPr lang="en-US" sz="1100"/>
-              </a:p>
-            </p:txBody>
-          </p:sp>
-        </p:grpSp>
-        <p:sp>
-          <p:nvSpPr>
-            <p:cNvPr id="111" name="AutoShape 111"/>
-            <p:cNvSpPr/>
-            <p:nvPr/>
-          </p:nvSpPr>
-          <p:spPr>
-            <a:xfrm>
-              <a:off x="4127297" y="3044499"/>
-              <a:ext cx="1108143" cy="660400"/>
-            </a:xfrm>
-            <a:prstGeom prst="rect">
-              <a:avLst/>
-            </a:prstGeom>
-            <a:noFill/>
-            <a:ln w="12700">
-              <a:noFill/>
-              <a:prstDash val="solid"/>
-            </a:ln>
-          </p:spPr>
-          <p:txBody>
-            <a:bodyPr lIns="91440" tIns="45720" rIns="91440" bIns="45720" rtlCol="0" anchor="t">
-              <a:noAutofit/>
-            </a:bodyPr>
-            <a:lstStyle/>
-            <a:p>
-              <a:pPr algn="ctr">
-                <a:lnSpc>
-                  <a:spcPct val="125000"/>
-                </a:lnSpc>
-                <a:defRPr/>
-              </a:pPr>
-              <a:r>
-                <a:rPr lang="en-US" sz="1000">
-                  <a:solidFill>
-                    <a:srgbClr val="2B2F36"/>
-                  </a:solidFill>
-                </a:rPr>
-                <a:t> Customizing Entity Interface Configuration</a:t>
-              </a:r>
-              <a:endParaRPr lang="en-US" sz="1100"/>
-            </a:p>
-          </p:txBody>
-        </p:sp>
-        <p:grpSp>
-          <p:nvGrpSpPr>
-            <p:cNvPr id="112" name="Group 112"/>
-            <p:cNvGrpSpPr/>
-            <p:nvPr/>
-          </p:nvGrpSpPr>
-          <p:grpSpPr>
-            <a:xfrm>
-              <a:off x="2800273" y="2703432"/>
-              <a:ext cx="1571995" cy="1415682"/>
-              <a:chOff x="2800273" y="2703432"/>
-              <a:chExt cx="1571995" cy="1415682"/>
-            </a:xfrm>
-          </p:grpSpPr>
-          <p:grpSp>
-            <p:nvGrpSpPr>
-              <p:cNvPr id="113" name="Group 113"/>
-              <p:cNvGrpSpPr/>
-              <p:nvPr/>
-            </p:nvGrpSpPr>
-            <p:grpSpPr>
-              <a:xfrm>
-                <a:off x="2800273" y="2703432"/>
-                <a:ext cx="1571995" cy="1373600"/>
-                <a:chOff x="2800273" y="2703432"/>
-                <a:chExt cx="1571995" cy="1373600"/>
-              </a:xfrm>
-            </p:grpSpPr>
-            <p:grpSp>
-              <p:nvGrpSpPr>
-                <p:cNvPr id="114" name="Group 114"/>
-                <p:cNvGrpSpPr/>
-                <p:nvPr/>
-              </p:nvGrpSpPr>
-              <p:grpSpPr>
-                <a:xfrm>
-                  <a:off x="2800273" y="2703432"/>
-                  <a:ext cx="1571995" cy="1373600"/>
-                  <a:chOff x="2800273" y="2703432"/>
-                  <a:chExt cx="1571995" cy="1373600"/>
-                </a:xfrm>
-              </p:grpSpPr>
-              <p:sp>
-                <p:nvSpPr>
-                  <p:cNvPr id="115" name="AutoShape 115"/>
-                  <p:cNvSpPr/>
-                  <p:nvPr/>
-                </p:nvSpPr>
-                <p:spPr>
-                  <a:xfrm>
-                    <a:off x="2800273" y="2703432"/>
-                    <a:ext cx="1397000" cy="1373600"/>
-                  </a:xfrm>
-                  <a:prstGeom prst="roundRect">
-                    <a:avLst>
-                      <a:gd name="adj" fmla="val 9090"/>
-                    </a:avLst>
-                  </a:prstGeom>
-                  <a:solidFill>
-                    <a:srgbClr val="DEE0E3">
-                      <a:alpha val="20000"/>
-                    </a:srgbClr>
-                  </a:solidFill>
-                  <a:ln w="25400" cap="flat" cmpd="sng">
-                    <a:solidFill>
-                      <a:srgbClr val="2B2F36">
-                        <a:alpha val="20000"/>
-                      </a:srgbClr>
-                    </a:solidFill>
-                    <a:prstDash val="solid"/>
-                    <a:round/>
-                  </a:ln>
-                </p:spPr>
-                <p:txBody>
-                  <a:bodyPr lIns="63500" tIns="63500" rIns="63500" bIns="63500" rtlCol="0" anchor="ctr">
-                    <a:noAutofit/>
-                  </a:bodyPr>
-                  <a:lstStyle/>
-                  <a:p>
-                    <a:pPr algn="ctr">
-                      <a:defRPr/>
-                    </a:pPr>
-                    <a:endParaRPr/>
-                  </a:p>
-                </p:txBody>
-              </p:sp>
-              <p:sp>
-                <p:nvSpPr>
-                  <p:cNvPr id="116" name="AutoShape 116"/>
-                  <p:cNvSpPr/>
-                  <p:nvPr/>
-                </p:nvSpPr>
-                <p:spPr>
-                  <a:xfrm>
-                    <a:off x="2912541" y="3316174"/>
-                    <a:ext cx="1114207" cy="600241"/>
-                  </a:xfrm>
-                  <a:prstGeom prst="roundRect">
-                    <a:avLst>
-                      <a:gd name="adj" fmla="val 17647"/>
-                    </a:avLst>
-                  </a:prstGeom>
-                  <a:solidFill>
-                    <a:srgbClr val="FAD355">
-                      <a:alpha val="70000"/>
-                    </a:srgbClr>
-                  </a:solidFill>
-                  <a:ln w="25400" cap="flat" cmpd="sng">
-                    <a:solidFill>
-                      <a:srgbClr val="2B2F36">
-                        <a:alpha val="70000"/>
-                      </a:srgbClr>
-                    </a:solidFill>
-                    <a:prstDash val="solid"/>
-                    <a:round/>
-                  </a:ln>
-                </p:spPr>
-                <p:txBody>
-                  <a:bodyPr lIns="63500" tIns="63500" rIns="63500" bIns="63500" rtlCol="0" anchor="ctr">
-                    <a:noAutofit/>
-                  </a:bodyPr>
-                  <a:lstStyle/>
-                  <a:p>
-                    <a:pPr algn="ctr">
-                      <a:defRPr/>
-                    </a:pPr>
-                    <a:endParaRPr/>
-                  </a:p>
-                </p:txBody>
-              </p:sp>
-              <p:pic>
-                <p:nvPicPr>
-                  <p:cNvPr id="117" name="Picture 117"/>
-                  <p:cNvPicPr>
-                    <a:picLocks noChangeAspect="1"/>
-                  </p:cNvPicPr>
-                  <p:nvPr/>
-                </p:nvPicPr>
-                <p:blipFill>
-                  <a:blip r:embed="rId6"/>
-                  <a:stretch>
-                    <a:fillRect/>
-                  </a:stretch>
-                </p:blipFill>
-                <p:spPr>
-                  <a:xfrm>
-                    <a:off x="3052291" y="3349520"/>
-                    <a:ext cx="406400" cy="383855"/>
-                  </a:xfrm>
-                  <a:prstGeom prst="roundRect">
-                    <a:avLst>
-                      <a:gd name="adj" fmla="val 10768"/>
-                    </a:avLst>
-                  </a:prstGeom>
-                  <a:ln>
-                    <a:noFill/>
-                    <a:prstDash val="solid"/>
-                  </a:ln>
-                </p:spPr>
-              </p:pic>
-              <p:pic>
-                <p:nvPicPr>
-                  <p:cNvPr id="118" name="Picture 118"/>
-                  <p:cNvPicPr>
-                    <a:picLocks noChangeAspect="1"/>
-                  </p:cNvPicPr>
-                  <p:nvPr/>
-                </p:nvPicPr>
-                <p:blipFill>
-                  <a:blip r:embed="rId10"/>
-                  <a:stretch>
-                    <a:fillRect/>
-                  </a:stretch>
-                </p:blipFill>
-                <p:spPr>
-                  <a:xfrm>
-                    <a:off x="2923113" y="2755175"/>
-                    <a:ext cx="406250" cy="383713"/>
-                  </a:xfrm>
-                  <a:prstGeom prst="rect">
-                    <a:avLst/>
-                  </a:prstGeom>
-                  <a:ln>
-                    <a:noFill/>
-                    <a:prstDash val="solid"/>
-                  </a:ln>
-                </p:spPr>
-              </p:pic>
-              <p:sp>
-                <p:nvSpPr>
-                  <p:cNvPr id="119" name="AutoShape 119"/>
-                  <p:cNvSpPr/>
-                  <p:nvPr/>
-                </p:nvSpPr>
-                <p:spPr>
-                  <a:xfrm>
-                    <a:off x="3034896" y="3700515"/>
-                    <a:ext cx="1155700" cy="215900"/>
-                  </a:xfrm>
-                  <a:prstGeom prst="rect">
-                    <a:avLst/>
-                  </a:prstGeom>
-                  <a:noFill/>
-                  <a:ln w="12700">
-                    <a:noFill/>
-                    <a:prstDash val="solid"/>
-                  </a:ln>
-                </p:spPr>
-                <p:txBody>
-                  <a:bodyPr lIns="91440" tIns="45720" rIns="91440" bIns="45720" rtlCol="0" anchor="t">
-                    <a:noAutofit/>
-                  </a:bodyPr>
-                  <a:lstStyle/>
-                  <a:p>
-                    <a:pPr>
-                      <a:defRPr/>
-                    </a:pPr>
-                    <a:r>
-                      <a:rPr lang="en-US" sz="800" dirty="0"/>
-                      <a:t>Core C# Scripts</a:t>
-                    </a:r>
-                    <a:endParaRPr lang="en-US" sz="1100" dirty="0"/>
-                  </a:p>
-                </p:txBody>
-              </p:sp>
-              <p:sp>
-                <p:nvSpPr>
-                  <p:cNvPr id="120" name="AutoShape 120"/>
-                  <p:cNvSpPr/>
-                  <p:nvPr/>
-                </p:nvSpPr>
-                <p:spPr>
-                  <a:xfrm>
-                    <a:off x="2975268" y="3103778"/>
-                    <a:ext cx="1397000" cy="215900"/>
-                  </a:xfrm>
-                  <a:prstGeom prst="rect">
-                    <a:avLst/>
-                  </a:prstGeom>
-                  <a:noFill/>
-                  <a:ln w="12700">
-                    <a:noFill/>
-                    <a:prstDash val="solid"/>
-                  </a:ln>
-                </p:spPr>
-                <p:txBody>
-                  <a:bodyPr lIns="91440" tIns="45720" rIns="91440" bIns="45720" rtlCol="0" anchor="t">
-                    <a:noAutofit/>
-                  </a:bodyPr>
-                  <a:lstStyle/>
-                  <a:p>
-                    <a:pPr>
-                      <a:defRPr/>
-                    </a:pPr>
-                    <a:r>
-                      <a:rPr lang="en-US" sz="800" dirty="0">
-                        <a:solidFill>
-                          <a:srgbClr val="1F2329"/>
-                        </a:solidFill>
-                        <a:latin typeface="Noto Sans SC"/>
-                        <a:ea typeface="Noto Sans SC"/>
-                        <a:cs typeface="Noto Sans SC"/>
-                        <a:sym typeface="Noto Sans SC"/>
-                      </a:rPr>
-                      <a:t>Plugins/Tools/.dll</a:t>
-                    </a:r>
-                    <a:endParaRPr lang="en-US" sz="1100" dirty="0"/>
-                  </a:p>
-                </p:txBody>
-              </p:sp>
-              <p:pic>
-                <p:nvPicPr>
-                  <p:cNvPr id="121" name="Picture 121"/>
-                  <p:cNvPicPr>
-                    <a:picLocks noChangeAspect="1"/>
-                  </p:cNvPicPr>
-                  <p:nvPr/>
-                </p:nvPicPr>
-                <p:blipFill>
-                  <a:blip r:embed="rId10"/>
-                  <a:stretch>
-                    <a:fillRect/>
-                  </a:stretch>
-                </p:blipFill>
-                <p:spPr>
-                  <a:xfrm>
-                    <a:off x="3329363" y="2755175"/>
-                    <a:ext cx="406250" cy="383713"/>
-                  </a:xfrm>
-                  <a:prstGeom prst="rect">
-                    <a:avLst/>
-                  </a:prstGeom>
-                  <a:ln>
-                    <a:noFill/>
-                    <a:prstDash val="solid"/>
-                  </a:ln>
-                </p:spPr>
-              </p:pic>
-              <p:pic>
-                <p:nvPicPr>
-                  <p:cNvPr id="122" name="Picture 122"/>
-                  <p:cNvPicPr>
-                    <a:picLocks noChangeAspect="1"/>
-                  </p:cNvPicPr>
-                  <p:nvPr/>
-                </p:nvPicPr>
-                <p:blipFill>
-                  <a:blip r:embed="rId10"/>
-                  <a:stretch>
-                    <a:fillRect/>
-                  </a:stretch>
-                </p:blipFill>
-                <p:spPr>
-                  <a:xfrm>
-                    <a:off x="3735612" y="2755175"/>
-                    <a:ext cx="406250" cy="383713"/>
-                  </a:xfrm>
-                  <a:prstGeom prst="rect">
-                    <a:avLst/>
-                  </a:prstGeom>
-                  <a:ln>
-                    <a:noFill/>
-                    <a:prstDash val="solid"/>
-                  </a:ln>
-                </p:spPr>
-              </p:pic>
-            </p:grpSp>
-            <p:pic>
-              <p:nvPicPr>
-                <p:cNvPr id="123" name="Picture 123"/>
-                <p:cNvPicPr>
-                  <a:picLocks noChangeAspect="1"/>
-                </p:cNvPicPr>
-                <p:nvPr/>
-              </p:nvPicPr>
-              <p:blipFill>
-                <a:blip r:embed="rId6"/>
-                <a:stretch>
-                  <a:fillRect/>
-                </a:stretch>
-              </p:blipFill>
-              <p:spPr>
-                <a:xfrm>
-                  <a:off x="3461944" y="3360059"/>
-                  <a:ext cx="406400" cy="383855"/>
-                </a:xfrm>
-                <a:prstGeom prst="roundRect">
-                  <a:avLst>
-                    <a:gd name="adj" fmla="val 10768"/>
-                  </a:avLst>
-                </a:prstGeom>
-                <a:ln>
-                  <a:noFill/>
-                  <a:prstDash val="solid"/>
-                </a:ln>
-              </p:spPr>
-            </p:pic>
-          </p:grpSp>
-          <p:sp>
-            <p:nvSpPr>
-              <p:cNvPr id="124" name="AutoShape 124"/>
-              <p:cNvSpPr/>
-              <p:nvPr/>
-            </p:nvSpPr>
-            <p:spPr>
-              <a:xfrm>
-                <a:off x="3076595" y="3890514"/>
-                <a:ext cx="1155700" cy="228600"/>
-              </a:xfrm>
-              <a:prstGeom prst="rect">
-                <a:avLst/>
-              </a:prstGeom>
-              <a:noFill/>
-              <a:ln w="12700">
-                <a:noFill/>
-                <a:prstDash val="solid"/>
-              </a:ln>
-            </p:spPr>
-            <p:txBody>
-              <a:bodyPr lIns="91440" tIns="45720" rIns="91440" bIns="45720" rtlCol="0" anchor="t">
-                <a:noAutofit/>
-              </a:bodyPr>
-              <a:lstStyle/>
-              <a:p>
-                <a:pPr>
-                  <a:defRPr/>
-                </a:pPr>
-                <a:r>
-                  <a:rPr lang="en-US" sz="900" dirty="0">
-                    <a:solidFill>
-                      <a:srgbClr val="1F2329"/>
-                    </a:solidFill>
-                    <a:latin typeface="Noto Sans SC"/>
-                    <a:ea typeface="Noto Sans SC"/>
-                    <a:cs typeface="Noto Sans SC"/>
-                    <a:sym typeface="Noto Sans SC"/>
-                  </a:rPr>
-                  <a:t>Original Code</a:t>
-                </a:r>
-                <a:endParaRPr lang="en-US" sz="1100" dirty="0"/>
-              </a:p>
-            </p:txBody>
-          </p:sp>
-        </p:grpSp>
-        <p:grpSp>
-          <p:nvGrpSpPr>
-            <p:cNvPr id="125" name="Group 125"/>
-            <p:cNvGrpSpPr/>
-            <p:nvPr/>
-          </p:nvGrpSpPr>
-          <p:grpSpPr>
-            <a:xfrm>
-              <a:off x="2795898" y="1411455"/>
-              <a:ext cx="2454729" cy="279400"/>
-              <a:chOff x="2795898" y="1411455"/>
-              <a:chExt cx="2454729" cy="279400"/>
-            </a:xfrm>
-          </p:grpSpPr>
-          <p:sp>
-            <p:nvSpPr>
-              <p:cNvPr id="126" name="AutoShape 126"/>
-              <p:cNvSpPr/>
-              <p:nvPr/>
-            </p:nvSpPr>
-            <p:spPr>
-              <a:xfrm>
-                <a:off x="2859398" y="1411455"/>
-                <a:ext cx="2391229" cy="279400"/>
-              </a:xfrm>
-              <a:prstGeom prst="rect">
-                <a:avLst/>
-              </a:prstGeom>
-              <a:noFill/>
-              <a:ln w="12700">
-                <a:noFill/>
-                <a:prstDash val="solid"/>
-              </a:ln>
-            </p:spPr>
-            <p:txBody>
-              <a:bodyPr lIns="91440" tIns="45720" rIns="91440" bIns="45720" rtlCol="0" anchor="t">
-                <a:noAutofit/>
-              </a:bodyPr>
-              <a:lstStyle/>
-              <a:p>
-                <a:pPr algn="ctr">
-                  <a:defRPr/>
-                </a:pPr>
-                <a:r>
-                  <a:rPr lang="en-US" sz="1200" b="1" i="1" dirty="0">
-                    <a:solidFill>
-                      <a:srgbClr val="2B2F36"/>
-                    </a:solidFill>
-                    <a:latin typeface="Times New Roman"/>
-                    <a:ea typeface="Times New Roman"/>
-                    <a:cs typeface="Times New Roman"/>
-                    <a:sym typeface="Times New Roman"/>
-                  </a:rPr>
-                  <a:t>Preliminary Scene Configuration</a:t>
-                </a:r>
-                <a:endParaRPr lang="en-US" sz="1100" dirty="0"/>
-              </a:p>
-            </p:txBody>
-          </p:sp>
-          <p:grpSp>
-            <p:nvGrpSpPr>
-              <p:cNvPr id="127" name="Group 127"/>
-              <p:cNvGrpSpPr/>
-              <p:nvPr/>
-            </p:nvGrpSpPr>
-            <p:grpSpPr>
-              <a:xfrm>
-                <a:off x="2795898" y="1435137"/>
-                <a:ext cx="183799" cy="192218"/>
-                <a:chOff x="2795898" y="1435137"/>
-                <a:chExt cx="183799" cy="192218"/>
-              </a:xfrm>
-            </p:grpSpPr>
-            <p:sp>
-              <p:nvSpPr>
-                <p:cNvPr id="128" name="AutoShape 128"/>
-                <p:cNvSpPr/>
-                <p:nvPr/>
-              </p:nvSpPr>
-              <p:spPr>
-                <a:xfrm>
-                  <a:off x="2795898" y="1449555"/>
-                  <a:ext cx="177800" cy="177800"/>
-                </a:xfrm>
-                <a:prstGeom prst="ellipse">
-                  <a:avLst/>
-                </a:prstGeom>
-                <a:solidFill>
-                  <a:srgbClr val="000000">
-                    <a:alpha val="100000"/>
-                  </a:srgbClr>
-                </a:solidFill>
-                <a:ln w="25400">
-                  <a:noFill/>
-                  <a:prstDash val="solid"/>
-                </a:ln>
-              </p:spPr>
-              <p:txBody>
-                <a:bodyPr lIns="63500" tIns="63500" rIns="0" bIns="63500" rtlCol="0" anchor="ctr">
-                  <a:noAutofit/>
-                </a:bodyPr>
-                <a:lstStyle/>
-                <a:p>
-                  <a:pPr algn="ctr">
-                    <a:defRPr/>
-                  </a:pPr>
-                  <a:endParaRPr/>
-                </a:p>
-              </p:txBody>
-            </p:sp>
-            <p:sp>
-              <p:nvSpPr>
-                <p:cNvPr id="129" name="AutoShape 129"/>
-                <p:cNvSpPr/>
-                <p:nvPr/>
-              </p:nvSpPr>
-              <p:spPr>
-                <a:xfrm>
-                  <a:off x="2852697" y="1435137"/>
-                  <a:ext cx="127000" cy="190500"/>
-                </a:xfrm>
-                <a:prstGeom prst="rect">
-                  <a:avLst/>
-                </a:prstGeom>
-                <a:noFill/>
-                <a:ln w="12700">
-                  <a:noFill/>
-                  <a:prstDash val="solid"/>
-                </a:ln>
-              </p:spPr>
-              <p:txBody>
-                <a:bodyPr lIns="0" tIns="0" rIns="0" bIns="0" rtlCol="0" anchor="ctr">
-                  <a:noAutofit/>
-                </a:bodyPr>
-                <a:lstStyle/>
-                <a:p>
-                  <a:pPr>
-                    <a:lnSpc>
-                      <a:spcPct val="125000"/>
-                    </a:lnSpc>
-                    <a:defRPr/>
-                  </a:pPr>
-                  <a:r>
-                    <a:rPr lang="en-US" sz="1000" dirty="0">
-                      <a:solidFill>
-                        <a:srgbClr val="FFFFFF"/>
-                      </a:solidFill>
-                      <a:latin typeface="Times New Roman"/>
-                      <a:ea typeface="Times New Roman"/>
-                      <a:cs typeface="Times New Roman"/>
-                      <a:sym typeface="Times New Roman"/>
-                    </a:rPr>
-                    <a:t>1</a:t>
-                  </a:r>
-                  <a:endParaRPr lang="en-US" sz="1100" dirty="0"/>
-                </a:p>
-              </p:txBody>
-            </p:sp>
-          </p:grpSp>
-        </p:grpSp>
-        <p:sp>
-          <p:nvSpPr>
-            <p:cNvPr id="130" name="AutoShape 130"/>
-            <p:cNvSpPr/>
-            <p:nvPr/>
-          </p:nvSpPr>
-          <p:spPr>
-            <a:xfrm rot="-5400000">
-              <a:off x="4581989" y="3329491"/>
-              <a:ext cx="177109" cy="806095"/>
+            <a:xfrm rot="16200000">
+              <a:off x="4268484" y="1900696"/>
+              <a:ext cx="197372" cy="607329"/>
             </a:xfrm>
             <a:prstGeom prst="downArrow">
               <a:avLst>
@@ -13265,34 +12152,246 @@
               <a:pPr algn="ctr">
                 <a:defRPr/>
               </a:pPr>
-              <a:endParaRPr dirty="0"/>
+              <a:endParaRPr/>
+            </a:p>
+          </p:txBody>
+        </p:sp>
+        <p:sp>
+          <p:nvSpPr>
+            <p:cNvPr id="108" name="AutoShape 108"/>
+            <p:cNvSpPr/>
+            <p:nvPr/>
+          </p:nvSpPr>
+          <p:spPr>
+            <a:xfrm>
+              <a:off x="3831818" y="1903063"/>
+              <a:ext cx="1058353" cy="241300"/>
+            </a:xfrm>
+            <a:prstGeom prst="rect">
+              <a:avLst/>
+            </a:prstGeom>
+            <a:noFill/>
+            <a:ln w="12700">
+              <a:noFill/>
+              <a:prstDash val="solid"/>
+            </a:ln>
+          </p:spPr>
+          <p:txBody>
+            <a:bodyPr lIns="91440" tIns="45720" rIns="91440" bIns="45720" rtlCol="0" anchor="t">
+              <a:noAutofit/>
+            </a:bodyPr>
+            <a:lstStyle/>
+            <a:p>
+              <a:pPr algn="ctr">
+                <a:defRPr/>
+              </a:pPr>
+              <a:r>
+                <a:rPr lang="en-US" sz="1000" dirty="0">
+                  <a:solidFill>
+                    <a:srgbClr val="2B2F36"/>
+                  </a:solidFill>
+                </a:rPr>
+                <a:t>Bake NavMesh</a:t>
+              </a:r>
+              <a:endParaRPr lang="en-US" sz="1100" dirty="0"/>
+            </a:p>
+          </p:txBody>
+        </p:sp>
+        <p:sp>
+          <p:nvSpPr>
+            <p:cNvPr id="109" name="AutoShape 109"/>
+            <p:cNvSpPr/>
+            <p:nvPr/>
+          </p:nvSpPr>
+          <p:spPr>
+            <a:xfrm>
+              <a:off x="2837170" y="2309379"/>
+              <a:ext cx="1180471" cy="241300"/>
+            </a:xfrm>
+            <a:prstGeom prst="rect">
+              <a:avLst/>
+            </a:prstGeom>
+            <a:noFill/>
+            <a:ln w="12700">
+              <a:noFill/>
+              <a:prstDash val="solid"/>
+            </a:ln>
+          </p:spPr>
+          <p:txBody>
+            <a:bodyPr lIns="91440" tIns="45720" rIns="91440" bIns="45720" rtlCol="0" anchor="t">
+              <a:noAutofit/>
+            </a:bodyPr>
+            <a:lstStyle/>
+            <a:p>
+              <a:pPr algn="ctr">
+                <a:defRPr/>
+              </a:pPr>
+              <a:r>
+                <a:rPr lang="en-US" sz="1000"/>
+                <a:t>Original Scene</a:t>
+              </a:r>
+              <a:endParaRPr lang="en-US" sz="1100"/>
+            </a:p>
+          </p:txBody>
+        </p:sp>
+        <p:sp>
+          <p:nvSpPr>
+            <p:cNvPr id="110" name="AutoShape 110"/>
+            <p:cNvSpPr/>
+            <p:nvPr/>
+          </p:nvSpPr>
+          <p:spPr>
+            <a:xfrm>
+              <a:off x="4924580" y="2400030"/>
+              <a:ext cx="1397792" cy="241300"/>
+            </a:xfrm>
+            <a:prstGeom prst="rect">
+              <a:avLst/>
+            </a:prstGeom>
+            <a:noFill/>
+            <a:ln w="12700">
+              <a:noFill/>
+              <a:prstDash val="solid"/>
+            </a:ln>
+          </p:spPr>
+          <p:txBody>
+            <a:bodyPr lIns="91440" tIns="45720" rIns="91440" bIns="45720" rtlCol="0" anchor="t">
+              <a:noAutofit/>
+            </a:bodyPr>
+            <a:lstStyle/>
+            <a:p>
+              <a:pPr algn="ctr">
+                <a:defRPr/>
+              </a:pPr>
+              <a:r>
+                <a:rPr lang="en-US" sz="1000" dirty="0"/>
+                <a:t>Scene with NavMesh</a:t>
+              </a:r>
+              <a:endParaRPr lang="en-US" sz="1100" dirty="0"/>
+            </a:p>
+          </p:txBody>
+        </p:sp>
+      </p:grpSp>
+      <p:grpSp>
+        <p:nvGrpSpPr>
+          <p:cNvPr id="125" name="Group 125"/>
+          <p:cNvGrpSpPr/>
+          <p:nvPr/>
+        </p:nvGrpSpPr>
+        <p:grpSpPr>
+          <a:xfrm>
+            <a:off x="2801076" y="454630"/>
+            <a:ext cx="2454729" cy="279400"/>
+            <a:chOff x="2795898" y="1411455"/>
+            <a:chExt cx="2454729" cy="279400"/>
+          </a:xfrm>
+        </p:grpSpPr>
+        <p:sp>
+          <p:nvSpPr>
+            <p:cNvPr id="126" name="AutoShape 126"/>
+            <p:cNvSpPr/>
+            <p:nvPr/>
+          </p:nvSpPr>
+          <p:spPr>
+            <a:xfrm>
+              <a:off x="2859398" y="1411455"/>
+              <a:ext cx="2391229" cy="279400"/>
+            </a:xfrm>
+            <a:prstGeom prst="rect">
+              <a:avLst/>
+            </a:prstGeom>
+            <a:noFill/>
+            <a:ln w="12700">
+              <a:noFill/>
+              <a:prstDash val="solid"/>
+            </a:ln>
+          </p:spPr>
+          <p:txBody>
+            <a:bodyPr lIns="91440" tIns="45720" rIns="91440" bIns="45720" rtlCol="0" anchor="t">
+              <a:noAutofit/>
+            </a:bodyPr>
+            <a:lstStyle/>
+            <a:p>
+              <a:pPr algn="ctr">
+                <a:defRPr/>
+              </a:pPr>
+              <a:r>
+                <a:rPr lang="en-US" sz="1200" b="1" i="1" dirty="0">
+                  <a:solidFill>
+                    <a:srgbClr val="2B2F36"/>
+                  </a:solidFill>
+                  <a:latin typeface="Times New Roman"/>
+                  <a:ea typeface="Times New Roman"/>
+                  <a:cs typeface="Times New Roman"/>
+                  <a:sym typeface="Times New Roman"/>
+                </a:rPr>
+                <a:t>Preliminary Scene Configuration</a:t>
+              </a:r>
+              <a:endParaRPr lang="en-US" sz="1100" dirty="0"/>
             </a:p>
           </p:txBody>
         </p:sp>
         <p:grpSp>
           <p:nvGrpSpPr>
-            <p:cNvPr id="131" name="Group 131"/>
+            <p:cNvPr id="127" name="Group 127"/>
             <p:cNvGrpSpPr/>
             <p:nvPr/>
           </p:nvGrpSpPr>
           <p:grpSpPr>
             <a:xfrm>
-              <a:off x="4280197" y="2830813"/>
-              <a:ext cx="2501900" cy="279400"/>
-              <a:chOff x="4280197" y="2830813"/>
-              <a:chExt cx="2501900" cy="279400"/>
+              <a:off x="2795898" y="1435137"/>
+              <a:ext cx="183799" cy="192218"/>
+              <a:chOff x="2795898" y="1435137"/>
+              <a:chExt cx="183799" cy="192218"/>
             </a:xfrm>
           </p:grpSpPr>
           <p:sp>
             <p:nvSpPr>
-              <p:cNvPr id="132" name="AutoShape 132"/>
+              <p:cNvPr id="128" name="AutoShape 128"/>
               <p:cNvSpPr/>
               <p:nvPr/>
             </p:nvSpPr>
             <p:spPr>
               <a:xfrm>
-                <a:off x="4394497" y="2830813"/>
-                <a:ext cx="2387600" cy="279400"/>
+                <a:off x="2795898" y="1449555"/>
+                <a:ext cx="177800" cy="177800"/>
+              </a:xfrm>
+              <a:prstGeom prst="ellipse">
+                <a:avLst/>
+              </a:prstGeom>
+              <a:solidFill>
+                <a:srgbClr val="000000">
+                  <a:alpha val="100000"/>
+                </a:srgbClr>
+              </a:solidFill>
+              <a:ln w="25400">
+                <a:noFill/>
+                <a:prstDash val="solid"/>
+              </a:ln>
+            </p:spPr>
+            <p:txBody>
+              <a:bodyPr lIns="63500" tIns="63500" rIns="0" bIns="63500" rtlCol="0" anchor="ctr">
+                <a:noAutofit/>
+              </a:bodyPr>
+              <a:lstStyle/>
+              <a:p>
+                <a:pPr algn="ctr">
+                  <a:defRPr/>
+                </a:pPr>
+                <a:endParaRPr/>
+              </a:p>
+            </p:txBody>
+          </p:sp>
+          <p:sp>
+            <p:nvSpPr>
+              <p:cNvPr id="129" name="AutoShape 129"/>
+              <p:cNvSpPr/>
+              <p:nvPr/>
+            </p:nvSpPr>
+            <p:spPr>
+              <a:xfrm>
+                <a:off x="2852697" y="1435137"/>
+                <a:ext cx="127000" cy="190500"/>
               </a:xfrm>
               <a:prstGeom prst="rect">
                 <a:avLst/>
@@ -13304,130 +12403,193 @@
               </a:ln>
             </p:spPr>
             <p:txBody>
-              <a:bodyPr lIns="91440" tIns="45720" rIns="91440" bIns="45720" rtlCol="0" anchor="t">
+              <a:bodyPr lIns="0" tIns="0" rIns="0" bIns="0" rtlCol="0" anchor="ctr">
                 <a:noAutofit/>
               </a:bodyPr>
               <a:lstStyle/>
               <a:p>
                 <a:pPr>
+                  <a:lnSpc>
+                    <a:spcPct val="125000"/>
+                  </a:lnSpc>
                   <a:defRPr/>
                 </a:pPr>
                 <a:r>
-                  <a:rPr lang="en-US" sz="1200" b="1" i="1">
+                  <a:rPr lang="en-US" sz="1000" dirty="0">
                     <a:solidFill>
-                      <a:srgbClr val="2B2F36"/>
+                      <a:srgbClr val="FFFFFF"/>
                     </a:solidFill>
                     <a:latin typeface="Times New Roman"/>
                     <a:ea typeface="Times New Roman"/>
                     <a:cs typeface="Times New Roman"/>
                     <a:sym typeface="Times New Roman"/>
                   </a:rPr>
-                  <a:t>Implementation Interface</a:t>
+                  <a:t>1</a:t>
                 </a:r>
-                <a:endParaRPr lang="en-US" sz="1100"/>
+                <a:endParaRPr lang="en-US" sz="1100" dirty="0"/>
               </a:p>
             </p:txBody>
           </p:sp>
-          <p:grpSp>
-            <p:nvGrpSpPr>
-              <p:cNvPr id="133" name="Group 133"/>
-              <p:cNvGrpSpPr/>
+        </p:grpSp>
+      </p:grpSp>
+      <p:grpSp>
+        <p:nvGrpSpPr>
+          <p:cNvPr id="131" name="Group 131"/>
+          <p:cNvGrpSpPr/>
+          <p:nvPr/>
+        </p:nvGrpSpPr>
+        <p:grpSpPr>
+          <a:xfrm>
+            <a:off x="4285375" y="1873988"/>
+            <a:ext cx="2501900" cy="279400"/>
+            <a:chOff x="4280197" y="2830813"/>
+            <a:chExt cx="2501900" cy="279400"/>
+          </a:xfrm>
+        </p:grpSpPr>
+        <p:sp>
+          <p:nvSpPr>
+            <p:cNvPr id="132" name="AutoShape 132"/>
+            <p:cNvSpPr/>
+            <p:nvPr/>
+          </p:nvSpPr>
+          <p:spPr>
+            <a:xfrm>
+              <a:off x="4394497" y="2830813"/>
+              <a:ext cx="2387600" cy="279400"/>
+            </a:xfrm>
+            <a:prstGeom prst="rect">
+              <a:avLst/>
+            </a:prstGeom>
+            <a:noFill/>
+            <a:ln w="12700">
+              <a:noFill/>
+              <a:prstDash val="solid"/>
+            </a:ln>
+          </p:spPr>
+          <p:txBody>
+            <a:bodyPr lIns="91440" tIns="45720" rIns="91440" bIns="45720" rtlCol="0" anchor="t">
+              <a:noAutofit/>
+            </a:bodyPr>
+            <a:lstStyle/>
+            <a:p>
+              <a:pPr>
+                <a:defRPr/>
+              </a:pPr>
+              <a:r>
+                <a:rPr lang="en-US" sz="1200" b="1" i="1">
+                  <a:solidFill>
+                    <a:srgbClr val="2B2F36"/>
+                  </a:solidFill>
+                  <a:latin typeface="Times New Roman"/>
+                  <a:ea typeface="Times New Roman"/>
+                  <a:cs typeface="Times New Roman"/>
+                  <a:sym typeface="Times New Roman"/>
+                </a:rPr>
+                <a:t>Implementation Interface</a:t>
+              </a:r>
+              <a:endParaRPr lang="en-US" sz="1100"/>
+            </a:p>
+          </p:txBody>
+        </p:sp>
+        <p:grpSp>
+          <p:nvGrpSpPr>
+            <p:cNvPr id="133" name="Group 133"/>
+            <p:cNvGrpSpPr/>
+            <p:nvPr/>
+          </p:nvGrpSpPr>
+          <p:grpSpPr>
+            <a:xfrm>
+              <a:off x="4280197" y="2850262"/>
+              <a:ext cx="183799" cy="196451"/>
+              <a:chOff x="4280197" y="2850262"/>
+              <a:chExt cx="183799" cy="196451"/>
+            </a:xfrm>
+          </p:grpSpPr>
+          <p:sp>
+            <p:nvSpPr>
+              <p:cNvPr id="134" name="AutoShape 134"/>
+              <p:cNvSpPr/>
               <p:nvPr/>
-            </p:nvGrpSpPr>
-            <p:grpSpPr>
+            </p:nvSpPr>
+            <p:spPr>
               <a:xfrm>
-                <a:off x="4280197" y="2850262"/>
-                <a:ext cx="183799" cy="196451"/>
-                <a:chOff x="4280197" y="2850262"/>
-                <a:chExt cx="183799" cy="196451"/>
+                <a:off x="4280197" y="2868913"/>
+                <a:ext cx="177800" cy="177800"/>
               </a:xfrm>
-            </p:grpSpPr>
-            <p:sp>
-              <p:nvSpPr>
-                <p:cNvPr id="134" name="AutoShape 134"/>
-                <p:cNvSpPr/>
-                <p:nvPr/>
-              </p:nvSpPr>
-              <p:spPr>
-                <a:xfrm>
-                  <a:off x="4280197" y="2868913"/>
-                  <a:ext cx="177800" cy="177800"/>
-                </a:xfrm>
-                <a:prstGeom prst="ellipse">
-                  <a:avLst/>
-                </a:prstGeom>
-                <a:solidFill>
-                  <a:srgbClr val="000000">
-                    <a:alpha val="100000"/>
-                  </a:srgbClr>
-                </a:solidFill>
-                <a:ln w="25400">
-                  <a:noFill/>
-                  <a:prstDash val="solid"/>
-                </a:ln>
-              </p:spPr>
-              <p:txBody>
-                <a:bodyPr lIns="63500" tIns="63500" rIns="0" bIns="63500" rtlCol="0" anchor="ctr">
-                  <a:noAutofit/>
-                </a:bodyPr>
-                <a:lstStyle/>
-                <a:p>
-                  <a:pPr algn="ctr">
-                    <a:defRPr/>
-                  </a:pPr>
-                  <a:endParaRPr dirty="0"/>
-                </a:p>
-              </p:txBody>
-            </p:sp>
-            <p:sp>
-              <p:nvSpPr>
-                <p:cNvPr id="135" name="AutoShape 135"/>
-                <p:cNvSpPr/>
-                <p:nvPr/>
-              </p:nvSpPr>
-              <p:spPr>
-                <a:xfrm>
-                  <a:off x="4336996" y="2850262"/>
-                  <a:ext cx="127000" cy="190500"/>
-                </a:xfrm>
-                <a:prstGeom prst="rect">
-                  <a:avLst/>
-                </a:prstGeom>
+              <a:prstGeom prst="ellipse">
+                <a:avLst/>
+              </a:prstGeom>
+              <a:solidFill>
+                <a:srgbClr val="000000">
+                  <a:alpha val="100000"/>
+                </a:srgbClr>
+              </a:solidFill>
+              <a:ln w="25400">
                 <a:noFill/>
-                <a:ln w="12700">
-                  <a:noFill/>
-                  <a:prstDash val="solid"/>
-                </a:ln>
-              </p:spPr>
-              <p:txBody>
-                <a:bodyPr lIns="0" tIns="0" rIns="0" bIns="0" rtlCol="0" anchor="ctr">
-                  <a:noAutofit/>
-                </a:bodyPr>
-                <a:lstStyle/>
-                <a:p>
-                  <a:pPr>
-                    <a:lnSpc>
-                      <a:spcPct val="125000"/>
-                    </a:lnSpc>
-                    <a:defRPr/>
-                  </a:pPr>
-                  <a:r>
-                    <a:rPr lang="en-US" sz="1000" dirty="0">
-                      <a:solidFill>
-                        <a:srgbClr val="FFFFFF"/>
-                      </a:solidFill>
-                      <a:latin typeface="Times New Roman"/>
-                      <a:ea typeface="Times New Roman"/>
-                      <a:cs typeface="Times New Roman"/>
-                      <a:sym typeface="Times New Roman"/>
-                    </a:rPr>
-                    <a:t>2</a:t>
-                  </a:r>
-                  <a:endParaRPr lang="en-US" sz="1100" dirty="0"/>
-                </a:p>
-              </p:txBody>
-            </p:sp>
-          </p:grpSp>
+                <a:prstDash val="solid"/>
+              </a:ln>
+            </p:spPr>
+            <p:txBody>
+              <a:bodyPr lIns="63500" tIns="63500" rIns="0" bIns="63500" rtlCol="0" anchor="ctr">
+                <a:noAutofit/>
+              </a:bodyPr>
+              <a:lstStyle/>
+              <a:p>
+                <a:pPr algn="ctr">
+                  <a:defRPr/>
+                </a:pPr>
+                <a:endParaRPr dirty="0"/>
+              </a:p>
+            </p:txBody>
+          </p:sp>
+          <p:sp>
+            <p:nvSpPr>
+              <p:cNvPr id="135" name="AutoShape 135"/>
+              <p:cNvSpPr/>
+              <p:nvPr/>
+            </p:nvSpPr>
+            <p:spPr>
+              <a:xfrm>
+                <a:off x="4336996" y="2850262"/>
+                <a:ext cx="127000" cy="190500"/>
+              </a:xfrm>
+              <a:prstGeom prst="rect">
+                <a:avLst/>
+              </a:prstGeom>
+              <a:noFill/>
+              <a:ln w="12700">
+                <a:noFill/>
+                <a:prstDash val="solid"/>
+              </a:ln>
+            </p:spPr>
+            <p:txBody>
+              <a:bodyPr lIns="0" tIns="0" rIns="0" bIns="0" rtlCol="0" anchor="ctr">
+                <a:noAutofit/>
+              </a:bodyPr>
+              <a:lstStyle/>
+              <a:p>
+                <a:pPr>
+                  <a:lnSpc>
+                    <a:spcPct val="125000"/>
+                  </a:lnSpc>
+                  <a:defRPr/>
+                </a:pPr>
+                <a:r>
+                  <a:rPr lang="en-US" sz="1000" dirty="0">
+                    <a:solidFill>
+                      <a:srgbClr val="FFFFFF"/>
+                    </a:solidFill>
+                    <a:latin typeface="Times New Roman"/>
+                    <a:ea typeface="Times New Roman"/>
+                    <a:cs typeface="Times New Roman"/>
+                    <a:sym typeface="Times New Roman"/>
+                  </a:rPr>
+                  <a:t>2</a:t>
+                </a:r>
+                <a:endParaRPr lang="en-US" sz="1100" dirty="0"/>
+              </a:p>
+            </p:txBody>
+          </p:sp>
         </p:grpSp>
       </p:grpSp>
       <p:cxnSp>
@@ -13748,7 +12910,7 @@
                 <p:nvPr/>
               </p:nvPicPr>
               <p:blipFill>
-                <a:blip r:embed="rId7"/>
+                <a:blip r:embed="rId8"/>
                 <a:stretch>
                   <a:fillRect/>
                 </a:stretch>
@@ -13880,7 +13042,7 @@
                   <p:nvPr/>
                 </p:nvPicPr>
                 <p:blipFill>
-                  <a:blip r:embed="rId6"/>
+                  <a:blip r:embed="rId9"/>
                   <a:stretch>
                     <a:fillRect/>
                   </a:stretch>
@@ -13910,7 +13072,7 @@
                   <p:nvPr/>
                 </p:nvPicPr>
                 <p:blipFill>
-                  <a:blip r:embed="rId7"/>
+                  <a:blip r:embed="rId8"/>
                   <a:stretch>
                     <a:fillRect/>
                   </a:stretch>
@@ -14013,7 +13175,7 @@
                 <p:nvPr/>
               </p:nvPicPr>
               <p:blipFill>
-                <a:blip r:embed="rId11"/>
+                <a:blip r:embed="rId10"/>
                 <a:stretch>
                   <a:fillRect/>
                 </a:stretch>
@@ -14444,7 +13606,7 @@
               <p:nvPr/>
             </p:nvPicPr>
             <p:blipFill>
-              <a:blip r:embed="rId12"/>
+              <a:blip r:embed="rId11"/>
               <a:stretch>
                 <a:fillRect/>
               </a:stretch>
@@ -14486,7 +13648,7 @@
                 <p:nvPr/>
               </p:nvPicPr>
               <p:blipFill>
-                <a:blip r:embed="rId6"/>
+                <a:blip r:embed="rId9"/>
                 <a:stretch>
                   <a:fillRect/>
                 </a:stretch>
@@ -14516,7 +13678,7 @@
                 <p:nvPr/>
               </p:nvPicPr>
               <p:blipFill>
-                <a:blip r:embed="rId7"/>
+                <a:blip r:embed="rId8"/>
                 <a:stretch>
                   <a:fillRect/>
                 </a:stretch>
@@ -14546,7 +13708,7 @@
             <p:nvPr/>
           </p:nvPicPr>
           <p:blipFill>
-            <a:blip r:embed="rId13"/>
+            <a:blip r:embed="rId12"/>
             <a:stretch>
               <a:fillRect/>
             </a:stretch>
@@ -14588,7 +13750,7 @@
               <p:nvPr/>
             </p:nvPicPr>
             <p:blipFill>
-              <a:blip r:embed="rId12"/>
+              <a:blip r:embed="rId11"/>
               <a:stretch>
                 <a:fillRect/>
               </a:stretch>
@@ -14630,7 +13792,7 @@
                 <p:nvPr/>
               </p:nvPicPr>
               <p:blipFill>
-                <a:blip r:embed="rId6"/>
+                <a:blip r:embed="rId9"/>
                 <a:stretch>
                   <a:fillRect/>
                 </a:stretch>
@@ -14660,7 +13822,7 @@
                 <p:nvPr/>
               </p:nvPicPr>
               <p:blipFill>
-                <a:blip r:embed="rId7"/>
+                <a:blip r:embed="rId8"/>
                 <a:stretch>
                   <a:fillRect/>
                 </a:stretch>
@@ -14704,7 +13866,7 @@
               <p:nvPr/>
             </p:nvPicPr>
             <p:blipFill>
-              <a:blip r:embed="rId12"/>
+              <a:blip r:embed="rId11"/>
               <a:stretch>
                 <a:fillRect/>
               </a:stretch>
@@ -14746,7 +13908,7 @@
                 <p:nvPr/>
               </p:nvPicPr>
               <p:blipFill>
-                <a:blip r:embed="rId6"/>
+                <a:blip r:embed="rId9"/>
                 <a:stretch>
                   <a:fillRect/>
                 </a:stretch>
@@ -14776,7 +13938,7 @@
                 <p:nvPr/>
               </p:nvPicPr>
               <p:blipFill>
-                <a:blip r:embed="rId7"/>
+                <a:blip r:embed="rId8"/>
                 <a:stretch>
                   <a:fillRect/>
                 </a:stretch>
@@ -15272,7 +14434,7 @@
                 <p:nvPr/>
               </p:nvPicPr>
               <p:blipFill>
-                <a:blip r:embed="rId7"/>
+                <a:blip r:embed="rId8"/>
                 <a:stretch>
                   <a:fillRect/>
                 </a:stretch>
@@ -15431,7 +14593,7 @@
                   <p:nvPr/>
                 </p:nvPicPr>
                 <p:blipFill>
-                  <a:blip r:embed="rId6"/>
+                  <a:blip r:embed="rId9"/>
                   <a:stretch>
                     <a:fillRect/>
                   </a:stretch>
@@ -15461,7 +14623,7 @@
                   <p:nvPr/>
                 </p:nvPicPr>
                 <p:blipFill>
-                  <a:blip r:embed="rId7"/>
+                  <a:blip r:embed="rId8"/>
                   <a:stretch>
                     <a:fillRect/>
                   </a:stretch>
@@ -16144,7 +15306,7 @@
               <p:nvPr/>
             </p:nvPicPr>
             <p:blipFill>
-              <a:blip r:embed="rId14"/>
+              <a:blip r:embed="rId13"/>
               <a:srcRect/>
               <a:stretch>
                 <a:fillRect/>
@@ -16199,7 +15361,7 @@
                 <p:nvPr/>
               </p:nvPicPr>
               <p:blipFill>
-                <a:blip r:embed="rId15"/>
+                <a:blip r:embed="rId14"/>
                 <a:srcRect/>
                 <a:stretch>
                   <a:fillRect/>
@@ -16518,7 +15680,7 @@
               <p:nvPr/>
             </p:nvPicPr>
             <p:blipFill>
-              <a:blip r:embed="rId6"/>
+              <a:blip r:embed="rId9"/>
               <a:stretch>
                 <a:fillRect/>
               </a:stretch>
@@ -16554,7 +15716,7 @@
               <p:nvPr/>
             </p:nvPicPr>
             <p:blipFill>
-              <a:blip r:embed="rId7"/>
+              <a:blip r:embed="rId8"/>
               <a:stretch>
                 <a:fillRect/>
               </a:stretch>
@@ -16763,7 +15925,10 @@
             </a:avLst>
           </a:prstGeom>
           <a:noFill/>
-          <a:ln>
+          <a:ln w="31750">
+            <a:solidFill>
+              <a:srgbClr val="C00000"/>
+            </a:solidFill>
             <a:prstDash val="dash"/>
           </a:ln>
         </p:spPr>
@@ -16788,7 +15953,7 @@
           <a:lstStyle/>
           <a:p>
             <a:pPr algn="ctr"/>
-            <a:endParaRPr lang="zh-CN" altLang="en-US"/>
+            <a:endParaRPr lang="zh-CN" altLang="en-US" dirty="0"/>
           </a:p>
         </p:txBody>
       </p:sp>
@@ -17337,7 +16502,7 @@
                   <p:nvPr/>
                 </p:nvPicPr>
                 <p:blipFill>
-                  <a:blip r:embed="rId7"/>
+                  <a:blip r:embed="rId8"/>
                   <a:stretch>
                     <a:fillRect/>
                   </a:stretch>
@@ -17371,7 +16536,7 @@
                   <p:nvPr/>
                 </p:nvPicPr>
                 <p:blipFill>
-                  <a:blip r:embed="rId12"/>
+                  <a:blip r:embed="rId11"/>
                   <a:stretch>
                     <a:fillRect/>
                   </a:stretch>
@@ -17405,7 +16570,7 @@
                   <p:nvPr/>
                 </p:nvPicPr>
                 <p:blipFill>
-                  <a:blip r:embed="rId6"/>
+                  <a:blip r:embed="rId9"/>
                   <a:stretch>
                     <a:fillRect/>
                   </a:stretch>
@@ -17568,7 +16733,7 @@
                 <p:nvPr/>
               </p:nvPicPr>
               <p:blipFill>
-                <a:blip r:embed="rId13"/>
+                <a:blip r:embed="rId12"/>
                 <a:stretch>
                   <a:fillRect/>
                 </a:stretch>
@@ -17646,7 +16811,7 @@
             <p:nvPr/>
           </p:nvPicPr>
           <p:blipFill>
-            <a:blip r:embed="rId10"/>
+            <a:blip r:embed="rId15"/>
             <a:stretch>
               <a:fillRect/>
             </a:stretch>
@@ -17726,8 +16891,8 @@
         </p:nvSpPr>
         <p:spPr>
           <a:xfrm>
-            <a:off x="170696" y="3754852"/>
-            <a:ext cx="2055668" cy="3283018"/>
+            <a:off x="170696" y="2681909"/>
+            <a:ext cx="2055668" cy="4355962"/>
           </a:xfrm>
           <a:prstGeom prst="roundRect">
             <a:avLst>
@@ -17765,8 +16930,8 @@
         </p:nvSpPr>
         <p:spPr>
           <a:xfrm>
-            <a:off x="234293" y="3761906"/>
-            <a:ext cx="2446036" cy="335688"/>
+            <a:off x="253237" y="2702221"/>
+            <a:ext cx="1972605" cy="335688"/>
           </a:xfrm>
           <a:prstGeom prst="rect">
             <a:avLst/>
@@ -17812,10 +16977,10 @@
         </p:nvGrpSpPr>
         <p:grpSpPr>
           <a:xfrm>
-            <a:off x="315557" y="4128704"/>
-            <a:ext cx="2248671" cy="1609261"/>
-            <a:chOff x="2815839" y="5831928"/>
-            <a:chExt cx="2248671" cy="1609261"/>
+            <a:off x="586088" y="3119562"/>
+            <a:ext cx="1268118" cy="1130324"/>
+            <a:chOff x="2815837" y="5831928"/>
+            <a:chExt cx="1902614" cy="1609259"/>
           </a:xfrm>
         </p:grpSpPr>
         <p:sp>
@@ -17826,8 +16991,8 @@
           </p:nvSpPr>
           <p:spPr>
             <a:xfrm>
-              <a:off x="2815839" y="5850495"/>
-              <a:ext cx="1705621" cy="1590694"/>
+              <a:off x="2815837" y="5850493"/>
+              <a:ext cx="1830007" cy="1590694"/>
             </a:xfrm>
             <a:prstGeom prst="roundRect">
               <a:avLst>
@@ -17858,7 +17023,7 @@
               <a:pPr algn="ctr">
                 <a:defRPr/>
               </a:pPr>
-              <a:endParaRPr/>
+              <a:endParaRPr dirty="0"/>
             </a:p>
           </p:txBody>
         </p:sp>
@@ -17895,7 +17060,7 @@
                 <a:defRPr/>
               </a:pPr>
               <a:r>
-                <a:rPr lang="en-US" altLang="zh-CN" dirty="0">
+                <a:rPr lang="en-US" altLang="zh-CN" sz="900" dirty="0">
                   <a:solidFill>
                     <a:srgbClr val="1F2329"/>
                   </a:solidFill>
@@ -17903,14 +17068,14 @@
                 <a:t>Hierarchy</a:t>
               </a:r>
               <a:r>
-                <a:rPr lang="en-US" dirty="0">
+                <a:rPr lang="en-US" sz="900" dirty="0">
                   <a:solidFill>
                     <a:srgbClr val="1F2329"/>
                   </a:solidFill>
                 </a:rPr>
                 <a:t> Analysis</a:t>
               </a:r>
-              <a:endParaRPr lang="en-US" sz="1100" dirty="0"/>
+              <a:endParaRPr lang="en-US" sz="700" dirty="0"/>
             </a:p>
           </p:txBody>
         </p:sp>
@@ -17949,7 +17114,7 @@
               <p:nvPr/>
             </p:nvPicPr>
             <p:blipFill>
-              <a:blip r:embed="rId12"/>
+              <a:blip r:embed="rId11"/>
               <a:stretch>
                 <a:fillRect/>
               </a:stretch>
@@ -18080,7 +17245,7 @@
               <p:nvPr/>
             </p:nvPicPr>
             <p:blipFill>
-              <a:blip r:embed="rId12"/>
+              <a:blip r:embed="rId11"/>
               <a:stretch>
                 <a:fillRect/>
               </a:stretch>
@@ -18121,7 +17286,7 @@
               <p:nvPr/>
             </p:nvPicPr>
             <p:blipFill>
-              <a:blip r:embed="rId12"/>
+              <a:blip r:embed="rId11"/>
               <a:stretch>
                 <a:fillRect/>
               </a:stretch>
@@ -18162,7 +17327,7 @@
               <p:nvPr/>
             </p:nvPicPr>
             <p:blipFill>
-              <a:blip r:embed="rId12"/>
+              <a:blip r:embed="rId11"/>
               <a:stretch>
                 <a:fillRect/>
               </a:stretch>
@@ -18248,7 +17413,7 @@
               <p:nvPr/>
             </p:nvPicPr>
             <p:blipFill>
-              <a:blip r:embed="rId12"/>
+              <a:blip r:embed="rId11"/>
               <a:stretch>
                 <a:fillRect/>
               </a:stretch>
@@ -18334,8 +17499,8 @@
           </p:nvSpPr>
           <p:spPr>
             <a:xfrm>
-              <a:off x="3592305" y="6369054"/>
-              <a:ext cx="1155700" cy="215900"/>
+              <a:off x="3562751" y="6332845"/>
+              <a:ext cx="1155700" cy="215901"/>
             </a:xfrm>
             <a:prstGeom prst="rect">
               <a:avLst/>
@@ -18356,10 +17521,10 @@
                 <a:defRPr/>
               </a:pPr>
               <a:r>
-                <a:rPr lang="en-US" sz="1000" dirty="0"/>
+                <a:rPr lang="en-US" sz="800" dirty="0"/>
                 <a:t>Interactables</a:t>
               </a:r>
-              <a:endParaRPr lang="en-US" dirty="0"/>
+              <a:endParaRPr lang="en-US" sz="1100" dirty="0"/>
             </a:p>
           </p:txBody>
         </p:sp>
@@ -18399,10 +17564,10 @@
                 <a:defRPr/>
               </a:pPr>
               <a:r>
-                <a:rPr lang="en-US" sz="1000" dirty="0"/>
+                <a:rPr lang="en-US" sz="800" dirty="0"/>
                 <a:t>Environment</a:t>
               </a:r>
-              <a:endParaRPr lang="en-US" dirty="0"/>
+              <a:endParaRPr lang="en-US" sz="1100" dirty="0"/>
             </a:p>
           </p:txBody>
         </p:sp>
@@ -18420,8 +17585,8 @@
           </p:nvSpPr>
           <p:spPr>
             <a:xfrm>
-              <a:off x="3908810" y="6591131"/>
-              <a:ext cx="1155700" cy="215900"/>
+              <a:off x="3906675" y="6577666"/>
+              <a:ext cx="809641" cy="253127"/>
             </a:xfrm>
             <a:prstGeom prst="rect">
               <a:avLst/>
@@ -18442,10 +17607,10 @@
                 <a:defRPr/>
               </a:pPr>
               <a:r>
-                <a:rPr lang="en-US" sz="1000" dirty="0"/>
+                <a:rPr lang="en-US" sz="800" dirty="0"/>
                 <a:t>Box</a:t>
               </a:r>
-              <a:endParaRPr lang="en-US" dirty="0"/>
+              <a:endParaRPr lang="en-US" sz="1100" dirty="0"/>
             </a:p>
           </p:txBody>
         </p:sp>
@@ -18464,10 +17629,10 @@
         </p:nvGrpSpPr>
         <p:grpSpPr>
           <a:xfrm>
-            <a:off x="466351" y="5838510"/>
-            <a:ext cx="1650574" cy="1004565"/>
-            <a:chOff x="201782" y="7274076"/>
-            <a:chExt cx="1650574" cy="1004565"/>
+            <a:off x="466351" y="5828350"/>
+            <a:ext cx="1316730" cy="803785"/>
+            <a:chOff x="201783" y="7274076"/>
+            <a:chExt cx="1289044" cy="803785"/>
           </a:xfrm>
         </p:grpSpPr>
         <p:grpSp>
@@ -18484,10 +17649,10 @@
           </p:nvGrpSpPr>
           <p:grpSpPr>
             <a:xfrm>
-              <a:off x="201782" y="7326296"/>
-              <a:ext cx="1492944" cy="952345"/>
-              <a:chOff x="201782" y="7326296"/>
-              <a:chExt cx="1492944" cy="952345"/>
+              <a:off x="201783" y="7326297"/>
+              <a:ext cx="1289044" cy="751564"/>
+              <a:chOff x="201783" y="7326297"/>
+              <a:chExt cx="1289044" cy="751564"/>
             </a:xfrm>
           </p:grpSpPr>
           <p:sp>
@@ -18504,8 +17669,8 @@
             </p:nvSpPr>
             <p:spPr>
               <a:xfrm>
-                <a:off x="201782" y="7326296"/>
-                <a:ext cx="1492944" cy="952345"/>
+                <a:off x="201783" y="7326297"/>
+                <a:ext cx="1289044" cy="751564"/>
               </a:xfrm>
               <a:prstGeom prst="roundRect">
                 <a:avLst>
@@ -18554,10 +17719,10 @@
             </p:nvGrpSpPr>
             <p:grpSpPr>
               <a:xfrm>
-                <a:off x="296303" y="7726581"/>
-                <a:ext cx="531847" cy="464243"/>
-                <a:chOff x="963821" y="7322800"/>
-                <a:chExt cx="531847" cy="464243"/>
+                <a:off x="314949" y="7702810"/>
+                <a:ext cx="502496" cy="255942"/>
+                <a:chOff x="982467" y="7299029"/>
+                <a:chExt cx="502496" cy="255942"/>
               </a:xfrm>
             </p:grpSpPr>
             <p:pic>
@@ -18575,15 +17740,15 @@
                 <p:nvPr/>
               </p:nvPicPr>
               <p:blipFill>
-                <a:blip r:embed="rId6"/>
+                <a:blip r:embed="rId9"/>
                 <a:stretch>
                   <a:fillRect/>
                 </a:stretch>
               </p:blipFill>
               <p:spPr>
                 <a:xfrm>
-                  <a:off x="963821" y="7322800"/>
-                  <a:ext cx="406400" cy="383855"/>
+                  <a:off x="982467" y="7299029"/>
+                  <a:ext cx="253843" cy="239761"/>
                 </a:xfrm>
                 <a:prstGeom prst="roundRect">
                   <a:avLst>
@@ -18611,15 +17776,15 @@
                 <p:nvPr/>
               </p:nvPicPr>
               <p:blipFill>
-                <a:blip r:embed="rId6"/>
+                <a:blip r:embed="rId9"/>
                 <a:stretch>
                   <a:fillRect/>
                 </a:stretch>
               </p:blipFill>
               <p:spPr>
                 <a:xfrm>
-                  <a:off x="1089268" y="7403188"/>
-                  <a:ext cx="406400" cy="383855"/>
+                  <a:off x="1231120" y="7315210"/>
+                  <a:ext cx="253843" cy="239761"/>
                 </a:xfrm>
                 <a:prstGeom prst="roundRect">
                   <a:avLst>
@@ -18647,10 +17812,10 @@
             </p:nvGrpSpPr>
             <p:grpSpPr>
               <a:xfrm>
-                <a:off x="884989" y="7738893"/>
-                <a:ext cx="531697" cy="507046"/>
-                <a:chOff x="1572246" y="7279736"/>
-                <a:chExt cx="531697" cy="507046"/>
+                <a:off x="844195" y="7726466"/>
+                <a:ext cx="529272" cy="244752"/>
+                <a:chOff x="1531452" y="7267309"/>
+                <a:chExt cx="529272" cy="244752"/>
               </a:xfrm>
             </p:grpSpPr>
             <p:pic>
@@ -18668,15 +17833,15 @@
                 <p:nvPr/>
               </p:nvPicPr>
               <p:blipFill>
-                <a:blip r:embed="rId10"/>
+                <a:blip r:embed="rId15"/>
                 <a:stretch>
                   <a:fillRect/>
                 </a:stretch>
               </p:blipFill>
               <p:spPr>
                 <a:xfrm>
-                  <a:off x="1572246" y="7279736"/>
-                  <a:ext cx="406250" cy="383713"/>
+                  <a:off x="1531452" y="7267309"/>
+                  <a:ext cx="253749" cy="239672"/>
                 </a:xfrm>
                 <a:prstGeom prst="rect">
                   <a:avLst/>
@@ -18702,15 +17867,15 @@
                 <p:nvPr/>
               </p:nvPicPr>
               <p:blipFill>
-                <a:blip r:embed="rId10"/>
+                <a:blip r:embed="rId15"/>
                 <a:stretch>
                   <a:fillRect/>
                 </a:stretch>
               </p:blipFill>
               <p:spPr>
                 <a:xfrm>
-                  <a:off x="1697693" y="7403069"/>
-                  <a:ext cx="406250" cy="383713"/>
+                  <a:off x="1806975" y="7272389"/>
+                  <a:ext cx="253749" cy="239672"/>
                 </a:xfrm>
                 <a:prstGeom prst="rect">
                   <a:avLst/>
@@ -18737,8 +17902,8 @@
           </p:nvSpPr>
           <p:spPr>
             <a:xfrm>
-              <a:off x="299457" y="7274076"/>
-              <a:ext cx="1552899" cy="567045"/>
+              <a:off x="299458" y="7274076"/>
+              <a:ext cx="1112374" cy="567045"/>
             </a:xfrm>
             <a:prstGeom prst="rect">
               <a:avLst/>
@@ -18759,14 +17924,14 @@
                 <a:defRPr/>
               </a:pPr>
               <a:r>
-                <a:rPr lang="en-US" sz="1100" dirty="0">
+                <a:rPr lang="en-US" sz="900" dirty="0">
                   <a:solidFill>
                     <a:srgbClr val="1F2329"/>
                   </a:solidFill>
                 </a:rPr>
                 <a:t>Game Logic Code &amp; Third Plugin Analysis</a:t>
               </a:r>
-              <a:endParaRPr lang="en-US" sz="1100" dirty="0"/>
+              <a:endParaRPr lang="en-US" sz="900" dirty="0"/>
             </a:p>
           </p:txBody>
         </p:sp>
@@ -18832,7 +17997,7 @@
         </p:nvSpPr>
         <p:spPr>
           <a:xfrm>
-            <a:off x="2292894" y="4427923"/>
+            <a:off x="2292214" y="4407429"/>
             <a:ext cx="306223" cy="1477271"/>
           </a:xfrm>
           <a:prstGeom prst="rect">
@@ -20544,11 +19709,9 @@
               </a:avLst>
             </a:prstGeom>
             <a:noFill/>
-            <a:ln w="25400" cap="flat">
+            <a:ln w="31750" cap="flat" cmpd="sng">
               <a:solidFill>
-                <a:srgbClr val="000000">
-                  <a:alpha val="100000"/>
-                </a:srgbClr>
+                <a:srgbClr val="0CA410"/>
               </a:solidFill>
               <a:prstDash val="dash"/>
             </a:ln>
@@ -20562,7 +19725,7 @@
               <a:pPr algn="ctr">
                 <a:defRPr/>
               </a:pPr>
-              <a:endParaRPr/>
+              <a:endParaRPr dirty="0"/>
             </a:p>
           </p:txBody>
         </p:sp>
@@ -20633,8 +19796,8 @@
         </p:nvCxnSpPr>
         <p:spPr>
           <a:xfrm>
-            <a:off x="1371600" y="3511715"/>
-            <a:ext cx="0" cy="243137"/>
+            <a:off x="1227666" y="2429908"/>
+            <a:ext cx="0" cy="252000"/>
           </a:xfrm>
           <a:prstGeom prst="straightConnector1">
             <a:avLst/>
@@ -20699,6 +19862,902 @@
           </a:fontRef>
         </p:style>
       </p:cxnSp>
+      <p:grpSp>
+        <p:nvGrpSpPr>
+          <p:cNvPr id="75" name="组合 74">
+            <a:extLst>
+              <a:ext uri="{FF2B5EF4-FFF2-40B4-BE49-F238E27FC236}">
+                <a16:creationId xmlns:a16="http://schemas.microsoft.com/office/drawing/2014/main" id="{7B16C414-B707-5EC6-5D84-96E4B58FD574}"/>
+              </a:ext>
+            </a:extLst>
+          </p:cNvPr>
+          <p:cNvGrpSpPr/>
+          <p:nvPr/>
+        </p:nvGrpSpPr>
+        <p:grpSpPr>
+          <a:xfrm>
+            <a:off x="2735873" y="1864080"/>
+            <a:ext cx="3722489" cy="1358054"/>
+            <a:chOff x="2735873" y="1864080"/>
+            <a:chExt cx="3722489" cy="1358054"/>
+          </a:xfrm>
+        </p:grpSpPr>
+        <p:grpSp>
+          <p:nvGrpSpPr>
+            <p:cNvPr id="95" name="Group 95"/>
+            <p:cNvGrpSpPr/>
+            <p:nvPr/>
+          </p:nvGrpSpPr>
+          <p:grpSpPr>
+            <a:xfrm>
+              <a:off x="5134938" y="2241066"/>
+              <a:ext cx="1318745" cy="808609"/>
+              <a:chOff x="5129760" y="3197891"/>
+              <a:chExt cx="1318745" cy="808609"/>
+            </a:xfrm>
+          </p:grpSpPr>
+          <p:sp>
+            <p:nvSpPr>
+              <p:cNvPr id="96" name="AutoShape 96"/>
+              <p:cNvSpPr/>
+              <p:nvPr/>
+            </p:nvSpPr>
+            <p:spPr>
+              <a:xfrm>
+                <a:off x="5129760" y="3197891"/>
+                <a:ext cx="1231900" cy="791700"/>
+              </a:xfrm>
+              <a:prstGeom prst="roundRect">
+                <a:avLst>
+                  <a:gd name="adj" fmla="val 12833"/>
+                </a:avLst>
+              </a:prstGeom>
+              <a:solidFill>
+                <a:srgbClr val="FCB86B">
+                  <a:alpha val="70000"/>
+                </a:srgbClr>
+              </a:solidFill>
+              <a:ln w="25400" cap="flat" cmpd="sng">
+                <a:solidFill>
+                  <a:srgbClr val="2B2F36">
+                    <a:alpha val="70000"/>
+                  </a:srgbClr>
+                </a:solidFill>
+                <a:prstDash val="solid"/>
+                <a:round/>
+              </a:ln>
+            </p:spPr>
+            <p:txBody>
+              <a:bodyPr lIns="63500" tIns="63500" rIns="63500" bIns="63500" rtlCol="0" anchor="ctr">
+                <a:noAutofit/>
+              </a:bodyPr>
+              <a:lstStyle/>
+              <a:p>
+                <a:pPr algn="ctr">
+                  <a:defRPr/>
+                </a:pPr>
+                <a:endParaRPr/>
+              </a:p>
+            </p:txBody>
+          </p:sp>
+          <p:grpSp>
+            <p:nvGrpSpPr>
+              <p:cNvPr id="97" name="Group 97"/>
+              <p:cNvGrpSpPr/>
+              <p:nvPr/>
+            </p:nvGrpSpPr>
+            <p:grpSpPr>
+              <a:xfrm>
+                <a:off x="5315414" y="3279362"/>
+                <a:ext cx="432300" cy="456990"/>
+                <a:chOff x="5315414" y="3279362"/>
+                <a:chExt cx="432300" cy="456990"/>
+              </a:xfrm>
+            </p:grpSpPr>
+            <p:pic>
+              <p:nvPicPr>
+                <p:cNvPr id="98" name="Picture 98"/>
+                <p:cNvPicPr>
+                  <a:picLocks noChangeAspect="1"/>
+                </p:cNvPicPr>
+                <p:nvPr/>
+              </p:nvPicPr>
+              <p:blipFill>
+                <a:blip r:embed="rId9"/>
+                <a:stretch>
+                  <a:fillRect/>
+                </a:stretch>
+              </p:blipFill>
+              <p:spPr>
+                <a:xfrm>
+                  <a:off x="5315414" y="3279362"/>
+                  <a:ext cx="385930" cy="378504"/>
+                </a:xfrm>
+                <a:prstGeom prst="roundRect">
+                  <a:avLst>
+                    <a:gd name="adj" fmla="val 10920"/>
+                  </a:avLst>
+                </a:prstGeom>
+                <a:ln>
+                  <a:noFill/>
+                  <a:prstDash val="solid"/>
+                </a:ln>
+              </p:spPr>
+            </p:pic>
+            <p:pic>
+              <p:nvPicPr>
+                <p:cNvPr id="99" name="Picture 99"/>
+                <p:cNvPicPr>
+                  <a:picLocks noChangeAspect="1"/>
+                </p:cNvPicPr>
+                <p:nvPr/>
+              </p:nvPicPr>
+              <p:blipFill>
+                <a:blip r:embed="rId8"/>
+                <a:stretch>
+                  <a:fillRect/>
+                </a:stretch>
+              </p:blipFill>
+              <p:spPr>
+                <a:xfrm>
+                  <a:off x="5548991" y="3541452"/>
+                  <a:ext cx="198723" cy="194900"/>
+                </a:xfrm>
+                <a:prstGeom prst="rect">
+                  <a:avLst/>
+                </a:prstGeom>
+                <a:ln>
+                  <a:noFill/>
+                  <a:prstDash val="solid"/>
+                </a:ln>
+              </p:spPr>
+            </p:pic>
+          </p:grpSp>
+          <p:sp>
+            <p:nvSpPr>
+              <p:cNvPr id="100" name="AutoShape 100"/>
+              <p:cNvSpPr/>
+              <p:nvPr/>
+            </p:nvSpPr>
+            <p:spPr>
+              <a:xfrm>
+                <a:off x="5129760" y="3701700"/>
+                <a:ext cx="1318745" cy="304800"/>
+              </a:xfrm>
+              <a:prstGeom prst="rect">
+                <a:avLst/>
+              </a:prstGeom>
+              <a:noFill/>
+              <a:ln w="12700">
+                <a:noFill/>
+                <a:prstDash val="solid"/>
+              </a:ln>
+            </p:spPr>
+            <p:txBody>
+              <a:bodyPr lIns="91440" tIns="45720" rIns="91440" bIns="45720" rtlCol="0" anchor="t">
+                <a:noAutofit/>
+              </a:bodyPr>
+              <a:lstStyle/>
+              <a:p>
+                <a:pPr>
+                  <a:defRPr/>
+                </a:pPr>
+                <a:r>
+                  <a:rPr lang="en-US" sz="700"/>
+                  <a:t>Mono Scripts Implemented Entity Interface</a:t>
+                </a:r>
+                <a:endParaRPr lang="en-US" sz="1100"/>
+              </a:p>
+            </p:txBody>
+          </p:sp>
+          <p:grpSp>
+            <p:nvGrpSpPr>
+              <p:cNvPr id="101" name="Group 101"/>
+              <p:cNvGrpSpPr/>
+              <p:nvPr/>
+            </p:nvGrpSpPr>
+            <p:grpSpPr>
+              <a:xfrm>
+                <a:off x="5761861" y="3292477"/>
+                <a:ext cx="419164" cy="446593"/>
+                <a:chOff x="5761861" y="3292477"/>
+                <a:chExt cx="419164" cy="446593"/>
+              </a:xfrm>
+            </p:grpSpPr>
+            <p:pic>
+              <p:nvPicPr>
+                <p:cNvPr id="102" name="Picture 102"/>
+                <p:cNvPicPr>
+                  <a:picLocks noChangeAspect="1"/>
+                </p:cNvPicPr>
+                <p:nvPr/>
+              </p:nvPicPr>
+              <p:blipFill>
+                <a:blip r:embed="rId9"/>
+                <a:stretch>
+                  <a:fillRect/>
+                </a:stretch>
+              </p:blipFill>
+              <p:spPr>
+                <a:xfrm>
+                  <a:off x="5761861" y="3292477"/>
+                  <a:ext cx="385930" cy="378504"/>
+                </a:xfrm>
+                <a:prstGeom prst="roundRect">
+                  <a:avLst>
+                    <a:gd name="adj" fmla="val 10920"/>
+                  </a:avLst>
+                </a:prstGeom>
+                <a:ln>
+                  <a:noFill/>
+                  <a:prstDash val="solid"/>
+                </a:ln>
+              </p:spPr>
+            </p:pic>
+            <p:pic>
+              <p:nvPicPr>
+                <p:cNvPr id="103" name="Picture 103"/>
+                <p:cNvPicPr>
+                  <a:picLocks noChangeAspect="1"/>
+                </p:cNvPicPr>
+                <p:nvPr/>
+              </p:nvPicPr>
+              <p:blipFill>
+                <a:blip r:embed="rId8"/>
+                <a:stretch>
+                  <a:fillRect/>
+                </a:stretch>
+              </p:blipFill>
+              <p:spPr>
+                <a:xfrm>
+                  <a:off x="5982302" y="3544170"/>
+                  <a:ext cx="198723" cy="194900"/>
+                </a:xfrm>
+                <a:prstGeom prst="rect">
+                  <a:avLst/>
+                </a:prstGeom>
+                <a:ln>
+                  <a:noFill/>
+                  <a:prstDash val="solid"/>
+                </a:ln>
+              </p:spPr>
+            </p:pic>
+          </p:grpSp>
+        </p:grpSp>
+        <p:sp>
+          <p:nvSpPr>
+            <p:cNvPr id="111" name="AutoShape 111"/>
+            <p:cNvSpPr/>
+            <p:nvPr/>
+          </p:nvSpPr>
+          <p:spPr>
+            <a:xfrm>
+              <a:off x="4132475" y="2087674"/>
+              <a:ext cx="1108143" cy="660400"/>
+            </a:xfrm>
+            <a:prstGeom prst="rect">
+              <a:avLst/>
+            </a:prstGeom>
+            <a:noFill/>
+            <a:ln w="12700">
+              <a:noFill/>
+              <a:prstDash val="solid"/>
+            </a:ln>
+          </p:spPr>
+          <p:txBody>
+            <a:bodyPr lIns="91440" tIns="45720" rIns="91440" bIns="45720" rtlCol="0" anchor="t">
+              <a:noAutofit/>
+            </a:bodyPr>
+            <a:lstStyle/>
+            <a:p>
+              <a:pPr algn="ctr">
+                <a:lnSpc>
+                  <a:spcPct val="125000"/>
+                </a:lnSpc>
+                <a:defRPr/>
+              </a:pPr>
+              <a:r>
+                <a:rPr lang="en-US" sz="1000">
+                  <a:solidFill>
+                    <a:srgbClr val="2B2F36"/>
+                  </a:solidFill>
+                </a:rPr>
+                <a:t> Customizing Entity Interface Configuration</a:t>
+              </a:r>
+              <a:endParaRPr lang="en-US" sz="1100"/>
+            </a:p>
+          </p:txBody>
+        </p:sp>
+        <p:grpSp>
+          <p:nvGrpSpPr>
+            <p:cNvPr id="112" name="Group 112"/>
+            <p:cNvGrpSpPr/>
+            <p:nvPr/>
+          </p:nvGrpSpPr>
+          <p:grpSpPr>
+            <a:xfrm>
+              <a:off x="2805451" y="1922466"/>
+              <a:ext cx="1432022" cy="1239823"/>
+              <a:chOff x="2800273" y="2879291"/>
+              <a:chExt cx="1432022" cy="1239823"/>
+            </a:xfrm>
+          </p:grpSpPr>
+          <p:grpSp>
+            <p:nvGrpSpPr>
+              <p:cNvPr id="113" name="Group 113"/>
+              <p:cNvGrpSpPr/>
+              <p:nvPr/>
+            </p:nvGrpSpPr>
+            <p:grpSpPr>
+              <a:xfrm>
+                <a:off x="2800273" y="2879291"/>
+                <a:ext cx="1397000" cy="1197740"/>
+                <a:chOff x="2800273" y="2879291"/>
+                <a:chExt cx="1397000" cy="1197740"/>
+              </a:xfrm>
+            </p:grpSpPr>
+            <p:grpSp>
+              <p:nvGrpSpPr>
+                <p:cNvPr id="114" name="Group 114"/>
+                <p:cNvGrpSpPr/>
+                <p:nvPr/>
+              </p:nvGrpSpPr>
+              <p:grpSpPr>
+                <a:xfrm>
+                  <a:off x="2800273" y="2879291"/>
+                  <a:ext cx="1397000" cy="1197740"/>
+                  <a:chOff x="2800273" y="2879291"/>
+                  <a:chExt cx="1397000" cy="1197740"/>
+                </a:xfrm>
+              </p:grpSpPr>
+              <p:sp>
+                <p:nvSpPr>
+                  <p:cNvPr id="115" name="AutoShape 115"/>
+                  <p:cNvSpPr/>
+                  <p:nvPr/>
+                </p:nvSpPr>
+                <p:spPr>
+                  <a:xfrm>
+                    <a:off x="2800273" y="2879291"/>
+                    <a:ext cx="1397000" cy="1197740"/>
+                  </a:xfrm>
+                  <a:prstGeom prst="roundRect">
+                    <a:avLst>
+                      <a:gd name="adj" fmla="val 9090"/>
+                    </a:avLst>
+                  </a:prstGeom>
+                  <a:solidFill>
+                    <a:srgbClr val="DEE0E3">
+                      <a:alpha val="20000"/>
+                    </a:srgbClr>
+                  </a:solidFill>
+                  <a:ln w="25400" cap="flat" cmpd="sng">
+                    <a:solidFill>
+                      <a:srgbClr val="2B2F36">
+                        <a:alpha val="20000"/>
+                      </a:srgbClr>
+                    </a:solidFill>
+                    <a:prstDash val="solid"/>
+                    <a:round/>
+                  </a:ln>
+                </p:spPr>
+                <p:txBody>
+                  <a:bodyPr lIns="63500" tIns="63500" rIns="63500" bIns="63500" rtlCol="0" anchor="ctr">
+                    <a:noAutofit/>
+                  </a:bodyPr>
+                  <a:lstStyle/>
+                  <a:p>
+                    <a:pPr algn="ctr">
+                      <a:defRPr/>
+                    </a:pPr>
+                    <a:endParaRPr dirty="0"/>
+                  </a:p>
+                </p:txBody>
+              </p:sp>
+              <p:sp>
+                <p:nvSpPr>
+                  <p:cNvPr id="116" name="AutoShape 116"/>
+                  <p:cNvSpPr/>
+                  <p:nvPr/>
+                </p:nvSpPr>
+                <p:spPr>
+                  <a:xfrm>
+                    <a:off x="2912541" y="3377764"/>
+                    <a:ext cx="1114207" cy="538652"/>
+                  </a:xfrm>
+                  <a:prstGeom prst="roundRect">
+                    <a:avLst>
+                      <a:gd name="adj" fmla="val 17647"/>
+                    </a:avLst>
+                  </a:prstGeom>
+                  <a:solidFill>
+                    <a:srgbClr val="FAD355">
+                      <a:alpha val="70000"/>
+                    </a:srgbClr>
+                  </a:solidFill>
+                  <a:ln w="25400" cap="flat" cmpd="sng">
+                    <a:solidFill>
+                      <a:srgbClr val="2B2F36">
+                        <a:alpha val="70000"/>
+                      </a:srgbClr>
+                    </a:solidFill>
+                    <a:prstDash val="solid"/>
+                    <a:round/>
+                  </a:ln>
+                </p:spPr>
+                <p:txBody>
+                  <a:bodyPr lIns="63500" tIns="63500" rIns="63500" bIns="63500" rtlCol="0" anchor="ctr">
+                    <a:noAutofit/>
+                  </a:bodyPr>
+                  <a:lstStyle/>
+                  <a:p>
+                    <a:pPr algn="ctr">
+                      <a:defRPr/>
+                    </a:pPr>
+                    <a:endParaRPr dirty="0"/>
+                  </a:p>
+                </p:txBody>
+              </p:sp>
+              <p:pic>
+                <p:nvPicPr>
+                  <p:cNvPr id="117" name="Picture 117"/>
+                  <p:cNvPicPr>
+                    <a:picLocks noChangeAspect="1"/>
+                  </p:cNvPicPr>
+                  <p:nvPr/>
+                </p:nvPicPr>
+                <p:blipFill>
+                  <a:blip r:embed="rId9"/>
+                  <a:stretch>
+                    <a:fillRect/>
+                  </a:stretch>
+                </p:blipFill>
+                <p:spPr>
+                  <a:xfrm>
+                    <a:off x="3146111" y="3432758"/>
+                    <a:ext cx="324396" cy="306400"/>
+                  </a:xfrm>
+                  <a:prstGeom prst="roundRect">
+                    <a:avLst>
+                      <a:gd name="adj" fmla="val 10768"/>
+                    </a:avLst>
+                  </a:prstGeom>
+                  <a:ln>
+                    <a:noFill/>
+                    <a:prstDash val="solid"/>
+                  </a:ln>
+                </p:spPr>
+              </p:pic>
+              <p:pic>
+                <p:nvPicPr>
+                  <p:cNvPr id="118" name="Picture 118"/>
+                  <p:cNvPicPr>
+                    <a:picLocks noChangeAspect="1"/>
+                  </p:cNvPicPr>
+                  <p:nvPr/>
+                </p:nvPicPr>
+                <p:blipFill>
+                  <a:blip r:embed="rId15"/>
+                  <a:stretch>
+                    <a:fillRect/>
+                  </a:stretch>
+                </p:blipFill>
+                <p:spPr>
+                  <a:xfrm>
+                    <a:off x="3010586" y="2923175"/>
+                    <a:ext cx="282023" cy="266378"/>
+                  </a:xfrm>
+                  <a:prstGeom prst="rect">
+                    <a:avLst/>
+                  </a:prstGeom>
+                  <a:ln>
+                    <a:noFill/>
+                    <a:prstDash val="solid"/>
+                  </a:ln>
+                </p:spPr>
+              </p:pic>
+              <p:sp>
+                <p:nvSpPr>
+                  <p:cNvPr id="119" name="AutoShape 119"/>
+                  <p:cNvSpPr/>
+                  <p:nvPr/>
+                </p:nvSpPr>
+                <p:spPr>
+                  <a:xfrm>
+                    <a:off x="3034896" y="3700515"/>
+                    <a:ext cx="1155700" cy="215900"/>
+                  </a:xfrm>
+                  <a:prstGeom prst="rect">
+                    <a:avLst/>
+                  </a:prstGeom>
+                  <a:noFill/>
+                  <a:ln w="12700">
+                    <a:noFill/>
+                    <a:prstDash val="solid"/>
+                  </a:ln>
+                </p:spPr>
+                <p:txBody>
+                  <a:bodyPr lIns="91440" tIns="45720" rIns="91440" bIns="45720" rtlCol="0" anchor="t">
+                    <a:noAutofit/>
+                  </a:bodyPr>
+                  <a:lstStyle/>
+                  <a:p>
+                    <a:pPr>
+                      <a:defRPr/>
+                    </a:pPr>
+                    <a:r>
+                      <a:rPr lang="en-US" sz="800" dirty="0"/>
+                      <a:t>Core C# Scripts</a:t>
+                    </a:r>
+                    <a:endParaRPr lang="en-US" sz="1100" dirty="0"/>
+                  </a:p>
+                </p:txBody>
+              </p:sp>
+              <p:sp>
+                <p:nvSpPr>
+                  <p:cNvPr id="120" name="AutoShape 120"/>
+                  <p:cNvSpPr/>
+                  <p:nvPr/>
+                </p:nvSpPr>
+                <p:spPr>
+                  <a:xfrm>
+                    <a:off x="3006362" y="3171118"/>
+                    <a:ext cx="923531" cy="215900"/>
+                  </a:xfrm>
+                  <a:prstGeom prst="rect">
+                    <a:avLst/>
+                  </a:prstGeom>
+                  <a:noFill/>
+                  <a:ln w="12700">
+                    <a:noFill/>
+                    <a:prstDash val="solid"/>
+                  </a:ln>
+                </p:spPr>
+                <p:txBody>
+                  <a:bodyPr lIns="91440" tIns="45720" rIns="91440" bIns="45720" rtlCol="0" anchor="t">
+                    <a:noAutofit/>
+                  </a:bodyPr>
+                  <a:lstStyle/>
+                  <a:p>
+                    <a:pPr>
+                      <a:defRPr/>
+                    </a:pPr>
+                    <a:r>
+                      <a:rPr lang="en-US" sz="800" dirty="0">
+                        <a:solidFill>
+                          <a:srgbClr val="1F2329"/>
+                        </a:solidFill>
+                        <a:latin typeface="Noto Sans SC"/>
+                        <a:ea typeface="Noto Sans SC"/>
+                        <a:cs typeface="Noto Sans SC"/>
+                        <a:sym typeface="Noto Sans SC"/>
+                      </a:rPr>
+                      <a:t>Plugins/Tools/.dll</a:t>
+                    </a:r>
+                    <a:endParaRPr lang="en-US" sz="1100" dirty="0"/>
+                  </a:p>
+                </p:txBody>
+              </p:sp>
+              <p:pic>
+                <p:nvPicPr>
+                  <p:cNvPr id="121" name="Picture 121"/>
+                  <p:cNvPicPr>
+                    <a:picLocks noChangeAspect="1"/>
+                  </p:cNvPicPr>
+                  <p:nvPr/>
+                </p:nvPicPr>
+                <p:blipFill>
+                  <a:blip r:embed="rId15"/>
+                  <a:stretch>
+                    <a:fillRect/>
+                  </a:stretch>
+                </p:blipFill>
+                <p:spPr>
+                  <a:xfrm>
+                    <a:off x="3316504" y="2928529"/>
+                    <a:ext cx="282023" cy="266378"/>
+                  </a:xfrm>
+                  <a:prstGeom prst="rect">
+                    <a:avLst/>
+                  </a:prstGeom>
+                  <a:ln>
+                    <a:noFill/>
+                    <a:prstDash val="solid"/>
+                  </a:ln>
+                </p:spPr>
+              </p:pic>
+              <p:pic>
+                <p:nvPicPr>
+                  <p:cNvPr id="122" name="Picture 122"/>
+                  <p:cNvPicPr>
+                    <a:picLocks noChangeAspect="1"/>
+                  </p:cNvPicPr>
+                  <p:nvPr/>
+                </p:nvPicPr>
+                <p:blipFill>
+                  <a:blip r:embed="rId15"/>
+                  <a:stretch>
+                    <a:fillRect/>
+                  </a:stretch>
+                </p:blipFill>
+                <p:spPr>
+                  <a:xfrm>
+                    <a:off x="3639851" y="2928529"/>
+                    <a:ext cx="282023" cy="266378"/>
+                  </a:xfrm>
+                  <a:prstGeom prst="rect">
+                    <a:avLst/>
+                  </a:prstGeom>
+                  <a:ln>
+                    <a:noFill/>
+                    <a:prstDash val="solid"/>
+                  </a:ln>
+                </p:spPr>
+              </p:pic>
+            </p:grpSp>
+            <p:pic>
+              <p:nvPicPr>
+                <p:cNvPr id="123" name="Picture 123"/>
+                <p:cNvPicPr>
+                  <a:picLocks noChangeAspect="1"/>
+                </p:cNvPicPr>
+                <p:nvPr/>
+              </p:nvPicPr>
+              <p:blipFill>
+                <a:blip r:embed="rId9"/>
+                <a:stretch>
+                  <a:fillRect/>
+                </a:stretch>
+              </p:blipFill>
+              <p:spPr>
+                <a:xfrm>
+                  <a:off x="3461944" y="3437514"/>
+                  <a:ext cx="324396" cy="306400"/>
+                </a:xfrm>
+                <a:prstGeom prst="roundRect">
+                  <a:avLst>
+                    <a:gd name="adj" fmla="val 10768"/>
+                  </a:avLst>
+                </a:prstGeom>
+                <a:ln>
+                  <a:noFill/>
+                  <a:prstDash val="solid"/>
+                </a:ln>
+              </p:spPr>
+            </p:pic>
+          </p:grpSp>
+          <p:sp>
+            <p:nvSpPr>
+              <p:cNvPr id="124" name="AutoShape 124"/>
+              <p:cNvSpPr/>
+              <p:nvPr/>
+            </p:nvSpPr>
+            <p:spPr>
+              <a:xfrm>
+                <a:off x="3076595" y="3890514"/>
+                <a:ext cx="1155700" cy="228600"/>
+              </a:xfrm>
+              <a:prstGeom prst="rect">
+                <a:avLst/>
+              </a:prstGeom>
+              <a:noFill/>
+              <a:ln w="12700">
+                <a:noFill/>
+                <a:prstDash val="solid"/>
+              </a:ln>
+            </p:spPr>
+            <p:txBody>
+              <a:bodyPr lIns="91440" tIns="45720" rIns="91440" bIns="45720" rtlCol="0" anchor="t">
+                <a:noAutofit/>
+              </a:bodyPr>
+              <a:lstStyle/>
+              <a:p>
+                <a:pPr>
+                  <a:defRPr/>
+                </a:pPr>
+                <a:r>
+                  <a:rPr lang="en-US" sz="900" dirty="0">
+                    <a:solidFill>
+                      <a:srgbClr val="1F2329"/>
+                    </a:solidFill>
+                    <a:latin typeface="Noto Sans SC"/>
+                    <a:ea typeface="Noto Sans SC"/>
+                    <a:cs typeface="Noto Sans SC"/>
+                    <a:sym typeface="Noto Sans SC"/>
+                  </a:rPr>
+                  <a:t>Original Code</a:t>
+                </a:r>
+                <a:endParaRPr lang="en-US" sz="1100" dirty="0"/>
+              </a:p>
+            </p:txBody>
+          </p:sp>
+        </p:grpSp>
+        <p:sp>
+          <p:nvSpPr>
+            <p:cNvPr id="130" name="AutoShape 130"/>
+            <p:cNvSpPr/>
+            <p:nvPr/>
+          </p:nvSpPr>
+          <p:spPr>
+            <a:xfrm rot="16200000">
+              <a:off x="4587167" y="2372666"/>
+              <a:ext cx="177109" cy="806095"/>
+            </a:xfrm>
+            <a:prstGeom prst="downArrow">
+              <a:avLst>
+                <a:gd name="adj1" fmla="val 50000"/>
+                <a:gd name="adj2" fmla="val 50000"/>
+              </a:avLst>
+            </a:prstGeom>
+            <a:ln w="6350"/>
+          </p:spPr>
+          <p:style>
+            <a:lnRef idx="1">
+              <a:schemeClr val="dk1"/>
+            </a:lnRef>
+            <a:fillRef idx="2">
+              <a:schemeClr val="dk1"/>
+            </a:fillRef>
+            <a:effectRef idx="1">
+              <a:schemeClr val="dk1"/>
+            </a:effectRef>
+            <a:fontRef idx="minor">
+              <a:schemeClr val="dk1"/>
+            </a:fontRef>
+          </p:style>
+          <p:txBody>
+            <a:bodyPr lIns="91440" tIns="45720" rIns="0" bIns="45720" rtlCol="0" anchor="ctr">
+              <a:noAutofit/>
+            </a:bodyPr>
+            <a:lstStyle/>
+            <a:p>
+              <a:pPr algn="ctr">
+                <a:defRPr/>
+              </a:pPr>
+              <a:endParaRPr dirty="0"/>
+            </a:p>
+          </p:txBody>
+        </p:sp>
+        <p:sp>
+          <p:nvSpPr>
+            <p:cNvPr id="32" name="AutoShape 94">
+              <a:extLst>
+                <a:ext uri="{FF2B5EF4-FFF2-40B4-BE49-F238E27FC236}">
+                  <a16:creationId xmlns:a16="http://schemas.microsoft.com/office/drawing/2014/main" id="{B7394011-2C04-1308-54A3-0E18E1C87A1B}"/>
+                </a:ext>
+              </a:extLst>
+            </p:cNvPr>
+            <p:cNvSpPr/>
+            <p:nvPr/>
+          </p:nvSpPr>
+          <p:spPr>
+            <a:xfrm>
+              <a:off x="2735873" y="1864080"/>
+              <a:ext cx="3722489" cy="1358054"/>
+            </a:xfrm>
+            <a:prstGeom prst="roundRect">
+              <a:avLst>
+                <a:gd name="adj" fmla="val 1335"/>
+              </a:avLst>
+            </a:prstGeom>
+            <a:noFill/>
+            <a:ln w="12700" cap="flat" cmpd="sng">
+              <a:solidFill>
+                <a:schemeClr val="tx1"/>
+              </a:solidFill>
+              <a:prstDash val="solid"/>
+              <a:round/>
+            </a:ln>
+          </p:spPr>
+          <p:txBody>
+            <a:bodyPr lIns="63500" tIns="63500" rIns="63500" bIns="63500" rtlCol="0" anchor="ctr">
+              <a:noAutofit/>
+            </a:bodyPr>
+            <a:lstStyle/>
+            <a:p>
+              <a:pPr algn="ctr">
+                <a:defRPr/>
+              </a:pPr>
+              <a:endParaRPr dirty="0"/>
+            </a:p>
+          </p:txBody>
+        </p:sp>
+      </p:grpSp>
+      <p:sp>
+        <p:nvSpPr>
+          <p:cNvPr id="26" name="AutoShape 26"/>
+          <p:cNvSpPr/>
+          <p:nvPr/>
+        </p:nvSpPr>
+        <p:spPr>
+          <a:xfrm>
+            <a:off x="381647" y="1523666"/>
+            <a:ext cx="1324096" cy="393700"/>
+          </a:xfrm>
+          <a:prstGeom prst="rect">
+            <a:avLst/>
+          </a:prstGeom>
+          <a:noFill/>
+          <a:ln w="12700">
+            <a:noFill/>
+            <a:prstDash val="solid"/>
+          </a:ln>
+        </p:spPr>
+        <p:txBody>
+          <a:bodyPr lIns="91440" tIns="45720" rIns="91440" bIns="45720" rtlCol="0" anchor="t">
+            <a:noAutofit/>
+          </a:bodyPr>
+          <a:lstStyle/>
+          <a:p>
+            <a:pPr algn="ctr">
+              <a:defRPr/>
+            </a:pPr>
+            <a:r>
+              <a:rPr lang="en-US" sz="800" dirty="0"/>
+              <a:t>Manifest Validation </a:t>
+            </a:r>
+          </a:p>
+          <a:p>
+            <a:pPr algn="ctr"/>
+            <a:r>
+              <a:rPr lang="en-US" sz="800" dirty="0"/>
+              <a:t>&amp; Manual Check</a:t>
+            </a:r>
+          </a:p>
+        </p:txBody>
+      </p:sp>
+      <p:sp>
+        <p:nvSpPr>
+          <p:cNvPr id="151" name="AutoShape 14">
+            <a:extLst>
+              <a:ext uri="{FF2B5EF4-FFF2-40B4-BE49-F238E27FC236}">
+                <a16:creationId xmlns:a16="http://schemas.microsoft.com/office/drawing/2014/main" id="{89C2273E-930C-30A8-E16A-F7FC10547CA0}"/>
+              </a:ext>
+            </a:extLst>
+          </p:cNvPr>
+          <p:cNvSpPr/>
+          <p:nvPr/>
+        </p:nvSpPr>
+        <p:spPr>
+          <a:xfrm>
+            <a:off x="1563503" y="1565632"/>
+            <a:ext cx="204600" cy="236351"/>
+          </a:xfrm>
+          <a:prstGeom prst="downArrow">
+            <a:avLst>
+              <a:gd name="adj1" fmla="val 50000"/>
+              <a:gd name="adj2" fmla="val 50000"/>
+            </a:avLst>
+          </a:prstGeom>
+          <a:ln/>
+        </p:spPr>
+        <p:style>
+          <a:lnRef idx="1">
+            <a:schemeClr val="dk1"/>
+          </a:lnRef>
+          <a:fillRef idx="2">
+            <a:schemeClr val="dk1"/>
+          </a:fillRef>
+          <a:effectRef idx="1">
+            <a:schemeClr val="dk1"/>
+          </a:effectRef>
+          <a:fontRef idx="minor">
+            <a:schemeClr val="dk1"/>
+          </a:fontRef>
+        </p:style>
+        <p:txBody>
+          <a:bodyPr lIns="91440" tIns="45720" rIns="35560" bIns="45720" rtlCol="0" anchor="ctr">
+            <a:noAutofit/>
+          </a:bodyPr>
+          <a:lstStyle/>
+          <a:p>
+            <a:pPr algn="ctr">
+              <a:defRPr/>
+            </a:pPr>
+            <a:endParaRPr/>
+          </a:p>
+        </p:txBody>
+      </p:sp>
     </p:spTree>
   </p:cSld>
   <p:clrMapOvr>

--- a/Paper Reading/____Writing/Fig_Overview.pptx
+++ b/Paper Reading/____Writing/Fig_Overview.pptx
@@ -342,7 +342,7 @@
           <a:p>
             <a:fld id="{B7268E1E-0E44-426D-905E-8AD9B19D2182}" type="datetimeFigureOut">
               <a:rPr lang="cs-CZ" smtClean="0"/>
-              <a:t>03.03.2025</a:t>
+              <a:t>04.03.2025</a:t>
             </a:fld>
             <a:endParaRPr lang="cs-CZ"/>
           </a:p>
@@ -11358,13 +11358,63 @@
       </p:grpSpPr>
       <p:sp>
         <p:nvSpPr>
+          <p:cNvPr id="169" name="AutoShape 115">
+            <a:extLst>
+              <a:ext uri="{FF2B5EF4-FFF2-40B4-BE49-F238E27FC236}">
+                <a16:creationId xmlns:a16="http://schemas.microsoft.com/office/drawing/2014/main" id="{935D12A4-1BDC-E77C-ADA4-F42177ACFA48}"/>
+              </a:ext>
+            </a:extLst>
+          </p:cNvPr>
+          <p:cNvSpPr/>
+          <p:nvPr/>
+        </p:nvSpPr>
+        <p:spPr>
+          <a:xfrm>
+            <a:off x="438032" y="5413095"/>
+            <a:ext cx="2727432" cy="1173619"/>
+          </a:xfrm>
+          <a:prstGeom prst="roundRect">
+            <a:avLst>
+              <a:gd name="adj" fmla="val 9090"/>
+            </a:avLst>
+          </a:prstGeom>
+          <a:solidFill>
+            <a:srgbClr val="DEE0E3">
+              <a:alpha val="20000"/>
+            </a:srgbClr>
+          </a:solidFill>
+          <a:ln w="25400" cap="flat" cmpd="sng">
+            <a:solidFill>
+              <a:srgbClr val="2B2F36">
+                <a:alpha val="20000"/>
+              </a:srgbClr>
+            </a:solidFill>
+            <a:prstDash val="solid"/>
+            <a:round/>
+          </a:ln>
+        </p:spPr>
+        <p:txBody>
+          <a:bodyPr lIns="63500" tIns="63500" rIns="63500" bIns="63500" rtlCol="0" anchor="ctr">
+            <a:noAutofit/>
+          </a:bodyPr>
+          <a:lstStyle/>
+          <a:p>
+            <a:pPr algn="ctr">
+              <a:defRPr/>
+            </a:pPr>
+            <a:endParaRPr sz="1400" dirty="0"/>
+          </a:p>
+        </p:txBody>
+      </p:sp>
+      <p:sp>
+        <p:nvSpPr>
           <p:cNvPr id="31" name="AutoShape 31"/>
           <p:cNvSpPr/>
           <p:nvPr/>
         </p:nvSpPr>
         <p:spPr>
           <a:xfrm>
-            <a:off x="3639065" y="18534"/>
+            <a:off x="3578186" y="29327"/>
             <a:ext cx="2029832" cy="435794"/>
           </a:xfrm>
           <a:prstGeom prst="rect">
@@ -11414,7 +11464,7 @@
         </p:nvGrpSpPr>
         <p:grpSpPr>
           <a:xfrm>
-            <a:off x="7994063" y="5159851"/>
+            <a:off x="7690869" y="5138082"/>
             <a:ext cx="4106341" cy="1454030"/>
             <a:chOff x="7929365" y="6685782"/>
             <a:chExt cx="4106341" cy="1454030"/>
@@ -12334,8 +12384,8 @@
         </p:nvSpPr>
         <p:spPr>
           <a:xfrm>
-            <a:off x="155203" y="3122467"/>
-            <a:ext cx="3074981" cy="3862811"/>
+            <a:off x="246613" y="2117596"/>
+            <a:ext cx="2983571" cy="1397127"/>
           </a:xfrm>
           <a:prstGeom prst="roundRect">
             <a:avLst>
@@ -12361,7 +12411,7 @@
             <a:pPr algn="ctr">
               <a:defRPr/>
             </a:pPr>
-            <a:endParaRPr/>
+            <a:endParaRPr dirty="0"/>
           </a:p>
         </p:txBody>
       </p:sp>
@@ -12373,7 +12423,7 @@
         </p:nvSpPr>
         <p:spPr>
           <a:xfrm>
-            <a:off x="297427" y="3800010"/>
+            <a:off x="279828" y="3779994"/>
             <a:ext cx="2413341" cy="335688"/>
           </a:xfrm>
           <a:prstGeom prst="rect">
@@ -12420,7 +12470,7 @@
         </p:nvGrpSpPr>
         <p:grpSpPr>
           <a:xfrm>
-            <a:off x="872301" y="4167960"/>
+            <a:off x="435246" y="2501887"/>
             <a:ext cx="1225551" cy="873207"/>
             <a:chOff x="2833772" y="5846297"/>
             <a:chExt cx="2118479" cy="1323090"/>
@@ -12986,10 +13036,10 @@
         </p:nvGrpSpPr>
         <p:grpSpPr>
           <a:xfrm>
-            <a:off x="2138283" y="4205193"/>
-            <a:ext cx="1044444" cy="710699"/>
+            <a:off x="1743601" y="2577340"/>
+            <a:ext cx="1320333" cy="710710"/>
             <a:chOff x="201783" y="7309654"/>
-            <a:chExt cx="960403" cy="429103"/>
+            <a:chExt cx="1214093" cy="429110"/>
           </a:xfrm>
         </p:grpSpPr>
         <p:grpSp>
@@ -13006,10 +13056,10 @@
           </p:nvGrpSpPr>
           <p:grpSpPr>
             <a:xfrm>
-              <a:off x="201783" y="7326294"/>
-              <a:ext cx="909717" cy="412463"/>
-              <a:chOff x="201783" y="7326294"/>
-              <a:chExt cx="909717" cy="412463"/>
+              <a:off x="201783" y="7326301"/>
+              <a:ext cx="1214093" cy="412463"/>
+              <a:chOff x="201783" y="7326301"/>
+              <a:chExt cx="1214093" cy="412463"/>
             </a:xfrm>
           </p:grpSpPr>
           <p:sp>
@@ -13026,8 +13076,8 @@
             </p:nvSpPr>
             <p:spPr>
               <a:xfrm>
-                <a:off x="201783" y="7326294"/>
-                <a:ext cx="909717" cy="412463"/>
+                <a:off x="201783" y="7326301"/>
+                <a:ext cx="1214093" cy="412463"/>
               </a:xfrm>
               <a:prstGeom prst="roundRect">
                 <a:avLst>
@@ -13148,7 +13198,7 @@
           <p:spPr>
             <a:xfrm>
               <a:off x="228005" y="7309654"/>
-              <a:ext cx="934181" cy="233277"/>
+              <a:ext cx="1159197" cy="233277"/>
             </a:xfrm>
             <a:prstGeom prst="rect">
               <a:avLst/>
@@ -13169,65 +13219,18 @@
                 <a:defRPr/>
               </a:pPr>
               <a:r>
-                <a:rPr lang="en-US" sz="800" dirty="0">
+                <a:rPr lang="en-US" sz="1000" dirty="0">
                   <a:solidFill>
                     <a:srgbClr val="1F2329"/>
                   </a:solidFill>
                 </a:rPr>
                 <a:t>Game Logic Code &amp; Third Plugin Analysis</a:t>
               </a:r>
-              <a:endParaRPr lang="en-US" sz="800" dirty="0"/>
+              <a:endParaRPr lang="en-US" sz="1000" dirty="0"/>
             </a:p>
           </p:txBody>
         </p:sp>
       </p:grpSp>
-      <p:sp>
-        <p:nvSpPr>
-          <p:cNvPr id="292" name="AutoShape 119">
-            <a:extLst>
-              <a:ext uri="{FF2B5EF4-FFF2-40B4-BE49-F238E27FC236}">
-                <a16:creationId xmlns:a16="http://schemas.microsoft.com/office/drawing/2014/main" id="{B4055208-3059-66E8-AE48-3C0D1BC5F13D}"/>
-              </a:ext>
-            </a:extLst>
-          </p:cNvPr>
-          <p:cNvSpPr/>
-          <p:nvPr/>
-        </p:nvSpPr>
-        <p:spPr>
-          <a:xfrm rot="16200000">
-            <a:off x="1448611" y="4931104"/>
-            <a:ext cx="306223" cy="997275"/>
-          </a:xfrm>
-          <a:prstGeom prst="rect">
-            <a:avLst/>
-          </a:prstGeom>
-          <a:noFill/>
-          <a:ln w="12700">
-            <a:noFill/>
-            <a:prstDash val="solid"/>
-          </a:ln>
-        </p:spPr>
-        <p:txBody>
-          <a:bodyPr vert="eaVert" lIns="91440" tIns="45720" rIns="91440" bIns="45720" rtlCol="0" anchor="t">
-            <a:noAutofit/>
-          </a:bodyPr>
-          <a:lstStyle/>
-          <a:p>
-            <a:pPr>
-              <a:defRPr/>
-            </a:pPr>
-            <a:r>
-              <a:rPr lang="en-US" altLang="zh-CN" sz="1200" dirty="0">
-                <a:latin typeface="+mn-lt"/>
-              </a:rPr>
-              <a:t>Abstraction</a:t>
-            </a:r>
-            <a:endParaRPr lang="en-US" sz="1050" dirty="0">
-              <a:latin typeface="+mn-lt"/>
-            </a:endParaRPr>
-          </a:p>
-        </p:txBody>
-      </p:sp>
       <p:grpSp>
         <p:nvGrpSpPr>
           <p:cNvPr id="180" name="组合 179">
@@ -14023,8 +14026,8 @@
             </p:nvSpPr>
             <p:spPr>
               <a:xfrm>
-                <a:off x="4201992" y="2864991"/>
-                <a:ext cx="825866" cy="339645"/>
+                <a:off x="4254903" y="2792245"/>
+                <a:ext cx="825866" cy="339644"/>
               </a:xfrm>
               <a:prstGeom prst="rect">
                 <a:avLst/>
@@ -14400,7 +14403,7 @@
                 <a:solidFill>
                   <a:sysClr val="windowText" lastClr="000000"/>
                 </a:solidFill>
-                <a:prstDash val="solid"/>
+                <a:prstDash val="sysDot"/>
                 <a:miter lim="800000"/>
                 <a:tailEnd type="triangle"/>
               </a:ln>
@@ -14419,14 +14422,13 @@
               <p:cNvCxnSpPr>
                 <a:cxnSpLocks/>
                 <a:stCxn id="200" idx="0"/>
-                <a:endCxn id="194" idx="2"/>
               </p:cNvCxnSpPr>
               <p:nvPr/>
             </p:nvCxnSpPr>
             <p:spPr>
               <a:xfrm rot="16200000" flipV="1">
-                <a:off x="5925818" y="3352566"/>
-                <a:ext cx="433339" cy="545158"/>
+                <a:off x="6004246" y="3430995"/>
+                <a:ext cx="455836" cy="365805"/>
               </a:xfrm>
               <a:prstGeom prst="curvedConnector3">
                 <a:avLst>
@@ -14438,8 +14440,9 @@
                 <a:solidFill>
                   <a:sysClr val="windowText" lastClr="000000"/>
                 </a:solidFill>
-                <a:prstDash val="solid"/>
+                <a:prstDash val="sysDot"/>
                 <a:miter lim="800000"/>
+                <a:headEnd w="med" len="sm"/>
                 <a:tailEnd type="triangle"/>
               </a:ln>
               <a:effectLst/>
@@ -14463,8 +14466,8 @@
             </p:nvCxnSpPr>
             <p:spPr>
               <a:xfrm rot="5400000" flipH="1" flipV="1">
-                <a:off x="5126098" y="3098005"/>
-                <a:ext cx="433339" cy="1054281"/>
+                <a:off x="5126097" y="3098007"/>
+                <a:ext cx="433338" cy="1054279"/>
               </a:xfrm>
               <a:prstGeom prst="curvedConnector3">
                 <a:avLst>
@@ -14476,8 +14479,9 @@
                 <a:solidFill>
                   <a:sysClr val="windowText" lastClr="000000"/>
                 </a:solidFill>
-                <a:prstDash val="solid"/>
+                <a:prstDash val="sysDot"/>
                 <a:miter lim="800000"/>
+                <a:headEnd w="med" len="sm"/>
                 <a:tailEnd type="triangle"/>
               </a:ln>
               <a:effectLst/>
@@ -14878,8 +14882,8 @@
         </p:nvSpPr>
         <p:spPr>
           <a:xfrm>
-            <a:off x="3556017" y="3466132"/>
-            <a:ext cx="3923006" cy="3197196"/>
+            <a:off x="3614197" y="3466132"/>
+            <a:ext cx="3864826" cy="3197196"/>
           </a:xfrm>
           <a:prstGeom prst="roundRect">
             <a:avLst>
@@ -14921,7 +14925,7 @@
         </p:nvSpPr>
         <p:spPr>
           <a:xfrm>
-            <a:off x="3549802" y="3520255"/>
+            <a:off x="3546311" y="3500075"/>
             <a:ext cx="2093583" cy="266700"/>
           </a:xfrm>
           <a:prstGeom prst="rect">
@@ -15013,9 +15017,9 @@
           <p:nvPr/>
         </p:nvCxnSpPr>
         <p:spPr>
-          <a:xfrm>
-            <a:off x="3238762" y="5221372"/>
-            <a:ext cx="311040" cy="0"/>
+          <a:xfrm flipV="1">
+            <a:off x="3398520" y="5221372"/>
+            <a:ext cx="215606" cy="7303"/>
           </a:xfrm>
           <a:prstGeom prst="straightConnector1">
             <a:avLst/>
@@ -18776,8 +18780,8 @@
         </p:nvSpPr>
         <p:spPr>
           <a:xfrm rot="10800000">
-            <a:off x="3524939" y="79493"/>
-            <a:ext cx="8773505" cy="4932774"/>
+            <a:off x="3546311" y="79493"/>
+            <a:ext cx="8752132" cy="4932774"/>
           </a:xfrm>
           <a:prstGeom prst="corner">
             <a:avLst>
@@ -19835,61 +19839,6 @@
           </p:sp>
         </p:grpSp>
       </p:grpSp>
-      <p:sp>
-        <p:nvSpPr>
-          <p:cNvPr id="6" name="右大括号 5">
-            <a:extLst>
-              <a:ext uri="{FF2B5EF4-FFF2-40B4-BE49-F238E27FC236}">
-                <a16:creationId xmlns:a16="http://schemas.microsoft.com/office/drawing/2014/main" id="{898D02DE-EEE8-59E2-9A89-5B99BABF6CA6}"/>
-              </a:ext>
-            </a:extLst>
-          </p:cNvPr>
-          <p:cNvSpPr/>
-          <p:nvPr/>
-        </p:nvSpPr>
-        <p:spPr>
-          <a:xfrm rot="5400000">
-            <a:off x="1976018" y="4406288"/>
-            <a:ext cx="124129" cy="1647009"/>
-          </a:xfrm>
-          <a:prstGeom prst="rightBrace">
-            <a:avLst>
-              <a:gd name="adj1" fmla="val 38451"/>
-              <a:gd name="adj2" fmla="val 50000"/>
-            </a:avLst>
-          </a:prstGeom>
-          <a:ln w="15875">
-            <a:solidFill>
-              <a:schemeClr val="dk1">
-                <a:shade val="95000"/>
-                <a:satMod val="105000"/>
-              </a:schemeClr>
-            </a:solidFill>
-          </a:ln>
-        </p:spPr>
-        <p:style>
-          <a:lnRef idx="1">
-            <a:schemeClr val="dk1"/>
-          </a:lnRef>
-          <a:fillRef idx="0">
-            <a:schemeClr val="dk1"/>
-          </a:fillRef>
-          <a:effectRef idx="0">
-            <a:schemeClr val="dk1"/>
-          </a:effectRef>
-          <a:fontRef idx="minor">
-            <a:schemeClr val="tx1"/>
-          </a:fontRef>
-        </p:style>
-        <p:txBody>
-          <a:bodyPr rtlCol="0" anchor="ctr"/>
-          <a:lstStyle/>
-          <a:p>
-            <a:pPr algn="ctr"/>
-            <a:endParaRPr lang="zh-CN" altLang="en-US"/>
-          </a:p>
-        </p:txBody>
-      </p:sp>
       <p:cxnSp>
         <p:nvCxnSpPr>
           <p:cNvPr id="76" name="直接箭头连接符 75">
@@ -19906,8 +19855,8 @@
         </p:nvCxnSpPr>
         <p:spPr>
           <a:xfrm>
-            <a:off x="2049744" y="5291801"/>
-            <a:ext cx="9104" cy="357424"/>
+            <a:off x="1700881" y="3499774"/>
+            <a:ext cx="0" cy="255406"/>
           </a:xfrm>
           <a:prstGeom prst="straightConnector1">
             <a:avLst/>
@@ -19945,10 +19894,10 @@
         </p:nvGrpSpPr>
         <p:grpSpPr>
           <a:xfrm>
-            <a:off x="170022" y="149897"/>
-            <a:ext cx="3117357" cy="1682738"/>
-            <a:chOff x="246613" y="91500"/>
-            <a:chExt cx="3117357" cy="1682738"/>
+            <a:off x="207500" y="149897"/>
+            <a:ext cx="3079879" cy="1682738"/>
+            <a:chOff x="284091" y="91500"/>
+            <a:chExt cx="3079879" cy="1682738"/>
           </a:xfrm>
         </p:grpSpPr>
         <p:sp>
@@ -19959,8 +19908,8 @@
           </p:nvSpPr>
           <p:spPr>
             <a:xfrm>
-              <a:off x="246613" y="96659"/>
-              <a:ext cx="3117357" cy="1677579"/>
+              <a:off x="284091" y="96659"/>
+              <a:ext cx="3079879" cy="1677579"/>
             </a:xfrm>
             <a:prstGeom prst="roundRect">
               <a:avLst>
@@ -20722,10 +20671,10 @@
       </p:grpSp>
       <p:grpSp>
         <p:nvGrpSpPr>
-          <p:cNvPr id="214" name="组合 213">
+          <p:cNvPr id="167" name="组合 166">
             <a:extLst>
               <a:ext uri="{FF2B5EF4-FFF2-40B4-BE49-F238E27FC236}">
-                <a16:creationId xmlns:a16="http://schemas.microsoft.com/office/drawing/2014/main" id="{F2B7B300-5D63-0597-A81E-011E239C71B3}"/>
+                <a16:creationId xmlns:a16="http://schemas.microsoft.com/office/drawing/2014/main" id="{BAE75449-C0CE-6ACD-C5E9-E89C0960E855}"/>
               </a:ext>
             </a:extLst>
           </p:cNvPr>
@@ -20734,18 +20683,18 @@
         </p:nvGrpSpPr>
         <p:grpSpPr>
           <a:xfrm>
-            <a:off x="710553" y="6162857"/>
-            <a:ext cx="2068478" cy="814617"/>
-            <a:chOff x="175980" y="4718874"/>
-            <a:chExt cx="2068478" cy="814617"/>
+            <a:off x="440137" y="4145621"/>
+            <a:ext cx="2725327" cy="1173619"/>
+            <a:chOff x="440137" y="4145621"/>
+            <a:chExt cx="2725327" cy="1173619"/>
           </a:xfrm>
         </p:grpSpPr>
         <p:sp>
           <p:nvSpPr>
-            <p:cNvPr id="170" name="椭圆 169">
+            <p:cNvPr id="164" name="AutoShape 115">
               <a:extLst>
                 <a:ext uri="{FF2B5EF4-FFF2-40B4-BE49-F238E27FC236}">
-                  <a16:creationId xmlns:a16="http://schemas.microsoft.com/office/drawing/2014/main" id="{D1E65B99-1A7B-045F-A80A-79BEE0E3FBD2}"/>
+                  <a16:creationId xmlns:a16="http://schemas.microsoft.com/office/drawing/2014/main" id="{0E09B7FF-5CAF-B872-E69E-C3729C13AF29}"/>
                 </a:ext>
               </a:extLst>
             </p:cNvPr>
@@ -20754,318 +20703,516 @@
           </p:nvSpPr>
           <p:spPr>
             <a:xfrm>
-              <a:off x="896356" y="5005305"/>
-              <a:ext cx="1245661" cy="525085"/>
+              <a:off x="440137" y="4145621"/>
+              <a:ext cx="2688852" cy="1173619"/>
             </a:xfrm>
-            <a:prstGeom prst="ellipse">
-              <a:avLst/>
+            <a:prstGeom prst="roundRect">
+              <a:avLst>
+                <a:gd name="adj" fmla="val 9090"/>
+              </a:avLst>
             </a:prstGeom>
             <a:solidFill>
-              <a:srgbClr val="92D050">
-                <a:alpha val="50000"/>
+              <a:srgbClr val="DEE0E3">
+                <a:alpha val="20000"/>
               </a:srgbClr>
             </a:solidFill>
-            <a:ln>
-              <a:noFill/>
+            <a:ln w="25400" cap="flat" cmpd="sng">
+              <a:solidFill>
+                <a:srgbClr val="2B2F36">
+                  <a:alpha val="20000"/>
+                </a:srgbClr>
+              </a:solidFill>
+              <a:prstDash val="solid"/>
+              <a:round/>
             </a:ln>
           </p:spPr>
-          <p:style>
-            <a:lnRef idx="1">
-              <a:schemeClr val="accent6"/>
-            </a:lnRef>
-            <a:fillRef idx="2">
-              <a:schemeClr val="accent6"/>
-            </a:fillRef>
-            <a:effectRef idx="1">
-              <a:schemeClr val="accent6"/>
-            </a:effectRef>
-            <a:fontRef idx="minor">
-              <a:schemeClr val="dk1"/>
-            </a:fontRef>
-          </p:style>
           <p:txBody>
-            <a:bodyPr rtlCol="0" anchor="ctr"/>
+            <a:bodyPr lIns="63500" tIns="63500" rIns="63500" bIns="63500" rtlCol="0" anchor="ctr">
+              <a:noAutofit/>
+            </a:bodyPr>
             <a:lstStyle/>
             <a:p>
-              <a:pPr algn="ctr"/>
-              <a:endParaRPr lang="zh-CN" altLang="en-US" sz="1200" dirty="0"/>
+              <a:pPr algn="ctr">
+                <a:defRPr/>
+              </a:pPr>
+              <a:endParaRPr sz="1400" dirty="0"/>
             </a:p>
           </p:txBody>
         </p:sp>
-        <p:sp>
-          <p:nvSpPr>
-            <p:cNvPr id="168" name="椭圆 167">
+        <p:grpSp>
+          <p:nvGrpSpPr>
+            <p:cNvPr id="214" name="组合 213">
               <a:extLst>
                 <a:ext uri="{FF2B5EF4-FFF2-40B4-BE49-F238E27FC236}">
-                  <a16:creationId xmlns:a16="http://schemas.microsoft.com/office/drawing/2014/main" id="{2DA5C961-81AC-C259-6438-10F15AFA47F0}"/>
+                  <a16:creationId xmlns:a16="http://schemas.microsoft.com/office/drawing/2014/main" id="{F2B7B300-5D63-0597-A81E-011E239C71B3}"/>
                 </a:ext>
               </a:extLst>
             </p:cNvPr>
-            <p:cNvSpPr/>
+            <p:cNvGrpSpPr/>
+            <p:nvPr/>
+          </p:nvGrpSpPr>
+          <p:grpSpPr>
+            <a:xfrm>
+              <a:off x="713200" y="4406755"/>
+              <a:ext cx="2068478" cy="814617"/>
+              <a:chOff x="175980" y="4718874"/>
+              <a:chExt cx="2068478" cy="814617"/>
+            </a:xfrm>
+          </p:grpSpPr>
+          <p:sp>
+            <p:nvSpPr>
+              <p:cNvPr id="170" name="椭圆 169">
+                <a:extLst>
+                  <a:ext uri="{FF2B5EF4-FFF2-40B4-BE49-F238E27FC236}">
+                    <a16:creationId xmlns:a16="http://schemas.microsoft.com/office/drawing/2014/main" id="{D1E65B99-1A7B-045F-A80A-79BEE0E3FBD2}"/>
+                  </a:ext>
+                </a:extLst>
+              </p:cNvPr>
+              <p:cNvSpPr/>
+              <p:nvPr/>
+            </p:nvSpPr>
+            <p:spPr>
+              <a:xfrm>
+                <a:off x="896356" y="5005305"/>
+                <a:ext cx="1245661" cy="525085"/>
+              </a:xfrm>
+              <a:prstGeom prst="ellipse">
+                <a:avLst/>
+              </a:prstGeom>
+              <a:solidFill>
+                <a:srgbClr val="92D050">
+                  <a:alpha val="50000"/>
+                </a:srgbClr>
+              </a:solidFill>
+              <a:ln>
+                <a:noFill/>
+              </a:ln>
+            </p:spPr>
+            <p:style>
+              <a:lnRef idx="1">
+                <a:schemeClr val="accent6"/>
+              </a:lnRef>
+              <a:fillRef idx="2">
+                <a:schemeClr val="accent6"/>
+              </a:fillRef>
+              <a:effectRef idx="1">
+                <a:schemeClr val="accent6"/>
+              </a:effectRef>
+              <a:fontRef idx="minor">
+                <a:schemeClr val="dk1"/>
+              </a:fontRef>
+            </p:style>
+            <p:txBody>
+              <a:bodyPr rtlCol="0" anchor="ctr"/>
+              <a:lstStyle/>
+              <a:p>
+                <a:pPr algn="ctr"/>
+                <a:endParaRPr lang="zh-CN" altLang="en-US" sz="1200" dirty="0"/>
+              </a:p>
+            </p:txBody>
+          </p:sp>
+          <p:sp>
+            <p:nvSpPr>
+              <p:cNvPr id="168" name="椭圆 167">
+                <a:extLst>
+                  <a:ext uri="{FF2B5EF4-FFF2-40B4-BE49-F238E27FC236}">
+                    <a16:creationId xmlns:a16="http://schemas.microsoft.com/office/drawing/2014/main" id="{2DA5C961-81AC-C259-6438-10F15AFA47F0}"/>
+                  </a:ext>
+                </a:extLst>
+              </p:cNvPr>
+              <p:cNvSpPr/>
+              <p:nvPr/>
+            </p:nvSpPr>
+            <p:spPr>
+              <a:xfrm>
+                <a:off x="894073" y="4718874"/>
+                <a:ext cx="1239108" cy="592921"/>
+              </a:xfrm>
+              <a:prstGeom prst="ellipse">
+                <a:avLst/>
+              </a:prstGeom>
+              <a:solidFill>
+                <a:srgbClr val="ED1121">
+                  <a:alpha val="49804"/>
+                </a:srgbClr>
+              </a:solidFill>
+              <a:ln>
+                <a:noFill/>
+              </a:ln>
+            </p:spPr>
+            <p:style>
+              <a:lnRef idx="1">
+                <a:schemeClr val="accent6"/>
+              </a:lnRef>
+              <a:fillRef idx="2">
+                <a:schemeClr val="accent6"/>
+              </a:fillRef>
+              <a:effectRef idx="1">
+                <a:schemeClr val="accent6"/>
+              </a:effectRef>
+              <a:fontRef idx="minor">
+                <a:schemeClr val="dk1"/>
+              </a:fontRef>
+            </p:style>
+            <p:txBody>
+              <a:bodyPr rtlCol="0" anchor="ctr"/>
+              <a:lstStyle/>
+              <a:p>
+                <a:pPr algn="ctr"/>
+                <a:endParaRPr lang="zh-CN" altLang="en-US" sz="1100" dirty="0"/>
+              </a:p>
+            </p:txBody>
+          </p:sp>
+          <p:sp>
+            <p:nvSpPr>
+              <p:cNvPr id="176" name="AutoShape 119">
+                <a:extLst>
+                  <a:ext uri="{FF2B5EF4-FFF2-40B4-BE49-F238E27FC236}">
+                    <a16:creationId xmlns:a16="http://schemas.microsoft.com/office/drawing/2014/main" id="{AEA619EA-8002-8960-72D1-C8B97F5AAB7B}"/>
+                  </a:ext>
+                </a:extLst>
+              </p:cNvPr>
+              <p:cNvSpPr/>
+              <p:nvPr/>
+            </p:nvSpPr>
+            <p:spPr>
+              <a:xfrm>
+                <a:off x="1102948" y="4853654"/>
+                <a:ext cx="1077831" cy="176070"/>
+              </a:xfrm>
+              <a:prstGeom prst="rect">
+                <a:avLst/>
+              </a:prstGeom>
+              <a:noFill/>
+              <a:ln w="12700">
+                <a:noFill/>
+                <a:prstDash val="solid"/>
+              </a:ln>
+            </p:spPr>
+            <p:txBody>
+              <a:bodyPr lIns="91440" tIns="45720" rIns="91440" bIns="45720" rtlCol="0" anchor="t">
+                <a:noAutofit/>
+              </a:bodyPr>
+              <a:lstStyle/>
+              <a:p>
+                <a:pPr>
+                  <a:defRPr/>
+                </a:pPr>
+                <a:r>
+                  <a:rPr lang="en-US" sz="800" dirty="0"/>
+                  <a:t>Button, Joystick</a:t>
+                </a:r>
+                <a:endParaRPr lang="en-US" sz="1100" dirty="0"/>
+              </a:p>
+            </p:txBody>
+          </p:sp>
+          <p:sp>
+            <p:nvSpPr>
+              <p:cNvPr id="177" name="AutoShape 119">
+                <a:extLst>
+                  <a:ext uri="{FF2B5EF4-FFF2-40B4-BE49-F238E27FC236}">
+                    <a16:creationId xmlns:a16="http://schemas.microsoft.com/office/drawing/2014/main" id="{5E166DB2-A75C-B171-FC31-56097B1609A7}"/>
+                  </a:ext>
+                </a:extLst>
+              </p:cNvPr>
+              <p:cNvSpPr/>
+              <p:nvPr/>
+            </p:nvSpPr>
+            <p:spPr>
+              <a:xfrm>
+                <a:off x="1223569" y="5281703"/>
+                <a:ext cx="976684" cy="251788"/>
+              </a:xfrm>
+              <a:prstGeom prst="rect">
+                <a:avLst/>
+              </a:prstGeom>
+              <a:noFill/>
+              <a:ln w="12700">
+                <a:noFill/>
+                <a:prstDash val="solid"/>
+              </a:ln>
+            </p:spPr>
+            <p:txBody>
+              <a:bodyPr lIns="91440" tIns="45720" rIns="91440" bIns="45720" rtlCol="0" anchor="t">
+                <a:noAutofit/>
+              </a:bodyPr>
+              <a:lstStyle/>
+              <a:p>
+                <a:pPr>
+                  <a:defRPr/>
+                </a:pPr>
+                <a:r>
+                  <a:rPr lang="en-US" sz="800" dirty="0"/>
+                  <a:t>Box, Coin</a:t>
+                </a:r>
+                <a:endParaRPr lang="en-US" sz="1100" dirty="0"/>
+              </a:p>
+            </p:txBody>
+          </p:sp>
+          <p:sp>
+            <p:nvSpPr>
+              <p:cNvPr id="178" name="AutoShape 119">
+                <a:extLst>
+                  <a:ext uri="{FF2B5EF4-FFF2-40B4-BE49-F238E27FC236}">
+                    <a16:creationId xmlns:a16="http://schemas.microsoft.com/office/drawing/2014/main" id="{D2402F8E-E381-FBB3-D7E2-9ABA4D026758}"/>
+                  </a:ext>
+                </a:extLst>
+              </p:cNvPr>
+              <p:cNvSpPr/>
+              <p:nvPr/>
+            </p:nvSpPr>
+            <p:spPr>
+              <a:xfrm>
+                <a:off x="209823" y="5105123"/>
+                <a:ext cx="976684" cy="251788"/>
+              </a:xfrm>
+              <a:prstGeom prst="rect">
+                <a:avLst/>
+              </a:prstGeom>
+              <a:noFill/>
+              <a:ln w="12700">
+                <a:noFill/>
+                <a:prstDash val="solid"/>
+              </a:ln>
+            </p:spPr>
+            <p:txBody>
+              <a:bodyPr lIns="91440" tIns="45720" rIns="91440" bIns="45720" rtlCol="0" anchor="t">
+                <a:noAutofit/>
+              </a:bodyPr>
+              <a:lstStyle/>
+              <a:p>
+                <a:pPr>
+                  <a:defRPr/>
+                </a:pPr>
+                <a:r>
+                  <a:rPr lang="en-US" sz="1000" dirty="0"/>
+                  <a:t>Grabbable</a:t>
+                </a:r>
+                <a:endParaRPr lang="en-US" sz="1400" dirty="0"/>
+              </a:p>
+            </p:txBody>
+          </p:sp>
+          <p:sp>
+            <p:nvSpPr>
+              <p:cNvPr id="212" name="AutoShape 119">
+                <a:extLst>
+                  <a:ext uri="{FF2B5EF4-FFF2-40B4-BE49-F238E27FC236}">
+                    <a16:creationId xmlns:a16="http://schemas.microsoft.com/office/drawing/2014/main" id="{E039E8CC-55A6-E96B-4E85-08A5F11556D9}"/>
+                  </a:ext>
+                </a:extLst>
+              </p:cNvPr>
+              <p:cNvSpPr/>
+              <p:nvPr/>
+            </p:nvSpPr>
+            <p:spPr>
+              <a:xfrm>
+                <a:off x="175980" y="4837372"/>
+                <a:ext cx="976684" cy="251788"/>
+              </a:xfrm>
+              <a:prstGeom prst="rect">
+                <a:avLst/>
+              </a:prstGeom>
+              <a:noFill/>
+              <a:ln w="12700">
+                <a:noFill/>
+                <a:prstDash val="solid"/>
+              </a:ln>
+            </p:spPr>
+            <p:txBody>
+              <a:bodyPr lIns="91440" tIns="45720" rIns="91440" bIns="45720" rtlCol="0" anchor="t">
+                <a:noAutofit/>
+              </a:bodyPr>
+              <a:lstStyle/>
+              <a:p>
+                <a:pPr>
+                  <a:defRPr/>
+                </a:pPr>
+                <a:r>
+                  <a:rPr lang="en-US" sz="1000" dirty="0"/>
+                  <a:t>Triggerable</a:t>
+                </a:r>
+                <a:endParaRPr lang="en-US" sz="1400" dirty="0"/>
+              </a:p>
+            </p:txBody>
+          </p:sp>
+          <p:sp>
+            <p:nvSpPr>
+              <p:cNvPr id="213" name="AutoShape 119">
+                <a:extLst>
+                  <a:ext uri="{FF2B5EF4-FFF2-40B4-BE49-F238E27FC236}">
+                    <a16:creationId xmlns:a16="http://schemas.microsoft.com/office/drawing/2014/main" id="{B4A27EA1-B818-9650-4E6B-74EC109AE6B4}"/>
+                  </a:ext>
+                </a:extLst>
+              </p:cNvPr>
+              <p:cNvSpPr/>
+              <p:nvPr/>
+            </p:nvSpPr>
+            <p:spPr>
+              <a:xfrm>
+                <a:off x="936359" y="5055930"/>
+                <a:ext cx="1308099" cy="251788"/>
+              </a:xfrm>
+              <a:prstGeom prst="rect">
+                <a:avLst/>
+              </a:prstGeom>
+              <a:noFill/>
+              <a:ln w="12700">
+                <a:noFill/>
+                <a:prstDash val="solid"/>
+              </a:ln>
+            </p:spPr>
+            <p:txBody>
+              <a:bodyPr lIns="91440" tIns="45720" rIns="91440" bIns="45720" rtlCol="0" anchor="t">
+                <a:noAutofit/>
+              </a:bodyPr>
+              <a:lstStyle/>
+              <a:p>
+                <a:pPr>
+                  <a:defRPr/>
+                </a:pPr>
+                <a:r>
+                  <a:rPr lang="en-US" sz="800" dirty="0"/>
+                  <a:t>Gun, Cigarette Lighter</a:t>
+                </a:r>
+                <a:endParaRPr lang="en-US" sz="1100" dirty="0"/>
+              </a:p>
+            </p:txBody>
+          </p:sp>
+        </p:grpSp>
+        <p:sp>
+          <p:nvSpPr>
+            <p:cNvPr id="218" name="文本框 217">
+              <a:extLst>
+                <a:ext uri="{FF2B5EF4-FFF2-40B4-BE49-F238E27FC236}">
+                  <a16:creationId xmlns:a16="http://schemas.microsoft.com/office/drawing/2014/main" id="{6FEC9539-0432-02EA-ADD2-364E519891ED}"/>
+                </a:ext>
+              </a:extLst>
+            </p:cNvPr>
+            <p:cNvSpPr txBox="1"/>
             <p:nvPr/>
           </p:nvSpPr>
           <p:spPr>
             <a:xfrm>
-              <a:off x="894073" y="4718874"/>
-              <a:ext cx="1239108" cy="592921"/>
-            </a:xfrm>
-            <a:prstGeom prst="ellipse">
-              <a:avLst/>
-            </a:prstGeom>
-            <a:solidFill>
-              <a:srgbClr val="ED1121">
-                <a:alpha val="49804"/>
-              </a:srgbClr>
-            </a:solidFill>
-            <a:ln>
-              <a:noFill/>
-            </a:ln>
-          </p:spPr>
-          <p:style>
-            <a:lnRef idx="1">
-              <a:schemeClr val="accent6"/>
-            </a:lnRef>
-            <a:fillRef idx="2">
-              <a:schemeClr val="accent6"/>
-            </a:fillRef>
-            <a:effectRef idx="1">
-              <a:schemeClr val="accent6"/>
-            </a:effectRef>
-            <a:fontRef idx="minor">
-              <a:schemeClr val="dk1"/>
-            </a:fontRef>
-          </p:style>
-          <p:txBody>
-            <a:bodyPr rtlCol="0" anchor="ctr"/>
-            <a:lstStyle/>
-            <a:p>
-              <a:pPr algn="ctr"/>
-              <a:endParaRPr lang="zh-CN" altLang="en-US" sz="1100" dirty="0"/>
-            </a:p>
-          </p:txBody>
-        </p:sp>
-        <p:sp>
-          <p:nvSpPr>
-            <p:cNvPr id="176" name="AutoShape 119">
-              <a:extLst>
-                <a:ext uri="{FF2B5EF4-FFF2-40B4-BE49-F238E27FC236}">
-                  <a16:creationId xmlns:a16="http://schemas.microsoft.com/office/drawing/2014/main" id="{AEA619EA-8002-8960-72D1-C8B97F5AAB7B}"/>
-                </a:ext>
-              </a:extLst>
-            </p:cNvPr>
-            <p:cNvSpPr/>
-            <p:nvPr/>
-          </p:nvSpPr>
-          <p:spPr>
-            <a:xfrm>
-              <a:off x="1102948" y="4853654"/>
-              <a:ext cx="1077831" cy="176070"/>
+              <a:off x="539586" y="4167788"/>
+              <a:ext cx="2625878" cy="261610"/>
             </a:xfrm>
             <a:prstGeom prst="rect">
               <a:avLst/>
             </a:prstGeom>
             <a:noFill/>
-            <a:ln w="12700">
-              <a:noFill/>
-              <a:prstDash val="solid"/>
-            </a:ln>
           </p:spPr>
           <p:txBody>
-            <a:bodyPr lIns="91440" tIns="45720" rIns="91440" bIns="45720" rtlCol="0" anchor="t">
-              <a:noAutofit/>
+            <a:bodyPr wrap="square">
+              <a:spAutoFit/>
             </a:bodyPr>
             <a:lstStyle/>
             <a:p>
-              <a:pPr>
-                <a:defRPr/>
-              </a:pPr>
               <a:r>
-                <a:rPr lang="en-US" sz="800" dirty="0"/>
-                <a:t>Button, Joystick</a:t>
+                <a:rPr lang="zh-CN" altLang="en-US" sz="1100" dirty="0"/>
+                <a:t>Abstraction Object Interaction Feature</a:t>
               </a:r>
-              <a:endParaRPr lang="en-US" sz="1100" dirty="0"/>
-            </a:p>
-          </p:txBody>
-        </p:sp>
-        <p:sp>
-          <p:nvSpPr>
-            <p:cNvPr id="177" name="AutoShape 119">
-              <a:extLst>
-                <a:ext uri="{FF2B5EF4-FFF2-40B4-BE49-F238E27FC236}">
-                  <a16:creationId xmlns:a16="http://schemas.microsoft.com/office/drawing/2014/main" id="{5E166DB2-A75C-B171-FC31-56097B1609A7}"/>
-                </a:ext>
-              </a:extLst>
-            </p:cNvPr>
-            <p:cNvSpPr/>
-            <p:nvPr/>
-          </p:nvSpPr>
-          <p:spPr>
-            <a:xfrm>
-              <a:off x="1223569" y="5281703"/>
-              <a:ext cx="976684" cy="251788"/>
-            </a:xfrm>
-            <a:prstGeom prst="rect">
-              <a:avLst/>
-            </a:prstGeom>
-            <a:noFill/>
-            <a:ln w="12700">
-              <a:noFill/>
-              <a:prstDash val="solid"/>
-            </a:ln>
-          </p:spPr>
-          <p:txBody>
-            <a:bodyPr lIns="91440" tIns="45720" rIns="91440" bIns="45720" rtlCol="0" anchor="t">
-              <a:noAutofit/>
-            </a:bodyPr>
-            <a:lstStyle/>
-            <a:p>
-              <a:pPr>
-                <a:defRPr/>
-              </a:pPr>
-              <a:r>
-                <a:rPr lang="en-US" sz="800" dirty="0"/>
-                <a:t>Box, Coin</a:t>
-              </a:r>
-              <a:endParaRPr lang="en-US" sz="1100" dirty="0"/>
-            </a:p>
-          </p:txBody>
-        </p:sp>
-        <p:sp>
-          <p:nvSpPr>
-            <p:cNvPr id="178" name="AutoShape 119">
-              <a:extLst>
-                <a:ext uri="{FF2B5EF4-FFF2-40B4-BE49-F238E27FC236}">
-                  <a16:creationId xmlns:a16="http://schemas.microsoft.com/office/drawing/2014/main" id="{D2402F8E-E381-FBB3-D7E2-9ABA4D026758}"/>
-                </a:ext>
-              </a:extLst>
-            </p:cNvPr>
-            <p:cNvSpPr/>
-            <p:nvPr/>
-          </p:nvSpPr>
-          <p:spPr>
-            <a:xfrm>
-              <a:off x="209823" y="5105123"/>
-              <a:ext cx="976684" cy="251788"/>
-            </a:xfrm>
-            <a:prstGeom prst="rect">
-              <a:avLst/>
-            </a:prstGeom>
-            <a:noFill/>
-            <a:ln w="12700">
-              <a:noFill/>
-              <a:prstDash val="solid"/>
-            </a:ln>
-          </p:spPr>
-          <p:txBody>
-            <a:bodyPr lIns="91440" tIns="45720" rIns="91440" bIns="45720" rtlCol="0" anchor="t">
-              <a:noAutofit/>
-            </a:bodyPr>
-            <a:lstStyle/>
-            <a:p>
-              <a:pPr>
-                <a:defRPr/>
-              </a:pPr>
-              <a:r>
-                <a:rPr lang="en-US" sz="1000" dirty="0"/>
-                <a:t>Grabbable</a:t>
-              </a:r>
-              <a:endParaRPr lang="en-US" sz="1400" dirty="0"/>
-            </a:p>
-          </p:txBody>
-        </p:sp>
-        <p:sp>
-          <p:nvSpPr>
-            <p:cNvPr id="212" name="AutoShape 119">
-              <a:extLst>
-                <a:ext uri="{FF2B5EF4-FFF2-40B4-BE49-F238E27FC236}">
-                  <a16:creationId xmlns:a16="http://schemas.microsoft.com/office/drawing/2014/main" id="{E039E8CC-55A6-E96B-4E85-08A5F11556D9}"/>
-                </a:ext>
-              </a:extLst>
-            </p:cNvPr>
-            <p:cNvSpPr/>
-            <p:nvPr/>
-          </p:nvSpPr>
-          <p:spPr>
-            <a:xfrm>
-              <a:off x="175980" y="4837372"/>
-              <a:ext cx="976684" cy="251788"/>
-            </a:xfrm>
-            <a:prstGeom prst="rect">
-              <a:avLst/>
-            </a:prstGeom>
-            <a:noFill/>
-            <a:ln w="12700">
-              <a:noFill/>
-              <a:prstDash val="solid"/>
-            </a:ln>
-          </p:spPr>
-          <p:txBody>
-            <a:bodyPr lIns="91440" tIns="45720" rIns="91440" bIns="45720" rtlCol="0" anchor="t">
-              <a:noAutofit/>
-            </a:bodyPr>
-            <a:lstStyle/>
-            <a:p>
-              <a:pPr>
-                <a:defRPr/>
-              </a:pPr>
-              <a:r>
-                <a:rPr lang="en-US" sz="1000" dirty="0"/>
-                <a:t>Triggerable</a:t>
-              </a:r>
-              <a:endParaRPr lang="en-US" sz="1400" dirty="0"/>
-            </a:p>
-          </p:txBody>
-        </p:sp>
-        <p:sp>
-          <p:nvSpPr>
-            <p:cNvPr id="213" name="AutoShape 119">
-              <a:extLst>
-                <a:ext uri="{FF2B5EF4-FFF2-40B4-BE49-F238E27FC236}">
-                  <a16:creationId xmlns:a16="http://schemas.microsoft.com/office/drawing/2014/main" id="{B4A27EA1-B818-9650-4E6B-74EC109AE6B4}"/>
-                </a:ext>
-              </a:extLst>
-            </p:cNvPr>
-            <p:cNvSpPr/>
-            <p:nvPr/>
-          </p:nvSpPr>
-          <p:spPr>
-            <a:xfrm>
-              <a:off x="936359" y="5055930"/>
-              <a:ext cx="1308099" cy="251788"/>
-            </a:xfrm>
-            <a:prstGeom prst="rect">
-              <a:avLst/>
-            </a:prstGeom>
-            <a:noFill/>
-            <a:ln w="12700">
-              <a:noFill/>
-              <a:prstDash val="solid"/>
-            </a:ln>
-          </p:spPr>
-          <p:txBody>
-            <a:bodyPr lIns="91440" tIns="45720" rIns="91440" bIns="45720" rtlCol="0" anchor="t">
-              <a:noAutofit/>
-            </a:bodyPr>
-            <a:lstStyle/>
-            <a:p>
-              <a:pPr>
-                <a:defRPr/>
-              </a:pPr>
-              <a:r>
-                <a:rPr lang="en-US" sz="800" dirty="0"/>
-                <a:t>Gun, Cigarette Lighter</a:t>
-              </a:r>
-              <a:endParaRPr lang="en-US" sz="1100" dirty="0"/>
             </a:p>
           </p:txBody>
         </p:sp>
       </p:grpSp>
       <p:sp>
         <p:nvSpPr>
-          <p:cNvPr id="218" name="文本框 217">
+          <p:cNvPr id="7" name="AutoShape 28">
             <a:extLst>
               <a:ext uri="{FF2B5EF4-FFF2-40B4-BE49-F238E27FC236}">
-                <a16:creationId xmlns:a16="http://schemas.microsoft.com/office/drawing/2014/main" id="{6FEC9539-0432-02EA-ADD2-364E519891ED}"/>
+                <a16:creationId xmlns:a16="http://schemas.microsoft.com/office/drawing/2014/main" id="{9781817E-0082-D7E5-3A93-00E0D120032F}"/>
+              </a:ext>
+            </a:extLst>
+          </p:cNvPr>
+          <p:cNvSpPr/>
+          <p:nvPr/>
+        </p:nvSpPr>
+        <p:spPr>
+          <a:xfrm>
+            <a:off x="238720" y="2099806"/>
+            <a:ext cx="2413341" cy="335688"/>
+          </a:xfrm>
+          <a:prstGeom prst="rect">
+            <a:avLst/>
+          </a:prstGeom>
+          <a:noFill/>
+          <a:ln w="12700">
+            <a:noFill/>
+            <a:prstDash val="solid"/>
+          </a:ln>
+        </p:spPr>
+        <p:txBody>
+          <a:bodyPr lIns="91440" tIns="45720" rIns="91440" bIns="45720" rtlCol="0" anchor="t">
+            <a:noAutofit/>
+          </a:bodyPr>
+          <a:lstStyle/>
+          <a:p>
+            <a:pPr>
+              <a:defRPr/>
+            </a:pPr>
+            <a:r>
+              <a:rPr lang="en-US" altLang="zh-CN" sz="1800" b="1" dirty="0">
+                <a:solidFill>
+                  <a:srgbClr val="1F2329"/>
+                </a:solidFill>
+              </a:rPr>
+              <a:t>Project Analysis</a:t>
+            </a:r>
+            <a:endParaRPr lang="en-US" sz="1800" dirty="0"/>
+          </a:p>
+        </p:txBody>
+      </p:sp>
+      <p:sp>
+        <p:nvSpPr>
+          <p:cNvPr id="149" name="AutoShape 5">
+            <a:extLst>
+              <a:ext uri="{FF2B5EF4-FFF2-40B4-BE49-F238E27FC236}">
+                <a16:creationId xmlns:a16="http://schemas.microsoft.com/office/drawing/2014/main" id="{4C17200F-E6B9-78FE-5420-329728B3645F}"/>
+              </a:ext>
+            </a:extLst>
+          </p:cNvPr>
+          <p:cNvSpPr/>
+          <p:nvPr/>
+        </p:nvSpPr>
+        <p:spPr>
+          <a:xfrm>
+            <a:off x="283683" y="3776781"/>
+            <a:ext cx="2997551" cy="2903788"/>
+          </a:xfrm>
+          <a:prstGeom prst="roundRect">
+            <a:avLst>
+              <a:gd name="adj" fmla="val 0"/>
+            </a:avLst>
+          </a:prstGeom>
+          <a:noFill/>
+          <a:ln w="25400" cap="flat">
+            <a:solidFill>
+              <a:srgbClr val="000000">
+                <a:alpha val="100000"/>
+              </a:srgbClr>
+            </a:solidFill>
+            <a:prstDash val="dash"/>
+          </a:ln>
+        </p:spPr>
+        <p:txBody>
+          <a:bodyPr lIns="91440" tIns="45720" rIns="91440" bIns="45720" rtlCol="0" anchor="ctr">
+            <a:noAutofit/>
+          </a:bodyPr>
+          <a:lstStyle/>
+          <a:p>
+            <a:pPr algn="ctr">
+              <a:defRPr/>
+            </a:pPr>
+            <a:endParaRPr dirty="0"/>
+          </a:p>
+        </p:txBody>
+      </p:sp>
+      <p:sp>
+        <p:nvSpPr>
+          <p:cNvPr id="161" name="文本框 160">
+            <a:extLst>
+              <a:ext uri="{FF2B5EF4-FFF2-40B4-BE49-F238E27FC236}">
+                <a16:creationId xmlns:a16="http://schemas.microsoft.com/office/drawing/2014/main" id="{0A6A5E14-2898-6D5D-85C8-86B0DD5B73E4}"/>
               </a:ext>
             </a:extLst>
           </p:cNvPr>
@@ -21074,8 +21221,8 @@
         </p:nvSpPr>
         <p:spPr>
           <a:xfrm>
-            <a:off x="520079" y="5934512"/>
-            <a:ext cx="2625878" cy="261610"/>
+            <a:off x="1073490" y="5445383"/>
+            <a:ext cx="1350093" cy="261610"/>
           </a:xfrm>
           <a:prstGeom prst="rect">
             <a:avLst/>
@@ -21090,8 +21237,959 @@
           <a:p>
             <a:r>
               <a:rPr lang="zh-CN" altLang="en-US" sz="1100" dirty="0"/>
-              <a:t>Abstraction Object Interaction Feature</a:t>
+              <a:t>Abstraction </a:t>
             </a:r>
+            <a:r>
+              <a:rPr lang="en-US" altLang="zh-CN" sz="1100" dirty="0"/>
+              <a:t>Action</a:t>
+            </a:r>
+            <a:endParaRPr lang="zh-CN" altLang="en-US" sz="1100" dirty="0"/>
+          </a:p>
+        </p:txBody>
+      </p:sp>
+      <p:graphicFrame>
+        <p:nvGraphicFramePr>
+          <p:cNvPr id="228" name="表格 227">
+            <a:extLst>
+              <a:ext uri="{FF2B5EF4-FFF2-40B4-BE49-F238E27FC236}">
+                <a16:creationId xmlns:a16="http://schemas.microsoft.com/office/drawing/2014/main" id="{29FECD27-BA0D-A307-1918-26090C262902}"/>
+              </a:ext>
+            </a:extLst>
+          </p:cNvPr>
+          <p:cNvGraphicFramePr>
+            <a:graphicFrameLocks noGrp="1"/>
+          </p:cNvGraphicFramePr>
+          <p:nvPr>
+            <p:extLst>
+              <p:ext uri="{D42A27DB-BD31-4B8C-83A1-F6EECF244321}">
+                <p14:modId xmlns:p14="http://schemas.microsoft.com/office/powerpoint/2010/main" val="810022648"/>
+              </p:ext>
+            </p:extLst>
+          </p:nvPr>
+        </p:nvGraphicFramePr>
+        <p:xfrm>
+          <a:off x="1893545" y="5725922"/>
+          <a:ext cx="1204349" cy="792480"/>
+        </p:xfrm>
+        <a:graphic>
+          <a:graphicData uri="http://schemas.openxmlformats.org/drawingml/2006/table">
+            <a:tbl>
+              <a:tblPr firstRow="1" bandRow="1">
+                <a:tableStyleId>{5C22544A-7EE6-4342-B048-85BDC9FD1C3A}</a:tableStyleId>
+              </a:tblPr>
+              <a:tblGrid>
+                <a:gridCol w="1204349">
+                  <a:extLst>
+                    <a:ext uri="{9D8B030D-6E8A-4147-A177-3AD203B41FA5}">
+                      <a16:colId xmlns:a16="http://schemas.microsoft.com/office/drawing/2014/main" val="2008928327"/>
+                    </a:ext>
+                  </a:extLst>
+                </a:gridCol>
+              </a:tblGrid>
+              <a:tr h="167915">
+                <a:tc>
+                  <a:txBody>
+                    <a:bodyPr/>
+                    <a:lstStyle/>
+                    <a:p>
+                      <a:pPr marL="0" marR="0" lvl="0" indent="0" algn="l" defTabSz="914400" rtl="0" eaLnBrk="1" fontAlgn="auto" latinLnBrk="0" hangingPunct="1">
+                        <a:lnSpc>
+                          <a:spcPct val="100000"/>
+                        </a:lnSpc>
+                        <a:spcBef>
+                          <a:spcPts val="0"/>
+                        </a:spcBef>
+                        <a:spcAft>
+                          <a:spcPts val="0"/>
+                        </a:spcAft>
+                        <a:buClr>
+                          <a:srgbClr val="000000"/>
+                        </a:buClr>
+                        <a:buSzTx/>
+                        <a:buFont typeface="Arial"/>
+                        <a:buNone/>
+                        <a:tabLst/>
+                        <a:defRPr/>
+                      </a:pPr>
+                      <a:r>
+                        <a:rPr lang="en-US" altLang="zh-CN" sz="1000" b="0" i="0" u="none" strike="noStrike" kern="1200" cap="none" dirty="0">
+                          <a:solidFill>
+                            <a:prstClr val="black"/>
+                          </a:solidFill>
+                          <a:latin typeface="+mn-lt"/>
+                          <a:ea typeface="微软雅黑"/>
+                          <a:cs typeface="Times New Roman" panose="02020603050405020304" pitchFamily="18" charset="0"/>
+                          <a:sym typeface="Arial"/>
+                        </a:rPr>
+                        <a:t>Trigger Action</a:t>
+                      </a:r>
+                      <a:endParaRPr lang="zh-CN" altLang="en-US" sz="1000" b="0" i="0" u="none" strike="noStrike" kern="1200" cap="none" dirty="0">
+                        <a:solidFill>
+                          <a:prstClr val="black"/>
+                        </a:solidFill>
+                        <a:latin typeface="+mn-lt"/>
+                        <a:ea typeface="微软雅黑"/>
+                        <a:cs typeface="Times New Roman" panose="02020603050405020304" pitchFamily="18" charset="0"/>
+                        <a:sym typeface="Arial"/>
+                      </a:endParaRPr>
+                    </a:p>
+                  </a:txBody>
+                  <a:tcPr>
+                    <a:solidFill>
+                      <a:srgbClr val="6A8ED5"/>
+                    </a:solidFill>
+                  </a:tcPr>
+                </a:tc>
+                <a:extLst>
+                  <a:ext uri="{0D108BD9-81ED-4DB2-BD59-A6C34878D82A}">
+                    <a16:rowId xmlns:a16="http://schemas.microsoft.com/office/drawing/2014/main" val="1832913765"/>
+                  </a:ext>
+                </a:extLst>
+              </a:tr>
+              <a:tr h="146926">
+                <a:tc>
+                  <a:txBody>
+                    <a:bodyPr/>
+                    <a:lstStyle/>
+                    <a:p>
+                      <a:r>
+                        <a:rPr lang="en-US" altLang="zh-CN" sz="800" b="0" dirty="0">
+                          <a:latin typeface="Consolas" panose="020B0609020204030204" pitchFamily="49" charset="0"/>
+                        </a:rPr>
+                        <a:t>+ Triggering Time</a:t>
+                      </a:r>
+                      <a:endParaRPr lang="zh-CN" altLang="en-US" sz="800" b="0" dirty="0">
+                        <a:latin typeface="Consolas" panose="020B0609020204030204" pitchFamily="49" charset="0"/>
+                      </a:endParaRPr>
+                    </a:p>
+                  </a:txBody>
+                  <a:tcPr/>
+                </a:tc>
+                <a:extLst>
+                  <a:ext uri="{0D108BD9-81ED-4DB2-BD59-A6C34878D82A}">
+                    <a16:rowId xmlns:a16="http://schemas.microsoft.com/office/drawing/2014/main" val="3818358820"/>
+                  </a:ext>
+                </a:extLst>
+              </a:tr>
+              <a:tr h="230883">
+                <a:tc>
+                  <a:txBody>
+                    <a:bodyPr/>
+                    <a:lstStyle/>
+                    <a:p>
+                      <a:r>
+                        <a:rPr lang="en-US" altLang="zh-CN" sz="800" b="0" dirty="0">
+                          <a:latin typeface="Consolas" panose="020B0609020204030204" pitchFamily="49" charset="0"/>
+                        </a:rPr>
+                        <a:t>+ Triggering()</a:t>
+                      </a:r>
+                    </a:p>
+                    <a:p>
+                      <a:r>
+                        <a:rPr lang="en-US" altLang="zh-CN" sz="800" b="0" dirty="0">
+                          <a:latin typeface="Consolas" panose="020B0609020204030204" pitchFamily="49" charset="0"/>
+                        </a:rPr>
+                        <a:t>+ Triggered()</a:t>
+                      </a:r>
+                      <a:endParaRPr lang="zh-CN" altLang="en-US" sz="800" b="0" dirty="0">
+                        <a:latin typeface="Consolas" panose="020B0609020204030204" pitchFamily="49" charset="0"/>
+                      </a:endParaRPr>
+                    </a:p>
+                  </a:txBody>
+                  <a:tcPr/>
+                </a:tc>
+                <a:extLst>
+                  <a:ext uri="{0D108BD9-81ED-4DB2-BD59-A6C34878D82A}">
+                    <a16:rowId xmlns:a16="http://schemas.microsoft.com/office/drawing/2014/main" val="3416217157"/>
+                  </a:ext>
+                </a:extLst>
+              </a:tr>
+            </a:tbl>
+          </a:graphicData>
+        </a:graphic>
+      </p:graphicFrame>
+      <p:grpSp>
+        <p:nvGrpSpPr>
+          <p:cNvPr id="248" name="组合 247">
+            <a:extLst>
+              <a:ext uri="{FF2B5EF4-FFF2-40B4-BE49-F238E27FC236}">
+                <a16:creationId xmlns:a16="http://schemas.microsoft.com/office/drawing/2014/main" id="{AF698C48-AFFE-4CE4-DE97-77EC63F210AB}"/>
+              </a:ext>
+            </a:extLst>
+          </p:cNvPr>
+          <p:cNvGrpSpPr/>
+          <p:nvPr/>
+        </p:nvGrpSpPr>
+        <p:grpSpPr>
+          <a:xfrm>
+            <a:off x="517386" y="5697879"/>
+            <a:ext cx="798146" cy="266869"/>
+            <a:chOff x="586878" y="5687160"/>
+            <a:chExt cx="798146" cy="266869"/>
+          </a:xfrm>
+        </p:grpSpPr>
+        <p:sp>
+          <p:nvSpPr>
+            <p:cNvPr id="240" name="AutoShape 29">
+              <a:extLst>
+                <a:ext uri="{FF2B5EF4-FFF2-40B4-BE49-F238E27FC236}">
+                  <a16:creationId xmlns:a16="http://schemas.microsoft.com/office/drawing/2014/main" id="{C217706E-0D67-75EC-EC17-4146EB9434DA}"/>
+                </a:ext>
+              </a:extLst>
+            </p:cNvPr>
+            <p:cNvSpPr/>
+            <p:nvPr/>
+          </p:nvSpPr>
+          <p:spPr>
+            <a:xfrm>
+              <a:off x="586878" y="5744182"/>
+              <a:ext cx="363303" cy="142488"/>
+            </a:xfrm>
+            <a:prstGeom prst="rect">
+              <a:avLst/>
+            </a:prstGeom>
+            <a:noFill/>
+            <a:ln w="12700">
+              <a:noFill/>
+              <a:prstDash val="solid"/>
+            </a:ln>
+          </p:spPr>
+          <p:txBody>
+            <a:bodyPr lIns="0" tIns="0" rIns="0" bIns="0" rtlCol="0" anchor="ctr">
+              <a:noAutofit/>
+            </a:bodyPr>
+            <a:lstStyle/>
+            <a:p>
+              <a:pPr>
+                <a:lnSpc>
+                  <a:spcPct val="125000"/>
+                </a:lnSpc>
+                <a:defRPr/>
+              </a:pPr>
+              <a:r>
+                <a:rPr lang="en-US" altLang="zh-CN" sz="800" dirty="0">
+                  <a:solidFill>
+                    <a:srgbClr val="1F2329"/>
+                  </a:solidFill>
+                </a:rPr>
+                <a:t>Press</a:t>
+              </a:r>
+              <a:endParaRPr lang="en-US" sz="800" dirty="0"/>
+            </a:p>
+          </p:txBody>
+        </p:sp>
+        <p:sp>
+          <p:nvSpPr>
+            <p:cNvPr id="241" name="右大括号 240">
+              <a:extLst>
+                <a:ext uri="{FF2B5EF4-FFF2-40B4-BE49-F238E27FC236}">
+                  <a16:creationId xmlns:a16="http://schemas.microsoft.com/office/drawing/2014/main" id="{B8D492E5-3F0E-BD29-2F58-3C54F1928C5D}"/>
+                </a:ext>
+              </a:extLst>
+            </p:cNvPr>
+            <p:cNvSpPr/>
+            <p:nvPr/>
+          </p:nvSpPr>
+          <p:spPr>
+            <a:xfrm flipH="1">
+              <a:off x="855783" y="5755041"/>
+              <a:ext cx="45719" cy="160072"/>
+            </a:xfrm>
+            <a:prstGeom prst="rightBrace">
+              <a:avLst>
+                <a:gd name="adj1" fmla="val 38451"/>
+                <a:gd name="adj2" fmla="val 50000"/>
+              </a:avLst>
+            </a:prstGeom>
+            <a:ln w="9525">
+              <a:solidFill>
+                <a:schemeClr val="dk1">
+                  <a:shade val="95000"/>
+                  <a:satMod val="105000"/>
+                </a:schemeClr>
+              </a:solidFill>
+            </a:ln>
+          </p:spPr>
+          <p:style>
+            <a:lnRef idx="1">
+              <a:schemeClr val="dk1"/>
+            </a:lnRef>
+            <a:fillRef idx="0">
+              <a:schemeClr val="dk1"/>
+            </a:fillRef>
+            <a:effectRef idx="0">
+              <a:schemeClr val="dk1"/>
+            </a:effectRef>
+            <a:fontRef idx="minor">
+              <a:schemeClr val="tx1"/>
+            </a:fontRef>
+          </p:style>
+          <p:txBody>
+            <a:bodyPr rtlCol="0" anchor="ctr"/>
+            <a:lstStyle/>
+            <a:p>
+              <a:pPr algn="ctr"/>
+              <a:endParaRPr lang="zh-CN" altLang="en-US"/>
+            </a:p>
+          </p:txBody>
+        </p:sp>
+        <p:sp>
+          <p:nvSpPr>
+            <p:cNvPr id="242" name="AutoShape 29">
+              <a:extLst>
+                <a:ext uri="{FF2B5EF4-FFF2-40B4-BE49-F238E27FC236}">
+                  <a16:creationId xmlns:a16="http://schemas.microsoft.com/office/drawing/2014/main" id="{16F2024B-0E10-F14D-4899-723F0487CCFB}"/>
+                </a:ext>
+              </a:extLst>
+            </p:cNvPr>
+            <p:cNvSpPr/>
+            <p:nvPr/>
+          </p:nvSpPr>
+          <p:spPr>
+            <a:xfrm>
+              <a:off x="920070" y="5687160"/>
+              <a:ext cx="461058" cy="142488"/>
+            </a:xfrm>
+            <a:prstGeom prst="rect">
+              <a:avLst/>
+            </a:prstGeom>
+            <a:noFill/>
+            <a:ln w="12700">
+              <a:noFill/>
+              <a:prstDash val="solid"/>
+            </a:ln>
+          </p:spPr>
+          <p:txBody>
+            <a:bodyPr lIns="0" tIns="0" rIns="0" bIns="0" rtlCol="0" anchor="ctr">
+              <a:noAutofit/>
+            </a:bodyPr>
+            <a:lstStyle/>
+            <a:p>
+              <a:pPr>
+                <a:lnSpc>
+                  <a:spcPct val="125000"/>
+                </a:lnSpc>
+                <a:defRPr/>
+              </a:pPr>
+              <a:r>
+                <a:rPr lang="en-US" sz="800" dirty="0">
+                  <a:solidFill>
+                    <a:srgbClr val="1F2329"/>
+                  </a:solidFill>
+                </a:rPr>
+                <a:t>Pressing</a:t>
+              </a:r>
+              <a:endParaRPr lang="en-US" sz="800" dirty="0"/>
+            </a:p>
+          </p:txBody>
+        </p:sp>
+        <p:sp>
+          <p:nvSpPr>
+            <p:cNvPr id="243" name="AutoShape 29">
+              <a:extLst>
+                <a:ext uri="{FF2B5EF4-FFF2-40B4-BE49-F238E27FC236}">
+                  <a16:creationId xmlns:a16="http://schemas.microsoft.com/office/drawing/2014/main" id="{7B278C9E-3908-A7B9-AAE1-EE06A749E307}"/>
+                </a:ext>
+              </a:extLst>
+            </p:cNvPr>
+            <p:cNvSpPr/>
+            <p:nvPr/>
+          </p:nvSpPr>
+          <p:spPr>
+            <a:xfrm>
+              <a:off x="923966" y="5811541"/>
+              <a:ext cx="461058" cy="142488"/>
+            </a:xfrm>
+            <a:prstGeom prst="rect">
+              <a:avLst/>
+            </a:prstGeom>
+            <a:noFill/>
+            <a:ln w="12700">
+              <a:noFill/>
+              <a:prstDash val="solid"/>
+            </a:ln>
+          </p:spPr>
+          <p:txBody>
+            <a:bodyPr lIns="0" tIns="0" rIns="0" bIns="0" rtlCol="0" anchor="ctr">
+              <a:noAutofit/>
+            </a:bodyPr>
+            <a:lstStyle/>
+            <a:p>
+              <a:pPr>
+                <a:lnSpc>
+                  <a:spcPct val="125000"/>
+                </a:lnSpc>
+                <a:defRPr/>
+              </a:pPr>
+              <a:r>
+                <a:rPr lang="en-US" sz="800" dirty="0">
+                  <a:solidFill>
+                    <a:srgbClr val="1F2329"/>
+                  </a:solidFill>
+                </a:rPr>
+                <a:t>Pressed</a:t>
+              </a:r>
+              <a:endParaRPr lang="en-US" sz="800" dirty="0"/>
+            </a:p>
+          </p:txBody>
+        </p:sp>
+      </p:grpSp>
+      <p:grpSp>
+        <p:nvGrpSpPr>
+          <p:cNvPr id="264" name="组合 263">
+            <a:extLst>
+              <a:ext uri="{FF2B5EF4-FFF2-40B4-BE49-F238E27FC236}">
+                <a16:creationId xmlns:a16="http://schemas.microsoft.com/office/drawing/2014/main" id="{8F44D428-4F17-D874-20F7-BCDBA26B0F1E}"/>
+              </a:ext>
+            </a:extLst>
+          </p:cNvPr>
+          <p:cNvGrpSpPr/>
+          <p:nvPr/>
+        </p:nvGrpSpPr>
+        <p:grpSpPr>
+          <a:xfrm>
+            <a:off x="586878" y="5943692"/>
+            <a:ext cx="755844" cy="266129"/>
+            <a:chOff x="586878" y="5687160"/>
+            <a:chExt cx="755844" cy="266129"/>
+          </a:xfrm>
+        </p:grpSpPr>
+        <p:sp>
+          <p:nvSpPr>
+            <p:cNvPr id="265" name="AutoShape 29">
+              <a:extLst>
+                <a:ext uri="{FF2B5EF4-FFF2-40B4-BE49-F238E27FC236}">
+                  <a16:creationId xmlns:a16="http://schemas.microsoft.com/office/drawing/2014/main" id="{B5EA8005-2E94-E3C0-7E12-5F1E3A30C489}"/>
+                </a:ext>
+              </a:extLst>
+            </p:cNvPr>
+            <p:cNvSpPr/>
+            <p:nvPr/>
+          </p:nvSpPr>
+          <p:spPr>
+            <a:xfrm>
+              <a:off x="586878" y="5744182"/>
+              <a:ext cx="363303" cy="142488"/>
+            </a:xfrm>
+            <a:prstGeom prst="rect">
+              <a:avLst/>
+            </a:prstGeom>
+            <a:noFill/>
+            <a:ln w="12700">
+              <a:noFill/>
+              <a:prstDash val="solid"/>
+            </a:ln>
+          </p:spPr>
+          <p:txBody>
+            <a:bodyPr lIns="0" tIns="0" rIns="0" bIns="0" rtlCol="0" anchor="ctr">
+              <a:noAutofit/>
+            </a:bodyPr>
+            <a:lstStyle/>
+            <a:p>
+              <a:pPr>
+                <a:lnSpc>
+                  <a:spcPct val="125000"/>
+                </a:lnSpc>
+                <a:defRPr/>
+              </a:pPr>
+              <a:r>
+                <a:rPr lang="en-US" altLang="zh-CN" sz="800" dirty="0">
+                  <a:solidFill>
+                    <a:srgbClr val="1F2329"/>
+                  </a:solidFill>
+                </a:rPr>
+                <a:t>Pull</a:t>
+              </a:r>
+              <a:endParaRPr lang="en-US" sz="800" dirty="0"/>
+            </a:p>
+          </p:txBody>
+        </p:sp>
+        <p:sp>
+          <p:nvSpPr>
+            <p:cNvPr id="266" name="右大括号 265">
+              <a:extLst>
+                <a:ext uri="{FF2B5EF4-FFF2-40B4-BE49-F238E27FC236}">
+                  <a16:creationId xmlns:a16="http://schemas.microsoft.com/office/drawing/2014/main" id="{B59A1833-88D2-35E0-FE7A-2CEB49342063}"/>
+                </a:ext>
+              </a:extLst>
+            </p:cNvPr>
+            <p:cNvSpPr/>
+            <p:nvPr/>
+          </p:nvSpPr>
+          <p:spPr>
+            <a:xfrm flipH="1">
+              <a:off x="793258" y="5755282"/>
+              <a:ext cx="45719" cy="160072"/>
+            </a:xfrm>
+            <a:prstGeom prst="rightBrace">
+              <a:avLst>
+                <a:gd name="adj1" fmla="val 38451"/>
+                <a:gd name="adj2" fmla="val 50000"/>
+              </a:avLst>
+            </a:prstGeom>
+            <a:ln w="9525">
+              <a:solidFill>
+                <a:schemeClr val="dk1">
+                  <a:shade val="95000"/>
+                  <a:satMod val="105000"/>
+                </a:schemeClr>
+              </a:solidFill>
+            </a:ln>
+          </p:spPr>
+          <p:style>
+            <a:lnRef idx="1">
+              <a:schemeClr val="dk1"/>
+            </a:lnRef>
+            <a:fillRef idx="0">
+              <a:schemeClr val="dk1"/>
+            </a:fillRef>
+            <a:effectRef idx="0">
+              <a:schemeClr val="dk1"/>
+            </a:effectRef>
+            <a:fontRef idx="minor">
+              <a:schemeClr val="tx1"/>
+            </a:fontRef>
+          </p:style>
+          <p:txBody>
+            <a:bodyPr rtlCol="0" anchor="ctr"/>
+            <a:lstStyle/>
+            <a:p>
+              <a:pPr algn="ctr"/>
+              <a:endParaRPr lang="zh-CN" altLang="en-US"/>
+            </a:p>
+          </p:txBody>
+        </p:sp>
+        <p:sp>
+          <p:nvSpPr>
+            <p:cNvPr id="270" name="AutoShape 29">
+              <a:extLst>
+                <a:ext uri="{FF2B5EF4-FFF2-40B4-BE49-F238E27FC236}">
+                  <a16:creationId xmlns:a16="http://schemas.microsoft.com/office/drawing/2014/main" id="{EDE040B6-FD00-87EB-96F3-A0ECF23E2743}"/>
+                </a:ext>
+              </a:extLst>
+            </p:cNvPr>
+            <p:cNvSpPr/>
+            <p:nvPr/>
+          </p:nvSpPr>
+          <p:spPr>
+            <a:xfrm>
+              <a:off x="877809" y="5687160"/>
+              <a:ext cx="461058" cy="142488"/>
+            </a:xfrm>
+            <a:prstGeom prst="rect">
+              <a:avLst/>
+            </a:prstGeom>
+            <a:noFill/>
+            <a:ln w="12700">
+              <a:noFill/>
+              <a:prstDash val="solid"/>
+            </a:ln>
+          </p:spPr>
+          <p:txBody>
+            <a:bodyPr lIns="0" tIns="0" rIns="0" bIns="0" rtlCol="0" anchor="ctr">
+              <a:noAutofit/>
+            </a:bodyPr>
+            <a:lstStyle/>
+            <a:p>
+              <a:pPr>
+                <a:lnSpc>
+                  <a:spcPct val="125000"/>
+                </a:lnSpc>
+                <a:defRPr/>
+              </a:pPr>
+              <a:r>
+                <a:rPr lang="en-US" altLang="zh-CN" sz="800" dirty="0">
+                  <a:solidFill>
+                    <a:srgbClr val="1F2329"/>
+                  </a:solidFill>
+                </a:rPr>
+                <a:t>Pulling</a:t>
+              </a:r>
+              <a:endParaRPr lang="en-US" sz="800" dirty="0"/>
+            </a:p>
+          </p:txBody>
+        </p:sp>
+        <p:sp>
+          <p:nvSpPr>
+            <p:cNvPr id="273" name="AutoShape 29">
+              <a:extLst>
+                <a:ext uri="{FF2B5EF4-FFF2-40B4-BE49-F238E27FC236}">
+                  <a16:creationId xmlns:a16="http://schemas.microsoft.com/office/drawing/2014/main" id="{AA984B22-41E5-0BA6-9E4E-5F58EF1500EE}"/>
+                </a:ext>
+              </a:extLst>
+            </p:cNvPr>
+            <p:cNvSpPr/>
+            <p:nvPr/>
+          </p:nvSpPr>
+          <p:spPr>
+            <a:xfrm>
+              <a:off x="881664" y="5810801"/>
+              <a:ext cx="461058" cy="142488"/>
+            </a:xfrm>
+            <a:prstGeom prst="rect">
+              <a:avLst/>
+            </a:prstGeom>
+            <a:noFill/>
+            <a:ln w="12700">
+              <a:noFill/>
+              <a:prstDash val="solid"/>
+            </a:ln>
+          </p:spPr>
+          <p:txBody>
+            <a:bodyPr lIns="0" tIns="0" rIns="0" bIns="0" rtlCol="0" anchor="ctr">
+              <a:noAutofit/>
+            </a:bodyPr>
+            <a:lstStyle/>
+            <a:p>
+              <a:pPr>
+                <a:lnSpc>
+                  <a:spcPct val="125000"/>
+                </a:lnSpc>
+                <a:defRPr/>
+              </a:pPr>
+              <a:r>
+                <a:rPr lang="en-US" sz="800" dirty="0">
+                  <a:solidFill>
+                    <a:srgbClr val="1F2329"/>
+                  </a:solidFill>
+                </a:rPr>
+                <a:t>Relaxed</a:t>
+              </a:r>
+              <a:endParaRPr lang="en-US" sz="800" dirty="0"/>
+            </a:p>
+          </p:txBody>
+        </p:sp>
+      </p:grpSp>
+      <p:grpSp>
+        <p:nvGrpSpPr>
+          <p:cNvPr id="277" name="组合 276">
+            <a:extLst>
+              <a:ext uri="{FF2B5EF4-FFF2-40B4-BE49-F238E27FC236}">
+                <a16:creationId xmlns:a16="http://schemas.microsoft.com/office/drawing/2014/main" id="{8821D632-5685-93F4-6D30-64507965BC7A}"/>
+              </a:ext>
+            </a:extLst>
+          </p:cNvPr>
+          <p:cNvGrpSpPr/>
+          <p:nvPr/>
+        </p:nvGrpSpPr>
+        <p:grpSpPr>
+          <a:xfrm>
+            <a:off x="584603" y="6229211"/>
+            <a:ext cx="1045888" cy="266869"/>
+            <a:chOff x="654992" y="5687160"/>
+            <a:chExt cx="1045888" cy="266869"/>
+          </a:xfrm>
+        </p:grpSpPr>
+        <p:sp>
+          <p:nvSpPr>
+            <p:cNvPr id="278" name="AutoShape 29">
+              <a:extLst>
+                <a:ext uri="{FF2B5EF4-FFF2-40B4-BE49-F238E27FC236}">
+                  <a16:creationId xmlns:a16="http://schemas.microsoft.com/office/drawing/2014/main" id="{DC6AF12E-0BEF-3D99-FF19-21DAB343887F}"/>
+                </a:ext>
+              </a:extLst>
+            </p:cNvPr>
+            <p:cNvSpPr/>
+            <p:nvPr/>
+          </p:nvSpPr>
+          <p:spPr>
+            <a:xfrm>
+              <a:off x="654992" y="5740297"/>
+              <a:ext cx="363303" cy="142488"/>
+            </a:xfrm>
+            <a:prstGeom prst="rect">
+              <a:avLst/>
+            </a:prstGeom>
+            <a:noFill/>
+            <a:ln w="12700">
+              <a:noFill/>
+              <a:prstDash val="solid"/>
+            </a:ln>
+          </p:spPr>
+          <p:txBody>
+            <a:bodyPr lIns="0" tIns="0" rIns="0" bIns="0" rtlCol="0" anchor="ctr">
+              <a:noAutofit/>
+            </a:bodyPr>
+            <a:lstStyle/>
+            <a:p>
+              <a:pPr>
+                <a:lnSpc>
+                  <a:spcPct val="125000"/>
+                </a:lnSpc>
+                <a:defRPr/>
+              </a:pPr>
+              <a:r>
+                <a:rPr lang="en-US" altLang="zh-CN" sz="800" dirty="0">
+                  <a:solidFill>
+                    <a:srgbClr val="1F2329"/>
+                  </a:solidFill>
+                </a:rPr>
+                <a:t>Fire</a:t>
+              </a:r>
+              <a:endParaRPr lang="en-US" sz="800" dirty="0"/>
+            </a:p>
+          </p:txBody>
+        </p:sp>
+        <p:sp>
+          <p:nvSpPr>
+            <p:cNvPr id="283" name="右大括号 282">
+              <a:extLst>
+                <a:ext uri="{FF2B5EF4-FFF2-40B4-BE49-F238E27FC236}">
+                  <a16:creationId xmlns:a16="http://schemas.microsoft.com/office/drawing/2014/main" id="{CB8D37E9-3E3C-6570-E0D7-762D78CB81FD}"/>
+                </a:ext>
+              </a:extLst>
+            </p:cNvPr>
+            <p:cNvSpPr/>
+            <p:nvPr/>
+          </p:nvSpPr>
+          <p:spPr>
+            <a:xfrm flipH="1">
+              <a:off x="855783" y="5755041"/>
+              <a:ext cx="45719" cy="160072"/>
+            </a:xfrm>
+            <a:prstGeom prst="rightBrace">
+              <a:avLst>
+                <a:gd name="adj1" fmla="val 38451"/>
+                <a:gd name="adj2" fmla="val 50000"/>
+              </a:avLst>
+            </a:prstGeom>
+            <a:ln w="9525">
+              <a:solidFill>
+                <a:schemeClr val="dk1">
+                  <a:shade val="95000"/>
+                  <a:satMod val="105000"/>
+                </a:schemeClr>
+              </a:solidFill>
+            </a:ln>
+          </p:spPr>
+          <p:style>
+            <a:lnRef idx="1">
+              <a:schemeClr val="dk1"/>
+            </a:lnRef>
+            <a:fillRef idx="0">
+              <a:schemeClr val="dk1"/>
+            </a:fillRef>
+            <a:effectRef idx="0">
+              <a:schemeClr val="dk1"/>
+            </a:effectRef>
+            <a:fontRef idx="minor">
+              <a:schemeClr val="tx1"/>
+            </a:fontRef>
+          </p:style>
+          <p:txBody>
+            <a:bodyPr rtlCol="0" anchor="ctr"/>
+            <a:lstStyle/>
+            <a:p>
+              <a:pPr algn="ctr"/>
+              <a:endParaRPr lang="zh-CN" altLang="en-US" dirty="0"/>
+            </a:p>
+          </p:txBody>
+        </p:sp>
+        <p:sp>
+          <p:nvSpPr>
+            <p:cNvPr id="288" name="AutoShape 29">
+              <a:extLst>
+                <a:ext uri="{FF2B5EF4-FFF2-40B4-BE49-F238E27FC236}">
+                  <a16:creationId xmlns:a16="http://schemas.microsoft.com/office/drawing/2014/main" id="{0A4835AD-773E-2FBF-7A12-99E8089E031E}"/>
+                </a:ext>
+              </a:extLst>
+            </p:cNvPr>
+            <p:cNvSpPr/>
+            <p:nvPr/>
+          </p:nvSpPr>
+          <p:spPr>
+            <a:xfrm>
+              <a:off x="920069" y="5687160"/>
+              <a:ext cx="780811" cy="142488"/>
+            </a:xfrm>
+            <a:prstGeom prst="rect">
+              <a:avLst/>
+            </a:prstGeom>
+            <a:noFill/>
+            <a:ln w="12700">
+              <a:noFill/>
+              <a:prstDash val="solid"/>
+            </a:ln>
+          </p:spPr>
+          <p:txBody>
+            <a:bodyPr lIns="0" tIns="0" rIns="0" bIns="0" rtlCol="0" anchor="ctr">
+              <a:noAutofit/>
+            </a:bodyPr>
+            <a:lstStyle/>
+            <a:p>
+              <a:pPr>
+                <a:lnSpc>
+                  <a:spcPct val="125000"/>
+                </a:lnSpc>
+                <a:defRPr/>
+              </a:pPr>
+              <a:r>
+                <a:rPr lang="en-US" sz="700" dirty="0">
+                  <a:solidFill>
+                    <a:srgbClr val="1F2329"/>
+                  </a:solidFill>
+                </a:rPr>
+                <a:t>Pulling the trigger</a:t>
+              </a:r>
+              <a:endParaRPr lang="en-US" sz="700" dirty="0"/>
+            </a:p>
+          </p:txBody>
+        </p:sp>
+        <p:sp>
+          <p:nvSpPr>
+            <p:cNvPr id="290" name="AutoShape 29">
+              <a:extLst>
+                <a:ext uri="{FF2B5EF4-FFF2-40B4-BE49-F238E27FC236}">
+                  <a16:creationId xmlns:a16="http://schemas.microsoft.com/office/drawing/2014/main" id="{A043FE87-F958-6D0D-AC10-9A3871A2E42E}"/>
+                </a:ext>
+              </a:extLst>
+            </p:cNvPr>
+            <p:cNvSpPr/>
+            <p:nvPr/>
+          </p:nvSpPr>
+          <p:spPr>
+            <a:xfrm>
+              <a:off x="923966" y="5811541"/>
+              <a:ext cx="461058" cy="142488"/>
+            </a:xfrm>
+            <a:prstGeom prst="rect">
+              <a:avLst/>
+            </a:prstGeom>
+            <a:noFill/>
+            <a:ln w="12700">
+              <a:noFill/>
+              <a:prstDash val="solid"/>
+            </a:ln>
+          </p:spPr>
+          <p:txBody>
+            <a:bodyPr lIns="0" tIns="0" rIns="0" bIns="0" rtlCol="0" anchor="ctr">
+              <a:noAutofit/>
+            </a:bodyPr>
+            <a:lstStyle/>
+            <a:p>
+              <a:pPr>
+                <a:lnSpc>
+                  <a:spcPct val="125000"/>
+                </a:lnSpc>
+                <a:defRPr/>
+              </a:pPr>
+              <a:r>
+                <a:rPr lang="en-US" sz="800" dirty="0">
+                  <a:solidFill>
+                    <a:srgbClr val="1F2329"/>
+                  </a:solidFill>
+                </a:rPr>
+                <a:t>Triggered</a:t>
+              </a:r>
+              <a:endParaRPr lang="en-US" sz="800" dirty="0"/>
+            </a:p>
+          </p:txBody>
+        </p:sp>
+      </p:grpSp>
+      <p:sp>
+        <p:nvSpPr>
+          <p:cNvPr id="293" name="AutoShape 14">
+            <a:extLst>
+              <a:ext uri="{FF2B5EF4-FFF2-40B4-BE49-F238E27FC236}">
+                <a16:creationId xmlns:a16="http://schemas.microsoft.com/office/drawing/2014/main" id="{1149B06F-5160-4695-462A-5A2E0AC6557C}"/>
+              </a:ext>
+            </a:extLst>
+          </p:cNvPr>
+          <p:cNvSpPr/>
+          <p:nvPr/>
+        </p:nvSpPr>
+        <p:spPr>
+          <a:xfrm rot="16200000">
+            <a:off x="1686239" y="6035178"/>
+            <a:ext cx="161677" cy="210976"/>
+          </a:xfrm>
+          <a:prstGeom prst="downArrow">
+            <a:avLst>
+              <a:gd name="adj1" fmla="val 50000"/>
+              <a:gd name="adj2" fmla="val 50000"/>
+            </a:avLst>
+          </a:prstGeom>
+          <a:ln w="6350"/>
+        </p:spPr>
+        <p:style>
+          <a:lnRef idx="1">
+            <a:schemeClr val="dk1"/>
+          </a:lnRef>
+          <a:fillRef idx="2">
+            <a:schemeClr val="dk1"/>
+          </a:fillRef>
+          <a:effectRef idx="1">
+            <a:schemeClr val="dk1"/>
+          </a:effectRef>
+          <a:fontRef idx="minor">
+            <a:schemeClr val="dk1"/>
+          </a:fontRef>
+        </p:style>
+        <p:txBody>
+          <a:bodyPr lIns="91440" tIns="45720" rIns="35560" bIns="45720" rtlCol="0" anchor="ctr">
+            <a:noAutofit/>
+          </a:bodyPr>
+          <a:lstStyle/>
+          <a:p>
+            <a:pPr algn="ctr">
+              <a:defRPr/>
+            </a:pPr>
+            <a:endParaRPr/>
+          </a:p>
+        </p:txBody>
+      </p:sp>
+      <p:sp>
+        <p:nvSpPr>
+          <p:cNvPr id="294" name="右大括号 293">
+            <a:extLst>
+              <a:ext uri="{FF2B5EF4-FFF2-40B4-BE49-F238E27FC236}">
+                <a16:creationId xmlns:a16="http://schemas.microsoft.com/office/drawing/2014/main" id="{7521D7BE-0C9D-76B5-7A8A-CCA8DABE2BDD}"/>
+              </a:ext>
+            </a:extLst>
+          </p:cNvPr>
+          <p:cNvSpPr/>
+          <p:nvPr/>
+        </p:nvSpPr>
+        <p:spPr>
+          <a:xfrm>
+            <a:off x="1481604" y="5777831"/>
+            <a:ext cx="159006" cy="756979"/>
+          </a:xfrm>
+          <a:prstGeom prst="rightBrace">
+            <a:avLst>
+              <a:gd name="adj1" fmla="val 38451"/>
+              <a:gd name="adj2" fmla="val 50000"/>
+            </a:avLst>
+          </a:prstGeom>
+          <a:ln w="9525">
+            <a:solidFill>
+              <a:schemeClr val="dk1">
+                <a:shade val="95000"/>
+                <a:satMod val="105000"/>
+              </a:schemeClr>
+            </a:solidFill>
+          </a:ln>
+        </p:spPr>
+        <p:style>
+          <a:lnRef idx="1">
+            <a:schemeClr val="dk1"/>
+          </a:lnRef>
+          <a:fillRef idx="0">
+            <a:schemeClr val="dk1"/>
+          </a:fillRef>
+          <a:effectRef idx="0">
+            <a:schemeClr val="dk1"/>
+          </a:effectRef>
+          <a:fontRef idx="minor">
+            <a:schemeClr val="tx1"/>
+          </a:fontRef>
+        </p:style>
+        <p:txBody>
+          <a:bodyPr rtlCol="0" anchor="ctr"/>
+          <a:lstStyle/>
+          <a:p>
+            <a:pPr algn="ctr"/>
+            <a:endParaRPr lang="zh-CN" altLang="en-US"/>
           </a:p>
         </p:txBody>
       </p:sp>

--- a/Paper Reading/____Writing/Fig_Overview.pptx
+++ b/Paper Reading/____Writing/Fig_Overview.pptx
@@ -11356,56 +11356,6 @@
           <a:chExt cx="0" cy="0"/>
         </a:xfrm>
       </p:grpSpPr>
-      <p:sp>
-        <p:nvSpPr>
-          <p:cNvPr id="169" name="AutoShape 115">
-            <a:extLst>
-              <a:ext uri="{FF2B5EF4-FFF2-40B4-BE49-F238E27FC236}">
-                <a16:creationId xmlns:a16="http://schemas.microsoft.com/office/drawing/2014/main" id="{935D12A4-1BDC-E77C-ADA4-F42177ACFA48}"/>
-              </a:ext>
-            </a:extLst>
-          </p:cNvPr>
-          <p:cNvSpPr/>
-          <p:nvPr/>
-        </p:nvSpPr>
-        <p:spPr>
-          <a:xfrm>
-            <a:off x="438032" y="5413095"/>
-            <a:ext cx="2727432" cy="1173619"/>
-          </a:xfrm>
-          <a:prstGeom prst="roundRect">
-            <a:avLst>
-              <a:gd name="adj" fmla="val 9090"/>
-            </a:avLst>
-          </a:prstGeom>
-          <a:solidFill>
-            <a:srgbClr val="DEE0E3">
-              <a:alpha val="20000"/>
-            </a:srgbClr>
-          </a:solidFill>
-          <a:ln w="25400" cap="flat" cmpd="sng">
-            <a:solidFill>
-              <a:srgbClr val="2B2F36">
-                <a:alpha val="20000"/>
-              </a:srgbClr>
-            </a:solidFill>
-            <a:prstDash val="solid"/>
-            <a:round/>
-          </a:ln>
-        </p:spPr>
-        <p:txBody>
-          <a:bodyPr lIns="63500" tIns="63500" rIns="63500" bIns="63500" rtlCol="0" anchor="ctr">
-            <a:noAutofit/>
-          </a:bodyPr>
-          <a:lstStyle/>
-          <a:p>
-            <a:pPr algn="ctr">
-              <a:defRPr/>
-            </a:pPr>
-            <a:endParaRPr sz="1400" dirty="0"/>
-          </a:p>
-        </p:txBody>
-      </p:sp>
       <p:sp>
         <p:nvSpPr>
           <p:cNvPr id="31" name="AutoShape 31"/>
@@ -12372,861 +12322,6 @@
                 <a:rPr lang="en-US" sz="1000" dirty="0"/>
                 <a:t> / Third Assembly </a:t>
               </a:r>
-            </a:p>
-          </p:txBody>
-        </p:sp>
-      </p:grpSp>
-      <p:sp>
-        <p:nvSpPr>
-          <p:cNvPr id="5" name="AutoShape 5"/>
-          <p:cNvSpPr/>
-          <p:nvPr/>
-        </p:nvSpPr>
-        <p:spPr>
-          <a:xfrm>
-            <a:off x="246613" y="2117596"/>
-            <a:ext cx="2983571" cy="1397127"/>
-          </a:xfrm>
-          <a:prstGeom prst="roundRect">
-            <a:avLst>
-              <a:gd name="adj" fmla="val 0"/>
-            </a:avLst>
-          </a:prstGeom>
-          <a:noFill/>
-          <a:ln w="25400" cap="flat">
-            <a:solidFill>
-              <a:srgbClr val="000000">
-                <a:alpha val="100000"/>
-              </a:srgbClr>
-            </a:solidFill>
-            <a:prstDash val="dash"/>
-          </a:ln>
-        </p:spPr>
-        <p:txBody>
-          <a:bodyPr lIns="91440" tIns="45720" rIns="91440" bIns="45720" rtlCol="0" anchor="ctr">
-            <a:noAutofit/>
-          </a:bodyPr>
-          <a:lstStyle/>
-          <a:p>
-            <a:pPr algn="ctr">
-              <a:defRPr/>
-            </a:pPr>
-            <a:endParaRPr dirty="0"/>
-          </a:p>
-        </p:txBody>
-      </p:sp>
-      <p:sp>
-        <p:nvSpPr>
-          <p:cNvPr id="28" name="AutoShape 28"/>
-          <p:cNvSpPr/>
-          <p:nvPr/>
-        </p:nvSpPr>
-        <p:spPr>
-          <a:xfrm>
-            <a:off x="279828" y="3779994"/>
-            <a:ext cx="2413341" cy="335688"/>
-          </a:xfrm>
-          <a:prstGeom prst="rect">
-            <a:avLst/>
-          </a:prstGeom>
-          <a:noFill/>
-          <a:ln w="12700">
-            <a:noFill/>
-            <a:prstDash val="solid"/>
-          </a:ln>
-        </p:spPr>
-        <p:txBody>
-          <a:bodyPr lIns="91440" tIns="45720" rIns="91440" bIns="45720" rtlCol="0" anchor="t">
-            <a:noAutofit/>
-          </a:bodyPr>
-          <a:lstStyle/>
-          <a:p>
-            <a:pPr>
-              <a:defRPr/>
-            </a:pPr>
-            <a:r>
-              <a:rPr lang="en-US" sz="1800" b="1" dirty="0">
-                <a:solidFill>
-                  <a:srgbClr val="1F2329"/>
-                </a:solidFill>
-              </a:rPr>
-              <a:t>Model Abstraction</a:t>
-            </a:r>
-            <a:endParaRPr lang="en-US" sz="1800" dirty="0"/>
-          </a:p>
-        </p:txBody>
-      </p:sp>
-      <p:grpSp>
-        <p:nvGrpSpPr>
-          <p:cNvPr id="269" name="组合 268">
-            <a:extLst>
-              <a:ext uri="{FF2B5EF4-FFF2-40B4-BE49-F238E27FC236}">
-                <a16:creationId xmlns:a16="http://schemas.microsoft.com/office/drawing/2014/main" id="{6887D120-676A-9A50-9918-2066672C53AD}"/>
-              </a:ext>
-            </a:extLst>
-          </p:cNvPr>
-          <p:cNvGrpSpPr/>
-          <p:nvPr/>
-        </p:nvGrpSpPr>
-        <p:grpSpPr>
-          <a:xfrm>
-            <a:off x="435246" y="2501887"/>
-            <a:ext cx="1225551" cy="873207"/>
-            <a:chOff x="2833772" y="5846297"/>
-            <a:chExt cx="2118479" cy="1323090"/>
-          </a:xfrm>
-        </p:grpSpPr>
-        <p:sp>
-          <p:nvSpPr>
-            <p:cNvPr id="3" name="AutoShape 3"/>
-            <p:cNvSpPr/>
-            <p:nvPr/>
-          </p:nvSpPr>
-          <p:spPr>
-            <a:xfrm>
-              <a:off x="2833772" y="5846297"/>
-              <a:ext cx="2046357" cy="1323090"/>
-            </a:xfrm>
-            <a:prstGeom prst="roundRect">
-              <a:avLst>
-                <a:gd name="adj" fmla="val 6034"/>
-              </a:avLst>
-            </a:prstGeom>
-            <a:solidFill>
-              <a:srgbClr val="DEE0E3">
-                <a:alpha val="20000"/>
-              </a:srgbClr>
-            </a:solidFill>
-            <a:ln w="25400" cap="flat" cmpd="sng">
-              <a:solidFill>
-                <a:srgbClr val="2B2F36">
-                  <a:alpha val="20000"/>
-                </a:srgbClr>
-              </a:solidFill>
-              <a:prstDash val="solid"/>
-              <a:round/>
-            </a:ln>
-          </p:spPr>
-          <p:txBody>
-            <a:bodyPr lIns="63500" tIns="63500" rIns="63500" bIns="63500" rtlCol="0" anchor="ctr">
-              <a:noAutofit/>
-            </a:bodyPr>
-            <a:lstStyle/>
-            <a:p>
-              <a:pPr algn="ctr">
-                <a:defRPr/>
-              </a:pPr>
-              <a:endParaRPr sz="1400" dirty="0"/>
-            </a:p>
-          </p:txBody>
-        </p:sp>
-        <p:sp>
-          <p:nvSpPr>
-            <p:cNvPr id="29" name="AutoShape 29"/>
-            <p:cNvSpPr/>
-            <p:nvPr/>
-          </p:nvSpPr>
-          <p:spPr>
-            <a:xfrm>
-              <a:off x="2905555" y="5889988"/>
-              <a:ext cx="1943628" cy="215899"/>
-            </a:xfrm>
-            <a:prstGeom prst="rect">
-              <a:avLst/>
-            </a:prstGeom>
-            <a:noFill/>
-            <a:ln w="12700">
-              <a:noFill/>
-              <a:prstDash val="solid"/>
-            </a:ln>
-          </p:spPr>
-          <p:txBody>
-            <a:bodyPr lIns="0" tIns="0" rIns="0" bIns="0" rtlCol="0" anchor="ctr">
-              <a:noAutofit/>
-            </a:bodyPr>
-            <a:lstStyle/>
-            <a:p>
-              <a:pPr>
-                <a:lnSpc>
-                  <a:spcPct val="125000"/>
-                </a:lnSpc>
-                <a:defRPr/>
-              </a:pPr>
-              <a:r>
-                <a:rPr lang="en-US" altLang="zh-CN" sz="1050" dirty="0">
-                  <a:solidFill>
-                    <a:srgbClr val="1F2329"/>
-                  </a:solidFill>
-                </a:rPr>
-                <a:t>Hierarchy</a:t>
-              </a:r>
-              <a:r>
-                <a:rPr lang="en-US" sz="1050" dirty="0">
-                  <a:solidFill>
-                    <a:srgbClr val="1F2329"/>
-                  </a:solidFill>
-                </a:rPr>
-                <a:t> Analysis</a:t>
-              </a:r>
-              <a:endParaRPr lang="en-US" sz="1050" dirty="0"/>
-            </a:p>
-          </p:txBody>
-        </p:sp>
-        <p:grpSp>
-          <p:nvGrpSpPr>
-            <p:cNvPr id="222" name="组合 221">
-              <a:extLst>
-                <a:ext uri="{FF2B5EF4-FFF2-40B4-BE49-F238E27FC236}">
-                  <a16:creationId xmlns:a16="http://schemas.microsoft.com/office/drawing/2014/main" id="{82931C69-CC4F-BC3B-2851-AA6DEDF8730F}"/>
-                </a:ext>
-              </a:extLst>
-            </p:cNvPr>
-            <p:cNvGrpSpPr/>
-            <p:nvPr/>
-          </p:nvGrpSpPr>
-          <p:grpSpPr>
-            <a:xfrm>
-              <a:off x="2996363" y="6128974"/>
-              <a:ext cx="995274" cy="945472"/>
-              <a:chOff x="5041746" y="5728664"/>
-              <a:chExt cx="1665805" cy="1393035"/>
-            </a:xfrm>
-          </p:grpSpPr>
-          <p:pic>
-            <p:nvPicPr>
-              <p:cNvPr id="174" name="Picture 71">
-                <a:extLst>
-                  <a:ext uri="{FF2B5EF4-FFF2-40B4-BE49-F238E27FC236}">
-                    <a16:creationId xmlns:a16="http://schemas.microsoft.com/office/drawing/2014/main" id="{4F2859AF-E10A-28CB-5893-07A73E6A6EFA}"/>
-                  </a:ext>
-                </a:extLst>
-              </p:cNvPr>
-              <p:cNvPicPr>
-                <a:picLocks noChangeAspect="1"/>
-              </p:cNvPicPr>
-              <p:nvPr/>
-            </p:nvPicPr>
-            <p:blipFill>
-              <a:blip r:embed="rId4"/>
-              <a:stretch>
-                <a:fillRect/>
-              </a:stretch>
-            </p:blipFill>
-            <p:spPr>
-              <a:xfrm>
-                <a:off x="5041746" y="5728664"/>
-                <a:ext cx="418839" cy="388598"/>
-              </a:xfrm>
-              <a:prstGeom prst="rect">
-                <a:avLst/>
-              </a:prstGeom>
-              <a:ln>
-                <a:noFill/>
-                <a:prstDash val="solid"/>
-              </a:ln>
-              <a:effectLst>
-                <a:outerShdw blurRad="50800" dist="38100" dir="2700000" algn="tl" rotWithShape="0">
-                  <a:prstClr val="black">
-                    <a:alpha val="40000"/>
-                  </a:prstClr>
-                </a:outerShdw>
-              </a:effectLst>
-            </p:spPr>
-          </p:pic>
-          <p:cxnSp>
-            <p:nvCxnSpPr>
-              <p:cNvPr id="179" name="连接符: 肘形 178">
-                <a:extLst>
-                  <a:ext uri="{FF2B5EF4-FFF2-40B4-BE49-F238E27FC236}">
-                    <a16:creationId xmlns:a16="http://schemas.microsoft.com/office/drawing/2014/main" id="{585B0AC1-AB6D-1944-60FE-4DFDCCCEB109}"/>
-                  </a:ext>
-                </a:extLst>
-              </p:cNvPr>
-              <p:cNvCxnSpPr>
-                <a:cxnSpLocks/>
-                <a:stCxn id="174" idx="2"/>
-                <a:endCxn id="207" idx="1"/>
-              </p:cNvCxnSpPr>
-              <p:nvPr/>
-            </p:nvCxnSpPr>
-            <p:spPr>
-              <a:xfrm rot="16200000" flipH="1">
-                <a:off x="5429003" y="5939424"/>
-                <a:ext cx="140094" cy="495769"/>
-              </a:xfrm>
-              <a:prstGeom prst="bentConnector2">
-                <a:avLst/>
-              </a:prstGeom>
-              <a:ln w="22225">
-                <a:solidFill>
-                  <a:schemeClr val="tx1"/>
-                </a:solidFill>
-              </a:ln>
-            </p:spPr>
-            <p:style>
-              <a:lnRef idx="1">
-                <a:schemeClr val="dk1"/>
-              </a:lnRef>
-              <a:fillRef idx="0">
-                <a:schemeClr val="dk1"/>
-              </a:fillRef>
-              <a:effectRef idx="0">
-                <a:schemeClr val="dk1"/>
-              </a:effectRef>
-              <a:fontRef idx="minor">
-                <a:schemeClr val="tx1"/>
-              </a:fontRef>
-            </p:style>
-          </p:cxnSp>
-          <p:cxnSp>
-            <p:nvCxnSpPr>
-              <p:cNvPr id="184" name="连接符: 肘形 183">
-                <a:extLst>
-                  <a:ext uri="{FF2B5EF4-FFF2-40B4-BE49-F238E27FC236}">
-                    <a16:creationId xmlns:a16="http://schemas.microsoft.com/office/drawing/2014/main" id="{F9187178-B746-1151-B21D-AEC47E9C851B}"/>
-                  </a:ext>
-                </a:extLst>
-              </p:cNvPr>
-              <p:cNvCxnSpPr>
-                <a:cxnSpLocks/>
-                <a:stCxn id="174" idx="2"/>
-                <a:endCxn id="209" idx="1"/>
-              </p:cNvCxnSpPr>
-              <p:nvPr/>
-            </p:nvCxnSpPr>
-            <p:spPr>
-              <a:xfrm rot="16200000" flipH="1">
-                <a:off x="5093981" y="6274446"/>
-                <a:ext cx="810139" cy="495769"/>
-              </a:xfrm>
-              <a:prstGeom prst="bentConnector2">
-                <a:avLst/>
-              </a:prstGeom>
-              <a:ln w="22225">
-                <a:solidFill>
-                  <a:schemeClr val="tx1"/>
-                </a:solidFill>
-              </a:ln>
-            </p:spPr>
-            <p:style>
-              <a:lnRef idx="1">
-                <a:schemeClr val="accent1"/>
-              </a:lnRef>
-              <a:fillRef idx="0">
-                <a:schemeClr val="accent1"/>
-              </a:fillRef>
-              <a:effectRef idx="0">
-                <a:schemeClr val="accent1"/>
-              </a:effectRef>
-              <a:fontRef idx="minor">
-                <a:schemeClr val="tx1"/>
-              </a:fontRef>
-            </p:style>
-          </p:cxnSp>
-          <p:pic>
-            <p:nvPicPr>
-              <p:cNvPr id="207" name="Picture 71">
-                <a:extLst>
-                  <a:ext uri="{FF2B5EF4-FFF2-40B4-BE49-F238E27FC236}">
-                    <a16:creationId xmlns:a16="http://schemas.microsoft.com/office/drawing/2014/main" id="{0854C228-EF0C-8693-2BDA-8119CE04CCFB}"/>
-                  </a:ext>
-                </a:extLst>
-              </p:cNvPr>
-              <p:cNvPicPr>
-                <a:picLocks noChangeAspect="1"/>
-              </p:cNvPicPr>
-              <p:nvPr/>
-            </p:nvPicPr>
-            <p:blipFill>
-              <a:blip r:embed="rId4"/>
-              <a:stretch>
-                <a:fillRect/>
-              </a:stretch>
-            </p:blipFill>
-            <p:spPr>
-              <a:xfrm>
-                <a:off x="5746935" y="6063057"/>
-                <a:ext cx="418839" cy="388598"/>
-              </a:xfrm>
-              <a:prstGeom prst="rect">
-                <a:avLst/>
-              </a:prstGeom>
-              <a:ln>
-                <a:noFill/>
-                <a:prstDash val="solid"/>
-              </a:ln>
-              <a:effectLst>
-                <a:outerShdw blurRad="50800" dist="38100" dir="2700000" algn="tl" rotWithShape="0">
-                  <a:prstClr val="black">
-                    <a:alpha val="40000"/>
-                  </a:prstClr>
-                </a:outerShdw>
-              </a:effectLst>
-            </p:spPr>
-          </p:pic>
-          <p:pic>
-            <p:nvPicPr>
-              <p:cNvPr id="209" name="Picture 71">
-                <a:extLst>
-                  <a:ext uri="{FF2B5EF4-FFF2-40B4-BE49-F238E27FC236}">
-                    <a16:creationId xmlns:a16="http://schemas.microsoft.com/office/drawing/2014/main" id="{D51BB2A2-5A39-4E7C-7C1D-C85A93349C9D}"/>
-                  </a:ext>
-                </a:extLst>
-              </p:cNvPr>
-              <p:cNvPicPr>
-                <a:picLocks noChangeAspect="1"/>
-              </p:cNvPicPr>
-              <p:nvPr/>
-            </p:nvPicPr>
-            <p:blipFill>
-              <a:blip r:embed="rId4"/>
-              <a:stretch>
-                <a:fillRect/>
-              </a:stretch>
-            </p:blipFill>
-            <p:spPr>
-              <a:xfrm>
-                <a:off x="5746935" y="6733101"/>
-                <a:ext cx="418839" cy="388598"/>
-              </a:xfrm>
-              <a:prstGeom prst="rect">
-                <a:avLst/>
-              </a:prstGeom>
-              <a:ln>
-                <a:noFill/>
-                <a:prstDash val="solid"/>
-              </a:ln>
-              <a:effectLst>
-                <a:outerShdw blurRad="50800" dist="38100" dir="2700000" algn="tl" rotWithShape="0">
-                  <a:prstClr val="black">
-                    <a:alpha val="40000"/>
-                  </a:prstClr>
-                </a:outerShdw>
-              </a:effectLst>
-            </p:spPr>
-          </p:pic>
-          <p:pic>
-            <p:nvPicPr>
-              <p:cNvPr id="211" name="Picture 71">
-                <a:extLst>
-                  <a:ext uri="{FF2B5EF4-FFF2-40B4-BE49-F238E27FC236}">
-                    <a16:creationId xmlns:a16="http://schemas.microsoft.com/office/drawing/2014/main" id="{AECC4CD5-87C4-14A0-0FCE-79E58A5F985D}"/>
-                  </a:ext>
-                </a:extLst>
-              </p:cNvPr>
-              <p:cNvPicPr>
-                <a:picLocks noChangeAspect="1"/>
-              </p:cNvPicPr>
-              <p:nvPr/>
-            </p:nvPicPr>
-            <p:blipFill>
-              <a:blip r:embed="rId4"/>
-              <a:stretch>
-                <a:fillRect/>
-              </a:stretch>
-            </p:blipFill>
-            <p:spPr>
-              <a:xfrm>
-                <a:off x="6288712" y="6386768"/>
-                <a:ext cx="418839" cy="388598"/>
-              </a:xfrm>
-              <a:prstGeom prst="rect">
-                <a:avLst/>
-              </a:prstGeom>
-              <a:ln>
-                <a:noFill/>
-                <a:prstDash val="solid"/>
-              </a:ln>
-              <a:effectLst>
-                <a:outerShdw blurRad="50800" dist="38100" dir="2700000" algn="tl" rotWithShape="0">
-                  <a:prstClr val="black">
-                    <a:alpha val="40000"/>
-                  </a:prstClr>
-                </a:outerShdw>
-              </a:effectLst>
-            </p:spPr>
-          </p:pic>
-          <p:cxnSp>
-            <p:nvCxnSpPr>
-              <p:cNvPr id="217" name="连接符: 肘形 216">
-                <a:extLst>
-                  <a:ext uri="{FF2B5EF4-FFF2-40B4-BE49-F238E27FC236}">
-                    <a16:creationId xmlns:a16="http://schemas.microsoft.com/office/drawing/2014/main" id="{E301C996-5C5C-7E26-C933-920765F88744}"/>
-                  </a:ext>
-                </a:extLst>
-              </p:cNvPr>
-              <p:cNvCxnSpPr>
-                <a:cxnSpLocks/>
-                <a:stCxn id="207" idx="2"/>
-                <a:endCxn id="211" idx="1"/>
-              </p:cNvCxnSpPr>
-              <p:nvPr/>
-            </p:nvCxnSpPr>
-            <p:spPr>
-              <a:xfrm rot="16200000" flipH="1">
-                <a:off x="6057828" y="6350183"/>
-                <a:ext cx="129412" cy="332356"/>
-              </a:xfrm>
-              <a:prstGeom prst="bentConnector2">
-                <a:avLst/>
-              </a:prstGeom>
-              <a:ln w="22225">
-                <a:solidFill>
-                  <a:schemeClr val="tx1"/>
-                </a:solidFill>
-              </a:ln>
-            </p:spPr>
-            <p:style>
-              <a:lnRef idx="1">
-                <a:schemeClr val="accent1"/>
-              </a:lnRef>
-              <a:fillRef idx="0">
-                <a:schemeClr val="accent1"/>
-              </a:fillRef>
-              <a:effectRef idx="0">
-                <a:schemeClr val="accent1"/>
-              </a:effectRef>
-              <a:fontRef idx="minor">
-                <a:schemeClr val="tx1"/>
-              </a:fontRef>
-            </p:style>
-          </p:cxnSp>
-        </p:grpSp>
-        <p:sp>
-          <p:nvSpPr>
-            <p:cNvPr id="223" name="AutoShape 119">
-              <a:extLst>
-                <a:ext uri="{FF2B5EF4-FFF2-40B4-BE49-F238E27FC236}">
-                  <a16:creationId xmlns:a16="http://schemas.microsoft.com/office/drawing/2014/main" id="{7A5582B4-F4EF-5070-8E6C-498B191DD695}"/>
-                </a:ext>
-              </a:extLst>
-            </p:cNvPr>
-            <p:cNvSpPr/>
-            <p:nvPr/>
-          </p:nvSpPr>
-          <p:spPr>
-            <a:xfrm>
-              <a:off x="3562747" y="6332845"/>
-              <a:ext cx="1389504" cy="253128"/>
-            </a:xfrm>
-            <a:prstGeom prst="rect">
-              <a:avLst/>
-            </a:prstGeom>
-            <a:noFill/>
-            <a:ln w="12700">
-              <a:noFill/>
-              <a:prstDash val="solid"/>
-            </a:ln>
-          </p:spPr>
-          <p:txBody>
-            <a:bodyPr lIns="91440" tIns="45720" rIns="91440" bIns="45720" rtlCol="0" anchor="t">
-              <a:noAutofit/>
-            </a:bodyPr>
-            <a:lstStyle/>
-            <a:p>
-              <a:pPr>
-                <a:defRPr/>
-              </a:pPr>
-              <a:r>
-                <a:rPr lang="en-US" sz="800" dirty="0"/>
-                <a:t>Interactables</a:t>
-              </a:r>
-              <a:endParaRPr lang="en-US" sz="1100" dirty="0"/>
-            </a:p>
-          </p:txBody>
-        </p:sp>
-        <p:sp>
-          <p:nvSpPr>
-            <p:cNvPr id="267" name="AutoShape 119">
-              <a:extLst>
-                <a:ext uri="{FF2B5EF4-FFF2-40B4-BE49-F238E27FC236}">
-                  <a16:creationId xmlns:a16="http://schemas.microsoft.com/office/drawing/2014/main" id="{1293F4BD-560C-D4C3-09DB-72034663940B}"/>
-                </a:ext>
-              </a:extLst>
-            </p:cNvPr>
-            <p:cNvSpPr/>
-            <p:nvPr/>
-          </p:nvSpPr>
-          <p:spPr>
-            <a:xfrm>
-              <a:off x="3172008" y="6134807"/>
-              <a:ext cx="1590390" cy="215899"/>
-            </a:xfrm>
-            <a:prstGeom prst="rect">
-              <a:avLst/>
-            </a:prstGeom>
-            <a:noFill/>
-            <a:ln w="12700">
-              <a:noFill/>
-              <a:prstDash val="solid"/>
-            </a:ln>
-          </p:spPr>
-          <p:txBody>
-            <a:bodyPr lIns="91440" tIns="45720" rIns="91440" bIns="45720" rtlCol="0" anchor="t">
-              <a:noAutofit/>
-            </a:bodyPr>
-            <a:lstStyle/>
-            <a:p>
-              <a:pPr>
-                <a:defRPr/>
-              </a:pPr>
-              <a:r>
-                <a:rPr lang="en-US" sz="800" dirty="0"/>
-                <a:t>Environment</a:t>
-              </a:r>
-              <a:endParaRPr lang="en-US" sz="1100" dirty="0"/>
-            </a:p>
-          </p:txBody>
-        </p:sp>
-        <p:sp>
-          <p:nvSpPr>
-            <p:cNvPr id="268" name="AutoShape 119">
-              <a:extLst>
-                <a:ext uri="{FF2B5EF4-FFF2-40B4-BE49-F238E27FC236}">
-                  <a16:creationId xmlns:a16="http://schemas.microsoft.com/office/drawing/2014/main" id="{9F20133E-2D00-92F4-A9BD-78E89364480C}"/>
-                </a:ext>
-              </a:extLst>
-            </p:cNvPr>
-            <p:cNvSpPr/>
-            <p:nvPr/>
-          </p:nvSpPr>
-          <p:spPr>
-            <a:xfrm>
-              <a:off x="3828726" y="6513984"/>
-              <a:ext cx="809640" cy="253127"/>
-            </a:xfrm>
-            <a:prstGeom prst="rect">
-              <a:avLst/>
-            </a:prstGeom>
-            <a:noFill/>
-            <a:ln w="12700">
-              <a:noFill/>
-              <a:prstDash val="solid"/>
-            </a:ln>
-          </p:spPr>
-          <p:txBody>
-            <a:bodyPr lIns="91440" tIns="45720" rIns="91440" bIns="45720" rtlCol="0" anchor="t">
-              <a:noAutofit/>
-            </a:bodyPr>
-            <a:lstStyle/>
-            <a:p>
-              <a:pPr>
-                <a:defRPr/>
-              </a:pPr>
-              <a:r>
-                <a:rPr lang="en-US" sz="800" dirty="0"/>
-                <a:t>Box</a:t>
-              </a:r>
-              <a:endParaRPr lang="en-US" sz="1100" dirty="0"/>
-            </a:p>
-          </p:txBody>
-        </p:sp>
-      </p:grpSp>
-      <p:grpSp>
-        <p:nvGrpSpPr>
-          <p:cNvPr id="259" name="组合 258">
-            <a:extLst>
-              <a:ext uri="{FF2B5EF4-FFF2-40B4-BE49-F238E27FC236}">
-                <a16:creationId xmlns:a16="http://schemas.microsoft.com/office/drawing/2014/main" id="{D28E1A87-2422-D088-DFCD-F7D5EB7F33CA}"/>
-              </a:ext>
-            </a:extLst>
-          </p:cNvPr>
-          <p:cNvGrpSpPr/>
-          <p:nvPr/>
-        </p:nvGrpSpPr>
-        <p:grpSpPr>
-          <a:xfrm>
-            <a:off x="1743601" y="2577340"/>
-            <a:ext cx="1320333" cy="710710"/>
-            <a:chOff x="201783" y="7309654"/>
-            <a:chExt cx="1214093" cy="429110"/>
-          </a:xfrm>
-        </p:grpSpPr>
-        <p:grpSp>
-          <p:nvGrpSpPr>
-            <p:cNvPr id="258" name="组合 257">
-              <a:extLst>
-                <a:ext uri="{FF2B5EF4-FFF2-40B4-BE49-F238E27FC236}">
-                  <a16:creationId xmlns:a16="http://schemas.microsoft.com/office/drawing/2014/main" id="{C25DF972-C8EB-B422-6BBB-6445B2F4F14A}"/>
-                </a:ext>
-              </a:extLst>
-            </p:cNvPr>
-            <p:cNvGrpSpPr/>
-            <p:nvPr/>
-          </p:nvGrpSpPr>
-          <p:grpSpPr>
-            <a:xfrm>
-              <a:off x="201783" y="7326301"/>
-              <a:ext cx="1214093" cy="412463"/>
-              <a:chOff x="201783" y="7326301"/>
-              <a:chExt cx="1214093" cy="412463"/>
-            </a:xfrm>
-          </p:grpSpPr>
-          <p:sp>
-            <p:nvSpPr>
-              <p:cNvPr id="348" name="AutoShape 115">
-                <a:extLst>
-                  <a:ext uri="{FF2B5EF4-FFF2-40B4-BE49-F238E27FC236}">
-                    <a16:creationId xmlns:a16="http://schemas.microsoft.com/office/drawing/2014/main" id="{855CDF71-8E19-40F0-D035-1AA815038D88}"/>
-                  </a:ext>
-                </a:extLst>
-              </p:cNvPr>
-              <p:cNvSpPr/>
-              <p:nvPr/>
-            </p:nvSpPr>
-            <p:spPr>
-              <a:xfrm>
-                <a:off x="201783" y="7326301"/>
-                <a:ext cx="1214093" cy="412463"/>
-              </a:xfrm>
-              <a:prstGeom prst="roundRect">
-                <a:avLst>
-                  <a:gd name="adj" fmla="val 9090"/>
-                </a:avLst>
-              </a:prstGeom>
-              <a:solidFill>
-                <a:srgbClr val="DEE0E3">
-                  <a:alpha val="20000"/>
-                </a:srgbClr>
-              </a:solidFill>
-              <a:ln w="25400" cap="flat" cmpd="sng">
-                <a:solidFill>
-                  <a:srgbClr val="2B2F36">
-                    <a:alpha val="20000"/>
-                  </a:srgbClr>
-                </a:solidFill>
-                <a:prstDash val="solid"/>
-                <a:round/>
-              </a:ln>
-            </p:spPr>
-            <p:txBody>
-              <a:bodyPr lIns="63500" tIns="63500" rIns="63500" bIns="63500" rtlCol="0" anchor="ctr">
-                <a:noAutofit/>
-              </a:bodyPr>
-              <a:lstStyle/>
-              <a:p>
-                <a:pPr algn="ctr">
-                  <a:defRPr/>
-                </a:pPr>
-                <a:endParaRPr sz="1400" dirty="0"/>
-              </a:p>
-            </p:txBody>
-          </p:sp>
-          <p:pic>
-            <p:nvPicPr>
-              <p:cNvPr id="350" name="Picture 123">
-                <a:extLst>
-                  <a:ext uri="{FF2B5EF4-FFF2-40B4-BE49-F238E27FC236}">
-                    <a16:creationId xmlns:a16="http://schemas.microsoft.com/office/drawing/2014/main" id="{5F335CBE-C642-1672-5AEC-A9A13DDAC6BF}"/>
-                  </a:ext>
-                </a:extLst>
-              </p:cNvPr>
-              <p:cNvPicPr>
-                <a:picLocks noChangeAspect="1"/>
-              </p:cNvPicPr>
-              <p:nvPr/>
-            </p:nvPicPr>
-            <p:blipFill>
-              <a:blip r:embed="rId5"/>
-              <a:stretch>
-                <a:fillRect/>
-              </a:stretch>
-            </p:blipFill>
-            <p:spPr>
-              <a:xfrm>
-                <a:off x="384931" y="7530259"/>
-                <a:ext cx="248964" cy="176862"/>
-              </a:xfrm>
-              <a:prstGeom prst="roundRect">
-                <a:avLst>
-                  <a:gd name="adj" fmla="val 10768"/>
-                </a:avLst>
-              </a:prstGeom>
-              <a:ln>
-                <a:noFill/>
-                <a:prstDash val="solid"/>
-              </a:ln>
-            </p:spPr>
-          </p:pic>
-          <p:pic>
-            <p:nvPicPr>
-              <p:cNvPr id="352" name="Picture 122">
-                <a:extLst>
-                  <a:ext uri="{FF2B5EF4-FFF2-40B4-BE49-F238E27FC236}">
-                    <a16:creationId xmlns:a16="http://schemas.microsoft.com/office/drawing/2014/main" id="{F2098F1F-04F1-A9C0-18DE-9F55A9850408}"/>
-                  </a:ext>
-                </a:extLst>
-              </p:cNvPr>
-              <p:cNvPicPr>
-                <a:picLocks noChangeAspect="1"/>
-              </p:cNvPicPr>
-              <p:nvPr/>
-            </p:nvPicPr>
-            <p:blipFill>
-              <a:blip r:embed="rId7"/>
-              <a:stretch>
-                <a:fillRect/>
-              </a:stretch>
-            </p:blipFill>
-            <p:spPr>
-              <a:xfrm>
-                <a:off x="633895" y="7532846"/>
-                <a:ext cx="244045" cy="174940"/>
-              </a:xfrm>
-              <a:prstGeom prst="rect">
-                <a:avLst/>
-              </a:prstGeom>
-              <a:ln>
-                <a:noFill/>
-                <a:prstDash val="solid"/>
-              </a:ln>
-            </p:spPr>
-          </p:pic>
-        </p:grpSp>
-        <p:sp>
-          <p:nvSpPr>
-            <p:cNvPr id="355" name="AutoShape 29">
-              <a:extLst>
-                <a:ext uri="{FF2B5EF4-FFF2-40B4-BE49-F238E27FC236}">
-                  <a16:creationId xmlns:a16="http://schemas.microsoft.com/office/drawing/2014/main" id="{262866A7-482F-E818-5A3A-C3169C6D9860}"/>
-                </a:ext>
-              </a:extLst>
-            </p:cNvPr>
-            <p:cNvSpPr/>
-            <p:nvPr/>
-          </p:nvSpPr>
-          <p:spPr>
-            <a:xfrm>
-              <a:off x="228005" y="7309654"/>
-              <a:ext cx="1159197" cy="233277"/>
-            </a:xfrm>
-            <a:prstGeom prst="rect">
-              <a:avLst/>
-            </a:prstGeom>
-            <a:noFill/>
-            <a:ln w="12700">
-              <a:noFill/>
-              <a:prstDash val="solid"/>
-            </a:ln>
-          </p:spPr>
-          <p:txBody>
-            <a:bodyPr lIns="0" tIns="0" rIns="0" bIns="0" rtlCol="0" anchor="ctr">
-              <a:noAutofit/>
-            </a:bodyPr>
-            <a:lstStyle/>
-            <a:p>
-              <a:pPr>
-                <a:defRPr/>
-              </a:pPr>
-              <a:r>
-                <a:rPr lang="en-US" sz="1000" dirty="0">
-                  <a:solidFill>
-                    <a:srgbClr val="1F2329"/>
-                  </a:solidFill>
-                </a:rPr>
-                <a:t>Game Logic Code &amp; Third Plugin Analysis</a:t>
-              </a:r>
-              <a:endParaRPr lang="en-US" sz="1000" dirty="0"/>
             </a:p>
           </p:txBody>
         </p:sp>
@@ -14978,7 +14073,7 @@
         <p:spPr>
           <a:xfrm>
             <a:off x="1683657" y="1832635"/>
-            <a:ext cx="0" cy="252000"/>
+            <a:ext cx="0" cy="199365"/>
           </a:xfrm>
           <a:prstGeom prst="straightConnector1">
             <a:avLst/>
@@ -15013,13 +14108,15 @@
           </p:cNvPr>
           <p:cNvCxnSpPr>
             <a:cxnSpLocks/>
+            <a:stCxn id="149" idx="3"/>
+            <a:endCxn id="4" idx="1"/>
           </p:cNvCxnSpPr>
           <p:nvPr/>
         </p:nvCxnSpPr>
         <p:spPr>
           <a:xfrm flipV="1">
-            <a:off x="3398520" y="5221372"/>
-            <a:ext cx="215606" cy="7303"/>
+            <a:off x="3318432" y="5064730"/>
+            <a:ext cx="295765" cy="0"/>
           </a:xfrm>
           <a:prstGeom prst="straightConnector1">
             <a:avLst/>
@@ -19855,8 +18952,8 @@
         </p:nvCxnSpPr>
         <p:spPr>
           <a:xfrm>
-            <a:off x="1700881" y="3499774"/>
-            <a:ext cx="0" cy="255406"/>
+            <a:off x="1685834" y="3466132"/>
+            <a:ext cx="0" cy="212408"/>
           </a:xfrm>
           <a:prstGeom prst="straightConnector1">
             <a:avLst/>
@@ -20669,12 +19766,51 @@
           </p:sp>
         </p:grpSp>
       </p:grpSp>
+      <p:sp>
+        <p:nvSpPr>
+          <p:cNvPr id="5" name="AutoShape 5"/>
+          <p:cNvSpPr/>
+          <p:nvPr/>
+        </p:nvSpPr>
+        <p:spPr>
+          <a:xfrm>
+            <a:off x="247419" y="2056197"/>
+            <a:ext cx="2983571" cy="1397127"/>
+          </a:xfrm>
+          <a:prstGeom prst="roundRect">
+            <a:avLst>
+              <a:gd name="adj" fmla="val 0"/>
+            </a:avLst>
+          </a:prstGeom>
+          <a:noFill/>
+          <a:ln w="25400" cap="flat">
+            <a:solidFill>
+              <a:srgbClr val="000000">
+                <a:alpha val="100000"/>
+              </a:srgbClr>
+            </a:solidFill>
+            <a:prstDash val="dash"/>
+          </a:ln>
+        </p:spPr>
+        <p:txBody>
+          <a:bodyPr lIns="91440" tIns="45720" rIns="91440" bIns="45720" rtlCol="0" anchor="ctr">
+            <a:noAutofit/>
+          </a:bodyPr>
+          <a:lstStyle/>
+          <a:p>
+            <a:pPr algn="ctr">
+              <a:defRPr/>
+            </a:pPr>
+            <a:endParaRPr dirty="0"/>
+          </a:p>
+        </p:txBody>
+      </p:sp>
       <p:grpSp>
         <p:nvGrpSpPr>
-          <p:cNvPr id="167" name="组合 166">
+          <p:cNvPr id="269" name="组合 268">
             <a:extLst>
               <a:ext uri="{FF2B5EF4-FFF2-40B4-BE49-F238E27FC236}">
-                <a16:creationId xmlns:a16="http://schemas.microsoft.com/office/drawing/2014/main" id="{BAE75449-C0CE-6ACD-C5E9-E89C0960E855}"/>
+                <a16:creationId xmlns:a16="http://schemas.microsoft.com/office/drawing/2014/main" id="{6887D120-676A-9A50-9918-2066672C53AD}"/>
               </a:ext>
             </a:extLst>
           </p:cNvPr>
@@ -20683,32 +19819,26 @@
         </p:nvGrpSpPr>
         <p:grpSpPr>
           <a:xfrm>
-            <a:off x="440137" y="4145621"/>
-            <a:ext cx="2725327" cy="1173619"/>
-            <a:chOff x="440137" y="4145621"/>
-            <a:chExt cx="2725327" cy="1173619"/>
+            <a:off x="339568" y="2414872"/>
+            <a:ext cx="1319306" cy="873207"/>
+            <a:chOff x="2849604" y="5857387"/>
+            <a:chExt cx="2280543" cy="1323090"/>
           </a:xfrm>
         </p:grpSpPr>
         <p:sp>
           <p:nvSpPr>
-            <p:cNvPr id="164" name="AutoShape 115">
-              <a:extLst>
-                <a:ext uri="{FF2B5EF4-FFF2-40B4-BE49-F238E27FC236}">
-                  <a16:creationId xmlns:a16="http://schemas.microsoft.com/office/drawing/2014/main" id="{0E09B7FF-5CAF-B872-E69E-C3729C13AF29}"/>
-                </a:ext>
-              </a:extLst>
-            </p:cNvPr>
+            <p:cNvPr id="3" name="AutoShape 3"/>
             <p:cNvSpPr/>
             <p:nvPr/>
           </p:nvSpPr>
           <p:spPr>
             <a:xfrm>
-              <a:off x="440137" y="4145621"/>
-              <a:ext cx="2688852" cy="1173619"/>
+              <a:off x="2849604" y="5857387"/>
+              <a:ext cx="2280543" cy="1323090"/>
             </a:xfrm>
             <a:prstGeom prst="roundRect">
               <a:avLst>
-                <a:gd name="adj" fmla="val 9090"/>
+                <a:gd name="adj" fmla="val 6034"/>
               </a:avLst>
             </a:prstGeom>
             <a:solidFill>
@@ -20739,12 +19869,64 @@
             </a:p>
           </p:txBody>
         </p:sp>
+        <p:sp>
+          <p:nvSpPr>
+            <p:cNvPr id="29" name="AutoShape 29"/>
+            <p:cNvSpPr/>
+            <p:nvPr/>
+          </p:nvSpPr>
+          <p:spPr>
+            <a:xfrm>
+              <a:off x="2905555" y="5889988"/>
+              <a:ext cx="1943628" cy="215899"/>
+            </a:xfrm>
+            <a:prstGeom prst="rect">
+              <a:avLst/>
+            </a:prstGeom>
+            <a:noFill/>
+            <a:ln w="12700">
+              <a:noFill/>
+              <a:prstDash val="solid"/>
+            </a:ln>
+          </p:spPr>
+          <p:txBody>
+            <a:bodyPr lIns="0" tIns="0" rIns="0" bIns="0" rtlCol="0" anchor="ctr">
+              <a:noAutofit/>
+            </a:bodyPr>
+            <a:lstStyle/>
+            <a:p>
+              <a:pPr>
+                <a:lnSpc>
+                  <a:spcPct val="125000"/>
+                </a:lnSpc>
+                <a:defRPr/>
+              </a:pPr>
+              <a:r>
+                <a:rPr lang="en-US" altLang="zh-CN" sz="1050" dirty="0">
+                  <a:solidFill>
+                    <a:srgbClr val="1F2329"/>
+                  </a:solidFill>
+                </a:rPr>
+                <a:t>Hierarchy</a:t>
+              </a:r>
+              <a:r>
+                <a:rPr lang="en-US" sz="1050" dirty="0">
+                  <a:solidFill>
+                    <a:srgbClr val="1F2329"/>
+                  </a:solidFill>
+                </a:rPr>
+                <a:t> Analysis</a:t>
+              </a:r>
+              <a:endParaRPr lang="en-US" sz="1050" dirty="0"/>
+            </a:p>
+          </p:txBody>
+        </p:sp>
         <p:grpSp>
           <p:nvGrpSpPr>
-            <p:cNvPr id="214" name="组合 213">
+            <p:cNvPr id="222" name="组合 221">
               <a:extLst>
                 <a:ext uri="{FF2B5EF4-FFF2-40B4-BE49-F238E27FC236}">
-                  <a16:creationId xmlns:a16="http://schemas.microsoft.com/office/drawing/2014/main" id="{F2B7B300-5D63-0597-A81E-011E239C71B3}"/>
+                  <a16:creationId xmlns:a16="http://schemas.microsoft.com/office/drawing/2014/main" id="{82931C69-CC4F-BC3B-2851-AA6DEDF8730F}"/>
                 </a:ext>
               </a:extLst>
             </p:cNvPr>
@@ -20753,18 +19935,488 @@
           </p:nvGrpSpPr>
           <p:grpSpPr>
             <a:xfrm>
-              <a:off x="713200" y="4406755"/>
-              <a:ext cx="2068478" cy="814617"/>
-              <a:chOff x="175980" y="4718874"/>
-              <a:chExt cx="2068478" cy="814617"/>
+              <a:off x="2996363" y="6128974"/>
+              <a:ext cx="995274" cy="945472"/>
+              <a:chOff x="5041746" y="5728664"/>
+              <a:chExt cx="1665805" cy="1393035"/>
+            </a:xfrm>
+          </p:grpSpPr>
+          <p:pic>
+            <p:nvPicPr>
+              <p:cNvPr id="174" name="Picture 71">
+                <a:extLst>
+                  <a:ext uri="{FF2B5EF4-FFF2-40B4-BE49-F238E27FC236}">
+                    <a16:creationId xmlns:a16="http://schemas.microsoft.com/office/drawing/2014/main" id="{4F2859AF-E10A-28CB-5893-07A73E6A6EFA}"/>
+                  </a:ext>
+                </a:extLst>
+              </p:cNvPr>
+              <p:cNvPicPr>
+                <a:picLocks noChangeAspect="1"/>
+              </p:cNvPicPr>
+              <p:nvPr/>
+            </p:nvPicPr>
+            <p:blipFill>
+              <a:blip r:embed="rId4"/>
+              <a:stretch>
+                <a:fillRect/>
+              </a:stretch>
+            </p:blipFill>
+            <p:spPr>
+              <a:xfrm>
+                <a:off x="5041746" y="5728664"/>
+                <a:ext cx="418839" cy="388598"/>
+              </a:xfrm>
+              <a:prstGeom prst="rect">
+                <a:avLst/>
+              </a:prstGeom>
+              <a:ln>
+                <a:noFill/>
+                <a:prstDash val="solid"/>
+              </a:ln>
+              <a:effectLst>
+                <a:outerShdw blurRad="50800" dist="38100" dir="2700000" algn="tl" rotWithShape="0">
+                  <a:prstClr val="black">
+                    <a:alpha val="40000"/>
+                  </a:prstClr>
+                </a:outerShdw>
+              </a:effectLst>
+            </p:spPr>
+          </p:pic>
+          <p:cxnSp>
+            <p:nvCxnSpPr>
+              <p:cNvPr id="179" name="连接符: 肘形 178">
+                <a:extLst>
+                  <a:ext uri="{FF2B5EF4-FFF2-40B4-BE49-F238E27FC236}">
+                    <a16:creationId xmlns:a16="http://schemas.microsoft.com/office/drawing/2014/main" id="{585B0AC1-AB6D-1944-60FE-4DFDCCCEB109}"/>
+                  </a:ext>
+                </a:extLst>
+              </p:cNvPr>
+              <p:cNvCxnSpPr>
+                <a:cxnSpLocks/>
+                <a:stCxn id="174" idx="2"/>
+                <a:endCxn id="207" idx="1"/>
+              </p:cNvCxnSpPr>
+              <p:nvPr/>
+            </p:nvCxnSpPr>
+            <p:spPr>
+              <a:xfrm rot="16200000" flipH="1">
+                <a:off x="5429003" y="5939424"/>
+                <a:ext cx="140094" cy="495769"/>
+              </a:xfrm>
+              <a:prstGeom prst="bentConnector2">
+                <a:avLst/>
+              </a:prstGeom>
+              <a:ln w="22225">
+                <a:solidFill>
+                  <a:schemeClr val="tx1"/>
+                </a:solidFill>
+              </a:ln>
+            </p:spPr>
+            <p:style>
+              <a:lnRef idx="1">
+                <a:schemeClr val="dk1"/>
+              </a:lnRef>
+              <a:fillRef idx="0">
+                <a:schemeClr val="dk1"/>
+              </a:fillRef>
+              <a:effectRef idx="0">
+                <a:schemeClr val="dk1"/>
+              </a:effectRef>
+              <a:fontRef idx="minor">
+                <a:schemeClr val="tx1"/>
+              </a:fontRef>
+            </p:style>
+          </p:cxnSp>
+          <p:cxnSp>
+            <p:nvCxnSpPr>
+              <p:cNvPr id="184" name="连接符: 肘形 183">
+                <a:extLst>
+                  <a:ext uri="{FF2B5EF4-FFF2-40B4-BE49-F238E27FC236}">
+                    <a16:creationId xmlns:a16="http://schemas.microsoft.com/office/drawing/2014/main" id="{F9187178-B746-1151-B21D-AEC47E9C851B}"/>
+                  </a:ext>
+                </a:extLst>
+              </p:cNvPr>
+              <p:cNvCxnSpPr>
+                <a:cxnSpLocks/>
+                <a:stCxn id="174" idx="2"/>
+                <a:endCxn id="209" idx="1"/>
+              </p:cNvCxnSpPr>
+              <p:nvPr/>
+            </p:nvCxnSpPr>
+            <p:spPr>
+              <a:xfrm rot="16200000" flipH="1">
+                <a:off x="5093981" y="6274446"/>
+                <a:ext cx="810139" cy="495769"/>
+              </a:xfrm>
+              <a:prstGeom prst="bentConnector2">
+                <a:avLst/>
+              </a:prstGeom>
+              <a:ln w="22225">
+                <a:solidFill>
+                  <a:schemeClr val="tx1"/>
+                </a:solidFill>
+              </a:ln>
+            </p:spPr>
+            <p:style>
+              <a:lnRef idx="1">
+                <a:schemeClr val="accent1"/>
+              </a:lnRef>
+              <a:fillRef idx="0">
+                <a:schemeClr val="accent1"/>
+              </a:fillRef>
+              <a:effectRef idx="0">
+                <a:schemeClr val="accent1"/>
+              </a:effectRef>
+              <a:fontRef idx="minor">
+                <a:schemeClr val="tx1"/>
+              </a:fontRef>
+            </p:style>
+          </p:cxnSp>
+          <p:pic>
+            <p:nvPicPr>
+              <p:cNvPr id="207" name="Picture 71">
+                <a:extLst>
+                  <a:ext uri="{FF2B5EF4-FFF2-40B4-BE49-F238E27FC236}">
+                    <a16:creationId xmlns:a16="http://schemas.microsoft.com/office/drawing/2014/main" id="{0854C228-EF0C-8693-2BDA-8119CE04CCFB}"/>
+                  </a:ext>
+                </a:extLst>
+              </p:cNvPr>
+              <p:cNvPicPr>
+                <a:picLocks noChangeAspect="1"/>
+              </p:cNvPicPr>
+              <p:nvPr/>
+            </p:nvPicPr>
+            <p:blipFill>
+              <a:blip r:embed="rId4"/>
+              <a:stretch>
+                <a:fillRect/>
+              </a:stretch>
+            </p:blipFill>
+            <p:spPr>
+              <a:xfrm>
+                <a:off x="5746935" y="6063057"/>
+                <a:ext cx="418839" cy="388598"/>
+              </a:xfrm>
+              <a:prstGeom prst="rect">
+                <a:avLst/>
+              </a:prstGeom>
+              <a:ln>
+                <a:noFill/>
+                <a:prstDash val="solid"/>
+              </a:ln>
+              <a:effectLst>
+                <a:outerShdw blurRad="50800" dist="38100" dir="2700000" algn="tl" rotWithShape="0">
+                  <a:prstClr val="black">
+                    <a:alpha val="40000"/>
+                  </a:prstClr>
+                </a:outerShdw>
+              </a:effectLst>
+            </p:spPr>
+          </p:pic>
+          <p:pic>
+            <p:nvPicPr>
+              <p:cNvPr id="209" name="Picture 71">
+                <a:extLst>
+                  <a:ext uri="{FF2B5EF4-FFF2-40B4-BE49-F238E27FC236}">
+                    <a16:creationId xmlns:a16="http://schemas.microsoft.com/office/drawing/2014/main" id="{D51BB2A2-5A39-4E7C-7C1D-C85A93349C9D}"/>
+                  </a:ext>
+                </a:extLst>
+              </p:cNvPr>
+              <p:cNvPicPr>
+                <a:picLocks noChangeAspect="1"/>
+              </p:cNvPicPr>
+              <p:nvPr/>
+            </p:nvPicPr>
+            <p:blipFill>
+              <a:blip r:embed="rId4"/>
+              <a:stretch>
+                <a:fillRect/>
+              </a:stretch>
+            </p:blipFill>
+            <p:spPr>
+              <a:xfrm>
+                <a:off x="5746935" y="6733101"/>
+                <a:ext cx="418839" cy="388598"/>
+              </a:xfrm>
+              <a:prstGeom prst="rect">
+                <a:avLst/>
+              </a:prstGeom>
+              <a:ln>
+                <a:noFill/>
+                <a:prstDash val="solid"/>
+              </a:ln>
+              <a:effectLst>
+                <a:outerShdw blurRad="50800" dist="38100" dir="2700000" algn="tl" rotWithShape="0">
+                  <a:prstClr val="black">
+                    <a:alpha val="40000"/>
+                  </a:prstClr>
+                </a:outerShdw>
+              </a:effectLst>
+            </p:spPr>
+          </p:pic>
+          <p:pic>
+            <p:nvPicPr>
+              <p:cNvPr id="211" name="Picture 71">
+                <a:extLst>
+                  <a:ext uri="{FF2B5EF4-FFF2-40B4-BE49-F238E27FC236}">
+                    <a16:creationId xmlns:a16="http://schemas.microsoft.com/office/drawing/2014/main" id="{AECC4CD5-87C4-14A0-0FCE-79E58A5F985D}"/>
+                  </a:ext>
+                </a:extLst>
+              </p:cNvPr>
+              <p:cNvPicPr>
+                <a:picLocks noChangeAspect="1"/>
+              </p:cNvPicPr>
+              <p:nvPr/>
+            </p:nvPicPr>
+            <p:blipFill>
+              <a:blip r:embed="rId4"/>
+              <a:stretch>
+                <a:fillRect/>
+              </a:stretch>
+            </p:blipFill>
+            <p:spPr>
+              <a:xfrm>
+                <a:off x="6288712" y="6386768"/>
+                <a:ext cx="418839" cy="388598"/>
+              </a:xfrm>
+              <a:prstGeom prst="rect">
+                <a:avLst/>
+              </a:prstGeom>
+              <a:ln>
+                <a:noFill/>
+                <a:prstDash val="solid"/>
+              </a:ln>
+              <a:effectLst>
+                <a:outerShdw blurRad="50800" dist="38100" dir="2700000" algn="tl" rotWithShape="0">
+                  <a:prstClr val="black">
+                    <a:alpha val="40000"/>
+                  </a:prstClr>
+                </a:outerShdw>
+              </a:effectLst>
+            </p:spPr>
+          </p:pic>
+          <p:cxnSp>
+            <p:nvCxnSpPr>
+              <p:cNvPr id="217" name="连接符: 肘形 216">
+                <a:extLst>
+                  <a:ext uri="{FF2B5EF4-FFF2-40B4-BE49-F238E27FC236}">
+                    <a16:creationId xmlns:a16="http://schemas.microsoft.com/office/drawing/2014/main" id="{E301C996-5C5C-7E26-C933-920765F88744}"/>
+                  </a:ext>
+                </a:extLst>
+              </p:cNvPr>
+              <p:cNvCxnSpPr>
+                <a:cxnSpLocks/>
+                <a:stCxn id="207" idx="2"/>
+                <a:endCxn id="211" idx="1"/>
+              </p:cNvCxnSpPr>
+              <p:nvPr/>
+            </p:nvCxnSpPr>
+            <p:spPr>
+              <a:xfrm rot="16200000" flipH="1">
+                <a:off x="6057828" y="6350183"/>
+                <a:ext cx="129412" cy="332356"/>
+              </a:xfrm>
+              <a:prstGeom prst="bentConnector2">
+                <a:avLst/>
+              </a:prstGeom>
+              <a:ln w="22225">
+                <a:solidFill>
+                  <a:schemeClr val="tx1"/>
+                </a:solidFill>
+              </a:ln>
+            </p:spPr>
+            <p:style>
+              <a:lnRef idx="1">
+                <a:schemeClr val="accent1"/>
+              </a:lnRef>
+              <a:fillRef idx="0">
+                <a:schemeClr val="accent1"/>
+              </a:fillRef>
+              <a:effectRef idx="0">
+                <a:schemeClr val="accent1"/>
+              </a:effectRef>
+              <a:fontRef idx="minor">
+                <a:schemeClr val="tx1"/>
+              </a:fontRef>
+            </p:style>
+          </p:cxnSp>
+        </p:grpSp>
+        <p:sp>
+          <p:nvSpPr>
+            <p:cNvPr id="223" name="AutoShape 119">
+              <a:extLst>
+                <a:ext uri="{FF2B5EF4-FFF2-40B4-BE49-F238E27FC236}">
+                  <a16:creationId xmlns:a16="http://schemas.microsoft.com/office/drawing/2014/main" id="{7A5582B4-F4EF-5070-8E6C-498B191DD695}"/>
+                </a:ext>
+              </a:extLst>
+            </p:cNvPr>
+            <p:cNvSpPr/>
+            <p:nvPr/>
+          </p:nvSpPr>
+          <p:spPr>
+            <a:xfrm>
+              <a:off x="3562747" y="6332845"/>
+              <a:ext cx="1484146" cy="253128"/>
+            </a:xfrm>
+            <a:prstGeom prst="rect">
+              <a:avLst/>
+            </a:prstGeom>
+            <a:noFill/>
+            <a:ln w="12700">
+              <a:noFill/>
+              <a:prstDash val="solid"/>
+            </a:ln>
+          </p:spPr>
+          <p:txBody>
+            <a:bodyPr lIns="91440" tIns="45720" rIns="91440" bIns="45720" rtlCol="0" anchor="t">
+              <a:noAutofit/>
+            </a:bodyPr>
+            <a:lstStyle/>
+            <a:p>
+              <a:pPr>
+                <a:defRPr/>
+              </a:pPr>
+              <a:r>
+                <a:rPr lang="en-US" sz="900" dirty="0"/>
+                <a:t>Interactables</a:t>
+              </a:r>
+              <a:endParaRPr lang="en-US" sz="1200" dirty="0"/>
+            </a:p>
+          </p:txBody>
+        </p:sp>
+        <p:sp>
+          <p:nvSpPr>
+            <p:cNvPr id="267" name="AutoShape 119">
+              <a:extLst>
+                <a:ext uri="{FF2B5EF4-FFF2-40B4-BE49-F238E27FC236}">
+                  <a16:creationId xmlns:a16="http://schemas.microsoft.com/office/drawing/2014/main" id="{1293F4BD-560C-D4C3-09DB-72034663940B}"/>
+                </a:ext>
+              </a:extLst>
+            </p:cNvPr>
+            <p:cNvSpPr/>
+            <p:nvPr/>
+          </p:nvSpPr>
+          <p:spPr>
+            <a:xfrm>
+              <a:off x="3145136" y="6111001"/>
+              <a:ext cx="1590390" cy="215899"/>
+            </a:xfrm>
+            <a:prstGeom prst="rect">
+              <a:avLst/>
+            </a:prstGeom>
+            <a:noFill/>
+            <a:ln w="12700">
+              <a:noFill/>
+              <a:prstDash val="solid"/>
+            </a:ln>
+          </p:spPr>
+          <p:txBody>
+            <a:bodyPr lIns="91440" tIns="45720" rIns="91440" bIns="45720" rtlCol="0" anchor="t">
+              <a:noAutofit/>
+            </a:bodyPr>
+            <a:lstStyle/>
+            <a:p>
+              <a:pPr>
+                <a:defRPr/>
+              </a:pPr>
+              <a:r>
+                <a:rPr lang="en-US" sz="900" dirty="0"/>
+                <a:t>Environment</a:t>
+              </a:r>
+              <a:endParaRPr lang="en-US" sz="1200" dirty="0"/>
+            </a:p>
+          </p:txBody>
+        </p:sp>
+        <p:sp>
+          <p:nvSpPr>
+            <p:cNvPr id="268" name="AutoShape 119">
+              <a:extLst>
+                <a:ext uri="{FF2B5EF4-FFF2-40B4-BE49-F238E27FC236}">
+                  <a16:creationId xmlns:a16="http://schemas.microsoft.com/office/drawing/2014/main" id="{9F20133E-2D00-92F4-A9BD-78E89364480C}"/>
+                </a:ext>
+              </a:extLst>
+            </p:cNvPr>
+            <p:cNvSpPr/>
+            <p:nvPr/>
+          </p:nvSpPr>
+          <p:spPr>
+            <a:xfrm>
+              <a:off x="3892336" y="6547446"/>
+              <a:ext cx="809640" cy="253128"/>
+            </a:xfrm>
+            <a:prstGeom prst="rect">
+              <a:avLst/>
+            </a:prstGeom>
+            <a:noFill/>
+            <a:ln w="12700">
+              <a:noFill/>
+              <a:prstDash val="solid"/>
+            </a:ln>
+          </p:spPr>
+          <p:txBody>
+            <a:bodyPr lIns="91440" tIns="45720" rIns="91440" bIns="45720" rtlCol="0" anchor="t">
+              <a:noAutofit/>
+            </a:bodyPr>
+            <a:lstStyle/>
+            <a:p>
+              <a:pPr>
+                <a:defRPr/>
+              </a:pPr>
+              <a:r>
+                <a:rPr lang="en-US" sz="900" dirty="0"/>
+                <a:t>Box</a:t>
+              </a:r>
+              <a:endParaRPr lang="en-US" sz="1200" dirty="0"/>
+            </a:p>
+          </p:txBody>
+        </p:sp>
+      </p:grpSp>
+      <p:grpSp>
+        <p:nvGrpSpPr>
+          <p:cNvPr id="259" name="组合 258">
+            <a:extLst>
+              <a:ext uri="{FF2B5EF4-FFF2-40B4-BE49-F238E27FC236}">
+                <a16:creationId xmlns:a16="http://schemas.microsoft.com/office/drawing/2014/main" id="{D28E1A87-2422-D088-DFCD-F7D5EB7F33CA}"/>
+              </a:ext>
+            </a:extLst>
+          </p:cNvPr>
+          <p:cNvGrpSpPr/>
+          <p:nvPr/>
+        </p:nvGrpSpPr>
+        <p:grpSpPr>
+          <a:xfrm>
+            <a:off x="1782885" y="2497274"/>
+            <a:ext cx="1320333" cy="710715"/>
+            <a:chOff x="201783" y="7309654"/>
+            <a:chExt cx="1214093" cy="429113"/>
+          </a:xfrm>
+        </p:grpSpPr>
+        <p:grpSp>
+          <p:nvGrpSpPr>
+            <p:cNvPr id="258" name="组合 257">
+              <a:extLst>
+                <a:ext uri="{FF2B5EF4-FFF2-40B4-BE49-F238E27FC236}">
+                  <a16:creationId xmlns:a16="http://schemas.microsoft.com/office/drawing/2014/main" id="{C25DF972-C8EB-B422-6BBB-6445B2F4F14A}"/>
+                </a:ext>
+              </a:extLst>
+            </p:cNvPr>
+            <p:cNvGrpSpPr/>
+            <p:nvPr/>
+          </p:nvGrpSpPr>
+          <p:grpSpPr>
+            <a:xfrm>
+              <a:off x="201783" y="7326304"/>
+              <a:ext cx="1214093" cy="412463"/>
+              <a:chOff x="201783" y="7326304"/>
+              <a:chExt cx="1214093" cy="412463"/>
             </a:xfrm>
           </p:grpSpPr>
           <p:sp>
             <p:nvSpPr>
-              <p:cNvPr id="170" name="椭圆 169">
+              <p:cNvPr id="348" name="AutoShape 115">
                 <a:extLst>
                   <a:ext uri="{FF2B5EF4-FFF2-40B4-BE49-F238E27FC236}">
-                    <a16:creationId xmlns:a16="http://schemas.microsoft.com/office/drawing/2014/main" id="{D1E65B99-1A7B-045F-A80A-79BEE0E3FBD2}"/>
+                    <a16:creationId xmlns:a16="http://schemas.microsoft.com/office/drawing/2014/main" id="{855CDF71-8E19-40F0-D035-1AA815038D88}"/>
                   </a:ext>
                 </a:extLst>
               </p:cNvPr>
@@ -20773,344 +20425,157 @@
             </p:nvSpPr>
             <p:spPr>
               <a:xfrm>
-                <a:off x="896356" y="5005305"/>
-                <a:ext cx="1245661" cy="525085"/>
+                <a:off x="201783" y="7326304"/>
+                <a:ext cx="1214093" cy="412463"/>
               </a:xfrm>
-              <a:prstGeom prst="ellipse">
-                <a:avLst/>
+              <a:prstGeom prst="roundRect">
+                <a:avLst>
+                  <a:gd name="adj" fmla="val 9090"/>
+                </a:avLst>
               </a:prstGeom>
               <a:solidFill>
-                <a:srgbClr val="92D050">
-                  <a:alpha val="50000"/>
+                <a:srgbClr val="DEE0E3">
+                  <a:alpha val="20000"/>
                 </a:srgbClr>
               </a:solidFill>
-              <a:ln>
-                <a:noFill/>
+              <a:ln w="25400" cap="flat" cmpd="sng">
+                <a:solidFill>
+                  <a:srgbClr val="2B2F36">
+                    <a:alpha val="20000"/>
+                  </a:srgbClr>
+                </a:solidFill>
+                <a:prstDash val="solid"/>
+                <a:round/>
               </a:ln>
             </p:spPr>
-            <p:style>
-              <a:lnRef idx="1">
-                <a:schemeClr val="accent6"/>
-              </a:lnRef>
-              <a:fillRef idx="2">
-                <a:schemeClr val="accent6"/>
-              </a:fillRef>
-              <a:effectRef idx="1">
-                <a:schemeClr val="accent6"/>
-              </a:effectRef>
-              <a:fontRef idx="minor">
-                <a:schemeClr val="dk1"/>
-              </a:fontRef>
-            </p:style>
             <p:txBody>
-              <a:bodyPr rtlCol="0" anchor="ctr"/>
+              <a:bodyPr lIns="63500" tIns="63500" rIns="63500" bIns="63500" rtlCol="0" anchor="ctr">
+                <a:noAutofit/>
+              </a:bodyPr>
               <a:lstStyle/>
               <a:p>
-                <a:pPr algn="ctr"/>
-                <a:endParaRPr lang="zh-CN" altLang="en-US" sz="1200" dirty="0"/>
+                <a:pPr algn="ctr">
+                  <a:defRPr/>
+                </a:pPr>
+                <a:endParaRPr sz="1400" dirty="0"/>
               </a:p>
             </p:txBody>
           </p:sp>
-          <p:sp>
-            <p:nvSpPr>
-              <p:cNvPr id="168" name="椭圆 167">
+          <p:pic>
+            <p:nvPicPr>
+              <p:cNvPr id="350" name="Picture 123">
                 <a:extLst>
                   <a:ext uri="{FF2B5EF4-FFF2-40B4-BE49-F238E27FC236}">
-                    <a16:creationId xmlns:a16="http://schemas.microsoft.com/office/drawing/2014/main" id="{2DA5C961-81AC-C259-6438-10F15AFA47F0}"/>
+                    <a16:creationId xmlns:a16="http://schemas.microsoft.com/office/drawing/2014/main" id="{5F335CBE-C642-1672-5AEC-A9A13DDAC6BF}"/>
                   </a:ext>
                 </a:extLst>
               </p:cNvPr>
-              <p:cNvSpPr/>
+              <p:cNvPicPr>
+                <a:picLocks noChangeAspect="1"/>
+              </p:cNvPicPr>
               <p:nvPr/>
-            </p:nvSpPr>
+            </p:nvPicPr>
+            <p:blipFill>
+              <a:blip r:embed="rId5"/>
+              <a:stretch>
+                <a:fillRect/>
+              </a:stretch>
+            </p:blipFill>
             <p:spPr>
               <a:xfrm>
-                <a:off x="894073" y="4718874"/>
-                <a:ext cx="1239108" cy="592921"/>
+                <a:off x="384931" y="7530259"/>
+                <a:ext cx="248964" cy="176862"/>
               </a:xfrm>
-              <a:prstGeom prst="ellipse">
-                <a:avLst/>
+              <a:prstGeom prst="roundRect">
+                <a:avLst>
+                  <a:gd name="adj" fmla="val 10768"/>
+                </a:avLst>
               </a:prstGeom>
-              <a:solidFill>
-                <a:srgbClr val="ED1121">
-                  <a:alpha val="49804"/>
-                </a:srgbClr>
-              </a:solidFill>
               <a:ln>
                 <a:noFill/>
+                <a:prstDash val="solid"/>
               </a:ln>
             </p:spPr>
-            <p:style>
-              <a:lnRef idx="1">
-                <a:schemeClr val="accent6"/>
-              </a:lnRef>
-              <a:fillRef idx="2">
-                <a:schemeClr val="accent6"/>
-              </a:fillRef>
-              <a:effectRef idx="1">
-                <a:schemeClr val="accent6"/>
-              </a:effectRef>
-              <a:fontRef idx="minor">
-                <a:schemeClr val="dk1"/>
-              </a:fontRef>
-            </p:style>
-            <p:txBody>
-              <a:bodyPr rtlCol="0" anchor="ctr"/>
-              <a:lstStyle/>
-              <a:p>
-                <a:pPr algn="ctr"/>
-                <a:endParaRPr lang="zh-CN" altLang="en-US" sz="1100" dirty="0"/>
-              </a:p>
-            </p:txBody>
-          </p:sp>
-          <p:sp>
-            <p:nvSpPr>
-              <p:cNvPr id="176" name="AutoShape 119">
+          </p:pic>
+          <p:pic>
+            <p:nvPicPr>
+              <p:cNvPr id="352" name="Picture 122">
                 <a:extLst>
                   <a:ext uri="{FF2B5EF4-FFF2-40B4-BE49-F238E27FC236}">
-                    <a16:creationId xmlns:a16="http://schemas.microsoft.com/office/drawing/2014/main" id="{AEA619EA-8002-8960-72D1-C8B97F5AAB7B}"/>
+                    <a16:creationId xmlns:a16="http://schemas.microsoft.com/office/drawing/2014/main" id="{F2098F1F-04F1-A9C0-18DE-9F55A9850408}"/>
                   </a:ext>
                 </a:extLst>
               </p:cNvPr>
-              <p:cNvSpPr/>
+              <p:cNvPicPr>
+                <a:picLocks noChangeAspect="1"/>
+              </p:cNvPicPr>
               <p:nvPr/>
-            </p:nvSpPr>
+            </p:nvPicPr>
+            <p:blipFill>
+              <a:blip r:embed="rId7"/>
+              <a:stretch>
+                <a:fillRect/>
+              </a:stretch>
+            </p:blipFill>
             <p:spPr>
               <a:xfrm>
-                <a:off x="1102948" y="4853654"/>
-                <a:ext cx="1077831" cy="176070"/>
+                <a:off x="633895" y="7532846"/>
+                <a:ext cx="244045" cy="174940"/>
               </a:xfrm>
               <a:prstGeom prst="rect">
                 <a:avLst/>
               </a:prstGeom>
-              <a:noFill/>
-              <a:ln w="12700">
+              <a:ln>
                 <a:noFill/>
                 <a:prstDash val="solid"/>
               </a:ln>
             </p:spPr>
-            <p:txBody>
-              <a:bodyPr lIns="91440" tIns="45720" rIns="91440" bIns="45720" rtlCol="0" anchor="t">
-                <a:noAutofit/>
-              </a:bodyPr>
-              <a:lstStyle/>
-              <a:p>
-                <a:pPr>
-                  <a:defRPr/>
-                </a:pPr>
-                <a:r>
-                  <a:rPr lang="en-US" sz="800" dirty="0"/>
-                  <a:t>Button, Joystick</a:t>
-                </a:r>
-                <a:endParaRPr lang="en-US" sz="1100" dirty="0"/>
-              </a:p>
-            </p:txBody>
-          </p:sp>
-          <p:sp>
-            <p:nvSpPr>
-              <p:cNvPr id="177" name="AutoShape 119">
-                <a:extLst>
-                  <a:ext uri="{FF2B5EF4-FFF2-40B4-BE49-F238E27FC236}">
-                    <a16:creationId xmlns:a16="http://schemas.microsoft.com/office/drawing/2014/main" id="{5E166DB2-A75C-B171-FC31-56097B1609A7}"/>
-                  </a:ext>
-                </a:extLst>
-              </p:cNvPr>
-              <p:cNvSpPr/>
-              <p:nvPr/>
-            </p:nvSpPr>
-            <p:spPr>
-              <a:xfrm>
-                <a:off x="1223569" y="5281703"/>
-                <a:ext cx="976684" cy="251788"/>
-              </a:xfrm>
-              <a:prstGeom prst="rect">
-                <a:avLst/>
-              </a:prstGeom>
-              <a:noFill/>
-              <a:ln w="12700">
-                <a:noFill/>
-                <a:prstDash val="solid"/>
-              </a:ln>
-            </p:spPr>
-            <p:txBody>
-              <a:bodyPr lIns="91440" tIns="45720" rIns="91440" bIns="45720" rtlCol="0" anchor="t">
-                <a:noAutofit/>
-              </a:bodyPr>
-              <a:lstStyle/>
-              <a:p>
-                <a:pPr>
-                  <a:defRPr/>
-                </a:pPr>
-                <a:r>
-                  <a:rPr lang="en-US" sz="800" dirty="0"/>
-                  <a:t>Box, Coin</a:t>
-                </a:r>
-                <a:endParaRPr lang="en-US" sz="1100" dirty="0"/>
-              </a:p>
-            </p:txBody>
-          </p:sp>
-          <p:sp>
-            <p:nvSpPr>
-              <p:cNvPr id="178" name="AutoShape 119">
-                <a:extLst>
-                  <a:ext uri="{FF2B5EF4-FFF2-40B4-BE49-F238E27FC236}">
-                    <a16:creationId xmlns:a16="http://schemas.microsoft.com/office/drawing/2014/main" id="{D2402F8E-E381-FBB3-D7E2-9ABA4D026758}"/>
-                  </a:ext>
-                </a:extLst>
-              </p:cNvPr>
-              <p:cNvSpPr/>
-              <p:nvPr/>
-            </p:nvSpPr>
-            <p:spPr>
-              <a:xfrm>
-                <a:off x="209823" y="5105123"/>
-                <a:ext cx="976684" cy="251788"/>
-              </a:xfrm>
-              <a:prstGeom prst="rect">
-                <a:avLst/>
-              </a:prstGeom>
-              <a:noFill/>
-              <a:ln w="12700">
-                <a:noFill/>
-                <a:prstDash val="solid"/>
-              </a:ln>
-            </p:spPr>
-            <p:txBody>
-              <a:bodyPr lIns="91440" tIns="45720" rIns="91440" bIns="45720" rtlCol="0" anchor="t">
-                <a:noAutofit/>
-              </a:bodyPr>
-              <a:lstStyle/>
-              <a:p>
-                <a:pPr>
-                  <a:defRPr/>
-                </a:pPr>
-                <a:r>
-                  <a:rPr lang="en-US" sz="1000" dirty="0"/>
-                  <a:t>Grabbable</a:t>
-                </a:r>
-                <a:endParaRPr lang="en-US" sz="1400" dirty="0"/>
-              </a:p>
-            </p:txBody>
-          </p:sp>
-          <p:sp>
-            <p:nvSpPr>
-              <p:cNvPr id="212" name="AutoShape 119">
-                <a:extLst>
-                  <a:ext uri="{FF2B5EF4-FFF2-40B4-BE49-F238E27FC236}">
-                    <a16:creationId xmlns:a16="http://schemas.microsoft.com/office/drawing/2014/main" id="{E039E8CC-55A6-E96B-4E85-08A5F11556D9}"/>
-                  </a:ext>
-                </a:extLst>
-              </p:cNvPr>
-              <p:cNvSpPr/>
-              <p:nvPr/>
-            </p:nvSpPr>
-            <p:spPr>
-              <a:xfrm>
-                <a:off x="175980" y="4837372"/>
-                <a:ext cx="976684" cy="251788"/>
-              </a:xfrm>
-              <a:prstGeom prst="rect">
-                <a:avLst/>
-              </a:prstGeom>
-              <a:noFill/>
-              <a:ln w="12700">
-                <a:noFill/>
-                <a:prstDash val="solid"/>
-              </a:ln>
-            </p:spPr>
-            <p:txBody>
-              <a:bodyPr lIns="91440" tIns="45720" rIns="91440" bIns="45720" rtlCol="0" anchor="t">
-                <a:noAutofit/>
-              </a:bodyPr>
-              <a:lstStyle/>
-              <a:p>
-                <a:pPr>
-                  <a:defRPr/>
-                </a:pPr>
-                <a:r>
-                  <a:rPr lang="en-US" sz="1000" dirty="0"/>
-                  <a:t>Triggerable</a:t>
-                </a:r>
-                <a:endParaRPr lang="en-US" sz="1400" dirty="0"/>
-              </a:p>
-            </p:txBody>
-          </p:sp>
-          <p:sp>
-            <p:nvSpPr>
-              <p:cNvPr id="213" name="AutoShape 119">
-                <a:extLst>
-                  <a:ext uri="{FF2B5EF4-FFF2-40B4-BE49-F238E27FC236}">
-                    <a16:creationId xmlns:a16="http://schemas.microsoft.com/office/drawing/2014/main" id="{B4A27EA1-B818-9650-4E6B-74EC109AE6B4}"/>
-                  </a:ext>
-                </a:extLst>
-              </p:cNvPr>
-              <p:cNvSpPr/>
-              <p:nvPr/>
-            </p:nvSpPr>
-            <p:spPr>
-              <a:xfrm>
-                <a:off x="936359" y="5055930"/>
-                <a:ext cx="1308099" cy="251788"/>
-              </a:xfrm>
-              <a:prstGeom prst="rect">
-                <a:avLst/>
-              </a:prstGeom>
-              <a:noFill/>
-              <a:ln w="12700">
-                <a:noFill/>
-                <a:prstDash val="solid"/>
-              </a:ln>
-            </p:spPr>
-            <p:txBody>
-              <a:bodyPr lIns="91440" tIns="45720" rIns="91440" bIns="45720" rtlCol="0" anchor="t">
-                <a:noAutofit/>
-              </a:bodyPr>
-              <a:lstStyle/>
-              <a:p>
-                <a:pPr>
-                  <a:defRPr/>
-                </a:pPr>
-                <a:r>
-                  <a:rPr lang="en-US" sz="800" dirty="0"/>
-                  <a:t>Gun, Cigarette Lighter</a:t>
-                </a:r>
-                <a:endParaRPr lang="en-US" sz="1100" dirty="0"/>
-              </a:p>
-            </p:txBody>
-          </p:sp>
+          </p:pic>
         </p:grpSp>
         <p:sp>
           <p:nvSpPr>
-            <p:cNvPr id="218" name="文本框 217">
+            <p:cNvPr id="355" name="AutoShape 29">
               <a:extLst>
                 <a:ext uri="{FF2B5EF4-FFF2-40B4-BE49-F238E27FC236}">
-                  <a16:creationId xmlns:a16="http://schemas.microsoft.com/office/drawing/2014/main" id="{6FEC9539-0432-02EA-ADD2-364E519891ED}"/>
+                  <a16:creationId xmlns:a16="http://schemas.microsoft.com/office/drawing/2014/main" id="{262866A7-482F-E818-5A3A-C3169C6D9860}"/>
                 </a:ext>
               </a:extLst>
             </p:cNvPr>
-            <p:cNvSpPr txBox="1"/>
+            <p:cNvSpPr/>
             <p:nvPr/>
           </p:nvSpPr>
           <p:spPr>
             <a:xfrm>
-              <a:off x="539586" y="4167788"/>
-              <a:ext cx="2625878" cy="261610"/>
+              <a:off x="228005" y="7309654"/>
+              <a:ext cx="1159197" cy="233277"/>
             </a:xfrm>
             <a:prstGeom prst="rect">
               <a:avLst/>
             </a:prstGeom>
             <a:noFill/>
+            <a:ln w="12700">
+              <a:noFill/>
+              <a:prstDash val="solid"/>
+            </a:ln>
           </p:spPr>
           <p:txBody>
-            <a:bodyPr wrap="square">
-              <a:spAutoFit/>
+            <a:bodyPr lIns="0" tIns="0" rIns="0" bIns="0" rtlCol="0" anchor="ctr">
+              <a:noAutofit/>
             </a:bodyPr>
             <a:lstStyle/>
             <a:p>
+              <a:pPr>
+                <a:defRPr/>
+              </a:pPr>
               <a:r>
-                <a:rPr lang="zh-CN" altLang="en-US" sz="1100" dirty="0"/>
-                <a:t>Abstraction Object Interaction Feature</a:t>
+                <a:rPr lang="en-US" sz="1000" dirty="0">
+                  <a:solidFill>
+                    <a:srgbClr val="1F2329"/>
+                  </a:solidFill>
+                </a:rPr>
+                <a:t>Game Logic Code &amp; Third Plugin Analysis</a:t>
               </a:r>
+              <a:endParaRPr lang="en-US" sz="1000" dirty="0"/>
             </a:p>
           </p:txBody>
         </p:sp>
@@ -21129,7 +20594,7 @@
         </p:nvSpPr>
         <p:spPr>
           <a:xfrm>
-            <a:off x="238720" y="2099806"/>
+            <a:off x="239526" y="2038407"/>
             <a:ext cx="2413341" cy="335688"/>
           </a:xfrm>
           <a:prstGeom prst="rect">
@@ -21162,91 +20627,6 @@
           </a:p>
         </p:txBody>
       </p:sp>
-      <p:sp>
-        <p:nvSpPr>
-          <p:cNvPr id="149" name="AutoShape 5">
-            <a:extLst>
-              <a:ext uri="{FF2B5EF4-FFF2-40B4-BE49-F238E27FC236}">
-                <a16:creationId xmlns:a16="http://schemas.microsoft.com/office/drawing/2014/main" id="{4C17200F-E6B9-78FE-5420-329728B3645F}"/>
-              </a:ext>
-            </a:extLst>
-          </p:cNvPr>
-          <p:cNvSpPr/>
-          <p:nvPr/>
-        </p:nvSpPr>
-        <p:spPr>
-          <a:xfrm>
-            <a:off x="283683" y="3776781"/>
-            <a:ext cx="2997551" cy="2903788"/>
-          </a:xfrm>
-          <a:prstGeom prst="roundRect">
-            <a:avLst>
-              <a:gd name="adj" fmla="val 0"/>
-            </a:avLst>
-          </a:prstGeom>
-          <a:noFill/>
-          <a:ln w="25400" cap="flat">
-            <a:solidFill>
-              <a:srgbClr val="000000">
-                <a:alpha val="100000"/>
-              </a:srgbClr>
-            </a:solidFill>
-            <a:prstDash val="dash"/>
-          </a:ln>
-        </p:spPr>
-        <p:txBody>
-          <a:bodyPr lIns="91440" tIns="45720" rIns="91440" bIns="45720" rtlCol="0" anchor="ctr">
-            <a:noAutofit/>
-          </a:bodyPr>
-          <a:lstStyle/>
-          <a:p>
-            <a:pPr algn="ctr">
-              <a:defRPr/>
-            </a:pPr>
-            <a:endParaRPr dirty="0"/>
-          </a:p>
-        </p:txBody>
-      </p:sp>
-      <p:sp>
-        <p:nvSpPr>
-          <p:cNvPr id="161" name="文本框 160">
-            <a:extLst>
-              <a:ext uri="{FF2B5EF4-FFF2-40B4-BE49-F238E27FC236}">
-                <a16:creationId xmlns:a16="http://schemas.microsoft.com/office/drawing/2014/main" id="{0A6A5E14-2898-6D5D-85C8-86B0DD5B73E4}"/>
-              </a:ext>
-            </a:extLst>
-          </p:cNvPr>
-          <p:cNvSpPr txBox="1"/>
-          <p:nvPr/>
-        </p:nvSpPr>
-        <p:spPr>
-          <a:xfrm>
-            <a:off x="1073490" y="5445383"/>
-            <a:ext cx="1350093" cy="261610"/>
-          </a:xfrm>
-          <a:prstGeom prst="rect">
-            <a:avLst/>
-          </a:prstGeom>
-          <a:noFill/>
-        </p:spPr>
-        <p:txBody>
-          <a:bodyPr wrap="square">
-            <a:spAutoFit/>
-          </a:bodyPr>
-          <a:lstStyle/>
-          <a:p>
-            <a:r>
-              <a:rPr lang="zh-CN" altLang="en-US" sz="1100" dirty="0"/>
-              <a:t>Abstraction </a:t>
-            </a:r>
-            <a:r>
-              <a:rPr lang="en-US" altLang="zh-CN" sz="1100" dirty="0"/>
-              <a:t>Action</a:t>
-            </a:r>
-            <a:endParaRPr lang="zh-CN" altLang="en-US" sz="1100" dirty="0"/>
-          </a:p>
-        </p:txBody>
-      </p:sp>
       <p:graphicFrame>
         <p:nvGraphicFramePr>
           <p:cNvPr id="228" name="表格 227">
@@ -21262,13 +20642,13 @@
           <p:nvPr>
             <p:extLst>
               <p:ext uri="{D42A27DB-BD31-4B8C-83A1-F6EECF244321}">
-                <p14:modId xmlns:p14="http://schemas.microsoft.com/office/powerpoint/2010/main" val="810022648"/>
+                <p14:modId xmlns:p14="http://schemas.microsoft.com/office/powerpoint/2010/main" val="3773183059"/>
               </p:ext>
             </p:extLst>
           </p:nvPr>
         </p:nvGraphicFramePr>
         <p:xfrm>
-          <a:off x="1893545" y="5725922"/>
+          <a:off x="1865257" y="5488213"/>
           <a:ext cx="1204349" cy="792480"/>
         </p:xfrm>
         <a:graphic>
@@ -21408,12 +20788,148 @@
           </a:graphicData>
         </a:graphic>
       </p:graphicFrame>
+      <p:sp>
+        <p:nvSpPr>
+          <p:cNvPr id="28" name="AutoShape 28"/>
+          <p:cNvSpPr/>
+          <p:nvPr/>
+        </p:nvSpPr>
+        <p:spPr>
+          <a:xfrm>
+            <a:off x="246613" y="3662870"/>
+            <a:ext cx="2413341" cy="335688"/>
+          </a:xfrm>
+          <a:prstGeom prst="rect">
+            <a:avLst/>
+          </a:prstGeom>
+          <a:noFill/>
+          <a:ln w="12700">
+            <a:noFill/>
+            <a:prstDash val="solid"/>
+          </a:ln>
+        </p:spPr>
+        <p:txBody>
+          <a:bodyPr lIns="91440" tIns="45720" rIns="91440" bIns="45720" rtlCol="0" anchor="t">
+            <a:noAutofit/>
+          </a:bodyPr>
+          <a:lstStyle/>
+          <a:p>
+            <a:pPr>
+              <a:defRPr/>
+            </a:pPr>
+            <a:r>
+              <a:rPr lang="en-US" sz="1800" b="1" dirty="0">
+                <a:solidFill>
+                  <a:srgbClr val="1F2329"/>
+                </a:solidFill>
+              </a:rPr>
+              <a:t>Model Abstraction</a:t>
+            </a:r>
+            <a:endParaRPr lang="en-US" sz="1800" dirty="0"/>
+          </a:p>
+        </p:txBody>
+      </p:sp>
+      <p:sp>
+        <p:nvSpPr>
+          <p:cNvPr id="149" name="AutoShape 5">
+            <a:extLst>
+              <a:ext uri="{FF2B5EF4-FFF2-40B4-BE49-F238E27FC236}">
+                <a16:creationId xmlns:a16="http://schemas.microsoft.com/office/drawing/2014/main" id="{4C17200F-E6B9-78FE-5420-329728B3645F}"/>
+              </a:ext>
+            </a:extLst>
+          </p:cNvPr>
+          <p:cNvSpPr/>
+          <p:nvPr/>
+        </p:nvSpPr>
+        <p:spPr>
+          <a:xfrm>
+            <a:off x="255923" y="3673369"/>
+            <a:ext cx="3062509" cy="2818644"/>
+          </a:xfrm>
+          <a:prstGeom prst="roundRect">
+            <a:avLst>
+              <a:gd name="adj" fmla="val 0"/>
+            </a:avLst>
+          </a:prstGeom>
+          <a:noFill/>
+          <a:ln w="25400" cap="flat">
+            <a:solidFill>
+              <a:srgbClr val="000000">
+                <a:alpha val="100000"/>
+              </a:srgbClr>
+            </a:solidFill>
+            <a:prstDash val="dash"/>
+          </a:ln>
+        </p:spPr>
+        <p:txBody>
+          <a:bodyPr lIns="91440" tIns="45720" rIns="91440" bIns="45720" rtlCol="0" anchor="ctr">
+            <a:noAutofit/>
+          </a:bodyPr>
+          <a:lstStyle/>
+          <a:p>
+            <a:pPr algn="ctr">
+              <a:defRPr/>
+            </a:pPr>
+            <a:endParaRPr dirty="0"/>
+          </a:p>
+        </p:txBody>
+      </p:sp>
+      <p:sp>
+        <p:nvSpPr>
+          <p:cNvPr id="169" name="AutoShape 115">
+            <a:extLst>
+              <a:ext uri="{FF2B5EF4-FFF2-40B4-BE49-F238E27FC236}">
+                <a16:creationId xmlns:a16="http://schemas.microsoft.com/office/drawing/2014/main" id="{935D12A4-1BDC-E77C-ADA4-F42177ACFA48}"/>
+              </a:ext>
+            </a:extLst>
+          </p:cNvPr>
+          <p:cNvSpPr/>
+          <p:nvPr/>
+        </p:nvSpPr>
+        <p:spPr>
+          <a:xfrm>
+            <a:off x="332619" y="5271107"/>
+            <a:ext cx="2880742" cy="1085244"/>
+          </a:xfrm>
+          <a:prstGeom prst="roundRect">
+            <a:avLst>
+              <a:gd name="adj" fmla="val 9090"/>
+            </a:avLst>
+          </a:prstGeom>
+          <a:solidFill>
+            <a:srgbClr val="DEE0E3">
+              <a:alpha val="20000"/>
+            </a:srgbClr>
+          </a:solidFill>
+          <a:ln w="25400" cap="flat" cmpd="sng">
+            <a:solidFill>
+              <a:srgbClr val="2B2F36">
+                <a:alpha val="20000"/>
+              </a:srgbClr>
+            </a:solidFill>
+            <a:prstDash val="solid"/>
+            <a:round/>
+          </a:ln>
+        </p:spPr>
+        <p:txBody>
+          <a:bodyPr lIns="63500" tIns="63500" rIns="63500" bIns="63500" rtlCol="0" anchor="ctr">
+            <a:noAutofit/>
+          </a:bodyPr>
+          <a:lstStyle/>
+          <a:p>
+            <a:pPr algn="ctr">
+              <a:defRPr/>
+            </a:pPr>
+            <a:endParaRPr sz="1400" dirty="0"/>
+          </a:p>
+        </p:txBody>
+      </p:sp>
       <p:grpSp>
         <p:nvGrpSpPr>
-          <p:cNvPr id="248" name="组合 247">
+          <p:cNvPr id="349" name="组合 348">
             <a:extLst>
               <a:ext uri="{FF2B5EF4-FFF2-40B4-BE49-F238E27FC236}">
-                <a16:creationId xmlns:a16="http://schemas.microsoft.com/office/drawing/2014/main" id="{AF698C48-AFFE-4CE4-DE97-77EC63F210AB}"/>
+                <a16:creationId xmlns:a16="http://schemas.microsoft.com/office/drawing/2014/main" id="{92108817-39D9-DE8B-CDD7-D374793D9027}"/>
               </a:ext>
             </a:extLst>
           </p:cNvPr>
@@ -21422,18 +20938,1419 @@
         </p:nvGrpSpPr>
         <p:grpSpPr>
           <a:xfrm>
-            <a:off x="517386" y="5697879"/>
-            <a:ext cx="798146" cy="266869"/>
-            <a:chOff x="586878" y="5687160"/>
-            <a:chExt cx="798146" cy="266869"/>
+            <a:off x="493141" y="5230330"/>
+            <a:ext cx="2027683" cy="1016322"/>
+            <a:chOff x="493141" y="5230330"/>
+            <a:chExt cx="2027683" cy="1016322"/>
           </a:xfrm>
         </p:grpSpPr>
         <p:sp>
           <p:nvSpPr>
-            <p:cNvPr id="240" name="AutoShape 29">
+            <p:cNvPr id="161" name="文本框 160">
               <a:extLst>
                 <a:ext uri="{FF2B5EF4-FFF2-40B4-BE49-F238E27FC236}">
-                  <a16:creationId xmlns:a16="http://schemas.microsoft.com/office/drawing/2014/main" id="{C217706E-0D67-75EC-EC17-4146EB9434DA}"/>
+                  <a16:creationId xmlns:a16="http://schemas.microsoft.com/office/drawing/2014/main" id="{0A6A5E14-2898-6D5D-85C8-86B0DD5B73E4}"/>
+                </a:ext>
+              </a:extLst>
+            </p:cNvPr>
+            <p:cNvSpPr txBox="1"/>
+            <p:nvPr/>
+          </p:nvSpPr>
+          <p:spPr>
+            <a:xfrm>
+              <a:off x="1170731" y="5230330"/>
+              <a:ext cx="1350093" cy="261610"/>
+            </a:xfrm>
+            <a:prstGeom prst="rect">
+              <a:avLst/>
+            </a:prstGeom>
+            <a:noFill/>
+          </p:spPr>
+          <p:txBody>
+            <a:bodyPr wrap="square">
+              <a:spAutoFit/>
+            </a:bodyPr>
+            <a:lstStyle/>
+            <a:p>
+              <a:r>
+                <a:rPr lang="zh-CN" altLang="en-US" sz="1100" dirty="0"/>
+                <a:t>Abstraction </a:t>
+              </a:r>
+              <a:r>
+                <a:rPr lang="en-US" altLang="zh-CN" sz="1100" dirty="0"/>
+                <a:t>Action</a:t>
+              </a:r>
+              <a:endParaRPr lang="zh-CN" altLang="en-US" sz="1100" dirty="0"/>
+            </a:p>
+          </p:txBody>
+        </p:sp>
+        <p:grpSp>
+          <p:nvGrpSpPr>
+            <p:cNvPr id="345" name="组合 344">
+              <a:extLst>
+                <a:ext uri="{FF2B5EF4-FFF2-40B4-BE49-F238E27FC236}">
+                  <a16:creationId xmlns:a16="http://schemas.microsoft.com/office/drawing/2014/main" id="{ACB57719-EF65-FF74-8537-182470F0857A}"/>
+                </a:ext>
+              </a:extLst>
+            </p:cNvPr>
+            <p:cNvGrpSpPr/>
+            <p:nvPr/>
+          </p:nvGrpSpPr>
+          <p:grpSpPr>
+            <a:xfrm>
+              <a:off x="493141" y="5409721"/>
+              <a:ext cx="1355180" cy="836931"/>
+              <a:chOff x="517386" y="5697879"/>
+              <a:chExt cx="1355180" cy="836931"/>
+            </a:xfrm>
+          </p:grpSpPr>
+          <p:grpSp>
+            <p:nvGrpSpPr>
+              <p:cNvPr id="248" name="组合 247">
+                <a:extLst>
+                  <a:ext uri="{FF2B5EF4-FFF2-40B4-BE49-F238E27FC236}">
+                    <a16:creationId xmlns:a16="http://schemas.microsoft.com/office/drawing/2014/main" id="{AF698C48-AFFE-4CE4-DE97-77EC63F210AB}"/>
+                  </a:ext>
+                </a:extLst>
+              </p:cNvPr>
+              <p:cNvGrpSpPr/>
+              <p:nvPr/>
+            </p:nvGrpSpPr>
+            <p:grpSpPr>
+              <a:xfrm>
+                <a:off x="517386" y="5697879"/>
+                <a:ext cx="798146" cy="266869"/>
+                <a:chOff x="586878" y="5687160"/>
+                <a:chExt cx="798146" cy="266869"/>
+              </a:xfrm>
+            </p:grpSpPr>
+            <p:sp>
+              <p:nvSpPr>
+                <p:cNvPr id="240" name="AutoShape 29">
+                  <a:extLst>
+                    <a:ext uri="{FF2B5EF4-FFF2-40B4-BE49-F238E27FC236}">
+                      <a16:creationId xmlns:a16="http://schemas.microsoft.com/office/drawing/2014/main" id="{C217706E-0D67-75EC-EC17-4146EB9434DA}"/>
+                    </a:ext>
+                  </a:extLst>
+                </p:cNvPr>
+                <p:cNvSpPr/>
+                <p:nvPr/>
+              </p:nvSpPr>
+              <p:spPr>
+                <a:xfrm>
+                  <a:off x="586878" y="5744182"/>
+                  <a:ext cx="363303" cy="142488"/>
+                </a:xfrm>
+                <a:prstGeom prst="rect">
+                  <a:avLst/>
+                </a:prstGeom>
+                <a:noFill/>
+                <a:ln w="12700">
+                  <a:noFill/>
+                  <a:prstDash val="solid"/>
+                </a:ln>
+              </p:spPr>
+              <p:txBody>
+                <a:bodyPr lIns="0" tIns="0" rIns="0" bIns="0" rtlCol="0" anchor="ctr">
+                  <a:noAutofit/>
+                </a:bodyPr>
+                <a:lstStyle/>
+                <a:p>
+                  <a:pPr>
+                    <a:lnSpc>
+                      <a:spcPct val="125000"/>
+                    </a:lnSpc>
+                    <a:defRPr/>
+                  </a:pPr>
+                  <a:r>
+                    <a:rPr lang="en-US" altLang="zh-CN" sz="800" dirty="0">
+                      <a:solidFill>
+                        <a:srgbClr val="1F2329"/>
+                      </a:solidFill>
+                    </a:rPr>
+                    <a:t>Press</a:t>
+                  </a:r>
+                  <a:endParaRPr lang="en-US" sz="800" dirty="0"/>
+                </a:p>
+              </p:txBody>
+            </p:sp>
+            <p:sp>
+              <p:nvSpPr>
+                <p:cNvPr id="241" name="右大括号 240">
+                  <a:extLst>
+                    <a:ext uri="{FF2B5EF4-FFF2-40B4-BE49-F238E27FC236}">
+                      <a16:creationId xmlns:a16="http://schemas.microsoft.com/office/drawing/2014/main" id="{B8D492E5-3F0E-BD29-2F58-3C54F1928C5D}"/>
+                    </a:ext>
+                  </a:extLst>
+                </p:cNvPr>
+                <p:cNvSpPr/>
+                <p:nvPr/>
+              </p:nvSpPr>
+              <p:spPr>
+                <a:xfrm flipH="1">
+                  <a:off x="855783" y="5755041"/>
+                  <a:ext cx="45719" cy="160072"/>
+                </a:xfrm>
+                <a:prstGeom prst="rightBrace">
+                  <a:avLst>
+                    <a:gd name="adj1" fmla="val 38451"/>
+                    <a:gd name="adj2" fmla="val 50000"/>
+                  </a:avLst>
+                </a:prstGeom>
+                <a:ln w="9525">
+                  <a:solidFill>
+                    <a:schemeClr val="dk1">
+                      <a:shade val="95000"/>
+                      <a:satMod val="105000"/>
+                    </a:schemeClr>
+                  </a:solidFill>
+                </a:ln>
+              </p:spPr>
+              <p:style>
+                <a:lnRef idx="1">
+                  <a:schemeClr val="dk1"/>
+                </a:lnRef>
+                <a:fillRef idx="0">
+                  <a:schemeClr val="dk1"/>
+                </a:fillRef>
+                <a:effectRef idx="0">
+                  <a:schemeClr val="dk1"/>
+                </a:effectRef>
+                <a:fontRef idx="minor">
+                  <a:schemeClr val="tx1"/>
+                </a:fontRef>
+              </p:style>
+              <p:txBody>
+                <a:bodyPr rtlCol="0" anchor="ctr"/>
+                <a:lstStyle/>
+                <a:p>
+                  <a:pPr algn="ctr"/>
+                  <a:endParaRPr lang="zh-CN" altLang="en-US"/>
+                </a:p>
+              </p:txBody>
+            </p:sp>
+            <p:sp>
+              <p:nvSpPr>
+                <p:cNvPr id="242" name="AutoShape 29">
+                  <a:extLst>
+                    <a:ext uri="{FF2B5EF4-FFF2-40B4-BE49-F238E27FC236}">
+                      <a16:creationId xmlns:a16="http://schemas.microsoft.com/office/drawing/2014/main" id="{16F2024B-0E10-F14D-4899-723F0487CCFB}"/>
+                    </a:ext>
+                  </a:extLst>
+                </p:cNvPr>
+                <p:cNvSpPr/>
+                <p:nvPr/>
+              </p:nvSpPr>
+              <p:spPr>
+                <a:xfrm>
+                  <a:off x="920070" y="5687160"/>
+                  <a:ext cx="461058" cy="142488"/>
+                </a:xfrm>
+                <a:prstGeom prst="rect">
+                  <a:avLst/>
+                </a:prstGeom>
+                <a:noFill/>
+                <a:ln w="12700">
+                  <a:noFill/>
+                  <a:prstDash val="solid"/>
+                </a:ln>
+              </p:spPr>
+              <p:txBody>
+                <a:bodyPr lIns="0" tIns="0" rIns="0" bIns="0" rtlCol="0" anchor="ctr">
+                  <a:noAutofit/>
+                </a:bodyPr>
+                <a:lstStyle/>
+                <a:p>
+                  <a:pPr>
+                    <a:lnSpc>
+                      <a:spcPct val="125000"/>
+                    </a:lnSpc>
+                    <a:defRPr/>
+                  </a:pPr>
+                  <a:r>
+                    <a:rPr lang="en-US" sz="800" dirty="0">
+                      <a:solidFill>
+                        <a:srgbClr val="1F2329"/>
+                      </a:solidFill>
+                    </a:rPr>
+                    <a:t>Pressing</a:t>
+                  </a:r>
+                  <a:endParaRPr lang="en-US" sz="800" dirty="0"/>
+                </a:p>
+              </p:txBody>
+            </p:sp>
+            <p:sp>
+              <p:nvSpPr>
+                <p:cNvPr id="243" name="AutoShape 29">
+                  <a:extLst>
+                    <a:ext uri="{FF2B5EF4-FFF2-40B4-BE49-F238E27FC236}">
+                      <a16:creationId xmlns:a16="http://schemas.microsoft.com/office/drawing/2014/main" id="{7B278C9E-3908-A7B9-AAE1-EE06A749E307}"/>
+                    </a:ext>
+                  </a:extLst>
+                </p:cNvPr>
+                <p:cNvSpPr/>
+                <p:nvPr/>
+              </p:nvSpPr>
+              <p:spPr>
+                <a:xfrm>
+                  <a:off x="923966" y="5811541"/>
+                  <a:ext cx="461058" cy="142488"/>
+                </a:xfrm>
+                <a:prstGeom prst="rect">
+                  <a:avLst/>
+                </a:prstGeom>
+                <a:noFill/>
+                <a:ln w="12700">
+                  <a:noFill/>
+                  <a:prstDash val="solid"/>
+                </a:ln>
+              </p:spPr>
+              <p:txBody>
+                <a:bodyPr lIns="0" tIns="0" rIns="0" bIns="0" rtlCol="0" anchor="ctr">
+                  <a:noAutofit/>
+                </a:bodyPr>
+                <a:lstStyle/>
+                <a:p>
+                  <a:pPr>
+                    <a:lnSpc>
+                      <a:spcPct val="125000"/>
+                    </a:lnSpc>
+                    <a:defRPr/>
+                  </a:pPr>
+                  <a:r>
+                    <a:rPr lang="en-US" sz="800" dirty="0">
+                      <a:solidFill>
+                        <a:srgbClr val="1F2329"/>
+                      </a:solidFill>
+                    </a:rPr>
+                    <a:t>Pressed</a:t>
+                  </a:r>
+                  <a:endParaRPr lang="en-US" sz="800" dirty="0"/>
+                </a:p>
+              </p:txBody>
+            </p:sp>
+          </p:grpSp>
+          <p:grpSp>
+            <p:nvGrpSpPr>
+              <p:cNvPr id="264" name="组合 263">
+                <a:extLst>
+                  <a:ext uri="{FF2B5EF4-FFF2-40B4-BE49-F238E27FC236}">
+                    <a16:creationId xmlns:a16="http://schemas.microsoft.com/office/drawing/2014/main" id="{8F44D428-4F17-D874-20F7-BCDBA26B0F1E}"/>
+                  </a:ext>
+                </a:extLst>
+              </p:cNvPr>
+              <p:cNvGrpSpPr/>
+              <p:nvPr/>
+            </p:nvGrpSpPr>
+            <p:grpSpPr>
+              <a:xfrm>
+                <a:off x="586878" y="5943692"/>
+                <a:ext cx="755844" cy="266129"/>
+                <a:chOff x="586878" y="5687160"/>
+                <a:chExt cx="755844" cy="266129"/>
+              </a:xfrm>
+            </p:grpSpPr>
+            <p:sp>
+              <p:nvSpPr>
+                <p:cNvPr id="265" name="AutoShape 29">
+                  <a:extLst>
+                    <a:ext uri="{FF2B5EF4-FFF2-40B4-BE49-F238E27FC236}">
+                      <a16:creationId xmlns:a16="http://schemas.microsoft.com/office/drawing/2014/main" id="{B5EA8005-2E94-E3C0-7E12-5F1E3A30C489}"/>
+                    </a:ext>
+                  </a:extLst>
+                </p:cNvPr>
+                <p:cNvSpPr/>
+                <p:nvPr/>
+              </p:nvSpPr>
+              <p:spPr>
+                <a:xfrm>
+                  <a:off x="586878" y="5744182"/>
+                  <a:ext cx="363303" cy="142488"/>
+                </a:xfrm>
+                <a:prstGeom prst="rect">
+                  <a:avLst/>
+                </a:prstGeom>
+                <a:noFill/>
+                <a:ln w="12700">
+                  <a:noFill/>
+                  <a:prstDash val="solid"/>
+                </a:ln>
+              </p:spPr>
+              <p:txBody>
+                <a:bodyPr lIns="0" tIns="0" rIns="0" bIns="0" rtlCol="0" anchor="ctr">
+                  <a:noAutofit/>
+                </a:bodyPr>
+                <a:lstStyle/>
+                <a:p>
+                  <a:pPr>
+                    <a:lnSpc>
+                      <a:spcPct val="125000"/>
+                    </a:lnSpc>
+                    <a:defRPr/>
+                  </a:pPr>
+                  <a:r>
+                    <a:rPr lang="en-US" altLang="zh-CN" sz="800" dirty="0">
+                      <a:solidFill>
+                        <a:srgbClr val="1F2329"/>
+                      </a:solidFill>
+                    </a:rPr>
+                    <a:t>Pull</a:t>
+                  </a:r>
+                  <a:endParaRPr lang="en-US" sz="800" dirty="0"/>
+                </a:p>
+              </p:txBody>
+            </p:sp>
+            <p:sp>
+              <p:nvSpPr>
+                <p:cNvPr id="266" name="右大括号 265">
+                  <a:extLst>
+                    <a:ext uri="{FF2B5EF4-FFF2-40B4-BE49-F238E27FC236}">
+                      <a16:creationId xmlns:a16="http://schemas.microsoft.com/office/drawing/2014/main" id="{B59A1833-88D2-35E0-FE7A-2CEB49342063}"/>
+                    </a:ext>
+                  </a:extLst>
+                </p:cNvPr>
+                <p:cNvSpPr/>
+                <p:nvPr/>
+              </p:nvSpPr>
+              <p:spPr>
+                <a:xfrm flipH="1">
+                  <a:off x="793258" y="5755282"/>
+                  <a:ext cx="45719" cy="160072"/>
+                </a:xfrm>
+                <a:prstGeom prst="rightBrace">
+                  <a:avLst>
+                    <a:gd name="adj1" fmla="val 38451"/>
+                    <a:gd name="adj2" fmla="val 50000"/>
+                  </a:avLst>
+                </a:prstGeom>
+                <a:ln w="9525">
+                  <a:solidFill>
+                    <a:schemeClr val="dk1">
+                      <a:shade val="95000"/>
+                      <a:satMod val="105000"/>
+                    </a:schemeClr>
+                  </a:solidFill>
+                </a:ln>
+              </p:spPr>
+              <p:style>
+                <a:lnRef idx="1">
+                  <a:schemeClr val="dk1"/>
+                </a:lnRef>
+                <a:fillRef idx="0">
+                  <a:schemeClr val="dk1"/>
+                </a:fillRef>
+                <a:effectRef idx="0">
+                  <a:schemeClr val="dk1"/>
+                </a:effectRef>
+                <a:fontRef idx="minor">
+                  <a:schemeClr val="tx1"/>
+                </a:fontRef>
+              </p:style>
+              <p:txBody>
+                <a:bodyPr rtlCol="0" anchor="ctr"/>
+                <a:lstStyle/>
+                <a:p>
+                  <a:pPr algn="ctr"/>
+                  <a:endParaRPr lang="zh-CN" altLang="en-US"/>
+                </a:p>
+              </p:txBody>
+            </p:sp>
+            <p:sp>
+              <p:nvSpPr>
+                <p:cNvPr id="270" name="AutoShape 29">
+                  <a:extLst>
+                    <a:ext uri="{FF2B5EF4-FFF2-40B4-BE49-F238E27FC236}">
+                      <a16:creationId xmlns:a16="http://schemas.microsoft.com/office/drawing/2014/main" id="{EDE040B6-FD00-87EB-96F3-A0ECF23E2743}"/>
+                    </a:ext>
+                  </a:extLst>
+                </p:cNvPr>
+                <p:cNvSpPr/>
+                <p:nvPr/>
+              </p:nvSpPr>
+              <p:spPr>
+                <a:xfrm>
+                  <a:off x="877809" y="5687160"/>
+                  <a:ext cx="461058" cy="142488"/>
+                </a:xfrm>
+                <a:prstGeom prst="rect">
+                  <a:avLst/>
+                </a:prstGeom>
+                <a:noFill/>
+                <a:ln w="12700">
+                  <a:noFill/>
+                  <a:prstDash val="solid"/>
+                </a:ln>
+              </p:spPr>
+              <p:txBody>
+                <a:bodyPr lIns="0" tIns="0" rIns="0" bIns="0" rtlCol="0" anchor="ctr">
+                  <a:noAutofit/>
+                </a:bodyPr>
+                <a:lstStyle/>
+                <a:p>
+                  <a:pPr>
+                    <a:lnSpc>
+                      <a:spcPct val="125000"/>
+                    </a:lnSpc>
+                    <a:defRPr/>
+                  </a:pPr>
+                  <a:r>
+                    <a:rPr lang="en-US" altLang="zh-CN" sz="800" dirty="0">
+                      <a:solidFill>
+                        <a:srgbClr val="1F2329"/>
+                      </a:solidFill>
+                    </a:rPr>
+                    <a:t>Pulling</a:t>
+                  </a:r>
+                  <a:endParaRPr lang="en-US" sz="800" dirty="0"/>
+                </a:p>
+              </p:txBody>
+            </p:sp>
+            <p:sp>
+              <p:nvSpPr>
+                <p:cNvPr id="273" name="AutoShape 29">
+                  <a:extLst>
+                    <a:ext uri="{FF2B5EF4-FFF2-40B4-BE49-F238E27FC236}">
+                      <a16:creationId xmlns:a16="http://schemas.microsoft.com/office/drawing/2014/main" id="{AA984B22-41E5-0BA6-9E4E-5F58EF1500EE}"/>
+                    </a:ext>
+                  </a:extLst>
+                </p:cNvPr>
+                <p:cNvSpPr/>
+                <p:nvPr/>
+              </p:nvSpPr>
+              <p:spPr>
+                <a:xfrm>
+                  <a:off x="881664" y="5810801"/>
+                  <a:ext cx="461058" cy="142488"/>
+                </a:xfrm>
+                <a:prstGeom prst="rect">
+                  <a:avLst/>
+                </a:prstGeom>
+                <a:noFill/>
+                <a:ln w="12700">
+                  <a:noFill/>
+                  <a:prstDash val="solid"/>
+                </a:ln>
+              </p:spPr>
+              <p:txBody>
+                <a:bodyPr lIns="0" tIns="0" rIns="0" bIns="0" rtlCol="0" anchor="ctr">
+                  <a:noAutofit/>
+                </a:bodyPr>
+                <a:lstStyle/>
+                <a:p>
+                  <a:pPr>
+                    <a:lnSpc>
+                      <a:spcPct val="125000"/>
+                    </a:lnSpc>
+                    <a:defRPr/>
+                  </a:pPr>
+                  <a:r>
+                    <a:rPr lang="en-US" sz="800" dirty="0">
+                      <a:solidFill>
+                        <a:srgbClr val="1F2329"/>
+                      </a:solidFill>
+                    </a:rPr>
+                    <a:t>Relaxed</a:t>
+                  </a:r>
+                  <a:endParaRPr lang="en-US" sz="800" dirty="0"/>
+                </a:p>
+              </p:txBody>
+            </p:sp>
+          </p:grpSp>
+          <p:grpSp>
+            <p:nvGrpSpPr>
+              <p:cNvPr id="277" name="组合 276">
+                <a:extLst>
+                  <a:ext uri="{FF2B5EF4-FFF2-40B4-BE49-F238E27FC236}">
+                    <a16:creationId xmlns:a16="http://schemas.microsoft.com/office/drawing/2014/main" id="{8821D632-5685-93F4-6D30-64507965BC7A}"/>
+                  </a:ext>
+                </a:extLst>
+              </p:cNvPr>
+              <p:cNvGrpSpPr/>
+              <p:nvPr/>
+            </p:nvGrpSpPr>
+            <p:grpSpPr>
+              <a:xfrm>
+                <a:off x="584603" y="6229211"/>
+                <a:ext cx="1045888" cy="266869"/>
+                <a:chOff x="654992" y="5687160"/>
+                <a:chExt cx="1045888" cy="266869"/>
+              </a:xfrm>
+            </p:grpSpPr>
+            <p:sp>
+              <p:nvSpPr>
+                <p:cNvPr id="278" name="AutoShape 29">
+                  <a:extLst>
+                    <a:ext uri="{FF2B5EF4-FFF2-40B4-BE49-F238E27FC236}">
+                      <a16:creationId xmlns:a16="http://schemas.microsoft.com/office/drawing/2014/main" id="{DC6AF12E-0BEF-3D99-FF19-21DAB343887F}"/>
+                    </a:ext>
+                  </a:extLst>
+                </p:cNvPr>
+                <p:cNvSpPr/>
+                <p:nvPr/>
+              </p:nvSpPr>
+              <p:spPr>
+                <a:xfrm>
+                  <a:off x="654992" y="5740297"/>
+                  <a:ext cx="363303" cy="142488"/>
+                </a:xfrm>
+                <a:prstGeom prst="rect">
+                  <a:avLst/>
+                </a:prstGeom>
+                <a:noFill/>
+                <a:ln w="12700">
+                  <a:noFill/>
+                  <a:prstDash val="solid"/>
+                </a:ln>
+              </p:spPr>
+              <p:txBody>
+                <a:bodyPr lIns="0" tIns="0" rIns="0" bIns="0" rtlCol="0" anchor="ctr">
+                  <a:noAutofit/>
+                </a:bodyPr>
+                <a:lstStyle/>
+                <a:p>
+                  <a:pPr>
+                    <a:lnSpc>
+                      <a:spcPct val="125000"/>
+                    </a:lnSpc>
+                    <a:defRPr/>
+                  </a:pPr>
+                  <a:r>
+                    <a:rPr lang="en-US" altLang="zh-CN" sz="800" dirty="0">
+                      <a:solidFill>
+                        <a:srgbClr val="1F2329"/>
+                      </a:solidFill>
+                    </a:rPr>
+                    <a:t>Fire</a:t>
+                  </a:r>
+                  <a:endParaRPr lang="en-US" sz="800" dirty="0"/>
+                </a:p>
+              </p:txBody>
+            </p:sp>
+            <p:sp>
+              <p:nvSpPr>
+                <p:cNvPr id="283" name="右大括号 282">
+                  <a:extLst>
+                    <a:ext uri="{FF2B5EF4-FFF2-40B4-BE49-F238E27FC236}">
+                      <a16:creationId xmlns:a16="http://schemas.microsoft.com/office/drawing/2014/main" id="{CB8D37E9-3E3C-6570-E0D7-762D78CB81FD}"/>
+                    </a:ext>
+                  </a:extLst>
+                </p:cNvPr>
+                <p:cNvSpPr/>
+                <p:nvPr/>
+              </p:nvSpPr>
+              <p:spPr>
+                <a:xfrm flipH="1">
+                  <a:off x="855783" y="5755041"/>
+                  <a:ext cx="45719" cy="160072"/>
+                </a:xfrm>
+                <a:prstGeom prst="rightBrace">
+                  <a:avLst>
+                    <a:gd name="adj1" fmla="val 38451"/>
+                    <a:gd name="adj2" fmla="val 50000"/>
+                  </a:avLst>
+                </a:prstGeom>
+                <a:ln w="9525">
+                  <a:solidFill>
+                    <a:schemeClr val="dk1">
+                      <a:shade val="95000"/>
+                      <a:satMod val="105000"/>
+                    </a:schemeClr>
+                  </a:solidFill>
+                </a:ln>
+              </p:spPr>
+              <p:style>
+                <a:lnRef idx="1">
+                  <a:schemeClr val="dk1"/>
+                </a:lnRef>
+                <a:fillRef idx="0">
+                  <a:schemeClr val="dk1"/>
+                </a:fillRef>
+                <a:effectRef idx="0">
+                  <a:schemeClr val="dk1"/>
+                </a:effectRef>
+                <a:fontRef idx="minor">
+                  <a:schemeClr val="tx1"/>
+                </a:fontRef>
+              </p:style>
+              <p:txBody>
+                <a:bodyPr rtlCol="0" anchor="ctr"/>
+                <a:lstStyle/>
+                <a:p>
+                  <a:pPr algn="ctr"/>
+                  <a:endParaRPr lang="zh-CN" altLang="en-US" dirty="0"/>
+                </a:p>
+              </p:txBody>
+            </p:sp>
+            <p:sp>
+              <p:nvSpPr>
+                <p:cNvPr id="288" name="AutoShape 29">
+                  <a:extLst>
+                    <a:ext uri="{FF2B5EF4-FFF2-40B4-BE49-F238E27FC236}">
+                      <a16:creationId xmlns:a16="http://schemas.microsoft.com/office/drawing/2014/main" id="{0A4835AD-773E-2FBF-7A12-99E8089E031E}"/>
+                    </a:ext>
+                  </a:extLst>
+                </p:cNvPr>
+                <p:cNvSpPr/>
+                <p:nvPr/>
+              </p:nvSpPr>
+              <p:spPr>
+                <a:xfrm>
+                  <a:off x="920069" y="5687160"/>
+                  <a:ext cx="780811" cy="142488"/>
+                </a:xfrm>
+                <a:prstGeom prst="rect">
+                  <a:avLst/>
+                </a:prstGeom>
+                <a:noFill/>
+                <a:ln w="12700">
+                  <a:noFill/>
+                  <a:prstDash val="solid"/>
+                </a:ln>
+              </p:spPr>
+              <p:txBody>
+                <a:bodyPr lIns="0" tIns="0" rIns="0" bIns="0" rtlCol="0" anchor="ctr">
+                  <a:noAutofit/>
+                </a:bodyPr>
+                <a:lstStyle/>
+                <a:p>
+                  <a:pPr>
+                    <a:lnSpc>
+                      <a:spcPct val="125000"/>
+                    </a:lnSpc>
+                    <a:defRPr/>
+                  </a:pPr>
+                  <a:r>
+                    <a:rPr lang="en-US" sz="700" dirty="0">
+                      <a:solidFill>
+                        <a:srgbClr val="1F2329"/>
+                      </a:solidFill>
+                    </a:rPr>
+                    <a:t>Pulling the trigger</a:t>
+                  </a:r>
+                  <a:endParaRPr lang="en-US" sz="700" dirty="0"/>
+                </a:p>
+              </p:txBody>
+            </p:sp>
+            <p:sp>
+              <p:nvSpPr>
+                <p:cNvPr id="290" name="AutoShape 29">
+                  <a:extLst>
+                    <a:ext uri="{FF2B5EF4-FFF2-40B4-BE49-F238E27FC236}">
+                      <a16:creationId xmlns:a16="http://schemas.microsoft.com/office/drawing/2014/main" id="{A043FE87-F958-6D0D-AC10-9A3871A2E42E}"/>
+                    </a:ext>
+                  </a:extLst>
+                </p:cNvPr>
+                <p:cNvSpPr/>
+                <p:nvPr/>
+              </p:nvSpPr>
+              <p:spPr>
+                <a:xfrm>
+                  <a:off x="923966" y="5811541"/>
+                  <a:ext cx="461058" cy="142488"/>
+                </a:xfrm>
+                <a:prstGeom prst="rect">
+                  <a:avLst/>
+                </a:prstGeom>
+                <a:noFill/>
+                <a:ln w="12700">
+                  <a:noFill/>
+                  <a:prstDash val="solid"/>
+                </a:ln>
+              </p:spPr>
+              <p:txBody>
+                <a:bodyPr lIns="0" tIns="0" rIns="0" bIns="0" rtlCol="0" anchor="ctr">
+                  <a:noAutofit/>
+                </a:bodyPr>
+                <a:lstStyle/>
+                <a:p>
+                  <a:pPr>
+                    <a:lnSpc>
+                      <a:spcPct val="125000"/>
+                    </a:lnSpc>
+                    <a:defRPr/>
+                  </a:pPr>
+                  <a:r>
+                    <a:rPr lang="en-US" sz="800" dirty="0">
+                      <a:solidFill>
+                        <a:srgbClr val="1F2329"/>
+                      </a:solidFill>
+                    </a:rPr>
+                    <a:t>Triggered</a:t>
+                  </a:r>
+                  <a:endParaRPr lang="en-US" sz="800" dirty="0"/>
+                </a:p>
+              </p:txBody>
+            </p:sp>
+          </p:grpSp>
+          <p:sp>
+            <p:nvSpPr>
+              <p:cNvPr id="293" name="AutoShape 14">
+                <a:extLst>
+                  <a:ext uri="{FF2B5EF4-FFF2-40B4-BE49-F238E27FC236}">
+                    <a16:creationId xmlns:a16="http://schemas.microsoft.com/office/drawing/2014/main" id="{1149B06F-5160-4695-462A-5A2E0AC6557C}"/>
+                  </a:ext>
+                </a:extLst>
+              </p:cNvPr>
+              <p:cNvSpPr/>
+              <p:nvPr/>
+            </p:nvSpPr>
+            <p:spPr>
+              <a:xfrm rot="16200000">
+                <a:off x="1686239" y="6035178"/>
+                <a:ext cx="161677" cy="210976"/>
+              </a:xfrm>
+              <a:prstGeom prst="downArrow">
+                <a:avLst>
+                  <a:gd name="adj1" fmla="val 50000"/>
+                  <a:gd name="adj2" fmla="val 50000"/>
+                </a:avLst>
+              </a:prstGeom>
+              <a:ln w="6350"/>
+            </p:spPr>
+            <p:style>
+              <a:lnRef idx="1">
+                <a:schemeClr val="dk1"/>
+              </a:lnRef>
+              <a:fillRef idx="2">
+                <a:schemeClr val="dk1"/>
+              </a:fillRef>
+              <a:effectRef idx="1">
+                <a:schemeClr val="dk1"/>
+              </a:effectRef>
+              <a:fontRef idx="minor">
+                <a:schemeClr val="dk1"/>
+              </a:fontRef>
+            </p:style>
+            <p:txBody>
+              <a:bodyPr lIns="91440" tIns="45720" rIns="35560" bIns="45720" rtlCol="0" anchor="ctr">
+                <a:noAutofit/>
+              </a:bodyPr>
+              <a:lstStyle/>
+              <a:p>
+                <a:pPr algn="ctr">
+                  <a:defRPr/>
+                </a:pPr>
+                <a:endParaRPr/>
+              </a:p>
+            </p:txBody>
+          </p:sp>
+          <p:sp>
+            <p:nvSpPr>
+              <p:cNvPr id="294" name="右大括号 293">
+                <a:extLst>
+                  <a:ext uri="{FF2B5EF4-FFF2-40B4-BE49-F238E27FC236}">
+                    <a16:creationId xmlns:a16="http://schemas.microsoft.com/office/drawing/2014/main" id="{7521D7BE-0C9D-76B5-7A8A-CCA8DABE2BDD}"/>
+                  </a:ext>
+                </a:extLst>
+              </p:cNvPr>
+              <p:cNvSpPr/>
+              <p:nvPr/>
+            </p:nvSpPr>
+            <p:spPr>
+              <a:xfrm>
+                <a:off x="1481604" y="5777831"/>
+                <a:ext cx="159006" cy="756979"/>
+              </a:xfrm>
+              <a:prstGeom prst="rightBrace">
+                <a:avLst>
+                  <a:gd name="adj1" fmla="val 38451"/>
+                  <a:gd name="adj2" fmla="val 50000"/>
+                </a:avLst>
+              </a:prstGeom>
+              <a:ln w="9525">
+                <a:solidFill>
+                  <a:schemeClr val="dk1">
+                    <a:shade val="95000"/>
+                    <a:satMod val="105000"/>
+                  </a:schemeClr>
+                </a:solidFill>
+              </a:ln>
+            </p:spPr>
+            <p:style>
+              <a:lnRef idx="1">
+                <a:schemeClr val="dk1"/>
+              </a:lnRef>
+              <a:fillRef idx="0">
+                <a:schemeClr val="dk1"/>
+              </a:fillRef>
+              <a:effectRef idx="0">
+                <a:schemeClr val="dk1"/>
+              </a:effectRef>
+              <a:fontRef idx="minor">
+                <a:schemeClr val="tx1"/>
+              </a:fontRef>
+            </p:style>
+            <p:txBody>
+              <a:bodyPr rtlCol="0" anchor="ctr"/>
+              <a:lstStyle/>
+              <a:p>
+                <a:pPr algn="ctr"/>
+                <a:endParaRPr lang="zh-CN" altLang="en-US"/>
+              </a:p>
+            </p:txBody>
+          </p:sp>
+        </p:grpSp>
+      </p:grpSp>
+      <p:grpSp>
+        <p:nvGrpSpPr>
+          <p:cNvPr id="335" name="组合 334">
+            <a:extLst>
+              <a:ext uri="{FF2B5EF4-FFF2-40B4-BE49-F238E27FC236}">
+                <a16:creationId xmlns:a16="http://schemas.microsoft.com/office/drawing/2014/main" id="{AA7EDACE-09DB-4B45-5433-082036B862DB}"/>
+              </a:ext>
+            </a:extLst>
+          </p:cNvPr>
+          <p:cNvGrpSpPr/>
+          <p:nvPr/>
+        </p:nvGrpSpPr>
+        <p:grpSpPr>
+          <a:xfrm>
+            <a:off x="301960" y="4002766"/>
+            <a:ext cx="2937363" cy="1173619"/>
+            <a:chOff x="388700" y="4145621"/>
+            <a:chExt cx="2937363" cy="1173619"/>
+          </a:xfrm>
+        </p:grpSpPr>
+        <p:grpSp>
+          <p:nvGrpSpPr>
+            <p:cNvPr id="167" name="组合 166">
+              <a:extLst>
+                <a:ext uri="{FF2B5EF4-FFF2-40B4-BE49-F238E27FC236}">
+                  <a16:creationId xmlns:a16="http://schemas.microsoft.com/office/drawing/2014/main" id="{BAE75449-C0CE-6ACD-C5E9-E89C0960E855}"/>
+                </a:ext>
+              </a:extLst>
+            </p:cNvPr>
+            <p:cNvGrpSpPr/>
+            <p:nvPr/>
+          </p:nvGrpSpPr>
+          <p:grpSpPr>
+            <a:xfrm>
+              <a:off x="388700" y="4145621"/>
+              <a:ext cx="2892701" cy="1173619"/>
+              <a:chOff x="388700" y="4145621"/>
+              <a:chExt cx="2892701" cy="1173619"/>
+            </a:xfrm>
+          </p:grpSpPr>
+          <p:sp>
+            <p:nvSpPr>
+              <p:cNvPr id="164" name="AutoShape 115">
+                <a:extLst>
+                  <a:ext uri="{FF2B5EF4-FFF2-40B4-BE49-F238E27FC236}">
+                    <a16:creationId xmlns:a16="http://schemas.microsoft.com/office/drawing/2014/main" id="{0E09B7FF-5CAF-B872-E69E-C3729C13AF29}"/>
+                  </a:ext>
+                </a:extLst>
+              </p:cNvPr>
+              <p:cNvSpPr/>
+              <p:nvPr/>
+            </p:nvSpPr>
+            <p:spPr>
+              <a:xfrm>
+                <a:off x="440137" y="4145621"/>
+                <a:ext cx="2841264" cy="1173619"/>
+              </a:xfrm>
+              <a:prstGeom prst="roundRect">
+                <a:avLst>
+                  <a:gd name="adj" fmla="val 9090"/>
+                </a:avLst>
+              </a:prstGeom>
+              <a:solidFill>
+                <a:srgbClr val="DEE0E3">
+                  <a:alpha val="20000"/>
+                </a:srgbClr>
+              </a:solidFill>
+              <a:ln w="25400" cap="flat" cmpd="sng">
+                <a:solidFill>
+                  <a:srgbClr val="2B2F36">
+                    <a:alpha val="20000"/>
+                  </a:srgbClr>
+                </a:solidFill>
+                <a:prstDash val="solid"/>
+                <a:round/>
+              </a:ln>
+            </p:spPr>
+            <p:txBody>
+              <a:bodyPr lIns="63500" tIns="63500" rIns="63500" bIns="63500" rtlCol="0" anchor="ctr">
+                <a:noAutofit/>
+              </a:bodyPr>
+              <a:lstStyle/>
+              <a:p>
+                <a:pPr algn="ctr">
+                  <a:defRPr/>
+                </a:pPr>
+                <a:endParaRPr sz="1400" dirty="0"/>
+              </a:p>
+            </p:txBody>
+          </p:sp>
+          <p:grpSp>
+            <p:nvGrpSpPr>
+              <p:cNvPr id="214" name="组合 213">
+                <a:extLst>
+                  <a:ext uri="{FF2B5EF4-FFF2-40B4-BE49-F238E27FC236}">
+                    <a16:creationId xmlns:a16="http://schemas.microsoft.com/office/drawing/2014/main" id="{F2B7B300-5D63-0597-A81E-011E239C71B3}"/>
+                  </a:ext>
+                </a:extLst>
+              </p:cNvPr>
+              <p:cNvGrpSpPr/>
+              <p:nvPr/>
+            </p:nvGrpSpPr>
+            <p:grpSpPr>
+              <a:xfrm>
+                <a:off x="388700" y="4438337"/>
+                <a:ext cx="2130604" cy="836473"/>
+                <a:chOff x="-148520" y="4750456"/>
+                <a:chExt cx="2130604" cy="836473"/>
+              </a:xfrm>
+            </p:grpSpPr>
+            <p:sp>
+              <p:nvSpPr>
+                <p:cNvPr id="170" name="椭圆 169">
+                  <a:extLst>
+                    <a:ext uri="{FF2B5EF4-FFF2-40B4-BE49-F238E27FC236}">
+                      <a16:creationId xmlns:a16="http://schemas.microsoft.com/office/drawing/2014/main" id="{D1E65B99-1A7B-045F-A80A-79BEE0E3FBD2}"/>
+                    </a:ext>
+                  </a:extLst>
+                </p:cNvPr>
+                <p:cNvSpPr/>
+                <p:nvPr/>
+              </p:nvSpPr>
+              <p:spPr>
+                <a:xfrm>
+                  <a:off x="633982" y="5061844"/>
+                  <a:ext cx="1245661" cy="525085"/>
+                </a:xfrm>
+                <a:prstGeom prst="ellipse">
+                  <a:avLst/>
+                </a:prstGeom>
+                <a:solidFill>
+                  <a:srgbClr val="92D050">
+                    <a:alpha val="50000"/>
+                  </a:srgbClr>
+                </a:solidFill>
+                <a:ln>
+                  <a:noFill/>
+                </a:ln>
+              </p:spPr>
+              <p:style>
+                <a:lnRef idx="1">
+                  <a:schemeClr val="accent6"/>
+                </a:lnRef>
+                <a:fillRef idx="2">
+                  <a:schemeClr val="accent6"/>
+                </a:fillRef>
+                <a:effectRef idx="1">
+                  <a:schemeClr val="accent6"/>
+                </a:effectRef>
+                <a:fontRef idx="minor">
+                  <a:schemeClr val="dk1"/>
+                </a:fontRef>
+              </p:style>
+              <p:txBody>
+                <a:bodyPr rtlCol="0" anchor="ctr"/>
+                <a:lstStyle/>
+                <a:p>
+                  <a:pPr algn="ctr"/>
+                  <a:endParaRPr lang="zh-CN" altLang="en-US" sz="1200" dirty="0"/>
+                </a:p>
+              </p:txBody>
+            </p:sp>
+            <p:sp>
+              <p:nvSpPr>
+                <p:cNvPr id="168" name="椭圆 167">
+                  <a:extLst>
+                    <a:ext uri="{FF2B5EF4-FFF2-40B4-BE49-F238E27FC236}">
+                      <a16:creationId xmlns:a16="http://schemas.microsoft.com/office/drawing/2014/main" id="{2DA5C961-81AC-C259-6438-10F15AFA47F0}"/>
+                    </a:ext>
+                  </a:extLst>
+                </p:cNvPr>
+                <p:cNvSpPr/>
+                <p:nvPr/>
+              </p:nvSpPr>
+              <p:spPr>
+                <a:xfrm>
+                  <a:off x="631699" y="4775413"/>
+                  <a:ext cx="1239108" cy="592921"/>
+                </a:xfrm>
+                <a:prstGeom prst="ellipse">
+                  <a:avLst/>
+                </a:prstGeom>
+                <a:solidFill>
+                  <a:srgbClr val="ED1121">
+                    <a:alpha val="49804"/>
+                  </a:srgbClr>
+                </a:solidFill>
+                <a:ln>
+                  <a:noFill/>
+                </a:ln>
+              </p:spPr>
+              <p:style>
+                <a:lnRef idx="1">
+                  <a:schemeClr val="accent6"/>
+                </a:lnRef>
+                <a:fillRef idx="2">
+                  <a:schemeClr val="accent6"/>
+                </a:fillRef>
+                <a:effectRef idx="1">
+                  <a:schemeClr val="accent6"/>
+                </a:effectRef>
+                <a:fontRef idx="minor">
+                  <a:schemeClr val="dk1"/>
+                </a:fontRef>
+              </p:style>
+              <p:txBody>
+                <a:bodyPr rtlCol="0" anchor="ctr"/>
+                <a:lstStyle/>
+                <a:p>
+                  <a:pPr algn="ctr"/>
+                  <a:endParaRPr lang="zh-CN" altLang="en-US" sz="1100" dirty="0"/>
+                </a:p>
+              </p:txBody>
+            </p:sp>
+            <p:sp>
+              <p:nvSpPr>
+                <p:cNvPr id="176" name="AutoShape 119">
+                  <a:extLst>
+                    <a:ext uri="{FF2B5EF4-FFF2-40B4-BE49-F238E27FC236}">
+                      <a16:creationId xmlns:a16="http://schemas.microsoft.com/office/drawing/2014/main" id="{AEA619EA-8002-8960-72D1-C8B97F5AAB7B}"/>
+                    </a:ext>
+                  </a:extLst>
+                </p:cNvPr>
+                <p:cNvSpPr/>
+                <p:nvPr/>
+              </p:nvSpPr>
+              <p:spPr>
+                <a:xfrm>
+                  <a:off x="840574" y="4910193"/>
+                  <a:ext cx="1077831" cy="176070"/>
+                </a:xfrm>
+                <a:prstGeom prst="rect">
+                  <a:avLst/>
+                </a:prstGeom>
+                <a:noFill/>
+                <a:ln w="12700">
+                  <a:noFill/>
+                  <a:prstDash val="solid"/>
+                </a:ln>
+              </p:spPr>
+              <p:txBody>
+                <a:bodyPr lIns="91440" tIns="45720" rIns="91440" bIns="45720" rtlCol="0" anchor="t">
+                  <a:noAutofit/>
+                </a:bodyPr>
+                <a:lstStyle/>
+                <a:p>
+                  <a:pPr>
+                    <a:defRPr/>
+                  </a:pPr>
+                  <a:r>
+                    <a:rPr lang="en-US" sz="800" dirty="0"/>
+                    <a:t>Button, Joystick</a:t>
+                  </a:r>
+                  <a:endParaRPr lang="en-US" sz="1100" dirty="0"/>
+                </a:p>
+              </p:txBody>
+            </p:sp>
+            <p:sp>
+              <p:nvSpPr>
+                <p:cNvPr id="177" name="AutoShape 119">
+                  <a:extLst>
+                    <a:ext uri="{FF2B5EF4-FFF2-40B4-BE49-F238E27FC236}">
+                      <a16:creationId xmlns:a16="http://schemas.microsoft.com/office/drawing/2014/main" id="{5E166DB2-A75C-B171-FC31-56097B1609A7}"/>
+                    </a:ext>
+                  </a:extLst>
+                </p:cNvPr>
+                <p:cNvSpPr/>
+                <p:nvPr/>
+              </p:nvSpPr>
+              <p:spPr>
+                <a:xfrm>
+                  <a:off x="944384" y="5329297"/>
+                  <a:ext cx="976684" cy="251788"/>
+                </a:xfrm>
+                <a:prstGeom prst="rect">
+                  <a:avLst/>
+                </a:prstGeom>
+                <a:noFill/>
+                <a:ln w="12700">
+                  <a:noFill/>
+                  <a:prstDash val="solid"/>
+                </a:ln>
+              </p:spPr>
+              <p:txBody>
+                <a:bodyPr lIns="91440" tIns="45720" rIns="91440" bIns="45720" rtlCol="0" anchor="t">
+                  <a:noAutofit/>
+                </a:bodyPr>
+                <a:lstStyle/>
+                <a:p>
+                  <a:pPr>
+                    <a:defRPr/>
+                  </a:pPr>
+                  <a:r>
+                    <a:rPr lang="en-US" sz="800" dirty="0"/>
+                    <a:t>Box, Coin</a:t>
+                  </a:r>
+                  <a:endParaRPr lang="en-US" sz="1100" dirty="0"/>
+                </a:p>
+              </p:txBody>
+            </p:sp>
+            <p:sp>
+              <p:nvSpPr>
+                <p:cNvPr id="178" name="AutoShape 119">
+                  <a:extLst>
+                    <a:ext uri="{FF2B5EF4-FFF2-40B4-BE49-F238E27FC236}">
+                      <a16:creationId xmlns:a16="http://schemas.microsoft.com/office/drawing/2014/main" id="{D2402F8E-E381-FBB3-D7E2-9ABA4D026758}"/>
+                    </a:ext>
+                  </a:extLst>
+                </p:cNvPr>
+                <p:cNvSpPr/>
+                <p:nvPr/>
+              </p:nvSpPr>
+              <p:spPr>
+                <a:xfrm>
+                  <a:off x="-148520" y="5328449"/>
+                  <a:ext cx="844242" cy="251788"/>
+                </a:xfrm>
+                <a:prstGeom prst="rect">
+                  <a:avLst/>
+                </a:prstGeom>
+                <a:noFill/>
+                <a:ln w="12700">
+                  <a:noFill/>
+                  <a:prstDash val="solid"/>
+                </a:ln>
+              </p:spPr>
+              <p:txBody>
+                <a:bodyPr lIns="91440" tIns="45720" rIns="91440" bIns="45720" rtlCol="0" anchor="t">
+                  <a:noAutofit/>
+                </a:bodyPr>
+                <a:lstStyle/>
+                <a:p>
+                  <a:pPr>
+                    <a:defRPr/>
+                  </a:pPr>
+                  <a:r>
+                    <a:rPr lang="en-US" sz="1000" dirty="0"/>
+                    <a:t>Grabbable</a:t>
+                  </a:r>
+                  <a:endParaRPr lang="en-US" sz="1400" dirty="0"/>
+                </a:p>
+              </p:txBody>
+            </p:sp>
+            <p:sp>
+              <p:nvSpPr>
+                <p:cNvPr id="212" name="AutoShape 119">
+                  <a:extLst>
+                    <a:ext uri="{FF2B5EF4-FFF2-40B4-BE49-F238E27FC236}">
+                      <a16:creationId xmlns:a16="http://schemas.microsoft.com/office/drawing/2014/main" id="{E039E8CC-55A6-E96B-4E85-08A5F11556D9}"/>
+                    </a:ext>
+                  </a:extLst>
+                </p:cNvPr>
+                <p:cNvSpPr/>
+                <p:nvPr/>
+              </p:nvSpPr>
+              <p:spPr>
+                <a:xfrm>
+                  <a:off x="-126545" y="4750456"/>
+                  <a:ext cx="829592" cy="232346"/>
+                </a:xfrm>
+                <a:prstGeom prst="rect">
+                  <a:avLst/>
+                </a:prstGeom>
+                <a:noFill/>
+                <a:ln w="12700">
+                  <a:noFill/>
+                  <a:prstDash val="solid"/>
+                </a:ln>
+              </p:spPr>
+              <p:txBody>
+                <a:bodyPr lIns="91440" tIns="45720" rIns="91440" bIns="45720" rtlCol="0" anchor="t">
+                  <a:noAutofit/>
+                </a:bodyPr>
+                <a:lstStyle/>
+                <a:p>
+                  <a:pPr algn="ctr">
+                    <a:defRPr/>
+                  </a:pPr>
+                  <a:r>
+                    <a:rPr lang="en-US" sz="1000" dirty="0"/>
+                    <a:t>Triggerable</a:t>
+                  </a:r>
+                  <a:endParaRPr lang="en-US" sz="1400" dirty="0"/>
+                </a:p>
+              </p:txBody>
+            </p:sp>
+            <p:sp>
+              <p:nvSpPr>
+                <p:cNvPr id="213" name="AutoShape 119">
+                  <a:extLst>
+                    <a:ext uri="{FF2B5EF4-FFF2-40B4-BE49-F238E27FC236}">
+                      <a16:creationId xmlns:a16="http://schemas.microsoft.com/office/drawing/2014/main" id="{B4A27EA1-B818-9650-4E6B-74EC109AE6B4}"/>
+                    </a:ext>
+                  </a:extLst>
+                </p:cNvPr>
+                <p:cNvSpPr/>
+                <p:nvPr/>
+              </p:nvSpPr>
+              <p:spPr>
+                <a:xfrm>
+                  <a:off x="673985" y="5112469"/>
+                  <a:ext cx="1308099" cy="251788"/>
+                </a:xfrm>
+                <a:prstGeom prst="rect">
+                  <a:avLst/>
+                </a:prstGeom>
+                <a:noFill/>
+                <a:ln w="12700">
+                  <a:noFill/>
+                  <a:prstDash val="solid"/>
+                </a:ln>
+              </p:spPr>
+              <p:txBody>
+                <a:bodyPr lIns="91440" tIns="45720" rIns="91440" bIns="45720" rtlCol="0" anchor="t">
+                  <a:noAutofit/>
+                </a:bodyPr>
+                <a:lstStyle/>
+                <a:p>
+                  <a:pPr>
+                    <a:defRPr/>
+                  </a:pPr>
+                  <a:r>
+                    <a:rPr lang="en-US" sz="800" dirty="0"/>
+                    <a:t>Gun, Cigarette Lighter</a:t>
+                  </a:r>
+                  <a:endParaRPr lang="en-US" sz="1100" dirty="0"/>
+                </a:p>
+              </p:txBody>
+            </p:sp>
+          </p:grpSp>
+          <p:sp>
+            <p:nvSpPr>
+              <p:cNvPr id="218" name="文本框 217">
+                <a:extLst>
+                  <a:ext uri="{FF2B5EF4-FFF2-40B4-BE49-F238E27FC236}">
+                    <a16:creationId xmlns:a16="http://schemas.microsoft.com/office/drawing/2014/main" id="{6FEC9539-0432-02EA-ADD2-364E519891ED}"/>
+                  </a:ext>
+                </a:extLst>
+              </p:cNvPr>
+              <p:cNvSpPr txBox="1"/>
+              <p:nvPr/>
+            </p:nvSpPr>
+            <p:spPr>
+              <a:xfrm>
+                <a:off x="539586" y="4167788"/>
+                <a:ext cx="2625878" cy="261610"/>
+              </a:xfrm>
+              <a:prstGeom prst="rect">
+                <a:avLst/>
+              </a:prstGeom>
+              <a:noFill/>
+            </p:spPr>
+            <p:txBody>
+              <a:bodyPr wrap="square">
+                <a:spAutoFit/>
+              </a:bodyPr>
+              <a:lstStyle/>
+              <a:p>
+                <a:r>
+                  <a:rPr lang="zh-CN" altLang="en-US" sz="1100" dirty="0"/>
+                  <a:t>Abstraction Object Interaction Feature</a:t>
+                </a:r>
+              </a:p>
+            </p:txBody>
+          </p:sp>
+        </p:grpSp>
+        <p:cxnSp>
+          <p:nvCxnSpPr>
+            <p:cNvPr id="317" name="直接连接符 316">
+              <a:extLst>
+                <a:ext uri="{FF2B5EF4-FFF2-40B4-BE49-F238E27FC236}">
+                  <a16:creationId xmlns:a16="http://schemas.microsoft.com/office/drawing/2014/main" id="{8C00FB14-B1F7-B23A-326E-ED08A2A35124}"/>
+                </a:ext>
+              </a:extLst>
+            </p:cNvPr>
+            <p:cNvCxnSpPr>
+              <a:cxnSpLocks/>
+              <a:endCxn id="168" idx="2"/>
+            </p:cNvCxnSpPr>
+            <p:nvPr/>
+          </p:nvCxnSpPr>
+          <p:spPr>
+            <a:xfrm>
+              <a:off x="1020233" y="4659434"/>
+              <a:ext cx="148686" cy="100321"/>
+            </a:xfrm>
+            <a:prstGeom prst="line">
+              <a:avLst/>
+            </a:prstGeom>
+            <a:ln w="12700">
+              <a:solidFill>
+                <a:schemeClr val="tx1"/>
+              </a:solidFill>
+            </a:ln>
+          </p:spPr>
+          <p:style>
+            <a:lnRef idx="1">
+              <a:schemeClr val="accent1"/>
+            </a:lnRef>
+            <a:fillRef idx="0">
+              <a:schemeClr val="accent1"/>
+            </a:fillRef>
+            <a:effectRef idx="0">
+              <a:schemeClr val="accent1"/>
+            </a:effectRef>
+            <a:fontRef idx="minor">
+              <a:schemeClr val="tx1"/>
+            </a:fontRef>
+          </p:style>
+        </p:cxnSp>
+        <p:cxnSp>
+          <p:nvCxnSpPr>
+            <p:cNvPr id="327" name="直接连接符 326">
+              <a:extLst>
+                <a:ext uri="{FF2B5EF4-FFF2-40B4-BE49-F238E27FC236}">
+                  <a16:creationId xmlns:a16="http://schemas.microsoft.com/office/drawing/2014/main" id="{208C85B4-A04A-3145-5207-E45782DDF790}"/>
+                </a:ext>
+              </a:extLst>
+            </p:cNvPr>
+            <p:cNvCxnSpPr>
+              <a:cxnSpLocks/>
+              <a:endCxn id="170" idx="2"/>
+            </p:cNvCxnSpPr>
+            <p:nvPr/>
+          </p:nvCxnSpPr>
+          <p:spPr>
+            <a:xfrm flipV="1">
+              <a:off x="1020233" y="5012268"/>
+              <a:ext cx="150969" cy="71683"/>
+            </a:xfrm>
+            <a:prstGeom prst="line">
+              <a:avLst/>
+            </a:prstGeom>
+            <a:ln w="12700">
+              <a:solidFill>
+                <a:schemeClr val="tx1"/>
+              </a:solidFill>
+            </a:ln>
+          </p:spPr>
+          <p:style>
+            <a:lnRef idx="1">
+              <a:schemeClr val="accent1"/>
+            </a:lnRef>
+            <a:fillRef idx="0">
+              <a:schemeClr val="accent1"/>
+            </a:fillRef>
+            <a:effectRef idx="0">
+              <a:schemeClr val="accent1"/>
+            </a:effectRef>
+            <a:fontRef idx="minor">
+              <a:schemeClr val="tx1"/>
+            </a:fontRef>
+          </p:style>
+        </p:cxnSp>
+        <p:sp>
+          <p:nvSpPr>
+            <p:cNvPr id="331" name="AutoShape 119">
+              <a:extLst>
+                <a:ext uri="{FF2B5EF4-FFF2-40B4-BE49-F238E27FC236}">
+                  <a16:creationId xmlns:a16="http://schemas.microsoft.com/office/drawing/2014/main" id="{390C07A8-C841-14E7-09D8-2D6180775FE6}"/>
                 </a:ext>
               </a:extLst>
             </p:cNvPr>
@@ -21442,8 +22359,8 @@
           </p:nvSpPr>
           <p:spPr>
             <a:xfrm>
-              <a:off x="586878" y="5744182"/>
-              <a:ext cx="363303" cy="142488"/>
+              <a:off x="2476699" y="4662319"/>
+              <a:ext cx="849364" cy="380856"/>
             </a:xfrm>
             <a:prstGeom prst="rect">
               <a:avLst/>
@@ -21455,744 +22372,64 @@
             </a:ln>
           </p:spPr>
           <p:txBody>
-            <a:bodyPr lIns="0" tIns="0" rIns="0" bIns="0" rtlCol="0" anchor="ctr">
+            <a:bodyPr lIns="91440" tIns="45720" rIns="91440" bIns="45720" rtlCol="0" anchor="t">
               <a:noAutofit/>
             </a:bodyPr>
             <a:lstStyle/>
             <a:p>
-              <a:pPr>
-                <a:lnSpc>
-                  <a:spcPct val="125000"/>
-                </a:lnSpc>
+              <a:pPr algn="ctr">
                 <a:defRPr/>
               </a:pPr>
               <a:r>
-                <a:rPr lang="en-US" altLang="zh-CN" sz="800" dirty="0">
-                  <a:solidFill>
-                    <a:srgbClr val="1F2329"/>
-                  </a:solidFill>
-                </a:rPr>
-                <a:t>Press</a:t>
+                <a:rPr lang="en-US" sz="900" dirty="0"/>
+                <a:t>Triggerable &amp; Grabbable</a:t>
               </a:r>
-              <a:endParaRPr lang="en-US" sz="800" dirty="0"/>
-            </a:p>
-          </p:txBody>
-        </p:sp>
-        <p:sp>
-          <p:nvSpPr>
-            <p:cNvPr id="241" name="右大括号 240">
-              <a:extLst>
-                <a:ext uri="{FF2B5EF4-FFF2-40B4-BE49-F238E27FC236}">
-                  <a16:creationId xmlns:a16="http://schemas.microsoft.com/office/drawing/2014/main" id="{B8D492E5-3F0E-BD29-2F58-3C54F1928C5D}"/>
-                </a:ext>
-              </a:extLst>
-            </p:cNvPr>
-            <p:cNvSpPr/>
-            <p:nvPr/>
-          </p:nvSpPr>
-          <p:spPr>
-            <a:xfrm flipH="1">
-              <a:off x="855783" y="5755041"/>
-              <a:ext cx="45719" cy="160072"/>
-            </a:xfrm>
-            <a:prstGeom prst="rightBrace">
-              <a:avLst>
-                <a:gd name="adj1" fmla="val 38451"/>
-                <a:gd name="adj2" fmla="val 50000"/>
-              </a:avLst>
-            </a:prstGeom>
-            <a:ln w="9525">
-              <a:solidFill>
-                <a:schemeClr val="dk1">
-                  <a:shade val="95000"/>
-                  <a:satMod val="105000"/>
-                </a:schemeClr>
-              </a:solidFill>
-            </a:ln>
-          </p:spPr>
-          <p:style>
-            <a:lnRef idx="1">
-              <a:schemeClr val="dk1"/>
-            </a:lnRef>
-            <a:fillRef idx="0">
-              <a:schemeClr val="dk1"/>
-            </a:fillRef>
-            <a:effectRef idx="0">
-              <a:schemeClr val="dk1"/>
-            </a:effectRef>
-            <a:fontRef idx="minor">
-              <a:schemeClr val="tx1"/>
-            </a:fontRef>
-          </p:style>
-          <p:txBody>
-            <a:bodyPr rtlCol="0" anchor="ctr"/>
-            <a:lstStyle/>
-            <a:p>
-              <a:pPr algn="ctr"/>
-              <a:endParaRPr lang="zh-CN" altLang="en-US"/>
-            </a:p>
-          </p:txBody>
-        </p:sp>
-        <p:sp>
-          <p:nvSpPr>
-            <p:cNvPr id="242" name="AutoShape 29">
-              <a:extLst>
-                <a:ext uri="{FF2B5EF4-FFF2-40B4-BE49-F238E27FC236}">
-                  <a16:creationId xmlns:a16="http://schemas.microsoft.com/office/drawing/2014/main" id="{16F2024B-0E10-F14D-4899-723F0487CCFB}"/>
-                </a:ext>
-              </a:extLst>
-            </p:cNvPr>
-            <p:cNvSpPr/>
-            <p:nvPr/>
-          </p:nvSpPr>
-          <p:spPr>
-            <a:xfrm>
-              <a:off x="920070" y="5687160"/>
-              <a:ext cx="461058" cy="142488"/>
-            </a:xfrm>
-            <a:prstGeom prst="rect">
-              <a:avLst/>
-            </a:prstGeom>
-            <a:noFill/>
-            <a:ln w="12700">
-              <a:noFill/>
-              <a:prstDash val="solid"/>
-            </a:ln>
-          </p:spPr>
-          <p:txBody>
-            <a:bodyPr lIns="0" tIns="0" rIns="0" bIns="0" rtlCol="0" anchor="ctr">
-              <a:noAutofit/>
-            </a:bodyPr>
-            <a:lstStyle/>
-            <a:p>
-              <a:pPr>
-                <a:lnSpc>
-                  <a:spcPct val="125000"/>
-                </a:lnSpc>
-                <a:defRPr/>
-              </a:pPr>
-              <a:r>
-                <a:rPr lang="en-US" sz="800" dirty="0">
-                  <a:solidFill>
-                    <a:srgbClr val="1F2329"/>
-                  </a:solidFill>
-                </a:rPr>
-                <a:t>Pressing</a:t>
-              </a:r>
-              <a:endParaRPr lang="en-US" sz="800" dirty="0"/>
-            </a:p>
-          </p:txBody>
-        </p:sp>
-        <p:sp>
-          <p:nvSpPr>
-            <p:cNvPr id="243" name="AutoShape 29">
-              <a:extLst>
-                <a:ext uri="{FF2B5EF4-FFF2-40B4-BE49-F238E27FC236}">
-                  <a16:creationId xmlns:a16="http://schemas.microsoft.com/office/drawing/2014/main" id="{7B278C9E-3908-A7B9-AAE1-EE06A749E307}"/>
-                </a:ext>
-              </a:extLst>
-            </p:cNvPr>
-            <p:cNvSpPr/>
-            <p:nvPr/>
-          </p:nvSpPr>
-          <p:spPr>
-            <a:xfrm>
-              <a:off x="923966" y="5811541"/>
-              <a:ext cx="461058" cy="142488"/>
-            </a:xfrm>
-            <a:prstGeom prst="rect">
-              <a:avLst/>
-            </a:prstGeom>
-            <a:noFill/>
-            <a:ln w="12700">
-              <a:noFill/>
-              <a:prstDash val="solid"/>
-            </a:ln>
-          </p:spPr>
-          <p:txBody>
-            <a:bodyPr lIns="0" tIns="0" rIns="0" bIns="0" rtlCol="0" anchor="ctr">
-              <a:noAutofit/>
-            </a:bodyPr>
-            <a:lstStyle/>
-            <a:p>
-              <a:pPr>
-                <a:lnSpc>
-                  <a:spcPct val="125000"/>
-                </a:lnSpc>
-                <a:defRPr/>
-              </a:pPr>
-              <a:r>
-                <a:rPr lang="en-US" sz="800" dirty="0">
-                  <a:solidFill>
-                    <a:srgbClr val="1F2329"/>
-                  </a:solidFill>
-                </a:rPr>
-                <a:t>Pressed</a:t>
-              </a:r>
-              <a:endParaRPr lang="en-US" sz="800" dirty="0"/>
+              <a:endParaRPr lang="en-US" sz="1200" dirty="0"/>
             </a:p>
           </p:txBody>
         </p:sp>
       </p:grpSp>
-      <p:grpSp>
-        <p:nvGrpSpPr>
-          <p:cNvPr id="264" name="组合 263">
+      <p:cxnSp>
+        <p:nvCxnSpPr>
+          <p:cNvPr id="337" name="直接连接符 336">
             <a:extLst>
               <a:ext uri="{FF2B5EF4-FFF2-40B4-BE49-F238E27FC236}">
-                <a16:creationId xmlns:a16="http://schemas.microsoft.com/office/drawing/2014/main" id="{8F44D428-4F17-D874-20F7-BCDBA26B0F1E}"/>
+                <a16:creationId xmlns:a16="http://schemas.microsoft.com/office/drawing/2014/main" id="{D537EAF5-6143-0049-1D5F-6098E79BF691}"/>
               </a:ext>
             </a:extLst>
           </p:cNvPr>
-          <p:cNvGrpSpPr/>
+          <p:cNvCxnSpPr/>
           <p:nvPr/>
-        </p:nvGrpSpPr>
-        <p:grpSpPr>
-          <a:xfrm>
-            <a:off x="586878" y="5943692"/>
-            <a:ext cx="755844" cy="266129"/>
-            <a:chOff x="586878" y="5687160"/>
-            <a:chExt cx="755844" cy="266129"/>
+        </p:nvCxnSpPr>
+        <p:spPr>
+          <a:xfrm flipV="1">
+            <a:off x="2262591" y="4698728"/>
+            <a:ext cx="258233" cy="42332"/>
           </a:xfrm>
-        </p:grpSpPr>
-        <p:sp>
-          <p:nvSpPr>
-            <p:cNvPr id="265" name="AutoShape 29">
-              <a:extLst>
-                <a:ext uri="{FF2B5EF4-FFF2-40B4-BE49-F238E27FC236}">
-                  <a16:creationId xmlns:a16="http://schemas.microsoft.com/office/drawing/2014/main" id="{B5EA8005-2E94-E3C0-7E12-5F1E3A30C489}"/>
-                </a:ext>
-              </a:extLst>
-            </p:cNvPr>
-            <p:cNvSpPr/>
-            <p:nvPr/>
-          </p:nvSpPr>
-          <p:spPr>
-            <a:xfrm>
-              <a:off x="586878" y="5744182"/>
-              <a:ext cx="363303" cy="142488"/>
-            </a:xfrm>
-            <a:prstGeom prst="rect">
-              <a:avLst/>
-            </a:prstGeom>
-            <a:noFill/>
-            <a:ln w="12700">
-              <a:noFill/>
-              <a:prstDash val="solid"/>
-            </a:ln>
-          </p:spPr>
-          <p:txBody>
-            <a:bodyPr lIns="0" tIns="0" rIns="0" bIns="0" rtlCol="0" anchor="ctr">
-              <a:noAutofit/>
-            </a:bodyPr>
-            <a:lstStyle/>
-            <a:p>
-              <a:pPr>
-                <a:lnSpc>
-                  <a:spcPct val="125000"/>
-                </a:lnSpc>
-                <a:defRPr/>
-              </a:pPr>
-              <a:r>
-                <a:rPr lang="en-US" altLang="zh-CN" sz="800" dirty="0">
-                  <a:solidFill>
-                    <a:srgbClr val="1F2329"/>
-                  </a:solidFill>
-                </a:rPr>
-                <a:t>Pull</a:t>
-              </a:r>
-              <a:endParaRPr lang="en-US" sz="800" dirty="0"/>
-            </a:p>
-          </p:txBody>
-        </p:sp>
-        <p:sp>
-          <p:nvSpPr>
-            <p:cNvPr id="266" name="右大括号 265">
-              <a:extLst>
-                <a:ext uri="{FF2B5EF4-FFF2-40B4-BE49-F238E27FC236}">
-                  <a16:creationId xmlns:a16="http://schemas.microsoft.com/office/drawing/2014/main" id="{B59A1833-88D2-35E0-FE7A-2CEB49342063}"/>
-                </a:ext>
-              </a:extLst>
-            </p:cNvPr>
-            <p:cNvSpPr/>
-            <p:nvPr/>
-          </p:nvSpPr>
-          <p:spPr>
-            <a:xfrm flipH="1">
-              <a:off x="793258" y="5755282"/>
-              <a:ext cx="45719" cy="160072"/>
-            </a:xfrm>
-            <a:prstGeom prst="rightBrace">
-              <a:avLst>
-                <a:gd name="adj1" fmla="val 38451"/>
-                <a:gd name="adj2" fmla="val 50000"/>
-              </a:avLst>
-            </a:prstGeom>
-            <a:ln w="9525">
-              <a:solidFill>
-                <a:schemeClr val="dk1">
-                  <a:shade val="95000"/>
-                  <a:satMod val="105000"/>
-                </a:schemeClr>
-              </a:solidFill>
-            </a:ln>
-          </p:spPr>
-          <p:style>
-            <a:lnRef idx="1">
-              <a:schemeClr val="dk1"/>
-            </a:lnRef>
-            <a:fillRef idx="0">
-              <a:schemeClr val="dk1"/>
-            </a:fillRef>
-            <a:effectRef idx="0">
-              <a:schemeClr val="dk1"/>
-            </a:effectRef>
-            <a:fontRef idx="minor">
+          <a:prstGeom prst="line">
+            <a:avLst/>
+          </a:prstGeom>
+          <a:ln w="12700">
+            <a:solidFill>
               <a:schemeClr val="tx1"/>
-            </a:fontRef>
-          </p:style>
-          <p:txBody>
-            <a:bodyPr rtlCol="0" anchor="ctr"/>
-            <a:lstStyle/>
-            <a:p>
-              <a:pPr algn="ctr"/>
-              <a:endParaRPr lang="zh-CN" altLang="en-US"/>
-            </a:p>
-          </p:txBody>
-        </p:sp>
-        <p:sp>
-          <p:nvSpPr>
-            <p:cNvPr id="270" name="AutoShape 29">
-              <a:extLst>
-                <a:ext uri="{FF2B5EF4-FFF2-40B4-BE49-F238E27FC236}">
-                  <a16:creationId xmlns:a16="http://schemas.microsoft.com/office/drawing/2014/main" id="{EDE040B6-FD00-87EB-96F3-A0ECF23E2743}"/>
-                </a:ext>
-              </a:extLst>
-            </p:cNvPr>
-            <p:cNvSpPr/>
-            <p:nvPr/>
-          </p:nvSpPr>
-          <p:spPr>
-            <a:xfrm>
-              <a:off x="877809" y="5687160"/>
-              <a:ext cx="461058" cy="142488"/>
-            </a:xfrm>
-            <a:prstGeom prst="rect">
-              <a:avLst/>
-            </a:prstGeom>
-            <a:noFill/>
-            <a:ln w="12700">
-              <a:noFill/>
-              <a:prstDash val="solid"/>
-            </a:ln>
-          </p:spPr>
-          <p:txBody>
-            <a:bodyPr lIns="0" tIns="0" rIns="0" bIns="0" rtlCol="0" anchor="ctr">
-              <a:noAutofit/>
-            </a:bodyPr>
-            <a:lstStyle/>
-            <a:p>
-              <a:pPr>
-                <a:lnSpc>
-                  <a:spcPct val="125000"/>
-                </a:lnSpc>
-                <a:defRPr/>
-              </a:pPr>
-              <a:r>
-                <a:rPr lang="en-US" altLang="zh-CN" sz="800" dirty="0">
-                  <a:solidFill>
-                    <a:srgbClr val="1F2329"/>
-                  </a:solidFill>
-                </a:rPr>
-                <a:t>Pulling</a:t>
-              </a:r>
-              <a:endParaRPr lang="en-US" sz="800" dirty="0"/>
-            </a:p>
-          </p:txBody>
-        </p:sp>
-        <p:sp>
-          <p:nvSpPr>
-            <p:cNvPr id="273" name="AutoShape 29">
-              <a:extLst>
-                <a:ext uri="{FF2B5EF4-FFF2-40B4-BE49-F238E27FC236}">
-                  <a16:creationId xmlns:a16="http://schemas.microsoft.com/office/drawing/2014/main" id="{AA984B22-41E5-0BA6-9E4E-5F58EF1500EE}"/>
-                </a:ext>
-              </a:extLst>
-            </p:cNvPr>
-            <p:cNvSpPr/>
-            <p:nvPr/>
-          </p:nvSpPr>
-          <p:spPr>
-            <a:xfrm>
-              <a:off x="881664" y="5810801"/>
-              <a:ext cx="461058" cy="142488"/>
-            </a:xfrm>
-            <a:prstGeom prst="rect">
-              <a:avLst/>
-            </a:prstGeom>
-            <a:noFill/>
-            <a:ln w="12700">
-              <a:noFill/>
-              <a:prstDash val="solid"/>
-            </a:ln>
-          </p:spPr>
-          <p:txBody>
-            <a:bodyPr lIns="0" tIns="0" rIns="0" bIns="0" rtlCol="0" anchor="ctr">
-              <a:noAutofit/>
-            </a:bodyPr>
-            <a:lstStyle/>
-            <a:p>
-              <a:pPr>
-                <a:lnSpc>
-                  <a:spcPct val="125000"/>
-                </a:lnSpc>
-                <a:defRPr/>
-              </a:pPr>
-              <a:r>
-                <a:rPr lang="en-US" sz="800" dirty="0">
-                  <a:solidFill>
-                    <a:srgbClr val="1F2329"/>
-                  </a:solidFill>
-                </a:rPr>
-                <a:t>Relaxed</a:t>
-              </a:r>
-              <a:endParaRPr lang="en-US" sz="800" dirty="0"/>
-            </a:p>
-          </p:txBody>
-        </p:sp>
-      </p:grpSp>
-      <p:grpSp>
-        <p:nvGrpSpPr>
-          <p:cNvPr id="277" name="组合 276">
-            <a:extLst>
-              <a:ext uri="{FF2B5EF4-FFF2-40B4-BE49-F238E27FC236}">
-                <a16:creationId xmlns:a16="http://schemas.microsoft.com/office/drawing/2014/main" id="{8821D632-5685-93F4-6D30-64507965BC7A}"/>
-              </a:ext>
-            </a:extLst>
-          </p:cNvPr>
-          <p:cNvGrpSpPr/>
-          <p:nvPr/>
-        </p:nvGrpSpPr>
-        <p:grpSpPr>
-          <a:xfrm>
-            <a:off x="584603" y="6229211"/>
-            <a:ext cx="1045888" cy="266869"/>
-            <a:chOff x="654992" y="5687160"/>
-            <a:chExt cx="1045888" cy="266869"/>
-          </a:xfrm>
-        </p:grpSpPr>
-        <p:sp>
-          <p:nvSpPr>
-            <p:cNvPr id="278" name="AutoShape 29">
-              <a:extLst>
-                <a:ext uri="{FF2B5EF4-FFF2-40B4-BE49-F238E27FC236}">
-                  <a16:creationId xmlns:a16="http://schemas.microsoft.com/office/drawing/2014/main" id="{DC6AF12E-0BEF-3D99-FF19-21DAB343887F}"/>
-                </a:ext>
-              </a:extLst>
-            </p:cNvPr>
-            <p:cNvSpPr/>
-            <p:nvPr/>
-          </p:nvSpPr>
-          <p:spPr>
-            <a:xfrm>
-              <a:off x="654992" y="5740297"/>
-              <a:ext cx="363303" cy="142488"/>
-            </a:xfrm>
-            <a:prstGeom prst="rect">
-              <a:avLst/>
-            </a:prstGeom>
-            <a:noFill/>
-            <a:ln w="12700">
-              <a:noFill/>
-              <a:prstDash val="solid"/>
-            </a:ln>
-          </p:spPr>
-          <p:txBody>
-            <a:bodyPr lIns="0" tIns="0" rIns="0" bIns="0" rtlCol="0" anchor="ctr">
-              <a:noAutofit/>
-            </a:bodyPr>
-            <a:lstStyle/>
-            <a:p>
-              <a:pPr>
-                <a:lnSpc>
-                  <a:spcPct val="125000"/>
-                </a:lnSpc>
-                <a:defRPr/>
-              </a:pPr>
-              <a:r>
-                <a:rPr lang="en-US" altLang="zh-CN" sz="800" dirty="0">
-                  <a:solidFill>
-                    <a:srgbClr val="1F2329"/>
-                  </a:solidFill>
-                </a:rPr>
-                <a:t>Fire</a:t>
-              </a:r>
-              <a:endParaRPr lang="en-US" sz="800" dirty="0"/>
-            </a:p>
-          </p:txBody>
-        </p:sp>
-        <p:sp>
-          <p:nvSpPr>
-            <p:cNvPr id="283" name="右大括号 282">
-              <a:extLst>
-                <a:ext uri="{FF2B5EF4-FFF2-40B4-BE49-F238E27FC236}">
-                  <a16:creationId xmlns:a16="http://schemas.microsoft.com/office/drawing/2014/main" id="{CB8D37E9-3E3C-6570-E0D7-762D78CB81FD}"/>
-                </a:ext>
-              </a:extLst>
-            </p:cNvPr>
-            <p:cNvSpPr/>
-            <p:nvPr/>
-          </p:nvSpPr>
-          <p:spPr>
-            <a:xfrm flipH="1">
-              <a:off x="855783" y="5755041"/>
-              <a:ext cx="45719" cy="160072"/>
-            </a:xfrm>
-            <a:prstGeom prst="rightBrace">
-              <a:avLst>
-                <a:gd name="adj1" fmla="val 38451"/>
-                <a:gd name="adj2" fmla="val 50000"/>
-              </a:avLst>
-            </a:prstGeom>
-            <a:ln w="9525">
-              <a:solidFill>
-                <a:schemeClr val="dk1">
-                  <a:shade val="95000"/>
-                  <a:satMod val="105000"/>
-                </a:schemeClr>
-              </a:solidFill>
-            </a:ln>
-          </p:spPr>
-          <p:style>
-            <a:lnRef idx="1">
-              <a:schemeClr val="dk1"/>
-            </a:lnRef>
-            <a:fillRef idx="0">
-              <a:schemeClr val="dk1"/>
-            </a:fillRef>
-            <a:effectRef idx="0">
-              <a:schemeClr val="dk1"/>
-            </a:effectRef>
-            <a:fontRef idx="minor">
-              <a:schemeClr val="tx1"/>
-            </a:fontRef>
-          </p:style>
-          <p:txBody>
-            <a:bodyPr rtlCol="0" anchor="ctr"/>
-            <a:lstStyle/>
-            <a:p>
-              <a:pPr algn="ctr"/>
-              <a:endParaRPr lang="zh-CN" altLang="en-US" dirty="0"/>
-            </a:p>
-          </p:txBody>
-        </p:sp>
-        <p:sp>
-          <p:nvSpPr>
-            <p:cNvPr id="288" name="AutoShape 29">
-              <a:extLst>
-                <a:ext uri="{FF2B5EF4-FFF2-40B4-BE49-F238E27FC236}">
-                  <a16:creationId xmlns:a16="http://schemas.microsoft.com/office/drawing/2014/main" id="{0A4835AD-773E-2FBF-7A12-99E8089E031E}"/>
-                </a:ext>
-              </a:extLst>
-            </p:cNvPr>
-            <p:cNvSpPr/>
-            <p:nvPr/>
-          </p:nvSpPr>
-          <p:spPr>
-            <a:xfrm>
-              <a:off x="920069" y="5687160"/>
-              <a:ext cx="780811" cy="142488"/>
-            </a:xfrm>
-            <a:prstGeom prst="rect">
-              <a:avLst/>
-            </a:prstGeom>
-            <a:noFill/>
-            <a:ln w="12700">
-              <a:noFill/>
-              <a:prstDash val="solid"/>
-            </a:ln>
-          </p:spPr>
-          <p:txBody>
-            <a:bodyPr lIns="0" tIns="0" rIns="0" bIns="0" rtlCol="0" anchor="ctr">
-              <a:noAutofit/>
-            </a:bodyPr>
-            <a:lstStyle/>
-            <a:p>
-              <a:pPr>
-                <a:lnSpc>
-                  <a:spcPct val="125000"/>
-                </a:lnSpc>
-                <a:defRPr/>
-              </a:pPr>
-              <a:r>
-                <a:rPr lang="en-US" sz="700" dirty="0">
-                  <a:solidFill>
-                    <a:srgbClr val="1F2329"/>
-                  </a:solidFill>
-                </a:rPr>
-                <a:t>Pulling the trigger</a:t>
-              </a:r>
-              <a:endParaRPr lang="en-US" sz="700" dirty="0"/>
-            </a:p>
-          </p:txBody>
-        </p:sp>
-        <p:sp>
-          <p:nvSpPr>
-            <p:cNvPr id="290" name="AutoShape 29">
-              <a:extLst>
-                <a:ext uri="{FF2B5EF4-FFF2-40B4-BE49-F238E27FC236}">
-                  <a16:creationId xmlns:a16="http://schemas.microsoft.com/office/drawing/2014/main" id="{A043FE87-F958-6D0D-AC10-9A3871A2E42E}"/>
-                </a:ext>
-              </a:extLst>
-            </p:cNvPr>
-            <p:cNvSpPr/>
-            <p:nvPr/>
-          </p:nvSpPr>
-          <p:spPr>
-            <a:xfrm>
-              <a:off x="923966" y="5811541"/>
-              <a:ext cx="461058" cy="142488"/>
-            </a:xfrm>
-            <a:prstGeom prst="rect">
-              <a:avLst/>
-            </a:prstGeom>
-            <a:noFill/>
-            <a:ln w="12700">
-              <a:noFill/>
-              <a:prstDash val="solid"/>
-            </a:ln>
-          </p:spPr>
-          <p:txBody>
-            <a:bodyPr lIns="0" tIns="0" rIns="0" bIns="0" rtlCol="0" anchor="ctr">
-              <a:noAutofit/>
-            </a:bodyPr>
-            <a:lstStyle/>
-            <a:p>
-              <a:pPr>
-                <a:lnSpc>
-                  <a:spcPct val="125000"/>
-                </a:lnSpc>
-                <a:defRPr/>
-              </a:pPr>
-              <a:r>
-                <a:rPr lang="en-US" sz="800" dirty="0">
-                  <a:solidFill>
-                    <a:srgbClr val="1F2329"/>
-                  </a:solidFill>
-                </a:rPr>
-                <a:t>Triggered</a:t>
-              </a:r>
-              <a:endParaRPr lang="en-US" sz="800" dirty="0"/>
-            </a:p>
-          </p:txBody>
-        </p:sp>
-      </p:grpSp>
-      <p:sp>
-        <p:nvSpPr>
-          <p:cNvPr id="293" name="AutoShape 14">
-            <a:extLst>
-              <a:ext uri="{FF2B5EF4-FFF2-40B4-BE49-F238E27FC236}">
-                <a16:creationId xmlns:a16="http://schemas.microsoft.com/office/drawing/2014/main" id="{1149B06F-5160-4695-462A-5A2E0AC6557C}"/>
-              </a:ext>
-            </a:extLst>
-          </p:cNvPr>
-          <p:cNvSpPr/>
-          <p:nvPr/>
-        </p:nvSpPr>
-        <p:spPr>
-          <a:xfrm rot="16200000">
-            <a:off x="1686239" y="6035178"/>
-            <a:ext cx="161677" cy="210976"/>
-          </a:xfrm>
-          <a:prstGeom prst="downArrow">
-            <a:avLst>
-              <a:gd name="adj1" fmla="val 50000"/>
-              <a:gd name="adj2" fmla="val 50000"/>
-            </a:avLst>
-          </a:prstGeom>
-          <a:ln w="6350"/>
-        </p:spPr>
-        <p:style>
-          <a:lnRef idx="1">
-            <a:schemeClr val="dk1"/>
-          </a:lnRef>
-          <a:fillRef idx="2">
-            <a:schemeClr val="dk1"/>
-          </a:fillRef>
-          <a:effectRef idx="1">
-            <a:schemeClr val="dk1"/>
-          </a:effectRef>
-          <a:fontRef idx="minor">
-            <a:schemeClr val="dk1"/>
-          </a:fontRef>
-        </p:style>
-        <p:txBody>
-          <a:bodyPr lIns="91440" tIns="45720" rIns="35560" bIns="45720" rtlCol="0" anchor="ctr">
-            <a:noAutofit/>
-          </a:bodyPr>
-          <a:lstStyle/>
-          <a:p>
-            <a:pPr algn="ctr">
-              <a:defRPr/>
-            </a:pPr>
-            <a:endParaRPr/>
-          </a:p>
-        </p:txBody>
-      </p:sp>
-      <p:sp>
-        <p:nvSpPr>
-          <p:cNvPr id="294" name="右大括号 293">
-            <a:extLst>
-              <a:ext uri="{FF2B5EF4-FFF2-40B4-BE49-F238E27FC236}">
-                <a16:creationId xmlns:a16="http://schemas.microsoft.com/office/drawing/2014/main" id="{7521D7BE-0C9D-76B5-7A8A-CCA8DABE2BDD}"/>
-              </a:ext>
-            </a:extLst>
-          </p:cNvPr>
-          <p:cNvSpPr/>
-          <p:nvPr/>
-        </p:nvSpPr>
-        <p:spPr>
-          <a:xfrm>
-            <a:off x="1481604" y="5777831"/>
-            <a:ext cx="159006" cy="756979"/>
-          </a:xfrm>
-          <a:prstGeom prst="rightBrace">
-            <a:avLst>
-              <a:gd name="adj1" fmla="val 38451"/>
-              <a:gd name="adj2" fmla="val 50000"/>
-            </a:avLst>
-          </a:prstGeom>
-          <a:ln w="9525">
-            <a:solidFill>
-              <a:schemeClr val="dk1">
-                <a:shade val="95000"/>
-                <a:satMod val="105000"/>
-              </a:schemeClr>
             </a:solidFill>
           </a:ln>
         </p:spPr>
         <p:style>
           <a:lnRef idx="1">
-            <a:schemeClr val="dk1"/>
+            <a:schemeClr val="accent1"/>
           </a:lnRef>
           <a:fillRef idx="0">
-            <a:schemeClr val="dk1"/>
+            <a:schemeClr val="accent1"/>
           </a:fillRef>
           <a:effectRef idx="0">
-            <a:schemeClr val="dk1"/>
+            <a:schemeClr val="accent1"/>
           </a:effectRef>
           <a:fontRef idx="minor">
             <a:schemeClr val="tx1"/>
           </a:fontRef>
         </p:style>
-        <p:txBody>
-          <a:bodyPr rtlCol="0" anchor="ctr"/>
-          <a:lstStyle/>
-          <a:p>
-            <a:pPr algn="ctr"/>
-            <a:endParaRPr lang="zh-CN" altLang="en-US"/>
-          </a:p>
-        </p:txBody>
-      </p:sp>
+      </p:cxnSp>
     </p:spTree>
   </p:cSld>
   <p:clrMapOvr>

--- a/Paper Reading/____Writing/Fig_Overview.pptx
+++ b/Paper Reading/____Writing/Fig_Overview.pptx
@@ -10,7 +10,7 @@
   <p:sldIdLst>
     <p:sldId id="256" r:id="rId2"/>
   </p:sldIdLst>
-  <p:sldSz cx="12384088" cy="7199313"/>
+  <p:sldSz cx="12312650" cy="6696075"/>
   <p:notesSz cx="6858000" cy="9144000"/>
   <p:defaultTextStyle>
     <a:defPPr marR="0" lvl="0" algn="l" rtl="0">
@@ -38,7 +38,7 @@
         <a:srgbClr val="000000"/>
       </a:buClr>
       <a:buFont typeface="Arial"/>
-      <a:defRPr sz="1329" b="0" i="0" u="none" strike="noStrike" cap="none">
+      <a:defRPr sz="1314" b="0" i="0" u="none" strike="noStrike" cap="none">
         <a:solidFill>
           <a:srgbClr val="000000"/>
         </a:solidFill>
@@ -62,7 +62,7 @@
         <a:srgbClr val="000000"/>
       </a:buClr>
       <a:buFont typeface="Arial"/>
-      <a:defRPr sz="1329" b="0" i="0" u="none" strike="noStrike" cap="none">
+      <a:defRPr sz="1314" b="0" i="0" u="none" strike="noStrike" cap="none">
         <a:solidFill>
           <a:srgbClr val="000000"/>
         </a:solidFill>
@@ -86,7 +86,7 @@
         <a:srgbClr val="000000"/>
       </a:buClr>
       <a:buFont typeface="Arial"/>
-      <a:defRPr sz="1329" b="0" i="0" u="none" strike="noStrike" cap="none">
+      <a:defRPr sz="1314" b="0" i="0" u="none" strike="noStrike" cap="none">
         <a:solidFill>
           <a:srgbClr val="000000"/>
         </a:solidFill>
@@ -110,7 +110,7 @@
         <a:srgbClr val="000000"/>
       </a:buClr>
       <a:buFont typeface="Arial"/>
-      <a:defRPr sz="1329" b="0" i="0" u="none" strike="noStrike" cap="none">
+      <a:defRPr sz="1314" b="0" i="0" u="none" strike="noStrike" cap="none">
         <a:solidFill>
           <a:srgbClr val="000000"/>
         </a:solidFill>
@@ -134,7 +134,7 @@
         <a:srgbClr val="000000"/>
       </a:buClr>
       <a:buFont typeface="Arial"/>
-      <a:defRPr sz="1329" b="0" i="0" u="none" strike="noStrike" cap="none">
+      <a:defRPr sz="1314" b="0" i="0" u="none" strike="noStrike" cap="none">
         <a:solidFill>
           <a:srgbClr val="000000"/>
         </a:solidFill>
@@ -158,7 +158,7 @@
         <a:srgbClr val="000000"/>
       </a:buClr>
       <a:buFont typeface="Arial"/>
-      <a:defRPr sz="1329" b="0" i="0" u="none" strike="noStrike" cap="none">
+      <a:defRPr sz="1314" b="0" i="0" u="none" strike="noStrike" cap="none">
         <a:solidFill>
           <a:srgbClr val="000000"/>
         </a:solidFill>
@@ -182,7 +182,7 @@
         <a:srgbClr val="000000"/>
       </a:buClr>
       <a:buFont typeface="Arial"/>
-      <a:defRPr sz="1329" b="0" i="0" u="none" strike="noStrike" cap="none">
+      <a:defRPr sz="1314" b="0" i="0" u="none" strike="noStrike" cap="none">
         <a:solidFill>
           <a:srgbClr val="000000"/>
         </a:solidFill>
@@ -206,7 +206,7 @@
         <a:srgbClr val="000000"/>
       </a:buClr>
       <a:buFont typeface="Arial"/>
-      <a:defRPr sz="1329" b="0" i="0" u="none" strike="noStrike" cap="none">
+      <a:defRPr sz="1314" b="0" i="0" u="none" strike="noStrike" cap="none">
         <a:solidFill>
           <a:srgbClr val="000000"/>
         </a:solidFill>
@@ -230,7 +230,7 @@
         <a:srgbClr val="000000"/>
       </a:buClr>
       <a:buFont typeface="Arial"/>
-      <a:defRPr sz="1329" b="0" i="0" u="none" strike="noStrike" cap="none">
+      <a:defRPr sz="1314" b="0" i="0" u="none" strike="noStrike" cap="none">
         <a:solidFill>
           <a:srgbClr val="000000"/>
         </a:solidFill>
@@ -244,12 +244,12 @@
   <p:extLst>
     <p:ext uri="{EFAFB233-063F-42B5-8137-9DF3F51BA10A}">
       <p15:sldGuideLst xmlns:p15="http://schemas.microsoft.com/office/powerpoint/2012/main">
-        <p15:guide id="1" orient="horz" pos="1312" userDrawn="1">
+        <p15:guide id="1" orient="horz" pos="1221" userDrawn="1">
           <p15:clr>
             <a:srgbClr val="747775"/>
           </p15:clr>
         </p15:guide>
-        <p15:guide id="2" pos="2925" userDrawn="1">
+        <p15:guide id="2" pos="2908" userDrawn="1">
           <p15:clr>
             <a:srgbClr val="747775"/>
           </p15:clr>
@@ -360,8 +360,8 @@
         </p:nvSpPr>
         <p:spPr>
           <a:xfrm>
-            <a:off x="2365375" y="512763"/>
-            <a:ext cx="4413250" cy="2566987"/>
+            <a:off x="2212975" y="512763"/>
+            <a:ext cx="4718050" cy="2566987"/>
           </a:xfrm>
           <a:prstGeom prst="rect">
             <a:avLst/>
@@ -516,8 +516,8 @@
   </p:cSld>
   <p:clrMap bg1="lt1" tx1="dk1" bg2="lt2" tx2="dk2" accent1="accent1" accent2="accent2" accent3="accent3" accent4="accent4" accent5="accent5" accent6="accent6" hlink="hlink" folHlink="folHlink"/>
   <p:notesStyle>
-    <a:lvl1pPr marL="0" algn="l" defTabSz="868131" rtl="0" eaLnBrk="1" latinLnBrk="0" hangingPunct="1">
-      <a:defRPr sz="1139" kern="1200">
+    <a:lvl1pPr marL="0" algn="l" defTabSz="858321" rtl="0" eaLnBrk="1" latinLnBrk="0" hangingPunct="1">
+      <a:defRPr sz="1126" kern="1200">
         <a:solidFill>
           <a:schemeClr val="tx1"/>
         </a:solidFill>
@@ -526,8 +526,8 @@
         <a:cs typeface="+mn-cs"/>
       </a:defRPr>
     </a:lvl1pPr>
-    <a:lvl2pPr marL="434066" algn="l" defTabSz="868131" rtl="0" eaLnBrk="1" latinLnBrk="0" hangingPunct="1">
-      <a:defRPr sz="1139" kern="1200">
+    <a:lvl2pPr marL="429161" algn="l" defTabSz="858321" rtl="0" eaLnBrk="1" latinLnBrk="0" hangingPunct="1">
+      <a:defRPr sz="1126" kern="1200">
         <a:solidFill>
           <a:schemeClr val="tx1"/>
         </a:solidFill>
@@ -536,8 +536,8 @@
         <a:cs typeface="+mn-cs"/>
       </a:defRPr>
     </a:lvl2pPr>
-    <a:lvl3pPr marL="868131" algn="l" defTabSz="868131" rtl="0" eaLnBrk="1" latinLnBrk="0" hangingPunct="1">
-      <a:defRPr sz="1139" kern="1200">
+    <a:lvl3pPr marL="858321" algn="l" defTabSz="858321" rtl="0" eaLnBrk="1" latinLnBrk="0" hangingPunct="1">
+      <a:defRPr sz="1126" kern="1200">
         <a:solidFill>
           <a:schemeClr val="tx1"/>
         </a:solidFill>
@@ -546,8 +546,8 @@
         <a:cs typeface="+mn-cs"/>
       </a:defRPr>
     </a:lvl3pPr>
-    <a:lvl4pPr marL="1302197" algn="l" defTabSz="868131" rtl="0" eaLnBrk="1" latinLnBrk="0" hangingPunct="1">
-      <a:defRPr sz="1139" kern="1200">
+    <a:lvl4pPr marL="1287482" algn="l" defTabSz="858321" rtl="0" eaLnBrk="1" latinLnBrk="0" hangingPunct="1">
+      <a:defRPr sz="1126" kern="1200">
         <a:solidFill>
           <a:schemeClr val="tx1"/>
         </a:solidFill>
@@ -556,8 +556,8 @@
         <a:cs typeface="+mn-cs"/>
       </a:defRPr>
     </a:lvl4pPr>
-    <a:lvl5pPr marL="1736263" algn="l" defTabSz="868131" rtl="0" eaLnBrk="1" latinLnBrk="0" hangingPunct="1">
-      <a:defRPr sz="1139" kern="1200">
+    <a:lvl5pPr marL="1716643" algn="l" defTabSz="858321" rtl="0" eaLnBrk="1" latinLnBrk="0" hangingPunct="1">
+      <a:defRPr sz="1126" kern="1200">
         <a:solidFill>
           <a:schemeClr val="tx1"/>
         </a:solidFill>
@@ -566,8 +566,8 @@
         <a:cs typeface="+mn-cs"/>
       </a:defRPr>
     </a:lvl5pPr>
-    <a:lvl6pPr marL="2170328" algn="l" defTabSz="868131" rtl="0" eaLnBrk="1" latinLnBrk="0" hangingPunct="1">
-      <a:defRPr sz="1139" kern="1200">
+    <a:lvl6pPr marL="2145803" algn="l" defTabSz="858321" rtl="0" eaLnBrk="1" latinLnBrk="0" hangingPunct="1">
+      <a:defRPr sz="1126" kern="1200">
         <a:solidFill>
           <a:schemeClr val="tx1"/>
         </a:solidFill>
@@ -576,8 +576,8 @@
         <a:cs typeface="+mn-cs"/>
       </a:defRPr>
     </a:lvl6pPr>
-    <a:lvl7pPr marL="2604394" algn="l" defTabSz="868131" rtl="0" eaLnBrk="1" latinLnBrk="0" hangingPunct="1">
-      <a:defRPr sz="1139" kern="1200">
+    <a:lvl7pPr marL="2574964" algn="l" defTabSz="858321" rtl="0" eaLnBrk="1" latinLnBrk="0" hangingPunct="1">
+      <a:defRPr sz="1126" kern="1200">
         <a:solidFill>
           <a:schemeClr val="tx1"/>
         </a:solidFill>
@@ -586,8 +586,8 @@
         <a:cs typeface="+mn-cs"/>
       </a:defRPr>
     </a:lvl7pPr>
-    <a:lvl8pPr marL="3038460" algn="l" defTabSz="868131" rtl="0" eaLnBrk="1" latinLnBrk="0" hangingPunct="1">
-      <a:defRPr sz="1139" kern="1200">
+    <a:lvl8pPr marL="3004125" algn="l" defTabSz="858321" rtl="0" eaLnBrk="1" latinLnBrk="0" hangingPunct="1">
+      <a:defRPr sz="1126" kern="1200">
         <a:solidFill>
           <a:schemeClr val="tx1"/>
         </a:solidFill>
@@ -596,8 +596,8 @@
         <a:cs typeface="+mn-cs"/>
       </a:defRPr>
     </a:lvl8pPr>
-    <a:lvl9pPr marL="3472525" algn="l" defTabSz="868131" rtl="0" eaLnBrk="1" latinLnBrk="0" hangingPunct="1">
-      <a:defRPr sz="1139" kern="1200">
+    <a:lvl9pPr marL="3433285" algn="l" defTabSz="858321" rtl="0" eaLnBrk="1" latinLnBrk="0" hangingPunct="1">
+      <a:defRPr sz="1126" kern="1200">
         <a:solidFill>
           <a:schemeClr val="tx1"/>
         </a:solidFill>
@@ -704,8 +704,8 @@
         </p:nvSpPr>
         <p:spPr>
           <a:xfrm>
-            <a:off x="2365375" y="512763"/>
-            <a:ext cx="4413250" cy="2566987"/>
+            <a:off x="2212975" y="512763"/>
+            <a:ext cx="4718050" cy="2566987"/>
           </a:xfrm>
           <a:prstGeom prst="rect">
             <a:avLst/>
@@ -888,8 +888,8 @@
         </p:nvSpPr>
         <p:spPr>
           <a:xfrm>
-            <a:off x="1161009" y="681685"/>
-            <a:ext cx="6966049" cy="1450148"/>
+            <a:off x="1154317" y="634035"/>
+            <a:ext cx="6925865" cy="1348781"/>
           </a:xfrm>
           <a:prstGeom prst="rect">
             <a:avLst/>
@@ -1028,8 +1028,8 @@
         </p:nvSpPr>
         <p:spPr>
           <a:xfrm>
-            <a:off x="1161009" y="2187758"/>
-            <a:ext cx="6966049" cy="1005654"/>
+            <a:off x="1154317" y="2034833"/>
+            <a:ext cx="6925865" cy="935358"/>
           </a:xfrm>
           <a:prstGeom prst="rect">
             <a:avLst/>
@@ -1066,7 +1066,7 @@
                 <a:spcPct val="90000"/>
               </a:lnSpc>
               <a:spcBef>
-                <a:spcPts val="400"/>
+                <a:spcPts val="399"/>
               </a:spcBef>
               <a:spcAft>
                 <a:spcPts val="0"/>
@@ -1083,7 +1083,7 @@
                 <a:spcPct val="90000"/>
               </a:lnSpc>
               <a:spcBef>
-                <a:spcPts val="400"/>
+                <a:spcPts val="399"/>
               </a:spcBef>
               <a:spcAft>
                 <a:spcPts val="0"/>
@@ -1100,7 +1100,7 @@
                 <a:spcPct val="90000"/>
               </a:lnSpc>
               <a:spcBef>
-                <a:spcPts val="400"/>
+                <a:spcPts val="399"/>
               </a:spcBef>
               <a:spcAft>
                 <a:spcPts val="0"/>
@@ -1117,7 +1117,7 @@
                 <a:spcPct val="90000"/>
               </a:lnSpc>
               <a:spcBef>
-                <a:spcPts val="400"/>
+                <a:spcPts val="399"/>
               </a:spcBef>
               <a:spcAft>
                 <a:spcPts val="0"/>
@@ -1134,7 +1134,7 @@
                 <a:spcPct val="90000"/>
               </a:lnSpc>
               <a:spcBef>
-                <a:spcPts val="400"/>
+                <a:spcPts val="399"/>
               </a:spcBef>
               <a:spcAft>
                 <a:spcPts val="0"/>
@@ -1151,7 +1151,7 @@
                 <a:spcPct val="90000"/>
               </a:lnSpc>
               <a:spcBef>
-                <a:spcPts val="400"/>
+                <a:spcPts val="399"/>
               </a:spcBef>
               <a:spcAft>
                 <a:spcPts val="0"/>
@@ -1168,7 +1168,7 @@
                 <a:spcPct val="90000"/>
               </a:lnSpc>
               <a:spcBef>
-                <a:spcPts val="400"/>
+                <a:spcPts val="399"/>
               </a:spcBef>
               <a:spcAft>
                 <a:spcPts val="0"/>
@@ -1185,7 +1185,7 @@
                 <a:spcPct val="90000"/>
               </a:lnSpc>
               <a:spcBef>
-                <a:spcPts val="400"/>
+                <a:spcPts val="399"/>
               </a:spcBef>
               <a:spcAft>
                 <a:spcPts val="0"/>
@@ -1215,8 +1215,8 @@
         </p:nvSpPr>
         <p:spPr>
           <a:xfrm>
-            <a:off x="638556" y="3860633"/>
-            <a:ext cx="2089814" cy="221764"/>
+            <a:off x="634872" y="3590772"/>
+            <a:ext cx="2077759" cy="206262"/>
           </a:xfrm>
           <a:prstGeom prst="rect">
             <a:avLst/>
@@ -1348,8 +1348,8 @@
         </p:nvSpPr>
         <p:spPr>
           <a:xfrm>
-            <a:off x="3076673" y="3860633"/>
-            <a:ext cx="3134722" cy="221764"/>
+            <a:off x="3058925" y="3590772"/>
+            <a:ext cx="3116639" cy="206262"/>
           </a:xfrm>
           <a:prstGeom prst="rect">
             <a:avLst/>
@@ -1481,8 +1481,8 @@
         </p:nvSpPr>
         <p:spPr>
           <a:xfrm>
-            <a:off x="6559697" y="3860633"/>
-            <a:ext cx="2089814" cy="221764"/>
+            <a:off x="6521857" y="3590772"/>
+            <a:ext cx="2077759" cy="206262"/>
           </a:xfrm>
           <a:prstGeom prst="rect">
             <a:avLst/>
@@ -1608,8 +1608,8 @@
         </p:nvSpPr>
         <p:spPr>
           <a:xfrm>
-            <a:off x="638555" y="221764"/>
-            <a:ext cx="8010957" cy="805102"/>
+            <a:off x="634877" y="206263"/>
+            <a:ext cx="7964746" cy="748825"/>
           </a:xfrm>
           <a:prstGeom prst="rect">
             <a:avLst/>
@@ -1747,8 +1747,8 @@
         </p:nvSpPr>
         <p:spPr>
           <a:xfrm rot="5400000">
-            <a:off x="3322607" y="-1575228"/>
-            <a:ext cx="2642855" cy="8010957"/>
+            <a:off x="3388191" y="-1721997"/>
+            <a:ext cx="2458117" cy="7964746"/>
           </a:xfrm>
           <a:prstGeom prst="rect">
             <a:avLst/>
@@ -1763,7 +1763,7 @@
             <a:normAutofit/>
           </a:bodyPr>
           <a:lstStyle>
-            <a:lvl1pPr marL="457192" lvl="0" indent="-317494" algn="l">
+            <a:lvl1pPr marL="457220" lvl="0" indent="-317514" algn="l">
               <a:lnSpc>
                 <a:spcPct val="90000"/>
               </a:lnSpc>
@@ -1780,12 +1780,12 @@
               <a:buChar char="•"/>
               <a:defRPr/>
             </a:lvl1pPr>
-            <a:lvl2pPr marL="914383" lvl="1" indent="-317494" algn="l">
+            <a:lvl2pPr marL="914439" lvl="1" indent="-317514" algn="l">
               <a:lnSpc>
                 <a:spcPct val="90000"/>
               </a:lnSpc>
               <a:spcBef>
-                <a:spcPts val="400"/>
+                <a:spcPts val="399"/>
               </a:spcBef>
               <a:spcAft>
                 <a:spcPts val="0"/>
@@ -1797,12 +1797,12 @@
               <a:buChar char="•"/>
               <a:defRPr/>
             </a:lvl2pPr>
-            <a:lvl3pPr marL="1371576" lvl="2" indent="-317494" algn="l">
+            <a:lvl3pPr marL="1371660" lvl="2" indent="-317514" algn="l">
               <a:lnSpc>
                 <a:spcPct val="90000"/>
               </a:lnSpc>
               <a:spcBef>
-                <a:spcPts val="400"/>
+                <a:spcPts val="399"/>
               </a:spcBef>
               <a:spcAft>
                 <a:spcPts val="0"/>
@@ -1814,12 +1814,12 @@
               <a:buChar char="•"/>
               <a:defRPr/>
             </a:lvl3pPr>
-            <a:lvl4pPr marL="1828768" lvl="3" indent="-317494" algn="l">
+            <a:lvl4pPr marL="1828881" lvl="3" indent="-317514" algn="l">
               <a:lnSpc>
                 <a:spcPct val="90000"/>
               </a:lnSpc>
               <a:spcBef>
-                <a:spcPts val="400"/>
+                <a:spcPts val="399"/>
               </a:spcBef>
               <a:spcAft>
                 <a:spcPts val="0"/>
@@ -1831,12 +1831,12 @@
               <a:buChar char="•"/>
               <a:defRPr/>
             </a:lvl4pPr>
-            <a:lvl5pPr marL="2285959" lvl="4" indent="-317494" algn="l">
+            <a:lvl5pPr marL="2286100" lvl="4" indent="-317514" algn="l">
               <a:lnSpc>
                 <a:spcPct val="90000"/>
               </a:lnSpc>
               <a:spcBef>
-                <a:spcPts val="400"/>
+                <a:spcPts val="399"/>
               </a:spcBef>
               <a:spcAft>
                 <a:spcPts val="0"/>
@@ -1848,12 +1848,12 @@
               <a:buChar char="•"/>
               <a:defRPr/>
             </a:lvl5pPr>
-            <a:lvl6pPr marL="2743151" lvl="5" indent="-317494" algn="l">
+            <a:lvl6pPr marL="2743320" lvl="5" indent="-317514" algn="l">
               <a:lnSpc>
                 <a:spcPct val="90000"/>
               </a:lnSpc>
               <a:spcBef>
-                <a:spcPts val="400"/>
+                <a:spcPts val="399"/>
               </a:spcBef>
               <a:spcAft>
                 <a:spcPts val="0"/>
@@ -1865,12 +1865,12 @@
               <a:buChar char="•"/>
               <a:defRPr/>
             </a:lvl6pPr>
-            <a:lvl7pPr marL="3200344" lvl="6" indent="-317494" algn="l">
+            <a:lvl7pPr marL="3200541" lvl="6" indent="-317514" algn="l">
               <a:lnSpc>
                 <a:spcPct val="90000"/>
               </a:lnSpc>
               <a:spcBef>
-                <a:spcPts val="400"/>
+                <a:spcPts val="399"/>
               </a:spcBef>
               <a:spcAft>
                 <a:spcPts val="0"/>
@@ -1882,12 +1882,12 @@
               <a:buChar char="•"/>
               <a:defRPr/>
             </a:lvl7pPr>
-            <a:lvl8pPr marL="3657535" lvl="7" indent="-317494" algn="l">
+            <a:lvl8pPr marL="3657761" lvl="7" indent="-317514" algn="l">
               <a:lnSpc>
                 <a:spcPct val="90000"/>
               </a:lnSpc>
               <a:spcBef>
-                <a:spcPts val="400"/>
+                <a:spcPts val="399"/>
               </a:spcBef>
               <a:spcAft>
                 <a:spcPts val="0"/>
@@ -1899,12 +1899,12 @@
               <a:buChar char="•"/>
               <a:defRPr/>
             </a:lvl8pPr>
-            <a:lvl9pPr marL="4114727" lvl="8" indent="-317494" algn="l">
+            <a:lvl9pPr marL="4114981" lvl="8" indent="-317514" algn="l">
               <a:lnSpc>
                 <a:spcPct val="90000"/>
               </a:lnSpc>
               <a:spcBef>
-                <a:spcPts val="400"/>
+                <a:spcPts val="399"/>
               </a:spcBef>
               <a:spcAft>
                 <a:spcPts val="0"/>
@@ -1934,8 +1934,8 @@
         </p:nvSpPr>
         <p:spPr>
           <a:xfrm>
-            <a:off x="638556" y="3860633"/>
-            <a:ext cx="2089814" cy="221764"/>
+            <a:off x="634872" y="3590772"/>
+            <a:ext cx="2077759" cy="206262"/>
           </a:xfrm>
           <a:prstGeom prst="rect">
             <a:avLst/>
@@ -2067,8 +2067,8 @@
         </p:nvSpPr>
         <p:spPr>
           <a:xfrm>
-            <a:off x="3076673" y="3860633"/>
-            <a:ext cx="3134722" cy="221764"/>
+            <a:off x="3058925" y="3590772"/>
+            <a:ext cx="3116639" cy="206262"/>
           </a:xfrm>
           <a:prstGeom prst="rect">
             <a:avLst/>
@@ -2200,8 +2200,8 @@
         </p:nvSpPr>
         <p:spPr>
           <a:xfrm>
-            <a:off x="6559697" y="3860633"/>
-            <a:ext cx="2089814" cy="221764"/>
+            <a:off x="6521857" y="3590772"/>
+            <a:ext cx="2077759" cy="206262"/>
           </a:xfrm>
           <a:prstGeom prst="rect">
             <a:avLst/>
@@ -2327,8 +2327,8 @@
         </p:nvSpPr>
         <p:spPr>
           <a:xfrm rot="5400000">
-            <a:off x="5883186" y="985354"/>
-            <a:ext cx="3529914" cy="2002739"/>
+            <a:off x="5962439" y="852263"/>
+            <a:ext cx="3283170" cy="1991186"/>
           </a:xfrm>
           <a:prstGeom prst="rect">
             <a:avLst/>
@@ -2466,8 +2466,8 @@
         </p:nvSpPr>
         <p:spPr>
           <a:xfrm rot="5400000">
-            <a:off x="1819659" y="-959336"/>
-            <a:ext cx="3529914" cy="5892116"/>
+            <a:off x="1922353" y="-1081215"/>
+            <a:ext cx="3283170" cy="5858127"/>
           </a:xfrm>
           <a:prstGeom prst="rect">
             <a:avLst/>
@@ -2482,7 +2482,7 @@
             <a:normAutofit/>
           </a:bodyPr>
           <a:lstStyle>
-            <a:lvl1pPr marL="457192" lvl="0" indent="-317494" algn="l">
+            <a:lvl1pPr marL="457220" lvl="0" indent="-317514" algn="l">
               <a:lnSpc>
                 <a:spcPct val="90000"/>
               </a:lnSpc>
@@ -2499,12 +2499,12 @@
               <a:buChar char="•"/>
               <a:defRPr/>
             </a:lvl1pPr>
-            <a:lvl2pPr marL="914383" lvl="1" indent="-317494" algn="l">
+            <a:lvl2pPr marL="914439" lvl="1" indent="-317514" algn="l">
               <a:lnSpc>
                 <a:spcPct val="90000"/>
               </a:lnSpc>
               <a:spcBef>
-                <a:spcPts val="400"/>
+                <a:spcPts val="399"/>
               </a:spcBef>
               <a:spcAft>
                 <a:spcPts val="0"/>
@@ -2516,12 +2516,12 @@
               <a:buChar char="•"/>
               <a:defRPr/>
             </a:lvl2pPr>
-            <a:lvl3pPr marL="1371576" lvl="2" indent="-317494" algn="l">
+            <a:lvl3pPr marL="1371660" lvl="2" indent="-317514" algn="l">
               <a:lnSpc>
                 <a:spcPct val="90000"/>
               </a:lnSpc>
               <a:spcBef>
-                <a:spcPts val="400"/>
+                <a:spcPts val="399"/>
               </a:spcBef>
               <a:spcAft>
                 <a:spcPts val="0"/>
@@ -2533,12 +2533,12 @@
               <a:buChar char="•"/>
               <a:defRPr/>
             </a:lvl3pPr>
-            <a:lvl4pPr marL="1828768" lvl="3" indent="-317494" algn="l">
+            <a:lvl4pPr marL="1828881" lvl="3" indent="-317514" algn="l">
               <a:lnSpc>
                 <a:spcPct val="90000"/>
               </a:lnSpc>
               <a:spcBef>
-                <a:spcPts val="400"/>
+                <a:spcPts val="399"/>
               </a:spcBef>
               <a:spcAft>
                 <a:spcPts val="0"/>
@@ -2550,12 +2550,12 @@
               <a:buChar char="•"/>
               <a:defRPr/>
             </a:lvl4pPr>
-            <a:lvl5pPr marL="2285959" lvl="4" indent="-317494" algn="l">
+            <a:lvl5pPr marL="2286100" lvl="4" indent="-317514" algn="l">
               <a:lnSpc>
                 <a:spcPct val="90000"/>
               </a:lnSpc>
               <a:spcBef>
-                <a:spcPts val="400"/>
+                <a:spcPts val="399"/>
               </a:spcBef>
               <a:spcAft>
                 <a:spcPts val="0"/>
@@ -2567,12 +2567,12 @@
               <a:buChar char="•"/>
               <a:defRPr/>
             </a:lvl5pPr>
-            <a:lvl6pPr marL="2743151" lvl="5" indent="-317494" algn="l">
+            <a:lvl6pPr marL="2743320" lvl="5" indent="-317514" algn="l">
               <a:lnSpc>
                 <a:spcPct val="90000"/>
               </a:lnSpc>
               <a:spcBef>
-                <a:spcPts val="400"/>
+                <a:spcPts val="399"/>
               </a:spcBef>
               <a:spcAft>
                 <a:spcPts val="0"/>
@@ -2584,12 +2584,12 @@
               <a:buChar char="•"/>
               <a:defRPr/>
             </a:lvl6pPr>
-            <a:lvl7pPr marL="3200344" lvl="6" indent="-317494" algn="l">
+            <a:lvl7pPr marL="3200541" lvl="6" indent="-317514" algn="l">
               <a:lnSpc>
                 <a:spcPct val="90000"/>
               </a:lnSpc>
               <a:spcBef>
-                <a:spcPts val="400"/>
+                <a:spcPts val="399"/>
               </a:spcBef>
               <a:spcAft>
                 <a:spcPts val="0"/>
@@ -2601,12 +2601,12 @@
               <a:buChar char="•"/>
               <a:defRPr/>
             </a:lvl7pPr>
-            <a:lvl8pPr marL="3657535" lvl="7" indent="-317494" algn="l">
+            <a:lvl8pPr marL="3657761" lvl="7" indent="-317514" algn="l">
               <a:lnSpc>
                 <a:spcPct val="90000"/>
               </a:lnSpc>
               <a:spcBef>
-                <a:spcPts val="400"/>
+                <a:spcPts val="399"/>
               </a:spcBef>
               <a:spcAft>
                 <a:spcPts val="0"/>
@@ -2618,12 +2618,12 @@
               <a:buChar char="•"/>
               <a:defRPr/>
             </a:lvl8pPr>
-            <a:lvl9pPr marL="4114727" lvl="8" indent="-317494" algn="l">
+            <a:lvl9pPr marL="4114981" lvl="8" indent="-317514" algn="l">
               <a:lnSpc>
                 <a:spcPct val="90000"/>
               </a:lnSpc>
               <a:spcBef>
-                <a:spcPts val="400"/>
+                <a:spcPts val="399"/>
               </a:spcBef>
               <a:spcAft>
                 <a:spcPts val="0"/>
@@ -2653,8 +2653,8 @@
         </p:nvSpPr>
         <p:spPr>
           <a:xfrm>
-            <a:off x="638556" y="3860633"/>
-            <a:ext cx="2089814" cy="221764"/>
+            <a:off x="634872" y="3590772"/>
+            <a:ext cx="2077759" cy="206262"/>
           </a:xfrm>
           <a:prstGeom prst="rect">
             <a:avLst/>
@@ -2786,8 +2786,8 @@
         </p:nvSpPr>
         <p:spPr>
           <a:xfrm>
-            <a:off x="3076673" y="3860633"/>
-            <a:ext cx="3134722" cy="221764"/>
+            <a:off x="3058925" y="3590772"/>
+            <a:ext cx="3116639" cy="206262"/>
           </a:xfrm>
           <a:prstGeom prst="rect">
             <a:avLst/>
@@ -2919,8 +2919,8 @@
         </p:nvSpPr>
         <p:spPr>
           <a:xfrm>
-            <a:off x="6559697" y="3860633"/>
-            <a:ext cx="2089814" cy="221764"/>
+            <a:off x="6521857" y="3590772"/>
+            <a:ext cx="2077759" cy="206262"/>
           </a:xfrm>
           <a:prstGeom prst="rect">
             <a:avLst/>
@@ -3046,8 +3046,8 @@
         </p:nvSpPr>
         <p:spPr>
           <a:xfrm>
-            <a:off x="1217691" y="1563280"/>
-            <a:ext cx="9953588" cy="2081565"/>
+            <a:off x="1210667" y="1454012"/>
+            <a:ext cx="9896170" cy="1936062"/>
           </a:xfrm>
           <a:prstGeom prst="rect">
             <a:avLst/>
@@ -3110,8 +3110,8 @@
         </p:nvSpPr>
         <p:spPr>
           <a:xfrm>
-            <a:off x="1217691" y="3706067"/>
-            <a:ext cx="9953588" cy="1192382"/>
+            <a:off x="1210667" y="3447010"/>
+            <a:ext cx="9896170" cy="1109033"/>
           </a:xfrm>
           <a:prstGeom prst="rect">
             <a:avLst/>
@@ -3174,8 +3174,8 @@
         </p:nvSpPr>
         <p:spPr>
           <a:xfrm>
-            <a:off x="621641" y="5936316"/>
-            <a:ext cx="2742540" cy="195410"/>
+            <a:off x="618055" y="5521364"/>
+            <a:ext cx="2726720" cy="181750"/>
           </a:xfrm>
           <a:prstGeom prst="rect">
             <a:avLst/>
@@ -3238,8 +3238,8 @@
         </p:nvSpPr>
         <p:spPr>
           <a:xfrm>
-            <a:off x="4180852" y="5936316"/>
-            <a:ext cx="4022391" cy="195410"/>
+            <a:off x="4156738" y="5521364"/>
+            <a:ext cx="3999188" cy="181750"/>
           </a:xfrm>
           <a:prstGeom prst="rect">
             <a:avLst/>
@@ -3302,8 +3302,8 @@
         </p:nvSpPr>
         <p:spPr>
           <a:xfrm>
-            <a:off x="9017468" y="5936316"/>
-            <a:ext cx="2742540" cy="195410"/>
+            <a:off x="8965452" y="5521364"/>
+            <a:ext cx="2726720" cy="181750"/>
           </a:xfrm>
           <a:prstGeom prst="rect">
             <a:avLst/>
@@ -3396,8 +3396,8 @@
         </p:nvSpPr>
         <p:spPr>
           <a:xfrm>
-            <a:off x="638555" y="221764"/>
-            <a:ext cx="8010957" cy="805102"/>
+            <a:off x="634877" y="206263"/>
+            <a:ext cx="7964746" cy="748825"/>
           </a:xfrm>
           <a:prstGeom prst="rect">
             <a:avLst/>
@@ -3535,8 +3535,8 @@
         </p:nvSpPr>
         <p:spPr>
           <a:xfrm>
-            <a:off x="638555" y="1108824"/>
-            <a:ext cx="8010957" cy="2642855"/>
+            <a:off x="634877" y="1031322"/>
+            <a:ext cx="7964746" cy="2458117"/>
           </a:xfrm>
           <a:prstGeom prst="rect">
             <a:avLst/>
@@ -3551,7 +3551,7 @@
             <a:normAutofit/>
           </a:bodyPr>
           <a:lstStyle>
-            <a:lvl1pPr marL="457192" lvl="0" indent="-317494" algn="l">
+            <a:lvl1pPr marL="457220" lvl="0" indent="-317514" algn="l">
               <a:lnSpc>
                 <a:spcPct val="90000"/>
               </a:lnSpc>
@@ -3568,12 +3568,12 @@
               <a:buChar char="•"/>
               <a:defRPr/>
             </a:lvl1pPr>
-            <a:lvl2pPr marL="914383" lvl="1" indent="-317494" algn="l">
+            <a:lvl2pPr marL="914439" lvl="1" indent="-317514" algn="l">
               <a:lnSpc>
                 <a:spcPct val="90000"/>
               </a:lnSpc>
               <a:spcBef>
-                <a:spcPts val="400"/>
+                <a:spcPts val="399"/>
               </a:spcBef>
               <a:spcAft>
                 <a:spcPts val="0"/>
@@ -3585,12 +3585,12 @@
               <a:buChar char="•"/>
               <a:defRPr/>
             </a:lvl2pPr>
-            <a:lvl3pPr marL="1371576" lvl="2" indent="-317494" algn="l">
+            <a:lvl3pPr marL="1371660" lvl="2" indent="-317514" algn="l">
               <a:lnSpc>
                 <a:spcPct val="90000"/>
               </a:lnSpc>
               <a:spcBef>
-                <a:spcPts val="400"/>
+                <a:spcPts val="399"/>
               </a:spcBef>
               <a:spcAft>
                 <a:spcPts val="0"/>
@@ -3602,12 +3602,12 @@
               <a:buChar char="•"/>
               <a:defRPr/>
             </a:lvl3pPr>
-            <a:lvl4pPr marL="1828768" lvl="3" indent="-317494" algn="l">
+            <a:lvl4pPr marL="1828881" lvl="3" indent="-317514" algn="l">
               <a:lnSpc>
                 <a:spcPct val="90000"/>
               </a:lnSpc>
               <a:spcBef>
-                <a:spcPts val="400"/>
+                <a:spcPts val="399"/>
               </a:spcBef>
               <a:spcAft>
                 <a:spcPts val="0"/>
@@ -3619,12 +3619,12 @@
               <a:buChar char="•"/>
               <a:defRPr/>
             </a:lvl4pPr>
-            <a:lvl5pPr marL="2285959" lvl="4" indent="-317494" algn="l">
+            <a:lvl5pPr marL="2286100" lvl="4" indent="-317514" algn="l">
               <a:lnSpc>
                 <a:spcPct val="90000"/>
               </a:lnSpc>
               <a:spcBef>
-                <a:spcPts val="400"/>
+                <a:spcPts val="399"/>
               </a:spcBef>
               <a:spcAft>
                 <a:spcPts val="0"/>
@@ -3636,12 +3636,12 @@
               <a:buChar char="•"/>
               <a:defRPr/>
             </a:lvl5pPr>
-            <a:lvl6pPr marL="2743151" lvl="5" indent="-317494" algn="l">
+            <a:lvl6pPr marL="2743320" lvl="5" indent="-317514" algn="l">
               <a:lnSpc>
                 <a:spcPct val="90000"/>
               </a:lnSpc>
               <a:spcBef>
-                <a:spcPts val="400"/>
+                <a:spcPts val="399"/>
               </a:spcBef>
               <a:spcAft>
                 <a:spcPts val="0"/>
@@ -3653,12 +3653,12 @@
               <a:buChar char="•"/>
               <a:defRPr/>
             </a:lvl6pPr>
-            <a:lvl7pPr marL="3200344" lvl="6" indent="-317494" algn="l">
+            <a:lvl7pPr marL="3200541" lvl="6" indent="-317514" algn="l">
               <a:lnSpc>
                 <a:spcPct val="90000"/>
               </a:lnSpc>
               <a:spcBef>
-                <a:spcPts val="400"/>
+                <a:spcPts val="399"/>
               </a:spcBef>
               <a:spcAft>
                 <a:spcPts val="0"/>
@@ -3670,12 +3670,12 @@
               <a:buChar char="•"/>
               <a:defRPr/>
             </a:lvl7pPr>
-            <a:lvl8pPr marL="3657535" lvl="7" indent="-317494" algn="l">
+            <a:lvl8pPr marL="3657761" lvl="7" indent="-317514" algn="l">
               <a:lnSpc>
                 <a:spcPct val="90000"/>
               </a:lnSpc>
               <a:spcBef>
-                <a:spcPts val="400"/>
+                <a:spcPts val="399"/>
               </a:spcBef>
               <a:spcAft>
                 <a:spcPts val="0"/>
@@ -3687,12 +3687,12 @@
               <a:buChar char="•"/>
               <a:defRPr/>
             </a:lvl8pPr>
-            <a:lvl9pPr marL="4114727" lvl="8" indent="-317494" algn="l">
+            <a:lvl9pPr marL="4114981" lvl="8" indent="-317514" algn="l">
               <a:lnSpc>
                 <a:spcPct val="90000"/>
               </a:lnSpc>
               <a:spcBef>
-                <a:spcPts val="400"/>
+                <a:spcPts val="399"/>
               </a:spcBef>
               <a:spcAft>
                 <a:spcPts val="0"/>
@@ -3722,8 +3722,8 @@
         </p:nvSpPr>
         <p:spPr>
           <a:xfrm>
-            <a:off x="638556" y="3860633"/>
-            <a:ext cx="2089814" cy="221764"/>
+            <a:off x="634872" y="3590772"/>
+            <a:ext cx="2077759" cy="206262"/>
           </a:xfrm>
           <a:prstGeom prst="rect">
             <a:avLst/>
@@ -3855,8 +3855,8 @@
         </p:nvSpPr>
         <p:spPr>
           <a:xfrm>
-            <a:off x="3076673" y="3860633"/>
-            <a:ext cx="3134722" cy="221764"/>
+            <a:off x="3058925" y="3590772"/>
+            <a:ext cx="3116639" cy="206262"/>
           </a:xfrm>
           <a:prstGeom prst="rect">
             <a:avLst/>
@@ -3988,8 +3988,8 @@
         </p:nvSpPr>
         <p:spPr>
           <a:xfrm>
-            <a:off x="6559697" y="3860633"/>
-            <a:ext cx="2089814" cy="221764"/>
+            <a:off x="6521857" y="3590772"/>
+            <a:ext cx="2077759" cy="206262"/>
           </a:xfrm>
           <a:prstGeom prst="rect">
             <a:avLst/>
@@ -4115,8 +4115,8 @@
         </p:nvSpPr>
         <p:spPr>
           <a:xfrm>
-            <a:off x="633718" y="1038441"/>
-            <a:ext cx="8010957" cy="1732656"/>
+            <a:off x="630068" y="965853"/>
+            <a:ext cx="7964746" cy="1611542"/>
           </a:xfrm>
           <a:prstGeom prst="rect">
             <a:avLst/>
@@ -4255,8 +4255,8 @@
         </p:nvSpPr>
         <p:spPr>
           <a:xfrm>
-            <a:off x="633718" y="2787485"/>
-            <a:ext cx="8010957" cy="911163"/>
+            <a:off x="630068" y="2592643"/>
+            <a:ext cx="7964746" cy="847472"/>
           </a:xfrm>
           <a:prstGeom prst="rect">
             <a:avLst/>
@@ -4271,7 +4271,7 @@
             <a:normAutofit/>
           </a:bodyPr>
           <a:lstStyle>
-            <a:lvl1pPr marL="457192" lvl="0" indent="-228596" algn="l">
+            <a:lvl1pPr marL="457220" lvl="0" indent="-228610" algn="l">
               <a:lnSpc>
                 <a:spcPct val="90000"/>
               </a:lnSpc>
@@ -4292,12 +4292,12 @@
                 </a:solidFill>
               </a:defRPr>
             </a:lvl1pPr>
-            <a:lvl2pPr marL="914383" lvl="1" indent="-228596" algn="l">
+            <a:lvl2pPr marL="914439" lvl="1" indent="-228610" algn="l">
               <a:lnSpc>
                 <a:spcPct val="90000"/>
               </a:lnSpc>
               <a:spcBef>
-                <a:spcPts val="400"/>
+                <a:spcPts val="399"/>
               </a:spcBef>
               <a:spcAft>
                 <a:spcPts val="0"/>
@@ -4313,12 +4313,12 @@
                 </a:solidFill>
               </a:defRPr>
             </a:lvl2pPr>
-            <a:lvl3pPr marL="1371576" lvl="2" indent="-228596" algn="l">
+            <a:lvl3pPr marL="1371660" lvl="2" indent="-228610" algn="l">
               <a:lnSpc>
                 <a:spcPct val="90000"/>
               </a:lnSpc>
               <a:spcBef>
-                <a:spcPts val="400"/>
+                <a:spcPts val="399"/>
               </a:spcBef>
               <a:spcAft>
                 <a:spcPts val="0"/>
@@ -4334,12 +4334,12 @@
                 </a:solidFill>
               </a:defRPr>
             </a:lvl3pPr>
-            <a:lvl4pPr marL="1828768" lvl="3" indent="-228596" algn="l">
+            <a:lvl4pPr marL="1828881" lvl="3" indent="-228610" algn="l">
               <a:lnSpc>
                 <a:spcPct val="90000"/>
               </a:lnSpc>
               <a:spcBef>
-                <a:spcPts val="400"/>
+                <a:spcPts val="399"/>
               </a:spcBef>
               <a:spcAft>
                 <a:spcPts val="0"/>
@@ -4355,12 +4355,12 @@
                 </a:solidFill>
               </a:defRPr>
             </a:lvl4pPr>
-            <a:lvl5pPr marL="2285959" lvl="4" indent="-228596" algn="l">
+            <a:lvl5pPr marL="2286100" lvl="4" indent="-228610" algn="l">
               <a:lnSpc>
                 <a:spcPct val="90000"/>
               </a:lnSpc>
               <a:spcBef>
-                <a:spcPts val="400"/>
+                <a:spcPts val="399"/>
               </a:spcBef>
               <a:spcAft>
                 <a:spcPts val="0"/>
@@ -4376,12 +4376,12 @@
                 </a:solidFill>
               </a:defRPr>
             </a:lvl5pPr>
-            <a:lvl6pPr marL="2743151" lvl="5" indent="-228596" algn="l">
+            <a:lvl6pPr marL="2743320" lvl="5" indent="-228610" algn="l">
               <a:lnSpc>
                 <a:spcPct val="90000"/>
               </a:lnSpc>
               <a:spcBef>
-                <a:spcPts val="400"/>
+                <a:spcPts val="399"/>
               </a:spcBef>
               <a:spcAft>
                 <a:spcPts val="0"/>
@@ -4397,12 +4397,12 @@
                 </a:solidFill>
               </a:defRPr>
             </a:lvl6pPr>
-            <a:lvl7pPr marL="3200344" lvl="6" indent="-228596" algn="l">
+            <a:lvl7pPr marL="3200541" lvl="6" indent="-228610" algn="l">
               <a:lnSpc>
                 <a:spcPct val="90000"/>
               </a:lnSpc>
               <a:spcBef>
-                <a:spcPts val="400"/>
+                <a:spcPts val="399"/>
               </a:spcBef>
               <a:spcAft>
                 <a:spcPts val="0"/>
@@ -4418,12 +4418,12 @@
                 </a:solidFill>
               </a:defRPr>
             </a:lvl7pPr>
-            <a:lvl8pPr marL="3657535" lvl="7" indent="-228596" algn="l">
+            <a:lvl8pPr marL="3657761" lvl="7" indent="-228610" algn="l">
               <a:lnSpc>
                 <a:spcPct val="90000"/>
               </a:lnSpc>
               <a:spcBef>
-                <a:spcPts val="400"/>
+                <a:spcPts val="399"/>
               </a:spcBef>
               <a:spcAft>
                 <a:spcPts val="0"/>
@@ -4439,12 +4439,12 @@
                 </a:solidFill>
               </a:defRPr>
             </a:lvl8pPr>
-            <a:lvl9pPr marL="4114727" lvl="8" indent="-228596" algn="l">
+            <a:lvl9pPr marL="4114981" lvl="8" indent="-228610" algn="l">
               <a:lnSpc>
                 <a:spcPct val="90000"/>
               </a:lnSpc>
               <a:spcBef>
-                <a:spcPts val="400"/>
+                <a:spcPts val="399"/>
               </a:spcBef>
               <a:spcAft>
                 <a:spcPts val="0"/>
@@ -4478,8 +4478,8 @@
         </p:nvSpPr>
         <p:spPr>
           <a:xfrm>
-            <a:off x="638556" y="3860633"/>
-            <a:ext cx="2089814" cy="221764"/>
+            <a:off x="634872" y="3590772"/>
+            <a:ext cx="2077759" cy="206262"/>
           </a:xfrm>
           <a:prstGeom prst="rect">
             <a:avLst/>
@@ -4611,8 +4611,8 @@
         </p:nvSpPr>
         <p:spPr>
           <a:xfrm>
-            <a:off x="3076673" y="3860633"/>
-            <a:ext cx="3134722" cy="221764"/>
+            <a:off x="3058925" y="3590772"/>
+            <a:ext cx="3116639" cy="206262"/>
           </a:xfrm>
           <a:prstGeom prst="rect">
             <a:avLst/>
@@ -4744,8 +4744,8 @@
         </p:nvSpPr>
         <p:spPr>
           <a:xfrm>
-            <a:off x="6559697" y="3860633"/>
-            <a:ext cx="2089814" cy="221764"/>
+            <a:off x="6521857" y="3590772"/>
+            <a:ext cx="2077759" cy="206262"/>
           </a:xfrm>
           <a:prstGeom prst="rect">
             <a:avLst/>
@@ -4871,8 +4871,8 @@
         </p:nvSpPr>
         <p:spPr>
           <a:xfrm>
-            <a:off x="638555" y="221764"/>
-            <a:ext cx="8010957" cy="805102"/>
+            <a:off x="634877" y="206263"/>
+            <a:ext cx="7964746" cy="748825"/>
           </a:xfrm>
           <a:prstGeom prst="rect">
             <a:avLst/>
@@ -5010,8 +5010,8 @@
         </p:nvSpPr>
         <p:spPr>
           <a:xfrm>
-            <a:off x="638557" y="1108824"/>
-            <a:ext cx="3947428" cy="2642855"/>
+            <a:off x="634874" y="1031322"/>
+            <a:ext cx="3924657" cy="2458117"/>
           </a:xfrm>
           <a:prstGeom prst="rect">
             <a:avLst/>
@@ -5026,7 +5026,7 @@
             <a:normAutofit/>
           </a:bodyPr>
           <a:lstStyle>
-            <a:lvl1pPr marL="457192" lvl="0" indent="-317494" algn="l">
+            <a:lvl1pPr marL="457220" lvl="0" indent="-317514" algn="l">
               <a:lnSpc>
                 <a:spcPct val="90000"/>
               </a:lnSpc>
@@ -5043,12 +5043,12 @@
               <a:buChar char="•"/>
               <a:defRPr/>
             </a:lvl1pPr>
-            <a:lvl2pPr marL="914383" lvl="1" indent="-317494" algn="l">
+            <a:lvl2pPr marL="914439" lvl="1" indent="-317514" algn="l">
               <a:lnSpc>
                 <a:spcPct val="90000"/>
               </a:lnSpc>
               <a:spcBef>
-                <a:spcPts val="400"/>
+                <a:spcPts val="399"/>
               </a:spcBef>
               <a:spcAft>
                 <a:spcPts val="0"/>
@@ -5060,12 +5060,12 @@
               <a:buChar char="•"/>
               <a:defRPr/>
             </a:lvl2pPr>
-            <a:lvl3pPr marL="1371576" lvl="2" indent="-317494" algn="l">
+            <a:lvl3pPr marL="1371660" lvl="2" indent="-317514" algn="l">
               <a:lnSpc>
                 <a:spcPct val="90000"/>
               </a:lnSpc>
               <a:spcBef>
-                <a:spcPts val="400"/>
+                <a:spcPts val="399"/>
               </a:spcBef>
               <a:spcAft>
                 <a:spcPts val="0"/>
@@ -5077,12 +5077,12 @@
               <a:buChar char="•"/>
               <a:defRPr/>
             </a:lvl3pPr>
-            <a:lvl4pPr marL="1828768" lvl="3" indent="-317494" algn="l">
+            <a:lvl4pPr marL="1828881" lvl="3" indent="-317514" algn="l">
               <a:lnSpc>
                 <a:spcPct val="90000"/>
               </a:lnSpc>
               <a:spcBef>
-                <a:spcPts val="400"/>
+                <a:spcPts val="399"/>
               </a:spcBef>
               <a:spcAft>
                 <a:spcPts val="0"/>
@@ -5094,12 +5094,12 @@
               <a:buChar char="•"/>
               <a:defRPr/>
             </a:lvl4pPr>
-            <a:lvl5pPr marL="2285959" lvl="4" indent="-317494" algn="l">
+            <a:lvl5pPr marL="2286100" lvl="4" indent="-317514" algn="l">
               <a:lnSpc>
                 <a:spcPct val="90000"/>
               </a:lnSpc>
               <a:spcBef>
-                <a:spcPts val="400"/>
+                <a:spcPts val="399"/>
               </a:spcBef>
               <a:spcAft>
                 <a:spcPts val="0"/>
@@ -5111,12 +5111,12 @@
               <a:buChar char="•"/>
               <a:defRPr/>
             </a:lvl5pPr>
-            <a:lvl6pPr marL="2743151" lvl="5" indent="-317494" algn="l">
+            <a:lvl6pPr marL="2743320" lvl="5" indent="-317514" algn="l">
               <a:lnSpc>
                 <a:spcPct val="90000"/>
               </a:lnSpc>
               <a:spcBef>
-                <a:spcPts val="400"/>
+                <a:spcPts val="399"/>
               </a:spcBef>
               <a:spcAft>
                 <a:spcPts val="0"/>
@@ -5128,12 +5128,12 @@
               <a:buChar char="•"/>
               <a:defRPr/>
             </a:lvl6pPr>
-            <a:lvl7pPr marL="3200344" lvl="6" indent="-317494" algn="l">
+            <a:lvl7pPr marL="3200541" lvl="6" indent="-317514" algn="l">
               <a:lnSpc>
                 <a:spcPct val="90000"/>
               </a:lnSpc>
               <a:spcBef>
-                <a:spcPts val="400"/>
+                <a:spcPts val="399"/>
               </a:spcBef>
               <a:spcAft>
                 <a:spcPts val="0"/>
@@ -5145,12 +5145,12 @@
               <a:buChar char="•"/>
               <a:defRPr/>
             </a:lvl7pPr>
-            <a:lvl8pPr marL="3657535" lvl="7" indent="-317494" algn="l">
+            <a:lvl8pPr marL="3657761" lvl="7" indent="-317514" algn="l">
               <a:lnSpc>
                 <a:spcPct val="90000"/>
               </a:lnSpc>
               <a:spcBef>
-                <a:spcPts val="400"/>
+                <a:spcPts val="399"/>
               </a:spcBef>
               <a:spcAft>
                 <a:spcPts val="0"/>
@@ -5162,12 +5162,12 @@
               <a:buChar char="•"/>
               <a:defRPr/>
             </a:lvl8pPr>
-            <a:lvl9pPr marL="4114727" lvl="8" indent="-317494" algn="l">
+            <a:lvl9pPr marL="4114981" lvl="8" indent="-317514" algn="l">
               <a:lnSpc>
                 <a:spcPct val="90000"/>
               </a:lnSpc>
               <a:spcBef>
-                <a:spcPts val="400"/>
+                <a:spcPts val="399"/>
               </a:spcBef>
               <a:spcAft>
                 <a:spcPts val="0"/>
@@ -5197,8 +5197,8 @@
         </p:nvSpPr>
         <p:spPr>
           <a:xfrm>
-            <a:off x="4702086" y="1108824"/>
-            <a:ext cx="3947428" cy="2642855"/>
+            <a:off x="4674962" y="1031322"/>
+            <a:ext cx="3924657" cy="2458117"/>
           </a:xfrm>
           <a:prstGeom prst="rect">
             <a:avLst/>
@@ -5213,7 +5213,7 @@
             <a:normAutofit/>
           </a:bodyPr>
           <a:lstStyle>
-            <a:lvl1pPr marL="457192" lvl="0" indent="-317494" algn="l">
+            <a:lvl1pPr marL="457220" lvl="0" indent="-317514" algn="l">
               <a:lnSpc>
                 <a:spcPct val="90000"/>
               </a:lnSpc>
@@ -5230,12 +5230,12 @@
               <a:buChar char="•"/>
               <a:defRPr/>
             </a:lvl1pPr>
-            <a:lvl2pPr marL="914383" lvl="1" indent="-317494" algn="l">
+            <a:lvl2pPr marL="914439" lvl="1" indent="-317514" algn="l">
               <a:lnSpc>
                 <a:spcPct val="90000"/>
               </a:lnSpc>
               <a:spcBef>
-                <a:spcPts val="400"/>
+                <a:spcPts val="399"/>
               </a:spcBef>
               <a:spcAft>
                 <a:spcPts val="0"/>
@@ -5247,12 +5247,12 @@
               <a:buChar char="•"/>
               <a:defRPr/>
             </a:lvl2pPr>
-            <a:lvl3pPr marL="1371576" lvl="2" indent="-317494" algn="l">
+            <a:lvl3pPr marL="1371660" lvl="2" indent="-317514" algn="l">
               <a:lnSpc>
                 <a:spcPct val="90000"/>
               </a:lnSpc>
               <a:spcBef>
-                <a:spcPts val="400"/>
+                <a:spcPts val="399"/>
               </a:spcBef>
               <a:spcAft>
                 <a:spcPts val="0"/>
@@ -5264,12 +5264,12 @@
               <a:buChar char="•"/>
               <a:defRPr/>
             </a:lvl3pPr>
-            <a:lvl4pPr marL="1828768" lvl="3" indent="-317494" algn="l">
+            <a:lvl4pPr marL="1828881" lvl="3" indent="-317514" algn="l">
               <a:lnSpc>
                 <a:spcPct val="90000"/>
               </a:lnSpc>
               <a:spcBef>
-                <a:spcPts val="400"/>
+                <a:spcPts val="399"/>
               </a:spcBef>
               <a:spcAft>
                 <a:spcPts val="0"/>
@@ -5281,12 +5281,12 @@
               <a:buChar char="•"/>
               <a:defRPr/>
             </a:lvl4pPr>
-            <a:lvl5pPr marL="2285959" lvl="4" indent="-317494" algn="l">
+            <a:lvl5pPr marL="2286100" lvl="4" indent="-317514" algn="l">
               <a:lnSpc>
                 <a:spcPct val="90000"/>
               </a:lnSpc>
               <a:spcBef>
-                <a:spcPts val="400"/>
+                <a:spcPts val="399"/>
               </a:spcBef>
               <a:spcAft>
                 <a:spcPts val="0"/>
@@ -5298,12 +5298,12 @@
               <a:buChar char="•"/>
               <a:defRPr/>
             </a:lvl5pPr>
-            <a:lvl6pPr marL="2743151" lvl="5" indent="-317494" algn="l">
+            <a:lvl6pPr marL="2743320" lvl="5" indent="-317514" algn="l">
               <a:lnSpc>
                 <a:spcPct val="90000"/>
               </a:lnSpc>
               <a:spcBef>
-                <a:spcPts val="400"/>
+                <a:spcPts val="399"/>
               </a:spcBef>
               <a:spcAft>
                 <a:spcPts val="0"/>
@@ -5315,12 +5315,12 @@
               <a:buChar char="•"/>
               <a:defRPr/>
             </a:lvl6pPr>
-            <a:lvl7pPr marL="3200344" lvl="6" indent="-317494" algn="l">
+            <a:lvl7pPr marL="3200541" lvl="6" indent="-317514" algn="l">
               <a:lnSpc>
                 <a:spcPct val="90000"/>
               </a:lnSpc>
               <a:spcBef>
-                <a:spcPts val="400"/>
+                <a:spcPts val="399"/>
               </a:spcBef>
               <a:spcAft>
                 <a:spcPts val="0"/>
@@ -5332,12 +5332,12 @@
               <a:buChar char="•"/>
               <a:defRPr/>
             </a:lvl7pPr>
-            <a:lvl8pPr marL="3657535" lvl="7" indent="-317494" algn="l">
+            <a:lvl8pPr marL="3657761" lvl="7" indent="-317514" algn="l">
               <a:lnSpc>
                 <a:spcPct val="90000"/>
               </a:lnSpc>
               <a:spcBef>
-                <a:spcPts val="400"/>
+                <a:spcPts val="399"/>
               </a:spcBef>
               <a:spcAft>
                 <a:spcPts val="0"/>
@@ -5349,12 +5349,12 @@
               <a:buChar char="•"/>
               <a:defRPr/>
             </a:lvl8pPr>
-            <a:lvl9pPr marL="4114727" lvl="8" indent="-317494" algn="l">
+            <a:lvl9pPr marL="4114981" lvl="8" indent="-317514" algn="l">
               <a:lnSpc>
                 <a:spcPct val="90000"/>
               </a:lnSpc>
               <a:spcBef>
-                <a:spcPts val="400"/>
+                <a:spcPts val="399"/>
               </a:spcBef>
               <a:spcAft>
                 <a:spcPts val="0"/>
@@ -5384,8 +5384,8 @@
         </p:nvSpPr>
         <p:spPr>
           <a:xfrm>
-            <a:off x="638556" y="3860633"/>
-            <a:ext cx="2089814" cy="221764"/>
+            <a:off x="634872" y="3590772"/>
+            <a:ext cx="2077759" cy="206262"/>
           </a:xfrm>
           <a:prstGeom prst="rect">
             <a:avLst/>
@@ -5517,8 +5517,8 @@
         </p:nvSpPr>
         <p:spPr>
           <a:xfrm>
-            <a:off x="3076673" y="3860633"/>
-            <a:ext cx="3134722" cy="221764"/>
+            <a:off x="3058925" y="3590772"/>
+            <a:ext cx="3116639" cy="206262"/>
           </a:xfrm>
           <a:prstGeom prst="rect">
             <a:avLst/>
@@ -5650,8 +5650,8 @@
         </p:nvSpPr>
         <p:spPr>
           <a:xfrm>
-            <a:off x="6559697" y="3860633"/>
-            <a:ext cx="2089814" cy="221764"/>
+            <a:off x="6521857" y="3590772"/>
+            <a:ext cx="2077759" cy="206262"/>
           </a:xfrm>
           <a:prstGeom prst="rect">
             <a:avLst/>
@@ -5777,8 +5777,8 @@
         </p:nvSpPr>
         <p:spPr>
           <a:xfrm>
-            <a:off x="639764" y="221764"/>
-            <a:ext cx="8010957" cy="805102"/>
+            <a:off x="636077" y="206263"/>
+            <a:ext cx="7964746" cy="748825"/>
           </a:xfrm>
           <a:prstGeom prst="rect">
             <a:avLst/>
@@ -5916,8 +5916,8 @@
         </p:nvSpPr>
         <p:spPr>
           <a:xfrm>
-            <a:off x="639765" y="1021081"/>
-            <a:ext cx="3929287" cy="500416"/>
+            <a:off x="636078" y="949707"/>
+            <a:ext cx="3906621" cy="465438"/>
           </a:xfrm>
           <a:prstGeom prst="rect">
             <a:avLst/>
@@ -5932,7 +5932,7 @@
             <a:normAutofit/>
           </a:bodyPr>
           <a:lstStyle>
-            <a:lvl1pPr marL="457192" lvl="0" indent="-228596" algn="l">
+            <a:lvl1pPr marL="457220" lvl="0" indent="-228610" algn="l">
               <a:lnSpc>
                 <a:spcPct val="90000"/>
               </a:lnSpc>
@@ -5949,12 +5949,12 @@
               <a:buNone/>
               <a:defRPr sz="1800" b="1"/>
             </a:lvl1pPr>
-            <a:lvl2pPr marL="914383" lvl="1" indent="-228596" algn="l">
+            <a:lvl2pPr marL="914439" lvl="1" indent="-228610" algn="l">
               <a:lnSpc>
                 <a:spcPct val="90000"/>
               </a:lnSpc>
               <a:spcBef>
-                <a:spcPts val="400"/>
+                <a:spcPts val="399"/>
               </a:spcBef>
               <a:spcAft>
                 <a:spcPts val="0"/>
@@ -5966,12 +5966,12 @@
               <a:buNone/>
               <a:defRPr sz="1500" b="1"/>
             </a:lvl2pPr>
-            <a:lvl3pPr marL="1371576" lvl="2" indent="-228596" algn="l">
+            <a:lvl3pPr marL="1371660" lvl="2" indent="-228610" algn="l">
               <a:lnSpc>
                 <a:spcPct val="90000"/>
               </a:lnSpc>
               <a:spcBef>
-                <a:spcPts val="400"/>
+                <a:spcPts val="399"/>
               </a:spcBef>
               <a:spcAft>
                 <a:spcPts val="0"/>
@@ -5983,12 +5983,12 @@
               <a:buNone/>
               <a:defRPr sz="1400" b="1"/>
             </a:lvl3pPr>
-            <a:lvl4pPr marL="1828768" lvl="3" indent="-228596" algn="l">
+            <a:lvl4pPr marL="1828881" lvl="3" indent="-228610" algn="l">
               <a:lnSpc>
                 <a:spcPct val="90000"/>
               </a:lnSpc>
               <a:spcBef>
-                <a:spcPts val="400"/>
+                <a:spcPts val="399"/>
               </a:spcBef>
               <a:spcAft>
                 <a:spcPts val="0"/>
@@ -6000,12 +6000,12 @@
               <a:buNone/>
               <a:defRPr sz="1200" b="1"/>
             </a:lvl4pPr>
-            <a:lvl5pPr marL="2285959" lvl="4" indent="-228596" algn="l">
+            <a:lvl5pPr marL="2286100" lvl="4" indent="-228610" algn="l">
               <a:lnSpc>
                 <a:spcPct val="90000"/>
               </a:lnSpc>
               <a:spcBef>
-                <a:spcPts val="400"/>
+                <a:spcPts val="399"/>
               </a:spcBef>
               <a:spcAft>
                 <a:spcPts val="0"/>
@@ -6017,12 +6017,12 @@
               <a:buNone/>
               <a:defRPr sz="1200" b="1"/>
             </a:lvl5pPr>
-            <a:lvl6pPr marL="2743151" lvl="5" indent="-228596" algn="l">
+            <a:lvl6pPr marL="2743320" lvl="5" indent="-228610" algn="l">
               <a:lnSpc>
                 <a:spcPct val="90000"/>
               </a:lnSpc>
               <a:spcBef>
-                <a:spcPts val="400"/>
+                <a:spcPts val="399"/>
               </a:spcBef>
               <a:spcAft>
                 <a:spcPts val="0"/>
@@ -6034,12 +6034,12 @@
               <a:buNone/>
               <a:defRPr sz="1200" b="1"/>
             </a:lvl6pPr>
-            <a:lvl7pPr marL="3200344" lvl="6" indent="-228596" algn="l">
+            <a:lvl7pPr marL="3200541" lvl="6" indent="-228610" algn="l">
               <a:lnSpc>
                 <a:spcPct val="90000"/>
               </a:lnSpc>
               <a:spcBef>
-                <a:spcPts val="400"/>
+                <a:spcPts val="399"/>
               </a:spcBef>
               <a:spcAft>
                 <a:spcPts val="0"/>
@@ -6051,12 +6051,12 @@
               <a:buNone/>
               <a:defRPr sz="1200" b="1"/>
             </a:lvl7pPr>
-            <a:lvl8pPr marL="3657535" lvl="7" indent="-228596" algn="l">
+            <a:lvl8pPr marL="3657761" lvl="7" indent="-228610" algn="l">
               <a:lnSpc>
                 <a:spcPct val="90000"/>
               </a:lnSpc>
               <a:spcBef>
-                <a:spcPts val="400"/>
+                <a:spcPts val="399"/>
               </a:spcBef>
               <a:spcAft>
                 <a:spcPts val="0"/>
@@ -6068,12 +6068,12 @@
               <a:buNone/>
               <a:defRPr sz="1200" b="1"/>
             </a:lvl8pPr>
-            <a:lvl9pPr marL="4114727" lvl="8" indent="-228596" algn="l">
+            <a:lvl9pPr marL="4114981" lvl="8" indent="-228610" algn="l">
               <a:lnSpc>
                 <a:spcPct val="90000"/>
               </a:lnSpc>
               <a:spcBef>
-                <a:spcPts val="400"/>
+                <a:spcPts val="399"/>
               </a:spcBef>
               <a:spcAft>
                 <a:spcPts val="0"/>
@@ -6103,8 +6103,8 @@
         </p:nvSpPr>
         <p:spPr>
           <a:xfrm>
-            <a:off x="639765" y="1521500"/>
-            <a:ext cx="3929287" cy="2237894"/>
+            <a:off x="636078" y="1415147"/>
+            <a:ext cx="3906621" cy="2081463"/>
           </a:xfrm>
           <a:prstGeom prst="rect">
             <a:avLst/>
@@ -6119,7 +6119,7 @@
             <a:normAutofit/>
           </a:bodyPr>
           <a:lstStyle>
-            <a:lvl1pPr marL="457192" lvl="0" indent="-317494" algn="l">
+            <a:lvl1pPr marL="457220" lvl="0" indent="-317514" algn="l">
               <a:lnSpc>
                 <a:spcPct val="90000"/>
               </a:lnSpc>
@@ -6136,12 +6136,12 @@
               <a:buChar char="•"/>
               <a:defRPr/>
             </a:lvl1pPr>
-            <a:lvl2pPr marL="914383" lvl="1" indent="-317494" algn="l">
+            <a:lvl2pPr marL="914439" lvl="1" indent="-317514" algn="l">
               <a:lnSpc>
                 <a:spcPct val="90000"/>
               </a:lnSpc>
               <a:spcBef>
-                <a:spcPts val="400"/>
+                <a:spcPts val="399"/>
               </a:spcBef>
               <a:spcAft>
                 <a:spcPts val="0"/>
@@ -6153,12 +6153,12 @@
               <a:buChar char="•"/>
               <a:defRPr/>
             </a:lvl2pPr>
-            <a:lvl3pPr marL="1371576" lvl="2" indent="-317494" algn="l">
+            <a:lvl3pPr marL="1371660" lvl="2" indent="-317514" algn="l">
               <a:lnSpc>
                 <a:spcPct val="90000"/>
               </a:lnSpc>
               <a:spcBef>
-                <a:spcPts val="400"/>
+                <a:spcPts val="399"/>
               </a:spcBef>
               <a:spcAft>
                 <a:spcPts val="0"/>
@@ -6170,12 +6170,12 @@
               <a:buChar char="•"/>
               <a:defRPr/>
             </a:lvl3pPr>
-            <a:lvl4pPr marL="1828768" lvl="3" indent="-317494" algn="l">
+            <a:lvl4pPr marL="1828881" lvl="3" indent="-317514" algn="l">
               <a:lnSpc>
                 <a:spcPct val="90000"/>
               </a:lnSpc>
               <a:spcBef>
-                <a:spcPts val="400"/>
+                <a:spcPts val="399"/>
               </a:spcBef>
               <a:spcAft>
                 <a:spcPts val="0"/>
@@ -6187,12 +6187,12 @@
               <a:buChar char="•"/>
               <a:defRPr/>
             </a:lvl4pPr>
-            <a:lvl5pPr marL="2285959" lvl="4" indent="-317494" algn="l">
+            <a:lvl5pPr marL="2286100" lvl="4" indent="-317514" algn="l">
               <a:lnSpc>
                 <a:spcPct val="90000"/>
               </a:lnSpc>
               <a:spcBef>
-                <a:spcPts val="400"/>
+                <a:spcPts val="399"/>
               </a:spcBef>
               <a:spcAft>
                 <a:spcPts val="0"/>
@@ -6204,12 +6204,12 @@
               <a:buChar char="•"/>
               <a:defRPr/>
             </a:lvl5pPr>
-            <a:lvl6pPr marL="2743151" lvl="5" indent="-317494" algn="l">
+            <a:lvl6pPr marL="2743320" lvl="5" indent="-317514" algn="l">
               <a:lnSpc>
                 <a:spcPct val="90000"/>
               </a:lnSpc>
               <a:spcBef>
-                <a:spcPts val="400"/>
+                <a:spcPts val="399"/>
               </a:spcBef>
               <a:spcAft>
                 <a:spcPts val="0"/>
@@ -6221,12 +6221,12 @@
               <a:buChar char="•"/>
               <a:defRPr/>
             </a:lvl6pPr>
-            <a:lvl7pPr marL="3200344" lvl="6" indent="-317494" algn="l">
+            <a:lvl7pPr marL="3200541" lvl="6" indent="-317514" algn="l">
               <a:lnSpc>
                 <a:spcPct val="90000"/>
               </a:lnSpc>
               <a:spcBef>
-                <a:spcPts val="400"/>
+                <a:spcPts val="399"/>
               </a:spcBef>
               <a:spcAft>
                 <a:spcPts val="0"/>
@@ -6238,12 +6238,12 @@
               <a:buChar char="•"/>
               <a:defRPr/>
             </a:lvl7pPr>
-            <a:lvl8pPr marL="3657535" lvl="7" indent="-317494" algn="l">
+            <a:lvl8pPr marL="3657761" lvl="7" indent="-317514" algn="l">
               <a:lnSpc>
                 <a:spcPct val="90000"/>
               </a:lnSpc>
               <a:spcBef>
-                <a:spcPts val="400"/>
+                <a:spcPts val="399"/>
               </a:spcBef>
               <a:spcAft>
                 <a:spcPts val="0"/>
@@ -6255,12 +6255,12 @@
               <a:buChar char="•"/>
               <a:defRPr/>
             </a:lvl8pPr>
-            <a:lvl9pPr marL="4114727" lvl="8" indent="-317494" algn="l">
+            <a:lvl9pPr marL="4114981" lvl="8" indent="-317514" algn="l">
               <a:lnSpc>
                 <a:spcPct val="90000"/>
               </a:lnSpc>
               <a:spcBef>
-                <a:spcPts val="400"/>
+                <a:spcPts val="399"/>
               </a:spcBef>
               <a:spcAft>
                 <a:spcPts val="0"/>
@@ -6290,8 +6290,8 @@
         </p:nvSpPr>
         <p:spPr>
           <a:xfrm>
-            <a:off x="4702084" y="1021081"/>
-            <a:ext cx="3948638" cy="500416"/>
+            <a:off x="4674960" y="949707"/>
+            <a:ext cx="3925860" cy="465438"/>
           </a:xfrm>
           <a:prstGeom prst="rect">
             <a:avLst/>
@@ -6306,7 +6306,7 @@
             <a:normAutofit/>
           </a:bodyPr>
           <a:lstStyle>
-            <a:lvl1pPr marL="457192" lvl="0" indent="-228596" algn="l">
+            <a:lvl1pPr marL="457220" lvl="0" indent="-228610" algn="l">
               <a:lnSpc>
                 <a:spcPct val="90000"/>
               </a:lnSpc>
@@ -6323,12 +6323,12 @@
               <a:buNone/>
               <a:defRPr sz="1800" b="1"/>
             </a:lvl1pPr>
-            <a:lvl2pPr marL="914383" lvl="1" indent="-228596" algn="l">
+            <a:lvl2pPr marL="914439" lvl="1" indent="-228610" algn="l">
               <a:lnSpc>
                 <a:spcPct val="90000"/>
               </a:lnSpc>
               <a:spcBef>
-                <a:spcPts val="400"/>
+                <a:spcPts val="399"/>
               </a:spcBef>
               <a:spcAft>
                 <a:spcPts val="0"/>
@@ -6340,12 +6340,12 @@
               <a:buNone/>
               <a:defRPr sz="1500" b="1"/>
             </a:lvl2pPr>
-            <a:lvl3pPr marL="1371576" lvl="2" indent="-228596" algn="l">
+            <a:lvl3pPr marL="1371660" lvl="2" indent="-228610" algn="l">
               <a:lnSpc>
                 <a:spcPct val="90000"/>
               </a:lnSpc>
               <a:spcBef>
-                <a:spcPts val="400"/>
+                <a:spcPts val="399"/>
               </a:spcBef>
               <a:spcAft>
                 <a:spcPts val="0"/>
@@ -6357,12 +6357,12 @@
               <a:buNone/>
               <a:defRPr sz="1400" b="1"/>
             </a:lvl3pPr>
-            <a:lvl4pPr marL="1828768" lvl="3" indent="-228596" algn="l">
+            <a:lvl4pPr marL="1828881" lvl="3" indent="-228610" algn="l">
               <a:lnSpc>
                 <a:spcPct val="90000"/>
               </a:lnSpc>
               <a:spcBef>
-                <a:spcPts val="400"/>
+                <a:spcPts val="399"/>
               </a:spcBef>
               <a:spcAft>
                 <a:spcPts val="0"/>
@@ -6374,12 +6374,12 @@
               <a:buNone/>
               <a:defRPr sz="1200" b="1"/>
             </a:lvl4pPr>
-            <a:lvl5pPr marL="2285959" lvl="4" indent="-228596" algn="l">
+            <a:lvl5pPr marL="2286100" lvl="4" indent="-228610" algn="l">
               <a:lnSpc>
                 <a:spcPct val="90000"/>
               </a:lnSpc>
               <a:spcBef>
-                <a:spcPts val="400"/>
+                <a:spcPts val="399"/>
               </a:spcBef>
               <a:spcAft>
                 <a:spcPts val="0"/>
@@ -6391,12 +6391,12 @@
               <a:buNone/>
               <a:defRPr sz="1200" b="1"/>
             </a:lvl5pPr>
-            <a:lvl6pPr marL="2743151" lvl="5" indent="-228596" algn="l">
+            <a:lvl6pPr marL="2743320" lvl="5" indent="-228610" algn="l">
               <a:lnSpc>
                 <a:spcPct val="90000"/>
               </a:lnSpc>
               <a:spcBef>
-                <a:spcPts val="400"/>
+                <a:spcPts val="399"/>
               </a:spcBef>
               <a:spcAft>
                 <a:spcPts val="0"/>
@@ -6408,12 +6408,12 @@
               <a:buNone/>
               <a:defRPr sz="1200" b="1"/>
             </a:lvl6pPr>
-            <a:lvl7pPr marL="3200344" lvl="6" indent="-228596" algn="l">
+            <a:lvl7pPr marL="3200541" lvl="6" indent="-228610" algn="l">
               <a:lnSpc>
                 <a:spcPct val="90000"/>
               </a:lnSpc>
               <a:spcBef>
-                <a:spcPts val="400"/>
+                <a:spcPts val="399"/>
               </a:spcBef>
               <a:spcAft>
                 <a:spcPts val="0"/>
@@ -6425,12 +6425,12 @@
               <a:buNone/>
               <a:defRPr sz="1200" b="1"/>
             </a:lvl7pPr>
-            <a:lvl8pPr marL="3657535" lvl="7" indent="-228596" algn="l">
+            <a:lvl8pPr marL="3657761" lvl="7" indent="-228610" algn="l">
               <a:lnSpc>
                 <a:spcPct val="90000"/>
               </a:lnSpc>
               <a:spcBef>
-                <a:spcPts val="400"/>
+                <a:spcPts val="399"/>
               </a:spcBef>
               <a:spcAft>
                 <a:spcPts val="0"/>
@@ -6442,12 +6442,12 @@
               <a:buNone/>
               <a:defRPr sz="1200" b="1"/>
             </a:lvl8pPr>
-            <a:lvl9pPr marL="4114727" lvl="8" indent="-228596" algn="l">
+            <a:lvl9pPr marL="4114981" lvl="8" indent="-228610" algn="l">
               <a:lnSpc>
                 <a:spcPct val="90000"/>
               </a:lnSpc>
               <a:spcBef>
-                <a:spcPts val="400"/>
+                <a:spcPts val="399"/>
               </a:spcBef>
               <a:spcAft>
                 <a:spcPts val="0"/>
@@ -6477,8 +6477,8 @@
         </p:nvSpPr>
         <p:spPr>
           <a:xfrm>
-            <a:off x="4702084" y="1521500"/>
-            <a:ext cx="3948638" cy="2237894"/>
+            <a:off x="4674960" y="1415147"/>
+            <a:ext cx="3925860" cy="2081463"/>
           </a:xfrm>
           <a:prstGeom prst="rect">
             <a:avLst/>
@@ -6493,7 +6493,7 @@
             <a:normAutofit/>
           </a:bodyPr>
           <a:lstStyle>
-            <a:lvl1pPr marL="457192" lvl="0" indent="-317494" algn="l">
+            <a:lvl1pPr marL="457220" lvl="0" indent="-317514" algn="l">
               <a:lnSpc>
                 <a:spcPct val="90000"/>
               </a:lnSpc>
@@ -6510,12 +6510,12 @@
               <a:buChar char="•"/>
               <a:defRPr/>
             </a:lvl1pPr>
-            <a:lvl2pPr marL="914383" lvl="1" indent="-317494" algn="l">
+            <a:lvl2pPr marL="914439" lvl="1" indent="-317514" algn="l">
               <a:lnSpc>
                 <a:spcPct val="90000"/>
               </a:lnSpc>
               <a:spcBef>
-                <a:spcPts val="400"/>
+                <a:spcPts val="399"/>
               </a:spcBef>
               <a:spcAft>
                 <a:spcPts val="0"/>
@@ -6527,12 +6527,12 @@
               <a:buChar char="•"/>
               <a:defRPr/>
             </a:lvl2pPr>
-            <a:lvl3pPr marL="1371576" lvl="2" indent="-317494" algn="l">
+            <a:lvl3pPr marL="1371660" lvl="2" indent="-317514" algn="l">
               <a:lnSpc>
                 <a:spcPct val="90000"/>
               </a:lnSpc>
               <a:spcBef>
-                <a:spcPts val="400"/>
+                <a:spcPts val="399"/>
               </a:spcBef>
               <a:spcAft>
                 <a:spcPts val="0"/>
@@ -6544,12 +6544,12 @@
               <a:buChar char="•"/>
               <a:defRPr/>
             </a:lvl3pPr>
-            <a:lvl4pPr marL="1828768" lvl="3" indent="-317494" algn="l">
+            <a:lvl4pPr marL="1828881" lvl="3" indent="-317514" algn="l">
               <a:lnSpc>
                 <a:spcPct val="90000"/>
               </a:lnSpc>
               <a:spcBef>
-                <a:spcPts val="400"/>
+                <a:spcPts val="399"/>
               </a:spcBef>
               <a:spcAft>
                 <a:spcPts val="0"/>
@@ -6561,12 +6561,12 @@
               <a:buChar char="•"/>
               <a:defRPr/>
             </a:lvl4pPr>
-            <a:lvl5pPr marL="2285959" lvl="4" indent="-317494" algn="l">
+            <a:lvl5pPr marL="2286100" lvl="4" indent="-317514" algn="l">
               <a:lnSpc>
                 <a:spcPct val="90000"/>
               </a:lnSpc>
               <a:spcBef>
-                <a:spcPts val="400"/>
+                <a:spcPts val="399"/>
               </a:spcBef>
               <a:spcAft>
                 <a:spcPts val="0"/>
@@ -6578,12 +6578,12 @@
               <a:buChar char="•"/>
               <a:defRPr/>
             </a:lvl5pPr>
-            <a:lvl6pPr marL="2743151" lvl="5" indent="-317494" algn="l">
+            <a:lvl6pPr marL="2743320" lvl="5" indent="-317514" algn="l">
               <a:lnSpc>
                 <a:spcPct val="90000"/>
               </a:lnSpc>
               <a:spcBef>
-                <a:spcPts val="400"/>
+                <a:spcPts val="399"/>
               </a:spcBef>
               <a:spcAft>
                 <a:spcPts val="0"/>
@@ -6595,12 +6595,12 @@
               <a:buChar char="•"/>
               <a:defRPr/>
             </a:lvl6pPr>
-            <a:lvl7pPr marL="3200344" lvl="6" indent="-317494" algn="l">
+            <a:lvl7pPr marL="3200541" lvl="6" indent="-317514" algn="l">
               <a:lnSpc>
                 <a:spcPct val="90000"/>
               </a:lnSpc>
               <a:spcBef>
-                <a:spcPts val="400"/>
+                <a:spcPts val="399"/>
               </a:spcBef>
               <a:spcAft>
                 <a:spcPts val="0"/>
@@ -6612,12 +6612,12 @@
               <a:buChar char="•"/>
               <a:defRPr/>
             </a:lvl7pPr>
-            <a:lvl8pPr marL="3657535" lvl="7" indent="-317494" algn="l">
+            <a:lvl8pPr marL="3657761" lvl="7" indent="-317514" algn="l">
               <a:lnSpc>
                 <a:spcPct val="90000"/>
               </a:lnSpc>
               <a:spcBef>
-                <a:spcPts val="400"/>
+                <a:spcPts val="399"/>
               </a:spcBef>
               <a:spcAft>
                 <a:spcPts val="0"/>
@@ -6629,12 +6629,12 @@
               <a:buChar char="•"/>
               <a:defRPr/>
             </a:lvl8pPr>
-            <a:lvl9pPr marL="4114727" lvl="8" indent="-317494" algn="l">
+            <a:lvl9pPr marL="4114981" lvl="8" indent="-317514" algn="l">
               <a:lnSpc>
                 <a:spcPct val="90000"/>
               </a:lnSpc>
               <a:spcBef>
-                <a:spcPts val="400"/>
+                <a:spcPts val="399"/>
               </a:spcBef>
               <a:spcAft>
                 <a:spcPts val="0"/>
@@ -6664,8 +6664,8 @@
         </p:nvSpPr>
         <p:spPr>
           <a:xfrm>
-            <a:off x="638556" y="3860633"/>
-            <a:ext cx="2089814" cy="221764"/>
+            <a:off x="634872" y="3590772"/>
+            <a:ext cx="2077759" cy="206262"/>
           </a:xfrm>
           <a:prstGeom prst="rect">
             <a:avLst/>
@@ -6797,8 +6797,8 @@
         </p:nvSpPr>
         <p:spPr>
           <a:xfrm>
-            <a:off x="3076673" y="3860633"/>
-            <a:ext cx="3134722" cy="221764"/>
+            <a:off x="3058925" y="3590772"/>
+            <a:ext cx="3116639" cy="206262"/>
           </a:xfrm>
           <a:prstGeom prst="rect">
             <a:avLst/>
@@ -6930,8 +6930,8 @@
         </p:nvSpPr>
         <p:spPr>
           <a:xfrm>
-            <a:off x="6559697" y="3860633"/>
-            <a:ext cx="2089814" cy="221764"/>
+            <a:off x="6521857" y="3590772"/>
+            <a:ext cx="2077759" cy="206262"/>
           </a:xfrm>
           <a:prstGeom prst="rect">
             <a:avLst/>
@@ -7057,8 +7057,8 @@
         </p:nvSpPr>
         <p:spPr>
           <a:xfrm>
-            <a:off x="638555" y="221764"/>
-            <a:ext cx="8010957" cy="805102"/>
+            <a:off x="634877" y="206263"/>
+            <a:ext cx="7964746" cy="748825"/>
           </a:xfrm>
           <a:prstGeom prst="rect">
             <a:avLst/>
@@ -7196,8 +7196,8 @@
         </p:nvSpPr>
         <p:spPr>
           <a:xfrm>
-            <a:off x="638556" y="3860633"/>
-            <a:ext cx="2089814" cy="221764"/>
+            <a:off x="634872" y="3590772"/>
+            <a:ext cx="2077759" cy="206262"/>
           </a:xfrm>
           <a:prstGeom prst="rect">
             <a:avLst/>
@@ -7329,8 +7329,8 @@
         </p:nvSpPr>
         <p:spPr>
           <a:xfrm>
-            <a:off x="3076673" y="3860633"/>
-            <a:ext cx="3134722" cy="221764"/>
+            <a:off x="3058925" y="3590772"/>
+            <a:ext cx="3116639" cy="206262"/>
           </a:xfrm>
           <a:prstGeom prst="rect">
             <a:avLst/>
@@ -7462,8 +7462,8 @@
         </p:nvSpPr>
         <p:spPr>
           <a:xfrm>
-            <a:off x="6559697" y="3860633"/>
-            <a:ext cx="2089814" cy="221764"/>
+            <a:off x="6521857" y="3590772"/>
+            <a:ext cx="2077759" cy="206262"/>
           </a:xfrm>
           <a:prstGeom prst="rect">
             <a:avLst/>
@@ -7589,8 +7589,8 @@
         </p:nvSpPr>
         <p:spPr>
           <a:xfrm>
-            <a:off x="638556" y="3860633"/>
-            <a:ext cx="2089814" cy="221764"/>
+            <a:off x="634872" y="3590772"/>
+            <a:ext cx="2077759" cy="206262"/>
           </a:xfrm>
           <a:prstGeom prst="rect">
             <a:avLst/>
@@ -7722,8 +7722,8 @@
         </p:nvSpPr>
         <p:spPr>
           <a:xfrm>
-            <a:off x="3076673" y="3860633"/>
-            <a:ext cx="3134722" cy="221764"/>
+            <a:off x="3058925" y="3590772"/>
+            <a:ext cx="3116639" cy="206262"/>
           </a:xfrm>
           <a:prstGeom prst="rect">
             <a:avLst/>
@@ -7855,8 +7855,8 @@
         </p:nvSpPr>
         <p:spPr>
           <a:xfrm>
-            <a:off x="6559697" y="3860633"/>
-            <a:ext cx="2089814" cy="221764"/>
+            <a:off x="6521857" y="3590772"/>
+            <a:ext cx="2077759" cy="206262"/>
           </a:xfrm>
           <a:prstGeom prst="rect">
             <a:avLst/>
@@ -7982,8 +7982,8 @@
         </p:nvSpPr>
         <p:spPr>
           <a:xfrm>
-            <a:off x="639766" y="277689"/>
-            <a:ext cx="2995642" cy="971907"/>
+            <a:off x="636075" y="258282"/>
+            <a:ext cx="2978362" cy="903970"/>
           </a:xfrm>
           <a:prstGeom prst="rect">
             <a:avLst/>
@@ -8122,8 +8122,8 @@
         </p:nvSpPr>
         <p:spPr>
           <a:xfrm>
-            <a:off x="3948638" y="599732"/>
-            <a:ext cx="4702084" cy="2960075"/>
+            <a:off x="3925862" y="557813"/>
+            <a:ext cx="4674959" cy="2753163"/>
           </a:xfrm>
           <a:prstGeom prst="rect">
             <a:avLst/>
@@ -8138,7 +8138,7 @@
             <a:normAutofit/>
           </a:bodyPr>
           <a:lstStyle>
-            <a:lvl1pPr marL="457192" lvl="0" indent="-380993" algn="l">
+            <a:lvl1pPr marL="457220" lvl="0" indent="-381017" algn="l">
               <a:lnSpc>
                 <a:spcPct val="90000"/>
               </a:lnSpc>
@@ -8155,12 +8155,12 @@
               <a:buChar char="•"/>
               <a:defRPr sz="2400"/>
             </a:lvl1pPr>
-            <a:lvl2pPr marL="914383" lvl="1" indent="-361944" algn="l">
+            <a:lvl2pPr marL="914439" lvl="1" indent="-361966" algn="l">
               <a:lnSpc>
                 <a:spcPct val="90000"/>
               </a:lnSpc>
               <a:spcBef>
-                <a:spcPts val="400"/>
+                <a:spcPts val="399"/>
               </a:spcBef>
               <a:spcAft>
                 <a:spcPts val="0"/>
@@ -8170,14 +8170,14 @@
               </a:buClr>
               <a:buSzPts val="2100"/>
               <a:buChar char="•"/>
-              <a:defRPr sz="2100"/>
+              <a:defRPr sz="2101"/>
             </a:lvl2pPr>
-            <a:lvl3pPr marL="1371576" lvl="2" indent="-342894" algn="l">
+            <a:lvl3pPr marL="1371660" lvl="2" indent="-342915" algn="l">
               <a:lnSpc>
                 <a:spcPct val="90000"/>
               </a:lnSpc>
               <a:spcBef>
-                <a:spcPts val="400"/>
+                <a:spcPts val="399"/>
               </a:spcBef>
               <a:spcAft>
                 <a:spcPts val="0"/>
@@ -8189,12 +8189,12 @@
               <a:buChar char="•"/>
               <a:defRPr sz="1800"/>
             </a:lvl3pPr>
-            <a:lvl4pPr marL="1828768" lvl="3" indent="-323844" algn="l">
+            <a:lvl4pPr marL="1828881" lvl="3" indent="-323864" algn="l">
               <a:lnSpc>
                 <a:spcPct val="90000"/>
               </a:lnSpc>
               <a:spcBef>
-                <a:spcPts val="400"/>
+                <a:spcPts val="399"/>
               </a:spcBef>
               <a:spcAft>
                 <a:spcPts val="0"/>
@@ -8206,12 +8206,12 @@
               <a:buChar char="•"/>
               <a:defRPr sz="1500"/>
             </a:lvl4pPr>
-            <a:lvl5pPr marL="2285959" lvl="4" indent="-323844" algn="l">
+            <a:lvl5pPr marL="2286100" lvl="4" indent="-323864" algn="l">
               <a:lnSpc>
                 <a:spcPct val="90000"/>
               </a:lnSpc>
               <a:spcBef>
-                <a:spcPts val="400"/>
+                <a:spcPts val="399"/>
               </a:spcBef>
               <a:spcAft>
                 <a:spcPts val="0"/>
@@ -8223,12 +8223,12 @@
               <a:buChar char="•"/>
               <a:defRPr sz="1500"/>
             </a:lvl5pPr>
-            <a:lvl6pPr marL="2743151" lvl="5" indent="-323844" algn="l">
+            <a:lvl6pPr marL="2743320" lvl="5" indent="-323864" algn="l">
               <a:lnSpc>
                 <a:spcPct val="90000"/>
               </a:lnSpc>
               <a:spcBef>
-                <a:spcPts val="400"/>
+                <a:spcPts val="399"/>
               </a:spcBef>
               <a:spcAft>
                 <a:spcPts val="0"/>
@@ -8240,12 +8240,12 @@
               <a:buChar char="•"/>
               <a:defRPr sz="1500"/>
             </a:lvl6pPr>
-            <a:lvl7pPr marL="3200344" lvl="6" indent="-323844" algn="l">
+            <a:lvl7pPr marL="3200541" lvl="6" indent="-323864" algn="l">
               <a:lnSpc>
                 <a:spcPct val="90000"/>
               </a:lnSpc>
               <a:spcBef>
-                <a:spcPts val="400"/>
+                <a:spcPts val="399"/>
               </a:spcBef>
               <a:spcAft>
                 <a:spcPts val="0"/>
@@ -8257,12 +8257,12 @@
               <a:buChar char="•"/>
               <a:defRPr sz="1500"/>
             </a:lvl7pPr>
-            <a:lvl8pPr marL="3657535" lvl="7" indent="-323844" algn="l">
+            <a:lvl8pPr marL="3657761" lvl="7" indent="-323864" algn="l">
               <a:lnSpc>
                 <a:spcPct val="90000"/>
               </a:lnSpc>
               <a:spcBef>
-                <a:spcPts val="400"/>
+                <a:spcPts val="399"/>
               </a:spcBef>
               <a:spcAft>
                 <a:spcPts val="0"/>
@@ -8274,12 +8274,12 @@
               <a:buChar char="•"/>
               <a:defRPr sz="1500"/>
             </a:lvl8pPr>
-            <a:lvl9pPr marL="4114727" lvl="8" indent="-323844" algn="l">
+            <a:lvl9pPr marL="4114981" lvl="8" indent="-323864" algn="l">
               <a:lnSpc>
                 <a:spcPct val="90000"/>
               </a:lnSpc>
               <a:spcBef>
-                <a:spcPts val="400"/>
+                <a:spcPts val="399"/>
               </a:spcBef>
               <a:spcAft>
                 <a:spcPts val="0"/>
@@ -8309,8 +8309,8 @@
         </p:nvSpPr>
         <p:spPr>
           <a:xfrm>
-            <a:off x="639766" y="1249598"/>
-            <a:ext cx="2995642" cy="2315030"/>
+            <a:off x="636075" y="1162251"/>
+            <a:ext cx="2978362" cy="2153207"/>
           </a:xfrm>
           <a:prstGeom prst="rect">
             <a:avLst/>
@@ -8325,7 +8325,7 @@
             <a:normAutofit/>
           </a:bodyPr>
           <a:lstStyle>
-            <a:lvl1pPr marL="457192" lvl="0" indent="-228596" algn="l">
+            <a:lvl1pPr marL="457220" lvl="0" indent="-228610" algn="l">
               <a:lnSpc>
                 <a:spcPct val="90000"/>
               </a:lnSpc>
@@ -8342,12 +8342,12 @@
               <a:buNone/>
               <a:defRPr sz="1200"/>
             </a:lvl1pPr>
-            <a:lvl2pPr marL="914383" lvl="1" indent="-228596" algn="l">
+            <a:lvl2pPr marL="914439" lvl="1" indent="-228610" algn="l">
               <a:lnSpc>
                 <a:spcPct val="90000"/>
               </a:lnSpc>
               <a:spcBef>
-                <a:spcPts val="400"/>
+                <a:spcPts val="399"/>
               </a:spcBef>
               <a:spcAft>
                 <a:spcPts val="0"/>
@@ -8359,12 +8359,12 @@
               <a:buNone/>
               <a:defRPr sz="1100"/>
             </a:lvl2pPr>
-            <a:lvl3pPr marL="1371576" lvl="2" indent="-228596" algn="l">
+            <a:lvl3pPr marL="1371660" lvl="2" indent="-228610" algn="l">
               <a:lnSpc>
                 <a:spcPct val="90000"/>
               </a:lnSpc>
               <a:spcBef>
-                <a:spcPts val="400"/>
+                <a:spcPts val="399"/>
               </a:spcBef>
               <a:spcAft>
                 <a:spcPts val="0"/>
@@ -8376,12 +8376,12 @@
               <a:buNone/>
               <a:defRPr sz="900"/>
             </a:lvl3pPr>
-            <a:lvl4pPr marL="1828768" lvl="3" indent="-228596" algn="l">
+            <a:lvl4pPr marL="1828881" lvl="3" indent="-228610" algn="l">
               <a:lnSpc>
                 <a:spcPct val="90000"/>
               </a:lnSpc>
               <a:spcBef>
-                <a:spcPts val="400"/>
+                <a:spcPts val="399"/>
               </a:spcBef>
               <a:spcAft>
                 <a:spcPts val="0"/>
@@ -8393,12 +8393,12 @@
               <a:buNone/>
               <a:defRPr sz="800"/>
             </a:lvl4pPr>
-            <a:lvl5pPr marL="2285959" lvl="4" indent="-228596" algn="l">
+            <a:lvl5pPr marL="2286100" lvl="4" indent="-228610" algn="l">
               <a:lnSpc>
                 <a:spcPct val="90000"/>
               </a:lnSpc>
               <a:spcBef>
-                <a:spcPts val="400"/>
+                <a:spcPts val="399"/>
               </a:spcBef>
               <a:spcAft>
                 <a:spcPts val="0"/>
@@ -8410,12 +8410,12 @@
               <a:buNone/>
               <a:defRPr sz="800"/>
             </a:lvl5pPr>
-            <a:lvl6pPr marL="2743151" lvl="5" indent="-228596" algn="l">
+            <a:lvl6pPr marL="2743320" lvl="5" indent="-228610" algn="l">
               <a:lnSpc>
                 <a:spcPct val="90000"/>
               </a:lnSpc>
               <a:spcBef>
-                <a:spcPts val="400"/>
+                <a:spcPts val="399"/>
               </a:spcBef>
               <a:spcAft>
                 <a:spcPts val="0"/>
@@ -8427,12 +8427,12 @@
               <a:buNone/>
               <a:defRPr sz="800"/>
             </a:lvl6pPr>
-            <a:lvl7pPr marL="3200344" lvl="6" indent="-228596" algn="l">
+            <a:lvl7pPr marL="3200541" lvl="6" indent="-228610" algn="l">
               <a:lnSpc>
                 <a:spcPct val="90000"/>
               </a:lnSpc>
               <a:spcBef>
-                <a:spcPts val="400"/>
+                <a:spcPts val="399"/>
               </a:spcBef>
               <a:spcAft>
                 <a:spcPts val="0"/>
@@ -8444,12 +8444,12 @@
               <a:buNone/>
               <a:defRPr sz="800"/>
             </a:lvl7pPr>
-            <a:lvl8pPr marL="3657535" lvl="7" indent="-228596" algn="l">
+            <a:lvl8pPr marL="3657761" lvl="7" indent="-228610" algn="l">
               <a:lnSpc>
                 <a:spcPct val="90000"/>
               </a:lnSpc>
               <a:spcBef>
-                <a:spcPts val="400"/>
+                <a:spcPts val="399"/>
               </a:spcBef>
               <a:spcAft>
                 <a:spcPts val="0"/>
@@ -8461,12 +8461,12 @@
               <a:buNone/>
               <a:defRPr sz="800"/>
             </a:lvl8pPr>
-            <a:lvl9pPr marL="4114727" lvl="8" indent="-228596" algn="l">
+            <a:lvl9pPr marL="4114981" lvl="8" indent="-228610" algn="l">
               <a:lnSpc>
                 <a:spcPct val="90000"/>
               </a:lnSpc>
               <a:spcBef>
-                <a:spcPts val="400"/>
+                <a:spcPts val="399"/>
               </a:spcBef>
               <a:spcAft>
                 <a:spcPts val="0"/>
@@ -8496,8 +8496,8 @@
         </p:nvSpPr>
         <p:spPr>
           <a:xfrm>
-            <a:off x="638556" y="3860633"/>
-            <a:ext cx="2089814" cy="221764"/>
+            <a:off x="634872" y="3590772"/>
+            <a:ext cx="2077759" cy="206262"/>
           </a:xfrm>
           <a:prstGeom prst="rect">
             <a:avLst/>
@@ -8629,8 +8629,8 @@
         </p:nvSpPr>
         <p:spPr>
           <a:xfrm>
-            <a:off x="3076673" y="3860633"/>
-            <a:ext cx="3134722" cy="221764"/>
+            <a:off x="3058925" y="3590772"/>
+            <a:ext cx="3116639" cy="206262"/>
           </a:xfrm>
           <a:prstGeom prst="rect">
             <a:avLst/>
@@ -8762,8 +8762,8 @@
         </p:nvSpPr>
         <p:spPr>
           <a:xfrm>
-            <a:off x="6559697" y="3860633"/>
-            <a:ext cx="2089814" cy="221764"/>
+            <a:off x="6521857" y="3590772"/>
+            <a:ext cx="2077759" cy="206262"/>
           </a:xfrm>
           <a:prstGeom prst="rect">
             <a:avLst/>
@@ -8889,8 +8889,8 @@
         </p:nvSpPr>
         <p:spPr>
           <a:xfrm>
-            <a:off x="639766" y="277689"/>
-            <a:ext cx="2995642" cy="971907"/>
+            <a:off x="636075" y="258282"/>
+            <a:ext cx="2978362" cy="903970"/>
           </a:xfrm>
           <a:prstGeom prst="rect">
             <a:avLst/>
@@ -9029,8 +9029,8 @@
         </p:nvSpPr>
         <p:spPr>
           <a:xfrm>
-            <a:off x="3948638" y="599732"/>
-            <a:ext cx="4702084" cy="2960075"/>
+            <a:off x="3925862" y="557813"/>
+            <a:ext cx="4674959" cy="2753163"/>
           </a:xfrm>
           <a:prstGeom prst="rect">
             <a:avLst/>
@@ -9053,8 +9053,8 @@
         </p:nvSpPr>
         <p:spPr>
           <a:xfrm>
-            <a:off x="639766" y="1249598"/>
-            <a:ext cx="2995642" cy="2315030"/>
+            <a:off x="636075" y="1162251"/>
+            <a:ext cx="2978362" cy="2153207"/>
           </a:xfrm>
           <a:prstGeom prst="rect">
             <a:avLst/>
@@ -9069,7 +9069,7 @@
             <a:normAutofit/>
           </a:bodyPr>
           <a:lstStyle>
-            <a:lvl1pPr marL="457192" lvl="0" indent="-228596" algn="l">
+            <a:lvl1pPr marL="457220" lvl="0" indent="-228610" algn="l">
               <a:lnSpc>
                 <a:spcPct val="90000"/>
               </a:lnSpc>
@@ -9086,12 +9086,12 @@
               <a:buNone/>
               <a:defRPr sz="1200"/>
             </a:lvl1pPr>
-            <a:lvl2pPr marL="914383" lvl="1" indent="-228596" algn="l">
+            <a:lvl2pPr marL="914439" lvl="1" indent="-228610" algn="l">
               <a:lnSpc>
                 <a:spcPct val="90000"/>
               </a:lnSpc>
               <a:spcBef>
-                <a:spcPts val="400"/>
+                <a:spcPts val="399"/>
               </a:spcBef>
               <a:spcAft>
                 <a:spcPts val="0"/>
@@ -9103,12 +9103,12 @@
               <a:buNone/>
               <a:defRPr sz="1100"/>
             </a:lvl2pPr>
-            <a:lvl3pPr marL="1371576" lvl="2" indent="-228596" algn="l">
+            <a:lvl3pPr marL="1371660" lvl="2" indent="-228610" algn="l">
               <a:lnSpc>
                 <a:spcPct val="90000"/>
               </a:lnSpc>
               <a:spcBef>
-                <a:spcPts val="400"/>
+                <a:spcPts val="399"/>
               </a:spcBef>
               <a:spcAft>
                 <a:spcPts val="0"/>
@@ -9120,12 +9120,12 @@
               <a:buNone/>
               <a:defRPr sz="900"/>
             </a:lvl3pPr>
-            <a:lvl4pPr marL="1828768" lvl="3" indent="-228596" algn="l">
+            <a:lvl4pPr marL="1828881" lvl="3" indent="-228610" algn="l">
               <a:lnSpc>
                 <a:spcPct val="90000"/>
               </a:lnSpc>
               <a:spcBef>
-                <a:spcPts val="400"/>
+                <a:spcPts val="399"/>
               </a:spcBef>
               <a:spcAft>
                 <a:spcPts val="0"/>
@@ -9137,12 +9137,12 @@
               <a:buNone/>
               <a:defRPr sz="800"/>
             </a:lvl4pPr>
-            <a:lvl5pPr marL="2285959" lvl="4" indent="-228596" algn="l">
+            <a:lvl5pPr marL="2286100" lvl="4" indent="-228610" algn="l">
               <a:lnSpc>
                 <a:spcPct val="90000"/>
               </a:lnSpc>
               <a:spcBef>
-                <a:spcPts val="400"/>
+                <a:spcPts val="399"/>
               </a:spcBef>
               <a:spcAft>
                 <a:spcPts val="0"/>
@@ -9154,12 +9154,12 @@
               <a:buNone/>
               <a:defRPr sz="800"/>
             </a:lvl5pPr>
-            <a:lvl6pPr marL="2743151" lvl="5" indent="-228596" algn="l">
+            <a:lvl6pPr marL="2743320" lvl="5" indent="-228610" algn="l">
               <a:lnSpc>
                 <a:spcPct val="90000"/>
               </a:lnSpc>
               <a:spcBef>
-                <a:spcPts val="400"/>
+                <a:spcPts val="399"/>
               </a:spcBef>
               <a:spcAft>
                 <a:spcPts val="0"/>
@@ -9171,12 +9171,12 @@
               <a:buNone/>
               <a:defRPr sz="800"/>
             </a:lvl6pPr>
-            <a:lvl7pPr marL="3200344" lvl="6" indent="-228596" algn="l">
+            <a:lvl7pPr marL="3200541" lvl="6" indent="-228610" algn="l">
               <a:lnSpc>
                 <a:spcPct val="90000"/>
               </a:lnSpc>
               <a:spcBef>
-                <a:spcPts val="400"/>
+                <a:spcPts val="399"/>
               </a:spcBef>
               <a:spcAft>
                 <a:spcPts val="0"/>
@@ -9188,12 +9188,12 @@
               <a:buNone/>
               <a:defRPr sz="800"/>
             </a:lvl7pPr>
-            <a:lvl8pPr marL="3657535" lvl="7" indent="-228596" algn="l">
+            <a:lvl8pPr marL="3657761" lvl="7" indent="-228610" algn="l">
               <a:lnSpc>
                 <a:spcPct val="90000"/>
               </a:lnSpc>
               <a:spcBef>
-                <a:spcPts val="400"/>
+                <a:spcPts val="399"/>
               </a:spcBef>
               <a:spcAft>
                 <a:spcPts val="0"/>
@@ -9205,12 +9205,12 @@
               <a:buNone/>
               <a:defRPr sz="800"/>
             </a:lvl8pPr>
-            <a:lvl9pPr marL="4114727" lvl="8" indent="-228596" algn="l">
+            <a:lvl9pPr marL="4114981" lvl="8" indent="-228610" algn="l">
               <a:lnSpc>
                 <a:spcPct val="90000"/>
               </a:lnSpc>
               <a:spcBef>
-                <a:spcPts val="400"/>
+                <a:spcPts val="399"/>
               </a:spcBef>
               <a:spcAft>
                 <a:spcPts val="0"/>
@@ -9240,8 +9240,8 @@
         </p:nvSpPr>
         <p:spPr>
           <a:xfrm>
-            <a:off x="638556" y="3860633"/>
-            <a:ext cx="2089814" cy="221764"/>
+            <a:off x="634872" y="3590772"/>
+            <a:ext cx="2077759" cy="206262"/>
           </a:xfrm>
           <a:prstGeom prst="rect">
             <a:avLst/>
@@ -9373,8 +9373,8 @@
         </p:nvSpPr>
         <p:spPr>
           <a:xfrm>
-            <a:off x="3076673" y="3860633"/>
-            <a:ext cx="3134722" cy="221764"/>
+            <a:off x="3058925" y="3590772"/>
+            <a:ext cx="3116639" cy="206262"/>
           </a:xfrm>
           <a:prstGeom prst="rect">
             <a:avLst/>
@@ -9506,8 +9506,8 @@
         </p:nvSpPr>
         <p:spPr>
           <a:xfrm>
-            <a:off x="6559697" y="3860633"/>
-            <a:ext cx="2089814" cy="221764"/>
+            <a:off x="6521857" y="3590772"/>
+            <a:ext cx="2077759" cy="206262"/>
           </a:xfrm>
           <a:prstGeom prst="rect">
             <a:avLst/>
@@ -9641,8 +9641,8 @@
         </p:nvSpPr>
         <p:spPr>
           <a:xfrm>
-            <a:off x="638555" y="221764"/>
-            <a:ext cx="8010957" cy="805102"/>
+            <a:off x="634877" y="206263"/>
+            <a:ext cx="7964746" cy="748825"/>
           </a:xfrm>
           <a:prstGeom prst="rect">
             <a:avLst/>
@@ -9789,8 +9789,8 @@
         </p:nvSpPr>
         <p:spPr>
           <a:xfrm>
-            <a:off x="638555" y="1108824"/>
-            <a:ext cx="8010957" cy="2642855"/>
+            <a:off x="634877" y="1031322"/>
+            <a:ext cx="7964746" cy="2458117"/>
           </a:xfrm>
           <a:prstGeom prst="rect">
             <a:avLst/>
@@ -10057,8 +10057,8 @@
         </p:nvSpPr>
         <p:spPr>
           <a:xfrm>
-            <a:off x="638556" y="3860633"/>
-            <a:ext cx="2089814" cy="221764"/>
+            <a:off x="634872" y="3590772"/>
+            <a:ext cx="2077759" cy="206262"/>
           </a:xfrm>
           <a:prstGeom prst="rect">
             <a:avLst/>
@@ -10262,8 +10262,8 @@
         </p:nvSpPr>
         <p:spPr>
           <a:xfrm>
-            <a:off x="3076673" y="3860633"/>
-            <a:ext cx="3134722" cy="221764"/>
+            <a:off x="3058925" y="3590772"/>
+            <a:ext cx="3116639" cy="206262"/>
           </a:xfrm>
           <a:prstGeom prst="rect">
             <a:avLst/>
@@ -10467,8 +10467,8 @@
         </p:nvSpPr>
         <p:spPr>
           <a:xfrm>
-            <a:off x="6559697" y="3860633"/>
-            <a:ext cx="2089814" cy="221764"/>
+            <a:off x="6521857" y="3590772"/>
+            <a:ext cx="2077759" cy="206262"/>
           </a:xfrm>
           <a:prstGeom prst="rect">
             <a:avLst/>
@@ -11364,7 +11364,7 @@
         </p:nvSpPr>
         <p:spPr>
           <a:xfrm>
-            <a:off x="3578186" y="29327"/>
+            <a:off x="3481810" y="88635"/>
             <a:ext cx="2029832" cy="435794"/>
           </a:xfrm>
           <a:prstGeom prst="rect">
@@ -11414,10 +11414,10 @@
         </p:nvGrpSpPr>
         <p:grpSpPr>
           <a:xfrm>
-            <a:off x="7690869" y="5138082"/>
-            <a:ext cx="4106341" cy="1454030"/>
+            <a:off x="7594499" y="5197396"/>
+            <a:ext cx="4106341" cy="1423323"/>
             <a:chOff x="7929365" y="6685782"/>
-            <a:chExt cx="4106341" cy="1454030"/>
+            <a:chExt cx="4106341" cy="1423323"/>
           </a:xfrm>
         </p:grpSpPr>
         <p:grpSp>
@@ -11435,9 +11435,9 @@
           <p:grpSpPr>
             <a:xfrm>
               <a:off x="7929365" y="6685782"/>
-              <a:ext cx="4030508" cy="1454030"/>
+              <a:ext cx="4030508" cy="1423323"/>
               <a:chOff x="9171994" y="5410123"/>
-              <a:chExt cx="4030508" cy="1454030"/>
+              <a:chExt cx="4030508" cy="1423323"/>
             </a:xfrm>
           </p:grpSpPr>
           <p:sp>
@@ -11455,7 +11455,7 @@
             <p:spPr>
               <a:xfrm>
                 <a:off x="9171994" y="5410123"/>
-                <a:ext cx="4030508" cy="1454030"/>
+                <a:ext cx="4030508" cy="1423323"/>
               </a:xfrm>
               <a:prstGeom prst="roundRect">
                 <a:avLst>
@@ -12340,7 +12340,7 @@
         </p:nvGrpSpPr>
         <p:grpSpPr>
           <a:xfrm>
-            <a:off x="3735097" y="4462621"/>
+            <a:off x="3639219" y="4459943"/>
             <a:ext cx="3614433" cy="2051161"/>
             <a:chOff x="4222921" y="3385174"/>
             <a:chExt cx="3614433" cy="2051161"/>
@@ -12380,7 +12380,7 @@
             <a:bodyPr rtlCol="0" anchor="ctr"/>
             <a:lstStyle/>
             <a:p>
-              <a:pPr algn="ctr" defTabSz="914357">
+              <a:pPr algn="ctr" defTabSz="914414">
                 <a:buClrTx/>
                 <a:defRPr/>
               </a:pPr>
@@ -12429,7 +12429,7 @@
             <a:bodyPr rtlCol="0" anchor="ctr"/>
             <a:lstStyle/>
             <a:p>
-              <a:pPr algn="ctr" defTabSz="914357">
+              <a:pPr algn="ctr" defTabSz="914414">
                 <a:buClrTx/>
                 <a:defRPr/>
               </a:pPr>
@@ -12478,7 +12478,7 @@
             <a:bodyPr rtlCol="0" anchor="ctr"/>
             <a:lstStyle/>
             <a:p>
-              <a:pPr algn="ctr" defTabSz="914357">
+              <a:pPr algn="ctr" defTabSz="914414">
                 <a:buClrTx/>
                 <a:defRPr/>
               </a:pPr>
@@ -12565,7 +12565,7 @@
               <a:bodyPr rtlCol="0" anchor="ctr"/>
               <a:lstStyle/>
               <a:p>
-                <a:pPr algn="ctr" defTabSz="914357">
+                <a:pPr algn="ctr" defTabSz="914414">
                   <a:buClrTx/>
                   <a:defRPr/>
                 </a:pPr>
@@ -12643,7 +12643,7 @@
               <a:bodyPr rtlCol="0" anchor="ctr"/>
               <a:lstStyle/>
               <a:p>
-                <a:pPr algn="ctr" defTabSz="914357">
+                <a:pPr algn="ctr" defTabSz="914414">
                   <a:buClrTx/>
                   <a:defRPr/>
                 </a:pPr>
@@ -12721,7 +12721,7 @@
               <a:bodyPr rtlCol="0" anchor="ctr"/>
               <a:lstStyle/>
               <a:p>
-                <a:pPr algn="ctr" defTabSz="914357">
+                <a:pPr algn="ctr" defTabSz="914414">
                   <a:buClrTx/>
                   <a:defRPr/>
                 </a:pPr>
@@ -12761,8 +12761,8 @@
             </p:nvSpPr>
             <p:spPr>
               <a:xfrm>
-                <a:off x="4227895" y="1781397"/>
-                <a:ext cx="825866" cy="339646"/>
+                <a:off x="4227896" y="1781397"/>
+                <a:ext cx="825867" cy="329657"/>
               </a:xfrm>
               <a:prstGeom prst="rect">
                 <a:avLst/>
@@ -12775,7 +12775,7 @@
               </a:bodyPr>
               <a:lstStyle/>
               <a:p>
-                <a:pPr defTabSz="914357">
+                <a:pPr defTabSz="914414">
                   <a:buClrTx/>
                   <a:defRPr/>
                 </a:pPr>
@@ -12925,7 +12925,7 @@
               <a:bodyPr rtlCol="0" anchor="ctr"/>
               <a:lstStyle/>
               <a:p>
-                <a:pPr algn="ctr" defTabSz="914357">
+                <a:pPr algn="ctr" defTabSz="914414">
                   <a:buClrTx/>
                   <a:defRPr/>
                 </a:pPr>
@@ -13003,7 +13003,7 @@
               <a:bodyPr rtlCol="0" anchor="ctr"/>
               <a:lstStyle/>
               <a:p>
-                <a:pPr algn="ctr" defTabSz="914357">
+                <a:pPr algn="ctr" defTabSz="914414">
                   <a:buClrTx/>
                   <a:defRPr/>
                 </a:pPr>
@@ -13081,7 +13081,7 @@
               <a:bodyPr rtlCol="0" anchor="ctr"/>
               <a:lstStyle/>
               <a:p>
-                <a:pPr algn="ctr" defTabSz="914357">
+                <a:pPr algn="ctr" defTabSz="914414">
                   <a:buClrTx/>
                   <a:defRPr/>
                 </a:pPr>
@@ -13122,7 +13122,7 @@
             <p:spPr>
               <a:xfrm>
                 <a:off x="4254903" y="2792245"/>
-                <a:ext cx="825866" cy="339644"/>
+                <a:ext cx="825867" cy="329657"/>
               </a:xfrm>
               <a:prstGeom prst="rect">
                 <a:avLst/>
@@ -13135,7 +13135,7 @@
               </a:bodyPr>
               <a:lstStyle/>
               <a:p>
-                <a:pPr defTabSz="914357">
+                <a:pPr defTabSz="914414">
                   <a:buClrTx/>
                   <a:defRPr/>
                 </a:pPr>
@@ -13285,7 +13285,7 @@
               <a:bodyPr rtlCol="0" anchor="ctr"/>
               <a:lstStyle/>
               <a:p>
-                <a:pPr algn="ctr" defTabSz="914357">
+                <a:pPr algn="ctr" defTabSz="914414">
                   <a:buClrTx/>
                   <a:defRPr/>
                 </a:pPr>
@@ -13363,7 +13363,7 @@
               <a:bodyPr rtlCol="0" anchor="ctr"/>
               <a:lstStyle/>
               <a:p>
-                <a:pPr algn="ctr" defTabSz="914357">
+                <a:pPr algn="ctr" defTabSz="914414">
                   <a:buClrTx/>
                   <a:defRPr/>
                 </a:pPr>
@@ -13441,7 +13441,7 @@
               <a:bodyPr rtlCol="0" anchor="ctr"/>
               <a:lstStyle/>
               <a:p>
-                <a:pPr algn="ctr" defTabSz="914357">
+                <a:pPr algn="ctr" defTabSz="914414">
                   <a:buClrTx/>
                   <a:defRPr/>
                 </a:pPr>
@@ -13596,7 +13596,7 @@
             </p:nvSpPr>
             <p:spPr>
               <a:xfrm>
-                <a:off x="3767375" y="3513339"/>
+                <a:off x="3767375" y="3513340"/>
                 <a:ext cx="1376202" cy="329657"/>
               </a:xfrm>
               <a:prstGeom prst="rect">
@@ -13610,7 +13610,7 @@
               </a:bodyPr>
               <a:lstStyle/>
               <a:p>
-                <a:pPr defTabSz="914357">
+                <a:pPr defTabSz="914414">
                   <a:buClrTx/>
                   <a:defRPr/>
                 </a:pPr>
@@ -13726,8 +13726,8 @@
             </p:nvSpPr>
             <p:spPr>
               <a:xfrm>
-                <a:off x="2260645" y="2547254"/>
-                <a:ext cx="999072" cy="339645"/>
+                <a:off x="2260645" y="2547255"/>
+                <a:ext cx="999072" cy="329657"/>
               </a:xfrm>
               <a:prstGeom prst="rect">
                 <a:avLst/>
@@ -13740,7 +13740,7 @@
               </a:bodyPr>
               <a:lstStyle/>
               <a:p>
-                <a:pPr defTabSz="914357">
+                <a:pPr defTabSz="914414">
                   <a:buClrTx/>
                   <a:defRPr/>
                 </a:pPr>
@@ -13780,8 +13780,8 @@
             </p:nvSpPr>
             <p:spPr>
               <a:xfrm>
-                <a:off x="6255709" y="2514128"/>
-                <a:ext cx="994230" cy="339645"/>
+                <a:off x="6255709" y="2514127"/>
+                <a:ext cx="994230" cy="329657"/>
               </a:xfrm>
               <a:prstGeom prst="rect">
                 <a:avLst/>
@@ -13794,7 +13794,7 @@
               </a:bodyPr>
               <a:lstStyle/>
               <a:p>
-                <a:pPr defTabSz="914357">
+                <a:pPr defTabSz="914414">
                   <a:buClrTx/>
                   <a:defRPr/>
                 </a:pPr>
@@ -13836,8 +13836,8 @@
         </p:nvSpPr>
         <p:spPr>
           <a:xfrm>
-            <a:off x="3714347" y="3862709"/>
-            <a:ext cx="3606839" cy="408044"/>
+            <a:off x="3618464" y="3860025"/>
+            <a:ext cx="3606840" cy="408044"/>
           </a:xfrm>
           <a:prstGeom prst="rect">
             <a:avLst/>
@@ -13883,7 +13883,7 @@
         </p:nvSpPr>
         <p:spPr>
           <a:xfrm rot="10800000">
-            <a:off x="5874793" y="4250476"/>
+            <a:off x="5778916" y="4247799"/>
             <a:ext cx="192655" cy="192649"/>
           </a:xfrm>
           <a:prstGeom prst="downArrow">
@@ -13935,7 +13935,7 @@
         </p:nvSpPr>
         <p:spPr>
           <a:xfrm>
-            <a:off x="3626968" y="4217561"/>
+            <a:off x="3531084" y="4214877"/>
             <a:ext cx="2784192" cy="215900"/>
           </a:xfrm>
           <a:prstGeom prst="rect">
@@ -13977,8 +13977,8 @@
         </p:nvSpPr>
         <p:spPr>
           <a:xfrm>
-            <a:off x="3614197" y="3466132"/>
-            <a:ext cx="3864826" cy="3197196"/>
+            <a:off x="3517819" y="3525440"/>
+            <a:ext cx="3864826" cy="3064900"/>
           </a:xfrm>
           <a:prstGeom prst="roundRect">
             <a:avLst>
@@ -14020,7 +14020,7 @@
         </p:nvSpPr>
         <p:spPr>
           <a:xfrm>
-            <a:off x="3546311" y="3500075"/>
+            <a:off x="3449941" y="3559383"/>
             <a:ext cx="2093583" cy="266700"/>
           </a:xfrm>
           <a:prstGeom prst="rect">
@@ -14072,7 +14072,7 @@
         </p:nvCxnSpPr>
         <p:spPr>
           <a:xfrm>
-            <a:off x="1683657" y="1832635"/>
+            <a:off x="1587280" y="1891949"/>
             <a:ext cx="0" cy="199365"/>
           </a:xfrm>
           <a:prstGeom prst="straightConnector1">
@@ -14115,8 +14115,8 @@
         </p:nvCxnSpPr>
         <p:spPr>
           <a:xfrm flipV="1">
-            <a:off x="3318432" y="5064730"/>
-            <a:ext cx="295765" cy="0"/>
+            <a:off x="3222055" y="5057896"/>
+            <a:ext cx="295766" cy="84109"/>
           </a:xfrm>
           <a:prstGeom prst="straightConnector1">
             <a:avLst/>
@@ -14154,7 +14154,7 @@
         </p:nvGrpSpPr>
         <p:grpSpPr>
           <a:xfrm>
-            <a:off x="3699368" y="427014"/>
+            <a:off x="3602996" y="486326"/>
             <a:ext cx="3722489" cy="1229875"/>
             <a:chOff x="3384012" y="411776"/>
             <a:chExt cx="3722489" cy="1229875"/>
@@ -14601,7 +14601,7 @@
         </p:nvCxnSpPr>
         <p:spPr>
           <a:xfrm flipV="1">
-            <a:off x="7616388" y="1684265"/>
+            <a:off x="7520018" y="1743572"/>
             <a:ext cx="532671" cy="148370"/>
           </a:xfrm>
           <a:prstGeom prst="line">
@@ -14638,8 +14638,8 @@
         </p:nvSpPr>
         <p:spPr>
           <a:xfrm>
-            <a:off x="7466274" y="535986"/>
-            <a:ext cx="185539" cy="2570480"/>
+            <a:off x="7369897" y="595299"/>
+            <a:ext cx="185540" cy="2570481"/>
           </a:xfrm>
           <a:prstGeom prst="rightBrace">
             <a:avLst>
@@ -14687,7 +14687,7 @@
         </p:nvGrpSpPr>
         <p:grpSpPr>
           <a:xfrm>
-            <a:off x="9925634" y="1803387"/>
+            <a:off x="9829265" y="1862694"/>
             <a:ext cx="2572715" cy="698500"/>
             <a:chOff x="4604727" y="4920679"/>
             <a:chExt cx="2572715" cy="698500"/>
@@ -15080,7 +15080,7 @@
         </p:nvGrpSpPr>
         <p:grpSpPr>
           <a:xfrm>
-            <a:off x="10078415" y="347724"/>
+            <a:off x="9982043" y="407036"/>
             <a:ext cx="1573515" cy="1221129"/>
             <a:chOff x="8913758" y="1877718"/>
             <a:chExt cx="1573515" cy="1221129"/>
@@ -15533,7 +15533,7 @@
         </p:nvGrpSpPr>
         <p:grpSpPr>
           <a:xfrm>
-            <a:off x="8068103" y="608800"/>
+            <a:off x="7971726" y="668107"/>
             <a:ext cx="1573196" cy="1508796"/>
             <a:chOff x="7841246" y="659452"/>
             <a:chExt cx="1573196" cy="1508796"/>
@@ -15966,7 +15966,7 @@
         </p:nvGrpSpPr>
         <p:grpSpPr>
           <a:xfrm>
-            <a:off x="7968777" y="287661"/>
+            <a:off x="7872400" y="346968"/>
             <a:ext cx="2507752" cy="279400"/>
             <a:chOff x="7741716" y="1157582"/>
             <a:chExt cx="2507752" cy="279400"/>
@@ -16132,7 +16132,7 @@
         </p:nvSpPr>
         <p:spPr>
           <a:xfrm>
-            <a:off x="9434051" y="984997"/>
+            <a:off x="9337681" y="1044311"/>
             <a:ext cx="613183" cy="1205177"/>
           </a:xfrm>
           <a:prstGeom prst="curvedRightArrow">
@@ -16183,7 +16183,7 @@
         </p:nvGrpSpPr>
         <p:grpSpPr>
           <a:xfrm>
-            <a:off x="8418593" y="2791971"/>
+            <a:off x="8322223" y="2851285"/>
             <a:ext cx="4011241" cy="691581"/>
             <a:chOff x="4695829" y="5705803"/>
             <a:chExt cx="4011241" cy="691581"/>
@@ -16615,8 +16615,8 @@
         </p:nvSpPr>
         <p:spPr>
           <a:xfrm>
-            <a:off x="9563414" y="1479240"/>
-            <a:ext cx="2343177" cy="264468"/>
+            <a:off x="9467044" y="1538548"/>
+            <a:ext cx="2343177" cy="261610"/>
           </a:xfrm>
           <a:prstGeom prst="rect">
             <a:avLst/>
@@ -16650,7 +16650,7 @@
         </p:nvSpPr>
         <p:spPr>
           <a:xfrm>
-            <a:off x="11266629" y="2525702"/>
+            <a:off x="11170259" y="2585009"/>
             <a:ext cx="214835" cy="290428"/>
           </a:xfrm>
           <a:prstGeom prst="downArrow">
@@ -16702,7 +16702,7 @@
         </p:nvSpPr>
         <p:spPr>
           <a:xfrm>
-            <a:off x="7879859" y="268570"/>
+            <a:off x="7783482" y="327877"/>
             <a:ext cx="4257616" cy="4591298"/>
           </a:xfrm>
           <a:prstGeom prst="roundRect">
@@ -16746,7 +16746,7 @@
         </p:nvGrpSpPr>
         <p:grpSpPr>
           <a:xfrm>
-            <a:off x="9068586" y="3851453"/>
+            <a:off x="8972216" y="3910766"/>
             <a:ext cx="2468789" cy="973427"/>
             <a:chOff x="8501761" y="3093823"/>
             <a:chExt cx="2468789" cy="973427"/>
@@ -17192,7 +17192,7 @@
         </p:nvGrpSpPr>
         <p:grpSpPr>
           <a:xfrm>
-            <a:off x="7916904" y="3821662"/>
+            <a:off x="7820534" y="3880976"/>
             <a:ext cx="1261461" cy="964593"/>
             <a:chOff x="10984860" y="3003295"/>
             <a:chExt cx="1261461" cy="964593"/>
@@ -17487,7 +17487,7 @@
         </p:nvSpPr>
         <p:spPr>
           <a:xfrm>
-            <a:off x="7820845" y="3506653"/>
+            <a:off x="7724469" y="3565961"/>
             <a:ext cx="3677266" cy="261610"/>
           </a:xfrm>
           <a:prstGeom prst="rect">
@@ -17566,8 +17566,8 @@
         </p:nvGrpSpPr>
         <p:grpSpPr>
           <a:xfrm>
-            <a:off x="8146577" y="2514946"/>
-            <a:ext cx="2906025" cy="296726"/>
+            <a:off x="8050206" y="2574261"/>
+            <a:ext cx="2906025" cy="296727"/>
             <a:chOff x="7048010" y="2464189"/>
             <a:chExt cx="2906025" cy="296726"/>
           </a:xfrm>
@@ -17587,7 +17587,7 @@
           <p:spPr>
             <a:xfrm>
               <a:off x="7048010" y="2464189"/>
-              <a:ext cx="2800435" cy="261610"/>
+              <a:ext cx="2800435" cy="261609"/>
             </a:xfrm>
             <a:prstGeom prst="rect">
               <a:avLst/>
@@ -17713,7 +17713,7 @@
         </p:nvSpPr>
         <p:spPr>
           <a:xfrm rot="16200000" flipV="1">
-            <a:off x="9966518" y="2342532"/>
+            <a:off x="9870141" y="2401839"/>
             <a:ext cx="3566704" cy="495808"/>
           </a:xfrm>
           <a:prstGeom prst="uturnArrow">
@@ -17767,7 +17767,7 @@
         </p:nvSpPr>
         <p:spPr>
           <a:xfrm>
-            <a:off x="11277774" y="3526375"/>
+            <a:off x="11181403" y="3585682"/>
             <a:ext cx="220337" cy="304330"/>
           </a:xfrm>
           <a:prstGeom prst="downArrow">
@@ -17819,7 +17819,7 @@
         </p:nvSpPr>
         <p:spPr>
           <a:xfrm rot="5400000">
-            <a:off x="10471434" y="2598569"/>
+            <a:off x="10375058" y="2657876"/>
             <a:ext cx="2468788" cy="296876"/>
           </a:xfrm>
           <a:prstGeom prst="rect">
@@ -17877,7 +17877,7 @@
         </p:nvSpPr>
         <p:spPr>
           <a:xfrm rot="10800000">
-            <a:off x="3546311" y="79493"/>
+            <a:off x="3449934" y="138801"/>
             <a:ext cx="8752132" cy="4932774"/>
           </a:xfrm>
           <a:prstGeom prst="corner">
@@ -17937,8 +17937,8 @@
         </p:nvCxnSpPr>
         <p:spPr>
           <a:xfrm flipV="1">
-            <a:off x="7321186" y="3157345"/>
-            <a:ext cx="1111215" cy="909386"/>
+            <a:off x="7225309" y="3216659"/>
+            <a:ext cx="1110721" cy="847395"/>
           </a:xfrm>
           <a:prstGeom prst="curvedConnector3">
             <a:avLst/>
@@ -17980,7 +17980,7 @@
         </p:nvGrpSpPr>
         <p:grpSpPr>
           <a:xfrm>
-            <a:off x="3673802" y="1766164"/>
+            <a:off x="3577432" y="1825471"/>
             <a:ext cx="4051401" cy="1358054"/>
             <a:chOff x="3390598" y="1821226"/>
             <a:chExt cx="4051401" cy="1358054"/>
@@ -18321,10 +18321,10 @@
                     <a:defRPr/>
                   </a:pPr>
                   <a:r>
-                    <a:rPr lang="en-US" sz="700"/>
+                    <a:rPr lang="en-US" sz="700" dirty="0"/>
                     <a:t>Mono Scripts Implemented Entity Interface</a:t>
                   </a:r>
-                  <a:endParaRPr lang="en-US" sz="1100"/>
+                  <a:endParaRPr lang="en-US" sz="1100" dirty="0"/>
                 </a:p>
               </p:txBody>
             </p:sp>
@@ -18952,7 +18952,7 @@
         </p:nvCxnSpPr>
         <p:spPr>
           <a:xfrm>
-            <a:off x="1685834" y="3466132"/>
+            <a:off x="1589457" y="3525440"/>
             <a:ext cx="0" cy="212408"/>
           </a:xfrm>
           <a:prstGeom prst="straightConnector1">
@@ -18991,7 +18991,7 @@
         </p:nvGrpSpPr>
         <p:grpSpPr>
           <a:xfrm>
-            <a:off x="207500" y="149897"/>
+            <a:off x="111125" y="209205"/>
             <a:ext cx="3079879" cy="1682738"/>
             <a:chOff x="284091" y="91500"/>
             <a:chExt cx="3079879" cy="1682738"/>
@@ -19255,7 +19255,7 @@
               </a:fontRef>
             </p:style>
             <p:txBody>
-              <a:bodyPr lIns="91440" tIns="45720" rIns="35560" bIns="45720" rtlCol="0" anchor="ctr">
+              <a:bodyPr lIns="91440" tIns="45720" rIns="35559" bIns="45720" rtlCol="0" anchor="ctr">
                 <a:noAutofit/>
               </a:bodyPr>
               <a:lstStyle/>
@@ -19752,7 +19752,7 @@
               </a:fontRef>
             </p:style>
             <p:txBody>
-              <a:bodyPr lIns="91440" tIns="45720" rIns="35560" bIns="45720" rtlCol="0" anchor="ctr">
+              <a:bodyPr lIns="91440" tIns="45720" rIns="35559" bIns="45720" rtlCol="0" anchor="ctr">
                 <a:noAutofit/>
               </a:bodyPr>
               <a:lstStyle/>
@@ -19774,7 +19774,7 @@
         </p:nvSpPr>
         <p:spPr>
           <a:xfrm>
-            <a:off x="247419" y="2056197"/>
+            <a:off x="151047" y="2115509"/>
             <a:ext cx="2983571" cy="1397127"/>
           </a:xfrm>
           <a:prstGeom prst="roundRect">
@@ -19819,7 +19819,7 @@
         </p:nvGrpSpPr>
         <p:grpSpPr>
           <a:xfrm>
-            <a:off x="339568" y="2414872"/>
+            <a:off x="243191" y="2474184"/>
             <a:ext cx="1319306" cy="873207"/>
             <a:chOff x="2849604" y="5857387"/>
             <a:chExt cx="2280543" cy="1323090"/>
@@ -20385,7 +20385,7 @@
         </p:nvGrpSpPr>
         <p:grpSpPr>
           <a:xfrm>
-            <a:off x="1782885" y="2497274"/>
+            <a:off x="1686515" y="2556588"/>
             <a:ext cx="1320333" cy="710715"/>
             <a:chOff x="201783" y="7309654"/>
             <a:chExt cx="1214093" cy="429113"/>
@@ -20594,7 +20594,7 @@
         </p:nvSpPr>
         <p:spPr>
           <a:xfrm>
-            <a:off x="239526" y="2038407"/>
+            <a:off x="143154" y="2097715"/>
             <a:ext cx="2413341" cy="335688"/>
           </a:xfrm>
           <a:prstGeom prst="rect">
@@ -20642,13 +20642,13 @@
           <p:nvPr>
             <p:extLst>
               <p:ext uri="{D42A27DB-BD31-4B8C-83A1-F6EECF244321}">
-                <p14:modId xmlns:p14="http://schemas.microsoft.com/office/powerpoint/2010/main" val="3773183059"/>
+                <p14:modId xmlns:p14="http://schemas.microsoft.com/office/powerpoint/2010/main" val="692604605"/>
               </p:ext>
             </p:extLst>
           </p:nvPr>
         </p:nvGraphicFramePr>
         <p:xfrm>
-          <a:off x="1865257" y="5488213"/>
+          <a:off x="1768887" y="5547520"/>
           <a:ext cx="1204349" cy="792480"/>
         </p:xfrm>
         <a:graphic>
@@ -20666,7 +20666,7 @@
                   </a:extLst>
                 </a:gridCol>
               </a:tblGrid>
-              <a:tr h="167915">
+              <a:tr h="243840">
                 <a:tc>
                   <a:txBody>
                     <a:bodyPr/>
@@ -20726,7 +20726,7 @@
                   </a:ext>
                 </a:extLst>
               </a:tr>
-              <a:tr h="146926">
+              <a:tr h="213360">
                 <a:tc>
                   <a:txBody>
                     <a:bodyPr/>
@@ -20751,7 +20751,7 @@
                   </a:ext>
                 </a:extLst>
               </a:tr>
-              <a:tr h="230883">
+              <a:tr h="335280">
                 <a:tc>
                   <a:txBody>
                     <a:bodyPr/>
@@ -20796,7 +20796,7 @@
         </p:nvSpPr>
         <p:spPr>
           <a:xfrm>
-            <a:off x="246613" y="3662870"/>
+            <a:off x="150240" y="3722177"/>
             <a:ext cx="2413341" cy="335688"/>
           </a:xfrm>
           <a:prstGeom prst="rect">
@@ -20843,7 +20843,7 @@
         </p:nvSpPr>
         <p:spPr>
           <a:xfrm>
-            <a:off x="255923" y="3673369"/>
+            <a:off x="159551" y="3732675"/>
             <a:ext cx="3062509" cy="2818644"/>
           </a:xfrm>
           <a:prstGeom prst="roundRect">
@@ -20888,7 +20888,7 @@
         </p:nvSpPr>
         <p:spPr>
           <a:xfrm>
-            <a:off x="332619" y="5271107"/>
+            <a:off x="236241" y="5330413"/>
             <a:ext cx="2880742" cy="1085244"/>
           </a:xfrm>
           <a:prstGeom prst="roundRect">
@@ -20938,7 +20938,7 @@
         </p:nvGrpSpPr>
         <p:grpSpPr>
           <a:xfrm>
-            <a:off x="493141" y="5230330"/>
+            <a:off x="396769" y="5289638"/>
             <a:ext cx="2027683" cy="1016322"/>
             <a:chOff x="493141" y="5230330"/>
             <a:chExt cx="2027683" cy="1016322"/>
@@ -21722,7 +21722,7 @@
               </a:fontRef>
             </p:style>
             <p:txBody>
-              <a:bodyPr lIns="91440" tIns="45720" rIns="35560" bIns="45720" rtlCol="0" anchor="ctr">
+              <a:bodyPr lIns="91440" tIns="45720" rIns="35559" bIns="45720" rtlCol="0" anchor="ctr">
                 <a:noAutofit/>
               </a:bodyPr>
               <a:lstStyle/>
@@ -21805,7 +21805,7 @@
         </p:nvGrpSpPr>
         <p:grpSpPr>
           <a:xfrm>
-            <a:off x="301960" y="4002766"/>
+            <a:off x="205588" y="4062078"/>
             <a:ext cx="2937363" cy="1173619"/>
             <a:chOff x="388700" y="4145621"/>
             <a:chExt cx="2937363" cy="1173619"/>
@@ -22403,7 +22403,7 @@
         </p:nvCxnSpPr>
         <p:spPr>
           <a:xfrm flipV="1">
-            <a:off x="2262591" y="4698728"/>
+            <a:off x="2166221" y="4758035"/>
             <a:ext cx="258233" cy="42332"/>
           </a:xfrm>
           <a:prstGeom prst="line">

--- a/Paper Reading/____Writing/Fig_Overview.pptx
+++ b/Paper Reading/____Writing/Fig_Overview.pptx
@@ -516,7 +516,7 @@
   </p:cSld>
   <p:clrMap bg1="lt1" tx1="dk1" bg2="lt2" tx2="dk2" accent1="accent1" accent2="accent2" accent3="accent3" accent4="accent4" accent5="accent5" accent6="accent6" hlink="hlink" folHlink="folHlink"/>
   <p:notesStyle>
-    <a:lvl1pPr marL="0" algn="l" defTabSz="858321" rtl="0" eaLnBrk="1" latinLnBrk="0" hangingPunct="1">
+    <a:lvl1pPr marL="0" algn="l" defTabSz="858192" rtl="0" eaLnBrk="1" latinLnBrk="0" hangingPunct="1">
       <a:defRPr sz="1126" kern="1200">
         <a:solidFill>
           <a:schemeClr val="tx1"/>
@@ -526,7 +526,7 @@
         <a:cs typeface="+mn-cs"/>
       </a:defRPr>
     </a:lvl1pPr>
-    <a:lvl2pPr marL="429161" algn="l" defTabSz="858321" rtl="0" eaLnBrk="1" latinLnBrk="0" hangingPunct="1">
+    <a:lvl2pPr marL="429098" algn="l" defTabSz="858192" rtl="0" eaLnBrk="1" latinLnBrk="0" hangingPunct="1">
       <a:defRPr sz="1126" kern="1200">
         <a:solidFill>
           <a:schemeClr val="tx1"/>
@@ -536,7 +536,7 @@
         <a:cs typeface="+mn-cs"/>
       </a:defRPr>
     </a:lvl2pPr>
-    <a:lvl3pPr marL="858321" algn="l" defTabSz="858321" rtl="0" eaLnBrk="1" latinLnBrk="0" hangingPunct="1">
+    <a:lvl3pPr marL="858192" algn="l" defTabSz="858192" rtl="0" eaLnBrk="1" latinLnBrk="0" hangingPunct="1">
       <a:defRPr sz="1126" kern="1200">
         <a:solidFill>
           <a:schemeClr val="tx1"/>
@@ -546,7 +546,7 @@
         <a:cs typeface="+mn-cs"/>
       </a:defRPr>
     </a:lvl3pPr>
-    <a:lvl4pPr marL="1287482" algn="l" defTabSz="858321" rtl="0" eaLnBrk="1" latinLnBrk="0" hangingPunct="1">
+    <a:lvl4pPr marL="1287290" algn="l" defTabSz="858192" rtl="0" eaLnBrk="1" latinLnBrk="0" hangingPunct="1">
       <a:defRPr sz="1126" kern="1200">
         <a:solidFill>
           <a:schemeClr val="tx1"/>
@@ -556,7 +556,7 @@
         <a:cs typeface="+mn-cs"/>
       </a:defRPr>
     </a:lvl4pPr>
-    <a:lvl5pPr marL="1716643" algn="l" defTabSz="858321" rtl="0" eaLnBrk="1" latinLnBrk="0" hangingPunct="1">
+    <a:lvl5pPr marL="1716385" algn="l" defTabSz="858192" rtl="0" eaLnBrk="1" latinLnBrk="0" hangingPunct="1">
       <a:defRPr sz="1126" kern="1200">
         <a:solidFill>
           <a:schemeClr val="tx1"/>
@@ -566,7 +566,7 @@
         <a:cs typeface="+mn-cs"/>
       </a:defRPr>
     </a:lvl5pPr>
-    <a:lvl6pPr marL="2145803" algn="l" defTabSz="858321" rtl="0" eaLnBrk="1" latinLnBrk="0" hangingPunct="1">
+    <a:lvl6pPr marL="2145482" algn="l" defTabSz="858192" rtl="0" eaLnBrk="1" latinLnBrk="0" hangingPunct="1">
       <a:defRPr sz="1126" kern="1200">
         <a:solidFill>
           <a:schemeClr val="tx1"/>
@@ -576,7 +576,7 @@
         <a:cs typeface="+mn-cs"/>
       </a:defRPr>
     </a:lvl6pPr>
-    <a:lvl7pPr marL="2574964" algn="l" defTabSz="858321" rtl="0" eaLnBrk="1" latinLnBrk="0" hangingPunct="1">
+    <a:lvl7pPr marL="2574580" algn="l" defTabSz="858192" rtl="0" eaLnBrk="1" latinLnBrk="0" hangingPunct="1">
       <a:defRPr sz="1126" kern="1200">
         <a:solidFill>
           <a:schemeClr val="tx1"/>
@@ -586,7 +586,7 @@
         <a:cs typeface="+mn-cs"/>
       </a:defRPr>
     </a:lvl7pPr>
-    <a:lvl8pPr marL="3004125" algn="l" defTabSz="858321" rtl="0" eaLnBrk="1" latinLnBrk="0" hangingPunct="1">
+    <a:lvl8pPr marL="3003675" algn="l" defTabSz="858192" rtl="0" eaLnBrk="1" latinLnBrk="0" hangingPunct="1">
       <a:defRPr sz="1126" kern="1200">
         <a:solidFill>
           <a:schemeClr val="tx1"/>
@@ -596,7 +596,7 @@
         <a:cs typeface="+mn-cs"/>
       </a:defRPr>
     </a:lvl8pPr>
-    <a:lvl9pPr marL="3433285" algn="l" defTabSz="858321" rtl="0" eaLnBrk="1" latinLnBrk="0" hangingPunct="1">
+    <a:lvl9pPr marL="3432772" algn="l" defTabSz="858192" rtl="0" eaLnBrk="1" latinLnBrk="0" hangingPunct="1">
       <a:defRPr sz="1126" kern="1200">
         <a:solidFill>
           <a:schemeClr val="tx1"/>
@@ -888,7 +888,7 @@
         </p:nvSpPr>
         <p:spPr>
           <a:xfrm>
-            <a:off x="1154317" y="634035"/>
+            <a:off x="1154320" y="634038"/>
             <a:ext cx="6925865" cy="1348781"/>
           </a:xfrm>
           <a:prstGeom prst="rect">
@@ -1028,7 +1028,7 @@
         </p:nvSpPr>
         <p:spPr>
           <a:xfrm>
-            <a:off x="1154317" y="2034833"/>
+            <a:off x="1154320" y="2034833"/>
             <a:ext cx="6925865" cy="935358"/>
           </a:xfrm>
           <a:prstGeom prst="rect">
@@ -1348,7 +1348,7 @@
         </p:nvSpPr>
         <p:spPr>
           <a:xfrm>
-            <a:off x="3058925" y="3590772"/>
+            <a:off x="3058928" y="3590772"/>
             <a:ext cx="3116639" cy="206262"/>
           </a:xfrm>
           <a:prstGeom prst="rect">
@@ -1608,7 +1608,7 @@
         </p:nvSpPr>
         <p:spPr>
           <a:xfrm>
-            <a:off x="634877" y="206263"/>
+            <a:off x="634877" y="206266"/>
             <a:ext cx="7964746" cy="748825"/>
           </a:xfrm>
           <a:prstGeom prst="rect">
@@ -1747,7 +1747,7 @@
         </p:nvSpPr>
         <p:spPr>
           <a:xfrm rot="5400000">
-            <a:off x="3388191" y="-1721997"/>
+            <a:off x="3388194" y="-1721997"/>
             <a:ext cx="2458117" cy="7964746"/>
           </a:xfrm>
           <a:prstGeom prst="rect">
@@ -1763,7 +1763,7 @@
             <a:normAutofit/>
           </a:bodyPr>
           <a:lstStyle>
-            <a:lvl1pPr marL="457220" lvl="0" indent="-317514" algn="l">
+            <a:lvl1pPr marL="457151" lvl="0" indent="-317466" algn="l">
               <a:lnSpc>
                 <a:spcPct val="90000"/>
               </a:lnSpc>
@@ -1780,7 +1780,7 @@
               <a:buChar char="•"/>
               <a:defRPr/>
             </a:lvl1pPr>
-            <a:lvl2pPr marL="914439" lvl="1" indent="-317514" algn="l">
+            <a:lvl2pPr marL="914304" lvl="1" indent="-317466" algn="l">
               <a:lnSpc>
                 <a:spcPct val="90000"/>
               </a:lnSpc>
@@ -1797,7 +1797,7 @@
               <a:buChar char="•"/>
               <a:defRPr/>
             </a:lvl2pPr>
-            <a:lvl3pPr marL="1371660" lvl="2" indent="-317514" algn="l">
+            <a:lvl3pPr marL="1371456" lvl="2" indent="-317466" algn="l">
               <a:lnSpc>
                 <a:spcPct val="90000"/>
               </a:lnSpc>
@@ -1814,7 +1814,7 @@
               <a:buChar char="•"/>
               <a:defRPr/>
             </a:lvl3pPr>
-            <a:lvl4pPr marL="1828881" lvl="3" indent="-317514" algn="l">
+            <a:lvl4pPr marL="1828608" lvl="3" indent="-317466" algn="l">
               <a:lnSpc>
                 <a:spcPct val="90000"/>
               </a:lnSpc>
@@ -1831,7 +1831,7 @@
               <a:buChar char="•"/>
               <a:defRPr/>
             </a:lvl4pPr>
-            <a:lvl5pPr marL="2286100" lvl="4" indent="-317514" algn="l">
+            <a:lvl5pPr marL="2285758" lvl="4" indent="-317466" algn="l">
               <a:lnSpc>
                 <a:spcPct val="90000"/>
               </a:lnSpc>
@@ -1848,7 +1848,7 @@
               <a:buChar char="•"/>
               <a:defRPr/>
             </a:lvl5pPr>
-            <a:lvl6pPr marL="2743320" lvl="5" indent="-317514" algn="l">
+            <a:lvl6pPr marL="2742909" lvl="5" indent="-317466" algn="l">
               <a:lnSpc>
                 <a:spcPct val="90000"/>
               </a:lnSpc>
@@ -1865,7 +1865,7 @@
               <a:buChar char="•"/>
               <a:defRPr/>
             </a:lvl6pPr>
-            <a:lvl7pPr marL="3200541" lvl="6" indent="-317514" algn="l">
+            <a:lvl7pPr marL="3200061" lvl="6" indent="-317466" algn="l">
               <a:lnSpc>
                 <a:spcPct val="90000"/>
               </a:lnSpc>
@@ -1882,7 +1882,7 @@
               <a:buChar char="•"/>
               <a:defRPr/>
             </a:lvl7pPr>
-            <a:lvl8pPr marL="3657761" lvl="7" indent="-317514" algn="l">
+            <a:lvl8pPr marL="3657212" lvl="7" indent="-317466" algn="l">
               <a:lnSpc>
                 <a:spcPct val="90000"/>
               </a:lnSpc>
@@ -1899,7 +1899,7 @@
               <a:buChar char="•"/>
               <a:defRPr/>
             </a:lvl8pPr>
-            <a:lvl9pPr marL="4114981" lvl="8" indent="-317514" algn="l">
+            <a:lvl9pPr marL="4114366" lvl="8" indent="-317466" algn="l">
               <a:lnSpc>
                 <a:spcPct val="90000"/>
               </a:lnSpc>
@@ -2067,7 +2067,7 @@
         </p:nvSpPr>
         <p:spPr>
           <a:xfrm>
-            <a:off x="3058925" y="3590772"/>
+            <a:off x="3058928" y="3590772"/>
             <a:ext cx="3116639" cy="206262"/>
           </a:xfrm>
           <a:prstGeom prst="rect">
@@ -2482,7 +2482,7 @@
             <a:normAutofit/>
           </a:bodyPr>
           <a:lstStyle>
-            <a:lvl1pPr marL="457220" lvl="0" indent="-317514" algn="l">
+            <a:lvl1pPr marL="457151" lvl="0" indent="-317466" algn="l">
               <a:lnSpc>
                 <a:spcPct val="90000"/>
               </a:lnSpc>
@@ -2499,7 +2499,7 @@
               <a:buChar char="•"/>
               <a:defRPr/>
             </a:lvl1pPr>
-            <a:lvl2pPr marL="914439" lvl="1" indent="-317514" algn="l">
+            <a:lvl2pPr marL="914304" lvl="1" indent="-317466" algn="l">
               <a:lnSpc>
                 <a:spcPct val="90000"/>
               </a:lnSpc>
@@ -2516,7 +2516,7 @@
               <a:buChar char="•"/>
               <a:defRPr/>
             </a:lvl2pPr>
-            <a:lvl3pPr marL="1371660" lvl="2" indent="-317514" algn="l">
+            <a:lvl3pPr marL="1371456" lvl="2" indent="-317466" algn="l">
               <a:lnSpc>
                 <a:spcPct val="90000"/>
               </a:lnSpc>
@@ -2533,7 +2533,7 @@
               <a:buChar char="•"/>
               <a:defRPr/>
             </a:lvl3pPr>
-            <a:lvl4pPr marL="1828881" lvl="3" indent="-317514" algn="l">
+            <a:lvl4pPr marL="1828608" lvl="3" indent="-317466" algn="l">
               <a:lnSpc>
                 <a:spcPct val="90000"/>
               </a:lnSpc>
@@ -2550,7 +2550,7 @@
               <a:buChar char="•"/>
               <a:defRPr/>
             </a:lvl4pPr>
-            <a:lvl5pPr marL="2286100" lvl="4" indent="-317514" algn="l">
+            <a:lvl5pPr marL="2285758" lvl="4" indent="-317466" algn="l">
               <a:lnSpc>
                 <a:spcPct val="90000"/>
               </a:lnSpc>
@@ -2567,7 +2567,7 @@
               <a:buChar char="•"/>
               <a:defRPr/>
             </a:lvl5pPr>
-            <a:lvl6pPr marL="2743320" lvl="5" indent="-317514" algn="l">
+            <a:lvl6pPr marL="2742909" lvl="5" indent="-317466" algn="l">
               <a:lnSpc>
                 <a:spcPct val="90000"/>
               </a:lnSpc>
@@ -2584,7 +2584,7 @@
               <a:buChar char="•"/>
               <a:defRPr/>
             </a:lvl6pPr>
-            <a:lvl7pPr marL="3200541" lvl="6" indent="-317514" algn="l">
+            <a:lvl7pPr marL="3200061" lvl="6" indent="-317466" algn="l">
               <a:lnSpc>
                 <a:spcPct val="90000"/>
               </a:lnSpc>
@@ -2601,7 +2601,7 @@
               <a:buChar char="•"/>
               <a:defRPr/>
             </a:lvl7pPr>
-            <a:lvl8pPr marL="3657761" lvl="7" indent="-317514" algn="l">
+            <a:lvl8pPr marL="3657212" lvl="7" indent="-317466" algn="l">
               <a:lnSpc>
                 <a:spcPct val="90000"/>
               </a:lnSpc>
@@ -2618,7 +2618,7 @@
               <a:buChar char="•"/>
               <a:defRPr/>
             </a:lvl8pPr>
-            <a:lvl9pPr marL="4114981" lvl="8" indent="-317514" algn="l">
+            <a:lvl9pPr marL="4114366" lvl="8" indent="-317466" algn="l">
               <a:lnSpc>
                 <a:spcPct val="90000"/>
               </a:lnSpc>
@@ -2786,7 +2786,7 @@
         </p:nvSpPr>
         <p:spPr>
           <a:xfrm>
-            <a:off x="3058925" y="3590772"/>
+            <a:off x="3058928" y="3590772"/>
             <a:ext cx="3116639" cy="206262"/>
           </a:xfrm>
           <a:prstGeom prst="rect">
@@ -3110,7 +3110,7 @@
         </p:nvSpPr>
         <p:spPr>
           <a:xfrm>
-            <a:off x="1210667" y="3447010"/>
+            <a:off x="1210667" y="3447013"/>
             <a:ext cx="9896170" cy="1109033"/>
           </a:xfrm>
           <a:prstGeom prst="rect">
@@ -3396,7 +3396,7 @@
         </p:nvSpPr>
         <p:spPr>
           <a:xfrm>
-            <a:off x="634877" y="206263"/>
+            <a:off x="634877" y="206266"/>
             <a:ext cx="7964746" cy="748825"/>
           </a:xfrm>
           <a:prstGeom prst="rect">
@@ -3535,7 +3535,7 @@
         </p:nvSpPr>
         <p:spPr>
           <a:xfrm>
-            <a:off x="634877" y="1031322"/>
+            <a:off x="634877" y="1031325"/>
             <a:ext cx="7964746" cy="2458117"/>
           </a:xfrm>
           <a:prstGeom prst="rect">
@@ -3551,7 +3551,7 @@
             <a:normAutofit/>
           </a:bodyPr>
           <a:lstStyle>
-            <a:lvl1pPr marL="457220" lvl="0" indent="-317514" algn="l">
+            <a:lvl1pPr marL="457151" lvl="0" indent="-317466" algn="l">
               <a:lnSpc>
                 <a:spcPct val="90000"/>
               </a:lnSpc>
@@ -3568,7 +3568,7 @@
               <a:buChar char="•"/>
               <a:defRPr/>
             </a:lvl1pPr>
-            <a:lvl2pPr marL="914439" lvl="1" indent="-317514" algn="l">
+            <a:lvl2pPr marL="914304" lvl="1" indent="-317466" algn="l">
               <a:lnSpc>
                 <a:spcPct val="90000"/>
               </a:lnSpc>
@@ -3585,7 +3585,7 @@
               <a:buChar char="•"/>
               <a:defRPr/>
             </a:lvl2pPr>
-            <a:lvl3pPr marL="1371660" lvl="2" indent="-317514" algn="l">
+            <a:lvl3pPr marL="1371456" lvl="2" indent="-317466" algn="l">
               <a:lnSpc>
                 <a:spcPct val="90000"/>
               </a:lnSpc>
@@ -3602,7 +3602,7 @@
               <a:buChar char="•"/>
               <a:defRPr/>
             </a:lvl3pPr>
-            <a:lvl4pPr marL="1828881" lvl="3" indent="-317514" algn="l">
+            <a:lvl4pPr marL="1828608" lvl="3" indent="-317466" algn="l">
               <a:lnSpc>
                 <a:spcPct val="90000"/>
               </a:lnSpc>
@@ -3619,7 +3619,7 @@
               <a:buChar char="•"/>
               <a:defRPr/>
             </a:lvl4pPr>
-            <a:lvl5pPr marL="2286100" lvl="4" indent="-317514" algn="l">
+            <a:lvl5pPr marL="2285758" lvl="4" indent="-317466" algn="l">
               <a:lnSpc>
                 <a:spcPct val="90000"/>
               </a:lnSpc>
@@ -3636,7 +3636,7 @@
               <a:buChar char="•"/>
               <a:defRPr/>
             </a:lvl5pPr>
-            <a:lvl6pPr marL="2743320" lvl="5" indent="-317514" algn="l">
+            <a:lvl6pPr marL="2742909" lvl="5" indent="-317466" algn="l">
               <a:lnSpc>
                 <a:spcPct val="90000"/>
               </a:lnSpc>
@@ -3653,7 +3653,7 @@
               <a:buChar char="•"/>
               <a:defRPr/>
             </a:lvl6pPr>
-            <a:lvl7pPr marL="3200541" lvl="6" indent="-317514" algn="l">
+            <a:lvl7pPr marL="3200061" lvl="6" indent="-317466" algn="l">
               <a:lnSpc>
                 <a:spcPct val="90000"/>
               </a:lnSpc>
@@ -3670,7 +3670,7 @@
               <a:buChar char="•"/>
               <a:defRPr/>
             </a:lvl7pPr>
-            <a:lvl8pPr marL="3657761" lvl="7" indent="-317514" algn="l">
+            <a:lvl8pPr marL="3657212" lvl="7" indent="-317466" algn="l">
               <a:lnSpc>
                 <a:spcPct val="90000"/>
               </a:lnSpc>
@@ -3687,7 +3687,7 @@
               <a:buChar char="•"/>
               <a:defRPr/>
             </a:lvl8pPr>
-            <a:lvl9pPr marL="4114981" lvl="8" indent="-317514" algn="l">
+            <a:lvl9pPr marL="4114366" lvl="8" indent="-317466" algn="l">
               <a:lnSpc>
                 <a:spcPct val="90000"/>
               </a:lnSpc>
@@ -3855,7 +3855,7 @@
         </p:nvSpPr>
         <p:spPr>
           <a:xfrm>
-            <a:off x="3058925" y="3590772"/>
+            <a:off x="3058928" y="3590772"/>
             <a:ext cx="3116639" cy="206262"/>
           </a:xfrm>
           <a:prstGeom prst="rect">
@@ -4271,7 +4271,7 @@
             <a:normAutofit/>
           </a:bodyPr>
           <a:lstStyle>
-            <a:lvl1pPr marL="457220" lvl="0" indent="-228610" algn="l">
+            <a:lvl1pPr marL="457151" lvl="0" indent="-228577" algn="l">
               <a:lnSpc>
                 <a:spcPct val="90000"/>
               </a:lnSpc>
@@ -4292,7 +4292,7 @@
                 </a:solidFill>
               </a:defRPr>
             </a:lvl1pPr>
-            <a:lvl2pPr marL="914439" lvl="1" indent="-228610" algn="l">
+            <a:lvl2pPr marL="914304" lvl="1" indent="-228577" algn="l">
               <a:lnSpc>
                 <a:spcPct val="90000"/>
               </a:lnSpc>
@@ -4313,7 +4313,7 @@
                 </a:solidFill>
               </a:defRPr>
             </a:lvl2pPr>
-            <a:lvl3pPr marL="1371660" lvl="2" indent="-228610" algn="l">
+            <a:lvl3pPr marL="1371456" lvl="2" indent="-228577" algn="l">
               <a:lnSpc>
                 <a:spcPct val="90000"/>
               </a:lnSpc>
@@ -4334,7 +4334,7 @@
                 </a:solidFill>
               </a:defRPr>
             </a:lvl3pPr>
-            <a:lvl4pPr marL="1828881" lvl="3" indent="-228610" algn="l">
+            <a:lvl4pPr marL="1828608" lvl="3" indent="-228577" algn="l">
               <a:lnSpc>
                 <a:spcPct val="90000"/>
               </a:lnSpc>
@@ -4355,7 +4355,7 @@
                 </a:solidFill>
               </a:defRPr>
             </a:lvl4pPr>
-            <a:lvl5pPr marL="2286100" lvl="4" indent="-228610" algn="l">
+            <a:lvl5pPr marL="2285758" lvl="4" indent="-228577" algn="l">
               <a:lnSpc>
                 <a:spcPct val="90000"/>
               </a:lnSpc>
@@ -4376,7 +4376,7 @@
                 </a:solidFill>
               </a:defRPr>
             </a:lvl5pPr>
-            <a:lvl6pPr marL="2743320" lvl="5" indent="-228610" algn="l">
+            <a:lvl6pPr marL="2742909" lvl="5" indent="-228577" algn="l">
               <a:lnSpc>
                 <a:spcPct val="90000"/>
               </a:lnSpc>
@@ -4397,7 +4397,7 @@
                 </a:solidFill>
               </a:defRPr>
             </a:lvl6pPr>
-            <a:lvl7pPr marL="3200541" lvl="6" indent="-228610" algn="l">
+            <a:lvl7pPr marL="3200061" lvl="6" indent="-228577" algn="l">
               <a:lnSpc>
                 <a:spcPct val="90000"/>
               </a:lnSpc>
@@ -4418,7 +4418,7 @@
                 </a:solidFill>
               </a:defRPr>
             </a:lvl7pPr>
-            <a:lvl8pPr marL="3657761" lvl="7" indent="-228610" algn="l">
+            <a:lvl8pPr marL="3657212" lvl="7" indent="-228577" algn="l">
               <a:lnSpc>
                 <a:spcPct val="90000"/>
               </a:lnSpc>
@@ -4439,7 +4439,7 @@
                 </a:solidFill>
               </a:defRPr>
             </a:lvl8pPr>
-            <a:lvl9pPr marL="4114981" lvl="8" indent="-228610" algn="l">
+            <a:lvl9pPr marL="4114366" lvl="8" indent="-228577" algn="l">
               <a:lnSpc>
                 <a:spcPct val="90000"/>
               </a:lnSpc>
@@ -4611,7 +4611,7 @@
         </p:nvSpPr>
         <p:spPr>
           <a:xfrm>
-            <a:off x="3058925" y="3590772"/>
+            <a:off x="3058928" y="3590772"/>
             <a:ext cx="3116639" cy="206262"/>
           </a:xfrm>
           <a:prstGeom prst="rect">
@@ -4871,7 +4871,7 @@
         </p:nvSpPr>
         <p:spPr>
           <a:xfrm>
-            <a:off x="634877" y="206263"/>
+            <a:off x="634877" y="206266"/>
             <a:ext cx="7964746" cy="748825"/>
           </a:xfrm>
           <a:prstGeom prst="rect">
@@ -5010,7 +5010,7 @@
         </p:nvSpPr>
         <p:spPr>
           <a:xfrm>
-            <a:off x="634874" y="1031322"/>
+            <a:off x="634874" y="1031325"/>
             <a:ext cx="3924657" cy="2458117"/>
           </a:xfrm>
           <a:prstGeom prst="rect">
@@ -5026,7 +5026,7 @@
             <a:normAutofit/>
           </a:bodyPr>
           <a:lstStyle>
-            <a:lvl1pPr marL="457220" lvl="0" indent="-317514" algn="l">
+            <a:lvl1pPr marL="457151" lvl="0" indent="-317466" algn="l">
               <a:lnSpc>
                 <a:spcPct val="90000"/>
               </a:lnSpc>
@@ -5043,7 +5043,7 @@
               <a:buChar char="•"/>
               <a:defRPr/>
             </a:lvl1pPr>
-            <a:lvl2pPr marL="914439" lvl="1" indent="-317514" algn="l">
+            <a:lvl2pPr marL="914304" lvl="1" indent="-317466" algn="l">
               <a:lnSpc>
                 <a:spcPct val="90000"/>
               </a:lnSpc>
@@ -5060,7 +5060,7 @@
               <a:buChar char="•"/>
               <a:defRPr/>
             </a:lvl2pPr>
-            <a:lvl3pPr marL="1371660" lvl="2" indent="-317514" algn="l">
+            <a:lvl3pPr marL="1371456" lvl="2" indent="-317466" algn="l">
               <a:lnSpc>
                 <a:spcPct val="90000"/>
               </a:lnSpc>
@@ -5077,7 +5077,7 @@
               <a:buChar char="•"/>
               <a:defRPr/>
             </a:lvl3pPr>
-            <a:lvl4pPr marL="1828881" lvl="3" indent="-317514" algn="l">
+            <a:lvl4pPr marL="1828608" lvl="3" indent="-317466" algn="l">
               <a:lnSpc>
                 <a:spcPct val="90000"/>
               </a:lnSpc>
@@ -5094,7 +5094,7 @@
               <a:buChar char="•"/>
               <a:defRPr/>
             </a:lvl4pPr>
-            <a:lvl5pPr marL="2286100" lvl="4" indent="-317514" algn="l">
+            <a:lvl5pPr marL="2285758" lvl="4" indent="-317466" algn="l">
               <a:lnSpc>
                 <a:spcPct val="90000"/>
               </a:lnSpc>
@@ -5111,7 +5111,7 @@
               <a:buChar char="•"/>
               <a:defRPr/>
             </a:lvl5pPr>
-            <a:lvl6pPr marL="2743320" lvl="5" indent="-317514" algn="l">
+            <a:lvl6pPr marL="2742909" lvl="5" indent="-317466" algn="l">
               <a:lnSpc>
                 <a:spcPct val="90000"/>
               </a:lnSpc>
@@ -5128,7 +5128,7 @@
               <a:buChar char="•"/>
               <a:defRPr/>
             </a:lvl6pPr>
-            <a:lvl7pPr marL="3200541" lvl="6" indent="-317514" algn="l">
+            <a:lvl7pPr marL="3200061" lvl="6" indent="-317466" algn="l">
               <a:lnSpc>
                 <a:spcPct val="90000"/>
               </a:lnSpc>
@@ -5145,7 +5145,7 @@
               <a:buChar char="•"/>
               <a:defRPr/>
             </a:lvl7pPr>
-            <a:lvl8pPr marL="3657761" lvl="7" indent="-317514" algn="l">
+            <a:lvl8pPr marL="3657212" lvl="7" indent="-317466" algn="l">
               <a:lnSpc>
                 <a:spcPct val="90000"/>
               </a:lnSpc>
@@ -5162,7 +5162,7 @@
               <a:buChar char="•"/>
               <a:defRPr/>
             </a:lvl8pPr>
-            <a:lvl9pPr marL="4114981" lvl="8" indent="-317514" algn="l">
+            <a:lvl9pPr marL="4114366" lvl="8" indent="-317466" algn="l">
               <a:lnSpc>
                 <a:spcPct val="90000"/>
               </a:lnSpc>
@@ -5197,7 +5197,7 @@
         </p:nvSpPr>
         <p:spPr>
           <a:xfrm>
-            <a:off x="4674962" y="1031322"/>
+            <a:off x="4674965" y="1031325"/>
             <a:ext cx="3924657" cy="2458117"/>
           </a:xfrm>
           <a:prstGeom prst="rect">
@@ -5213,7 +5213,7 @@
             <a:normAutofit/>
           </a:bodyPr>
           <a:lstStyle>
-            <a:lvl1pPr marL="457220" lvl="0" indent="-317514" algn="l">
+            <a:lvl1pPr marL="457151" lvl="0" indent="-317466" algn="l">
               <a:lnSpc>
                 <a:spcPct val="90000"/>
               </a:lnSpc>
@@ -5230,7 +5230,7 @@
               <a:buChar char="•"/>
               <a:defRPr/>
             </a:lvl1pPr>
-            <a:lvl2pPr marL="914439" lvl="1" indent="-317514" algn="l">
+            <a:lvl2pPr marL="914304" lvl="1" indent="-317466" algn="l">
               <a:lnSpc>
                 <a:spcPct val="90000"/>
               </a:lnSpc>
@@ -5247,7 +5247,7 @@
               <a:buChar char="•"/>
               <a:defRPr/>
             </a:lvl2pPr>
-            <a:lvl3pPr marL="1371660" lvl="2" indent="-317514" algn="l">
+            <a:lvl3pPr marL="1371456" lvl="2" indent="-317466" algn="l">
               <a:lnSpc>
                 <a:spcPct val="90000"/>
               </a:lnSpc>
@@ -5264,7 +5264,7 @@
               <a:buChar char="•"/>
               <a:defRPr/>
             </a:lvl3pPr>
-            <a:lvl4pPr marL="1828881" lvl="3" indent="-317514" algn="l">
+            <a:lvl4pPr marL="1828608" lvl="3" indent="-317466" algn="l">
               <a:lnSpc>
                 <a:spcPct val="90000"/>
               </a:lnSpc>
@@ -5281,7 +5281,7 @@
               <a:buChar char="•"/>
               <a:defRPr/>
             </a:lvl4pPr>
-            <a:lvl5pPr marL="2286100" lvl="4" indent="-317514" algn="l">
+            <a:lvl5pPr marL="2285758" lvl="4" indent="-317466" algn="l">
               <a:lnSpc>
                 <a:spcPct val="90000"/>
               </a:lnSpc>
@@ -5298,7 +5298,7 @@
               <a:buChar char="•"/>
               <a:defRPr/>
             </a:lvl5pPr>
-            <a:lvl6pPr marL="2743320" lvl="5" indent="-317514" algn="l">
+            <a:lvl6pPr marL="2742909" lvl="5" indent="-317466" algn="l">
               <a:lnSpc>
                 <a:spcPct val="90000"/>
               </a:lnSpc>
@@ -5315,7 +5315,7 @@
               <a:buChar char="•"/>
               <a:defRPr/>
             </a:lvl6pPr>
-            <a:lvl7pPr marL="3200541" lvl="6" indent="-317514" algn="l">
+            <a:lvl7pPr marL="3200061" lvl="6" indent="-317466" algn="l">
               <a:lnSpc>
                 <a:spcPct val="90000"/>
               </a:lnSpc>
@@ -5332,7 +5332,7 @@
               <a:buChar char="•"/>
               <a:defRPr/>
             </a:lvl7pPr>
-            <a:lvl8pPr marL="3657761" lvl="7" indent="-317514" algn="l">
+            <a:lvl8pPr marL="3657212" lvl="7" indent="-317466" algn="l">
               <a:lnSpc>
                 <a:spcPct val="90000"/>
               </a:lnSpc>
@@ -5349,7 +5349,7 @@
               <a:buChar char="•"/>
               <a:defRPr/>
             </a:lvl8pPr>
-            <a:lvl9pPr marL="4114981" lvl="8" indent="-317514" algn="l">
+            <a:lvl9pPr marL="4114366" lvl="8" indent="-317466" algn="l">
               <a:lnSpc>
                 <a:spcPct val="90000"/>
               </a:lnSpc>
@@ -5517,7 +5517,7 @@
         </p:nvSpPr>
         <p:spPr>
           <a:xfrm>
-            <a:off x="3058925" y="3590772"/>
+            <a:off x="3058928" y="3590772"/>
             <a:ext cx="3116639" cy="206262"/>
           </a:xfrm>
           <a:prstGeom prst="rect">
@@ -5777,7 +5777,7 @@
         </p:nvSpPr>
         <p:spPr>
           <a:xfrm>
-            <a:off x="636077" y="206263"/>
+            <a:off x="636077" y="206266"/>
             <a:ext cx="7964746" cy="748825"/>
           </a:xfrm>
           <a:prstGeom prst="rect">
@@ -5932,7 +5932,7 @@
             <a:normAutofit/>
           </a:bodyPr>
           <a:lstStyle>
-            <a:lvl1pPr marL="457220" lvl="0" indent="-228610" algn="l">
+            <a:lvl1pPr marL="457151" lvl="0" indent="-228577" algn="l">
               <a:lnSpc>
                 <a:spcPct val="90000"/>
               </a:lnSpc>
@@ -5949,7 +5949,7 @@
               <a:buNone/>
               <a:defRPr sz="1800" b="1"/>
             </a:lvl1pPr>
-            <a:lvl2pPr marL="914439" lvl="1" indent="-228610" algn="l">
+            <a:lvl2pPr marL="914304" lvl="1" indent="-228577" algn="l">
               <a:lnSpc>
                 <a:spcPct val="90000"/>
               </a:lnSpc>
@@ -5966,7 +5966,7 @@
               <a:buNone/>
               <a:defRPr sz="1500" b="1"/>
             </a:lvl2pPr>
-            <a:lvl3pPr marL="1371660" lvl="2" indent="-228610" algn="l">
+            <a:lvl3pPr marL="1371456" lvl="2" indent="-228577" algn="l">
               <a:lnSpc>
                 <a:spcPct val="90000"/>
               </a:lnSpc>
@@ -5983,7 +5983,7 @@
               <a:buNone/>
               <a:defRPr sz="1400" b="1"/>
             </a:lvl3pPr>
-            <a:lvl4pPr marL="1828881" lvl="3" indent="-228610" algn="l">
+            <a:lvl4pPr marL="1828608" lvl="3" indent="-228577" algn="l">
               <a:lnSpc>
                 <a:spcPct val="90000"/>
               </a:lnSpc>
@@ -6000,7 +6000,7 @@
               <a:buNone/>
               <a:defRPr sz="1200" b="1"/>
             </a:lvl4pPr>
-            <a:lvl5pPr marL="2286100" lvl="4" indent="-228610" algn="l">
+            <a:lvl5pPr marL="2285758" lvl="4" indent="-228577" algn="l">
               <a:lnSpc>
                 <a:spcPct val="90000"/>
               </a:lnSpc>
@@ -6017,7 +6017,7 @@
               <a:buNone/>
               <a:defRPr sz="1200" b="1"/>
             </a:lvl5pPr>
-            <a:lvl6pPr marL="2743320" lvl="5" indent="-228610" algn="l">
+            <a:lvl6pPr marL="2742909" lvl="5" indent="-228577" algn="l">
               <a:lnSpc>
                 <a:spcPct val="90000"/>
               </a:lnSpc>
@@ -6034,7 +6034,7 @@
               <a:buNone/>
               <a:defRPr sz="1200" b="1"/>
             </a:lvl6pPr>
-            <a:lvl7pPr marL="3200541" lvl="6" indent="-228610" algn="l">
+            <a:lvl7pPr marL="3200061" lvl="6" indent="-228577" algn="l">
               <a:lnSpc>
                 <a:spcPct val="90000"/>
               </a:lnSpc>
@@ -6051,7 +6051,7 @@
               <a:buNone/>
               <a:defRPr sz="1200" b="1"/>
             </a:lvl7pPr>
-            <a:lvl8pPr marL="3657761" lvl="7" indent="-228610" algn="l">
+            <a:lvl8pPr marL="3657212" lvl="7" indent="-228577" algn="l">
               <a:lnSpc>
                 <a:spcPct val="90000"/>
               </a:lnSpc>
@@ -6068,7 +6068,7 @@
               <a:buNone/>
               <a:defRPr sz="1200" b="1"/>
             </a:lvl8pPr>
-            <a:lvl9pPr marL="4114981" lvl="8" indent="-228610" algn="l">
+            <a:lvl9pPr marL="4114366" lvl="8" indent="-228577" algn="l">
               <a:lnSpc>
                 <a:spcPct val="90000"/>
               </a:lnSpc>
@@ -6103,7 +6103,7 @@
         </p:nvSpPr>
         <p:spPr>
           <a:xfrm>
-            <a:off x="636078" y="1415147"/>
+            <a:off x="636078" y="1415150"/>
             <a:ext cx="3906621" cy="2081463"/>
           </a:xfrm>
           <a:prstGeom prst="rect">
@@ -6119,7 +6119,7 @@
             <a:normAutofit/>
           </a:bodyPr>
           <a:lstStyle>
-            <a:lvl1pPr marL="457220" lvl="0" indent="-317514" algn="l">
+            <a:lvl1pPr marL="457151" lvl="0" indent="-317466" algn="l">
               <a:lnSpc>
                 <a:spcPct val="90000"/>
               </a:lnSpc>
@@ -6136,7 +6136,7 @@
               <a:buChar char="•"/>
               <a:defRPr/>
             </a:lvl1pPr>
-            <a:lvl2pPr marL="914439" lvl="1" indent="-317514" algn="l">
+            <a:lvl2pPr marL="914304" lvl="1" indent="-317466" algn="l">
               <a:lnSpc>
                 <a:spcPct val="90000"/>
               </a:lnSpc>
@@ -6153,7 +6153,7 @@
               <a:buChar char="•"/>
               <a:defRPr/>
             </a:lvl2pPr>
-            <a:lvl3pPr marL="1371660" lvl="2" indent="-317514" algn="l">
+            <a:lvl3pPr marL="1371456" lvl="2" indent="-317466" algn="l">
               <a:lnSpc>
                 <a:spcPct val="90000"/>
               </a:lnSpc>
@@ -6170,7 +6170,7 @@
               <a:buChar char="•"/>
               <a:defRPr/>
             </a:lvl3pPr>
-            <a:lvl4pPr marL="1828881" lvl="3" indent="-317514" algn="l">
+            <a:lvl4pPr marL="1828608" lvl="3" indent="-317466" algn="l">
               <a:lnSpc>
                 <a:spcPct val="90000"/>
               </a:lnSpc>
@@ -6187,7 +6187,7 @@
               <a:buChar char="•"/>
               <a:defRPr/>
             </a:lvl4pPr>
-            <a:lvl5pPr marL="2286100" lvl="4" indent="-317514" algn="l">
+            <a:lvl5pPr marL="2285758" lvl="4" indent="-317466" algn="l">
               <a:lnSpc>
                 <a:spcPct val="90000"/>
               </a:lnSpc>
@@ -6204,7 +6204,7 @@
               <a:buChar char="•"/>
               <a:defRPr/>
             </a:lvl5pPr>
-            <a:lvl6pPr marL="2743320" lvl="5" indent="-317514" algn="l">
+            <a:lvl6pPr marL="2742909" lvl="5" indent="-317466" algn="l">
               <a:lnSpc>
                 <a:spcPct val="90000"/>
               </a:lnSpc>
@@ -6221,7 +6221,7 @@
               <a:buChar char="•"/>
               <a:defRPr/>
             </a:lvl6pPr>
-            <a:lvl7pPr marL="3200541" lvl="6" indent="-317514" algn="l">
+            <a:lvl7pPr marL="3200061" lvl="6" indent="-317466" algn="l">
               <a:lnSpc>
                 <a:spcPct val="90000"/>
               </a:lnSpc>
@@ -6238,7 +6238,7 @@
               <a:buChar char="•"/>
               <a:defRPr/>
             </a:lvl7pPr>
-            <a:lvl8pPr marL="3657761" lvl="7" indent="-317514" algn="l">
+            <a:lvl8pPr marL="3657212" lvl="7" indent="-317466" algn="l">
               <a:lnSpc>
                 <a:spcPct val="90000"/>
               </a:lnSpc>
@@ -6255,7 +6255,7 @@
               <a:buChar char="•"/>
               <a:defRPr/>
             </a:lvl8pPr>
-            <a:lvl9pPr marL="4114981" lvl="8" indent="-317514" algn="l">
+            <a:lvl9pPr marL="4114366" lvl="8" indent="-317466" algn="l">
               <a:lnSpc>
                 <a:spcPct val="90000"/>
               </a:lnSpc>
@@ -6306,7 +6306,7 @@
             <a:normAutofit/>
           </a:bodyPr>
           <a:lstStyle>
-            <a:lvl1pPr marL="457220" lvl="0" indent="-228610" algn="l">
+            <a:lvl1pPr marL="457151" lvl="0" indent="-228577" algn="l">
               <a:lnSpc>
                 <a:spcPct val="90000"/>
               </a:lnSpc>
@@ -6323,7 +6323,7 @@
               <a:buNone/>
               <a:defRPr sz="1800" b="1"/>
             </a:lvl1pPr>
-            <a:lvl2pPr marL="914439" lvl="1" indent="-228610" algn="l">
+            <a:lvl2pPr marL="914304" lvl="1" indent="-228577" algn="l">
               <a:lnSpc>
                 <a:spcPct val="90000"/>
               </a:lnSpc>
@@ -6340,7 +6340,7 @@
               <a:buNone/>
               <a:defRPr sz="1500" b="1"/>
             </a:lvl2pPr>
-            <a:lvl3pPr marL="1371660" lvl="2" indent="-228610" algn="l">
+            <a:lvl3pPr marL="1371456" lvl="2" indent="-228577" algn="l">
               <a:lnSpc>
                 <a:spcPct val="90000"/>
               </a:lnSpc>
@@ -6357,7 +6357,7 @@
               <a:buNone/>
               <a:defRPr sz="1400" b="1"/>
             </a:lvl3pPr>
-            <a:lvl4pPr marL="1828881" lvl="3" indent="-228610" algn="l">
+            <a:lvl4pPr marL="1828608" lvl="3" indent="-228577" algn="l">
               <a:lnSpc>
                 <a:spcPct val="90000"/>
               </a:lnSpc>
@@ -6374,7 +6374,7 @@
               <a:buNone/>
               <a:defRPr sz="1200" b="1"/>
             </a:lvl4pPr>
-            <a:lvl5pPr marL="2286100" lvl="4" indent="-228610" algn="l">
+            <a:lvl5pPr marL="2285758" lvl="4" indent="-228577" algn="l">
               <a:lnSpc>
                 <a:spcPct val="90000"/>
               </a:lnSpc>
@@ -6391,7 +6391,7 @@
               <a:buNone/>
               <a:defRPr sz="1200" b="1"/>
             </a:lvl5pPr>
-            <a:lvl6pPr marL="2743320" lvl="5" indent="-228610" algn="l">
+            <a:lvl6pPr marL="2742909" lvl="5" indent="-228577" algn="l">
               <a:lnSpc>
                 <a:spcPct val="90000"/>
               </a:lnSpc>
@@ -6408,7 +6408,7 @@
               <a:buNone/>
               <a:defRPr sz="1200" b="1"/>
             </a:lvl6pPr>
-            <a:lvl7pPr marL="3200541" lvl="6" indent="-228610" algn="l">
+            <a:lvl7pPr marL="3200061" lvl="6" indent="-228577" algn="l">
               <a:lnSpc>
                 <a:spcPct val="90000"/>
               </a:lnSpc>
@@ -6425,7 +6425,7 @@
               <a:buNone/>
               <a:defRPr sz="1200" b="1"/>
             </a:lvl7pPr>
-            <a:lvl8pPr marL="3657761" lvl="7" indent="-228610" algn="l">
+            <a:lvl8pPr marL="3657212" lvl="7" indent="-228577" algn="l">
               <a:lnSpc>
                 <a:spcPct val="90000"/>
               </a:lnSpc>
@@ -6442,7 +6442,7 @@
               <a:buNone/>
               <a:defRPr sz="1200" b="1"/>
             </a:lvl8pPr>
-            <a:lvl9pPr marL="4114981" lvl="8" indent="-228610" algn="l">
+            <a:lvl9pPr marL="4114366" lvl="8" indent="-228577" algn="l">
               <a:lnSpc>
                 <a:spcPct val="90000"/>
               </a:lnSpc>
@@ -6477,7 +6477,7 @@
         </p:nvSpPr>
         <p:spPr>
           <a:xfrm>
-            <a:off x="4674960" y="1415147"/>
+            <a:off x="4674960" y="1415150"/>
             <a:ext cx="3925860" cy="2081463"/>
           </a:xfrm>
           <a:prstGeom prst="rect">
@@ -6493,7 +6493,7 @@
             <a:normAutofit/>
           </a:bodyPr>
           <a:lstStyle>
-            <a:lvl1pPr marL="457220" lvl="0" indent="-317514" algn="l">
+            <a:lvl1pPr marL="457151" lvl="0" indent="-317466" algn="l">
               <a:lnSpc>
                 <a:spcPct val="90000"/>
               </a:lnSpc>
@@ -6510,7 +6510,7 @@
               <a:buChar char="•"/>
               <a:defRPr/>
             </a:lvl1pPr>
-            <a:lvl2pPr marL="914439" lvl="1" indent="-317514" algn="l">
+            <a:lvl2pPr marL="914304" lvl="1" indent="-317466" algn="l">
               <a:lnSpc>
                 <a:spcPct val="90000"/>
               </a:lnSpc>
@@ -6527,7 +6527,7 @@
               <a:buChar char="•"/>
               <a:defRPr/>
             </a:lvl2pPr>
-            <a:lvl3pPr marL="1371660" lvl="2" indent="-317514" algn="l">
+            <a:lvl3pPr marL="1371456" lvl="2" indent="-317466" algn="l">
               <a:lnSpc>
                 <a:spcPct val="90000"/>
               </a:lnSpc>
@@ -6544,7 +6544,7 @@
               <a:buChar char="•"/>
               <a:defRPr/>
             </a:lvl3pPr>
-            <a:lvl4pPr marL="1828881" lvl="3" indent="-317514" algn="l">
+            <a:lvl4pPr marL="1828608" lvl="3" indent="-317466" algn="l">
               <a:lnSpc>
                 <a:spcPct val="90000"/>
               </a:lnSpc>
@@ -6561,7 +6561,7 @@
               <a:buChar char="•"/>
               <a:defRPr/>
             </a:lvl4pPr>
-            <a:lvl5pPr marL="2286100" lvl="4" indent="-317514" algn="l">
+            <a:lvl5pPr marL="2285758" lvl="4" indent="-317466" algn="l">
               <a:lnSpc>
                 <a:spcPct val="90000"/>
               </a:lnSpc>
@@ -6578,7 +6578,7 @@
               <a:buChar char="•"/>
               <a:defRPr/>
             </a:lvl5pPr>
-            <a:lvl6pPr marL="2743320" lvl="5" indent="-317514" algn="l">
+            <a:lvl6pPr marL="2742909" lvl="5" indent="-317466" algn="l">
               <a:lnSpc>
                 <a:spcPct val="90000"/>
               </a:lnSpc>
@@ -6595,7 +6595,7 @@
               <a:buChar char="•"/>
               <a:defRPr/>
             </a:lvl6pPr>
-            <a:lvl7pPr marL="3200541" lvl="6" indent="-317514" algn="l">
+            <a:lvl7pPr marL="3200061" lvl="6" indent="-317466" algn="l">
               <a:lnSpc>
                 <a:spcPct val="90000"/>
               </a:lnSpc>
@@ -6612,7 +6612,7 @@
               <a:buChar char="•"/>
               <a:defRPr/>
             </a:lvl7pPr>
-            <a:lvl8pPr marL="3657761" lvl="7" indent="-317514" algn="l">
+            <a:lvl8pPr marL="3657212" lvl="7" indent="-317466" algn="l">
               <a:lnSpc>
                 <a:spcPct val="90000"/>
               </a:lnSpc>
@@ -6629,7 +6629,7 @@
               <a:buChar char="•"/>
               <a:defRPr/>
             </a:lvl8pPr>
-            <a:lvl9pPr marL="4114981" lvl="8" indent="-317514" algn="l">
+            <a:lvl9pPr marL="4114366" lvl="8" indent="-317466" algn="l">
               <a:lnSpc>
                 <a:spcPct val="90000"/>
               </a:lnSpc>
@@ -6797,7 +6797,7 @@
         </p:nvSpPr>
         <p:spPr>
           <a:xfrm>
-            <a:off x="3058925" y="3590772"/>
+            <a:off x="3058928" y="3590772"/>
             <a:ext cx="3116639" cy="206262"/>
           </a:xfrm>
           <a:prstGeom prst="rect">
@@ -7057,7 +7057,7 @@
         </p:nvSpPr>
         <p:spPr>
           <a:xfrm>
-            <a:off x="634877" y="206263"/>
+            <a:off x="634877" y="206266"/>
             <a:ext cx="7964746" cy="748825"/>
           </a:xfrm>
           <a:prstGeom prst="rect">
@@ -7329,7 +7329,7 @@
         </p:nvSpPr>
         <p:spPr>
           <a:xfrm>
-            <a:off x="3058925" y="3590772"/>
+            <a:off x="3058928" y="3590772"/>
             <a:ext cx="3116639" cy="206262"/>
           </a:xfrm>
           <a:prstGeom prst="rect">
@@ -7722,7 +7722,7 @@
         </p:nvSpPr>
         <p:spPr>
           <a:xfrm>
-            <a:off x="3058925" y="3590772"/>
+            <a:off x="3058928" y="3590772"/>
             <a:ext cx="3116639" cy="206262"/>
           </a:xfrm>
           <a:prstGeom prst="rect">
@@ -8122,7 +8122,7 @@
         </p:nvSpPr>
         <p:spPr>
           <a:xfrm>
-            <a:off x="3925862" y="557813"/>
+            <a:off x="3925865" y="557814"/>
             <a:ext cx="4674959" cy="2753163"/>
           </a:xfrm>
           <a:prstGeom prst="rect">
@@ -8138,7 +8138,7 @@
             <a:normAutofit/>
           </a:bodyPr>
           <a:lstStyle>
-            <a:lvl1pPr marL="457220" lvl="0" indent="-381017" algn="l">
+            <a:lvl1pPr marL="457151" lvl="0" indent="-380960" algn="l">
               <a:lnSpc>
                 <a:spcPct val="90000"/>
               </a:lnSpc>
@@ -8155,7 +8155,7 @@
               <a:buChar char="•"/>
               <a:defRPr sz="2400"/>
             </a:lvl1pPr>
-            <a:lvl2pPr marL="914439" lvl="1" indent="-361966" algn="l">
+            <a:lvl2pPr marL="914304" lvl="1" indent="-361912" algn="l">
               <a:lnSpc>
                 <a:spcPct val="90000"/>
               </a:lnSpc>
@@ -8172,7 +8172,7 @@
               <a:buChar char="•"/>
               <a:defRPr sz="2101"/>
             </a:lvl2pPr>
-            <a:lvl3pPr marL="1371660" lvl="2" indent="-342915" algn="l">
+            <a:lvl3pPr marL="1371456" lvl="2" indent="-342864" algn="l">
               <a:lnSpc>
                 <a:spcPct val="90000"/>
               </a:lnSpc>
@@ -8189,7 +8189,7 @@
               <a:buChar char="•"/>
               <a:defRPr sz="1800"/>
             </a:lvl3pPr>
-            <a:lvl4pPr marL="1828881" lvl="3" indent="-323864" algn="l">
+            <a:lvl4pPr marL="1828608" lvl="3" indent="-323816" algn="l">
               <a:lnSpc>
                 <a:spcPct val="90000"/>
               </a:lnSpc>
@@ -8206,7 +8206,7 @@
               <a:buChar char="•"/>
               <a:defRPr sz="1500"/>
             </a:lvl4pPr>
-            <a:lvl5pPr marL="2286100" lvl="4" indent="-323864" algn="l">
+            <a:lvl5pPr marL="2285758" lvl="4" indent="-323816" algn="l">
               <a:lnSpc>
                 <a:spcPct val="90000"/>
               </a:lnSpc>
@@ -8223,7 +8223,7 @@
               <a:buChar char="•"/>
               <a:defRPr sz="1500"/>
             </a:lvl5pPr>
-            <a:lvl6pPr marL="2743320" lvl="5" indent="-323864" algn="l">
+            <a:lvl6pPr marL="2742909" lvl="5" indent="-323816" algn="l">
               <a:lnSpc>
                 <a:spcPct val="90000"/>
               </a:lnSpc>
@@ -8240,7 +8240,7 @@
               <a:buChar char="•"/>
               <a:defRPr sz="1500"/>
             </a:lvl6pPr>
-            <a:lvl7pPr marL="3200541" lvl="6" indent="-323864" algn="l">
+            <a:lvl7pPr marL="3200061" lvl="6" indent="-323816" algn="l">
               <a:lnSpc>
                 <a:spcPct val="90000"/>
               </a:lnSpc>
@@ -8257,7 +8257,7 @@
               <a:buChar char="•"/>
               <a:defRPr sz="1500"/>
             </a:lvl7pPr>
-            <a:lvl8pPr marL="3657761" lvl="7" indent="-323864" algn="l">
+            <a:lvl8pPr marL="3657212" lvl="7" indent="-323816" algn="l">
               <a:lnSpc>
                 <a:spcPct val="90000"/>
               </a:lnSpc>
@@ -8274,7 +8274,7 @@
               <a:buChar char="•"/>
               <a:defRPr sz="1500"/>
             </a:lvl8pPr>
-            <a:lvl9pPr marL="4114981" lvl="8" indent="-323864" algn="l">
+            <a:lvl9pPr marL="4114366" lvl="8" indent="-323816" algn="l">
               <a:lnSpc>
                 <a:spcPct val="90000"/>
               </a:lnSpc>
@@ -8309,7 +8309,7 @@
         </p:nvSpPr>
         <p:spPr>
           <a:xfrm>
-            <a:off x="636075" y="1162251"/>
+            <a:off x="636075" y="1162254"/>
             <a:ext cx="2978362" cy="2153207"/>
           </a:xfrm>
           <a:prstGeom prst="rect">
@@ -8325,7 +8325,7 @@
             <a:normAutofit/>
           </a:bodyPr>
           <a:lstStyle>
-            <a:lvl1pPr marL="457220" lvl="0" indent="-228610" algn="l">
+            <a:lvl1pPr marL="457151" lvl="0" indent="-228577" algn="l">
               <a:lnSpc>
                 <a:spcPct val="90000"/>
               </a:lnSpc>
@@ -8342,7 +8342,7 @@
               <a:buNone/>
               <a:defRPr sz="1200"/>
             </a:lvl1pPr>
-            <a:lvl2pPr marL="914439" lvl="1" indent="-228610" algn="l">
+            <a:lvl2pPr marL="914304" lvl="1" indent="-228577" algn="l">
               <a:lnSpc>
                 <a:spcPct val="90000"/>
               </a:lnSpc>
@@ -8359,7 +8359,7 @@
               <a:buNone/>
               <a:defRPr sz="1100"/>
             </a:lvl2pPr>
-            <a:lvl3pPr marL="1371660" lvl="2" indent="-228610" algn="l">
+            <a:lvl3pPr marL="1371456" lvl="2" indent="-228577" algn="l">
               <a:lnSpc>
                 <a:spcPct val="90000"/>
               </a:lnSpc>
@@ -8376,7 +8376,7 @@
               <a:buNone/>
               <a:defRPr sz="900"/>
             </a:lvl3pPr>
-            <a:lvl4pPr marL="1828881" lvl="3" indent="-228610" algn="l">
+            <a:lvl4pPr marL="1828608" lvl="3" indent="-228577" algn="l">
               <a:lnSpc>
                 <a:spcPct val="90000"/>
               </a:lnSpc>
@@ -8393,7 +8393,7 @@
               <a:buNone/>
               <a:defRPr sz="800"/>
             </a:lvl4pPr>
-            <a:lvl5pPr marL="2286100" lvl="4" indent="-228610" algn="l">
+            <a:lvl5pPr marL="2285758" lvl="4" indent="-228577" algn="l">
               <a:lnSpc>
                 <a:spcPct val="90000"/>
               </a:lnSpc>
@@ -8410,7 +8410,7 @@
               <a:buNone/>
               <a:defRPr sz="800"/>
             </a:lvl5pPr>
-            <a:lvl6pPr marL="2743320" lvl="5" indent="-228610" algn="l">
+            <a:lvl6pPr marL="2742909" lvl="5" indent="-228577" algn="l">
               <a:lnSpc>
                 <a:spcPct val="90000"/>
               </a:lnSpc>
@@ -8427,7 +8427,7 @@
               <a:buNone/>
               <a:defRPr sz="800"/>
             </a:lvl6pPr>
-            <a:lvl7pPr marL="3200541" lvl="6" indent="-228610" algn="l">
+            <a:lvl7pPr marL="3200061" lvl="6" indent="-228577" algn="l">
               <a:lnSpc>
                 <a:spcPct val="90000"/>
               </a:lnSpc>
@@ -8444,7 +8444,7 @@
               <a:buNone/>
               <a:defRPr sz="800"/>
             </a:lvl7pPr>
-            <a:lvl8pPr marL="3657761" lvl="7" indent="-228610" algn="l">
+            <a:lvl8pPr marL="3657212" lvl="7" indent="-228577" algn="l">
               <a:lnSpc>
                 <a:spcPct val="90000"/>
               </a:lnSpc>
@@ -8461,7 +8461,7 @@
               <a:buNone/>
               <a:defRPr sz="800"/>
             </a:lvl8pPr>
-            <a:lvl9pPr marL="4114981" lvl="8" indent="-228610" algn="l">
+            <a:lvl9pPr marL="4114366" lvl="8" indent="-228577" algn="l">
               <a:lnSpc>
                 <a:spcPct val="90000"/>
               </a:lnSpc>
@@ -8629,7 +8629,7 @@
         </p:nvSpPr>
         <p:spPr>
           <a:xfrm>
-            <a:off x="3058925" y="3590772"/>
+            <a:off x="3058928" y="3590772"/>
             <a:ext cx="3116639" cy="206262"/>
           </a:xfrm>
           <a:prstGeom prst="rect">
@@ -9029,7 +9029,7 @@
         </p:nvSpPr>
         <p:spPr>
           <a:xfrm>
-            <a:off x="3925862" y="557813"/>
+            <a:off x="3925865" y="557814"/>
             <a:ext cx="4674959" cy="2753163"/>
           </a:xfrm>
           <a:prstGeom prst="rect">
@@ -9053,7 +9053,7 @@
         </p:nvSpPr>
         <p:spPr>
           <a:xfrm>
-            <a:off x="636075" y="1162251"/>
+            <a:off x="636075" y="1162254"/>
             <a:ext cx="2978362" cy="2153207"/>
           </a:xfrm>
           <a:prstGeom prst="rect">
@@ -9069,7 +9069,7 @@
             <a:normAutofit/>
           </a:bodyPr>
           <a:lstStyle>
-            <a:lvl1pPr marL="457220" lvl="0" indent="-228610" algn="l">
+            <a:lvl1pPr marL="457151" lvl="0" indent="-228577" algn="l">
               <a:lnSpc>
                 <a:spcPct val="90000"/>
               </a:lnSpc>
@@ -9086,7 +9086,7 @@
               <a:buNone/>
               <a:defRPr sz="1200"/>
             </a:lvl1pPr>
-            <a:lvl2pPr marL="914439" lvl="1" indent="-228610" algn="l">
+            <a:lvl2pPr marL="914304" lvl="1" indent="-228577" algn="l">
               <a:lnSpc>
                 <a:spcPct val="90000"/>
               </a:lnSpc>
@@ -9103,7 +9103,7 @@
               <a:buNone/>
               <a:defRPr sz="1100"/>
             </a:lvl2pPr>
-            <a:lvl3pPr marL="1371660" lvl="2" indent="-228610" algn="l">
+            <a:lvl3pPr marL="1371456" lvl="2" indent="-228577" algn="l">
               <a:lnSpc>
                 <a:spcPct val="90000"/>
               </a:lnSpc>
@@ -9120,7 +9120,7 @@
               <a:buNone/>
               <a:defRPr sz="900"/>
             </a:lvl3pPr>
-            <a:lvl4pPr marL="1828881" lvl="3" indent="-228610" algn="l">
+            <a:lvl4pPr marL="1828608" lvl="3" indent="-228577" algn="l">
               <a:lnSpc>
                 <a:spcPct val="90000"/>
               </a:lnSpc>
@@ -9137,7 +9137,7 @@
               <a:buNone/>
               <a:defRPr sz="800"/>
             </a:lvl4pPr>
-            <a:lvl5pPr marL="2286100" lvl="4" indent="-228610" algn="l">
+            <a:lvl5pPr marL="2285758" lvl="4" indent="-228577" algn="l">
               <a:lnSpc>
                 <a:spcPct val="90000"/>
               </a:lnSpc>
@@ -9154,7 +9154,7 @@
               <a:buNone/>
               <a:defRPr sz="800"/>
             </a:lvl5pPr>
-            <a:lvl6pPr marL="2743320" lvl="5" indent="-228610" algn="l">
+            <a:lvl6pPr marL="2742909" lvl="5" indent="-228577" algn="l">
               <a:lnSpc>
                 <a:spcPct val="90000"/>
               </a:lnSpc>
@@ -9171,7 +9171,7 @@
               <a:buNone/>
               <a:defRPr sz="800"/>
             </a:lvl6pPr>
-            <a:lvl7pPr marL="3200541" lvl="6" indent="-228610" algn="l">
+            <a:lvl7pPr marL="3200061" lvl="6" indent="-228577" algn="l">
               <a:lnSpc>
                 <a:spcPct val="90000"/>
               </a:lnSpc>
@@ -9188,7 +9188,7 @@
               <a:buNone/>
               <a:defRPr sz="800"/>
             </a:lvl7pPr>
-            <a:lvl8pPr marL="3657761" lvl="7" indent="-228610" algn="l">
+            <a:lvl8pPr marL="3657212" lvl="7" indent="-228577" algn="l">
               <a:lnSpc>
                 <a:spcPct val="90000"/>
               </a:lnSpc>
@@ -9205,7 +9205,7 @@
               <a:buNone/>
               <a:defRPr sz="800"/>
             </a:lvl8pPr>
-            <a:lvl9pPr marL="4114981" lvl="8" indent="-228610" algn="l">
+            <a:lvl9pPr marL="4114366" lvl="8" indent="-228577" algn="l">
               <a:lnSpc>
                 <a:spcPct val="90000"/>
               </a:lnSpc>
@@ -9373,7 +9373,7 @@
         </p:nvSpPr>
         <p:spPr>
           <a:xfrm>
-            <a:off x="3058925" y="3590772"/>
+            <a:off x="3058928" y="3590772"/>
             <a:ext cx="3116639" cy="206262"/>
           </a:xfrm>
           <a:prstGeom prst="rect">
@@ -9641,7 +9641,7 @@
         </p:nvSpPr>
         <p:spPr>
           <a:xfrm>
-            <a:off x="634877" y="206263"/>
+            <a:off x="634877" y="206266"/>
             <a:ext cx="7964746" cy="748825"/>
           </a:xfrm>
           <a:prstGeom prst="rect">
@@ -9789,7 +9789,7 @@
         </p:nvSpPr>
         <p:spPr>
           <a:xfrm>
-            <a:off x="634877" y="1031322"/>
+            <a:off x="634877" y="1031325"/>
             <a:ext cx="7964746" cy="2458117"/>
           </a:xfrm>
           <a:prstGeom prst="rect">
@@ -10262,7 +10262,7 @@
         </p:nvSpPr>
         <p:spPr>
           <a:xfrm>
-            <a:off x="3058925" y="3590772"/>
+            <a:off x="3058928" y="3590772"/>
             <a:ext cx="3116639" cy="206262"/>
           </a:xfrm>
           <a:prstGeom prst="rect">
@@ -11364,7 +11364,7 @@
         </p:nvSpPr>
         <p:spPr>
           <a:xfrm>
-            <a:off x="3481810" y="88635"/>
+            <a:off x="3543120" y="66749"/>
             <a:ext cx="2029832" cy="435794"/>
           </a:xfrm>
           <a:prstGeom prst="rect">
@@ -11414,7 +11414,7 @@
         </p:nvGrpSpPr>
         <p:grpSpPr>
           <a:xfrm>
-            <a:off x="7594499" y="5197396"/>
+            <a:off x="7897696" y="5191813"/>
             <a:ext cx="4106341" cy="1423323"/>
             <a:chOff x="7929365" y="6685782"/>
             <a:chExt cx="4106341" cy="1423323"/>
@@ -11482,7 +11482,7 @@
                 <a:pPr algn="ctr">
                   <a:defRPr/>
                 </a:pPr>
-                <a:endParaRPr dirty="0"/>
+                <a:endParaRPr sz="2628" dirty="0"/>
               </a:p>
             </p:txBody>
           </p:sp>
@@ -11556,7 +11556,7 @@
                     <a:pPr algn="ctr">
                       <a:defRPr/>
                     </a:pPr>
-                    <a:endParaRPr dirty="0"/>
+                    <a:endParaRPr sz="2628" dirty="0"/>
                   </a:p>
                 </p:txBody>
               </p:sp>
@@ -11607,14 +11607,14 @@
                         <a:defRPr/>
                       </a:pPr>
                       <a:r>
-                        <a:rPr lang="en-US" dirty="0">
+                        <a:rPr lang="en-US" sz="1400" dirty="0">
                           <a:solidFill>
                             <a:srgbClr val="1F2329"/>
                           </a:solidFill>
                         </a:rPr>
                         <a:t>EAT Framework</a:t>
                       </a:r>
-                      <a:endParaRPr lang="en-US" dirty="0"/>
+                      <a:endParaRPr lang="en-US" sz="1400" dirty="0"/>
                     </a:p>
                   </p:txBody>
                 </p:sp>
@@ -11651,7 +11651,7 @@
                       <a:pPr algn="ctr">
                         <a:defRPr/>
                       </a:pPr>
-                      <a:endParaRPr/>
+                      <a:endParaRPr sz="2628"/>
                     </a:p>
                   </p:txBody>
                 </p:sp>
@@ -11688,7 +11688,7 @@
                       <a:pPr algn="ctr">
                         <a:defRPr/>
                       </a:pPr>
-                      <a:endParaRPr/>
+                      <a:endParaRPr sz="2628"/>
                     </a:p>
                   </p:txBody>
                 </p:sp>
@@ -11723,7 +11723,7 @@
                       <a:pPr algn="ctr">
                         <a:defRPr/>
                       </a:pPr>
-                      <a:endParaRPr dirty="0"/>
+                      <a:endParaRPr sz="2628" dirty="0"/>
                     </a:p>
                   </p:txBody>
                 </p:sp>
@@ -11760,7 +11760,7 @@
                       <a:pPr algn="ctr">
                         <a:defRPr/>
                       </a:pPr>
-                      <a:endParaRPr/>
+                      <a:endParaRPr sz="2628"/>
                     </a:p>
                   </p:txBody>
                 </p:sp>
@@ -12340,7 +12340,7 @@
         </p:nvGrpSpPr>
         <p:grpSpPr>
           <a:xfrm>
-            <a:off x="3639219" y="4459943"/>
+            <a:off x="3639222" y="4459946"/>
             <a:ext cx="3614433" cy="2051161"/>
             <a:chOff x="4222921" y="3385174"/>
             <a:chExt cx="3614433" cy="2051161"/>
@@ -12380,7 +12380,7 @@
             <a:bodyPr rtlCol="0" anchor="ctr"/>
             <a:lstStyle/>
             <a:p>
-              <a:pPr algn="ctr" defTabSz="914414">
+              <a:pPr algn="ctr" defTabSz="914279">
                 <a:buClrTx/>
                 <a:defRPr/>
               </a:pPr>
@@ -12429,7 +12429,7 @@
             <a:bodyPr rtlCol="0" anchor="ctr"/>
             <a:lstStyle/>
             <a:p>
-              <a:pPr algn="ctr" defTabSz="914414">
+              <a:pPr algn="ctr" defTabSz="914279">
                 <a:buClrTx/>
                 <a:defRPr/>
               </a:pPr>
@@ -12478,7 +12478,7 @@
             <a:bodyPr rtlCol="0" anchor="ctr"/>
             <a:lstStyle/>
             <a:p>
-              <a:pPr algn="ctr" defTabSz="914414">
+              <a:pPr algn="ctr" defTabSz="914279">
                 <a:buClrTx/>
                 <a:defRPr/>
               </a:pPr>
@@ -12565,7 +12565,7 @@
               <a:bodyPr rtlCol="0" anchor="ctr"/>
               <a:lstStyle/>
               <a:p>
-                <a:pPr algn="ctr" defTabSz="914414">
+                <a:pPr algn="ctr" defTabSz="914279">
                   <a:buClrTx/>
                   <a:defRPr/>
                 </a:pPr>
@@ -12643,7 +12643,7 @@
               <a:bodyPr rtlCol="0" anchor="ctr"/>
               <a:lstStyle/>
               <a:p>
-                <a:pPr algn="ctr" defTabSz="914414">
+                <a:pPr algn="ctr" defTabSz="914279">
                   <a:buClrTx/>
                   <a:defRPr/>
                 </a:pPr>
@@ -12721,7 +12721,7 @@
               <a:bodyPr rtlCol="0" anchor="ctr"/>
               <a:lstStyle/>
               <a:p>
-                <a:pPr algn="ctr" defTabSz="914414">
+                <a:pPr algn="ctr" defTabSz="914279">
                   <a:buClrTx/>
                   <a:defRPr/>
                 </a:pPr>
@@ -12775,7 +12775,7 @@
               </a:bodyPr>
               <a:lstStyle/>
               <a:p>
-                <a:pPr defTabSz="914414">
+                <a:pPr defTabSz="914279">
                   <a:buClrTx/>
                   <a:defRPr/>
                 </a:pPr>
@@ -12925,7 +12925,7 @@
               <a:bodyPr rtlCol="0" anchor="ctr"/>
               <a:lstStyle/>
               <a:p>
-                <a:pPr algn="ctr" defTabSz="914414">
+                <a:pPr algn="ctr" defTabSz="914279">
                   <a:buClrTx/>
                   <a:defRPr/>
                 </a:pPr>
@@ -13003,7 +13003,7 @@
               <a:bodyPr rtlCol="0" anchor="ctr"/>
               <a:lstStyle/>
               <a:p>
-                <a:pPr algn="ctr" defTabSz="914414">
+                <a:pPr algn="ctr" defTabSz="914279">
                   <a:buClrTx/>
                   <a:defRPr/>
                 </a:pPr>
@@ -13081,7 +13081,7 @@
               <a:bodyPr rtlCol="0" anchor="ctr"/>
               <a:lstStyle/>
               <a:p>
-                <a:pPr algn="ctr" defTabSz="914414">
+                <a:pPr algn="ctr" defTabSz="914279">
                   <a:buClrTx/>
                   <a:defRPr/>
                 </a:pPr>
@@ -13135,7 +13135,7 @@
               </a:bodyPr>
               <a:lstStyle/>
               <a:p>
-                <a:pPr defTabSz="914414">
+                <a:pPr defTabSz="914279">
                   <a:buClrTx/>
                   <a:defRPr/>
                 </a:pPr>
@@ -13285,7 +13285,7 @@
               <a:bodyPr rtlCol="0" anchor="ctr"/>
               <a:lstStyle/>
               <a:p>
-                <a:pPr algn="ctr" defTabSz="914414">
+                <a:pPr algn="ctr" defTabSz="914279">
                   <a:buClrTx/>
                   <a:defRPr/>
                 </a:pPr>
@@ -13363,7 +13363,7 @@
               <a:bodyPr rtlCol="0" anchor="ctr"/>
               <a:lstStyle/>
               <a:p>
-                <a:pPr algn="ctr" defTabSz="914414">
+                <a:pPr algn="ctr" defTabSz="914279">
                   <a:buClrTx/>
                   <a:defRPr/>
                 </a:pPr>
@@ -13441,7 +13441,7 @@
               <a:bodyPr rtlCol="0" anchor="ctr"/>
               <a:lstStyle/>
               <a:p>
-                <a:pPr algn="ctr" defTabSz="914414">
+                <a:pPr algn="ctr" defTabSz="914279">
                   <a:buClrTx/>
                   <a:defRPr/>
                 </a:pPr>
@@ -13610,7 +13610,7 @@
               </a:bodyPr>
               <a:lstStyle/>
               <a:p>
-                <a:pPr defTabSz="914414">
+                <a:pPr defTabSz="914279">
                   <a:buClrTx/>
                   <a:defRPr/>
                 </a:pPr>
@@ -13740,7 +13740,7 @@
               </a:bodyPr>
               <a:lstStyle/>
               <a:p>
-                <a:pPr defTabSz="914414">
+                <a:pPr defTabSz="914279">
                   <a:buClrTx/>
                   <a:defRPr/>
                 </a:pPr>
@@ -13794,7 +13794,7 @@
               </a:bodyPr>
               <a:lstStyle/>
               <a:p>
-                <a:pPr defTabSz="914414">
+                <a:pPr defTabSz="914279">
                   <a:buClrTx/>
                   <a:defRPr/>
                 </a:pPr>
@@ -13883,7 +13883,7 @@
         </p:nvSpPr>
         <p:spPr>
           <a:xfrm rot="10800000">
-            <a:off x="5778916" y="4247799"/>
+            <a:off x="5778919" y="4247802"/>
             <a:ext cx="192655" cy="192649"/>
           </a:xfrm>
           <a:prstGeom prst="downArrow">
@@ -13977,8 +13977,8 @@
         </p:nvSpPr>
         <p:spPr>
           <a:xfrm>
-            <a:off x="3517819" y="3525440"/>
-            <a:ext cx="3864826" cy="3064900"/>
+            <a:off x="3493112" y="3495540"/>
+            <a:ext cx="3894239" cy="3133789"/>
           </a:xfrm>
           <a:prstGeom prst="roundRect">
             <a:avLst>
@@ -13986,9 +13986,11 @@
             </a:avLst>
           </a:prstGeom>
           <a:noFill/>
-          <a:ln w="31750" cap="flat" cmpd="sng">
+          <a:ln w="34925" cap="flat" cmpd="sng">
             <a:solidFill>
-              <a:srgbClr val="0CA410"/>
+              <a:schemeClr val="accent6">
+                <a:lumMod val="75000"/>
+              </a:schemeClr>
             </a:solidFill>
             <a:prstDash val="dash"/>
           </a:ln>
@@ -14020,7 +14022,7 @@
         </p:nvSpPr>
         <p:spPr>
           <a:xfrm>
-            <a:off x="3449941" y="3559383"/>
+            <a:off x="3449944" y="3545095"/>
             <a:ext cx="2093583" cy="266700"/>
           </a:xfrm>
           <a:prstGeom prst="rect">
@@ -14072,7 +14074,7 @@
         </p:nvCxnSpPr>
         <p:spPr>
           <a:xfrm>
-            <a:off x="1587280" y="1891949"/>
+            <a:off x="1587280" y="1891952"/>
             <a:ext cx="0" cy="199365"/>
           </a:xfrm>
           <a:prstGeom prst="straightConnector1">
@@ -14108,15 +14110,13 @@
           </p:cNvPr>
           <p:cNvCxnSpPr>
             <a:cxnSpLocks/>
-            <a:stCxn id="149" idx="3"/>
-            <a:endCxn id="4" idx="1"/>
           </p:cNvCxnSpPr>
           <p:nvPr/>
         </p:nvCxnSpPr>
         <p:spPr>
           <a:xfrm flipV="1">
-            <a:off x="3222055" y="5057896"/>
-            <a:ext cx="295766" cy="84109"/>
+            <a:off x="3191007" y="5176575"/>
+            <a:ext cx="306983" cy="0"/>
           </a:xfrm>
           <a:prstGeom prst="straightConnector1">
             <a:avLst/>
@@ -14154,7 +14154,7 @@
         </p:nvGrpSpPr>
         <p:grpSpPr>
           <a:xfrm>
-            <a:off x="3602996" y="486326"/>
+            <a:off x="3602996" y="486329"/>
             <a:ext cx="3722489" cy="1229875"/>
             <a:chOff x="3384012" y="411776"/>
             <a:chExt cx="3722489" cy="1229875"/>
@@ -14194,7 +14194,7 @@
               <a:pPr algn="ctr">
                 <a:defRPr/>
               </a:pPr>
-              <a:endParaRPr dirty="0"/>
+              <a:endParaRPr sz="2628" dirty="0"/>
             </a:p>
           </p:txBody>
         </p:sp>
@@ -14310,7 +14310,7 @@
                 <a:pPr algn="ctr">
                   <a:defRPr/>
                 </a:pPr>
-                <a:endParaRPr/>
+                <a:endParaRPr sz="2628"/>
               </a:p>
             </p:txBody>
           </p:sp>
@@ -14536,7 +14536,7 @@
                   <a:pPr algn="ctr">
                     <a:defRPr/>
                   </a:pPr>
-                  <a:endParaRPr/>
+                  <a:endParaRPr sz="2628"/>
                 </a:p>
               </p:txBody>
             </p:sp>
@@ -14601,7 +14601,7 @@
         </p:nvCxnSpPr>
         <p:spPr>
           <a:xfrm flipV="1">
-            <a:off x="7520018" y="1743572"/>
+            <a:off x="7520021" y="1743572"/>
             <a:ext cx="532671" cy="148370"/>
           </a:xfrm>
           <a:prstGeom prst="line">
@@ -14638,7 +14638,7 @@
         </p:nvSpPr>
         <p:spPr>
           <a:xfrm>
-            <a:off x="7369897" y="595299"/>
+            <a:off x="7369897" y="595302"/>
             <a:ext cx="185540" cy="2570481"/>
           </a:xfrm>
           <a:prstGeom prst="rightBrace">
@@ -14675,7 +14675,7 @@
           <a:lstStyle/>
           <a:p>
             <a:pPr algn="ctr"/>
-            <a:endParaRPr lang="zh-CN" altLang="en-US"/>
+            <a:endParaRPr lang="zh-CN" altLang="en-US" sz="2628"/>
           </a:p>
         </p:txBody>
       </p:sp>
@@ -14687,7 +14687,7 @@
         </p:nvGrpSpPr>
         <p:grpSpPr>
           <a:xfrm>
-            <a:off x="9829265" y="1862694"/>
+            <a:off x="9829268" y="1862694"/>
             <a:ext cx="2572715" cy="698500"/>
             <a:chOff x="4604727" y="4920679"/>
             <a:chExt cx="2572715" cy="698500"/>
@@ -14733,7 +14733,7 @@
               <a:pPr algn="ctr">
                 <a:defRPr/>
               </a:pPr>
-              <a:endParaRPr/>
+              <a:endParaRPr sz="2628"/>
             </a:p>
           </p:txBody>
         </p:sp>
@@ -15080,7 +15080,7 @@
         </p:nvGrpSpPr>
         <p:grpSpPr>
           <a:xfrm>
-            <a:off x="9982043" y="407036"/>
+            <a:off x="9982046" y="407039"/>
             <a:ext cx="1573515" cy="1221129"/>
             <a:chOff x="8913758" y="1877718"/>
             <a:chExt cx="1573515" cy="1221129"/>
@@ -15126,7 +15126,7 @@
               <a:pPr algn="ctr">
                 <a:defRPr/>
               </a:pPr>
-              <a:endParaRPr dirty="0"/>
+              <a:endParaRPr sz="2628" dirty="0"/>
             </a:p>
           </p:txBody>
         </p:sp>
@@ -15226,7 +15226,7 @@
                   <a:pPr algn="ctr">
                     <a:defRPr/>
                   </a:pPr>
-                  <a:endParaRPr/>
+                  <a:endParaRPr sz="2628"/>
                 </a:p>
               </p:txBody>
             </p:sp>
@@ -15326,7 +15326,7 @@
                   <a:pPr algn="ctr">
                     <a:defRPr/>
                   </a:pPr>
-                  <a:endParaRPr/>
+                  <a:endParaRPr sz="2628"/>
                 </a:p>
               </p:txBody>
             </p:sp>
@@ -15426,7 +15426,7 @@
                   <a:pPr algn="ctr">
                     <a:defRPr/>
                   </a:pPr>
-                  <a:endParaRPr/>
+                  <a:endParaRPr sz="2628"/>
                 </a:p>
               </p:txBody>
             </p:sp>
@@ -15577,7 +15577,7 @@
               <a:pPr algn="ctr">
                 <a:defRPr/>
               </a:pPr>
-              <a:endParaRPr/>
+              <a:endParaRPr sz="2628"/>
             </a:p>
           </p:txBody>
         </p:sp>
@@ -16064,7 +16064,7 @@
                 <a:pPr algn="ctr">
                   <a:defRPr/>
                 </a:pPr>
-                <a:endParaRPr/>
+                <a:endParaRPr sz="2628"/>
               </a:p>
             </p:txBody>
           </p:sp>
@@ -16132,7 +16132,7 @@
         </p:nvSpPr>
         <p:spPr>
           <a:xfrm>
-            <a:off x="9337681" y="1044311"/>
+            <a:off x="9337684" y="1044314"/>
             <a:ext cx="613183" cy="1205177"/>
           </a:xfrm>
           <a:prstGeom prst="curvedRightArrow">
@@ -16183,7 +16183,7 @@
         </p:nvGrpSpPr>
         <p:grpSpPr>
           <a:xfrm>
-            <a:off x="8322223" y="2851285"/>
+            <a:off x="8322226" y="2851288"/>
             <a:ext cx="4011241" cy="691581"/>
             <a:chOff x="4695829" y="5705803"/>
             <a:chExt cx="4011241" cy="691581"/>
@@ -16223,7 +16223,7 @@
               <a:pPr>
                 <a:defRPr/>
               </a:pPr>
-              <a:endParaRPr dirty="0"/>
+              <a:endParaRPr sz="2628" dirty="0"/>
             </a:p>
           </p:txBody>
         </p:sp>
@@ -16615,7 +16615,7 @@
         </p:nvSpPr>
         <p:spPr>
           <a:xfrm>
-            <a:off x="9467044" y="1538548"/>
+            <a:off x="9467044" y="1538551"/>
             <a:ext cx="2343177" cy="261610"/>
           </a:xfrm>
           <a:prstGeom prst="rect">
@@ -16650,7 +16650,7 @@
         </p:nvSpPr>
         <p:spPr>
           <a:xfrm>
-            <a:off x="11170259" y="2585009"/>
+            <a:off x="11170262" y="2585009"/>
             <a:ext cx="214835" cy="290428"/>
           </a:xfrm>
           <a:prstGeom prst="downArrow">
@@ -16684,7 +16684,7 @@
             <a:pPr algn="ctr">
               <a:defRPr/>
             </a:pPr>
-            <a:endParaRPr dirty="0"/>
+            <a:endParaRPr sz="2628" dirty="0"/>
           </a:p>
         </p:txBody>
       </p:sp>
@@ -16728,7 +16728,7 @@
             <a:pPr algn="ctr">
               <a:defRPr/>
             </a:pPr>
-            <a:endParaRPr dirty="0"/>
+            <a:endParaRPr sz="2628" dirty="0"/>
           </a:p>
         </p:txBody>
       </p:sp>
@@ -16746,7 +16746,7 @@
         </p:nvGrpSpPr>
         <p:grpSpPr>
           <a:xfrm>
-            <a:off x="8972216" y="3910766"/>
+            <a:off x="8972219" y="3910769"/>
             <a:ext cx="2468789" cy="973427"/>
             <a:chOff x="8501761" y="3093823"/>
             <a:chExt cx="2468789" cy="973427"/>
@@ -17192,7 +17192,7 @@
         </p:nvGrpSpPr>
         <p:grpSpPr>
           <a:xfrm>
-            <a:off x="7820534" y="3880976"/>
+            <a:off x="7820537" y="3880976"/>
             <a:ext cx="1261461" cy="964593"/>
             <a:chOff x="10984860" y="3003295"/>
             <a:chExt cx="1261461" cy="964593"/>
@@ -17487,7 +17487,7 @@
         </p:nvSpPr>
         <p:spPr>
           <a:xfrm>
-            <a:off x="7724469" y="3565961"/>
+            <a:off x="7724469" y="3565964"/>
             <a:ext cx="3677266" cy="261610"/>
           </a:xfrm>
           <a:prstGeom prst="rect">
@@ -17566,7 +17566,7 @@
         </p:nvGrpSpPr>
         <p:grpSpPr>
           <a:xfrm>
-            <a:off x="8050206" y="2574261"/>
+            <a:off x="8050209" y="2574267"/>
             <a:ext cx="2906025" cy="296727"/>
             <a:chOff x="7048010" y="2464189"/>
             <a:chExt cx="2906025" cy="296726"/>
@@ -17745,7 +17745,7 @@
           <a:lstStyle/>
           <a:p>
             <a:pPr algn="ctr"/>
-            <a:endParaRPr lang="zh-CN" altLang="en-US">
+            <a:endParaRPr lang="zh-CN" altLang="en-US" sz="2628">
               <a:solidFill>
                 <a:schemeClr val="tx1"/>
               </a:solidFill>
@@ -17767,7 +17767,7 @@
         </p:nvSpPr>
         <p:spPr>
           <a:xfrm>
-            <a:off x="11181403" y="3585682"/>
+            <a:off x="11181406" y="3585682"/>
             <a:ext cx="220337" cy="304330"/>
           </a:xfrm>
           <a:prstGeom prst="downArrow">
@@ -17801,7 +17801,7 @@
             <a:pPr algn="ctr">
               <a:defRPr/>
             </a:pPr>
-            <a:endParaRPr dirty="0"/>
+            <a:endParaRPr sz="2628" dirty="0"/>
           </a:p>
         </p:txBody>
       </p:sp>
@@ -17819,8 +17819,8 @@
         </p:nvSpPr>
         <p:spPr>
           <a:xfrm rot="5400000">
-            <a:off x="10375058" y="2657876"/>
-            <a:ext cx="2468788" cy="296876"/>
+            <a:off x="10592880" y="2474655"/>
+            <a:ext cx="2079331" cy="261610"/>
           </a:xfrm>
           <a:prstGeom prst="rect">
             <a:avLst/>
@@ -17834,11 +17834,11 @@
           <a:lstStyle/>
           <a:p>
             <a:r>
-              <a:rPr lang="en-US" altLang="zh-CN" sz="1100" dirty="0"/>
+              <a:rPr lang="en-US" altLang="zh-CN" sz="1000" dirty="0"/>
               <a:t>Execute </a:t>
             </a:r>
             <a:r>
-              <a:rPr lang="en-US" altLang="zh-CN" sz="1100" b="1" dirty="0">
+              <a:rPr lang="en-US" altLang="zh-CN" sz="1000" b="1" dirty="0">
                 <a:solidFill>
                   <a:srgbClr val="41C6BB"/>
                 </a:solidFill>
@@ -17847,11 +17847,11 @@
               <a:t>Task</a:t>
             </a:r>
             <a:r>
-              <a:rPr lang="en-US" altLang="zh-CN" sz="1100" dirty="0"/>
+              <a:rPr lang="en-US" altLang="zh-CN" sz="1000" dirty="0"/>
               <a:t> </a:t>
             </a:r>
             <a:r>
-              <a:rPr lang="en-US" altLang="zh-CN" dirty="0">
+              <a:rPr lang="en-US" altLang="zh-CN" sz="1100" dirty="0">
                 <a:solidFill>
                   <a:srgbClr val="1C2127"/>
                 </a:solidFill>
@@ -17859,7 +17859,7 @@
               </a:rPr>
               <a:t>Asynchronously</a:t>
             </a:r>
-            <a:endParaRPr lang="en-US" altLang="zh-CN" sz="1100" dirty="0"/>
+            <a:endParaRPr lang="en-US" altLang="zh-CN" sz="1000" dirty="0"/>
           </a:p>
         </p:txBody>
       </p:sp>
@@ -17877,17 +17877,17 @@
         </p:nvSpPr>
         <p:spPr>
           <a:xfrm rot="10800000">
-            <a:off x="3449934" y="138801"/>
-            <a:ext cx="8752132" cy="4932774"/>
+            <a:off x="3449936" y="88635"/>
+            <a:ext cx="8719561" cy="4982940"/>
           </a:xfrm>
           <a:prstGeom prst="corner">
             <a:avLst>
               <a:gd name="adj1" fmla="val 64732"/>
-              <a:gd name="adj2" fmla="val 94476"/>
+              <a:gd name="adj2" fmla="val 92931"/>
             </a:avLst>
           </a:prstGeom>
           <a:noFill/>
-          <a:ln w="31750">
+          <a:ln w="34925">
             <a:solidFill>
               <a:srgbClr val="C00000"/>
             </a:solidFill>
@@ -17915,7 +17915,7 @@
           <a:lstStyle/>
           <a:p>
             <a:pPr algn="ctr"/>
-            <a:endParaRPr lang="zh-CN" altLang="en-US" dirty="0"/>
+            <a:endParaRPr lang="zh-CN" altLang="en-US" sz="2628" dirty="0"/>
           </a:p>
         </p:txBody>
       </p:sp>
@@ -17937,7 +17937,7 @@
         </p:nvCxnSpPr>
         <p:spPr>
           <a:xfrm flipV="1">
-            <a:off x="7225309" y="3216659"/>
+            <a:off x="7225312" y="3216662"/>
             <a:ext cx="1110721" cy="847395"/>
           </a:xfrm>
           <a:prstGeom prst="curvedConnector3">
@@ -18092,7 +18092,7 @@
                   <a:pPr algn="ctr">
                     <a:defRPr/>
                   </a:pPr>
-                  <a:endParaRPr dirty="0"/>
+                  <a:endParaRPr sz="2628" dirty="0"/>
                 </a:p>
               </p:txBody>
             </p:sp>
@@ -18214,7 +18214,7 @@
                   <a:pPr algn="ctr">
                     <a:defRPr/>
                   </a:pPr>
-                  <a:endParaRPr/>
+                  <a:endParaRPr sz="2628"/>
                 </a:p>
               </p:txBody>
             </p:sp>
@@ -18528,7 +18528,7 @@
                       <a:pPr algn="ctr">
                         <a:defRPr/>
                       </a:pPr>
-                      <a:endParaRPr dirty="0"/>
+                      <a:endParaRPr sz="2628" dirty="0"/>
                     </a:p>
                   </p:txBody>
                 </p:sp>
@@ -18566,7 +18566,7 @@
                       <a:pPr algn="ctr">
                         <a:defRPr/>
                       </a:pPr>
-                      <a:endParaRPr dirty="0"/>
+                      <a:endParaRPr sz="2628" dirty="0"/>
                     </a:p>
                   </p:txBody>
                 </p:sp>
@@ -18886,7 +18886,7 @@
                 <a:pPr algn="ctr">
                   <a:defRPr/>
                 </a:pPr>
-                <a:endParaRPr dirty="0"/>
+                <a:endParaRPr sz="2628" dirty="0"/>
               </a:p>
             </p:txBody>
           </p:sp>
@@ -18930,7 +18930,7 @@
                 <a:pPr algn="ctr">
                   <a:defRPr/>
                 </a:pPr>
-                <a:endParaRPr dirty="0"/>
+                <a:endParaRPr sz="2628" dirty="0"/>
               </a:p>
             </p:txBody>
           </p:sp>
@@ -18991,7 +18991,7 @@
         </p:nvGrpSpPr>
         <p:grpSpPr>
           <a:xfrm>
-            <a:off x="111125" y="209205"/>
+            <a:off x="111128" y="209205"/>
             <a:ext cx="3079879" cy="1682738"/>
             <a:chOff x="284091" y="91500"/>
             <a:chExt cx="3079879" cy="1682738"/>
@@ -19032,7 +19032,7 @@
               <a:pPr algn="ctr">
                 <a:defRPr/>
               </a:pPr>
-              <a:endParaRPr dirty="0"/>
+              <a:endParaRPr sz="2628" dirty="0"/>
             </a:p>
           </p:txBody>
         </p:sp>
@@ -19122,7 +19122,7 @@
                 <a:pPr algn="ctr">
                   <a:defRPr/>
                 </a:pPr>
-                <a:endParaRPr dirty="0"/>
+                <a:endParaRPr sz="2628" dirty="0"/>
               </a:p>
             </p:txBody>
           </p:sp>
@@ -19263,7 +19263,7 @@
                 <a:pPr algn="ctr">
                   <a:defRPr/>
                 </a:pPr>
-                <a:endParaRPr/>
+                <a:endParaRPr sz="2628"/>
               </a:p>
             </p:txBody>
           </p:sp>
@@ -19374,7 +19374,7 @@
                   <a:pPr algn="ctr">
                     <a:defRPr/>
                   </a:pPr>
-                  <a:endParaRPr dirty="0"/>
+                  <a:endParaRPr sz="2628" dirty="0"/>
                 </a:p>
               </p:txBody>
             </p:sp>
@@ -19523,7 +19523,7 @@
                   <a:pPr algn="ctr">
                     <a:defRPr/>
                   </a:pPr>
-                  <a:endParaRPr/>
+                  <a:endParaRPr sz="2628"/>
                 </a:p>
               </p:txBody>
             </p:sp>
@@ -19760,7 +19760,7 @@
                 <a:pPr algn="ctr">
                   <a:defRPr/>
                 </a:pPr>
-                <a:endParaRPr dirty="0"/>
+                <a:endParaRPr sz="2628" dirty="0"/>
               </a:p>
             </p:txBody>
           </p:sp>
@@ -19774,8 +19774,8 @@
         </p:nvSpPr>
         <p:spPr>
           <a:xfrm>
-            <a:off x="151047" y="2115509"/>
-            <a:ext cx="2983571" cy="1397127"/>
+            <a:off x="151047" y="2115512"/>
+            <a:ext cx="3070842" cy="1397127"/>
           </a:xfrm>
           <a:prstGeom prst="roundRect">
             <a:avLst>
@@ -19801,7 +19801,7 @@
             <a:pPr algn="ctr">
               <a:defRPr/>
             </a:pPr>
-            <a:endParaRPr dirty="0"/>
+            <a:endParaRPr sz="2628" dirty="0"/>
           </a:p>
         </p:txBody>
       </p:sp>
@@ -19819,7 +19819,7 @@
         </p:nvGrpSpPr>
         <p:grpSpPr>
           <a:xfrm>
-            <a:off x="243191" y="2474184"/>
+            <a:off x="305479" y="2480788"/>
             <a:ext cx="1319306" cy="873207"/>
             <a:chOff x="2849604" y="5857387"/>
             <a:chExt cx="2280543" cy="1323090"/>
@@ -20385,7 +20385,7 @@
         </p:nvGrpSpPr>
         <p:grpSpPr>
           <a:xfrm>
-            <a:off x="1686515" y="2556588"/>
+            <a:off x="1737747" y="2561197"/>
             <a:ext cx="1320333" cy="710715"/>
             <a:chOff x="201783" y="7309654"/>
             <a:chExt cx="1214093" cy="429113"/>
@@ -20594,7 +20594,7 @@
         </p:nvSpPr>
         <p:spPr>
           <a:xfrm>
-            <a:off x="143154" y="2097715"/>
+            <a:off x="143157" y="2097715"/>
             <a:ext cx="2413341" cy="335688"/>
           </a:xfrm>
           <a:prstGeom prst="rect">
@@ -20648,8 +20648,8 @@
           </p:nvPr>
         </p:nvGraphicFramePr>
         <p:xfrm>
-          <a:off x="1768887" y="5547520"/>
-          <a:ext cx="1204349" cy="792480"/>
+          <a:off x="1768890" y="5547520"/>
+          <a:ext cx="1204349" cy="792514"/>
         </p:xfrm>
         <a:graphic>
           <a:graphicData uri="http://schemas.openxmlformats.org/drawingml/2006/table">
@@ -20666,7 +20666,7 @@
                   </a:extLst>
                 </a:gridCol>
               </a:tblGrid>
-              <a:tr h="243840">
+              <a:tr h="243850">
                 <a:tc>
                   <a:txBody>
                     <a:bodyPr/>
@@ -20726,7 +20726,7 @@
                   </a:ext>
                 </a:extLst>
               </a:tr>
-              <a:tr h="213360">
+              <a:tr h="213368">
                 <a:tc>
                   <a:txBody>
                     <a:bodyPr/>
@@ -20751,7 +20751,7 @@
                   </a:ext>
                 </a:extLst>
               </a:tr>
-              <a:tr h="335280">
+              <a:tr h="335296">
                 <a:tc>
                   <a:txBody>
                     <a:bodyPr/>
@@ -20796,7 +20796,7 @@
         </p:nvSpPr>
         <p:spPr>
           <a:xfrm>
-            <a:off x="150240" y="3722177"/>
+            <a:off x="150243" y="3722177"/>
             <a:ext cx="2413341" cy="335688"/>
           </a:xfrm>
           <a:prstGeom prst="rect">
@@ -20843,8 +20843,8 @@
         </p:nvSpPr>
         <p:spPr>
           <a:xfrm>
-            <a:off x="159551" y="3732675"/>
-            <a:ext cx="3062509" cy="2818644"/>
+            <a:off x="111128" y="3732675"/>
+            <a:ext cx="3110935" cy="2843552"/>
           </a:xfrm>
           <a:prstGeom prst="roundRect">
             <a:avLst>
@@ -20870,7 +20870,7 @@
             <a:pPr algn="ctr">
               <a:defRPr/>
             </a:pPr>
-            <a:endParaRPr dirty="0"/>
+            <a:endParaRPr sz="2628" dirty="0"/>
           </a:p>
         </p:txBody>
       </p:sp>
@@ -20938,7 +20938,7 @@
         </p:nvGrpSpPr>
         <p:grpSpPr>
           <a:xfrm>
-            <a:off x="396769" y="5289638"/>
+            <a:off x="396772" y="5289638"/>
             <a:ext cx="2027683" cy="1016322"/>
             <a:chOff x="493141" y="5230330"/>
             <a:chExt cx="2027683" cy="1016322"/>
@@ -21125,7 +21125,7 @@
                 <a:lstStyle/>
                 <a:p>
                   <a:pPr algn="ctr"/>
-                  <a:endParaRPr lang="zh-CN" altLang="en-US"/>
+                  <a:endParaRPr lang="zh-CN" altLang="en-US" sz="2628"/>
                 </a:p>
               </p:txBody>
             </p:sp>
@@ -21351,7 +21351,7 @@
                 <a:lstStyle/>
                 <a:p>
                   <a:pPr algn="ctr"/>
-                  <a:endParaRPr lang="zh-CN" altLang="en-US"/>
+                  <a:endParaRPr lang="zh-CN" altLang="en-US" sz="2628"/>
                 </a:p>
               </p:txBody>
             </p:sp>
@@ -21577,7 +21577,7 @@
                 <a:lstStyle/>
                 <a:p>
                   <a:pPr algn="ctr"/>
-                  <a:endParaRPr lang="zh-CN" altLang="en-US" dirty="0"/>
+                  <a:endParaRPr lang="zh-CN" altLang="en-US" sz="2628" dirty="0"/>
                 </a:p>
               </p:txBody>
             </p:sp>
@@ -21730,7 +21730,7 @@
                 <a:pPr algn="ctr">
                   <a:defRPr/>
                 </a:pPr>
-                <a:endParaRPr/>
+                <a:endParaRPr sz="2628"/>
               </a:p>
             </p:txBody>
           </p:sp>
@@ -21785,7 +21785,7 @@
               <a:lstStyle/>
               <a:p>
                 <a:pPr algn="ctr"/>
-                <a:endParaRPr lang="zh-CN" altLang="en-US"/>
+                <a:endParaRPr lang="zh-CN" altLang="en-US" sz="2628"/>
               </a:p>
             </p:txBody>
           </p:sp>
@@ -21805,7 +21805,7 @@
         </p:nvGrpSpPr>
         <p:grpSpPr>
           <a:xfrm>
-            <a:off x="205588" y="4062078"/>
+            <a:off x="205591" y="4062081"/>
             <a:ext cx="2937363" cy="1173619"/>
             <a:chOff x="388700" y="4145621"/>
             <a:chExt cx="2937363" cy="1173619"/>
@@ -22403,7 +22403,7 @@
         </p:nvCxnSpPr>
         <p:spPr>
           <a:xfrm flipV="1">
-            <a:off x="2166221" y="4758035"/>
+            <a:off x="2166224" y="4758035"/>
             <a:ext cx="258233" cy="42332"/>
           </a:xfrm>
           <a:prstGeom prst="line">

--- a/Paper Reading/____Writing/Fig_Overview.pptx
+++ b/Paper Reading/____Writing/Fig_Overview.pptx
@@ -13862,8 +13862,12 @@
               <a:defRPr/>
             </a:pPr>
             <a:r>
+              <a:rPr lang="en-US" altLang="zh-CN" sz="1100" dirty="0"/>
+              <a:t>Task Generator</a:t>
+            </a:r>
+            <a:r>
               <a:rPr lang="en-US" sz="1100" dirty="0"/>
-              <a:t>Pre-defined &amp; Customized Task Model</a:t>
+              <a:t> &amp; Customized Task Model</a:t>
             </a:r>
             <a:endParaRPr sz="1100" dirty="0"/>
           </a:p>
@@ -21793,10 +21797,10 @@
       </p:grpSp>
       <p:grpSp>
         <p:nvGrpSpPr>
-          <p:cNvPr id="335" name="组合 334">
+          <p:cNvPr id="6" name="组合 5">
             <a:extLst>
               <a:ext uri="{FF2B5EF4-FFF2-40B4-BE49-F238E27FC236}">
-                <a16:creationId xmlns:a16="http://schemas.microsoft.com/office/drawing/2014/main" id="{AA7EDACE-09DB-4B45-5433-082036B862DB}"/>
+                <a16:creationId xmlns:a16="http://schemas.microsoft.com/office/drawing/2014/main" id="{41894FF4-2D85-EA97-05A0-3053EF9C0FD1}"/>
               </a:ext>
             </a:extLst>
           </p:cNvPr>
@@ -21807,16 +21811,16 @@
           <a:xfrm>
             <a:off x="205591" y="4062081"/>
             <a:ext cx="2937363" cy="1173619"/>
-            <a:chOff x="388700" y="4145621"/>
+            <a:chOff x="205591" y="4062081"/>
             <a:chExt cx="2937363" cy="1173619"/>
           </a:xfrm>
         </p:grpSpPr>
         <p:grpSp>
           <p:nvGrpSpPr>
-            <p:cNvPr id="167" name="组合 166">
+            <p:cNvPr id="335" name="组合 334">
               <a:extLst>
                 <a:ext uri="{FF2B5EF4-FFF2-40B4-BE49-F238E27FC236}">
-                  <a16:creationId xmlns:a16="http://schemas.microsoft.com/office/drawing/2014/main" id="{BAE75449-C0CE-6ACD-C5E9-E89C0960E855}"/>
+                  <a16:creationId xmlns:a16="http://schemas.microsoft.com/office/drawing/2014/main" id="{AA7EDACE-09DB-4B45-5433-082036B862DB}"/>
                 </a:ext>
               </a:extLst>
             </p:cNvPr>
@@ -21825,18 +21829,552 @@
           </p:nvGrpSpPr>
           <p:grpSpPr>
             <a:xfrm>
-              <a:off x="388700" y="4145621"/>
-              <a:ext cx="2892701" cy="1173619"/>
+              <a:off x="205591" y="4062081"/>
+              <a:ext cx="2937363" cy="1173619"/>
               <a:chOff x="388700" y="4145621"/>
-              <a:chExt cx="2892701" cy="1173619"/>
+              <a:chExt cx="2937363" cy="1173619"/>
             </a:xfrm>
           </p:grpSpPr>
+          <p:grpSp>
+            <p:nvGrpSpPr>
+              <p:cNvPr id="167" name="组合 166">
+                <a:extLst>
+                  <a:ext uri="{FF2B5EF4-FFF2-40B4-BE49-F238E27FC236}">
+                    <a16:creationId xmlns:a16="http://schemas.microsoft.com/office/drawing/2014/main" id="{BAE75449-C0CE-6ACD-C5E9-E89C0960E855}"/>
+                  </a:ext>
+                </a:extLst>
+              </p:cNvPr>
+              <p:cNvGrpSpPr/>
+              <p:nvPr/>
+            </p:nvGrpSpPr>
+            <p:grpSpPr>
+              <a:xfrm>
+                <a:off x="388700" y="4145621"/>
+                <a:ext cx="2892701" cy="1173619"/>
+                <a:chOff x="388700" y="4145621"/>
+                <a:chExt cx="2892701" cy="1173619"/>
+              </a:xfrm>
+            </p:grpSpPr>
+            <p:sp>
+              <p:nvSpPr>
+                <p:cNvPr id="164" name="AutoShape 115">
+                  <a:extLst>
+                    <a:ext uri="{FF2B5EF4-FFF2-40B4-BE49-F238E27FC236}">
+                      <a16:creationId xmlns:a16="http://schemas.microsoft.com/office/drawing/2014/main" id="{0E09B7FF-5CAF-B872-E69E-C3729C13AF29}"/>
+                    </a:ext>
+                  </a:extLst>
+                </p:cNvPr>
+                <p:cNvSpPr/>
+                <p:nvPr/>
+              </p:nvSpPr>
+              <p:spPr>
+                <a:xfrm>
+                  <a:off x="440137" y="4145621"/>
+                  <a:ext cx="2841264" cy="1173619"/>
+                </a:xfrm>
+                <a:prstGeom prst="roundRect">
+                  <a:avLst>
+                    <a:gd name="adj" fmla="val 9090"/>
+                  </a:avLst>
+                </a:prstGeom>
+                <a:solidFill>
+                  <a:srgbClr val="DEE0E3">
+                    <a:alpha val="20000"/>
+                  </a:srgbClr>
+                </a:solidFill>
+                <a:ln w="25400" cap="flat" cmpd="sng">
+                  <a:solidFill>
+                    <a:srgbClr val="2B2F36">
+                      <a:alpha val="20000"/>
+                    </a:srgbClr>
+                  </a:solidFill>
+                  <a:prstDash val="solid"/>
+                  <a:round/>
+                </a:ln>
+              </p:spPr>
+              <p:txBody>
+                <a:bodyPr lIns="63500" tIns="63500" rIns="63500" bIns="63500" rtlCol="0" anchor="ctr">
+                  <a:noAutofit/>
+                </a:bodyPr>
+                <a:lstStyle/>
+                <a:p>
+                  <a:pPr algn="ctr">
+                    <a:defRPr/>
+                  </a:pPr>
+                  <a:endParaRPr sz="1400" dirty="0"/>
+                </a:p>
+              </p:txBody>
+            </p:sp>
+            <p:grpSp>
+              <p:nvGrpSpPr>
+                <p:cNvPr id="214" name="组合 213">
+                  <a:extLst>
+                    <a:ext uri="{FF2B5EF4-FFF2-40B4-BE49-F238E27FC236}">
+                      <a16:creationId xmlns:a16="http://schemas.microsoft.com/office/drawing/2014/main" id="{F2B7B300-5D63-0597-A81E-011E239C71B3}"/>
+                    </a:ext>
+                  </a:extLst>
+                </p:cNvPr>
+                <p:cNvGrpSpPr/>
+                <p:nvPr/>
+              </p:nvGrpSpPr>
+              <p:grpSpPr>
+                <a:xfrm>
+                  <a:off x="388700" y="4438337"/>
+                  <a:ext cx="2130604" cy="836473"/>
+                  <a:chOff x="-148520" y="4750456"/>
+                  <a:chExt cx="2130604" cy="836473"/>
+                </a:xfrm>
+              </p:grpSpPr>
+              <p:sp>
+                <p:nvSpPr>
+                  <p:cNvPr id="170" name="椭圆 169">
+                    <a:extLst>
+                      <a:ext uri="{FF2B5EF4-FFF2-40B4-BE49-F238E27FC236}">
+                        <a16:creationId xmlns:a16="http://schemas.microsoft.com/office/drawing/2014/main" id="{D1E65B99-1A7B-045F-A80A-79BEE0E3FBD2}"/>
+                      </a:ext>
+                    </a:extLst>
+                  </p:cNvPr>
+                  <p:cNvSpPr/>
+                  <p:nvPr/>
+                </p:nvSpPr>
+                <p:spPr>
+                  <a:xfrm>
+                    <a:off x="633982" y="5061844"/>
+                    <a:ext cx="1245661" cy="525085"/>
+                  </a:xfrm>
+                  <a:prstGeom prst="ellipse">
+                    <a:avLst/>
+                  </a:prstGeom>
+                  <a:solidFill>
+                    <a:srgbClr val="92D050">
+                      <a:alpha val="50000"/>
+                    </a:srgbClr>
+                  </a:solidFill>
+                  <a:ln>
+                    <a:noFill/>
+                  </a:ln>
+                </p:spPr>
+                <p:style>
+                  <a:lnRef idx="1">
+                    <a:schemeClr val="accent6"/>
+                  </a:lnRef>
+                  <a:fillRef idx="2">
+                    <a:schemeClr val="accent6"/>
+                  </a:fillRef>
+                  <a:effectRef idx="1">
+                    <a:schemeClr val="accent6"/>
+                  </a:effectRef>
+                  <a:fontRef idx="minor">
+                    <a:schemeClr val="dk1"/>
+                  </a:fontRef>
+                </p:style>
+                <p:txBody>
+                  <a:bodyPr rtlCol="0" anchor="ctr"/>
+                  <a:lstStyle/>
+                  <a:p>
+                    <a:pPr algn="ctr"/>
+                    <a:endParaRPr lang="zh-CN" altLang="en-US" sz="1200" dirty="0"/>
+                  </a:p>
+                </p:txBody>
+              </p:sp>
+              <p:sp>
+                <p:nvSpPr>
+                  <p:cNvPr id="168" name="椭圆 167">
+                    <a:extLst>
+                      <a:ext uri="{FF2B5EF4-FFF2-40B4-BE49-F238E27FC236}">
+                        <a16:creationId xmlns:a16="http://schemas.microsoft.com/office/drawing/2014/main" id="{2DA5C961-81AC-C259-6438-10F15AFA47F0}"/>
+                      </a:ext>
+                    </a:extLst>
+                  </p:cNvPr>
+                  <p:cNvSpPr/>
+                  <p:nvPr/>
+                </p:nvSpPr>
+                <p:spPr>
+                  <a:xfrm>
+                    <a:off x="631699" y="4775413"/>
+                    <a:ext cx="1239108" cy="592921"/>
+                  </a:xfrm>
+                  <a:prstGeom prst="ellipse">
+                    <a:avLst/>
+                  </a:prstGeom>
+                  <a:solidFill>
+                    <a:srgbClr val="ED1121">
+                      <a:alpha val="49804"/>
+                    </a:srgbClr>
+                  </a:solidFill>
+                  <a:ln>
+                    <a:noFill/>
+                  </a:ln>
+                </p:spPr>
+                <p:style>
+                  <a:lnRef idx="1">
+                    <a:schemeClr val="accent6"/>
+                  </a:lnRef>
+                  <a:fillRef idx="2">
+                    <a:schemeClr val="accent6"/>
+                  </a:fillRef>
+                  <a:effectRef idx="1">
+                    <a:schemeClr val="accent6"/>
+                  </a:effectRef>
+                  <a:fontRef idx="minor">
+                    <a:schemeClr val="dk1"/>
+                  </a:fontRef>
+                </p:style>
+                <p:txBody>
+                  <a:bodyPr rtlCol="0" anchor="ctr"/>
+                  <a:lstStyle/>
+                  <a:p>
+                    <a:pPr algn="ctr"/>
+                    <a:endParaRPr lang="zh-CN" altLang="en-US" sz="1100" dirty="0"/>
+                  </a:p>
+                </p:txBody>
+              </p:sp>
+              <p:sp>
+                <p:nvSpPr>
+                  <p:cNvPr id="176" name="AutoShape 119">
+                    <a:extLst>
+                      <a:ext uri="{FF2B5EF4-FFF2-40B4-BE49-F238E27FC236}">
+                        <a16:creationId xmlns:a16="http://schemas.microsoft.com/office/drawing/2014/main" id="{AEA619EA-8002-8960-72D1-C8B97F5AAB7B}"/>
+                      </a:ext>
+                    </a:extLst>
+                  </p:cNvPr>
+                  <p:cNvSpPr/>
+                  <p:nvPr/>
+                </p:nvSpPr>
+                <p:spPr>
+                  <a:xfrm>
+                    <a:off x="840574" y="4910193"/>
+                    <a:ext cx="1077831" cy="176070"/>
+                  </a:xfrm>
+                  <a:prstGeom prst="rect">
+                    <a:avLst/>
+                  </a:prstGeom>
+                  <a:noFill/>
+                  <a:ln w="12700">
+                    <a:noFill/>
+                    <a:prstDash val="solid"/>
+                  </a:ln>
+                </p:spPr>
+                <p:txBody>
+                  <a:bodyPr lIns="91440" tIns="45720" rIns="91440" bIns="45720" rtlCol="0" anchor="t">
+                    <a:noAutofit/>
+                  </a:bodyPr>
+                  <a:lstStyle/>
+                  <a:p>
+                    <a:pPr>
+                      <a:defRPr/>
+                    </a:pPr>
+                    <a:r>
+                      <a:rPr lang="en-US" sz="800" dirty="0"/>
+                      <a:t>Button, Joystick</a:t>
+                    </a:r>
+                    <a:endParaRPr lang="en-US" sz="1100" dirty="0"/>
+                  </a:p>
+                </p:txBody>
+              </p:sp>
+              <p:sp>
+                <p:nvSpPr>
+                  <p:cNvPr id="177" name="AutoShape 119">
+                    <a:extLst>
+                      <a:ext uri="{FF2B5EF4-FFF2-40B4-BE49-F238E27FC236}">
+                        <a16:creationId xmlns:a16="http://schemas.microsoft.com/office/drawing/2014/main" id="{5E166DB2-A75C-B171-FC31-56097B1609A7}"/>
+                      </a:ext>
+                    </a:extLst>
+                  </p:cNvPr>
+                  <p:cNvSpPr/>
+                  <p:nvPr/>
+                </p:nvSpPr>
+                <p:spPr>
+                  <a:xfrm>
+                    <a:off x="944384" y="5329297"/>
+                    <a:ext cx="976684" cy="251788"/>
+                  </a:xfrm>
+                  <a:prstGeom prst="rect">
+                    <a:avLst/>
+                  </a:prstGeom>
+                  <a:noFill/>
+                  <a:ln w="12700">
+                    <a:noFill/>
+                    <a:prstDash val="solid"/>
+                  </a:ln>
+                </p:spPr>
+                <p:txBody>
+                  <a:bodyPr lIns="91440" tIns="45720" rIns="91440" bIns="45720" rtlCol="0" anchor="t">
+                    <a:noAutofit/>
+                  </a:bodyPr>
+                  <a:lstStyle/>
+                  <a:p>
+                    <a:pPr>
+                      <a:defRPr/>
+                    </a:pPr>
+                    <a:r>
+                      <a:rPr lang="en-US" sz="800" dirty="0"/>
+                      <a:t>Box, Coin</a:t>
+                    </a:r>
+                    <a:endParaRPr lang="en-US" sz="1100" dirty="0"/>
+                  </a:p>
+                </p:txBody>
+              </p:sp>
+              <p:sp>
+                <p:nvSpPr>
+                  <p:cNvPr id="178" name="AutoShape 119">
+                    <a:extLst>
+                      <a:ext uri="{FF2B5EF4-FFF2-40B4-BE49-F238E27FC236}">
+                        <a16:creationId xmlns:a16="http://schemas.microsoft.com/office/drawing/2014/main" id="{D2402F8E-E381-FBB3-D7E2-9ABA4D026758}"/>
+                      </a:ext>
+                    </a:extLst>
+                  </p:cNvPr>
+                  <p:cNvSpPr/>
+                  <p:nvPr/>
+                </p:nvSpPr>
+                <p:spPr>
+                  <a:xfrm>
+                    <a:off x="-148520" y="5328449"/>
+                    <a:ext cx="844242" cy="251788"/>
+                  </a:xfrm>
+                  <a:prstGeom prst="rect">
+                    <a:avLst/>
+                  </a:prstGeom>
+                  <a:noFill/>
+                  <a:ln w="12700">
+                    <a:noFill/>
+                    <a:prstDash val="solid"/>
+                  </a:ln>
+                </p:spPr>
+                <p:txBody>
+                  <a:bodyPr lIns="91440" tIns="45720" rIns="91440" bIns="45720" rtlCol="0" anchor="t">
+                    <a:noAutofit/>
+                  </a:bodyPr>
+                  <a:lstStyle/>
+                  <a:p>
+                    <a:pPr>
+                      <a:defRPr/>
+                    </a:pPr>
+                    <a:r>
+                      <a:rPr lang="en-US" sz="1000" dirty="0"/>
+                      <a:t>Grabbable</a:t>
+                    </a:r>
+                    <a:endParaRPr lang="en-US" sz="1400" dirty="0"/>
+                  </a:p>
+                </p:txBody>
+              </p:sp>
+              <p:sp>
+                <p:nvSpPr>
+                  <p:cNvPr id="212" name="AutoShape 119">
+                    <a:extLst>
+                      <a:ext uri="{FF2B5EF4-FFF2-40B4-BE49-F238E27FC236}">
+                        <a16:creationId xmlns:a16="http://schemas.microsoft.com/office/drawing/2014/main" id="{E039E8CC-55A6-E96B-4E85-08A5F11556D9}"/>
+                      </a:ext>
+                    </a:extLst>
+                  </p:cNvPr>
+                  <p:cNvSpPr/>
+                  <p:nvPr/>
+                </p:nvSpPr>
+                <p:spPr>
+                  <a:xfrm>
+                    <a:off x="-126545" y="4750456"/>
+                    <a:ext cx="829592" cy="232346"/>
+                  </a:xfrm>
+                  <a:prstGeom prst="rect">
+                    <a:avLst/>
+                  </a:prstGeom>
+                  <a:noFill/>
+                  <a:ln w="12700">
+                    <a:noFill/>
+                    <a:prstDash val="solid"/>
+                  </a:ln>
+                </p:spPr>
+                <p:txBody>
+                  <a:bodyPr lIns="91440" tIns="45720" rIns="91440" bIns="45720" rtlCol="0" anchor="t">
+                    <a:noAutofit/>
+                  </a:bodyPr>
+                  <a:lstStyle/>
+                  <a:p>
+                    <a:pPr algn="ctr">
+                      <a:defRPr/>
+                    </a:pPr>
+                    <a:r>
+                      <a:rPr lang="en-US" sz="1000" dirty="0"/>
+                      <a:t>Triggerable</a:t>
+                    </a:r>
+                    <a:endParaRPr lang="en-US" sz="1400" dirty="0"/>
+                  </a:p>
+                </p:txBody>
+              </p:sp>
+              <p:sp>
+                <p:nvSpPr>
+                  <p:cNvPr id="213" name="AutoShape 119">
+                    <a:extLst>
+                      <a:ext uri="{FF2B5EF4-FFF2-40B4-BE49-F238E27FC236}">
+                        <a16:creationId xmlns:a16="http://schemas.microsoft.com/office/drawing/2014/main" id="{B4A27EA1-B818-9650-4E6B-74EC109AE6B4}"/>
+                      </a:ext>
+                    </a:extLst>
+                  </p:cNvPr>
+                  <p:cNvSpPr/>
+                  <p:nvPr/>
+                </p:nvSpPr>
+                <p:spPr>
+                  <a:xfrm>
+                    <a:off x="673985" y="5112469"/>
+                    <a:ext cx="1308099" cy="251788"/>
+                  </a:xfrm>
+                  <a:prstGeom prst="rect">
+                    <a:avLst/>
+                  </a:prstGeom>
+                  <a:noFill/>
+                  <a:ln w="12700">
+                    <a:noFill/>
+                    <a:prstDash val="solid"/>
+                  </a:ln>
+                </p:spPr>
+                <p:txBody>
+                  <a:bodyPr lIns="91440" tIns="45720" rIns="91440" bIns="45720" rtlCol="0" anchor="t">
+                    <a:noAutofit/>
+                  </a:bodyPr>
+                  <a:lstStyle/>
+                  <a:p>
+                    <a:pPr>
+                      <a:defRPr/>
+                    </a:pPr>
+                    <a:r>
+                      <a:rPr lang="en-US" sz="800" dirty="0"/>
+                      <a:t>Gun, Cigarette Lighter</a:t>
+                    </a:r>
+                    <a:endParaRPr lang="en-US" sz="1100" dirty="0"/>
+                  </a:p>
+                </p:txBody>
+              </p:sp>
+            </p:grpSp>
+            <p:sp>
+              <p:nvSpPr>
+                <p:cNvPr id="218" name="文本框 217">
+                  <a:extLst>
+                    <a:ext uri="{FF2B5EF4-FFF2-40B4-BE49-F238E27FC236}">
+                      <a16:creationId xmlns:a16="http://schemas.microsoft.com/office/drawing/2014/main" id="{6FEC9539-0432-02EA-ADD2-364E519891ED}"/>
+                    </a:ext>
+                  </a:extLst>
+                </p:cNvPr>
+                <p:cNvSpPr txBox="1"/>
+                <p:nvPr/>
+              </p:nvSpPr>
+              <p:spPr>
+                <a:xfrm>
+                  <a:off x="539586" y="4167788"/>
+                  <a:ext cx="2625878" cy="261610"/>
+                </a:xfrm>
+                <a:prstGeom prst="rect">
+                  <a:avLst/>
+                </a:prstGeom>
+                <a:noFill/>
+              </p:spPr>
+              <p:txBody>
+                <a:bodyPr wrap="square">
+                  <a:spAutoFit/>
+                </a:bodyPr>
+                <a:lstStyle/>
+                <a:p>
+                  <a:r>
+                    <a:rPr lang="zh-CN" altLang="en-US" sz="1100" dirty="0"/>
+                    <a:t>Abstraction Object Interaction Feature</a:t>
+                  </a:r>
+                </a:p>
+              </p:txBody>
+            </p:sp>
+          </p:grpSp>
+          <p:cxnSp>
+            <p:nvCxnSpPr>
+              <p:cNvPr id="317" name="直接连接符 316">
+                <a:extLst>
+                  <a:ext uri="{FF2B5EF4-FFF2-40B4-BE49-F238E27FC236}">
+                    <a16:creationId xmlns:a16="http://schemas.microsoft.com/office/drawing/2014/main" id="{8C00FB14-B1F7-B23A-326E-ED08A2A35124}"/>
+                  </a:ext>
+                </a:extLst>
+              </p:cNvPr>
+              <p:cNvCxnSpPr>
+                <a:cxnSpLocks/>
+                <a:endCxn id="168" idx="2"/>
+              </p:cNvCxnSpPr>
+              <p:nvPr/>
+            </p:nvCxnSpPr>
+            <p:spPr>
+              <a:xfrm>
+                <a:off x="1020233" y="4659434"/>
+                <a:ext cx="148686" cy="100321"/>
+              </a:xfrm>
+              <a:prstGeom prst="line">
+                <a:avLst/>
+              </a:prstGeom>
+              <a:ln w="12700">
+                <a:solidFill>
+                  <a:schemeClr val="tx1"/>
+                </a:solidFill>
+              </a:ln>
+            </p:spPr>
+            <p:style>
+              <a:lnRef idx="1">
+                <a:schemeClr val="accent1"/>
+              </a:lnRef>
+              <a:fillRef idx="0">
+                <a:schemeClr val="accent1"/>
+              </a:fillRef>
+              <a:effectRef idx="0">
+                <a:schemeClr val="accent1"/>
+              </a:effectRef>
+              <a:fontRef idx="minor">
+                <a:schemeClr val="tx1"/>
+              </a:fontRef>
+            </p:style>
+          </p:cxnSp>
+          <p:cxnSp>
+            <p:nvCxnSpPr>
+              <p:cNvPr id="327" name="直接连接符 326">
+                <a:extLst>
+                  <a:ext uri="{FF2B5EF4-FFF2-40B4-BE49-F238E27FC236}">
+                    <a16:creationId xmlns:a16="http://schemas.microsoft.com/office/drawing/2014/main" id="{208C85B4-A04A-3145-5207-E45782DDF790}"/>
+                  </a:ext>
+                </a:extLst>
+              </p:cNvPr>
+              <p:cNvCxnSpPr>
+                <a:cxnSpLocks/>
+                <a:endCxn id="170" idx="2"/>
+              </p:cNvCxnSpPr>
+              <p:nvPr/>
+            </p:nvCxnSpPr>
+            <p:spPr>
+              <a:xfrm flipV="1">
+                <a:off x="1020233" y="5012268"/>
+                <a:ext cx="150969" cy="71683"/>
+              </a:xfrm>
+              <a:prstGeom prst="line">
+                <a:avLst/>
+              </a:prstGeom>
+              <a:ln w="12700">
+                <a:solidFill>
+                  <a:schemeClr val="tx1"/>
+                </a:solidFill>
+              </a:ln>
+            </p:spPr>
+            <p:style>
+              <a:lnRef idx="1">
+                <a:schemeClr val="accent1"/>
+              </a:lnRef>
+              <a:fillRef idx="0">
+                <a:schemeClr val="accent1"/>
+              </a:fillRef>
+              <a:effectRef idx="0">
+                <a:schemeClr val="accent1"/>
+              </a:effectRef>
+              <a:fontRef idx="minor">
+                <a:schemeClr val="tx1"/>
+              </a:fontRef>
+            </p:style>
+          </p:cxnSp>
           <p:sp>
             <p:nvSpPr>
-              <p:cNvPr id="164" name="AutoShape 115">
+              <p:cNvPr id="331" name="AutoShape 119">
                 <a:extLst>
                   <a:ext uri="{FF2B5EF4-FFF2-40B4-BE49-F238E27FC236}">
-                    <a16:creationId xmlns:a16="http://schemas.microsoft.com/office/drawing/2014/main" id="{0E09B7FF-5CAF-B872-E69E-C3729C13AF29}"/>
+                    <a16:creationId xmlns:a16="http://schemas.microsoft.com/office/drawing/2014/main" id="{390C07A8-C841-14E7-09D8-2D6180775FE6}"/>
                   </a:ext>
                 </a:extLst>
               </p:cNvPr>
@@ -21845,31 +22383,20 @@
             </p:nvSpPr>
             <p:spPr>
               <a:xfrm>
-                <a:off x="440137" y="4145621"/>
-                <a:ext cx="2841264" cy="1173619"/>
+                <a:off x="2476699" y="4662319"/>
+                <a:ext cx="849364" cy="380856"/>
               </a:xfrm>
-              <a:prstGeom prst="roundRect">
-                <a:avLst>
-                  <a:gd name="adj" fmla="val 9090"/>
-                </a:avLst>
+              <a:prstGeom prst="rect">
+                <a:avLst/>
               </a:prstGeom>
-              <a:solidFill>
-                <a:srgbClr val="DEE0E3">
-                  <a:alpha val="20000"/>
-                </a:srgbClr>
-              </a:solidFill>
-              <a:ln w="25400" cap="flat" cmpd="sng">
-                <a:solidFill>
-                  <a:srgbClr val="2B2F36">
-                    <a:alpha val="20000"/>
-                  </a:srgbClr>
-                </a:solidFill>
+              <a:noFill/>
+              <a:ln w="12700">
+                <a:noFill/>
                 <a:prstDash val="solid"/>
-                <a:round/>
               </a:ln>
             </p:spPr>
             <p:txBody>
-              <a:bodyPr lIns="63500" tIns="63500" rIns="63500" bIns="63500" rtlCol="0" anchor="ctr">
+              <a:bodyPr lIns="91440" tIns="45720" rIns="91440" bIns="45720" rtlCol="0" anchor="t">
                 <a:noAutofit/>
               </a:bodyPr>
               <a:lstStyle/>
@@ -21877,405 +22404,31 @@
                 <a:pPr algn="ctr">
                   <a:defRPr/>
                 </a:pPr>
-                <a:endParaRPr sz="1400" dirty="0"/>
-              </a:p>
-            </p:txBody>
-          </p:sp>
-          <p:grpSp>
-            <p:nvGrpSpPr>
-              <p:cNvPr id="214" name="组合 213">
-                <a:extLst>
-                  <a:ext uri="{FF2B5EF4-FFF2-40B4-BE49-F238E27FC236}">
-                    <a16:creationId xmlns:a16="http://schemas.microsoft.com/office/drawing/2014/main" id="{F2B7B300-5D63-0597-A81E-011E239C71B3}"/>
-                  </a:ext>
-                </a:extLst>
-              </p:cNvPr>
-              <p:cNvGrpSpPr/>
-              <p:nvPr/>
-            </p:nvGrpSpPr>
-            <p:grpSpPr>
-              <a:xfrm>
-                <a:off x="388700" y="4438337"/>
-                <a:ext cx="2130604" cy="836473"/>
-                <a:chOff x="-148520" y="4750456"/>
-                <a:chExt cx="2130604" cy="836473"/>
-              </a:xfrm>
-            </p:grpSpPr>
-            <p:sp>
-              <p:nvSpPr>
-                <p:cNvPr id="170" name="椭圆 169">
-                  <a:extLst>
-                    <a:ext uri="{FF2B5EF4-FFF2-40B4-BE49-F238E27FC236}">
-                      <a16:creationId xmlns:a16="http://schemas.microsoft.com/office/drawing/2014/main" id="{D1E65B99-1A7B-045F-A80A-79BEE0E3FBD2}"/>
-                    </a:ext>
-                  </a:extLst>
-                </p:cNvPr>
-                <p:cNvSpPr/>
-                <p:nvPr/>
-              </p:nvSpPr>
-              <p:spPr>
-                <a:xfrm>
-                  <a:off x="633982" y="5061844"/>
-                  <a:ext cx="1245661" cy="525085"/>
-                </a:xfrm>
-                <a:prstGeom prst="ellipse">
-                  <a:avLst/>
-                </a:prstGeom>
-                <a:solidFill>
-                  <a:srgbClr val="92D050">
-                    <a:alpha val="50000"/>
-                  </a:srgbClr>
-                </a:solidFill>
-                <a:ln>
-                  <a:noFill/>
-                </a:ln>
-              </p:spPr>
-              <p:style>
-                <a:lnRef idx="1">
-                  <a:schemeClr val="accent6"/>
-                </a:lnRef>
-                <a:fillRef idx="2">
-                  <a:schemeClr val="accent6"/>
-                </a:fillRef>
-                <a:effectRef idx="1">
-                  <a:schemeClr val="accent6"/>
-                </a:effectRef>
-                <a:fontRef idx="minor">
-                  <a:schemeClr val="dk1"/>
-                </a:fontRef>
-              </p:style>
-              <p:txBody>
-                <a:bodyPr rtlCol="0" anchor="ctr"/>
-                <a:lstStyle/>
-                <a:p>
-                  <a:pPr algn="ctr"/>
-                  <a:endParaRPr lang="zh-CN" altLang="en-US" sz="1200" dirty="0"/>
-                </a:p>
-              </p:txBody>
-            </p:sp>
-            <p:sp>
-              <p:nvSpPr>
-                <p:cNvPr id="168" name="椭圆 167">
-                  <a:extLst>
-                    <a:ext uri="{FF2B5EF4-FFF2-40B4-BE49-F238E27FC236}">
-                      <a16:creationId xmlns:a16="http://schemas.microsoft.com/office/drawing/2014/main" id="{2DA5C961-81AC-C259-6438-10F15AFA47F0}"/>
-                    </a:ext>
-                  </a:extLst>
-                </p:cNvPr>
-                <p:cNvSpPr/>
-                <p:nvPr/>
-              </p:nvSpPr>
-              <p:spPr>
-                <a:xfrm>
-                  <a:off x="631699" y="4775413"/>
-                  <a:ext cx="1239108" cy="592921"/>
-                </a:xfrm>
-                <a:prstGeom prst="ellipse">
-                  <a:avLst/>
-                </a:prstGeom>
-                <a:solidFill>
-                  <a:srgbClr val="ED1121">
-                    <a:alpha val="49804"/>
-                  </a:srgbClr>
-                </a:solidFill>
-                <a:ln>
-                  <a:noFill/>
-                </a:ln>
-              </p:spPr>
-              <p:style>
-                <a:lnRef idx="1">
-                  <a:schemeClr val="accent6"/>
-                </a:lnRef>
-                <a:fillRef idx="2">
-                  <a:schemeClr val="accent6"/>
-                </a:fillRef>
-                <a:effectRef idx="1">
-                  <a:schemeClr val="accent6"/>
-                </a:effectRef>
-                <a:fontRef idx="minor">
-                  <a:schemeClr val="dk1"/>
-                </a:fontRef>
-              </p:style>
-              <p:txBody>
-                <a:bodyPr rtlCol="0" anchor="ctr"/>
-                <a:lstStyle/>
-                <a:p>
-                  <a:pPr algn="ctr"/>
-                  <a:endParaRPr lang="zh-CN" altLang="en-US" sz="1100" dirty="0"/>
-                </a:p>
-              </p:txBody>
-            </p:sp>
-            <p:sp>
-              <p:nvSpPr>
-                <p:cNvPr id="176" name="AutoShape 119">
-                  <a:extLst>
-                    <a:ext uri="{FF2B5EF4-FFF2-40B4-BE49-F238E27FC236}">
-                      <a16:creationId xmlns:a16="http://schemas.microsoft.com/office/drawing/2014/main" id="{AEA619EA-8002-8960-72D1-C8B97F5AAB7B}"/>
-                    </a:ext>
-                  </a:extLst>
-                </p:cNvPr>
-                <p:cNvSpPr/>
-                <p:nvPr/>
-              </p:nvSpPr>
-              <p:spPr>
-                <a:xfrm>
-                  <a:off x="840574" y="4910193"/>
-                  <a:ext cx="1077831" cy="176070"/>
-                </a:xfrm>
-                <a:prstGeom prst="rect">
-                  <a:avLst/>
-                </a:prstGeom>
-                <a:noFill/>
-                <a:ln w="12700">
-                  <a:noFill/>
-                  <a:prstDash val="solid"/>
-                </a:ln>
-              </p:spPr>
-              <p:txBody>
-                <a:bodyPr lIns="91440" tIns="45720" rIns="91440" bIns="45720" rtlCol="0" anchor="t">
-                  <a:noAutofit/>
-                </a:bodyPr>
-                <a:lstStyle/>
-                <a:p>
-                  <a:pPr>
-                    <a:defRPr/>
-                  </a:pPr>
-                  <a:r>
-                    <a:rPr lang="en-US" sz="800" dirty="0"/>
-                    <a:t>Button, Joystick</a:t>
-                  </a:r>
-                  <a:endParaRPr lang="en-US" sz="1100" dirty="0"/>
-                </a:p>
-              </p:txBody>
-            </p:sp>
-            <p:sp>
-              <p:nvSpPr>
-                <p:cNvPr id="177" name="AutoShape 119">
-                  <a:extLst>
-                    <a:ext uri="{FF2B5EF4-FFF2-40B4-BE49-F238E27FC236}">
-                      <a16:creationId xmlns:a16="http://schemas.microsoft.com/office/drawing/2014/main" id="{5E166DB2-A75C-B171-FC31-56097B1609A7}"/>
-                    </a:ext>
-                  </a:extLst>
-                </p:cNvPr>
-                <p:cNvSpPr/>
-                <p:nvPr/>
-              </p:nvSpPr>
-              <p:spPr>
-                <a:xfrm>
-                  <a:off x="944384" y="5329297"/>
-                  <a:ext cx="976684" cy="251788"/>
-                </a:xfrm>
-                <a:prstGeom prst="rect">
-                  <a:avLst/>
-                </a:prstGeom>
-                <a:noFill/>
-                <a:ln w="12700">
-                  <a:noFill/>
-                  <a:prstDash val="solid"/>
-                </a:ln>
-              </p:spPr>
-              <p:txBody>
-                <a:bodyPr lIns="91440" tIns="45720" rIns="91440" bIns="45720" rtlCol="0" anchor="t">
-                  <a:noAutofit/>
-                </a:bodyPr>
-                <a:lstStyle/>
-                <a:p>
-                  <a:pPr>
-                    <a:defRPr/>
-                  </a:pPr>
-                  <a:r>
-                    <a:rPr lang="en-US" sz="800" dirty="0"/>
-                    <a:t>Box, Coin</a:t>
-                  </a:r>
-                  <a:endParaRPr lang="en-US" sz="1100" dirty="0"/>
-                </a:p>
-              </p:txBody>
-            </p:sp>
-            <p:sp>
-              <p:nvSpPr>
-                <p:cNvPr id="178" name="AutoShape 119">
-                  <a:extLst>
-                    <a:ext uri="{FF2B5EF4-FFF2-40B4-BE49-F238E27FC236}">
-                      <a16:creationId xmlns:a16="http://schemas.microsoft.com/office/drawing/2014/main" id="{D2402F8E-E381-FBB3-D7E2-9ABA4D026758}"/>
-                    </a:ext>
-                  </a:extLst>
-                </p:cNvPr>
-                <p:cNvSpPr/>
-                <p:nvPr/>
-              </p:nvSpPr>
-              <p:spPr>
-                <a:xfrm>
-                  <a:off x="-148520" y="5328449"/>
-                  <a:ext cx="844242" cy="251788"/>
-                </a:xfrm>
-                <a:prstGeom prst="rect">
-                  <a:avLst/>
-                </a:prstGeom>
-                <a:noFill/>
-                <a:ln w="12700">
-                  <a:noFill/>
-                  <a:prstDash val="solid"/>
-                </a:ln>
-              </p:spPr>
-              <p:txBody>
-                <a:bodyPr lIns="91440" tIns="45720" rIns="91440" bIns="45720" rtlCol="0" anchor="t">
-                  <a:noAutofit/>
-                </a:bodyPr>
-                <a:lstStyle/>
-                <a:p>
-                  <a:pPr>
-                    <a:defRPr/>
-                  </a:pPr>
-                  <a:r>
-                    <a:rPr lang="en-US" sz="1000" dirty="0"/>
-                    <a:t>Grabbable</a:t>
-                  </a:r>
-                  <a:endParaRPr lang="en-US" sz="1400" dirty="0"/>
-                </a:p>
-              </p:txBody>
-            </p:sp>
-            <p:sp>
-              <p:nvSpPr>
-                <p:cNvPr id="212" name="AutoShape 119">
-                  <a:extLst>
-                    <a:ext uri="{FF2B5EF4-FFF2-40B4-BE49-F238E27FC236}">
-                      <a16:creationId xmlns:a16="http://schemas.microsoft.com/office/drawing/2014/main" id="{E039E8CC-55A6-E96B-4E85-08A5F11556D9}"/>
-                    </a:ext>
-                  </a:extLst>
-                </p:cNvPr>
-                <p:cNvSpPr/>
-                <p:nvPr/>
-              </p:nvSpPr>
-              <p:spPr>
-                <a:xfrm>
-                  <a:off x="-126545" y="4750456"/>
-                  <a:ext cx="829592" cy="232346"/>
-                </a:xfrm>
-                <a:prstGeom prst="rect">
-                  <a:avLst/>
-                </a:prstGeom>
-                <a:noFill/>
-                <a:ln w="12700">
-                  <a:noFill/>
-                  <a:prstDash val="solid"/>
-                </a:ln>
-              </p:spPr>
-              <p:txBody>
-                <a:bodyPr lIns="91440" tIns="45720" rIns="91440" bIns="45720" rtlCol="0" anchor="t">
-                  <a:noAutofit/>
-                </a:bodyPr>
-                <a:lstStyle/>
-                <a:p>
-                  <a:pPr algn="ctr">
-                    <a:defRPr/>
-                  </a:pPr>
-                  <a:r>
-                    <a:rPr lang="en-US" sz="1000" dirty="0"/>
-                    <a:t>Triggerable</a:t>
-                  </a:r>
-                  <a:endParaRPr lang="en-US" sz="1400" dirty="0"/>
-                </a:p>
-              </p:txBody>
-            </p:sp>
-            <p:sp>
-              <p:nvSpPr>
-                <p:cNvPr id="213" name="AutoShape 119">
-                  <a:extLst>
-                    <a:ext uri="{FF2B5EF4-FFF2-40B4-BE49-F238E27FC236}">
-                      <a16:creationId xmlns:a16="http://schemas.microsoft.com/office/drawing/2014/main" id="{B4A27EA1-B818-9650-4E6B-74EC109AE6B4}"/>
-                    </a:ext>
-                  </a:extLst>
-                </p:cNvPr>
-                <p:cNvSpPr/>
-                <p:nvPr/>
-              </p:nvSpPr>
-              <p:spPr>
-                <a:xfrm>
-                  <a:off x="673985" y="5112469"/>
-                  <a:ext cx="1308099" cy="251788"/>
-                </a:xfrm>
-                <a:prstGeom prst="rect">
-                  <a:avLst/>
-                </a:prstGeom>
-                <a:noFill/>
-                <a:ln w="12700">
-                  <a:noFill/>
-                  <a:prstDash val="solid"/>
-                </a:ln>
-              </p:spPr>
-              <p:txBody>
-                <a:bodyPr lIns="91440" tIns="45720" rIns="91440" bIns="45720" rtlCol="0" anchor="t">
-                  <a:noAutofit/>
-                </a:bodyPr>
-                <a:lstStyle/>
-                <a:p>
-                  <a:pPr>
-                    <a:defRPr/>
-                  </a:pPr>
-                  <a:r>
-                    <a:rPr lang="en-US" sz="800" dirty="0"/>
-                    <a:t>Gun, Cigarette Lighter</a:t>
-                  </a:r>
-                  <a:endParaRPr lang="en-US" sz="1100" dirty="0"/>
-                </a:p>
-              </p:txBody>
-            </p:sp>
-          </p:grpSp>
-          <p:sp>
-            <p:nvSpPr>
-              <p:cNvPr id="218" name="文本框 217">
-                <a:extLst>
-                  <a:ext uri="{FF2B5EF4-FFF2-40B4-BE49-F238E27FC236}">
-                    <a16:creationId xmlns:a16="http://schemas.microsoft.com/office/drawing/2014/main" id="{6FEC9539-0432-02EA-ADD2-364E519891ED}"/>
-                  </a:ext>
-                </a:extLst>
-              </p:cNvPr>
-              <p:cNvSpPr txBox="1"/>
-              <p:nvPr/>
-            </p:nvSpPr>
-            <p:spPr>
-              <a:xfrm>
-                <a:off x="539586" y="4167788"/>
-                <a:ext cx="2625878" cy="261610"/>
-              </a:xfrm>
-              <a:prstGeom prst="rect">
-                <a:avLst/>
-              </a:prstGeom>
-              <a:noFill/>
-            </p:spPr>
-            <p:txBody>
-              <a:bodyPr wrap="square">
-                <a:spAutoFit/>
-              </a:bodyPr>
-              <a:lstStyle/>
-              <a:p>
                 <a:r>
-                  <a:rPr lang="zh-CN" altLang="en-US" sz="1100" dirty="0"/>
-                  <a:t>Abstraction Object Interaction Feature</a:t>
+                  <a:rPr lang="en-US" sz="900" dirty="0"/>
+                  <a:t>Triggerable &amp; Grabbable</a:t>
                 </a:r>
+                <a:endParaRPr lang="en-US" sz="1200" dirty="0"/>
               </a:p>
             </p:txBody>
           </p:sp>
         </p:grpSp>
         <p:cxnSp>
           <p:nvCxnSpPr>
-            <p:cNvPr id="317" name="直接连接符 316">
+            <p:cNvPr id="337" name="直接连接符 336">
               <a:extLst>
                 <a:ext uri="{FF2B5EF4-FFF2-40B4-BE49-F238E27FC236}">
-                  <a16:creationId xmlns:a16="http://schemas.microsoft.com/office/drawing/2014/main" id="{8C00FB14-B1F7-B23A-326E-ED08A2A35124}"/>
+                  <a16:creationId xmlns:a16="http://schemas.microsoft.com/office/drawing/2014/main" id="{D537EAF5-6143-0049-1D5F-6098E79BF691}"/>
                 </a:ext>
               </a:extLst>
             </p:cNvPr>
-            <p:cNvCxnSpPr>
-              <a:cxnSpLocks/>
-              <a:endCxn id="168" idx="2"/>
-            </p:cNvCxnSpPr>
+            <p:cNvCxnSpPr/>
             <p:nvPr/>
           </p:nvCxnSpPr>
           <p:spPr>
-            <a:xfrm>
-              <a:off x="1020233" y="4659434"/>
-              <a:ext cx="148686" cy="100321"/>
+            <a:xfrm flipV="1">
+              <a:off x="2166224" y="4758035"/>
+              <a:ext cx="258233" cy="42332"/>
             </a:xfrm>
             <a:prstGeom prst="line">
               <a:avLst/>
@@ -22301,135 +22454,7 @@
             </a:fontRef>
           </p:style>
         </p:cxnSp>
-        <p:cxnSp>
-          <p:nvCxnSpPr>
-            <p:cNvPr id="327" name="直接连接符 326">
-              <a:extLst>
-                <a:ext uri="{FF2B5EF4-FFF2-40B4-BE49-F238E27FC236}">
-                  <a16:creationId xmlns:a16="http://schemas.microsoft.com/office/drawing/2014/main" id="{208C85B4-A04A-3145-5207-E45782DDF790}"/>
-                </a:ext>
-              </a:extLst>
-            </p:cNvPr>
-            <p:cNvCxnSpPr>
-              <a:cxnSpLocks/>
-              <a:endCxn id="170" idx="2"/>
-            </p:cNvCxnSpPr>
-            <p:nvPr/>
-          </p:nvCxnSpPr>
-          <p:spPr>
-            <a:xfrm flipV="1">
-              <a:off x="1020233" y="5012268"/>
-              <a:ext cx="150969" cy="71683"/>
-            </a:xfrm>
-            <a:prstGeom prst="line">
-              <a:avLst/>
-            </a:prstGeom>
-            <a:ln w="12700">
-              <a:solidFill>
-                <a:schemeClr val="tx1"/>
-              </a:solidFill>
-            </a:ln>
-          </p:spPr>
-          <p:style>
-            <a:lnRef idx="1">
-              <a:schemeClr val="accent1"/>
-            </a:lnRef>
-            <a:fillRef idx="0">
-              <a:schemeClr val="accent1"/>
-            </a:fillRef>
-            <a:effectRef idx="0">
-              <a:schemeClr val="accent1"/>
-            </a:effectRef>
-            <a:fontRef idx="minor">
-              <a:schemeClr val="tx1"/>
-            </a:fontRef>
-          </p:style>
-        </p:cxnSp>
-        <p:sp>
-          <p:nvSpPr>
-            <p:cNvPr id="331" name="AutoShape 119">
-              <a:extLst>
-                <a:ext uri="{FF2B5EF4-FFF2-40B4-BE49-F238E27FC236}">
-                  <a16:creationId xmlns:a16="http://schemas.microsoft.com/office/drawing/2014/main" id="{390C07A8-C841-14E7-09D8-2D6180775FE6}"/>
-                </a:ext>
-              </a:extLst>
-            </p:cNvPr>
-            <p:cNvSpPr/>
-            <p:nvPr/>
-          </p:nvSpPr>
-          <p:spPr>
-            <a:xfrm>
-              <a:off x="2476699" y="4662319"/>
-              <a:ext cx="849364" cy="380856"/>
-            </a:xfrm>
-            <a:prstGeom prst="rect">
-              <a:avLst/>
-            </a:prstGeom>
-            <a:noFill/>
-            <a:ln w="12700">
-              <a:noFill/>
-              <a:prstDash val="solid"/>
-            </a:ln>
-          </p:spPr>
-          <p:txBody>
-            <a:bodyPr lIns="91440" tIns="45720" rIns="91440" bIns="45720" rtlCol="0" anchor="t">
-              <a:noAutofit/>
-            </a:bodyPr>
-            <a:lstStyle/>
-            <a:p>
-              <a:pPr algn="ctr">
-                <a:defRPr/>
-              </a:pPr>
-              <a:r>
-                <a:rPr lang="en-US" sz="900" dirty="0"/>
-                <a:t>Triggerable &amp; Grabbable</a:t>
-              </a:r>
-              <a:endParaRPr lang="en-US" sz="1200" dirty="0"/>
-            </a:p>
-          </p:txBody>
-        </p:sp>
       </p:grpSp>
-      <p:cxnSp>
-        <p:nvCxnSpPr>
-          <p:cNvPr id="337" name="直接连接符 336">
-            <a:extLst>
-              <a:ext uri="{FF2B5EF4-FFF2-40B4-BE49-F238E27FC236}">
-                <a16:creationId xmlns:a16="http://schemas.microsoft.com/office/drawing/2014/main" id="{D537EAF5-6143-0049-1D5F-6098E79BF691}"/>
-              </a:ext>
-            </a:extLst>
-          </p:cNvPr>
-          <p:cNvCxnSpPr/>
-          <p:nvPr/>
-        </p:nvCxnSpPr>
-        <p:spPr>
-          <a:xfrm flipV="1">
-            <a:off x="2166224" y="4758035"/>
-            <a:ext cx="258233" cy="42332"/>
-          </a:xfrm>
-          <a:prstGeom prst="line">
-            <a:avLst/>
-          </a:prstGeom>
-          <a:ln w="12700">
-            <a:solidFill>
-              <a:schemeClr val="tx1"/>
-            </a:solidFill>
-          </a:ln>
-        </p:spPr>
-        <p:style>
-          <a:lnRef idx="1">
-            <a:schemeClr val="accent1"/>
-          </a:lnRef>
-          <a:fillRef idx="0">
-            <a:schemeClr val="accent1"/>
-          </a:fillRef>
-          <a:effectRef idx="0">
-            <a:schemeClr val="accent1"/>
-          </a:effectRef>
-          <a:fontRef idx="minor">
-            <a:schemeClr val="tx1"/>
-          </a:fontRef>
-        </p:style>
-      </p:cxnSp>
     </p:spTree>
   </p:cSld>
   <p:clrMapOvr>

--- a/Paper Reading/____Writing/Fig_Overview.pptx
+++ b/Paper Reading/____Writing/Fig_Overview.pptx
@@ -342,7 +342,7 @@
           <a:p>
             <a:fld id="{B7268E1E-0E44-426D-905E-8AD9B19D2182}" type="datetimeFigureOut">
               <a:rPr lang="cs-CZ" smtClean="0"/>
-              <a:t>04.03.2025</a:t>
+              <a:t>02.05.2025</a:t>
             </a:fld>
             <a:endParaRPr lang="cs-CZ"/>
           </a:p>
@@ -11364,8 +11364,8 @@
         </p:nvSpPr>
         <p:spPr>
           <a:xfrm>
-            <a:off x="3543120" y="66749"/>
-            <a:ext cx="2029832" cy="435794"/>
+            <a:off x="3827428" y="82421"/>
+            <a:ext cx="2734913" cy="435794"/>
           </a:xfrm>
           <a:prstGeom prst="rect">
             <a:avLst/>
@@ -11394,9 +11394,25 @@
                   <a:srgbClr val="1F2329"/>
                 </a:solidFill>
               </a:rPr>
-              <a:t>VRExplorer Test</a:t>
+              <a:t>VRExplorer Test </a:t>
             </a:r>
-            <a:endParaRPr lang="en-US" sz="1100" dirty="0"/>
+            <a:r>
+              <a:rPr lang="en-US" altLang="zh-CN" sz="1800" dirty="0"/>
+              <a:t>(§</a:t>
+            </a:r>
+            <a:r>
+              <a:rPr lang="en-US" altLang="zh-CN" sz="1800" dirty="0">
+                <a:solidFill>
+                  <a:srgbClr val="FF0000"/>
+                </a:solidFill>
+              </a:rPr>
+              <a:t>3.4</a:t>
+            </a:r>
+            <a:r>
+              <a:rPr lang="en-US" altLang="zh-CN" sz="1800" dirty="0"/>
+              <a:t>) </a:t>
+            </a:r>
+            <a:endParaRPr lang="en-US" sz="1800" dirty="0"/>
           </a:p>
         </p:txBody>
       </p:sp>
@@ -13981,8 +13997,8 @@
         </p:nvSpPr>
         <p:spPr>
           <a:xfrm>
-            <a:off x="3493112" y="3495540"/>
-            <a:ext cx="3894239" cy="3133789"/>
+            <a:off x="3493112" y="3462868"/>
+            <a:ext cx="3894239" cy="3166462"/>
           </a:xfrm>
           <a:prstGeom prst="roundRect">
             <a:avLst>
@@ -14026,8 +14042,8 @@
         </p:nvSpPr>
         <p:spPr>
           <a:xfrm>
-            <a:off x="3449944" y="3545095"/>
-            <a:ext cx="2093583" cy="266700"/>
+            <a:off x="3608528" y="3525771"/>
+            <a:ext cx="3139182" cy="266700"/>
           </a:xfrm>
           <a:prstGeom prst="rect">
             <a:avLst/>
@@ -14057,6 +14073,22 @@
                 </a:solidFill>
               </a:rPr>
               <a:t>EAT Framework</a:t>
+            </a:r>
+            <a:r>
+              <a:rPr lang="en-US" altLang="zh-CN" sz="1800" dirty="0"/>
+              <a:t> (§</a:t>
+            </a:r>
+            <a:r>
+              <a:rPr lang="en-US" altLang="zh-CN" sz="1800" dirty="0">
+                <a:solidFill>
+                  <a:srgbClr val="FF0000"/>
+                </a:solidFill>
+              </a:rPr>
+              <a:t>3.4</a:t>
+            </a:r>
+            <a:r>
+              <a:rPr lang="en-US" altLang="zh-CN" sz="1800" dirty="0"/>
+              <a:t>) </a:t>
             </a:r>
             <a:endParaRPr lang="en-US" sz="1800" dirty="0"/>
           </a:p>
@@ -18995,10 +19027,10 @@
         </p:nvGrpSpPr>
         <p:grpSpPr>
           <a:xfrm>
-            <a:off x="111128" y="209205"/>
-            <a:ext cx="3079879" cy="1682738"/>
-            <a:chOff x="284091" y="91500"/>
-            <a:chExt cx="3079879" cy="1682738"/>
+            <a:off x="111128" y="214364"/>
+            <a:ext cx="3138892" cy="1677579"/>
+            <a:chOff x="284091" y="96659"/>
+            <a:chExt cx="3138892" cy="1677579"/>
           </a:xfrm>
         </p:grpSpPr>
         <p:sp>
@@ -19048,8 +19080,8 @@
           </p:nvSpPr>
           <p:spPr>
             <a:xfrm>
-              <a:off x="284091" y="91500"/>
-              <a:ext cx="2255696" cy="441360"/>
+              <a:off x="594060" y="99428"/>
+              <a:ext cx="2828923" cy="450974"/>
             </a:xfrm>
             <a:prstGeom prst="rect">
               <a:avLst/>
@@ -19071,7 +19103,27 @@
               </a:pPr>
               <a:r>
                 <a:rPr lang="en-US" sz="1800" b="1" dirty="0"/>
-                <a:t>Project Collection</a:t>
+                <a:t>Project Collection </a:t>
+              </a:r>
+              <a:r>
+                <a:rPr lang="en-US" sz="1800" dirty="0"/>
+                <a:t>(</a:t>
+              </a:r>
+              <a:r>
+                <a:rPr lang="en-US" altLang="zh-CN" sz="1800" dirty="0"/>
+                <a:t>§</a:t>
+              </a:r>
+              <a:r>
+                <a:rPr lang="en-US" altLang="zh-CN" sz="1800" dirty="0">
+                  <a:solidFill>
+                    <a:srgbClr val="FF0000"/>
+                  </a:solidFill>
+                </a:rPr>
+                <a:t>3.2</a:t>
+              </a:r>
+              <a:r>
+                <a:rPr lang="en-US" sz="1800" dirty="0"/>
+                <a:t>) </a:t>
               </a:r>
               <a:endParaRPr lang="en-US" sz="1100" dirty="0"/>
             </a:p>
@@ -19778,8 +19830,8 @@
         </p:nvSpPr>
         <p:spPr>
           <a:xfrm>
-            <a:off x="151047" y="2115512"/>
-            <a:ext cx="3070842" cy="1397127"/>
+            <a:off x="110955" y="2115512"/>
+            <a:ext cx="3079880" cy="1397127"/>
           </a:xfrm>
           <a:prstGeom prst="roundRect">
             <a:avLst>
@@ -20598,8 +20650,8 @@
         </p:nvSpPr>
         <p:spPr>
           <a:xfrm>
-            <a:off x="143157" y="2097715"/>
-            <a:ext cx="2413341" cy="335688"/>
+            <a:off x="227220" y="2124713"/>
+            <a:ext cx="2847693" cy="335688"/>
           </a:xfrm>
           <a:prstGeom prst="rect">
             <a:avLst/>
@@ -20625,7 +20677,23 @@
                   <a:srgbClr val="1F2329"/>
                 </a:solidFill>
               </a:rPr>
-              <a:t>Project Analysis</a:t>
+              <a:t>   Project Analysis </a:t>
+            </a:r>
+            <a:r>
+              <a:rPr lang="en-US" altLang="zh-CN" sz="1800" dirty="0"/>
+              <a:t>(§</a:t>
+            </a:r>
+            <a:r>
+              <a:rPr lang="en-US" altLang="zh-CN" sz="1800" dirty="0">
+                <a:solidFill>
+                  <a:srgbClr val="FF0000"/>
+                </a:solidFill>
+              </a:rPr>
+              <a:t>3.2</a:t>
+            </a:r>
+            <a:r>
+              <a:rPr lang="en-US" altLang="zh-CN" sz="1800" dirty="0"/>
+              <a:t>) </a:t>
             </a:r>
             <a:endParaRPr lang="en-US" sz="1800" dirty="0"/>
           </a:p>
@@ -20646,13 +20714,13 @@
           <p:nvPr>
             <p:extLst>
               <p:ext uri="{D42A27DB-BD31-4B8C-83A1-F6EECF244321}">
-                <p14:modId xmlns:p14="http://schemas.microsoft.com/office/powerpoint/2010/main" val="692604605"/>
+                <p14:modId xmlns:p14="http://schemas.microsoft.com/office/powerpoint/2010/main" val="2730086878"/>
               </p:ext>
             </p:extLst>
           </p:nvPr>
         </p:nvGraphicFramePr>
         <p:xfrm>
-          <a:off x="1768890" y="5547520"/>
+          <a:off x="1758873" y="5605975"/>
           <a:ext cx="1204349" cy="792514"/>
         </p:xfrm>
         <a:graphic>
@@ -20800,8 +20868,8 @@
         </p:nvSpPr>
         <p:spPr>
           <a:xfrm>
-            <a:off x="150243" y="3722177"/>
-            <a:ext cx="2413341" cy="335688"/>
+            <a:off x="419144" y="3730932"/>
+            <a:ext cx="2780079" cy="335688"/>
           </a:xfrm>
           <a:prstGeom prst="rect">
             <a:avLst/>
@@ -20828,6 +20896,22 @@
                 </a:solidFill>
               </a:rPr>
               <a:t>Model Abstraction</a:t>
+            </a:r>
+            <a:r>
+              <a:rPr lang="en-US" altLang="zh-CN" sz="1800" dirty="0"/>
+              <a:t> (§</a:t>
+            </a:r>
+            <a:r>
+              <a:rPr lang="en-US" altLang="zh-CN" sz="1800" dirty="0">
+                <a:solidFill>
+                  <a:srgbClr val="FF0000"/>
+                </a:solidFill>
+              </a:rPr>
+              <a:t>3.3</a:t>
+            </a:r>
+            <a:r>
+              <a:rPr lang="en-US" altLang="zh-CN" sz="1800" dirty="0"/>
+              <a:t>) </a:t>
             </a:r>
             <a:endParaRPr lang="en-US" sz="1800" dirty="0"/>
           </a:p>
@@ -20892,7 +20976,7 @@
         </p:nvSpPr>
         <p:spPr>
           <a:xfrm>
-            <a:off x="236241" y="5330413"/>
+            <a:off x="226224" y="5388868"/>
             <a:ext cx="2880742" cy="1085244"/>
           </a:xfrm>
           <a:prstGeom prst="roundRect">
@@ -20942,7 +21026,7 @@
         </p:nvGrpSpPr>
         <p:grpSpPr>
           <a:xfrm>
-            <a:off x="396772" y="5289638"/>
+            <a:off x="386755" y="5348093"/>
             <a:ext cx="2027683" cy="1016322"/>
             <a:chOff x="493141" y="5230330"/>
             <a:chExt cx="2027683" cy="1016322"/>
@@ -21809,7 +21893,7 @@
         </p:nvGrpSpPr>
         <p:grpSpPr>
           <a:xfrm>
-            <a:off x="205591" y="4062081"/>
+            <a:off x="194480" y="4116019"/>
             <a:ext cx="2937363" cy="1173619"/>
             <a:chOff x="205591" y="4062081"/>
             <a:chExt cx="2937363" cy="1173619"/>
@@ -22455,6 +22539,271 @@
           </p:style>
         </p:cxnSp>
       </p:grpSp>
+      <p:sp>
+        <p:nvSpPr>
+          <p:cNvPr id="153" name="椭圆 152">
+            <a:extLst>
+              <a:ext uri="{FF2B5EF4-FFF2-40B4-BE49-F238E27FC236}">
+                <a16:creationId xmlns:a16="http://schemas.microsoft.com/office/drawing/2014/main" id="{2A1065A7-6F04-E6B4-D5AD-2494C89C8842}"/>
+              </a:ext>
+            </a:extLst>
+          </p:cNvPr>
+          <p:cNvSpPr/>
+          <p:nvPr/>
+        </p:nvSpPr>
+        <p:spPr>
+          <a:xfrm>
+            <a:off x="190716" y="266929"/>
+            <a:ext cx="292100" cy="280219"/>
+          </a:xfrm>
+          <a:prstGeom prst="ellipse">
+            <a:avLst/>
+          </a:prstGeom>
+          <a:ln>
+            <a:noFill/>
+          </a:ln>
+        </p:spPr>
+        <p:style>
+          <a:lnRef idx="2">
+            <a:schemeClr val="accent1">
+              <a:shade val="15000"/>
+            </a:schemeClr>
+          </a:lnRef>
+          <a:fillRef idx="1">
+            <a:schemeClr val="accent1"/>
+          </a:fillRef>
+          <a:effectRef idx="0">
+            <a:schemeClr val="accent1"/>
+          </a:effectRef>
+          <a:fontRef idx="minor">
+            <a:schemeClr val="lt1"/>
+          </a:fontRef>
+        </p:style>
+        <p:txBody>
+          <a:bodyPr rtlCol="0" anchor="ctr"/>
+          <a:lstStyle/>
+          <a:p>
+            <a:pPr algn="ctr"/>
+            <a:r>
+              <a:rPr lang="en-US" altLang="zh-CN" sz="1800" dirty="0"/>
+              <a:t>A</a:t>
+            </a:r>
+            <a:endParaRPr lang="zh-CN" altLang="en-US" sz="1800" dirty="0"/>
+          </a:p>
+        </p:txBody>
+      </p:sp>
+      <p:sp>
+        <p:nvSpPr>
+          <p:cNvPr id="154" name="椭圆 153">
+            <a:extLst>
+              <a:ext uri="{FF2B5EF4-FFF2-40B4-BE49-F238E27FC236}">
+                <a16:creationId xmlns:a16="http://schemas.microsoft.com/office/drawing/2014/main" id="{9D02F620-ABFD-93A0-C81C-91A0004CC252}"/>
+              </a:ext>
+            </a:extLst>
+          </p:cNvPr>
+          <p:cNvSpPr/>
+          <p:nvPr/>
+        </p:nvSpPr>
+        <p:spPr>
+          <a:xfrm>
+            <a:off x="190716" y="2166788"/>
+            <a:ext cx="292100" cy="280219"/>
+          </a:xfrm>
+          <a:prstGeom prst="ellipse">
+            <a:avLst/>
+          </a:prstGeom>
+          <a:ln>
+            <a:noFill/>
+          </a:ln>
+        </p:spPr>
+        <p:style>
+          <a:lnRef idx="2">
+            <a:schemeClr val="accent1">
+              <a:shade val="15000"/>
+            </a:schemeClr>
+          </a:lnRef>
+          <a:fillRef idx="1">
+            <a:schemeClr val="accent1"/>
+          </a:fillRef>
+          <a:effectRef idx="0">
+            <a:schemeClr val="accent1"/>
+          </a:effectRef>
+          <a:fontRef idx="minor">
+            <a:schemeClr val="lt1"/>
+          </a:fontRef>
+        </p:style>
+        <p:txBody>
+          <a:bodyPr rtlCol="0" anchor="ctr"/>
+          <a:lstStyle/>
+          <a:p>
+            <a:pPr algn="ctr"/>
+            <a:r>
+              <a:rPr lang="en-US" altLang="zh-CN" sz="1800" dirty="0"/>
+              <a:t>B</a:t>
+            </a:r>
+            <a:endParaRPr lang="zh-CN" altLang="en-US" sz="1800" dirty="0"/>
+          </a:p>
+        </p:txBody>
+      </p:sp>
+      <p:sp>
+        <p:nvSpPr>
+          <p:cNvPr id="155" name="椭圆 154">
+            <a:extLst>
+              <a:ext uri="{FF2B5EF4-FFF2-40B4-BE49-F238E27FC236}">
+                <a16:creationId xmlns:a16="http://schemas.microsoft.com/office/drawing/2014/main" id="{A9DAB602-3725-7725-1414-1E156E487F31}"/>
+              </a:ext>
+            </a:extLst>
+          </p:cNvPr>
+          <p:cNvSpPr/>
+          <p:nvPr/>
+        </p:nvSpPr>
+        <p:spPr>
+          <a:xfrm>
+            <a:off x="185833" y="3787465"/>
+            <a:ext cx="292100" cy="280219"/>
+          </a:xfrm>
+          <a:prstGeom prst="ellipse">
+            <a:avLst/>
+          </a:prstGeom>
+          <a:ln>
+            <a:noFill/>
+          </a:ln>
+        </p:spPr>
+        <p:style>
+          <a:lnRef idx="2">
+            <a:schemeClr val="accent1">
+              <a:shade val="15000"/>
+            </a:schemeClr>
+          </a:lnRef>
+          <a:fillRef idx="1">
+            <a:schemeClr val="accent1"/>
+          </a:fillRef>
+          <a:effectRef idx="0">
+            <a:schemeClr val="accent1"/>
+          </a:effectRef>
+          <a:fontRef idx="minor">
+            <a:schemeClr val="lt1"/>
+          </a:fontRef>
+        </p:style>
+        <p:txBody>
+          <a:bodyPr rtlCol="0" anchor="ctr"/>
+          <a:lstStyle/>
+          <a:p>
+            <a:pPr algn="ctr"/>
+            <a:r>
+              <a:rPr lang="en-US" altLang="zh-CN" sz="1800" dirty="0"/>
+              <a:t>C</a:t>
+            </a:r>
+            <a:endParaRPr lang="zh-CN" altLang="en-US" sz="1800" dirty="0"/>
+          </a:p>
+        </p:txBody>
+      </p:sp>
+      <p:sp>
+        <p:nvSpPr>
+          <p:cNvPr id="156" name="椭圆 155">
+            <a:extLst>
+              <a:ext uri="{FF2B5EF4-FFF2-40B4-BE49-F238E27FC236}">
+                <a16:creationId xmlns:a16="http://schemas.microsoft.com/office/drawing/2014/main" id="{3A5D8D50-4255-6195-1F65-E9533CB4D5CE}"/>
+              </a:ext>
+            </a:extLst>
+          </p:cNvPr>
+          <p:cNvSpPr/>
+          <p:nvPr/>
+        </p:nvSpPr>
+        <p:spPr>
+          <a:xfrm>
+            <a:off x="3653938" y="3533023"/>
+            <a:ext cx="292100" cy="280219"/>
+          </a:xfrm>
+          <a:prstGeom prst="ellipse">
+            <a:avLst/>
+          </a:prstGeom>
+          <a:ln>
+            <a:noFill/>
+          </a:ln>
+        </p:spPr>
+        <p:style>
+          <a:lnRef idx="2">
+            <a:schemeClr val="accent1">
+              <a:shade val="15000"/>
+            </a:schemeClr>
+          </a:lnRef>
+          <a:fillRef idx="1">
+            <a:schemeClr val="accent1"/>
+          </a:fillRef>
+          <a:effectRef idx="0">
+            <a:schemeClr val="accent1"/>
+          </a:effectRef>
+          <a:fontRef idx="minor">
+            <a:schemeClr val="lt1"/>
+          </a:fontRef>
+        </p:style>
+        <p:txBody>
+          <a:bodyPr rtlCol="0" anchor="ctr"/>
+          <a:lstStyle/>
+          <a:p>
+            <a:pPr algn="ctr"/>
+            <a:r>
+              <a:rPr lang="en-US" altLang="zh-CN" sz="1800" dirty="0"/>
+              <a:t>D</a:t>
+            </a:r>
+            <a:endParaRPr lang="zh-CN" altLang="en-US" sz="1800" dirty="0"/>
+          </a:p>
+        </p:txBody>
+      </p:sp>
+      <p:sp>
+        <p:nvSpPr>
+          <p:cNvPr id="157" name="椭圆 156">
+            <a:extLst>
+              <a:ext uri="{FF2B5EF4-FFF2-40B4-BE49-F238E27FC236}">
+                <a16:creationId xmlns:a16="http://schemas.microsoft.com/office/drawing/2014/main" id="{16F8DAFE-B37A-9227-8732-DAA4B944E990}"/>
+              </a:ext>
+            </a:extLst>
+          </p:cNvPr>
+          <p:cNvSpPr/>
+          <p:nvPr/>
+        </p:nvSpPr>
+        <p:spPr>
+          <a:xfrm>
+            <a:off x="3601888" y="146335"/>
+            <a:ext cx="292100" cy="280219"/>
+          </a:xfrm>
+          <a:prstGeom prst="ellipse">
+            <a:avLst/>
+          </a:prstGeom>
+          <a:ln>
+            <a:noFill/>
+          </a:ln>
+        </p:spPr>
+        <p:style>
+          <a:lnRef idx="2">
+            <a:schemeClr val="accent1">
+              <a:shade val="15000"/>
+            </a:schemeClr>
+          </a:lnRef>
+          <a:fillRef idx="1">
+            <a:schemeClr val="accent1"/>
+          </a:fillRef>
+          <a:effectRef idx="0">
+            <a:schemeClr val="accent1"/>
+          </a:effectRef>
+          <a:fontRef idx="minor">
+            <a:schemeClr val="lt1"/>
+          </a:fontRef>
+        </p:style>
+        <p:txBody>
+          <a:bodyPr rtlCol="0" anchor="ctr"/>
+          <a:lstStyle/>
+          <a:p>
+            <a:pPr algn="ctr"/>
+            <a:r>
+              <a:rPr lang="en-US" altLang="zh-CN" sz="1800" dirty="0"/>
+              <a:t>E</a:t>
+            </a:r>
+            <a:endParaRPr lang="zh-CN" altLang="en-US" sz="1800" dirty="0"/>
+          </a:p>
+        </p:txBody>
+      </p:sp>
     </p:spTree>
   </p:cSld>
   <p:clrMapOvr>

--- a/Paper Reading/____Writing/Fig_Overview.pptx
+++ b/Paper Reading/____Writing/Fig_Overview.pptx
@@ -342,7 +342,7 @@
           <a:p>
             <a:fld id="{B7268E1E-0E44-426D-905E-8AD9B19D2182}" type="datetimeFigureOut">
               <a:rPr lang="cs-CZ" smtClean="0"/>
-              <a:t>02.05.2025</a:t>
+              <a:t>09.05.2025</a:t>
             </a:fld>
             <a:endParaRPr lang="cs-CZ"/>
           </a:p>
@@ -11397,19 +11397,19 @@
               <a:t>VRExplorer Test </a:t>
             </a:r>
             <a:r>
-              <a:rPr lang="en-US" altLang="zh-CN" sz="1800" dirty="0"/>
+              <a:rPr lang="en-US" altLang="zh-CN" sz="1800"/>
               <a:t>(§</a:t>
             </a:r>
             <a:r>
-              <a:rPr lang="en-US" altLang="zh-CN" sz="1800" dirty="0">
+              <a:rPr lang="en-US" altLang="zh-CN" sz="1800">
                 <a:solidFill>
                   <a:srgbClr val="FF0000"/>
                 </a:solidFill>
               </a:rPr>
-              <a:t>3.4</a:t>
+              <a:t>3.5</a:t>
             </a:r>
             <a:r>
-              <a:rPr lang="en-US" altLang="zh-CN" sz="1800" dirty="0"/>
+              <a:rPr lang="en-US" altLang="zh-CN" sz="1800"/>
               <a:t>) </a:t>
             </a:r>
             <a:endParaRPr lang="en-US" sz="1800" dirty="0"/>
@@ -14110,8 +14110,8 @@
         </p:nvCxnSpPr>
         <p:spPr>
           <a:xfrm>
-            <a:off x="1587280" y="1891952"/>
-            <a:ext cx="0" cy="199365"/>
+            <a:off x="1618964" y="1773876"/>
+            <a:ext cx="0" cy="255898"/>
           </a:xfrm>
           <a:prstGeom prst="straightConnector1">
             <a:avLst/>
@@ -14151,7 +14151,7 @@
         </p:nvCxnSpPr>
         <p:spPr>
           <a:xfrm flipV="1">
-            <a:off x="3191007" y="5176575"/>
+            <a:off x="3199223" y="5289787"/>
             <a:ext cx="306983" cy="0"/>
           </a:xfrm>
           <a:prstGeom prst="straightConnector1">
@@ -14475,9 +14475,9 @@
           <p:grpSpPr>
             <a:xfrm>
               <a:off x="3455801" y="411776"/>
-              <a:ext cx="2454729" cy="279400"/>
+              <a:ext cx="2702866" cy="279400"/>
               <a:chOff x="2795898" y="1411455"/>
-              <a:chExt cx="2454729" cy="279400"/>
+              <a:chExt cx="2702866" cy="279400"/>
             </a:xfrm>
           </p:grpSpPr>
           <p:sp>
@@ -14489,7 +14489,7 @@
             <p:spPr>
               <a:xfrm>
                 <a:off x="2859398" y="1411455"/>
-                <a:ext cx="2391229" cy="279400"/>
+                <a:ext cx="2639366" cy="279400"/>
               </a:xfrm>
               <a:prstGeom prst="rect">
                 <a:avLst/>
@@ -14510,18 +14510,20 @@
                   <a:defRPr/>
                 </a:pPr>
                 <a:r>
-                  <a:rPr lang="en-US" sz="1200" b="1" i="1" dirty="0">
+                  <a:rPr lang="en-US" sz="1200" b="1" dirty="0">
                     <a:solidFill>
                       <a:srgbClr val="2B2F36"/>
                     </a:solidFill>
-                    <a:latin typeface="Times New Roman"/>
+                    <a:latin typeface="+mj-lt"/>
                     <a:ea typeface="Times New Roman"/>
                     <a:cs typeface="Times New Roman"/>
                     <a:sym typeface="Times New Roman"/>
                   </a:rPr>
                   <a:t>Preliminary Scene Configuration</a:t>
                 </a:r>
-                <a:endParaRPr lang="en-US" sz="1100" dirty="0"/>
+                <a:endParaRPr lang="en-US" sz="1100" dirty="0">
+                  <a:latin typeface="+mj-lt"/>
+                </a:endParaRPr>
               </a:p>
             </p:txBody>
           </p:sp>
@@ -15116,10 +15118,10 @@
         </p:nvGrpSpPr>
         <p:grpSpPr>
           <a:xfrm>
-            <a:off x="9982046" y="407039"/>
-            <a:ext cx="1573515" cy="1221129"/>
-            <a:chOff x="8913758" y="1877718"/>
-            <a:chExt cx="1573515" cy="1221129"/>
+            <a:off x="10027778" y="504827"/>
+            <a:ext cx="1557534" cy="1029268"/>
+            <a:chOff x="8913758" y="1975184"/>
+            <a:chExt cx="1557534" cy="1029268"/>
           </a:xfrm>
         </p:grpSpPr>
         <p:sp>
@@ -15130,8 +15132,8 @@
           </p:nvSpPr>
           <p:spPr>
             <a:xfrm>
-              <a:off x="8913758" y="1877718"/>
-              <a:ext cx="1491087" cy="1126734"/>
+              <a:off x="8913758" y="1975184"/>
+              <a:ext cx="1491087" cy="1029268"/>
             </a:xfrm>
             <a:prstGeom prst="roundRect">
               <a:avLst>
@@ -15517,8 +15519,8 @@
           </p:nvSpPr>
           <p:spPr>
             <a:xfrm>
-              <a:off x="9407773" y="2730547"/>
-              <a:ext cx="1079500" cy="368300"/>
+              <a:off x="9391792" y="2672144"/>
+              <a:ext cx="1079500" cy="308150"/>
             </a:xfrm>
             <a:prstGeom prst="rect">
               <a:avLst/>
@@ -15546,10 +15548,6 @@
                 </a:rPr>
                 <a:t>VRExplorer</a:t>
               </a:r>
-              <a:endParaRPr lang="en-US" sz="1100" dirty="0"/>
-            </a:p>
-            <a:p>
-              <a:pPr algn="ctr"/>
               <a:endParaRPr lang="en-US" sz="1100" dirty="0"/>
             </a:p>
           </p:txBody>
@@ -16002,10 +16000,10 @@
         </p:nvGrpSpPr>
         <p:grpSpPr>
           <a:xfrm>
-            <a:off x="7872400" y="346968"/>
-            <a:ext cx="2507752" cy="279400"/>
+            <a:off x="7837795" y="212086"/>
+            <a:ext cx="3463972" cy="279400"/>
             <a:chOff x="7741716" y="1157582"/>
-            <a:chExt cx="2507752" cy="279400"/>
+            <a:chExt cx="3463972" cy="279400"/>
           </a:xfrm>
         </p:grpSpPr>
         <p:sp>
@@ -16017,7 +16015,7 @@
           <p:spPr>
             <a:xfrm>
               <a:off x="7861868" y="1157582"/>
-              <a:ext cx="2387600" cy="279400"/>
+              <a:ext cx="3343820" cy="279400"/>
             </a:xfrm>
             <a:prstGeom prst="rect">
               <a:avLst/>
@@ -16038,18 +16036,20 @@
                 <a:defRPr/>
               </a:pPr>
               <a:r>
-                <a:rPr lang="en-US" sz="1200" b="1" i="1" dirty="0">
+                <a:rPr lang="en-US" sz="1200" b="1" dirty="0">
                   <a:solidFill>
                     <a:srgbClr val="2B2F36"/>
                   </a:solidFill>
-                  <a:latin typeface="Times New Roman"/>
+                  <a:latin typeface="+mj-lt"/>
                   <a:ea typeface="Times New Roman"/>
                   <a:cs typeface="Times New Roman"/>
                   <a:sym typeface="Times New Roman"/>
                 </a:rPr>
-                <a:t>Exploration and Interaction</a:t>
+                <a:t>Behavior Execution and Scene Exploration</a:t>
               </a:r>
-              <a:endParaRPr lang="en-US" sz="1100" dirty="0"/>
+              <a:endParaRPr lang="en-US" sz="1100" b="1" dirty="0">
+                <a:latin typeface="+mj-lt"/>
+              </a:endParaRPr>
             </a:p>
           </p:txBody>
         </p:sp>
@@ -16738,8 +16738,8 @@
         </p:nvSpPr>
         <p:spPr>
           <a:xfrm>
-            <a:off x="7783482" y="327877"/>
-            <a:ext cx="4257616" cy="4591298"/>
+            <a:off x="7783482" y="194733"/>
+            <a:ext cx="4257616" cy="4724442"/>
           </a:xfrm>
           <a:prstGeom prst="roundRect">
             <a:avLst>
@@ -18066,18 +18066,20 @@
                   <a:defRPr/>
                 </a:pPr>
                 <a:r>
-                  <a:rPr lang="en-US" sz="1200" b="1" i="1" dirty="0">
+                  <a:rPr lang="en-US" sz="1200" b="1" dirty="0">
                     <a:solidFill>
                       <a:srgbClr val="2B2F36"/>
                     </a:solidFill>
-                    <a:latin typeface="Times New Roman"/>
+                    <a:latin typeface="+mj-lt"/>
                     <a:ea typeface="Times New Roman"/>
                     <a:cs typeface="Times New Roman"/>
                     <a:sym typeface="Times New Roman"/>
                   </a:rPr>
                   <a:t>Implementation Interface</a:t>
                 </a:r>
-                <a:endParaRPr lang="en-US" sz="1100" dirty="0"/>
+                <a:endParaRPr lang="en-US" sz="1100" dirty="0">
+                  <a:latin typeface="+mj-lt"/>
+                </a:endParaRPr>
               </a:p>
             </p:txBody>
           </p:sp>
@@ -18709,8 +18711,8 @@
                   </p:nvSpPr>
                   <p:spPr>
                     <a:xfrm>
-                      <a:off x="3006362" y="3171118"/>
-                      <a:ext cx="923531" cy="215900"/>
+                      <a:off x="2891296" y="3171118"/>
+                      <a:ext cx="1038597" cy="215900"/>
                     </a:xfrm>
                     <a:prstGeom prst="rect">
                       <a:avLst/>
@@ -18972,47 +18974,6 @@
           </p:sp>
         </p:grpSp>
       </p:grpSp>
-      <p:cxnSp>
-        <p:nvCxnSpPr>
-          <p:cNvPr id="76" name="直接箭头连接符 75">
-            <a:extLst>
-              <a:ext uri="{FF2B5EF4-FFF2-40B4-BE49-F238E27FC236}">
-                <a16:creationId xmlns:a16="http://schemas.microsoft.com/office/drawing/2014/main" id="{CFE95B29-FA5E-CFAB-4E22-E1BA0F8FDCAD}"/>
-              </a:ext>
-            </a:extLst>
-          </p:cNvPr>
-          <p:cNvCxnSpPr>
-            <a:cxnSpLocks/>
-          </p:cNvCxnSpPr>
-          <p:nvPr/>
-        </p:nvCxnSpPr>
-        <p:spPr>
-          <a:xfrm>
-            <a:off x="1589457" y="3525440"/>
-            <a:ext cx="0" cy="212408"/>
-          </a:xfrm>
-          <a:prstGeom prst="straightConnector1">
-            <a:avLst/>
-          </a:prstGeom>
-          <a:ln w="31750">
-            <a:tailEnd type="triangle"/>
-          </a:ln>
-        </p:spPr>
-        <p:style>
-          <a:lnRef idx="1">
-            <a:schemeClr val="dk1"/>
-          </a:lnRef>
-          <a:fillRef idx="0">
-            <a:schemeClr val="dk1"/>
-          </a:fillRef>
-          <a:effectRef idx="0">
-            <a:schemeClr val="dk1"/>
-          </a:effectRef>
-          <a:fontRef idx="minor">
-            <a:schemeClr val="tx1"/>
-          </a:fontRef>
-        </p:style>
-      </p:cxnSp>
       <p:grpSp>
         <p:nvGrpSpPr>
           <p:cNvPr id="405" name="组合 404">
@@ -19027,10 +18988,10 @@
         </p:nvGrpSpPr>
         <p:grpSpPr>
           <a:xfrm>
-            <a:off x="111128" y="214364"/>
-            <a:ext cx="3138892" cy="1677579"/>
-            <a:chOff x="284091" y="96659"/>
-            <a:chExt cx="3138892" cy="1677579"/>
+            <a:off x="142812" y="82422"/>
+            <a:ext cx="3138892" cy="1691446"/>
+            <a:chOff x="284091" y="82793"/>
+            <a:chExt cx="3138892" cy="1691446"/>
           </a:xfrm>
         </p:grpSpPr>
         <p:sp>
@@ -19041,8 +19002,8 @@
           </p:nvSpPr>
           <p:spPr>
             <a:xfrm>
-              <a:off x="284091" y="96659"/>
-              <a:ext cx="3079879" cy="1677579"/>
+              <a:off x="284091" y="82793"/>
+              <a:ext cx="3079879" cy="1691446"/>
             </a:xfrm>
             <a:prstGeom prst="roundRect">
               <a:avLst>
@@ -19830,8 +19791,8 @@
         </p:nvSpPr>
         <p:spPr>
           <a:xfrm>
-            <a:off x="110955" y="2115512"/>
-            <a:ext cx="3079880" cy="1397127"/>
+            <a:off x="166360" y="2029775"/>
+            <a:ext cx="3079880" cy="1353622"/>
           </a:xfrm>
           <a:prstGeom prst="roundRect">
             <a:avLst>
@@ -19875,7 +19836,7 @@
         </p:nvGrpSpPr>
         <p:grpSpPr>
           <a:xfrm>
-            <a:off x="305479" y="2480788"/>
+            <a:off x="360884" y="2395886"/>
             <a:ext cx="1319306" cy="873207"/>
             <a:chOff x="2849604" y="5857387"/>
             <a:chExt cx="2280543" cy="1323090"/>
@@ -20441,7 +20402,7 @@
         </p:nvGrpSpPr>
         <p:grpSpPr>
           <a:xfrm>
-            <a:off x="1737747" y="2561197"/>
+            <a:off x="1793152" y="2476295"/>
             <a:ext cx="1320333" cy="710715"/>
             <a:chOff x="201783" y="7309654"/>
             <a:chExt cx="1214093" cy="429113"/>
@@ -20650,7 +20611,7 @@
         </p:nvSpPr>
         <p:spPr>
           <a:xfrm>
-            <a:off x="227220" y="2124713"/>
+            <a:off x="282625" y="2039811"/>
             <a:ext cx="2847693" cy="335688"/>
           </a:xfrm>
           <a:prstGeom prst="rect">
@@ -20931,8 +20892,8 @@
         </p:nvSpPr>
         <p:spPr>
           <a:xfrm>
-            <a:off x="111128" y="3732675"/>
-            <a:ext cx="3110935" cy="2843552"/>
+            <a:off x="111128" y="3640359"/>
+            <a:ext cx="3110935" cy="2935868"/>
           </a:xfrm>
           <a:prstGeom prst="roundRect">
             <a:avLst>
@@ -22553,7 +22514,7 @@
         </p:nvSpPr>
         <p:spPr>
           <a:xfrm>
-            <a:off x="190716" y="266929"/>
+            <a:off x="222400" y="148853"/>
             <a:ext cx="292100" cy="280219"/>
           </a:xfrm>
           <a:prstGeom prst="ellipse">
@@ -22606,7 +22567,7 @@
         </p:nvSpPr>
         <p:spPr>
           <a:xfrm>
-            <a:off x="190716" y="2166788"/>
+            <a:off x="246121" y="2081886"/>
             <a:ext cx="292100" cy="280219"/>
           </a:xfrm>
           <a:prstGeom prst="ellipse">
@@ -22804,6 +22765,47 @@
           </a:p>
         </p:txBody>
       </p:sp>
+      <p:cxnSp>
+        <p:nvCxnSpPr>
+          <p:cNvPr id="220" name="直接箭头连接符 219">
+            <a:extLst>
+              <a:ext uri="{FF2B5EF4-FFF2-40B4-BE49-F238E27FC236}">
+                <a16:creationId xmlns:a16="http://schemas.microsoft.com/office/drawing/2014/main" id="{E11FB09D-DFB9-A291-D3B9-4C3938E3F750}"/>
+              </a:ext>
+            </a:extLst>
+          </p:cNvPr>
+          <p:cNvCxnSpPr>
+            <a:cxnSpLocks/>
+          </p:cNvCxnSpPr>
+          <p:nvPr/>
+        </p:nvCxnSpPr>
+        <p:spPr>
+          <a:xfrm>
+            <a:off x="1632027" y="3384461"/>
+            <a:ext cx="0" cy="255898"/>
+          </a:xfrm>
+          <a:prstGeom prst="straightConnector1">
+            <a:avLst/>
+          </a:prstGeom>
+          <a:ln w="31750">
+            <a:tailEnd type="triangle"/>
+          </a:ln>
+        </p:spPr>
+        <p:style>
+          <a:lnRef idx="1">
+            <a:schemeClr val="dk1"/>
+          </a:lnRef>
+          <a:fillRef idx="0">
+            <a:schemeClr val="dk1"/>
+          </a:fillRef>
+          <a:effectRef idx="0">
+            <a:schemeClr val="dk1"/>
+          </a:effectRef>
+          <a:fontRef idx="minor">
+            <a:schemeClr val="tx1"/>
+          </a:fontRef>
+        </p:style>
+      </p:cxnSp>
     </p:spTree>
   </p:cSld>
   <p:clrMapOvr>

--- a/Paper Reading/____Writing/Fig_Overview.pptx
+++ b/Paper Reading/____Writing/Fig_Overview.pptx
@@ -11430,10 +11430,10 @@
         </p:nvGrpSpPr>
         <p:grpSpPr>
           <a:xfrm>
-            <a:off x="7897696" y="5191813"/>
-            <a:ext cx="4106341" cy="1423323"/>
-            <a:chOff x="7929365" y="6685782"/>
-            <a:chExt cx="4106341" cy="1423323"/>
+            <a:off x="7533863" y="5564891"/>
+            <a:ext cx="4566405" cy="1066066"/>
+            <a:chOff x="7760227" y="6960747"/>
+            <a:chExt cx="4566405" cy="1066066"/>
           </a:xfrm>
         </p:grpSpPr>
         <p:grpSp>
@@ -11450,10 +11450,10 @@
           </p:nvGrpSpPr>
           <p:grpSpPr>
             <a:xfrm>
-              <a:off x="7929365" y="6685782"/>
-              <a:ext cx="4030508" cy="1423323"/>
-              <a:chOff x="9171994" y="5410123"/>
-              <a:chExt cx="4030508" cy="1423323"/>
+              <a:off x="7760227" y="6960747"/>
+              <a:ext cx="4566405" cy="1066066"/>
+              <a:chOff x="9002856" y="5685088"/>
+              <a:chExt cx="4566405" cy="1066066"/>
             </a:xfrm>
           </p:grpSpPr>
           <p:sp>
@@ -11470,8 +11470,8 @@
             </p:nvSpPr>
             <p:spPr>
               <a:xfrm>
-                <a:off x="9171994" y="5410123"/>
-                <a:ext cx="4030508" cy="1423323"/>
+                <a:off x="9002856" y="5685088"/>
+                <a:ext cx="4566405" cy="1066066"/>
               </a:xfrm>
               <a:prstGeom prst="roundRect">
                 <a:avLst>
@@ -11516,55 +11516,124 @@
             </p:nvGrpSpPr>
             <p:grpSpPr>
               <a:xfrm>
-                <a:off x="9234157" y="5487967"/>
-                <a:ext cx="2763568" cy="1250542"/>
-                <a:chOff x="9234157" y="5487967"/>
-                <a:chExt cx="2763568" cy="1250542"/>
+                <a:off x="9325316" y="5773334"/>
+                <a:ext cx="3735547" cy="926961"/>
+                <a:chOff x="9325316" y="5773334"/>
+                <a:chExt cx="3735547" cy="926961"/>
               </a:xfrm>
             </p:grpSpPr>
             <p:grpSp>
               <p:nvGrpSpPr>
-                <p:cNvPr id="33" name="Group 33"/>
+                <p:cNvPr id="35" name="Group 35"/>
                 <p:cNvGrpSpPr/>
                 <p:nvPr/>
               </p:nvGrpSpPr>
               <p:grpSpPr>
                 <a:xfrm>
-                  <a:off x="9234157" y="5496678"/>
-                  <a:ext cx="1719546" cy="1241831"/>
-                  <a:chOff x="8979217" y="6613294"/>
-                  <a:chExt cx="1719546" cy="1241831"/>
+                  <a:off x="9325316" y="5773334"/>
+                  <a:ext cx="1628387" cy="926961"/>
+                  <a:chOff x="9070376" y="6889950"/>
+                  <a:chExt cx="1628387" cy="926961"/>
                 </a:xfrm>
               </p:grpSpPr>
               <p:sp>
                 <p:nvSpPr>
-                  <p:cNvPr id="34" name="AutoShape 34"/>
+                  <p:cNvPr id="37" name="AutoShape 37"/>
                   <p:cNvSpPr/>
                   <p:nvPr/>
                 </p:nvSpPr>
                 <p:spPr>
                   <a:xfrm>
-                    <a:off x="8979217" y="6623225"/>
-                    <a:ext cx="1485900" cy="1231900"/>
+                    <a:off x="9070376" y="7590832"/>
+                    <a:ext cx="448071" cy="200298"/>
                   </a:xfrm>
-                  <a:prstGeom prst="roundRect">
-                    <a:avLst>
-                      <a:gd name="adj" fmla="val 0"/>
-                    </a:avLst>
+                  <a:prstGeom prst="rect">
+                    <a:avLst/>
                   </a:prstGeom>
-                  <a:noFill/>
-                  <a:ln w="15875" cap="flat" cmpd="sng">
-                    <a:solidFill>
-                      <a:schemeClr val="bg1">
-                        <a:lumMod val="50000"/>
-                      </a:schemeClr>
-                    </a:solidFill>
-                    <a:prstDash val="sysDash"/>
-                    <a:round/>
+                  <a:solidFill>
+                    <a:srgbClr val="FAD355">
+                      <a:alpha val="100000"/>
+                    </a:srgbClr>
+                  </a:solidFill>
+                  <a:ln w="12700" cap="flat">
+                    <a:noFill/>
+                    <a:prstDash val="solid"/>
                   </a:ln>
                 </p:spPr>
                 <p:txBody>
-                  <a:bodyPr lIns="63500" tIns="63500" rIns="63500" bIns="63500" rtlCol="0" anchor="ctr">
+                  <a:bodyPr lIns="91440" tIns="45720" rIns="91440" bIns="45720" rtlCol="0" anchor="ctr">
+                    <a:noAutofit/>
+                  </a:bodyPr>
+                  <a:lstStyle/>
+                  <a:p>
+                    <a:pPr algn="ctr">
+                      <a:defRPr/>
+                    </a:pPr>
+                    <a:endParaRPr sz="2628"/>
+                  </a:p>
+                </p:txBody>
+              </p:sp>
+              <p:sp>
+                <p:nvSpPr>
+                  <p:cNvPr id="38" name="AutoShape 38"/>
+                  <p:cNvSpPr/>
+                  <p:nvPr/>
+                </p:nvSpPr>
+                <p:spPr>
+                  <a:xfrm>
+                    <a:off x="9070376" y="7368468"/>
+                    <a:ext cx="448071" cy="201116"/>
+                  </a:xfrm>
+                  <a:prstGeom prst="rect">
+                    <a:avLst/>
+                  </a:prstGeom>
+                  <a:solidFill>
+                    <a:srgbClr val="FFBA6B">
+                      <a:alpha val="100000"/>
+                    </a:srgbClr>
+                  </a:solidFill>
+                  <a:ln w="12700" cap="flat">
+                    <a:noFill/>
+                    <a:prstDash val="solid"/>
+                  </a:ln>
+                </p:spPr>
+                <p:txBody>
+                  <a:bodyPr lIns="91440" tIns="45720" rIns="91440" bIns="45720" rtlCol="0" anchor="ctr">
+                    <a:noAutofit/>
+                  </a:bodyPr>
+                  <a:lstStyle/>
+                  <a:p>
+                    <a:pPr algn="ctr">
+                      <a:defRPr/>
+                    </a:pPr>
+                    <a:endParaRPr sz="2628"/>
+                  </a:p>
+                </p:txBody>
+              </p:sp>
+              <p:sp>
+                <p:nvSpPr>
+                  <p:cNvPr id="39" name="AutoShape 39"/>
+                  <p:cNvSpPr/>
+                  <p:nvPr/>
+                </p:nvSpPr>
+                <p:spPr>
+                  <a:xfrm>
+                    <a:off x="9070376" y="7132609"/>
+                    <a:ext cx="448071" cy="217903"/>
+                  </a:xfrm>
+                  <a:prstGeom prst="rect">
+                    <a:avLst/>
+                  </a:prstGeom>
+                  <a:solidFill>
+                    <a:srgbClr val="6A8ED5"/>
+                  </a:solidFill>
+                  <a:ln w="12700" cap="flat">
+                    <a:noFill/>
+                    <a:prstDash val="solid"/>
+                  </a:ln>
+                </p:spPr>
+                <p:txBody>
+                  <a:bodyPr lIns="91440" tIns="45720" rIns="91440" bIns="45720" rtlCol="0" anchor="ctr">
                     <a:noAutofit/>
                   </a:bodyPr>
                   <a:lstStyle/>
@@ -11576,355 +11645,187 @@
                   </a:p>
                 </p:txBody>
               </p:sp>
-              <p:grpSp>
-                <p:nvGrpSpPr>
-                  <p:cNvPr id="35" name="Group 35"/>
-                  <p:cNvGrpSpPr/>
+              <p:sp>
+                <p:nvSpPr>
+                  <p:cNvPr id="40" name="AutoShape 40"/>
+                  <p:cNvSpPr/>
                   <p:nvPr/>
-                </p:nvGrpSpPr>
-                <p:grpSpPr>
+                </p:nvSpPr>
+                <p:spPr>
+                  <a:xfrm flipV="1">
+                    <a:off x="9070376" y="6892694"/>
+                    <a:ext cx="448071" cy="229140"/>
+                  </a:xfrm>
+                  <a:prstGeom prst="rect">
+                    <a:avLst/>
+                  </a:prstGeom>
+                  <a:solidFill>
+                    <a:srgbClr val="64E8D6">
+                      <a:alpha val="100000"/>
+                    </a:srgbClr>
+                  </a:solidFill>
+                  <a:ln w="12700" cap="flat">
+                    <a:noFill/>
+                    <a:prstDash val="solid"/>
+                  </a:ln>
+                </p:spPr>
+                <p:txBody>
+                  <a:bodyPr lIns="91440" tIns="45720" rIns="91440" bIns="45720" rtlCol="0" anchor="ctr">
+                    <a:noAutofit/>
+                  </a:bodyPr>
+                  <a:lstStyle/>
+                  <a:p>
+                    <a:pPr algn="ctr">
+                      <a:defRPr/>
+                    </a:pPr>
+                    <a:endParaRPr sz="2628"/>
+                  </a:p>
+                </p:txBody>
+              </p:sp>
+              <p:sp>
+                <p:nvSpPr>
+                  <p:cNvPr id="41" name="AutoShape 41"/>
+                  <p:cNvSpPr/>
+                  <p:nvPr/>
+                </p:nvSpPr>
+                <p:spPr>
                   <a:xfrm>
-                    <a:off x="8985926" y="6613294"/>
-                    <a:ext cx="1712837" cy="1203617"/>
-                    <a:chOff x="8985926" y="6613294"/>
-                    <a:chExt cx="1712837" cy="1203617"/>
+                    <a:off x="9445235" y="7113818"/>
+                    <a:ext cx="1143000" cy="254000"/>
                   </a:xfrm>
-                </p:grpSpPr>
-                <p:sp>
-                  <p:nvSpPr>
-                    <p:cNvPr id="36" name="AutoShape 36"/>
-                    <p:cNvSpPr/>
-                    <p:nvPr/>
-                  </p:nvSpPr>
-                  <p:spPr>
-                    <a:xfrm>
-                      <a:off x="8985926" y="6613294"/>
-                      <a:ext cx="1485900" cy="266700"/>
-                    </a:xfrm>
-                    <a:prstGeom prst="rect">
-                      <a:avLst/>
-                    </a:prstGeom>
+                  <a:prstGeom prst="rect">
+                    <a:avLst/>
+                  </a:prstGeom>
+                  <a:noFill/>
+                  <a:ln w="12700">
                     <a:noFill/>
-                    <a:ln w="12700">
-                      <a:noFill/>
-                      <a:prstDash val="solid"/>
-                    </a:ln>
-                  </p:spPr>
-                  <p:txBody>
-                    <a:bodyPr lIns="0" tIns="0" rIns="0" bIns="0" rtlCol="0" anchor="ctr">
-                      <a:noAutofit/>
-                    </a:bodyPr>
-                    <a:lstStyle/>
-                    <a:p>
-                      <a:pPr algn="ctr">
-                        <a:lnSpc>
-                          <a:spcPct val="125000"/>
-                        </a:lnSpc>
-                        <a:defRPr/>
-                      </a:pPr>
-                      <a:r>
-                        <a:rPr lang="en-US" sz="1400" dirty="0">
-                          <a:solidFill>
-                            <a:srgbClr val="1F2329"/>
-                          </a:solidFill>
-                        </a:rPr>
-                        <a:t>EAT Framework</a:t>
-                      </a:r>
-                      <a:endParaRPr lang="en-US" sz="1400" dirty="0"/>
-                    </a:p>
-                  </p:txBody>
-                </p:sp>
-                <p:sp>
-                  <p:nvSpPr>
-                    <p:cNvPr id="37" name="AutoShape 37"/>
-                    <p:cNvSpPr/>
-                    <p:nvPr/>
-                  </p:nvSpPr>
-                  <p:spPr>
-                    <a:xfrm>
-                      <a:off x="9070376" y="7590832"/>
-                      <a:ext cx="448071" cy="200298"/>
-                    </a:xfrm>
-                    <a:prstGeom prst="rect">
-                      <a:avLst/>
-                    </a:prstGeom>
-                    <a:solidFill>
-                      <a:srgbClr val="FAD355">
-                        <a:alpha val="100000"/>
-                      </a:srgbClr>
-                    </a:solidFill>
-                    <a:ln w="12700" cap="flat">
-                      <a:noFill/>
-                      <a:prstDash val="solid"/>
-                    </a:ln>
-                  </p:spPr>
-                  <p:txBody>
-                    <a:bodyPr lIns="91440" tIns="45720" rIns="91440" bIns="45720" rtlCol="0" anchor="ctr">
-                      <a:noAutofit/>
-                    </a:bodyPr>
-                    <a:lstStyle/>
-                    <a:p>
-                      <a:pPr algn="ctr">
-                        <a:defRPr/>
-                      </a:pPr>
-                      <a:endParaRPr sz="2628"/>
-                    </a:p>
-                  </p:txBody>
-                </p:sp>
-                <p:sp>
-                  <p:nvSpPr>
-                    <p:cNvPr id="38" name="AutoShape 38"/>
-                    <p:cNvSpPr/>
-                    <p:nvPr/>
-                  </p:nvSpPr>
-                  <p:spPr>
-                    <a:xfrm>
-                      <a:off x="9070376" y="7368468"/>
-                      <a:ext cx="448071" cy="201116"/>
-                    </a:xfrm>
-                    <a:prstGeom prst="rect">
-                      <a:avLst/>
-                    </a:prstGeom>
-                    <a:solidFill>
-                      <a:srgbClr val="FFBA6B">
-                        <a:alpha val="100000"/>
-                      </a:srgbClr>
-                    </a:solidFill>
-                    <a:ln w="12700" cap="flat">
-                      <a:noFill/>
-                      <a:prstDash val="solid"/>
-                    </a:ln>
-                  </p:spPr>
-                  <p:txBody>
-                    <a:bodyPr lIns="91440" tIns="45720" rIns="91440" bIns="45720" rtlCol="0" anchor="ctr">
-                      <a:noAutofit/>
-                    </a:bodyPr>
-                    <a:lstStyle/>
-                    <a:p>
-                      <a:pPr algn="ctr">
-                        <a:defRPr/>
-                      </a:pPr>
-                      <a:endParaRPr sz="2628"/>
-                    </a:p>
-                  </p:txBody>
-                </p:sp>
-                <p:sp>
-                  <p:nvSpPr>
-                    <p:cNvPr id="39" name="AutoShape 39"/>
-                    <p:cNvSpPr/>
-                    <p:nvPr/>
-                  </p:nvSpPr>
-                  <p:spPr>
-                    <a:xfrm>
-                      <a:off x="9070376" y="7132609"/>
-                      <a:ext cx="448071" cy="217903"/>
-                    </a:xfrm>
-                    <a:prstGeom prst="rect">
-                      <a:avLst/>
-                    </a:prstGeom>
-                    <a:solidFill>
-                      <a:srgbClr val="6A8ED5"/>
-                    </a:solidFill>
-                    <a:ln w="12700" cap="flat">
-                      <a:noFill/>
-                      <a:prstDash val="solid"/>
-                    </a:ln>
-                  </p:spPr>
-                  <p:txBody>
-                    <a:bodyPr lIns="91440" tIns="45720" rIns="91440" bIns="45720" rtlCol="0" anchor="ctr">
-                      <a:noAutofit/>
-                    </a:bodyPr>
-                    <a:lstStyle/>
-                    <a:p>
-                      <a:pPr algn="ctr">
-                        <a:defRPr/>
-                      </a:pPr>
-                      <a:endParaRPr sz="2628" dirty="0"/>
-                    </a:p>
-                  </p:txBody>
-                </p:sp>
-                <p:sp>
-                  <p:nvSpPr>
-                    <p:cNvPr id="40" name="AutoShape 40"/>
-                    <p:cNvSpPr/>
-                    <p:nvPr/>
-                  </p:nvSpPr>
-                  <p:spPr>
-                    <a:xfrm flipV="1">
-                      <a:off x="9070376" y="6892694"/>
-                      <a:ext cx="448071" cy="229140"/>
-                    </a:xfrm>
-                    <a:prstGeom prst="rect">
-                      <a:avLst/>
-                    </a:prstGeom>
-                    <a:solidFill>
-                      <a:srgbClr val="64E8D6">
-                        <a:alpha val="100000"/>
-                      </a:srgbClr>
-                    </a:solidFill>
-                    <a:ln w="12700" cap="flat">
-                      <a:noFill/>
-                      <a:prstDash val="solid"/>
-                    </a:ln>
-                  </p:spPr>
-                  <p:txBody>
-                    <a:bodyPr lIns="91440" tIns="45720" rIns="91440" bIns="45720" rtlCol="0" anchor="ctr">
-                      <a:noAutofit/>
-                    </a:bodyPr>
-                    <a:lstStyle/>
-                    <a:p>
-                      <a:pPr algn="ctr">
-                        <a:defRPr/>
-                      </a:pPr>
-                      <a:endParaRPr sz="2628"/>
-                    </a:p>
-                  </p:txBody>
-                </p:sp>
-                <p:sp>
-                  <p:nvSpPr>
-                    <p:cNvPr id="41" name="AutoShape 41"/>
-                    <p:cNvSpPr/>
-                    <p:nvPr/>
-                  </p:nvSpPr>
-                  <p:spPr>
-                    <a:xfrm>
-                      <a:off x="9445235" y="7113818"/>
-                      <a:ext cx="1143000" cy="254000"/>
-                    </a:xfrm>
-                    <a:prstGeom prst="rect">
-                      <a:avLst/>
-                    </a:prstGeom>
+                    <a:prstDash val="solid"/>
+                  </a:ln>
+                </p:spPr>
+                <p:txBody>
+                  <a:bodyPr lIns="91440" tIns="45720" rIns="91440" bIns="45720" rtlCol="0" anchor="t">
+                    <a:noAutofit/>
+                  </a:bodyPr>
+                  <a:lstStyle/>
+                  <a:p>
+                    <a:pPr>
+                      <a:defRPr/>
+                    </a:pPr>
+                    <a:r>
+                      <a:rPr lang="en-US" sz="1100" dirty="0"/>
+                      <a:t>Action Layer</a:t>
+                    </a:r>
+                  </a:p>
+                </p:txBody>
+              </p:sp>
+              <p:sp>
+                <p:nvSpPr>
+                  <p:cNvPr id="42" name="AutoShape 42"/>
+                  <p:cNvSpPr/>
+                  <p:nvPr/>
+                </p:nvSpPr>
+                <p:spPr>
+                  <a:xfrm>
+                    <a:off x="9443579" y="7334357"/>
+                    <a:ext cx="1206500" cy="254000"/>
+                  </a:xfrm>
+                  <a:prstGeom prst="rect">
+                    <a:avLst/>
+                  </a:prstGeom>
+                  <a:noFill/>
+                  <a:ln w="12700">
                     <a:noFill/>
-                    <a:ln w="12700">
-                      <a:noFill/>
-                      <a:prstDash val="solid"/>
-                    </a:ln>
-                  </p:spPr>
-                  <p:txBody>
-                    <a:bodyPr lIns="91440" tIns="45720" rIns="91440" bIns="45720" rtlCol="0" anchor="t">
-                      <a:noAutofit/>
-                    </a:bodyPr>
-                    <a:lstStyle/>
-                    <a:p>
-                      <a:pPr>
-                        <a:defRPr/>
-                      </a:pPr>
-                      <a:r>
-                        <a:rPr lang="en-US" sz="1100" dirty="0"/>
-                        <a:t>Action Layer</a:t>
-                      </a:r>
-                    </a:p>
-                  </p:txBody>
-                </p:sp>
-                <p:sp>
-                  <p:nvSpPr>
-                    <p:cNvPr id="42" name="AutoShape 42"/>
-                    <p:cNvSpPr/>
-                    <p:nvPr/>
-                  </p:nvSpPr>
-                  <p:spPr>
-                    <a:xfrm>
-                      <a:off x="9443579" y="7334357"/>
-                      <a:ext cx="1206500" cy="254000"/>
-                    </a:xfrm>
-                    <a:prstGeom prst="rect">
-                      <a:avLst/>
-                    </a:prstGeom>
+                    <a:prstDash val="solid"/>
+                  </a:ln>
+                </p:spPr>
+                <p:txBody>
+                  <a:bodyPr lIns="91440" tIns="45720" rIns="91440" bIns="45720" rtlCol="0" anchor="t">
+                    <a:noAutofit/>
+                  </a:bodyPr>
+                  <a:lstStyle/>
+                  <a:p>
+                    <a:pPr>
+                      <a:defRPr/>
+                    </a:pPr>
+                    <a:r>
+                      <a:rPr lang="en-US" sz="1100" dirty="0"/>
+                      <a:t>Entity Layer</a:t>
+                    </a:r>
+                  </a:p>
+                </p:txBody>
+              </p:sp>
+              <p:sp>
+                <p:nvSpPr>
+                  <p:cNvPr id="43" name="AutoShape 43"/>
+                  <p:cNvSpPr/>
+                  <p:nvPr/>
+                </p:nvSpPr>
+                <p:spPr>
+                  <a:xfrm rot="10800000" flipV="1">
+                    <a:off x="9441463" y="7562911"/>
+                    <a:ext cx="1257300" cy="254000"/>
+                  </a:xfrm>
+                  <a:prstGeom prst="rect">
+                    <a:avLst/>
+                  </a:prstGeom>
+                  <a:noFill/>
+                  <a:ln w="12700">
                     <a:noFill/>
-                    <a:ln w="12700">
-                      <a:noFill/>
-                      <a:prstDash val="solid"/>
-                    </a:ln>
-                  </p:spPr>
-                  <p:txBody>
-                    <a:bodyPr lIns="91440" tIns="45720" rIns="91440" bIns="45720" rtlCol="0" anchor="t">
-                      <a:noAutofit/>
-                    </a:bodyPr>
-                    <a:lstStyle/>
-                    <a:p>
-                      <a:pPr>
-                        <a:defRPr/>
-                      </a:pPr>
-                      <a:r>
-                        <a:rPr lang="en-US" sz="1100" dirty="0"/>
-                        <a:t>Entity Layer</a:t>
-                      </a:r>
-                    </a:p>
-                  </p:txBody>
-                </p:sp>
-                <p:sp>
-                  <p:nvSpPr>
-                    <p:cNvPr id="43" name="AutoShape 43"/>
-                    <p:cNvSpPr/>
-                    <p:nvPr/>
-                  </p:nvSpPr>
-                  <p:spPr>
-                    <a:xfrm rot="10800000" flipV="1">
-                      <a:off x="9441463" y="7562911"/>
-                      <a:ext cx="1257300" cy="254000"/>
-                    </a:xfrm>
-                    <a:prstGeom prst="rect">
-                      <a:avLst/>
-                    </a:prstGeom>
+                    <a:prstDash val="solid"/>
+                  </a:ln>
+                </p:spPr>
+                <p:txBody>
+                  <a:bodyPr lIns="91440" tIns="45720" rIns="91440" bIns="45720" rtlCol="0" anchor="t">
+                    <a:noAutofit/>
+                  </a:bodyPr>
+                  <a:lstStyle/>
+                  <a:p>
+                    <a:pPr>
+                      <a:defRPr/>
+                    </a:pPr>
+                    <a:r>
+                      <a:rPr lang="en-US" sz="1100"/>
+                      <a:t>Mono Layer</a:t>
+                    </a:r>
+                  </a:p>
+                </p:txBody>
+              </p:sp>
+              <p:sp>
+                <p:nvSpPr>
+                  <p:cNvPr id="44" name="AutoShape 44"/>
+                  <p:cNvSpPr/>
+                  <p:nvPr/>
+                </p:nvSpPr>
+                <p:spPr>
+                  <a:xfrm>
+                    <a:off x="9444098" y="6889950"/>
+                    <a:ext cx="900144" cy="254000"/>
+                  </a:xfrm>
+                  <a:prstGeom prst="rect">
+                    <a:avLst/>
+                  </a:prstGeom>
+                  <a:noFill/>
+                  <a:ln w="12700">
                     <a:noFill/>
-                    <a:ln w="12700">
-                      <a:noFill/>
-                      <a:prstDash val="solid"/>
-                    </a:ln>
-                  </p:spPr>
-                  <p:txBody>
-                    <a:bodyPr lIns="91440" tIns="45720" rIns="91440" bIns="45720" rtlCol="0" anchor="t">
-                      <a:noAutofit/>
-                    </a:bodyPr>
-                    <a:lstStyle/>
-                    <a:p>
-                      <a:pPr>
-                        <a:defRPr/>
-                      </a:pPr>
-                      <a:r>
-                        <a:rPr lang="en-US" sz="1100"/>
-                        <a:t>Mono Layer</a:t>
-                      </a:r>
-                    </a:p>
-                  </p:txBody>
-                </p:sp>
-                <p:sp>
-                  <p:nvSpPr>
-                    <p:cNvPr id="44" name="AutoShape 44"/>
-                    <p:cNvSpPr/>
-                    <p:nvPr/>
-                  </p:nvSpPr>
-                  <p:spPr>
-                    <a:xfrm>
-                      <a:off x="9444098" y="6889950"/>
-                      <a:ext cx="900144" cy="254000"/>
-                    </a:xfrm>
-                    <a:prstGeom prst="rect">
-                      <a:avLst/>
-                    </a:prstGeom>
-                    <a:noFill/>
-                    <a:ln w="12700">
-                      <a:noFill/>
-                      <a:prstDash val="solid"/>
-                    </a:ln>
-                  </p:spPr>
-                  <p:txBody>
-                    <a:bodyPr lIns="91440" tIns="45720" rIns="91440" bIns="45720" rtlCol="0" anchor="t">
-                      <a:noAutofit/>
-                    </a:bodyPr>
-                    <a:lstStyle/>
-                    <a:p>
-                      <a:pPr>
-                        <a:defRPr/>
-                      </a:pPr>
-                      <a:r>
-                        <a:rPr lang="en-US" sz="1100" dirty="0"/>
-                        <a:t>Task Layer</a:t>
-                      </a:r>
-                    </a:p>
-                  </p:txBody>
-                </p:sp>
-              </p:grpSp>
+                    <a:prstDash val="solid"/>
+                  </a:ln>
+                </p:spPr>
+                <p:txBody>
+                  <a:bodyPr lIns="91440" tIns="45720" rIns="91440" bIns="45720" rtlCol="0" anchor="t">
+                    <a:noAutofit/>
+                  </a:bodyPr>
+                  <a:lstStyle/>
+                  <a:p>
+                    <a:pPr>
+                      <a:defRPr/>
+                    </a:pPr>
+                    <a:r>
+                      <a:rPr lang="en-US" sz="1100" dirty="0"/>
+                      <a:t>Task Layer</a:t>
+                    </a:r>
+                  </a:p>
+                </p:txBody>
+              </p:sp>
             </p:grpSp>
             <p:grpSp>
               <p:nvGrpSpPr>
@@ -11940,10 +11841,10 @@
               </p:nvGrpSpPr>
               <p:grpSpPr>
                 <a:xfrm>
-                  <a:off x="10793408" y="5487967"/>
-                  <a:ext cx="1204317" cy="770307"/>
-                  <a:chOff x="10825758" y="5430712"/>
-                  <a:chExt cx="1204317" cy="770307"/>
+                  <a:off x="10727603" y="5872221"/>
+                  <a:ext cx="2333260" cy="555460"/>
+                  <a:chOff x="10759953" y="5814966"/>
+                  <a:chExt cx="2333260" cy="555460"/>
                 </a:xfrm>
               </p:grpSpPr>
               <p:pic>
@@ -11968,7 +11869,7 @@
                 </p:blipFill>
                 <p:spPr>
                   <a:xfrm>
-                    <a:off x="10832108" y="5700075"/>
+                    <a:off x="10759953" y="5845456"/>
                     <a:ext cx="223202" cy="218908"/>
                   </a:xfrm>
                   <a:prstGeom prst="rect">
@@ -12002,7 +11903,7 @@
                 </p:blipFill>
                 <p:spPr>
                   <a:xfrm>
-                    <a:off x="10836273" y="5947137"/>
+                    <a:off x="11913237" y="6116544"/>
                     <a:ext cx="223202" cy="223900"/>
                   </a:xfrm>
                   <a:prstGeom prst="rect">
@@ -12036,7 +11937,7 @@
                 </p:blipFill>
                 <p:spPr>
                   <a:xfrm>
-                    <a:off x="10825758" y="5430712"/>
+                    <a:off x="11888896" y="5814966"/>
                     <a:ext cx="223202" cy="250737"/>
                   </a:xfrm>
                   <a:prstGeom prst="roundRect">
@@ -12064,7 +11965,7 @@
                 </p:nvSpPr>
                 <p:spPr>
                   <a:xfrm>
-                    <a:off x="10991982" y="5447335"/>
+                    <a:off x="12055120" y="5831589"/>
                     <a:ext cx="1038093" cy="254000"/>
                   </a:xfrm>
                   <a:prstGeom prst="rect">
@@ -12106,7 +12007,7 @@
                 </p:nvSpPr>
                 <p:spPr>
                   <a:xfrm>
-                    <a:off x="10991982" y="5693137"/>
+                    <a:off x="10919827" y="5838518"/>
                     <a:ext cx="1038093" cy="254000"/>
                   </a:xfrm>
                   <a:prstGeom prst="rect">
@@ -12148,7 +12049,7 @@
                 </p:nvSpPr>
                 <p:spPr>
                   <a:xfrm>
-                    <a:off x="10978156" y="5947019"/>
+                    <a:off x="12055120" y="6116426"/>
                     <a:ext cx="1038093" cy="254000"/>
                   </a:xfrm>
                   <a:prstGeom prst="rect">
@@ -12199,7 +12100,7 @@
               </p:blipFill>
               <p:spPr>
                 <a:xfrm>
-                  <a:off x="10775035" y="6250076"/>
+                  <a:off x="10711154" y="6160231"/>
                   <a:ext cx="241575" cy="241575"/>
                 </a:xfrm>
                 <a:prstGeom prst="rect">
@@ -12225,7 +12126,7 @@
               </p:nvSpPr>
               <p:spPr>
                 <a:xfrm>
-                  <a:off x="10955757" y="6250700"/>
+                  <a:off x="10891876" y="6160855"/>
                   <a:ext cx="1038093" cy="254000"/>
                 </a:xfrm>
                 <a:prstGeom prst="rect">
@@ -12277,7 +12178,7 @@
           </p:blipFill>
           <p:spPr>
             <a:xfrm>
-              <a:off x="9543564" y="7801982"/>
+              <a:off x="9456628" y="7707656"/>
               <a:ext cx="258174" cy="243852"/>
             </a:xfrm>
             <a:prstGeom prst="rect">
@@ -12303,7 +12204,7 @@
           </p:nvSpPr>
           <p:spPr>
             <a:xfrm>
-              <a:off x="9761949" y="7785713"/>
+              <a:off x="9668766" y="7731564"/>
               <a:ext cx="2273757" cy="254000"/>
             </a:xfrm>
             <a:prstGeom prst="rect">
@@ -14629,18 +14530,459 @@
           </p:grpSp>
         </p:grpSp>
       </p:grpSp>
+      <p:grpSp>
+        <p:nvGrpSpPr>
+          <p:cNvPr id="224" name="组合 223">
+            <a:extLst>
+              <a:ext uri="{FF2B5EF4-FFF2-40B4-BE49-F238E27FC236}">
+                <a16:creationId xmlns:a16="http://schemas.microsoft.com/office/drawing/2014/main" id="{589B5059-EB6E-61BF-A668-615B78095919}"/>
+              </a:ext>
+            </a:extLst>
+          </p:cNvPr>
+          <p:cNvGrpSpPr/>
+          <p:nvPr/>
+        </p:nvGrpSpPr>
+        <p:grpSpPr>
+          <a:xfrm>
+            <a:off x="7722346" y="472686"/>
+            <a:ext cx="1234489" cy="1184942"/>
+            <a:chOff x="7841246" y="659452"/>
+            <a:chExt cx="1573196" cy="1508796"/>
+          </a:xfrm>
+        </p:grpSpPr>
+        <p:sp>
+          <p:nvSpPr>
+            <p:cNvPr id="2" name="AutoShape 2"/>
+            <p:cNvSpPr/>
+            <p:nvPr/>
+          </p:nvSpPr>
+          <p:spPr>
+            <a:xfrm>
+              <a:off x="7841246" y="659452"/>
+              <a:ext cx="1573196" cy="1508796"/>
+            </a:xfrm>
+            <a:prstGeom prst="ellipse">
+              <a:avLst/>
+            </a:prstGeom>
+            <a:solidFill>
+              <a:srgbClr val="DEE0E3">
+                <a:alpha val="100000"/>
+              </a:srgbClr>
+            </a:solidFill>
+            <a:ln w="25400" cap="flat" cmpd="sng">
+              <a:solidFill>
+                <a:srgbClr val="2B2F36">
+                  <a:alpha val="100000"/>
+                </a:srgbClr>
+              </a:solidFill>
+              <a:prstDash val="solid"/>
+              <a:round/>
+            </a:ln>
+          </p:spPr>
+          <p:txBody>
+            <a:bodyPr lIns="63500" tIns="63500" rIns="63500" bIns="63500" rtlCol="0" anchor="ctr">
+              <a:noAutofit/>
+            </a:bodyPr>
+            <a:lstStyle/>
+            <a:p>
+              <a:pPr algn="ctr">
+                <a:defRPr/>
+              </a:pPr>
+              <a:endParaRPr sz="2628"/>
+            </a:p>
+          </p:txBody>
+        </p:sp>
+        <p:grpSp>
+          <p:nvGrpSpPr>
+            <p:cNvPr id="70" name="Group 70"/>
+            <p:cNvGrpSpPr/>
+            <p:nvPr/>
+          </p:nvGrpSpPr>
+          <p:grpSpPr>
+            <a:xfrm>
+              <a:off x="8042431" y="1402196"/>
+              <a:ext cx="448071" cy="517061"/>
+              <a:chOff x="7111538" y="2275652"/>
+              <a:chExt cx="448071" cy="517061"/>
+            </a:xfrm>
+          </p:grpSpPr>
+          <p:pic>
+            <p:nvPicPr>
+              <p:cNvPr id="71" name="Picture 71"/>
+              <p:cNvPicPr>
+                <a:picLocks noChangeAspect="1"/>
+              </p:cNvPicPr>
+              <p:nvPr/>
+            </p:nvPicPr>
+            <p:blipFill>
+              <a:blip r:embed="rId4"/>
+              <a:stretch>
+                <a:fillRect/>
+              </a:stretch>
+            </p:blipFill>
+            <p:spPr>
+              <a:xfrm>
+                <a:off x="7111538" y="2275652"/>
+                <a:ext cx="387387" cy="388599"/>
+              </a:xfrm>
+              <a:prstGeom prst="rect">
+                <a:avLst/>
+              </a:prstGeom>
+              <a:ln>
+                <a:noFill/>
+                <a:prstDash val="solid"/>
+              </a:ln>
+            </p:spPr>
+          </p:pic>
+          <p:grpSp>
+            <p:nvGrpSpPr>
+              <p:cNvPr id="72" name="Group 72"/>
+              <p:cNvGrpSpPr/>
+              <p:nvPr/>
+            </p:nvGrpSpPr>
+            <p:grpSpPr>
+              <a:xfrm>
+                <a:off x="7318672" y="2535790"/>
+                <a:ext cx="240937" cy="256923"/>
+                <a:chOff x="7318672" y="2535790"/>
+                <a:chExt cx="240937" cy="256923"/>
+              </a:xfrm>
+            </p:grpSpPr>
+            <p:pic>
+              <p:nvPicPr>
+                <p:cNvPr id="73" name="Picture 73"/>
+                <p:cNvPicPr>
+                  <a:picLocks noChangeAspect="1"/>
+                </p:cNvPicPr>
+                <p:nvPr/>
+              </p:nvPicPr>
+              <p:blipFill>
+                <a:blip r:embed="rId5"/>
+                <a:stretch>
+                  <a:fillRect/>
+                </a:stretch>
+              </p:blipFill>
+              <p:spPr>
+                <a:xfrm>
+                  <a:off x="7318672" y="2535790"/>
+                  <a:ext cx="221834" cy="217752"/>
+                </a:xfrm>
+                <a:prstGeom prst="roundRect">
+                  <a:avLst>
+                    <a:gd name="adj" fmla="val 18982"/>
+                  </a:avLst>
+                </a:prstGeom>
+                <a:ln>
+                  <a:noFill/>
+                  <a:prstDash val="solid"/>
+                </a:ln>
+              </p:spPr>
+            </p:pic>
+            <p:pic>
+              <p:nvPicPr>
+                <p:cNvPr id="74" name="Picture 74"/>
+                <p:cNvPicPr>
+                  <a:picLocks noChangeAspect="1"/>
+                </p:cNvPicPr>
+                <p:nvPr/>
+              </p:nvPicPr>
+              <p:blipFill>
+                <a:blip r:embed="rId3"/>
+                <a:stretch>
+                  <a:fillRect/>
+                </a:stretch>
+              </p:blipFill>
+              <p:spPr>
+                <a:xfrm>
+                  <a:off x="7445382" y="2680588"/>
+                  <a:ext cx="114227" cy="112125"/>
+                </a:xfrm>
+                <a:prstGeom prst="rect">
+                  <a:avLst/>
+                </a:prstGeom>
+                <a:ln>
+                  <a:noFill/>
+                  <a:prstDash val="solid"/>
+                </a:ln>
+              </p:spPr>
+            </p:pic>
+          </p:grpSp>
+        </p:grpSp>
+        <p:pic>
+          <p:nvPicPr>
+            <p:cNvPr id="77" name="Picture 77"/>
+            <p:cNvPicPr>
+              <a:picLocks noChangeAspect="1"/>
+            </p:cNvPicPr>
+            <p:nvPr/>
+          </p:nvPicPr>
+          <p:blipFill>
+            <a:blip r:embed="rId6"/>
+            <a:stretch>
+              <a:fillRect/>
+            </a:stretch>
+          </p:blipFill>
+          <p:spPr>
+            <a:xfrm>
+              <a:off x="8058309" y="807084"/>
+              <a:ext cx="698500" cy="698500"/>
+            </a:xfrm>
+            <a:prstGeom prst="rect">
+              <a:avLst/>
+            </a:prstGeom>
+            <a:ln>
+              <a:noFill/>
+              <a:prstDash val="solid"/>
+            </a:ln>
+          </p:spPr>
+        </p:pic>
+        <p:grpSp>
+          <p:nvGrpSpPr>
+            <p:cNvPr id="78" name="Group 78"/>
+            <p:cNvGrpSpPr/>
+            <p:nvPr/>
+          </p:nvGrpSpPr>
+          <p:grpSpPr>
+            <a:xfrm>
+              <a:off x="8611954" y="1512612"/>
+              <a:ext cx="448071" cy="517060"/>
+              <a:chOff x="7870564" y="2534183"/>
+              <a:chExt cx="448071" cy="517060"/>
+            </a:xfrm>
+          </p:grpSpPr>
+          <p:pic>
+            <p:nvPicPr>
+              <p:cNvPr id="79" name="Picture 79"/>
+              <p:cNvPicPr>
+                <a:picLocks noChangeAspect="1"/>
+              </p:cNvPicPr>
+              <p:nvPr/>
+            </p:nvPicPr>
+            <p:blipFill>
+              <a:blip r:embed="rId4"/>
+              <a:stretch>
+                <a:fillRect/>
+              </a:stretch>
+            </p:blipFill>
+            <p:spPr>
+              <a:xfrm>
+                <a:off x="7870564" y="2534183"/>
+                <a:ext cx="387387" cy="388599"/>
+              </a:xfrm>
+              <a:prstGeom prst="rect">
+                <a:avLst/>
+              </a:prstGeom>
+              <a:ln>
+                <a:noFill/>
+                <a:prstDash val="solid"/>
+              </a:ln>
+            </p:spPr>
+          </p:pic>
+          <p:grpSp>
+            <p:nvGrpSpPr>
+              <p:cNvPr id="80" name="Group 80"/>
+              <p:cNvGrpSpPr/>
+              <p:nvPr/>
+            </p:nvGrpSpPr>
+            <p:grpSpPr>
+              <a:xfrm>
+                <a:off x="8077698" y="2794320"/>
+                <a:ext cx="240937" cy="256923"/>
+                <a:chOff x="8077698" y="2794320"/>
+                <a:chExt cx="240937" cy="256923"/>
+              </a:xfrm>
+            </p:grpSpPr>
+            <p:pic>
+              <p:nvPicPr>
+                <p:cNvPr id="81" name="Picture 81"/>
+                <p:cNvPicPr>
+                  <a:picLocks noChangeAspect="1"/>
+                </p:cNvPicPr>
+                <p:nvPr/>
+              </p:nvPicPr>
+              <p:blipFill>
+                <a:blip r:embed="rId5"/>
+                <a:stretch>
+                  <a:fillRect/>
+                </a:stretch>
+              </p:blipFill>
+              <p:spPr>
+                <a:xfrm>
+                  <a:off x="8077698" y="2794320"/>
+                  <a:ext cx="221834" cy="217752"/>
+                </a:xfrm>
+                <a:prstGeom prst="roundRect">
+                  <a:avLst>
+                    <a:gd name="adj" fmla="val 18982"/>
+                  </a:avLst>
+                </a:prstGeom>
+                <a:ln>
+                  <a:noFill/>
+                  <a:prstDash val="solid"/>
+                </a:ln>
+              </p:spPr>
+            </p:pic>
+            <p:pic>
+              <p:nvPicPr>
+                <p:cNvPr id="82" name="Picture 82"/>
+                <p:cNvPicPr>
+                  <a:picLocks noChangeAspect="1"/>
+                </p:cNvPicPr>
+                <p:nvPr/>
+              </p:nvPicPr>
+              <p:blipFill>
+                <a:blip r:embed="rId3"/>
+                <a:stretch>
+                  <a:fillRect/>
+                </a:stretch>
+              </p:blipFill>
+              <p:spPr>
+                <a:xfrm>
+                  <a:off x="8204408" y="2939118"/>
+                  <a:ext cx="114227" cy="112125"/>
+                </a:xfrm>
+                <a:prstGeom prst="rect">
+                  <a:avLst/>
+                </a:prstGeom>
+                <a:ln>
+                  <a:noFill/>
+                  <a:prstDash val="solid"/>
+                </a:ln>
+              </p:spPr>
+            </p:pic>
+          </p:grpSp>
+        </p:grpSp>
+        <p:grpSp>
+          <p:nvGrpSpPr>
+            <p:cNvPr id="83" name="Group 83"/>
+            <p:cNvGrpSpPr/>
+            <p:nvPr/>
+          </p:nvGrpSpPr>
+          <p:grpSpPr>
+            <a:xfrm>
+              <a:off x="8835989" y="1061119"/>
+              <a:ext cx="448071" cy="517061"/>
+              <a:chOff x="8094599" y="1977179"/>
+              <a:chExt cx="448071" cy="517061"/>
+            </a:xfrm>
+          </p:grpSpPr>
+          <p:pic>
+            <p:nvPicPr>
+              <p:cNvPr id="84" name="Picture 84"/>
+              <p:cNvPicPr>
+                <a:picLocks noChangeAspect="1"/>
+              </p:cNvPicPr>
+              <p:nvPr/>
+            </p:nvPicPr>
+            <p:blipFill>
+              <a:blip r:embed="rId4"/>
+              <a:stretch>
+                <a:fillRect/>
+              </a:stretch>
+            </p:blipFill>
+            <p:spPr>
+              <a:xfrm>
+                <a:off x="8094599" y="1977179"/>
+                <a:ext cx="387387" cy="388599"/>
+              </a:xfrm>
+              <a:prstGeom prst="rect">
+                <a:avLst/>
+              </a:prstGeom>
+              <a:ln>
+                <a:noFill/>
+                <a:prstDash val="solid"/>
+              </a:ln>
+            </p:spPr>
+          </p:pic>
+          <p:grpSp>
+            <p:nvGrpSpPr>
+              <p:cNvPr id="85" name="Group 85"/>
+              <p:cNvGrpSpPr/>
+              <p:nvPr/>
+            </p:nvGrpSpPr>
+            <p:grpSpPr>
+              <a:xfrm>
+                <a:off x="8301733" y="2237316"/>
+                <a:ext cx="240937" cy="256924"/>
+                <a:chOff x="8301733" y="2237316"/>
+                <a:chExt cx="240937" cy="256924"/>
+              </a:xfrm>
+            </p:grpSpPr>
+            <p:pic>
+              <p:nvPicPr>
+                <p:cNvPr id="86" name="Picture 86"/>
+                <p:cNvPicPr>
+                  <a:picLocks noChangeAspect="1"/>
+                </p:cNvPicPr>
+                <p:nvPr/>
+              </p:nvPicPr>
+              <p:blipFill>
+                <a:blip r:embed="rId5"/>
+                <a:stretch>
+                  <a:fillRect/>
+                </a:stretch>
+              </p:blipFill>
+              <p:spPr>
+                <a:xfrm>
+                  <a:off x="8301733" y="2237316"/>
+                  <a:ext cx="221834" cy="217752"/>
+                </a:xfrm>
+                <a:prstGeom prst="roundRect">
+                  <a:avLst>
+                    <a:gd name="adj" fmla="val 18982"/>
+                  </a:avLst>
+                </a:prstGeom>
+                <a:ln>
+                  <a:noFill/>
+                  <a:prstDash val="solid"/>
+                </a:ln>
+              </p:spPr>
+            </p:pic>
+            <p:pic>
+              <p:nvPicPr>
+                <p:cNvPr id="87" name="Picture 87"/>
+                <p:cNvPicPr>
+                  <a:picLocks noChangeAspect="1"/>
+                </p:cNvPicPr>
+                <p:nvPr/>
+              </p:nvPicPr>
+              <p:blipFill>
+                <a:blip r:embed="rId3"/>
+                <a:stretch>
+                  <a:fillRect/>
+                </a:stretch>
+              </p:blipFill>
+              <p:spPr>
+                <a:xfrm>
+                  <a:off x="8428443" y="2382115"/>
+                  <a:ext cx="114227" cy="112125"/>
+                </a:xfrm>
+                <a:prstGeom prst="rect">
+                  <a:avLst/>
+                </a:prstGeom>
+                <a:ln>
+                  <a:noFill/>
+                  <a:prstDash val="solid"/>
+                </a:ln>
+              </p:spPr>
+            </p:pic>
+          </p:grpSp>
+        </p:grpSp>
+      </p:grpSp>
       <p:cxnSp>
         <p:nvCxnSpPr>
           <p:cNvPr id="147" name="Connector 147"/>
           <p:cNvCxnSpPr>
             <a:cxnSpLocks/>
+            <a:stCxn id="150" idx="1"/>
+            <a:endCxn id="2" idx="3"/>
           </p:cNvCxnSpPr>
           <p:nvPr/>
         </p:nvCxnSpPr>
         <p:spPr>
           <a:xfrm flipV="1">
-            <a:off x="7520021" y="1743572"/>
-            <a:ext cx="532671" cy="148370"/>
+            <a:off x="7555437" y="1484097"/>
+            <a:ext cx="347696" cy="396446"/>
           </a:xfrm>
           <a:prstGeom prst="line">
             <a:avLst/>
@@ -14717,6 +15059,63 @@
           </a:p>
         </p:txBody>
       </p:sp>
+      <p:sp>
+        <p:nvSpPr>
+          <p:cNvPr id="162" name="箭头: 左弧形 161">
+            <a:extLst>
+              <a:ext uri="{FF2B5EF4-FFF2-40B4-BE49-F238E27FC236}">
+                <a16:creationId xmlns:a16="http://schemas.microsoft.com/office/drawing/2014/main" id="{4F79F346-6C1D-DC5A-5A19-7CE1B9B9E57A}"/>
+              </a:ext>
+            </a:extLst>
+          </p:cNvPr>
+          <p:cNvSpPr/>
+          <p:nvPr/>
+        </p:nvSpPr>
+        <p:spPr>
+          <a:xfrm rot="1852424">
+            <a:off x="8699507" y="787181"/>
+            <a:ext cx="666525" cy="1120224"/>
+          </a:xfrm>
+          <a:prstGeom prst="curvedRightArrow">
+            <a:avLst>
+              <a:gd name="adj1" fmla="val 26234"/>
+              <a:gd name="adj2" fmla="val 72355"/>
+              <a:gd name="adj3" fmla="val 26356"/>
+            </a:avLst>
+          </a:prstGeom>
+        </p:spPr>
+        <p:style>
+          <a:lnRef idx="1">
+            <a:schemeClr val="dk1"/>
+          </a:lnRef>
+          <a:fillRef idx="2">
+            <a:schemeClr val="dk1"/>
+          </a:fillRef>
+          <a:effectRef idx="1">
+            <a:schemeClr val="dk1"/>
+          </a:effectRef>
+          <a:fontRef idx="minor">
+            <a:schemeClr val="dk1"/>
+          </a:fontRef>
+        </p:style>
+        <p:txBody>
+          <a:bodyPr rtlCol="0" anchor="ctr"/>
+          <a:lstStyle/>
+          <a:p>
+            <a:pPr algn="ctr">
+              <a:defRPr/>
+            </a:pPr>
+            <a:endParaRPr lang="en-US" altLang="zh-CN" sz="800" dirty="0">
+              <a:solidFill>
+                <a:srgbClr val="000000"/>
+              </a:solidFill>
+              <a:latin typeface="Arial"/>
+              <a:ea typeface="Arial"/>
+              <a:cs typeface="Arial"/>
+            </a:endParaRPr>
+          </a:p>
+        </p:txBody>
+      </p:sp>
       <p:grpSp>
         <p:nvGrpSpPr>
           <p:cNvPr id="45" name="Group 45"/>
@@ -14725,10 +15124,10 @@
         </p:nvGrpSpPr>
         <p:grpSpPr>
           <a:xfrm>
-            <a:off x="9829268" y="1862694"/>
-            <a:ext cx="2572715" cy="698500"/>
-            <a:chOff x="4604727" y="4920679"/>
-            <a:chExt cx="2572715" cy="698500"/>
+            <a:off x="9051637" y="1739348"/>
+            <a:ext cx="1981542" cy="355365"/>
+            <a:chOff x="4692103" y="4907987"/>
+            <a:chExt cx="1601074" cy="355365"/>
           </a:xfrm>
         </p:grpSpPr>
         <p:sp>
@@ -14739,8 +15138,8 @@
           </p:nvSpPr>
           <p:spPr>
             <a:xfrm>
-              <a:off x="4692102" y="4920679"/>
-              <a:ext cx="1579057" cy="698500"/>
+              <a:off x="4692103" y="4920679"/>
+              <a:ext cx="1601074" cy="342673"/>
             </a:xfrm>
             <a:prstGeom prst="roundRect">
               <a:avLst>
@@ -14771,7 +15170,7 @@
               <a:pPr algn="ctr">
                 <a:defRPr/>
               </a:pPr>
-              <a:endParaRPr sz="2628"/>
+              <a:endParaRPr sz="2628" dirty="0"/>
             </a:p>
           </p:txBody>
         </p:sp>
@@ -14783,8 +15182,8 @@
           </p:nvSpPr>
           <p:spPr>
             <a:xfrm>
-              <a:off x="4604727" y="4920679"/>
-              <a:ext cx="1666431" cy="266700"/>
+              <a:off x="4697514" y="4907987"/>
+              <a:ext cx="1528848" cy="327608"/>
             </a:xfrm>
             <a:prstGeom prst="rect">
               <a:avLst/>
@@ -14814,7 +15213,7 @@
                   </a:solidFill>
                   <a:latin typeface="+mj-lt"/>
                 </a:rPr>
-                <a:t>Entity Manager</a:t>
+                <a:t> Probability-based FSM</a:t>
               </a:r>
               <a:endParaRPr lang="en-US" sz="1050" b="1" dirty="0">
                 <a:latin typeface="+mj-lt"/>
@@ -14822,293 +15221,6 @@
             </a:p>
           </p:txBody>
         </p:sp>
-        <p:grpSp>
-          <p:nvGrpSpPr>
-            <p:cNvPr id="48" name="Group 48"/>
-            <p:cNvGrpSpPr/>
-            <p:nvPr/>
-          </p:nvGrpSpPr>
-          <p:grpSpPr>
-            <a:xfrm>
-              <a:off x="4680492" y="5130229"/>
-              <a:ext cx="2496950" cy="241300"/>
-              <a:chOff x="4680492" y="5130229"/>
-              <a:chExt cx="2496950" cy="241300"/>
-            </a:xfrm>
-          </p:grpSpPr>
-          <p:sp>
-            <p:nvSpPr>
-              <p:cNvPr id="49" name="AutoShape 49"/>
-              <p:cNvSpPr/>
-              <p:nvPr/>
-            </p:nvSpPr>
-            <p:spPr>
-              <a:xfrm>
-                <a:off x="4680492" y="5130229"/>
-                <a:ext cx="2496950" cy="241300"/>
-              </a:xfrm>
-              <a:prstGeom prst="rect">
-                <a:avLst/>
-              </a:prstGeom>
-              <a:noFill/>
-              <a:ln w="12700">
-                <a:noFill/>
-                <a:prstDash val="solid"/>
-              </a:ln>
-            </p:spPr>
-            <p:txBody>
-              <a:bodyPr lIns="91440" tIns="45720" rIns="91440" bIns="45720" rtlCol="0" anchor="t">
-                <a:noAutofit/>
-              </a:bodyPr>
-              <a:lstStyle/>
-              <a:p>
-                <a:pPr>
-                  <a:defRPr/>
-                </a:pPr>
-                <a:r>
-                  <a:rPr lang="en-US" sz="1000" dirty="0">
-                    <a:latin typeface="Consolas"/>
-                    <a:ea typeface="Consolas"/>
-                    <a:cs typeface="Consolas"/>
-                    <a:sym typeface="Consolas"/>
-                  </a:rPr>
-                  <a:t>List&lt;</a:t>
-                </a:r>
-                <a:r>
-                  <a:rPr lang="en-US" sz="1000" b="1" dirty="0">
-                    <a:solidFill>
-                      <a:srgbClr val="E07B05"/>
-                    </a:solidFill>
-                    <a:latin typeface="Consolas"/>
-                    <a:ea typeface="Consolas"/>
-                    <a:cs typeface="Consolas"/>
-                    <a:sym typeface="Consolas"/>
-                  </a:rPr>
-                  <a:t>BaseEntity  </a:t>
-                </a:r>
-                <a:r>
-                  <a:rPr lang="en-US" sz="1000" dirty="0">
-                    <a:latin typeface="Consolas"/>
-                    <a:ea typeface="Consolas"/>
-                    <a:cs typeface="Consolas"/>
-                    <a:sym typeface="Consolas"/>
-                  </a:rPr>
-                  <a:t>&gt; </a:t>
-                </a:r>
-                <a:r>
-                  <a:rPr lang="en-US" altLang="zh-CN" sz="1000" dirty="0">
-                    <a:latin typeface="Consolas"/>
-                    <a:ea typeface="Consolas"/>
-                    <a:cs typeface="Consolas"/>
-                    <a:sym typeface="Consolas"/>
-                  </a:rPr>
-                  <a:t>e</a:t>
-                </a:r>
-                <a:r>
-                  <a:rPr lang="en-US" sz="1000" dirty="0">
-                    <a:latin typeface="Consolas"/>
-                    <a:ea typeface="Consolas"/>
-                    <a:cs typeface="Consolas"/>
-                    <a:sym typeface="Consolas"/>
-                  </a:rPr>
-                  <a:t>;</a:t>
-                </a:r>
-                <a:endParaRPr lang="en-US" sz="1100" dirty="0"/>
-              </a:p>
-            </p:txBody>
-          </p:sp>
-          <p:pic>
-            <p:nvPicPr>
-              <p:cNvPr id="50" name="Picture 50"/>
-              <p:cNvPicPr>
-                <a:picLocks noChangeAspect="1"/>
-              </p:cNvPicPr>
-              <p:nvPr/>
-            </p:nvPicPr>
-            <p:blipFill>
-              <a:blip r:embed="rId3"/>
-              <a:stretch>
-                <a:fillRect/>
-              </a:stretch>
-            </p:blipFill>
-            <p:spPr>
-              <a:xfrm>
-                <a:off x="5832591" y="5190582"/>
-                <a:ext cx="139700" cy="145059"/>
-              </a:xfrm>
-              <a:prstGeom prst="rect">
-                <a:avLst/>
-              </a:prstGeom>
-              <a:ln>
-                <a:noFill/>
-                <a:prstDash val="solid"/>
-              </a:ln>
-            </p:spPr>
-          </p:pic>
-        </p:grpSp>
-        <p:grpSp>
-          <p:nvGrpSpPr>
-            <p:cNvPr id="51" name="Group 51"/>
-            <p:cNvGrpSpPr/>
-            <p:nvPr/>
-          </p:nvGrpSpPr>
-          <p:grpSpPr>
-            <a:xfrm>
-              <a:off x="4686783" y="5296305"/>
-              <a:ext cx="1812645" cy="272074"/>
-              <a:chOff x="4686783" y="5296305"/>
-              <a:chExt cx="1812645" cy="272074"/>
-            </a:xfrm>
-          </p:grpSpPr>
-          <p:sp>
-            <p:nvSpPr>
-              <p:cNvPr id="52" name="AutoShape 52"/>
-              <p:cNvSpPr/>
-              <p:nvPr/>
-            </p:nvSpPr>
-            <p:spPr>
-              <a:xfrm>
-                <a:off x="4686783" y="5296305"/>
-                <a:ext cx="1812645" cy="241300"/>
-              </a:xfrm>
-              <a:prstGeom prst="rect">
-                <a:avLst/>
-              </a:prstGeom>
-              <a:noFill/>
-              <a:ln w="12700">
-                <a:noFill/>
-                <a:prstDash val="solid"/>
-              </a:ln>
-            </p:spPr>
-            <p:txBody>
-              <a:bodyPr lIns="91440" tIns="45720" rIns="91440" bIns="45720" rtlCol="0" anchor="t">
-                <a:noAutofit/>
-              </a:bodyPr>
-              <a:lstStyle/>
-              <a:p>
-                <a:pPr>
-                  <a:defRPr/>
-                </a:pPr>
-                <a:r>
-                  <a:rPr lang="en-US" sz="1000" dirty="0">
-                    <a:latin typeface="Consolas"/>
-                    <a:ea typeface="Consolas"/>
-                    <a:cs typeface="Consolas"/>
-                    <a:sym typeface="Consolas"/>
-                  </a:rPr>
-                  <a:t>List&lt;</a:t>
-                </a:r>
-                <a:r>
-                  <a:rPr lang="en-US" sz="1000" b="1" dirty="0">
-                    <a:solidFill>
-                      <a:srgbClr val="F2BA02"/>
-                    </a:solidFill>
-                    <a:latin typeface="Consolas"/>
-                    <a:ea typeface="Consolas"/>
-                    <a:cs typeface="Consolas"/>
-                    <a:sym typeface="Consolas"/>
-                  </a:rPr>
-                  <a:t>Mono</a:t>
-                </a:r>
-                <a:r>
-                  <a:rPr lang="en-US" sz="1000" b="1" dirty="0">
-                    <a:solidFill>
-                      <a:srgbClr val="FFC60A"/>
-                    </a:solidFill>
-                    <a:latin typeface="Consolas"/>
-                    <a:ea typeface="Consolas"/>
-                    <a:cs typeface="Consolas"/>
-                    <a:sym typeface="Consolas"/>
-                  </a:rPr>
-                  <a:t>   </a:t>
-                </a:r>
-                <a:r>
-                  <a:rPr lang="en-US" sz="1000" dirty="0">
-                    <a:latin typeface="Consolas"/>
-                    <a:ea typeface="Consolas"/>
-                    <a:cs typeface="Consolas"/>
-                    <a:sym typeface="Consolas"/>
-                  </a:rPr>
-                  <a:t>&gt; m;</a:t>
-                </a:r>
-                <a:endParaRPr lang="en-US" sz="1100" dirty="0"/>
-              </a:p>
-            </p:txBody>
-          </p:sp>
-          <p:grpSp>
-            <p:nvGrpSpPr>
-              <p:cNvPr id="53" name="Group 53"/>
-              <p:cNvGrpSpPr/>
-              <p:nvPr/>
-            </p:nvGrpSpPr>
-            <p:grpSpPr>
-              <a:xfrm>
-                <a:off x="5401018" y="5311455"/>
-                <a:ext cx="240937" cy="256924"/>
-                <a:chOff x="5401018" y="5311455"/>
-                <a:chExt cx="240937" cy="256924"/>
-              </a:xfrm>
-            </p:grpSpPr>
-            <p:pic>
-              <p:nvPicPr>
-                <p:cNvPr id="54" name="Picture 54"/>
-                <p:cNvPicPr>
-                  <a:picLocks noChangeAspect="1"/>
-                </p:cNvPicPr>
-                <p:nvPr/>
-              </p:nvPicPr>
-              <p:blipFill>
-                <a:blip r:embed="rId5"/>
-                <a:stretch>
-                  <a:fillRect/>
-                </a:stretch>
-              </p:blipFill>
-              <p:spPr>
-                <a:xfrm>
-                  <a:off x="5401018" y="5311455"/>
-                  <a:ext cx="221834" cy="217752"/>
-                </a:xfrm>
-                <a:prstGeom prst="roundRect">
-                  <a:avLst>
-                    <a:gd name="adj" fmla="val 18982"/>
-                  </a:avLst>
-                </a:prstGeom>
-                <a:ln>
-                  <a:noFill/>
-                  <a:prstDash val="solid"/>
-                </a:ln>
-              </p:spPr>
-            </p:pic>
-            <p:pic>
-              <p:nvPicPr>
-                <p:cNvPr id="55" name="Picture 55"/>
-                <p:cNvPicPr>
-                  <a:picLocks noChangeAspect="1"/>
-                </p:cNvPicPr>
-                <p:nvPr/>
-              </p:nvPicPr>
-              <p:blipFill>
-                <a:blip r:embed="rId3"/>
-                <a:stretch>
-                  <a:fillRect/>
-                </a:stretch>
-              </p:blipFill>
-              <p:spPr>
-                <a:xfrm>
-                  <a:off x="5527728" y="5456254"/>
-                  <a:ext cx="114227" cy="112125"/>
-                </a:xfrm>
-                <a:prstGeom prst="rect">
-                  <a:avLst/>
-                </a:prstGeom>
-                <a:ln>
-                  <a:noFill/>
-                  <a:prstDash val="solid"/>
-                </a:ln>
-              </p:spPr>
-            </p:pic>
-          </p:grpSp>
-        </p:grpSp>
       </p:grpSp>
       <p:grpSp>
         <p:nvGrpSpPr>
@@ -15118,7 +15230,7 @@
         </p:nvGrpSpPr>
         <p:grpSpPr>
           <a:xfrm>
-            <a:off x="10027778" y="504827"/>
+            <a:off x="9725638" y="451549"/>
             <a:ext cx="1557534" cy="1029268"/>
             <a:chOff x="8913758" y="1975184"/>
             <a:chExt cx="1557534" cy="1029268"/>
@@ -15555,452 +15667,13 @@
       </p:grpSp>
       <p:grpSp>
         <p:nvGrpSpPr>
-          <p:cNvPr id="224" name="组合 223">
-            <a:extLst>
-              <a:ext uri="{FF2B5EF4-FFF2-40B4-BE49-F238E27FC236}">
-                <a16:creationId xmlns:a16="http://schemas.microsoft.com/office/drawing/2014/main" id="{589B5059-EB6E-61BF-A668-615B78095919}"/>
-              </a:ext>
-            </a:extLst>
-          </p:cNvPr>
-          <p:cNvGrpSpPr/>
-          <p:nvPr/>
-        </p:nvGrpSpPr>
-        <p:grpSpPr>
-          <a:xfrm>
-            <a:off x="7971726" y="668107"/>
-            <a:ext cx="1573196" cy="1508796"/>
-            <a:chOff x="7841246" y="659452"/>
-            <a:chExt cx="1573196" cy="1508796"/>
-          </a:xfrm>
-        </p:grpSpPr>
-        <p:sp>
-          <p:nvSpPr>
-            <p:cNvPr id="2" name="AutoShape 2"/>
-            <p:cNvSpPr/>
-            <p:nvPr/>
-          </p:nvSpPr>
-          <p:spPr>
-            <a:xfrm>
-              <a:off x="7841246" y="659452"/>
-              <a:ext cx="1573196" cy="1508796"/>
-            </a:xfrm>
-            <a:prstGeom prst="ellipse">
-              <a:avLst/>
-            </a:prstGeom>
-            <a:solidFill>
-              <a:srgbClr val="DEE0E3">
-                <a:alpha val="100000"/>
-              </a:srgbClr>
-            </a:solidFill>
-            <a:ln w="25400" cap="flat" cmpd="sng">
-              <a:solidFill>
-                <a:srgbClr val="2B2F36">
-                  <a:alpha val="100000"/>
-                </a:srgbClr>
-              </a:solidFill>
-              <a:prstDash val="solid"/>
-              <a:round/>
-            </a:ln>
-          </p:spPr>
-          <p:txBody>
-            <a:bodyPr lIns="63500" tIns="63500" rIns="63500" bIns="63500" rtlCol="0" anchor="ctr">
-              <a:noAutofit/>
-            </a:bodyPr>
-            <a:lstStyle/>
-            <a:p>
-              <a:pPr algn="ctr">
-                <a:defRPr/>
-              </a:pPr>
-              <a:endParaRPr sz="2628"/>
-            </a:p>
-          </p:txBody>
-        </p:sp>
-        <p:grpSp>
-          <p:nvGrpSpPr>
-            <p:cNvPr id="70" name="Group 70"/>
-            <p:cNvGrpSpPr/>
-            <p:nvPr/>
-          </p:nvGrpSpPr>
-          <p:grpSpPr>
-            <a:xfrm>
-              <a:off x="8042431" y="1402196"/>
-              <a:ext cx="448071" cy="517061"/>
-              <a:chOff x="7111538" y="2275652"/>
-              <a:chExt cx="448071" cy="517061"/>
-            </a:xfrm>
-          </p:grpSpPr>
-          <p:pic>
-            <p:nvPicPr>
-              <p:cNvPr id="71" name="Picture 71"/>
-              <p:cNvPicPr>
-                <a:picLocks noChangeAspect="1"/>
-              </p:cNvPicPr>
-              <p:nvPr/>
-            </p:nvPicPr>
-            <p:blipFill>
-              <a:blip r:embed="rId4"/>
-              <a:stretch>
-                <a:fillRect/>
-              </a:stretch>
-            </p:blipFill>
-            <p:spPr>
-              <a:xfrm>
-                <a:off x="7111538" y="2275652"/>
-                <a:ext cx="387387" cy="388599"/>
-              </a:xfrm>
-              <a:prstGeom prst="rect">
-                <a:avLst/>
-              </a:prstGeom>
-              <a:ln>
-                <a:noFill/>
-                <a:prstDash val="solid"/>
-              </a:ln>
-            </p:spPr>
-          </p:pic>
-          <p:grpSp>
-            <p:nvGrpSpPr>
-              <p:cNvPr id="72" name="Group 72"/>
-              <p:cNvGrpSpPr/>
-              <p:nvPr/>
-            </p:nvGrpSpPr>
-            <p:grpSpPr>
-              <a:xfrm>
-                <a:off x="7318672" y="2535790"/>
-                <a:ext cx="240937" cy="256923"/>
-                <a:chOff x="7318672" y="2535790"/>
-                <a:chExt cx="240937" cy="256923"/>
-              </a:xfrm>
-            </p:grpSpPr>
-            <p:pic>
-              <p:nvPicPr>
-                <p:cNvPr id="73" name="Picture 73"/>
-                <p:cNvPicPr>
-                  <a:picLocks noChangeAspect="1"/>
-                </p:cNvPicPr>
-                <p:nvPr/>
-              </p:nvPicPr>
-              <p:blipFill>
-                <a:blip r:embed="rId5"/>
-                <a:stretch>
-                  <a:fillRect/>
-                </a:stretch>
-              </p:blipFill>
-              <p:spPr>
-                <a:xfrm>
-                  <a:off x="7318672" y="2535790"/>
-                  <a:ext cx="221834" cy="217752"/>
-                </a:xfrm>
-                <a:prstGeom prst="roundRect">
-                  <a:avLst>
-                    <a:gd name="adj" fmla="val 18982"/>
-                  </a:avLst>
-                </a:prstGeom>
-                <a:ln>
-                  <a:noFill/>
-                  <a:prstDash val="solid"/>
-                </a:ln>
-              </p:spPr>
-            </p:pic>
-            <p:pic>
-              <p:nvPicPr>
-                <p:cNvPr id="74" name="Picture 74"/>
-                <p:cNvPicPr>
-                  <a:picLocks noChangeAspect="1"/>
-                </p:cNvPicPr>
-                <p:nvPr/>
-              </p:nvPicPr>
-              <p:blipFill>
-                <a:blip r:embed="rId3"/>
-                <a:stretch>
-                  <a:fillRect/>
-                </a:stretch>
-              </p:blipFill>
-              <p:spPr>
-                <a:xfrm>
-                  <a:off x="7445382" y="2680588"/>
-                  <a:ext cx="114227" cy="112125"/>
-                </a:xfrm>
-                <a:prstGeom prst="rect">
-                  <a:avLst/>
-                </a:prstGeom>
-                <a:ln>
-                  <a:noFill/>
-                  <a:prstDash val="solid"/>
-                </a:ln>
-              </p:spPr>
-            </p:pic>
-          </p:grpSp>
-        </p:grpSp>
-        <p:pic>
-          <p:nvPicPr>
-            <p:cNvPr id="77" name="Picture 77"/>
-            <p:cNvPicPr>
-              <a:picLocks noChangeAspect="1"/>
-            </p:cNvPicPr>
-            <p:nvPr/>
-          </p:nvPicPr>
-          <p:blipFill>
-            <a:blip r:embed="rId6"/>
-            <a:stretch>
-              <a:fillRect/>
-            </a:stretch>
-          </p:blipFill>
-          <p:spPr>
-            <a:xfrm>
-              <a:off x="8058309" y="807084"/>
-              <a:ext cx="698500" cy="698500"/>
-            </a:xfrm>
-            <a:prstGeom prst="rect">
-              <a:avLst/>
-            </a:prstGeom>
-            <a:ln>
-              <a:noFill/>
-              <a:prstDash val="solid"/>
-            </a:ln>
-          </p:spPr>
-        </p:pic>
-        <p:grpSp>
-          <p:nvGrpSpPr>
-            <p:cNvPr id="78" name="Group 78"/>
-            <p:cNvGrpSpPr/>
-            <p:nvPr/>
-          </p:nvGrpSpPr>
-          <p:grpSpPr>
-            <a:xfrm>
-              <a:off x="8611954" y="1512612"/>
-              <a:ext cx="448071" cy="517060"/>
-              <a:chOff x="7870564" y="2534183"/>
-              <a:chExt cx="448071" cy="517060"/>
-            </a:xfrm>
-          </p:grpSpPr>
-          <p:pic>
-            <p:nvPicPr>
-              <p:cNvPr id="79" name="Picture 79"/>
-              <p:cNvPicPr>
-                <a:picLocks noChangeAspect="1"/>
-              </p:cNvPicPr>
-              <p:nvPr/>
-            </p:nvPicPr>
-            <p:blipFill>
-              <a:blip r:embed="rId4"/>
-              <a:stretch>
-                <a:fillRect/>
-              </a:stretch>
-            </p:blipFill>
-            <p:spPr>
-              <a:xfrm>
-                <a:off x="7870564" y="2534183"/>
-                <a:ext cx="387387" cy="388599"/>
-              </a:xfrm>
-              <a:prstGeom prst="rect">
-                <a:avLst/>
-              </a:prstGeom>
-              <a:ln>
-                <a:noFill/>
-                <a:prstDash val="solid"/>
-              </a:ln>
-            </p:spPr>
-          </p:pic>
-          <p:grpSp>
-            <p:nvGrpSpPr>
-              <p:cNvPr id="80" name="Group 80"/>
-              <p:cNvGrpSpPr/>
-              <p:nvPr/>
-            </p:nvGrpSpPr>
-            <p:grpSpPr>
-              <a:xfrm>
-                <a:off x="8077698" y="2794320"/>
-                <a:ext cx="240937" cy="256923"/>
-                <a:chOff x="8077698" y="2794320"/>
-                <a:chExt cx="240937" cy="256923"/>
-              </a:xfrm>
-            </p:grpSpPr>
-            <p:pic>
-              <p:nvPicPr>
-                <p:cNvPr id="81" name="Picture 81"/>
-                <p:cNvPicPr>
-                  <a:picLocks noChangeAspect="1"/>
-                </p:cNvPicPr>
-                <p:nvPr/>
-              </p:nvPicPr>
-              <p:blipFill>
-                <a:blip r:embed="rId5"/>
-                <a:stretch>
-                  <a:fillRect/>
-                </a:stretch>
-              </p:blipFill>
-              <p:spPr>
-                <a:xfrm>
-                  <a:off x="8077698" y="2794320"/>
-                  <a:ext cx="221834" cy="217752"/>
-                </a:xfrm>
-                <a:prstGeom prst="roundRect">
-                  <a:avLst>
-                    <a:gd name="adj" fmla="val 18982"/>
-                  </a:avLst>
-                </a:prstGeom>
-                <a:ln>
-                  <a:noFill/>
-                  <a:prstDash val="solid"/>
-                </a:ln>
-              </p:spPr>
-            </p:pic>
-            <p:pic>
-              <p:nvPicPr>
-                <p:cNvPr id="82" name="Picture 82"/>
-                <p:cNvPicPr>
-                  <a:picLocks noChangeAspect="1"/>
-                </p:cNvPicPr>
-                <p:nvPr/>
-              </p:nvPicPr>
-              <p:blipFill>
-                <a:blip r:embed="rId3"/>
-                <a:stretch>
-                  <a:fillRect/>
-                </a:stretch>
-              </p:blipFill>
-              <p:spPr>
-                <a:xfrm>
-                  <a:off x="8204408" y="2939118"/>
-                  <a:ext cx="114227" cy="112125"/>
-                </a:xfrm>
-                <a:prstGeom prst="rect">
-                  <a:avLst/>
-                </a:prstGeom>
-                <a:ln>
-                  <a:noFill/>
-                  <a:prstDash val="solid"/>
-                </a:ln>
-              </p:spPr>
-            </p:pic>
-          </p:grpSp>
-        </p:grpSp>
-        <p:grpSp>
-          <p:nvGrpSpPr>
-            <p:cNvPr id="83" name="Group 83"/>
-            <p:cNvGrpSpPr/>
-            <p:nvPr/>
-          </p:nvGrpSpPr>
-          <p:grpSpPr>
-            <a:xfrm>
-              <a:off x="8835989" y="1061119"/>
-              <a:ext cx="448071" cy="517061"/>
-              <a:chOff x="8094599" y="1977179"/>
-              <a:chExt cx="448071" cy="517061"/>
-            </a:xfrm>
-          </p:grpSpPr>
-          <p:pic>
-            <p:nvPicPr>
-              <p:cNvPr id="84" name="Picture 84"/>
-              <p:cNvPicPr>
-                <a:picLocks noChangeAspect="1"/>
-              </p:cNvPicPr>
-              <p:nvPr/>
-            </p:nvPicPr>
-            <p:blipFill>
-              <a:blip r:embed="rId4"/>
-              <a:stretch>
-                <a:fillRect/>
-              </a:stretch>
-            </p:blipFill>
-            <p:spPr>
-              <a:xfrm>
-                <a:off x="8094599" y="1977179"/>
-                <a:ext cx="387387" cy="388599"/>
-              </a:xfrm>
-              <a:prstGeom prst="rect">
-                <a:avLst/>
-              </a:prstGeom>
-              <a:ln>
-                <a:noFill/>
-                <a:prstDash val="solid"/>
-              </a:ln>
-            </p:spPr>
-          </p:pic>
-          <p:grpSp>
-            <p:nvGrpSpPr>
-              <p:cNvPr id="85" name="Group 85"/>
-              <p:cNvGrpSpPr/>
-              <p:nvPr/>
-            </p:nvGrpSpPr>
-            <p:grpSpPr>
-              <a:xfrm>
-                <a:off x="8301733" y="2237316"/>
-                <a:ext cx="240937" cy="256924"/>
-                <a:chOff x="8301733" y="2237316"/>
-                <a:chExt cx="240937" cy="256924"/>
-              </a:xfrm>
-            </p:grpSpPr>
-            <p:pic>
-              <p:nvPicPr>
-                <p:cNvPr id="86" name="Picture 86"/>
-                <p:cNvPicPr>
-                  <a:picLocks noChangeAspect="1"/>
-                </p:cNvPicPr>
-                <p:nvPr/>
-              </p:nvPicPr>
-              <p:blipFill>
-                <a:blip r:embed="rId5"/>
-                <a:stretch>
-                  <a:fillRect/>
-                </a:stretch>
-              </p:blipFill>
-              <p:spPr>
-                <a:xfrm>
-                  <a:off x="8301733" y="2237316"/>
-                  <a:ext cx="221834" cy="217752"/>
-                </a:xfrm>
-                <a:prstGeom prst="roundRect">
-                  <a:avLst>
-                    <a:gd name="adj" fmla="val 18982"/>
-                  </a:avLst>
-                </a:prstGeom>
-                <a:ln>
-                  <a:noFill/>
-                  <a:prstDash val="solid"/>
-                </a:ln>
-              </p:spPr>
-            </p:pic>
-            <p:pic>
-              <p:nvPicPr>
-                <p:cNvPr id="87" name="Picture 87"/>
-                <p:cNvPicPr>
-                  <a:picLocks noChangeAspect="1"/>
-                </p:cNvPicPr>
-                <p:nvPr/>
-              </p:nvPicPr>
-              <p:blipFill>
-                <a:blip r:embed="rId3"/>
-                <a:stretch>
-                  <a:fillRect/>
-                </a:stretch>
-              </p:blipFill>
-              <p:spPr>
-                <a:xfrm>
-                  <a:off x="8428443" y="2382115"/>
-                  <a:ext cx="114227" cy="112125"/>
-                </a:xfrm>
-                <a:prstGeom prst="rect">
-                  <a:avLst/>
-                </a:prstGeom>
-                <a:ln>
-                  <a:noFill/>
-                  <a:prstDash val="solid"/>
-                </a:ln>
-              </p:spPr>
-            </p:pic>
-          </p:grpSp>
-        </p:grpSp>
-      </p:grpSp>
-      <p:grpSp>
-        <p:nvGrpSpPr>
           <p:cNvPr id="88" name="Group 88"/>
           <p:cNvGrpSpPr/>
           <p:nvPr/>
         </p:nvGrpSpPr>
         <p:grpSpPr>
           <a:xfrm>
-            <a:off x="7837795" y="212086"/>
+            <a:off x="7681462" y="191573"/>
             <a:ext cx="3463972" cy="279400"/>
             <a:chOff x="7741716" y="1157582"/>
             <a:chExt cx="3463972" cy="279400"/>
@@ -16154,63 +15827,6 @@
           </p:sp>
         </p:grpSp>
       </p:grpSp>
-      <p:sp>
-        <p:nvSpPr>
-          <p:cNvPr id="162" name="箭头: 左弧形 161">
-            <a:extLst>
-              <a:ext uri="{FF2B5EF4-FFF2-40B4-BE49-F238E27FC236}">
-                <a16:creationId xmlns:a16="http://schemas.microsoft.com/office/drawing/2014/main" id="{4F79F346-6C1D-DC5A-5A19-7CE1B9B9E57A}"/>
-              </a:ext>
-            </a:extLst>
-          </p:cNvPr>
-          <p:cNvSpPr/>
-          <p:nvPr/>
-        </p:nvSpPr>
-        <p:spPr>
-          <a:xfrm>
-            <a:off x="9337684" y="1044314"/>
-            <a:ext cx="613183" cy="1205177"/>
-          </a:xfrm>
-          <a:prstGeom prst="curvedRightArrow">
-            <a:avLst>
-              <a:gd name="adj1" fmla="val 26234"/>
-              <a:gd name="adj2" fmla="val 72355"/>
-              <a:gd name="adj3" fmla="val 26356"/>
-            </a:avLst>
-          </a:prstGeom>
-        </p:spPr>
-        <p:style>
-          <a:lnRef idx="1">
-            <a:schemeClr val="dk1"/>
-          </a:lnRef>
-          <a:fillRef idx="2">
-            <a:schemeClr val="dk1"/>
-          </a:fillRef>
-          <a:effectRef idx="1">
-            <a:schemeClr val="dk1"/>
-          </a:effectRef>
-          <a:fontRef idx="minor">
-            <a:schemeClr val="dk1"/>
-          </a:fontRef>
-        </p:style>
-        <p:txBody>
-          <a:bodyPr rtlCol="0" anchor="ctr"/>
-          <a:lstStyle/>
-          <a:p>
-            <a:pPr algn="ctr">
-              <a:defRPr/>
-            </a:pPr>
-            <a:endParaRPr lang="en-US" altLang="zh-CN" sz="800" dirty="0">
-              <a:solidFill>
-                <a:srgbClr val="000000"/>
-              </a:solidFill>
-              <a:latin typeface="Arial"/>
-              <a:ea typeface="Arial"/>
-              <a:cs typeface="Arial"/>
-            </a:endParaRPr>
-          </a:p>
-        </p:txBody>
-      </p:sp>
       <p:grpSp>
         <p:nvGrpSpPr>
           <p:cNvPr id="136" name="Group 136"/>
@@ -16219,10 +15835,10 @@
         </p:nvGrpSpPr>
         <p:grpSpPr>
           <a:xfrm>
-            <a:off x="8322226" y="2851288"/>
-            <a:ext cx="4011241" cy="691581"/>
-            <a:chOff x="4695829" y="5705803"/>
-            <a:chExt cx="4011241" cy="691581"/>
+            <a:off x="8147039" y="3244689"/>
+            <a:ext cx="4022456" cy="512406"/>
+            <a:chOff x="4684614" y="5884977"/>
+            <a:chExt cx="4022456" cy="512406"/>
           </a:xfrm>
         </p:grpSpPr>
         <p:sp>
@@ -16233,8 +15849,8 @@
           </p:nvSpPr>
           <p:spPr>
             <a:xfrm>
-              <a:off x="4709637" y="5744970"/>
-              <a:ext cx="3128240" cy="652414"/>
+              <a:off x="4709637" y="5894252"/>
+              <a:ext cx="3128240" cy="503131"/>
             </a:xfrm>
             <a:prstGeom prst="roundRect">
               <a:avLst>
@@ -16271,7 +15887,7 @@
           </p:nvSpPr>
           <p:spPr>
             <a:xfrm>
-              <a:off x="4695829" y="5705803"/>
+              <a:off x="4684614" y="5884977"/>
               <a:ext cx="3170119" cy="290428"/>
             </a:xfrm>
             <a:prstGeom prst="rect">
@@ -16310,160 +15926,6 @@
             </a:p>
           </p:txBody>
         </p:sp>
-        <p:grpSp>
-          <p:nvGrpSpPr>
-            <p:cNvPr id="139" name="Group 139"/>
-            <p:cNvGrpSpPr/>
-            <p:nvPr/>
-          </p:nvGrpSpPr>
-          <p:grpSpPr>
-            <a:xfrm>
-              <a:off x="4698770" y="5935470"/>
-              <a:ext cx="4006460" cy="241300"/>
-              <a:chOff x="4698770" y="5935470"/>
-              <a:chExt cx="4006460" cy="241300"/>
-            </a:xfrm>
-          </p:grpSpPr>
-          <p:sp>
-            <p:nvSpPr>
-              <p:cNvPr id="140" name="AutoShape 140"/>
-              <p:cNvSpPr/>
-              <p:nvPr/>
-            </p:nvSpPr>
-            <p:spPr>
-              <a:xfrm>
-                <a:off x="4698770" y="5935470"/>
-                <a:ext cx="4006460" cy="241300"/>
-              </a:xfrm>
-              <a:prstGeom prst="rect">
-                <a:avLst/>
-              </a:prstGeom>
-              <a:noFill/>
-              <a:ln w="12700">
-                <a:noFill/>
-                <a:prstDash val="solid"/>
-              </a:ln>
-            </p:spPr>
-            <p:txBody>
-              <a:bodyPr lIns="91440" tIns="45720" rIns="91440" bIns="45720" rtlCol="0" anchor="t">
-                <a:noAutofit/>
-              </a:bodyPr>
-              <a:lstStyle/>
-              <a:p>
-                <a:pPr>
-                  <a:defRPr/>
-                </a:pPr>
-                <a:r>
-                  <a:rPr lang="en-US" altLang="zh-CN" sz="1000" dirty="0">
-                    <a:latin typeface="Consolas"/>
-                    <a:ea typeface="Consolas"/>
-                    <a:cs typeface="Consolas"/>
-                    <a:sym typeface="Consolas"/>
-                  </a:rPr>
-                  <a:t>List&lt;</a:t>
-                </a:r>
-                <a:r>
-                  <a:rPr lang="en-US" altLang="zh-CN" sz="1000" b="1" dirty="0">
-                    <a:solidFill>
-                      <a:srgbClr val="517BCE"/>
-                    </a:solidFill>
-                    <a:latin typeface="Consolas"/>
-                    <a:ea typeface="Consolas"/>
-                    <a:cs typeface="Consolas"/>
-                    <a:sym typeface="Consolas"/>
-                  </a:rPr>
-                  <a:t>BaseAction</a:t>
-                </a:r>
-                <a:r>
-                  <a:rPr lang="en-US" altLang="zh-CN" sz="1000" dirty="0">
-                    <a:latin typeface="Consolas"/>
-                    <a:ea typeface="Consolas"/>
-                    <a:cs typeface="Consolas"/>
-                    <a:sym typeface="Consolas"/>
-                  </a:rPr>
-                  <a:t>&gt; </a:t>
-                </a:r>
-                <a:r>
-                  <a:rPr lang="en-US" sz="1000" dirty="0">
-                    <a:latin typeface="Consolas"/>
-                    <a:ea typeface="Consolas"/>
-                    <a:cs typeface="Consolas"/>
-                    <a:sym typeface="Consolas"/>
-                  </a:rPr>
-                  <a:t>GetTask(</a:t>
-                </a:r>
-                <a:r>
-                  <a:rPr lang="en-US" sz="1000" b="1" dirty="0">
-                    <a:solidFill>
-                      <a:srgbClr val="E07B05"/>
-                    </a:solidFill>
-                    <a:latin typeface="Consolas"/>
-                    <a:ea typeface="Consolas"/>
-                    <a:cs typeface="Consolas"/>
-                    <a:sym typeface="Consolas"/>
-                  </a:rPr>
-                  <a:t>BaseEntity  </a:t>
-                </a:r>
-                <a:r>
-                  <a:rPr lang="en-US" sz="1000" dirty="0">
-                    <a:latin typeface="Consolas"/>
-                    <a:ea typeface="Consolas"/>
-                    <a:cs typeface="Consolas"/>
-                    <a:sym typeface="Consolas"/>
-                  </a:rPr>
-                  <a:t>[] </a:t>
-                </a:r>
-                <a:r>
-                  <a:rPr lang="en-US" altLang="zh-CN" sz="1000" dirty="0">
-                    <a:latin typeface="Consolas"/>
-                    <a:ea typeface="Consolas"/>
-                    <a:cs typeface="Consolas"/>
-                    <a:sym typeface="Consolas"/>
-                  </a:rPr>
-                  <a:t>e</a:t>
-                </a:r>
-                <a:r>
-                  <a:rPr lang="en-US" sz="1000" dirty="0">
-                    <a:latin typeface="Consolas"/>
-                    <a:ea typeface="Consolas"/>
-                    <a:cs typeface="Consolas"/>
-                    <a:sym typeface="Consolas"/>
-                  </a:rPr>
-                  <a:t>);</a:t>
-                </a:r>
-                <a:endParaRPr lang="en-US" sz="1100" dirty="0"/>
-              </a:p>
-            </p:txBody>
-          </p:sp>
-          <p:pic>
-            <p:nvPicPr>
-              <p:cNvPr id="141" name="Picture 141"/>
-              <p:cNvPicPr>
-                <a:picLocks noChangeAspect="1"/>
-              </p:cNvPicPr>
-              <p:nvPr/>
-            </p:nvPicPr>
-            <p:blipFill>
-              <a:blip r:embed="rId3"/>
-              <a:stretch>
-                <a:fillRect/>
-              </a:stretch>
-            </p:blipFill>
-            <p:spPr>
-              <a:xfrm>
-                <a:off x="7246159" y="5986270"/>
-                <a:ext cx="139700" cy="145059"/>
-              </a:xfrm>
-              <a:prstGeom prst="rect">
-                <a:avLst/>
-              </a:prstGeom>
-              <a:ln>
-                <a:noFill/>
-                <a:prstDash val="solid"/>
-              </a:ln>
-            </p:spPr>
-          </p:pic>
-        </p:grpSp>
         <p:grpSp>
           <p:nvGrpSpPr>
             <p:cNvPr id="142" name="Group 142"/>
@@ -16651,7 +16113,7 @@
         </p:nvSpPr>
         <p:spPr>
           <a:xfrm>
-            <a:off x="9467044" y="1538551"/>
+            <a:off x="9161423" y="1480402"/>
             <a:ext cx="2343177" cy="261610"/>
           </a:xfrm>
           <a:prstGeom prst="rect">
@@ -16667,7 +16129,7 @@
           <a:p>
             <a:r>
               <a:rPr lang="en-US" altLang="zh-CN" sz="1100" dirty="0"/>
-              <a:t>Scene Analysis &amp; Interaction </a:t>
+              <a:t>Interaction  &amp; Scene Analysis</a:t>
             </a:r>
           </a:p>
         </p:txBody>
@@ -16686,7 +16148,7 @@
         </p:nvSpPr>
         <p:spPr>
           <a:xfrm>
-            <a:off x="11170262" y="2585009"/>
+            <a:off x="9101980" y="2951152"/>
             <a:ext cx="214835" cy="290428"/>
           </a:xfrm>
           <a:prstGeom prst="downArrow">
@@ -16738,8 +16200,8 @@
         </p:nvSpPr>
         <p:spPr>
           <a:xfrm>
-            <a:off x="7783482" y="194733"/>
-            <a:ext cx="4257616" cy="4724442"/>
+            <a:off x="7602798" y="174219"/>
+            <a:ext cx="4487452" cy="5063067"/>
           </a:xfrm>
           <a:prstGeom prst="roundRect">
             <a:avLst>
@@ -16782,10 +16244,10 @@
         </p:nvGrpSpPr>
         <p:grpSpPr>
           <a:xfrm>
-            <a:off x="8972219" y="3910769"/>
-            <a:ext cx="2468789" cy="973427"/>
-            <a:chOff x="8501761" y="3093823"/>
-            <a:chExt cx="2468789" cy="973427"/>
+            <a:off x="8795439" y="4095573"/>
+            <a:ext cx="2426712" cy="973427"/>
+            <a:chOff x="8543838" y="3093823"/>
+            <a:chExt cx="2426712" cy="973427"/>
           </a:xfrm>
         </p:grpSpPr>
         <p:sp>
@@ -16802,8 +16264,8 @@
           </p:nvSpPr>
           <p:spPr>
             <a:xfrm>
-              <a:off x="8501761" y="3093823"/>
-              <a:ext cx="2468789" cy="948285"/>
+              <a:off x="8543838" y="3093823"/>
+              <a:ext cx="2426712" cy="948285"/>
             </a:xfrm>
             <a:prstGeom prst="roundRect">
               <a:avLst>
@@ -17228,7 +16690,7 @@
         </p:nvGrpSpPr>
         <p:grpSpPr>
           <a:xfrm>
-            <a:off x="7820537" y="3880976"/>
+            <a:off x="7656844" y="4038693"/>
             <a:ext cx="1261461" cy="964593"/>
             <a:chOff x="10984860" y="3003295"/>
             <a:chExt cx="1261461" cy="964593"/>
@@ -17523,7 +16985,7 @@
         </p:nvSpPr>
         <p:spPr>
           <a:xfrm>
-            <a:off x="7724469" y="3565964"/>
+            <a:off x="7729285" y="3781864"/>
             <a:ext cx="3677266" cy="261610"/>
           </a:xfrm>
           <a:prstGeom prst="rect">
@@ -17539,7 +17001,7 @@
           <a:p>
             <a:r>
               <a:rPr lang="en-US" altLang="zh-CN" sz="1100" dirty="0"/>
-              <a:t>Output Current </a:t>
+              <a:t>Output </a:t>
             </a:r>
             <a:r>
               <a:rPr lang="en-US" altLang="zh-CN" sz="1100" b="1" dirty="0">
@@ -17588,153 +17050,51 @@
           </a:p>
         </p:txBody>
       </p:sp>
-      <p:grpSp>
-        <p:nvGrpSpPr>
-          <p:cNvPr id="225" name="组合 224">
+      <p:sp>
+        <p:nvSpPr>
+          <p:cNvPr id="271" name="文本框 270">
             <a:extLst>
               <a:ext uri="{FF2B5EF4-FFF2-40B4-BE49-F238E27FC236}">
-                <a16:creationId xmlns:a16="http://schemas.microsoft.com/office/drawing/2014/main" id="{C468E7B3-37F7-94A2-F33A-E4BAE25D276A}"/>
+                <a16:creationId xmlns:a16="http://schemas.microsoft.com/office/drawing/2014/main" id="{B6BE9C2F-B4B6-58CF-80F9-2B819DA02DAC}"/>
               </a:ext>
             </a:extLst>
           </p:cNvPr>
-          <p:cNvGrpSpPr/>
+          <p:cNvSpPr txBox="1"/>
           <p:nvPr/>
-        </p:nvGrpSpPr>
-        <p:grpSpPr>
+        </p:nvSpPr>
+        <p:spPr>
           <a:xfrm>
-            <a:off x="8050209" y="2574267"/>
-            <a:ext cx="2906025" cy="296727"/>
-            <a:chOff x="7048010" y="2464189"/>
-            <a:chExt cx="2906025" cy="296726"/>
+            <a:off x="7707221" y="2875660"/>
+            <a:ext cx="1477613" cy="430887"/>
           </a:xfrm>
-        </p:grpSpPr>
-        <p:sp>
-          <p:nvSpPr>
-            <p:cNvPr id="271" name="文本框 270">
-              <a:extLst>
-                <a:ext uri="{FF2B5EF4-FFF2-40B4-BE49-F238E27FC236}">
-                  <a16:creationId xmlns:a16="http://schemas.microsoft.com/office/drawing/2014/main" id="{B6BE9C2F-B4B6-58CF-80F9-2B819DA02DAC}"/>
-                </a:ext>
-              </a:extLst>
-            </p:cNvPr>
-            <p:cNvSpPr txBox="1"/>
-            <p:nvPr/>
-          </p:nvSpPr>
-          <p:spPr>
-            <a:xfrm>
-              <a:off x="7048010" y="2464189"/>
-              <a:ext cx="2800435" cy="261609"/>
-            </a:xfrm>
-            <a:prstGeom prst="rect">
-              <a:avLst/>
-            </a:prstGeom>
-            <a:noFill/>
-          </p:spPr>
-          <p:txBody>
-            <a:bodyPr wrap="square" rtlCol="0">
-              <a:spAutoFit/>
-            </a:bodyPr>
-            <a:lstStyle/>
-            <a:p>
-              <a:r>
-                <a:rPr lang="en-US" altLang="zh-CN" sz="1100" dirty="0"/>
-                <a:t>Input the Next Interactable Object’s Mono</a:t>
-              </a:r>
-            </a:p>
-          </p:txBody>
-        </p:sp>
-        <p:grpSp>
-          <p:nvGrpSpPr>
-            <p:cNvPr id="322" name="组合 321">
-              <a:extLst>
-                <a:ext uri="{FF2B5EF4-FFF2-40B4-BE49-F238E27FC236}">
-                  <a16:creationId xmlns:a16="http://schemas.microsoft.com/office/drawing/2014/main" id="{4F1348C8-4A12-2FFB-C562-558C27A9AFB0}"/>
-                </a:ext>
-              </a:extLst>
-            </p:cNvPr>
-            <p:cNvGrpSpPr/>
-            <p:nvPr/>
-          </p:nvGrpSpPr>
-          <p:grpSpPr>
-            <a:xfrm>
-              <a:off x="9716551" y="2511320"/>
-              <a:ext cx="237484" cy="249595"/>
-              <a:chOff x="9642144" y="3162713"/>
-              <a:chExt cx="237484" cy="249595"/>
-            </a:xfrm>
-          </p:grpSpPr>
-          <p:pic>
-            <p:nvPicPr>
-              <p:cNvPr id="320" name="Picture 73">
-                <a:extLst>
-                  <a:ext uri="{FF2B5EF4-FFF2-40B4-BE49-F238E27FC236}">
-                    <a16:creationId xmlns:a16="http://schemas.microsoft.com/office/drawing/2014/main" id="{BA25F669-145A-D0EF-F34E-33AB60757B94}"/>
-                  </a:ext>
-                </a:extLst>
-              </p:cNvPr>
-              <p:cNvPicPr>
-                <a:picLocks noChangeAspect="1"/>
-              </p:cNvPicPr>
-              <p:nvPr/>
-            </p:nvPicPr>
-            <p:blipFill>
-              <a:blip r:embed="rId5"/>
-              <a:stretch>
-                <a:fillRect/>
-              </a:stretch>
-            </p:blipFill>
-            <p:spPr>
-              <a:xfrm>
-                <a:off x="9642144" y="3162713"/>
-                <a:ext cx="221834" cy="217752"/>
-              </a:xfrm>
-              <a:prstGeom prst="roundRect">
-                <a:avLst>
-                  <a:gd name="adj" fmla="val 18982"/>
-                </a:avLst>
-              </a:prstGeom>
-              <a:ln>
-                <a:noFill/>
-                <a:prstDash val="solid"/>
-              </a:ln>
-            </p:spPr>
-          </p:pic>
-          <p:pic>
-            <p:nvPicPr>
-              <p:cNvPr id="321" name="Picture 74">
-                <a:extLst>
-                  <a:ext uri="{FF2B5EF4-FFF2-40B4-BE49-F238E27FC236}">
-                    <a16:creationId xmlns:a16="http://schemas.microsoft.com/office/drawing/2014/main" id="{6BC0C0EB-7411-3787-39F4-ACA0827EF494}"/>
-                  </a:ext>
-                </a:extLst>
-              </p:cNvPr>
-              <p:cNvPicPr>
-                <a:picLocks noChangeAspect="1"/>
-              </p:cNvPicPr>
-              <p:nvPr/>
-            </p:nvPicPr>
-            <p:blipFill>
-              <a:blip r:embed="rId3"/>
-              <a:stretch>
-                <a:fillRect/>
-              </a:stretch>
-            </p:blipFill>
-            <p:spPr>
-              <a:xfrm>
-                <a:off x="9765401" y="3300183"/>
-                <a:ext cx="114227" cy="112125"/>
-              </a:xfrm>
-              <a:prstGeom prst="rect">
-                <a:avLst/>
-              </a:prstGeom>
-              <a:ln>
-                <a:noFill/>
-                <a:prstDash val="solid"/>
-              </a:ln>
-            </p:spPr>
-          </p:pic>
-        </p:grpSp>
-      </p:grpSp>
+          <a:prstGeom prst="rect">
+            <a:avLst/>
+          </a:prstGeom>
+          <a:noFill/>
+        </p:spPr>
+        <p:txBody>
+          <a:bodyPr wrap="square" rtlCol="0">
+            <a:spAutoFit/>
+          </a:bodyPr>
+          <a:lstStyle/>
+          <a:p>
+            <a:r>
+              <a:rPr lang="en-US" altLang="zh-CN" sz="1100" dirty="0"/>
+              <a:t>Input the Next</a:t>
+            </a:r>
+          </a:p>
+          <a:p>
+            <a:r>
+              <a:rPr lang="en-US" altLang="zh-CN" sz="1100" dirty="0" err="1"/>
+              <a:t>Interactable’s</a:t>
+            </a:r>
+            <a:r>
+              <a:rPr lang="en-US" altLang="zh-CN" sz="1100" dirty="0"/>
+              <a:t> Mono</a:t>
+            </a:r>
+          </a:p>
+        </p:txBody>
+      </p:sp>
       <p:sp>
         <p:nvSpPr>
           <p:cNvPr id="332" name="箭头: 手杖形 331">
@@ -17749,16 +17109,16 @@
         </p:nvSpPr>
         <p:spPr>
           <a:xfrm rot="16200000" flipV="1">
-            <a:off x="9870141" y="2401839"/>
-            <a:ext cx="3566704" cy="495808"/>
+            <a:off x="9499517" y="2331789"/>
+            <a:ext cx="4084634" cy="611657"/>
           </a:xfrm>
           <a:prstGeom prst="uturnArrow">
             <a:avLst>
-              <a:gd name="adj1" fmla="val 25000"/>
+              <a:gd name="adj1" fmla="val 22202"/>
               <a:gd name="adj2" fmla="val 25000"/>
               <a:gd name="adj3" fmla="val 35578"/>
               <a:gd name="adj4" fmla="val 61599"/>
-              <a:gd name="adj5" fmla="val 91888"/>
+              <a:gd name="adj5" fmla="val 98117"/>
             </a:avLst>
           </a:prstGeom>
         </p:spPr>
@@ -17803,7 +17163,7 @@
         </p:nvSpPr>
         <p:spPr>
           <a:xfrm>
-            <a:off x="11181406" y="3585682"/>
+            <a:off x="10804265" y="3767335"/>
             <a:ext cx="220337" cy="304330"/>
           </a:xfrm>
           <a:prstGeom prst="downArrow">
@@ -17855,8 +17215,8 @@
         </p:nvSpPr>
         <p:spPr>
           <a:xfrm rot="5400000">
-            <a:off x="10592880" y="2474655"/>
-            <a:ext cx="2079331" cy="261610"/>
+            <a:off x="11272616" y="2556044"/>
+            <a:ext cx="1405133" cy="246221"/>
           </a:xfrm>
           <a:prstGeom prst="rect">
             <a:avLst/>
@@ -17870,32 +17230,32 @@
           <a:lstStyle/>
           <a:p>
             <a:r>
-              <a:rPr lang="en-US" altLang="zh-CN" sz="1000" dirty="0"/>
-              <a:t>Execute </a:t>
-            </a:r>
-            <a:r>
               <a:rPr lang="en-US" altLang="zh-CN" sz="1000" b="1" dirty="0">
                 <a:solidFill>
                   <a:srgbClr val="41C6BB"/>
                 </a:solidFill>
-                <a:latin typeface="Consolas" panose="020B0609020204030204" pitchFamily="49" charset="0"/>
+                <a:latin typeface="+mj-lt"/>
               </a:rPr>
               <a:t>Task</a:t>
             </a:r>
             <a:r>
-              <a:rPr lang="en-US" altLang="zh-CN" sz="1000" dirty="0"/>
+              <a:rPr lang="en-US" altLang="zh-CN" sz="1000" dirty="0">
+                <a:solidFill>
+                  <a:srgbClr val="41C6BB"/>
+                </a:solidFill>
+                <a:latin typeface="+mj-lt"/>
+              </a:rPr>
               <a:t> </a:t>
             </a:r>
             <a:r>
-              <a:rPr lang="en-US" altLang="zh-CN" sz="1100" dirty="0">
+              <a:rPr lang="en-US" altLang="zh-CN" sz="1000" dirty="0">
                 <a:solidFill>
-                  <a:srgbClr val="1C2127"/>
+                  <a:schemeClr val="tx1"/>
                 </a:solidFill>
-                <a:latin typeface="-apple-system"/>
+                <a:latin typeface="+mj-lt"/>
               </a:rPr>
-              <a:t>Asynchronously</a:t>
+              <a:t>Execution</a:t>
             </a:r>
-            <a:endParaRPr lang="en-US" altLang="zh-CN" sz="1000" dirty="0"/>
           </a:p>
         </p:txBody>
       </p:sp>
@@ -17913,13 +17273,13 @@
         </p:nvSpPr>
         <p:spPr>
           <a:xfrm rot="10800000">
-            <a:off x="3449936" y="88635"/>
-            <a:ext cx="8719561" cy="4982940"/>
+            <a:off x="3449934" y="88633"/>
+            <a:ext cx="8719561" cy="5300234"/>
           </a:xfrm>
           <a:prstGeom prst="corner">
             <a:avLst>
-              <a:gd name="adj1" fmla="val 64732"/>
-              <a:gd name="adj2" fmla="val 92931"/>
+              <a:gd name="adj1" fmla="val 61093"/>
+              <a:gd name="adj2" fmla="val 87848"/>
             </a:avLst>
           </a:prstGeom>
           <a:noFill/>
@@ -17955,53 +17315,6 @@
           </a:p>
         </p:txBody>
       </p:sp>
-      <p:cxnSp>
-        <p:nvCxnSpPr>
-          <p:cNvPr id="263" name="连接符: 曲线 262">
-            <a:extLst>
-              <a:ext uri="{FF2B5EF4-FFF2-40B4-BE49-F238E27FC236}">
-                <a16:creationId xmlns:a16="http://schemas.microsoft.com/office/drawing/2014/main" id="{C3F61CC9-4C92-00FC-67BA-BDDB529A1481}"/>
-              </a:ext>
-            </a:extLst>
-          </p:cNvPr>
-          <p:cNvCxnSpPr>
-            <a:cxnSpLocks/>
-            <a:stCxn id="215" idx="3"/>
-            <a:endCxn id="137" idx="1"/>
-          </p:cNvCxnSpPr>
-          <p:nvPr/>
-        </p:nvCxnSpPr>
-        <p:spPr>
-          <a:xfrm flipV="1">
-            <a:off x="7225312" y="3216662"/>
-            <a:ext cx="1110721" cy="847395"/>
-          </a:xfrm>
-          <a:prstGeom prst="curvedConnector3">
-            <a:avLst/>
-          </a:prstGeom>
-          <a:ln w="25400">
-            <a:solidFill>
-              <a:schemeClr val="tx1"/>
-            </a:solidFill>
-            <a:headEnd type="triangle" w="lg" len="med"/>
-            <a:tailEnd type="triangle" w="lg" len="med"/>
-          </a:ln>
-        </p:spPr>
-        <p:style>
-          <a:lnRef idx="1">
-            <a:schemeClr val="accent1"/>
-          </a:lnRef>
-          <a:fillRef idx="0">
-            <a:schemeClr val="accent1"/>
-          </a:fillRef>
-          <a:effectRef idx="0">
-            <a:schemeClr val="accent1"/>
-          </a:effectRef>
-          <a:fontRef idx="minor">
-            <a:schemeClr val="tx1"/>
-          </a:fontRef>
-        </p:style>
-      </p:cxnSp>
       <p:grpSp>
         <p:nvGrpSpPr>
           <p:cNvPr id="226" name="组合 225">
@@ -18016,10 +17329,10 @@
         </p:nvGrpSpPr>
         <p:grpSpPr>
           <a:xfrm>
-            <a:off x="3577432" y="1825471"/>
-            <a:ext cx="4051401" cy="1358054"/>
-            <a:chOff x="3390598" y="1821226"/>
-            <a:chExt cx="4051401" cy="1358054"/>
+            <a:off x="3577432" y="-299615"/>
+            <a:ext cx="4051401" cy="3483140"/>
+            <a:chOff x="3390598" y="-303860"/>
+            <a:chExt cx="4051401" cy="3483140"/>
           </a:xfrm>
         </p:grpSpPr>
         <p:grpSp>
@@ -18198,10 +17511,10 @@
           </p:nvGrpSpPr>
           <p:grpSpPr>
             <a:xfrm>
-              <a:off x="3390598" y="1821226"/>
-              <a:ext cx="3722489" cy="1358054"/>
-              <a:chOff x="2735873" y="1864080"/>
-              <a:chExt cx="3722489" cy="1358054"/>
+              <a:off x="3390598" y="-303860"/>
+              <a:ext cx="3722489" cy="3483140"/>
+              <a:chOff x="2735873" y="-261006"/>
+              <a:chExt cx="3722489" cy="3483140"/>
             </a:xfrm>
           </p:grpSpPr>
           <p:grpSp>
@@ -18212,10 +17525,10 @@
             </p:nvGrpSpPr>
             <p:grpSpPr>
               <a:xfrm>
-                <a:off x="5134938" y="2241066"/>
-                <a:ext cx="1318745" cy="808609"/>
-                <a:chOff x="5129760" y="3197891"/>
-                <a:chExt cx="1318745" cy="808609"/>
+                <a:off x="5134938" y="2241065"/>
+                <a:ext cx="1318745" cy="881773"/>
+                <a:chOff x="5129760" y="3197890"/>
+                <a:chExt cx="1318745" cy="881773"/>
               </a:xfrm>
             </p:grpSpPr>
             <p:sp>
@@ -18226,8 +17539,8 @@
               </p:nvSpPr>
               <p:spPr>
                 <a:xfrm>
-                  <a:off x="5129760" y="3197891"/>
-                  <a:ext cx="1231900" cy="791700"/>
+                  <a:off x="5129760" y="3197890"/>
+                  <a:ext cx="1231900" cy="881773"/>
                 </a:xfrm>
                 <a:prstGeom prst="roundRect">
                   <a:avLst>
@@ -18359,10 +17672,19 @@
                     <a:defRPr/>
                   </a:pPr>
                   <a:r>
-                    <a:rPr lang="en-US" sz="700" dirty="0"/>
-                    <a:t>Mono Scripts Implemented Entity Interface</a:t>
+                    <a:rPr lang="en-US" sz="900" dirty="0"/>
+                    <a:t>Scripts Implemented </a:t>
                   </a:r>
-                  <a:endParaRPr lang="en-US" sz="1100" dirty="0"/>
+                </a:p>
+                <a:p>
+                  <a:pPr>
+                    <a:defRPr/>
+                  </a:pPr>
+                  <a:r>
+                    <a:rPr lang="en-US" sz="900" dirty="0"/>
+                    <a:t>Entity Interface</a:t>
+                  </a:r>
+                  <a:endParaRPr lang="en-US" sz="1400" dirty="0"/>
                 </a:p>
               </p:txBody>
             </p:sp>
@@ -18473,14 +17795,14 @@
                   <a:defRPr/>
                 </a:pPr>
                 <a:r>
-                  <a:rPr lang="en-US" sz="1000">
+                  <a:rPr lang="en-US" sz="1000" dirty="0">
                     <a:solidFill>
                       <a:srgbClr val="2B2F36"/>
                     </a:solidFill>
                   </a:rPr>
                   <a:t> Customizing Entity Interface Configuration</a:t>
                 </a:r>
-                <a:endParaRPr lang="en-US" sz="1100"/>
+                <a:endParaRPr lang="en-US" sz="1100" dirty="0"/>
               </a:p>
             </p:txBody>
           </p:sp>
@@ -18492,10 +17814,10 @@
             </p:nvGrpSpPr>
             <p:grpSpPr>
               <a:xfrm>
-                <a:off x="2805451" y="1922466"/>
-                <a:ext cx="1432022" cy="1239823"/>
-                <a:chOff x="2800273" y="2879291"/>
-                <a:chExt cx="1432022" cy="1239823"/>
+                <a:off x="2805451" y="-261006"/>
+                <a:ext cx="1531109" cy="3381212"/>
+                <a:chOff x="2800273" y="695819"/>
+                <a:chExt cx="1531109" cy="3381212"/>
               </a:xfrm>
             </p:grpSpPr>
             <p:grpSp>
@@ -18578,8 +17900,8 @@
                   </p:nvSpPr>
                   <p:spPr>
                     <a:xfrm>
-                      <a:off x="2912541" y="3377764"/>
-                      <a:ext cx="1114207" cy="538652"/>
+                      <a:off x="2952328" y="3385993"/>
+                      <a:ext cx="1114207" cy="649260"/>
                     </a:xfrm>
                     <a:prstGeom prst="roundRect">
                       <a:avLst>
@@ -18624,8 +17946,8 @@
                   </p:blipFill>
                   <p:spPr>
                     <a:xfrm>
-                      <a:off x="3146111" y="3432758"/>
-                      <a:ext cx="324396" cy="306400"/>
+                      <a:off x="3133953" y="3588519"/>
+                      <a:ext cx="370016" cy="349489"/>
                     </a:xfrm>
                     <a:prstGeom prst="roundRect">
                       <a:avLst>
@@ -18654,7 +17976,7 @@
                   </p:blipFill>
                   <p:spPr>
                     <a:xfrm>
-                      <a:off x="3010586" y="2923175"/>
+                      <a:off x="3064178" y="3079332"/>
                       <a:ext cx="282023" cy="266378"/>
                     </a:xfrm>
                     <a:prstGeom prst="rect">
@@ -18674,8 +17996,8 @@
                   </p:nvSpPr>
                   <p:spPr>
                     <a:xfrm>
-                      <a:off x="3034896" y="3700515"/>
-                      <a:ext cx="1155700" cy="215900"/>
+                      <a:off x="3099301" y="3370933"/>
+                      <a:ext cx="860063" cy="239218"/>
                     </a:xfrm>
                     <a:prstGeom prst="rect">
                       <a:avLst/>
@@ -18696,55 +18018,10 @@
                         <a:defRPr/>
                       </a:pPr>
                       <a:r>
-                        <a:rPr lang="en-US" sz="800" dirty="0"/>
-                        <a:t>Core C# Scripts</a:t>
+                        <a:rPr lang="en-US" sz="900" dirty="0"/>
+                        <a:t>Core Scripts</a:t>
                       </a:r>
-                      <a:endParaRPr lang="en-US" sz="1100" dirty="0"/>
-                    </a:p>
-                  </p:txBody>
-                </p:sp>
-                <p:sp>
-                  <p:nvSpPr>
-                    <p:cNvPr id="120" name="AutoShape 120"/>
-                    <p:cNvSpPr/>
-                    <p:nvPr/>
-                  </p:nvSpPr>
-                  <p:spPr>
-                    <a:xfrm>
-                      <a:off x="2891296" y="3171118"/>
-                      <a:ext cx="1038597" cy="215900"/>
-                    </a:xfrm>
-                    <a:prstGeom prst="rect">
-                      <a:avLst/>
-                    </a:prstGeom>
-                    <a:noFill/>
-                    <a:ln w="12700">
-                      <a:noFill/>
-                      <a:prstDash val="solid"/>
-                    </a:ln>
-                  </p:spPr>
-                  <p:txBody>
-                    <a:bodyPr lIns="91440" tIns="45720" rIns="91440" bIns="45720" rtlCol="0" anchor="t">
-                      <a:noAutofit/>
-                    </a:bodyPr>
-                    <a:lstStyle/>
-                    <a:p>
-                      <a:pPr>
-                        <a:defRPr/>
-                      </a:pPr>
-                      <a:r>
-                        <a:rPr lang="en-US" sz="800" dirty="0">
-                          <a:solidFill>
-                            <a:srgbClr val="1F2329"/>
-                          </a:solidFill>
-                          <a:latin typeface="Noto Sans SC"/>
-                          <a:ea typeface="Noto Sans SC"/>
-                          <a:cs typeface="Noto Sans SC"/>
-                          <a:sym typeface="Noto Sans SC"/>
-                        </a:rPr>
-                        <a:t>Plugins/Tools/.dll</a:t>
-                      </a:r>
-                      <a:endParaRPr lang="en-US" sz="1100" dirty="0"/>
+                      <a:endParaRPr lang="en-US" sz="1200" dirty="0"/>
                     </a:p>
                   </p:txBody>
                 </p:sp>
@@ -18764,7 +18041,7 @@
                   </p:blipFill>
                   <p:spPr>
                     <a:xfrm>
-                      <a:off x="3316504" y="2928529"/>
+                      <a:off x="3370096" y="3084686"/>
                       <a:ext cx="282023" cy="266378"/>
                     </a:xfrm>
                     <a:prstGeom prst="rect">
@@ -18792,7 +18069,7 @@
                   </p:blipFill>
                   <p:spPr>
                     <a:xfrm>
-                      <a:off x="3639851" y="2928529"/>
+                      <a:off x="3693443" y="3084686"/>
                       <a:ext cx="282023" cy="266378"/>
                     </a:xfrm>
                     <a:prstGeom prst="rect">
@@ -18821,8 +18098,8 @@
                 </p:blipFill>
                 <p:spPr>
                   <a:xfrm>
-                    <a:off x="3461944" y="3437514"/>
-                    <a:ext cx="324396" cy="306400"/>
+                    <a:off x="3512186" y="3591602"/>
+                    <a:ext cx="371341" cy="350741"/>
                   </a:xfrm>
                   <a:prstGeom prst="roundRect">
                     <a:avLst>
@@ -18844,7 +18121,7 @@
               </p:nvSpPr>
               <p:spPr>
                 <a:xfrm>
-                  <a:off x="3076595" y="3890514"/>
+                  <a:off x="3175682" y="695819"/>
                   <a:ext cx="1155700" cy="228600"/>
                 </a:xfrm>
                 <a:prstGeom prst="rect">
@@ -18872,10 +18149,9 @@
                       </a:solidFill>
                       <a:latin typeface="Noto Sans SC"/>
                       <a:ea typeface="Noto Sans SC"/>
-                      <a:cs typeface="Noto Sans SC"/>
                       <a:sym typeface="Noto Sans SC"/>
                     </a:rPr>
-                    <a:t>Original Code</a:t>
+                    <a:t>All Scripts</a:t>
                   </a:r>
                   <a:endParaRPr lang="en-US" sz="1100" dirty="0"/>
                 </a:p>
@@ -22806,6 +22082,545 @@
           </a:fontRef>
         </p:style>
       </p:cxnSp>
+      <p:sp>
+        <p:nvSpPr>
+          <p:cNvPr id="93" name="文本框 92">
+            <a:extLst>
+              <a:ext uri="{FF2B5EF4-FFF2-40B4-BE49-F238E27FC236}">
+                <a16:creationId xmlns:a16="http://schemas.microsoft.com/office/drawing/2014/main" id="{64E124FC-6EF1-544E-358D-710A6072675E}"/>
+              </a:ext>
+            </a:extLst>
+          </p:cNvPr>
+          <p:cNvSpPr txBox="1"/>
+          <p:nvPr/>
+        </p:nvSpPr>
+        <p:spPr>
+          <a:xfrm>
+            <a:off x="9068089" y="2316196"/>
+            <a:ext cx="1286061" cy="261610"/>
+          </a:xfrm>
+          <a:prstGeom prst="rect">
+            <a:avLst/>
+          </a:prstGeom>
+          <a:noFill/>
+        </p:spPr>
+        <p:txBody>
+          <a:bodyPr wrap="square" rtlCol="0">
+            <a:spAutoFit/>
+          </a:bodyPr>
+          <a:lstStyle/>
+          <a:p>
+            <a:r>
+              <a:rPr lang="en-US" altLang="zh-CN" sz="1100" dirty="0"/>
+              <a:t>Decision Making</a:t>
+            </a:r>
+          </a:p>
+        </p:txBody>
+      </p:sp>
+      <p:sp>
+        <p:nvSpPr>
+          <p:cNvPr id="160" name="AutoShape 119">
+            <a:extLst>
+              <a:ext uri="{FF2B5EF4-FFF2-40B4-BE49-F238E27FC236}">
+                <a16:creationId xmlns:a16="http://schemas.microsoft.com/office/drawing/2014/main" id="{1E3437F8-C384-56FD-1FB4-2E2F2A8D6B68}"/>
+              </a:ext>
+            </a:extLst>
+          </p:cNvPr>
+          <p:cNvSpPr/>
+          <p:nvPr/>
+        </p:nvSpPr>
+        <p:spPr>
+          <a:xfrm>
+            <a:off x="4011705" y="1870096"/>
+            <a:ext cx="860063" cy="239218"/>
+          </a:xfrm>
+          <a:prstGeom prst="rect">
+            <a:avLst/>
+          </a:prstGeom>
+          <a:noFill/>
+          <a:ln w="12700">
+            <a:noFill/>
+            <a:prstDash val="solid"/>
+          </a:ln>
+        </p:spPr>
+        <p:txBody>
+          <a:bodyPr lIns="91440" tIns="45720" rIns="91440" bIns="45720" rtlCol="0" anchor="t">
+            <a:noAutofit/>
+          </a:bodyPr>
+          <a:lstStyle/>
+          <a:p>
+            <a:pPr>
+              <a:defRPr/>
+            </a:pPr>
+            <a:r>
+              <a:rPr lang="en-US" sz="900" dirty="0">
+                <a:solidFill>
+                  <a:schemeClr val="tx1"/>
+                </a:solidFill>
+              </a:rPr>
+              <a:t>All Scripts</a:t>
+            </a:r>
+            <a:endParaRPr lang="en-US" sz="1200" dirty="0">
+              <a:solidFill>
+                <a:schemeClr val="tx1"/>
+              </a:solidFill>
+            </a:endParaRPr>
+          </a:p>
+        </p:txBody>
+      </p:sp>
+      <p:grpSp>
+        <p:nvGrpSpPr>
+          <p:cNvPr id="163" name="Group 45">
+            <a:extLst>
+              <a:ext uri="{FF2B5EF4-FFF2-40B4-BE49-F238E27FC236}">
+                <a16:creationId xmlns:a16="http://schemas.microsoft.com/office/drawing/2014/main" id="{C1A10C7E-7062-58EE-FDB2-BB97F5BF0F80}"/>
+              </a:ext>
+            </a:extLst>
+          </p:cNvPr>
+          <p:cNvGrpSpPr/>
+          <p:nvPr/>
+        </p:nvGrpSpPr>
+        <p:grpSpPr>
+          <a:xfrm>
+            <a:off x="7971685" y="2575403"/>
+            <a:ext cx="1547419" cy="348132"/>
+            <a:chOff x="4384241" y="5275402"/>
+            <a:chExt cx="1601074" cy="348132"/>
+          </a:xfrm>
+        </p:grpSpPr>
+        <p:sp>
+          <p:nvSpPr>
+            <p:cNvPr id="171" name="AutoShape 46">
+              <a:extLst>
+                <a:ext uri="{FF2B5EF4-FFF2-40B4-BE49-F238E27FC236}">
+                  <a16:creationId xmlns:a16="http://schemas.microsoft.com/office/drawing/2014/main" id="{2072AB01-A1F3-928B-BDD0-28CB015AA867}"/>
+                </a:ext>
+              </a:extLst>
+            </p:cNvPr>
+            <p:cNvSpPr/>
+            <p:nvPr/>
+          </p:nvSpPr>
+          <p:spPr>
+            <a:xfrm>
+              <a:off x="4384241" y="5280861"/>
+              <a:ext cx="1601074" cy="342673"/>
+            </a:xfrm>
+            <a:prstGeom prst="roundRect">
+              <a:avLst>
+                <a:gd name="adj" fmla="val 18181"/>
+              </a:avLst>
+            </a:prstGeom>
+            <a:solidFill>
+              <a:srgbClr val="DEE0E3">
+                <a:alpha val="20000"/>
+              </a:srgbClr>
+            </a:solidFill>
+            <a:ln w="25400" cap="flat" cmpd="sng">
+              <a:solidFill>
+                <a:srgbClr val="2B2F36">
+                  <a:alpha val="20000"/>
+                </a:srgbClr>
+              </a:solidFill>
+              <a:prstDash val="solid"/>
+              <a:round/>
+            </a:ln>
+          </p:spPr>
+          <p:txBody>
+            <a:bodyPr lIns="63500" tIns="63500" rIns="63500" bIns="63500" rtlCol="0" anchor="ctr">
+              <a:noAutofit/>
+            </a:bodyPr>
+            <a:lstStyle/>
+            <a:p>
+              <a:pPr algn="ctr">
+                <a:defRPr/>
+              </a:pPr>
+              <a:endParaRPr sz="2628" dirty="0"/>
+            </a:p>
+          </p:txBody>
+        </p:sp>
+        <p:sp>
+          <p:nvSpPr>
+            <p:cNvPr id="175" name="AutoShape 47">
+              <a:extLst>
+                <a:ext uri="{FF2B5EF4-FFF2-40B4-BE49-F238E27FC236}">
+                  <a16:creationId xmlns:a16="http://schemas.microsoft.com/office/drawing/2014/main" id="{6CC3C938-A58E-4DD4-FA3B-E6F78F79F99E}"/>
+                </a:ext>
+              </a:extLst>
+            </p:cNvPr>
+            <p:cNvSpPr/>
+            <p:nvPr/>
+          </p:nvSpPr>
+          <p:spPr>
+            <a:xfrm>
+              <a:off x="4446698" y="5275402"/>
+              <a:ext cx="1528848" cy="327608"/>
+            </a:xfrm>
+            <a:prstGeom prst="rect">
+              <a:avLst/>
+            </a:prstGeom>
+            <a:noFill/>
+            <a:ln w="12700">
+              <a:noFill/>
+              <a:prstDash val="solid"/>
+            </a:ln>
+          </p:spPr>
+          <p:txBody>
+            <a:bodyPr lIns="0" tIns="0" rIns="0" bIns="0" rtlCol="0" anchor="ctr">
+              <a:noAutofit/>
+            </a:bodyPr>
+            <a:lstStyle/>
+            <a:p>
+              <a:pPr algn="ctr">
+                <a:lnSpc>
+                  <a:spcPct val="125000"/>
+                </a:lnSpc>
+                <a:defRPr/>
+              </a:pPr>
+              <a:r>
+                <a:rPr lang="en-US" altLang="zh-CN" sz="1200" b="1" dirty="0">
+                  <a:solidFill>
+                    <a:srgbClr val="1F2329"/>
+                  </a:solidFill>
+                  <a:latin typeface="+mj-lt"/>
+                </a:rPr>
+                <a:t>T</a:t>
+              </a:r>
+              <a:r>
+                <a:rPr lang="en-US" sz="1200" b="1" dirty="0">
+                  <a:solidFill>
+                    <a:srgbClr val="1F2329"/>
+                  </a:solidFill>
+                  <a:latin typeface="+mj-lt"/>
+                </a:rPr>
+                <a:t>ask Execution</a:t>
+              </a:r>
+              <a:endParaRPr lang="en-US" sz="1050" b="1" dirty="0">
+                <a:latin typeface="+mj-lt"/>
+              </a:endParaRPr>
+            </a:p>
+          </p:txBody>
+        </p:sp>
+      </p:grpSp>
+      <p:grpSp>
+        <p:nvGrpSpPr>
+          <p:cNvPr id="216" name="Group 45">
+            <a:extLst>
+              <a:ext uri="{FF2B5EF4-FFF2-40B4-BE49-F238E27FC236}">
+                <a16:creationId xmlns:a16="http://schemas.microsoft.com/office/drawing/2014/main" id="{B96F213F-2F97-8C6F-19F2-859175188E29}"/>
+              </a:ext>
+            </a:extLst>
+          </p:cNvPr>
+          <p:cNvGrpSpPr/>
+          <p:nvPr/>
+        </p:nvGrpSpPr>
+        <p:grpSpPr>
+          <a:xfrm>
+            <a:off x="9637198" y="2524630"/>
+            <a:ext cx="1547419" cy="590913"/>
+            <a:chOff x="4384240" y="5275402"/>
+            <a:chExt cx="1601074" cy="348132"/>
+          </a:xfrm>
+        </p:grpSpPr>
+        <p:sp>
+          <p:nvSpPr>
+            <p:cNvPr id="219" name="AutoShape 46">
+              <a:extLst>
+                <a:ext uri="{FF2B5EF4-FFF2-40B4-BE49-F238E27FC236}">
+                  <a16:creationId xmlns:a16="http://schemas.microsoft.com/office/drawing/2014/main" id="{E6433FEF-80BF-9B65-4279-D2219B450BE1}"/>
+                </a:ext>
+              </a:extLst>
+            </p:cNvPr>
+            <p:cNvSpPr/>
+            <p:nvPr/>
+          </p:nvSpPr>
+          <p:spPr>
+            <a:xfrm>
+              <a:off x="4384240" y="5280861"/>
+              <a:ext cx="1601074" cy="342673"/>
+            </a:xfrm>
+            <a:prstGeom prst="roundRect">
+              <a:avLst>
+                <a:gd name="adj" fmla="val 18181"/>
+              </a:avLst>
+            </a:prstGeom>
+            <a:solidFill>
+              <a:srgbClr val="DEE0E3">
+                <a:alpha val="20000"/>
+              </a:srgbClr>
+            </a:solidFill>
+            <a:ln w="25400" cap="flat" cmpd="sng">
+              <a:solidFill>
+                <a:srgbClr val="2B2F36">
+                  <a:alpha val="20000"/>
+                </a:srgbClr>
+              </a:solidFill>
+              <a:prstDash val="solid"/>
+              <a:round/>
+            </a:ln>
+          </p:spPr>
+          <p:txBody>
+            <a:bodyPr lIns="63500" tIns="63500" rIns="63500" bIns="63500" rtlCol="0" anchor="ctr">
+              <a:noAutofit/>
+            </a:bodyPr>
+            <a:lstStyle/>
+            <a:p>
+              <a:pPr algn="ctr">
+                <a:defRPr/>
+              </a:pPr>
+              <a:endParaRPr sz="2628" dirty="0"/>
+            </a:p>
+          </p:txBody>
+        </p:sp>
+        <p:sp>
+          <p:nvSpPr>
+            <p:cNvPr id="221" name="AutoShape 47">
+              <a:extLst>
+                <a:ext uri="{FF2B5EF4-FFF2-40B4-BE49-F238E27FC236}">
+                  <a16:creationId xmlns:a16="http://schemas.microsoft.com/office/drawing/2014/main" id="{03E90B5C-D517-0E0C-0EEE-A104AB7E4A27}"/>
+                </a:ext>
+              </a:extLst>
+            </p:cNvPr>
+            <p:cNvSpPr/>
+            <p:nvPr/>
+          </p:nvSpPr>
+          <p:spPr>
+            <a:xfrm>
+              <a:off x="4446699" y="5275402"/>
+              <a:ext cx="1528848" cy="327608"/>
+            </a:xfrm>
+            <a:prstGeom prst="rect">
+              <a:avLst/>
+            </a:prstGeom>
+            <a:noFill/>
+            <a:ln w="12700">
+              <a:noFill/>
+              <a:prstDash val="solid"/>
+            </a:ln>
+          </p:spPr>
+          <p:txBody>
+            <a:bodyPr lIns="0" tIns="0" rIns="0" bIns="0" rtlCol="0" anchor="ctr">
+              <a:noAutofit/>
+            </a:bodyPr>
+            <a:lstStyle/>
+            <a:p>
+              <a:pPr algn="ctr">
+                <a:lnSpc>
+                  <a:spcPct val="125000"/>
+                </a:lnSpc>
+                <a:defRPr/>
+              </a:pPr>
+              <a:r>
+                <a:rPr lang="en-US" altLang="zh-CN" sz="1200" b="1" dirty="0">
+                  <a:solidFill>
+                    <a:srgbClr val="1F2329"/>
+                  </a:solidFill>
+                  <a:latin typeface="+mj-lt"/>
+                </a:rPr>
+                <a:t>Autonomous </a:t>
+              </a:r>
+            </a:p>
+            <a:p>
+              <a:pPr algn="ctr">
+                <a:lnSpc>
+                  <a:spcPct val="125000"/>
+                </a:lnSpc>
+                <a:defRPr/>
+              </a:pPr>
+              <a:r>
+                <a:rPr lang="en-US" altLang="zh-CN" sz="1200" b="1" dirty="0">
+                  <a:solidFill>
+                    <a:srgbClr val="1F2329"/>
+                  </a:solidFill>
+                  <a:latin typeface="+mj-lt"/>
+                </a:rPr>
+                <a:t>Event </a:t>
+              </a:r>
+              <a:r>
+                <a:rPr lang="en-US" sz="1200" b="1" dirty="0">
+                  <a:solidFill>
+                    <a:srgbClr val="1F2329"/>
+                  </a:solidFill>
+                  <a:latin typeface="+mj-lt"/>
+                </a:rPr>
+                <a:t>Invocation</a:t>
+              </a:r>
+              <a:endParaRPr lang="en-US" sz="1050" b="1" dirty="0">
+                <a:latin typeface="+mj-lt"/>
+              </a:endParaRPr>
+            </a:p>
+          </p:txBody>
+        </p:sp>
+      </p:grpSp>
+      <p:sp>
+        <p:nvSpPr>
+          <p:cNvPr id="230" name="箭头: 手杖形 229">
+            <a:extLst>
+              <a:ext uri="{FF2B5EF4-FFF2-40B4-BE49-F238E27FC236}">
+                <a16:creationId xmlns:a16="http://schemas.microsoft.com/office/drawing/2014/main" id="{8A0EDCE8-D112-D99A-5E81-84334087B77F}"/>
+              </a:ext>
+            </a:extLst>
+          </p:cNvPr>
+          <p:cNvSpPr/>
+          <p:nvPr/>
+        </p:nvSpPr>
+        <p:spPr>
+          <a:xfrm rot="16200000" flipV="1">
+            <a:off x="10480565" y="1711710"/>
+            <a:ext cx="1860845" cy="452741"/>
+          </a:xfrm>
+          <a:prstGeom prst="uturnArrow">
+            <a:avLst>
+              <a:gd name="adj1" fmla="val 26634"/>
+              <a:gd name="adj2" fmla="val 25000"/>
+              <a:gd name="adj3" fmla="val 27685"/>
+              <a:gd name="adj4" fmla="val 55646"/>
+              <a:gd name="adj5" fmla="val 91888"/>
+            </a:avLst>
+          </a:prstGeom>
+        </p:spPr>
+        <p:style>
+          <a:lnRef idx="1">
+            <a:schemeClr val="dk1"/>
+          </a:lnRef>
+          <a:fillRef idx="2">
+            <a:schemeClr val="dk1"/>
+          </a:fillRef>
+          <a:effectRef idx="1">
+            <a:schemeClr val="dk1"/>
+          </a:effectRef>
+          <a:fontRef idx="minor">
+            <a:schemeClr val="dk1"/>
+          </a:fontRef>
+        </p:style>
+        <p:txBody>
+          <a:bodyPr rtlCol="0" anchor="ctr"/>
+          <a:lstStyle/>
+          <a:p>
+            <a:pPr algn="ctr"/>
+            <a:endParaRPr lang="zh-CN" altLang="en-US" sz="2628">
+              <a:solidFill>
+                <a:schemeClr val="tx1"/>
+              </a:solidFill>
+            </a:endParaRPr>
+          </a:p>
+        </p:txBody>
+      </p:sp>
+      <p:sp>
+        <p:nvSpPr>
+          <p:cNvPr id="231" name="文本框 230">
+            <a:extLst>
+              <a:ext uri="{FF2B5EF4-FFF2-40B4-BE49-F238E27FC236}">
+                <a16:creationId xmlns:a16="http://schemas.microsoft.com/office/drawing/2014/main" id="{587F8653-4C1B-1BF1-65A6-FC1D5DAAA9E7}"/>
+              </a:ext>
+            </a:extLst>
+          </p:cNvPr>
+          <p:cNvSpPr txBox="1"/>
+          <p:nvPr/>
+        </p:nvSpPr>
+        <p:spPr>
+          <a:xfrm rot="5400000">
+            <a:off x="10761156" y="1799833"/>
+            <a:ext cx="1168335" cy="348813"/>
+          </a:xfrm>
+          <a:prstGeom prst="rect">
+            <a:avLst/>
+          </a:prstGeom>
+          <a:noFill/>
+        </p:spPr>
+        <p:txBody>
+          <a:bodyPr wrap="square" rtlCol="0">
+            <a:spAutoFit/>
+          </a:bodyPr>
+          <a:lstStyle/>
+          <a:p>
+            <a:pPr>
+              <a:lnSpc>
+                <a:spcPts val="1000"/>
+              </a:lnSpc>
+            </a:pPr>
+            <a:r>
+              <a:rPr lang="en-US" altLang="zh-CN" sz="1000" dirty="0"/>
+              <a:t>Autonomous Event Invocation</a:t>
+            </a:r>
+          </a:p>
+        </p:txBody>
+      </p:sp>
+      <p:cxnSp>
+        <p:nvCxnSpPr>
+          <p:cNvPr id="253" name="连接符: 曲线 252">
+            <a:extLst>
+              <a:ext uri="{FF2B5EF4-FFF2-40B4-BE49-F238E27FC236}">
+                <a16:creationId xmlns:a16="http://schemas.microsoft.com/office/drawing/2014/main" id="{ABAD173E-DF93-BB0A-8555-4B678B36FE5B}"/>
+              </a:ext>
+            </a:extLst>
+          </p:cNvPr>
+          <p:cNvCxnSpPr>
+            <a:cxnSpLocks/>
+            <a:stCxn id="46" idx="2"/>
+            <a:endCxn id="171" idx="0"/>
+          </p:cNvCxnSpPr>
+          <p:nvPr/>
+        </p:nvCxnSpPr>
+        <p:spPr>
+          <a:xfrm rot="5400000">
+            <a:off x="9150828" y="1689281"/>
+            <a:ext cx="486149" cy="1297013"/>
+          </a:xfrm>
+          <a:prstGeom prst="curvedConnector3">
+            <a:avLst>
+              <a:gd name="adj1" fmla="val 50000"/>
+            </a:avLst>
+          </a:prstGeom>
+          <a:noFill/>
+          <a:ln w="25400" cap="flat" cmpd="sng" algn="ctr">
+            <a:solidFill>
+              <a:sysClr val="windowText" lastClr="000000"/>
+            </a:solidFill>
+            <a:prstDash val="solid"/>
+            <a:miter lim="800000"/>
+            <a:tailEnd type="triangle"/>
+          </a:ln>
+          <a:effectLst/>
+        </p:spPr>
+      </p:cxnSp>
+      <p:cxnSp>
+        <p:nvCxnSpPr>
+          <p:cNvPr id="257" name="连接符: 曲线 256">
+            <a:extLst>
+              <a:ext uri="{FF2B5EF4-FFF2-40B4-BE49-F238E27FC236}">
+                <a16:creationId xmlns:a16="http://schemas.microsoft.com/office/drawing/2014/main" id="{DAB3E9EE-5150-E4D9-76D0-9D7DC57591EE}"/>
+              </a:ext>
+            </a:extLst>
+          </p:cNvPr>
+          <p:cNvCxnSpPr>
+            <a:cxnSpLocks/>
+            <a:stCxn id="46" idx="2"/>
+            <a:endCxn id="219" idx="0"/>
+          </p:cNvCxnSpPr>
+          <p:nvPr/>
+        </p:nvCxnSpPr>
+        <p:spPr>
+          <a:xfrm rot="16200000" flipH="1">
+            <a:off x="10007067" y="2130054"/>
+            <a:ext cx="439183" cy="368500"/>
+          </a:xfrm>
+          <a:prstGeom prst="curvedConnector3">
+            <a:avLst>
+              <a:gd name="adj1" fmla="val 50000"/>
+            </a:avLst>
+          </a:prstGeom>
+          <a:noFill/>
+          <a:ln w="25400" cap="flat" cmpd="sng" algn="ctr">
+            <a:solidFill>
+              <a:sysClr val="windowText" lastClr="000000"/>
+            </a:solidFill>
+            <a:prstDash val="solid"/>
+            <a:miter lim="800000"/>
+            <a:tailEnd type="triangle"/>
+          </a:ln>
+          <a:effectLst/>
+        </p:spPr>
+      </p:cxnSp>
     </p:spTree>
   </p:cSld>
   <p:clrMapOvr>

--- a/Paper Reading/____Writing/Fig_Overview.pptx
+++ b/Paper Reading/____Writing/Fig_Overview.pptx
@@ -342,7 +342,7 @@
           <a:p>
             <a:fld id="{B7268E1E-0E44-426D-905E-8AD9B19D2182}" type="datetimeFigureOut">
               <a:rPr lang="cs-CZ" smtClean="0"/>
-              <a:t>09.05.2025</a:t>
+              <a:t>16.05.2025</a:t>
             </a:fld>
             <a:endParaRPr lang="cs-CZ"/>
           </a:p>
@@ -11358,13 +11358,63 @@
       </p:grpSpPr>
       <p:sp>
         <p:nvSpPr>
+          <p:cNvPr id="51" name="AutoShape 115">
+            <a:extLst>
+              <a:ext uri="{FF2B5EF4-FFF2-40B4-BE49-F238E27FC236}">
+                <a16:creationId xmlns:a16="http://schemas.microsoft.com/office/drawing/2014/main" id="{7FF9B47E-12AC-6C66-2DCB-DE959668AEEA}"/>
+              </a:ext>
+            </a:extLst>
+          </p:cNvPr>
+          <p:cNvSpPr/>
+          <p:nvPr/>
+        </p:nvSpPr>
+        <p:spPr>
+          <a:xfrm>
+            <a:off x="7758018" y="3946642"/>
+            <a:ext cx="4047346" cy="1156130"/>
+          </a:xfrm>
+          <a:prstGeom prst="roundRect">
+            <a:avLst>
+              <a:gd name="adj" fmla="val 9090"/>
+            </a:avLst>
+          </a:prstGeom>
+          <a:solidFill>
+            <a:srgbClr val="DEE0E3">
+              <a:alpha val="20000"/>
+            </a:srgbClr>
+          </a:solidFill>
+          <a:ln w="25400" cap="flat" cmpd="sng">
+            <a:solidFill>
+              <a:srgbClr val="2B2F36">
+                <a:alpha val="20000"/>
+              </a:srgbClr>
+            </a:solidFill>
+            <a:prstDash val="sysDash"/>
+            <a:round/>
+          </a:ln>
+        </p:spPr>
+        <p:txBody>
+          <a:bodyPr lIns="63500" tIns="63500" rIns="63500" bIns="63500" rtlCol="0" anchor="ctr">
+            <a:noAutofit/>
+          </a:bodyPr>
+          <a:lstStyle/>
+          <a:p>
+            <a:pPr algn="ctr">
+              <a:defRPr/>
+            </a:pPr>
+            <a:endParaRPr sz="2628" dirty="0"/>
+          </a:p>
+        </p:txBody>
+      </p:sp>
+      <p:sp>
+        <p:nvSpPr>
           <p:cNvPr id="31" name="AutoShape 31"/>
           <p:cNvSpPr/>
           <p:nvPr/>
         </p:nvSpPr>
         <p:spPr>
           <a:xfrm>
-            <a:off x="3827428" y="82421"/>
+            <a:off x="3878224" y="29631"/>
             <a:ext cx="2734913" cy="435794"/>
           </a:xfrm>
           <a:prstGeom prst="rect">
@@ -11418,10 +11468,10 @@
       </p:sp>
       <p:grpSp>
         <p:nvGrpSpPr>
-          <p:cNvPr id="358" name="组合 357">
+          <p:cNvPr id="247" name="组合 246">
             <a:extLst>
               <a:ext uri="{FF2B5EF4-FFF2-40B4-BE49-F238E27FC236}">
-                <a16:creationId xmlns:a16="http://schemas.microsoft.com/office/drawing/2014/main" id="{5027E0E7-3433-3278-1761-076A647C2D08}"/>
+                <a16:creationId xmlns:a16="http://schemas.microsoft.com/office/drawing/2014/main" id="{469FDF72-A37C-D250-DBF8-BEAD934C5DF5}"/>
               </a:ext>
             </a:extLst>
           </p:cNvPr>
@@ -11430,18 +11480,64 @@
         </p:nvGrpSpPr>
         <p:grpSpPr>
           <a:xfrm>
-            <a:off x="7533863" y="5564891"/>
-            <a:ext cx="4566405" cy="1066066"/>
-            <a:chOff x="7760227" y="6960747"/>
-            <a:chExt cx="4566405" cy="1066066"/>
+            <a:off x="7708776" y="5390420"/>
+            <a:ext cx="4349242" cy="1053279"/>
+            <a:chOff x="7659350" y="5399121"/>
+            <a:chExt cx="4349242" cy="1053279"/>
           </a:xfrm>
         </p:grpSpPr>
+        <p:sp>
+          <p:nvSpPr>
+            <p:cNvPr id="274" name="AutoShape 34">
+              <a:extLst>
+                <a:ext uri="{FF2B5EF4-FFF2-40B4-BE49-F238E27FC236}">
+                  <a16:creationId xmlns:a16="http://schemas.microsoft.com/office/drawing/2014/main" id="{19A3580A-56B3-6C16-5F64-FB18DE9881D8}"/>
+                </a:ext>
+              </a:extLst>
+            </p:cNvPr>
+            <p:cNvSpPr/>
+            <p:nvPr/>
+          </p:nvSpPr>
+          <p:spPr>
+            <a:xfrm>
+              <a:off x="7659350" y="5399121"/>
+              <a:ext cx="4221687" cy="1053279"/>
+            </a:xfrm>
+            <a:prstGeom prst="roundRect">
+              <a:avLst>
+                <a:gd name="adj" fmla="val 0"/>
+              </a:avLst>
+            </a:prstGeom>
+            <a:noFill/>
+            <a:ln w="12700" cap="flat" cmpd="sng">
+              <a:solidFill>
+                <a:srgbClr val="2B2F36">
+                  <a:alpha val="100000"/>
+                </a:srgbClr>
+              </a:solidFill>
+              <a:prstDash val="solid"/>
+              <a:round/>
+            </a:ln>
+          </p:spPr>
+          <p:txBody>
+            <a:bodyPr lIns="63500" tIns="63500" rIns="63500" bIns="63500" rtlCol="0" anchor="ctr">
+              <a:noAutofit/>
+            </a:bodyPr>
+            <a:lstStyle/>
+            <a:p>
+              <a:pPr algn="ctr">
+                <a:defRPr/>
+              </a:pPr>
+              <a:endParaRPr sz="2628" dirty="0"/>
+            </a:p>
+          </p:txBody>
+        </p:sp>
         <p:grpSp>
           <p:nvGrpSpPr>
-            <p:cNvPr id="289" name="组合 288">
+            <p:cNvPr id="245" name="组合 244">
               <a:extLst>
                 <a:ext uri="{FF2B5EF4-FFF2-40B4-BE49-F238E27FC236}">
-                  <a16:creationId xmlns:a16="http://schemas.microsoft.com/office/drawing/2014/main" id="{32DBAB73-B31D-15C6-11AD-44E427786916}"/>
+                  <a16:creationId xmlns:a16="http://schemas.microsoft.com/office/drawing/2014/main" id="{F2F0D3B8-F2DB-19FA-EC9E-17BA861E489A}"/>
                 </a:ext>
               </a:extLst>
             </p:cNvPr>
@@ -11450,64 +11546,323 @@
           </p:nvGrpSpPr>
           <p:grpSpPr>
             <a:xfrm>
-              <a:off x="7760227" y="6960747"/>
-              <a:ext cx="4566405" cy="1066066"/>
-              <a:chOff x="9002856" y="5685088"/>
-              <a:chExt cx="4566405" cy="1066066"/>
+              <a:off x="7838521" y="5479558"/>
+              <a:ext cx="4170071" cy="926961"/>
+              <a:chOff x="7572544" y="5463740"/>
+              <a:chExt cx="4170071" cy="926961"/>
             </a:xfrm>
           </p:grpSpPr>
-          <p:sp>
-            <p:nvSpPr>
-              <p:cNvPr id="274" name="AutoShape 34">
-                <a:extLst>
-                  <a:ext uri="{FF2B5EF4-FFF2-40B4-BE49-F238E27FC236}">
-                    <a16:creationId xmlns:a16="http://schemas.microsoft.com/office/drawing/2014/main" id="{19A3580A-56B3-6C16-5F64-FB18DE9881D8}"/>
-                  </a:ext>
-                </a:extLst>
-              </p:cNvPr>
-              <p:cNvSpPr/>
+          <p:grpSp>
+            <p:nvGrpSpPr>
+              <p:cNvPr id="35" name="Group 35"/>
+              <p:cNvGrpSpPr/>
               <p:nvPr/>
-            </p:nvSpPr>
-            <p:spPr>
+            </p:nvGrpSpPr>
+            <p:grpSpPr>
               <a:xfrm>
-                <a:off x="9002856" y="5685088"/>
-                <a:ext cx="4566405" cy="1066066"/>
+                <a:off x="7572544" y="5463740"/>
+                <a:ext cx="1628387" cy="926961"/>
+                <a:chOff x="9070376" y="6889950"/>
+                <a:chExt cx="1628387" cy="926961"/>
               </a:xfrm>
-              <a:prstGeom prst="roundRect">
-                <a:avLst>
-                  <a:gd name="adj" fmla="val 0"/>
-                </a:avLst>
-              </a:prstGeom>
-              <a:noFill/>
-              <a:ln w="12700" cap="flat" cmpd="sng">
+            </p:grpSpPr>
+            <p:sp>
+              <p:nvSpPr>
+                <p:cNvPr id="37" name="AutoShape 37"/>
+                <p:cNvSpPr/>
+                <p:nvPr/>
+              </p:nvSpPr>
+              <p:spPr>
+                <a:xfrm>
+                  <a:off x="9070376" y="7590832"/>
+                  <a:ext cx="448071" cy="200298"/>
+                </a:xfrm>
+                <a:prstGeom prst="rect">
+                  <a:avLst/>
+                </a:prstGeom>
                 <a:solidFill>
-                  <a:srgbClr val="2B2F36">
+                  <a:srgbClr val="FAD355">
+                    <a:alpha val="70000"/>
+                  </a:srgbClr>
+                </a:solidFill>
+                <a:ln w="12700" cap="flat">
+                  <a:noFill/>
+                  <a:prstDash val="solid"/>
+                </a:ln>
+              </p:spPr>
+              <p:txBody>
+                <a:bodyPr lIns="91440" tIns="45720" rIns="91440" bIns="45720" rtlCol="0" anchor="ctr">
+                  <a:noAutofit/>
+                </a:bodyPr>
+                <a:lstStyle/>
+                <a:p>
+                  <a:pPr algn="ctr">
+                    <a:defRPr/>
+                  </a:pPr>
+                  <a:endParaRPr sz="2628" dirty="0"/>
+                </a:p>
+              </p:txBody>
+            </p:sp>
+            <p:sp>
+              <p:nvSpPr>
+                <p:cNvPr id="38" name="AutoShape 38"/>
+                <p:cNvSpPr/>
+                <p:nvPr/>
+              </p:nvSpPr>
+              <p:spPr>
+                <a:xfrm>
+                  <a:off x="9070376" y="7368468"/>
+                  <a:ext cx="448071" cy="201116"/>
+                </a:xfrm>
+                <a:prstGeom prst="rect">
+                  <a:avLst/>
+                </a:prstGeom>
+                <a:solidFill>
+                  <a:srgbClr val="FFBA6B">
                     <a:alpha val="100000"/>
                   </a:srgbClr>
                 </a:solidFill>
-                <a:prstDash val="solid"/>
-                <a:round/>
-              </a:ln>
-            </p:spPr>
-            <p:txBody>
-              <a:bodyPr lIns="63500" tIns="63500" rIns="63500" bIns="63500" rtlCol="0" anchor="ctr">
-                <a:noAutofit/>
-              </a:bodyPr>
-              <a:lstStyle/>
-              <a:p>
-                <a:pPr algn="ctr">
-                  <a:defRPr/>
-                </a:pPr>
-                <a:endParaRPr sz="2628" dirty="0"/>
-              </a:p>
-            </p:txBody>
-          </p:sp>
+                <a:ln w="12700" cap="flat">
+                  <a:noFill/>
+                  <a:prstDash val="solid"/>
+                </a:ln>
+              </p:spPr>
+              <p:txBody>
+                <a:bodyPr lIns="91440" tIns="45720" rIns="91440" bIns="45720" rtlCol="0" anchor="ctr">
+                  <a:noAutofit/>
+                </a:bodyPr>
+                <a:lstStyle/>
+                <a:p>
+                  <a:pPr algn="ctr">
+                    <a:defRPr/>
+                  </a:pPr>
+                  <a:endParaRPr sz="2628"/>
+                </a:p>
+              </p:txBody>
+            </p:sp>
+            <p:sp>
+              <p:nvSpPr>
+                <p:cNvPr id="39" name="AutoShape 39"/>
+                <p:cNvSpPr/>
+                <p:nvPr/>
+              </p:nvSpPr>
+              <p:spPr>
+                <a:xfrm>
+                  <a:off x="9070376" y="7132609"/>
+                  <a:ext cx="448071" cy="217903"/>
+                </a:xfrm>
+                <a:prstGeom prst="rect">
+                  <a:avLst/>
+                </a:prstGeom>
+                <a:solidFill>
+                  <a:srgbClr val="6A8ED5"/>
+                </a:solidFill>
+                <a:ln w="12700" cap="flat">
+                  <a:noFill/>
+                  <a:prstDash val="solid"/>
+                </a:ln>
+              </p:spPr>
+              <p:txBody>
+                <a:bodyPr lIns="91440" tIns="45720" rIns="91440" bIns="45720" rtlCol="0" anchor="ctr">
+                  <a:noAutofit/>
+                </a:bodyPr>
+                <a:lstStyle/>
+                <a:p>
+                  <a:pPr algn="ctr">
+                    <a:defRPr/>
+                  </a:pPr>
+                  <a:endParaRPr sz="2628" dirty="0"/>
+                </a:p>
+              </p:txBody>
+            </p:sp>
+            <p:sp>
+              <p:nvSpPr>
+                <p:cNvPr id="40" name="AutoShape 40"/>
+                <p:cNvSpPr/>
+                <p:nvPr/>
+              </p:nvSpPr>
+              <p:spPr>
+                <a:xfrm flipV="1">
+                  <a:off x="9070376" y="6892694"/>
+                  <a:ext cx="448071" cy="229140"/>
+                </a:xfrm>
+                <a:prstGeom prst="rect">
+                  <a:avLst/>
+                </a:prstGeom>
+                <a:solidFill>
+                  <a:srgbClr val="64E8D6">
+                    <a:alpha val="100000"/>
+                  </a:srgbClr>
+                </a:solidFill>
+                <a:ln w="12700" cap="flat">
+                  <a:noFill/>
+                  <a:prstDash val="solid"/>
+                </a:ln>
+              </p:spPr>
+              <p:txBody>
+                <a:bodyPr lIns="91440" tIns="45720" rIns="91440" bIns="45720" rtlCol="0" anchor="ctr">
+                  <a:noAutofit/>
+                </a:bodyPr>
+                <a:lstStyle/>
+                <a:p>
+                  <a:pPr algn="ctr">
+                    <a:defRPr/>
+                  </a:pPr>
+                  <a:endParaRPr sz="2628" dirty="0"/>
+                </a:p>
+              </p:txBody>
+            </p:sp>
+            <p:sp>
+              <p:nvSpPr>
+                <p:cNvPr id="41" name="AutoShape 41"/>
+                <p:cNvSpPr/>
+                <p:nvPr/>
+              </p:nvSpPr>
+              <p:spPr>
+                <a:xfrm>
+                  <a:off x="9445235" y="7113818"/>
+                  <a:ext cx="1143000" cy="254000"/>
+                </a:xfrm>
+                <a:prstGeom prst="rect">
+                  <a:avLst/>
+                </a:prstGeom>
+                <a:noFill/>
+                <a:ln w="12700">
+                  <a:noFill/>
+                  <a:prstDash val="solid"/>
+                </a:ln>
+              </p:spPr>
+              <p:txBody>
+                <a:bodyPr lIns="91440" tIns="45720" rIns="91440" bIns="45720" rtlCol="0" anchor="t">
+                  <a:noAutofit/>
+                </a:bodyPr>
+                <a:lstStyle/>
+                <a:p>
+                  <a:pPr>
+                    <a:defRPr/>
+                  </a:pPr>
+                  <a:r>
+                    <a:rPr lang="en-US" sz="1100" dirty="0"/>
+                    <a:t>Action Layer</a:t>
+                  </a:r>
+                </a:p>
+              </p:txBody>
+            </p:sp>
+            <p:sp>
+              <p:nvSpPr>
+                <p:cNvPr id="42" name="AutoShape 42"/>
+                <p:cNvSpPr/>
+                <p:nvPr/>
+              </p:nvSpPr>
+              <p:spPr>
+                <a:xfrm>
+                  <a:off x="9443579" y="7334357"/>
+                  <a:ext cx="1206500" cy="254000"/>
+                </a:xfrm>
+                <a:prstGeom prst="rect">
+                  <a:avLst/>
+                </a:prstGeom>
+                <a:noFill/>
+                <a:ln w="12700">
+                  <a:noFill/>
+                  <a:prstDash val="solid"/>
+                </a:ln>
+              </p:spPr>
+              <p:txBody>
+                <a:bodyPr lIns="91440" tIns="45720" rIns="91440" bIns="45720" rtlCol="0" anchor="t">
+                  <a:noAutofit/>
+                </a:bodyPr>
+                <a:lstStyle/>
+                <a:p>
+                  <a:pPr>
+                    <a:defRPr/>
+                  </a:pPr>
+                  <a:r>
+                    <a:rPr lang="en-US" sz="1100" dirty="0"/>
+                    <a:t>Entity Layer</a:t>
+                  </a:r>
+                </a:p>
+              </p:txBody>
+            </p:sp>
+            <p:sp>
+              <p:nvSpPr>
+                <p:cNvPr id="43" name="AutoShape 43"/>
+                <p:cNvSpPr/>
+                <p:nvPr/>
+              </p:nvSpPr>
+              <p:spPr>
+                <a:xfrm rot="10800000" flipV="1">
+                  <a:off x="9441463" y="7562911"/>
+                  <a:ext cx="1257300" cy="254000"/>
+                </a:xfrm>
+                <a:prstGeom prst="rect">
+                  <a:avLst/>
+                </a:prstGeom>
+                <a:noFill/>
+                <a:ln w="12700">
+                  <a:noFill/>
+                  <a:prstDash val="solid"/>
+                </a:ln>
+              </p:spPr>
+              <p:txBody>
+                <a:bodyPr lIns="91440" tIns="45720" rIns="91440" bIns="45720" rtlCol="0" anchor="t">
+                  <a:noAutofit/>
+                </a:bodyPr>
+                <a:lstStyle/>
+                <a:p>
+                  <a:pPr>
+                    <a:defRPr/>
+                  </a:pPr>
+                  <a:r>
+                    <a:rPr lang="en-US" sz="1100" dirty="0"/>
+                    <a:t>Mono Scripts</a:t>
+                  </a:r>
+                </a:p>
+              </p:txBody>
+            </p:sp>
+            <p:sp>
+              <p:nvSpPr>
+                <p:cNvPr id="44" name="AutoShape 44"/>
+                <p:cNvSpPr/>
+                <p:nvPr/>
+              </p:nvSpPr>
+              <p:spPr>
+                <a:xfrm>
+                  <a:off x="9444098" y="6889950"/>
+                  <a:ext cx="900144" cy="254000"/>
+                </a:xfrm>
+                <a:prstGeom prst="rect">
+                  <a:avLst/>
+                </a:prstGeom>
+                <a:noFill/>
+                <a:ln w="12700">
+                  <a:noFill/>
+                  <a:prstDash val="solid"/>
+                </a:ln>
+              </p:spPr>
+              <p:txBody>
+                <a:bodyPr lIns="91440" tIns="45720" rIns="91440" bIns="45720" rtlCol="0" anchor="t">
+                  <a:noAutofit/>
+                </a:bodyPr>
+                <a:lstStyle/>
+                <a:p>
+                  <a:pPr>
+                    <a:defRPr/>
+                  </a:pPr>
+                  <a:r>
+                    <a:rPr lang="en-US" sz="1100" dirty="0"/>
+                    <a:t>Task Layer</a:t>
+                  </a:r>
+                </a:p>
+              </p:txBody>
+            </p:sp>
+          </p:grpSp>
           <p:grpSp>
             <p:nvGrpSpPr>
-              <p:cNvPr id="287" name="组合 286">
+              <p:cNvPr id="244" name="组合 243">
                 <a:extLst>
                   <a:ext uri="{FF2B5EF4-FFF2-40B4-BE49-F238E27FC236}">
-                    <a16:creationId xmlns:a16="http://schemas.microsoft.com/office/drawing/2014/main" id="{78FBB6ED-0F16-83C3-DD0F-4AD37365EA4C}"/>
+                    <a16:creationId xmlns:a16="http://schemas.microsoft.com/office/drawing/2014/main" id="{86F9A555-86DA-4506-1E96-B8CFDF4FC07B}"/>
                   </a:ext>
                 </a:extLst>
               </p:cNvPr>
@@ -11516,317 +11871,12 @@
             </p:nvGrpSpPr>
             <p:grpSpPr>
               <a:xfrm>
-                <a:off x="9325316" y="5773334"/>
-                <a:ext cx="3735547" cy="926961"/>
-                <a:chOff x="9325316" y="5773334"/>
-                <a:chExt cx="3735547" cy="926961"/>
+                <a:off x="8928918" y="5506047"/>
+                <a:ext cx="2813697" cy="807312"/>
+                <a:chOff x="9132359" y="5554580"/>
+                <a:chExt cx="2813697" cy="807312"/>
               </a:xfrm>
             </p:grpSpPr>
-            <p:grpSp>
-              <p:nvGrpSpPr>
-                <p:cNvPr id="35" name="Group 35"/>
-                <p:cNvGrpSpPr/>
-                <p:nvPr/>
-              </p:nvGrpSpPr>
-              <p:grpSpPr>
-                <a:xfrm>
-                  <a:off x="9325316" y="5773334"/>
-                  <a:ext cx="1628387" cy="926961"/>
-                  <a:chOff x="9070376" y="6889950"/>
-                  <a:chExt cx="1628387" cy="926961"/>
-                </a:xfrm>
-              </p:grpSpPr>
-              <p:sp>
-                <p:nvSpPr>
-                  <p:cNvPr id="37" name="AutoShape 37"/>
-                  <p:cNvSpPr/>
-                  <p:nvPr/>
-                </p:nvSpPr>
-                <p:spPr>
-                  <a:xfrm>
-                    <a:off x="9070376" y="7590832"/>
-                    <a:ext cx="448071" cy="200298"/>
-                  </a:xfrm>
-                  <a:prstGeom prst="rect">
-                    <a:avLst/>
-                  </a:prstGeom>
-                  <a:solidFill>
-                    <a:srgbClr val="FAD355">
-                      <a:alpha val="100000"/>
-                    </a:srgbClr>
-                  </a:solidFill>
-                  <a:ln w="12700" cap="flat">
-                    <a:noFill/>
-                    <a:prstDash val="solid"/>
-                  </a:ln>
-                </p:spPr>
-                <p:txBody>
-                  <a:bodyPr lIns="91440" tIns="45720" rIns="91440" bIns="45720" rtlCol="0" anchor="ctr">
-                    <a:noAutofit/>
-                  </a:bodyPr>
-                  <a:lstStyle/>
-                  <a:p>
-                    <a:pPr algn="ctr">
-                      <a:defRPr/>
-                    </a:pPr>
-                    <a:endParaRPr sz="2628"/>
-                  </a:p>
-                </p:txBody>
-              </p:sp>
-              <p:sp>
-                <p:nvSpPr>
-                  <p:cNvPr id="38" name="AutoShape 38"/>
-                  <p:cNvSpPr/>
-                  <p:nvPr/>
-                </p:nvSpPr>
-                <p:spPr>
-                  <a:xfrm>
-                    <a:off x="9070376" y="7368468"/>
-                    <a:ext cx="448071" cy="201116"/>
-                  </a:xfrm>
-                  <a:prstGeom prst="rect">
-                    <a:avLst/>
-                  </a:prstGeom>
-                  <a:solidFill>
-                    <a:srgbClr val="FFBA6B">
-                      <a:alpha val="100000"/>
-                    </a:srgbClr>
-                  </a:solidFill>
-                  <a:ln w="12700" cap="flat">
-                    <a:noFill/>
-                    <a:prstDash val="solid"/>
-                  </a:ln>
-                </p:spPr>
-                <p:txBody>
-                  <a:bodyPr lIns="91440" tIns="45720" rIns="91440" bIns="45720" rtlCol="0" anchor="ctr">
-                    <a:noAutofit/>
-                  </a:bodyPr>
-                  <a:lstStyle/>
-                  <a:p>
-                    <a:pPr algn="ctr">
-                      <a:defRPr/>
-                    </a:pPr>
-                    <a:endParaRPr sz="2628"/>
-                  </a:p>
-                </p:txBody>
-              </p:sp>
-              <p:sp>
-                <p:nvSpPr>
-                  <p:cNvPr id="39" name="AutoShape 39"/>
-                  <p:cNvSpPr/>
-                  <p:nvPr/>
-                </p:nvSpPr>
-                <p:spPr>
-                  <a:xfrm>
-                    <a:off x="9070376" y="7132609"/>
-                    <a:ext cx="448071" cy="217903"/>
-                  </a:xfrm>
-                  <a:prstGeom prst="rect">
-                    <a:avLst/>
-                  </a:prstGeom>
-                  <a:solidFill>
-                    <a:srgbClr val="6A8ED5"/>
-                  </a:solidFill>
-                  <a:ln w="12700" cap="flat">
-                    <a:noFill/>
-                    <a:prstDash val="solid"/>
-                  </a:ln>
-                </p:spPr>
-                <p:txBody>
-                  <a:bodyPr lIns="91440" tIns="45720" rIns="91440" bIns="45720" rtlCol="0" anchor="ctr">
-                    <a:noAutofit/>
-                  </a:bodyPr>
-                  <a:lstStyle/>
-                  <a:p>
-                    <a:pPr algn="ctr">
-                      <a:defRPr/>
-                    </a:pPr>
-                    <a:endParaRPr sz="2628" dirty="0"/>
-                  </a:p>
-                </p:txBody>
-              </p:sp>
-              <p:sp>
-                <p:nvSpPr>
-                  <p:cNvPr id="40" name="AutoShape 40"/>
-                  <p:cNvSpPr/>
-                  <p:nvPr/>
-                </p:nvSpPr>
-                <p:spPr>
-                  <a:xfrm flipV="1">
-                    <a:off x="9070376" y="6892694"/>
-                    <a:ext cx="448071" cy="229140"/>
-                  </a:xfrm>
-                  <a:prstGeom prst="rect">
-                    <a:avLst/>
-                  </a:prstGeom>
-                  <a:solidFill>
-                    <a:srgbClr val="64E8D6">
-                      <a:alpha val="100000"/>
-                    </a:srgbClr>
-                  </a:solidFill>
-                  <a:ln w="12700" cap="flat">
-                    <a:noFill/>
-                    <a:prstDash val="solid"/>
-                  </a:ln>
-                </p:spPr>
-                <p:txBody>
-                  <a:bodyPr lIns="91440" tIns="45720" rIns="91440" bIns="45720" rtlCol="0" anchor="ctr">
-                    <a:noAutofit/>
-                  </a:bodyPr>
-                  <a:lstStyle/>
-                  <a:p>
-                    <a:pPr algn="ctr">
-                      <a:defRPr/>
-                    </a:pPr>
-                    <a:endParaRPr sz="2628"/>
-                  </a:p>
-                </p:txBody>
-              </p:sp>
-              <p:sp>
-                <p:nvSpPr>
-                  <p:cNvPr id="41" name="AutoShape 41"/>
-                  <p:cNvSpPr/>
-                  <p:nvPr/>
-                </p:nvSpPr>
-                <p:spPr>
-                  <a:xfrm>
-                    <a:off x="9445235" y="7113818"/>
-                    <a:ext cx="1143000" cy="254000"/>
-                  </a:xfrm>
-                  <a:prstGeom prst="rect">
-                    <a:avLst/>
-                  </a:prstGeom>
-                  <a:noFill/>
-                  <a:ln w="12700">
-                    <a:noFill/>
-                    <a:prstDash val="solid"/>
-                  </a:ln>
-                </p:spPr>
-                <p:txBody>
-                  <a:bodyPr lIns="91440" tIns="45720" rIns="91440" bIns="45720" rtlCol="0" anchor="t">
-                    <a:noAutofit/>
-                  </a:bodyPr>
-                  <a:lstStyle/>
-                  <a:p>
-                    <a:pPr>
-                      <a:defRPr/>
-                    </a:pPr>
-                    <a:r>
-                      <a:rPr lang="en-US" sz="1100" dirty="0"/>
-                      <a:t>Action Layer</a:t>
-                    </a:r>
-                  </a:p>
-                </p:txBody>
-              </p:sp>
-              <p:sp>
-                <p:nvSpPr>
-                  <p:cNvPr id="42" name="AutoShape 42"/>
-                  <p:cNvSpPr/>
-                  <p:nvPr/>
-                </p:nvSpPr>
-                <p:spPr>
-                  <a:xfrm>
-                    <a:off x="9443579" y="7334357"/>
-                    <a:ext cx="1206500" cy="254000"/>
-                  </a:xfrm>
-                  <a:prstGeom prst="rect">
-                    <a:avLst/>
-                  </a:prstGeom>
-                  <a:noFill/>
-                  <a:ln w="12700">
-                    <a:noFill/>
-                    <a:prstDash val="solid"/>
-                  </a:ln>
-                </p:spPr>
-                <p:txBody>
-                  <a:bodyPr lIns="91440" tIns="45720" rIns="91440" bIns="45720" rtlCol="0" anchor="t">
-                    <a:noAutofit/>
-                  </a:bodyPr>
-                  <a:lstStyle/>
-                  <a:p>
-                    <a:pPr>
-                      <a:defRPr/>
-                    </a:pPr>
-                    <a:r>
-                      <a:rPr lang="en-US" sz="1100" dirty="0"/>
-                      <a:t>Entity Layer</a:t>
-                    </a:r>
-                  </a:p>
-                </p:txBody>
-              </p:sp>
-              <p:sp>
-                <p:nvSpPr>
-                  <p:cNvPr id="43" name="AutoShape 43"/>
-                  <p:cNvSpPr/>
-                  <p:nvPr/>
-                </p:nvSpPr>
-                <p:spPr>
-                  <a:xfrm rot="10800000" flipV="1">
-                    <a:off x="9441463" y="7562911"/>
-                    <a:ext cx="1257300" cy="254000"/>
-                  </a:xfrm>
-                  <a:prstGeom prst="rect">
-                    <a:avLst/>
-                  </a:prstGeom>
-                  <a:noFill/>
-                  <a:ln w="12700">
-                    <a:noFill/>
-                    <a:prstDash val="solid"/>
-                  </a:ln>
-                </p:spPr>
-                <p:txBody>
-                  <a:bodyPr lIns="91440" tIns="45720" rIns="91440" bIns="45720" rtlCol="0" anchor="t">
-                    <a:noAutofit/>
-                  </a:bodyPr>
-                  <a:lstStyle/>
-                  <a:p>
-                    <a:pPr>
-                      <a:defRPr/>
-                    </a:pPr>
-                    <a:r>
-                      <a:rPr lang="en-US" sz="1100"/>
-                      <a:t>Mono Layer</a:t>
-                    </a:r>
-                  </a:p>
-                </p:txBody>
-              </p:sp>
-              <p:sp>
-                <p:nvSpPr>
-                  <p:cNvPr id="44" name="AutoShape 44"/>
-                  <p:cNvSpPr/>
-                  <p:nvPr/>
-                </p:nvSpPr>
-                <p:spPr>
-                  <a:xfrm>
-                    <a:off x="9444098" y="6889950"/>
-                    <a:ext cx="900144" cy="254000"/>
-                  </a:xfrm>
-                  <a:prstGeom prst="rect">
-                    <a:avLst/>
-                  </a:prstGeom>
-                  <a:noFill/>
-                  <a:ln w="12700">
-                    <a:noFill/>
-                    <a:prstDash val="solid"/>
-                  </a:ln>
-                </p:spPr>
-                <p:txBody>
-                  <a:bodyPr lIns="91440" tIns="45720" rIns="91440" bIns="45720" rtlCol="0" anchor="t">
-                    <a:noAutofit/>
-                  </a:bodyPr>
-                  <a:lstStyle/>
-                  <a:p>
-                    <a:pPr>
-                      <a:defRPr/>
-                    </a:pPr>
-                    <a:r>
-                      <a:rPr lang="en-US" sz="1100" dirty="0"/>
-                      <a:t>Task Layer</a:t>
-                    </a:r>
-                  </a:p>
-                </p:txBody>
-              </p:sp>
-            </p:grpSp>
             <p:grpSp>
               <p:nvGrpSpPr>
                 <p:cNvPr id="284" name="组合 283">
@@ -11841,7 +11891,7 @@
               </p:nvGrpSpPr>
               <p:grpSpPr>
                 <a:xfrm>
-                  <a:off x="10727603" y="5872221"/>
+                  <a:off x="9148808" y="5554580"/>
                   <a:ext cx="2333260" cy="555460"/>
                   <a:chOff x="10759953" y="5814966"/>
                   <a:chExt cx="2333260" cy="555460"/>
@@ -12100,7 +12150,7 @@
               </p:blipFill>
               <p:spPr>
                 <a:xfrm>
-                  <a:off x="10711154" y="6160231"/>
+                  <a:off x="9132359" y="5842590"/>
                   <a:ext cx="241575" cy="241575"/>
                 </a:xfrm>
                 <a:prstGeom prst="rect">
@@ -12126,7 +12176,7 @@
               </p:nvSpPr>
               <p:spPr>
                 <a:xfrm>
-                  <a:off x="10891876" y="6160855"/>
+                  <a:off x="9313081" y="5843214"/>
                   <a:ext cx="1038093" cy="254000"/>
                 </a:xfrm>
                 <a:prstGeom prst="rect">
@@ -12154,48 +12204,203 @@
                 </a:p>
               </p:txBody>
             </p:sp>
+            <p:pic>
+              <p:nvPicPr>
+                <p:cNvPr id="356" name="Picture 122">
+                  <a:extLst>
+                    <a:ext uri="{FF2B5EF4-FFF2-40B4-BE49-F238E27FC236}">
+                      <a16:creationId xmlns:a16="http://schemas.microsoft.com/office/drawing/2014/main" id="{5ACC8A48-B1A3-DAFC-3111-85339A0E8829}"/>
+                    </a:ext>
+                  </a:extLst>
+                </p:cNvPr>
+                <p:cNvPicPr>
+                  <a:picLocks noChangeAspect="1"/>
+                </p:cNvPicPr>
+                <p:nvPr/>
+              </p:nvPicPr>
+              <p:blipFill>
+                <a:blip r:embed="rId7"/>
+                <a:stretch>
+                  <a:fillRect/>
+                </a:stretch>
+              </p:blipFill>
+              <p:spPr>
+                <a:xfrm>
+                  <a:off x="9474603" y="6098909"/>
+                  <a:ext cx="258174" cy="243852"/>
+                </a:xfrm>
+                <a:prstGeom prst="rect">
+                  <a:avLst/>
+                </a:prstGeom>
+                <a:ln>
+                  <a:noFill/>
+                  <a:prstDash val="solid"/>
+                </a:ln>
+              </p:spPr>
+            </p:pic>
+            <p:sp>
+              <p:nvSpPr>
+                <p:cNvPr id="357" name="AutoShape 44">
+                  <a:extLst>
+                    <a:ext uri="{FF2B5EF4-FFF2-40B4-BE49-F238E27FC236}">
+                      <a16:creationId xmlns:a16="http://schemas.microsoft.com/office/drawing/2014/main" id="{36EA9BC7-35E4-945A-D9F7-2D3759647C2E}"/>
+                    </a:ext>
+                  </a:extLst>
+                </p:cNvPr>
+                <p:cNvSpPr/>
+                <p:nvPr/>
+              </p:nvSpPr>
+              <p:spPr>
+                <a:xfrm>
+                  <a:off x="9672299" y="6107892"/>
+                  <a:ext cx="2273757" cy="254000"/>
+                </a:xfrm>
+                <a:prstGeom prst="rect">
+                  <a:avLst/>
+                </a:prstGeom>
+                <a:noFill/>
+                <a:ln w="12700">
+                  <a:noFill/>
+                  <a:prstDash val="solid"/>
+                </a:ln>
+              </p:spPr>
+              <p:txBody>
+                <a:bodyPr lIns="91440" tIns="45720" rIns="91440" bIns="45720" rtlCol="0" anchor="t">
+                  <a:noAutofit/>
+                </a:bodyPr>
+                <a:lstStyle/>
+                <a:p>
+                  <a:pPr>
+                    <a:defRPr/>
+                  </a:pPr>
+                  <a:r>
+                    <a:rPr lang="en-US" sz="1000" dirty="0"/>
+                    <a:t>Third Plugin / Package</a:t>
+                  </a:r>
+                </a:p>
+              </p:txBody>
+            </p:sp>
           </p:grpSp>
         </p:grpSp>
-        <p:pic>
-          <p:nvPicPr>
-            <p:cNvPr id="356" name="Picture 122">
+      </p:grpSp>
+      <p:cxnSp>
+        <p:nvCxnSpPr>
+          <p:cNvPr id="165" name="直接箭头连接符 164">
+            <a:extLst>
+              <a:ext uri="{FF2B5EF4-FFF2-40B4-BE49-F238E27FC236}">
+                <a16:creationId xmlns:a16="http://schemas.microsoft.com/office/drawing/2014/main" id="{62FB0D83-DEF6-C474-7589-291CAD89C488}"/>
+              </a:ext>
+            </a:extLst>
+          </p:cNvPr>
+          <p:cNvCxnSpPr>
+            <a:cxnSpLocks/>
+          </p:cNvCxnSpPr>
+          <p:nvPr/>
+        </p:nvCxnSpPr>
+        <p:spPr>
+          <a:xfrm>
+            <a:off x="1705821" y="1742288"/>
+            <a:ext cx="0" cy="224003"/>
+          </a:xfrm>
+          <a:prstGeom prst="straightConnector1">
+            <a:avLst/>
+          </a:prstGeom>
+          <a:ln w="31750">
+            <a:tailEnd type="triangle"/>
+          </a:ln>
+        </p:spPr>
+        <p:style>
+          <a:lnRef idx="1">
+            <a:schemeClr val="dk1"/>
+          </a:lnRef>
+          <a:fillRef idx="0">
+            <a:schemeClr val="dk1"/>
+          </a:fillRef>
+          <a:effectRef idx="0">
+            <a:schemeClr val="dk1"/>
+          </a:effectRef>
+          <a:fontRef idx="minor">
+            <a:schemeClr val="tx1"/>
+          </a:fontRef>
+        </p:style>
+      </p:cxnSp>
+      <p:sp>
+        <p:nvSpPr>
+          <p:cNvPr id="183" name="矩形 182">
+            <a:extLst>
+              <a:ext uri="{FF2B5EF4-FFF2-40B4-BE49-F238E27FC236}">
+                <a16:creationId xmlns:a16="http://schemas.microsoft.com/office/drawing/2014/main" id="{88D3A9CE-1647-034D-A195-A42346C28474}"/>
+              </a:ext>
+            </a:extLst>
+          </p:cNvPr>
+          <p:cNvSpPr/>
+          <p:nvPr/>
+        </p:nvSpPr>
+        <p:spPr>
+          <a:xfrm>
+            <a:off x="3500730" y="6091893"/>
+            <a:ext cx="3894239" cy="487283"/>
+          </a:xfrm>
+          <a:prstGeom prst="rect">
+            <a:avLst/>
+          </a:prstGeom>
+          <a:noFill/>
+          <a:ln>
+            <a:noFill/>
+          </a:ln>
+          <a:effectLst/>
+        </p:spPr>
+        <p:txBody>
+          <a:bodyPr rtlCol="0" anchor="ctr"/>
+          <a:lstStyle/>
+          <a:p>
+            <a:pPr algn="ctr" defTabSz="914279">
+              <a:buClrTx/>
+              <a:defRPr/>
+            </a:pPr>
+            <a:endParaRPr lang="zh-CN" altLang="en-US" sz="1050" kern="1200" dirty="0">
+              <a:solidFill>
+                <a:schemeClr val="accent4">
+                  <a:lumMod val="20000"/>
+                  <a:lumOff val="80000"/>
+                </a:schemeClr>
+              </a:solidFill>
+              <a:highlight>
+                <a:srgbClr val="FFFF00"/>
+              </a:highlight>
+              <a:latin typeface="+mj-lt"/>
+              <a:ea typeface="微软雅黑"/>
+              <a:cs typeface="+mn-cs"/>
+            </a:endParaRPr>
+          </a:p>
+        </p:txBody>
+      </p:sp>
+      <p:grpSp>
+        <p:nvGrpSpPr>
+          <p:cNvPr id="232" name="组合 231">
+            <a:extLst>
+              <a:ext uri="{FF2B5EF4-FFF2-40B4-BE49-F238E27FC236}">
+                <a16:creationId xmlns:a16="http://schemas.microsoft.com/office/drawing/2014/main" id="{FCEAB8FA-384C-01C6-DA37-22F334FEC854}"/>
+              </a:ext>
+            </a:extLst>
+          </p:cNvPr>
+          <p:cNvGrpSpPr/>
+          <p:nvPr/>
+        </p:nvGrpSpPr>
+        <p:grpSpPr>
+          <a:xfrm>
+            <a:off x="3475006" y="5897128"/>
+            <a:ext cx="3919963" cy="522037"/>
+            <a:chOff x="3477260" y="6097388"/>
+            <a:chExt cx="3919963" cy="522037"/>
+          </a:xfrm>
+        </p:grpSpPr>
+        <p:sp>
+          <p:nvSpPr>
+            <p:cNvPr id="141" name="矩形 140">
               <a:extLst>
                 <a:ext uri="{FF2B5EF4-FFF2-40B4-BE49-F238E27FC236}">
-                  <a16:creationId xmlns:a16="http://schemas.microsoft.com/office/drawing/2014/main" id="{5ACC8A48-B1A3-DAFC-3111-85339A0E8829}"/>
-                </a:ext>
-              </a:extLst>
-            </p:cNvPr>
-            <p:cNvPicPr>
-              <a:picLocks noChangeAspect="1"/>
-            </p:cNvPicPr>
-            <p:nvPr/>
-          </p:nvPicPr>
-          <p:blipFill>
-            <a:blip r:embed="rId7"/>
-            <a:stretch>
-              <a:fillRect/>
-            </a:stretch>
-          </p:blipFill>
-          <p:spPr>
-            <a:xfrm>
-              <a:off x="9456628" y="7707656"/>
-              <a:ext cx="258174" cy="243852"/>
-            </a:xfrm>
-            <a:prstGeom prst="rect">
-              <a:avLst/>
-            </a:prstGeom>
-            <a:ln>
-              <a:noFill/>
-              <a:prstDash val="solid"/>
-            </a:ln>
-          </p:spPr>
-        </p:pic>
-        <p:sp>
-          <p:nvSpPr>
-            <p:cNvPr id="357" name="AutoShape 44">
-              <a:extLst>
-                <a:ext uri="{FF2B5EF4-FFF2-40B4-BE49-F238E27FC236}">
-                  <a16:creationId xmlns:a16="http://schemas.microsoft.com/office/drawing/2014/main" id="{36EA9BC7-35E4-945A-D9F7-2D3759647C2E}"/>
+                  <a16:creationId xmlns:a16="http://schemas.microsoft.com/office/drawing/2014/main" id="{29BDEF6C-D2FC-5CE2-C8EB-3E23FBCD6501}"/>
                 </a:ext>
               </a:extLst>
             </p:cNvPr>
@@ -12204,88 +12409,15 @@
           </p:nvSpPr>
           <p:spPr>
             <a:xfrm>
-              <a:off x="9668766" y="7731564"/>
-              <a:ext cx="2273757" cy="254000"/>
-            </a:xfrm>
-            <a:prstGeom prst="rect">
-              <a:avLst/>
-            </a:prstGeom>
-            <a:noFill/>
-            <a:ln w="12700">
-              <a:noFill/>
-              <a:prstDash val="solid"/>
-            </a:ln>
-          </p:spPr>
-          <p:txBody>
-            <a:bodyPr lIns="91440" tIns="45720" rIns="91440" bIns="45720" rtlCol="0" anchor="t">
-              <a:noAutofit/>
-            </a:bodyPr>
-            <a:lstStyle/>
-            <a:p>
-              <a:pPr>
-                <a:defRPr/>
-              </a:pPr>
-              <a:r>
-                <a:rPr lang="en-US" sz="1000" dirty="0"/>
-                <a:t>Third Plugin / .</a:t>
-              </a:r>
-              <a:r>
-                <a:rPr lang="en-US" sz="1000" dirty="0">
-                  <a:latin typeface="Consolas" panose="020B0609020204030204" pitchFamily="49" charset="0"/>
-                </a:rPr>
-                <a:t>dll</a:t>
-              </a:r>
-              <a:r>
-                <a:rPr lang="en-US" sz="1000" dirty="0"/>
-                <a:t> / Third Assembly </a:t>
-              </a:r>
-            </a:p>
-          </p:txBody>
-        </p:sp>
-      </p:grpSp>
-      <p:grpSp>
-        <p:nvGrpSpPr>
-          <p:cNvPr id="180" name="组合 179">
-            <a:extLst>
-              <a:ext uri="{FF2B5EF4-FFF2-40B4-BE49-F238E27FC236}">
-                <a16:creationId xmlns:a16="http://schemas.microsoft.com/office/drawing/2014/main" id="{BED77AB5-D46D-213E-A28B-4BA27055C854}"/>
-              </a:ext>
-            </a:extLst>
-          </p:cNvPr>
-          <p:cNvGrpSpPr/>
-          <p:nvPr/>
-        </p:nvGrpSpPr>
-        <p:grpSpPr>
-          <a:xfrm>
-            <a:off x="3639222" y="4459946"/>
-            <a:ext cx="3614433" cy="2051161"/>
-            <a:chOff x="4222921" y="3385174"/>
-            <a:chExt cx="3614433" cy="2051161"/>
-          </a:xfrm>
-        </p:grpSpPr>
-        <p:sp>
-          <p:nvSpPr>
-            <p:cNvPr id="181" name="矩形 180">
-              <a:extLst>
-                <a:ext uri="{FF2B5EF4-FFF2-40B4-BE49-F238E27FC236}">
-                  <a16:creationId xmlns:a16="http://schemas.microsoft.com/office/drawing/2014/main" id="{B6CE7424-8DC1-8043-B337-213D2FF10549}"/>
-                </a:ext>
-              </a:extLst>
-            </p:cNvPr>
-            <p:cNvSpPr/>
-            <p:nvPr/>
-          </p:nvSpPr>
-          <p:spPr>
-            <a:xfrm>
-              <a:off x="4222921" y="3385174"/>
-              <a:ext cx="3607896" cy="716632"/>
+              <a:off x="3477260" y="6132142"/>
+              <a:ext cx="3919963" cy="487283"/>
             </a:xfrm>
             <a:prstGeom prst="rect">
               <a:avLst/>
             </a:prstGeom>
             <a:solidFill>
-              <a:srgbClr val="6A8ED5">
-                <a:alpha val="50000"/>
+              <a:srgbClr val="FAD355">
+                <a:alpha val="70000"/>
               </a:srgbClr>
             </a:solidFill>
             <a:ln>
@@ -12314,10 +12446,10 @@
         </p:sp>
         <p:sp>
           <p:nvSpPr>
-            <p:cNvPr id="182" name="矩形 181">
+            <p:cNvPr id="198" name="矩形: 圆角 197">
               <a:extLst>
                 <a:ext uri="{FF2B5EF4-FFF2-40B4-BE49-F238E27FC236}">
-                  <a16:creationId xmlns:a16="http://schemas.microsoft.com/office/drawing/2014/main" id="{7A9B3E56-F89E-5FC2-5704-1D047D5142BC}"/>
+                  <a16:creationId xmlns:a16="http://schemas.microsoft.com/office/drawing/2014/main" id="{7AFABE55-DEE2-D93E-8044-989F95F7C163}"/>
                 </a:ext>
               </a:extLst>
             </p:cNvPr>
@@ -12326,22 +12458,28 @@
           </p:nvSpPr>
           <p:spPr>
             <a:xfrm>
-              <a:off x="4223323" y="4143925"/>
-              <a:ext cx="3607896" cy="768954"/>
+              <a:off x="3690999" y="6316790"/>
+              <a:ext cx="933309" cy="180000"/>
             </a:xfrm>
-            <a:prstGeom prst="rect">
+            <a:prstGeom prst="roundRect">
               <a:avLst/>
             </a:prstGeom>
-            <a:solidFill>
-              <a:srgbClr val="EE822F">
-                <a:alpha val="40000"/>
-              </a:srgbClr>
-            </a:solidFill>
-            <a:ln>
-              <a:noFill/>
-            </a:ln>
-            <a:effectLst/>
+            <a:ln/>
           </p:spPr>
+          <p:style>
+            <a:lnRef idx="1">
+              <a:schemeClr val="accent3"/>
+            </a:lnRef>
+            <a:fillRef idx="3">
+              <a:schemeClr val="accent3"/>
+            </a:fillRef>
+            <a:effectRef idx="2">
+              <a:schemeClr val="accent3"/>
+            </a:effectRef>
+            <a:fontRef idx="minor">
+              <a:schemeClr val="lt1"/>
+            </a:fontRef>
+          </p:style>
           <p:txBody>
             <a:bodyPr rtlCol="0" anchor="ctr"/>
             <a:lstStyle/>
@@ -12350,23 +12488,34 @@
                 <a:buClrTx/>
                 <a:defRPr/>
               </a:pPr>
-              <a:endParaRPr lang="zh-CN" altLang="en-US" sz="1050" kern="1200">
+              <a:r>
+                <a:rPr lang="en-US" altLang="zh-CN" sz="1050" kern="1200" dirty="0">
+                  <a:solidFill>
+                    <a:prstClr val="black"/>
+                  </a:solidFill>
+                  <a:latin typeface="+mj-lt"/>
+                  <a:ea typeface="微软雅黑"/>
+                  <a:cs typeface="Times New Roman" panose="02020603050405020304" pitchFamily="18" charset="0"/>
+                </a:rPr>
+                <a:t>XR Box</a:t>
+              </a:r>
+              <a:endParaRPr lang="zh-CN" altLang="en-US" sz="1050" kern="1200" dirty="0">
                 <a:solidFill>
-                  <a:prstClr val="white"/>
+                  <a:prstClr val="black"/>
                 </a:solidFill>
                 <a:latin typeface="+mj-lt"/>
                 <a:ea typeface="微软雅黑"/>
-                <a:cs typeface="+mn-cs"/>
+                <a:cs typeface="Times New Roman" panose="02020603050405020304" pitchFamily="18" charset="0"/>
               </a:endParaRPr>
             </a:p>
           </p:txBody>
         </p:sp>
         <p:sp>
           <p:nvSpPr>
-            <p:cNvPr id="183" name="矩形 182">
+            <p:cNvPr id="199" name="矩形: 圆角 198">
               <a:extLst>
                 <a:ext uri="{FF2B5EF4-FFF2-40B4-BE49-F238E27FC236}">
-                  <a16:creationId xmlns:a16="http://schemas.microsoft.com/office/drawing/2014/main" id="{88D3A9CE-1647-034D-A195-A42346C28474}"/>
+                  <a16:creationId xmlns:a16="http://schemas.microsoft.com/office/drawing/2014/main" id="{FC835F6A-DDAA-D426-3704-EB4C8EA11EDF}"/>
                 </a:ext>
               </a:extLst>
             </p:cNvPr>
@@ -12375,22 +12524,28 @@
           </p:nvSpPr>
           <p:spPr>
             <a:xfrm>
-              <a:off x="4229458" y="4949052"/>
-              <a:ext cx="3607896" cy="487283"/>
+              <a:off x="4966386" y="6334860"/>
+              <a:ext cx="984317" cy="180000"/>
             </a:xfrm>
-            <a:prstGeom prst="rect">
+            <a:prstGeom prst="roundRect">
               <a:avLst/>
             </a:prstGeom>
-            <a:solidFill>
-              <a:srgbClr val="F2BA02">
-                <a:alpha val="40000"/>
-              </a:srgbClr>
-            </a:solidFill>
-            <a:ln>
-              <a:noFill/>
-            </a:ln>
-            <a:effectLst/>
+            <a:ln/>
           </p:spPr>
+          <p:style>
+            <a:lnRef idx="1">
+              <a:schemeClr val="accent3"/>
+            </a:lnRef>
+            <a:fillRef idx="3">
+              <a:schemeClr val="accent3"/>
+            </a:fillRef>
+            <a:effectRef idx="2">
+              <a:schemeClr val="accent3"/>
+            </a:effectRef>
+            <a:fontRef idx="minor">
+              <a:schemeClr val="lt1"/>
+            </a:fontRef>
+          </p:style>
           <p:txBody>
             <a:bodyPr rtlCol="0" anchor="ctr"/>
             <a:lstStyle/>
@@ -12399,1643 +12554,149 @@
                 <a:buClrTx/>
                 <a:defRPr/>
               </a:pPr>
-              <a:endParaRPr lang="zh-CN" altLang="en-US" sz="1050" kern="1200" dirty="0">
-                <a:solidFill>
-                  <a:prstClr val="white"/>
-                </a:solidFill>
-                <a:latin typeface="+mj-lt"/>
-                <a:ea typeface="微软雅黑"/>
-                <a:cs typeface="+mn-cs"/>
-              </a:endParaRPr>
-            </a:p>
-          </p:txBody>
-        </p:sp>
-        <p:grpSp>
-          <p:nvGrpSpPr>
-            <p:cNvPr id="185" name="组合 184">
-              <a:extLst>
-                <a:ext uri="{FF2B5EF4-FFF2-40B4-BE49-F238E27FC236}">
-                  <a16:creationId xmlns:a16="http://schemas.microsoft.com/office/drawing/2014/main" id="{6C532875-A944-EB3C-6410-ABE6A0F4E7C3}"/>
-                </a:ext>
-              </a:extLst>
-            </p:cNvPr>
-            <p:cNvGrpSpPr/>
-            <p:nvPr/>
-          </p:nvGrpSpPr>
-          <p:grpSpPr>
-            <a:xfrm>
-              <a:off x="4334083" y="3437709"/>
-              <a:ext cx="3464469" cy="1892902"/>
-              <a:chOff x="2260645" y="1617971"/>
-              <a:chExt cx="4989294" cy="2457536"/>
-            </a:xfrm>
-          </p:grpSpPr>
-          <p:sp>
-            <p:nvSpPr>
-              <p:cNvPr id="186" name="矩形: 圆角 185">
-                <a:extLst>
-                  <a:ext uri="{FF2B5EF4-FFF2-40B4-BE49-F238E27FC236}">
-                    <a16:creationId xmlns:a16="http://schemas.microsoft.com/office/drawing/2014/main" id="{952D6875-5D8B-0F88-09CB-FDA86F46E2D6}"/>
-                  </a:ext>
-                </a:extLst>
-              </p:cNvPr>
-              <p:cNvSpPr/>
-              <p:nvPr/>
-            </p:nvSpPr>
-            <p:spPr>
-              <a:xfrm>
-                <a:off x="3923050" y="1617971"/>
-                <a:ext cx="1464403" cy="233692"/>
-              </a:xfrm>
-              <a:prstGeom prst="roundRect">
-                <a:avLst/>
-              </a:prstGeom>
-              <a:gradFill>
-                <a:gsLst>
-                  <a:gs pos="0">
-                    <a:srgbClr val="4874CB">
-                      <a:lumOff val="17500"/>
-                    </a:srgbClr>
-                  </a:gs>
-                  <a:gs pos="100000">
-                    <a:srgbClr val="4874CB"/>
-                  </a:gs>
-                </a:gsLst>
-                <a:lin ang="2700000" scaled="0"/>
-              </a:gradFill>
-              <a:ln w="12700" cap="flat" cmpd="sng" algn="ctr">
-                <a:solidFill>
-                  <a:srgbClr val="4874CB"/>
-                </a:solidFill>
-                <a:prstDash val="solid"/>
-                <a:miter lim="800000"/>
-              </a:ln>
-              <a:effectLst>
-                <a:outerShdw blurRad="101600" dist="50800" dir="5400000" algn="ctr" rotWithShape="0">
-                  <a:srgbClr val="4874CB">
-                    <a:alpha val="60000"/>
-                  </a:srgbClr>
-                </a:outerShdw>
-              </a:effectLst>
-            </p:spPr>
-            <p:txBody>
-              <a:bodyPr rtlCol="0" anchor="ctr"/>
-              <a:lstStyle/>
-              <a:p>
-                <a:pPr algn="ctr" defTabSz="914279">
-                  <a:buClrTx/>
-                  <a:defRPr/>
-                </a:pPr>
-                <a:r>
-                  <a:rPr lang="en-US" altLang="zh-CN" sz="1050" kern="1200" dirty="0">
-                    <a:solidFill>
-                      <a:prstClr val="black"/>
-                    </a:solidFill>
-                    <a:latin typeface="+mj-lt"/>
-                    <a:ea typeface="微软雅黑"/>
-                    <a:cs typeface="Times New Roman" panose="02020603050405020304" pitchFamily="18" charset="0"/>
-                  </a:rPr>
-                  <a:t>Base Action</a:t>
-                </a:r>
-                <a:endParaRPr lang="zh-CN" altLang="en-US" sz="1050" kern="1200" dirty="0">
+              <a:r>
+                <a:rPr lang="en-US" altLang="zh-CN" sz="1050" kern="1200" dirty="0">
                   <a:solidFill>
                     <a:prstClr val="black"/>
                   </a:solidFill>
                   <a:latin typeface="+mj-lt"/>
                   <a:ea typeface="微软雅黑"/>
                   <a:cs typeface="Times New Roman" panose="02020603050405020304" pitchFamily="18" charset="0"/>
-                </a:endParaRPr>
-              </a:p>
-            </p:txBody>
-          </p:sp>
-          <p:sp>
-            <p:nvSpPr>
-              <p:cNvPr id="187" name="矩形: 圆角 186">
-                <a:extLst>
-                  <a:ext uri="{FF2B5EF4-FFF2-40B4-BE49-F238E27FC236}">
-                    <a16:creationId xmlns:a16="http://schemas.microsoft.com/office/drawing/2014/main" id="{DBFA2BFE-E434-5CD7-0ECA-BA17613AA200}"/>
-                  </a:ext>
-                </a:extLst>
-              </p:cNvPr>
-              <p:cNvSpPr/>
-              <p:nvPr/>
-            </p:nvSpPr>
-            <p:spPr>
-              <a:xfrm>
-                <a:off x="2940494" y="2046490"/>
-                <a:ext cx="1464403" cy="233692"/>
-              </a:xfrm>
-              <a:prstGeom prst="roundRect">
-                <a:avLst/>
-              </a:prstGeom>
-              <a:gradFill>
-                <a:gsLst>
-                  <a:gs pos="0">
-                    <a:srgbClr val="4874CB">
-                      <a:lumOff val="17500"/>
-                    </a:srgbClr>
-                  </a:gs>
-                  <a:gs pos="100000">
-                    <a:srgbClr val="4874CB"/>
-                  </a:gs>
-                </a:gsLst>
-                <a:lin ang="2700000" scaled="0"/>
-              </a:gradFill>
-              <a:ln w="12700" cap="flat" cmpd="sng" algn="ctr">
+                </a:rPr>
+                <a:t>XR Joystick</a:t>
+              </a:r>
+              <a:endParaRPr lang="zh-CN" altLang="en-US" sz="1050" kern="1200" dirty="0">
                 <a:solidFill>
-                  <a:srgbClr val="4874CB"/>
+                  <a:prstClr val="black"/>
                 </a:solidFill>
-                <a:prstDash val="solid"/>
-                <a:miter lim="800000"/>
-              </a:ln>
-              <a:effectLst>
-                <a:outerShdw blurRad="101600" dist="50800" dir="5400000" algn="ctr" rotWithShape="0">
-                  <a:srgbClr val="4874CB">
-                    <a:alpha val="60000"/>
-                  </a:srgbClr>
-                </a:outerShdw>
-              </a:effectLst>
-            </p:spPr>
-            <p:txBody>
-              <a:bodyPr rtlCol="0" anchor="ctr"/>
-              <a:lstStyle/>
-              <a:p>
-                <a:pPr algn="ctr" defTabSz="914279">
-                  <a:buClrTx/>
-                  <a:defRPr/>
-                </a:pPr>
-                <a:r>
-                  <a:rPr lang="en-US" altLang="zh-CN" sz="1050" kern="1200" dirty="0">
-                    <a:solidFill>
-                      <a:prstClr val="black"/>
-                    </a:solidFill>
-                    <a:latin typeface="+mj-lt"/>
-                    <a:ea typeface="微软雅黑"/>
-                    <a:cs typeface="Times New Roman" panose="02020603050405020304" pitchFamily="18" charset="0"/>
-                  </a:rPr>
-                  <a:t>Grab Action</a:t>
-                </a:r>
-                <a:endParaRPr lang="zh-CN" altLang="en-US" sz="1050" kern="1200" dirty="0">
+                <a:latin typeface="+mj-lt"/>
+                <a:ea typeface="微软雅黑"/>
+                <a:cs typeface="Times New Roman" panose="02020603050405020304" pitchFamily="18" charset="0"/>
+              </a:endParaRPr>
+            </a:p>
+          </p:txBody>
+        </p:sp>
+        <p:sp>
+          <p:nvSpPr>
+            <p:cNvPr id="200" name="矩形: 圆角 199">
+              <a:extLst>
+                <a:ext uri="{FF2B5EF4-FFF2-40B4-BE49-F238E27FC236}">
+                  <a16:creationId xmlns:a16="http://schemas.microsoft.com/office/drawing/2014/main" id="{DB3E548D-B889-4D48-3E37-707CEBC028B4}"/>
+                </a:ext>
+              </a:extLst>
+            </p:cNvPr>
+            <p:cNvSpPr/>
+            <p:nvPr/>
+          </p:nvSpPr>
+          <p:spPr>
+            <a:xfrm>
+              <a:off x="6204773" y="6342387"/>
+              <a:ext cx="976238" cy="180000"/>
+            </a:xfrm>
+            <a:prstGeom prst="roundRect">
+              <a:avLst/>
+            </a:prstGeom>
+            <a:ln/>
+          </p:spPr>
+          <p:style>
+            <a:lnRef idx="1">
+              <a:schemeClr val="accent3"/>
+            </a:lnRef>
+            <a:fillRef idx="3">
+              <a:schemeClr val="accent3"/>
+            </a:fillRef>
+            <a:effectRef idx="2">
+              <a:schemeClr val="accent3"/>
+            </a:effectRef>
+            <a:fontRef idx="minor">
+              <a:schemeClr val="lt1"/>
+            </a:fontRef>
+          </p:style>
+          <p:txBody>
+            <a:bodyPr rtlCol="0" anchor="ctr"/>
+            <a:lstStyle/>
+            <a:p>
+              <a:pPr algn="ctr" defTabSz="914279">
+                <a:buClrTx/>
+                <a:defRPr/>
+              </a:pPr>
+              <a:r>
+                <a:rPr lang="en-US" altLang="zh-CN" sz="1050" kern="1200" dirty="0">
                   <a:solidFill>
                     <a:prstClr val="black"/>
                   </a:solidFill>
                   <a:latin typeface="+mj-lt"/>
                   <a:ea typeface="微软雅黑"/>
                   <a:cs typeface="Times New Roman" panose="02020603050405020304" pitchFamily="18" charset="0"/>
-                </a:endParaRPr>
-              </a:p>
-            </p:txBody>
-          </p:sp>
-          <p:sp>
-            <p:nvSpPr>
-              <p:cNvPr id="188" name="矩形: 圆角 187">
-                <a:extLst>
-                  <a:ext uri="{FF2B5EF4-FFF2-40B4-BE49-F238E27FC236}">
-                    <a16:creationId xmlns:a16="http://schemas.microsoft.com/office/drawing/2014/main" id="{6699670C-5A30-90E7-AD92-F463FA240989}"/>
-                  </a:ext>
-                </a:extLst>
-              </p:cNvPr>
-              <p:cNvSpPr/>
-              <p:nvPr/>
-            </p:nvSpPr>
-            <p:spPr>
-              <a:xfrm>
-                <a:off x="4879388" y="2048018"/>
-                <a:ext cx="1663372" cy="233692"/>
-              </a:xfrm>
-              <a:prstGeom prst="roundRect">
-                <a:avLst/>
-              </a:prstGeom>
-              <a:gradFill>
-                <a:gsLst>
-                  <a:gs pos="0">
-                    <a:srgbClr val="4874CB">
-                      <a:lumOff val="17500"/>
-                    </a:srgbClr>
-                  </a:gs>
-                  <a:gs pos="100000">
-                    <a:srgbClr val="4874CB"/>
-                  </a:gs>
-                </a:gsLst>
-                <a:lin ang="2700000" scaled="0"/>
-              </a:gradFill>
-              <a:ln w="12700" cap="flat" cmpd="sng" algn="ctr">
+                </a:rPr>
+                <a:t>XR Button</a:t>
+              </a:r>
+              <a:endParaRPr lang="zh-CN" altLang="en-US" sz="1050" kern="1200" dirty="0">
                 <a:solidFill>
-                  <a:srgbClr val="4874CB"/>
+                  <a:prstClr val="black"/>
                 </a:solidFill>
-                <a:prstDash val="solid"/>
-                <a:miter lim="800000"/>
-              </a:ln>
-              <a:effectLst>
-                <a:outerShdw blurRad="101600" dist="50800" dir="5400000" algn="ctr" rotWithShape="0">
-                  <a:srgbClr val="4874CB">
-                    <a:alpha val="60000"/>
-                  </a:srgbClr>
-                </a:outerShdw>
-              </a:effectLst>
-            </p:spPr>
-            <p:txBody>
-              <a:bodyPr rtlCol="0" anchor="ctr"/>
-              <a:lstStyle/>
-              <a:p>
-                <a:pPr algn="ctr" defTabSz="914279">
-                  <a:buClrTx/>
-                  <a:defRPr/>
-                </a:pPr>
-                <a:r>
-                  <a:rPr lang="en-US" altLang="zh-CN" sz="1050" kern="1200" dirty="0">
-                    <a:solidFill>
-                      <a:prstClr val="black"/>
-                    </a:solidFill>
-                    <a:latin typeface="+mj-lt"/>
-                    <a:ea typeface="微软雅黑"/>
-                    <a:cs typeface="Times New Roman" panose="02020603050405020304" pitchFamily="18" charset="0"/>
-                  </a:rPr>
-                  <a:t>Trigger Action</a:t>
-                </a:r>
-                <a:endParaRPr lang="zh-CN" altLang="en-US" sz="1050" kern="1200" dirty="0">
+                <a:latin typeface="+mj-lt"/>
+                <a:ea typeface="微软雅黑"/>
+                <a:cs typeface="Times New Roman" panose="02020603050405020304" pitchFamily="18" charset="0"/>
+              </a:endParaRPr>
+            </a:p>
+          </p:txBody>
+        </p:sp>
+        <p:sp>
+          <p:nvSpPr>
+            <p:cNvPr id="204" name="文本框 203">
+              <a:extLst>
+                <a:ext uri="{FF2B5EF4-FFF2-40B4-BE49-F238E27FC236}">
+                  <a16:creationId xmlns:a16="http://schemas.microsoft.com/office/drawing/2014/main" id="{8E942CA2-68BB-A4D2-F69A-81D10326AF21}"/>
+                </a:ext>
+              </a:extLst>
+            </p:cNvPr>
+            <p:cNvSpPr txBox="1"/>
+            <p:nvPr/>
+          </p:nvSpPr>
+          <p:spPr>
+            <a:xfrm>
+              <a:off x="4711232" y="6097388"/>
+              <a:ext cx="955608" cy="253916"/>
+            </a:xfrm>
+            <a:prstGeom prst="rect">
+              <a:avLst/>
+            </a:prstGeom>
+            <a:noFill/>
+          </p:spPr>
+          <p:txBody>
+            <a:bodyPr wrap="square" rtlCol="0">
+              <a:spAutoFit/>
+            </a:bodyPr>
+            <a:lstStyle/>
+            <a:p>
+              <a:pPr defTabSz="914279">
+                <a:buClrTx/>
+                <a:defRPr/>
+              </a:pPr>
+              <a:r>
+                <a:rPr lang="en-US" altLang="zh-CN" sz="1050" kern="1200" dirty="0">
                   <a:solidFill>
                     <a:prstClr val="black"/>
                   </a:solidFill>
                   <a:latin typeface="+mj-lt"/>
                   <a:ea typeface="微软雅黑"/>
                   <a:cs typeface="Times New Roman" panose="02020603050405020304" pitchFamily="18" charset="0"/>
-                </a:endParaRPr>
-              </a:p>
-            </p:txBody>
-          </p:sp>
-          <p:sp>
-            <p:nvSpPr>
-              <p:cNvPr id="189" name="文本框 188">
-                <a:extLst>
-                  <a:ext uri="{FF2B5EF4-FFF2-40B4-BE49-F238E27FC236}">
-                    <a16:creationId xmlns:a16="http://schemas.microsoft.com/office/drawing/2014/main" id="{3BB0CF74-328E-E94D-EB10-8498CCA95E90}"/>
-                  </a:ext>
-                </a:extLst>
-              </p:cNvPr>
-              <p:cNvSpPr txBox="1"/>
-              <p:nvPr/>
-            </p:nvSpPr>
-            <p:spPr>
-              <a:xfrm>
-                <a:off x="4227896" y="1781397"/>
-                <a:ext cx="825867" cy="329657"/>
-              </a:xfrm>
-              <a:prstGeom prst="rect">
-                <a:avLst/>
-              </a:prstGeom>
-              <a:noFill/>
-            </p:spPr>
-            <p:txBody>
-              <a:bodyPr wrap="square" rtlCol="0">
-                <a:spAutoFit/>
-              </a:bodyPr>
-              <a:lstStyle/>
-              <a:p>
-                <a:pPr defTabSz="914279">
-                  <a:buClrTx/>
-                  <a:defRPr/>
-                </a:pPr>
-                <a:r>
-                  <a:rPr lang="en-US" altLang="zh-CN" sz="1050" kern="1200" dirty="0">
-                    <a:solidFill>
-                      <a:prstClr val="black"/>
-                    </a:solidFill>
-                    <a:latin typeface="+mj-lt"/>
-                    <a:ea typeface="微软雅黑"/>
-                    <a:cs typeface="Times New Roman" panose="02020603050405020304" pitchFamily="18" charset="0"/>
-                  </a:rPr>
-                  <a:t>Inherit</a:t>
-                </a:r>
-                <a:endParaRPr lang="zh-CN" altLang="en-US" sz="1050" kern="1200" dirty="0">
-                  <a:solidFill>
-                    <a:prstClr val="black"/>
-                  </a:solidFill>
-                  <a:latin typeface="+mj-lt"/>
-                  <a:ea typeface="微软雅黑"/>
-                  <a:cs typeface="Times New Roman" panose="02020603050405020304" pitchFamily="18" charset="0"/>
-                </a:endParaRPr>
-              </a:p>
-            </p:txBody>
-          </p:sp>
-          <p:cxnSp>
-            <p:nvCxnSpPr>
-              <p:cNvPr id="190" name="连接符: 曲线 189">
-                <a:extLst>
-                  <a:ext uri="{FF2B5EF4-FFF2-40B4-BE49-F238E27FC236}">
-                    <a16:creationId xmlns:a16="http://schemas.microsoft.com/office/drawing/2014/main" id="{63F61584-454A-5D63-0B16-589ACED6A258}"/>
-                  </a:ext>
-                </a:extLst>
-              </p:cNvPr>
-              <p:cNvCxnSpPr>
-                <a:cxnSpLocks/>
-                <a:stCxn id="187" idx="0"/>
-                <a:endCxn id="186" idx="1"/>
-              </p:cNvCxnSpPr>
-              <p:nvPr/>
-            </p:nvCxnSpPr>
-            <p:spPr>
-              <a:xfrm rot="5400000" flipH="1" flipV="1">
-                <a:off x="3642036" y="1765477"/>
-                <a:ext cx="311673" cy="250354"/>
-              </a:xfrm>
-              <a:prstGeom prst="curvedConnector2">
-                <a:avLst/>
-              </a:prstGeom>
-              <a:noFill/>
-              <a:ln w="25400" cap="flat" cmpd="sng" algn="ctr">
+                </a:rPr>
+                <a:t>Implement</a:t>
+              </a:r>
+              <a:endParaRPr lang="zh-CN" altLang="en-US" sz="1050" kern="1200" dirty="0">
                 <a:solidFill>
-                  <a:sysClr val="windowText" lastClr="000000"/>
+                  <a:prstClr val="black"/>
                 </a:solidFill>
-                <a:prstDash val="solid"/>
-                <a:miter lim="800000"/>
-                <a:tailEnd type="triangle"/>
-              </a:ln>
-              <a:effectLst/>
-            </p:spPr>
-          </p:cxnSp>
-          <p:cxnSp>
-            <p:nvCxnSpPr>
-              <p:cNvPr id="191" name="连接符: 曲线 190">
-                <a:extLst>
-                  <a:ext uri="{FF2B5EF4-FFF2-40B4-BE49-F238E27FC236}">
-                    <a16:creationId xmlns:a16="http://schemas.microsoft.com/office/drawing/2014/main" id="{D0DD4E76-05D9-1CC3-43DD-9DC3E19F6319}"/>
-                  </a:ext>
-                </a:extLst>
-              </p:cNvPr>
-              <p:cNvCxnSpPr>
-                <a:cxnSpLocks/>
-                <a:stCxn id="188" idx="0"/>
-                <a:endCxn id="186" idx="3"/>
-              </p:cNvCxnSpPr>
-              <p:nvPr/>
-            </p:nvCxnSpPr>
-            <p:spPr>
-              <a:xfrm rot="16200000" flipV="1">
-                <a:off x="5392664" y="1729608"/>
-                <a:ext cx="313201" cy="323621"/>
-              </a:xfrm>
-              <a:prstGeom prst="curvedConnector2">
-                <a:avLst/>
-              </a:prstGeom>
-              <a:noFill/>
-              <a:ln w="25400" cap="flat" cmpd="sng" algn="ctr">
-                <a:solidFill>
-                  <a:sysClr val="windowText" lastClr="000000"/>
-                </a:solidFill>
-                <a:prstDash val="solid"/>
-                <a:miter lim="800000"/>
-                <a:tailEnd type="triangle"/>
-              </a:ln>
-              <a:effectLst/>
-            </p:spPr>
-          </p:cxnSp>
-          <p:sp>
-            <p:nvSpPr>
-              <p:cNvPr id="192" name="矩形: 圆角 191">
-                <a:extLst>
-                  <a:ext uri="{FF2B5EF4-FFF2-40B4-BE49-F238E27FC236}">
-                    <a16:creationId xmlns:a16="http://schemas.microsoft.com/office/drawing/2014/main" id="{B7BB51EE-A68C-13DC-5B90-C5E212D8472D}"/>
-                  </a:ext>
-                </a:extLst>
-              </p:cNvPr>
-              <p:cNvSpPr/>
-              <p:nvPr/>
-            </p:nvSpPr>
-            <p:spPr>
-              <a:xfrm>
-                <a:off x="3912021" y="2581852"/>
-                <a:ext cx="1464403" cy="233692"/>
-              </a:xfrm>
-              <a:prstGeom prst="roundRect">
-                <a:avLst/>
-              </a:prstGeom>
-              <a:gradFill>
-                <a:gsLst>
-                  <a:gs pos="0">
-                    <a:srgbClr val="EE822F">
-                      <a:lumOff val="17500"/>
-                    </a:srgbClr>
-                  </a:gs>
-                  <a:gs pos="100000">
-                    <a:srgbClr val="EE822F"/>
-                  </a:gs>
-                </a:gsLst>
-                <a:lin ang="2700000" scaled="0"/>
-              </a:gradFill>
-              <a:ln w="12700" cap="flat" cmpd="sng" algn="ctr">
-                <a:solidFill>
-                  <a:srgbClr val="EE822F"/>
-                </a:solidFill>
-                <a:prstDash val="solid"/>
-                <a:miter lim="800000"/>
-              </a:ln>
-              <a:effectLst>
-                <a:outerShdw blurRad="101600" dist="50800" dir="5400000" algn="ctr" rotWithShape="0">
-                  <a:srgbClr val="EE822F">
-                    <a:alpha val="60000"/>
-                  </a:srgbClr>
-                </a:outerShdw>
-              </a:effectLst>
-            </p:spPr>
-            <p:txBody>
-              <a:bodyPr rtlCol="0" anchor="ctr"/>
-              <a:lstStyle/>
-              <a:p>
-                <a:pPr algn="ctr" defTabSz="914279">
-                  <a:buClrTx/>
-                  <a:defRPr/>
-                </a:pPr>
-                <a:r>
-                  <a:rPr lang="en-US" altLang="zh-CN" sz="1050" kern="1200" dirty="0">
-                    <a:solidFill>
-                      <a:prstClr val="black"/>
-                    </a:solidFill>
-                    <a:latin typeface="+mj-lt"/>
-                    <a:ea typeface="微软雅黑"/>
-                    <a:cs typeface="Times New Roman" panose="02020603050405020304" pitchFamily="18" charset="0"/>
-                  </a:rPr>
-                  <a:t>Base Entity</a:t>
-                </a:r>
-                <a:endParaRPr lang="zh-CN" altLang="en-US" sz="1050" kern="1200" dirty="0">
-                  <a:solidFill>
-                    <a:prstClr val="black"/>
-                  </a:solidFill>
-                  <a:latin typeface="+mj-lt"/>
-                  <a:ea typeface="微软雅黑"/>
-                  <a:cs typeface="Times New Roman" panose="02020603050405020304" pitchFamily="18" charset="0"/>
-                </a:endParaRPr>
-              </a:p>
-            </p:txBody>
-          </p:sp>
-          <p:sp>
-            <p:nvSpPr>
-              <p:cNvPr id="193" name="矩形: 圆角 192">
-                <a:extLst>
-                  <a:ext uri="{FF2B5EF4-FFF2-40B4-BE49-F238E27FC236}">
-                    <a16:creationId xmlns:a16="http://schemas.microsoft.com/office/drawing/2014/main" id="{F5E5DF41-85F5-4ED4-F646-F8FAFE89C792}"/>
-                  </a:ext>
-                </a:extLst>
-              </p:cNvPr>
-              <p:cNvSpPr/>
-              <p:nvPr/>
-            </p:nvSpPr>
-            <p:spPr>
-              <a:xfrm>
-                <a:off x="2579239" y="3155651"/>
-                <a:ext cx="1858435" cy="233692"/>
-              </a:xfrm>
-              <a:prstGeom prst="roundRect">
-                <a:avLst/>
-              </a:prstGeom>
-              <a:gradFill>
-                <a:gsLst>
-                  <a:gs pos="0">
-                    <a:srgbClr val="EE822F">
-                      <a:lumOff val="17500"/>
-                    </a:srgbClr>
-                  </a:gs>
-                  <a:gs pos="100000">
-                    <a:srgbClr val="EE822F"/>
-                  </a:gs>
-                </a:gsLst>
-                <a:lin ang="2700000" scaled="0"/>
-              </a:gradFill>
-              <a:ln w="12700" cap="flat" cmpd="sng" algn="ctr">
-                <a:solidFill>
-                  <a:srgbClr val="EE822F"/>
-                </a:solidFill>
-                <a:prstDash val="solid"/>
-                <a:miter lim="800000"/>
-              </a:ln>
-              <a:effectLst>
-                <a:outerShdw blurRad="101600" dist="50800" dir="5400000" algn="ctr" rotWithShape="0">
-                  <a:srgbClr val="EE822F">
-                    <a:alpha val="60000"/>
-                  </a:srgbClr>
-                </a:outerShdw>
-              </a:effectLst>
-            </p:spPr>
-            <p:txBody>
-              <a:bodyPr rtlCol="0" anchor="ctr"/>
-              <a:lstStyle/>
-              <a:p>
-                <a:pPr algn="ctr" defTabSz="914279">
-                  <a:buClrTx/>
-                  <a:defRPr/>
-                </a:pPr>
-                <a:r>
-                  <a:rPr lang="en-US" altLang="zh-CN" sz="1050" kern="1200" dirty="0">
-                    <a:solidFill>
-                      <a:prstClr val="black"/>
-                    </a:solidFill>
-                    <a:latin typeface="+mj-lt"/>
-                    <a:ea typeface="微软雅黑"/>
-                    <a:cs typeface="Times New Roman" panose="02020603050405020304" pitchFamily="18" charset="0"/>
-                  </a:rPr>
-                  <a:t>Grabbable Entity</a:t>
-                </a:r>
-                <a:endParaRPr lang="zh-CN" altLang="en-US" sz="1050" kern="1200" dirty="0">
-                  <a:solidFill>
-                    <a:prstClr val="black"/>
-                  </a:solidFill>
-                  <a:latin typeface="+mj-lt"/>
-                  <a:ea typeface="微软雅黑"/>
-                  <a:cs typeface="Times New Roman" panose="02020603050405020304" pitchFamily="18" charset="0"/>
-                </a:endParaRPr>
-              </a:p>
-            </p:txBody>
-          </p:sp>
-          <p:sp>
-            <p:nvSpPr>
-              <p:cNvPr id="194" name="矩形: 圆角 193">
-                <a:extLst>
-                  <a:ext uri="{FF2B5EF4-FFF2-40B4-BE49-F238E27FC236}">
-                    <a16:creationId xmlns:a16="http://schemas.microsoft.com/office/drawing/2014/main" id="{ED2DE75C-2E52-5D63-2AAE-567535DCFE88}"/>
-                  </a:ext>
-                </a:extLst>
-              </p:cNvPr>
-              <p:cNvSpPr/>
-              <p:nvPr/>
-            </p:nvSpPr>
-            <p:spPr>
-              <a:xfrm>
-                <a:off x="4879388" y="3174784"/>
-                <a:ext cx="1981036" cy="233692"/>
-              </a:xfrm>
-              <a:prstGeom prst="roundRect">
-                <a:avLst/>
-              </a:prstGeom>
-              <a:gradFill>
-                <a:gsLst>
-                  <a:gs pos="0">
-                    <a:srgbClr val="EE822F">
-                      <a:lumOff val="17500"/>
-                    </a:srgbClr>
-                  </a:gs>
-                  <a:gs pos="100000">
-                    <a:srgbClr val="EE822F"/>
-                  </a:gs>
-                </a:gsLst>
-                <a:lin ang="2700000" scaled="0"/>
-              </a:gradFill>
-              <a:ln w="12700" cap="flat" cmpd="sng" algn="ctr">
-                <a:solidFill>
-                  <a:srgbClr val="EE822F"/>
-                </a:solidFill>
-                <a:prstDash val="solid"/>
-                <a:miter lim="800000"/>
-              </a:ln>
-              <a:effectLst>
-                <a:outerShdw blurRad="101600" dist="50800" dir="5400000" algn="ctr" rotWithShape="0">
-                  <a:srgbClr val="EE822F">
-                    <a:alpha val="60000"/>
-                  </a:srgbClr>
-                </a:outerShdw>
-              </a:effectLst>
-            </p:spPr>
-            <p:txBody>
-              <a:bodyPr rtlCol="0" anchor="ctr"/>
-              <a:lstStyle/>
-              <a:p>
-                <a:pPr algn="ctr" defTabSz="914279">
-                  <a:buClrTx/>
-                  <a:defRPr/>
-                </a:pPr>
-                <a:r>
-                  <a:rPr lang="en-US" altLang="zh-CN" sz="1050" kern="1200" dirty="0">
-                    <a:solidFill>
-                      <a:prstClr val="black"/>
-                    </a:solidFill>
-                    <a:latin typeface="+mj-lt"/>
-                    <a:ea typeface="微软雅黑"/>
-                    <a:cs typeface="Times New Roman" panose="02020603050405020304" pitchFamily="18" charset="0"/>
-                  </a:rPr>
-                  <a:t>Triggerable Entity</a:t>
-                </a:r>
-                <a:endParaRPr lang="zh-CN" altLang="en-US" sz="1050" kern="1200" dirty="0">
-                  <a:solidFill>
-                    <a:prstClr val="black"/>
-                  </a:solidFill>
-                  <a:latin typeface="+mj-lt"/>
-                  <a:ea typeface="微软雅黑"/>
-                  <a:cs typeface="Times New Roman" panose="02020603050405020304" pitchFamily="18" charset="0"/>
-                </a:endParaRPr>
-              </a:p>
-            </p:txBody>
-          </p:sp>
-          <p:sp>
-            <p:nvSpPr>
-              <p:cNvPr id="195" name="文本框 194">
-                <a:extLst>
-                  <a:ext uri="{FF2B5EF4-FFF2-40B4-BE49-F238E27FC236}">
-                    <a16:creationId xmlns:a16="http://schemas.microsoft.com/office/drawing/2014/main" id="{EADEA7D4-962A-8218-A71C-A658A03EB4B1}"/>
-                  </a:ext>
-                </a:extLst>
-              </p:cNvPr>
-              <p:cNvSpPr txBox="1"/>
-              <p:nvPr/>
-            </p:nvSpPr>
-            <p:spPr>
-              <a:xfrm>
-                <a:off x="4254903" y="2792245"/>
-                <a:ext cx="825867" cy="329657"/>
-              </a:xfrm>
-              <a:prstGeom prst="rect">
-                <a:avLst/>
-              </a:prstGeom>
-              <a:noFill/>
-            </p:spPr>
-            <p:txBody>
-              <a:bodyPr wrap="square" rtlCol="0">
-                <a:spAutoFit/>
-              </a:bodyPr>
-              <a:lstStyle/>
-              <a:p>
-                <a:pPr defTabSz="914279">
-                  <a:buClrTx/>
-                  <a:defRPr/>
-                </a:pPr>
-                <a:r>
-                  <a:rPr lang="en-US" altLang="zh-CN" sz="1050" kern="1200" dirty="0">
-                    <a:solidFill>
-                      <a:prstClr val="black"/>
-                    </a:solidFill>
-                    <a:latin typeface="+mj-lt"/>
-                    <a:ea typeface="微软雅黑"/>
-                    <a:cs typeface="Times New Roman" panose="02020603050405020304" pitchFamily="18" charset="0"/>
-                  </a:rPr>
-                  <a:t>Inherit</a:t>
-                </a:r>
-                <a:endParaRPr lang="zh-CN" altLang="en-US" sz="1050" kern="1200" dirty="0">
-                  <a:solidFill>
-                    <a:prstClr val="black"/>
-                  </a:solidFill>
-                  <a:latin typeface="+mj-lt"/>
-                  <a:ea typeface="微软雅黑"/>
-                  <a:cs typeface="Times New Roman" panose="02020603050405020304" pitchFamily="18" charset="0"/>
-                </a:endParaRPr>
-              </a:p>
-            </p:txBody>
-          </p:sp>
-          <p:cxnSp>
-            <p:nvCxnSpPr>
-              <p:cNvPr id="196" name="连接符: 曲线 195">
-                <a:extLst>
-                  <a:ext uri="{FF2B5EF4-FFF2-40B4-BE49-F238E27FC236}">
-                    <a16:creationId xmlns:a16="http://schemas.microsoft.com/office/drawing/2014/main" id="{97F6C8EA-CD22-1811-4A2B-8DD19A89FC1D}"/>
-                  </a:ext>
-                </a:extLst>
-              </p:cNvPr>
-              <p:cNvCxnSpPr>
-                <a:cxnSpLocks/>
-                <a:stCxn id="193" idx="0"/>
-                <a:endCxn id="192" idx="1"/>
-              </p:cNvCxnSpPr>
-              <p:nvPr/>
-            </p:nvCxnSpPr>
-            <p:spPr>
-              <a:xfrm rot="5400000" flipH="1" flipV="1">
-                <a:off x="3481763" y="2725392"/>
-                <a:ext cx="456952" cy="403565"/>
-              </a:xfrm>
-              <a:prstGeom prst="curvedConnector2">
-                <a:avLst/>
-              </a:prstGeom>
-              <a:noFill/>
-              <a:ln w="25400" cap="flat" cmpd="sng" algn="ctr">
-                <a:solidFill>
-                  <a:sysClr val="windowText" lastClr="000000"/>
-                </a:solidFill>
-                <a:prstDash val="solid"/>
-                <a:miter lim="800000"/>
-                <a:tailEnd type="triangle"/>
-              </a:ln>
-              <a:effectLst/>
-            </p:spPr>
-          </p:cxnSp>
-          <p:cxnSp>
-            <p:nvCxnSpPr>
-              <p:cNvPr id="197" name="连接符: 曲线 196">
-                <a:extLst>
-                  <a:ext uri="{FF2B5EF4-FFF2-40B4-BE49-F238E27FC236}">
-                    <a16:creationId xmlns:a16="http://schemas.microsoft.com/office/drawing/2014/main" id="{96223471-2FF8-6C11-D1A1-9B4597A71356}"/>
-                  </a:ext>
-                </a:extLst>
-              </p:cNvPr>
-              <p:cNvCxnSpPr>
-                <a:cxnSpLocks/>
-                <a:stCxn id="194" idx="0"/>
-                <a:endCxn id="192" idx="3"/>
-              </p:cNvCxnSpPr>
-              <p:nvPr/>
-            </p:nvCxnSpPr>
-            <p:spPr>
-              <a:xfrm rot="16200000" flipV="1">
-                <a:off x="5385124" y="2689999"/>
-                <a:ext cx="476087" cy="493483"/>
-              </a:xfrm>
-              <a:prstGeom prst="curvedConnector2">
-                <a:avLst/>
-              </a:prstGeom>
-              <a:noFill/>
-              <a:ln w="25400" cap="flat" cmpd="sng" algn="ctr">
-                <a:solidFill>
-                  <a:sysClr val="windowText" lastClr="000000"/>
-                </a:solidFill>
-                <a:prstDash val="solid"/>
-                <a:miter lim="800000"/>
-                <a:tailEnd type="triangle"/>
-              </a:ln>
-              <a:effectLst/>
-            </p:spPr>
-          </p:cxnSp>
-          <p:sp>
-            <p:nvSpPr>
-              <p:cNvPr id="198" name="矩形: 圆角 197">
-                <a:extLst>
-                  <a:ext uri="{FF2B5EF4-FFF2-40B4-BE49-F238E27FC236}">
-                    <a16:creationId xmlns:a16="http://schemas.microsoft.com/office/drawing/2014/main" id="{7AFABE55-DEE2-D93E-8044-989F95F7C163}"/>
-                  </a:ext>
-                </a:extLst>
-              </p:cNvPr>
-              <p:cNvSpPr/>
-              <p:nvPr/>
-            </p:nvSpPr>
-            <p:spPr>
-              <a:xfrm>
-                <a:off x="2270127" y="3818355"/>
-                <a:ext cx="1344088" cy="233692"/>
-              </a:xfrm>
-              <a:prstGeom prst="roundRect">
-                <a:avLst/>
-              </a:prstGeom>
-              <a:gradFill>
-                <a:gsLst>
-                  <a:gs pos="0">
-                    <a:srgbClr val="F2BA02">
-                      <a:lumOff val="17500"/>
-                    </a:srgbClr>
-                  </a:gs>
-                  <a:gs pos="100000">
-                    <a:srgbClr val="F2BA02"/>
-                  </a:gs>
-                </a:gsLst>
-                <a:lin ang="2700000" scaled="0"/>
-              </a:gradFill>
-              <a:ln w="12700" cap="flat" cmpd="sng" algn="ctr">
-                <a:solidFill>
-                  <a:srgbClr val="F2BA02"/>
-                </a:solidFill>
-                <a:prstDash val="solid"/>
-                <a:miter lim="800000"/>
-              </a:ln>
-              <a:effectLst>
-                <a:outerShdw blurRad="101600" dist="50800" dir="5400000" algn="ctr" rotWithShape="0">
-                  <a:srgbClr val="F2BA02">
-                    <a:alpha val="60000"/>
-                  </a:srgbClr>
-                </a:outerShdw>
-              </a:effectLst>
-            </p:spPr>
-            <p:txBody>
-              <a:bodyPr rtlCol="0" anchor="ctr"/>
-              <a:lstStyle/>
-              <a:p>
-                <a:pPr algn="ctr" defTabSz="914279">
-                  <a:buClrTx/>
-                  <a:defRPr/>
-                </a:pPr>
-                <a:r>
-                  <a:rPr lang="en-US" altLang="zh-CN" sz="1050" kern="1200" dirty="0">
-                    <a:solidFill>
-                      <a:prstClr val="black"/>
-                    </a:solidFill>
-                    <a:latin typeface="+mj-lt"/>
-                    <a:ea typeface="微软雅黑"/>
-                    <a:cs typeface="Times New Roman" panose="02020603050405020304" pitchFamily="18" charset="0"/>
-                  </a:rPr>
-                  <a:t>XR Box</a:t>
-                </a:r>
-                <a:endParaRPr lang="zh-CN" altLang="en-US" sz="1050" kern="1200" dirty="0">
-                  <a:solidFill>
-                    <a:prstClr val="black"/>
-                  </a:solidFill>
-                  <a:latin typeface="+mj-lt"/>
-                  <a:ea typeface="微软雅黑"/>
-                  <a:cs typeface="Times New Roman" panose="02020603050405020304" pitchFamily="18" charset="0"/>
-                </a:endParaRPr>
-              </a:p>
-            </p:txBody>
-          </p:sp>
-          <p:sp>
-            <p:nvSpPr>
-              <p:cNvPr id="199" name="矩形: 圆角 198">
-                <a:extLst>
-                  <a:ext uri="{FF2B5EF4-FFF2-40B4-BE49-F238E27FC236}">
-                    <a16:creationId xmlns:a16="http://schemas.microsoft.com/office/drawing/2014/main" id="{FC835F6A-DDAA-D426-3704-EB4C8EA11EDF}"/>
-                  </a:ext>
-                </a:extLst>
-              </p:cNvPr>
-              <p:cNvSpPr/>
-              <p:nvPr/>
-            </p:nvSpPr>
-            <p:spPr>
-              <a:xfrm>
-                <a:off x="4106853" y="3841815"/>
-                <a:ext cx="1417547" cy="233692"/>
-              </a:xfrm>
-              <a:prstGeom prst="roundRect">
-                <a:avLst/>
-              </a:prstGeom>
-              <a:gradFill>
-                <a:gsLst>
-                  <a:gs pos="0">
-                    <a:srgbClr val="F2BA02">
-                      <a:lumOff val="17500"/>
-                    </a:srgbClr>
-                  </a:gs>
-                  <a:gs pos="100000">
-                    <a:srgbClr val="F2BA02"/>
-                  </a:gs>
-                </a:gsLst>
-                <a:lin ang="2700000" scaled="0"/>
-              </a:gradFill>
-              <a:ln w="12700" cap="flat" cmpd="sng" algn="ctr">
-                <a:solidFill>
-                  <a:srgbClr val="F2BA02"/>
-                </a:solidFill>
-                <a:prstDash val="solid"/>
-                <a:miter lim="800000"/>
-              </a:ln>
-              <a:effectLst>
-                <a:outerShdw blurRad="101600" dist="50800" dir="5400000" algn="ctr" rotWithShape="0">
-                  <a:srgbClr val="F2BA02">
-                    <a:alpha val="60000"/>
-                  </a:srgbClr>
-                </a:outerShdw>
-              </a:effectLst>
-            </p:spPr>
-            <p:txBody>
-              <a:bodyPr rtlCol="0" anchor="ctr"/>
-              <a:lstStyle/>
-              <a:p>
-                <a:pPr algn="ctr" defTabSz="914279">
-                  <a:buClrTx/>
-                  <a:defRPr/>
-                </a:pPr>
-                <a:r>
-                  <a:rPr lang="en-US" altLang="zh-CN" sz="1050" kern="1200" dirty="0">
-                    <a:solidFill>
-                      <a:prstClr val="black"/>
-                    </a:solidFill>
-                    <a:latin typeface="+mj-lt"/>
-                    <a:ea typeface="微软雅黑"/>
-                    <a:cs typeface="Times New Roman" panose="02020603050405020304" pitchFamily="18" charset="0"/>
-                  </a:rPr>
-                  <a:t>XR Joystick</a:t>
-                </a:r>
-                <a:endParaRPr lang="zh-CN" altLang="en-US" sz="1050" kern="1200" dirty="0">
-                  <a:solidFill>
-                    <a:prstClr val="black"/>
-                  </a:solidFill>
-                  <a:latin typeface="+mj-lt"/>
-                  <a:ea typeface="微软雅黑"/>
-                  <a:cs typeface="Times New Roman" panose="02020603050405020304" pitchFamily="18" charset="0"/>
-                </a:endParaRPr>
-              </a:p>
-            </p:txBody>
-          </p:sp>
-          <p:sp>
-            <p:nvSpPr>
-              <p:cNvPr id="200" name="矩形: 圆角 199">
-                <a:extLst>
-                  <a:ext uri="{FF2B5EF4-FFF2-40B4-BE49-F238E27FC236}">
-                    <a16:creationId xmlns:a16="http://schemas.microsoft.com/office/drawing/2014/main" id="{DB3E548D-B889-4D48-3E37-707CEBC028B4}"/>
-                  </a:ext>
-                </a:extLst>
-              </p:cNvPr>
-              <p:cNvSpPr/>
-              <p:nvPr/>
-            </p:nvSpPr>
-            <p:spPr>
-              <a:xfrm>
-                <a:off x="5712109" y="3841815"/>
-                <a:ext cx="1405912" cy="233692"/>
-              </a:xfrm>
-              <a:prstGeom prst="roundRect">
-                <a:avLst/>
-              </a:prstGeom>
-              <a:gradFill>
-                <a:gsLst>
-                  <a:gs pos="0">
-                    <a:srgbClr val="F2BA02">
-                      <a:lumOff val="17500"/>
-                    </a:srgbClr>
-                  </a:gs>
-                  <a:gs pos="100000">
-                    <a:srgbClr val="F2BA02"/>
-                  </a:gs>
-                </a:gsLst>
-                <a:lin ang="2700000" scaled="0"/>
-              </a:gradFill>
-              <a:ln w="12700" cap="flat" cmpd="sng" algn="ctr">
-                <a:solidFill>
-                  <a:srgbClr val="F2BA02"/>
-                </a:solidFill>
-                <a:prstDash val="solid"/>
-                <a:miter lim="800000"/>
-              </a:ln>
-              <a:effectLst>
-                <a:outerShdw blurRad="101600" dist="50800" dir="5400000" algn="ctr" rotWithShape="0">
-                  <a:srgbClr val="F2BA02">
-                    <a:alpha val="60000"/>
-                  </a:srgbClr>
-                </a:outerShdw>
-              </a:effectLst>
-            </p:spPr>
-            <p:txBody>
-              <a:bodyPr rtlCol="0" anchor="ctr"/>
-              <a:lstStyle/>
-              <a:p>
-                <a:pPr algn="ctr" defTabSz="914279">
-                  <a:buClrTx/>
-                  <a:defRPr/>
-                </a:pPr>
-                <a:r>
-                  <a:rPr lang="en-US" altLang="zh-CN" sz="1050" kern="1200" dirty="0">
-                    <a:solidFill>
-                      <a:prstClr val="black"/>
-                    </a:solidFill>
-                    <a:latin typeface="+mj-lt"/>
-                    <a:ea typeface="微软雅黑"/>
-                    <a:cs typeface="Times New Roman" panose="02020603050405020304" pitchFamily="18" charset="0"/>
-                  </a:rPr>
-                  <a:t>XR Button</a:t>
-                </a:r>
-                <a:endParaRPr lang="zh-CN" altLang="en-US" sz="1050" kern="1200" dirty="0">
-                  <a:solidFill>
-                    <a:prstClr val="black"/>
-                  </a:solidFill>
-                  <a:latin typeface="+mj-lt"/>
-                  <a:ea typeface="微软雅黑"/>
-                  <a:cs typeface="Times New Roman" panose="02020603050405020304" pitchFamily="18" charset="0"/>
-                </a:endParaRPr>
-              </a:p>
-            </p:txBody>
-          </p:sp>
-          <p:cxnSp>
-            <p:nvCxnSpPr>
-              <p:cNvPr id="201" name="连接符: 曲线 200">
-                <a:extLst>
-                  <a:ext uri="{FF2B5EF4-FFF2-40B4-BE49-F238E27FC236}">
-                    <a16:creationId xmlns:a16="http://schemas.microsoft.com/office/drawing/2014/main" id="{2AFC70B0-F9D2-742F-517C-695B03869E6C}"/>
-                  </a:ext>
-                </a:extLst>
-              </p:cNvPr>
-              <p:cNvCxnSpPr>
-                <a:cxnSpLocks/>
-                <a:stCxn id="198" idx="0"/>
-                <a:endCxn id="193" idx="2"/>
-              </p:cNvCxnSpPr>
-              <p:nvPr/>
-            </p:nvCxnSpPr>
-            <p:spPr>
-              <a:xfrm rot="5400000" flipH="1" flipV="1">
-                <a:off x="3010807" y="3320707"/>
-                <a:ext cx="429012" cy="566285"/>
-              </a:xfrm>
-              <a:prstGeom prst="curvedConnector3">
-                <a:avLst>
-                  <a:gd name="adj1" fmla="val 50000"/>
-                </a:avLst>
-              </a:prstGeom>
-              <a:noFill/>
-              <a:ln w="25400" cap="flat" cmpd="sng" algn="ctr">
-                <a:solidFill>
-                  <a:sysClr val="windowText" lastClr="000000"/>
-                </a:solidFill>
-                <a:prstDash val="sysDot"/>
-                <a:miter lim="800000"/>
-                <a:tailEnd type="triangle"/>
-              </a:ln>
-              <a:effectLst/>
-            </p:spPr>
-          </p:cxnSp>
-          <p:cxnSp>
-            <p:nvCxnSpPr>
-              <p:cNvPr id="202" name="连接符: 曲线 201">
-                <a:extLst>
-                  <a:ext uri="{FF2B5EF4-FFF2-40B4-BE49-F238E27FC236}">
-                    <a16:creationId xmlns:a16="http://schemas.microsoft.com/office/drawing/2014/main" id="{38A2025F-A5E7-CBDB-310F-1888F39C4B47}"/>
-                  </a:ext>
-                </a:extLst>
-              </p:cNvPr>
-              <p:cNvCxnSpPr>
-                <a:cxnSpLocks/>
-                <a:stCxn id="200" idx="0"/>
-              </p:cNvCxnSpPr>
-              <p:nvPr/>
-            </p:nvCxnSpPr>
-            <p:spPr>
-              <a:xfrm rot="16200000" flipV="1">
-                <a:off x="6004246" y="3430995"/>
-                <a:ext cx="455836" cy="365805"/>
-              </a:xfrm>
-              <a:prstGeom prst="curvedConnector3">
-                <a:avLst>
-                  <a:gd name="adj1" fmla="val 50000"/>
-                </a:avLst>
-              </a:prstGeom>
-              <a:noFill/>
-              <a:ln w="25400" cap="flat" cmpd="sng" algn="ctr">
-                <a:solidFill>
-                  <a:sysClr val="windowText" lastClr="000000"/>
-                </a:solidFill>
-                <a:prstDash val="sysDot"/>
-                <a:miter lim="800000"/>
-                <a:headEnd w="med" len="sm"/>
-                <a:tailEnd type="triangle"/>
-              </a:ln>
-              <a:effectLst/>
-            </p:spPr>
-          </p:cxnSp>
-          <p:cxnSp>
-            <p:nvCxnSpPr>
-              <p:cNvPr id="203" name="连接符: 曲线 202">
-                <a:extLst>
-                  <a:ext uri="{FF2B5EF4-FFF2-40B4-BE49-F238E27FC236}">
-                    <a16:creationId xmlns:a16="http://schemas.microsoft.com/office/drawing/2014/main" id="{741EB95F-90F5-551A-86A3-867B74A8C75D}"/>
-                  </a:ext>
-                </a:extLst>
-              </p:cNvPr>
-              <p:cNvCxnSpPr>
-                <a:cxnSpLocks/>
-                <a:stCxn id="199" idx="0"/>
-                <a:endCxn id="194" idx="2"/>
-              </p:cNvCxnSpPr>
-              <p:nvPr/>
-            </p:nvCxnSpPr>
-            <p:spPr>
-              <a:xfrm rot="5400000" flipH="1" flipV="1">
-                <a:off x="5126097" y="3098007"/>
-                <a:ext cx="433338" cy="1054279"/>
-              </a:xfrm>
-              <a:prstGeom prst="curvedConnector3">
-                <a:avLst>
-                  <a:gd name="adj1" fmla="val 50000"/>
-                </a:avLst>
-              </a:prstGeom>
-              <a:noFill/>
-              <a:ln w="25400" cap="flat" cmpd="sng" algn="ctr">
-                <a:solidFill>
-                  <a:sysClr val="windowText" lastClr="000000"/>
-                </a:solidFill>
-                <a:prstDash val="sysDot"/>
-                <a:miter lim="800000"/>
-                <a:headEnd w="med" len="sm"/>
-                <a:tailEnd type="triangle"/>
-              </a:ln>
-              <a:effectLst/>
-            </p:spPr>
-          </p:cxnSp>
-          <p:sp>
-            <p:nvSpPr>
-              <p:cNvPr id="204" name="文本框 203">
-                <a:extLst>
-                  <a:ext uri="{FF2B5EF4-FFF2-40B4-BE49-F238E27FC236}">
-                    <a16:creationId xmlns:a16="http://schemas.microsoft.com/office/drawing/2014/main" id="{8E942CA2-68BB-A4D2-F69A-81D10326AF21}"/>
-                  </a:ext>
-                </a:extLst>
-              </p:cNvPr>
-              <p:cNvSpPr txBox="1"/>
-              <p:nvPr/>
-            </p:nvSpPr>
-            <p:spPr>
-              <a:xfrm>
-                <a:off x="3767375" y="3513340"/>
-                <a:ext cx="1376202" cy="329657"/>
-              </a:xfrm>
-              <a:prstGeom prst="rect">
-                <a:avLst/>
-              </a:prstGeom>
-              <a:noFill/>
-            </p:spPr>
-            <p:txBody>
-              <a:bodyPr wrap="square" rtlCol="0">
-                <a:spAutoFit/>
-              </a:bodyPr>
-              <a:lstStyle/>
-              <a:p>
-                <a:pPr defTabSz="914279">
-                  <a:buClrTx/>
-                  <a:defRPr/>
-                </a:pPr>
-                <a:r>
-                  <a:rPr lang="en-US" altLang="zh-CN" sz="1050" kern="1200" dirty="0">
-                    <a:solidFill>
-                      <a:prstClr val="black"/>
-                    </a:solidFill>
-                    <a:latin typeface="+mj-lt"/>
-                    <a:ea typeface="微软雅黑"/>
-                    <a:cs typeface="Times New Roman" panose="02020603050405020304" pitchFamily="18" charset="0"/>
-                  </a:rPr>
-                  <a:t>Implement</a:t>
-                </a:r>
-                <a:endParaRPr lang="zh-CN" altLang="en-US" sz="1050" kern="1200" dirty="0">
-                  <a:solidFill>
-                    <a:prstClr val="black"/>
-                  </a:solidFill>
-                  <a:latin typeface="+mj-lt"/>
-                  <a:ea typeface="微软雅黑"/>
-                  <a:cs typeface="Times New Roman" panose="02020603050405020304" pitchFamily="18" charset="0"/>
-                </a:endParaRPr>
-              </a:p>
-            </p:txBody>
-          </p:sp>
-          <p:cxnSp>
-            <p:nvCxnSpPr>
-              <p:cNvPr id="205" name="连接符: 曲线 204">
-                <a:extLst>
-                  <a:ext uri="{FF2B5EF4-FFF2-40B4-BE49-F238E27FC236}">
-                    <a16:creationId xmlns:a16="http://schemas.microsoft.com/office/drawing/2014/main" id="{3A11CA9D-C8E0-A8D1-1B22-F1D7AC5CC81B}"/>
-                  </a:ext>
-                </a:extLst>
-              </p:cNvPr>
-              <p:cNvCxnSpPr>
-                <a:cxnSpLocks/>
-                <a:stCxn id="187" idx="1"/>
-                <a:endCxn id="193" idx="1"/>
-              </p:cNvCxnSpPr>
-              <p:nvPr/>
-            </p:nvCxnSpPr>
-            <p:spPr>
-              <a:xfrm rot="10800000" flipV="1">
-                <a:off x="2579239" y="2163336"/>
-                <a:ext cx="361254" cy="1109161"/>
-              </a:xfrm>
-              <a:prstGeom prst="curvedConnector3">
-                <a:avLst>
-                  <a:gd name="adj1" fmla="val 191131"/>
-                </a:avLst>
-              </a:prstGeom>
-              <a:noFill/>
-              <a:ln w="50800" cap="flat" cmpd="sng" algn="ctr">
-                <a:solidFill>
-                  <a:srgbClr val="4874CB"/>
-                </a:solidFill>
-                <a:prstDash val="solid"/>
-                <a:miter lim="800000"/>
-                <a:tailEnd type="triangle"/>
-              </a:ln>
-              <a:effectLst/>
-            </p:spPr>
-          </p:cxnSp>
-          <p:cxnSp>
-            <p:nvCxnSpPr>
-              <p:cNvPr id="206" name="连接符: 曲线 205">
-                <a:extLst>
-                  <a:ext uri="{FF2B5EF4-FFF2-40B4-BE49-F238E27FC236}">
-                    <a16:creationId xmlns:a16="http://schemas.microsoft.com/office/drawing/2014/main" id="{D93F31B8-FC78-41A4-519D-2BE801C1E82F}"/>
-                  </a:ext>
-                </a:extLst>
-              </p:cNvPr>
-              <p:cNvCxnSpPr>
-                <a:cxnSpLocks/>
-                <a:stCxn id="188" idx="3"/>
-                <a:endCxn id="194" idx="3"/>
-              </p:cNvCxnSpPr>
-              <p:nvPr/>
-            </p:nvCxnSpPr>
-            <p:spPr>
-              <a:xfrm>
-                <a:off x="6542760" y="2164864"/>
-                <a:ext cx="317666" cy="1126766"/>
-              </a:xfrm>
-              <a:prstGeom prst="curvedConnector3">
-                <a:avLst>
-                  <a:gd name="adj1" fmla="val 203635"/>
-                </a:avLst>
-              </a:prstGeom>
-              <a:noFill/>
-              <a:ln w="50800" cap="flat" cmpd="sng" algn="ctr">
-                <a:solidFill>
-                  <a:srgbClr val="4874CB"/>
-                </a:solidFill>
-                <a:prstDash val="solid"/>
-                <a:miter lim="800000"/>
-                <a:tailEnd type="triangle"/>
-              </a:ln>
-              <a:effectLst/>
-            </p:spPr>
-          </p:cxnSp>
-          <p:sp>
-            <p:nvSpPr>
-              <p:cNvPr id="208" name="文本框 207">
-                <a:extLst>
-                  <a:ext uri="{FF2B5EF4-FFF2-40B4-BE49-F238E27FC236}">
-                    <a16:creationId xmlns:a16="http://schemas.microsoft.com/office/drawing/2014/main" id="{FC7F1986-8F04-8A47-7357-B383FD56FCC9}"/>
-                  </a:ext>
-                </a:extLst>
-              </p:cNvPr>
-              <p:cNvSpPr txBox="1"/>
-              <p:nvPr/>
-            </p:nvSpPr>
-            <p:spPr>
-              <a:xfrm>
-                <a:off x="2260645" y="2547255"/>
-                <a:ext cx="999072" cy="329657"/>
-              </a:xfrm>
-              <a:prstGeom prst="rect">
-                <a:avLst/>
-              </a:prstGeom>
-              <a:noFill/>
-            </p:spPr>
-            <p:txBody>
-              <a:bodyPr wrap="square" rtlCol="0">
-                <a:spAutoFit/>
-              </a:bodyPr>
-              <a:lstStyle/>
-              <a:p>
-                <a:pPr defTabSz="914279">
-                  <a:buClrTx/>
-                  <a:defRPr/>
-                </a:pPr>
-                <a:r>
-                  <a:rPr lang="en-US" altLang="zh-CN" sz="1050" kern="1200" dirty="0">
-                    <a:solidFill>
-                      <a:prstClr val="black"/>
-                    </a:solidFill>
-                    <a:latin typeface="+mj-lt"/>
-                    <a:ea typeface="微软雅黑"/>
-                    <a:cs typeface="Times New Roman" panose="02020603050405020304" pitchFamily="18" charset="0"/>
-                  </a:rPr>
-                  <a:t>Grab</a:t>
-                </a:r>
-                <a:endParaRPr lang="zh-CN" altLang="en-US" sz="1050" kern="1200" dirty="0">
-                  <a:solidFill>
-                    <a:prstClr val="black"/>
-                  </a:solidFill>
-                  <a:latin typeface="+mj-lt"/>
-                  <a:ea typeface="微软雅黑"/>
-                  <a:cs typeface="Times New Roman" panose="02020603050405020304" pitchFamily="18" charset="0"/>
-                </a:endParaRPr>
-              </a:p>
-            </p:txBody>
-          </p:sp>
-          <p:sp>
-            <p:nvSpPr>
-              <p:cNvPr id="210" name="文本框 209">
-                <a:extLst>
-                  <a:ext uri="{FF2B5EF4-FFF2-40B4-BE49-F238E27FC236}">
-                    <a16:creationId xmlns:a16="http://schemas.microsoft.com/office/drawing/2014/main" id="{AA0AD51C-76DD-925C-089F-70C52EA072F8}"/>
-                  </a:ext>
-                </a:extLst>
-              </p:cNvPr>
-              <p:cNvSpPr txBox="1"/>
-              <p:nvPr/>
-            </p:nvSpPr>
-            <p:spPr>
-              <a:xfrm>
-                <a:off x="6255709" y="2514127"/>
-                <a:ext cx="994230" cy="329657"/>
-              </a:xfrm>
-              <a:prstGeom prst="rect">
-                <a:avLst/>
-              </a:prstGeom>
-              <a:noFill/>
-            </p:spPr>
-            <p:txBody>
-              <a:bodyPr wrap="square" rtlCol="0">
-                <a:spAutoFit/>
-              </a:bodyPr>
-              <a:lstStyle/>
-              <a:p>
-                <a:pPr defTabSz="914279">
-                  <a:buClrTx/>
-                  <a:defRPr/>
-                </a:pPr>
-                <a:r>
-                  <a:rPr lang="en-US" altLang="zh-CN" sz="1050" kern="1200" dirty="0">
-                    <a:solidFill>
-                      <a:prstClr val="black"/>
-                    </a:solidFill>
-                    <a:latin typeface="+mj-lt"/>
-                    <a:ea typeface="微软雅黑"/>
-                    <a:cs typeface="Times New Roman" panose="02020603050405020304" pitchFamily="18" charset="0"/>
-                  </a:rPr>
-                  <a:t>Trigger</a:t>
-                </a:r>
-                <a:endParaRPr lang="zh-CN" altLang="en-US" sz="1050" kern="1200" dirty="0">
-                  <a:solidFill>
-                    <a:prstClr val="black"/>
-                  </a:solidFill>
-                  <a:latin typeface="+mj-lt"/>
-                  <a:ea typeface="微软雅黑"/>
-                  <a:cs typeface="Times New Roman" panose="02020603050405020304" pitchFamily="18" charset="0"/>
-                </a:endParaRPr>
-              </a:p>
-            </p:txBody>
-          </p:sp>
-        </p:grpSp>
+                <a:latin typeface="+mj-lt"/>
+                <a:ea typeface="微软雅黑"/>
+                <a:cs typeface="Times New Roman" panose="02020603050405020304" pitchFamily="18" charset="0"/>
+              </a:endParaRPr>
+            </a:p>
+          </p:txBody>
+        </p:sp>
       </p:grpSp>
-      <p:sp>
-        <p:nvSpPr>
-          <p:cNvPr id="215" name="AutoShape 2">
-            <a:extLst>
-              <a:ext uri="{FF2B5EF4-FFF2-40B4-BE49-F238E27FC236}">
-                <a16:creationId xmlns:a16="http://schemas.microsoft.com/office/drawing/2014/main" id="{B03B425F-CCBA-EA2C-A27E-38A7CA7ADD51}"/>
-              </a:ext>
-            </a:extLst>
-          </p:cNvPr>
-          <p:cNvSpPr/>
-          <p:nvPr/>
-        </p:nvSpPr>
-        <p:spPr>
-          <a:xfrm>
-            <a:off x="3618464" y="3860025"/>
-            <a:ext cx="3606840" cy="408044"/>
-          </a:xfrm>
-          <a:prstGeom prst="rect">
-            <a:avLst/>
-          </a:prstGeom>
-          <a:solidFill>
-            <a:srgbClr val="64E8D6">
-              <a:alpha val="75000"/>
-            </a:srgbClr>
-          </a:solidFill>
-          <a:ln w="12700" cap="flat">
-            <a:noFill/>
-            <a:prstDash val="solid"/>
-          </a:ln>
-        </p:spPr>
-        <p:txBody>
-          <a:bodyPr lIns="91440" tIns="45720" rIns="91440" bIns="45720" rtlCol="0" anchor="ctr">
-            <a:noAutofit/>
-          </a:bodyPr>
-          <a:lstStyle/>
-          <a:p>
-            <a:pPr algn="ctr">
-              <a:defRPr/>
-            </a:pPr>
-            <a:r>
-              <a:rPr lang="en-US" altLang="zh-CN" sz="1100" dirty="0"/>
-              <a:t>Task Generator</a:t>
-            </a:r>
-            <a:r>
-              <a:rPr lang="en-US" sz="1100" dirty="0"/>
-              <a:t> &amp; Customized Task Model</a:t>
-            </a:r>
-            <a:endParaRPr sz="1100" dirty="0"/>
-          </a:p>
-        </p:txBody>
-      </p:sp>
-      <p:sp>
-        <p:nvSpPr>
-          <p:cNvPr id="260" name="AutoShape 27">
-            <a:extLst>
-              <a:ext uri="{FF2B5EF4-FFF2-40B4-BE49-F238E27FC236}">
-                <a16:creationId xmlns:a16="http://schemas.microsoft.com/office/drawing/2014/main" id="{06328E4B-7BD1-D6E1-DF4B-9ED411193124}"/>
-              </a:ext>
-            </a:extLst>
-          </p:cNvPr>
-          <p:cNvSpPr/>
-          <p:nvPr/>
-        </p:nvSpPr>
-        <p:spPr>
-          <a:xfrm rot="10800000">
-            <a:off x="5778919" y="4247802"/>
-            <a:ext cx="192655" cy="192649"/>
-          </a:xfrm>
-          <a:prstGeom prst="downArrow">
-            <a:avLst>
-              <a:gd name="adj1" fmla="val 50000"/>
-              <a:gd name="adj2" fmla="val 50000"/>
-            </a:avLst>
-          </a:prstGeom>
-          <a:ln/>
-        </p:spPr>
-        <p:style>
-          <a:lnRef idx="1">
-            <a:schemeClr val="dk1"/>
-          </a:lnRef>
-          <a:fillRef idx="2">
-            <a:schemeClr val="dk1"/>
-          </a:fillRef>
-          <a:effectRef idx="1">
-            <a:schemeClr val="dk1"/>
-          </a:effectRef>
-          <a:fontRef idx="minor">
-            <a:schemeClr val="dk1"/>
-          </a:fontRef>
-        </p:style>
-        <p:txBody>
-          <a:bodyPr lIns="91440" tIns="45720" rIns="91440" bIns="45720" rtlCol="0" anchor="ctr">
-            <a:noAutofit/>
-          </a:bodyPr>
-          <a:lstStyle/>
-          <a:p>
-            <a:pPr algn="ctr">
-              <a:defRPr/>
-            </a:pPr>
-            <a:endParaRPr sz="1200"/>
-          </a:p>
-        </p:txBody>
-      </p:sp>
-      <p:sp>
-        <p:nvSpPr>
-          <p:cNvPr id="291" name="AutoShape 119">
-            <a:extLst>
-              <a:ext uri="{FF2B5EF4-FFF2-40B4-BE49-F238E27FC236}">
-                <a16:creationId xmlns:a16="http://schemas.microsoft.com/office/drawing/2014/main" id="{F1527144-A497-F807-ADCB-99602A01FA92}"/>
-              </a:ext>
-            </a:extLst>
-          </p:cNvPr>
-          <p:cNvSpPr/>
-          <p:nvPr/>
-        </p:nvSpPr>
-        <p:spPr>
-          <a:xfrm>
-            <a:off x="3531084" y="4214877"/>
-            <a:ext cx="2784192" cy="215900"/>
-          </a:xfrm>
-          <a:prstGeom prst="rect">
-            <a:avLst/>
-          </a:prstGeom>
-          <a:noFill/>
-          <a:ln w="12700">
-            <a:noFill/>
-            <a:prstDash val="solid"/>
-          </a:ln>
-        </p:spPr>
-        <p:txBody>
-          <a:bodyPr lIns="91440" tIns="45720" rIns="91440" bIns="45720" rtlCol="0" anchor="t">
-            <a:noAutofit/>
-          </a:bodyPr>
-          <a:lstStyle/>
-          <a:p>
-            <a:pPr>
-              <a:defRPr/>
-            </a:pPr>
-            <a:r>
-              <a:rPr lang="en-US" sz="1100" dirty="0"/>
-              <a:t>Parallel and serial combinations</a:t>
-            </a:r>
-          </a:p>
-        </p:txBody>
-      </p:sp>
-      <p:sp>
-        <p:nvSpPr>
-          <p:cNvPr id="4" name="AutoShape 5">
-            <a:extLst>
-              <a:ext uri="{FF2B5EF4-FFF2-40B4-BE49-F238E27FC236}">
-                <a16:creationId xmlns:a16="http://schemas.microsoft.com/office/drawing/2014/main" id="{78532F2D-405A-CC8F-32A6-F02D41D381DF}"/>
-              </a:ext>
-            </a:extLst>
-          </p:cNvPr>
-          <p:cNvSpPr/>
-          <p:nvPr/>
-        </p:nvSpPr>
-        <p:spPr>
-          <a:xfrm>
-            <a:off x="3493112" y="3462868"/>
-            <a:ext cx="3894239" cy="3166462"/>
-          </a:xfrm>
-          <a:prstGeom prst="roundRect">
-            <a:avLst>
-              <a:gd name="adj" fmla="val 0"/>
-            </a:avLst>
-          </a:prstGeom>
-          <a:noFill/>
-          <a:ln w="34925" cap="flat" cmpd="sng">
-            <a:solidFill>
-              <a:schemeClr val="accent6">
-                <a:lumMod val="75000"/>
-              </a:schemeClr>
-            </a:solidFill>
-            <a:prstDash val="dash"/>
-          </a:ln>
-        </p:spPr>
-        <p:txBody>
-          <a:bodyPr lIns="91440" tIns="45720" rIns="91440" bIns="45720" rtlCol="0" anchor="ctr">
-            <a:noAutofit/>
-          </a:bodyPr>
-          <a:lstStyle/>
-          <a:p>
-            <a:pPr algn="ctr">
-              <a:defRPr/>
-            </a:pPr>
-            <a:endParaRPr sz="1200" dirty="0"/>
-          </a:p>
-        </p:txBody>
-      </p:sp>
-      <p:sp>
-        <p:nvSpPr>
-          <p:cNvPr id="30" name="AutoShape 36">
-            <a:extLst>
-              <a:ext uri="{FF2B5EF4-FFF2-40B4-BE49-F238E27FC236}">
-                <a16:creationId xmlns:a16="http://schemas.microsoft.com/office/drawing/2014/main" id="{8061A5FC-1C87-0DA5-347D-7671B69CE0B8}"/>
-              </a:ext>
-            </a:extLst>
-          </p:cNvPr>
-          <p:cNvSpPr/>
-          <p:nvPr/>
-        </p:nvSpPr>
-        <p:spPr>
-          <a:xfrm>
-            <a:off x="3608528" y="3525771"/>
-            <a:ext cx="3139182" cy="266700"/>
-          </a:xfrm>
-          <a:prstGeom prst="rect">
-            <a:avLst/>
-          </a:prstGeom>
-          <a:noFill/>
-          <a:ln w="12700">
-            <a:noFill/>
-            <a:prstDash val="solid"/>
-          </a:ln>
-        </p:spPr>
-        <p:txBody>
-          <a:bodyPr lIns="0" tIns="0" rIns="0" bIns="0" rtlCol="0" anchor="ctr">
-            <a:noAutofit/>
-          </a:bodyPr>
-          <a:lstStyle/>
-          <a:p>
-            <a:pPr algn="ctr">
-              <a:lnSpc>
-                <a:spcPct val="125000"/>
-              </a:lnSpc>
-              <a:defRPr/>
-            </a:pPr>
-            <a:r>
-              <a:rPr lang="en-US" sz="1800" b="1" dirty="0">
-                <a:solidFill>
-                  <a:srgbClr val="1F2329"/>
-                </a:solidFill>
-              </a:rPr>
-              <a:t>EAT Framework</a:t>
-            </a:r>
-            <a:r>
-              <a:rPr lang="en-US" altLang="zh-CN" sz="1800" dirty="0"/>
-              <a:t> (§</a:t>
-            </a:r>
-            <a:r>
-              <a:rPr lang="en-US" altLang="zh-CN" sz="1800" dirty="0">
-                <a:solidFill>
-                  <a:srgbClr val="FF0000"/>
-                </a:solidFill>
-              </a:rPr>
-              <a:t>3.4</a:t>
-            </a:r>
-            <a:r>
-              <a:rPr lang="en-US" altLang="zh-CN" sz="1800" dirty="0"/>
-              <a:t>) </a:t>
-            </a:r>
-            <a:endParaRPr lang="en-US" sz="1800" dirty="0"/>
-          </a:p>
-        </p:txBody>
-      </p:sp>
-      <p:cxnSp>
-        <p:nvCxnSpPr>
-          <p:cNvPr id="165" name="直接箭头连接符 164">
-            <a:extLst>
-              <a:ext uri="{FF2B5EF4-FFF2-40B4-BE49-F238E27FC236}">
-                <a16:creationId xmlns:a16="http://schemas.microsoft.com/office/drawing/2014/main" id="{62FB0D83-DEF6-C474-7589-291CAD89C488}"/>
-              </a:ext>
-            </a:extLst>
-          </p:cNvPr>
-          <p:cNvCxnSpPr>
-            <a:cxnSpLocks/>
-          </p:cNvCxnSpPr>
-          <p:nvPr/>
-        </p:nvCxnSpPr>
-        <p:spPr>
-          <a:xfrm>
-            <a:off x="1618964" y="1773876"/>
-            <a:ext cx="0" cy="255898"/>
-          </a:xfrm>
-          <a:prstGeom prst="straightConnector1">
-            <a:avLst/>
-          </a:prstGeom>
-          <a:ln w="31750">
-            <a:tailEnd type="triangle"/>
-          </a:ln>
-        </p:spPr>
-        <p:style>
-          <a:lnRef idx="1">
-            <a:schemeClr val="dk1"/>
-          </a:lnRef>
-          <a:fillRef idx="0">
-            <a:schemeClr val="dk1"/>
-          </a:fillRef>
-          <a:effectRef idx="0">
-            <a:schemeClr val="dk1"/>
-          </a:effectRef>
-          <a:fontRef idx="minor">
-            <a:schemeClr val="tx1"/>
-          </a:fontRef>
-        </p:style>
-      </p:cxnSp>
       <p:cxnSp>
         <p:nvCxnSpPr>
           <p:cNvPr id="166" name="直接箭头连接符 165">
@@ -14051,9 +12712,9 @@
           <p:nvPr/>
         </p:nvCxnSpPr>
         <p:spPr>
-          <a:xfrm flipV="1">
-            <a:off x="3199223" y="5289787"/>
-            <a:ext cx="306983" cy="0"/>
+          <a:xfrm>
+            <a:off x="3297036" y="4940440"/>
+            <a:ext cx="203693" cy="0"/>
           </a:xfrm>
           <a:prstGeom prst="straightConnector1">
             <a:avLst/>
@@ -14091,10 +12752,10 @@
         </p:nvGrpSpPr>
         <p:grpSpPr>
           <a:xfrm>
-            <a:off x="3602996" y="486329"/>
-            <a:ext cx="3722489" cy="1229875"/>
-            <a:chOff x="3384012" y="411776"/>
-            <a:chExt cx="3722489" cy="1229875"/>
+            <a:off x="3644343" y="433539"/>
+            <a:ext cx="3731938" cy="972817"/>
+            <a:chOff x="3374563" y="411776"/>
+            <a:chExt cx="3731938" cy="972817"/>
           </a:xfrm>
         </p:grpSpPr>
         <p:sp>
@@ -14105,8 +12766,8 @@
           </p:nvSpPr>
           <p:spPr>
             <a:xfrm>
-              <a:off x="3384012" y="430274"/>
-              <a:ext cx="3722489" cy="1193069"/>
+              <a:off x="3384012" y="430275"/>
+              <a:ext cx="3722489" cy="900640"/>
             </a:xfrm>
             <a:prstGeom prst="roundRect">
               <a:avLst>
@@ -14143,68 +12804,12 @@
           </p:nvGrpSpPr>
           <p:grpSpPr>
             <a:xfrm>
-              <a:off x="3460176" y="564279"/>
-              <a:ext cx="3522099" cy="1077372"/>
-              <a:chOff x="2800273" y="1563958"/>
-              <a:chExt cx="3522099" cy="1077372"/>
+              <a:off x="3374563" y="666794"/>
+              <a:ext cx="3628577" cy="717799"/>
+              <a:chOff x="2714660" y="1666473"/>
+              <a:chExt cx="3628577" cy="717799"/>
             </a:xfrm>
           </p:grpSpPr>
-          <p:pic>
-            <p:nvPicPr>
-              <p:cNvPr id="105" name="Picture 105"/>
-              <p:cNvPicPr>
-                <a:picLocks noChangeAspect="1"/>
-              </p:cNvPicPr>
-              <p:nvPr/>
-            </p:nvPicPr>
-            <p:blipFill>
-              <a:blip r:embed="rId8"/>
-              <a:stretch>
-                <a:fillRect/>
-              </a:stretch>
-            </p:blipFill>
-            <p:spPr>
-              <a:xfrm>
-                <a:off x="2800273" y="1581459"/>
-                <a:ext cx="1217367" cy="835792"/>
-              </a:xfrm>
-              <a:prstGeom prst="rect">
-                <a:avLst/>
-              </a:prstGeom>
-              <a:ln>
-                <a:noFill/>
-                <a:prstDash val="solid"/>
-              </a:ln>
-            </p:spPr>
-          </p:pic>
-          <p:pic>
-            <p:nvPicPr>
-              <p:cNvPr id="106" name="Picture 106"/>
-              <p:cNvPicPr>
-                <a:picLocks noChangeAspect="1"/>
-              </p:cNvPicPr>
-              <p:nvPr/>
-            </p:nvPicPr>
-            <p:blipFill>
-              <a:blip r:embed="rId9"/>
-              <a:stretch>
-                <a:fillRect/>
-              </a:stretch>
-            </p:blipFill>
-            <p:spPr>
-              <a:xfrm>
-                <a:off x="5024022" y="1563958"/>
-                <a:ext cx="1221304" cy="872974"/>
-              </a:xfrm>
-              <a:prstGeom prst="rect">
-                <a:avLst/>
-              </a:prstGeom>
-              <a:ln>
-                <a:noFill/>
-                <a:prstDash val="solid"/>
-              </a:ln>
-            </p:spPr>
-          </p:pic>
           <p:sp>
             <p:nvSpPr>
               <p:cNvPr id="107" name="AutoShape 107"/>
@@ -14213,8 +12818,8 @@
             </p:nvSpPr>
             <p:spPr>
               <a:xfrm rot="16200000">
-                <a:off x="4268484" y="1900696"/>
-                <a:ext cx="197372" cy="607329"/>
+                <a:off x="4151739" y="1580688"/>
+                <a:ext cx="197372" cy="782368"/>
               </a:xfrm>
               <a:prstGeom prst="downArrow">
                 <a:avLst>
@@ -14247,7 +12852,7 @@
                 <a:pPr algn="ctr">
                   <a:defRPr/>
                 </a:pPr>
-                <a:endParaRPr sz="2628"/>
+                <a:endParaRPr sz="2628" dirty="0"/>
               </a:p>
             </p:txBody>
           </p:sp>
@@ -14259,8 +12864,8 @@
             </p:nvSpPr>
             <p:spPr>
               <a:xfrm>
-                <a:off x="3831818" y="1903063"/>
-                <a:ext cx="1058353" cy="241300"/>
+                <a:off x="3520990" y="1666473"/>
+                <a:ext cx="1354969" cy="239218"/>
               </a:xfrm>
               <a:prstGeom prst="rect">
                 <a:avLst/>
@@ -14300,7 +12905,7 @@
             </p:nvSpPr>
             <p:spPr>
               <a:xfrm>
-                <a:off x="2837170" y="2309379"/>
+                <a:off x="2714660" y="1825227"/>
                 <a:ext cx="1180471" cy="241300"/>
               </a:xfrm>
               <a:prstGeom prst="rect">
@@ -14322,10 +12927,10 @@
                   <a:defRPr/>
                 </a:pPr>
                 <a:r>
-                  <a:rPr lang="en-US" sz="1000"/>
+                  <a:rPr lang="en-US" sz="1000" dirty="0"/>
                   <a:t>Original Scene</a:t>
                 </a:r>
-                <a:endParaRPr lang="en-US" sz="1100"/>
+                <a:endParaRPr lang="en-US" sz="1100" dirty="0"/>
               </a:p>
             </p:txBody>
           </p:sp>
@@ -14337,8 +12942,8 @@
             </p:nvSpPr>
             <p:spPr>
               <a:xfrm>
-                <a:off x="4924580" y="2400030"/>
-                <a:ext cx="1397792" cy="241300"/>
+                <a:off x="4629502" y="1698292"/>
+                <a:ext cx="1713735" cy="685980"/>
               </a:xfrm>
               <a:prstGeom prst="rect">
                 <a:avLst/>
@@ -14360,9 +12965,28 @@
                 </a:pPr>
                 <a:r>
                   <a:rPr lang="en-US" sz="1000" dirty="0"/>
-                  <a:t>Scene with NavMesh</a:t>
+                  <a:t>Scene </a:t>
                 </a:r>
-                <a:endParaRPr lang="en-US" sz="1100" dirty="0"/>
+                <a:r>
+                  <a:rPr lang="en-US" altLang="zh-CN" sz="1000" dirty="0"/>
+                  <a:t>with </a:t>
+                </a:r>
+                <a:r>
+                  <a:rPr lang="en-US" sz="1000" dirty="0"/>
+                  <a:t>NavMesh</a:t>
+                </a:r>
+                <a:br>
+                  <a:rPr lang="en-US" sz="1000" dirty="0"/>
+                </a:br>
+                <a:r>
+                  <a:rPr lang="en-US" sz="1000" dirty="0"/>
+                  <a:t>(</a:t>
+                </a:r>
+                <a:r>
+                  <a:rPr lang="en-US" altLang="zh-CN" sz="1000" dirty="0"/>
+                  <a:t>facilitates agent navigation in the Unity scene)</a:t>
+                </a:r>
+                <a:endParaRPr lang="en-US" sz="1000" dirty="0"/>
               </a:p>
             </p:txBody>
           </p:sp>
@@ -14544,8 +13168,8 @@
         </p:nvGrpSpPr>
         <p:grpSpPr>
           <a:xfrm>
-            <a:off x="7722346" y="472686"/>
-            <a:ext cx="1234489" cy="1184942"/>
+            <a:off x="7738384" y="433438"/>
+            <a:ext cx="975689" cy="917386"/>
             <a:chOff x="7841246" y="659452"/>
             <a:chExt cx="1573196" cy="1508796"/>
           </a:xfrm>
@@ -14981,8 +13605,8 @@
         </p:nvCxnSpPr>
         <p:spPr>
           <a:xfrm flipV="1">
-            <a:off x="7555437" y="1484097"/>
-            <a:ext cx="347696" cy="396446"/>
+            <a:off x="7606233" y="1216476"/>
+            <a:ext cx="275037" cy="440202"/>
           </a:xfrm>
           <a:prstGeom prst="line">
             <a:avLst/>
@@ -15018,8 +13642,8 @@
         </p:nvSpPr>
         <p:spPr>
           <a:xfrm>
-            <a:off x="7369897" y="595302"/>
-            <a:ext cx="185540" cy="2570481"/>
+            <a:off x="7420693" y="542512"/>
+            <a:ext cx="185540" cy="2228331"/>
           </a:xfrm>
           <a:prstGeom prst="rightBrace">
             <a:avLst>
@@ -15072,9 +13696,9 @@
           <p:nvPr/>
         </p:nvSpPr>
         <p:spPr>
-          <a:xfrm rot="1852424">
-            <a:off x="8699507" y="787181"/>
-            <a:ext cx="666525" cy="1120224"/>
+          <a:xfrm rot="771258">
+            <a:off x="8536923" y="847000"/>
+            <a:ext cx="460945" cy="992775"/>
           </a:xfrm>
           <a:prstGeom prst="curvedRightArrow">
             <a:avLst>
@@ -15124,8 +13748,8 @@
         </p:nvGrpSpPr>
         <p:grpSpPr>
           <a:xfrm>
-            <a:off x="9051637" y="1739348"/>
-            <a:ext cx="1981542" cy="355365"/>
+            <a:off x="9149886" y="1658118"/>
+            <a:ext cx="943913" cy="355365"/>
             <a:chOff x="4692103" y="4907987"/>
             <a:chExt cx="1601074" cy="355365"/>
           </a:xfrm>
@@ -15182,8 +13806,8 @@
           </p:nvSpPr>
           <p:spPr>
             <a:xfrm>
-              <a:off x="4697514" y="4907987"/>
-              <a:ext cx="1528848" cy="327608"/>
+              <a:off x="4697512" y="4907987"/>
+              <a:ext cx="1528847" cy="327608"/>
             </a:xfrm>
             <a:prstGeom prst="rect">
               <a:avLst/>
@@ -15213,7 +13837,16 @@
                   </a:solidFill>
                   <a:latin typeface="+mj-lt"/>
                 </a:rPr>
-                <a:t> Probability-based FSM</a:t>
+                <a:t> </a:t>
+              </a:r>
+              <a:r>
+                <a:rPr lang="en-US" altLang="zh-CN" sz="1200" b="1" dirty="0">
+                  <a:solidFill>
+                    <a:srgbClr val="1F2329"/>
+                  </a:solidFill>
+                  <a:latin typeface="+mj-lt"/>
+                </a:rPr>
+                <a:t>PFSM</a:t>
               </a:r>
               <a:endParaRPr lang="en-US" sz="1050" b="1" dirty="0">
                 <a:latin typeface="+mj-lt"/>
@@ -15230,10 +13863,10 @@
         </p:nvGrpSpPr>
         <p:grpSpPr>
           <a:xfrm>
-            <a:off x="9725638" y="451549"/>
-            <a:ext cx="1557534" cy="1029268"/>
+            <a:off x="9189458" y="431835"/>
+            <a:ext cx="1685552" cy="1029268"/>
             <a:chOff x="8913758" y="1975184"/>
-            <a:chExt cx="1557534" cy="1029268"/>
+            <a:chExt cx="1685552" cy="1029268"/>
           </a:xfrm>
         </p:grpSpPr>
         <p:sp>
@@ -15245,7 +13878,7 @@
           <p:spPr>
             <a:xfrm>
               <a:off x="8913758" y="1975184"/>
-              <a:ext cx="1491087" cy="1029268"/>
+              <a:ext cx="1685552" cy="1029268"/>
             </a:xfrm>
             <a:prstGeom prst="roundRect">
               <a:avLst>
@@ -15303,7 +13936,7 @@
               <p:nvPr/>
             </p:nvPicPr>
             <p:blipFill>
-              <a:blip r:embed="rId10"/>
+              <a:blip r:embed="rId8"/>
               <a:stretch>
                 <a:fillRect/>
               </a:stretch>
@@ -15631,8 +14264,8 @@
           </p:nvSpPr>
           <p:spPr>
             <a:xfrm>
-              <a:off x="9391792" y="2672144"/>
-              <a:ext cx="1079500" cy="308150"/>
+              <a:off x="9570079" y="2629417"/>
+              <a:ext cx="967614" cy="340598"/>
             </a:xfrm>
             <a:prstGeom prst="rect">
               <a:avLst/>
@@ -15658,7 +14291,7 @@
                     <a:srgbClr val="1F2329"/>
                   </a:solidFill>
                 </a:rPr>
-                <a:t>VRExplorer</a:t>
+                <a:t>VRExplorer Agent</a:t>
               </a:r>
               <a:endParaRPr lang="en-US" sz="1100" dirty="0"/>
             </a:p>
@@ -15673,7 +14306,7 @@
         </p:nvGrpSpPr>
         <p:grpSpPr>
           <a:xfrm>
-            <a:off x="7681462" y="191573"/>
+            <a:off x="7732258" y="138783"/>
             <a:ext cx="3463972" cy="279400"/>
             <a:chOff x="7741716" y="1157582"/>
             <a:chExt cx="3463972" cy="279400"/>
@@ -15835,10 +14468,10 @@
         </p:nvGrpSpPr>
         <p:grpSpPr>
           <a:xfrm>
-            <a:off x="8147039" y="3244689"/>
-            <a:ext cx="4022456" cy="512406"/>
-            <a:chOff x="4684614" y="5884977"/>
-            <a:chExt cx="4022456" cy="512406"/>
+            <a:off x="8011479" y="3237587"/>
+            <a:ext cx="1468649" cy="328236"/>
+            <a:chOff x="4684616" y="5884976"/>
+            <a:chExt cx="3170119" cy="512407"/>
           </a:xfrm>
         </p:grpSpPr>
         <p:sp>
@@ -15887,8 +14520,8 @@
           </p:nvSpPr>
           <p:spPr>
             <a:xfrm>
-              <a:off x="4684614" y="5884977"/>
-              <a:ext cx="3170119" cy="290428"/>
+              <a:off x="4684616" y="5884976"/>
+              <a:ext cx="3170119" cy="512405"/>
             </a:xfrm>
             <a:prstGeom prst="rect">
               <a:avLst/>
@@ -15926,178 +14559,6 @@
             </a:p>
           </p:txBody>
         </p:sp>
-        <p:grpSp>
-          <p:nvGrpSpPr>
-            <p:cNvPr id="142" name="Group 142"/>
-            <p:cNvGrpSpPr/>
-            <p:nvPr/>
-          </p:nvGrpSpPr>
-          <p:grpSpPr>
-            <a:xfrm>
-              <a:off x="4700610" y="6111156"/>
-              <a:ext cx="4006460" cy="256923"/>
-              <a:chOff x="4700610" y="6111156"/>
-              <a:chExt cx="4006460" cy="256923"/>
-            </a:xfrm>
-          </p:grpSpPr>
-          <p:sp>
-            <p:nvSpPr>
-              <p:cNvPr id="143" name="AutoShape 143"/>
-              <p:cNvSpPr/>
-              <p:nvPr/>
-            </p:nvSpPr>
-            <p:spPr>
-              <a:xfrm>
-                <a:off x="4700610" y="6119707"/>
-                <a:ext cx="4006460" cy="241300"/>
-              </a:xfrm>
-              <a:prstGeom prst="rect">
-                <a:avLst/>
-              </a:prstGeom>
-              <a:noFill/>
-              <a:ln w="12700">
-                <a:noFill/>
-                <a:prstDash val="solid"/>
-              </a:ln>
-            </p:spPr>
-            <p:txBody>
-              <a:bodyPr lIns="91440" tIns="45720" rIns="91440" bIns="45720" rtlCol="0" anchor="t">
-                <a:noAutofit/>
-              </a:bodyPr>
-              <a:lstStyle/>
-              <a:p>
-                <a:pPr>
-                  <a:defRPr/>
-                </a:pPr>
-                <a:r>
-                  <a:rPr lang="en-US" sz="1000" dirty="0">
-                    <a:latin typeface="Consolas"/>
-                    <a:ea typeface="Consolas"/>
-                    <a:cs typeface="Consolas"/>
-                    <a:sym typeface="Consolas"/>
-                  </a:rPr>
-                  <a:t>List&lt;</a:t>
-                </a:r>
-                <a:r>
-                  <a:rPr lang="en-US" sz="1000" b="1" dirty="0">
-                    <a:solidFill>
-                      <a:srgbClr val="517BCE"/>
-                    </a:solidFill>
-                    <a:latin typeface="Consolas"/>
-                    <a:ea typeface="Consolas"/>
-                    <a:cs typeface="Consolas"/>
-                    <a:sym typeface="Consolas"/>
-                  </a:rPr>
-                  <a:t>BaseAction</a:t>
-                </a:r>
-                <a:r>
-                  <a:rPr lang="en-US" sz="1000" dirty="0">
-                    <a:latin typeface="Consolas"/>
-                    <a:ea typeface="Consolas"/>
-                    <a:cs typeface="Consolas"/>
-                    <a:sym typeface="Consolas"/>
-                  </a:rPr>
-                  <a:t>&gt; GetTask(</a:t>
-                </a:r>
-                <a:r>
-                  <a:rPr lang="en-US" sz="1000" b="1" dirty="0">
-                    <a:solidFill>
-                      <a:srgbClr val="F2BA02"/>
-                    </a:solidFill>
-                    <a:latin typeface="Consolas"/>
-                    <a:ea typeface="Consolas"/>
-                    <a:cs typeface="Consolas"/>
-                    <a:sym typeface="Consolas"/>
-                  </a:rPr>
-                  <a:t>Mono</a:t>
-                </a:r>
-                <a:r>
-                  <a:rPr lang="en-US" sz="1000" dirty="0">
-                    <a:latin typeface="Consolas"/>
-                    <a:ea typeface="Consolas"/>
-                    <a:cs typeface="Consolas"/>
-                    <a:sym typeface="Consolas"/>
-                  </a:rPr>
-                  <a:t>    m);</a:t>
-                </a:r>
-                <a:endParaRPr lang="en-US" sz="1100" dirty="0"/>
-              </a:p>
-            </p:txBody>
-          </p:sp>
-          <p:grpSp>
-            <p:nvGrpSpPr>
-              <p:cNvPr id="144" name="Group 144"/>
-              <p:cNvGrpSpPr/>
-              <p:nvPr/>
-            </p:nvGrpSpPr>
-            <p:grpSpPr>
-              <a:xfrm>
-                <a:off x="6823867" y="6111156"/>
-                <a:ext cx="240937" cy="256923"/>
-                <a:chOff x="6823867" y="6111156"/>
-                <a:chExt cx="240937" cy="256923"/>
-              </a:xfrm>
-            </p:grpSpPr>
-            <p:pic>
-              <p:nvPicPr>
-                <p:cNvPr id="145" name="Picture 145"/>
-                <p:cNvPicPr>
-                  <a:picLocks noChangeAspect="1"/>
-                </p:cNvPicPr>
-                <p:nvPr/>
-              </p:nvPicPr>
-              <p:blipFill>
-                <a:blip r:embed="rId5"/>
-                <a:stretch>
-                  <a:fillRect/>
-                </a:stretch>
-              </p:blipFill>
-              <p:spPr>
-                <a:xfrm>
-                  <a:off x="6823867" y="6111156"/>
-                  <a:ext cx="221834" cy="217752"/>
-                </a:xfrm>
-                <a:prstGeom prst="roundRect">
-                  <a:avLst>
-                    <a:gd name="adj" fmla="val 18982"/>
-                  </a:avLst>
-                </a:prstGeom>
-                <a:ln>
-                  <a:noFill/>
-                  <a:prstDash val="solid"/>
-                </a:ln>
-              </p:spPr>
-            </p:pic>
-            <p:pic>
-              <p:nvPicPr>
-                <p:cNvPr id="146" name="Picture 146"/>
-                <p:cNvPicPr>
-                  <a:picLocks noChangeAspect="1"/>
-                </p:cNvPicPr>
-                <p:nvPr/>
-              </p:nvPicPr>
-              <p:blipFill>
-                <a:blip r:embed="rId3"/>
-                <a:stretch>
-                  <a:fillRect/>
-                </a:stretch>
-              </p:blipFill>
-              <p:spPr>
-                <a:xfrm>
-                  <a:off x="6950577" y="6255954"/>
-                  <a:ext cx="114227" cy="112125"/>
-                </a:xfrm>
-                <a:prstGeom prst="rect">
-                  <a:avLst/>
-                </a:prstGeom>
-                <a:ln>
-                  <a:noFill/>
-                  <a:prstDash val="solid"/>
-                </a:ln>
-              </p:spPr>
-            </p:pic>
-          </p:grpSp>
-        </p:grpSp>
       </p:grpSp>
       <p:sp>
         <p:nvSpPr>
@@ -16113,7 +14574,7 @@
         </p:nvSpPr>
         <p:spPr>
           <a:xfrm>
-            <a:off x="9161423" y="1480402"/>
+            <a:off x="8826820" y="1397849"/>
             <a:ext cx="2343177" cy="261610"/>
           </a:xfrm>
           <a:prstGeom prst="rect">
@@ -16148,7 +14609,7 @@
         </p:nvSpPr>
         <p:spPr>
           <a:xfrm>
-            <a:off x="9101980" y="2951152"/>
+            <a:off x="9152776" y="2898362"/>
             <a:ext cx="214835" cy="290428"/>
           </a:xfrm>
           <a:prstGeom prst="downArrow">
@@ -16200,8 +14661,8 @@
         </p:nvSpPr>
         <p:spPr>
           <a:xfrm>
-            <a:off x="7602798" y="174219"/>
-            <a:ext cx="4487452" cy="5063067"/>
+            <a:off x="7653594" y="121429"/>
+            <a:ext cx="4351724" cy="5063067"/>
           </a:xfrm>
           <a:prstGeom prst="roundRect">
             <a:avLst>
@@ -16244,7 +14705,7 @@
         </p:nvGrpSpPr>
         <p:grpSpPr>
           <a:xfrm>
-            <a:off x="8795439" y="4095573"/>
+            <a:off x="9194613" y="4064727"/>
             <a:ext cx="2426712" cy="973427"/>
             <a:chOff x="8543838" y="3093823"/>
             <a:chExt cx="2426712" cy="973427"/>
@@ -16690,7 +15151,7 @@
         </p:nvGrpSpPr>
         <p:grpSpPr>
           <a:xfrm>
-            <a:off x="7656844" y="4038693"/>
+            <a:off x="7986537" y="3998764"/>
             <a:ext cx="1261461" cy="964593"/>
             <a:chOff x="10984860" y="3003295"/>
             <a:chExt cx="1261461" cy="964593"/>
@@ -16711,7 +15172,7 @@
             <p:nvPr/>
           </p:nvPicPr>
           <p:blipFill>
-            <a:blip r:embed="rId11"/>
+            <a:blip r:embed="rId9"/>
             <a:srcRect/>
             <a:stretch>
               <a:fillRect/>
@@ -16766,7 +15227,7 @@
               <p:nvPr/>
             </p:nvPicPr>
             <p:blipFill>
-              <a:blip r:embed="rId12"/>
+              <a:blip r:embed="rId10"/>
               <a:srcRect/>
               <a:stretch>
                 <a:fillRect/>
@@ -16985,8 +15446,8 @@
         </p:nvSpPr>
         <p:spPr>
           <a:xfrm>
-            <a:off x="7729285" y="3781864"/>
-            <a:ext cx="3677266" cy="261610"/>
+            <a:off x="9401698" y="3033636"/>
+            <a:ext cx="614902" cy="261610"/>
           </a:xfrm>
           <a:prstGeom prst="rect">
             <a:avLst/>
@@ -17001,52 +15462,8 @@
           <a:p>
             <a:r>
               <a:rPr lang="en-US" altLang="zh-CN" sz="1100" dirty="0"/>
-              <a:t>Output </a:t>
+              <a:t>Output</a:t>
             </a:r>
-            <a:r>
-              <a:rPr lang="en-US" altLang="zh-CN" sz="1100" b="1" dirty="0">
-                <a:solidFill>
-                  <a:srgbClr val="41C6BB"/>
-                </a:solidFill>
-                <a:latin typeface="Consolas" panose="020B0609020204030204" pitchFamily="49" charset="0"/>
-              </a:rPr>
-              <a:t>Task</a:t>
-            </a:r>
-            <a:r>
-              <a:rPr lang="en-US" altLang="zh-CN" sz="1100" dirty="0"/>
-              <a:t> in the form of </a:t>
-            </a:r>
-            <a:r>
-              <a:rPr lang="en-US" altLang="zh-CN" sz="1100" dirty="0">
-                <a:latin typeface="Consolas"/>
-                <a:ea typeface="Consolas"/>
-                <a:cs typeface="Consolas"/>
-                <a:sym typeface="Consolas"/>
-              </a:rPr>
-              <a:t>List&lt;</a:t>
-            </a:r>
-            <a:r>
-              <a:rPr lang="en-US" altLang="zh-CN" sz="1100" b="1" dirty="0">
-                <a:solidFill>
-                  <a:srgbClr val="517BCE"/>
-                </a:solidFill>
-                <a:latin typeface="Consolas"/>
-                <a:ea typeface="Consolas"/>
-                <a:cs typeface="Consolas"/>
-                <a:sym typeface="Consolas"/>
-              </a:rPr>
-              <a:t>BaseAction</a:t>
-            </a:r>
-            <a:r>
-              <a:rPr lang="en-US" altLang="zh-CN" sz="1100" dirty="0">
-                <a:latin typeface="Consolas"/>
-                <a:ea typeface="Consolas"/>
-                <a:cs typeface="Consolas"/>
-                <a:sym typeface="Consolas"/>
-              </a:rPr>
-              <a:t>&gt; </a:t>
-            </a:r>
-            <a:endParaRPr lang="en-US" altLang="zh-CN" sz="1100" dirty="0"/>
           </a:p>
         </p:txBody>
       </p:sp>
@@ -17064,8 +15481,8 @@
         </p:nvSpPr>
         <p:spPr>
           <a:xfrm>
-            <a:off x="7707221" y="2875660"/>
-            <a:ext cx="1477613" cy="430887"/>
+            <a:off x="7758018" y="2822870"/>
+            <a:ext cx="1468648" cy="430887"/>
           </a:xfrm>
           <a:prstGeom prst="rect">
             <a:avLst/>
@@ -17080,7 +15497,7 @@
           <a:p>
             <a:r>
               <a:rPr lang="en-US" altLang="zh-CN" sz="1100" dirty="0"/>
-              <a:t>Input the Next</a:t>
+              <a:t>Input Next</a:t>
             </a:r>
           </a:p>
           <a:p>
@@ -17109,13 +15526,13 @@
         </p:nvSpPr>
         <p:spPr>
           <a:xfrm rot="16200000" flipV="1">
-            <a:off x="9499517" y="2331789"/>
-            <a:ext cx="4084634" cy="611657"/>
+            <a:off x="9977285" y="1676386"/>
+            <a:ext cx="2888209" cy="675414"/>
           </a:xfrm>
           <a:prstGeom prst="uturnArrow">
             <a:avLst>
               <a:gd name="adj1" fmla="val 22202"/>
-              <a:gd name="adj2" fmla="val 25000"/>
+              <a:gd name="adj2" fmla="val 20439"/>
               <a:gd name="adj3" fmla="val 35578"/>
               <a:gd name="adj4" fmla="val 61599"/>
               <a:gd name="adj5" fmla="val 98117"/>
@@ -17141,7 +15558,7 @@
           <a:lstStyle/>
           <a:p>
             <a:pPr algn="ctr"/>
-            <a:endParaRPr lang="zh-CN" altLang="en-US" sz="2628">
+            <a:endParaRPr lang="zh-CN" altLang="en-US" sz="2628" dirty="0">
               <a:solidFill>
                 <a:schemeClr val="tx1"/>
               </a:solidFill>
@@ -17162,9 +15579,9 @@
           <p:nvPr/>
         </p:nvSpPr>
         <p:spPr>
-          <a:xfrm>
-            <a:off x="10804265" y="3767335"/>
-            <a:ext cx="220337" cy="304330"/>
+          <a:xfrm rot="16200000">
+            <a:off x="9628699" y="3222572"/>
+            <a:ext cx="220337" cy="365685"/>
           </a:xfrm>
           <a:prstGeom prst="downArrow">
             <a:avLst>
@@ -17215,7 +15632,7 @@
         </p:nvSpPr>
         <p:spPr>
           <a:xfrm rot="5400000">
-            <a:off x="11272616" y="2556044"/>
+            <a:off x="11179641" y="2172759"/>
             <a:ext cx="1405133" cy="246221"/>
           </a:xfrm>
           <a:prstGeom prst="rect">
@@ -17273,17 +15690,17 @@
         </p:nvSpPr>
         <p:spPr>
           <a:xfrm rot="10800000">
-            <a:off x="3449934" y="88633"/>
-            <a:ext cx="8719561" cy="5300234"/>
+            <a:off x="3500729" y="35843"/>
+            <a:ext cx="8597022" cy="5262383"/>
           </a:xfrm>
           <a:prstGeom prst="corner">
             <a:avLst>
-              <a:gd name="adj1" fmla="val 61093"/>
-              <a:gd name="adj2" fmla="val 87848"/>
+              <a:gd name="adj1" fmla="val 54623"/>
+              <a:gd name="adj2" fmla="val 86902"/>
             </a:avLst>
           </a:prstGeom>
           <a:noFill/>
-          <a:ln w="34925">
+          <a:ln w="31750">
             <a:solidFill>
               <a:srgbClr val="C00000"/>
             </a:solidFill>
@@ -17329,10 +15746,10 @@
         </p:nvGrpSpPr>
         <p:grpSpPr>
           <a:xfrm>
-            <a:off x="3577432" y="-299615"/>
-            <a:ext cx="4051401" cy="3483140"/>
-            <a:chOff x="3390598" y="-303860"/>
-            <a:chExt cx="4051401" cy="3483140"/>
+            <a:off x="3650918" y="1437345"/>
+            <a:ext cx="4051401" cy="1358054"/>
+            <a:chOff x="3390598" y="1821226"/>
+            <a:chExt cx="4051401" cy="1358054"/>
           </a:xfrm>
         </p:grpSpPr>
         <p:grpSp>
@@ -17511,10 +15928,10 @@
           </p:nvGrpSpPr>
           <p:grpSpPr>
             <a:xfrm>
-              <a:off x="3390598" y="-303860"/>
-              <a:ext cx="3722489" cy="3483140"/>
-              <a:chOff x="2735873" y="-261006"/>
-              <a:chExt cx="3722489" cy="3483140"/>
+              <a:off x="3390598" y="1821226"/>
+              <a:ext cx="3722489" cy="1358054"/>
+              <a:chOff x="2735873" y="1864080"/>
+              <a:chExt cx="3722489" cy="1358054"/>
             </a:xfrm>
           </p:grpSpPr>
           <p:grpSp>
@@ -17808,21 +16225,21 @@
           </p:sp>
           <p:grpSp>
             <p:nvGrpSpPr>
-              <p:cNvPr id="112" name="Group 112"/>
+              <p:cNvPr id="113" name="Group 113"/>
               <p:cNvGrpSpPr/>
               <p:nvPr/>
             </p:nvGrpSpPr>
             <p:grpSpPr>
               <a:xfrm>
-                <a:off x="2805451" y="-261006"/>
-                <a:ext cx="1531109" cy="3381212"/>
-                <a:chOff x="2800273" y="695819"/>
-                <a:chExt cx="1531109" cy="3381212"/>
+                <a:off x="2805451" y="1922466"/>
+                <a:ext cx="1397000" cy="1197740"/>
+                <a:chOff x="2800273" y="2879291"/>
+                <a:chExt cx="1397000" cy="1197740"/>
               </a:xfrm>
             </p:grpSpPr>
             <p:grpSp>
               <p:nvGrpSpPr>
-                <p:cNvPr id="113" name="Group 113"/>
+                <p:cNvPr id="114" name="Group 114"/>
                 <p:cNvGrpSpPr/>
                 <p:nvPr/>
               </p:nvGrpSpPr>
@@ -17834,257 +16251,91 @@
                   <a:chExt cx="1397000" cy="1197740"/>
                 </a:xfrm>
               </p:grpSpPr>
-              <p:grpSp>
-                <p:nvGrpSpPr>
-                  <p:cNvPr id="114" name="Group 114"/>
-                  <p:cNvGrpSpPr/>
+              <p:sp>
+                <p:nvSpPr>
+                  <p:cNvPr id="115" name="AutoShape 115"/>
+                  <p:cNvSpPr/>
                   <p:nvPr/>
-                </p:nvGrpSpPr>
-                <p:grpSpPr>
+                </p:nvSpPr>
+                <p:spPr>
                   <a:xfrm>
                     <a:off x="2800273" y="2879291"/>
                     <a:ext cx="1397000" cy="1197740"/>
-                    <a:chOff x="2800273" y="2879291"/>
-                    <a:chExt cx="1397000" cy="1197740"/>
                   </a:xfrm>
-                </p:grpSpPr>
-                <p:sp>
-                  <p:nvSpPr>
-                    <p:cNvPr id="115" name="AutoShape 115"/>
-                    <p:cNvSpPr/>
-                    <p:nvPr/>
-                  </p:nvSpPr>
-                  <p:spPr>
-                    <a:xfrm>
-                      <a:off x="2800273" y="2879291"/>
-                      <a:ext cx="1397000" cy="1197740"/>
-                    </a:xfrm>
-                    <a:prstGeom prst="roundRect">
-                      <a:avLst>
-                        <a:gd name="adj" fmla="val 9090"/>
-                      </a:avLst>
-                    </a:prstGeom>
+                  <a:prstGeom prst="roundRect">
+                    <a:avLst>
+                      <a:gd name="adj" fmla="val 9090"/>
+                    </a:avLst>
+                  </a:prstGeom>
+                  <a:solidFill>
+                    <a:srgbClr val="DEE0E3">
+                      <a:alpha val="20000"/>
+                    </a:srgbClr>
+                  </a:solidFill>
+                  <a:ln w="25400" cap="flat" cmpd="sng">
                     <a:solidFill>
-                      <a:srgbClr val="DEE0E3">
+                      <a:srgbClr val="2B2F36">
                         <a:alpha val="20000"/>
                       </a:srgbClr>
                     </a:solidFill>
-                    <a:ln w="25400" cap="flat" cmpd="sng">
-                      <a:solidFill>
-                        <a:srgbClr val="2B2F36">
-                          <a:alpha val="20000"/>
-                        </a:srgbClr>
-                      </a:solidFill>
-                      <a:prstDash val="solid"/>
-                      <a:round/>
-                    </a:ln>
-                  </p:spPr>
-                  <p:txBody>
-                    <a:bodyPr lIns="63500" tIns="63500" rIns="63500" bIns="63500" rtlCol="0" anchor="ctr">
-                      <a:noAutofit/>
-                    </a:bodyPr>
-                    <a:lstStyle/>
-                    <a:p>
-                      <a:pPr algn="ctr">
-                        <a:defRPr/>
-                      </a:pPr>
-                      <a:endParaRPr sz="2628" dirty="0"/>
-                    </a:p>
-                  </p:txBody>
-                </p:sp>
-                <p:sp>
-                  <p:nvSpPr>
-                    <p:cNvPr id="116" name="AutoShape 116"/>
-                    <p:cNvSpPr/>
-                    <p:nvPr/>
-                  </p:nvSpPr>
-                  <p:spPr>
-                    <a:xfrm>
-                      <a:off x="2952328" y="3385993"/>
-                      <a:ext cx="1114207" cy="649260"/>
-                    </a:xfrm>
-                    <a:prstGeom prst="roundRect">
-                      <a:avLst>
-                        <a:gd name="adj" fmla="val 17647"/>
-                      </a:avLst>
-                    </a:prstGeom>
-                    <a:solidFill>
-                      <a:srgbClr val="FAD355"/>
-                    </a:solidFill>
-                    <a:ln w="25400" cap="flat" cmpd="sng">
-                      <a:noFill/>
-                      <a:prstDash val="solid"/>
-                      <a:round/>
-                    </a:ln>
-                  </p:spPr>
-                  <p:txBody>
-                    <a:bodyPr lIns="63500" tIns="63500" rIns="63500" bIns="63500" rtlCol="0" anchor="ctr">
-                      <a:noAutofit/>
-                    </a:bodyPr>
-                    <a:lstStyle/>
-                    <a:p>
-                      <a:pPr algn="ctr">
-                        <a:defRPr/>
-                      </a:pPr>
-                      <a:endParaRPr sz="2628" dirty="0"/>
-                    </a:p>
-                  </p:txBody>
-                </p:sp>
-                <p:pic>
-                  <p:nvPicPr>
-                    <p:cNvPr id="117" name="Picture 117"/>
-                    <p:cNvPicPr>
-                      <a:picLocks noChangeAspect="1"/>
-                    </p:cNvPicPr>
-                    <p:nvPr/>
-                  </p:nvPicPr>
-                  <p:blipFill>
-                    <a:blip r:embed="rId5"/>
-                    <a:stretch>
-                      <a:fillRect/>
-                    </a:stretch>
-                  </p:blipFill>
-                  <p:spPr>
-                    <a:xfrm>
-                      <a:off x="3133953" y="3588519"/>
-                      <a:ext cx="370016" cy="349489"/>
-                    </a:xfrm>
-                    <a:prstGeom prst="roundRect">
-                      <a:avLst>
-                        <a:gd name="adj" fmla="val 10768"/>
-                      </a:avLst>
-                    </a:prstGeom>
-                    <a:ln>
-                      <a:noFill/>
-                      <a:prstDash val="solid"/>
-                    </a:ln>
-                  </p:spPr>
-                </p:pic>
-                <p:pic>
-                  <p:nvPicPr>
-                    <p:cNvPr id="118" name="Picture 118"/>
-                    <p:cNvPicPr>
-                      <a:picLocks noChangeAspect="1"/>
-                    </p:cNvPicPr>
-                    <p:nvPr/>
-                  </p:nvPicPr>
-                  <p:blipFill>
-                    <a:blip r:embed="rId7"/>
-                    <a:stretch>
-                      <a:fillRect/>
-                    </a:stretch>
-                  </p:blipFill>
-                  <p:spPr>
-                    <a:xfrm>
-                      <a:off x="3064178" y="3079332"/>
-                      <a:ext cx="282023" cy="266378"/>
-                    </a:xfrm>
-                    <a:prstGeom prst="rect">
-                      <a:avLst/>
-                    </a:prstGeom>
-                    <a:ln>
-                      <a:noFill/>
-                      <a:prstDash val="solid"/>
-                    </a:ln>
-                  </p:spPr>
-                </p:pic>
-                <p:sp>
-                  <p:nvSpPr>
-                    <p:cNvPr id="119" name="AutoShape 119"/>
-                    <p:cNvSpPr/>
-                    <p:nvPr/>
-                  </p:nvSpPr>
-                  <p:spPr>
-                    <a:xfrm>
-                      <a:off x="3099301" y="3370933"/>
-                      <a:ext cx="860063" cy="239218"/>
-                    </a:xfrm>
-                    <a:prstGeom prst="rect">
-                      <a:avLst/>
-                    </a:prstGeom>
+                    <a:prstDash val="solid"/>
+                    <a:round/>
+                  </a:ln>
+                </p:spPr>
+                <p:txBody>
+                  <a:bodyPr lIns="63500" tIns="63500" rIns="63500" bIns="63500" rtlCol="0" anchor="ctr">
+                    <a:noAutofit/>
+                  </a:bodyPr>
+                  <a:lstStyle/>
+                  <a:p>
+                    <a:pPr algn="ctr">
+                      <a:defRPr/>
+                    </a:pPr>
+                    <a:endParaRPr sz="2628" dirty="0"/>
+                  </a:p>
+                </p:txBody>
+              </p:sp>
+              <p:sp>
+                <p:nvSpPr>
+                  <p:cNvPr id="116" name="AutoShape 116"/>
+                  <p:cNvSpPr/>
+                  <p:nvPr/>
+                </p:nvSpPr>
+                <p:spPr>
+                  <a:xfrm>
+                    <a:off x="2952328" y="3385993"/>
+                    <a:ext cx="1114207" cy="649260"/>
+                  </a:xfrm>
+                  <a:prstGeom prst="roundRect">
+                    <a:avLst>
+                      <a:gd name="adj" fmla="val 17647"/>
+                    </a:avLst>
+                  </a:prstGeom>
+                  <a:solidFill>
+                    <a:srgbClr val="FAD355"/>
+                  </a:solidFill>
+                  <a:ln w="25400" cap="flat" cmpd="sng">
                     <a:noFill/>
-                    <a:ln w="12700">
-                      <a:noFill/>
-                      <a:prstDash val="solid"/>
-                    </a:ln>
-                  </p:spPr>
-                  <p:txBody>
-                    <a:bodyPr lIns="91440" tIns="45720" rIns="91440" bIns="45720" rtlCol="0" anchor="t">
-                      <a:noAutofit/>
-                    </a:bodyPr>
-                    <a:lstStyle/>
-                    <a:p>
-                      <a:pPr>
-                        <a:defRPr/>
-                      </a:pPr>
-                      <a:r>
-                        <a:rPr lang="en-US" sz="900" dirty="0"/>
-                        <a:t>Core Scripts</a:t>
-                      </a:r>
-                      <a:endParaRPr lang="en-US" sz="1200" dirty="0"/>
-                    </a:p>
-                  </p:txBody>
-                </p:sp>
-                <p:pic>
-                  <p:nvPicPr>
-                    <p:cNvPr id="121" name="Picture 121"/>
-                    <p:cNvPicPr>
-                      <a:picLocks noChangeAspect="1"/>
-                    </p:cNvPicPr>
-                    <p:nvPr/>
-                  </p:nvPicPr>
-                  <p:blipFill>
-                    <a:blip r:embed="rId7"/>
-                    <a:stretch>
-                      <a:fillRect/>
-                    </a:stretch>
-                  </p:blipFill>
-                  <p:spPr>
-                    <a:xfrm>
-                      <a:off x="3370096" y="3084686"/>
-                      <a:ext cx="282023" cy="266378"/>
-                    </a:xfrm>
-                    <a:prstGeom prst="rect">
-                      <a:avLst/>
-                    </a:prstGeom>
-                    <a:ln>
-                      <a:noFill/>
-                      <a:prstDash val="solid"/>
-                    </a:ln>
-                  </p:spPr>
-                </p:pic>
-                <p:pic>
-                  <p:nvPicPr>
-                    <p:cNvPr id="122" name="Picture 122"/>
-                    <p:cNvPicPr>
-                      <a:picLocks noChangeAspect="1"/>
-                    </p:cNvPicPr>
-                    <p:nvPr/>
-                  </p:nvPicPr>
-                  <p:blipFill>
-                    <a:blip r:embed="rId7"/>
-                    <a:stretch>
-                      <a:fillRect/>
-                    </a:stretch>
-                  </p:blipFill>
-                  <p:spPr>
-                    <a:xfrm>
-                      <a:off x="3693443" y="3084686"/>
-                      <a:ext cx="282023" cy="266378"/>
-                    </a:xfrm>
-                    <a:prstGeom prst="rect">
-                      <a:avLst/>
-                    </a:prstGeom>
-                    <a:ln>
-                      <a:noFill/>
-                      <a:prstDash val="solid"/>
-                    </a:ln>
-                  </p:spPr>
-                </p:pic>
-              </p:grpSp>
+                    <a:prstDash val="solid"/>
+                    <a:round/>
+                  </a:ln>
+                </p:spPr>
+                <p:txBody>
+                  <a:bodyPr lIns="63500" tIns="63500" rIns="63500" bIns="63500" rtlCol="0" anchor="ctr">
+                    <a:noAutofit/>
+                  </a:bodyPr>
+                  <a:lstStyle/>
+                  <a:p>
+                    <a:pPr algn="ctr">
+                      <a:defRPr/>
+                    </a:pPr>
+                    <a:endParaRPr sz="2628" dirty="0"/>
+                  </a:p>
+                </p:txBody>
+              </p:sp>
               <p:pic>
                 <p:nvPicPr>
-                  <p:cNvPr id="123" name="Picture 123"/>
+                  <p:cNvPr id="117" name="Picture 117"/>
                   <p:cNvPicPr>
                     <a:picLocks noChangeAspect="1"/>
                   </p:cNvPicPr>
@@ -18098,8 +16349,8 @@
                 </p:blipFill>
                 <p:spPr>
                   <a:xfrm>
-                    <a:off x="3512186" y="3591602"/>
-                    <a:ext cx="371341" cy="350741"/>
+                    <a:off x="3133953" y="3588519"/>
+                    <a:ext cx="370016" cy="349489"/>
                   </a:xfrm>
                   <a:prstGeom prst="roundRect">
                     <a:avLst>
@@ -18112,51 +16363,158 @@
                   </a:ln>
                 </p:spPr>
               </p:pic>
+              <p:pic>
+                <p:nvPicPr>
+                  <p:cNvPr id="118" name="Picture 118"/>
+                  <p:cNvPicPr>
+                    <a:picLocks noChangeAspect="1"/>
+                  </p:cNvPicPr>
+                  <p:nvPr/>
+                </p:nvPicPr>
+                <p:blipFill>
+                  <a:blip r:embed="rId7"/>
+                  <a:stretch>
+                    <a:fillRect/>
+                  </a:stretch>
+                </p:blipFill>
+                <p:spPr>
+                  <a:xfrm>
+                    <a:off x="3064178" y="3079332"/>
+                    <a:ext cx="282023" cy="266378"/>
+                  </a:xfrm>
+                  <a:prstGeom prst="rect">
+                    <a:avLst/>
+                  </a:prstGeom>
+                  <a:ln>
+                    <a:noFill/>
+                    <a:prstDash val="solid"/>
+                  </a:ln>
+                </p:spPr>
+              </p:pic>
+              <p:sp>
+                <p:nvSpPr>
+                  <p:cNvPr id="119" name="AutoShape 119"/>
+                  <p:cNvSpPr/>
+                  <p:nvPr/>
+                </p:nvSpPr>
+                <p:spPr>
+                  <a:xfrm>
+                    <a:off x="3099301" y="3370933"/>
+                    <a:ext cx="860063" cy="239218"/>
+                  </a:xfrm>
+                  <a:prstGeom prst="rect">
+                    <a:avLst/>
+                  </a:prstGeom>
+                  <a:noFill/>
+                  <a:ln w="12700">
+                    <a:noFill/>
+                    <a:prstDash val="solid"/>
+                  </a:ln>
+                </p:spPr>
+                <p:txBody>
+                  <a:bodyPr lIns="91440" tIns="45720" rIns="91440" bIns="45720" rtlCol="0" anchor="t">
+                    <a:noAutofit/>
+                  </a:bodyPr>
+                  <a:lstStyle/>
+                  <a:p>
+                    <a:pPr>
+                      <a:defRPr/>
+                    </a:pPr>
+                    <a:r>
+                      <a:rPr lang="en-US" sz="900" dirty="0"/>
+                      <a:t>Core Scripts</a:t>
+                    </a:r>
+                    <a:endParaRPr lang="en-US" sz="1200" dirty="0"/>
+                  </a:p>
+                </p:txBody>
+              </p:sp>
+              <p:pic>
+                <p:nvPicPr>
+                  <p:cNvPr id="121" name="Picture 121"/>
+                  <p:cNvPicPr>
+                    <a:picLocks noChangeAspect="1"/>
+                  </p:cNvPicPr>
+                  <p:nvPr/>
+                </p:nvPicPr>
+                <p:blipFill>
+                  <a:blip r:embed="rId7"/>
+                  <a:stretch>
+                    <a:fillRect/>
+                  </a:stretch>
+                </p:blipFill>
+                <p:spPr>
+                  <a:xfrm>
+                    <a:off x="3370096" y="3084686"/>
+                    <a:ext cx="282023" cy="266378"/>
+                  </a:xfrm>
+                  <a:prstGeom prst="rect">
+                    <a:avLst/>
+                  </a:prstGeom>
+                  <a:ln>
+                    <a:noFill/>
+                    <a:prstDash val="solid"/>
+                  </a:ln>
+                </p:spPr>
+              </p:pic>
+              <p:pic>
+                <p:nvPicPr>
+                  <p:cNvPr id="122" name="Picture 122"/>
+                  <p:cNvPicPr>
+                    <a:picLocks noChangeAspect="1"/>
+                  </p:cNvPicPr>
+                  <p:nvPr/>
+                </p:nvPicPr>
+                <p:blipFill>
+                  <a:blip r:embed="rId7"/>
+                  <a:stretch>
+                    <a:fillRect/>
+                  </a:stretch>
+                </p:blipFill>
+                <p:spPr>
+                  <a:xfrm>
+                    <a:off x="3693443" y="3084686"/>
+                    <a:ext cx="282023" cy="266378"/>
+                  </a:xfrm>
+                  <a:prstGeom prst="rect">
+                    <a:avLst/>
+                  </a:prstGeom>
+                  <a:ln>
+                    <a:noFill/>
+                    <a:prstDash val="solid"/>
+                  </a:ln>
+                </p:spPr>
+              </p:pic>
             </p:grpSp>
-            <p:sp>
-              <p:nvSpPr>
-                <p:cNvPr id="124" name="AutoShape 124"/>
-                <p:cNvSpPr/>
+            <p:pic>
+              <p:nvPicPr>
+                <p:cNvPr id="123" name="Picture 123"/>
+                <p:cNvPicPr>
+                  <a:picLocks noChangeAspect="1"/>
+                </p:cNvPicPr>
                 <p:nvPr/>
-              </p:nvSpPr>
+              </p:nvPicPr>
+              <p:blipFill>
+                <a:blip r:embed="rId5"/>
+                <a:stretch>
+                  <a:fillRect/>
+                </a:stretch>
+              </p:blipFill>
               <p:spPr>
                 <a:xfrm>
-                  <a:off x="3175682" y="695819"/>
-                  <a:ext cx="1155700" cy="228600"/>
+                  <a:off x="3512186" y="3591602"/>
+                  <a:ext cx="371341" cy="350741"/>
                 </a:xfrm>
-                <a:prstGeom prst="rect">
-                  <a:avLst/>
+                <a:prstGeom prst="roundRect">
+                  <a:avLst>
+                    <a:gd name="adj" fmla="val 10768"/>
+                  </a:avLst>
                 </a:prstGeom>
-                <a:noFill/>
-                <a:ln w="12700">
+                <a:ln>
                   <a:noFill/>
                   <a:prstDash val="solid"/>
                 </a:ln>
               </p:spPr>
-              <p:txBody>
-                <a:bodyPr lIns="91440" tIns="45720" rIns="91440" bIns="45720" rtlCol="0" anchor="t">
-                  <a:noAutofit/>
-                </a:bodyPr>
-                <a:lstStyle/>
-                <a:p>
-                  <a:pPr>
-                    <a:defRPr/>
-                  </a:pPr>
-                  <a:r>
-                    <a:rPr lang="en-US" sz="900" dirty="0">
-                      <a:solidFill>
-                        <a:srgbClr val="1F2329"/>
-                      </a:solidFill>
-                      <a:latin typeface="Noto Sans SC"/>
-                      <a:ea typeface="Noto Sans SC"/>
-                      <a:sym typeface="Noto Sans SC"/>
-                    </a:rPr>
-                    <a:t>All Scripts</a:t>
-                  </a:r>
-                  <a:endParaRPr lang="en-US" sz="1100" dirty="0"/>
-                </a:p>
-              </p:txBody>
-            </p:sp>
+            </p:pic>
           </p:grpSp>
           <p:sp>
             <p:nvSpPr>
@@ -18264,7 +16622,7 @@
         </p:nvGrpSpPr>
         <p:grpSpPr>
           <a:xfrm>
-            <a:off x="142812" y="82422"/>
+            <a:off x="193608" y="29632"/>
             <a:ext cx="3138892" cy="1691446"/>
             <a:chOff x="284091" y="82793"/>
             <a:chExt cx="3138892" cy="1691446"/>
@@ -18428,7 +16786,7 @@
               <p:nvPr/>
             </p:nvPicPr>
             <p:blipFill>
-              <a:blip r:embed="rId13"/>
+              <a:blip r:embed="rId11"/>
               <a:srcRect/>
               <a:stretch>
                 <a:fillRect/>
@@ -18726,7 +17084,7 @@
               <p:nvPr/>
             </p:nvPicPr>
             <p:blipFill>
-              <a:blip r:embed="rId14"/>
+              <a:blip r:embed="rId12"/>
               <a:srcRect/>
               <a:stretch>
                 <a:fillRect/>
@@ -18762,9 +17120,9 @@
           <p:grpSpPr>
             <a:xfrm>
               <a:off x="364393" y="1193179"/>
-              <a:ext cx="1625764" cy="466052"/>
+              <a:ext cx="1408195" cy="466052"/>
               <a:chOff x="958006" y="2183146"/>
-              <a:chExt cx="1574714" cy="388904"/>
+              <a:chExt cx="1363977" cy="388904"/>
             </a:xfrm>
           </p:grpSpPr>
           <p:grpSp>
@@ -18776,9 +17134,9 @@
             <p:grpSpPr>
               <a:xfrm>
                 <a:off x="958006" y="2183146"/>
-                <a:ext cx="1574714" cy="388904"/>
+                <a:ext cx="1363977" cy="388904"/>
                 <a:chOff x="612132" y="3167433"/>
-                <a:chExt cx="1193367" cy="442796"/>
+                <a:chExt cx="1033664" cy="442796"/>
               </a:xfrm>
             </p:grpSpPr>
             <p:sp>
@@ -18790,7 +17148,7 @@
               <p:spPr>
                 <a:xfrm>
                   <a:off x="612132" y="3167433"/>
-                  <a:ext cx="944401" cy="442796"/>
+                  <a:ext cx="978200" cy="442796"/>
                 </a:xfrm>
                 <a:prstGeom prst="roundRect">
                   <a:avLst>
@@ -18828,8 +17186,8 @@
               </p:nvSpPr>
               <p:spPr>
                 <a:xfrm>
-                  <a:off x="620643" y="3208042"/>
-                  <a:ext cx="1184856" cy="331760"/>
+                  <a:off x="752336" y="3204895"/>
+                  <a:ext cx="893460" cy="331760"/>
                 </a:xfrm>
                 <a:prstGeom prst="rect">
                   <a:avLst/>
@@ -18850,17 +17208,15 @@
                     <a:defRPr/>
                   </a:pPr>
                   <a:r>
-                    <a:rPr lang="en-US" sz="1000" dirty="0"/>
-                    <a:t>Quality Unity </a:t>
+                    <a:rPr lang="en-US" altLang="zh-CN" sz="1100" b="0" i="0" dirty="0">
+                      <a:effectLst/>
+                      <a:latin typeface="PingFang SC"/>
+                    </a:rPr>
+                    <a:t>High-Quality </a:t>
                   </a:r>
-                </a:p>
-                <a:p>
-                  <a:pPr algn="ctr">
-                    <a:defRPr/>
-                  </a:pPr>
                   <a:r>
                     <a:rPr lang="en-US" sz="1000" dirty="0"/>
-                    <a:t>VR Projects</a:t>
+                    <a:t>Unity VR Projects</a:t>
                   </a:r>
                 </a:p>
               </p:txBody>
@@ -18874,10 +17230,10 @@
             </p:nvGrpSpPr>
             <p:grpSpPr>
               <a:xfrm>
-                <a:off x="1058380" y="2239908"/>
-                <a:ext cx="299349" cy="305801"/>
-                <a:chOff x="935281" y="3196850"/>
-                <a:chExt cx="354125" cy="379452"/>
+                <a:off x="998790" y="2226554"/>
+                <a:ext cx="299348" cy="305803"/>
+                <a:chOff x="864788" y="3180275"/>
+                <a:chExt cx="354124" cy="379454"/>
               </a:xfrm>
             </p:grpSpPr>
             <p:pic>
@@ -18889,7 +17245,7 @@
                 <p:nvPr/>
               </p:nvPicPr>
               <p:blipFill>
-                <a:blip r:embed="rId14"/>
+                <a:blip r:embed="rId12"/>
                 <a:srcRect/>
                 <a:stretch>
                   <a:fillRect/>
@@ -18897,7 +17253,7 @@
               </p:blipFill>
               <p:spPr>
                 <a:xfrm>
-                  <a:off x="935281" y="3196850"/>
+                  <a:off x="864788" y="3180275"/>
                   <a:ext cx="268277" cy="297285"/>
                 </a:xfrm>
                 <a:prstGeom prst="rect">
@@ -18918,7 +17274,7 @@
                 <p:nvPr/>
               </p:nvPicPr>
               <p:blipFill>
-                <a:blip r:embed="rId15"/>
+                <a:blip r:embed="rId13"/>
                 <a:srcRect/>
                 <a:stretch>
                   <a:fillRect/>
@@ -18926,8 +17282,8 @@
               </p:blipFill>
               <p:spPr>
                 <a:xfrm>
-                  <a:off x="1138275" y="3436707"/>
-                  <a:ext cx="151131" cy="139595"/>
+                  <a:off x="1067782" y="3420134"/>
+                  <a:ext cx="151130" cy="139595"/>
                 </a:xfrm>
                 <a:prstGeom prst="rect">
                   <a:avLst/>
@@ -18954,10 +17310,10 @@
           </p:nvGrpSpPr>
           <p:grpSpPr>
             <a:xfrm>
-              <a:off x="1680719" y="1101052"/>
-              <a:ext cx="1361016" cy="587221"/>
-              <a:chOff x="1684553" y="1173004"/>
-              <a:chExt cx="1361016" cy="587221"/>
+              <a:off x="1701732" y="1066732"/>
+              <a:ext cx="1522315" cy="545525"/>
+              <a:chOff x="1705566" y="1138684"/>
+              <a:chExt cx="1522315" cy="545525"/>
             </a:xfrm>
           </p:grpSpPr>
           <p:sp>
@@ -18968,8 +17324,8 @@
             </p:nvSpPr>
             <p:spPr>
               <a:xfrm>
-                <a:off x="1729508" y="1288426"/>
-                <a:ext cx="1316061" cy="471799"/>
+                <a:off x="1881123" y="1319700"/>
+                <a:ext cx="1346758" cy="364509"/>
               </a:xfrm>
               <a:prstGeom prst="rect">
                 <a:avLst/>
@@ -19019,7 +17375,7 @@
             </p:nvSpPr>
             <p:spPr>
               <a:xfrm rot="4073570">
-                <a:off x="1706429" y="1151128"/>
+                <a:off x="1727442" y="1116808"/>
                 <a:ext cx="195722" cy="239474"/>
               </a:xfrm>
               <a:prstGeom prst="downArrow">
@@ -19067,7 +17423,7 @@
         </p:nvSpPr>
         <p:spPr>
           <a:xfrm>
-            <a:off x="166360" y="2029775"/>
+            <a:off x="217156" y="1966291"/>
             <a:ext cx="3079880" cy="1353622"/>
           </a:xfrm>
           <a:prstGeom prst="roundRect">
@@ -19112,7 +17468,7 @@
         </p:nvGrpSpPr>
         <p:grpSpPr>
           <a:xfrm>
-            <a:off x="360884" y="2395886"/>
+            <a:off x="411680" y="2332402"/>
             <a:ext cx="1319306" cy="873207"/>
             <a:chOff x="2849604" y="5857387"/>
             <a:chExt cx="2280543" cy="1323090"/>
@@ -19678,7 +18034,7 @@
         </p:nvGrpSpPr>
         <p:grpSpPr>
           <a:xfrm>
-            <a:off x="1793152" y="2476295"/>
+            <a:off x="1843948" y="2412811"/>
             <a:ext cx="1320333" cy="710715"/>
             <a:chOff x="201783" y="7309654"/>
             <a:chExt cx="1214093" cy="429113"/>
@@ -19887,7 +18243,7 @@
         </p:nvSpPr>
         <p:spPr>
           <a:xfrm>
-            <a:off x="282625" y="2039811"/>
+            <a:off x="333421" y="1976327"/>
             <a:ext cx="2847693" cy="335688"/>
           </a:xfrm>
           <a:prstGeom prst="rect">
@@ -19951,13 +18307,13 @@
           <p:nvPr>
             <p:extLst>
               <p:ext uri="{D42A27DB-BD31-4B8C-83A1-F6EECF244321}">
-                <p14:modId xmlns:p14="http://schemas.microsoft.com/office/powerpoint/2010/main" val="2730086878"/>
+                <p14:modId xmlns:p14="http://schemas.microsoft.com/office/powerpoint/2010/main" val="2269589466"/>
               </p:ext>
             </p:extLst>
           </p:nvPr>
         </p:nvGraphicFramePr>
         <p:xfrm>
-          <a:off x="1758873" y="5605975"/>
+          <a:off x="1835956" y="5442378"/>
           <a:ext cx="1204349" cy="792514"/>
         </p:xfrm>
         <a:graphic>
@@ -20105,7 +18461,7 @@
         </p:nvSpPr>
         <p:spPr>
           <a:xfrm>
-            <a:off x="419144" y="3730932"/>
+            <a:off x="493427" y="3578865"/>
             <a:ext cx="2780079" cy="335688"/>
           </a:xfrm>
           <a:prstGeom prst="rect">
@@ -20168,8 +18524,8 @@
         </p:nvSpPr>
         <p:spPr>
           <a:xfrm>
-            <a:off x="111128" y="3640359"/>
-            <a:ext cx="3110935" cy="2935868"/>
+            <a:off x="186101" y="3543916"/>
+            <a:ext cx="3110935" cy="2871824"/>
           </a:xfrm>
           <a:prstGeom prst="roundRect">
             <a:avLst>
@@ -20213,7 +18569,7 @@
         </p:nvSpPr>
         <p:spPr>
           <a:xfrm>
-            <a:off x="226224" y="5388868"/>
+            <a:off x="303307" y="5225271"/>
             <a:ext cx="2880742" cy="1085244"/>
           </a:xfrm>
           <a:prstGeom prst="roundRect">
@@ -20263,7 +18619,7 @@
         </p:nvGrpSpPr>
         <p:grpSpPr>
           <a:xfrm>
-            <a:off x="386755" y="5348093"/>
+            <a:off x="463838" y="5184496"/>
             <a:ext cx="2027683" cy="1016322"/>
             <a:chOff x="493141" y="5230330"/>
             <a:chExt cx="2027683" cy="1016322"/>
@@ -21130,7 +19486,7 @@
         </p:nvGrpSpPr>
         <p:grpSpPr>
           <a:xfrm>
-            <a:off x="194480" y="4116019"/>
+            <a:off x="273196" y="3960025"/>
             <a:ext cx="2937363" cy="1173619"/>
             <a:chOff x="205591" y="4062081"/>
             <a:chExt cx="2937363" cy="1173619"/>
@@ -21790,7 +20146,7 @@
         </p:nvSpPr>
         <p:spPr>
           <a:xfrm>
-            <a:off x="222400" y="148853"/>
+            <a:off x="273196" y="96063"/>
             <a:ext cx="292100" cy="280219"/>
           </a:xfrm>
           <a:prstGeom prst="ellipse">
@@ -21843,7 +20199,7 @@
         </p:nvSpPr>
         <p:spPr>
           <a:xfrm>
-            <a:off x="246121" y="2081886"/>
+            <a:off x="296917" y="2018402"/>
             <a:ext cx="292100" cy="280219"/>
           </a:xfrm>
           <a:prstGeom prst="ellipse">
@@ -21896,7 +20252,7 @@
         </p:nvSpPr>
         <p:spPr>
           <a:xfrm>
-            <a:off x="185833" y="3787465"/>
+            <a:off x="252129" y="3619286"/>
             <a:ext cx="292100" cy="280219"/>
           </a:xfrm>
           <a:prstGeom prst="ellipse">
@@ -21937,59 +20293,6 @@
       </p:sp>
       <p:sp>
         <p:nvSpPr>
-          <p:cNvPr id="156" name="椭圆 155">
-            <a:extLst>
-              <a:ext uri="{FF2B5EF4-FFF2-40B4-BE49-F238E27FC236}">
-                <a16:creationId xmlns:a16="http://schemas.microsoft.com/office/drawing/2014/main" id="{3A5D8D50-4255-6195-1F65-E9533CB4D5CE}"/>
-              </a:ext>
-            </a:extLst>
-          </p:cNvPr>
-          <p:cNvSpPr/>
-          <p:nvPr/>
-        </p:nvSpPr>
-        <p:spPr>
-          <a:xfrm>
-            <a:off x="3653938" y="3533023"/>
-            <a:ext cx="292100" cy="280219"/>
-          </a:xfrm>
-          <a:prstGeom prst="ellipse">
-            <a:avLst/>
-          </a:prstGeom>
-          <a:ln>
-            <a:noFill/>
-          </a:ln>
-        </p:spPr>
-        <p:style>
-          <a:lnRef idx="2">
-            <a:schemeClr val="accent1">
-              <a:shade val="15000"/>
-            </a:schemeClr>
-          </a:lnRef>
-          <a:fillRef idx="1">
-            <a:schemeClr val="accent1"/>
-          </a:fillRef>
-          <a:effectRef idx="0">
-            <a:schemeClr val="accent1"/>
-          </a:effectRef>
-          <a:fontRef idx="minor">
-            <a:schemeClr val="lt1"/>
-          </a:fontRef>
-        </p:style>
-        <p:txBody>
-          <a:bodyPr rtlCol="0" anchor="ctr"/>
-          <a:lstStyle/>
-          <a:p>
-            <a:pPr algn="ctr"/>
-            <a:r>
-              <a:rPr lang="en-US" altLang="zh-CN" sz="1800" dirty="0"/>
-              <a:t>D</a:t>
-            </a:r>
-            <a:endParaRPr lang="zh-CN" altLang="en-US" sz="1800" dirty="0"/>
-          </a:p>
-        </p:txBody>
-      </p:sp>
-      <p:sp>
-        <p:nvSpPr>
           <p:cNvPr id="157" name="椭圆 156">
             <a:extLst>
               <a:ext uri="{FF2B5EF4-FFF2-40B4-BE49-F238E27FC236}">
@@ -22002,7 +20305,7 @@
         </p:nvSpPr>
         <p:spPr>
           <a:xfrm>
-            <a:off x="3601888" y="146335"/>
+            <a:off x="3652684" y="93545"/>
             <a:ext cx="292100" cy="280219"/>
           </a:xfrm>
           <a:prstGeom prst="ellipse">
@@ -22041,47 +20344,1357 @@
           </a:p>
         </p:txBody>
       </p:sp>
-      <p:cxnSp>
-        <p:nvCxnSpPr>
-          <p:cNvPr id="220" name="直接箭头连接符 219">
+      <p:grpSp>
+        <p:nvGrpSpPr>
+          <p:cNvPr id="185" name="组合 184">
             <a:extLst>
               <a:ext uri="{FF2B5EF4-FFF2-40B4-BE49-F238E27FC236}">
-                <a16:creationId xmlns:a16="http://schemas.microsoft.com/office/drawing/2014/main" id="{E11FB09D-DFB9-A291-D3B9-4C3938E3F750}"/>
+                <a16:creationId xmlns:a16="http://schemas.microsoft.com/office/drawing/2014/main" id="{4CE00A54-CE22-B1A5-0DC1-F8A9C7AEDC6A}"/>
               </a:ext>
             </a:extLst>
           </p:cNvPr>
-          <p:cNvCxnSpPr>
-            <a:cxnSpLocks/>
-          </p:cNvCxnSpPr>
+          <p:cNvGrpSpPr/>
           <p:nvPr/>
-        </p:nvCxnSpPr>
-        <p:spPr>
+        </p:nvGrpSpPr>
+        <p:grpSpPr>
           <a:xfrm>
-            <a:off x="1632027" y="3384461"/>
-            <a:ext cx="0" cy="255898"/>
+            <a:off x="3490060" y="3164441"/>
+            <a:ext cx="3894239" cy="2600305"/>
+            <a:chOff x="3449934" y="3455089"/>
+            <a:chExt cx="3894239" cy="2600305"/>
           </a:xfrm>
-          <a:prstGeom prst="straightConnector1">
-            <a:avLst/>
-          </a:prstGeom>
-          <a:ln w="31750">
-            <a:tailEnd type="triangle"/>
-          </a:ln>
-        </p:spPr>
-        <p:style>
-          <a:lnRef idx="1">
-            <a:schemeClr val="dk1"/>
-          </a:lnRef>
-          <a:fillRef idx="0">
-            <a:schemeClr val="dk1"/>
-          </a:fillRef>
-          <a:effectRef idx="0">
-            <a:schemeClr val="dk1"/>
-          </a:effectRef>
-          <a:fontRef idx="minor">
-            <a:schemeClr val="tx1"/>
-          </a:fontRef>
-        </p:style>
-      </p:cxnSp>
+        </p:grpSpPr>
+        <p:sp>
+          <p:nvSpPr>
+            <p:cNvPr id="182" name="矩形 181">
+              <a:extLst>
+                <a:ext uri="{FF2B5EF4-FFF2-40B4-BE49-F238E27FC236}">
+                  <a16:creationId xmlns:a16="http://schemas.microsoft.com/office/drawing/2014/main" id="{7A9B3E56-F89E-5FC2-5704-1D047D5142BC}"/>
+                </a:ext>
+              </a:extLst>
+            </p:cNvPr>
+            <p:cNvSpPr/>
+            <p:nvPr/>
+          </p:nvSpPr>
+          <p:spPr>
+            <a:xfrm>
+              <a:off x="3600950" y="5197151"/>
+              <a:ext cx="3607896" cy="768954"/>
+            </a:xfrm>
+            <a:prstGeom prst="rect">
+              <a:avLst/>
+            </a:prstGeom>
+            <a:solidFill>
+              <a:srgbClr val="EE822F">
+                <a:alpha val="40000"/>
+              </a:srgbClr>
+            </a:solidFill>
+            <a:ln>
+              <a:noFill/>
+            </a:ln>
+            <a:effectLst/>
+          </p:spPr>
+          <p:txBody>
+            <a:bodyPr rtlCol="0" anchor="ctr"/>
+            <a:lstStyle/>
+            <a:p>
+              <a:pPr algn="ctr" defTabSz="914279">
+                <a:buClrTx/>
+                <a:defRPr/>
+              </a:pPr>
+              <a:endParaRPr lang="zh-CN" altLang="en-US" sz="1050" kern="1200" dirty="0">
+                <a:solidFill>
+                  <a:prstClr val="white"/>
+                </a:solidFill>
+                <a:latin typeface="+mj-lt"/>
+                <a:ea typeface="微软雅黑"/>
+                <a:cs typeface="+mn-cs"/>
+              </a:endParaRPr>
+            </a:p>
+          </p:txBody>
+        </p:sp>
+        <p:sp>
+          <p:nvSpPr>
+            <p:cNvPr id="181" name="矩形 180">
+              <a:extLst>
+                <a:ext uri="{FF2B5EF4-FFF2-40B4-BE49-F238E27FC236}">
+                  <a16:creationId xmlns:a16="http://schemas.microsoft.com/office/drawing/2014/main" id="{B6CE7424-8DC1-8043-B337-213D2FF10549}"/>
+                </a:ext>
+              </a:extLst>
+            </p:cNvPr>
+            <p:cNvSpPr/>
+            <p:nvPr/>
+          </p:nvSpPr>
+          <p:spPr>
+            <a:xfrm>
+              <a:off x="3600548" y="4438400"/>
+              <a:ext cx="3607896" cy="716632"/>
+            </a:xfrm>
+            <a:prstGeom prst="rect">
+              <a:avLst/>
+            </a:prstGeom>
+            <a:solidFill>
+              <a:srgbClr val="6A8ED5">
+                <a:alpha val="50000"/>
+              </a:srgbClr>
+            </a:solidFill>
+            <a:ln>
+              <a:noFill/>
+            </a:ln>
+            <a:effectLst/>
+          </p:spPr>
+          <p:txBody>
+            <a:bodyPr rtlCol="0" anchor="ctr"/>
+            <a:lstStyle/>
+            <a:p>
+              <a:pPr algn="ctr" defTabSz="914279">
+                <a:buClrTx/>
+                <a:defRPr/>
+              </a:pPr>
+              <a:endParaRPr lang="zh-CN" altLang="en-US" sz="1050" kern="1200" dirty="0">
+                <a:solidFill>
+                  <a:prstClr val="white"/>
+                </a:solidFill>
+                <a:latin typeface="+mj-lt"/>
+                <a:ea typeface="微软雅黑"/>
+                <a:cs typeface="+mn-cs"/>
+              </a:endParaRPr>
+            </a:p>
+          </p:txBody>
+        </p:sp>
+        <p:sp>
+          <p:nvSpPr>
+            <p:cNvPr id="186" name="矩形: 圆角 185">
+              <a:extLst>
+                <a:ext uri="{FF2B5EF4-FFF2-40B4-BE49-F238E27FC236}">
+                  <a16:creationId xmlns:a16="http://schemas.microsoft.com/office/drawing/2014/main" id="{952D6875-5D8B-0F88-09CB-FDA86F46E2D6}"/>
+                </a:ext>
+              </a:extLst>
+            </p:cNvPr>
+            <p:cNvSpPr/>
+            <p:nvPr/>
+          </p:nvSpPr>
+          <p:spPr>
+            <a:xfrm>
+              <a:off x="4866052" y="4490935"/>
+              <a:ext cx="1016853" cy="180000"/>
+            </a:xfrm>
+            <a:prstGeom prst="roundRect">
+              <a:avLst/>
+            </a:prstGeom>
+            <a:gradFill>
+              <a:gsLst>
+                <a:gs pos="0">
+                  <a:srgbClr val="4874CB">
+                    <a:lumOff val="17500"/>
+                  </a:srgbClr>
+                </a:gs>
+                <a:gs pos="100000">
+                  <a:srgbClr val="4874CB"/>
+                </a:gs>
+              </a:gsLst>
+              <a:lin ang="2700000" scaled="0"/>
+            </a:gradFill>
+            <a:ln w="12700" cap="flat" cmpd="sng" algn="ctr">
+              <a:solidFill>
+                <a:srgbClr val="4874CB"/>
+              </a:solidFill>
+              <a:prstDash val="solid"/>
+              <a:miter lim="800000"/>
+            </a:ln>
+            <a:effectLst>
+              <a:outerShdw blurRad="101600" dist="50800" dir="5400000" algn="ctr" rotWithShape="0">
+                <a:srgbClr val="4874CB">
+                  <a:alpha val="60000"/>
+                </a:srgbClr>
+              </a:outerShdw>
+            </a:effectLst>
+          </p:spPr>
+          <p:txBody>
+            <a:bodyPr rtlCol="0" anchor="ctr"/>
+            <a:lstStyle/>
+            <a:p>
+              <a:pPr algn="ctr" defTabSz="914279">
+                <a:buClrTx/>
+                <a:defRPr/>
+              </a:pPr>
+              <a:r>
+                <a:rPr lang="en-US" altLang="zh-CN" sz="1050" kern="1200" dirty="0">
+                  <a:solidFill>
+                    <a:prstClr val="black"/>
+                  </a:solidFill>
+                  <a:latin typeface="+mj-lt"/>
+                  <a:ea typeface="微软雅黑"/>
+                  <a:cs typeface="Times New Roman" panose="02020603050405020304" pitchFamily="18" charset="0"/>
+                </a:rPr>
+                <a:t>Base Action</a:t>
+              </a:r>
+              <a:endParaRPr lang="zh-CN" altLang="en-US" sz="1050" kern="1200" dirty="0">
+                <a:solidFill>
+                  <a:prstClr val="black"/>
+                </a:solidFill>
+                <a:latin typeface="+mj-lt"/>
+                <a:ea typeface="微软雅黑"/>
+                <a:cs typeface="Times New Roman" panose="02020603050405020304" pitchFamily="18" charset="0"/>
+              </a:endParaRPr>
+            </a:p>
+          </p:txBody>
+        </p:sp>
+        <p:sp>
+          <p:nvSpPr>
+            <p:cNvPr id="187" name="矩形: 圆角 186">
+              <a:extLst>
+                <a:ext uri="{FF2B5EF4-FFF2-40B4-BE49-F238E27FC236}">
+                  <a16:creationId xmlns:a16="http://schemas.microsoft.com/office/drawing/2014/main" id="{DBFA2BFE-E434-5CD7-0ECA-BA17613AA200}"/>
+                </a:ext>
+              </a:extLst>
+            </p:cNvPr>
+            <p:cNvSpPr/>
+            <p:nvPr/>
+          </p:nvSpPr>
+          <p:spPr>
+            <a:xfrm>
+              <a:off x="4183784" y="4820999"/>
+              <a:ext cx="1016853" cy="180000"/>
+            </a:xfrm>
+            <a:prstGeom prst="roundRect">
+              <a:avLst/>
+            </a:prstGeom>
+            <a:gradFill>
+              <a:gsLst>
+                <a:gs pos="0">
+                  <a:srgbClr val="4874CB">
+                    <a:lumOff val="17500"/>
+                  </a:srgbClr>
+                </a:gs>
+                <a:gs pos="100000">
+                  <a:srgbClr val="4874CB"/>
+                </a:gs>
+              </a:gsLst>
+              <a:lin ang="2700000" scaled="0"/>
+            </a:gradFill>
+            <a:ln w="12700" cap="flat" cmpd="sng" algn="ctr">
+              <a:solidFill>
+                <a:srgbClr val="4874CB"/>
+              </a:solidFill>
+              <a:prstDash val="solid"/>
+              <a:miter lim="800000"/>
+            </a:ln>
+            <a:effectLst>
+              <a:outerShdw blurRad="101600" dist="50800" dir="5400000" algn="ctr" rotWithShape="0">
+                <a:srgbClr val="4874CB">
+                  <a:alpha val="60000"/>
+                </a:srgbClr>
+              </a:outerShdw>
+            </a:effectLst>
+          </p:spPr>
+          <p:txBody>
+            <a:bodyPr rtlCol="0" anchor="ctr"/>
+            <a:lstStyle/>
+            <a:p>
+              <a:pPr algn="ctr" defTabSz="914279">
+                <a:buClrTx/>
+                <a:defRPr/>
+              </a:pPr>
+              <a:r>
+                <a:rPr lang="en-US" altLang="zh-CN" sz="1050" kern="1200" dirty="0">
+                  <a:solidFill>
+                    <a:prstClr val="black"/>
+                  </a:solidFill>
+                  <a:latin typeface="+mj-lt"/>
+                  <a:ea typeface="微软雅黑"/>
+                  <a:cs typeface="Times New Roman" panose="02020603050405020304" pitchFamily="18" charset="0"/>
+                </a:rPr>
+                <a:t>Grab Action</a:t>
+              </a:r>
+              <a:endParaRPr lang="zh-CN" altLang="en-US" sz="1050" kern="1200" dirty="0">
+                <a:solidFill>
+                  <a:prstClr val="black"/>
+                </a:solidFill>
+                <a:latin typeface="+mj-lt"/>
+                <a:ea typeface="微软雅黑"/>
+                <a:cs typeface="Times New Roman" panose="02020603050405020304" pitchFamily="18" charset="0"/>
+              </a:endParaRPr>
+            </a:p>
+          </p:txBody>
+        </p:sp>
+        <p:sp>
+          <p:nvSpPr>
+            <p:cNvPr id="188" name="矩形: 圆角 187">
+              <a:extLst>
+                <a:ext uri="{FF2B5EF4-FFF2-40B4-BE49-F238E27FC236}">
+                  <a16:creationId xmlns:a16="http://schemas.microsoft.com/office/drawing/2014/main" id="{6699670C-5A30-90E7-AD92-F463FA240989}"/>
+                </a:ext>
+              </a:extLst>
+            </p:cNvPr>
+            <p:cNvSpPr/>
+            <p:nvPr/>
+          </p:nvSpPr>
+          <p:spPr>
+            <a:xfrm>
+              <a:off x="5530114" y="4822176"/>
+              <a:ext cx="1155013" cy="180000"/>
+            </a:xfrm>
+            <a:prstGeom prst="roundRect">
+              <a:avLst/>
+            </a:prstGeom>
+            <a:gradFill>
+              <a:gsLst>
+                <a:gs pos="0">
+                  <a:srgbClr val="4874CB">
+                    <a:lumOff val="17500"/>
+                  </a:srgbClr>
+                </a:gs>
+                <a:gs pos="100000">
+                  <a:srgbClr val="4874CB"/>
+                </a:gs>
+              </a:gsLst>
+              <a:lin ang="2700000" scaled="0"/>
+            </a:gradFill>
+            <a:ln w="12700" cap="flat" cmpd="sng" algn="ctr">
+              <a:solidFill>
+                <a:srgbClr val="4874CB"/>
+              </a:solidFill>
+              <a:prstDash val="solid"/>
+              <a:miter lim="800000"/>
+            </a:ln>
+            <a:effectLst>
+              <a:outerShdw blurRad="101600" dist="50800" dir="5400000" algn="ctr" rotWithShape="0">
+                <a:srgbClr val="4874CB">
+                  <a:alpha val="60000"/>
+                </a:srgbClr>
+              </a:outerShdw>
+            </a:effectLst>
+          </p:spPr>
+          <p:txBody>
+            <a:bodyPr rtlCol="0" anchor="ctr"/>
+            <a:lstStyle/>
+            <a:p>
+              <a:pPr algn="ctr" defTabSz="914279">
+                <a:buClrTx/>
+                <a:defRPr/>
+              </a:pPr>
+              <a:r>
+                <a:rPr lang="en-US" altLang="zh-CN" sz="1050" kern="1200" dirty="0">
+                  <a:solidFill>
+                    <a:prstClr val="black"/>
+                  </a:solidFill>
+                  <a:latin typeface="+mj-lt"/>
+                  <a:ea typeface="微软雅黑"/>
+                  <a:cs typeface="Times New Roman" panose="02020603050405020304" pitchFamily="18" charset="0"/>
+                </a:rPr>
+                <a:t>Trigger Action</a:t>
+              </a:r>
+              <a:endParaRPr lang="zh-CN" altLang="en-US" sz="1050" kern="1200" dirty="0">
+                <a:solidFill>
+                  <a:prstClr val="black"/>
+                </a:solidFill>
+                <a:latin typeface="+mj-lt"/>
+                <a:ea typeface="微软雅黑"/>
+                <a:cs typeface="Times New Roman" panose="02020603050405020304" pitchFamily="18" charset="0"/>
+              </a:endParaRPr>
+            </a:p>
+          </p:txBody>
+        </p:sp>
+        <p:sp>
+          <p:nvSpPr>
+            <p:cNvPr id="189" name="文本框 188">
+              <a:extLst>
+                <a:ext uri="{FF2B5EF4-FFF2-40B4-BE49-F238E27FC236}">
+                  <a16:creationId xmlns:a16="http://schemas.microsoft.com/office/drawing/2014/main" id="{3BB0CF74-328E-E94D-EB10-8498CCA95E90}"/>
+                </a:ext>
+              </a:extLst>
+            </p:cNvPr>
+            <p:cNvSpPr txBox="1"/>
+            <p:nvPr/>
+          </p:nvSpPr>
+          <p:spPr>
+            <a:xfrm>
+              <a:off x="5077731" y="4616813"/>
+              <a:ext cx="573466" cy="253916"/>
+            </a:xfrm>
+            <a:prstGeom prst="rect">
+              <a:avLst/>
+            </a:prstGeom>
+            <a:noFill/>
+          </p:spPr>
+          <p:txBody>
+            <a:bodyPr wrap="square" rtlCol="0">
+              <a:spAutoFit/>
+            </a:bodyPr>
+            <a:lstStyle/>
+            <a:p>
+              <a:pPr defTabSz="914279">
+                <a:buClrTx/>
+                <a:defRPr/>
+              </a:pPr>
+              <a:r>
+                <a:rPr lang="en-US" altLang="zh-CN" sz="1050" kern="1200" dirty="0">
+                  <a:solidFill>
+                    <a:prstClr val="black"/>
+                  </a:solidFill>
+                  <a:latin typeface="+mj-lt"/>
+                  <a:ea typeface="微软雅黑"/>
+                  <a:cs typeface="Times New Roman" panose="02020603050405020304" pitchFamily="18" charset="0"/>
+                </a:rPr>
+                <a:t>Inherit</a:t>
+              </a:r>
+              <a:endParaRPr lang="zh-CN" altLang="en-US" sz="1050" kern="1200" dirty="0">
+                <a:solidFill>
+                  <a:prstClr val="black"/>
+                </a:solidFill>
+                <a:latin typeface="+mj-lt"/>
+                <a:ea typeface="微软雅黑"/>
+                <a:cs typeface="Times New Roman" panose="02020603050405020304" pitchFamily="18" charset="0"/>
+              </a:endParaRPr>
+            </a:p>
+          </p:txBody>
+        </p:sp>
+        <p:cxnSp>
+          <p:nvCxnSpPr>
+            <p:cNvPr id="190" name="连接符: 曲线 189">
+              <a:extLst>
+                <a:ext uri="{FF2B5EF4-FFF2-40B4-BE49-F238E27FC236}">
+                  <a16:creationId xmlns:a16="http://schemas.microsoft.com/office/drawing/2014/main" id="{63F61584-454A-5D63-0B16-589ACED6A258}"/>
+                </a:ext>
+              </a:extLst>
+            </p:cNvPr>
+            <p:cNvCxnSpPr>
+              <a:cxnSpLocks/>
+              <a:stCxn id="187" idx="0"/>
+              <a:endCxn id="186" idx="1"/>
+            </p:cNvCxnSpPr>
+            <p:nvPr/>
+          </p:nvCxnSpPr>
+          <p:spPr>
+            <a:xfrm rot="5400000" flipH="1" flipV="1">
+              <a:off x="4659099" y="4614047"/>
+              <a:ext cx="240064" cy="173841"/>
+            </a:xfrm>
+            <a:prstGeom prst="curvedConnector2">
+              <a:avLst/>
+            </a:prstGeom>
+            <a:noFill/>
+            <a:ln w="25400" cap="flat" cmpd="sng" algn="ctr">
+              <a:solidFill>
+                <a:sysClr val="windowText" lastClr="000000"/>
+              </a:solidFill>
+              <a:prstDash val="solid"/>
+              <a:miter lim="800000"/>
+              <a:tailEnd type="triangle"/>
+            </a:ln>
+            <a:effectLst/>
+          </p:spPr>
+        </p:cxnSp>
+        <p:cxnSp>
+          <p:nvCxnSpPr>
+            <p:cNvPr id="191" name="连接符: 曲线 190">
+              <a:extLst>
+                <a:ext uri="{FF2B5EF4-FFF2-40B4-BE49-F238E27FC236}">
+                  <a16:creationId xmlns:a16="http://schemas.microsoft.com/office/drawing/2014/main" id="{D0DD4E76-05D9-1CC3-43DD-9DC3E19F6319}"/>
+                </a:ext>
+              </a:extLst>
+            </p:cNvPr>
+            <p:cNvCxnSpPr>
+              <a:cxnSpLocks/>
+              <a:stCxn id="188" idx="0"/>
+              <a:endCxn id="186" idx="3"/>
+            </p:cNvCxnSpPr>
+            <p:nvPr/>
+          </p:nvCxnSpPr>
+          <p:spPr>
+            <a:xfrm rot="16200000" flipV="1">
+              <a:off x="5874643" y="4589198"/>
+              <a:ext cx="241241" cy="224716"/>
+            </a:xfrm>
+            <a:prstGeom prst="curvedConnector2">
+              <a:avLst/>
+            </a:prstGeom>
+            <a:noFill/>
+            <a:ln w="25400" cap="flat" cmpd="sng" algn="ctr">
+              <a:solidFill>
+                <a:sysClr val="windowText" lastClr="000000"/>
+              </a:solidFill>
+              <a:prstDash val="solid"/>
+              <a:miter lim="800000"/>
+              <a:tailEnd type="triangle"/>
+            </a:ln>
+            <a:effectLst/>
+          </p:spPr>
+        </p:cxnSp>
+        <p:sp>
+          <p:nvSpPr>
+            <p:cNvPr id="192" name="矩形: 圆角 191">
+              <a:extLst>
+                <a:ext uri="{FF2B5EF4-FFF2-40B4-BE49-F238E27FC236}">
+                  <a16:creationId xmlns:a16="http://schemas.microsoft.com/office/drawing/2014/main" id="{B7BB51EE-A68C-13DC-5B90-C5E212D8472D}"/>
+                </a:ext>
+              </a:extLst>
+            </p:cNvPr>
+            <p:cNvSpPr/>
+            <p:nvPr/>
+          </p:nvSpPr>
+          <p:spPr>
+            <a:xfrm>
+              <a:off x="4858393" y="5233359"/>
+              <a:ext cx="1016853" cy="180000"/>
+            </a:xfrm>
+            <a:prstGeom prst="roundRect">
+              <a:avLst/>
+            </a:prstGeom>
+            <a:gradFill>
+              <a:gsLst>
+                <a:gs pos="0">
+                  <a:srgbClr val="EE822F">
+                    <a:lumOff val="17500"/>
+                  </a:srgbClr>
+                </a:gs>
+                <a:gs pos="100000">
+                  <a:srgbClr val="EE822F"/>
+                </a:gs>
+              </a:gsLst>
+              <a:lin ang="2700000" scaled="0"/>
+            </a:gradFill>
+            <a:ln w="12700" cap="flat" cmpd="sng" algn="ctr">
+              <a:solidFill>
+                <a:srgbClr val="EE822F"/>
+              </a:solidFill>
+              <a:prstDash val="solid"/>
+              <a:miter lim="800000"/>
+            </a:ln>
+            <a:effectLst>
+              <a:outerShdw blurRad="101600" dist="50800" dir="5400000" algn="ctr" rotWithShape="0">
+                <a:srgbClr val="EE822F">
+                  <a:alpha val="60000"/>
+                </a:srgbClr>
+              </a:outerShdw>
+            </a:effectLst>
+          </p:spPr>
+          <p:txBody>
+            <a:bodyPr rtlCol="0" anchor="ctr"/>
+            <a:lstStyle/>
+            <a:p>
+              <a:pPr algn="ctr" defTabSz="914279">
+                <a:buClrTx/>
+                <a:defRPr/>
+              </a:pPr>
+              <a:r>
+                <a:rPr lang="en-US" altLang="zh-CN" sz="1050" kern="1200" dirty="0">
+                  <a:solidFill>
+                    <a:prstClr val="black"/>
+                  </a:solidFill>
+                  <a:latin typeface="+mj-lt"/>
+                  <a:ea typeface="微软雅黑"/>
+                  <a:cs typeface="Times New Roman" panose="02020603050405020304" pitchFamily="18" charset="0"/>
+                </a:rPr>
+                <a:t>Base Entity</a:t>
+              </a:r>
+              <a:endParaRPr lang="zh-CN" altLang="en-US" sz="1050" kern="1200" dirty="0">
+                <a:solidFill>
+                  <a:prstClr val="black"/>
+                </a:solidFill>
+                <a:latin typeface="+mj-lt"/>
+                <a:ea typeface="微软雅黑"/>
+                <a:cs typeface="Times New Roman" panose="02020603050405020304" pitchFamily="18" charset="0"/>
+              </a:endParaRPr>
+            </a:p>
+          </p:txBody>
+        </p:sp>
+        <p:sp>
+          <p:nvSpPr>
+            <p:cNvPr id="193" name="矩形: 圆角 192">
+              <a:extLst>
+                <a:ext uri="{FF2B5EF4-FFF2-40B4-BE49-F238E27FC236}">
+                  <a16:creationId xmlns:a16="http://schemas.microsoft.com/office/drawing/2014/main" id="{F5E5DF41-85F5-4ED4-F646-F8FAFE89C792}"/>
+                </a:ext>
+              </a:extLst>
+            </p:cNvPr>
+            <p:cNvSpPr/>
+            <p:nvPr/>
+          </p:nvSpPr>
+          <p:spPr>
+            <a:xfrm>
+              <a:off x="3932935" y="5675324"/>
+              <a:ext cx="1290461" cy="180000"/>
+            </a:xfrm>
+            <a:prstGeom prst="roundRect">
+              <a:avLst/>
+            </a:prstGeom>
+            <a:gradFill>
+              <a:gsLst>
+                <a:gs pos="0">
+                  <a:srgbClr val="EE822F">
+                    <a:lumOff val="17500"/>
+                  </a:srgbClr>
+                </a:gs>
+                <a:gs pos="100000">
+                  <a:srgbClr val="EE822F"/>
+                </a:gs>
+              </a:gsLst>
+              <a:lin ang="2700000" scaled="0"/>
+            </a:gradFill>
+            <a:ln w="12700" cap="flat" cmpd="sng" algn="ctr">
+              <a:solidFill>
+                <a:srgbClr val="EE822F"/>
+              </a:solidFill>
+              <a:prstDash val="solid"/>
+              <a:miter lim="800000"/>
+            </a:ln>
+            <a:effectLst>
+              <a:outerShdw blurRad="101600" dist="50800" dir="5400000" algn="ctr" rotWithShape="0">
+                <a:srgbClr val="EE822F">
+                  <a:alpha val="60000"/>
+                </a:srgbClr>
+              </a:outerShdw>
+            </a:effectLst>
+          </p:spPr>
+          <p:txBody>
+            <a:bodyPr rtlCol="0" anchor="ctr"/>
+            <a:lstStyle/>
+            <a:p>
+              <a:pPr algn="ctr" defTabSz="914279">
+                <a:buClrTx/>
+                <a:defRPr/>
+              </a:pPr>
+              <a:r>
+                <a:rPr lang="en-US" altLang="zh-CN" sz="1050" kern="1200" dirty="0">
+                  <a:solidFill>
+                    <a:prstClr val="black"/>
+                  </a:solidFill>
+                  <a:latin typeface="+mj-lt"/>
+                  <a:ea typeface="微软雅黑"/>
+                  <a:cs typeface="Times New Roman" panose="02020603050405020304" pitchFamily="18" charset="0"/>
+                </a:rPr>
+                <a:t>Grabbable Entity</a:t>
+              </a:r>
+              <a:endParaRPr lang="zh-CN" altLang="en-US" sz="1050" kern="1200" dirty="0">
+                <a:solidFill>
+                  <a:prstClr val="black"/>
+                </a:solidFill>
+                <a:latin typeface="+mj-lt"/>
+                <a:ea typeface="微软雅黑"/>
+                <a:cs typeface="Times New Roman" panose="02020603050405020304" pitchFamily="18" charset="0"/>
+              </a:endParaRPr>
+            </a:p>
+          </p:txBody>
+        </p:sp>
+        <p:sp>
+          <p:nvSpPr>
+            <p:cNvPr id="194" name="矩形: 圆角 193">
+              <a:extLst>
+                <a:ext uri="{FF2B5EF4-FFF2-40B4-BE49-F238E27FC236}">
+                  <a16:creationId xmlns:a16="http://schemas.microsoft.com/office/drawing/2014/main" id="{ED2DE75C-2E52-5D63-2AAE-567535DCFE88}"/>
+                </a:ext>
+              </a:extLst>
+            </p:cNvPr>
+            <p:cNvSpPr/>
+            <p:nvPr/>
+          </p:nvSpPr>
+          <p:spPr>
+            <a:xfrm>
+              <a:off x="5530114" y="5690061"/>
+              <a:ext cx="1375593" cy="180000"/>
+            </a:xfrm>
+            <a:prstGeom prst="roundRect">
+              <a:avLst/>
+            </a:prstGeom>
+            <a:gradFill>
+              <a:gsLst>
+                <a:gs pos="0">
+                  <a:srgbClr val="EE822F">
+                    <a:lumOff val="17500"/>
+                  </a:srgbClr>
+                </a:gs>
+                <a:gs pos="100000">
+                  <a:srgbClr val="EE822F"/>
+                </a:gs>
+              </a:gsLst>
+              <a:lin ang="2700000" scaled="0"/>
+            </a:gradFill>
+            <a:ln w="12700" cap="flat" cmpd="sng" algn="ctr">
+              <a:solidFill>
+                <a:srgbClr val="EE822F"/>
+              </a:solidFill>
+              <a:prstDash val="solid"/>
+              <a:miter lim="800000"/>
+            </a:ln>
+            <a:effectLst>
+              <a:outerShdw blurRad="101600" dist="50800" dir="5400000" algn="ctr" rotWithShape="0">
+                <a:srgbClr val="EE822F">
+                  <a:alpha val="60000"/>
+                </a:srgbClr>
+              </a:outerShdw>
+            </a:effectLst>
+          </p:spPr>
+          <p:txBody>
+            <a:bodyPr rtlCol="0" anchor="ctr"/>
+            <a:lstStyle/>
+            <a:p>
+              <a:pPr algn="ctr" defTabSz="914279">
+                <a:buClrTx/>
+                <a:defRPr/>
+              </a:pPr>
+              <a:r>
+                <a:rPr lang="en-US" altLang="zh-CN" sz="1050" kern="1200" dirty="0">
+                  <a:solidFill>
+                    <a:prstClr val="black"/>
+                  </a:solidFill>
+                  <a:latin typeface="+mj-lt"/>
+                  <a:ea typeface="微软雅黑"/>
+                  <a:cs typeface="Times New Roman" panose="02020603050405020304" pitchFamily="18" charset="0"/>
+                </a:rPr>
+                <a:t>Triggerable Entity</a:t>
+              </a:r>
+              <a:endParaRPr lang="zh-CN" altLang="en-US" sz="1050" kern="1200" dirty="0">
+                <a:solidFill>
+                  <a:prstClr val="black"/>
+                </a:solidFill>
+                <a:latin typeface="+mj-lt"/>
+                <a:ea typeface="微软雅黑"/>
+                <a:cs typeface="Times New Roman" panose="02020603050405020304" pitchFamily="18" charset="0"/>
+              </a:endParaRPr>
+            </a:p>
+          </p:txBody>
+        </p:sp>
+        <p:sp>
+          <p:nvSpPr>
+            <p:cNvPr id="195" name="文本框 194">
+              <a:extLst>
+                <a:ext uri="{FF2B5EF4-FFF2-40B4-BE49-F238E27FC236}">
+                  <a16:creationId xmlns:a16="http://schemas.microsoft.com/office/drawing/2014/main" id="{EADEA7D4-962A-8218-A71C-A658A03EB4B1}"/>
+                </a:ext>
+              </a:extLst>
+            </p:cNvPr>
+            <p:cNvSpPr txBox="1"/>
+            <p:nvPr/>
+          </p:nvSpPr>
+          <p:spPr>
+            <a:xfrm>
+              <a:off x="5096484" y="5395413"/>
+              <a:ext cx="573466" cy="253916"/>
+            </a:xfrm>
+            <a:prstGeom prst="rect">
+              <a:avLst/>
+            </a:prstGeom>
+            <a:noFill/>
+          </p:spPr>
+          <p:txBody>
+            <a:bodyPr wrap="square" rtlCol="0">
+              <a:spAutoFit/>
+            </a:bodyPr>
+            <a:lstStyle/>
+            <a:p>
+              <a:pPr defTabSz="914279">
+                <a:buClrTx/>
+                <a:defRPr/>
+              </a:pPr>
+              <a:r>
+                <a:rPr lang="en-US" altLang="zh-CN" sz="1050" kern="1200" dirty="0">
+                  <a:solidFill>
+                    <a:prstClr val="black"/>
+                  </a:solidFill>
+                  <a:latin typeface="+mj-lt"/>
+                  <a:ea typeface="微软雅黑"/>
+                  <a:cs typeface="Times New Roman" panose="02020603050405020304" pitchFamily="18" charset="0"/>
+                </a:rPr>
+                <a:t>Inherit</a:t>
+              </a:r>
+              <a:endParaRPr lang="zh-CN" altLang="en-US" sz="1050" kern="1200" dirty="0">
+                <a:solidFill>
+                  <a:prstClr val="black"/>
+                </a:solidFill>
+                <a:latin typeface="+mj-lt"/>
+                <a:ea typeface="微软雅黑"/>
+                <a:cs typeface="Times New Roman" panose="02020603050405020304" pitchFamily="18" charset="0"/>
+              </a:endParaRPr>
+            </a:p>
+          </p:txBody>
+        </p:sp>
+        <p:cxnSp>
+          <p:nvCxnSpPr>
+            <p:cNvPr id="196" name="连接符: 曲线 195">
+              <a:extLst>
+                <a:ext uri="{FF2B5EF4-FFF2-40B4-BE49-F238E27FC236}">
+                  <a16:creationId xmlns:a16="http://schemas.microsoft.com/office/drawing/2014/main" id="{97F6C8EA-CD22-1811-4A2B-8DD19A89FC1D}"/>
+                </a:ext>
+              </a:extLst>
+            </p:cNvPr>
+            <p:cNvCxnSpPr>
+              <a:cxnSpLocks/>
+              <a:stCxn id="193" idx="0"/>
+              <a:endCxn id="192" idx="1"/>
+            </p:cNvCxnSpPr>
+            <p:nvPr/>
+          </p:nvCxnSpPr>
+          <p:spPr>
+            <a:xfrm rot="5400000" flipH="1" flipV="1">
+              <a:off x="4542297" y="5359227"/>
+              <a:ext cx="351965" cy="280228"/>
+            </a:xfrm>
+            <a:prstGeom prst="curvedConnector2">
+              <a:avLst/>
+            </a:prstGeom>
+            <a:noFill/>
+            <a:ln w="25400" cap="flat" cmpd="sng" algn="ctr">
+              <a:solidFill>
+                <a:sysClr val="windowText" lastClr="000000"/>
+              </a:solidFill>
+              <a:prstDash val="solid"/>
+              <a:miter lim="800000"/>
+              <a:tailEnd type="triangle"/>
+            </a:ln>
+            <a:effectLst/>
+          </p:spPr>
+        </p:cxnSp>
+        <p:cxnSp>
+          <p:nvCxnSpPr>
+            <p:cNvPr id="197" name="连接符: 曲线 196">
+              <a:extLst>
+                <a:ext uri="{FF2B5EF4-FFF2-40B4-BE49-F238E27FC236}">
+                  <a16:creationId xmlns:a16="http://schemas.microsoft.com/office/drawing/2014/main" id="{96223471-2FF8-6C11-D1A1-9B4597A71356}"/>
+                </a:ext>
+              </a:extLst>
+            </p:cNvPr>
+            <p:cNvCxnSpPr>
+              <a:cxnSpLocks/>
+              <a:stCxn id="194" idx="0"/>
+              <a:endCxn id="192" idx="3"/>
+            </p:cNvCxnSpPr>
+            <p:nvPr/>
+          </p:nvCxnSpPr>
+          <p:spPr>
+            <a:xfrm rot="16200000" flipV="1">
+              <a:off x="5863229" y="5335377"/>
+              <a:ext cx="366703" cy="342665"/>
+            </a:xfrm>
+            <a:prstGeom prst="curvedConnector2">
+              <a:avLst/>
+            </a:prstGeom>
+            <a:noFill/>
+            <a:ln w="25400" cap="flat" cmpd="sng" algn="ctr">
+              <a:solidFill>
+                <a:sysClr val="windowText" lastClr="000000"/>
+              </a:solidFill>
+              <a:prstDash val="solid"/>
+              <a:miter lim="800000"/>
+              <a:tailEnd type="triangle"/>
+            </a:ln>
+            <a:effectLst/>
+          </p:spPr>
+        </p:cxnSp>
+        <p:cxnSp>
+          <p:nvCxnSpPr>
+            <p:cNvPr id="205" name="连接符: 曲线 204">
+              <a:extLst>
+                <a:ext uri="{FF2B5EF4-FFF2-40B4-BE49-F238E27FC236}">
+                  <a16:creationId xmlns:a16="http://schemas.microsoft.com/office/drawing/2014/main" id="{3A11CA9D-C8E0-A8D1-1B22-F1D7AC5CC81B}"/>
+                </a:ext>
+              </a:extLst>
+            </p:cNvPr>
+            <p:cNvCxnSpPr>
+              <a:cxnSpLocks/>
+              <a:stCxn id="187" idx="1"/>
+              <a:endCxn id="193" idx="1"/>
+            </p:cNvCxnSpPr>
+            <p:nvPr/>
+          </p:nvCxnSpPr>
+          <p:spPr>
+            <a:xfrm rot="10800000" flipV="1">
+              <a:off x="3932935" y="4910999"/>
+              <a:ext cx="250848" cy="854325"/>
+            </a:xfrm>
+            <a:prstGeom prst="curvedConnector3">
+              <a:avLst>
+                <a:gd name="adj1" fmla="val 191131"/>
+              </a:avLst>
+            </a:prstGeom>
+            <a:noFill/>
+            <a:ln w="50800" cap="flat" cmpd="sng" algn="ctr">
+              <a:solidFill>
+                <a:srgbClr val="4874CB"/>
+              </a:solidFill>
+              <a:prstDash val="solid"/>
+              <a:miter lim="800000"/>
+              <a:tailEnd type="triangle"/>
+            </a:ln>
+            <a:effectLst/>
+          </p:spPr>
+        </p:cxnSp>
+        <p:cxnSp>
+          <p:nvCxnSpPr>
+            <p:cNvPr id="206" name="连接符: 曲线 205">
+              <a:extLst>
+                <a:ext uri="{FF2B5EF4-FFF2-40B4-BE49-F238E27FC236}">
+                  <a16:creationId xmlns:a16="http://schemas.microsoft.com/office/drawing/2014/main" id="{D93F31B8-FC78-41A4-519D-2BE801C1E82F}"/>
+                </a:ext>
+              </a:extLst>
+            </p:cNvPr>
+            <p:cNvCxnSpPr>
+              <a:cxnSpLocks/>
+              <a:stCxn id="188" idx="3"/>
+              <a:endCxn id="194" idx="3"/>
+            </p:cNvCxnSpPr>
+            <p:nvPr/>
+          </p:nvCxnSpPr>
+          <p:spPr>
+            <a:xfrm>
+              <a:off x="6685128" y="4912176"/>
+              <a:ext cx="220581" cy="867885"/>
+            </a:xfrm>
+            <a:prstGeom prst="curvedConnector3">
+              <a:avLst>
+                <a:gd name="adj1" fmla="val 203635"/>
+              </a:avLst>
+            </a:prstGeom>
+            <a:noFill/>
+            <a:ln w="50800" cap="flat" cmpd="sng" algn="ctr">
+              <a:solidFill>
+                <a:srgbClr val="4874CB"/>
+              </a:solidFill>
+              <a:prstDash val="solid"/>
+              <a:miter lim="800000"/>
+              <a:tailEnd type="triangle"/>
+            </a:ln>
+            <a:effectLst/>
+          </p:spPr>
+        </p:cxnSp>
+        <p:sp>
+          <p:nvSpPr>
+            <p:cNvPr id="208" name="文本框 207">
+              <a:extLst>
+                <a:ext uri="{FF2B5EF4-FFF2-40B4-BE49-F238E27FC236}">
+                  <a16:creationId xmlns:a16="http://schemas.microsoft.com/office/drawing/2014/main" id="{FC7F1986-8F04-8A47-7357-B383FD56FCC9}"/>
+                </a:ext>
+              </a:extLst>
+            </p:cNvPr>
+            <p:cNvSpPr txBox="1"/>
+            <p:nvPr/>
+          </p:nvSpPr>
+          <p:spPr>
+            <a:xfrm>
+              <a:off x="3711710" y="5206711"/>
+              <a:ext cx="693736" cy="253916"/>
+            </a:xfrm>
+            <a:prstGeom prst="rect">
+              <a:avLst/>
+            </a:prstGeom>
+            <a:noFill/>
+          </p:spPr>
+          <p:txBody>
+            <a:bodyPr wrap="square" rtlCol="0">
+              <a:spAutoFit/>
+            </a:bodyPr>
+            <a:lstStyle/>
+            <a:p>
+              <a:pPr defTabSz="914279">
+                <a:buClrTx/>
+                <a:defRPr/>
+              </a:pPr>
+              <a:r>
+                <a:rPr lang="en-US" altLang="zh-CN" sz="1050" kern="1200" dirty="0">
+                  <a:solidFill>
+                    <a:prstClr val="black"/>
+                  </a:solidFill>
+                  <a:latin typeface="+mj-lt"/>
+                  <a:ea typeface="微软雅黑"/>
+                  <a:cs typeface="Times New Roman" panose="02020603050405020304" pitchFamily="18" charset="0"/>
+                </a:rPr>
+                <a:t>Grab</a:t>
+              </a:r>
+              <a:endParaRPr lang="zh-CN" altLang="en-US" sz="1050" kern="1200" dirty="0">
+                <a:solidFill>
+                  <a:prstClr val="black"/>
+                </a:solidFill>
+                <a:latin typeface="+mj-lt"/>
+                <a:ea typeface="微软雅黑"/>
+                <a:cs typeface="Times New Roman" panose="02020603050405020304" pitchFamily="18" charset="0"/>
+              </a:endParaRPr>
+            </a:p>
+          </p:txBody>
+        </p:sp>
+        <p:sp>
+          <p:nvSpPr>
+            <p:cNvPr id="210" name="文本框 209">
+              <a:extLst>
+                <a:ext uri="{FF2B5EF4-FFF2-40B4-BE49-F238E27FC236}">
+                  <a16:creationId xmlns:a16="http://schemas.microsoft.com/office/drawing/2014/main" id="{AA0AD51C-76DD-925C-089F-70C52EA072F8}"/>
+                </a:ext>
+              </a:extLst>
+            </p:cNvPr>
+            <p:cNvSpPr txBox="1"/>
+            <p:nvPr/>
+          </p:nvSpPr>
+          <p:spPr>
+            <a:xfrm>
+              <a:off x="6485805" y="5181194"/>
+              <a:ext cx="690374" cy="253916"/>
+            </a:xfrm>
+            <a:prstGeom prst="rect">
+              <a:avLst/>
+            </a:prstGeom>
+            <a:noFill/>
+          </p:spPr>
+          <p:txBody>
+            <a:bodyPr wrap="square" rtlCol="0">
+              <a:spAutoFit/>
+            </a:bodyPr>
+            <a:lstStyle/>
+            <a:p>
+              <a:pPr defTabSz="914279">
+                <a:buClrTx/>
+                <a:defRPr/>
+              </a:pPr>
+              <a:r>
+                <a:rPr lang="en-US" altLang="zh-CN" sz="1050" kern="1200" dirty="0">
+                  <a:solidFill>
+                    <a:prstClr val="black"/>
+                  </a:solidFill>
+                  <a:latin typeface="+mj-lt"/>
+                  <a:ea typeface="微软雅黑"/>
+                  <a:cs typeface="Times New Roman" panose="02020603050405020304" pitchFamily="18" charset="0"/>
+                </a:rPr>
+                <a:t>Trigger</a:t>
+              </a:r>
+              <a:endParaRPr lang="zh-CN" altLang="en-US" sz="1050" kern="1200" dirty="0">
+                <a:solidFill>
+                  <a:prstClr val="black"/>
+                </a:solidFill>
+                <a:latin typeface="+mj-lt"/>
+                <a:ea typeface="微软雅黑"/>
+                <a:cs typeface="Times New Roman" panose="02020603050405020304" pitchFamily="18" charset="0"/>
+              </a:endParaRPr>
+            </a:p>
+          </p:txBody>
+        </p:sp>
+        <p:grpSp>
+          <p:nvGrpSpPr>
+            <p:cNvPr id="55" name="组合 54">
+              <a:extLst>
+                <a:ext uri="{FF2B5EF4-FFF2-40B4-BE49-F238E27FC236}">
+                  <a16:creationId xmlns:a16="http://schemas.microsoft.com/office/drawing/2014/main" id="{024C2AB6-CC94-C65B-7B67-F3B45A9A8CDE}"/>
+                </a:ext>
+              </a:extLst>
+            </p:cNvPr>
+            <p:cNvGrpSpPr/>
+            <p:nvPr/>
+          </p:nvGrpSpPr>
+          <p:grpSpPr>
+            <a:xfrm>
+              <a:off x="3449934" y="3455089"/>
+              <a:ext cx="3894239" cy="2600305"/>
+              <a:chOff x="3488650" y="3470295"/>
+              <a:chExt cx="3894239" cy="2600305"/>
+            </a:xfrm>
+          </p:grpSpPr>
+          <p:sp>
+            <p:nvSpPr>
+              <p:cNvPr id="4" name="AutoShape 5">
+                <a:extLst>
+                  <a:ext uri="{FF2B5EF4-FFF2-40B4-BE49-F238E27FC236}">
+                    <a16:creationId xmlns:a16="http://schemas.microsoft.com/office/drawing/2014/main" id="{78532F2D-405A-CC8F-32A6-F02D41D381DF}"/>
+                  </a:ext>
+                </a:extLst>
+              </p:cNvPr>
+              <p:cNvSpPr/>
+              <p:nvPr/>
+            </p:nvSpPr>
+            <p:spPr>
+              <a:xfrm>
+                <a:off x="3488650" y="3470295"/>
+                <a:ext cx="3894239" cy="2600305"/>
+              </a:xfrm>
+              <a:prstGeom prst="roundRect">
+                <a:avLst>
+                  <a:gd name="adj" fmla="val 0"/>
+                </a:avLst>
+              </a:prstGeom>
+              <a:noFill/>
+              <a:ln w="31750" cap="flat" cmpd="sng">
+                <a:solidFill>
+                  <a:srgbClr val="00B050"/>
+                </a:solidFill>
+                <a:prstDash val="dash"/>
+              </a:ln>
+            </p:spPr>
+            <p:txBody>
+              <a:bodyPr lIns="91440" tIns="45720" rIns="91440" bIns="45720" rtlCol="0" anchor="ctr">
+                <a:noAutofit/>
+              </a:bodyPr>
+              <a:lstStyle/>
+              <a:p>
+                <a:pPr algn="ctr">
+                  <a:defRPr/>
+                </a:pPr>
+                <a:endParaRPr sz="1200" dirty="0"/>
+              </a:p>
+            </p:txBody>
+          </p:sp>
+          <p:sp>
+            <p:nvSpPr>
+              <p:cNvPr id="215" name="AutoShape 2">
+                <a:extLst>
+                  <a:ext uri="{FF2B5EF4-FFF2-40B4-BE49-F238E27FC236}">
+                    <a16:creationId xmlns:a16="http://schemas.microsoft.com/office/drawing/2014/main" id="{B03B425F-CCBA-EA2C-A27E-38A7CA7ADD51}"/>
+                  </a:ext>
+                </a:extLst>
+              </p:cNvPr>
+              <p:cNvSpPr/>
+              <p:nvPr/>
+            </p:nvSpPr>
+            <p:spPr>
+              <a:xfrm>
+                <a:off x="3618464" y="3860025"/>
+                <a:ext cx="3606840" cy="408044"/>
+              </a:xfrm>
+              <a:prstGeom prst="rect">
+                <a:avLst/>
+              </a:prstGeom>
+              <a:solidFill>
+                <a:srgbClr val="64E8D6">
+                  <a:alpha val="75000"/>
+                </a:srgbClr>
+              </a:solidFill>
+              <a:ln w="12700" cap="flat">
+                <a:noFill/>
+                <a:prstDash val="solid"/>
+              </a:ln>
+            </p:spPr>
+            <p:txBody>
+              <a:bodyPr lIns="91440" tIns="45720" rIns="91440" bIns="45720" rtlCol="0" anchor="ctr">
+                <a:noAutofit/>
+              </a:bodyPr>
+              <a:lstStyle/>
+              <a:p>
+                <a:pPr algn="ctr">
+                  <a:defRPr/>
+                </a:pPr>
+                <a:r>
+                  <a:rPr lang="en-US" altLang="zh-CN" sz="1100" dirty="0"/>
+                  <a:t>Task Generator</a:t>
+                </a:r>
+                <a:r>
+                  <a:rPr lang="en-US" sz="1100" dirty="0"/>
+                  <a:t> &amp; Customized Task Model</a:t>
+                </a:r>
+                <a:endParaRPr sz="1100" dirty="0"/>
+              </a:p>
+            </p:txBody>
+          </p:sp>
+          <p:sp>
+            <p:nvSpPr>
+              <p:cNvPr id="260" name="AutoShape 27">
+                <a:extLst>
+                  <a:ext uri="{FF2B5EF4-FFF2-40B4-BE49-F238E27FC236}">
+                    <a16:creationId xmlns:a16="http://schemas.microsoft.com/office/drawing/2014/main" id="{06328E4B-7BD1-D6E1-DF4B-9ED411193124}"/>
+                  </a:ext>
+                </a:extLst>
+              </p:cNvPr>
+              <p:cNvSpPr/>
+              <p:nvPr/>
+            </p:nvSpPr>
+            <p:spPr>
+              <a:xfrm rot="10800000">
+                <a:off x="5778919" y="4247802"/>
+                <a:ext cx="192655" cy="192649"/>
+              </a:xfrm>
+              <a:prstGeom prst="downArrow">
+                <a:avLst>
+                  <a:gd name="adj1" fmla="val 50000"/>
+                  <a:gd name="adj2" fmla="val 50000"/>
+                </a:avLst>
+              </a:prstGeom>
+              <a:ln/>
+            </p:spPr>
+            <p:style>
+              <a:lnRef idx="1">
+                <a:schemeClr val="dk1"/>
+              </a:lnRef>
+              <a:fillRef idx="2">
+                <a:schemeClr val="dk1"/>
+              </a:fillRef>
+              <a:effectRef idx="1">
+                <a:schemeClr val="dk1"/>
+              </a:effectRef>
+              <a:fontRef idx="minor">
+                <a:schemeClr val="dk1"/>
+              </a:fontRef>
+            </p:style>
+            <p:txBody>
+              <a:bodyPr lIns="91440" tIns="45720" rIns="91440" bIns="45720" rtlCol="0" anchor="ctr">
+                <a:noAutofit/>
+              </a:bodyPr>
+              <a:lstStyle/>
+              <a:p>
+                <a:pPr algn="ctr">
+                  <a:defRPr/>
+                </a:pPr>
+                <a:endParaRPr sz="1200"/>
+              </a:p>
+            </p:txBody>
+          </p:sp>
+          <p:sp>
+            <p:nvSpPr>
+              <p:cNvPr id="291" name="AutoShape 119">
+                <a:extLst>
+                  <a:ext uri="{FF2B5EF4-FFF2-40B4-BE49-F238E27FC236}">
+                    <a16:creationId xmlns:a16="http://schemas.microsoft.com/office/drawing/2014/main" id="{F1527144-A497-F807-ADCB-99602A01FA92}"/>
+                  </a:ext>
+                </a:extLst>
+              </p:cNvPr>
+              <p:cNvSpPr/>
+              <p:nvPr/>
+            </p:nvSpPr>
+            <p:spPr>
+              <a:xfrm>
+                <a:off x="3531084" y="4214877"/>
+                <a:ext cx="2784192" cy="215900"/>
+              </a:xfrm>
+              <a:prstGeom prst="rect">
+                <a:avLst/>
+              </a:prstGeom>
+              <a:noFill/>
+              <a:ln w="12700">
+                <a:noFill/>
+                <a:prstDash val="solid"/>
+              </a:ln>
+            </p:spPr>
+            <p:txBody>
+              <a:bodyPr lIns="91440" tIns="45720" rIns="91440" bIns="45720" rtlCol="0" anchor="t">
+                <a:noAutofit/>
+              </a:bodyPr>
+              <a:lstStyle/>
+              <a:p>
+                <a:pPr>
+                  <a:defRPr/>
+                </a:pPr>
+                <a:r>
+                  <a:rPr lang="en-US" sz="1100" dirty="0"/>
+                  <a:t>Parallel and serial combinations</a:t>
+                </a:r>
+              </a:p>
+            </p:txBody>
+          </p:sp>
+          <p:sp>
+            <p:nvSpPr>
+              <p:cNvPr id="30" name="AutoShape 36">
+                <a:extLst>
+                  <a:ext uri="{FF2B5EF4-FFF2-40B4-BE49-F238E27FC236}">
+                    <a16:creationId xmlns:a16="http://schemas.microsoft.com/office/drawing/2014/main" id="{8061A5FC-1C87-0DA5-347D-7671B69CE0B8}"/>
+                  </a:ext>
+                </a:extLst>
+              </p:cNvPr>
+              <p:cNvSpPr/>
+              <p:nvPr/>
+            </p:nvSpPr>
+            <p:spPr>
+              <a:xfrm>
+                <a:off x="3608528" y="3525771"/>
+                <a:ext cx="3139182" cy="266700"/>
+              </a:xfrm>
+              <a:prstGeom prst="rect">
+                <a:avLst/>
+              </a:prstGeom>
+              <a:noFill/>
+              <a:ln w="12700">
+                <a:noFill/>
+                <a:prstDash val="solid"/>
+              </a:ln>
+            </p:spPr>
+            <p:txBody>
+              <a:bodyPr lIns="0" tIns="0" rIns="0" bIns="0" rtlCol="0" anchor="ctr">
+                <a:noAutofit/>
+              </a:bodyPr>
+              <a:lstStyle/>
+              <a:p>
+                <a:pPr algn="ctr">
+                  <a:lnSpc>
+                    <a:spcPct val="125000"/>
+                  </a:lnSpc>
+                  <a:defRPr/>
+                </a:pPr>
+                <a:r>
+                  <a:rPr lang="en-US" sz="1800" b="1" dirty="0">
+                    <a:solidFill>
+                      <a:srgbClr val="1F2329"/>
+                    </a:solidFill>
+                  </a:rPr>
+                  <a:t>EAT Framework</a:t>
+                </a:r>
+                <a:r>
+                  <a:rPr lang="en-US" altLang="zh-CN" sz="1800" dirty="0"/>
+                  <a:t> (§</a:t>
+                </a:r>
+                <a:r>
+                  <a:rPr lang="en-US" altLang="zh-CN" sz="1800" dirty="0">
+                    <a:solidFill>
+                      <a:srgbClr val="FF0000"/>
+                    </a:solidFill>
+                  </a:rPr>
+                  <a:t>3.4</a:t>
+                </a:r>
+                <a:r>
+                  <a:rPr lang="en-US" altLang="zh-CN" sz="1800" dirty="0"/>
+                  <a:t>) </a:t>
+                </a:r>
+                <a:endParaRPr lang="en-US" sz="1800" dirty="0"/>
+              </a:p>
+            </p:txBody>
+          </p:sp>
+          <p:sp>
+            <p:nvSpPr>
+              <p:cNvPr id="156" name="椭圆 155">
+                <a:extLst>
+                  <a:ext uri="{FF2B5EF4-FFF2-40B4-BE49-F238E27FC236}">
+                    <a16:creationId xmlns:a16="http://schemas.microsoft.com/office/drawing/2014/main" id="{3A5D8D50-4255-6195-1F65-E9533CB4D5CE}"/>
+                  </a:ext>
+                </a:extLst>
+              </p:cNvPr>
+              <p:cNvSpPr/>
+              <p:nvPr/>
+            </p:nvSpPr>
+            <p:spPr>
+              <a:xfrm>
+                <a:off x="3653938" y="3533023"/>
+                <a:ext cx="292100" cy="280219"/>
+              </a:xfrm>
+              <a:prstGeom prst="ellipse">
+                <a:avLst/>
+              </a:prstGeom>
+              <a:ln>
+                <a:noFill/>
+              </a:ln>
+            </p:spPr>
+            <p:style>
+              <a:lnRef idx="2">
+                <a:schemeClr val="accent1">
+                  <a:shade val="15000"/>
+                </a:schemeClr>
+              </a:lnRef>
+              <a:fillRef idx="1">
+                <a:schemeClr val="accent1"/>
+              </a:fillRef>
+              <a:effectRef idx="0">
+                <a:schemeClr val="accent1"/>
+              </a:effectRef>
+              <a:fontRef idx="minor">
+                <a:schemeClr val="lt1"/>
+              </a:fontRef>
+            </p:style>
+            <p:txBody>
+              <a:bodyPr rtlCol="0" anchor="ctr"/>
+              <a:lstStyle/>
+              <a:p>
+                <a:pPr algn="ctr"/>
+                <a:r>
+                  <a:rPr lang="en-US" altLang="zh-CN" sz="1800" dirty="0"/>
+                  <a:t>D</a:t>
+                </a:r>
+                <a:endParaRPr lang="zh-CN" altLang="en-US" sz="1800" dirty="0"/>
+              </a:p>
+            </p:txBody>
+          </p:sp>
+        </p:grpSp>
+      </p:grpSp>
       <p:sp>
         <p:nvSpPr>
           <p:cNvPr id="93" name="文本框 92">
@@ -22096,7 +21709,7 @@
         </p:nvSpPr>
         <p:spPr>
           <a:xfrm>
-            <a:off x="9068089" y="2316196"/>
+            <a:off x="8858855" y="2165065"/>
             <a:ext cx="1286061" cy="261610"/>
           </a:xfrm>
           <a:prstGeom prst="rect">
@@ -22131,7 +21744,7 @@
         </p:nvSpPr>
         <p:spPr>
           <a:xfrm>
-            <a:off x="4011705" y="1870096"/>
+            <a:off x="4062501" y="1817306"/>
             <a:ext cx="860063" cy="239218"/>
           </a:xfrm>
           <a:prstGeom prst="rect">
@@ -22182,7 +21795,7 @@
         </p:nvGrpSpPr>
         <p:grpSpPr>
           <a:xfrm>
-            <a:off x="7971685" y="2575403"/>
+            <a:off x="7792554" y="2409771"/>
             <a:ext cx="1547419" cy="348132"/>
             <a:chOff x="4384241" y="5275402"/>
             <a:chExt cx="1601074" cy="348132"/>
@@ -22315,10 +21928,10 @@
         </p:nvGrpSpPr>
         <p:grpSpPr>
           <a:xfrm>
-            <a:off x="9637198" y="2524630"/>
-            <a:ext cx="1547419" cy="590913"/>
-            <a:chOff x="4384240" y="5275402"/>
-            <a:chExt cx="1601074" cy="348132"/>
+            <a:off x="9410626" y="2404654"/>
+            <a:ext cx="1468649" cy="598390"/>
+            <a:chOff x="4410595" y="5275397"/>
+            <a:chExt cx="1601074" cy="352537"/>
           </a:xfrm>
         </p:grpSpPr>
         <p:sp>
@@ -22335,7 +21948,7 @@
           </p:nvSpPr>
           <p:spPr>
             <a:xfrm>
-              <a:off x="4384240" y="5280861"/>
+              <a:off x="4410595" y="5285261"/>
               <a:ext cx="1601074" cy="342673"/>
             </a:xfrm>
             <a:prstGeom prst="roundRect">
@@ -22385,7 +21998,7 @@
           </p:nvSpPr>
           <p:spPr>
             <a:xfrm>
-              <a:off x="4446699" y="5275402"/>
+              <a:off x="4446701" y="5275397"/>
               <a:ext cx="1528848" cy="327608"/>
             </a:xfrm>
             <a:prstGeom prst="rect">
@@ -22465,7 +22078,7 @@
         </p:nvSpPr>
         <p:spPr>
           <a:xfrm rot="16200000" flipV="1">
-            <a:off x="10480565" y="1711710"/>
+            <a:off x="10246425" y="1550688"/>
             <a:ext cx="1860845" cy="452741"/>
           </a:xfrm>
           <a:prstGeom prst="uturnArrow">
@@ -22497,7 +22110,7 @@
           <a:lstStyle/>
           <a:p>
             <a:pPr algn="ctr"/>
-            <a:endParaRPr lang="zh-CN" altLang="en-US" sz="2628">
+            <a:endParaRPr lang="zh-CN" altLang="en-US" sz="2628" dirty="0">
               <a:solidFill>
                 <a:schemeClr val="tx1"/>
               </a:solidFill>
@@ -22519,7 +22132,7 @@
         </p:nvSpPr>
         <p:spPr>
           <a:xfrm rot="5400000">
-            <a:off x="10761156" y="1799833"/>
+            <a:off x="10527016" y="1638811"/>
             <a:ext cx="1168335" cy="348813"/>
           </a:xfrm>
           <a:prstGeom prst="rect">
@@ -22563,8 +22176,8 @@
         </p:nvCxnSpPr>
         <p:spPr>
           <a:xfrm rot="5400000">
-            <a:off x="9150828" y="1689281"/>
-            <a:ext cx="486149" cy="1297013"/>
+            <a:off x="8893181" y="1686567"/>
+            <a:ext cx="401747" cy="1055579"/>
           </a:xfrm>
           <a:prstGeom prst="curvedConnector3">
             <a:avLst>
@@ -22601,8 +22214,8 @@
         </p:nvCxnSpPr>
         <p:spPr>
           <a:xfrm rot="16200000" flipH="1">
-            <a:off x="10007067" y="2130054"/>
-            <a:ext cx="439183" cy="368500"/>
+            <a:off x="9679440" y="1955886"/>
+            <a:ext cx="407914" cy="523108"/>
           </a:xfrm>
           <a:prstGeom prst="curvedConnector3">
             <a:avLst>
@@ -22621,6 +22234,374 @@
           <a:effectLst/>
         </p:spPr>
       </p:cxnSp>
+      <p:grpSp>
+        <p:nvGrpSpPr>
+          <p:cNvPr id="27" name="Group 136">
+            <a:extLst>
+              <a:ext uri="{FF2B5EF4-FFF2-40B4-BE49-F238E27FC236}">
+                <a16:creationId xmlns:a16="http://schemas.microsoft.com/office/drawing/2014/main" id="{213D05F2-935A-D4DE-5245-E734F0974E10}"/>
+              </a:ext>
+            </a:extLst>
+          </p:cNvPr>
+          <p:cNvGrpSpPr/>
+          <p:nvPr/>
+        </p:nvGrpSpPr>
+        <p:grpSpPr>
+          <a:xfrm>
+            <a:off x="9979215" y="3139470"/>
+            <a:ext cx="1065357" cy="436625"/>
+            <a:chOff x="4754975" y="6385862"/>
+            <a:chExt cx="3128240" cy="512405"/>
+          </a:xfrm>
+        </p:grpSpPr>
+        <p:sp>
+          <p:nvSpPr>
+            <p:cNvPr id="33" name="AutoShape 137">
+              <a:extLst>
+                <a:ext uri="{FF2B5EF4-FFF2-40B4-BE49-F238E27FC236}">
+                  <a16:creationId xmlns:a16="http://schemas.microsoft.com/office/drawing/2014/main" id="{85F9B0D6-3F7D-7025-9349-50D635301382}"/>
+                </a:ext>
+              </a:extLst>
+            </p:cNvPr>
+            <p:cNvSpPr/>
+            <p:nvPr/>
+          </p:nvSpPr>
+          <p:spPr>
+            <a:xfrm>
+              <a:off x="4754975" y="6386088"/>
+              <a:ext cx="3128240" cy="503131"/>
+            </a:xfrm>
+            <a:prstGeom prst="roundRect">
+              <a:avLst>
+                <a:gd name="adj" fmla="val 19466"/>
+              </a:avLst>
+            </a:prstGeom>
+            <a:solidFill>
+              <a:srgbClr val="64E8D6"/>
+            </a:solidFill>
+            <a:ln w="12700" cap="flat" cmpd="sng">
+              <a:noFill/>
+              <a:prstDash val="solid"/>
+              <a:round/>
+            </a:ln>
+          </p:spPr>
+          <p:txBody>
+            <a:bodyPr lIns="63500" tIns="63500" rIns="63500" bIns="63500" rtlCol="0" anchor="ctr">
+              <a:noAutofit/>
+            </a:bodyPr>
+            <a:lstStyle/>
+            <a:p>
+              <a:pPr>
+                <a:defRPr/>
+              </a:pPr>
+              <a:endParaRPr sz="2628" dirty="0"/>
+            </a:p>
+          </p:txBody>
+        </p:sp>
+        <p:sp>
+          <p:nvSpPr>
+            <p:cNvPr id="34" name="AutoShape 138">
+              <a:extLst>
+                <a:ext uri="{FF2B5EF4-FFF2-40B4-BE49-F238E27FC236}">
+                  <a16:creationId xmlns:a16="http://schemas.microsoft.com/office/drawing/2014/main" id="{8D8828F4-59BB-CE7C-FD84-8CAE7C6DC0AD}"/>
+                </a:ext>
+              </a:extLst>
+            </p:cNvPr>
+            <p:cNvSpPr/>
+            <p:nvPr/>
+          </p:nvSpPr>
+          <p:spPr>
+            <a:xfrm>
+              <a:off x="5078014" y="6385862"/>
+              <a:ext cx="2485794" cy="512405"/>
+            </a:xfrm>
+            <a:prstGeom prst="rect">
+              <a:avLst/>
+            </a:prstGeom>
+            <a:noFill/>
+            <a:ln w="12700">
+              <a:noFill/>
+              <a:prstDash val="solid"/>
+            </a:ln>
+          </p:spPr>
+          <p:txBody>
+            <a:bodyPr lIns="0" tIns="0" rIns="0" bIns="0" rtlCol="0" anchor="ctr">
+              <a:noAutofit/>
+            </a:bodyPr>
+            <a:lstStyle/>
+            <a:p>
+              <a:pPr algn="ctr">
+                <a:defRPr/>
+              </a:pPr>
+              <a:r>
+                <a:rPr lang="en-US" sz="1200" b="1" dirty="0">
+                  <a:solidFill>
+                    <a:srgbClr val="1F2329"/>
+                  </a:solidFill>
+                  <a:latin typeface="+mj-lt"/>
+                </a:rPr>
+                <a:t>Task </a:t>
+              </a:r>
+            </a:p>
+            <a:p>
+              <a:pPr algn="ctr">
+                <a:defRPr/>
+              </a:pPr>
+              <a:r>
+                <a:rPr lang="en-US" sz="1200" b="1" dirty="0">
+                  <a:solidFill>
+                    <a:srgbClr val="1F2329"/>
+                  </a:solidFill>
+                  <a:latin typeface="+mj-lt"/>
+                </a:rPr>
+                <a:t>Model</a:t>
+              </a:r>
+              <a:endParaRPr lang="en-US" sz="1050" b="1" dirty="0">
+                <a:latin typeface="+mj-lt"/>
+              </a:endParaRPr>
+            </a:p>
+          </p:txBody>
+        </p:sp>
+      </p:grpSp>
+      <p:cxnSp>
+        <p:nvCxnSpPr>
+          <p:cNvPr id="158" name="直接连接符 157">
+            <a:extLst>
+              <a:ext uri="{FF2B5EF4-FFF2-40B4-BE49-F238E27FC236}">
+                <a16:creationId xmlns:a16="http://schemas.microsoft.com/office/drawing/2014/main" id="{D4F15F0B-A081-BCD1-EDFA-1D006707A8EB}"/>
+              </a:ext>
+            </a:extLst>
+          </p:cNvPr>
+          <p:cNvCxnSpPr>
+            <a:stCxn id="34" idx="2"/>
+            <a:endCxn id="51" idx="0"/>
+          </p:cNvCxnSpPr>
+          <p:nvPr/>
+        </p:nvCxnSpPr>
+        <p:spPr>
+          <a:xfrm flipH="1">
+            <a:off x="9781691" y="3576095"/>
+            <a:ext cx="730822" cy="370547"/>
+          </a:xfrm>
+          <a:prstGeom prst="line">
+            <a:avLst/>
+          </a:prstGeom>
+          <a:ln w="22225">
+            <a:solidFill>
+              <a:schemeClr val="bg1">
+                <a:lumMod val="75000"/>
+              </a:schemeClr>
+            </a:solidFill>
+            <a:prstDash val="sysDash"/>
+          </a:ln>
+        </p:spPr>
+        <p:style>
+          <a:lnRef idx="1">
+            <a:schemeClr val="accent1"/>
+          </a:lnRef>
+          <a:fillRef idx="0">
+            <a:schemeClr val="accent1"/>
+          </a:fillRef>
+          <a:effectRef idx="0">
+            <a:schemeClr val="accent1"/>
+          </a:effectRef>
+          <a:fontRef idx="minor">
+            <a:schemeClr val="tx1"/>
+          </a:fontRef>
+        </p:style>
+      </p:cxnSp>
+      <p:sp>
+        <p:nvSpPr>
+          <p:cNvPr id="159" name="文本框 158">
+            <a:extLst>
+              <a:ext uri="{FF2B5EF4-FFF2-40B4-BE49-F238E27FC236}">
+                <a16:creationId xmlns:a16="http://schemas.microsoft.com/office/drawing/2014/main" id="{CE90E1EA-2DB5-BD5C-93BE-D5D1BCB5854B}"/>
+              </a:ext>
+            </a:extLst>
+          </p:cNvPr>
+          <p:cNvSpPr txBox="1"/>
+          <p:nvPr/>
+        </p:nvSpPr>
+        <p:spPr>
+          <a:xfrm>
+            <a:off x="8555723" y="3615904"/>
+            <a:ext cx="1638140" cy="261610"/>
+          </a:xfrm>
+          <a:prstGeom prst="rect">
+            <a:avLst/>
+          </a:prstGeom>
+          <a:noFill/>
+        </p:spPr>
+        <p:txBody>
+          <a:bodyPr wrap="square" rtlCol="0">
+            <a:spAutoFit/>
+          </a:bodyPr>
+          <a:lstStyle/>
+          <a:p>
+            <a:r>
+              <a:rPr lang="en-US" altLang="zh-CN" sz="1100" dirty="0"/>
+              <a:t>Example Task Model</a:t>
+            </a:r>
+          </a:p>
+        </p:txBody>
+      </p:sp>
+      <p:cxnSp>
+        <p:nvCxnSpPr>
+          <p:cNvPr id="238" name="直接箭头连接符 237">
+            <a:extLst>
+              <a:ext uri="{FF2B5EF4-FFF2-40B4-BE49-F238E27FC236}">
+                <a16:creationId xmlns:a16="http://schemas.microsoft.com/office/drawing/2014/main" id="{AF55C9DD-19D1-A955-ABAC-CC56500E0986}"/>
+              </a:ext>
+            </a:extLst>
+          </p:cNvPr>
+          <p:cNvCxnSpPr>
+            <a:cxnSpLocks/>
+          </p:cNvCxnSpPr>
+          <p:nvPr/>
+        </p:nvCxnSpPr>
+        <p:spPr>
+          <a:xfrm>
+            <a:off x="1642321" y="3319913"/>
+            <a:ext cx="0" cy="224003"/>
+          </a:xfrm>
+          <a:prstGeom prst="straightConnector1">
+            <a:avLst/>
+          </a:prstGeom>
+          <a:ln w="31750">
+            <a:tailEnd type="triangle"/>
+          </a:ln>
+        </p:spPr>
+        <p:style>
+          <a:lnRef idx="1">
+            <a:schemeClr val="dk1"/>
+          </a:lnRef>
+          <a:fillRef idx="0">
+            <a:schemeClr val="dk1"/>
+          </a:fillRef>
+          <a:effectRef idx="0">
+            <a:schemeClr val="dk1"/>
+          </a:effectRef>
+          <a:fontRef idx="minor">
+            <a:schemeClr val="tx1"/>
+          </a:fontRef>
+        </p:style>
+      </p:cxnSp>
+      <p:cxnSp>
+        <p:nvCxnSpPr>
+          <p:cNvPr id="201" name="连接符: 曲线 200">
+            <a:extLst>
+              <a:ext uri="{FF2B5EF4-FFF2-40B4-BE49-F238E27FC236}">
+                <a16:creationId xmlns:a16="http://schemas.microsoft.com/office/drawing/2014/main" id="{2AFC70B0-F9D2-742F-517C-695B03869E6C}"/>
+              </a:ext>
+            </a:extLst>
+          </p:cNvPr>
+          <p:cNvCxnSpPr>
+            <a:cxnSpLocks/>
+            <a:stCxn id="198" idx="0"/>
+            <a:endCxn id="193" idx="2"/>
+          </p:cNvCxnSpPr>
+          <p:nvPr/>
+        </p:nvCxnSpPr>
+        <p:spPr>
+          <a:xfrm rot="5400000" flipH="1" flipV="1">
+            <a:off x="4110919" y="5609157"/>
+            <a:ext cx="551854" cy="462892"/>
+          </a:xfrm>
+          <a:prstGeom prst="curvedConnector3">
+            <a:avLst>
+              <a:gd name="adj1" fmla="val 50000"/>
+            </a:avLst>
+          </a:prstGeom>
+          <a:noFill/>
+          <a:ln w="25400" cap="flat" cmpd="sng" algn="ctr">
+            <a:solidFill>
+              <a:sysClr val="windowText" lastClr="000000"/>
+            </a:solidFill>
+            <a:prstDash val="sysDot"/>
+            <a:miter lim="800000"/>
+            <a:tailEnd type="triangle"/>
+          </a:ln>
+          <a:effectLst/>
+        </p:spPr>
+      </p:cxnSp>
+      <p:cxnSp>
+        <p:nvCxnSpPr>
+          <p:cNvPr id="202" name="连接符: 曲线 201">
+            <a:extLst>
+              <a:ext uri="{FF2B5EF4-FFF2-40B4-BE49-F238E27FC236}">
+                <a16:creationId xmlns:a16="http://schemas.microsoft.com/office/drawing/2014/main" id="{38A2025F-A5E7-CBDB-310F-1888F39C4B47}"/>
+              </a:ext>
+            </a:extLst>
+          </p:cNvPr>
+          <p:cNvCxnSpPr>
+            <a:cxnSpLocks/>
+            <a:stCxn id="200" idx="0"/>
+            <a:endCxn id="194" idx="2"/>
+          </p:cNvCxnSpPr>
+          <p:nvPr/>
+        </p:nvCxnSpPr>
+        <p:spPr>
+          <a:xfrm rot="16200000" flipV="1">
+            <a:off x="6192981" y="5644469"/>
+            <a:ext cx="562714" cy="432601"/>
+          </a:xfrm>
+          <a:prstGeom prst="curvedConnector3">
+            <a:avLst>
+              <a:gd name="adj1" fmla="val 50000"/>
+            </a:avLst>
+          </a:prstGeom>
+          <a:noFill/>
+          <a:ln w="25400" cap="flat" cmpd="sng" algn="ctr">
+            <a:solidFill>
+              <a:sysClr val="windowText" lastClr="000000"/>
+            </a:solidFill>
+            <a:prstDash val="sysDot"/>
+            <a:miter lim="800000"/>
+            <a:headEnd w="med" len="sm"/>
+            <a:tailEnd type="triangle"/>
+          </a:ln>
+          <a:effectLst/>
+        </p:spPr>
+      </p:cxnSp>
+      <p:cxnSp>
+        <p:nvCxnSpPr>
+          <p:cNvPr id="203" name="连接符: 曲线 202">
+            <a:extLst>
+              <a:ext uri="{FF2B5EF4-FFF2-40B4-BE49-F238E27FC236}">
+                <a16:creationId xmlns:a16="http://schemas.microsoft.com/office/drawing/2014/main" id="{741EB95F-90F5-551A-86A3-867B74A8C75D}"/>
+              </a:ext>
+            </a:extLst>
+          </p:cNvPr>
+          <p:cNvCxnSpPr>
+            <a:cxnSpLocks/>
+            <a:stCxn id="199" idx="0"/>
+            <a:endCxn id="194" idx="2"/>
+          </p:cNvCxnSpPr>
+          <p:nvPr/>
+        </p:nvCxnSpPr>
+        <p:spPr>
+          <a:xfrm rot="5400000" flipH="1" flipV="1">
+            <a:off x="5579571" y="5456134"/>
+            <a:ext cx="555187" cy="801746"/>
+          </a:xfrm>
+          <a:prstGeom prst="curvedConnector3">
+            <a:avLst>
+              <a:gd name="adj1" fmla="val 50000"/>
+            </a:avLst>
+          </a:prstGeom>
+          <a:noFill/>
+          <a:ln w="25400" cap="flat" cmpd="sng" algn="ctr">
+            <a:solidFill>
+              <a:sysClr val="windowText" lastClr="000000"/>
+            </a:solidFill>
+            <a:prstDash val="sysDot"/>
+            <a:miter lim="800000"/>
+            <a:headEnd w="med" len="sm"/>
+            <a:tailEnd type="triangle"/>
+          </a:ln>
+          <a:effectLst/>
+        </p:spPr>
+      </p:cxnSp>
     </p:spTree>
   </p:cSld>
   <p:clrMapOvr>
@@ -22632,12 +22613,12 @@
 <file path=ppt/theme/theme1.xml><?xml version="1.0" encoding="utf-8"?>
 <a:theme xmlns:a="http://schemas.openxmlformats.org/drawingml/2006/main" name="Office 主题​​">
   <a:themeElements>
-    <a:clrScheme name="Office">
+    <a:clrScheme name="1">
       <a:dk1>
-        <a:srgbClr val="000000"/>
+        <a:sysClr val="windowText" lastClr="000000"/>
       </a:dk1>
       <a:lt1>
-        <a:srgbClr val="FFFFFF"/>
+        <a:sysClr val="window" lastClr="FFFFFF"/>
       </a:lt1>
       <a:dk2>
         <a:srgbClr val="44546A"/>
@@ -22646,28 +22627,28 @@
         <a:srgbClr val="E7E6E6"/>
       </a:lt2>
       <a:accent1>
-        <a:srgbClr val="4472C4"/>
+        <a:srgbClr val="4874CB"/>
       </a:accent1>
       <a:accent2>
-        <a:srgbClr val="ED7D31"/>
+        <a:srgbClr val="EE822F"/>
       </a:accent2>
       <a:accent3>
-        <a:srgbClr val="A5A5A5"/>
+        <a:srgbClr val="F2BA02"/>
       </a:accent3>
       <a:accent4>
-        <a:srgbClr val="FFC000"/>
+        <a:srgbClr val="75BD42"/>
       </a:accent4>
       <a:accent5>
-        <a:srgbClr val="5B9BD5"/>
+        <a:srgbClr val="30C0B4"/>
       </a:accent5>
       <a:accent6>
-        <a:srgbClr val="70AD47"/>
+        <a:srgbClr val="E54C5E"/>
       </a:accent6>
       <a:hlink>
-        <a:srgbClr val="0563C1"/>
+        <a:srgbClr val="0026E5"/>
       </a:hlink>
       <a:folHlink>
-        <a:srgbClr val="954F72"/>
+        <a:srgbClr val="7E1FAD"/>
       </a:folHlink>
     </a:clrScheme>
     <a:fontScheme name="Office">

--- a/Paper Reading/____Writing/Fig_Overview.pptx
+++ b/Paper Reading/____Writing/Fig_Overview.pptx
@@ -10,7 +10,7 @@
   <p:sldIdLst>
     <p:sldId id="256" r:id="rId2"/>
   </p:sldIdLst>
-  <p:sldSz cx="12312650" cy="6696075"/>
+  <p:sldSz cx="12131675" cy="6480175"/>
   <p:notesSz cx="6858000" cy="9144000"/>
   <p:defaultTextStyle>
     <a:defPPr marR="0" lvl="0" algn="l" rtl="0">
@@ -38,7 +38,7 @@
         <a:srgbClr val="000000"/>
       </a:buClr>
       <a:buFont typeface="Arial"/>
-      <a:defRPr sz="1314" b="0" i="0" u="none" strike="noStrike" cap="none">
+      <a:defRPr sz="1294" b="0" i="0" u="none" strike="noStrike" cap="none">
         <a:solidFill>
           <a:srgbClr val="000000"/>
         </a:solidFill>
@@ -62,7 +62,7 @@
         <a:srgbClr val="000000"/>
       </a:buClr>
       <a:buFont typeface="Arial"/>
-      <a:defRPr sz="1314" b="0" i="0" u="none" strike="noStrike" cap="none">
+      <a:defRPr sz="1294" b="0" i="0" u="none" strike="noStrike" cap="none">
         <a:solidFill>
           <a:srgbClr val="000000"/>
         </a:solidFill>
@@ -86,7 +86,7 @@
         <a:srgbClr val="000000"/>
       </a:buClr>
       <a:buFont typeface="Arial"/>
-      <a:defRPr sz="1314" b="0" i="0" u="none" strike="noStrike" cap="none">
+      <a:defRPr sz="1294" b="0" i="0" u="none" strike="noStrike" cap="none">
         <a:solidFill>
           <a:srgbClr val="000000"/>
         </a:solidFill>
@@ -110,7 +110,7 @@
         <a:srgbClr val="000000"/>
       </a:buClr>
       <a:buFont typeface="Arial"/>
-      <a:defRPr sz="1314" b="0" i="0" u="none" strike="noStrike" cap="none">
+      <a:defRPr sz="1294" b="0" i="0" u="none" strike="noStrike" cap="none">
         <a:solidFill>
           <a:srgbClr val="000000"/>
         </a:solidFill>
@@ -134,7 +134,7 @@
         <a:srgbClr val="000000"/>
       </a:buClr>
       <a:buFont typeface="Arial"/>
-      <a:defRPr sz="1314" b="0" i="0" u="none" strike="noStrike" cap="none">
+      <a:defRPr sz="1294" b="0" i="0" u="none" strike="noStrike" cap="none">
         <a:solidFill>
           <a:srgbClr val="000000"/>
         </a:solidFill>
@@ -158,7 +158,7 @@
         <a:srgbClr val="000000"/>
       </a:buClr>
       <a:buFont typeface="Arial"/>
-      <a:defRPr sz="1314" b="0" i="0" u="none" strike="noStrike" cap="none">
+      <a:defRPr sz="1294" b="0" i="0" u="none" strike="noStrike" cap="none">
         <a:solidFill>
           <a:srgbClr val="000000"/>
         </a:solidFill>
@@ -182,7 +182,7 @@
         <a:srgbClr val="000000"/>
       </a:buClr>
       <a:buFont typeface="Arial"/>
-      <a:defRPr sz="1314" b="0" i="0" u="none" strike="noStrike" cap="none">
+      <a:defRPr sz="1294" b="0" i="0" u="none" strike="noStrike" cap="none">
         <a:solidFill>
           <a:srgbClr val="000000"/>
         </a:solidFill>
@@ -206,7 +206,7 @@
         <a:srgbClr val="000000"/>
       </a:buClr>
       <a:buFont typeface="Arial"/>
-      <a:defRPr sz="1314" b="0" i="0" u="none" strike="noStrike" cap="none">
+      <a:defRPr sz="1294" b="0" i="0" u="none" strike="noStrike" cap="none">
         <a:solidFill>
           <a:srgbClr val="000000"/>
         </a:solidFill>
@@ -230,7 +230,7 @@
         <a:srgbClr val="000000"/>
       </a:buClr>
       <a:buFont typeface="Arial"/>
-      <a:defRPr sz="1314" b="0" i="0" u="none" strike="noStrike" cap="none">
+      <a:defRPr sz="1294" b="0" i="0" u="none" strike="noStrike" cap="none">
         <a:solidFill>
           <a:srgbClr val="000000"/>
         </a:solidFill>
@@ -244,12 +244,12 @@
   <p:extLst>
     <p:ext uri="{EFAFB233-063F-42B5-8137-9DF3F51BA10A}">
       <p15:sldGuideLst xmlns:p15="http://schemas.microsoft.com/office/powerpoint/2012/main">
-        <p15:guide id="1" orient="horz" pos="1221" userDrawn="1">
+        <p15:guide id="1" orient="horz" pos="1181" userDrawn="1">
           <p15:clr>
             <a:srgbClr val="747775"/>
           </p15:clr>
         </p15:guide>
-        <p15:guide id="2" pos="2908" userDrawn="1">
+        <p15:guide id="2" pos="2865" userDrawn="1">
           <p15:clr>
             <a:srgbClr val="747775"/>
           </p15:clr>
@@ -360,8 +360,8 @@
         </p:nvSpPr>
         <p:spPr>
           <a:xfrm>
-            <a:off x="2212975" y="512763"/>
-            <a:ext cx="4718050" cy="2566987"/>
+            <a:off x="2170113" y="512763"/>
+            <a:ext cx="4803775" cy="2566987"/>
           </a:xfrm>
           <a:prstGeom prst="rect">
             <a:avLst/>
@@ -516,8 +516,8 @@
   </p:cSld>
   <p:clrMap bg1="lt1" tx1="dk1" bg2="lt2" tx2="dk2" accent1="accent1" accent2="accent2" accent3="accent3" accent4="accent4" accent5="accent5" accent6="accent6" hlink="hlink" folHlink="folHlink"/>
   <p:notesStyle>
-    <a:lvl1pPr marL="0" algn="l" defTabSz="858192" rtl="0" eaLnBrk="1" latinLnBrk="0" hangingPunct="1">
-      <a:defRPr sz="1126" kern="1200">
+    <a:lvl1pPr marL="0" algn="l" defTabSz="845038" rtl="0" eaLnBrk="1" latinLnBrk="0" hangingPunct="1">
+      <a:defRPr sz="1109" kern="1200">
         <a:solidFill>
           <a:schemeClr val="tx1"/>
         </a:solidFill>
@@ -526,8 +526,8 @@
         <a:cs typeface="+mn-cs"/>
       </a:defRPr>
     </a:lvl1pPr>
-    <a:lvl2pPr marL="429098" algn="l" defTabSz="858192" rtl="0" eaLnBrk="1" latinLnBrk="0" hangingPunct="1">
-      <a:defRPr sz="1126" kern="1200">
+    <a:lvl2pPr marL="422521" algn="l" defTabSz="845038" rtl="0" eaLnBrk="1" latinLnBrk="0" hangingPunct="1">
+      <a:defRPr sz="1109" kern="1200">
         <a:solidFill>
           <a:schemeClr val="tx1"/>
         </a:solidFill>
@@ -536,8 +536,8 @@
         <a:cs typeface="+mn-cs"/>
       </a:defRPr>
     </a:lvl2pPr>
-    <a:lvl3pPr marL="858192" algn="l" defTabSz="858192" rtl="0" eaLnBrk="1" latinLnBrk="0" hangingPunct="1">
-      <a:defRPr sz="1126" kern="1200">
+    <a:lvl3pPr marL="845038" algn="l" defTabSz="845038" rtl="0" eaLnBrk="1" latinLnBrk="0" hangingPunct="1">
+      <a:defRPr sz="1109" kern="1200">
         <a:solidFill>
           <a:schemeClr val="tx1"/>
         </a:solidFill>
@@ -546,8 +546,8 @@
         <a:cs typeface="+mn-cs"/>
       </a:defRPr>
     </a:lvl3pPr>
-    <a:lvl4pPr marL="1287290" algn="l" defTabSz="858192" rtl="0" eaLnBrk="1" latinLnBrk="0" hangingPunct="1">
-      <a:defRPr sz="1126" kern="1200">
+    <a:lvl4pPr marL="1267559" algn="l" defTabSz="845038" rtl="0" eaLnBrk="1" latinLnBrk="0" hangingPunct="1">
+      <a:defRPr sz="1109" kern="1200">
         <a:solidFill>
           <a:schemeClr val="tx1"/>
         </a:solidFill>
@@ -556,8 +556,8 @@
         <a:cs typeface="+mn-cs"/>
       </a:defRPr>
     </a:lvl4pPr>
-    <a:lvl5pPr marL="1716385" algn="l" defTabSz="858192" rtl="0" eaLnBrk="1" latinLnBrk="0" hangingPunct="1">
-      <a:defRPr sz="1126" kern="1200">
+    <a:lvl5pPr marL="1690076" algn="l" defTabSz="845038" rtl="0" eaLnBrk="1" latinLnBrk="0" hangingPunct="1">
+      <a:defRPr sz="1109" kern="1200">
         <a:solidFill>
           <a:schemeClr val="tx1"/>
         </a:solidFill>
@@ -566,8 +566,8 @@
         <a:cs typeface="+mn-cs"/>
       </a:defRPr>
     </a:lvl5pPr>
-    <a:lvl6pPr marL="2145482" algn="l" defTabSz="858192" rtl="0" eaLnBrk="1" latinLnBrk="0" hangingPunct="1">
-      <a:defRPr sz="1126" kern="1200">
+    <a:lvl6pPr marL="2112597" algn="l" defTabSz="845038" rtl="0" eaLnBrk="1" latinLnBrk="0" hangingPunct="1">
+      <a:defRPr sz="1109" kern="1200">
         <a:solidFill>
           <a:schemeClr val="tx1"/>
         </a:solidFill>
@@ -576,8 +576,8 @@
         <a:cs typeface="+mn-cs"/>
       </a:defRPr>
     </a:lvl6pPr>
-    <a:lvl7pPr marL="2574580" algn="l" defTabSz="858192" rtl="0" eaLnBrk="1" latinLnBrk="0" hangingPunct="1">
-      <a:defRPr sz="1126" kern="1200">
+    <a:lvl7pPr marL="2535117" algn="l" defTabSz="845038" rtl="0" eaLnBrk="1" latinLnBrk="0" hangingPunct="1">
+      <a:defRPr sz="1109" kern="1200">
         <a:solidFill>
           <a:schemeClr val="tx1"/>
         </a:solidFill>
@@ -586,8 +586,8 @@
         <a:cs typeface="+mn-cs"/>
       </a:defRPr>
     </a:lvl7pPr>
-    <a:lvl8pPr marL="3003675" algn="l" defTabSz="858192" rtl="0" eaLnBrk="1" latinLnBrk="0" hangingPunct="1">
-      <a:defRPr sz="1126" kern="1200">
+    <a:lvl8pPr marL="2957635" algn="l" defTabSz="845038" rtl="0" eaLnBrk="1" latinLnBrk="0" hangingPunct="1">
+      <a:defRPr sz="1109" kern="1200">
         <a:solidFill>
           <a:schemeClr val="tx1"/>
         </a:solidFill>
@@ -596,8 +596,8 @@
         <a:cs typeface="+mn-cs"/>
       </a:defRPr>
     </a:lvl8pPr>
-    <a:lvl9pPr marL="3432772" algn="l" defTabSz="858192" rtl="0" eaLnBrk="1" latinLnBrk="0" hangingPunct="1">
-      <a:defRPr sz="1126" kern="1200">
+    <a:lvl9pPr marL="3380154" algn="l" defTabSz="845038" rtl="0" eaLnBrk="1" latinLnBrk="0" hangingPunct="1">
+      <a:defRPr sz="1109" kern="1200">
         <a:solidFill>
           <a:schemeClr val="tx1"/>
         </a:solidFill>
@@ -704,8 +704,8 @@
         </p:nvSpPr>
         <p:spPr>
           <a:xfrm>
-            <a:off x="2212975" y="512763"/>
-            <a:ext cx="4718050" cy="2566987"/>
+            <a:off x="2170113" y="512763"/>
+            <a:ext cx="4803775" cy="2566987"/>
           </a:xfrm>
           <a:prstGeom prst="rect">
             <a:avLst/>
@@ -888,8 +888,8 @@
         </p:nvSpPr>
         <p:spPr>
           <a:xfrm>
-            <a:off x="1154320" y="634038"/>
-            <a:ext cx="6925865" cy="1348781"/>
+            <a:off x="1137356" y="613596"/>
+            <a:ext cx="6824067" cy="1305293"/>
           </a:xfrm>
           <a:prstGeom prst="rect">
             <a:avLst/>
@@ -1028,8 +1028,8 @@
         </p:nvSpPr>
         <p:spPr>
           <a:xfrm>
-            <a:off x="1154320" y="2034833"/>
-            <a:ext cx="6925865" cy="935358"/>
+            <a:off x="1137356" y="1969225"/>
+            <a:ext cx="6824067" cy="905200"/>
           </a:xfrm>
           <a:prstGeom prst="rect">
             <a:avLst/>
@@ -1215,8 +1215,8 @@
         </p:nvSpPr>
         <p:spPr>
           <a:xfrm>
-            <a:off x="634872" y="3590772"/>
-            <a:ext cx="2077759" cy="206262"/>
+            <a:off x="625543" y="3474997"/>
+            <a:ext cx="2047219" cy="199611"/>
           </a:xfrm>
           <a:prstGeom prst="rect">
             <a:avLst/>
@@ -1348,8 +1348,8 @@
         </p:nvSpPr>
         <p:spPr>
           <a:xfrm>
-            <a:off x="3058928" y="3590772"/>
-            <a:ext cx="3116639" cy="206262"/>
+            <a:off x="3013968" y="3474997"/>
+            <a:ext cx="3070830" cy="199611"/>
           </a:xfrm>
           <a:prstGeom prst="rect">
             <a:avLst/>
@@ -1481,8 +1481,8 @@
         </p:nvSpPr>
         <p:spPr>
           <a:xfrm>
-            <a:off x="6521857" y="3590772"/>
-            <a:ext cx="2077759" cy="206262"/>
+            <a:off x="6426000" y="3474997"/>
+            <a:ext cx="2047219" cy="199611"/>
           </a:xfrm>
           <a:prstGeom prst="rect">
             <a:avLst/>
@@ -1608,8 +1608,8 @@
         </p:nvSpPr>
         <p:spPr>
           <a:xfrm>
-            <a:off x="634877" y="206266"/>
-            <a:ext cx="7964746" cy="748825"/>
+            <a:off x="625545" y="199616"/>
+            <a:ext cx="7847678" cy="724681"/>
           </a:xfrm>
           <a:prstGeom prst="rect">
             <a:avLst/>
@@ -1747,8 +1747,8 @@
         </p:nvSpPr>
         <p:spPr>
           <a:xfrm rot="5400000">
-            <a:off x="3388194" y="-1721997"/>
-            <a:ext cx="2458117" cy="7964746"/>
+            <a:off x="3359959" y="-1736342"/>
+            <a:ext cx="2378861" cy="7847678"/>
           </a:xfrm>
           <a:prstGeom prst="rect">
             <a:avLst/>
@@ -1763,7 +1763,7 @@
             <a:normAutofit/>
           </a:bodyPr>
           <a:lstStyle>
-            <a:lvl1pPr marL="457151" lvl="0" indent="-317466" algn="l">
+            <a:lvl1pPr marL="457178" lvl="0" indent="-317486" algn="l">
               <a:lnSpc>
                 <a:spcPct val="90000"/>
               </a:lnSpc>
@@ -1780,7 +1780,7 @@
               <a:buChar char="•"/>
               <a:defRPr/>
             </a:lvl1pPr>
-            <a:lvl2pPr marL="914304" lvl="1" indent="-317466" algn="l">
+            <a:lvl2pPr marL="914360" lvl="1" indent="-317486" algn="l">
               <a:lnSpc>
                 <a:spcPct val="90000"/>
               </a:lnSpc>
@@ -1797,7 +1797,7 @@
               <a:buChar char="•"/>
               <a:defRPr/>
             </a:lvl2pPr>
-            <a:lvl3pPr marL="1371456" lvl="2" indent="-317466" algn="l">
+            <a:lvl3pPr marL="1371539" lvl="2" indent="-317486" algn="l">
               <a:lnSpc>
                 <a:spcPct val="90000"/>
               </a:lnSpc>
@@ -1814,7 +1814,7 @@
               <a:buChar char="•"/>
               <a:defRPr/>
             </a:lvl3pPr>
-            <a:lvl4pPr marL="1828608" lvl="3" indent="-317466" algn="l">
+            <a:lvl4pPr marL="1828719" lvl="3" indent="-317486" algn="l">
               <a:lnSpc>
                 <a:spcPct val="90000"/>
               </a:lnSpc>
@@ -1831,7 +1831,7 @@
               <a:buChar char="•"/>
               <a:defRPr/>
             </a:lvl4pPr>
-            <a:lvl5pPr marL="2285758" lvl="4" indent="-317466" algn="l">
+            <a:lvl5pPr marL="2285897" lvl="4" indent="-317486" algn="l">
               <a:lnSpc>
                 <a:spcPct val="90000"/>
               </a:lnSpc>
@@ -1848,7 +1848,7 @@
               <a:buChar char="•"/>
               <a:defRPr/>
             </a:lvl5pPr>
-            <a:lvl6pPr marL="2742909" lvl="5" indent="-317466" algn="l">
+            <a:lvl6pPr marL="2743076" lvl="5" indent="-317486" algn="l">
               <a:lnSpc>
                 <a:spcPct val="90000"/>
               </a:lnSpc>
@@ -1865,7 +1865,7 @@
               <a:buChar char="•"/>
               <a:defRPr/>
             </a:lvl6pPr>
-            <a:lvl7pPr marL="3200061" lvl="6" indent="-317466" algn="l">
+            <a:lvl7pPr marL="3200255" lvl="6" indent="-317486" algn="l">
               <a:lnSpc>
                 <a:spcPct val="90000"/>
               </a:lnSpc>
@@ -1882,7 +1882,7 @@
               <a:buChar char="•"/>
               <a:defRPr/>
             </a:lvl7pPr>
-            <a:lvl8pPr marL="3657212" lvl="7" indent="-317466" algn="l">
+            <a:lvl8pPr marL="3657435" lvl="7" indent="-317486" algn="l">
               <a:lnSpc>
                 <a:spcPct val="90000"/>
               </a:lnSpc>
@@ -1899,7 +1899,7 @@
               <a:buChar char="•"/>
               <a:defRPr/>
             </a:lvl8pPr>
-            <a:lvl9pPr marL="4114366" lvl="8" indent="-317466" algn="l">
+            <a:lvl9pPr marL="4114616" lvl="8" indent="-317486" algn="l">
               <a:lnSpc>
                 <a:spcPct val="90000"/>
               </a:lnSpc>
@@ -1934,8 +1934,8 @@
         </p:nvSpPr>
         <p:spPr>
           <a:xfrm>
-            <a:off x="634872" y="3590772"/>
-            <a:ext cx="2077759" cy="206262"/>
+            <a:off x="625543" y="3474997"/>
+            <a:ext cx="2047219" cy="199611"/>
           </a:xfrm>
           <a:prstGeom prst="rect">
             <a:avLst/>
@@ -2067,8 +2067,8 @@
         </p:nvSpPr>
         <p:spPr>
           <a:xfrm>
-            <a:off x="3058928" y="3590772"/>
-            <a:ext cx="3116639" cy="206262"/>
+            <a:off x="3013968" y="3474997"/>
+            <a:ext cx="3070830" cy="199611"/>
           </a:xfrm>
           <a:prstGeom prst="rect">
             <a:avLst/>
@@ -2200,8 +2200,8 @@
         </p:nvSpPr>
         <p:spPr>
           <a:xfrm>
-            <a:off x="6521857" y="3590772"/>
-            <a:ext cx="2077759" cy="206262"/>
+            <a:off x="6426000" y="3474997"/>
+            <a:ext cx="2047219" cy="199611"/>
           </a:xfrm>
           <a:prstGeom prst="rect">
             <a:avLst/>
@@ -2327,8 +2327,8 @@
         </p:nvSpPr>
         <p:spPr>
           <a:xfrm rot="5400000">
-            <a:off x="5962439" y="852263"/>
-            <a:ext cx="3283170" cy="1991186"/>
+            <a:off x="5903602" y="807317"/>
+            <a:ext cx="3177312" cy="1961919"/>
           </a:xfrm>
           <a:prstGeom prst="rect">
             <a:avLst/>
@@ -2466,8 +2466,8 @@
         </p:nvSpPr>
         <p:spPr>
           <a:xfrm rot="5400000">
-            <a:off x="1922353" y="-1081215"/>
-            <a:ext cx="3283170" cy="5858127"/>
+            <a:off x="1922899" y="-1097740"/>
+            <a:ext cx="3177312" cy="5772023"/>
           </a:xfrm>
           <a:prstGeom prst="rect">
             <a:avLst/>
@@ -2482,7 +2482,7 @@
             <a:normAutofit/>
           </a:bodyPr>
           <a:lstStyle>
-            <a:lvl1pPr marL="457151" lvl="0" indent="-317466" algn="l">
+            <a:lvl1pPr marL="457178" lvl="0" indent="-317486" algn="l">
               <a:lnSpc>
                 <a:spcPct val="90000"/>
               </a:lnSpc>
@@ -2499,7 +2499,7 @@
               <a:buChar char="•"/>
               <a:defRPr/>
             </a:lvl1pPr>
-            <a:lvl2pPr marL="914304" lvl="1" indent="-317466" algn="l">
+            <a:lvl2pPr marL="914360" lvl="1" indent="-317486" algn="l">
               <a:lnSpc>
                 <a:spcPct val="90000"/>
               </a:lnSpc>
@@ -2516,7 +2516,7 @@
               <a:buChar char="•"/>
               <a:defRPr/>
             </a:lvl2pPr>
-            <a:lvl3pPr marL="1371456" lvl="2" indent="-317466" algn="l">
+            <a:lvl3pPr marL="1371539" lvl="2" indent="-317486" algn="l">
               <a:lnSpc>
                 <a:spcPct val="90000"/>
               </a:lnSpc>
@@ -2533,7 +2533,7 @@
               <a:buChar char="•"/>
               <a:defRPr/>
             </a:lvl3pPr>
-            <a:lvl4pPr marL="1828608" lvl="3" indent="-317466" algn="l">
+            <a:lvl4pPr marL="1828719" lvl="3" indent="-317486" algn="l">
               <a:lnSpc>
                 <a:spcPct val="90000"/>
               </a:lnSpc>
@@ -2550,7 +2550,7 @@
               <a:buChar char="•"/>
               <a:defRPr/>
             </a:lvl4pPr>
-            <a:lvl5pPr marL="2285758" lvl="4" indent="-317466" algn="l">
+            <a:lvl5pPr marL="2285897" lvl="4" indent="-317486" algn="l">
               <a:lnSpc>
                 <a:spcPct val="90000"/>
               </a:lnSpc>
@@ -2567,7 +2567,7 @@
               <a:buChar char="•"/>
               <a:defRPr/>
             </a:lvl5pPr>
-            <a:lvl6pPr marL="2742909" lvl="5" indent="-317466" algn="l">
+            <a:lvl6pPr marL="2743076" lvl="5" indent="-317486" algn="l">
               <a:lnSpc>
                 <a:spcPct val="90000"/>
               </a:lnSpc>
@@ -2584,7 +2584,7 @@
               <a:buChar char="•"/>
               <a:defRPr/>
             </a:lvl6pPr>
-            <a:lvl7pPr marL="3200061" lvl="6" indent="-317466" algn="l">
+            <a:lvl7pPr marL="3200255" lvl="6" indent="-317486" algn="l">
               <a:lnSpc>
                 <a:spcPct val="90000"/>
               </a:lnSpc>
@@ -2601,7 +2601,7 @@
               <a:buChar char="•"/>
               <a:defRPr/>
             </a:lvl7pPr>
-            <a:lvl8pPr marL="3657212" lvl="7" indent="-317466" algn="l">
+            <a:lvl8pPr marL="3657435" lvl="7" indent="-317486" algn="l">
               <a:lnSpc>
                 <a:spcPct val="90000"/>
               </a:lnSpc>
@@ -2618,7 +2618,7 @@
               <a:buChar char="•"/>
               <a:defRPr/>
             </a:lvl8pPr>
-            <a:lvl9pPr marL="4114366" lvl="8" indent="-317466" algn="l">
+            <a:lvl9pPr marL="4114616" lvl="8" indent="-317486" algn="l">
               <a:lnSpc>
                 <a:spcPct val="90000"/>
               </a:lnSpc>
@@ -2653,8 +2653,8 @@
         </p:nvSpPr>
         <p:spPr>
           <a:xfrm>
-            <a:off x="634872" y="3590772"/>
-            <a:ext cx="2077759" cy="206262"/>
+            <a:off x="625543" y="3474997"/>
+            <a:ext cx="2047219" cy="199611"/>
           </a:xfrm>
           <a:prstGeom prst="rect">
             <a:avLst/>
@@ -2786,8 +2786,8 @@
         </p:nvSpPr>
         <p:spPr>
           <a:xfrm>
-            <a:off x="3058928" y="3590772"/>
-            <a:ext cx="3116639" cy="206262"/>
+            <a:off x="3013968" y="3474997"/>
+            <a:ext cx="3070830" cy="199611"/>
           </a:xfrm>
           <a:prstGeom prst="rect">
             <a:avLst/>
@@ -2919,8 +2919,8 @@
         </p:nvSpPr>
         <p:spPr>
           <a:xfrm>
-            <a:off x="6521857" y="3590772"/>
-            <a:ext cx="2077759" cy="206262"/>
+            <a:off x="6426000" y="3474997"/>
+            <a:ext cx="2047219" cy="199611"/>
           </a:xfrm>
           <a:prstGeom prst="rect">
             <a:avLst/>
@@ -3046,8 +3046,8 @@
         </p:nvSpPr>
         <p:spPr>
           <a:xfrm>
-            <a:off x="1210667" y="1454012"/>
-            <a:ext cx="9896170" cy="1936062"/>
+            <a:off x="1192873" y="1407131"/>
+            <a:ext cx="9750713" cy="1873638"/>
           </a:xfrm>
           <a:prstGeom prst="rect">
             <a:avLst/>
@@ -3067,7 +3067,7 @@
               <a:lnSpc>
                 <a:spcPct val="100000"/>
               </a:lnSpc>
-              <a:defRPr sz="6000" b="0" i="0" u="none" strike="noStrike" spc="300">
+              <a:defRPr sz="6001" b="0" i="0" u="none" strike="noStrike" spc="300">
                 <a:solidFill>
                   <a:srgbClr val="262626">
                     <a:alpha val="100000"/>
@@ -3084,7 +3084,7 @@
               </a:lnSpc>
             </a:pPr>
             <a:r>
-              <a:rPr lang="en-US" sz="6000" b="0" i="0" u="none" strike="noStrike" spc="300">
+              <a:rPr lang="en-US" sz="6001" b="0" i="0" u="none" strike="noStrike" spc="300">
                 <a:solidFill>
                   <a:srgbClr val="262626"/>
                 </a:solidFill>
@@ -3110,8 +3110,8 @@
         </p:nvSpPr>
         <p:spPr>
           <a:xfrm>
-            <a:off x="1210667" y="3447013"/>
-            <a:ext cx="9896170" cy="1109033"/>
+            <a:off x="1192873" y="3335873"/>
+            <a:ext cx="9750713" cy="1073275"/>
           </a:xfrm>
           <a:prstGeom prst="rect">
             <a:avLst/>
@@ -3174,8 +3174,8 @@
         </p:nvSpPr>
         <p:spPr>
           <a:xfrm>
-            <a:off x="618055" y="5521364"/>
-            <a:ext cx="2726720" cy="181750"/>
+            <a:off x="608971" y="5343340"/>
+            <a:ext cx="2686642" cy="175890"/>
           </a:xfrm>
           <a:prstGeom prst="rect">
             <a:avLst/>
@@ -3238,8 +3238,8 @@
         </p:nvSpPr>
         <p:spPr>
           <a:xfrm>
-            <a:off x="4156738" y="5521364"/>
-            <a:ext cx="3999188" cy="181750"/>
+            <a:off x="4095641" y="5343340"/>
+            <a:ext cx="3940407" cy="175890"/>
           </a:xfrm>
           <a:prstGeom prst="rect">
             <a:avLst/>
@@ -3302,8 +3302,8 @@
         </p:nvSpPr>
         <p:spPr>
           <a:xfrm>
-            <a:off x="8965452" y="5521364"/>
-            <a:ext cx="2726720" cy="181750"/>
+            <a:off x="8833675" y="5343340"/>
+            <a:ext cx="2686642" cy="175890"/>
           </a:xfrm>
           <a:prstGeom prst="rect">
             <a:avLst/>
@@ -3396,8 +3396,8 @@
         </p:nvSpPr>
         <p:spPr>
           <a:xfrm>
-            <a:off x="634877" y="206266"/>
-            <a:ext cx="7964746" cy="748825"/>
+            <a:off x="625545" y="199616"/>
+            <a:ext cx="7847678" cy="724681"/>
           </a:xfrm>
           <a:prstGeom prst="rect">
             <a:avLst/>
@@ -3535,8 +3535,8 @@
         </p:nvSpPr>
         <p:spPr>
           <a:xfrm>
-            <a:off x="634877" y="1031325"/>
-            <a:ext cx="7964746" cy="2458117"/>
+            <a:off x="625545" y="998074"/>
+            <a:ext cx="7847678" cy="2378861"/>
           </a:xfrm>
           <a:prstGeom prst="rect">
             <a:avLst/>
@@ -3551,7 +3551,7 @@
             <a:normAutofit/>
           </a:bodyPr>
           <a:lstStyle>
-            <a:lvl1pPr marL="457151" lvl="0" indent="-317466" algn="l">
+            <a:lvl1pPr marL="457178" lvl="0" indent="-317486" algn="l">
               <a:lnSpc>
                 <a:spcPct val="90000"/>
               </a:lnSpc>
@@ -3568,7 +3568,7 @@
               <a:buChar char="•"/>
               <a:defRPr/>
             </a:lvl1pPr>
-            <a:lvl2pPr marL="914304" lvl="1" indent="-317466" algn="l">
+            <a:lvl2pPr marL="914360" lvl="1" indent="-317486" algn="l">
               <a:lnSpc>
                 <a:spcPct val="90000"/>
               </a:lnSpc>
@@ -3585,7 +3585,7 @@
               <a:buChar char="•"/>
               <a:defRPr/>
             </a:lvl2pPr>
-            <a:lvl3pPr marL="1371456" lvl="2" indent="-317466" algn="l">
+            <a:lvl3pPr marL="1371539" lvl="2" indent="-317486" algn="l">
               <a:lnSpc>
                 <a:spcPct val="90000"/>
               </a:lnSpc>
@@ -3602,7 +3602,7 @@
               <a:buChar char="•"/>
               <a:defRPr/>
             </a:lvl3pPr>
-            <a:lvl4pPr marL="1828608" lvl="3" indent="-317466" algn="l">
+            <a:lvl4pPr marL="1828719" lvl="3" indent="-317486" algn="l">
               <a:lnSpc>
                 <a:spcPct val="90000"/>
               </a:lnSpc>
@@ -3619,7 +3619,7 @@
               <a:buChar char="•"/>
               <a:defRPr/>
             </a:lvl4pPr>
-            <a:lvl5pPr marL="2285758" lvl="4" indent="-317466" algn="l">
+            <a:lvl5pPr marL="2285897" lvl="4" indent="-317486" algn="l">
               <a:lnSpc>
                 <a:spcPct val="90000"/>
               </a:lnSpc>
@@ -3636,7 +3636,7 @@
               <a:buChar char="•"/>
               <a:defRPr/>
             </a:lvl5pPr>
-            <a:lvl6pPr marL="2742909" lvl="5" indent="-317466" algn="l">
+            <a:lvl6pPr marL="2743076" lvl="5" indent="-317486" algn="l">
               <a:lnSpc>
                 <a:spcPct val="90000"/>
               </a:lnSpc>
@@ -3653,7 +3653,7 @@
               <a:buChar char="•"/>
               <a:defRPr/>
             </a:lvl6pPr>
-            <a:lvl7pPr marL="3200061" lvl="6" indent="-317466" algn="l">
+            <a:lvl7pPr marL="3200255" lvl="6" indent="-317486" algn="l">
               <a:lnSpc>
                 <a:spcPct val="90000"/>
               </a:lnSpc>
@@ -3670,7 +3670,7 @@
               <a:buChar char="•"/>
               <a:defRPr/>
             </a:lvl7pPr>
-            <a:lvl8pPr marL="3657212" lvl="7" indent="-317466" algn="l">
+            <a:lvl8pPr marL="3657435" lvl="7" indent="-317486" algn="l">
               <a:lnSpc>
                 <a:spcPct val="90000"/>
               </a:lnSpc>
@@ -3687,7 +3687,7 @@
               <a:buChar char="•"/>
               <a:defRPr/>
             </a:lvl8pPr>
-            <a:lvl9pPr marL="4114366" lvl="8" indent="-317466" algn="l">
+            <a:lvl9pPr marL="4114616" lvl="8" indent="-317486" algn="l">
               <a:lnSpc>
                 <a:spcPct val="90000"/>
               </a:lnSpc>
@@ -3722,8 +3722,8 @@
         </p:nvSpPr>
         <p:spPr>
           <a:xfrm>
-            <a:off x="634872" y="3590772"/>
-            <a:ext cx="2077759" cy="206262"/>
+            <a:off x="625543" y="3474997"/>
+            <a:ext cx="2047219" cy="199611"/>
           </a:xfrm>
           <a:prstGeom prst="rect">
             <a:avLst/>
@@ -3855,8 +3855,8 @@
         </p:nvSpPr>
         <p:spPr>
           <a:xfrm>
-            <a:off x="3058928" y="3590772"/>
-            <a:ext cx="3116639" cy="206262"/>
+            <a:off x="3013968" y="3474997"/>
+            <a:ext cx="3070830" cy="199611"/>
           </a:xfrm>
           <a:prstGeom prst="rect">
             <a:avLst/>
@@ -3988,8 +3988,8 @@
         </p:nvSpPr>
         <p:spPr>
           <a:xfrm>
-            <a:off x="6521857" y="3590772"/>
-            <a:ext cx="2077759" cy="206262"/>
+            <a:off x="6426000" y="3474997"/>
+            <a:ext cx="2047219" cy="199611"/>
           </a:xfrm>
           <a:prstGeom prst="rect">
             <a:avLst/>
@@ -4115,8 +4115,8 @@
         </p:nvSpPr>
         <p:spPr>
           <a:xfrm>
-            <a:off x="630068" y="965853"/>
-            <a:ext cx="7964746" cy="1611542"/>
+            <a:off x="620808" y="934712"/>
+            <a:ext cx="7847678" cy="1559582"/>
           </a:xfrm>
           <a:prstGeom prst="rect">
             <a:avLst/>
@@ -4255,8 +4255,8 @@
         </p:nvSpPr>
         <p:spPr>
           <a:xfrm>
-            <a:off x="630068" y="2592643"/>
-            <a:ext cx="7964746" cy="847472"/>
+            <a:off x="620808" y="2509049"/>
+            <a:ext cx="7847678" cy="820148"/>
           </a:xfrm>
           <a:prstGeom prst="rect">
             <a:avLst/>
@@ -4271,7 +4271,7 @@
             <a:normAutofit/>
           </a:bodyPr>
           <a:lstStyle>
-            <a:lvl1pPr marL="457151" lvl="0" indent="-228577" algn="l">
+            <a:lvl1pPr marL="457178" lvl="0" indent="-228591" algn="l">
               <a:lnSpc>
                 <a:spcPct val="90000"/>
               </a:lnSpc>
@@ -4292,7 +4292,7 @@
                 </a:solidFill>
               </a:defRPr>
             </a:lvl1pPr>
-            <a:lvl2pPr marL="914304" lvl="1" indent="-228577" algn="l">
+            <a:lvl2pPr marL="914360" lvl="1" indent="-228591" algn="l">
               <a:lnSpc>
                 <a:spcPct val="90000"/>
               </a:lnSpc>
@@ -4313,7 +4313,7 @@
                 </a:solidFill>
               </a:defRPr>
             </a:lvl2pPr>
-            <a:lvl3pPr marL="1371456" lvl="2" indent="-228577" algn="l">
+            <a:lvl3pPr marL="1371539" lvl="2" indent="-228591" algn="l">
               <a:lnSpc>
                 <a:spcPct val="90000"/>
               </a:lnSpc>
@@ -4334,7 +4334,7 @@
                 </a:solidFill>
               </a:defRPr>
             </a:lvl3pPr>
-            <a:lvl4pPr marL="1828608" lvl="3" indent="-228577" algn="l">
+            <a:lvl4pPr marL="1828719" lvl="3" indent="-228591" algn="l">
               <a:lnSpc>
                 <a:spcPct val="90000"/>
               </a:lnSpc>
@@ -4355,7 +4355,7 @@
                 </a:solidFill>
               </a:defRPr>
             </a:lvl4pPr>
-            <a:lvl5pPr marL="2285758" lvl="4" indent="-228577" algn="l">
+            <a:lvl5pPr marL="2285897" lvl="4" indent="-228591" algn="l">
               <a:lnSpc>
                 <a:spcPct val="90000"/>
               </a:lnSpc>
@@ -4376,7 +4376,7 @@
                 </a:solidFill>
               </a:defRPr>
             </a:lvl5pPr>
-            <a:lvl6pPr marL="2742909" lvl="5" indent="-228577" algn="l">
+            <a:lvl6pPr marL="2743076" lvl="5" indent="-228591" algn="l">
               <a:lnSpc>
                 <a:spcPct val="90000"/>
               </a:lnSpc>
@@ -4397,7 +4397,7 @@
                 </a:solidFill>
               </a:defRPr>
             </a:lvl6pPr>
-            <a:lvl7pPr marL="3200061" lvl="6" indent="-228577" algn="l">
+            <a:lvl7pPr marL="3200255" lvl="6" indent="-228591" algn="l">
               <a:lnSpc>
                 <a:spcPct val="90000"/>
               </a:lnSpc>
@@ -4418,7 +4418,7 @@
                 </a:solidFill>
               </a:defRPr>
             </a:lvl7pPr>
-            <a:lvl8pPr marL="3657212" lvl="7" indent="-228577" algn="l">
+            <a:lvl8pPr marL="3657435" lvl="7" indent="-228591" algn="l">
               <a:lnSpc>
                 <a:spcPct val="90000"/>
               </a:lnSpc>
@@ -4439,7 +4439,7 @@
                 </a:solidFill>
               </a:defRPr>
             </a:lvl8pPr>
-            <a:lvl9pPr marL="4114366" lvl="8" indent="-228577" algn="l">
+            <a:lvl9pPr marL="4114616" lvl="8" indent="-228591" algn="l">
               <a:lnSpc>
                 <a:spcPct val="90000"/>
               </a:lnSpc>
@@ -4478,8 +4478,8 @@
         </p:nvSpPr>
         <p:spPr>
           <a:xfrm>
-            <a:off x="634872" y="3590772"/>
-            <a:ext cx="2077759" cy="206262"/>
+            <a:off x="625543" y="3474997"/>
+            <a:ext cx="2047219" cy="199611"/>
           </a:xfrm>
           <a:prstGeom prst="rect">
             <a:avLst/>
@@ -4611,8 +4611,8 @@
         </p:nvSpPr>
         <p:spPr>
           <a:xfrm>
-            <a:off x="3058928" y="3590772"/>
-            <a:ext cx="3116639" cy="206262"/>
+            <a:off x="3013968" y="3474997"/>
+            <a:ext cx="3070830" cy="199611"/>
           </a:xfrm>
           <a:prstGeom prst="rect">
             <a:avLst/>
@@ -4744,8 +4744,8 @@
         </p:nvSpPr>
         <p:spPr>
           <a:xfrm>
-            <a:off x="6521857" y="3590772"/>
-            <a:ext cx="2077759" cy="206262"/>
+            <a:off x="6426000" y="3474997"/>
+            <a:ext cx="2047219" cy="199611"/>
           </a:xfrm>
           <a:prstGeom prst="rect">
             <a:avLst/>
@@ -4871,8 +4871,8 @@
         </p:nvSpPr>
         <p:spPr>
           <a:xfrm>
-            <a:off x="634877" y="206266"/>
-            <a:ext cx="7964746" cy="748825"/>
+            <a:off x="625545" y="199616"/>
+            <a:ext cx="7847678" cy="724681"/>
           </a:xfrm>
           <a:prstGeom prst="rect">
             <a:avLst/>
@@ -5010,8 +5010,8 @@
         </p:nvSpPr>
         <p:spPr>
           <a:xfrm>
-            <a:off x="634874" y="1031325"/>
-            <a:ext cx="3924657" cy="2458117"/>
+            <a:off x="625545" y="998074"/>
+            <a:ext cx="3866971" cy="2378861"/>
           </a:xfrm>
           <a:prstGeom prst="rect">
             <a:avLst/>
@@ -5026,7 +5026,7 @@
             <a:normAutofit/>
           </a:bodyPr>
           <a:lstStyle>
-            <a:lvl1pPr marL="457151" lvl="0" indent="-317466" algn="l">
+            <a:lvl1pPr marL="457178" lvl="0" indent="-317486" algn="l">
               <a:lnSpc>
                 <a:spcPct val="90000"/>
               </a:lnSpc>
@@ -5043,7 +5043,7 @@
               <a:buChar char="•"/>
               <a:defRPr/>
             </a:lvl1pPr>
-            <a:lvl2pPr marL="914304" lvl="1" indent="-317466" algn="l">
+            <a:lvl2pPr marL="914360" lvl="1" indent="-317486" algn="l">
               <a:lnSpc>
                 <a:spcPct val="90000"/>
               </a:lnSpc>
@@ -5060,7 +5060,7 @@
               <a:buChar char="•"/>
               <a:defRPr/>
             </a:lvl2pPr>
-            <a:lvl3pPr marL="1371456" lvl="2" indent="-317466" algn="l">
+            <a:lvl3pPr marL="1371539" lvl="2" indent="-317486" algn="l">
               <a:lnSpc>
                 <a:spcPct val="90000"/>
               </a:lnSpc>
@@ -5077,7 +5077,7 @@
               <a:buChar char="•"/>
               <a:defRPr/>
             </a:lvl3pPr>
-            <a:lvl4pPr marL="1828608" lvl="3" indent="-317466" algn="l">
+            <a:lvl4pPr marL="1828719" lvl="3" indent="-317486" algn="l">
               <a:lnSpc>
                 <a:spcPct val="90000"/>
               </a:lnSpc>
@@ -5094,7 +5094,7 @@
               <a:buChar char="•"/>
               <a:defRPr/>
             </a:lvl4pPr>
-            <a:lvl5pPr marL="2285758" lvl="4" indent="-317466" algn="l">
+            <a:lvl5pPr marL="2285897" lvl="4" indent="-317486" algn="l">
               <a:lnSpc>
                 <a:spcPct val="90000"/>
               </a:lnSpc>
@@ -5111,7 +5111,7 @@
               <a:buChar char="•"/>
               <a:defRPr/>
             </a:lvl5pPr>
-            <a:lvl6pPr marL="2742909" lvl="5" indent="-317466" algn="l">
+            <a:lvl6pPr marL="2743076" lvl="5" indent="-317486" algn="l">
               <a:lnSpc>
                 <a:spcPct val="90000"/>
               </a:lnSpc>
@@ -5128,7 +5128,7 @@
               <a:buChar char="•"/>
               <a:defRPr/>
             </a:lvl6pPr>
-            <a:lvl7pPr marL="3200061" lvl="6" indent="-317466" algn="l">
+            <a:lvl7pPr marL="3200255" lvl="6" indent="-317486" algn="l">
               <a:lnSpc>
                 <a:spcPct val="90000"/>
               </a:lnSpc>
@@ -5145,7 +5145,7 @@
               <a:buChar char="•"/>
               <a:defRPr/>
             </a:lvl7pPr>
-            <a:lvl8pPr marL="3657212" lvl="7" indent="-317466" algn="l">
+            <a:lvl8pPr marL="3657435" lvl="7" indent="-317486" algn="l">
               <a:lnSpc>
                 <a:spcPct val="90000"/>
               </a:lnSpc>
@@ -5162,7 +5162,7 @@
               <a:buChar char="•"/>
               <a:defRPr/>
             </a:lvl8pPr>
-            <a:lvl9pPr marL="4114366" lvl="8" indent="-317466" algn="l">
+            <a:lvl9pPr marL="4114616" lvl="8" indent="-317486" algn="l">
               <a:lnSpc>
                 <a:spcPct val="90000"/>
               </a:lnSpc>
@@ -5197,8 +5197,8 @@
         </p:nvSpPr>
         <p:spPr>
           <a:xfrm>
-            <a:off x="4674965" y="1031325"/>
-            <a:ext cx="3924657" cy="2458117"/>
+            <a:off x="4606254" y="998074"/>
+            <a:ext cx="3866971" cy="2378861"/>
           </a:xfrm>
           <a:prstGeom prst="rect">
             <a:avLst/>
@@ -5213,7 +5213,7 @@
             <a:normAutofit/>
           </a:bodyPr>
           <a:lstStyle>
-            <a:lvl1pPr marL="457151" lvl="0" indent="-317466" algn="l">
+            <a:lvl1pPr marL="457178" lvl="0" indent="-317486" algn="l">
               <a:lnSpc>
                 <a:spcPct val="90000"/>
               </a:lnSpc>
@@ -5230,7 +5230,7 @@
               <a:buChar char="•"/>
               <a:defRPr/>
             </a:lvl1pPr>
-            <a:lvl2pPr marL="914304" lvl="1" indent="-317466" algn="l">
+            <a:lvl2pPr marL="914360" lvl="1" indent="-317486" algn="l">
               <a:lnSpc>
                 <a:spcPct val="90000"/>
               </a:lnSpc>
@@ -5247,7 +5247,7 @@
               <a:buChar char="•"/>
               <a:defRPr/>
             </a:lvl2pPr>
-            <a:lvl3pPr marL="1371456" lvl="2" indent="-317466" algn="l">
+            <a:lvl3pPr marL="1371539" lvl="2" indent="-317486" algn="l">
               <a:lnSpc>
                 <a:spcPct val="90000"/>
               </a:lnSpc>
@@ -5264,7 +5264,7 @@
               <a:buChar char="•"/>
               <a:defRPr/>
             </a:lvl3pPr>
-            <a:lvl4pPr marL="1828608" lvl="3" indent="-317466" algn="l">
+            <a:lvl4pPr marL="1828719" lvl="3" indent="-317486" algn="l">
               <a:lnSpc>
                 <a:spcPct val="90000"/>
               </a:lnSpc>
@@ -5281,7 +5281,7 @@
               <a:buChar char="•"/>
               <a:defRPr/>
             </a:lvl4pPr>
-            <a:lvl5pPr marL="2285758" lvl="4" indent="-317466" algn="l">
+            <a:lvl5pPr marL="2285897" lvl="4" indent="-317486" algn="l">
               <a:lnSpc>
                 <a:spcPct val="90000"/>
               </a:lnSpc>
@@ -5298,7 +5298,7 @@
               <a:buChar char="•"/>
               <a:defRPr/>
             </a:lvl5pPr>
-            <a:lvl6pPr marL="2742909" lvl="5" indent="-317466" algn="l">
+            <a:lvl6pPr marL="2743076" lvl="5" indent="-317486" algn="l">
               <a:lnSpc>
                 <a:spcPct val="90000"/>
               </a:lnSpc>
@@ -5315,7 +5315,7 @@
               <a:buChar char="•"/>
               <a:defRPr/>
             </a:lvl6pPr>
-            <a:lvl7pPr marL="3200061" lvl="6" indent="-317466" algn="l">
+            <a:lvl7pPr marL="3200255" lvl="6" indent="-317486" algn="l">
               <a:lnSpc>
                 <a:spcPct val="90000"/>
               </a:lnSpc>
@@ -5332,7 +5332,7 @@
               <a:buChar char="•"/>
               <a:defRPr/>
             </a:lvl7pPr>
-            <a:lvl8pPr marL="3657212" lvl="7" indent="-317466" algn="l">
+            <a:lvl8pPr marL="3657435" lvl="7" indent="-317486" algn="l">
               <a:lnSpc>
                 <a:spcPct val="90000"/>
               </a:lnSpc>
@@ -5349,7 +5349,7 @@
               <a:buChar char="•"/>
               <a:defRPr/>
             </a:lvl8pPr>
-            <a:lvl9pPr marL="4114366" lvl="8" indent="-317466" algn="l">
+            <a:lvl9pPr marL="4114616" lvl="8" indent="-317486" algn="l">
               <a:lnSpc>
                 <a:spcPct val="90000"/>
               </a:lnSpc>
@@ -5384,8 +5384,8 @@
         </p:nvSpPr>
         <p:spPr>
           <a:xfrm>
-            <a:off x="634872" y="3590772"/>
-            <a:ext cx="2077759" cy="206262"/>
+            <a:off x="625543" y="3474997"/>
+            <a:ext cx="2047219" cy="199611"/>
           </a:xfrm>
           <a:prstGeom prst="rect">
             <a:avLst/>
@@ -5517,8 +5517,8 @@
         </p:nvSpPr>
         <p:spPr>
           <a:xfrm>
-            <a:off x="3058928" y="3590772"/>
-            <a:ext cx="3116639" cy="206262"/>
+            <a:off x="3013968" y="3474997"/>
+            <a:ext cx="3070830" cy="199611"/>
           </a:xfrm>
           <a:prstGeom prst="rect">
             <a:avLst/>
@@ -5650,8 +5650,8 @@
         </p:nvSpPr>
         <p:spPr>
           <a:xfrm>
-            <a:off x="6521857" y="3590772"/>
-            <a:ext cx="2077759" cy="206262"/>
+            <a:off x="6426000" y="3474997"/>
+            <a:ext cx="2047219" cy="199611"/>
           </a:xfrm>
           <a:prstGeom prst="rect">
             <a:avLst/>
@@ -5777,8 +5777,8 @@
         </p:nvSpPr>
         <p:spPr>
           <a:xfrm>
-            <a:off x="636077" y="206266"/>
-            <a:ext cx="7964746" cy="748825"/>
+            <a:off x="626728" y="199616"/>
+            <a:ext cx="7847678" cy="724681"/>
           </a:xfrm>
           <a:prstGeom prst="rect">
             <a:avLst/>
@@ -5916,8 +5916,8 @@
         </p:nvSpPr>
         <p:spPr>
           <a:xfrm>
-            <a:off x="636078" y="949707"/>
-            <a:ext cx="3906621" cy="465438"/>
+            <a:off x="626730" y="919086"/>
+            <a:ext cx="3849200" cy="450431"/>
           </a:xfrm>
           <a:prstGeom prst="rect">
             <a:avLst/>
@@ -5932,7 +5932,7 @@
             <a:normAutofit/>
           </a:bodyPr>
           <a:lstStyle>
-            <a:lvl1pPr marL="457151" lvl="0" indent="-228577" algn="l">
+            <a:lvl1pPr marL="457178" lvl="0" indent="-228591" algn="l">
               <a:lnSpc>
                 <a:spcPct val="90000"/>
               </a:lnSpc>
@@ -5949,7 +5949,7 @@
               <a:buNone/>
               <a:defRPr sz="1800" b="1"/>
             </a:lvl1pPr>
-            <a:lvl2pPr marL="914304" lvl="1" indent="-228577" algn="l">
+            <a:lvl2pPr marL="914360" lvl="1" indent="-228591" algn="l">
               <a:lnSpc>
                 <a:spcPct val="90000"/>
               </a:lnSpc>
@@ -5966,7 +5966,7 @@
               <a:buNone/>
               <a:defRPr sz="1500" b="1"/>
             </a:lvl2pPr>
-            <a:lvl3pPr marL="1371456" lvl="2" indent="-228577" algn="l">
+            <a:lvl3pPr marL="1371539" lvl="2" indent="-228591" algn="l">
               <a:lnSpc>
                 <a:spcPct val="90000"/>
               </a:lnSpc>
@@ -5983,7 +5983,7 @@
               <a:buNone/>
               <a:defRPr sz="1400" b="1"/>
             </a:lvl3pPr>
-            <a:lvl4pPr marL="1828608" lvl="3" indent="-228577" algn="l">
+            <a:lvl4pPr marL="1828719" lvl="3" indent="-228591" algn="l">
               <a:lnSpc>
                 <a:spcPct val="90000"/>
               </a:lnSpc>
@@ -6000,7 +6000,7 @@
               <a:buNone/>
               <a:defRPr sz="1200" b="1"/>
             </a:lvl4pPr>
-            <a:lvl5pPr marL="2285758" lvl="4" indent="-228577" algn="l">
+            <a:lvl5pPr marL="2285897" lvl="4" indent="-228591" algn="l">
               <a:lnSpc>
                 <a:spcPct val="90000"/>
               </a:lnSpc>
@@ -6017,7 +6017,7 @@
               <a:buNone/>
               <a:defRPr sz="1200" b="1"/>
             </a:lvl5pPr>
-            <a:lvl6pPr marL="2742909" lvl="5" indent="-228577" algn="l">
+            <a:lvl6pPr marL="2743076" lvl="5" indent="-228591" algn="l">
               <a:lnSpc>
                 <a:spcPct val="90000"/>
               </a:lnSpc>
@@ -6034,7 +6034,7 @@
               <a:buNone/>
               <a:defRPr sz="1200" b="1"/>
             </a:lvl6pPr>
-            <a:lvl7pPr marL="3200061" lvl="6" indent="-228577" algn="l">
+            <a:lvl7pPr marL="3200255" lvl="6" indent="-228591" algn="l">
               <a:lnSpc>
                 <a:spcPct val="90000"/>
               </a:lnSpc>
@@ -6051,7 +6051,7 @@
               <a:buNone/>
               <a:defRPr sz="1200" b="1"/>
             </a:lvl7pPr>
-            <a:lvl8pPr marL="3657212" lvl="7" indent="-228577" algn="l">
+            <a:lvl8pPr marL="3657435" lvl="7" indent="-228591" algn="l">
               <a:lnSpc>
                 <a:spcPct val="90000"/>
               </a:lnSpc>
@@ -6068,7 +6068,7 @@
               <a:buNone/>
               <a:defRPr sz="1200" b="1"/>
             </a:lvl8pPr>
-            <a:lvl9pPr marL="4114366" lvl="8" indent="-228577" algn="l">
+            <a:lvl9pPr marL="4114616" lvl="8" indent="-228591" algn="l">
               <a:lnSpc>
                 <a:spcPct val="90000"/>
               </a:lnSpc>
@@ -6103,8 +6103,8 @@
         </p:nvSpPr>
         <p:spPr>
           <a:xfrm>
-            <a:off x="636078" y="1415150"/>
-            <a:ext cx="3906621" cy="2081463"/>
+            <a:off x="626730" y="1369523"/>
+            <a:ext cx="3849200" cy="2014351"/>
           </a:xfrm>
           <a:prstGeom prst="rect">
             <a:avLst/>
@@ -6119,7 +6119,7 @@
             <a:normAutofit/>
           </a:bodyPr>
           <a:lstStyle>
-            <a:lvl1pPr marL="457151" lvl="0" indent="-317466" algn="l">
+            <a:lvl1pPr marL="457178" lvl="0" indent="-317486" algn="l">
               <a:lnSpc>
                 <a:spcPct val="90000"/>
               </a:lnSpc>
@@ -6136,7 +6136,7 @@
               <a:buChar char="•"/>
               <a:defRPr/>
             </a:lvl1pPr>
-            <a:lvl2pPr marL="914304" lvl="1" indent="-317466" algn="l">
+            <a:lvl2pPr marL="914360" lvl="1" indent="-317486" algn="l">
               <a:lnSpc>
                 <a:spcPct val="90000"/>
               </a:lnSpc>
@@ -6153,7 +6153,7 @@
               <a:buChar char="•"/>
               <a:defRPr/>
             </a:lvl2pPr>
-            <a:lvl3pPr marL="1371456" lvl="2" indent="-317466" algn="l">
+            <a:lvl3pPr marL="1371539" lvl="2" indent="-317486" algn="l">
               <a:lnSpc>
                 <a:spcPct val="90000"/>
               </a:lnSpc>
@@ -6170,7 +6170,7 @@
               <a:buChar char="•"/>
               <a:defRPr/>
             </a:lvl3pPr>
-            <a:lvl4pPr marL="1828608" lvl="3" indent="-317466" algn="l">
+            <a:lvl4pPr marL="1828719" lvl="3" indent="-317486" algn="l">
               <a:lnSpc>
                 <a:spcPct val="90000"/>
               </a:lnSpc>
@@ -6187,7 +6187,7 @@
               <a:buChar char="•"/>
               <a:defRPr/>
             </a:lvl4pPr>
-            <a:lvl5pPr marL="2285758" lvl="4" indent="-317466" algn="l">
+            <a:lvl5pPr marL="2285897" lvl="4" indent="-317486" algn="l">
               <a:lnSpc>
                 <a:spcPct val="90000"/>
               </a:lnSpc>
@@ -6204,7 +6204,7 @@
               <a:buChar char="•"/>
               <a:defRPr/>
             </a:lvl5pPr>
-            <a:lvl6pPr marL="2742909" lvl="5" indent="-317466" algn="l">
+            <a:lvl6pPr marL="2743076" lvl="5" indent="-317486" algn="l">
               <a:lnSpc>
                 <a:spcPct val="90000"/>
               </a:lnSpc>
@@ -6221,7 +6221,7 @@
               <a:buChar char="•"/>
               <a:defRPr/>
             </a:lvl6pPr>
-            <a:lvl7pPr marL="3200061" lvl="6" indent="-317466" algn="l">
+            <a:lvl7pPr marL="3200255" lvl="6" indent="-317486" algn="l">
               <a:lnSpc>
                 <a:spcPct val="90000"/>
               </a:lnSpc>
@@ -6238,7 +6238,7 @@
               <a:buChar char="•"/>
               <a:defRPr/>
             </a:lvl7pPr>
-            <a:lvl8pPr marL="3657212" lvl="7" indent="-317466" algn="l">
+            <a:lvl8pPr marL="3657435" lvl="7" indent="-317486" algn="l">
               <a:lnSpc>
                 <a:spcPct val="90000"/>
               </a:lnSpc>
@@ -6255,7 +6255,7 @@
               <a:buChar char="•"/>
               <a:defRPr/>
             </a:lvl8pPr>
-            <a:lvl9pPr marL="4114366" lvl="8" indent="-317466" algn="l">
+            <a:lvl9pPr marL="4114616" lvl="8" indent="-317486" algn="l">
               <a:lnSpc>
                 <a:spcPct val="90000"/>
               </a:lnSpc>
@@ -6290,8 +6290,8 @@
         </p:nvSpPr>
         <p:spPr>
           <a:xfrm>
-            <a:off x="4674960" y="949707"/>
-            <a:ext cx="3925860" cy="465438"/>
+            <a:off x="4606247" y="919086"/>
+            <a:ext cx="3868157" cy="450431"/>
           </a:xfrm>
           <a:prstGeom prst="rect">
             <a:avLst/>
@@ -6306,7 +6306,7 @@
             <a:normAutofit/>
           </a:bodyPr>
           <a:lstStyle>
-            <a:lvl1pPr marL="457151" lvl="0" indent="-228577" algn="l">
+            <a:lvl1pPr marL="457178" lvl="0" indent="-228591" algn="l">
               <a:lnSpc>
                 <a:spcPct val="90000"/>
               </a:lnSpc>
@@ -6323,7 +6323,7 @@
               <a:buNone/>
               <a:defRPr sz="1800" b="1"/>
             </a:lvl1pPr>
-            <a:lvl2pPr marL="914304" lvl="1" indent="-228577" algn="l">
+            <a:lvl2pPr marL="914360" lvl="1" indent="-228591" algn="l">
               <a:lnSpc>
                 <a:spcPct val="90000"/>
               </a:lnSpc>
@@ -6340,7 +6340,7 @@
               <a:buNone/>
               <a:defRPr sz="1500" b="1"/>
             </a:lvl2pPr>
-            <a:lvl3pPr marL="1371456" lvl="2" indent="-228577" algn="l">
+            <a:lvl3pPr marL="1371539" lvl="2" indent="-228591" algn="l">
               <a:lnSpc>
                 <a:spcPct val="90000"/>
               </a:lnSpc>
@@ -6357,7 +6357,7 @@
               <a:buNone/>
               <a:defRPr sz="1400" b="1"/>
             </a:lvl3pPr>
-            <a:lvl4pPr marL="1828608" lvl="3" indent="-228577" algn="l">
+            <a:lvl4pPr marL="1828719" lvl="3" indent="-228591" algn="l">
               <a:lnSpc>
                 <a:spcPct val="90000"/>
               </a:lnSpc>
@@ -6374,7 +6374,7 @@
               <a:buNone/>
               <a:defRPr sz="1200" b="1"/>
             </a:lvl4pPr>
-            <a:lvl5pPr marL="2285758" lvl="4" indent="-228577" algn="l">
+            <a:lvl5pPr marL="2285897" lvl="4" indent="-228591" algn="l">
               <a:lnSpc>
                 <a:spcPct val="90000"/>
               </a:lnSpc>
@@ -6391,7 +6391,7 @@
               <a:buNone/>
               <a:defRPr sz="1200" b="1"/>
             </a:lvl5pPr>
-            <a:lvl6pPr marL="2742909" lvl="5" indent="-228577" algn="l">
+            <a:lvl6pPr marL="2743076" lvl="5" indent="-228591" algn="l">
               <a:lnSpc>
                 <a:spcPct val="90000"/>
               </a:lnSpc>
@@ -6408,7 +6408,7 @@
               <a:buNone/>
               <a:defRPr sz="1200" b="1"/>
             </a:lvl6pPr>
-            <a:lvl7pPr marL="3200061" lvl="6" indent="-228577" algn="l">
+            <a:lvl7pPr marL="3200255" lvl="6" indent="-228591" algn="l">
               <a:lnSpc>
                 <a:spcPct val="90000"/>
               </a:lnSpc>
@@ -6425,7 +6425,7 @@
               <a:buNone/>
               <a:defRPr sz="1200" b="1"/>
             </a:lvl7pPr>
-            <a:lvl8pPr marL="3657212" lvl="7" indent="-228577" algn="l">
+            <a:lvl8pPr marL="3657435" lvl="7" indent="-228591" algn="l">
               <a:lnSpc>
                 <a:spcPct val="90000"/>
               </a:lnSpc>
@@ -6442,7 +6442,7 @@
               <a:buNone/>
               <a:defRPr sz="1200" b="1"/>
             </a:lvl8pPr>
-            <a:lvl9pPr marL="4114366" lvl="8" indent="-228577" algn="l">
+            <a:lvl9pPr marL="4114616" lvl="8" indent="-228591" algn="l">
               <a:lnSpc>
                 <a:spcPct val="90000"/>
               </a:lnSpc>
@@ -6477,8 +6477,8 @@
         </p:nvSpPr>
         <p:spPr>
           <a:xfrm>
-            <a:off x="4674960" y="1415150"/>
-            <a:ext cx="3925860" cy="2081463"/>
+            <a:off x="4606247" y="1369523"/>
+            <a:ext cx="3868157" cy="2014351"/>
           </a:xfrm>
           <a:prstGeom prst="rect">
             <a:avLst/>
@@ -6493,7 +6493,7 @@
             <a:normAutofit/>
           </a:bodyPr>
           <a:lstStyle>
-            <a:lvl1pPr marL="457151" lvl="0" indent="-317466" algn="l">
+            <a:lvl1pPr marL="457178" lvl="0" indent="-317486" algn="l">
               <a:lnSpc>
                 <a:spcPct val="90000"/>
               </a:lnSpc>
@@ -6510,7 +6510,7 @@
               <a:buChar char="•"/>
               <a:defRPr/>
             </a:lvl1pPr>
-            <a:lvl2pPr marL="914304" lvl="1" indent="-317466" algn="l">
+            <a:lvl2pPr marL="914360" lvl="1" indent="-317486" algn="l">
               <a:lnSpc>
                 <a:spcPct val="90000"/>
               </a:lnSpc>
@@ -6527,7 +6527,7 @@
               <a:buChar char="•"/>
               <a:defRPr/>
             </a:lvl2pPr>
-            <a:lvl3pPr marL="1371456" lvl="2" indent="-317466" algn="l">
+            <a:lvl3pPr marL="1371539" lvl="2" indent="-317486" algn="l">
               <a:lnSpc>
                 <a:spcPct val="90000"/>
               </a:lnSpc>
@@ -6544,7 +6544,7 @@
               <a:buChar char="•"/>
               <a:defRPr/>
             </a:lvl3pPr>
-            <a:lvl4pPr marL="1828608" lvl="3" indent="-317466" algn="l">
+            <a:lvl4pPr marL="1828719" lvl="3" indent="-317486" algn="l">
               <a:lnSpc>
                 <a:spcPct val="90000"/>
               </a:lnSpc>
@@ -6561,7 +6561,7 @@
               <a:buChar char="•"/>
               <a:defRPr/>
             </a:lvl4pPr>
-            <a:lvl5pPr marL="2285758" lvl="4" indent="-317466" algn="l">
+            <a:lvl5pPr marL="2285897" lvl="4" indent="-317486" algn="l">
               <a:lnSpc>
                 <a:spcPct val="90000"/>
               </a:lnSpc>
@@ -6578,7 +6578,7 @@
               <a:buChar char="•"/>
               <a:defRPr/>
             </a:lvl5pPr>
-            <a:lvl6pPr marL="2742909" lvl="5" indent="-317466" algn="l">
+            <a:lvl6pPr marL="2743076" lvl="5" indent="-317486" algn="l">
               <a:lnSpc>
                 <a:spcPct val="90000"/>
               </a:lnSpc>
@@ -6595,7 +6595,7 @@
               <a:buChar char="•"/>
               <a:defRPr/>
             </a:lvl6pPr>
-            <a:lvl7pPr marL="3200061" lvl="6" indent="-317466" algn="l">
+            <a:lvl7pPr marL="3200255" lvl="6" indent="-317486" algn="l">
               <a:lnSpc>
                 <a:spcPct val="90000"/>
               </a:lnSpc>
@@ -6612,7 +6612,7 @@
               <a:buChar char="•"/>
               <a:defRPr/>
             </a:lvl7pPr>
-            <a:lvl8pPr marL="3657212" lvl="7" indent="-317466" algn="l">
+            <a:lvl8pPr marL="3657435" lvl="7" indent="-317486" algn="l">
               <a:lnSpc>
                 <a:spcPct val="90000"/>
               </a:lnSpc>
@@ -6629,7 +6629,7 @@
               <a:buChar char="•"/>
               <a:defRPr/>
             </a:lvl8pPr>
-            <a:lvl9pPr marL="4114366" lvl="8" indent="-317466" algn="l">
+            <a:lvl9pPr marL="4114616" lvl="8" indent="-317486" algn="l">
               <a:lnSpc>
                 <a:spcPct val="90000"/>
               </a:lnSpc>
@@ -6664,8 +6664,8 @@
         </p:nvSpPr>
         <p:spPr>
           <a:xfrm>
-            <a:off x="634872" y="3590772"/>
-            <a:ext cx="2077759" cy="206262"/>
+            <a:off x="625543" y="3474997"/>
+            <a:ext cx="2047219" cy="199611"/>
           </a:xfrm>
           <a:prstGeom prst="rect">
             <a:avLst/>
@@ -6797,8 +6797,8 @@
         </p:nvSpPr>
         <p:spPr>
           <a:xfrm>
-            <a:off x="3058928" y="3590772"/>
-            <a:ext cx="3116639" cy="206262"/>
+            <a:off x="3013968" y="3474997"/>
+            <a:ext cx="3070830" cy="199611"/>
           </a:xfrm>
           <a:prstGeom prst="rect">
             <a:avLst/>
@@ -6930,8 +6930,8 @@
         </p:nvSpPr>
         <p:spPr>
           <a:xfrm>
-            <a:off x="6521857" y="3590772"/>
-            <a:ext cx="2077759" cy="206262"/>
+            <a:off x="6426000" y="3474997"/>
+            <a:ext cx="2047219" cy="199611"/>
           </a:xfrm>
           <a:prstGeom prst="rect">
             <a:avLst/>
@@ -7057,8 +7057,8 @@
         </p:nvSpPr>
         <p:spPr>
           <a:xfrm>
-            <a:off x="634877" y="206266"/>
-            <a:ext cx="7964746" cy="748825"/>
+            <a:off x="625545" y="199616"/>
+            <a:ext cx="7847678" cy="724681"/>
           </a:xfrm>
           <a:prstGeom prst="rect">
             <a:avLst/>
@@ -7196,8 +7196,8 @@
         </p:nvSpPr>
         <p:spPr>
           <a:xfrm>
-            <a:off x="634872" y="3590772"/>
-            <a:ext cx="2077759" cy="206262"/>
+            <a:off x="625543" y="3474997"/>
+            <a:ext cx="2047219" cy="199611"/>
           </a:xfrm>
           <a:prstGeom prst="rect">
             <a:avLst/>
@@ -7329,8 +7329,8 @@
         </p:nvSpPr>
         <p:spPr>
           <a:xfrm>
-            <a:off x="3058928" y="3590772"/>
-            <a:ext cx="3116639" cy="206262"/>
+            <a:off x="3013968" y="3474997"/>
+            <a:ext cx="3070830" cy="199611"/>
           </a:xfrm>
           <a:prstGeom prst="rect">
             <a:avLst/>
@@ -7462,8 +7462,8 @@
         </p:nvSpPr>
         <p:spPr>
           <a:xfrm>
-            <a:off x="6521857" y="3590772"/>
-            <a:ext cx="2077759" cy="206262"/>
+            <a:off x="6426000" y="3474997"/>
+            <a:ext cx="2047219" cy="199611"/>
           </a:xfrm>
           <a:prstGeom prst="rect">
             <a:avLst/>
@@ -7589,8 +7589,8 @@
         </p:nvSpPr>
         <p:spPr>
           <a:xfrm>
-            <a:off x="634872" y="3590772"/>
-            <a:ext cx="2077759" cy="206262"/>
+            <a:off x="625543" y="3474997"/>
+            <a:ext cx="2047219" cy="199611"/>
           </a:xfrm>
           <a:prstGeom prst="rect">
             <a:avLst/>
@@ -7722,8 +7722,8 @@
         </p:nvSpPr>
         <p:spPr>
           <a:xfrm>
-            <a:off x="3058928" y="3590772"/>
-            <a:ext cx="3116639" cy="206262"/>
+            <a:off x="3013968" y="3474997"/>
+            <a:ext cx="3070830" cy="199611"/>
           </a:xfrm>
           <a:prstGeom prst="rect">
             <a:avLst/>
@@ -7855,8 +7855,8 @@
         </p:nvSpPr>
         <p:spPr>
           <a:xfrm>
-            <a:off x="6521857" y="3590772"/>
-            <a:ext cx="2077759" cy="206262"/>
+            <a:off x="6426000" y="3474997"/>
+            <a:ext cx="2047219" cy="199611"/>
           </a:xfrm>
           <a:prstGeom prst="rect">
             <a:avLst/>
@@ -7982,8 +7982,8 @@
         </p:nvSpPr>
         <p:spPr>
           <a:xfrm>
-            <a:off x="636075" y="258282"/>
-            <a:ext cx="2978362" cy="903970"/>
+            <a:off x="626727" y="249955"/>
+            <a:ext cx="2934585" cy="874824"/>
           </a:xfrm>
           <a:prstGeom prst="rect">
             <a:avLst/>
@@ -8122,8 +8122,8 @@
         </p:nvSpPr>
         <p:spPr>
           <a:xfrm>
-            <a:off x="3925865" y="557814"/>
-            <a:ext cx="4674959" cy="2753163"/>
+            <a:off x="3868164" y="539830"/>
+            <a:ext cx="4606245" cy="2664393"/>
           </a:xfrm>
           <a:prstGeom prst="rect">
             <a:avLst/>
@@ -8138,7 +8138,7 @@
             <a:normAutofit/>
           </a:bodyPr>
           <a:lstStyle>
-            <a:lvl1pPr marL="457151" lvl="0" indent="-380960" algn="l">
+            <a:lvl1pPr marL="457178" lvl="0" indent="-380983" algn="l">
               <a:lnSpc>
                 <a:spcPct val="90000"/>
               </a:lnSpc>
@@ -8155,7 +8155,7 @@
               <a:buChar char="•"/>
               <a:defRPr sz="2400"/>
             </a:lvl1pPr>
-            <a:lvl2pPr marL="914304" lvl="1" indent="-361912" algn="l">
+            <a:lvl2pPr marL="914360" lvl="1" indent="-361934" algn="l">
               <a:lnSpc>
                 <a:spcPct val="90000"/>
               </a:lnSpc>
@@ -8172,7 +8172,7 @@
               <a:buChar char="•"/>
               <a:defRPr sz="2101"/>
             </a:lvl2pPr>
-            <a:lvl3pPr marL="1371456" lvl="2" indent="-342864" algn="l">
+            <a:lvl3pPr marL="1371539" lvl="2" indent="-342884" algn="l">
               <a:lnSpc>
                 <a:spcPct val="90000"/>
               </a:lnSpc>
@@ -8189,7 +8189,7 @@
               <a:buChar char="•"/>
               <a:defRPr sz="1800"/>
             </a:lvl3pPr>
-            <a:lvl4pPr marL="1828608" lvl="3" indent="-323816" algn="l">
+            <a:lvl4pPr marL="1828719" lvl="3" indent="-323835" algn="l">
               <a:lnSpc>
                 <a:spcPct val="90000"/>
               </a:lnSpc>
@@ -8206,7 +8206,7 @@
               <a:buChar char="•"/>
               <a:defRPr sz="1500"/>
             </a:lvl4pPr>
-            <a:lvl5pPr marL="2285758" lvl="4" indent="-323816" algn="l">
+            <a:lvl5pPr marL="2285897" lvl="4" indent="-323835" algn="l">
               <a:lnSpc>
                 <a:spcPct val="90000"/>
               </a:lnSpc>
@@ -8223,7 +8223,7 @@
               <a:buChar char="•"/>
               <a:defRPr sz="1500"/>
             </a:lvl5pPr>
-            <a:lvl6pPr marL="2742909" lvl="5" indent="-323816" algn="l">
+            <a:lvl6pPr marL="2743076" lvl="5" indent="-323835" algn="l">
               <a:lnSpc>
                 <a:spcPct val="90000"/>
               </a:lnSpc>
@@ -8240,7 +8240,7 @@
               <a:buChar char="•"/>
               <a:defRPr sz="1500"/>
             </a:lvl6pPr>
-            <a:lvl7pPr marL="3200061" lvl="6" indent="-323816" algn="l">
+            <a:lvl7pPr marL="3200255" lvl="6" indent="-323835" algn="l">
               <a:lnSpc>
                 <a:spcPct val="90000"/>
               </a:lnSpc>
@@ -8257,7 +8257,7 @@
               <a:buChar char="•"/>
               <a:defRPr sz="1500"/>
             </a:lvl7pPr>
-            <a:lvl8pPr marL="3657212" lvl="7" indent="-323816" algn="l">
+            <a:lvl8pPr marL="3657435" lvl="7" indent="-323835" algn="l">
               <a:lnSpc>
                 <a:spcPct val="90000"/>
               </a:lnSpc>
@@ -8274,7 +8274,7 @@
               <a:buChar char="•"/>
               <a:defRPr sz="1500"/>
             </a:lvl8pPr>
-            <a:lvl9pPr marL="4114366" lvl="8" indent="-323816" algn="l">
+            <a:lvl9pPr marL="4114616" lvl="8" indent="-323835" algn="l">
               <a:lnSpc>
                 <a:spcPct val="90000"/>
               </a:lnSpc>
@@ -8309,8 +8309,8 @@
         </p:nvSpPr>
         <p:spPr>
           <a:xfrm>
-            <a:off x="636075" y="1162254"/>
-            <a:ext cx="2978362" cy="2153207"/>
+            <a:off x="626727" y="1124781"/>
+            <a:ext cx="2934585" cy="2083781"/>
           </a:xfrm>
           <a:prstGeom prst="rect">
             <a:avLst/>
@@ -8325,7 +8325,7 @@
             <a:normAutofit/>
           </a:bodyPr>
           <a:lstStyle>
-            <a:lvl1pPr marL="457151" lvl="0" indent="-228577" algn="l">
+            <a:lvl1pPr marL="457178" lvl="0" indent="-228591" algn="l">
               <a:lnSpc>
                 <a:spcPct val="90000"/>
               </a:lnSpc>
@@ -8342,7 +8342,7 @@
               <a:buNone/>
               <a:defRPr sz="1200"/>
             </a:lvl1pPr>
-            <a:lvl2pPr marL="914304" lvl="1" indent="-228577" algn="l">
+            <a:lvl2pPr marL="914360" lvl="1" indent="-228591" algn="l">
               <a:lnSpc>
                 <a:spcPct val="90000"/>
               </a:lnSpc>
@@ -8359,7 +8359,7 @@
               <a:buNone/>
               <a:defRPr sz="1100"/>
             </a:lvl2pPr>
-            <a:lvl3pPr marL="1371456" lvl="2" indent="-228577" algn="l">
+            <a:lvl3pPr marL="1371539" lvl="2" indent="-228591" algn="l">
               <a:lnSpc>
                 <a:spcPct val="90000"/>
               </a:lnSpc>
@@ -8376,7 +8376,7 @@
               <a:buNone/>
               <a:defRPr sz="900"/>
             </a:lvl3pPr>
-            <a:lvl4pPr marL="1828608" lvl="3" indent="-228577" algn="l">
+            <a:lvl4pPr marL="1828719" lvl="3" indent="-228591" algn="l">
               <a:lnSpc>
                 <a:spcPct val="90000"/>
               </a:lnSpc>
@@ -8393,7 +8393,7 @@
               <a:buNone/>
               <a:defRPr sz="800"/>
             </a:lvl4pPr>
-            <a:lvl5pPr marL="2285758" lvl="4" indent="-228577" algn="l">
+            <a:lvl5pPr marL="2285897" lvl="4" indent="-228591" algn="l">
               <a:lnSpc>
                 <a:spcPct val="90000"/>
               </a:lnSpc>
@@ -8410,7 +8410,7 @@
               <a:buNone/>
               <a:defRPr sz="800"/>
             </a:lvl5pPr>
-            <a:lvl6pPr marL="2742909" lvl="5" indent="-228577" algn="l">
+            <a:lvl6pPr marL="2743076" lvl="5" indent="-228591" algn="l">
               <a:lnSpc>
                 <a:spcPct val="90000"/>
               </a:lnSpc>
@@ -8427,7 +8427,7 @@
               <a:buNone/>
               <a:defRPr sz="800"/>
             </a:lvl6pPr>
-            <a:lvl7pPr marL="3200061" lvl="6" indent="-228577" algn="l">
+            <a:lvl7pPr marL="3200255" lvl="6" indent="-228591" algn="l">
               <a:lnSpc>
                 <a:spcPct val="90000"/>
               </a:lnSpc>
@@ -8444,7 +8444,7 @@
               <a:buNone/>
               <a:defRPr sz="800"/>
             </a:lvl7pPr>
-            <a:lvl8pPr marL="3657212" lvl="7" indent="-228577" algn="l">
+            <a:lvl8pPr marL="3657435" lvl="7" indent="-228591" algn="l">
               <a:lnSpc>
                 <a:spcPct val="90000"/>
               </a:lnSpc>
@@ -8461,7 +8461,7 @@
               <a:buNone/>
               <a:defRPr sz="800"/>
             </a:lvl8pPr>
-            <a:lvl9pPr marL="4114366" lvl="8" indent="-228577" algn="l">
+            <a:lvl9pPr marL="4114616" lvl="8" indent="-228591" algn="l">
               <a:lnSpc>
                 <a:spcPct val="90000"/>
               </a:lnSpc>
@@ -8496,8 +8496,8 @@
         </p:nvSpPr>
         <p:spPr>
           <a:xfrm>
-            <a:off x="634872" y="3590772"/>
-            <a:ext cx="2077759" cy="206262"/>
+            <a:off x="625543" y="3474997"/>
+            <a:ext cx="2047219" cy="199611"/>
           </a:xfrm>
           <a:prstGeom prst="rect">
             <a:avLst/>
@@ -8629,8 +8629,8 @@
         </p:nvSpPr>
         <p:spPr>
           <a:xfrm>
-            <a:off x="3058928" y="3590772"/>
-            <a:ext cx="3116639" cy="206262"/>
+            <a:off x="3013968" y="3474997"/>
+            <a:ext cx="3070830" cy="199611"/>
           </a:xfrm>
           <a:prstGeom prst="rect">
             <a:avLst/>
@@ -8762,8 +8762,8 @@
         </p:nvSpPr>
         <p:spPr>
           <a:xfrm>
-            <a:off x="6521857" y="3590772"/>
-            <a:ext cx="2077759" cy="206262"/>
+            <a:off x="6426000" y="3474997"/>
+            <a:ext cx="2047219" cy="199611"/>
           </a:xfrm>
           <a:prstGeom prst="rect">
             <a:avLst/>
@@ -8889,8 +8889,8 @@
         </p:nvSpPr>
         <p:spPr>
           <a:xfrm>
-            <a:off x="636075" y="258282"/>
-            <a:ext cx="2978362" cy="903970"/>
+            <a:off x="626727" y="249955"/>
+            <a:ext cx="2934585" cy="874824"/>
           </a:xfrm>
           <a:prstGeom prst="rect">
             <a:avLst/>
@@ -9029,8 +9029,8 @@
         </p:nvSpPr>
         <p:spPr>
           <a:xfrm>
-            <a:off x="3925865" y="557814"/>
-            <a:ext cx="4674959" cy="2753163"/>
+            <a:off x="3868164" y="539830"/>
+            <a:ext cx="4606245" cy="2664393"/>
           </a:xfrm>
           <a:prstGeom prst="rect">
             <a:avLst/>
@@ -9053,8 +9053,8 @@
         </p:nvSpPr>
         <p:spPr>
           <a:xfrm>
-            <a:off x="636075" y="1162254"/>
-            <a:ext cx="2978362" cy="2153207"/>
+            <a:off x="626727" y="1124781"/>
+            <a:ext cx="2934585" cy="2083781"/>
           </a:xfrm>
           <a:prstGeom prst="rect">
             <a:avLst/>
@@ -9069,7 +9069,7 @@
             <a:normAutofit/>
           </a:bodyPr>
           <a:lstStyle>
-            <a:lvl1pPr marL="457151" lvl="0" indent="-228577" algn="l">
+            <a:lvl1pPr marL="457178" lvl="0" indent="-228591" algn="l">
               <a:lnSpc>
                 <a:spcPct val="90000"/>
               </a:lnSpc>
@@ -9086,7 +9086,7 @@
               <a:buNone/>
               <a:defRPr sz="1200"/>
             </a:lvl1pPr>
-            <a:lvl2pPr marL="914304" lvl="1" indent="-228577" algn="l">
+            <a:lvl2pPr marL="914360" lvl="1" indent="-228591" algn="l">
               <a:lnSpc>
                 <a:spcPct val="90000"/>
               </a:lnSpc>
@@ -9103,7 +9103,7 @@
               <a:buNone/>
               <a:defRPr sz="1100"/>
             </a:lvl2pPr>
-            <a:lvl3pPr marL="1371456" lvl="2" indent="-228577" algn="l">
+            <a:lvl3pPr marL="1371539" lvl="2" indent="-228591" algn="l">
               <a:lnSpc>
                 <a:spcPct val="90000"/>
               </a:lnSpc>
@@ -9120,7 +9120,7 @@
               <a:buNone/>
               <a:defRPr sz="900"/>
             </a:lvl3pPr>
-            <a:lvl4pPr marL="1828608" lvl="3" indent="-228577" algn="l">
+            <a:lvl4pPr marL="1828719" lvl="3" indent="-228591" algn="l">
               <a:lnSpc>
                 <a:spcPct val="90000"/>
               </a:lnSpc>
@@ -9137,7 +9137,7 @@
               <a:buNone/>
               <a:defRPr sz="800"/>
             </a:lvl4pPr>
-            <a:lvl5pPr marL="2285758" lvl="4" indent="-228577" algn="l">
+            <a:lvl5pPr marL="2285897" lvl="4" indent="-228591" algn="l">
               <a:lnSpc>
                 <a:spcPct val="90000"/>
               </a:lnSpc>
@@ -9154,7 +9154,7 @@
               <a:buNone/>
               <a:defRPr sz="800"/>
             </a:lvl5pPr>
-            <a:lvl6pPr marL="2742909" lvl="5" indent="-228577" algn="l">
+            <a:lvl6pPr marL="2743076" lvl="5" indent="-228591" algn="l">
               <a:lnSpc>
                 <a:spcPct val="90000"/>
               </a:lnSpc>
@@ -9171,7 +9171,7 @@
               <a:buNone/>
               <a:defRPr sz="800"/>
             </a:lvl6pPr>
-            <a:lvl7pPr marL="3200061" lvl="6" indent="-228577" algn="l">
+            <a:lvl7pPr marL="3200255" lvl="6" indent="-228591" algn="l">
               <a:lnSpc>
                 <a:spcPct val="90000"/>
               </a:lnSpc>
@@ -9188,7 +9188,7 @@
               <a:buNone/>
               <a:defRPr sz="800"/>
             </a:lvl7pPr>
-            <a:lvl8pPr marL="3657212" lvl="7" indent="-228577" algn="l">
+            <a:lvl8pPr marL="3657435" lvl="7" indent="-228591" algn="l">
               <a:lnSpc>
                 <a:spcPct val="90000"/>
               </a:lnSpc>
@@ -9205,7 +9205,7 @@
               <a:buNone/>
               <a:defRPr sz="800"/>
             </a:lvl8pPr>
-            <a:lvl9pPr marL="4114366" lvl="8" indent="-228577" algn="l">
+            <a:lvl9pPr marL="4114616" lvl="8" indent="-228591" algn="l">
               <a:lnSpc>
                 <a:spcPct val="90000"/>
               </a:lnSpc>
@@ -9240,8 +9240,8 @@
         </p:nvSpPr>
         <p:spPr>
           <a:xfrm>
-            <a:off x="634872" y="3590772"/>
-            <a:ext cx="2077759" cy="206262"/>
+            <a:off x="625543" y="3474997"/>
+            <a:ext cx="2047219" cy="199611"/>
           </a:xfrm>
           <a:prstGeom prst="rect">
             <a:avLst/>
@@ -9373,8 +9373,8 @@
         </p:nvSpPr>
         <p:spPr>
           <a:xfrm>
-            <a:off x="3058928" y="3590772"/>
-            <a:ext cx="3116639" cy="206262"/>
+            <a:off x="3013968" y="3474997"/>
+            <a:ext cx="3070830" cy="199611"/>
           </a:xfrm>
           <a:prstGeom prst="rect">
             <a:avLst/>
@@ -9506,8 +9506,8 @@
         </p:nvSpPr>
         <p:spPr>
           <a:xfrm>
-            <a:off x="6521857" y="3590772"/>
-            <a:ext cx="2077759" cy="206262"/>
+            <a:off x="6426000" y="3474997"/>
+            <a:ext cx="2047219" cy="199611"/>
           </a:xfrm>
           <a:prstGeom prst="rect">
             <a:avLst/>
@@ -9641,8 +9641,8 @@
         </p:nvSpPr>
         <p:spPr>
           <a:xfrm>
-            <a:off x="634877" y="206266"/>
-            <a:ext cx="7964746" cy="748825"/>
+            <a:off x="625545" y="199616"/>
+            <a:ext cx="7847678" cy="724681"/>
           </a:xfrm>
           <a:prstGeom prst="rect">
             <a:avLst/>
@@ -9789,8 +9789,8 @@
         </p:nvSpPr>
         <p:spPr>
           <a:xfrm>
-            <a:off x="634877" y="1031325"/>
-            <a:ext cx="7964746" cy="2458117"/>
+            <a:off x="625545" y="998074"/>
+            <a:ext cx="7847678" cy="2378861"/>
           </a:xfrm>
           <a:prstGeom prst="rect">
             <a:avLst/>
@@ -10057,8 +10057,8 @@
         </p:nvSpPr>
         <p:spPr>
           <a:xfrm>
-            <a:off x="634872" y="3590772"/>
-            <a:ext cx="2077759" cy="206262"/>
+            <a:off x="625543" y="3474997"/>
+            <a:ext cx="2047219" cy="199611"/>
           </a:xfrm>
           <a:prstGeom prst="rect">
             <a:avLst/>
@@ -10262,8 +10262,8 @@
         </p:nvSpPr>
         <p:spPr>
           <a:xfrm>
-            <a:off x="3058928" y="3590772"/>
-            <a:ext cx="3116639" cy="206262"/>
+            <a:off x="3013968" y="3474997"/>
+            <a:ext cx="3070830" cy="199611"/>
           </a:xfrm>
           <a:prstGeom prst="rect">
             <a:avLst/>
@@ -10467,8 +10467,8 @@
         </p:nvSpPr>
         <p:spPr>
           <a:xfrm>
-            <a:off x="6521857" y="3590772"/>
-            <a:ext cx="2077759" cy="206262"/>
+            <a:off x="6426000" y="3474997"/>
+            <a:ext cx="2047219" cy="199611"/>
           </a:xfrm>
           <a:prstGeom prst="rect">
             <a:avLst/>
@@ -11358,6 +11358,56 @@
       </p:grpSpPr>
       <p:sp>
         <p:nvSpPr>
+          <p:cNvPr id="169" name="AutoShape 115">
+            <a:extLst>
+              <a:ext uri="{FF2B5EF4-FFF2-40B4-BE49-F238E27FC236}">
+                <a16:creationId xmlns:a16="http://schemas.microsoft.com/office/drawing/2014/main" id="{935D12A4-1BDC-E77C-ADA4-F42177ACFA48}"/>
+              </a:ext>
+            </a:extLst>
+          </p:cNvPr>
+          <p:cNvSpPr/>
+          <p:nvPr/>
+        </p:nvSpPr>
+        <p:spPr>
+          <a:xfrm>
+            <a:off x="182709" y="5238115"/>
+            <a:ext cx="2880742" cy="1085850"/>
+          </a:xfrm>
+          <a:prstGeom prst="roundRect">
+            <a:avLst>
+              <a:gd name="adj" fmla="val 9090"/>
+            </a:avLst>
+          </a:prstGeom>
+          <a:solidFill>
+            <a:srgbClr val="DEE0E3">
+              <a:alpha val="20000"/>
+            </a:srgbClr>
+          </a:solidFill>
+          <a:ln w="25400" cap="flat" cmpd="sng">
+            <a:solidFill>
+              <a:srgbClr val="2B2F36">
+                <a:alpha val="20000"/>
+              </a:srgbClr>
+            </a:solidFill>
+            <a:prstDash val="solid"/>
+            <a:round/>
+          </a:ln>
+        </p:spPr>
+        <p:txBody>
+          <a:bodyPr lIns="63500" tIns="63500" rIns="63500" bIns="63500" rtlCol="0" anchor="ctr">
+            <a:noAutofit/>
+          </a:bodyPr>
+          <a:lstStyle/>
+          <a:p>
+            <a:pPr algn="ctr">
+              <a:defRPr/>
+            </a:pPr>
+            <a:endParaRPr sz="1400" dirty="0"/>
+          </a:p>
+        </p:txBody>
+      </p:sp>
+      <p:sp>
+        <p:nvSpPr>
           <p:cNvPr id="51" name="AutoShape 115">
             <a:extLst>
               <a:ext uri="{FF2B5EF4-FFF2-40B4-BE49-F238E27FC236}">
@@ -11370,7 +11420,7 @@
         </p:nvSpPr>
         <p:spPr>
           <a:xfrm>
-            <a:off x="7758018" y="3946642"/>
+            <a:off x="7667531" y="3947058"/>
             <a:ext cx="4047346" cy="1156130"/>
           </a:xfrm>
           <a:prstGeom prst="roundRect">
@@ -11414,7 +11464,7 @@
         </p:nvSpPr>
         <p:spPr>
           <a:xfrm>
-            <a:off x="3878224" y="29631"/>
+            <a:off x="3787739" y="30048"/>
             <a:ext cx="2734913" cy="435794"/>
           </a:xfrm>
           <a:prstGeom prst="rect">
@@ -11447,11 +11497,11 @@
               <a:t>VRExplorer Test </a:t>
             </a:r>
             <a:r>
-              <a:rPr lang="en-US" altLang="zh-CN" sz="1800"/>
+              <a:rPr lang="en-US" altLang="zh-CN" sz="1800" dirty="0"/>
               <a:t>(§</a:t>
             </a:r>
             <a:r>
-              <a:rPr lang="en-US" altLang="zh-CN" sz="1800">
+              <a:rPr lang="en-US" altLang="zh-CN" sz="1800" dirty="0">
                 <a:solidFill>
                   <a:srgbClr val="FF0000"/>
                 </a:solidFill>
@@ -11459,7 +11509,7 @@
               <a:t>3.5</a:t>
             </a:r>
             <a:r>
-              <a:rPr lang="en-US" altLang="zh-CN" sz="1800"/>
+              <a:rPr lang="en-US" altLang="zh-CN" sz="1800" dirty="0"/>
               <a:t>) </a:t>
             </a:r>
             <a:endParaRPr lang="en-US" sz="1800" dirty="0"/>
@@ -11480,7 +11530,7 @@
         </p:nvGrpSpPr>
         <p:grpSpPr>
           <a:xfrm>
-            <a:off x="7708776" y="5390420"/>
+            <a:off x="7618288" y="5390839"/>
             <a:ext cx="4349242" cy="1053279"/>
             <a:chOff x="7659350" y="5399121"/>
             <a:chExt cx="4349242" cy="1053279"/>
@@ -12299,7 +12349,7 @@
         </p:nvCxnSpPr>
         <p:spPr>
           <a:xfrm>
-            <a:off x="1705821" y="1742288"/>
+            <a:off x="1615333" y="1742707"/>
             <a:ext cx="0" cy="224003"/>
           </a:xfrm>
           <a:prstGeom prst="straightConnector1">
@@ -12338,7 +12388,7 @@
         </p:nvSpPr>
         <p:spPr>
           <a:xfrm>
-            <a:off x="3500730" y="6091893"/>
+            <a:off x="3410244" y="6092311"/>
             <a:ext cx="3894239" cy="487283"/>
           </a:xfrm>
           <a:prstGeom prst="rect">
@@ -12354,7 +12404,7 @@
           <a:bodyPr rtlCol="0" anchor="ctr"/>
           <a:lstStyle/>
           <a:p>
-            <a:pPr algn="ctr" defTabSz="914279">
+            <a:pPr algn="ctr" defTabSz="914335">
               <a:buClrTx/>
               <a:defRPr/>
             </a:pPr>
@@ -12389,10 +12439,10 @@
         </p:nvGrpSpPr>
         <p:grpSpPr>
           <a:xfrm>
-            <a:off x="3475006" y="5897128"/>
-            <a:ext cx="3919963" cy="522037"/>
-            <a:chOff x="3477260" y="6097388"/>
-            <a:chExt cx="3919963" cy="522037"/>
+            <a:off x="3410243" y="5880810"/>
+            <a:ext cx="3919963" cy="535347"/>
+            <a:chOff x="3477260" y="6084078"/>
+            <a:chExt cx="3919963" cy="535347"/>
           </a:xfrm>
         </p:grpSpPr>
         <p:sp>
@@ -12409,8 +12459,8 @@
           </p:nvSpPr>
           <p:spPr>
             <a:xfrm>
-              <a:off x="3477260" y="6132142"/>
-              <a:ext cx="3919963" cy="487283"/>
+              <a:off x="3477260" y="6084078"/>
+              <a:ext cx="3919963" cy="535347"/>
             </a:xfrm>
             <a:prstGeom prst="rect">
               <a:avLst/>
@@ -12429,7 +12479,7 @@
             <a:bodyPr rtlCol="0" anchor="ctr"/>
             <a:lstStyle/>
             <a:p>
-              <a:pPr algn="ctr" defTabSz="914279">
+              <a:pPr algn="ctr" defTabSz="914335">
                 <a:buClrTx/>
                 <a:defRPr/>
               </a:pPr>
@@ -12484,7 +12534,7 @@
             <a:bodyPr rtlCol="0" anchor="ctr"/>
             <a:lstStyle/>
             <a:p>
-              <a:pPr algn="ctr" defTabSz="914279">
+              <a:pPr algn="ctr" defTabSz="914335">
                 <a:buClrTx/>
                 <a:defRPr/>
               </a:pPr>
@@ -12550,7 +12600,7 @@
             <a:bodyPr rtlCol="0" anchor="ctr"/>
             <a:lstStyle/>
             <a:p>
-              <a:pPr algn="ctr" defTabSz="914279">
+              <a:pPr algn="ctr" defTabSz="914335">
                 <a:buClrTx/>
                 <a:defRPr/>
               </a:pPr>
@@ -12616,7 +12666,7 @@
             <a:bodyPr rtlCol="0" anchor="ctr"/>
             <a:lstStyle/>
             <a:p>
-              <a:pPr algn="ctr" defTabSz="914279">
+              <a:pPr algn="ctr" defTabSz="914335">
                 <a:buClrTx/>
                 <a:defRPr/>
               </a:pPr>
@@ -12657,7 +12707,7 @@
           <p:spPr>
             <a:xfrm>
               <a:off x="4711232" y="6097388"/>
-              <a:ext cx="955608" cy="253916"/>
+              <a:ext cx="955608" cy="256931"/>
             </a:xfrm>
             <a:prstGeom prst="rect">
               <a:avLst/>
@@ -12670,7 +12720,7 @@
             </a:bodyPr>
             <a:lstStyle/>
             <a:p>
-              <a:pPr defTabSz="914279">
+              <a:pPr defTabSz="914335">
                 <a:buClrTx/>
                 <a:defRPr/>
               </a:pPr>
@@ -12713,7 +12763,7 @@
         </p:nvCxnSpPr>
         <p:spPr>
           <a:xfrm>
-            <a:off x="3297036" y="4940440"/>
+            <a:off x="3206551" y="4940856"/>
             <a:ext cx="203693" cy="0"/>
           </a:xfrm>
           <a:prstGeom prst="straightConnector1">
@@ -12752,7 +12802,7 @@
         </p:nvGrpSpPr>
         <p:grpSpPr>
           <a:xfrm>
-            <a:off x="3644343" y="433539"/>
+            <a:off x="3553855" y="433958"/>
             <a:ext cx="3731938" cy="972817"/>
             <a:chOff x="3374563" y="411776"/>
             <a:chExt cx="3731938" cy="972817"/>
@@ -13168,7 +13218,7 @@
         </p:nvGrpSpPr>
         <p:grpSpPr>
           <a:xfrm>
-            <a:off x="7738384" y="433438"/>
+            <a:off x="7647899" y="433854"/>
             <a:ext cx="975689" cy="917386"/>
             <a:chOff x="7841246" y="659452"/>
             <a:chExt cx="1573196" cy="1508796"/>
@@ -13605,7 +13655,7 @@
         </p:nvCxnSpPr>
         <p:spPr>
           <a:xfrm flipV="1">
-            <a:off x="7606233" y="1216476"/>
+            <a:off x="7515748" y="1216893"/>
             <a:ext cx="275037" cy="440202"/>
           </a:xfrm>
           <a:prstGeom prst="line">
@@ -13642,7 +13692,7 @@
         </p:nvSpPr>
         <p:spPr>
           <a:xfrm>
-            <a:off x="7420693" y="542512"/>
+            <a:off x="7330205" y="542931"/>
             <a:ext cx="185540" cy="2228331"/>
           </a:xfrm>
           <a:prstGeom prst="rightBrace">
@@ -13697,7 +13747,7 @@
         </p:nvSpPr>
         <p:spPr>
           <a:xfrm rot="771258">
-            <a:off x="8536923" y="847000"/>
+            <a:off x="8446438" y="847419"/>
             <a:ext cx="460945" cy="992775"/>
           </a:xfrm>
           <a:prstGeom prst="curvedRightArrow">
@@ -13748,7 +13798,7 @@
         </p:nvGrpSpPr>
         <p:grpSpPr>
           <a:xfrm>
-            <a:off x="9149886" y="1658118"/>
+            <a:off x="9059401" y="1658536"/>
             <a:ext cx="943913" cy="355365"/>
             <a:chOff x="4692103" y="4907987"/>
             <a:chExt cx="1601074" cy="355365"/>
@@ -13863,7 +13913,7 @@
         </p:nvGrpSpPr>
         <p:grpSpPr>
           <a:xfrm>
-            <a:off x="9189458" y="431835"/>
+            <a:off x="9098970" y="432251"/>
             <a:ext cx="1685552" cy="1029268"/>
             <a:chOff x="8913758" y="1975184"/>
             <a:chExt cx="1685552" cy="1029268"/>
@@ -14306,7 +14356,7 @@
         </p:nvGrpSpPr>
         <p:grpSpPr>
           <a:xfrm>
-            <a:off x="7732258" y="138783"/>
+            <a:off x="7641770" y="139199"/>
             <a:ext cx="3463972" cy="279400"/>
             <a:chOff x="7741716" y="1157582"/>
             <a:chExt cx="3463972" cy="279400"/>
@@ -14468,7 +14518,7 @@
         </p:nvGrpSpPr>
         <p:grpSpPr>
           <a:xfrm>
-            <a:off x="8011479" y="3237587"/>
+            <a:off x="7920993" y="3238003"/>
             <a:ext cx="1468649" cy="328236"/>
             <a:chOff x="4684616" y="5884976"/>
             <a:chExt cx="3170119" cy="512407"/>
@@ -14574,8 +14624,8 @@
         </p:nvSpPr>
         <p:spPr>
           <a:xfrm>
-            <a:off x="8826820" y="1397849"/>
-            <a:ext cx="2343177" cy="261610"/>
+            <a:off x="8736335" y="1398264"/>
+            <a:ext cx="2343177" cy="264716"/>
           </a:xfrm>
           <a:prstGeom prst="rect">
             <a:avLst/>
@@ -14609,7 +14659,7 @@
         </p:nvSpPr>
         <p:spPr>
           <a:xfrm>
-            <a:off x="9152776" y="2898362"/>
+            <a:off x="9062291" y="2898778"/>
             <a:ext cx="214835" cy="290428"/>
           </a:xfrm>
           <a:prstGeom prst="downArrow">
@@ -14661,7 +14711,7 @@
         </p:nvSpPr>
         <p:spPr>
           <a:xfrm>
-            <a:off x="7653594" y="121429"/>
+            <a:off x="7563106" y="121848"/>
             <a:ext cx="4351724" cy="5063067"/>
           </a:xfrm>
           <a:prstGeom prst="roundRect">
@@ -14705,7 +14755,7 @@
         </p:nvGrpSpPr>
         <p:grpSpPr>
           <a:xfrm>
-            <a:off x="9194613" y="4064727"/>
+            <a:off x="9104125" y="4065145"/>
             <a:ext cx="2426712" cy="973427"/>
             <a:chOff x="8543838" y="3093823"/>
             <a:chExt cx="2426712" cy="973427"/>
@@ -15151,7 +15201,7 @@
         </p:nvGrpSpPr>
         <p:grpSpPr>
           <a:xfrm>
-            <a:off x="7986537" y="3998764"/>
+            <a:off x="7896051" y="3999183"/>
             <a:ext cx="1261461" cy="964593"/>
             <a:chOff x="10984860" y="3003295"/>
             <a:chExt cx="1261461" cy="964593"/>
@@ -15446,8 +15496,8 @@
         </p:nvSpPr>
         <p:spPr>
           <a:xfrm>
-            <a:off x="9401698" y="3033636"/>
-            <a:ext cx="614902" cy="261610"/>
+            <a:off x="9311211" y="3034052"/>
+            <a:ext cx="614902" cy="264716"/>
           </a:xfrm>
           <a:prstGeom prst="rect">
             <a:avLst/>
@@ -15481,8 +15531,8 @@
         </p:nvSpPr>
         <p:spPr>
           <a:xfrm>
-            <a:off x="7758018" y="2822870"/>
-            <a:ext cx="1468648" cy="430887"/>
+            <a:off x="7667530" y="2823289"/>
+            <a:ext cx="1468648" cy="436003"/>
           </a:xfrm>
           <a:prstGeom prst="rect">
             <a:avLst/>
@@ -15526,7 +15576,7 @@
         </p:nvSpPr>
         <p:spPr>
           <a:xfrm rot="16200000" flipV="1">
-            <a:off x="9977285" y="1676386"/>
+            <a:off x="9886800" y="1676803"/>
             <a:ext cx="2888209" cy="675414"/>
           </a:xfrm>
           <a:prstGeom prst="uturnArrow">
@@ -15580,7 +15630,7 @@
         </p:nvSpPr>
         <p:spPr>
           <a:xfrm rot="16200000">
-            <a:off x="9628699" y="3222572"/>
+            <a:off x="9538214" y="3222990"/>
             <a:ext cx="220337" cy="365685"/>
           </a:xfrm>
           <a:prstGeom prst="downArrow">
@@ -15632,8 +15682,8 @@
         </p:nvSpPr>
         <p:spPr>
           <a:xfrm rot="5400000">
-            <a:off x="11179641" y="2172759"/>
-            <a:ext cx="1405133" cy="246221"/>
+            <a:off x="11089156" y="2171715"/>
+            <a:ext cx="1405133" cy="249144"/>
           </a:xfrm>
           <a:prstGeom prst="rect">
             <a:avLst/>
@@ -15690,7 +15740,7 @@
         </p:nvSpPr>
         <p:spPr>
           <a:xfrm rot="10800000">
-            <a:off x="3500729" y="35843"/>
+            <a:off x="3410241" y="36260"/>
             <a:ext cx="8597022" cy="5262383"/>
           </a:xfrm>
           <a:prstGeom prst="corner">
@@ -15746,7 +15796,7 @@
         </p:nvGrpSpPr>
         <p:grpSpPr>
           <a:xfrm>
-            <a:off x="3650918" y="1437345"/>
+            <a:off x="3560433" y="1437761"/>
             <a:ext cx="4051401" cy="1358054"/>
             <a:chOff x="3390598" y="1821226"/>
             <a:chExt cx="4051401" cy="1358054"/>
@@ -16622,7 +16672,7 @@
         </p:nvGrpSpPr>
         <p:grpSpPr>
           <a:xfrm>
-            <a:off x="193608" y="29632"/>
+            <a:off x="103120" y="30048"/>
             <a:ext cx="3138892" cy="1691446"/>
             <a:chOff x="284091" y="82793"/>
             <a:chExt cx="3138892" cy="1691446"/>
@@ -17208,8 +17258,7 @@
                     <a:defRPr/>
                   </a:pPr>
                   <a:r>
-                    <a:rPr lang="en-US" altLang="zh-CN" sz="1100" b="0" i="0" dirty="0">
-                      <a:effectLst/>
+                    <a:rPr lang="en-US" altLang="zh-CN" sz="1100" dirty="0">
                       <a:latin typeface="PingFang SC"/>
                     </a:rPr>
                     <a:t>High-Quality </a:t>
@@ -17423,7 +17472,7 @@
         </p:nvSpPr>
         <p:spPr>
           <a:xfrm>
-            <a:off x="217156" y="1966291"/>
+            <a:off x="126669" y="1966707"/>
             <a:ext cx="3079880" cy="1353622"/>
           </a:xfrm>
           <a:prstGeom prst="roundRect">
@@ -17468,7 +17517,7 @@
         </p:nvGrpSpPr>
         <p:grpSpPr>
           <a:xfrm>
-            <a:off x="411680" y="2332402"/>
+            <a:off x="321193" y="2332820"/>
             <a:ext cx="1319306" cy="873207"/>
             <a:chOff x="2849604" y="5857387"/>
             <a:chExt cx="2280543" cy="1323090"/>
@@ -18034,7 +18083,7 @@
         </p:nvGrpSpPr>
         <p:grpSpPr>
           <a:xfrm>
-            <a:off x="1843948" y="2412811"/>
+            <a:off x="1753463" y="2413230"/>
             <a:ext cx="1320333" cy="710715"/>
             <a:chOff x="201783" y="7309654"/>
             <a:chExt cx="1214093" cy="429113"/>
@@ -18243,7 +18292,7 @@
         </p:nvSpPr>
         <p:spPr>
           <a:xfrm>
-            <a:off x="333421" y="1976327"/>
+            <a:off x="242936" y="1976744"/>
             <a:ext cx="2847693" cy="335688"/>
           </a:xfrm>
           <a:prstGeom prst="rect">
@@ -18307,14 +18356,14 @@
           <p:nvPr>
             <p:extLst>
               <p:ext uri="{D42A27DB-BD31-4B8C-83A1-F6EECF244321}">
-                <p14:modId xmlns:p14="http://schemas.microsoft.com/office/powerpoint/2010/main" val="2269589466"/>
+                <p14:modId xmlns:p14="http://schemas.microsoft.com/office/powerpoint/2010/main" val="3983120215"/>
               </p:ext>
             </p:extLst>
           </p:nvPr>
         </p:nvGraphicFramePr>
         <p:xfrm>
-          <a:off x="1835956" y="5442378"/>
-          <a:ext cx="1204349" cy="792514"/>
+          <a:off x="1745471" y="5442794"/>
+          <a:ext cx="1204349" cy="798634"/>
         </p:xfrm>
         <a:graphic>
           <a:graphicData uri="http://schemas.openxmlformats.org/drawingml/2006/table">
@@ -18331,7 +18380,7 @@
                   </a:extLst>
                 </a:gridCol>
               </a:tblGrid>
-              <a:tr h="243850">
+              <a:tr h="245650">
                 <a:tc>
                   <a:txBody>
                     <a:bodyPr/>
@@ -18391,7 +18440,7 @@
                   </a:ext>
                 </a:extLst>
               </a:tr>
-              <a:tr h="213368">
+              <a:tr h="214808">
                 <a:tc>
                   <a:txBody>
                     <a:bodyPr/>
@@ -18408,7 +18457,14 @@
                       </a:endParaRPr>
                     </a:p>
                   </a:txBody>
-                  <a:tcPr/>
+                  <a:tcPr>
+                    <a:solidFill>
+                      <a:schemeClr val="accent1">
+                        <a:lumMod val="40000"/>
+                        <a:lumOff val="60000"/>
+                      </a:schemeClr>
+                    </a:solidFill>
+                  </a:tcPr>
                 </a:tc>
                 <a:extLst>
                   <a:ext uri="{0D108BD9-81ED-4DB2-BD59-A6C34878D82A}">
@@ -18416,7 +18472,7 @@
                   </a:ext>
                 </a:extLst>
               </a:tr>
-              <a:tr h="335296">
+              <a:tr h="338176">
                 <a:tc>
                   <a:txBody>
                     <a:bodyPr/>
@@ -18461,7 +18517,7 @@
         </p:nvSpPr>
         <p:spPr>
           <a:xfrm>
-            <a:off x="493427" y="3578865"/>
+            <a:off x="402942" y="3579281"/>
             <a:ext cx="2780079" cy="335688"/>
           </a:xfrm>
           <a:prstGeom prst="rect">
@@ -18524,7 +18580,7 @@
         </p:nvSpPr>
         <p:spPr>
           <a:xfrm>
-            <a:off x="186101" y="3543916"/>
+            <a:off x="95616" y="3544332"/>
             <a:ext cx="3110935" cy="2871824"/>
           </a:xfrm>
           <a:prstGeom prst="roundRect">
@@ -18555,56 +18611,6 @@
           </a:p>
         </p:txBody>
       </p:sp>
-      <p:sp>
-        <p:nvSpPr>
-          <p:cNvPr id="169" name="AutoShape 115">
-            <a:extLst>
-              <a:ext uri="{FF2B5EF4-FFF2-40B4-BE49-F238E27FC236}">
-                <a16:creationId xmlns:a16="http://schemas.microsoft.com/office/drawing/2014/main" id="{935D12A4-1BDC-E77C-ADA4-F42177ACFA48}"/>
-              </a:ext>
-            </a:extLst>
-          </p:cNvPr>
-          <p:cNvSpPr/>
-          <p:nvPr/>
-        </p:nvSpPr>
-        <p:spPr>
-          <a:xfrm>
-            <a:off x="303307" y="5225271"/>
-            <a:ext cx="2880742" cy="1085244"/>
-          </a:xfrm>
-          <a:prstGeom prst="roundRect">
-            <a:avLst>
-              <a:gd name="adj" fmla="val 9090"/>
-            </a:avLst>
-          </a:prstGeom>
-          <a:solidFill>
-            <a:srgbClr val="DEE0E3">
-              <a:alpha val="20000"/>
-            </a:srgbClr>
-          </a:solidFill>
-          <a:ln w="25400" cap="flat" cmpd="sng">
-            <a:solidFill>
-              <a:srgbClr val="2B2F36">
-                <a:alpha val="20000"/>
-              </a:srgbClr>
-            </a:solidFill>
-            <a:prstDash val="solid"/>
-            <a:round/>
-          </a:ln>
-        </p:spPr>
-        <p:txBody>
-          <a:bodyPr lIns="63500" tIns="63500" rIns="63500" bIns="63500" rtlCol="0" anchor="ctr">
-            <a:noAutofit/>
-          </a:bodyPr>
-          <a:lstStyle/>
-          <a:p>
-            <a:pPr algn="ctr">
-              <a:defRPr/>
-            </a:pPr>
-            <a:endParaRPr sz="1400" dirty="0"/>
-          </a:p>
-        </p:txBody>
-      </p:sp>
       <p:grpSp>
         <p:nvGrpSpPr>
           <p:cNvPr id="349" name="组合 348">
@@ -18619,8 +18625,8 @@
         </p:nvGrpSpPr>
         <p:grpSpPr>
           <a:xfrm>
-            <a:off x="463838" y="5184496"/>
-            <a:ext cx="2027683" cy="1016322"/>
+            <a:off x="373351" y="5184912"/>
+            <a:ext cx="2027682" cy="1016322"/>
             <a:chOff x="493141" y="5230330"/>
             <a:chExt cx="2027683" cy="1016322"/>
           </a:xfrm>
@@ -18640,7 +18646,7 @@
           <p:spPr>
             <a:xfrm>
               <a:off x="1170731" y="5230330"/>
-              <a:ext cx="1350093" cy="261610"/>
+              <a:ext cx="1350093" cy="264716"/>
             </a:xfrm>
             <a:prstGeom prst="rect">
               <a:avLst/>
@@ -19486,7 +19492,7 @@
         </p:nvGrpSpPr>
         <p:grpSpPr>
           <a:xfrm>
-            <a:off x="273196" y="3960025"/>
+            <a:off x="182711" y="3960444"/>
             <a:ext cx="2937363" cy="1173619"/>
             <a:chOff x="205591" y="4062081"/>
             <a:chExt cx="2937363" cy="1173619"/>
@@ -19937,7 +19943,7 @@
               <p:spPr>
                 <a:xfrm>
                   <a:off x="539586" y="4167788"/>
-                  <a:ext cx="2625878" cy="261610"/>
+                  <a:ext cx="2625878" cy="264716"/>
                 </a:xfrm>
                 <a:prstGeom prst="rect">
                   <a:avLst/>
@@ -20146,7 +20152,7 @@
         </p:nvSpPr>
         <p:spPr>
           <a:xfrm>
-            <a:off x="273196" y="96063"/>
+            <a:off x="182709" y="96482"/>
             <a:ext cx="292100" cy="280219"/>
           </a:xfrm>
           <a:prstGeom prst="ellipse">
@@ -20199,7 +20205,7 @@
         </p:nvSpPr>
         <p:spPr>
           <a:xfrm>
-            <a:off x="296917" y="2018402"/>
+            <a:off x="206429" y="2018821"/>
             <a:ext cx="292100" cy="280219"/>
           </a:xfrm>
           <a:prstGeom prst="ellipse">
@@ -20252,7 +20258,7 @@
         </p:nvSpPr>
         <p:spPr>
           <a:xfrm>
-            <a:off x="252129" y="3619286"/>
+            <a:off x="161642" y="3619705"/>
             <a:ext cx="292100" cy="280219"/>
           </a:xfrm>
           <a:prstGeom prst="ellipse">
@@ -20305,7 +20311,7 @@
         </p:nvSpPr>
         <p:spPr>
           <a:xfrm>
-            <a:off x="3652684" y="93545"/>
+            <a:off x="3562197" y="93964"/>
             <a:ext cx="292100" cy="280219"/>
           </a:xfrm>
           <a:prstGeom prst="ellipse">
@@ -20358,10 +20364,10 @@
         </p:nvGrpSpPr>
         <p:grpSpPr>
           <a:xfrm>
-            <a:off x="3490060" y="3164441"/>
-            <a:ext cx="3894239" cy="2600305"/>
-            <a:chOff x="3449934" y="3455089"/>
-            <a:chExt cx="3894239" cy="2600305"/>
+            <a:off x="3410244" y="3076999"/>
+            <a:ext cx="3894239" cy="2618479"/>
+            <a:chOff x="3449934" y="3436915"/>
+            <a:chExt cx="3894239" cy="2618479"/>
           </a:xfrm>
         </p:grpSpPr>
         <p:sp>
@@ -20398,7 +20404,7 @@
             <a:bodyPr rtlCol="0" anchor="ctr"/>
             <a:lstStyle/>
             <a:p>
-              <a:pPr algn="ctr" defTabSz="914279">
+              <a:pPr algn="ctr" defTabSz="914335">
                 <a:buClrTx/>
                 <a:defRPr/>
               </a:pPr>
@@ -20447,7 +20453,7 @@
             <a:bodyPr rtlCol="0" anchor="ctr"/>
             <a:lstStyle/>
             <a:p>
-              <a:pPr algn="ctr" defTabSz="914279">
+              <a:pPr algn="ctr" defTabSz="914335">
                 <a:buClrTx/>
                 <a:defRPr/>
               </a:pPr>
@@ -20514,7 +20520,7 @@
             <a:bodyPr rtlCol="0" anchor="ctr"/>
             <a:lstStyle/>
             <a:p>
-              <a:pPr algn="ctr" defTabSz="914279">
+              <a:pPr algn="ctr" defTabSz="914335">
                 <a:buClrTx/>
                 <a:defRPr/>
               </a:pPr>
@@ -20592,7 +20598,7 @@
             <a:bodyPr rtlCol="0" anchor="ctr"/>
             <a:lstStyle/>
             <a:p>
-              <a:pPr algn="ctr" defTabSz="914279">
+              <a:pPr algn="ctr" defTabSz="914335">
                 <a:buClrTx/>
                 <a:defRPr/>
               </a:pPr>
@@ -20670,7 +20676,7 @@
             <a:bodyPr rtlCol="0" anchor="ctr"/>
             <a:lstStyle/>
             <a:p>
-              <a:pPr algn="ctr" defTabSz="914279">
+              <a:pPr algn="ctr" defTabSz="914335">
                 <a:buClrTx/>
                 <a:defRPr/>
               </a:pPr>
@@ -20711,7 +20717,7 @@
           <p:spPr>
             <a:xfrm>
               <a:off x="5077731" y="4616813"/>
-              <a:ext cx="573466" cy="253916"/>
+              <a:ext cx="573466" cy="256931"/>
             </a:xfrm>
             <a:prstGeom prst="rect">
               <a:avLst/>
@@ -20724,7 +20730,7 @@
             </a:bodyPr>
             <a:lstStyle/>
             <a:p>
-              <a:pPr defTabSz="914279">
+              <a:pPr defTabSz="914335">
                 <a:buClrTx/>
                 <a:defRPr/>
               </a:pPr>
@@ -20874,7 +20880,7 @@
             <a:bodyPr rtlCol="0" anchor="ctr"/>
             <a:lstStyle/>
             <a:p>
-              <a:pPr algn="ctr" defTabSz="914279">
+              <a:pPr algn="ctr" defTabSz="914335">
                 <a:buClrTx/>
                 <a:defRPr/>
               </a:pPr>
@@ -20952,7 +20958,7 @@
             <a:bodyPr rtlCol="0" anchor="ctr"/>
             <a:lstStyle/>
             <a:p>
-              <a:pPr algn="ctr" defTabSz="914279">
+              <a:pPr algn="ctr" defTabSz="914335">
                 <a:buClrTx/>
                 <a:defRPr/>
               </a:pPr>
@@ -21030,7 +21036,7 @@
             <a:bodyPr rtlCol="0" anchor="ctr"/>
             <a:lstStyle/>
             <a:p>
-              <a:pPr algn="ctr" defTabSz="914279">
+              <a:pPr algn="ctr" defTabSz="914335">
                 <a:buClrTx/>
                 <a:defRPr/>
               </a:pPr>
@@ -21071,7 +21077,7 @@
           <p:spPr>
             <a:xfrm>
               <a:off x="5096484" y="5395413"/>
-              <a:ext cx="573466" cy="253916"/>
+              <a:ext cx="573466" cy="256931"/>
             </a:xfrm>
             <a:prstGeom prst="rect">
               <a:avLst/>
@@ -21084,7 +21090,7 @@
             </a:bodyPr>
             <a:lstStyle/>
             <a:p>
-              <a:pPr defTabSz="914279">
+              <a:pPr defTabSz="914335">
                 <a:buClrTx/>
                 <a:defRPr/>
               </a:pPr>
@@ -21273,7 +21279,7 @@
           <p:spPr>
             <a:xfrm>
               <a:off x="3711710" y="5206711"/>
-              <a:ext cx="693736" cy="253916"/>
+              <a:ext cx="693736" cy="256931"/>
             </a:xfrm>
             <a:prstGeom prst="rect">
               <a:avLst/>
@@ -21286,7 +21292,7 @@
             </a:bodyPr>
             <a:lstStyle/>
             <a:p>
-              <a:pPr defTabSz="914279">
+              <a:pPr defTabSz="914335">
                 <a:buClrTx/>
                 <a:defRPr/>
               </a:pPr>
@@ -21327,7 +21333,7 @@
           <p:spPr>
             <a:xfrm>
               <a:off x="6485805" y="5181194"/>
-              <a:ext cx="690374" cy="253916"/>
+              <a:ext cx="690374" cy="256931"/>
             </a:xfrm>
             <a:prstGeom prst="rect">
               <a:avLst/>
@@ -21340,7 +21346,7 @@
             </a:bodyPr>
             <a:lstStyle/>
             <a:p>
-              <a:pPr defTabSz="914279">
+              <a:pPr defTabSz="914335">
                 <a:buClrTx/>
                 <a:defRPr/>
               </a:pPr>
@@ -21380,10 +21386,10 @@
           </p:nvGrpSpPr>
           <p:grpSpPr>
             <a:xfrm>
-              <a:off x="3449934" y="3455089"/>
-              <a:ext cx="3894239" cy="2600305"/>
-              <a:chOff x="3488650" y="3470295"/>
-              <a:chExt cx="3894239" cy="2600305"/>
+              <a:off x="3449934" y="3436915"/>
+              <a:ext cx="3894239" cy="2618479"/>
+              <a:chOff x="3488650" y="3452121"/>
+              <a:chExt cx="3894239" cy="2618479"/>
             </a:xfrm>
           </p:grpSpPr>
           <p:sp>
@@ -21400,8 +21406,8 @@
             </p:nvSpPr>
             <p:spPr>
               <a:xfrm>
-                <a:off x="3488650" y="3470295"/>
-                <a:ext cx="3894239" cy="2600305"/>
+                <a:off x="3488650" y="3452121"/>
+                <a:ext cx="3894239" cy="2618479"/>
               </a:xfrm>
               <a:prstGeom prst="roundRect">
                 <a:avLst>
@@ -21709,8 +21715,8 @@
         </p:nvSpPr>
         <p:spPr>
           <a:xfrm>
-            <a:off x="8858855" y="2165065"/>
-            <a:ext cx="1286061" cy="261610"/>
+            <a:off x="8768369" y="2165481"/>
+            <a:ext cx="1286061" cy="264716"/>
           </a:xfrm>
           <a:prstGeom prst="rect">
             <a:avLst/>
@@ -21744,7 +21750,7 @@
         </p:nvSpPr>
         <p:spPr>
           <a:xfrm>
-            <a:off x="4062501" y="1817306"/>
+            <a:off x="3963681" y="1503486"/>
             <a:ext cx="860063" cy="239218"/>
           </a:xfrm>
           <a:prstGeom prst="rect">
@@ -21795,7 +21801,7 @@
         </p:nvGrpSpPr>
         <p:grpSpPr>
           <a:xfrm>
-            <a:off x="7792554" y="2409771"/>
+            <a:off x="7702069" y="2410187"/>
             <a:ext cx="1547419" cy="348132"/>
             <a:chOff x="4384241" y="5275402"/>
             <a:chExt cx="1601074" cy="348132"/>
@@ -21928,7 +21934,7 @@
         </p:nvGrpSpPr>
         <p:grpSpPr>
           <a:xfrm>
-            <a:off x="9410626" y="2404654"/>
+            <a:off x="9320140" y="2405070"/>
             <a:ext cx="1468649" cy="598390"/>
             <a:chOff x="4410595" y="5275397"/>
             <a:chExt cx="1601074" cy="352537"/>
@@ -22078,7 +22084,7 @@
         </p:nvSpPr>
         <p:spPr>
           <a:xfrm rot="16200000" flipV="1">
-            <a:off x="10246425" y="1550688"/>
+            <a:off x="10155940" y="1551107"/>
             <a:ext cx="1860845" cy="452741"/>
           </a:xfrm>
           <a:prstGeom prst="uturnArrow">
@@ -22132,8 +22138,8 @@
         </p:nvSpPr>
         <p:spPr>
           <a:xfrm rot="5400000">
-            <a:off x="10527016" y="1638811"/>
-            <a:ext cx="1168335" cy="348813"/>
+            <a:off x="10436531" y="1637158"/>
+            <a:ext cx="1168335" cy="352954"/>
           </a:xfrm>
           <a:prstGeom prst="rect">
             <a:avLst/>
@@ -22176,7 +22182,7 @@
         </p:nvCxnSpPr>
         <p:spPr>
           <a:xfrm rot="5400000">
-            <a:off x="8893181" y="1686567"/>
+            <a:off x="8802696" y="1686986"/>
             <a:ext cx="401747" cy="1055579"/>
           </a:xfrm>
           <a:prstGeom prst="curvedConnector3">
@@ -22214,7 +22220,7 @@
         </p:nvCxnSpPr>
         <p:spPr>
           <a:xfrm rot="16200000" flipH="1">
-            <a:off x="9679440" y="1955886"/>
+            <a:off x="9588952" y="1956302"/>
             <a:ext cx="407914" cy="523108"/>
           </a:xfrm>
           <a:prstGeom prst="curvedConnector3">
@@ -22248,7 +22254,7 @@
         </p:nvGrpSpPr>
         <p:grpSpPr>
           <a:xfrm>
-            <a:off x="9979215" y="3139470"/>
+            <a:off x="9888730" y="3139888"/>
             <a:ext cx="1065357" cy="436625"/>
             <a:chOff x="4754975" y="6385862"/>
             <a:chExt cx="3128240" cy="512405"/>
@@ -22380,7 +22386,7 @@
         </p:nvCxnSpPr>
         <p:spPr>
           <a:xfrm flipH="1">
-            <a:off x="9781691" y="3576095"/>
+            <a:off x="9691203" y="3576514"/>
             <a:ext cx="730822" cy="370547"/>
           </a:xfrm>
           <a:prstGeom prst="line">
@@ -22424,8 +22430,8 @@
         </p:nvSpPr>
         <p:spPr>
           <a:xfrm>
-            <a:off x="8555723" y="3615904"/>
-            <a:ext cx="1638140" cy="261610"/>
+            <a:off x="8465235" y="3616319"/>
+            <a:ext cx="1638140" cy="264716"/>
           </a:xfrm>
           <a:prstGeom prst="rect">
             <a:avLst/>
@@ -22461,7 +22467,7 @@
         </p:nvCxnSpPr>
         <p:spPr>
           <a:xfrm>
-            <a:off x="1642321" y="3319913"/>
+            <a:off x="1551833" y="3320332"/>
             <a:ext cx="0" cy="224003"/>
           </a:xfrm>
           <a:prstGeom prst="straightConnector1">
@@ -22504,8 +22510,8 @@
         </p:nvCxnSpPr>
         <p:spPr>
           <a:xfrm rot="5400000" flipH="1" flipV="1">
-            <a:off x="4110919" y="5609157"/>
-            <a:ext cx="551854" cy="462892"/>
+            <a:off x="4005498" y="5580546"/>
+            <a:ext cx="618114" cy="447839"/>
           </a:xfrm>
           <a:prstGeom prst="curvedConnector3">
             <a:avLst>
@@ -22542,8 +22548,8 @@
         </p:nvCxnSpPr>
         <p:spPr>
           <a:xfrm rot="16200000" flipV="1">
-            <a:off x="6192981" y="5644469"/>
-            <a:ext cx="562714" cy="432601"/>
+            <a:off x="6087560" y="5600804"/>
+            <a:ext cx="628974" cy="447654"/>
           </a:xfrm>
           <a:prstGeom prst="curvedConnector3">
             <a:avLst>
@@ -22581,8 +22587,8 @@
         </p:nvCxnSpPr>
         <p:spPr>
           <a:xfrm rot="5400000" flipH="1" flipV="1">
-            <a:off x="5579571" y="5456134"/>
-            <a:ext cx="555187" cy="801746"/>
+            <a:off x="5474151" y="5427523"/>
+            <a:ext cx="621447" cy="786693"/>
           </a:xfrm>
           <a:prstGeom prst="curvedConnector3">
             <a:avLst>

--- a/Paper Reading/____Writing/Fig_Overview.pptx
+++ b/Paper Reading/____Writing/Fig_Overview.pptx
@@ -342,7 +342,7 @@
           <a:p>
             <a:fld id="{B7268E1E-0E44-426D-905E-8AD9B19D2182}" type="datetimeFigureOut">
               <a:rPr lang="cs-CZ" smtClean="0"/>
-              <a:t>16.05.2025</a:t>
+              <a:t>24.05.2025</a:t>
             </a:fld>
             <a:endParaRPr lang="cs-CZ"/>
           </a:p>
@@ -18645,8 +18645,8 @@
           </p:nvSpPr>
           <p:spPr>
             <a:xfrm>
-              <a:off x="1170731" y="5230330"/>
-              <a:ext cx="1350093" cy="264716"/>
+              <a:off x="920364" y="5230330"/>
+              <a:ext cx="1600460" cy="261610"/>
             </a:xfrm>
             <a:prstGeom prst="rect">
               <a:avLst/>
@@ -18665,7 +18665,7 @@
               </a:r>
               <a:r>
                 <a:rPr lang="en-US" altLang="zh-CN" sz="1100" dirty="0"/>
-                <a:t>Action</a:t>
+                <a:t>of Actions</a:t>
               </a:r>
               <a:endParaRPr lang="zh-CN" altLang="en-US" sz="1100" dirty="0"/>
             </a:p>
@@ -19942,8 +19942,8 @@
               </p:nvSpPr>
               <p:spPr>
                 <a:xfrm>
-                  <a:off x="539586" y="4167788"/>
-                  <a:ext cx="2625878" cy="264716"/>
+                  <a:off x="608931" y="4160474"/>
+                  <a:ext cx="2625878" cy="261610"/>
                 </a:xfrm>
                 <a:prstGeom prst="rect">
                   <a:avLst/>
@@ -19958,8 +19958,21 @@
                 <a:p>
                   <a:r>
                     <a:rPr lang="zh-CN" altLang="en-US" sz="1100" dirty="0"/>
-                    <a:t>Abstraction Object Interaction Feature</a:t>
+                    <a:t>Abstraction </a:t>
                   </a:r>
+                  <a:r>
+                    <a:rPr lang="en-US" altLang="zh-CN" sz="1100" dirty="0"/>
+                    <a:t>of Interactable </a:t>
+                  </a:r>
+                  <a:r>
+                    <a:rPr lang="zh-CN" altLang="en-US" sz="1100" dirty="0"/>
+                    <a:t>Object</a:t>
+                  </a:r>
+                  <a:r>
+                    <a:rPr lang="en-US" altLang="zh-CN" sz="1100" dirty="0"/>
+                    <a:t>s</a:t>
+                  </a:r>
+                  <a:endParaRPr lang="zh-CN" altLang="en-US" sz="1100" dirty="0"/>
                 </a:p>
               </p:txBody>
             </p:sp>

--- a/Paper Reading/____Writing/Fig_Overview.pptx
+++ b/Paper Reading/____Writing/Fig_Overview.pptx
@@ -342,7 +342,7 @@
           <a:p>
             <a:fld id="{B7268E1E-0E44-426D-905E-8AD9B19D2182}" type="datetimeFigureOut">
               <a:rPr lang="cs-CZ" smtClean="0"/>
-              <a:t>24.05.2025</a:t>
+              <a:t>28.05.2025</a:t>
             </a:fld>
             <a:endParaRPr lang="cs-CZ"/>
           </a:p>

--- a/Paper Reading/____Writing/Fig_Overview.pptx
+++ b/Paper Reading/____Writing/Fig_Overview.pptx
@@ -10,7 +10,7 @@
   <p:sldIdLst>
     <p:sldId id="256" r:id="rId2"/>
   </p:sldIdLst>
-  <p:sldSz cx="12131675" cy="6480175"/>
+  <p:sldSz cx="12131675" cy="6119813"/>
   <p:notesSz cx="6858000" cy="9144000"/>
   <p:defaultTextStyle>
     <a:defPPr marR="0" lvl="0" algn="l" rtl="0">
@@ -244,7 +244,7 @@
   <p:extLst>
     <p:ext uri="{EFAFB233-063F-42B5-8137-9DF3F51BA10A}">
       <p15:sldGuideLst xmlns:p15="http://schemas.microsoft.com/office/powerpoint/2012/main">
-        <p15:guide id="1" orient="horz" pos="1181" userDrawn="1">
+        <p15:guide id="1" orient="horz" pos="1115" userDrawn="1">
           <p15:clr>
             <a:srgbClr val="747775"/>
           </p15:clr>
@@ -342,7 +342,7 @@
           <a:p>
             <a:fld id="{B7268E1E-0E44-426D-905E-8AD9B19D2182}" type="datetimeFigureOut">
               <a:rPr lang="cs-CZ" smtClean="0"/>
-              <a:t>28.05.2025</a:t>
+              <a:t>29.05.2025</a:t>
             </a:fld>
             <a:endParaRPr lang="cs-CZ"/>
           </a:p>
@@ -360,8 +360,8 @@
         </p:nvSpPr>
         <p:spPr>
           <a:xfrm>
-            <a:off x="2170113" y="512763"/>
-            <a:ext cx="4803775" cy="2566987"/>
+            <a:off x="2028825" y="512763"/>
+            <a:ext cx="5086350" cy="2566987"/>
           </a:xfrm>
           <a:prstGeom prst="rect">
             <a:avLst/>
@@ -704,8 +704,8 @@
         </p:nvSpPr>
         <p:spPr>
           <a:xfrm>
-            <a:off x="2170113" y="512763"/>
-            <a:ext cx="4803775" cy="2566987"/>
+            <a:off x="2028825" y="512763"/>
+            <a:ext cx="5086350" cy="2566987"/>
           </a:xfrm>
           <a:prstGeom prst="rect">
             <a:avLst/>
@@ -888,8 +888,8 @@
         </p:nvSpPr>
         <p:spPr>
           <a:xfrm>
-            <a:off x="1137356" y="613596"/>
-            <a:ext cx="6824067" cy="1305293"/>
+            <a:off x="1137358" y="579476"/>
+            <a:ext cx="6824067" cy="1232706"/>
           </a:xfrm>
           <a:prstGeom prst="rect">
             <a:avLst/>
@@ -1028,8 +1028,8 @@
         </p:nvSpPr>
         <p:spPr>
           <a:xfrm>
-            <a:off x="1137356" y="1969225"/>
-            <a:ext cx="6824067" cy="905200"/>
+            <a:off x="1137358" y="1859717"/>
+            <a:ext cx="6824067" cy="854862"/>
           </a:xfrm>
           <a:prstGeom prst="rect">
             <a:avLst/>
@@ -1215,8 +1215,8 @@
         </p:nvSpPr>
         <p:spPr>
           <a:xfrm>
-            <a:off x="625543" y="3474997"/>
-            <a:ext cx="2047219" cy="199611"/>
+            <a:off x="625545" y="3281754"/>
+            <a:ext cx="2047219" cy="188511"/>
           </a:xfrm>
           <a:prstGeom prst="rect">
             <a:avLst/>
@@ -1348,8 +1348,8 @@
         </p:nvSpPr>
         <p:spPr>
           <a:xfrm>
-            <a:off x="3013968" y="3474997"/>
-            <a:ext cx="3070830" cy="199611"/>
+            <a:off x="3013968" y="3281754"/>
+            <a:ext cx="3070830" cy="188511"/>
           </a:xfrm>
           <a:prstGeom prst="rect">
             <a:avLst/>
@@ -1481,8 +1481,8 @@
         </p:nvSpPr>
         <p:spPr>
           <a:xfrm>
-            <a:off x="6426000" y="3474997"/>
-            <a:ext cx="2047219" cy="199611"/>
+            <a:off x="6426001" y="3281754"/>
+            <a:ext cx="2047219" cy="188511"/>
           </a:xfrm>
           <a:prstGeom prst="rect">
             <a:avLst/>
@@ -1608,8 +1608,8 @@
         </p:nvSpPr>
         <p:spPr>
           <a:xfrm>
-            <a:off x="625545" y="199616"/>
-            <a:ext cx="7847678" cy="724681"/>
+            <a:off x="625546" y="188518"/>
+            <a:ext cx="7847679" cy="684382"/>
           </a:xfrm>
           <a:prstGeom prst="rect">
             <a:avLst/>
@@ -1747,8 +1747,8 @@
         </p:nvSpPr>
         <p:spPr>
           <a:xfrm rot="5400000">
-            <a:off x="3359959" y="-1736342"/>
-            <a:ext cx="2378861" cy="7847678"/>
+            <a:off x="3426105" y="-1857989"/>
+            <a:ext cx="2246573" cy="7847679"/>
           </a:xfrm>
           <a:prstGeom prst="rect">
             <a:avLst/>
@@ -1934,8 +1934,8 @@
         </p:nvSpPr>
         <p:spPr>
           <a:xfrm>
-            <a:off x="625543" y="3474997"/>
-            <a:ext cx="2047219" cy="199611"/>
+            <a:off x="625545" y="3281754"/>
+            <a:ext cx="2047219" cy="188511"/>
           </a:xfrm>
           <a:prstGeom prst="rect">
             <a:avLst/>
@@ -2067,8 +2067,8 @@
         </p:nvSpPr>
         <p:spPr>
           <a:xfrm>
-            <a:off x="3013968" y="3474997"/>
-            <a:ext cx="3070830" cy="199611"/>
+            <a:off x="3013968" y="3281754"/>
+            <a:ext cx="3070830" cy="188511"/>
           </a:xfrm>
           <a:prstGeom prst="rect">
             <a:avLst/>
@@ -2200,8 +2200,8 @@
         </p:nvSpPr>
         <p:spPr>
           <a:xfrm>
-            <a:off x="6426000" y="3474997"/>
-            <a:ext cx="2047219" cy="199611"/>
+            <a:off x="6426001" y="3281754"/>
+            <a:ext cx="2047219" cy="188511"/>
           </a:xfrm>
           <a:prstGeom prst="rect">
             <a:avLst/>
@@ -2327,8 +2327,8 @@
         </p:nvSpPr>
         <p:spPr>
           <a:xfrm rot="5400000">
-            <a:off x="5903602" y="807317"/>
-            <a:ext cx="3177312" cy="1961919"/>
+            <a:off x="5991947" y="707873"/>
+            <a:ext cx="3000622" cy="1961919"/>
           </a:xfrm>
           <a:prstGeom prst="rect">
             <a:avLst/>
@@ -2466,8 +2466,8 @@
         </p:nvSpPr>
         <p:spPr>
           <a:xfrm rot="5400000">
-            <a:off x="1922899" y="-1097740"/>
-            <a:ext cx="3177312" cy="5772023"/>
+            <a:off x="2011245" y="-1197185"/>
+            <a:ext cx="3000622" cy="5772023"/>
           </a:xfrm>
           <a:prstGeom prst="rect">
             <a:avLst/>
@@ -2653,8 +2653,8 @@
         </p:nvSpPr>
         <p:spPr>
           <a:xfrm>
-            <a:off x="625543" y="3474997"/>
-            <a:ext cx="2047219" cy="199611"/>
+            <a:off x="625545" y="3281754"/>
+            <a:ext cx="2047219" cy="188511"/>
           </a:xfrm>
           <a:prstGeom prst="rect">
             <a:avLst/>
@@ -2786,8 +2786,8 @@
         </p:nvSpPr>
         <p:spPr>
           <a:xfrm>
-            <a:off x="3013968" y="3474997"/>
-            <a:ext cx="3070830" cy="199611"/>
+            <a:off x="3013968" y="3281754"/>
+            <a:ext cx="3070830" cy="188511"/>
           </a:xfrm>
           <a:prstGeom prst="rect">
             <a:avLst/>
@@ -2919,8 +2919,8 @@
         </p:nvSpPr>
         <p:spPr>
           <a:xfrm>
-            <a:off x="6426000" y="3474997"/>
-            <a:ext cx="2047219" cy="199611"/>
+            <a:off x="6426001" y="3281754"/>
+            <a:ext cx="2047219" cy="188511"/>
           </a:xfrm>
           <a:prstGeom prst="rect">
             <a:avLst/>
@@ -3046,8 +3046,8 @@
         </p:nvSpPr>
         <p:spPr>
           <a:xfrm>
-            <a:off x="1192873" y="1407131"/>
-            <a:ext cx="9750713" cy="1873638"/>
+            <a:off x="1192875" y="1328881"/>
+            <a:ext cx="9750713" cy="1769445"/>
           </a:xfrm>
           <a:prstGeom prst="rect">
             <a:avLst/>
@@ -3110,8 +3110,8 @@
         </p:nvSpPr>
         <p:spPr>
           <a:xfrm>
-            <a:off x="1192873" y="3335873"/>
-            <a:ext cx="9750713" cy="1073275"/>
+            <a:off x="1192875" y="3150368"/>
+            <a:ext cx="9750713" cy="1013590"/>
           </a:xfrm>
           <a:prstGeom prst="rect">
             <a:avLst/>
@@ -3174,8 +3174,8 @@
         </p:nvSpPr>
         <p:spPr>
           <a:xfrm>
-            <a:off x="608971" y="5343340"/>
-            <a:ext cx="2686642" cy="175890"/>
+            <a:off x="608971" y="5046197"/>
+            <a:ext cx="2686642" cy="166109"/>
           </a:xfrm>
           <a:prstGeom prst="rect">
             <a:avLst/>
@@ -3238,8 +3238,8 @@
         </p:nvSpPr>
         <p:spPr>
           <a:xfrm>
-            <a:off x="4095641" y="5343340"/>
-            <a:ext cx="3940407" cy="175890"/>
+            <a:off x="4095641" y="5046197"/>
+            <a:ext cx="3940407" cy="166109"/>
           </a:xfrm>
           <a:prstGeom prst="rect">
             <a:avLst/>
@@ -3302,8 +3302,8 @@
         </p:nvSpPr>
         <p:spPr>
           <a:xfrm>
-            <a:off x="8833675" y="5343340"/>
-            <a:ext cx="2686642" cy="175890"/>
+            <a:off x="8833675" y="5046197"/>
+            <a:ext cx="2686642" cy="166109"/>
           </a:xfrm>
           <a:prstGeom prst="rect">
             <a:avLst/>
@@ -3396,8 +3396,8 @@
         </p:nvSpPr>
         <p:spPr>
           <a:xfrm>
-            <a:off x="625545" y="199616"/>
-            <a:ext cx="7847678" cy="724681"/>
+            <a:off x="625546" y="188518"/>
+            <a:ext cx="7847679" cy="684382"/>
           </a:xfrm>
           <a:prstGeom prst="rect">
             <a:avLst/>
@@ -3535,8 +3535,8 @@
         </p:nvSpPr>
         <p:spPr>
           <a:xfrm>
-            <a:off x="625545" y="998074"/>
-            <a:ext cx="7847678" cy="2378861"/>
+            <a:off x="625546" y="942573"/>
+            <a:ext cx="7847679" cy="2246573"/>
           </a:xfrm>
           <a:prstGeom prst="rect">
             <a:avLst/>
@@ -3722,8 +3722,8 @@
         </p:nvSpPr>
         <p:spPr>
           <a:xfrm>
-            <a:off x="625543" y="3474997"/>
-            <a:ext cx="2047219" cy="199611"/>
+            <a:off x="625545" y="3281754"/>
+            <a:ext cx="2047219" cy="188511"/>
           </a:xfrm>
           <a:prstGeom prst="rect">
             <a:avLst/>
@@ -3855,8 +3855,8 @@
         </p:nvSpPr>
         <p:spPr>
           <a:xfrm>
-            <a:off x="3013968" y="3474997"/>
-            <a:ext cx="3070830" cy="199611"/>
+            <a:off x="3013968" y="3281754"/>
+            <a:ext cx="3070830" cy="188511"/>
           </a:xfrm>
           <a:prstGeom prst="rect">
             <a:avLst/>
@@ -3988,8 +3988,8 @@
         </p:nvSpPr>
         <p:spPr>
           <a:xfrm>
-            <a:off x="6426000" y="3474997"/>
-            <a:ext cx="2047219" cy="199611"/>
+            <a:off x="6426001" y="3281754"/>
+            <a:ext cx="2047219" cy="188511"/>
           </a:xfrm>
           <a:prstGeom prst="rect">
             <a:avLst/>
@@ -4115,8 +4115,8 @@
         </p:nvSpPr>
         <p:spPr>
           <a:xfrm>
-            <a:off x="620808" y="934712"/>
-            <a:ext cx="7847678" cy="1559582"/>
+            <a:off x="620809" y="882733"/>
+            <a:ext cx="7847679" cy="1472854"/>
           </a:xfrm>
           <a:prstGeom prst="rect">
             <a:avLst/>
@@ -4255,8 +4255,8 @@
         </p:nvSpPr>
         <p:spPr>
           <a:xfrm>
-            <a:off x="620808" y="2509049"/>
-            <a:ext cx="7847678" cy="820148"/>
+            <a:off x="620809" y="2369521"/>
+            <a:ext cx="7847679" cy="774540"/>
           </a:xfrm>
           <a:prstGeom prst="rect">
             <a:avLst/>
@@ -4478,8 +4478,8 @@
         </p:nvSpPr>
         <p:spPr>
           <a:xfrm>
-            <a:off x="625543" y="3474997"/>
-            <a:ext cx="2047219" cy="199611"/>
+            <a:off x="625545" y="3281754"/>
+            <a:ext cx="2047219" cy="188511"/>
           </a:xfrm>
           <a:prstGeom prst="rect">
             <a:avLst/>
@@ -4611,8 +4611,8 @@
         </p:nvSpPr>
         <p:spPr>
           <a:xfrm>
-            <a:off x="3013968" y="3474997"/>
-            <a:ext cx="3070830" cy="199611"/>
+            <a:off x="3013968" y="3281754"/>
+            <a:ext cx="3070830" cy="188511"/>
           </a:xfrm>
           <a:prstGeom prst="rect">
             <a:avLst/>
@@ -4744,8 +4744,8 @@
         </p:nvSpPr>
         <p:spPr>
           <a:xfrm>
-            <a:off x="6426000" y="3474997"/>
-            <a:ext cx="2047219" cy="199611"/>
+            <a:off x="6426001" y="3281754"/>
+            <a:ext cx="2047219" cy="188511"/>
           </a:xfrm>
           <a:prstGeom prst="rect">
             <a:avLst/>
@@ -4871,8 +4871,8 @@
         </p:nvSpPr>
         <p:spPr>
           <a:xfrm>
-            <a:off x="625545" y="199616"/>
-            <a:ext cx="7847678" cy="724681"/>
+            <a:off x="625546" y="188518"/>
+            <a:ext cx="7847679" cy="684382"/>
           </a:xfrm>
           <a:prstGeom prst="rect">
             <a:avLst/>
@@ -5010,8 +5010,8 @@
         </p:nvSpPr>
         <p:spPr>
           <a:xfrm>
-            <a:off x="625545" y="998074"/>
-            <a:ext cx="3866971" cy="2378861"/>
+            <a:off x="625547" y="942573"/>
+            <a:ext cx="3866970" cy="2246573"/>
           </a:xfrm>
           <a:prstGeom prst="rect">
             <a:avLst/>
@@ -5197,8 +5197,8 @@
         </p:nvSpPr>
         <p:spPr>
           <a:xfrm>
-            <a:off x="4606254" y="998074"/>
-            <a:ext cx="3866971" cy="2378861"/>
+            <a:off x="4606256" y="942573"/>
+            <a:ext cx="3866970" cy="2246573"/>
           </a:xfrm>
           <a:prstGeom prst="rect">
             <a:avLst/>
@@ -5384,8 +5384,8 @@
         </p:nvSpPr>
         <p:spPr>
           <a:xfrm>
-            <a:off x="625543" y="3474997"/>
-            <a:ext cx="2047219" cy="199611"/>
+            <a:off x="625545" y="3281754"/>
+            <a:ext cx="2047219" cy="188511"/>
           </a:xfrm>
           <a:prstGeom prst="rect">
             <a:avLst/>
@@ -5517,8 +5517,8 @@
         </p:nvSpPr>
         <p:spPr>
           <a:xfrm>
-            <a:off x="3013968" y="3474997"/>
-            <a:ext cx="3070830" cy="199611"/>
+            <a:off x="3013968" y="3281754"/>
+            <a:ext cx="3070830" cy="188511"/>
           </a:xfrm>
           <a:prstGeom prst="rect">
             <a:avLst/>
@@ -5650,8 +5650,8 @@
         </p:nvSpPr>
         <p:spPr>
           <a:xfrm>
-            <a:off x="6426000" y="3474997"/>
-            <a:ext cx="2047219" cy="199611"/>
+            <a:off x="6426001" y="3281754"/>
+            <a:ext cx="2047219" cy="188511"/>
           </a:xfrm>
           <a:prstGeom prst="rect">
             <a:avLst/>
@@ -5777,8 +5777,8 @@
         </p:nvSpPr>
         <p:spPr>
           <a:xfrm>
-            <a:off x="626728" y="199616"/>
-            <a:ext cx="7847678" cy="724681"/>
+            <a:off x="626729" y="188518"/>
+            <a:ext cx="7847679" cy="684382"/>
           </a:xfrm>
           <a:prstGeom prst="rect">
             <a:avLst/>
@@ -5916,8 +5916,8 @@
         </p:nvSpPr>
         <p:spPr>
           <a:xfrm>
-            <a:off x="626730" y="919086"/>
-            <a:ext cx="3849200" cy="450431"/>
+            <a:off x="626730" y="867978"/>
+            <a:ext cx="3849200" cy="425383"/>
           </a:xfrm>
           <a:prstGeom prst="rect">
             <a:avLst/>
@@ -6103,8 +6103,8 @@
         </p:nvSpPr>
         <p:spPr>
           <a:xfrm>
-            <a:off x="626730" y="1369523"/>
-            <a:ext cx="3849200" cy="2014351"/>
+            <a:off x="626730" y="1293366"/>
+            <a:ext cx="3849200" cy="1902333"/>
           </a:xfrm>
           <a:prstGeom prst="rect">
             <a:avLst/>
@@ -6290,8 +6290,8 @@
         </p:nvSpPr>
         <p:spPr>
           <a:xfrm>
-            <a:off x="4606247" y="919086"/>
-            <a:ext cx="3868157" cy="450431"/>
+            <a:off x="4606248" y="867978"/>
+            <a:ext cx="3868156" cy="425383"/>
           </a:xfrm>
           <a:prstGeom prst="rect">
             <a:avLst/>
@@ -6477,8 +6477,8 @@
         </p:nvSpPr>
         <p:spPr>
           <a:xfrm>
-            <a:off x="4606247" y="1369523"/>
-            <a:ext cx="3868157" cy="2014351"/>
+            <a:off x="4606248" y="1293366"/>
+            <a:ext cx="3868156" cy="1902333"/>
           </a:xfrm>
           <a:prstGeom prst="rect">
             <a:avLst/>
@@ -6664,8 +6664,8 @@
         </p:nvSpPr>
         <p:spPr>
           <a:xfrm>
-            <a:off x="625543" y="3474997"/>
-            <a:ext cx="2047219" cy="199611"/>
+            <a:off x="625545" y="3281754"/>
+            <a:ext cx="2047219" cy="188511"/>
           </a:xfrm>
           <a:prstGeom prst="rect">
             <a:avLst/>
@@ -6797,8 +6797,8 @@
         </p:nvSpPr>
         <p:spPr>
           <a:xfrm>
-            <a:off x="3013968" y="3474997"/>
-            <a:ext cx="3070830" cy="199611"/>
+            <a:off x="3013968" y="3281754"/>
+            <a:ext cx="3070830" cy="188511"/>
           </a:xfrm>
           <a:prstGeom prst="rect">
             <a:avLst/>
@@ -6930,8 +6930,8 @@
         </p:nvSpPr>
         <p:spPr>
           <a:xfrm>
-            <a:off x="6426000" y="3474997"/>
-            <a:ext cx="2047219" cy="199611"/>
+            <a:off x="6426001" y="3281754"/>
+            <a:ext cx="2047219" cy="188511"/>
           </a:xfrm>
           <a:prstGeom prst="rect">
             <a:avLst/>
@@ -7057,8 +7057,8 @@
         </p:nvSpPr>
         <p:spPr>
           <a:xfrm>
-            <a:off x="625545" y="199616"/>
-            <a:ext cx="7847678" cy="724681"/>
+            <a:off x="625546" y="188518"/>
+            <a:ext cx="7847679" cy="684382"/>
           </a:xfrm>
           <a:prstGeom prst="rect">
             <a:avLst/>
@@ -7196,8 +7196,8 @@
         </p:nvSpPr>
         <p:spPr>
           <a:xfrm>
-            <a:off x="625543" y="3474997"/>
-            <a:ext cx="2047219" cy="199611"/>
+            <a:off x="625545" y="3281754"/>
+            <a:ext cx="2047219" cy="188511"/>
           </a:xfrm>
           <a:prstGeom prst="rect">
             <a:avLst/>
@@ -7329,8 +7329,8 @@
         </p:nvSpPr>
         <p:spPr>
           <a:xfrm>
-            <a:off x="3013968" y="3474997"/>
-            <a:ext cx="3070830" cy="199611"/>
+            <a:off x="3013968" y="3281754"/>
+            <a:ext cx="3070830" cy="188511"/>
           </a:xfrm>
           <a:prstGeom prst="rect">
             <a:avLst/>
@@ -7462,8 +7462,8 @@
         </p:nvSpPr>
         <p:spPr>
           <a:xfrm>
-            <a:off x="6426000" y="3474997"/>
-            <a:ext cx="2047219" cy="199611"/>
+            <a:off x="6426001" y="3281754"/>
+            <a:ext cx="2047219" cy="188511"/>
           </a:xfrm>
           <a:prstGeom prst="rect">
             <a:avLst/>
@@ -7589,8 +7589,8 @@
         </p:nvSpPr>
         <p:spPr>
           <a:xfrm>
-            <a:off x="625543" y="3474997"/>
-            <a:ext cx="2047219" cy="199611"/>
+            <a:off x="625545" y="3281754"/>
+            <a:ext cx="2047219" cy="188511"/>
           </a:xfrm>
           <a:prstGeom prst="rect">
             <a:avLst/>
@@ -7722,8 +7722,8 @@
         </p:nvSpPr>
         <p:spPr>
           <a:xfrm>
-            <a:off x="3013968" y="3474997"/>
-            <a:ext cx="3070830" cy="199611"/>
+            <a:off x="3013968" y="3281754"/>
+            <a:ext cx="3070830" cy="188511"/>
           </a:xfrm>
           <a:prstGeom prst="rect">
             <a:avLst/>
@@ -7855,8 +7855,8 @@
         </p:nvSpPr>
         <p:spPr>
           <a:xfrm>
-            <a:off x="6426000" y="3474997"/>
-            <a:ext cx="2047219" cy="199611"/>
+            <a:off x="6426001" y="3281754"/>
+            <a:ext cx="2047219" cy="188511"/>
           </a:xfrm>
           <a:prstGeom prst="rect">
             <a:avLst/>
@@ -7982,8 +7982,8 @@
         </p:nvSpPr>
         <p:spPr>
           <a:xfrm>
-            <a:off x="626727" y="249955"/>
-            <a:ext cx="2934585" cy="874824"/>
+            <a:off x="626728" y="236055"/>
+            <a:ext cx="2934585" cy="826175"/>
           </a:xfrm>
           <a:prstGeom prst="rect">
             <a:avLst/>
@@ -8122,8 +8122,8 @@
         </p:nvSpPr>
         <p:spPr>
           <a:xfrm>
-            <a:off x="3868164" y="539830"/>
-            <a:ext cx="4606245" cy="2664393"/>
+            <a:off x="3868165" y="509812"/>
+            <a:ext cx="4606245" cy="2516226"/>
           </a:xfrm>
           <a:prstGeom prst="rect">
             <a:avLst/>
@@ -8309,8 +8309,8 @@
         </p:nvSpPr>
         <p:spPr>
           <a:xfrm>
-            <a:off x="626727" y="1124781"/>
-            <a:ext cx="2934585" cy="2083781"/>
+            <a:off x="626728" y="1062234"/>
+            <a:ext cx="2934585" cy="1967902"/>
           </a:xfrm>
           <a:prstGeom prst="rect">
             <a:avLst/>
@@ -8496,8 +8496,8 @@
         </p:nvSpPr>
         <p:spPr>
           <a:xfrm>
-            <a:off x="625543" y="3474997"/>
-            <a:ext cx="2047219" cy="199611"/>
+            <a:off x="625545" y="3281754"/>
+            <a:ext cx="2047219" cy="188511"/>
           </a:xfrm>
           <a:prstGeom prst="rect">
             <a:avLst/>
@@ -8629,8 +8629,8 @@
         </p:nvSpPr>
         <p:spPr>
           <a:xfrm>
-            <a:off x="3013968" y="3474997"/>
-            <a:ext cx="3070830" cy="199611"/>
+            <a:off x="3013968" y="3281754"/>
+            <a:ext cx="3070830" cy="188511"/>
           </a:xfrm>
           <a:prstGeom prst="rect">
             <a:avLst/>
@@ -8762,8 +8762,8 @@
         </p:nvSpPr>
         <p:spPr>
           <a:xfrm>
-            <a:off x="6426000" y="3474997"/>
-            <a:ext cx="2047219" cy="199611"/>
+            <a:off x="6426001" y="3281754"/>
+            <a:ext cx="2047219" cy="188511"/>
           </a:xfrm>
           <a:prstGeom prst="rect">
             <a:avLst/>
@@ -8889,8 +8889,8 @@
         </p:nvSpPr>
         <p:spPr>
           <a:xfrm>
-            <a:off x="626727" y="249955"/>
-            <a:ext cx="2934585" cy="874824"/>
+            <a:off x="626728" y="236055"/>
+            <a:ext cx="2934585" cy="826175"/>
           </a:xfrm>
           <a:prstGeom prst="rect">
             <a:avLst/>
@@ -9029,8 +9029,8 @@
         </p:nvSpPr>
         <p:spPr>
           <a:xfrm>
-            <a:off x="3868164" y="539830"/>
-            <a:ext cx="4606245" cy="2664393"/>
+            <a:off x="3868165" y="509812"/>
+            <a:ext cx="4606245" cy="2516226"/>
           </a:xfrm>
           <a:prstGeom prst="rect">
             <a:avLst/>
@@ -9053,8 +9053,8 @@
         </p:nvSpPr>
         <p:spPr>
           <a:xfrm>
-            <a:off x="626727" y="1124781"/>
-            <a:ext cx="2934585" cy="2083781"/>
+            <a:off x="626728" y="1062234"/>
+            <a:ext cx="2934585" cy="1967902"/>
           </a:xfrm>
           <a:prstGeom prst="rect">
             <a:avLst/>
@@ -9240,8 +9240,8 @@
         </p:nvSpPr>
         <p:spPr>
           <a:xfrm>
-            <a:off x="625543" y="3474997"/>
-            <a:ext cx="2047219" cy="199611"/>
+            <a:off x="625545" y="3281754"/>
+            <a:ext cx="2047219" cy="188511"/>
           </a:xfrm>
           <a:prstGeom prst="rect">
             <a:avLst/>
@@ -9373,8 +9373,8 @@
         </p:nvSpPr>
         <p:spPr>
           <a:xfrm>
-            <a:off x="3013968" y="3474997"/>
-            <a:ext cx="3070830" cy="199611"/>
+            <a:off x="3013968" y="3281754"/>
+            <a:ext cx="3070830" cy="188511"/>
           </a:xfrm>
           <a:prstGeom prst="rect">
             <a:avLst/>
@@ -9506,8 +9506,8 @@
         </p:nvSpPr>
         <p:spPr>
           <a:xfrm>
-            <a:off x="6426000" y="3474997"/>
-            <a:ext cx="2047219" cy="199611"/>
+            <a:off x="6426001" y="3281754"/>
+            <a:ext cx="2047219" cy="188511"/>
           </a:xfrm>
           <a:prstGeom prst="rect">
             <a:avLst/>
@@ -9641,8 +9641,8 @@
         </p:nvSpPr>
         <p:spPr>
           <a:xfrm>
-            <a:off x="625545" y="199616"/>
-            <a:ext cx="7847678" cy="724681"/>
+            <a:off x="625546" y="188518"/>
+            <a:ext cx="7847679" cy="684382"/>
           </a:xfrm>
           <a:prstGeom prst="rect">
             <a:avLst/>
@@ -9789,8 +9789,8 @@
         </p:nvSpPr>
         <p:spPr>
           <a:xfrm>
-            <a:off x="625545" y="998074"/>
-            <a:ext cx="7847678" cy="2378861"/>
+            <a:off x="625546" y="942573"/>
+            <a:ext cx="7847679" cy="2246573"/>
           </a:xfrm>
           <a:prstGeom prst="rect">
             <a:avLst/>
@@ -10057,8 +10057,8 @@
         </p:nvSpPr>
         <p:spPr>
           <a:xfrm>
-            <a:off x="625543" y="3474997"/>
-            <a:ext cx="2047219" cy="199611"/>
+            <a:off x="625545" y="3281754"/>
+            <a:ext cx="2047219" cy="188511"/>
           </a:xfrm>
           <a:prstGeom prst="rect">
             <a:avLst/>
@@ -10262,8 +10262,8 @@
         </p:nvSpPr>
         <p:spPr>
           <a:xfrm>
-            <a:off x="3013968" y="3474997"/>
-            <a:ext cx="3070830" cy="199611"/>
+            <a:off x="3013968" y="3281754"/>
+            <a:ext cx="3070830" cy="188511"/>
           </a:xfrm>
           <a:prstGeom prst="rect">
             <a:avLst/>
@@ -10467,8 +10467,8 @@
         </p:nvSpPr>
         <p:spPr>
           <a:xfrm>
-            <a:off x="6426000" y="3474997"/>
-            <a:ext cx="2047219" cy="199611"/>
+            <a:off x="6426001" y="3281754"/>
+            <a:ext cx="2047219" cy="188511"/>
           </a:xfrm>
           <a:prstGeom prst="rect">
             <a:avLst/>
@@ -11370,8 +11370,8 @@
         </p:nvSpPr>
         <p:spPr>
           <a:xfrm>
-            <a:off x="182709" y="5238115"/>
-            <a:ext cx="2880742" cy="1085850"/>
+            <a:off x="199413" y="4724771"/>
+            <a:ext cx="2880742" cy="1173673"/>
           </a:xfrm>
           <a:prstGeom prst="roundRect">
             <a:avLst>
@@ -11420,7 +11420,7 @@
         </p:nvSpPr>
         <p:spPr>
           <a:xfrm>
-            <a:off x="7667531" y="3947058"/>
+            <a:off x="7677392" y="3653022"/>
             <a:ext cx="4047346" cy="1156130"/>
           </a:xfrm>
           <a:prstGeom prst="roundRect">
@@ -11464,7 +11464,7 @@
         </p:nvSpPr>
         <p:spPr>
           <a:xfrm>
-            <a:off x="3787739" y="30048"/>
+            <a:off x="3792822" y="42044"/>
             <a:ext cx="2734913" cy="435794"/>
           </a:xfrm>
           <a:prstGeom prst="rect">
@@ -11506,7 +11506,7 @@
                   <a:srgbClr val="FF0000"/>
                 </a:solidFill>
               </a:rPr>
-              <a:t>3.5</a:t>
+              <a:t>3.4</a:t>
             </a:r>
             <a:r>
               <a:rPr lang="en-US" altLang="zh-CN" sz="1800" dirty="0"/>
@@ -11530,10 +11530,10 @@
         </p:nvGrpSpPr>
         <p:grpSpPr>
           <a:xfrm>
-            <a:off x="7618288" y="5390839"/>
-            <a:ext cx="4349242" cy="1053279"/>
+            <a:off x="7590224" y="5210599"/>
+            <a:ext cx="4221687" cy="810713"/>
             <a:chOff x="7659350" y="5399121"/>
-            <a:chExt cx="4349242" cy="1053279"/>
+            <a:chExt cx="4221687" cy="810713"/>
           </a:xfrm>
         </p:grpSpPr>
         <p:sp>
@@ -11551,7 +11551,7 @@
           <p:spPr>
             <a:xfrm>
               <a:off x="7659350" y="5399121"/>
-              <a:ext cx="4221687" cy="1053279"/>
+              <a:ext cx="4221687" cy="810713"/>
             </a:xfrm>
             <a:prstGeom prst="roundRect">
               <a:avLst>
@@ -11578,7 +11578,7 @@
               <a:pPr algn="ctr">
                 <a:defRPr/>
               </a:pPr>
-              <a:endParaRPr sz="2628" dirty="0"/>
+              <a:endParaRPr sz="1000" dirty="0"/>
             </a:p>
           </p:txBody>
         </p:sp>
@@ -11596,10 +11596,10 @@
           </p:nvGrpSpPr>
           <p:grpSpPr>
             <a:xfrm>
-              <a:off x="7838521" y="5479558"/>
-              <a:ext cx="4170071" cy="926961"/>
-              <a:chOff x="7572544" y="5463740"/>
-              <a:chExt cx="4170071" cy="926961"/>
+              <a:off x="7775277" y="5412310"/>
+              <a:ext cx="3697523" cy="793856"/>
+              <a:chOff x="7509300" y="5396492"/>
+              <a:chExt cx="3697523" cy="793856"/>
             </a:xfrm>
           </p:grpSpPr>
           <p:grpSp>
@@ -11610,10 +11610,10 @@
             </p:nvGrpSpPr>
             <p:grpSpPr>
               <a:xfrm>
-                <a:off x="7572544" y="5463740"/>
-                <a:ext cx="1628387" cy="926961"/>
-                <a:chOff x="9070376" y="6889950"/>
-                <a:chExt cx="1628387" cy="926961"/>
+                <a:off x="7509300" y="5396492"/>
+                <a:ext cx="1629696" cy="793856"/>
+                <a:chOff x="9007132" y="6822702"/>
+                <a:chExt cx="1629696" cy="793856"/>
               </a:xfrm>
             </p:grpSpPr>
             <p:sp>
@@ -11624,8 +11624,8 @@
               </p:nvSpPr>
               <p:spPr>
                 <a:xfrm>
-                  <a:off x="9070376" y="7590832"/>
-                  <a:ext cx="448071" cy="200298"/>
+                  <a:off x="9007133" y="7387068"/>
+                  <a:ext cx="447840" cy="160990"/>
                 </a:xfrm>
                 <a:prstGeom prst="rect">
                   <a:avLst/>
@@ -11649,7 +11649,7 @@
                   <a:pPr algn="ctr">
                     <a:defRPr/>
                   </a:pPr>
-                  <a:endParaRPr sz="2628" dirty="0"/>
+                  <a:endParaRPr sz="1000" dirty="0"/>
                 </a:p>
               </p:txBody>
             </p:sp>
@@ -11661,8 +11661,8 @@
               </p:nvSpPr>
               <p:spPr>
                 <a:xfrm>
-                  <a:off x="9070376" y="7368468"/>
-                  <a:ext cx="448071" cy="201116"/>
+                  <a:off x="9007132" y="7224132"/>
+                  <a:ext cx="447840" cy="161648"/>
                 </a:xfrm>
                 <a:prstGeom prst="rect">
                   <a:avLst/>
@@ -11686,7 +11686,7 @@
                   <a:pPr algn="ctr">
                     <a:defRPr/>
                   </a:pPr>
-                  <a:endParaRPr sz="2628"/>
+                  <a:endParaRPr sz="1000" dirty="0"/>
                 </a:p>
               </p:txBody>
             </p:sp>
@@ -11698,8 +11698,8 @@
               </p:nvSpPr>
               <p:spPr>
                 <a:xfrm>
-                  <a:off x="9070376" y="7132609"/>
-                  <a:ext cx="448071" cy="217903"/>
+                  <a:off x="9007133" y="7046599"/>
+                  <a:ext cx="447840" cy="175140"/>
                 </a:xfrm>
                 <a:prstGeom prst="rect">
                   <a:avLst/>
@@ -11721,7 +11721,7 @@
                   <a:pPr algn="ctr">
                     <a:defRPr/>
                   </a:pPr>
-                  <a:endParaRPr sz="2628" dirty="0"/>
+                  <a:endParaRPr sz="1000" dirty="0"/>
                 </a:p>
               </p:txBody>
             </p:sp>
@@ -11733,8 +11733,8 @@
               </p:nvSpPr>
               <p:spPr>
                 <a:xfrm flipV="1">
-                  <a:off x="9070376" y="6892694"/>
-                  <a:ext cx="448071" cy="229140"/>
+                  <a:off x="9008672" y="6861948"/>
+                  <a:ext cx="447840" cy="184172"/>
                 </a:xfrm>
                 <a:prstGeom prst="rect">
                   <a:avLst/>
@@ -11758,7 +11758,7 @@
                   <a:pPr algn="ctr">
                     <a:defRPr/>
                   </a:pPr>
-                  <a:endParaRPr sz="2628" dirty="0"/>
+                  <a:endParaRPr sz="1000" dirty="0"/>
                 </a:p>
               </p:txBody>
             </p:sp>
@@ -11770,7 +11770,7 @@
               </p:nvSpPr>
               <p:spPr>
                 <a:xfrm>
-                  <a:off x="9445235" y="7113818"/>
+                  <a:off x="9383300" y="7006841"/>
                   <a:ext cx="1143000" cy="254000"/>
                 </a:xfrm>
                 <a:prstGeom prst="rect">
@@ -11792,7 +11792,7 @@
                     <a:defRPr/>
                   </a:pPr>
                   <a:r>
-                    <a:rPr lang="en-US" sz="1100" dirty="0"/>
+                    <a:rPr lang="en-US" sz="1000" dirty="0"/>
                     <a:t>Action Layer</a:t>
                   </a:r>
                 </a:p>
@@ -11806,7 +11806,7 @@
               </p:nvSpPr>
               <p:spPr>
                 <a:xfrm>
-                  <a:off x="9443579" y="7334357"/>
+                  <a:off x="9381814" y="7192960"/>
                   <a:ext cx="1206500" cy="254000"/>
                 </a:xfrm>
                 <a:prstGeom prst="rect">
@@ -11828,7 +11828,7 @@
                     <a:defRPr/>
                   </a:pPr>
                   <a:r>
-                    <a:rPr lang="en-US" sz="1100" dirty="0"/>
+                    <a:rPr lang="en-US" sz="1000" dirty="0"/>
                     <a:t>Entity Layer</a:t>
                   </a:r>
                 </a:p>
@@ -11842,7 +11842,7 @@
               </p:nvSpPr>
               <p:spPr>
                 <a:xfrm rot="10800000" flipV="1">
-                  <a:off x="9441463" y="7562911"/>
+                  <a:off x="9379528" y="7362558"/>
                   <a:ext cx="1257300" cy="254000"/>
                 </a:xfrm>
                 <a:prstGeom prst="rect">
@@ -11864,7 +11864,7 @@
                     <a:defRPr/>
                   </a:pPr>
                   <a:r>
-                    <a:rPr lang="en-US" sz="1100" dirty="0"/>
+                    <a:rPr lang="en-US" sz="1000" dirty="0"/>
                     <a:t>Mono Scripts</a:t>
                   </a:r>
                 </a:p>
@@ -11878,7 +11878,7 @@
               </p:nvSpPr>
               <p:spPr>
                 <a:xfrm>
-                  <a:off x="9444098" y="6889950"/>
+                  <a:off x="9377930" y="6822702"/>
                   <a:ext cx="900144" cy="254000"/>
                 </a:xfrm>
                 <a:prstGeom prst="rect">
@@ -11900,7 +11900,7 @@
                     <a:defRPr/>
                   </a:pPr>
                   <a:r>
-                    <a:rPr lang="en-US" sz="1100" dirty="0"/>
+                    <a:rPr lang="en-US" sz="1000" dirty="0"/>
                     <a:t>Task Layer</a:t>
                   </a:r>
                 </a:p>
@@ -11921,10 +11921,10 @@
             </p:nvGrpSpPr>
             <p:grpSpPr>
               <a:xfrm>
-                <a:off x="8928918" y="5506047"/>
-                <a:ext cx="2813697" cy="807312"/>
-                <a:chOff x="9132359" y="5554580"/>
-                <a:chExt cx="2813697" cy="807312"/>
+                <a:off x="8755920" y="5412762"/>
+                <a:ext cx="2450903" cy="755157"/>
+                <a:chOff x="8959361" y="5461295"/>
+                <a:chExt cx="2450903" cy="755157"/>
               </a:xfrm>
             </p:grpSpPr>
             <p:grpSp>
@@ -11941,10 +11941,10 @@
               </p:nvGrpSpPr>
               <p:grpSpPr>
                 <a:xfrm>
-                  <a:off x="9148808" y="5554580"/>
-                  <a:ext cx="2333260" cy="555460"/>
-                  <a:chOff x="10759953" y="5814966"/>
-                  <a:chExt cx="2333260" cy="555460"/>
+                  <a:off x="8982302" y="5461295"/>
+                  <a:ext cx="2427962" cy="533423"/>
+                  <a:chOff x="10593447" y="5721681"/>
+                  <a:chExt cx="2427962" cy="533423"/>
                 </a:xfrm>
               </p:grpSpPr>
               <p:pic>
@@ -11969,7 +11969,7 @@
                 </p:blipFill>
                 <p:spPr>
                   <a:xfrm>
-                    <a:off x="10759953" y="5845456"/>
+                    <a:off x="10593447" y="5728619"/>
                     <a:ext cx="223202" cy="218908"/>
                   </a:xfrm>
                   <a:prstGeom prst="rect">
@@ -12003,7 +12003,7 @@
                 </p:blipFill>
                 <p:spPr>
                   <a:xfrm>
-                    <a:off x="11913237" y="6116544"/>
+                    <a:off x="11841433" y="6001222"/>
                     <a:ext cx="223202" cy="223900"/>
                   </a:xfrm>
                   <a:prstGeom prst="rect">
@@ -12037,7 +12037,7 @@
                 </p:blipFill>
                 <p:spPr>
                   <a:xfrm>
-                    <a:off x="11888896" y="5814966"/>
+                    <a:off x="11817092" y="5734826"/>
                     <a:ext cx="223202" cy="250737"/>
                   </a:xfrm>
                   <a:prstGeom prst="roundRect">
@@ -12065,7 +12065,7 @@
                 </p:nvSpPr>
                 <p:spPr>
                   <a:xfrm>
-                    <a:off x="12055120" y="5831589"/>
+                    <a:off x="11983316" y="5751449"/>
                     <a:ext cx="1038093" cy="254000"/>
                   </a:xfrm>
                   <a:prstGeom prst="rect">
@@ -12107,7 +12107,7 @@
                 </p:nvSpPr>
                 <p:spPr>
                   <a:xfrm>
-                    <a:off x="10919827" y="5838518"/>
+                    <a:off x="10753321" y="5721681"/>
                     <a:ext cx="1038093" cy="254000"/>
                   </a:xfrm>
                   <a:prstGeom prst="rect">
@@ -12149,7 +12149,7 @@
                 </p:nvSpPr>
                 <p:spPr>
                   <a:xfrm>
-                    <a:off x="12055120" y="6116426"/>
+                    <a:off x="11983316" y="6001104"/>
                     <a:ext cx="1038093" cy="254000"/>
                   </a:xfrm>
                   <a:prstGeom prst="rect">
@@ -12200,7 +12200,7 @@
               </p:blipFill>
               <p:spPr>
                 <a:xfrm>
-                  <a:off x="9132359" y="5842590"/>
+                  <a:off x="8959361" y="5707450"/>
                   <a:ext cx="241575" cy="241575"/>
                 </a:xfrm>
                 <a:prstGeom prst="rect">
@@ -12226,7 +12226,7 @@
               </p:nvSpPr>
               <p:spPr>
                 <a:xfrm>
-                  <a:off x="9313081" y="5843214"/>
+                  <a:off x="9140083" y="5708074"/>
                   <a:ext cx="1038093" cy="254000"/>
                 </a:xfrm>
                 <a:prstGeom prst="rect">
@@ -12276,8 +12276,8 @@
               </p:blipFill>
               <p:spPr>
                 <a:xfrm>
-                  <a:off x="9474603" y="6098909"/>
-                  <a:ext cx="258174" cy="243852"/>
+                  <a:off x="8989660" y="5978550"/>
+                  <a:ext cx="224230" cy="211791"/>
                 </a:xfrm>
                 <a:prstGeom prst="rect">
                   <a:avLst/>
@@ -12302,8 +12302,8 @@
               </p:nvSpPr>
               <p:spPr>
                 <a:xfrm>
-                  <a:off x="9672299" y="6107892"/>
-                  <a:ext cx="2273757" cy="254000"/>
+                  <a:off x="9129652" y="5962452"/>
+                  <a:ext cx="938158" cy="254000"/>
                 </a:xfrm>
                 <a:prstGeom prst="rect">
                   <a:avLst/>
@@ -12325,7 +12325,7 @@
                   </a:pPr>
                   <a:r>
                     <a:rPr lang="en-US" sz="1000" dirty="0"/>
-                    <a:t>Third Plugin / Package</a:t>
+                    <a:t>Third Plugins</a:t>
                   </a:r>
                 </a:p>
               </p:txBody>
@@ -12333,47 +12333,6 @@
           </p:grpSp>
         </p:grpSp>
       </p:grpSp>
-      <p:cxnSp>
-        <p:nvCxnSpPr>
-          <p:cNvPr id="165" name="直接箭头连接符 164">
-            <a:extLst>
-              <a:ext uri="{FF2B5EF4-FFF2-40B4-BE49-F238E27FC236}">
-                <a16:creationId xmlns:a16="http://schemas.microsoft.com/office/drawing/2014/main" id="{62FB0D83-DEF6-C474-7589-291CAD89C488}"/>
-              </a:ext>
-            </a:extLst>
-          </p:cNvPr>
-          <p:cNvCxnSpPr>
-            <a:cxnSpLocks/>
-          </p:cNvCxnSpPr>
-          <p:nvPr/>
-        </p:nvCxnSpPr>
-        <p:spPr>
-          <a:xfrm>
-            <a:off x="1615333" y="1742707"/>
-            <a:ext cx="0" cy="224003"/>
-          </a:xfrm>
-          <a:prstGeom prst="straightConnector1">
-            <a:avLst/>
-          </a:prstGeom>
-          <a:ln w="31750">
-            <a:tailEnd type="triangle"/>
-          </a:ln>
-        </p:spPr>
-        <p:style>
-          <a:lnRef idx="1">
-            <a:schemeClr val="dk1"/>
-          </a:lnRef>
-          <a:fillRef idx="0">
-            <a:schemeClr val="dk1"/>
-          </a:fillRef>
-          <a:effectRef idx="0">
-            <a:schemeClr val="dk1"/>
-          </a:effectRef>
-          <a:fontRef idx="minor">
-            <a:schemeClr val="tx1"/>
-          </a:fontRef>
-        </p:style>
-      </p:cxnSp>
       <p:sp>
         <p:nvSpPr>
           <p:cNvPr id="183" name="矩形 182">
@@ -12388,7 +12347,7 @@
         </p:nvSpPr>
         <p:spPr>
           <a:xfrm>
-            <a:off x="3410244" y="6092311"/>
+            <a:off x="3410247" y="6119550"/>
             <a:ext cx="3894239" cy="487283"/>
           </a:xfrm>
           <a:prstGeom prst="rect">
@@ -12439,10 +12398,10 @@
         </p:nvGrpSpPr>
         <p:grpSpPr>
           <a:xfrm>
-            <a:off x="3410243" y="5880810"/>
-            <a:ext cx="3919963" cy="535347"/>
-            <a:chOff x="3477260" y="6084078"/>
-            <a:chExt cx="3919963" cy="535347"/>
+            <a:off x="3408779" y="5548044"/>
+            <a:ext cx="3919963" cy="484914"/>
+            <a:chOff x="3477260" y="6097414"/>
+            <a:chExt cx="3919963" cy="484914"/>
           </a:xfrm>
         </p:grpSpPr>
         <p:sp>
@@ -12459,8 +12418,8 @@
           </p:nvSpPr>
           <p:spPr>
             <a:xfrm>
-              <a:off x="3477260" y="6084078"/>
-              <a:ext cx="3919963" cy="535347"/>
+              <a:off x="3477260" y="6148172"/>
+              <a:ext cx="3919963" cy="434156"/>
             </a:xfrm>
             <a:prstGeom prst="rect">
               <a:avLst/>
@@ -12706,7 +12665,7 @@
           </p:nvSpPr>
           <p:spPr>
             <a:xfrm>
-              <a:off x="4711232" y="6097388"/>
+              <a:off x="4584901" y="6097414"/>
               <a:ext cx="955608" cy="256931"/>
             </a:xfrm>
             <a:prstGeom prst="rect">
@@ -12763,7 +12722,7 @@
         </p:nvCxnSpPr>
         <p:spPr>
           <a:xfrm>
-            <a:off x="3206551" y="4940856"/>
+            <a:off x="3211761" y="4988489"/>
             <a:ext cx="203693" cy="0"/>
           </a:xfrm>
           <a:prstGeom prst="straightConnector1">
@@ -12802,10 +12761,10 @@
         </p:nvGrpSpPr>
         <p:grpSpPr>
           <a:xfrm>
-            <a:off x="3553855" y="433958"/>
-            <a:ext cx="3731938" cy="972817"/>
-            <a:chOff x="3374563" y="411776"/>
-            <a:chExt cx="3731938" cy="972817"/>
+            <a:off x="3559392" y="461197"/>
+            <a:ext cx="3726401" cy="919139"/>
+            <a:chOff x="3380100" y="411776"/>
+            <a:chExt cx="3726401" cy="919139"/>
           </a:xfrm>
         </p:grpSpPr>
         <p:sp>
@@ -12854,10 +12813,10 @@
           </p:nvGrpSpPr>
           <p:grpSpPr>
             <a:xfrm>
-              <a:off x="3374563" y="666794"/>
-              <a:ext cx="3628577" cy="717799"/>
-              <a:chOff x="2714660" y="1666473"/>
-              <a:chExt cx="3628577" cy="717799"/>
+              <a:off x="3380100" y="741691"/>
+              <a:ext cx="3652367" cy="568975"/>
+              <a:chOff x="2720197" y="1741370"/>
+              <a:chExt cx="3652367" cy="568975"/>
             </a:xfrm>
           </p:grpSpPr>
           <p:sp>
@@ -12868,7 +12827,7 @@
             </p:nvSpPr>
             <p:spPr>
               <a:xfrm rot="16200000">
-                <a:off x="4151739" y="1580688"/>
+                <a:off x="4194413" y="1652729"/>
                 <a:ext cx="197372" cy="782368"/>
               </a:xfrm>
               <a:prstGeom prst="downArrow">
@@ -12914,7 +12873,7 @@
             </p:nvSpPr>
             <p:spPr>
               <a:xfrm>
-                <a:off x="3520990" y="1666473"/>
+                <a:off x="3619430" y="1741370"/>
                 <a:ext cx="1354969" cy="239218"/>
               </a:xfrm>
               <a:prstGeom prst="rect">
@@ -12955,7 +12914,7 @@
             </p:nvSpPr>
             <p:spPr>
               <a:xfrm>
-                <a:off x="2714660" y="1825227"/>
+                <a:off x="2720197" y="2014879"/>
                 <a:ext cx="1180471" cy="241300"/>
               </a:xfrm>
               <a:prstGeom prst="rect">
@@ -12992,8 +12951,8 @@
             </p:nvSpPr>
             <p:spPr>
               <a:xfrm>
-                <a:off x="4629502" y="1698292"/>
-                <a:ext cx="1713735" cy="685980"/>
+                <a:off x="4658829" y="1937445"/>
+                <a:ext cx="1713735" cy="372900"/>
               </a:xfrm>
               <a:prstGeom prst="rect">
                 <a:avLst/>
@@ -13030,11 +12989,11 @@
                 </a:br>
                 <a:r>
                   <a:rPr lang="en-US" sz="1000" dirty="0"/>
-                  <a:t>(</a:t>
+                  <a:t>(for navigation</a:t>
                 </a:r>
                 <a:r>
                   <a:rPr lang="en-US" altLang="zh-CN" sz="1000" dirty="0"/>
-                  <a:t>facilitates agent navigation in the Unity scene)</a:t>
+                  <a:t>)</a:t>
                 </a:r>
                 <a:endParaRPr lang="en-US" sz="1000" dirty="0"/>
               </a:p>
@@ -13218,7 +13177,7 @@
         </p:nvGrpSpPr>
         <p:grpSpPr>
           <a:xfrm>
-            <a:off x="7647899" y="433854"/>
+            <a:off x="7647902" y="461090"/>
             <a:ext cx="975689" cy="917386"/>
             <a:chOff x="7841246" y="659452"/>
             <a:chExt cx="1573196" cy="1508796"/>
@@ -13655,7 +13614,7 @@
         </p:nvCxnSpPr>
         <p:spPr>
           <a:xfrm flipV="1">
-            <a:off x="7515748" y="1216893"/>
+            <a:off x="7515751" y="1244129"/>
             <a:ext cx="275037" cy="440202"/>
           </a:xfrm>
           <a:prstGeom prst="line">
@@ -13692,7 +13651,7 @@
         </p:nvSpPr>
         <p:spPr>
           <a:xfrm>
-            <a:off x="7330205" y="542931"/>
+            <a:off x="7330205" y="570170"/>
             <a:ext cx="185540" cy="2228331"/>
           </a:xfrm>
           <a:prstGeom prst="rightBrace">
@@ -13747,7 +13706,7 @@
         </p:nvSpPr>
         <p:spPr>
           <a:xfrm rot="771258">
-            <a:off x="8446438" y="847419"/>
+            <a:off x="8446441" y="874658"/>
             <a:ext cx="460945" cy="992775"/>
           </a:xfrm>
           <a:prstGeom prst="curvedRightArrow">
@@ -13798,7 +13757,7 @@
         </p:nvGrpSpPr>
         <p:grpSpPr>
           <a:xfrm>
-            <a:off x="9059401" y="1658536"/>
+            <a:off x="9059404" y="1685775"/>
             <a:ext cx="943913" cy="355365"/>
             <a:chOff x="4692103" y="4907987"/>
             <a:chExt cx="1601074" cy="355365"/>
@@ -13913,7 +13872,7 @@
         </p:nvGrpSpPr>
         <p:grpSpPr>
           <a:xfrm>
-            <a:off x="9098970" y="432251"/>
+            <a:off x="9098970" y="459487"/>
             <a:ext cx="1685552" cy="1029268"/>
             <a:chOff x="8913758" y="1975184"/>
             <a:chExt cx="1685552" cy="1029268"/>
@@ -14356,7 +14315,7 @@
         </p:nvGrpSpPr>
         <p:grpSpPr>
           <a:xfrm>
-            <a:off x="7641770" y="139199"/>
+            <a:off x="7641770" y="166435"/>
             <a:ext cx="3463972" cy="279400"/>
             <a:chOff x="7741716" y="1157582"/>
             <a:chExt cx="3463972" cy="279400"/>
@@ -14518,10 +14477,10 @@
         </p:nvGrpSpPr>
         <p:grpSpPr>
           <a:xfrm>
-            <a:off x="7920993" y="3238003"/>
-            <a:ext cx="1468649" cy="328236"/>
+            <a:off x="7686533" y="3110110"/>
+            <a:ext cx="1564309" cy="328236"/>
             <a:chOff x="4684616" y="5884976"/>
-            <a:chExt cx="3170119" cy="512407"/>
+            <a:chExt cx="3376604" cy="512407"/>
           </a:xfrm>
         </p:grpSpPr>
         <p:sp>
@@ -14532,8 +14491,8 @@
           </p:nvSpPr>
           <p:spPr>
             <a:xfrm>
-              <a:off x="4709637" y="5894252"/>
-              <a:ext cx="3128240" cy="503131"/>
+              <a:off x="4709638" y="5894252"/>
+              <a:ext cx="3351582" cy="503131"/>
             </a:xfrm>
             <a:prstGeom prst="roundRect">
               <a:avLst>
@@ -14624,7 +14583,7 @@
         </p:nvSpPr>
         <p:spPr>
           <a:xfrm>
-            <a:off x="8736335" y="1398264"/>
+            <a:off x="8736338" y="1425500"/>
             <a:ext cx="2343177" cy="264716"/>
           </a:xfrm>
           <a:prstGeom prst="rect">
@@ -14659,7 +14618,7 @@
         </p:nvSpPr>
         <p:spPr>
           <a:xfrm>
-            <a:off x="9062291" y="2898778"/>
+            <a:off x="9036007" y="2780800"/>
             <a:ext cx="214835" cy="290428"/>
           </a:xfrm>
           <a:prstGeom prst="downArrow">
@@ -14711,8 +14670,8 @@
         </p:nvSpPr>
         <p:spPr>
           <a:xfrm>
-            <a:off x="7563106" y="121848"/>
-            <a:ext cx="4351724" cy="5063067"/>
+            <a:off x="7563106" y="149085"/>
+            <a:ext cx="4351724" cy="4764606"/>
           </a:xfrm>
           <a:prstGeom prst="roundRect">
             <a:avLst>
@@ -14755,7 +14714,7 @@
         </p:nvGrpSpPr>
         <p:grpSpPr>
           <a:xfrm>
-            <a:off x="9104125" y="4065145"/>
+            <a:off x="9081905" y="3754962"/>
             <a:ext cx="2426712" cy="973427"/>
             <a:chOff x="8543838" y="3093823"/>
             <a:chExt cx="2426712" cy="973427"/>
@@ -15201,7 +15160,7 @@
         </p:nvGrpSpPr>
         <p:grpSpPr>
           <a:xfrm>
-            <a:off x="7896051" y="3999183"/>
+            <a:off x="7805147" y="3755553"/>
             <a:ext cx="1261461" cy="964593"/>
             <a:chOff x="10984860" y="3003295"/>
             <a:chExt cx="1261461" cy="964593"/>
@@ -15496,7 +15455,7 @@
         </p:nvSpPr>
         <p:spPr>
           <a:xfrm>
-            <a:off x="9311211" y="3034052"/>
+            <a:off x="9218167" y="2943875"/>
             <a:ext cx="614902" cy="264716"/>
           </a:xfrm>
           <a:prstGeom prst="rect">
@@ -15531,7 +15490,7 @@
         </p:nvSpPr>
         <p:spPr>
           <a:xfrm>
-            <a:off x="7667530" y="2823289"/>
+            <a:off x="7616314" y="2706495"/>
             <a:ext cx="1468648" cy="436003"/>
           </a:xfrm>
           <a:prstGeom prst="rect">
@@ -15576,16 +15535,16 @@
         </p:nvSpPr>
         <p:spPr>
           <a:xfrm rot="16200000" flipV="1">
-            <a:off x="9886800" y="1676803"/>
-            <a:ext cx="2888209" cy="675414"/>
+            <a:off x="9879773" y="1576841"/>
+            <a:ext cx="2750159" cy="675414"/>
           </a:xfrm>
           <a:prstGeom prst="uturnArrow">
             <a:avLst>
               <a:gd name="adj1" fmla="val 22202"/>
-              <a:gd name="adj2" fmla="val 20439"/>
+              <a:gd name="adj2" fmla="val 21379"/>
               <a:gd name="adj3" fmla="val 35578"/>
               <a:gd name="adj4" fmla="val 61599"/>
-              <a:gd name="adj5" fmla="val 98117"/>
+              <a:gd name="adj5" fmla="val 100000"/>
             </a:avLst>
           </a:prstGeom>
         </p:spPr>
@@ -15630,7 +15589,7 @@
         </p:nvSpPr>
         <p:spPr>
           <a:xfrm rot="16200000">
-            <a:off x="9538214" y="3222990"/>
+            <a:off x="9408057" y="3077583"/>
             <a:ext cx="220337" cy="365685"/>
           </a:xfrm>
           <a:prstGeom prst="downArrow">
@@ -15682,7 +15641,7 @@
         </p:nvSpPr>
         <p:spPr>
           <a:xfrm rot="5400000">
-            <a:off x="11089156" y="2171715"/>
+            <a:off x="11038252" y="1938220"/>
             <a:ext cx="1405133" cy="249144"/>
           </a:xfrm>
           <a:prstGeom prst="rect">
@@ -15740,13 +15699,13 @@
         </p:nvSpPr>
         <p:spPr>
           <a:xfrm rot="10800000">
-            <a:off x="3410241" y="36260"/>
-            <a:ext cx="8597022" cy="5262383"/>
+            <a:off x="3410241" y="63495"/>
+            <a:ext cx="8597022" cy="4995204"/>
           </a:xfrm>
           <a:prstGeom prst="corner">
             <a:avLst>
-              <a:gd name="adj1" fmla="val 54623"/>
-              <a:gd name="adj2" fmla="val 86902"/>
+              <a:gd name="adj1" fmla="val 58018"/>
+              <a:gd name="adj2" fmla="val 90967"/>
             </a:avLst>
           </a:prstGeom>
           <a:noFill/>
@@ -15796,7 +15755,7 @@
         </p:nvGrpSpPr>
         <p:grpSpPr>
           <a:xfrm>
-            <a:off x="3560433" y="1437761"/>
+            <a:off x="3560436" y="1464997"/>
             <a:ext cx="4051401" cy="1358054"/>
             <a:chOff x="3390598" y="1821226"/>
             <a:chExt cx="4051401" cy="1358054"/>
@@ -16672,10 +16631,10 @@
         </p:nvGrpSpPr>
         <p:grpSpPr>
           <a:xfrm>
-            <a:off x="103120" y="30048"/>
-            <a:ext cx="3138892" cy="1691446"/>
-            <a:chOff x="284091" y="82793"/>
-            <a:chExt cx="3138892" cy="1691446"/>
+            <a:off x="126875" y="41149"/>
+            <a:ext cx="3079879" cy="2581123"/>
+            <a:chOff x="249387" y="-216579"/>
+            <a:chExt cx="3079879" cy="2581123"/>
           </a:xfrm>
         </p:grpSpPr>
         <p:sp>
@@ -16686,8 +16645,8 @@
           </p:nvSpPr>
           <p:spPr>
             <a:xfrm>
-              <a:off x="284091" y="82793"/>
-              <a:ext cx="3079879" cy="1691446"/>
+              <a:off x="249387" y="-201014"/>
+              <a:ext cx="3079879" cy="2565558"/>
             </a:xfrm>
             <a:prstGeom prst="roundRect">
               <a:avLst>
@@ -16695,7 +16654,7 @@
               </a:avLst>
             </a:prstGeom>
             <a:noFill/>
-            <a:ln w="25400" cap="flat">
+            <a:ln w="28575" cap="flat">
               <a:solidFill>
                 <a:srgbClr val="000000">
                   <a:alpha val="100000"/>
@@ -16725,8 +16684,8 @@
           </p:nvSpPr>
           <p:spPr>
             <a:xfrm>
-              <a:off x="594060" y="99428"/>
-              <a:ext cx="2828923" cy="450974"/>
+              <a:off x="587508" y="-216579"/>
+              <a:ext cx="2392237" cy="649513"/>
             </a:xfrm>
             <a:prstGeom prst="rect">
               <a:avLst/>
@@ -16750,6 +16709,15 @@
                 <a:rPr lang="en-US" sz="1800" b="1" dirty="0"/>
                 <a:t>Project Collection </a:t>
               </a:r>
+            </a:p>
+            <a:p>
+              <a:pPr>
+                <a:defRPr/>
+              </a:pPr>
+              <a:r>
+                <a:rPr lang="en-US" sz="1800" b="1" dirty="0"/>
+                <a:t>&amp; Analysis </a:t>
+              </a:r>
               <a:r>
                 <a:rPr lang="en-US" sz="1800" dirty="0"/>
                 <a:t>(</a:t>
@@ -16764,7 +16732,7 @@
                     <a:srgbClr val="FF0000"/>
                   </a:solidFill>
                 </a:rPr>
-                <a:t>3.2</a:t>
+                <a:t>3.1</a:t>
               </a:r>
               <a:r>
                 <a:rPr lang="en-US" sz="1800" dirty="0"/>
@@ -16782,10 +16750,10 @@
           </p:nvGrpSpPr>
           <p:grpSpPr>
             <a:xfrm>
-              <a:off x="386314" y="520721"/>
-              <a:ext cx="1330954" cy="435256"/>
-              <a:chOff x="785431" y="1618545"/>
-              <a:chExt cx="1330954" cy="363206"/>
+              <a:off x="386315" y="520719"/>
+              <a:ext cx="1330953" cy="435256"/>
+              <a:chOff x="785432" y="1618543"/>
+              <a:chExt cx="1330953" cy="363206"/>
             </a:xfrm>
           </p:grpSpPr>
           <p:sp>
@@ -16796,8 +16764,8 @@
             </p:nvSpPr>
             <p:spPr>
               <a:xfrm>
-                <a:off x="785431" y="1618545"/>
-                <a:ext cx="1291269" cy="363206"/>
+                <a:off x="785432" y="1618543"/>
+                <a:ext cx="1232820" cy="363206"/>
               </a:xfrm>
               <a:prstGeom prst="roundRect">
                 <a:avLst>
@@ -16916,10 +16884,10 @@
           </p:nvGrpSpPr>
           <p:grpSpPr>
             <a:xfrm>
-              <a:off x="1708764" y="542451"/>
-              <a:ext cx="1289863" cy="333568"/>
-              <a:chOff x="459754" y="825065"/>
-              <a:chExt cx="1289863" cy="278352"/>
+              <a:off x="1708045" y="364467"/>
+              <a:ext cx="1194344" cy="513936"/>
+              <a:chOff x="459035" y="676544"/>
+              <a:chExt cx="1194344" cy="428864"/>
             </a:xfrm>
           </p:grpSpPr>
           <p:sp>
@@ -16930,7 +16898,7 @@
             </p:nvSpPr>
             <p:spPr>
               <a:xfrm rot="17300012">
-                <a:off x="506205" y="899995"/>
+                <a:off x="505486" y="901986"/>
                 <a:ext cx="156971" cy="249873"/>
               </a:xfrm>
               <a:prstGeom prst="downArrow">
@@ -16964,7 +16932,7 @@
                 <a:pPr algn="ctr">
                   <a:defRPr/>
                 </a:pPr>
-                <a:endParaRPr sz="2628"/>
+                <a:endParaRPr sz="2628" dirty="0"/>
               </a:p>
             </p:txBody>
           </p:sp>
@@ -16976,8 +16944,8 @@
             </p:nvSpPr>
             <p:spPr>
               <a:xfrm>
-                <a:off x="625218" y="825065"/>
-                <a:ext cx="1124399" cy="192941"/>
+                <a:off x="596338" y="676544"/>
+                <a:ext cx="1057041" cy="371372"/>
               </a:xfrm>
               <a:prstGeom prst="rect">
                 <a:avLst/>
@@ -16997,6 +16965,10 @@
                 <a:pPr>
                   <a:defRPr/>
                 </a:pPr>
+                <a:r>
+                  <a:rPr lang="en-US" altLang="zh-CN" sz="1050" dirty="0"/>
+                  <a:t>Search By </a:t>
+                </a:r>
                 <a:r>
                   <a:rPr lang="en-US" sz="1050" dirty="0"/>
                   <a:t>Tags &amp; Topics</a:t>
@@ -17020,10 +16992,10 @@
           </p:nvGrpSpPr>
           <p:grpSpPr>
             <a:xfrm>
-              <a:off x="1992603" y="787201"/>
-              <a:ext cx="1277675" cy="429655"/>
-              <a:chOff x="617580" y="1475638"/>
-              <a:chExt cx="1277675" cy="429655"/>
+              <a:off x="1992605" y="787201"/>
+              <a:ext cx="1258368" cy="429655"/>
+              <a:chOff x="617582" y="1475638"/>
+              <a:chExt cx="1258368" cy="429655"/>
             </a:xfrm>
           </p:grpSpPr>
           <p:grpSp>
@@ -17034,10 +17006,10 @@
             </p:nvGrpSpPr>
             <p:grpSpPr>
               <a:xfrm>
-                <a:off x="617580" y="1475638"/>
-                <a:ext cx="1277675" cy="429655"/>
-                <a:chOff x="616844" y="2329864"/>
-                <a:chExt cx="803920" cy="444893"/>
+                <a:off x="617582" y="1475638"/>
+                <a:ext cx="1258368" cy="429655"/>
+                <a:chOff x="616845" y="2329864"/>
+                <a:chExt cx="791772" cy="444893"/>
               </a:xfrm>
             </p:grpSpPr>
             <p:sp>
@@ -17048,8 +17020,8 @@
               </p:nvSpPr>
               <p:spPr>
                 <a:xfrm>
-                  <a:off x="616844" y="2329864"/>
-                  <a:ext cx="803920" cy="429942"/>
+                  <a:off x="616845" y="2329864"/>
+                  <a:ext cx="770744" cy="429942"/>
                 </a:xfrm>
                 <a:prstGeom prst="roundRect">
                   <a:avLst>
@@ -17119,7 +17091,7 @@
                   </a:pPr>
                   <a:r>
                     <a:rPr lang="en-US" sz="1000" dirty="0"/>
-                    <a:t>Projects</a:t>
+                    <a:t>VR Projects</a:t>
                   </a:r>
                 </a:p>
               </p:txBody>
@@ -17143,7 +17115,7 @@
             <p:spPr>
               <a:xfrm>
                 <a:off x="672440" y="1521725"/>
-                <a:ext cx="281172" cy="338094"/>
+                <a:ext cx="230750" cy="277464"/>
               </a:xfrm>
               <a:prstGeom prst="rect">
                 <a:avLst/>
@@ -17155,354 +17127,7 @@
             </p:spPr>
           </p:pic>
         </p:grpSp>
-        <p:grpSp>
-          <p:nvGrpSpPr>
-            <p:cNvPr id="152" name="组合 151">
-              <a:extLst>
-                <a:ext uri="{FF2B5EF4-FFF2-40B4-BE49-F238E27FC236}">
-                  <a16:creationId xmlns:a16="http://schemas.microsoft.com/office/drawing/2014/main" id="{D271149E-5CB0-86A2-D6E6-0FA33E27CBAF}"/>
-                </a:ext>
-              </a:extLst>
-            </p:cNvPr>
-            <p:cNvGrpSpPr/>
-            <p:nvPr/>
-          </p:nvGrpSpPr>
-          <p:grpSpPr>
-            <a:xfrm>
-              <a:off x="364393" y="1193179"/>
-              <a:ext cx="1408195" cy="466052"/>
-              <a:chOff x="958006" y="2183146"/>
-              <a:chExt cx="1363977" cy="388904"/>
-            </a:xfrm>
-          </p:grpSpPr>
-          <p:grpSp>
-            <p:nvGrpSpPr>
-              <p:cNvPr id="20" name="Group 20"/>
-              <p:cNvGrpSpPr/>
-              <p:nvPr/>
-            </p:nvGrpSpPr>
-            <p:grpSpPr>
-              <a:xfrm>
-                <a:off x="958006" y="2183146"/>
-                <a:ext cx="1363977" cy="388904"/>
-                <a:chOff x="612132" y="3167433"/>
-                <a:chExt cx="1033664" cy="442796"/>
-              </a:xfrm>
-            </p:grpSpPr>
-            <p:sp>
-              <p:nvSpPr>
-                <p:cNvPr id="21" name="AutoShape 21"/>
-                <p:cNvSpPr/>
-                <p:nvPr/>
-              </p:nvSpPr>
-              <p:spPr>
-                <a:xfrm>
-                  <a:off x="612132" y="3167433"/>
-                  <a:ext cx="978200" cy="442796"/>
-                </a:xfrm>
-                <a:prstGeom prst="roundRect">
-                  <a:avLst>
-                    <a:gd name="adj" fmla="val 6802"/>
-                  </a:avLst>
-                </a:prstGeom>
-                <a:noFill/>
-                <a:ln w="25400" cap="flat">
-                  <a:solidFill>
-                    <a:srgbClr val="262626">
-                      <a:alpha val="100000"/>
-                    </a:srgbClr>
-                  </a:solidFill>
-                  <a:prstDash val="solid"/>
-                </a:ln>
-              </p:spPr>
-              <p:txBody>
-                <a:bodyPr lIns="91440" tIns="45720" rIns="91440" bIns="45720" rtlCol="0" anchor="ctr">
-                  <a:noAutofit/>
-                </a:bodyPr>
-                <a:lstStyle/>
-                <a:p>
-                  <a:pPr algn="ctr">
-                    <a:defRPr/>
-                  </a:pPr>
-                  <a:endParaRPr sz="2628"/>
-                </a:p>
-              </p:txBody>
-            </p:sp>
-            <p:sp>
-              <p:nvSpPr>
-                <p:cNvPr id="22" name="AutoShape 22"/>
-                <p:cNvSpPr/>
-                <p:nvPr/>
-              </p:nvSpPr>
-              <p:spPr>
-                <a:xfrm>
-                  <a:off x="752336" y="3204895"/>
-                  <a:ext cx="893460" cy="331760"/>
-                </a:xfrm>
-                <a:prstGeom prst="rect">
-                  <a:avLst/>
-                </a:prstGeom>
-                <a:noFill/>
-                <a:ln w="12700">
-                  <a:noFill/>
-                  <a:prstDash val="solid"/>
-                </a:ln>
-              </p:spPr>
-              <p:txBody>
-                <a:bodyPr lIns="91440" tIns="45720" rIns="91440" bIns="45720" rtlCol="0" anchor="t">
-                  <a:noAutofit/>
-                </a:bodyPr>
-                <a:lstStyle/>
-                <a:p>
-                  <a:pPr algn="ctr">
-                    <a:defRPr/>
-                  </a:pPr>
-                  <a:r>
-                    <a:rPr lang="en-US" altLang="zh-CN" sz="1100" dirty="0">
-                      <a:latin typeface="PingFang SC"/>
-                    </a:rPr>
-                    <a:t>High-Quality </a:t>
-                  </a:r>
-                  <a:r>
-                    <a:rPr lang="en-US" sz="1000" dirty="0"/>
-                    <a:t>Unity VR Projects</a:t>
-                  </a:r>
-                </a:p>
-              </p:txBody>
-            </p:sp>
-          </p:grpSp>
-          <p:grpSp>
-            <p:nvGrpSpPr>
-              <p:cNvPr id="23" name="Group 23"/>
-              <p:cNvGrpSpPr/>
-              <p:nvPr/>
-            </p:nvGrpSpPr>
-            <p:grpSpPr>
-              <a:xfrm>
-                <a:off x="998790" y="2226554"/>
-                <a:ext cx="299348" cy="305803"/>
-                <a:chOff x="864788" y="3180275"/>
-                <a:chExt cx="354124" cy="379454"/>
-              </a:xfrm>
-            </p:grpSpPr>
-            <p:pic>
-              <p:nvPicPr>
-                <p:cNvPr id="24" name="Picture 24"/>
-                <p:cNvPicPr>
-                  <a:picLocks noChangeAspect="1"/>
-                </p:cNvPicPr>
-                <p:nvPr/>
-              </p:nvPicPr>
-              <p:blipFill>
-                <a:blip r:embed="rId12"/>
-                <a:srcRect/>
-                <a:stretch>
-                  <a:fillRect/>
-                </a:stretch>
-              </p:blipFill>
-              <p:spPr>
-                <a:xfrm>
-                  <a:off x="864788" y="3180275"/>
-                  <a:ext cx="268277" cy="297285"/>
-                </a:xfrm>
-                <a:prstGeom prst="rect">
-                  <a:avLst/>
-                </a:prstGeom>
-                <a:ln w="12700">
-                  <a:noFill/>
-                  <a:prstDash val="solid"/>
-                </a:ln>
-              </p:spPr>
-            </p:pic>
-            <p:pic>
-              <p:nvPicPr>
-                <p:cNvPr id="25" name="Picture 25"/>
-                <p:cNvPicPr>
-                  <a:picLocks noChangeAspect="1"/>
-                </p:cNvPicPr>
-                <p:nvPr/>
-              </p:nvPicPr>
-              <p:blipFill>
-                <a:blip r:embed="rId13"/>
-                <a:srcRect/>
-                <a:stretch>
-                  <a:fillRect/>
-                </a:stretch>
-              </p:blipFill>
-              <p:spPr>
-                <a:xfrm>
-                  <a:off x="1067782" y="3420134"/>
-                  <a:ext cx="151130" cy="139595"/>
-                </a:xfrm>
-                <a:prstGeom prst="rect">
-                  <a:avLst/>
-                </a:prstGeom>
-                <a:ln w="12700">
-                  <a:noFill/>
-                  <a:prstDash val="solid"/>
-                </a:ln>
-              </p:spPr>
-            </p:pic>
-          </p:grpSp>
-        </p:grpSp>
-        <p:grpSp>
-          <p:nvGrpSpPr>
-            <p:cNvPr id="403" name="组合 402">
-              <a:extLst>
-                <a:ext uri="{FF2B5EF4-FFF2-40B4-BE49-F238E27FC236}">
-                  <a16:creationId xmlns:a16="http://schemas.microsoft.com/office/drawing/2014/main" id="{D7AC422A-37F5-6B69-8EA7-C6646050DF6C}"/>
-                </a:ext>
-              </a:extLst>
-            </p:cNvPr>
-            <p:cNvGrpSpPr/>
-            <p:nvPr/>
-          </p:nvGrpSpPr>
-          <p:grpSpPr>
-            <a:xfrm>
-              <a:off x="1701732" y="1066732"/>
-              <a:ext cx="1522315" cy="545525"/>
-              <a:chOff x="1705566" y="1138684"/>
-              <a:chExt cx="1522315" cy="545525"/>
-            </a:xfrm>
-          </p:grpSpPr>
-          <p:sp>
-            <p:nvSpPr>
-              <p:cNvPr id="26" name="AutoShape 26"/>
-              <p:cNvSpPr/>
-              <p:nvPr/>
-            </p:nvSpPr>
-            <p:spPr>
-              <a:xfrm>
-                <a:off x="1881123" y="1319700"/>
-                <a:ext cx="1346758" cy="364509"/>
-              </a:xfrm>
-              <a:prstGeom prst="rect">
-                <a:avLst/>
-              </a:prstGeom>
-              <a:noFill/>
-              <a:ln w="12700">
-                <a:noFill/>
-                <a:prstDash val="solid"/>
-              </a:ln>
-            </p:spPr>
-            <p:txBody>
-              <a:bodyPr lIns="91440" tIns="45720" rIns="91440" bIns="45720" rtlCol="0" anchor="t">
-                <a:noAutofit/>
-              </a:bodyPr>
-              <a:lstStyle/>
-              <a:p>
-                <a:pPr algn="ctr">
-                  <a:defRPr/>
-                </a:pPr>
-                <a:r>
-                  <a:rPr lang="en-US" sz="900" dirty="0"/>
-                  <a:t>Manifest Validation </a:t>
-                </a:r>
-              </a:p>
-              <a:p>
-                <a:pPr algn="ctr">
-                  <a:defRPr/>
-                </a:pPr>
-                <a:r>
-                  <a:rPr lang="en-US" sz="900" dirty="0"/>
-                  <a:t>&amp; Manual Check</a:t>
-                </a:r>
-              </a:p>
-            </p:txBody>
-          </p:sp>
-          <p:sp>
-            <p:nvSpPr>
-              <p:cNvPr id="151" name="AutoShape 14">
-                <a:extLst>
-                  <a:ext uri="{FF2B5EF4-FFF2-40B4-BE49-F238E27FC236}">
-                    <a16:creationId xmlns:a16="http://schemas.microsoft.com/office/drawing/2014/main" id="{89C2273E-930C-30A8-E16A-F7FC10547CA0}"/>
-                  </a:ext>
-                </a:extLst>
-              </p:cNvPr>
-              <p:cNvSpPr/>
-              <p:nvPr/>
-            </p:nvSpPr>
-            <p:spPr>
-              <a:xfrm rot="4073570">
-                <a:off x="1727442" y="1116808"/>
-                <a:ext cx="195722" cy="239474"/>
-              </a:xfrm>
-              <a:prstGeom prst="downArrow">
-                <a:avLst>
-                  <a:gd name="adj1" fmla="val 50000"/>
-                  <a:gd name="adj2" fmla="val 50000"/>
-                </a:avLst>
-              </a:prstGeom>
-              <a:ln/>
-            </p:spPr>
-            <p:style>
-              <a:lnRef idx="1">
-                <a:schemeClr val="dk1"/>
-              </a:lnRef>
-              <a:fillRef idx="2">
-                <a:schemeClr val="dk1"/>
-              </a:fillRef>
-              <a:effectRef idx="1">
-                <a:schemeClr val="dk1"/>
-              </a:effectRef>
-              <a:fontRef idx="minor">
-                <a:schemeClr val="dk1"/>
-              </a:fontRef>
-            </p:style>
-            <p:txBody>
-              <a:bodyPr lIns="91440" tIns="45720" rIns="35559" bIns="45720" rtlCol="0" anchor="ctr">
-                <a:noAutofit/>
-              </a:bodyPr>
-              <a:lstStyle/>
-              <a:p>
-                <a:pPr algn="ctr">
-                  <a:defRPr/>
-                </a:pPr>
-                <a:endParaRPr sz="2628" dirty="0"/>
-              </a:p>
-            </p:txBody>
-          </p:sp>
-        </p:grpSp>
       </p:grpSp>
-      <p:sp>
-        <p:nvSpPr>
-          <p:cNvPr id="5" name="AutoShape 5"/>
-          <p:cNvSpPr/>
-          <p:nvPr/>
-        </p:nvSpPr>
-        <p:spPr>
-          <a:xfrm>
-            <a:off x="126669" y="1966707"/>
-            <a:ext cx="3079880" cy="1353622"/>
-          </a:xfrm>
-          <a:prstGeom prst="roundRect">
-            <a:avLst>
-              <a:gd name="adj" fmla="val 0"/>
-            </a:avLst>
-          </a:prstGeom>
-          <a:noFill/>
-          <a:ln w="25400" cap="flat">
-            <a:solidFill>
-              <a:srgbClr val="000000">
-                <a:alpha val="100000"/>
-              </a:srgbClr>
-            </a:solidFill>
-            <a:prstDash val="dash"/>
-          </a:ln>
-        </p:spPr>
-        <p:txBody>
-          <a:bodyPr lIns="91440" tIns="45720" rIns="91440" bIns="45720" rtlCol="0" anchor="ctr">
-            <a:noAutofit/>
-          </a:bodyPr>
-          <a:lstStyle/>
-          <a:p>
-            <a:pPr algn="ctr">
-              <a:defRPr/>
-            </a:pPr>
-            <a:endParaRPr sz="2628" dirty="0"/>
-          </a:p>
-        </p:txBody>
-      </p:sp>
       <p:grpSp>
         <p:nvGrpSpPr>
           <p:cNvPr id="269" name="组合 268">
@@ -17517,10 +17142,10 @@
         </p:nvGrpSpPr>
         <p:grpSpPr>
           <a:xfrm>
-            <a:off x="321193" y="2332820"/>
-            <a:ext cx="1319306" cy="873207"/>
-            <a:chOff x="2849604" y="5857387"/>
-            <a:chExt cx="2280543" cy="1323090"/>
+            <a:off x="259880" y="1620958"/>
+            <a:ext cx="1480772" cy="836475"/>
+            <a:chOff x="2849604" y="5935875"/>
+            <a:chExt cx="2559652" cy="1267433"/>
           </a:xfrm>
         </p:grpSpPr>
         <p:sp>
@@ -17531,8 +17156,8 @@
           </p:nvSpPr>
           <p:spPr>
             <a:xfrm>
-              <a:off x="2849604" y="5857387"/>
-              <a:ext cx="2280543" cy="1323090"/>
+              <a:off x="2849604" y="5935875"/>
+              <a:ext cx="2088674" cy="1267433"/>
             </a:xfrm>
             <a:prstGeom prst="roundRect">
               <a:avLst>
@@ -17575,8 +17200,8 @@
           </p:nvSpPr>
           <p:spPr>
             <a:xfrm>
-              <a:off x="2905555" y="5889988"/>
-              <a:ext cx="1943628" cy="215899"/>
+              <a:off x="3448537" y="5937641"/>
+              <a:ext cx="1960719" cy="256728"/>
             </a:xfrm>
             <a:prstGeom prst="rect">
               <a:avLst/>
@@ -17606,14 +17231,6 @@
                   </a:solidFill>
                 </a:rPr>
                 <a:t>Hierarchy</a:t>
-              </a:r>
-              <a:r>
-                <a:rPr lang="en-US" sz="1050" dirty="0">
-                  <a:solidFill>
-                    <a:srgbClr val="1F2329"/>
-                  </a:solidFill>
-                </a:rPr>
-                <a:t> Analysis</a:t>
               </a:r>
               <a:endParaRPr lang="en-US" sz="1050" dirty="0"/>
             </a:p>
@@ -18083,10 +17700,10 @@
         </p:nvGrpSpPr>
         <p:grpSpPr>
           <a:xfrm>
-            <a:off x="1753463" y="2413230"/>
-            <a:ext cx="1320333" cy="710715"/>
+            <a:off x="1843690" y="1850959"/>
+            <a:ext cx="1289150" cy="710715"/>
             <a:chOff x="201783" y="7309654"/>
-            <a:chExt cx="1214093" cy="429113"/>
+            <a:chExt cx="1185419" cy="429113"/>
           </a:xfrm>
         </p:grpSpPr>
         <p:grpSp>
@@ -18104,9 +17721,9 @@
           <p:grpSpPr>
             <a:xfrm>
               <a:off x="201783" y="7326304"/>
-              <a:ext cx="1214093" cy="412463"/>
+              <a:ext cx="1157836" cy="412463"/>
               <a:chOff x="201783" y="7326304"/>
-              <a:chExt cx="1214093" cy="412463"/>
+              <a:chExt cx="1157836" cy="412463"/>
             </a:xfrm>
           </p:grpSpPr>
           <p:sp>
@@ -18124,7 +17741,7 @@
             <p:spPr>
               <a:xfrm>
                 <a:off x="201783" y="7326304"/>
-                <a:ext cx="1214093" cy="412463"/>
+                <a:ext cx="1157836" cy="412463"/>
               </a:xfrm>
               <a:prstGeom prst="roundRect">
                 <a:avLst>
@@ -18271,76 +17888,13 @@
                     <a:srgbClr val="1F2329"/>
                   </a:solidFill>
                 </a:rPr>
-                <a:t>Game Logic Code &amp; Third Plugin Analysis</a:t>
+                <a:t>Core Logic Code &amp; Third Plugin Analysis</a:t>
               </a:r>
               <a:endParaRPr lang="en-US" sz="1000" dirty="0"/>
             </a:p>
           </p:txBody>
         </p:sp>
       </p:grpSp>
-      <p:sp>
-        <p:nvSpPr>
-          <p:cNvPr id="7" name="AutoShape 28">
-            <a:extLst>
-              <a:ext uri="{FF2B5EF4-FFF2-40B4-BE49-F238E27FC236}">
-                <a16:creationId xmlns:a16="http://schemas.microsoft.com/office/drawing/2014/main" id="{9781817E-0082-D7E5-3A93-00E0D120032F}"/>
-              </a:ext>
-            </a:extLst>
-          </p:cNvPr>
-          <p:cNvSpPr/>
-          <p:nvPr/>
-        </p:nvSpPr>
-        <p:spPr>
-          <a:xfrm>
-            <a:off x="242936" y="1976744"/>
-            <a:ext cx="2847693" cy="335688"/>
-          </a:xfrm>
-          <a:prstGeom prst="rect">
-            <a:avLst/>
-          </a:prstGeom>
-          <a:noFill/>
-          <a:ln w="12700">
-            <a:noFill/>
-            <a:prstDash val="solid"/>
-          </a:ln>
-        </p:spPr>
-        <p:txBody>
-          <a:bodyPr lIns="91440" tIns="45720" rIns="91440" bIns="45720" rtlCol="0" anchor="t">
-            <a:noAutofit/>
-          </a:bodyPr>
-          <a:lstStyle/>
-          <a:p>
-            <a:pPr>
-              <a:defRPr/>
-            </a:pPr>
-            <a:r>
-              <a:rPr lang="en-US" altLang="zh-CN" sz="1800" b="1" dirty="0">
-                <a:solidFill>
-                  <a:srgbClr val="1F2329"/>
-                </a:solidFill>
-              </a:rPr>
-              <a:t>   Project Analysis </a:t>
-            </a:r>
-            <a:r>
-              <a:rPr lang="en-US" altLang="zh-CN" sz="1800" dirty="0"/>
-              <a:t>(§</a:t>
-            </a:r>
-            <a:r>
-              <a:rPr lang="en-US" altLang="zh-CN" sz="1800" dirty="0">
-                <a:solidFill>
-                  <a:srgbClr val="FF0000"/>
-                </a:solidFill>
-              </a:rPr>
-              <a:t>3.2</a:t>
-            </a:r>
-            <a:r>
-              <a:rPr lang="en-US" altLang="zh-CN" sz="1800" dirty="0"/>
-              <a:t>) </a:t>
-            </a:r>
-            <a:endParaRPr lang="en-US" sz="1800" dirty="0"/>
-          </a:p>
-        </p:txBody>
-      </p:sp>
       <p:graphicFrame>
         <p:nvGraphicFramePr>
           <p:cNvPr id="228" name="表格 227">
@@ -18356,13 +17910,13 @@
           <p:nvPr>
             <p:extLst>
               <p:ext uri="{D42A27DB-BD31-4B8C-83A1-F6EECF244321}">
-                <p14:modId xmlns:p14="http://schemas.microsoft.com/office/powerpoint/2010/main" val="3983120215"/>
+                <p14:modId xmlns:p14="http://schemas.microsoft.com/office/powerpoint/2010/main" val="976347014"/>
               </p:ext>
             </p:extLst>
           </p:nvPr>
         </p:nvGraphicFramePr>
         <p:xfrm>
-          <a:off x="1745471" y="5442794"/>
+          <a:off x="1762178" y="5017273"/>
           <a:ext cx="1204349" cy="798634"/>
         </p:xfrm>
         <a:graphic>
@@ -18517,7 +18071,7 @@
         </p:nvSpPr>
         <p:spPr>
           <a:xfrm>
-            <a:off x="402942" y="3579281"/>
+            <a:off x="412974" y="3039528"/>
             <a:ext cx="2780079" cy="335688"/>
           </a:xfrm>
           <a:prstGeom prst="rect">
@@ -18544,11 +18098,11 @@
                   <a:srgbClr val="1F2329"/>
                 </a:solidFill>
               </a:rPr>
-              <a:t>Model Abstraction</a:t>
+              <a:t>Model Abstraction </a:t>
             </a:r>
             <a:r>
               <a:rPr lang="en-US" altLang="zh-CN" sz="1800" dirty="0"/>
-              <a:t> (§</a:t>
+              <a:t>(§</a:t>
             </a:r>
             <a:r>
               <a:rPr lang="en-US" altLang="zh-CN" sz="1800" dirty="0">
@@ -18556,7 +18110,7 @@
                   <a:srgbClr val="FF0000"/>
                 </a:solidFill>
               </a:rPr>
-              <a:t>3.3</a:t>
+              <a:t>3.2</a:t>
             </a:r>
             <a:r>
               <a:rPr lang="en-US" altLang="zh-CN" sz="1800" dirty="0"/>
@@ -18580,8 +18134,8 @@
         </p:nvSpPr>
         <p:spPr>
           <a:xfrm>
-            <a:off x="95616" y="3544332"/>
-            <a:ext cx="3110935" cy="2871824"/>
+            <a:off x="105648" y="3009616"/>
+            <a:ext cx="3096453" cy="3012019"/>
           </a:xfrm>
           <a:prstGeom prst="roundRect">
             <a:avLst>
@@ -18589,7 +18143,7 @@
             </a:avLst>
           </a:prstGeom>
           <a:noFill/>
-          <a:ln w="25400" cap="flat">
+          <a:ln w="28575" cap="flat">
             <a:solidFill>
               <a:srgbClr val="000000">
                 <a:alpha val="100000"/>
@@ -18625,10 +18179,10 @@
         </p:nvGrpSpPr>
         <p:grpSpPr>
           <a:xfrm>
-            <a:off x="373351" y="5184912"/>
-            <a:ext cx="2027682" cy="1016322"/>
-            <a:chOff x="493141" y="5230330"/>
-            <a:chExt cx="2027683" cy="1016322"/>
+            <a:off x="390055" y="4741864"/>
+            <a:ext cx="2032284" cy="1033849"/>
+            <a:chOff x="493141" y="5212803"/>
+            <a:chExt cx="2032285" cy="1033849"/>
           </a:xfrm>
         </p:grpSpPr>
         <p:sp>
@@ -18645,7 +18199,7 @@
           </p:nvSpPr>
           <p:spPr>
             <a:xfrm>
-              <a:off x="920364" y="5230330"/>
+              <a:off x="924966" y="5212803"/>
               <a:ext cx="1600460" cy="261610"/>
             </a:xfrm>
             <a:prstGeom prst="rect">
@@ -19492,7 +19046,7 @@
         </p:nvGrpSpPr>
         <p:grpSpPr>
           <a:xfrm>
-            <a:off x="182711" y="3960444"/>
+            <a:off x="180668" y="3444429"/>
             <a:ext cx="2937363" cy="1173619"/>
             <a:chOff x="205591" y="4062081"/>
             <a:chExt cx="2937363" cy="1173619"/>
@@ -20165,7 +19719,7 @@
         </p:nvSpPr>
         <p:spPr>
           <a:xfrm>
-            <a:off x="182709" y="96482"/>
+            <a:off x="199413" y="228212"/>
             <a:ext cx="292100" cy="280219"/>
           </a:xfrm>
           <a:prstGeom prst="ellipse">
@@ -20206,10 +19760,10 @@
       </p:sp>
       <p:sp>
         <p:nvSpPr>
-          <p:cNvPr id="154" name="椭圆 153">
+          <p:cNvPr id="155" name="椭圆 154">
             <a:extLst>
               <a:ext uri="{FF2B5EF4-FFF2-40B4-BE49-F238E27FC236}">
-                <a16:creationId xmlns:a16="http://schemas.microsoft.com/office/drawing/2014/main" id="{9D02F620-ABFD-93A0-C81C-91A0004CC252}"/>
+                <a16:creationId xmlns:a16="http://schemas.microsoft.com/office/drawing/2014/main" id="{A9DAB602-3725-7725-1414-1E156E487F31}"/>
               </a:ext>
             </a:extLst>
           </p:cNvPr>
@@ -20218,7 +19772,7 @@
         </p:nvSpPr>
         <p:spPr>
           <a:xfrm>
-            <a:off x="206429" y="2018821"/>
+            <a:off x="188027" y="3071228"/>
             <a:ext cx="292100" cy="280219"/>
           </a:xfrm>
           <a:prstGeom prst="ellipse">
@@ -20259,10 +19813,10 @@
       </p:sp>
       <p:sp>
         <p:nvSpPr>
-          <p:cNvPr id="155" name="椭圆 154">
+          <p:cNvPr id="157" name="椭圆 156">
             <a:extLst>
               <a:ext uri="{FF2B5EF4-FFF2-40B4-BE49-F238E27FC236}">
-                <a16:creationId xmlns:a16="http://schemas.microsoft.com/office/drawing/2014/main" id="{A9DAB602-3725-7725-1414-1E156E487F31}"/>
+                <a16:creationId xmlns:a16="http://schemas.microsoft.com/office/drawing/2014/main" id="{16F8DAFE-B37A-9227-8732-DAA4B944E990}"/>
               </a:ext>
             </a:extLst>
           </p:cNvPr>
@@ -20271,7 +19825,7 @@
         </p:nvSpPr>
         <p:spPr>
           <a:xfrm>
-            <a:off x="161642" y="3619705"/>
+            <a:off x="3562197" y="121202"/>
             <a:ext cx="292100" cy="280219"/>
           </a:xfrm>
           <a:prstGeom prst="ellipse">
@@ -20304,7 +19858,7 @@
             <a:pPr algn="ctr"/>
             <a:r>
               <a:rPr lang="en-US" altLang="zh-CN" sz="1800" dirty="0"/>
-              <a:t>C</a:t>
+              <a:t>D</a:t>
             </a:r>
             <a:endParaRPr lang="zh-CN" altLang="en-US" sz="1800" dirty="0"/>
           </a:p>
@@ -20312,10 +19866,10 @@
       </p:sp>
       <p:sp>
         <p:nvSpPr>
-          <p:cNvPr id="157" name="椭圆 156">
+          <p:cNvPr id="182" name="矩形 181">
             <a:extLst>
               <a:ext uri="{FF2B5EF4-FFF2-40B4-BE49-F238E27FC236}">
-                <a16:creationId xmlns:a16="http://schemas.microsoft.com/office/drawing/2014/main" id="{16F8DAFE-B37A-9227-8732-DAA4B944E990}"/>
+                <a16:creationId xmlns:a16="http://schemas.microsoft.com/office/drawing/2014/main" id="{7A9B3E56-F89E-5FC2-5704-1D047D5142BC}"/>
               </a:ext>
             </a:extLst>
           </p:cNvPr>
@@ -20324,51 +19878,1000 @@
         </p:nvSpPr>
         <p:spPr>
           <a:xfrm>
-            <a:off x="3562197" y="93964"/>
-            <a:ext cx="292100" cy="280219"/>
+            <a:off x="3559794" y="4740728"/>
+            <a:ext cx="3607896" cy="674565"/>
           </a:xfrm>
-          <a:prstGeom prst="ellipse">
+          <a:prstGeom prst="rect">
             <a:avLst/>
           </a:prstGeom>
+          <a:solidFill>
+            <a:srgbClr val="EE822F">
+              <a:alpha val="40000"/>
+            </a:srgbClr>
+          </a:solidFill>
           <a:ln>
             <a:noFill/>
           </a:ln>
+          <a:effectLst/>
         </p:spPr>
-        <p:style>
-          <a:lnRef idx="2">
-            <a:schemeClr val="accent1">
-              <a:shade val="15000"/>
-            </a:schemeClr>
-          </a:lnRef>
-          <a:fillRef idx="1">
-            <a:schemeClr val="accent1"/>
-          </a:fillRef>
-          <a:effectRef idx="0">
-            <a:schemeClr val="accent1"/>
-          </a:effectRef>
-          <a:fontRef idx="minor">
-            <a:schemeClr val="lt1"/>
-          </a:fontRef>
-        </p:style>
         <p:txBody>
           <a:bodyPr rtlCol="0" anchor="ctr"/>
           <a:lstStyle/>
           <a:p>
-            <a:pPr algn="ctr"/>
+            <a:pPr algn="ctr" defTabSz="914335">
+              <a:buClrTx/>
+              <a:defRPr/>
+            </a:pPr>
+            <a:endParaRPr lang="zh-CN" altLang="en-US" sz="1050" kern="1200" dirty="0">
+              <a:solidFill>
+                <a:prstClr val="white"/>
+              </a:solidFill>
+              <a:latin typeface="+mj-lt"/>
+              <a:ea typeface="微软雅黑"/>
+              <a:cs typeface="+mn-cs"/>
+            </a:endParaRPr>
+          </a:p>
+        </p:txBody>
+      </p:sp>
+      <p:sp>
+        <p:nvSpPr>
+          <p:cNvPr id="181" name="矩形 180">
+            <a:extLst>
+              <a:ext uri="{FF2B5EF4-FFF2-40B4-BE49-F238E27FC236}">
+                <a16:creationId xmlns:a16="http://schemas.microsoft.com/office/drawing/2014/main" id="{B6CE7424-8DC1-8043-B337-213D2FF10549}"/>
+              </a:ext>
+            </a:extLst>
+          </p:cNvPr>
+          <p:cNvSpPr/>
+          <p:nvPr/>
+        </p:nvSpPr>
+        <p:spPr>
+          <a:xfrm>
+            <a:off x="3559392" y="3981977"/>
+            <a:ext cx="3607896" cy="658987"/>
+          </a:xfrm>
+          <a:prstGeom prst="rect">
+            <a:avLst/>
+          </a:prstGeom>
+          <a:solidFill>
+            <a:srgbClr val="6A8ED5">
+              <a:alpha val="50000"/>
+            </a:srgbClr>
+          </a:solidFill>
+          <a:ln>
+            <a:noFill/>
+          </a:ln>
+          <a:effectLst/>
+        </p:spPr>
+        <p:txBody>
+          <a:bodyPr rtlCol="0" anchor="ctr"/>
+          <a:lstStyle/>
+          <a:p>
+            <a:pPr algn="ctr" defTabSz="914335">
+              <a:buClrTx/>
+              <a:defRPr/>
+            </a:pPr>
+            <a:endParaRPr lang="zh-CN" altLang="en-US" sz="1050" kern="1200" dirty="0">
+              <a:solidFill>
+                <a:prstClr val="white"/>
+              </a:solidFill>
+              <a:latin typeface="+mj-lt"/>
+              <a:ea typeface="微软雅黑"/>
+              <a:cs typeface="+mn-cs"/>
+            </a:endParaRPr>
+          </a:p>
+        </p:txBody>
+      </p:sp>
+      <p:sp>
+        <p:nvSpPr>
+          <p:cNvPr id="186" name="矩形: 圆角 185">
+            <a:extLst>
+              <a:ext uri="{FF2B5EF4-FFF2-40B4-BE49-F238E27FC236}">
+                <a16:creationId xmlns:a16="http://schemas.microsoft.com/office/drawing/2014/main" id="{952D6875-5D8B-0F88-09CB-FDA86F46E2D6}"/>
+              </a:ext>
+            </a:extLst>
+          </p:cNvPr>
+          <p:cNvSpPr/>
+          <p:nvPr/>
+        </p:nvSpPr>
+        <p:spPr>
+          <a:xfrm>
+            <a:off x="4824899" y="4034509"/>
+            <a:ext cx="1016853" cy="180000"/>
+          </a:xfrm>
+          <a:prstGeom prst="roundRect">
+            <a:avLst/>
+          </a:prstGeom>
+          <a:gradFill>
+            <a:gsLst>
+              <a:gs pos="0">
+                <a:srgbClr val="4874CB">
+                  <a:lumOff val="17500"/>
+                </a:srgbClr>
+              </a:gs>
+              <a:gs pos="100000">
+                <a:srgbClr val="4874CB"/>
+              </a:gs>
+            </a:gsLst>
+            <a:lin ang="2700000" scaled="0"/>
+          </a:gradFill>
+          <a:ln w="12700" cap="flat" cmpd="sng" algn="ctr">
+            <a:solidFill>
+              <a:srgbClr val="4874CB"/>
+            </a:solidFill>
+            <a:prstDash val="solid"/>
+            <a:miter lim="800000"/>
+          </a:ln>
+          <a:effectLst>
+            <a:outerShdw blurRad="101600" dist="50800" dir="5400000" algn="ctr" rotWithShape="0">
+              <a:srgbClr val="4874CB">
+                <a:alpha val="60000"/>
+              </a:srgbClr>
+            </a:outerShdw>
+          </a:effectLst>
+        </p:spPr>
+        <p:txBody>
+          <a:bodyPr rtlCol="0" anchor="ctr"/>
+          <a:lstStyle/>
+          <a:p>
+            <a:pPr algn="ctr" defTabSz="914335">
+              <a:buClrTx/>
+              <a:defRPr/>
+            </a:pPr>
             <a:r>
-              <a:rPr lang="en-US" altLang="zh-CN" sz="1800" dirty="0"/>
-              <a:t>E</a:t>
+              <a:rPr lang="en-US" altLang="zh-CN" sz="1050" kern="1200" dirty="0">
+                <a:solidFill>
+                  <a:prstClr val="black"/>
+                </a:solidFill>
+                <a:latin typeface="+mj-lt"/>
+                <a:ea typeface="微软雅黑"/>
+                <a:cs typeface="Times New Roman" panose="02020603050405020304" pitchFamily="18" charset="0"/>
+              </a:rPr>
+              <a:t>Base Action</a:t>
             </a:r>
-            <a:endParaRPr lang="zh-CN" altLang="en-US" sz="1800" dirty="0"/>
+            <a:endParaRPr lang="zh-CN" altLang="en-US" sz="1050" kern="1200" dirty="0">
+              <a:solidFill>
+                <a:prstClr val="black"/>
+              </a:solidFill>
+              <a:latin typeface="+mj-lt"/>
+              <a:ea typeface="微软雅黑"/>
+              <a:cs typeface="Times New Roman" panose="02020603050405020304" pitchFamily="18" charset="0"/>
+            </a:endParaRPr>
+          </a:p>
+        </p:txBody>
+      </p:sp>
+      <p:sp>
+        <p:nvSpPr>
+          <p:cNvPr id="187" name="矩形: 圆角 186">
+            <a:extLst>
+              <a:ext uri="{FF2B5EF4-FFF2-40B4-BE49-F238E27FC236}">
+                <a16:creationId xmlns:a16="http://schemas.microsoft.com/office/drawing/2014/main" id="{DBFA2BFE-E434-5CD7-0ECA-BA17613AA200}"/>
+              </a:ext>
+            </a:extLst>
+          </p:cNvPr>
+          <p:cNvSpPr/>
+          <p:nvPr/>
+        </p:nvSpPr>
+        <p:spPr>
+          <a:xfrm>
+            <a:off x="4142631" y="4364573"/>
+            <a:ext cx="1016853" cy="180000"/>
+          </a:xfrm>
+          <a:prstGeom prst="roundRect">
+            <a:avLst/>
+          </a:prstGeom>
+          <a:gradFill>
+            <a:gsLst>
+              <a:gs pos="0">
+                <a:srgbClr val="4874CB">
+                  <a:lumOff val="17500"/>
+                </a:srgbClr>
+              </a:gs>
+              <a:gs pos="100000">
+                <a:srgbClr val="4874CB"/>
+              </a:gs>
+            </a:gsLst>
+            <a:lin ang="2700000" scaled="0"/>
+          </a:gradFill>
+          <a:ln w="12700" cap="flat" cmpd="sng" algn="ctr">
+            <a:solidFill>
+              <a:srgbClr val="4874CB"/>
+            </a:solidFill>
+            <a:prstDash val="solid"/>
+            <a:miter lim="800000"/>
+          </a:ln>
+          <a:effectLst>
+            <a:outerShdw blurRad="101600" dist="50800" dir="5400000" algn="ctr" rotWithShape="0">
+              <a:srgbClr val="4874CB">
+                <a:alpha val="60000"/>
+              </a:srgbClr>
+            </a:outerShdw>
+          </a:effectLst>
+        </p:spPr>
+        <p:txBody>
+          <a:bodyPr rtlCol="0" anchor="ctr"/>
+          <a:lstStyle/>
+          <a:p>
+            <a:pPr algn="ctr" defTabSz="914335">
+              <a:buClrTx/>
+              <a:defRPr/>
+            </a:pPr>
+            <a:r>
+              <a:rPr lang="en-US" altLang="zh-CN" sz="1050" kern="1200" dirty="0">
+                <a:solidFill>
+                  <a:prstClr val="black"/>
+                </a:solidFill>
+                <a:latin typeface="+mj-lt"/>
+                <a:ea typeface="微软雅黑"/>
+                <a:cs typeface="Times New Roman" panose="02020603050405020304" pitchFamily="18" charset="0"/>
+              </a:rPr>
+              <a:t>Grab Action</a:t>
+            </a:r>
+            <a:endParaRPr lang="zh-CN" altLang="en-US" sz="1050" kern="1200" dirty="0">
+              <a:solidFill>
+                <a:prstClr val="black"/>
+              </a:solidFill>
+              <a:latin typeface="+mj-lt"/>
+              <a:ea typeface="微软雅黑"/>
+              <a:cs typeface="Times New Roman" panose="02020603050405020304" pitchFamily="18" charset="0"/>
+            </a:endParaRPr>
+          </a:p>
+        </p:txBody>
+      </p:sp>
+      <p:sp>
+        <p:nvSpPr>
+          <p:cNvPr id="188" name="矩形: 圆角 187">
+            <a:extLst>
+              <a:ext uri="{FF2B5EF4-FFF2-40B4-BE49-F238E27FC236}">
+                <a16:creationId xmlns:a16="http://schemas.microsoft.com/office/drawing/2014/main" id="{6699670C-5A30-90E7-AD92-F463FA240989}"/>
+              </a:ext>
+            </a:extLst>
+          </p:cNvPr>
+          <p:cNvSpPr/>
+          <p:nvPr/>
+        </p:nvSpPr>
+        <p:spPr>
+          <a:xfrm>
+            <a:off x="5488961" y="4365750"/>
+            <a:ext cx="1155013" cy="180000"/>
+          </a:xfrm>
+          <a:prstGeom prst="roundRect">
+            <a:avLst/>
+          </a:prstGeom>
+          <a:gradFill>
+            <a:gsLst>
+              <a:gs pos="0">
+                <a:srgbClr val="4874CB">
+                  <a:lumOff val="17500"/>
+                </a:srgbClr>
+              </a:gs>
+              <a:gs pos="100000">
+                <a:srgbClr val="4874CB"/>
+              </a:gs>
+            </a:gsLst>
+            <a:lin ang="2700000" scaled="0"/>
+          </a:gradFill>
+          <a:ln w="12700" cap="flat" cmpd="sng" algn="ctr">
+            <a:solidFill>
+              <a:srgbClr val="4874CB"/>
+            </a:solidFill>
+            <a:prstDash val="solid"/>
+            <a:miter lim="800000"/>
+          </a:ln>
+          <a:effectLst>
+            <a:outerShdw blurRad="101600" dist="50800" dir="5400000" algn="ctr" rotWithShape="0">
+              <a:srgbClr val="4874CB">
+                <a:alpha val="60000"/>
+              </a:srgbClr>
+            </a:outerShdw>
+          </a:effectLst>
+        </p:spPr>
+        <p:txBody>
+          <a:bodyPr rtlCol="0" anchor="ctr"/>
+          <a:lstStyle/>
+          <a:p>
+            <a:pPr algn="ctr" defTabSz="914335">
+              <a:buClrTx/>
+              <a:defRPr/>
+            </a:pPr>
+            <a:r>
+              <a:rPr lang="en-US" altLang="zh-CN" sz="1050" kern="1200" dirty="0">
+                <a:solidFill>
+                  <a:prstClr val="black"/>
+                </a:solidFill>
+                <a:latin typeface="+mj-lt"/>
+                <a:ea typeface="微软雅黑"/>
+                <a:cs typeface="Times New Roman" panose="02020603050405020304" pitchFamily="18" charset="0"/>
+              </a:rPr>
+              <a:t>Trigger Action</a:t>
+            </a:r>
+            <a:endParaRPr lang="zh-CN" altLang="en-US" sz="1050" kern="1200" dirty="0">
+              <a:solidFill>
+                <a:prstClr val="black"/>
+              </a:solidFill>
+              <a:latin typeface="+mj-lt"/>
+              <a:ea typeface="微软雅黑"/>
+              <a:cs typeface="Times New Roman" panose="02020603050405020304" pitchFamily="18" charset="0"/>
+            </a:endParaRPr>
+          </a:p>
+        </p:txBody>
+      </p:sp>
+      <p:sp>
+        <p:nvSpPr>
+          <p:cNvPr id="189" name="文本框 188">
+            <a:extLst>
+              <a:ext uri="{FF2B5EF4-FFF2-40B4-BE49-F238E27FC236}">
+                <a16:creationId xmlns:a16="http://schemas.microsoft.com/office/drawing/2014/main" id="{3BB0CF74-328E-E94D-EB10-8498CCA95E90}"/>
+              </a:ext>
+            </a:extLst>
+          </p:cNvPr>
+          <p:cNvSpPr txBox="1"/>
+          <p:nvPr/>
+        </p:nvSpPr>
+        <p:spPr>
+          <a:xfrm>
+            <a:off x="5036575" y="4160390"/>
+            <a:ext cx="573466" cy="256931"/>
+          </a:xfrm>
+          <a:prstGeom prst="rect">
+            <a:avLst/>
+          </a:prstGeom>
+          <a:noFill/>
+        </p:spPr>
+        <p:txBody>
+          <a:bodyPr wrap="square" rtlCol="0">
+            <a:spAutoFit/>
+          </a:bodyPr>
+          <a:lstStyle/>
+          <a:p>
+            <a:pPr defTabSz="914335">
+              <a:buClrTx/>
+              <a:defRPr/>
+            </a:pPr>
+            <a:r>
+              <a:rPr lang="en-US" altLang="zh-CN" sz="1050" kern="1200" dirty="0">
+                <a:solidFill>
+                  <a:prstClr val="black"/>
+                </a:solidFill>
+                <a:latin typeface="+mj-lt"/>
+                <a:ea typeface="微软雅黑"/>
+                <a:cs typeface="Times New Roman" panose="02020603050405020304" pitchFamily="18" charset="0"/>
+              </a:rPr>
+              <a:t>Inherit</a:t>
+            </a:r>
+            <a:endParaRPr lang="zh-CN" altLang="en-US" sz="1050" kern="1200" dirty="0">
+              <a:solidFill>
+                <a:prstClr val="black"/>
+              </a:solidFill>
+              <a:latin typeface="+mj-lt"/>
+              <a:ea typeface="微软雅黑"/>
+              <a:cs typeface="Times New Roman" panose="02020603050405020304" pitchFamily="18" charset="0"/>
+            </a:endParaRPr>
+          </a:p>
+        </p:txBody>
+      </p:sp>
+      <p:cxnSp>
+        <p:nvCxnSpPr>
+          <p:cNvPr id="190" name="连接符: 曲线 189">
+            <a:extLst>
+              <a:ext uri="{FF2B5EF4-FFF2-40B4-BE49-F238E27FC236}">
+                <a16:creationId xmlns:a16="http://schemas.microsoft.com/office/drawing/2014/main" id="{63F61584-454A-5D63-0B16-589ACED6A258}"/>
+              </a:ext>
+            </a:extLst>
+          </p:cNvPr>
+          <p:cNvCxnSpPr>
+            <a:cxnSpLocks/>
+            <a:stCxn id="187" idx="0"/>
+            <a:endCxn id="186" idx="1"/>
+          </p:cNvCxnSpPr>
+          <p:nvPr/>
+        </p:nvCxnSpPr>
+        <p:spPr>
+          <a:xfrm rot="5400000" flipH="1" flipV="1">
+            <a:off x="4617943" y="4157624"/>
+            <a:ext cx="240064" cy="173841"/>
+          </a:xfrm>
+          <a:prstGeom prst="curvedConnector2">
+            <a:avLst/>
+          </a:prstGeom>
+          <a:noFill/>
+          <a:ln w="25400" cap="flat" cmpd="sng" algn="ctr">
+            <a:solidFill>
+              <a:sysClr val="windowText" lastClr="000000"/>
+            </a:solidFill>
+            <a:prstDash val="solid"/>
+            <a:miter lim="800000"/>
+            <a:tailEnd type="triangle"/>
+          </a:ln>
+          <a:effectLst/>
+        </p:spPr>
+      </p:cxnSp>
+      <p:cxnSp>
+        <p:nvCxnSpPr>
+          <p:cNvPr id="191" name="连接符: 曲线 190">
+            <a:extLst>
+              <a:ext uri="{FF2B5EF4-FFF2-40B4-BE49-F238E27FC236}">
+                <a16:creationId xmlns:a16="http://schemas.microsoft.com/office/drawing/2014/main" id="{D0DD4E76-05D9-1CC3-43DD-9DC3E19F6319}"/>
+              </a:ext>
+            </a:extLst>
+          </p:cNvPr>
+          <p:cNvCxnSpPr>
+            <a:cxnSpLocks/>
+            <a:stCxn id="188" idx="0"/>
+            <a:endCxn id="186" idx="3"/>
+          </p:cNvCxnSpPr>
+          <p:nvPr/>
+        </p:nvCxnSpPr>
+        <p:spPr>
+          <a:xfrm rot="16200000" flipV="1">
+            <a:off x="5833490" y="4132772"/>
+            <a:ext cx="241241" cy="224716"/>
+          </a:xfrm>
+          <a:prstGeom prst="curvedConnector2">
+            <a:avLst/>
+          </a:prstGeom>
+          <a:noFill/>
+          <a:ln w="25400" cap="flat" cmpd="sng" algn="ctr">
+            <a:solidFill>
+              <a:sysClr val="windowText" lastClr="000000"/>
+            </a:solidFill>
+            <a:prstDash val="solid"/>
+            <a:miter lim="800000"/>
+            <a:tailEnd type="triangle"/>
+          </a:ln>
+          <a:effectLst/>
+        </p:spPr>
+      </p:cxnSp>
+      <p:sp>
+        <p:nvSpPr>
+          <p:cNvPr id="192" name="矩形: 圆角 191">
+            <a:extLst>
+              <a:ext uri="{FF2B5EF4-FFF2-40B4-BE49-F238E27FC236}">
+                <a16:creationId xmlns:a16="http://schemas.microsoft.com/office/drawing/2014/main" id="{B7BB51EE-A68C-13DC-5B90-C5E212D8472D}"/>
+              </a:ext>
+            </a:extLst>
+          </p:cNvPr>
+          <p:cNvSpPr/>
+          <p:nvPr/>
+        </p:nvSpPr>
+        <p:spPr>
+          <a:xfrm>
+            <a:off x="4817240" y="4776933"/>
+            <a:ext cx="1016853" cy="180000"/>
+          </a:xfrm>
+          <a:prstGeom prst="roundRect">
+            <a:avLst/>
+          </a:prstGeom>
+          <a:gradFill>
+            <a:gsLst>
+              <a:gs pos="0">
+                <a:srgbClr val="EE822F">
+                  <a:lumOff val="17500"/>
+                </a:srgbClr>
+              </a:gs>
+              <a:gs pos="100000">
+                <a:srgbClr val="EE822F"/>
+              </a:gs>
+            </a:gsLst>
+            <a:lin ang="2700000" scaled="0"/>
+          </a:gradFill>
+          <a:ln w="12700" cap="flat" cmpd="sng" algn="ctr">
+            <a:solidFill>
+              <a:srgbClr val="EE822F"/>
+            </a:solidFill>
+            <a:prstDash val="solid"/>
+            <a:miter lim="800000"/>
+          </a:ln>
+          <a:effectLst>
+            <a:outerShdw blurRad="101600" dist="50800" dir="5400000" algn="ctr" rotWithShape="0">
+              <a:srgbClr val="EE822F">
+                <a:alpha val="60000"/>
+              </a:srgbClr>
+            </a:outerShdw>
+          </a:effectLst>
+        </p:spPr>
+        <p:txBody>
+          <a:bodyPr rtlCol="0" anchor="ctr"/>
+          <a:lstStyle/>
+          <a:p>
+            <a:pPr algn="ctr" defTabSz="914335">
+              <a:buClrTx/>
+              <a:defRPr/>
+            </a:pPr>
+            <a:r>
+              <a:rPr lang="en-US" altLang="zh-CN" sz="1050" kern="1200" dirty="0">
+                <a:solidFill>
+                  <a:prstClr val="black"/>
+                </a:solidFill>
+                <a:latin typeface="+mj-lt"/>
+                <a:ea typeface="微软雅黑"/>
+                <a:cs typeface="Times New Roman" panose="02020603050405020304" pitchFamily="18" charset="0"/>
+              </a:rPr>
+              <a:t>Base Entity</a:t>
+            </a:r>
+            <a:endParaRPr lang="zh-CN" altLang="en-US" sz="1050" kern="1200" dirty="0">
+              <a:solidFill>
+                <a:prstClr val="black"/>
+              </a:solidFill>
+              <a:latin typeface="+mj-lt"/>
+              <a:ea typeface="微软雅黑"/>
+              <a:cs typeface="Times New Roman" panose="02020603050405020304" pitchFamily="18" charset="0"/>
+            </a:endParaRPr>
+          </a:p>
+        </p:txBody>
+      </p:sp>
+      <p:sp>
+        <p:nvSpPr>
+          <p:cNvPr id="193" name="矩形: 圆角 192">
+            <a:extLst>
+              <a:ext uri="{FF2B5EF4-FFF2-40B4-BE49-F238E27FC236}">
+                <a16:creationId xmlns:a16="http://schemas.microsoft.com/office/drawing/2014/main" id="{F5E5DF41-85F5-4ED4-F646-F8FAFE89C792}"/>
+              </a:ext>
+            </a:extLst>
+          </p:cNvPr>
+          <p:cNvSpPr/>
+          <p:nvPr/>
+        </p:nvSpPr>
+        <p:spPr>
+          <a:xfrm>
+            <a:off x="3882412" y="5148701"/>
+            <a:ext cx="1290461" cy="180000"/>
+          </a:xfrm>
+          <a:prstGeom prst="roundRect">
+            <a:avLst/>
+          </a:prstGeom>
+          <a:gradFill>
+            <a:gsLst>
+              <a:gs pos="0">
+                <a:srgbClr val="EE822F">
+                  <a:lumOff val="17500"/>
+                </a:srgbClr>
+              </a:gs>
+              <a:gs pos="100000">
+                <a:srgbClr val="EE822F"/>
+              </a:gs>
+            </a:gsLst>
+            <a:lin ang="2700000" scaled="0"/>
+          </a:gradFill>
+          <a:ln w="12700" cap="flat" cmpd="sng" algn="ctr">
+            <a:solidFill>
+              <a:srgbClr val="EE822F"/>
+            </a:solidFill>
+            <a:prstDash val="solid"/>
+            <a:miter lim="800000"/>
+          </a:ln>
+          <a:effectLst>
+            <a:outerShdw blurRad="101600" dist="50800" dir="5400000" algn="ctr" rotWithShape="0">
+              <a:srgbClr val="EE822F">
+                <a:alpha val="60000"/>
+              </a:srgbClr>
+            </a:outerShdw>
+          </a:effectLst>
+        </p:spPr>
+        <p:txBody>
+          <a:bodyPr rtlCol="0" anchor="ctr"/>
+          <a:lstStyle/>
+          <a:p>
+            <a:pPr algn="ctr" defTabSz="914335">
+              <a:buClrTx/>
+              <a:defRPr/>
+            </a:pPr>
+            <a:r>
+              <a:rPr lang="en-US" altLang="zh-CN" sz="1050" kern="1200" dirty="0">
+                <a:solidFill>
+                  <a:prstClr val="black"/>
+                </a:solidFill>
+                <a:latin typeface="+mj-lt"/>
+                <a:ea typeface="微软雅黑"/>
+                <a:cs typeface="Times New Roman" panose="02020603050405020304" pitchFamily="18" charset="0"/>
+              </a:rPr>
+              <a:t>Grabbable Entity</a:t>
+            </a:r>
+            <a:endParaRPr lang="zh-CN" altLang="en-US" sz="1050" kern="1200" dirty="0">
+              <a:solidFill>
+                <a:prstClr val="black"/>
+              </a:solidFill>
+              <a:latin typeface="+mj-lt"/>
+              <a:ea typeface="微软雅黑"/>
+              <a:cs typeface="Times New Roman" panose="02020603050405020304" pitchFamily="18" charset="0"/>
+            </a:endParaRPr>
+          </a:p>
+        </p:txBody>
+      </p:sp>
+      <p:sp>
+        <p:nvSpPr>
+          <p:cNvPr id="194" name="矩形: 圆角 193">
+            <a:extLst>
+              <a:ext uri="{FF2B5EF4-FFF2-40B4-BE49-F238E27FC236}">
+                <a16:creationId xmlns:a16="http://schemas.microsoft.com/office/drawing/2014/main" id="{ED2DE75C-2E52-5D63-2AAE-567535DCFE88}"/>
+              </a:ext>
+            </a:extLst>
+          </p:cNvPr>
+          <p:cNvSpPr/>
+          <p:nvPr/>
+        </p:nvSpPr>
+        <p:spPr>
+          <a:xfrm>
+            <a:off x="5472028" y="5148701"/>
+            <a:ext cx="1375593" cy="180000"/>
+          </a:xfrm>
+          <a:prstGeom prst="roundRect">
+            <a:avLst/>
+          </a:prstGeom>
+          <a:gradFill>
+            <a:gsLst>
+              <a:gs pos="0">
+                <a:srgbClr val="EE822F">
+                  <a:lumOff val="17500"/>
+                </a:srgbClr>
+              </a:gs>
+              <a:gs pos="100000">
+                <a:srgbClr val="EE822F"/>
+              </a:gs>
+            </a:gsLst>
+            <a:lin ang="2700000" scaled="0"/>
+          </a:gradFill>
+          <a:ln w="12700" cap="flat" cmpd="sng" algn="ctr">
+            <a:solidFill>
+              <a:srgbClr val="EE822F"/>
+            </a:solidFill>
+            <a:prstDash val="solid"/>
+            <a:miter lim="800000"/>
+          </a:ln>
+          <a:effectLst>
+            <a:outerShdw blurRad="101600" dist="50800" dir="5400000" algn="ctr" rotWithShape="0">
+              <a:srgbClr val="EE822F">
+                <a:alpha val="60000"/>
+              </a:srgbClr>
+            </a:outerShdw>
+          </a:effectLst>
+        </p:spPr>
+        <p:txBody>
+          <a:bodyPr rtlCol="0" anchor="ctr"/>
+          <a:lstStyle/>
+          <a:p>
+            <a:pPr algn="ctr" defTabSz="914335">
+              <a:buClrTx/>
+              <a:defRPr/>
+            </a:pPr>
+            <a:r>
+              <a:rPr lang="en-US" altLang="zh-CN" sz="1050" kern="1200" dirty="0">
+                <a:solidFill>
+                  <a:prstClr val="black"/>
+                </a:solidFill>
+                <a:latin typeface="+mj-lt"/>
+                <a:ea typeface="微软雅黑"/>
+                <a:cs typeface="Times New Roman" panose="02020603050405020304" pitchFamily="18" charset="0"/>
+              </a:rPr>
+              <a:t>Triggerable Entity</a:t>
+            </a:r>
+            <a:endParaRPr lang="zh-CN" altLang="en-US" sz="1050" kern="1200" dirty="0">
+              <a:solidFill>
+                <a:prstClr val="black"/>
+              </a:solidFill>
+              <a:latin typeface="+mj-lt"/>
+              <a:ea typeface="微软雅黑"/>
+              <a:cs typeface="Times New Roman" panose="02020603050405020304" pitchFamily="18" charset="0"/>
+            </a:endParaRPr>
+          </a:p>
+        </p:txBody>
+      </p:sp>
+      <p:sp>
+        <p:nvSpPr>
+          <p:cNvPr id="195" name="文本框 194">
+            <a:extLst>
+              <a:ext uri="{FF2B5EF4-FFF2-40B4-BE49-F238E27FC236}">
+                <a16:creationId xmlns:a16="http://schemas.microsoft.com/office/drawing/2014/main" id="{EADEA7D4-962A-8218-A71C-A658A03EB4B1}"/>
+              </a:ext>
+            </a:extLst>
+          </p:cNvPr>
+          <p:cNvSpPr txBox="1"/>
+          <p:nvPr/>
+        </p:nvSpPr>
+        <p:spPr>
+          <a:xfrm>
+            <a:off x="5055328" y="4938990"/>
+            <a:ext cx="573466" cy="256931"/>
+          </a:xfrm>
+          <a:prstGeom prst="rect">
+            <a:avLst/>
+          </a:prstGeom>
+          <a:noFill/>
+        </p:spPr>
+        <p:txBody>
+          <a:bodyPr wrap="square" rtlCol="0">
+            <a:spAutoFit/>
+          </a:bodyPr>
+          <a:lstStyle/>
+          <a:p>
+            <a:pPr defTabSz="914335">
+              <a:buClrTx/>
+              <a:defRPr/>
+            </a:pPr>
+            <a:r>
+              <a:rPr lang="en-US" altLang="zh-CN" sz="1050" kern="1200" dirty="0">
+                <a:solidFill>
+                  <a:prstClr val="black"/>
+                </a:solidFill>
+                <a:latin typeface="+mj-lt"/>
+                <a:ea typeface="微软雅黑"/>
+                <a:cs typeface="Times New Roman" panose="02020603050405020304" pitchFamily="18" charset="0"/>
+              </a:rPr>
+              <a:t>Inherit</a:t>
+            </a:r>
+            <a:endParaRPr lang="zh-CN" altLang="en-US" sz="1050" kern="1200" dirty="0">
+              <a:solidFill>
+                <a:prstClr val="black"/>
+              </a:solidFill>
+              <a:latin typeface="+mj-lt"/>
+              <a:ea typeface="微软雅黑"/>
+              <a:cs typeface="Times New Roman" panose="02020603050405020304" pitchFamily="18" charset="0"/>
+            </a:endParaRPr>
+          </a:p>
+        </p:txBody>
+      </p:sp>
+      <p:cxnSp>
+        <p:nvCxnSpPr>
+          <p:cNvPr id="196" name="连接符: 曲线 195">
+            <a:extLst>
+              <a:ext uri="{FF2B5EF4-FFF2-40B4-BE49-F238E27FC236}">
+                <a16:creationId xmlns:a16="http://schemas.microsoft.com/office/drawing/2014/main" id="{97F6C8EA-CD22-1811-4A2B-8DD19A89FC1D}"/>
+              </a:ext>
+            </a:extLst>
+          </p:cNvPr>
+          <p:cNvCxnSpPr>
+            <a:cxnSpLocks/>
+            <a:stCxn id="193" idx="0"/>
+            <a:endCxn id="192" idx="1"/>
+          </p:cNvCxnSpPr>
+          <p:nvPr/>
+        </p:nvCxnSpPr>
+        <p:spPr>
+          <a:xfrm rot="5400000" flipH="1" flipV="1">
+            <a:off x="4531554" y="4863022"/>
+            <a:ext cx="281768" cy="289597"/>
+          </a:xfrm>
+          <a:prstGeom prst="curvedConnector2">
+            <a:avLst/>
+          </a:prstGeom>
+          <a:noFill/>
+          <a:ln w="25400" cap="flat" cmpd="sng" algn="ctr">
+            <a:solidFill>
+              <a:sysClr val="windowText" lastClr="000000"/>
+            </a:solidFill>
+            <a:prstDash val="solid"/>
+            <a:miter lim="800000"/>
+            <a:tailEnd type="triangle"/>
+          </a:ln>
+          <a:effectLst/>
+        </p:spPr>
+      </p:cxnSp>
+      <p:cxnSp>
+        <p:nvCxnSpPr>
+          <p:cNvPr id="197" name="连接符: 曲线 196">
+            <a:extLst>
+              <a:ext uri="{FF2B5EF4-FFF2-40B4-BE49-F238E27FC236}">
+                <a16:creationId xmlns:a16="http://schemas.microsoft.com/office/drawing/2014/main" id="{96223471-2FF8-6C11-D1A1-9B4597A71356}"/>
+              </a:ext>
+            </a:extLst>
+          </p:cNvPr>
+          <p:cNvCxnSpPr>
+            <a:cxnSpLocks/>
+            <a:stCxn id="194" idx="0"/>
+            <a:endCxn id="192" idx="3"/>
+          </p:cNvCxnSpPr>
+          <p:nvPr/>
+        </p:nvCxnSpPr>
+        <p:spPr>
+          <a:xfrm rot="16200000" flipV="1">
+            <a:off x="5856072" y="4844951"/>
+            <a:ext cx="281768" cy="325732"/>
+          </a:xfrm>
+          <a:prstGeom prst="curvedConnector2">
+            <a:avLst/>
+          </a:prstGeom>
+          <a:noFill/>
+          <a:ln w="25400" cap="flat" cmpd="sng" algn="ctr">
+            <a:solidFill>
+              <a:sysClr val="windowText" lastClr="000000"/>
+            </a:solidFill>
+            <a:prstDash val="solid"/>
+            <a:miter lim="800000"/>
+            <a:tailEnd type="triangle"/>
+          </a:ln>
+          <a:effectLst/>
+        </p:spPr>
+      </p:cxnSp>
+      <p:cxnSp>
+        <p:nvCxnSpPr>
+          <p:cNvPr id="205" name="连接符: 曲线 204">
+            <a:extLst>
+              <a:ext uri="{FF2B5EF4-FFF2-40B4-BE49-F238E27FC236}">
+                <a16:creationId xmlns:a16="http://schemas.microsoft.com/office/drawing/2014/main" id="{3A11CA9D-C8E0-A8D1-1B22-F1D7AC5CC81B}"/>
+              </a:ext>
+            </a:extLst>
+          </p:cNvPr>
+          <p:cNvCxnSpPr>
+            <a:cxnSpLocks/>
+            <a:stCxn id="187" idx="1"/>
+            <a:endCxn id="193" idx="1"/>
+          </p:cNvCxnSpPr>
+          <p:nvPr/>
+        </p:nvCxnSpPr>
+        <p:spPr>
+          <a:xfrm rot="10800000" flipV="1">
+            <a:off x="3882413" y="4454573"/>
+            <a:ext cx="260219" cy="784128"/>
+          </a:xfrm>
+          <a:prstGeom prst="curvedConnector3">
+            <a:avLst>
+              <a:gd name="adj1" fmla="val 187849"/>
+            </a:avLst>
+          </a:prstGeom>
+          <a:noFill/>
+          <a:ln w="50800" cap="flat" cmpd="sng" algn="ctr">
+            <a:solidFill>
+              <a:srgbClr val="4874CB"/>
+            </a:solidFill>
+            <a:prstDash val="solid"/>
+            <a:miter lim="800000"/>
+            <a:tailEnd type="triangle"/>
+          </a:ln>
+          <a:effectLst/>
+        </p:spPr>
+      </p:cxnSp>
+      <p:cxnSp>
+        <p:nvCxnSpPr>
+          <p:cNvPr id="206" name="连接符: 曲线 205">
+            <a:extLst>
+              <a:ext uri="{FF2B5EF4-FFF2-40B4-BE49-F238E27FC236}">
+                <a16:creationId xmlns:a16="http://schemas.microsoft.com/office/drawing/2014/main" id="{D93F31B8-FC78-41A4-519D-2BE801C1E82F}"/>
+              </a:ext>
+            </a:extLst>
+          </p:cNvPr>
+          <p:cNvCxnSpPr>
+            <a:cxnSpLocks/>
+            <a:stCxn id="188" idx="3"/>
+            <a:endCxn id="194" idx="3"/>
+          </p:cNvCxnSpPr>
+          <p:nvPr/>
+        </p:nvCxnSpPr>
+        <p:spPr>
+          <a:xfrm>
+            <a:off x="6643974" y="4455753"/>
+            <a:ext cx="203647" cy="782951"/>
+          </a:xfrm>
+          <a:prstGeom prst="curvedConnector3">
+            <a:avLst>
+              <a:gd name="adj1" fmla="val 212253"/>
+            </a:avLst>
+          </a:prstGeom>
+          <a:noFill/>
+          <a:ln w="50800" cap="flat" cmpd="sng" algn="ctr">
+            <a:solidFill>
+              <a:srgbClr val="4874CB"/>
+            </a:solidFill>
+            <a:prstDash val="solid"/>
+            <a:miter lim="800000"/>
+            <a:tailEnd type="triangle"/>
+          </a:ln>
+          <a:effectLst/>
+        </p:spPr>
+      </p:cxnSp>
+      <p:sp>
+        <p:nvSpPr>
+          <p:cNvPr id="208" name="文本框 207">
+            <a:extLst>
+              <a:ext uri="{FF2B5EF4-FFF2-40B4-BE49-F238E27FC236}">
+                <a16:creationId xmlns:a16="http://schemas.microsoft.com/office/drawing/2014/main" id="{FC7F1986-8F04-8A47-7357-B383FD56FCC9}"/>
+              </a:ext>
+            </a:extLst>
+          </p:cNvPr>
+          <p:cNvSpPr txBox="1"/>
+          <p:nvPr/>
+        </p:nvSpPr>
+        <p:spPr>
+          <a:xfrm>
+            <a:off x="3670554" y="4750288"/>
+            <a:ext cx="693736" cy="256931"/>
+          </a:xfrm>
+          <a:prstGeom prst="rect">
+            <a:avLst/>
+          </a:prstGeom>
+          <a:noFill/>
+        </p:spPr>
+        <p:txBody>
+          <a:bodyPr wrap="square" rtlCol="0">
+            <a:spAutoFit/>
+          </a:bodyPr>
+          <a:lstStyle/>
+          <a:p>
+            <a:pPr defTabSz="914335">
+              <a:buClrTx/>
+              <a:defRPr/>
+            </a:pPr>
+            <a:r>
+              <a:rPr lang="en-US" altLang="zh-CN" sz="1050" kern="1200" dirty="0">
+                <a:solidFill>
+                  <a:prstClr val="black"/>
+                </a:solidFill>
+                <a:latin typeface="+mj-lt"/>
+                <a:ea typeface="微软雅黑"/>
+                <a:cs typeface="Times New Roman" panose="02020603050405020304" pitchFamily="18" charset="0"/>
+              </a:rPr>
+              <a:t>Grab</a:t>
+            </a:r>
+            <a:endParaRPr lang="zh-CN" altLang="en-US" sz="1050" kern="1200" dirty="0">
+              <a:solidFill>
+                <a:prstClr val="black"/>
+              </a:solidFill>
+              <a:latin typeface="+mj-lt"/>
+              <a:ea typeface="微软雅黑"/>
+              <a:cs typeface="Times New Roman" panose="02020603050405020304" pitchFamily="18" charset="0"/>
+            </a:endParaRPr>
+          </a:p>
+        </p:txBody>
+      </p:sp>
+      <p:sp>
+        <p:nvSpPr>
+          <p:cNvPr id="210" name="文本框 209">
+            <a:extLst>
+              <a:ext uri="{FF2B5EF4-FFF2-40B4-BE49-F238E27FC236}">
+                <a16:creationId xmlns:a16="http://schemas.microsoft.com/office/drawing/2014/main" id="{AA0AD51C-76DD-925C-089F-70C52EA072F8}"/>
+              </a:ext>
+            </a:extLst>
+          </p:cNvPr>
+          <p:cNvSpPr txBox="1"/>
+          <p:nvPr/>
+        </p:nvSpPr>
+        <p:spPr>
+          <a:xfrm>
+            <a:off x="6444649" y="4724771"/>
+            <a:ext cx="690374" cy="256931"/>
+          </a:xfrm>
+          <a:prstGeom prst="rect">
+            <a:avLst/>
+          </a:prstGeom>
+          <a:noFill/>
+        </p:spPr>
+        <p:txBody>
+          <a:bodyPr wrap="square" rtlCol="0">
+            <a:spAutoFit/>
+          </a:bodyPr>
+          <a:lstStyle/>
+          <a:p>
+            <a:pPr defTabSz="914335">
+              <a:buClrTx/>
+              <a:defRPr/>
+            </a:pPr>
+            <a:r>
+              <a:rPr lang="en-US" altLang="zh-CN" sz="1050" kern="1200" dirty="0">
+                <a:solidFill>
+                  <a:prstClr val="black"/>
+                </a:solidFill>
+                <a:latin typeface="+mj-lt"/>
+                <a:ea typeface="微软雅黑"/>
+                <a:cs typeface="Times New Roman" panose="02020603050405020304" pitchFamily="18" charset="0"/>
+              </a:rPr>
+              <a:t>Trigger</a:t>
+            </a:r>
+            <a:endParaRPr lang="zh-CN" altLang="en-US" sz="1050" kern="1200" dirty="0">
+              <a:solidFill>
+                <a:prstClr val="black"/>
+              </a:solidFill>
+              <a:latin typeface="+mj-lt"/>
+              <a:ea typeface="微软雅黑"/>
+              <a:cs typeface="Times New Roman" panose="02020603050405020304" pitchFamily="18" charset="0"/>
+            </a:endParaRPr>
           </a:p>
         </p:txBody>
       </p:sp>
       <p:grpSp>
         <p:nvGrpSpPr>
-          <p:cNvPr id="185" name="组合 184">
+          <p:cNvPr id="55" name="组合 54">
             <a:extLst>
               <a:ext uri="{FF2B5EF4-FFF2-40B4-BE49-F238E27FC236}">
-                <a16:creationId xmlns:a16="http://schemas.microsoft.com/office/drawing/2014/main" id="{4CE00A54-CE22-B1A5-0DC1-F8A9C7AEDC6A}"/>
+                <a16:creationId xmlns:a16="http://schemas.microsoft.com/office/drawing/2014/main" id="{024C2AB6-CC94-C65B-7B67-F3B45A9A8CDE}"/>
               </a:ext>
             </a:extLst>
           </p:cNvPr>
@@ -20377,18 +20880,18 @@
         </p:nvGrpSpPr>
         <p:grpSpPr>
           <a:xfrm>
-            <a:off x="3410244" y="3076999"/>
-            <a:ext cx="3894239" cy="2618479"/>
-            <a:chOff x="3449934" y="3436915"/>
-            <a:chExt cx="3894239" cy="2618479"/>
+            <a:off x="3410247" y="3104239"/>
+            <a:ext cx="3894239" cy="2400933"/>
+            <a:chOff x="3488650" y="3452122"/>
+            <a:chExt cx="3894239" cy="2400933"/>
           </a:xfrm>
         </p:grpSpPr>
         <p:sp>
           <p:nvSpPr>
-            <p:cNvPr id="182" name="矩形 181">
+            <p:cNvPr id="4" name="AutoShape 5">
               <a:extLst>
                 <a:ext uri="{FF2B5EF4-FFF2-40B4-BE49-F238E27FC236}">
-                  <a16:creationId xmlns:a16="http://schemas.microsoft.com/office/drawing/2014/main" id="{7A9B3E56-F89E-5FC2-5704-1D047D5142BC}"/>
+                  <a16:creationId xmlns:a16="http://schemas.microsoft.com/office/drawing/2014/main" id="{78532F2D-405A-CC8F-32A6-F02D41D381DF}"/>
                 </a:ext>
               </a:extLst>
             </p:cNvPr>
@@ -20397,47 +20900,41 @@
           </p:nvSpPr>
           <p:spPr>
             <a:xfrm>
-              <a:off x="3600950" y="5197151"/>
-              <a:ext cx="3607896" cy="768954"/>
+              <a:off x="3488650" y="3452122"/>
+              <a:ext cx="3894239" cy="2400933"/>
             </a:xfrm>
-            <a:prstGeom prst="rect">
-              <a:avLst/>
+            <a:prstGeom prst="roundRect">
+              <a:avLst>
+                <a:gd name="adj" fmla="val 0"/>
+              </a:avLst>
             </a:prstGeom>
-            <a:solidFill>
-              <a:srgbClr val="EE822F">
-                <a:alpha val="40000"/>
-              </a:srgbClr>
-            </a:solidFill>
-            <a:ln>
-              <a:noFill/>
+            <a:noFill/>
+            <a:ln w="31750" cap="flat" cmpd="sng">
+              <a:solidFill>
+                <a:srgbClr val="00B050"/>
+              </a:solidFill>
+              <a:prstDash val="dash"/>
             </a:ln>
-            <a:effectLst/>
           </p:spPr>
           <p:txBody>
-            <a:bodyPr rtlCol="0" anchor="ctr"/>
+            <a:bodyPr lIns="91440" tIns="45720" rIns="91440" bIns="45720" rtlCol="0" anchor="ctr">
+              <a:noAutofit/>
+            </a:bodyPr>
             <a:lstStyle/>
             <a:p>
-              <a:pPr algn="ctr" defTabSz="914335">
-                <a:buClrTx/>
+              <a:pPr algn="ctr">
                 <a:defRPr/>
               </a:pPr>
-              <a:endParaRPr lang="zh-CN" altLang="en-US" sz="1050" kern="1200" dirty="0">
-                <a:solidFill>
-                  <a:prstClr val="white"/>
-                </a:solidFill>
-                <a:latin typeface="+mj-lt"/>
-                <a:ea typeface="微软雅黑"/>
-                <a:cs typeface="+mn-cs"/>
-              </a:endParaRPr>
+              <a:endParaRPr sz="1200" dirty="0"/>
             </a:p>
           </p:txBody>
         </p:sp>
         <p:sp>
           <p:nvSpPr>
-            <p:cNvPr id="181" name="矩形 180">
+            <p:cNvPr id="215" name="AutoShape 2">
               <a:extLst>
                 <a:ext uri="{FF2B5EF4-FFF2-40B4-BE49-F238E27FC236}">
-                  <a16:creationId xmlns:a16="http://schemas.microsoft.com/office/drawing/2014/main" id="{B6CE7424-8DC1-8043-B337-213D2FF10549}"/>
+                  <a16:creationId xmlns:a16="http://schemas.microsoft.com/office/drawing/2014/main" id="{B03B425F-CCBA-EA2C-A27E-38A7CA7ADD51}"/>
                 </a:ext>
               </a:extLst>
             </p:cNvPr>
@@ -20446,47 +20943,101 @@
           </p:nvSpPr>
           <p:spPr>
             <a:xfrm>
-              <a:off x="3600548" y="4438400"/>
-              <a:ext cx="3607896" cy="716632"/>
+              <a:off x="3618464" y="3860025"/>
+              <a:ext cx="3606840" cy="280219"/>
             </a:xfrm>
             <a:prstGeom prst="rect">
               <a:avLst/>
             </a:prstGeom>
             <a:solidFill>
-              <a:srgbClr val="6A8ED5">
-                <a:alpha val="50000"/>
+              <a:srgbClr val="64E8D6">
+                <a:alpha val="75000"/>
               </a:srgbClr>
             </a:solidFill>
-            <a:ln>
+            <a:ln w="12700" cap="flat">
               <a:noFill/>
+              <a:prstDash val="solid"/>
             </a:ln>
-            <a:effectLst/>
           </p:spPr>
           <p:txBody>
-            <a:bodyPr rtlCol="0" anchor="ctr"/>
+            <a:bodyPr lIns="91440" tIns="45720" rIns="91440" bIns="45720" rtlCol="0" anchor="ctr">
+              <a:noAutofit/>
+            </a:bodyPr>
             <a:lstStyle/>
             <a:p>
-              <a:pPr algn="ctr" defTabSz="914335">
-                <a:buClrTx/>
+              <a:pPr algn="ctr">
                 <a:defRPr/>
               </a:pPr>
-              <a:endParaRPr lang="zh-CN" altLang="en-US" sz="1050" kern="1200" dirty="0">
-                <a:solidFill>
-                  <a:prstClr val="white"/>
-                </a:solidFill>
-                <a:latin typeface="+mj-lt"/>
-                <a:ea typeface="微软雅黑"/>
-                <a:cs typeface="+mn-cs"/>
-              </a:endParaRPr>
+              <a:r>
+                <a:rPr lang="en-US" altLang="zh-CN" sz="1100" dirty="0"/>
+                <a:t>Task Generator</a:t>
+              </a:r>
+              <a:r>
+                <a:rPr lang="en-US" sz="1100" dirty="0"/>
+                <a:t> &amp; Customized Task Model</a:t>
+              </a:r>
+              <a:endParaRPr sz="1100" dirty="0"/>
             </a:p>
           </p:txBody>
         </p:sp>
         <p:sp>
           <p:nvSpPr>
-            <p:cNvPr id="186" name="矩形: 圆角 185">
+            <p:cNvPr id="260" name="AutoShape 27">
               <a:extLst>
                 <a:ext uri="{FF2B5EF4-FFF2-40B4-BE49-F238E27FC236}">
-                  <a16:creationId xmlns:a16="http://schemas.microsoft.com/office/drawing/2014/main" id="{952D6875-5D8B-0F88-09CB-FDA86F46E2D6}"/>
+                  <a16:creationId xmlns:a16="http://schemas.microsoft.com/office/drawing/2014/main" id="{06328E4B-7BD1-D6E1-DF4B-9ED411193124}"/>
+                </a:ext>
+              </a:extLst>
+            </p:cNvPr>
+            <p:cNvSpPr/>
+            <p:nvPr/>
+          </p:nvSpPr>
+          <p:spPr>
+            <a:xfrm rot="10800000">
+              <a:off x="5662158" y="4130648"/>
+              <a:ext cx="192655" cy="192649"/>
+            </a:xfrm>
+            <a:prstGeom prst="downArrow">
+              <a:avLst>
+                <a:gd name="adj1" fmla="val 50000"/>
+                <a:gd name="adj2" fmla="val 50000"/>
+              </a:avLst>
+            </a:prstGeom>
+            <a:ln/>
+          </p:spPr>
+          <p:style>
+            <a:lnRef idx="1">
+              <a:schemeClr val="dk1"/>
+            </a:lnRef>
+            <a:fillRef idx="2">
+              <a:schemeClr val="dk1"/>
+            </a:fillRef>
+            <a:effectRef idx="1">
+              <a:schemeClr val="dk1"/>
+            </a:effectRef>
+            <a:fontRef idx="minor">
+              <a:schemeClr val="dk1"/>
+            </a:fontRef>
+          </p:style>
+          <p:txBody>
+            <a:bodyPr lIns="91440" tIns="45720" rIns="91440" bIns="45720" rtlCol="0" anchor="ctr">
+              <a:noAutofit/>
+            </a:bodyPr>
+            <a:lstStyle/>
+            <a:p>
+              <a:pPr algn="ctr">
+                <a:defRPr/>
+              </a:pPr>
+              <a:endParaRPr sz="1200"/>
+            </a:p>
+          </p:txBody>
+        </p:sp>
+        <p:sp>
+          <p:nvSpPr>
+            <p:cNvPr id="291" name="AutoShape 119">
+              <a:extLst>
+                <a:ext uri="{FF2B5EF4-FFF2-40B4-BE49-F238E27FC236}">
+                  <a16:creationId xmlns:a16="http://schemas.microsoft.com/office/drawing/2014/main" id="{F1527144-A497-F807-ADCB-99602A01FA92}"/>
                 </a:ext>
               </a:extLst>
             </p:cNvPr>
@@ -20495,76 +21046,40 @@
           </p:nvSpPr>
           <p:spPr>
             <a:xfrm>
-              <a:off x="4866052" y="4490935"/>
-              <a:ext cx="1016853" cy="180000"/>
+              <a:off x="3522367" y="4105348"/>
+              <a:ext cx="2784192" cy="215900"/>
             </a:xfrm>
-            <a:prstGeom prst="roundRect">
+            <a:prstGeom prst="rect">
               <a:avLst/>
             </a:prstGeom>
-            <a:gradFill>
-              <a:gsLst>
-                <a:gs pos="0">
-                  <a:srgbClr val="4874CB">
-                    <a:lumOff val="17500"/>
-                  </a:srgbClr>
-                </a:gs>
-                <a:gs pos="100000">
-                  <a:srgbClr val="4874CB"/>
-                </a:gs>
-              </a:gsLst>
-              <a:lin ang="2700000" scaled="0"/>
-            </a:gradFill>
-            <a:ln w="12700" cap="flat" cmpd="sng" algn="ctr">
-              <a:solidFill>
-                <a:srgbClr val="4874CB"/>
-              </a:solidFill>
+            <a:noFill/>
+            <a:ln w="12700">
+              <a:noFill/>
               <a:prstDash val="solid"/>
-              <a:miter lim="800000"/>
             </a:ln>
-            <a:effectLst>
-              <a:outerShdw blurRad="101600" dist="50800" dir="5400000" algn="ctr" rotWithShape="0">
-                <a:srgbClr val="4874CB">
-                  <a:alpha val="60000"/>
-                </a:srgbClr>
-              </a:outerShdw>
-            </a:effectLst>
           </p:spPr>
           <p:txBody>
-            <a:bodyPr rtlCol="0" anchor="ctr"/>
+            <a:bodyPr lIns="91440" tIns="45720" rIns="91440" bIns="45720" rtlCol="0" anchor="t">
+              <a:noAutofit/>
+            </a:bodyPr>
             <a:lstStyle/>
             <a:p>
-              <a:pPr algn="ctr" defTabSz="914335">
-                <a:buClrTx/>
+              <a:pPr>
                 <a:defRPr/>
               </a:pPr>
               <a:r>
-                <a:rPr lang="en-US" altLang="zh-CN" sz="1050" kern="1200" dirty="0">
-                  <a:solidFill>
-                    <a:prstClr val="black"/>
-                  </a:solidFill>
-                  <a:latin typeface="+mj-lt"/>
-                  <a:ea typeface="微软雅黑"/>
-                  <a:cs typeface="Times New Roman" panose="02020603050405020304" pitchFamily="18" charset="0"/>
-                </a:rPr>
-                <a:t>Base Action</a:t>
+                <a:rPr lang="en-US" sz="1100" dirty="0"/>
+                <a:t>Parallel and serial combinations</a:t>
               </a:r>
-              <a:endParaRPr lang="zh-CN" altLang="en-US" sz="1050" kern="1200" dirty="0">
-                <a:solidFill>
-                  <a:prstClr val="black"/>
-                </a:solidFill>
-                <a:latin typeface="+mj-lt"/>
-                <a:ea typeface="微软雅黑"/>
-                <a:cs typeface="Times New Roman" panose="02020603050405020304" pitchFamily="18" charset="0"/>
-              </a:endParaRPr>
             </a:p>
           </p:txBody>
         </p:sp>
         <p:sp>
           <p:nvSpPr>
-            <p:cNvPr id="187" name="矩形: 圆角 186">
+            <p:cNvPr id="30" name="AutoShape 36">
               <a:extLst>
                 <a:ext uri="{FF2B5EF4-FFF2-40B4-BE49-F238E27FC236}">
-                  <a16:creationId xmlns:a16="http://schemas.microsoft.com/office/drawing/2014/main" id="{DBFA2BFE-E434-5CD7-0ECA-BA17613AA200}"/>
+                  <a16:creationId xmlns:a16="http://schemas.microsoft.com/office/drawing/2014/main" id="{8061A5FC-1C87-0DA5-347D-7671B69CE0B8}"/>
                 </a:ext>
               </a:extLst>
             </p:cNvPr>
@@ -20573,76 +21088,64 @@
           </p:nvSpPr>
           <p:spPr>
             <a:xfrm>
-              <a:off x="4183784" y="4820999"/>
-              <a:ext cx="1016853" cy="180000"/>
+              <a:off x="3608528" y="3515611"/>
+              <a:ext cx="3139182" cy="266700"/>
             </a:xfrm>
-            <a:prstGeom prst="roundRect">
+            <a:prstGeom prst="rect">
               <a:avLst/>
             </a:prstGeom>
-            <a:gradFill>
-              <a:gsLst>
-                <a:gs pos="0">
-                  <a:srgbClr val="4874CB">
-                    <a:lumOff val="17500"/>
-                  </a:srgbClr>
-                </a:gs>
-                <a:gs pos="100000">
-                  <a:srgbClr val="4874CB"/>
-                </a:gs>
-              </a:gsLst>
-              <a:lin ang="2700000" scaled="0"/>
-            </a:gradFill>
-            <a:ln w="12700" cap="flat" cmpd="sng" algn="ctr">
-              <a:solidFill>
-                <a:srgbClr val="4874CB"/>
-              </a:solidFill>
+            <a:noFill/>
+            <a:ln w="12700">
+              <a:noFill/>
               <a:prstDash val="solid"/>
-              <a:miter lim="800000"/>
             </a:ln>
-            <a:effectLst>
-              <a:outerShdw blurRad="101600" dist="50800" dir="5400000" algn="ctr" rotWithShape="0">
-                <a:srgbClr val="4874CB">
-                  <a:alpha val="60000"/>
-                </a:srgbClr>
-              </a:outerShdw>
-            </a:effectLst>
           </p:spPr>
           <p:txBody>
-            <a:bodyPr rtlCol="0" anchor="ctr"/>
+            <a:bodyPr lIns="0" tIns="0" rIns="0" bIns="0" rtlCol="0" anchor="ctr">
+              <a:noAutofit/>
+            </a:bodyPr>
             <a:lstStyle/>
             <a:p>
-              <a:pPr algn="ctr" defTabSz="914335">
-                <a:buClrTx/>
+              <a:pPr algn="ctr">
+                <a:lnSpc>
+                  <a:spcPct val="125000"/>
+                </a:lnSpc>
                 <a:defRPr/>
               </a:pPr>
               <a:r>
-                <a:rPr lang="en-US" altLang="zh-CN" sz="1050" kern="1200" dirty="0">
+                <a:rPr lang="en-US" sz="1800" b="1" dirty="0">
                   <a:solidFill>
-                    <a:prstClr val="black"/>
+                    <a:srgbClr val="1F2329"/>
                   </a:solidFill>
-                  <a:latin typeface="+mj-lt"/>
-                  <a:ea typeface="微软雅黑"/>
-                  <a:cs typeface="Times New Roman" panose="02020603050405020304" pitchFamily="18" charset="0"/>
                 </a:rPr>
-                <a:t>Grab Action</a:t>
+                <a:t>EAT Framework</a:t>
               </a:r>
-              <a:endParaRPr lang="zh-CN" altLang="en-US" sz="1050" kern="1200" dirty="0">
-                <a:solidFill>
-                  <a:prstClr val="black"/>
-                </a:solidFill>
-                <a:latin typeface="+mj-lt"/>
-                <a:ea typeface="微软雅黑"/>
-                <a:cs typeface="Times New Roman" panose="02020603050405020304" pitchFamily="18" charset="0"/>
-              </a:endParaRPr>
+              <a:r>
+                <a:rPr lang="en-US" altLang="zh-CN" sz="1800" dirty="0"/>
+                <a:t> (§</a:t>
+              </a:r>
+              <a:r>
+                <a:rPr lang="en-US" altLang="zh-CN" sz="1800" dirty="0">
+                  <a:solidFill>
+                    <a:srgbClr val="FF0000"/>
+                  </a:solidFill>
+                </a:rPr>
+                <a:t>3.3</a:t>
+              </a:r>
+              <a:r>
+                <a:rPr lang="en-US" altLang="zh-CN" sz="1800" dirty="0"/>
+                <a:t>) </a:t>
+              </a:r>
+              <a:endParaRPr lang="en-US" sz="1800" dirty="0"/>
             </a:p>
           </p:txBody>
         </p:sp>
         <p:sp>
           <p:nvSpPr>
-            <p:cNvPr id="188" name="矩形: 圆角 187">
+            <p:cNvPr id="156" name="椭圆 155">
               <a:extLst>
                 <a:ext uri="{FF2B5EF4-FFF2-40B4-BE49-F238E27FC236}">
-                  <a16:creationId xmlns:a16="http://schemas.microsoft.com/office/drawing/2014/main" id="{6699670C-5A30-90E7-AD92-F463FA240989}"/>
+                  <a16:creationId xmlns:a16="http://schemas.microsoft.com/office/drawing/2014/main" id="{3A5D8D50-4255-6195-1F65-E9533CB4D5CE}"/>
                 </a:ext>
               </a:extLst>
             </p:cNvPr>
@@ -20651,1068 +21154,45 @@
           </p:nvSpPr>
           <p:spPr>
             <a:xfrm>
-              <a:off x="5530114" y="4822176"/>
-              <a:ext cx="1155013" cy="180000"/>
+              <a:off x="3653938" y="3533023"/>
+              <a:ext cx="292100" cy="280219"/>
             </a:xfrm>
-            <a:prstGeom prst="roundRect">
+            <a:prstGeom prst="ellipse">
               <a:avLst/>
             </a:prstGeom>
-            <a:gradFill>
-              <a:gsLst>
-                <a:gs pos="0">
-                  <a:srgbClr val="4874CB">
-                    <a:lumOff val="17500"/>
-                  </a:srgbClr>
-                </a:gs>
-                <a:gs pos="100000">
-                  <a:srgbClr val="4874CB"/>
-                </a:gs>
-              </a:gsLst>
-              <a:lin ang="2700000" scaled="0"/>
-            </a:gradFill>
-            <a:ln w="12700" cap="flat" cmpd="sng" algn="ctr">
-              <a:solidFill>
-                <a:srgbClr val="4874CB"/>
-              </a:solidFill>
-              <a:prstDash val="solid"/>
-              <a:miter lim="800000"/>
+            <a:ln>
+              <a:noFill/>
             </a:ln>
-            <a:effectLst>
-              <a:outerShdw blurRad="101600" dist="50800" dir="5400000" algn="ctr" rotWithShape="0">
-                <a:srgbClr val="4874CB">
-                  <a:alpha val="60000"/>
-                </a:srgbClr>
-              </a:outerShdw>
-            </a:effectLst>
           </p:spPr>
+          <p:style>
+            <a:lnRef idx="2">
+              <a:schemeClr val="accent1">
+                <a:shade val="15000"/>
+              </a:schemeClr>
+            </a:lnRef>
+            <a:fillRef idx="1">
+              <a:schemeClr val="accent1"/>
+            </a:fillRef>
+            <a:effectRef idx="0">
+              <a:schemeClr val="accent1"/>
+            </a:effectRef>
+            <a:fontRef idx="minor">
+              <a:schemeClr val="lt1"/>
+            </a:fontRef>
+          </p:style>
           <p:txBody>
             <a:bodyPr rtlCol="0" anchor="ctr"/>
             <a:lstStyle/>
             <a:p>
-              <a:pPr algn="ctr" defTabSz="914335">
-                <a:buClrTx/>
-                <a:defRPr/>
-              </a:pPr>
+              <a:pPr algn="ctr"/>
               <a:r>
-                <a:rPr lang="en-US" altLang="zh-CN" sz="1050" kern="1200" dirty="0">
-                  <a:solidFill>
-                    <a:prstClr val="black"/>
-                  </a:solidFill>
-                  <a:latin typeface="+mj-lt"/>
-                  <a:ea typeface="微软雅黑"/>
-                  <a:cs typeface="Times New Roman" panose="02020603050405020304" pitchFamily="18" charset="0"/>
-                </a:rPr>
-                <a:t>Trigger Action</a:t>
+                <a:rPr lang="en-US" altLang="zh-CN" sz="1800" dirty="0"/>
+                <a:t>C</a:t>
               </a:r>
-              <a:endParaRPr lang="zh-CN" altLang="en-US" sz="1050" kern="1200" dirty="0">
-                <a:solidFill>
-                  <a:prstClr val="black"/>
-                </a:solidFill>
-                <a:latin typeface="+mj-lt"/>
-                <a:ea typeface="微软雅黑"/>
-                <a:cs typeface="Times New Roman" panose="02020603050405020304" pitchFamily="18" charset="0"/>
-              </a:endParaRPr>
+              <a:endParaRPr lang="zh-CN" altLang="en-US" sz="1800" dirty="0"/>
             </a:p>
           </p:txBody>
         </p:sp>
-        <p:sp>
-          <p:nvSpPr>
-            <p:cNvPr id="189" name="文本框 188">
-              <a:extLst>
-                <a:ext uri="{FF2B5EF4-FFF2-40B4-BE49-F238E27FC236}">
-                  <a16:creationId xmlns:a16="http://schemas.microsoft.com/office/drawing/2014/main" id="{3BB0CF74-328E-E94D-EB10-8498CCA95E90}"/>
-                </a:ext>
-              </a:extLst>
-            </p:cNvPr>
-            <p:cNvSpPr txBox="1"/>
-            <p:nvPr/>
-          </p:nvSpPr>
-          <p:spPr>
-            <a:xfrm>
-              <a:off x="5077731" y="4616813"/>
-              <a:ext cx="573466" cy="256931"/>
-            </a:xfrm>
-            <a:prstGeom prst="rect">
-              <a:avLst/>
-            </a:prstGeom>
-            <a:noFill/>
-          </p:spPr>
-          <p:txBody>
-            <a:bodyPr wrap="square" rtlCol="0">
-              <a:spAutoFit/>
-            </a:bodyPr>
-            <a:lstStyle/>
-            <a:p>
-              <a:pPr defTabSz="914335">
-                <a:buClrTx/>
-                <a:defRPr/>
-              </a:pPr>
-              <a:r>
-                <a:rPr lang="en-US" altLang="zh-CN" sz="1050" kern="1200" dirty="0">
-                  <a:solidFill>
-                    <a:prstClr val="black"/>
-                  </a:solidFill>
-                  <a:latin typeface="+mj-lt"/>
-                  <a:ea typeface="微软雅黑"/>
-                  <a:cs typeface="Times New Roman" panose="02020603050405020304" pitchFamily="18" charset="0"/>
-                </a:rPr>
-                <a:t>Inherit</a:t>
-              </a:r>
-              <a:endParaRPr lang="zh-CN" altLang="en-US" sz="1050" kern="1200" dirty="0">
-                <a:solidFill>
-                  <a:prstClr val="black"/>
-                </a:solidFill>
-                <a:latin typeface="+mj-lt"/>
-                <a:ea typeface="微软雅黑"/>
-                <a:cs typeface="Times New Roman" panose="02020603050405020304" pitchFamily="18" charset="0"/>
-              </a:endParaRPr>
-            </a:p>
-          </p:txBody>
-        </p:sp>
-        <p:cxnSp>
-          <p:nvCxnSpPr>
-            <p:cNvPr id="190" name="连接符: 曲线 189">
-              <a:extLst>
-                <a:ext uri="{FF2B5EF4-FFF2-40B4-BE49-F238E27FC236}">
-                  <a16:creationId xmlns:a16="http://schemas.microsoft.com/office/drawing/2014/main" id="{63F61584-454A-5D63-0B16-589ACED6A258}"/>
-                </a:ext>
-              </a:extLst>
-            </p:cNvPr>
-            <p:cNvCxnSpPr>
-              <a:cxnSpLocks/>
-              <a:stCxn id="187" idx="0"/>
-              <a:endCxn id="186" idx="1"/>
-            </p:cNvCxnSpPr>
-            <p:nvPr/>
-          </p:nvCxnSpPr>
-          <p:spPr>
-            <a:xfrm rot="5400000" flipH="1" flipV="1">
-              <a:off x="4659099" y="4614047"/>
-              <a:ext cx="240064" cy="173841"/>
-            </a:xfrm>
-            <a:prstGeom prst="curvedConnector2">
-              <a:avLst/>
-            </a:prstGeom>
-            <a:noFill/>
-            <a:ln w="25400" cap="flat" cmpd="sng" algn="ctr">
-              <a:solidFill>
-                <a:sysClr val="windowText" lastClr="000000"/>
-              </a:solidFill>
-              <a:prstDash val="solid"/>
-              <a:miter lim="800000"/>
-              <a:tailEnd type="triangle"/>
-            </a:ln>
-            <a:effectLst/>
-          </p:spPr>
-        </p:cxnSp>
-        <p:cxnSp>
-          <p:nvCxnSpPr>
-            <p:cNvPr id="191" name="连接符: 曲线 190">
-              <a:extLst>
-                <a:ext uri="{FF2B5EF4-FFF2-40B4-BE49-F238E27FC236}">
-                  <a16:creationId xmlns:a16="http://schemas.microsoft.com/office/drawing/2014/main" id="{D0DD4E76-05D9-1CC3-43DD-9DC3E19F6319}"/>
-                </a:ext>
-              </a:extLst>
-            </p:cNvPr>
-            <p:cNvCxnSpPr>
-              <a:cxnSpLocks/>
-              <a:stCxn id="188" idx="0"/>
-              <a:endCxn id="186" idx="3"/>
-            </p:cNvCxnSpPr>
-            <p:nvPr/>
-          </p:nvCxnSpPr>
-          <p:spPr>
-            <a:xfrm rot="16200000" flipV="1">
-              <a:off x="5874643" y="4589198"/>
-              <a:ext cx="241241" cy="224716"/>
-            </a:xfrm>
-            <a:prstGeom prst="curvedConnector2">
-              <a:avLst/>
-            </a:prstGeom>
-            <a:noFill/>
-            <a:ln w="25400" cap="flat" cmpd="sng" algn="ctr">
-              <a:solidFill>
-                <a:sysClr val="windowText" lastClr="000000"/>
-              </a:solidFill>
-              <a:prstDash val="solid"/>
-              <a:miter lim="800000"/>
-              <a:tailEnd type="triangle"/>
-            </a:ln>
-            <a:effectLst/>
-          </p:spPr>
-        </p:cxnSp>
-        <p:sp>
-          <p:nvSpPr>
-            <p:cNvPr id="192" name="矩形: 圆角 191">
-              <a:extLst>
-                <a:ext uri="{FF2B5EF4-FFF2-40B4-BE49-F238E27FC236}">
-                  <a16:creationId xmlns:a16="http://schemas.microsoft.com/office/drawing/2014/main" id="{B7BB51EE-A68C-13DC-5B90-C5E212D8472D}"/>
-                </a:ext>
-              </a:extLst>
-            </p:cNvPr>
-            <p:cNvSpPr/>
-            <p:nvPr/>
-          </p:nvSpPr>
-          <p:spPr>
-            <a:xfrm>
-              <a:off x="4858393" y="5233359"/>
-              <a:ext cx="1016853" cy="180000"/>
-            </a:xfrm>
-            <a:prstGeom prst="roundRect">
-              <a:avLst/>
-            </a:prstGeom>
-            <a:gradFill>
-              <a:gsLst>
-                <a:gs pos="0">
-                  <a:srgbClr val="EE822F">
-                    <a:lumOff val="17500"/>
-                  </a:srgbClr>
-                </a:gs>
-                <a:gs pos="100000">
-                  <a:srgbClr val="EE822F"/>
-                </a:gs>
-              </a:gsLst>
-              <a:lin ang="2700000" scaled="0"/>
-            </a:gradFill>
-            <a:ln w="12700" cap="flat" cmpd="sng" algn="ctr">
-              <a:solidFill>
-                <a:srgbClr val="EE822F"/>
-              </a:solidFill>
-              <a:prstDash val="solid"/>
-              <a:miter lim="800000"/>
-            </a:ln>
-            <a:effectLst>
-              <a:outerShdw blurRad="101600" dist="50800" dir="5400000" algn="ctr" rotWithShape="0">
-                <a:srgbClr val="EE822F">
-                  <a:alpha val="60000"/>
-                </a:srgbClr>
-              </a:outerShdw>
-            </a:effectLst>
-          </p:spPr>
-          <p:txBody>
-            <a:bodyPr rtlCol="0" anchor="ctr"/>
-            <a:lstStyle/>
-            <a:p>
-              <a:pPr algn="ctr" defTabSz="914335">
-                <a:buClrTx/>
-                <a:defRPr/>
-              </a:pPr>
-              <a:r>
-                <a:rPr lang="en-US" altLang="zh-CN" sz="1050" kern="1200" dirty="0">
-                  <a:solidFill>
-                    <a:prstClr val="black"/>
-                  </a:solidFill>
-                  <a:latin typeface="+mj-lt"/>
-                  <a:ea typeface="微软雅黑"/>
-                  <a:cs typeface="Times New Roman" panose="02020603050405020304" pitchFamily="18" charset="0"/>
-                </a:rPr>
-                <a:t>Base Entity</a:t>
-              </a:r>
-              <a:endParaRPr lang="zh-CN" altLang="en-US" sz="1050" kern="1200" dirty="0">
-                <a:solidFill>
-                  <a:prstClr val="black"/>
-                </a:solidFill>
-                <a:latin typeface="+mj-lt"/>
-                <a:ea typeface="微软雅黑"/>
-                <a:cs typeface="Times New Roman" panose="02020603050405020304" pitchFamily="18" charset="0"/>
-              </a:endParaRPr>
-            </a:p>
-          </p:txBody>
-        </p:sp>
-        <p:sp>
-          <p:nvSpPr>
-            <p:cNvPr id="193" name="矩形: 圆角 192">
-              <a:extLst>
-                <a:ext uri="{FF2B5EF4-FFF2-40B4-BE49-F238E27FC236}">
-                  <a16:creationId xmlns:a16="http://schemas.microsoft.com/office/drawing/2014/main" id="{F5E5DF41-85F5-4ED4-F646-F8FAFE89C792}"/>
-                </a:ext>
-              </a:extLst>
-            </p:cNvPr>
-            <p:cNvSpPr/>
-            <p:nvPr/>
-          </p:nvSpPr>
-          <p:spPr>
-            <a:xfrm>
-              <a:off x="3932935" y="5675324"/>
-              <a:ext cx="1290461" cy="180000"/>
-            </a:xfrm>
-            <a:prstGeom prst="roundRect">
-              <a:avLst/>
-            </a:prstGeom>
-            <a:gradFill>
-              <a:gsLst>
-                <a:gs pos="0">
-                  <a:srgbClr val="EE822F">
-                    <a:lumOff val="17500"/>
-                  </a:srgbClr>
-                </a:gs>
-                <a:gs pos="100000">
-                  <a:srgbClr val="EE822F"/>
-                </a:gs>
-              </a:gsLst>
-              <a:lin ang="2700000" scaled="0"/>
-            </a:gradFill>
-            <a:ln w="12700" cap="flat" cmpd="sng" algn="ctr">
-              <a:solidFill>
-                <a:srgbClr val="EE822F"/>
-              </a:solidFill>
-              <a:prstDash val="solid"/>
-              <a:miter lim="800000"/>
-            </a:ln>
-            <a:effectLst>
-              <a:outerShdw blurRad="101600" dist="50800" dir="5400000" algn="ctr" rotWithShape="0">
-                <a:srgbClr val="EE822F">
-                  <a:alpha val="60000"/>
-                </a:srgbClr>
-              </a:outerShdw>
-            </a:effectLst>
-          </p:spPr>
-          <p:txBody>
-            <a:bodyPr rtlCol="0" anchor="ctr"/>
-            <a:lstStyle/>
-            <a:p>
-              <a:pPr algn="ctr" defTabSz="914335">
-                <a:buClrTx/>
-                <a:defRPr/>
-              </a:pPr>
-              <a:r>
-                <a:rPr lang="en-US" altLang="zh-CN" sz="1050" kern="1200" dirty="0">
-                  <a:solidFill>
-                    <a:prstClr val="black"/>
-                  </a:solidFill>
-                  <a:latin typeface="+mj-lt"/>
-                  <a:ea typeface="微软雅黑"/>
-                  <a:cs typeface="Times New Roman" panose="02020603050405020304" pitchFamily="18" charset="0"/>
-                </a:rPr>
-                <a:t>Grabbable Entity</a:t>
-              </a:r>
-              <a:endParaRPr lang="zh-CN" altLang="en-US" sz="1050" kern="1200" dirty="0">
-                <a:solidFill>
-                  <a:prstClr val="black"/>
-                </a:solidFill>
-                <a:latin typeface="+mj-lt"/>
-                <a:ea typeface="微软雅黑"/>
-                <a:cs typeface="Times New Roman" panose="02020603050405020304" pitchFamily="18" charset="0"/>
-              </a:endParaRPr>
-            </a:p>
-          </p:txBody>
-        </p:sp>
-        <p:sp>
-          <p:nvSpPr>
-            <p:cNvPr id="194" name="矩形: 圆角 193">
-              <a:extLst>
-                <a:ext uri="{FF2B5EF4-FFF2-40B4-BE49-F238E27FC236}">
-                  <a16:creationId xmlns:a16="http://schemas.microsoft.com/office/drawing/2014/main" id="{ED2DE75C-2E52-5D63-2AAE-567535DCFE88}"/>
-                </a:ext>
-              </a:extLst>
-            </p:cNvPr>
-            <p:cNvSpPr/>
-            <p:nvPr/>
-          </p:nvSpPr>
-          <p:spPr>
-            <a:xfrm>
-              <a:off x="5530114" y="5690061"/>
-              <a:ext cx="1375593" cy="180000"/>
-            </a:xfrm>
-            <a:prstGeom prst="roundRect">
-              <a:avLst/>
-            </a:prstGeom>
-            <a:gradFill>
-              <a:gsLst>
-                <a:gs pos="0">
-                  <a:srgbClr val="EE822F">
-                    <a:lumOff val="17500"/>
-                  </a:srgbClr>
-                </a:gs>
-                <a:gs pos="100000">
-                  <a:srgbClr val="EE822F"/>
-                </a:gs>
-              </a:gsLst>
-              <a:lin ang="2700000" scaled="0"/>
-            </a:gradFill>
-            <a:ln w="12700" cap="flat" cmpd="sng" algn="ctr">
-              <a:solidFill>
-                <a:srgbClr val="EE822F"/>
-              </a:solidFill>
-              <a:prstDash val="solid"/>
-              <a:miter lim="800000"/>
-            </a:ln>
-            <a:effectLst>
-              <a:outerShdw blurRad="101600" dist="50800" dir="5400000" algn="ctr" rotWithShape="0">
-                <a:srgbClr val="EE822F">
-                  <a:alpha val="60000"/>
-                </a:srgbClr>
-              </a:outerShdw>
-            </a:effectLst>
-          </p:spPr>
-          <p:txBody>
-            <a:bodyPr rtlCol="0" anchor="ctr"/>
-            <a:lstStyle/>
-            <a:p>
-              <a:pPr algn="ctr" defTabSz="914335">
-                <a:buClrTx/>
-                <a:defRPr/>
-              </a:pPr>
-              <a:r>
-                <a:rPr lang="en-US" altLang="zh-CN" sz="1050" kern="1200" dirty="0">
-                  <a:solidFill>
-                    <a:prstClr val="black"/>
-                  </a:solidFill>
-                  <a:latin typeface="+mj-lt"/>
-                  <a:ea typeface="微软雅黑"/>
-                  <a:cs typeface="Times New Roman" panose="02020603050405020304" pitchFamily="18" charset="0"/>
-                </a:rPr>
-                <a:t>Triggerable Entity</a:t>
-              </a:r>
-              <a:endParaRPr lang="zh-CN" altLang="en-US" sz="1050" kern="1200" dirty="0">
-                <a:solidFill>
-                  <a:prstClr val="black"/>
-                </a:solidFill>
-                <a:latin typeface="+mj-lt"/>
-                <a:ea typeface="微软雅黑"/>
-                <a:cs typeface="Times New Roman" panose="02020603050405020304" pitchFamily="18" charset="0"/>
-              </a:endParaRPr>
-            </a:p>
-          </p:txBody>
-        </p:sp>
-        <p:sp>
-          <p:nvSpPr>
-            <p:cNvPr id="195" name="文本框 194">
-              <a:extLst>
-                <a:ext uri="{FF2B5EF4-FFF2-40B4-BE49-F238E27FC236}">
-                  <a16:creationId xmlns:a16="http://schemas.microsoft.com/office/drawing/2014/main" id="{EADEA7D4-962A-8218-A71C-A658A03EB4B1}"/>
-                </a:ext>
-              </a:extLst>
-            </p:cNvPr>
-            <p:cNvSpPr txBox="1"/>
-            <p:nvPr/>
-          </p:nvSpPr>
-          <p:spPr>
-            <a:xfrm>
-              <a:off x="5096484" y="5395413"/>
-              <a:ext cx="573466" cy="256931"/>
-            </a:xfrm>
-            <a:prstGeom prst="rect">
-              <a:avLst/>
-            </a:prstGeom>
-            <a:noFill/>
-          </p:spPr>
-          <p:txBody>
-            <a:bodyPr wrap="square" rtlCol="0">
-              <a:spAutoFit/>
-            </a:bodyPr>
-            <a:lstStyle/>
-            <a:p>
-              <a:pPr defTabSz="914335">
-                <a:buClrTx/>
-                <a:defRPr/>
-              </a:pPr>
-              <a:r>
-                <a:rPr lang="en-US" altLang="zh-CN" sz="1050" kern="1200" dirty="0">
-                  <a:solidFill>
-                    <a:prstClr val="black"/>
-                  </a:solidFill>
-                  <a:latin typeface="+mj-lt"/>
-                  <a:ea typeface="微软雅黑"/>
-                  <a:cs typeface="Times New Roman" panose="02020603050405020304" pitchFamily="18" charset="0"/>
-                </a:rPr>
-                <a:t>Inherit</a:t>
-              </a:r>
-              <a:endParaRPr lang="zh-CN" altLang="en-US" sz="1050" kern="1200" dirty="0">
-                <a:solidFill>
-                  <a:prstClr val="black"/>
-                </a:solidFill>
-                <a:latin typeface="+mj-lt"/>
-                <a:ea typeface="微软雅黑"/>
-                <a:cs typeface="Times New Roman" panose="02020603050405020304" pitchFamily="18" charset="0"/>
-              </a:endParaRPr>
-            </a:p>
-          </p:txBody>
-        </p:sp>
-        <p:cxnSp>
-          <p:nvCxnSpPr>
-            <p:cNvPr id="196" name="连接符: 曲线 195">
-              <a:extLst>
-                <a:ext uri="{FF2B5EF4-FFF2-40B4-BE49-F238E27FC236}">
-                  <a16:creationId xmlns:a16="http://schemas.microsoft.com/office/drawing/2014/main" id="{97F6C8EA-CD22-1811-4A2B-8DD19A89FC1D}"/>
-                </a:ext>
-              </a:extLst>
-            </p:cNvPr>
-            <p:cNvCxnSpPr>
-              <a:cxnSpLocks/>
-              <a:stCxn id="193" idx="0"/>
-              <a:endCxn id="192" idx="1"/>
-            </p:cNvCxnSpPr>
-            <p:nvPr/>
-          </p:nvCxnSpPr>
-          <p:spPr>
-            <a:xfrm rot="5400000" flipH="1" flipV="1">
-              <a:off x="4542297" y="5359227"/>
-              <a:ext cx="351965" cy="280228"/>
-            </a:xfrm>
-            <a:prstGeom prst="curvedConnector2">
-              <a:avLst/>
-            </a:prstGeom>
-            <a:noFill/>
-            <a:ln w="25400" cap="flat" cmpd="sng" algn="ctr">
-              <a:solidFill>
-                <a:sysClr val="windowText" lastClr="000000"/>
-              </a:solidFill>
-              <a:prstDash val="solid"/>
-              <a:miter lim="800000"/>
-              <a:tailEnd type="triangle"/>
-            </a:ln>
-            <a:effectLst/>
-          </p:spPr>
-        </p:cxnSp>
-        <p:cxnSp>
-          <p:nvCxnSpPr>
-            <p:cNvPr id="197" name="连接符: 曲线 196">
-              <a:extLst>
-                <a:ext uri="{FF2B5EF4-FFF2-40B4-BE49-F238E27FC236}">
-                  <a16:creationId xmlns:a16="http://schemas.microsoft.com/office/drawing/2014/main" id="{96223471-2FF8-6C11-D1A1-9B4597A71356}"/>
-                </a:ext>
-              </a:extLst>
-            </p:cNvPr>
-            <p:cNvCxnSpPr>
-              <a:cxnSpLocks/>
-              <a:stCxn id="194" idx="0"/>
-              <a:endCxn id="192" idx="3"/>
-            </p:cNvCxnSpPr>
-            <p:nvPr/>
-          </p:nvCxnSpPr>
-          <p:spPr>
-            <a:xfrm rot="16200000" flipV="1">
-              <a:off x="5863229" y="5335377"/>
-              <a:ext cx="366703" cy="342665"/>
-            </a:xfrm>
-            <a:prstGeom prst="curvedConnector2">
-              <a:avLst/>
-            </a:prstGeom>
-            <a:noFill/>
-            <a:ln w="25400" cap="flat" cmpd="sng" algn="ctr">
-              <a:solidFill>
-                <a:sysClr val="windowText" lastClr="000000"/>
-              </a:solidFill>
-              <a:prstDash val="solid"/>
-              <a:miter lim="800000"/>
-              <a:tailEnd type="triangle"/>
-            </a:ln>
-            <a:effectLst/>
-          </p:spPr>
-        </p:cxnSp>
-        <p:cxnSp>
-          <p:nvCxnSpPr>
-            <p:cNvPr id="205" name="连接符: 曲线 204">
-              <a:extLst>
-                <a:ext uri="{FF2B5EF4-FFF2-40B4-BE49-F238E27FC236}">
-                  <a16:creationId xmlns:a16="http://schemas.microsoft.com/office/drawing/2014/main" id="{3A11CA9D-C8E0-A8D1-1B22-F1D7AC5CC81B}"/>
-                </a:ext>
-              </a:extLst>
-            </p:cNvPr>
-            <p:cNvCxnSpPr>
-              <a:cxnSpLocks/>
-              <a:stCxn id="187" idx="1"/>
-              <a:endCxn id="193" idx="1"/>
-            </p:cNvCxnSpPr>
-            <p:nvPr/>
-          </p:nvCxnSpPr>
-          <p:spPr>
-            <a:xfrm rot="10800000" flipV="1">
-              <a:off x="3932935" y="4910999"/>
-              <a:ext cx="250848" cy="854325"/>
-            </a:xfrm>
-            <a:prstGeom prst="curvedConnector3">
-              <a:avLst>
-                <a:gd name="adj1" fmla="val 191131"/>
-              </a:avLst>
-            </a:prstGeom>
-            <a:noFill/>
-            <a:ln w="50800" cap="flat" cmpd="sng" algn="ctr">
-              <a:solidFill>
-                <a:srgbClr val="4874CB"/>
-              </a:solidFill>
-              <a:prstDash val="solid"/>
-              <a:miter lim="800000"/>
-              <a:tailEnd type="triangle"/>
-            </a:ln>
-            <a:effectLst/>
-          </p:spPr>
-        </p:cxnSp>
-        <p:cxnSp>
-          <p:nvCxnSpPr>
-            <p:cNvPr id="206" name="连接符: 曲线 205">
-              <a:extLst>
-                <a:ext uri="{FF2B5EF4-FFF2-40B4-BE49-F238E27FC236}">
-                  <a16:creationId xmlns:a16="http://schemas.microsoft.com/office/drawing/2014/main" id="{D93F31B8-FC78-41A4-519D-2BE801C1E82F}"/>
-                </a:ext>
-              </a:extLst>
-            </p:cNvPr>
-            <p:cNvCxnSpPr>
-              <a:cxnSpLocks/>
-              <a:stCxn id="188" idx="3"/>
-              <a:endCxn id="194" idx="3"/>
-            </p:cNvCxnSpPr>
-            <p:nvPr/>
-          </p:nvCxnSpPr>
-          <p:spPr>
-            <a:xfrm>
-              <a:off x="6685128" y="4912176"/>
-              <a:ext cx="220581" cy="867885"/>
-            </a:xfrm>
-            <a:prstGeom prst="curvedConnector3">
-              <a:avLst>
-                <a:gd name="adj1" fmla="val 203635"/>
-              </a:avLst>
-            </a:prstGeom>
-            <a:noFill/>
-            <a:ln w="50800" cap="flat" cmpd="sng" algn="ctr">
-              <a:solidFill>
-                <a:srgbClr val="4874CB"/>
-              </a:solidFill>
-              <a:prstDash val="solid"/>
-              <a:miter lim="800000"/>
-              <a:tailEnd type="triangle"/>
-            </a:ln>
-            <a:effectLst/>
-          </p:spPr>
-        </p:cxnSp>
-        <p:sp>
-          <p:nvSpPr>
-            <p:cNvPr id="208" name="文本框 207">
-              <a:extLst>
-                <a:ext uri="{FF2B5EF4-FFF2-40B4-BE49-F238E27FC236}">
-                  <a16:creationId xmlns:a16="http://schemas.microsoft.com/office/drawing/2014/main" id="{FC7F1986-8F04-8A47-7357-B383FD56FCC9}"/>
-                </a:ext>
-              </a:extLst>
-            </p:cNvPr>
-            <p:cNvSpPr txBox="1"/>
-            <p:nvPr/>
-          </p:nvSpPr>
-          <p:spPr>
-            <a:xfrm>
-              <a:off x="3711710" y="5206711"/>
-              <a:ext cx="693736" cy="256931"/>
-            </a:xfrm>
-            <a:prstGeom prst="rect">
-              <a:avLst/>
-            </a:prstGeom>
-            <a:noFill/>
-          </p:spPr>
-          <p:txBody>
-            <a:bodyPr wrap="square" rtlCol="0">
-              <a:spAutoFit/>
-            </a:bodyPr>
-            <a:lstStyle/>
-            <a:p>
-              <a:pPr defTabSz="914335">
-                <a:buClrTx/>
-                <a:defRPr/>
-              </a:pPr>
-              <a:r>
-                <a:rPr lang="en-US" altLang="zh-CN" sz="1050" kern="1200" dirty="0">
-                  <a:solidFill>
-                    <a:prstClr val="black"/>
-                  </a:solidFill>
-                  <a:latin typeface="+mj-lt"/>
-                  <a:ea typeface="微软雅黑"/>
-                  <a:cs typeface="Times New Roman" panose="02020603050405020304" pitchFamily="18" charset="0"/>
-                </a:rPr>
-                <a:t>Grab</a:t>
-              </a:r>
-              <a:endParaRPr lang="zh-CN" altLang="en-US" sz="1050" kern="1200" dirty="0">
-                <a:solidFill>
-                  <a:prstClr val="black"/>
-                </a:solidFill>
-                <a:latin typeface="+mj-lt"/>
-                <a:ea typeface="微软雅黑"/>
-                <a:cs typeface="Times New Roman" panose="02020603050405020304" pitchFamily="18" charset="0"/>
-              </a:endParaRPr>
-            </a:p>
-          </p:txBody>
-        </p:sp>
-        <p:sp>
-          <p:nvSpPr>
-            <p:cNvPr id="210" name="文本框 209">
-              <a:extLst>
-                <a:ext uri="{FF2B5EF4-FFF2-40B4-BE49-F238E27FC236}">
-                  <a16:creationId xmlns:a16="http://schemas.microsoft.com/office/drawing/2014/main" id="{AA0AD51C-76DD-925C-089F-70C52EA072F8}"/>
-                </a:ext>
-              </a:extLst>
-            </p:cNvPr>
-            <p:cNvSpPr txBox="1"/>
-            <p:nvPr/>
-          </p:nvSpPr>
-          <p:spPr>
-            <a:xfrm>
-              <a:off x="6485805" y="5181194"/>
-              <a:ext cx="690374" cy="256931"/>
-            </a:xfrm>
-            <a:prstGeom prst="rect">
-              <a:avLst/>
-            </a:prstGeom>
-            <a:noFill/>
-          </p:spPr>
-          <p:txBody>
-            <a:bodyPr wrap="square" rtlCol="0">
-              <a:spAutoFit/>
-            </a:bodyPr>
-            <a:lstStyle/>
-            <a:p>
-              <a:pPr defTabSz="914335">
-                <a:buClrTx/>
-                <a:defRPr/>
-              </a:pPr>
-              <a:r>
-                <a:rPr lang="en-US" altLang="zh-CN" sz="1050" kern="1200" dirty="0">
-                  <a:solidFill>
-                    <a:prstClr val="black"/>
-                  </a:solidFill>
-                  <a:latin typeface="+mj-lt"/>
-                  <a:ea typeface="微软雅黑"/>
-                  <a:cs typeface="Times New Roman" panose="02020603050405020304" pitchFamily="18" charset="0"/>
-                </a:rPr>
-                <a:t>Trigger</a:t>
-              </a:r>
-              <a:endParaRPr lang="zh-CN" altLang="en-US" sz="1050" kern="1200" dirty="0">
-                <a:solidFill>
-                  <a:prstClr val="black"/>
-                </a:solidFill>
-                <a:latin typeface="+mj-lt"/>
-                <a:ea typeface="微软雅黑"/>
-                <a:cs typeface="Times New Roman" panose="02020603050405020304" pitchFamily="18" charset="0"/>
-              </a:endParaRPr>
-            </a:p>
-          </p:txBody>
-        </p:sp>
-        <p:grpSp>
-          <p:nvGrpSpPr>
-            <p:cNvPr id="55" name="组合 54">
-              <a:extLst>
-                <a:ext uri="{FF2B5EF4-FFF2-40B4-BE49-F238E27FC236}">
-                  <a16:creationId xmlns:a16="http://schemas.microsoft.com/office/drawing/2014/main" id="{024C2AB6-CC94-C65B-7B67-F3B45A9A8CDE}"/>
-                </a:ext>
-              </a:extLst>
-            </p:cNvPr>
-            <p:cNvGrpSpPr/>
-            <p:nvPr/>
-          </p:nvGrpSpPr>
-          <p:grpSpPr>
-            <a:xfrm>
-              <a:off x="3449934" y="3436915"/>
-              <a:ext cx="3894239" cy="2618479"/>
-              <a:chOff x="3488650" y="3452121"/>
-              <a:chExt cx="3894239" cy="2618479"/>
-            </a:xfrm>
-          </p:grpSpPr>
-          <p:sp>
-            <p:nvSpPr>
-              <p:cNvPr id="4" name="AutoShape 5">
-                <a:extLst>
-                  <a:ext uri="{FF2B5EF4-FFF2-40B4-BE49-F238E27FC236}">
-                    <a16:creationId xmlns:a16="http://schemas.microsoft.com/office/drawing/2014/main" id="{78532F2D-405A-CC8F-32A6-F02D41D381DF}"/>
-                  </a:ext>
-                </a:extLst>
-              </p:cNvPr>
-              <p:cNvSpPr/>
-              <p:nvPr/>
-            </p:nvSpPr>
-            <p:spPr>
-              <a:xfrm>
-                <a:off x="3488650" y="3452121"/>
-                <a:ext cx="3894239" cy="2618479"/>
-              </a:xfrm>
-              <a:prstGeom prst="roundRect">
-                <a:avLst>
-                  <a:gd name="adj" fmla="val 0"/>
-                </a:avLst>
-              </a:prstGeom>
-              <a:noFill/>
-              <a:ln w="31750" cap="flat" cmpd="sng">
-                <a:solidFill>
-                  <a:srgbClr val="00B050"/>
-                </a:solidFill>
-                <a:prstDash val="dash"/>
-              </a:ln>
-            </p:spPr>
-            <p:txBody>
-              <a:bodyPr lIns="91440" tIns="45720" rIns="91440" bIns="45720" rtlCol="0" anchor="ctr">
-                <a:noAutofit/>
-              </a:bodyPr>
-              <a:lstStyle/>
-              <a:p>
-                <a:pPr algn="ctr">
-                  <a:defRPr/>
-                </a:pPr>
-                <a:endParaRPr sz="1200" dirty="0"/>
-              </a:p>
-            </p:txBody>
-          </p:sp>
-          <p:sp>
-            <p:nvSpPr>
-              <p:cNvPr id="215" name="AutoShape 2">
-                <a:extLst>
-                  <a:ext uri="{FF2B5EF4-FFF2-40B4-BE49-F238E27FC236}">
-                    <a16:creationId xmlns:a16="http://schemas.microsoft.com/office/drawing/2014/main" id="{B03B425F-CCBA-EA2C-A27E-38A7CA7ADD51}"/>
-                  </a:ext>
-                </a:extLst>
-              </p:cNvPr>
-              <p:cNvSpPr/>
-              <p:nvPr/>
-            </p:nvSpPr>
-            <p:spPr>
-              <a:xfrm>
-                <a:off x="3618464" y="3860025"/>
-                <a:ext cx="3606840" cy="408044"/>
-              </a:xfrm>
-              <a:prstGeom prst="rect">
-                <a:avLst/>
-              </a:prstGeom>
-              <a:solidFill>
-                <a:srgbClr val="64E8D6">
-                  <a:alpha val="75000"/>
-                </a:srgbClr>
-              </a:solidFill>
-              <a:ln w="12700" cap="flat">
-                <a:noFill/>
-                <a:prstDash val="solid"/>
-              </a:ln>
-            </p:spPr>
-            <p:txBody>
-              <a:bodyPr lIns="91440" tIns="45720" rIns="91440" bIns="45720" rtlCol="0" anchor="ctr">
-                <a:noAutofit/>
-              </a:bodyPr>
-              <a:lstStyle/>
-              <a:p>
-                <a:pPr algn="ctr">
-                  <a:defRPr/>
-                </a:pPr>
-                <a:r>
-                  <a:rPr lang="en-US" altLang="zh-CN" sz="1100" dirty="0"/>
-                  <a:t>Task Generator</a:t>
-                </a:r>
-                <a:r>
-                  <a:rPr lang="en-US" sz="1100" dirty="0"/>
-                  <a:t> &amp; Customized Task Model</a:t>
-                </a:r>
-                <a:endParaRPr sz="1100" dirty="0"/>
-              </a:p>
-            </p:txBody>
-          </p:sp>
-          <p:sp>
-            <p:nvSpPr>
-              <p:cNvPr id="260" name="AutoShape 27">
-                <a:extLst>
-                  <a:ext uri="{FF2B5EF4-FFF2-40B4-BE49-F238E27FC236}">
-                    <a16:creationId xmlns:a16="http://schemas.microsoft.com/office/drawing/2014/main" id="{06328E4B-7BD1-D6E1-DF4B-9ED411193124}"/>
-                  </a:ext>
-                </a:extLst>
-              </p:cNvPr>
-              <p:cNvSpPr/>
-              <p:nvPr/>
-            </p:nvSpPr>
-            <p:spPr>
-              <a:xfrm rot="10800000">
-                <a:off x="5778919" y="4247802"/>
-                <a:ext cx="192655" cy="192649"/>
-              </a:xfrm>
-              <a:prstGeom prst="downArrow">
-                <a:avLst>
-                  <a:gd name="adj1" fmla="val 50000"/>
-                  <a:gd name="adj2" fmla="val 50000"/>
-                </a:avLst>
-              </a:prstGeom>
-              <a:ln/>
-            </p:spPr>
-            <p:style>
-              <a:lnRef idx="1">
-                <a:schemeClr val="dk1"/>
-              </a:lnRef>
-              <a:fillRef idx="2">
-                <a:schemeClr val="dk1"/>
-              </a:fillRef>
-              <a:effectRef idx="1">
-                <a:schemeClr val="dk1"/>
-              </a:effectRef>
-              <a:fontRef idx="minor">
-                <a:schemeClr val="dk1"/>
-              </a:fontRef>
-            </p:style>
-            <p:txBody>
-              <a:bodyPr lIns="91440" tIns="45720" rIns="91440" bIns="45720" rtlCol="0" anchor="ctr">
-                <a:noAutofit/>
-              </a:bodyPr>
-              <a:lstStyle/>
-              <a:p>
-                <a:pPr algn="ctr">
-                  <a:defRPr/>
-                </a:pPr>
-                <a:endParaRPr sz="1200"/>
-              </a:p>
-            </p:txBody>
-          </p:sp>
-          <p:sp>
-            <p:nvSpPr>
-              <p:cNvPr id="291" name="AutoShape 119">
-                <a:extLst>
-                  <a:ext uri="{FF2B5EF4-FFF2-40B4-BE49-F238E27FC236}">
-                    <a16:creationId xmlns:a16="http://schemas.microsoft.com/office/drawing/2014/main" id="{F1527144-A497-F807-ADCB-99602A01FA92}"/>
-                  </a:ext>
-                </a:extLst>
-              </p:cNvPr>
-              <p:cNvSpPr/>
-              <p:nvPr/>
-            </p:nvSpPr>
-            <p:spPr>
-              <a:xfrm>
-                <a:off x="3531084" y="4214877"/>
-                <a:ext cx="2784192" cy="215900"/>
-              </a:xfrm>
-              <a:prstGeom prst="rect">
-                <a:avLst/>
-              </a:prstGeom>
-              <a:noFill/>
-              <a:ln w="12700">
-                <a:noFill/>
-                <a:prstDash val="solid"/>
-              </a:ln>
-            </p:spPr>
-            <p:txBody>
-              <a:bodyPr lIns="91440" tIns="45720" rIns="91440" bIns="45720" rtlCol="0" anchor="t">
-                <a:noAutofit/>
-              </a:bodyPr>
-              <a:lstStyle/>
-              <a:p>
-                <a:pPr>
-                  <a:defRPr/>
-                </a:pPr>
-                <a:r>
-                  <a:rPr lang="en-US" sz="1100" dirty="0"/>
-                  <a:t>Parallel and serial combinations</a:t>
-                </a:r>
-              </a:p>
-            </p:txBody>
-          </p:sp>
-          <p:sp>
-            <p:nvSpPr>
-              <p:cNvPr id="30" name="AutoShape 36">
-                <a:extLst>
-                  <a:ext uri="{FF2B5EF4-FFF2-40B4-BE49-F238E27FC236}">
-                    <a16:creationId xmlns:a16="http://schemas.microsoft.com/office/drawing/2014/main" id="{8061A5FC-1C87-0DA5-347D-7671B69CE0B8}"/>
-                  </a:ext>
-                </a:extLst>
-              </p:cNvPr>
-              <p:cNvSpPr/>
-              <p:nvPr/>
-            </p:nvSpPr>
-            <p:spPr>
-              <a:xfrm>
-                <a:off x="3608528" y="3525771"/>
-                <a:ext cx="3139182" cy="266700"/>
-              </a:xfrm>
-              <a:prstGeom prst="rect">
-                <a:avLst/>
-              </a:prstGeom>
-              <a:noFill/>
-              <a:ln w="12700">
-                <a:noFill/>
-                <a:prstDash val="solid"/>
-              </a:ln>
-            </p:spPr>
-            <p:txBody>
-              <a:bodyPr lIns="0" tIns="0" rIns="0" bIns="0" rtlCol="0" anchor="ctr">
-                <a:noAutofit/>
-              </a:bodyPr>
-              <a:lstStyle/>
-              <a:p>
-                <a:pPr algn="ctr">
-                  <a:lnSpc>
-                    <a:spcPct val="125000"/>
-                  </a:lnSpc>
-                  <a:defRPr/>
-                </a:pPr>
-                <a:r>
-                  <a:rPr lang="en-US" sz="1800" b="1" dirty="0">
-                    <a:solidFill>
-                      <a:srgbClr val="1F2329"/>
-                    </a:solidFill>
-                  </a:rPr>
-                  <a:t>EAT Framework</a:t>
-                </a:r>
-                <a:r>
-                  <a:rPr lang="en-US" altLang="zh-CN" sz="1800" dirty="0"/>
-                  <a:t> (§</a:t>
-                </a:r>
-                <a:r>
-                  <a:rPr lang="en-US" altLang="zh-CN" sz="1800" dirty="0">
-                    <a:solidFill>
-                      <a:srgbClr val="FF0000"/>
-                    </a:solidFill>
-                  </a:rPr>
-                  <a:t>3.4</a:t>
-                </a:r>
-                <a:r>
-                  <a:rPr lang="en-US" altLang="zh-CN" sz="1800" dirty="0"/>
-                  <a:t>) </a:t>
-                </a:r>
-                <a:endParaRPr lang="en-US" sz="1800" dirty="0"/>
-              </a:p>
-            </p:txBody>
-          </p:sp>
-          <p:sp>
-            <p:nvSpPr>
-              <p:cNvPr id="156" name="椭圆 155">
-                <a:extLst>
-                  <a:ext uri="{FF2B5EF4-FFF2-40B4-BE49-F238E27FC236}">
-                    <a16:creationId xmlns:a16="http://schemas.microsoft.com/office/drawing/2014/main" id="{3A5D8D50-4255-6195-1F65-E9533CB4D5CE}"/>
-                  </a:ext>
-                </a:extLst>
-              </p:cNvPr>
-              <p:cNvSpPr/>
-              <p:nvPr/>
-            </p:nvSpPr>
-            <p:spPr>
-              <a:xfrm>
-                <a:off x="3653938" y="3533023"/>
-                <a:ext cx="292100" cy="280219"/>
-              </a:xfrm>
-              <a:prstGeom prst="ellipse">
-                <a:avLst/>
-              </a:prstGeom>
-              <a:ln>
-                <a:noFill/>
-              </a:ln>
-            </p:spPr>
-            <p:style>
-              <a:lnRef idx="2">
-                <a:schemeClr val="accent1">
-                  <a:shade val="15000"/>
-                </a:schemeClr>
-              </a:lnRef>
-              <a:fillRef idx="1">
-                <a:schemeClr val="accent1"/>
-              </a:fillRef>
-              <a:effectRef idx="0">
-                <a:schemeClr val="accent1"/>
-              </a:effectRef>
-              <a:fontRef idx="minor">
-                <a:schemeClr val="lt1"/>
-              </a:fontRef>
-            </p:style>
-            <p:txBody>
-              <a:bodyPr rtlCol="0" anchor="ctr"/>
-              <a:lstStyle/>
-              <a:p>
-                <a:pPr algn="ctr"/>
-                <a:r>
-                  <a:rPr lang="en-US" altLang="zh-CN" sz="1800" dirty="0"/>
-                  <a:t>D</a:t>
-                </a:r>
-                <a:endParaRPr lang="zh-CN" altLang="en-US" sz="1800" dirty="0"/>
-              </a:p>
-            </p:txBody>
-          </p:sp>
-        </p:grpSp>
       </p:grpSp>
       <p:sp>
         <p:nvSpPr>
@@ -21728,7 +21208,7 @@
         </p:nvSpPr>
         <p:spPr>
           <a:xfrm>
-            <a:off x="8768369" y="2165481"/>
+            <a:off x="8768372" y="2192717"/>
             <a:ext cx="1286061" cy="264716"/>
           </a:xfrm>
           <a:prstGeom prst="rect">
@@ -21763,7 +21243,7 @@
         </p:nvSpPr>
         <p:spPr>
           <a:xfrm>
-            <a:off x="3963681" y="1503486"/>
+            <a:off x="3963684" y="1530722"/>
             <a:ext cx="860063" cy="239218"/>
           </a:xfrm>
           <a:prstGeom prst="rect">
@@ -21785,14 +21265,14 @@
               <a:defRPr/>
             </a:pPr>
             <a:r>
-              <a:rPr lang="en-US" sz="900" dirty="0">
+              <a:rPr lang="en-US" sz="1000" dirty="0">
                 <a:solidFill>
                   <a:schemeClr val="tx1"/>
                 </a:solidFill>
               </a:rPr>
               <a:t>All Scripts</a:t>
             </a:r>
-            <a:endParaRPr lang="en-US" sz="1200" dirty="0">
+            <a:endParaRPr lang="en-US" sz="1400" dirty="0">
               <a:solidFill>
                 <a:schemeClr val="tx1"/>
               </a:solidFill>
@@ -21814,8 +21294,8 @@
         </p:nvGrpSpPr>
         <p:grpSpPr>
           <a:xfrm>
-            <a:off x="7702069" y="2410187"/>
-            <a:ext cx="1547419" cy="348132"/>
+            <a:off x="7702072" y="2437423"/>
+            <a:ext cx="1547419" cy="290428"/>
             <a:chOff x="4384241" y="5275402"/>
             <a:chExt cx="1601074" cy="348132"/>
           </a:xfrm>
@@ -21947,8 +21427,8 @@
         </p:nvGrpSpPr>
         <p:grpSpPr>
           <a:xfrm>
-            <a:off x="9320140" y="2405070"/>
-            <a:ext cx="1468649" cy="598390"/>
+            <a:off x="9320143" y="2432306"/>
+            <a:ext cx="1468649" cy="493708"/>
             <a:chOff x="4410595" y="5275397"/>
             <a:chExt cx="1601074" cy="352537"/>
           </a:xfrm>
@@ -22097,7 +21577,7 @@
         </p:nvSpPr>
         <p:spPr>
           <a:xfrm rot="16200000" flipV="1">
-            <a:off x="10155940" y="1551107"/>
+            <a:off x="10155943" y="1578346"/>
             <a:ext cx="1860845" cy="452741"/>
           </a:xfrm>
           <a:prstGeom prst="uturnArrow">
@@ -22151,7 +21631,7 @@
         </p:nvSpPr>
         <p:spPr>
           <a:xfrm rot="5400000">
-            <a:off x="10436531" y="1637158"/>
+            <a:off x="10436534" y="1664394"/>
             <a:ext cx="1168335" cy="352954"/>
           </a:xfrm>
           <a:prstGeom prst="rect">
@@ -22195,8 +21675,8 @@
         </p:nvCxnSpPr>
         <p:spPr>
           <a:xfrm rot="5400000">
-            <a:off x="8802696" y="1686986"/>
-            <a:ext cx="401747" cy="1055579"/>
+            <a:off x="8803149" y="1713771"/>
+            <a:ext cx="400840" cy="1055579"/>
           </a:xfrm>
           <a:prstGeom prst="curvedConnector3">
             <a:avLst>
@@ -22233,8 +21713,8 @@
         </p:nvCxnSpPr>
         <p:spPr>
           <a:xfrm rot="16200000" flipH="1">
-            <a:off x="9588952" y="1956302"/>
-            <a:ext cx="407914" cy="523108"/>
+            <a:off x="9590423" y="1982077"/>
+            <a:ext cx="404983" cy="523107"/>
           </a:xfrm>
           <a:prstGeom prst="curvedConnector3">
             <a:avLst>
@@ -22267,10 +21747,10 @@
         </p:nvGrpSpPr>
         <p:grpSpPr>
           <a:xfrm>
-            <a:off x="9888730" y="3139888"/>
-            <a:ext cx="1065357" cy="436625"/>
+            <a:off x="9761963" y="3007806"/>
+            <a:ext cx="1111560" cy="436625"/>
             <a:chOff x="4754975" y="6385862"/>
-            <a:chExt cx="3128240" cy="512405"/>
+            <a:chExt cx="3263907" cy="512405"/>
           </a:xfrm>
         </p:grpSpPr>
         <p:sp>
@@ -22288,7 +21768,7 @@
           <p:spPr>
             <a:xfrm>
               <a:off x="4754975" y="6386088"/>
-              <a:ext cx="3128240" cy="503131"/>
+              <a:ext cx="3263907" cy="503132"/>
             </a:xfrm>
             <a:prstGeom prst="roundRect">
               <a:avLst>
@@ -22392,6 +21872,7 @@
             </a:extLst>
           </p:cNvPr>
           <p:cNvCxnSpPr>
+            <a:cxnSpLocks/>
             <a:stCxn id="34" idx="2"/>
             <a:endCxn id="51" idx="0"/>
           </p:cNvCxnSpPr>
@@ -22399,8 +21880,8 @@
         </p:nvCxnSpPr>
         <p:spPr>
           <a:xfrm flipH="1">
-            <a:off x="9691203" y="3576514"/>
-            <a:ext cx="730822" cy="370547"/>
+            <a:off x="9701065" y="3444428"/>
+            <a:ext cx="594196" cy="208594"/>
           </a:xfrm>
           <a:prstGeom prst="line">
             <a:avLst/>
@@ -22443,7 +21924,7 @@
         </p:nvSpPr>
         <p:spPr>
           <a:xfrm>
-            <a:off x="8465235" y="3616319"/>
+            <a:off x="8472245" y="3398892"/>
             <a:ext cx="1638140" cy="264716"/>
           </a:xfrm>
           <a:prstGeom prst="rect">
@@ -22480,8 +21961,8 @@
         </p:nvCxnSpPr>
         <p:spPr>
           <a:xfrm>
-            <a:off x="1551833" y="3320332"/>
-            <a:ext cx="0" cy="224003"/>
+            <a:off x="780947" y="2647687"/>
+            <a:ext cx="0" cy="354243"/>
           </a:xfrm>
           <a:prstGeom prst="straightConnector1">
             <a:avLst/>
@@ -22523,8 +22004,8 @@
         </p:nvCxnSpPr>
         <p:spPr>
           <a:xfrm rot="5400000" flipH="1" flipV="1">
-            <a:off x="4005498" y="5580546"/>
-            <a:ext cx="618114" cy="447839"/>
+            <a:off x="4089049" y="5328826"/>
+            <a:ext cx="438719" cy="438470"/>
           </a:xfrm>
           <a:prstGeom prst="curvedConnector3">
             <a:avLst>
@@ -22561,8 +22042,8 @@
         </p:nvCxnSpPr>
         <p:spPr>
           <a:xfrm rot="16200000" flipV="1">
-            <a:off x="6087560" y="5600804"/>
-            <a:ext cx="628974" cy="447654"/>
+            <a:off x="6159957" y="5328566"/>
+            <a:ext cx="464316" cy="464586"/>
           </a:xfrm>
           <a:prstGeom prst="curvedConnector3">
             <a:avLst>
@@ -22600,8 +22081,8 @@
         </p:nvCxnSpPr>
         <p:spPr>
           <a:xfrm rot="5400000" flipH="1" flipV="1">
-            <a:off x="5474151" y="5427523"/>
-            <a:ext cx="621447" cy="786693"/>
+            <a:off x="5546550" y="5172219"/>
+            <a:ext cx="456789" cy="769761"/>
           </a:xfrm>
           <a:prstGeom prst="curvedConnector3">
             <a:avLst>
@@ -22621,6 +22102,476 @@
           <a:effectLst/>
         </p:spPr>
       </p:cxnSp>
+      <p:pic>
+        <p:nvPicPr>
+          <p:cNvPr id="36" name="Picture 25">
+            <a:extLst>
+              <a:ext uri="{FF2B5EF4-FFF2-40B4-BE49-F238E27FC236}">
+                <a16:creationId xmlns:a16="http://schemas.microsoft.com/office/drawing/2014/main" id="{7504FED4-ED1B-0EA4-BDA6-093309FAE654}"/>
+              </a:ext>
+            </a:extLst>
+          </p:cNvPr>
+          <p:cNvPicPr>
+            <a:picLocks noChangeAspect="1"/>
+          </p:cNvPicPr>
+          <p:nvPr/>
+        </p:nvPicPr>
+        <p:blipFill>
+          <a:blip r:embed="rId13"/>
+          <a:srcRect/>
+          <a:stretch>
+            <a:fillRect/>
+          </a:stretch>
+        </p:blipFill>
+        <p:spPr>
+          <a:xfrm>
+            <a:off x="2124389" y="1329416"/>
+            <a:ext cx="131895" cy="134817"/>
+          </a:xfrm>
+          <a:prstGeom prst="rect">
+            <a:avLst/>
+          </a:prstGeom>
+          <a:ln w="12700">
+            <a:noFill/>
+            <a:prstDash val="solid"/>
+          </a:ln>
+        </p:spPr>
+      </p:pic>
+      <p:sp>
+        <p:nvSpPr>
+          <p:cNvPr id="48" name="AutoShape 14">
+            <a:extLst>
+              <a:ext uri="{FF2B5EF4-FFF2-40B4-BE49-F238E27FC236}">
+                <a16:creationId xmlns:a16="http://schemas.microsoft.com/office/drawing/2014/main" id="{C92F59B2-06D3-BF4B-3EEE-B17E1F1F3410}"/>
+              </a:ext>
+            </a:extLst>
+          </p:cNvPr>
+          <p:cNvSpPr/>
+          <p:nvPr/>
+        </p:nvSpPr>
+        <p:spPr>
+          <a:xfrm rot="3969963">
+            <a:off x="1535836" y="1404253"/>
+            <a:ext cx="188109" cy="249873"/>
+          </a:xfrm>
+          <a:prstGeom prst="downArrow">
+            <a:avLst>
+              <a:gd name="adj1" fmla="val 50000"/>
+              <a:gd name="adj2" fmla="val 50000"/>
+            </a:avLst>
+          </a:prstGeom>
+          <a:ln/>
+        </p:spPr>
+        <p:style>
+          <a:lnRef idx="1">
+            <a:schemeClr val="dk1"/>
+          </a:lnRef>
+          <a:fillRef idx="2">
+            <a:schemeClr val="dk1"/>
+          </a:fillRef>
+          <a:effectRef idx="1">
+            <a:schemeClr val="dk1"/>
+          </a:effectRef>
+          <a:fontRef idx="minor">
+            <a:schemeClr val="dk1"/>
+          </a:fontRef>
+        </p:style>
+        <p:txBody>
+          <a:bodyPr lIns="91440" tIns="45720" rIns="35559" bIns="45720" rtlCol="0" anchor="ctr">
+            <a:noAutofit/>
+          </a:bodyPr>
+          <a:lstStyle/>
+          <a:p>
+            <a:pPr algn="ctr">
+              <a:defRPr/>
+            </a:pPr>
+            <a:endParaRPr sz="2628" dirty="0"/>
+          </a:p>
+        </p:txBody>
+      </p:sp>
+      <p:sp>
+        <p:nvSpPr>
+          <p:cNvPr id="49" name="AutoShape 14">
+            <a:extLst>
+              <a:ext uri="{FF2B5EF4-FFF2-40B4-BE49-F238E27FC236}">
+                <a16:creationId xmlns:a16="http://schemas.microsoft.com/office/drawing/2014/main" id="{D4E17141-162E-10BB-A58A-3338CB785B3E}"/>
+              </a:ext>
+            </a:extLst>
+          </p:cNvPr>
+          <p:cNvSpPr/>
+          <p:nvPr/>
+        </p:nvSpPr>
+        <p:spPr>
+          <a:xfrm rot="17300012">
+            <a:off x="1547749" y="1745451"/>
+            <a:ext cx="188109" cy="249873"/>
+          </a:xfrm>
+          <a:prstGeom prst="downArrow">
+            <a:avLst>
+              <a:gd name="adj1" fmla="val 50000"/>
+              <a:gd name="adj2" fmla="val 50000"/>
+            </a:avLst>
+          </a:prstGeom>
+          <a:ln/>
+        </p:spPr>
+        <p:style>
+          <a:lnRef idx="1">
+            <a:schemeClr val="dk1"/>
+          </a:lnRef>
+          <a:fillRef idx="2">
+            <a:schemeClr val="dk1"/>
+          </a:fillRef>
+          <a:effectRef idx="1">
+            <a:schemeClr val="dk1"/>
+          </a:effectRef>
+          <a:fontRef idx="minor">
+            <a:schemeClr val="dk1"/>
+          </a:fontRef>
+        </p:style>
+        <p:txBody>
+          <a:bodyPr lIns="91440" tIns="45720" rIns="35559" bIns="45720" rtlCol="0" anchor="ctr">
+            <a:noAutofit/>
+          </a:bodyPr>
+          <a:lstStyle/>
+          <a:p>
+            <a:pPr algn="ctr">
+              <a:defRPr/>
+            </a:pPr>
+            <a:endParaRPr sz="2628" dirty="0"/>
+          </a:p>
+        </p:txBody>
+      </p:sp>
+      <p:sp>
+        <p:nvSpPr>
+          <p:cNvPr id="50" name="AutoShape 15">
+            <a:extLst>
+              <a:ext uri="{FF2B5EF4-FFF2-40B4-BE49-F238E27FC236}">
+                <a16:creationId xmlns:a16="http://schemas.microsoft.com/office/drawing/2014/main" id="{3DEE719F-58C1-E218-3230-4CE2EF87A1C1}"/>
+              </a:ext>
+            </a:extLst>
+          </p:cNvPr>
+          <p:cNvSpPr/>
+          <p:nvPr/>
+        </p:nvSpPr>
+        <p:spPr>
+          <a:xfrm>
+            <a:off x="248395" y="1311093"/>
+            <a:ext cx="1372208" cy="257159"/>
+          </a:xfrm>
+          <a:prstGeom prst="rect">
+            <a:avLst/>
+          </a:prstGeom>
+          <a:noFill/>
+          <a:ln w="12700">
+            <a:noFill/>
+            <a:prstDash val="solid"/>
+          </a:ln>
+        </p:spPr>
+        <p:txBody>
+          <a:bodyPr lIns="91440" tIns="45720" rIns="91440" bIns="45720" rtlCol="0" anchor="t">
+            <a:noAutofit/>
+          </a:bodyPr>
+          <a:lstStyle/>
+          <a:p>
+            <a:pPr>
+              <a:defRPr/>
+            </a:pPr>
+            <a:r>
+              <a:rPr lang="en-US" altLang="zh-CN" sz="1050" dirty="0"/>
+              <a:t>Hierarchy Analysis</a:t>
+            </a:r>
+            <a:endParaRPr lang="en-US" sz="1000" dirty="0"/>
+          </a:p>
+        </p:txBody>
+      </p:sp>
+      <p:sp>
+        <p:nvSpPr>
+          <p:cNvPr id="52" name="AutoShape 15">
+            <a:extLst>
+              <a:ext uri="{FF2B5EF4-FFF2-40B4-BE49-F238E27FC236}">
+                <a16:creationId xmlns:a16="http://schemas.microsoft.com/office/drawing/2014/main" id="{B75EA6AC-24BD-2B17-C5F9-0F2D8335E920}"/>
+              </a:ext>
+            </a:extLst>
+          </p:cNvPr>
+          <p:cNvSpPr/>
+          <p:nvPr/>
+        </p:nvSpPr>
+        <p:spPr>
+          <a:xfrm>
+            <a:off x="1866350" y="1613890"/>
+            <a:ext cx="1083470" cy="273040"/>
+          </a:xfrm>
+          <a:prstGeom prst="rect">
+            <a:avLst/>
+          </a:prstGeom>
+          <a:noFill/>
+          <a:ln w="12700">
+            <a:noFill/>
+            <a:prstDash val="solid"/>
+          </a:ln>
+        </p:spPr>
+        <p:txBody>
+          <a:bodyPr lIns="91440" tIns="45720" rIns="91440" bIns="45720" rtlCol="0" anchor="t">
+            <a:noAutofit/>
+          </a:bodyPr>
+          <a:lstStyle/>
+          <a:p>
+            <a:pPr>
+              <a:defRPr/>
+            </a:pPr>
+            <a:r>
+              <a:rPr lang="en-US" altLang="zh-CN" sz="1050" dirty="0"/>
+              <a:t>Code Analysis</a:t>
+            </a:r>
+            <a:endParaRPr lang="en-US" sz="1000" dirty="0"/>
+          </a:p>
+        </p:txBody>
+      </p:sp>
+      <p:sp>
+        <p:nvSpPr>
+          <p:cNvPr id="239" name="文本框 238">
+            <a:extLst>
+              <a:ext uri="{FF2B5EF4-FFF2-40B4-BE49-F238E27FC236}">
+                <a16:creationId xmlns:a16="http://schemas.microsoft.com/office/drawing/2014/main" id="{4159B0E1-1977-D9CE-93FE-C38C17D6ACC9}"/>
+              </a:ext>
+            </a:extLst>
+          </p:cNvPr>
+          <p:cNvSpPr txBox="1"/>
+          <p:nvPr/>
+        </p:nvSpPr>
+        <p:spPr>
+          <a:xfrm>
+            <a:off x="1081012" y="2595203"/>
+            <a:ext cx="1354996" cy="430887"/>
+          </a:xfrm>
+          <a:prstGeom prst="rect">
+            <a:avLst/>
+          </a:prstGeom>
+          <a:noFill/>
+        </p:spPr>
+        <p:txBody>
+          <a:bodyPr wrap="square">
+            <a:spAutoFit/>
+          </a:bodyPr>
+          <a:lstStyle/>
+          <a:p>
+            <a:pPr algn="ctr"/>
+            <a:r>
+              <a:rPr lang="zh-CN" altLang="en-US" sz="1100" dirty="0"/>
+              <a:t>extract the </a:t>
+            </a:r>
+            <a:endParaRPr lang="en-US" altLang="zh-CN" sz="1100" dirty="0"/>
+          </a:p>
+          <a:p>
+            <a:pPr algn="ctr"/>
+            <a:r>
+              <a:rPr lang="zh-CN" altLang="en-US" sz="1100" dirty="0"/>
+              <a:t>abstraction model</a:t>
+            </a:r>
+          </a:p>
+        </p:txBody>
+      </p:sp>
+      <p:pic>
+        <p:nvPicPr>
+          <p:cNvPr id="250" name="图片 249">
+            <a:extLst>
+              <a:ext uri="{FF2B5EF4-FFF2-40B4-BE49-F238E27FC236}">
+                <a16:creationId xmlns:a16="http://schemas.microsoft.com/office/drawing/2014/main" id="{8EF70654-511C-15CC-1985-DE41D21DAB5F}"/>
+              </a:ext>
+            </a:extLst>
+          </p:cNvPr>
+          <p:cNvPicPr>
+            <a:picLocks noChangeAspect="1"/>
+          </p:cNvPicPr>
+          <p:nvPr/>
+        </p:nvPicPr>
+        <p:blipFill>
+          <a:blip r:embed="rId14"/>
+          <a:stretch>
+            <a:fillRect/>
+          </a:stretch>
+        </p:blipFill>
+        <p:spPr>
+          <a:xfrm>
+            <a:off x="10202770" y="5762692"/>
+            <a:ext cx="231879" cy="231879"/>
+          </a:xfrm>
+          <a:prstGeom prst="rect">
+            <a:avLst/>
+          </a:prstGeom>
+        </p:spPr>
+      </p:pic>
+      <p:sp>
+        <p:nvSpPr>
+          <p:cNvPr id="254" name="AutoShape 44">
+            <a:extLst>
+              <a:ext uri="{FF2B5EF4-FFF2-40B4-BE49-F238E27FC236}">
+                <a16:creationId xmlns:a16="http://schemas.microsoft.com/office/drawing/2014/main" id="{0478B795-1199-532E-EC36-1FDB39E4C793}"/>
+              </a:ext>
+            </a:extLst>
+          </p:cNvPr>
+          <p:cNvSpPr/>
+          <p:nvPr/>
+        </p:nvSpPr>
+        <p:spPr>
+          <a:xfrm>
+            <a:off x="10369497" y="5740571"/>
+            <a:ext cx="1038093" cy="254000"/>
+          </a:xfrm>
+          <a:prstGeom prst="rect">
+            <a:avLst/>
+          </a:prstGeom>
+          <a:noFill/>
+          <a:ln w="12700">
+            <a:noFill/>
+            <a:prstDash val="solid"/>
+          </a:ln>
+        </p:spPr>
+        <p:txBody>
+          <a:bodyPr lIns="91440" tIns="45720" rIns="91440" bIns="45720" rtlCol="0" anchor="t">
+            <a:noAutofit/>
+          </a:bodyPr>
+          <a:lstStyle/>
+          <a:p>
+            <a:pPr>
+              <a:defRPr/>
+            </a:pPr>
+            <a:r>
+              <a:rPr lang="en-US" altLang="zh-CN" sz="1000" dirty="0"/>
+              <a:t>NavMesh Data</a:t>
+            </a:r>
+            <a:endParaRPr lang="en-US" sz="1000" dirty="0"/>
+          </a:p>
+        </p:txBody>
+      </p:sp>
+      <p:pic>
+        <p:nvPicPr>
+          <p:cNvPr id="255" name="Picture 77">
+            <a:extLst>
+              <a:ext uri="{FF2B5EF4-FFF2-40B4-BE49-F238E27FC236}">
+                <a16:creationId xmlns:a16="http://schemas.microsoft.com/office/drawing/2014/main" id="{5D902FE5-6C41-D33A-FD70-608D35E45CCE}"/>
+              </a:ext>
+            </a:extLst>
+          </p:cNvPr>
+          <p:cNvPicPr>
+            <a:picLocks noChangeAspect="1"/>
+          </p:cNvPicPr>
+          <p:nvPr/>
+        </p:nvPicPr>
+        <p:blipFill>
+          <a:blip r:embed="rId6"/>
+          <a:stretch>
+            <a:fillRect/>
+          </a:stretch>
+        </p:blipFill>
+        <p:spPr>
+          <a:xfrm>
+            <a:off x="3973033" y="731132"/>
+            <a:ext cx="354316" cy="354316"/>
+          </a:xfrm>
+          <a:prstGeom prst="rect">
+            <a:avLst/>
+          </a:prstGeom>
+          <a:ln>
+            <a:noFill/>
+            <a:prstDash val="solid"/>
+          </a:ln>
+        </p:spPr>
+      </p:pic>
+      <p:pic>
+        <p:nvPicPr>
+          <p:cNvPr id="256" name="Picture 77">
+            <a:extLst>
+              <a:ext uri="{FF2B5EF4-FFF2-40B4-BE49-F238E27FC236}">
+                <a16:creationId xmlns:a16="http://schemas.microsoft.com/office/drawing/2014/main" id="{A24FE38B-F1FD-252C-5F59-BC8A183EAA5A}"/>
+              </a:ext>
+            </a:extLst>
+          </p:cNvPr>
+          <p:cNvPicPr>
+            <a:picLocks noChangeAspect="1"/>
+          </p:cNvPicPr>
+          <p:nvPr/>
+        </p:nvPicPr>
+        <p:blipFill>
+          <a:blip r:embed="rId6"/>
+          <a:stretch>
+            <a:fillRect/>
+          </a:stretch>
+        </p:blipFill>
+        <p:spPr>
+          <a:xfrm>
+            <a:off x="5842169" y="710208"/>
+            <a:ext cx="354316" cy="354316"/>
+          </a:xfrm>
+          <a:prstGeom prst="rect">
+            <a:avLst/>
+          </a:prstGeom>
+          <a:ln>
+            <a:noFill/>
+            <a:prstDash val="solid"/>
+          </a:ln>
+        </p:spPr>
+      </p:pic>
+      <p:pic>
+        <p:nvPicPr>
+          <p:cNvPr id="261" name="图片 260">
+            <a:extLst>
+              <a:ext uri="{FF2B5EF4-FFF2-40B4-BE49-F238E27FC236}">
+                <a16:creationId xmlns:a16="http://schemas.microsoft.com/office/drawing/2014/main" id="{98927307-4CE3-79B0-CC0A-4911E5C54175}"/>
+              </a:ext>
+            </a:extLst>
+          </p:cNvPr>
+          <p:cNvPicPr>
+            <a:picLocks noChangeAspect="1"/>
+          </p:cNvPicPr>
+          <p:nvPr/>
+        </p:nvPicPr>
+        <p:blipFill>
+          <a:blip r:embed="rId14"/>
+          <a:stretch>
+            <a:fillRect/>
+          </a:stretch>
+        </p:blipFill>
+        <p:spPr>
+          <a:xfrm>
+            <a:off x="6415970" y="685948"/>
+            <a:ext cx="403474" cy="403474"/>
+          </a:xfrm>
+          <a:prstGeom prst="rect">
+            <a:avLst/>
+          </a:prstGeom>
+        </p:spPr>
+      </p:pic>
+      <p:pic>
+        <p:nvPicPr>
+          <p:cNvPr id="287" name="图片 286">
+            <a:extLst>
+              <a:ext uri="{FF2B5EF4-FFF2-40B4-BE49-F238E27FC236}">
+                <a16:creationId xmlns:a16="http://schemas.microsoft.com/office/drawing/2014/main" id="{C415797D-6D62-94BD-3186-EE4BB909C8AF}"/>
+              </a:ext>
+            </a:extLst>
+          </p:cNvPr>
+          <p:cNvPicPr>
+            <a:picLocks noChangeAspect="1"/>
+          </p:cNvPicPr>
+          <p:nvPr/>
+        </p:nvPicPr>
+        <p:blipFill>
+          <a:blip r:embed="rId15"/>
+          <a:stretch>
+            <a:fillRect/>
+          </a:stretch>
+        </p:blipFill>
+        <p:spPr>
+          <a:xfrm>
+            <a:off x="6181526" y="766493"/>
+            <a:ext cx="252189" cy="252189"/>
+          </a:xfrm>
+          <a:prstGeom prst="rect">
+            <a:avLst/>
+          </a:prstGeom>
+        </p:spPr>
+      </p:pic>
     </p:spTree>
   </p:cSld>
   <p:clrMapOvr>

--- a/Paper Reading/____Writing/Fig_Overview.pptx
+++ b/Paper Reading/____Writing/Fig_Overview.pptx
@@ -16884,10 +16884,10 @@
           </p:nvGrpSpPr>
           <p:grpSpPr>
             <a:xfrm>
-              <a:off x="1708045" y="364467"/>
-              <a:ext cx="1194344" cy="513936"/>
-              <a:chOff x="459035" y="676544"/>
-              <a:chExt cx="1194344" cy="428864"/>
+              <a:off x="1708045" y="382681"/>
+              <a:ext cx="1230018" cy="495724"/>
+              <a:chOff x="459035" y="691742"/>
+              <a:chExt cx="1230018" cy="413666"/>
             </a:xfrm>
           </p:grpSpPr>
           <p:sp>
@@ -16944,7 +16944,7 @@
             </p:nvSpPr>
             <p:spPr>
               <a:xfrm>
-                <a:off x="596338" y="676544"/>
+                <a:off x="632012" y="691742"/>
                 <a:ext cx="1057041" cy="371372"/>
               </a:xfrm>
               <a:prstGeom prst="rect">
@@ -16962,12 +16962,12 @@
               </a:bodyPr>
               <a:lstStyle/>
               <a:p>
-                <a:pPr>
+                <a:pPr algn="ctr">
                   <a:defRPr/>
                 </a:pPr>
                 <a:r>
                   <a:rPr lang="en-US" altLang="zh-CN" sz="1050" dirty="0"/>
-                  <a:t>Search By </a:t>
+                  <a:t>Collect By </a:t>
                 </a:r>
                 <a:r>
                   <a:rPr lang="en-US" sz="1050" dirty="0"/>
@@ -22298,8 +22298,8 @@
         </p:nvSpPr>
         <p:spPr>
           <a:xfrm>
-            <a:off x="1866350" y="1613890"/>
-            <a:ext cx="1083470" cy="273040"/>
+            <a:off x="1700810" y="1610766"/>
+            <a:ext cx="1199870" cy="273040"/>
           </a:xfrm>
           <a:prstGeom prst="rect">
             <a:avLst/>
@@ -22316,7 +22316,7 @@
           </a:bodyPr>
           <a:lstStyle/>
           <a:p>
-            <a:pPr>
+            <a:pPr algn="ctr">
               <a:defRPr/>
             </a:pPr>
             <a:r>

--- a/Paper Reading/____Writing/Fig_Overview.pptx
+++ b/Paper Reading/____Writing/Fig_Overview.pptx
@@ -342,7 +342,7 @@
           <a:p>
             <a:fld id="{B7268E1E-0E44-426D-905E-8AD9B19D2182}" type="datetimeFigureOut">
               <a:rPr lang="cs-CZ" smtClean="0"/>
-              <a:t>29.05.2025</a:t>
+              <a:t>30.08.2025</a:t>
             </a:fld>
             <a:endParaRPr lang="cs-CZ"/>
           </a:p>
@@ -11370,7 +11370,7 @@
         </p:nvSpPr>
         <p:spPr>
           <a:xfrm>
-            <a:off x="199413" y="4724771"/>
+            <a:off x="-4141973" y="4364715"/>
             <a:ext cx="2880742" cy="1173673"/>
           </a:xfrm>
           <a:prstGeom prst="roundRect">
@@ -11408,64 +11408,14 @@
       </p:sp>
       <p:sp>
         <p:nvSpPr>
-          <p:cNvPr id="51" name="AutoShape 115">
-            <a:extLst>
-              <a:ext uri="{FF2B5EF4-FFF2-40B4-BE49-F238E27FC236}">
-                <a16:creationId xmlns:a16="http://schemas.microsoft.com/office/drawing/2014/main" id="{7FF9B47E-12AC-6C66-2DCB-DE959668AEEA}"/>
-              </a:ext>
-            </a:extLst>
-          </p:cNvPr>
-          <p:cNvSpPr/>
-          <p:nvPr/>
-        </p:nvSpPr>
-        <p:spPr>
-          <a:xfrm>
-            <a:off x="7677392" y="3653022"/>
-            <a:ext cx="4047346" cy="1156130"/>
-          </a:xfrm>
-          <a:prstGeom prst="roundRect">
-            <a:avLst>
-              <a:gd name="adj" fmla="val 9090"/>
-            </a:avLst>
-          </a:prstGeom>
-          <a:solidFill>
-            <a:srgbClr val="DEE0E3">
-              <a:alpha val="20000"/>
-            </a:srgbClr>
-          </a:solidFill>
-          <a:ln w="25400" cap="flat" cmpd="sng">
-            <a:solidFill>
-              <a:srgbClr val="2B2F36">
-                <a:alpha val="20000"/>
-              </a:srgbClr>
-            </a:solidFill>
-            <a:prstDash val="sysDash"/>
-            <a:round/>
-          </a:ln>
-        </p:spPr>
-        <p:txBody>
-          <a:bodyPr lIns="63500" tIns="63500" rIns="63500" bIns="63500" rtlCol="0" anchor="ctr">
-            <a:noAutofit/>
-          </a:bodyPr>
-          <a:lstStyle/>
-          <a:p>
-            <a:pPr algn="ctr">
-              <a:defRPr/>
-            </a:pPr>
-            <a:endParaRPr sz="2628" dirty="0"/>
-          </a:p>
-        </p:txBody>
-      </p:sp>
-      <p:sp>
-        <p:nvSpPr>
           <p:cNvPr id="31" name="AutoShape 31"/>
           <p:cNvSpPr/>
           <p:nvPr/>
         </p:nvSpPr>
         <p:spPr>
           <a:xfrm>
-            <a:off x="3792822" y="42044"/>
-            <a:ext cx="2734913" cy="435794"/>
+            <a:off x="3677715" y="3138753"/>
+            <a:ext cx="3358363" cy="435794"/>
           </a:xfrm>
           <a:prstGeom prst="rect">
             <a:avLst/>
@@ -11494,845 +11444,33 @@
                   <a:srgbClr val="1F2329"/>
                 </a:solidFill>
               </a:rPr>
-              <a:t>VRExplorer Test </a:t>
+              <a:t>VRExplorer Testing </a:t>
             </a:r>
             <a:r>
-              <a:rPr lang="en-US" altLang="zh-CN" sz="1800" dirty="0"/>
-              <a:t>(§</a:t>
+              <a:rPr lang="en-US" altLang="zh-CN" sz="1600" dirty="0">
+                <a:latin typeface="Times New Roman" panose="02020603050405020304" pitchFamily="18" charset="0"/>
+                <a:cs typeface="Times New Roman" panose="02020603050405020304" pitchFamily="18" charset="0"/>
+              </a:rPr>
+              <a:t>(§ </a:t>
             </a:r>
             <a:r>
-              <a:rPr lang="en-US" altLang="zh-CN" sz="1800" dirty="0">
+              <a:rPr lang="en-US" altLang="zh-CN" sz="1600" dirty="0">
                 <a:solidFill>
                   <a:srgbClr val="FF0000"/>
                 </a:solidFill>
+                <a:latin typeface="Times New Roman" panose="02020603050405020304" pitchFamily="18" charset="0"/>
+                <a:cs typeface="Times New Roman" panose="02020603050405020304" pitchFamily="18" charset="0"/>
               </a:rPr>
-              <a:t>3.4</a:t>
+              <a:t>III-D</a:t>
             </a:r>
             <a:r>
-              <a:rPr lang="en-US" altLang="zh-CN" sz="1800" dirty="0"/>
+              <a:rPr lang="en-US" altLang="zh-CN" sz="1600" dirty="0"/>
               <a:t>) </a:t>
             </a:r>
             <a:endParaRPr lang="en-US" sz="1800" dirty="0"/>
           </a:p>
         </p:txBody>
       </p:sp>
-      <p:grpSp>
-        <p:nvGrpSpPr>
-          <p:cNvPr id="247" name="组合 246">
-            <a:extLst>
-              <a:ext uri="{FF2B5EF4-FFF2-40B4-BE49-F238E27FC236}">
-                <a16:creationId xmlns:a16="http://schemas.microsoft.com/office/drawing/2014/main" id="{469FDF72-A37C-D250-DBF8-BEAD934C5DF5}"/>
-              </a:ext>
-            </a:extLst>
-          </p:cNvPr>
-          <p:cNvGrpSpPr/>
-          <p:nvPr/>
-        </p:nvGrpSpPr>
-        <p:grpSpPr>
-          <a:xfrm>
-            <a:off x="7590224" y="5210599"/>
-            <a:ext cx="4221687" cy="810713"/>
-            <a:chOff x="7659350" y="5399121"/>
-            <a:chExt cx="4221687" cy="810713"/>
-          </a:xfrm>
-        </p:grpSpPr>
-        <p:sp>
-          <p:nvSpPr>
-            <p:cNvPr id="274" name="AutoShape 34">
-              <a:extLst>
-                <a:ext uri="{FF2B5EF4-FFF2-40B4-BE49-F238E27FC236}">
-                  <a16:creationId xmlns:a16="http://schemas.microsoft.com/office/drawing/2014/main" id="{19A3580A-56B3-6C16-5F64-FB18DE9881D8}"/>
-                </a:ext>
-              </a:extLst>
-            </p:cNvPr>
-            <p:cNvSpPr/>
-            <p:nvPr/>
-          </p:nvSpPr>
-          <p:spPr>
-            <a:xfrm>
-              <a:off x="7659350" y="5399121"/>
-              <a:ext cx="4221687" cy="810713"/>
-            </a:xfrm>
-            <a:prstGeom prst="roundRect">
-              <a:avLst>
-                <a:gd name="adj" fmla="val 0"/>
-              </a:avLst>
-            </a:prstGeom>
-            <a:noFill/>
-            <a:ln w="12700" cap="flat" cmpd="sng">
-              <a:solidFill>
-                <a:srgbClr val="2B2F36">
-                  <a:alpha val="100000"/>
-                </a:srgbClr>
-              </a:solidFill>
-              <a:prstDash val="solid"/>
-              <a:round/>
-            </a:ln>
-          </p:spPr>
-          <p:txBody>
-            <a:bodyPr lIns="63500" tIns="63500" rIns="63500" bIns="63500" rtlCol="0" anchor="ctr">
-              <a:noAutofit/>
-            </a:bodyPr>
-            <a:lstStyle/>
-            <a:p>
-              <a:pPr algn="ctr">
-                <a:defRPr/>
-              </a:pPr>
-              <a:endParaRPr sz="1000" dirty="0"/>
-            </a:p>
-          </p:txBody>
-        </p:sp>
-        <p:grpSp>
-          <p:nvGrpSpPr>
-            <p:cNvPr id="245" name="组合 244">
-              <a:extLst>
-                <a:ext uri="{FF2B5EF4-FFF2-40B4-BE49-F238E27FC236}">
-                  <a16:creationId xmlns:a16="http://schemas.microsoft.com/office/drawing/2014/main" id="{F2F0D3B8-F2DB-19FA-EC9E-17BA861E489A}"/>
-                </a:ext>
-              </a:extLst>
-            </p:cNvPr>
-            <p:cNvGrpSpPr/>
-            <p:nvPr/>
-          </p:nvGrpSpPr>
-          <p:grpSpPr>
-            <a:xfrm>
-              <a:off x="7775277" y="5412310"/>
-              <a:ext cx="3697523" cy="793856"/>
-              <a:chOff x="7509300" y="5396492"/>
-              <a:chExt cx="3697523" cy="793856"/>
-            </a:xfrm>
-          </p:grpSpPr>
-          <p:grpSp>
-            <p:nvGrpSpPr>
-              <p:cNvPr id="35" name="Group 35"/>
-              <p:cNvGrpSpPr/>
-              <p:nvPr/>
-            </p:nvGrpSpPr>
-            <p:grpSpPr>
-              <a:xfrm>
-                <a:off x="7509300" y="5396492"/>
-                <a:ext cx="1629696" cy="793856"/>
-                <a:chOff x="9007132" y="6822702"/>
-                <a:chExt cx="1629696" cy="793856"/>
-              </a:xfrm>
-            </p:grpSpPr>
-            <p:sp>
-              <p:nvSpPr>
-                <p:cNvPr id="37" name="AutoShape 37"/>
-                <p:cNvSpPr/>
-                <p:nvPr/>
-              </p:nvSpPr>
-              <p:spPr>
-                <a:xfrm>
-                  <a:off x="9007133" y="7387068"/>
-                  <a:ext cx="447840" cy="160990"/>
-                </a:xfrm>
-                <a:prstGeom prst="rect">
-                  <a:avLst/>
-                </a:prstGeom>
-                <a:solidFill>
-                  <a:srgbClr val="FAD355">
-                    <a:alpha val="70000"/>
-                  </a:srgbClr>
-                </a:solidFill>
-                <a:ln w="12700" cap="flat">
-                  <a:noFill/>
-                  <a:prstDash val="solid"/>
-                </a:ln>
-              </p:spPr>
-              <p:txBody>
-                <a:bodyPr lIns="91440" tIns="45720" rIns="91440" bIns="45720" rtlCol="0" anchor="ctr">
-                  <a:noAutofit/>
-                </a:bodyPr>
-                <a:lstStyle/>
-                <a:p>
-                  <a:pPr algn="ctr">
-                    <a:defRPr/>
-                  </a:pPr>
-                  <a:endParaRPr sz="1000" dirty="0"/>
-                </a:p>
-              </p:txBody>
-            </p:sp>
-            <p:sp>
-              <p:nvSpPr>
-                <p:cNvPr id="38" name="AutoShape 38"/>
-                <p:cNvSpPr/>
-                <p:nvPr/>
-              </p:nvSpPr>
-              <p:spPr>
-                <a:xfrm>
-                  <a:off x="9007132" y="7224132"/>
-                  <a:ext cx="447840" cy="161648"/>
-                </a:xfrm>
-                <a:prstGeom prst="rect">
-                  <a:avLst/>
-                </a:prstGeom>
-                <a:solidFill>
-                  <a:srgbClr val="FFBA6B">
-                    <a:alpha val="100000"/>
-                  </a:srgbClr>
-                </a:solidFill>
-                <a:ln w="12700" cap="flat">
-                  <a:noFill/>
-                  <a:prstDash val="solid"/>
-                </a:ln>
-              </p:spPr>
-              <p:txBody>
-                <a:bodyPr lIns="91440" tIns="45720" rIns="91440" bIns="45720" rtlCol="0" anchor="ctr">
-                  <a:noAutofit/>
-                </a:bodyPr>
-                <a:lstStyle/>
-                <a:p>
-                  <a:pPr algn="ctr">
-                    <a:defRPr/>
-                  </a:pPr>
-                  <a:endParaRPr sz="1000" dirty="0"/>
-                </a:p>
-              </p:txBody>
-            </p:sp>
-            <p:sp>
-              <p:nvSpPr>
-                <p:cNvPr id="39" name="AutoShape 39"/>
-                <p:cNvSpPr/>
-                <p:nvPr/>
-              </p:nvSpPr>
-              <p:spPr>
-                <a:xfrm>
-                  <a:off x="9007133" y="7046599"/>
-                  <a:ext cx="447840" cy="175140"/>
-                </a:xfrm>
-                <a:prstGeom prst="rect">
-                  <a:avLst/>
-                </a:prstGeom>
-                <a:solidFill>
-                  <a:srgbClr val="6A8ED5"/>
-                </a:solidFill>
-                <a:ln w="12700" cap="flat">
-                  <a:noFill/>
-                  <a:prstDash val="solid"/>
-                </a:ln>
-              </p:spPr>
-              <p:txBody>
-                <a:bodyPr lIns="91440" tIns="45720" rIns="91440" bIns="45720" rtlCol="0" anchor="ctr">
-                  <a:noAutofit/>
-                </a:bodyPr>
-                <a:lstStyle/>
-                <a:p>
-                  <a:pPr algn="ctr">
-                    <a:defRPr/>
-                  </a:pPr>
-                  <a:endParaRPr sz="1000" dirty="0"/>
-                </a:p>
-              </p:txBody>
-            </p:sp>
-            <p:sp>
-              <p:nvSpPr>
-                <p:cNvPr id="40" name="AutoShape 40"/>
-                <p:cNvSpPr/>
-                <p:nvPr/>
-              </p:nvSpPr>
-              <p:spPr>
-                <a:xfrm flipV="1">
-                  <a:off x="9008672" y="6861948"/>
-                  <a:ext cx="447840" cy="184172"/>
-                </a:xfrm>
-                <a:prstGeom prst="rect">
-                  <a:avLst/>
-                </a:prstGeom>
-                <a:solidFill>
-                  <a:srgbClr val="64E8D6">
-                    <a:alpha val="100000"/>
-                  </a:srgbClr>
-                </a:solidFill>
-                <a:ln w="12700" cap="flat">
-                  <a:noFill/>
-                  <a:prstDash val="solid"/>
-                </a:ln>
-              </p:spPr>
-              <p:txBody>
-                <a:bodyPr lIns="91440" tIns="45720" rIns="91440" bIns="45720" rtlCol="0" anchor="ctr">
-                  <a:noAutofit/>
-                </a:bodyPr>
-                <a:lstStyle/>
-                <a:p>
-                  <a:pPr algn="ctr">
-                    <a:defRPr/>
-                  </a:pPr>
-                  <a:endParaRPr sz="1000" dirty="0"/>
-                </a:p>
-              </p:txBody>
-            </p:sp>
-            <p:sp>
-              <p:nvSpPr>
-                <p:cNvPr id="41" name="AutoShape 41"/>
-                <p:cNvSpPr/>
-                <p:nvPr/>
-              </p:nvSpPr>
-              <p:spPr>
-                <a:xfrm>
-                  <a:off x="9383300" y="7006841"/>
-                  <a:ext cx="1143000" cy="254000"/>
-                </a:xfrm>
-                <a:prstGeom prst="rect">
-                  <a:avLst/>
-                </a:prstGeom>
-                <a:noFill/>
-                <a:ln w="12700">
-                  <a:noFill/>
-                  <a:prstDash val="solid"/>
-                </a:ln>
-              </p:spPr>
-              <p:txBody>
-                <a:bodyPr lIns="91440" tIns="45720" rIns="91440" bIns="45720" rtlCol="0" anchor="t">
-                  <a:noAutofit/>
-                </a:bodyPr>
-                <a:lstStyle/>
-                <a:p>
-                  <a:pPr>
-                    <a:defRPr/>
-                  </a:pPr>
-                  <a:r>
-                    <a:rPr lang="en-US" sz="1000" dirty="0"/>
-                    <a:t>Action Layer</a:t>
-                  </a:r>
-                </a:p>
-              </p:txBody>
-            </p:sp>
-            <p:sp>
-              <p:nvSpPr>
-                <p:cNvPr id="42" name="AutoShape 42"/>
-                <p:cNvSpPr/>
-                <p:nvPr/>
-              </p:nvSpPr>
-              <p:spPr>
-                <a:xfrm>
-                  <a:off x="9381814" y="7192960"/>
-                  <a:ext cx="1206500" cy="254000"/>
-                </a:xfrm>
-                <a:prstGeom prst="rect">
-                  <a:avLst/>
-                </a:prstGeom>
-                <a:noFill/>
-                <a:ln w="12700">
-                  <a:noFill/>
-                  <a:prstDash val="solid"/>
-                </a:ln>
-              </p:spPr>
-              <p:txBody>
-                <a:bodyPr lIns="91440" tIns="45720" rIns="91440" bIns="45720" rtlCol="0" anchor="t">
-                  <a:noAutofit/>
-                </a:bodyPr>
-                <a:lstStyle/>
-                <a:p>
-                  <a:pPr>
-                    <a:defRPr/>
-                  </a:pPr>
-                  <a:r>
-                    <a:rPr lang="en-US" sz="1000" dirty="0"/>
-                    <a:t>Entity Layer</a:t>
-                  </a:r>
-                </a:p>
-              </p:txBody>
-            </p:sp>
-            <p:sp>
-              <p:nvSpPr>
-                <p:cNvPr id="43" name="AutoShape 43"/>
-                <p:cNvSpPr/>
-                <p:nvPr/>
-              </p:nvSpPr>
-              <p:spPr>
-                <a:xfrm rot="10800000" flipV="1">
-                  <a:off x="9379528" y="7362558"/>
-                  <a:ext cx="1257300" cy="254000"/>
-                </a:xfrm>
-                <a:prstGeom prst="rect">
-                  <a:avLst/>
-                </a:prstGeom>
-                <a:noFill/>
-                <a:ln w="12700">
-                  <a:noFill/>
-                  <a:prstDash val="solid"/>
-                </a:ln>
-              </p:spPr>
-              <p:txBody>
-                <a:bodyPr lIns="91440" tIns="45720" rIns="91440" bIns="45720" rtlCol="0" anchor="t">
-                  <a:noAutofit/>
-                </a:bodyPr>
-                <a:lstStyle/>
-                <a:p>
-                  <a:pPr>
-                    <a:defRPr/>
-                  </a:pPr>
-                  <a:r>
-                    <a:rPr lang="en-US" sz="1000" dirty="0"/>
-                    <a:t>Mono Scripts</a:t>
-                  </a:r>
-                </a:p>
-              </p:txBody>
-            </p:sp>
-            <p:sp>
-              <p:nvSpPr>
-                <p:cNvPr id="44" name="AutoShape 44"/>
-                <p:cNvSpPr/>
-                <p:nvPr/>
-              </p:nvSpPr>
-              <p:spPr>
-                <a:xfrm>
-                  <a:off x="9377930" y="6822702"/>
-                  <a:ext cx="900144" cy="254000"/>
-                </a:xfrm>
-                <a:prstGeom prst="rect">
-                  <a:avLst/>
-                </a:prstGeom>
-                <a:noFill/>
-                <a:ln w="12700">
-                  <a:noFill/>
-                  <a:prstDash val="solid"/>
-                </a:ln>
-              </p:spPr>
-              <p:txBody>
-                <a:bodyPr lIns="91440" tIns="45720" rIns="91440" bIns="45720" rtlCol="0" anchor="t">
-                  <a:noAutofit/>
-                </a:bodyPr>
-                <a:lstStyle/>
-                <a:p>
-                  <a:pPr>
-                    <a:defRPr/>
-                  </a:pPr>
-                  <a:r>
-                    <a:rPr lang="en-US" sz="1000" dirty="0"/>
-                    <a:t>Task Layer</a:t>
-                  </a:r>
-                </a:p>
-              </p:txBody>
-            </p:sp>
-          </p:grpSp>
-          <p:grpSp>
-            <p:nvGrpSpPr>
-              <p:cNvPr id="244" name="组合 243">
-                <a:extLst>
-                  <a:ext uri="{FF2B5EF4-FFF2-40B4-BE49-F238E27FC236}">
-                    <a16:creationId xmlns:a16="http://schemas.microsoft.com/office/drawing/2014/main" id="{86F9A555-86DA-4506-1E96-B8CFDF4FC07B}"/>
-                  </a:ext>
-                </a:extLst>
-              </p:cNvPr>
-              <p:cNvGrpSpPr/>
-              <p:nvPr/>
-            </p:nvGrpSpPr>
-            <p:grpSpPr>
-              <a:xfrm>
-                <a:off x="8755920" y="5412762"/>
-                <a:ext cx="2450903" cy="755157"/>
-                <a:chOff x="8959361" y="5461295"/>
-                <a:chExt cx="2450903" cy="755157"/>
-              </a:xfrm>
-            </p:grpSpPr>
-            <p:grpSp>
-              <p:nvGrpSpPr>
-                <p:cNvPr id="284" name="组合 283">
-                  <a:extLst>
-                    <a:ext uri="{FF2B5EF4-FFF2-40B4-BE49-F238E27FC236}">
-                      <a16:creationId xmlns:a16="http://schemas.microsoft.com/office/drawing/2014/main" id="{748C70A0-B91A-4059-D5B5-9B46543619EC}"/>
-                    </a:ext>
-                  </a:extLst>
-                </p:cNvPr>
-                <p:cNvGrpSpPr/>
-                <p:nvPr/>
-              </p:nvGrpSpPr>
-              <p:grpSpPr>
-                <a:xfrm>
-                  <a:off x="8982302" y="5461295"/>
-                  <a:ext cx="2427962" cy="533423"/>
-                  <a:chOff x="10593447" y="5721681"/>
-                  <a:chExt cx="2427962" cy="533423"/>
-                </a:xfrm>
-              </p:grpSpPr>
-              <p:pic>
-                <p:nvPicPr>
-                  <p:cNvPr id="275" name="Picture 103">
-                    <a:extLst>
-                      <a:ext uri="{FF2B5EF4-FFF2-40B4-BE49-F238E27FC236}">
-                        <a16:creationId xmlns:a16="http://schemas.microsoft.com/office/drawing/2014/main" id="{71CC9F1D-E2BD-750A-C7DE-C6BFC80CB20D}"/>
-                      </a:ext>
-                    </a:extLst>
-                  </p:cNvPr>
-                  <p:cNvPicPr>
-                    <a:picLocks noChangeAspect="1"/>
-                  </p:cNvPicPr>
-                  <p:nvPr/>
-                </p:nvPicPr>
-                <p:blipFill>
-                  <a:blip r:embed="rId3"/>
-                  <a:stretch>
-                    <a:fillRect/>
-                  </a:stretch>
-                </p:blipFill>
-                <p:spPr>
-                  <a:xfrm>
-                    <a:off x="10593447" y="5728619"/>
-                    <a:ext cx="223202" cy="218908"/>
-                  </a:xfrm>
-                  <a:prstGeom prst="rect">
-                    <a:avLst/>
-                  </a:prstGeom>
-                  <a:ln>
-                    <a:noFill/>
-                    <a:prstDash val="solid"/>
-                  </a:ln>
-                </p:spPr>
-              </p:pic>
-              <p:pic>
-                <p:nvPicPr>
-                  <p:cNvPr id="276" name="Picture 71">
-                    <a:extLst>
-                      <a:ext uri="{FF2B5EF4-FFF2-40B4-BE49-F238E27FC236}">
-                        <a16:creationId xmlns:a16="http://schemas.microsoft.com/office/drawing/2014/main" id="{4FDB8312-AA5A-7045-403E-3F6A7D82E057}"/>
-                      </a:ext>
-                    </a:extLst>
-                  </p:cNvPr>
-                  <p:cNvPicPr>
-                    <a:picLocks noChangeAspect="1"/>
-                  </p:cNvPicPr>
-                  <p:nvPr/>
-                </p:nvPicPr>
-                <p:blipFill>
-                  <a:blip r:embed="rId4"/>
-                  <a:stretch>
-                    <a:fillRect/>
-                  </a:stretch>
-                </p:blipFill>
-                <p:spPr>
-                  <a:xfrm>
-                    <a:off x="11841433" y="6001222"/>
-                    <a:ext cx="223202" cy="223900"/>
-                  </a:xfrm>
-                  <a:prstGeom prst="rect">
-                    <a:avLst/>
-                  </a:prstGeom>
-                  <a:ln>
-                    <a:noFill/>
-                    <a:prstDash val="solid"/>
-                  </a:ln>
-                </p:spPr>
-              </p:pic>
-              <p:pic>
-                <p:nvPicPr>
-                  <p:cNvPr id="279" name="Picture 123">
-                    <a:extLst>
-                      <a:ext uri="{FF2B5EF4-FFF2-40B4-BE49-F238E27FC236}">
-                        <a16:creationId xmlns:a16="http://schemas.microsoft.com/office/drawing/2014/main" id="{E061F5A0-17A1-CB31-425B-2267BDBDE5CF}"/>
-                      </a:ext>
-                    </a:extLst>
-                  </p:cNvPr>
-                  <p:cNvPicPr>
-                    <a:picLocks noChangeAspect="1"/>
-                  </p:cNvPicPr>
-                  <p:nvPr/>
-                </p:nvPicPr>
-                <p:blipFill>
-                  <a:blip r:embed="rId5"/>
-                  <a:stretch>
-                    <a:fillRect/>
-                  </a:stretch>
-                </p:blipFill>
-                <p:spPr>
-                  <a:xfrm>
-                    <a:off x="11817092" y="5734826"/>
-                    <a:ext cx="223202" cy="250737"/>
-                  </a:xfrm>
-                  <a:prstGeom prst="roundRect">
-                    <a:avLst>
-                      <a:gd name="adj" fmla="val 10768"/>
-                    </a:avLst>
-                  </a:prstGeom>
-                  <a:ln>
-                    <a:noFill/>
-                    <a:prstDash val="solid"/>
-                  </a:ln>
-                </p:spPr>
-              </p:pic>
-              <p:sp>
-                <p:nvSpPr>
-                  <p:cNvPr id="280" name="AutoShape 44">
-                    <a:extLst>
-                      <a:ext uri="{FF2B5EF4-FFF2-40B4-BE49-F238E27FC236}">
-                        <a16:creationId xmlns:a16="http://schemas.microsoft.com/office/drawing/2014/main" id="{F06ECEF4-F44C-6BBC-A808-566ADA75CF4B}"/>
-                      </a:ext>
-                    </a:extLst>
-                  </p:cNvPr>
-                  <p:cNvSpPr/>
-                  <p:nvPr/>
-                </p:nvSpPr>
-                <p:spPr>
-                  <a:xfrm>
-                    <a:off x="11983316" y="5751449"/>
-                    <a:ext cx="1038093" cy="254000"/>
-                  </a:xfrm>
-                  <a:prstGeom prst="rect">
-                    <a:avLst/>
-                  </a:prstGeom>
-                  <a:noFill/>
-                  <a:ln w="12700">
-                    <a:noFill/>
-                    <a:prstDash val="solid"/>
-                  </a:ln>
-                </p:spPr>
-                <p:txBody>
-                  <a:bodyPr lIns="91440" tIns="45720" rIns="91440" bIns="45720" rtlCol="0" anchor="t">
-                    <a:noAutofit/>
-                  </a:bodyPr>
-                  <a:lstStyle/>
-                  <a:p>
-                    <a:pPr>
-                      <a:defRPr/>
-                    </a:pPr>
-                    <a:r>
-                      <a:rPr lang="en-US" sz="1000" dirty="0"/>
-                      <a:t>C# Scripts File</a:t>
-                    </a:r>
-                  </a:p>
-                </p:txBody>
-              </p:sp>
-              <p:sp>
-                <p:nvSpPr>
-                  <p:cNvPr id="281" name="AutoShape 44">
-                    <a:extLst>
-                      <a:ext uri="{FF2B5EF4-FFF2-40B4-BE49-F238E27FC236}">
-                        <a16:creationId xmlns:a16="http://schemas.microsoft.com/office/drawing/2014/main" id="{AD2A41C4-588D-ADC5-E1F3-BBFC626BD975}"/>
-                      </a:ext>
-                    </a:extLst>
-                  </p:cNvPr>
-                  <p:cNvSpPr/>
-                  <p:nvPr/>
-                </p:nvSpPr>
-                <p:spPr>
-                  <a:xfrm>
-                    <a:off x="10753321" y="5721681"/>
-                    <a:ext cx="1038093" cy="254000"/>
-                  </a:xfrm>
-                  <a:prstGeom prst="rect">
-                    <a:avLst/>
-                  </a:prstGeom>
-                  <a:noFill/>
-                  <a:ln w="12700">
-                    <a:noFill/>
-                    <a:prstDash val="solid"/>
-                  </a:ln>
-                </p:spPr>
-                <p:txBody>
-                  <a:bodyPr lIns="91440" tIns="45720" rIns="91440" bIns="45720" rtlCol="0" anchor="t">
-                    <a:noAutofit/>
-                  </a:bodyPr>
-                  <a:lstStyle/>
-                  <a:p>
-                    <a:pPr>
-                      <a:defRPr/>
-                    </a:pPr>
-                    <a:r>
-                      <a:rPr lang="en-US" sz="1000" dirty="0"/>
-                      <a:t>Entity Interface</a:t>
-                    </a:r>
-                  </a:p>
-                </p:txBody>
-              </p:sp>
-              <p:sp>
-                <p:nvSpPr>
-                  <p:cNvPr id="282" name="AutoShape 44">
-                    <a:extLst>
-                      <a:ext uri="{FF2B5EF4-FFF2-40B4-BE49-F238E27FC236}">
-                        <a16:creationId xmlns:a16="http://schemas.microsoft.com/office/drawing/2014/main" id="{05AA1ED6-473A-9840-69EB-378F3E6D4CBA}"/>
-                      </a:ext>
-                    </a:extLst>
-                  </p:cNvPr>
-                  <p:cNvSpPr/>
-                  <p:nvPr/>
-                </p:nvSpPr>
-                <p:spPr>
-                  <a:xfrm>
-                    <a:off x="11983316" y="6001104"/>
-                    <a:ext cx="1038093" cy="254000"/>
-                  </a:xfrm>
-                  <a:prstGeom prst="rect">
-                    <a:avLst/>
-                  </a:prstGeom>
-                  <a:noFill/>
-                  <a:ln w="12700">
-                    <a:noFill/>
-                    <a:prstDash val="solid"/>
-                  </a:ln>
-                </p:spPr>
-                <p:txBody>
-                  <a:bodyPr lIns="91440" tIns="45720" rIns="91440" bIns="45720" rtlCol="0" anchor="t">
-                    <a:noAutofit/>
-                  </a:bodyPr>
-                  <a:lstStyle/>
-                  <a:p>
-                    <a:pPr>
-                      <a:defRPr/>
-                    </a:pPr>
-                    <a:r>
-                      <a:rPr lang="en-US" sz="1000" dirty="0"/>
-                      <a:t>GameObjects</a:t>
-                    </a:r>
-                  </a:p>
-                </p:txBody>
-              </p:sp>
-            </p:grpSp>
-            <p:pic>
-              <p:nvPicPr>
-                <p:cNvPr id="285" name="Picture 77">
-                  <a:extLst>
-                    <a:ext uri="{FF2B5EF4-FFF2-40B4-BE49-F238E27FC236}">
-                      <a16:creationId xmlns:a16="http://schemas.microsoft.com/office/drawing/2014/main" id="{397E98B8-56B7-C927-FBEA-1C835BDFA981}"/>
-                    </a:ext>
-                  </a:extLst>
-                </p:cNvPr>
-                <p:cNvPicPr>
-                  <a:picLocks noChangeAspect="1"/>
-                </p:cNvPicPr>
-                <p:nvPr/>
-              </p:nvPicPr>
-              <p:blipFill>
-                <a:blip r:embed="rId6"/>
-                <a:stretch>
-                  <a:fillRect/>
-                </a:stretch>
-              </p:blipFill>
-              <p:spPr>
-                <a:xfrm>
-                  <a:off x="8959361" y="5707450"/>
-                  <a:ext cx="241575" cy="241575"/>
-                </a:xfrm>
-                <a:prstGeom prst="rect">
-                  <a:avLst/>
-                </a:prstGeom>
-                <a:ln>
-                  <a:noFill/>
-                  <a:prstDash val="solid"/>
-                </a:ln>
-              </p:spPr>
-            </p:pic>
-            <p:sp>
-              <p:nvSpPr>
-                <p:cNvPr id="286" name="AutoShape 44">
-                  <a:extLst>
-                    <a:ext uri="{FF2B5EF4-FFF2-40B4-BE49-F238E27FC236}">
-                      <a16:creationId xmlns:a16="http://schemas.microsoft.com/office/drawing/2014/main" id="{2C79EEA9-1F33-A927-2B59-3D9988D2D38E}"/>
-                    </a:ext>
-                  </a:extLst>
-                </p:cNvPr>
-                <p:cNvSpPr/>
-                <p:nvPr/>
-              </p:nvSpPr>
-              <p:spPr>
-                <a:xfrm>
-                  <a:off x="9140083" y="5708074"/>
-                  <a:ext cx="1038093" cy="254000"/>
-                </a:xfrm>
-                <a:prstGeom prst="rect">
-                  <a:avLst/>
-                </a:prstGeom>
-                <a:noFill/>
-                <a:ln w="12700">
-                  <a:noFill/>
-                  <a:prstDash val="solid"/>
-                </a:ln>
-              </p:spPr>
-              <p:txBody>
-                <a:bodyPr lIns="91440" tIns="45720" rIns="91440" bIns="45720" rtlCol="0" anchor="t">
-                  <a:noAutofit/>
-                </a:bodyPr>
-                <a:lstStyle/>
-                <a:p>
-                  <a:pPr>
-                    <a:defRPr/>
-                  </a:pPr>
-                  <a:r>
-                    <a:rPr lang="en-US" sz="1000" dirty="0"/>
-                    <a:t>Unity Scene</a:t>
-                  </a:r>
-                </a:p>
-              </p:txBody>
-            </p:sp>
-            <p:pic>
-              <p:nvPicPr>
-                <p:cNvPr id="356" name="Picture 122">
-                  <a:extLst>
-                    <a:ext uri="{FF2B5EF4-FFF2-40B4-BE49-F238E27FC236}">
-                      <a16:creationId xmlns:a16="http://schemas.microsoft.com/office/drawing/2014/main" id="{5ACC8A48-B1A3-DAFC-3111-85339A0E8829}"/>
-                    </a:ext>
-                  </a:extLst>
-                </p:cNvPr>
-                <p:cNvPicPr>
-                  <a:picLocks noChangeAspect="1"/>
-                </p:cNvPicPr>
-                <p:nvPr/>
-              </p:nvPicPr>
-              <p:blipFill>
-                <a:blip r:embed="rId7"/>
-                <a:stretch>
-                  <a:fillRect/>
-                </a:stretch>
-              </p:blipFill>
-              <p:spPr>
-                <a:xfrm>
-                  <a:off x="8989660" y="5978550"/>
-                  <a:ext cx="224230" cy="211791"/>
-                </a:xfrm>
-                <a:prstGeom prst="rect">
-                  <a:avLst/>
-                </a:prstGeom>
-                <a:ln>
-                  <a:noFill/>
-                  <a:prstDash val="solid"/>
-                </a:ln>
-              </p:spPr>
-            </p:pic>
-            <p:sp>
-              <p:nvSpPr>
-                <p:cNvPr id="357" name="AutoShape 44">
-                  <a:extLst>
-                    <a:ext uri="{FF2B5EF4-FFF2-40B4-BE49-F238E27FC236}">
-                      <a16:creationId xmlns:a16="http://schemas.microsoft.com/office/drawing/2014/main" id="{36EA9BC7-35E4-945A-D9F7-2D3759647C2E}"/>
-                    </a:ext>
-                  </a:extLst>
-                </p:cNvPr>
-                <p:cNvSpPr/>
-                <p:nvPr/>
-              </p:nvSpPr>
-              <p:spPr>
-                <a:xfrm>
-                  <a:off x="9129652" y="5962452"/>
-                  <a:ext cx="938158" cy="254000"/>
-                </a:xfrm>
-                <a:prstGeom prst="rect">
-                  <a:avLst/>
-                </a:prstGeom>
-                <a:noFill/>
-                <a:ln w="12700">
-                  <a:noFill/>
-                  <a:prstDash val="solid"/>
-                </a:ln>
-              </p:spPr>
-              <p:txBody>
-                <a:bodyPr lIns="91440" tIns="45720" rIns="91440" bIns="45720" rtlCol="0" anchor="t">
-                  <a:noAutofit/>
-                </a:bodyPr>
-                <a:lstStyle/>
-                <a:p>
-                  <a:pPr>
-                    <a:defRPr/>
-                  </a:pPr>
-                  <a:r>
-                    <a:rPr lang="en-US" sz="1000" dirty="0"/>
-                    <a:t>Third Plugins</a:t>
-                  </a:r>
-                </a:p>
-              </p:txBody>
-            </p:sp>
-          </p:grpSp>
-        </p:grpSp>
-      </p:grpSp>
       <p:sp>
         <p:nvSpPr>
           <p:cNvPr id="183" name="矩形 182">
@@ -12347,7 +11485,7 @@
         </p:nvSpPr>
         <p:spPr>
           <a:xfrm>
-            <a:off x="3410247" y="6119550"/>
+            <a:off x="3523532" y="9195876"/>
             <a:ext cx="3894239" cy="487283"/>
           </a:xfrm>
           <a:prstGeom prst="rect">
@@ -12398,10 +11536,10 @@
         </p:nvGrpSpPr>
         <p:grpSpPr>
           <a:xfrm>
-            <a:off x="3408779" y="5548044"/>
-            <a:ext cx="3919963" cy="484914"/>
-            <a:chOff x="3477260" y="6097414"/>
-            <a:chExt cx="3919963" cy="484914"/>
+            <a:off x="3247439" y="2506176"/>
+            <a:ext cx="3919963" cy="484897"/>
+            <a:chOff x="3477260" y="6097431"/>
+            <a:chExt cx="3919963" cy="484897"/>
           </a:xfrm>
         </p:grpSpPr>
         <p:sp>
@@ -12665,7 +11803,7 @@
           </p:nvSpPr>
           <p:spPr>
             <a:xfrm>
-              <a:off x="4584901" y="6097414"/>
+              <a:off x="4223811" y="6097431"/>
               <a:ext cx="955608" cy="256931"/>
             </a:xfrm>
             <a:prstGeom prst="rect">
@@ -12722,8 +11860,8 @@
         </p:nvCxnSpPr>
         <p:spPr>
           <a:xfrm>
-            <a:off x="3211761" y="4988489"/>
-            <a:ext cx="203693" cy="0"/>
+            <a:off x="237163" y="3995773"/>
+            <a:ext cx="0" cy="222508"/>
           </a:xfrm>
           <a:prstGeom prst="straightConnector1">
             <a:avLst/>
@@ -12761,7 +11899,7 @@
         </p:nvGrpSpPr>
         <p:grpSpPr>
           <a:xfrm>
-            <a:off x="3559392" y="461197"/>
+            <a:off x="3444285" y="3557906"/>
             <a:ext cx="3726401" cy="919139"/>
             <a:chOff x="3380100" y="411776"/>
             <a:chExt cx="3726401" cy="919139"/>
@@ -13177,7 +12315,7 @@
         </p:nvGrpSpPr>
         <p:grpSpPr>
           <a:xfrm>
-            <a:off x="7647902" y="461090"/>
+            <a:off x="7595171" y="2351857"/>
             <a:ext cx="975689" cy="917386"/>
             <a:chOff x="7841246" y="659452"/>
             <a:chExt cx="1573196" cy="1508796"/>
@@ -13248,7 +12386,7 @@
               <p:nvPr/>
             </p:nvPicPr>
             <p:blipFill>
-              <a:blip r:embed="rId4"/>
+              <a:blip r:embed="rId3"/>
               <a:stretch>
                 <a:fillRect/>
               </a:stretch>
@@ -13290,7 +12428,7 @@
                 <p:nvPr/>
               </p:nvPicPr>
               <p:blipFill>
-                <a:blip r:embed="rId5"/>
+                <a:blip r:embed="rId4"/>
                 <a:stretch>
                   <a:fillRect/>
                 </a:stretch>
@@ -13320,7 +12458,7 @@
                 <p:nvPr/>
               </p:nvPicPr>
               <p:blipFill>
-                <a:blip r:embed="rId3"/>
+                <a:blip r:embed="rId5"/>
                 <a:stretch>
                   <a:fillRect/>
                 </a:stretch>
@@ -13392,7 +12530,7 @@
               <p:nvPr/>
             </p:nvPicPr>
             <p:blipFill>
-              <a:blip r:embed="rId4"/>
+              <a:blip r:embed="rId3"/>
               <a:stretch>
                 <a:fillRect/>
               </a:stretch>
@@ -13434,7 +12572,7 @@
                 <p:nvPr/>
               </p:nvPicPr>
               <p:blipFill>
-                <a:blip r:embed="rId5"/>
+                <a:blip r:embed="rId4"/>
                 <a:stretch>
                   <a:fillRect/>
                 </a:stretch>
@@ -13464,7 +12602,7 @@
                 <p:nvPr/>
               </p:nvPicPr>
               <p:blipFill>
-                <a:blip r:embed="rId3"/>
+                <a:blip r:embed="rId5"/>
                 <a:stretch>
                   <a:fillRect/>
                 </a:stretch>
@@ -13508,7 +12646,7 @@
               <p:nvPr/>
             </p:nvPicPr>
             <p:blipFill>
-              <a:blip r:embed="rId4"/>
+              <a:blip r:embed="rId3"/>
               <a:stretch>
                 <a:fillRect/>
               </a:stretch>
@@ -13550,7 +12688,7 @@
                 <p:nvPr/>
               </p:nvPicPr>
               <p:blipFill>
-                <a:blip r:embed="rId5"/>
+                <a:blip r:embed="rId4"/>
                 <a:stretch>
                   <a:fillRect/>
                 </a:stretch>
@@ -13580,7 +12718,7 @@
                 <p:nvPr/>
               </p:nvPicPr>
               <p:blipFill>
-                <a:blip r:embed="rId3"/>
+                <a:blip r:embed="rId5"/>
                 <a:stretch>
                   <a:fillRect/>
                 </a:stretch>
@@ -13607,15 +12745,13 @@
           <p:cNvPr id="147" name="Connector 147"/>
           <p:cNvCxnSpPr>
             <a:cxnSpLocks/>
-            <a:stCxn id="150" idx="1"/>
-            <a:endCxn id="2" idx="3"/>
           </p:cNvCxnSpPr>
           <p:nvPr/>
         </p:nvCxnSpPr>
         <p:spPr>
           <a:xfrm flipV="1">
-            <a:off x="7515751" y="1244129"/>
-            <a:ext cx="275037" cy="440202"/>
+            <a:off x="7328671" y="3044017"/>
+            <a:ext cx="326258" cy="1480268"/>
           </a:xfrm>
           <a:prstGeom prst="line">
             <a:avLst/>
@@ -13651,8 +12787,8 @@
         </p:nvSpPr>
         <p:spPr>
           <a:xfrm>
-            <a:off x="7330205" y="570170"/>
-            <a:ext cx="185540" cy="2228331"/>
+            <a:off x="7212198" y="3650112"/>
+            <a:ext cx="138881" cy="1797110"/>
           </a:xfrm>
           <a:prstGeom prst="rightBrace">
             <a:avLst>
@@ -13706,7 +12842,7 @@
         </p:nvSpPr>
         <p:spPr>
           <a:xfrm rot="771258">
-            <a:off x="8446441" y="874658"/>
+            <a:off x="8393710" y="2765425"/>
             <a:ext cx="460945" cy="992775"/>
           </a:xfrm>
           <a:prstGeom prst="curvedRightArrow">
@@ -13757,7 +12893,7 @@
         </p:nvGrpSpPr>
         <p:grpSpPr>
           <a:xfrm>
-            <a:off x="9059404" y="1685775"/>
+            <a:off x="9006673" y="3576542"/>
             <a:ext cx="943913" cy="355365"/>
             <a:chOff x="4692103" y="4907987"/>
             <a:chExt cx="1601074" cy="355365"/>
@@ -13872,7 +13008,7 @@
         </p:nvGrpSpPr>
         <p:grpSpPr>
           <a:xfrm>
-            <a:off x="9098970" y="459487"/>
+            <a:off x="9046239" y="2350254"/>
             <a:ext cx="1685552" cy="1029268"/>
             <a:chOff x="8913758" y="1975184"/>
             <a:chExt cx="1685552" cy="1029268"/>
@@ -13945,7 +13081,7 @@
               <p:nvPr/>
             </p:nvPicPr>
             <p:blipFill>
-              <a:blip r:embed="rId8"/>
+              <a:blip r:embed="rId7"/>
               <a:stretch>
                 <a:fillRect/>
               </a:stretch>
@@ -14315,7 +13451,7 @@
         </p:nvGrpSpPr>
         <p:grpSpPr>
           <a:xfrm>
-            <a:off x="7641770" y="166435"/>
+            <a:off x="7589039" y="2057202"/>
             <a:ext cx="3463972" cy="279400"/>
             <a:chOff x="7741716" y="1157582"/>
             <a:chExt cx="3463972" cy="279400"/>
@@ -14477,7 +13613,7 @@
         </p:nvGrpSpPr>
         <p:grpSpPr>
           <a:xfrm>
-            <a:off x="7686533" y="3110110"/>
+            <a:off x="7633802" y="5000877"/>
             <a:ext cx="1564309" cy="328236"/>
             <a:chOff x="4684616" y="5884976"/>
             <a:chExt cx="3376604" cy="512407"/>
@@ -14583,7 +13719,7 @@
         </p:nvSpPr>
         <p:spPr>
           <a:xfrm>
-            <a:off x="8736338" y="1425500"/>
+            <a:off x="8683607" y="3316267"/>
             <a:ext cx="2343177" cy="264716"/>
           </a:xfrm>
           <a:prstGeom prst="rect">
@@ -14618,7 +13754,7 @@
         </p:nvSpPr>
         <p:spPr>
           <a:xfrm>
-            <a:off x="9036007" y="2780800"/>
+            <a:off x="8983276" y="4671567"/>
             <a:ext cx="214835" cy="290428"/>
           </a:xfrm>
           <a:prstGeom prst="downArrow">
@@ -14670,8 +13806,8 @@
         </p:nvSpPr>
         <p:spPr>
           <a:xfrm>
-            <a:off x="7563106" y="149085"/>
-            <a:ext cx="4351724" cy="4764606"/>
+            <a:off x="7510375" y="2039852"/>
+            <a:ext cx="4142941" cy="3376435"/>
           </a:xfrm>
           <a:prstGeom prst="roundRect">
             <a:avLst>
@@ -14702,10 +13838,10 @@
       </p:sp>
       <p:grpSp>
         <p:nvGrpSpPr>
-          <p:cNvPr id="295" name="Group 67">
+          <p:cNvPr id="23" name="组合 22">
             <a:extLst>
               <a:ext uri="{FF2B5EF4-FFF2-40B4-BE49-F238E27FC236}">
-                <a16:creationId xmlns:a16="http://schemas.microsoft.com/office/drawing/2014/main" id="{AEAA26F5-7B4B-24EC-782A-A15200C4C581}"/>
+                <a16:creationId xmlns:a16="http://schemas.microsoft.com/office/drawing/2014/main" id="{F06F82DB-828D-2AF1-AD5D-BF2F40E1BE1E}"/>
               </a:ext>
             </a:extLst>
           </p:cNvPr>
@@ -14714,18 +13850,18 @@
         </p:nvGrpSpPr>
         <p:grpSpPr>
           <a:xfrm>
-            <a:off x="9081905" y="3754962"/>
-            <a:ext cx="2426712" cy="973427"/>
-            <a:chOff x="8543838" y="3093823"/>
-            <a:chExt cx="2426712" cy="973427"/>
+            <a:off x="-5530263" y="2825847"/>
+            <a:ext cx="4047346" cy="1156130"/>
+            <a:chOff x="3149200" y="6606833"/>
+            <a:chExt cx="4047346" cy="1156130"/>
           </a:xfrm>
         </p:grpSpPr>
         <p:sp>
           <p:nvSpPr>
-            <p:cNvPr id="296" name="AutoShape 68">
+            <p:cNvPr id="51" name="AutoShape 115">
               <a:extLst>
                 <a:ext uri="{FF2B5EF4-FFF2-40B4-BE49-F238E27FC236}">
-                  <a16:creationId xmlns:a16="http://schemas.microsoft.com/office/drawing/2014/main" id="{3B21FAC0-A4F8-4A25-DB58-D94E47CBF06E}"/>
+                  <a16:creationId xmlns:a16="http://schemas.microsoft.com/office/drawing/2014/main" id="{7FF9B47E-12AC-6C66-2DCB-DE959668AEEA}"/>
                 </a:ext>
               </a:extLst>
             </p:cNvPr>
@@ -14734,31 +13870,31 @@
           </p:nvSpPr>
           <p:spPr>
             <a:xfrm>
-              <a:off x="8543838" y="3093823"/>
-              <a:ext cx="2426712" cy="948285"/>
+              <a:off x="3149200" y="6606833"/>
+              <a:ext cx="4047346" cy="1156130"/>
             </a:xfrm>
             <a:prstGeom prst="roundRect">
               <a:avLst>
-                <a:gd name="adj" fmla="val 16666"/>
+                <a:gd name="adj" fmla="val 9090"/>
               </a:avLst>
             </a:prstGeom>
             <a:solidFill>
-              <a:srgbClr val="64E8D6"/>
+              <a:srgbClr val="DEE0E3">
+                <a:alpha val="20000"/>
+              </a:srgbClr>
             </a:solidFill>
-            <a:ln w="12700" cap="flat">
-              <a:noFill/>
-              <a:prstDash val="solid"/>
+            <a:ln w="25400" cap="flat" cmpd="sng">
+              <a:solidFill>
+                <a:srgbClr val="2B2F36">
+                  <a:alpha val="20000"/>
+                </a:srgbClr>
+              </a:solidFill>
+              <a:prstDash val="sysDash"/>
+              <a:round/>
             </a:ln>
-            <a:effectLst>
-              <a:outerShdw blurRad="101600" dist="50800" dir="5400000" algn="ctr" rotWithShape="0">
-                <a:srgbClr val="FFFFFF">
-                  <a:alpha val="60000"/>
-                </a:srgbClr>
-              </a:outerShdw>
-            </a:effectLst>
           </p:spPr>
           <p:txBody>
-            <a:bodyPr lIns="91440" tIns="0" rIns="91440" bIns="45720" rtlCol="0" anchor="t">
+            <a:bodyPr lIns="63500" tIns="63500" rIns="63500" bIns="63500" rtlCol="0" anchor="ctr">
               <a:noAutofit/>
             </a:bodyPr>
             <a:lstStyle/>
@@ -14766,447 +13902,16 @@
               <a:pPr algn="ctr">
                 <a:defRPr/>
               </a:pPr>
-              <a:r>
-                <a:rPr lang="en-US" sz="1200" b="1" dirty="0">
-                  <a:latin typeface="+mj-lt"/>
-                  <a:ea typeface="Times New Roman"/>
-                  <a:cs typeface="Times New Roman" panose="02020603050405020304" pitchFamily="18" charset="0"/>
-                  <a:sym typeface="Times New Roman"/>
-                </a:rPr>
-                <a:t>Grab-And-Drag-Box Task</a:t>
-              </a:r>
-              <a:endParaRPr lang="en-US" sz="1100" b="1" dirty="0">
-                <a:latin typeface="+mj-lt"/>
-                <a:cs typeface="Times New Roman" panose="02020603050405020304" pitchFamily="18" charset="0"/>
-              </a:endParaRPr>
+              <a:endParaRPr sz="2628" dirty="0"/>
             </a:p>
           </p:txBody>
         </p:sp>
-        <p:cxnSp>
-          <p:nvCxnSpPr>
-            <p:cNvPr id="297" name="Connector 69">
+        <p:grpSp>
+          <p:nvGrpSpPr>
+            <p:cNvPr id="295" name="Group 67">
               <a:extLst>
                 <a:ext uri="{FF2B5EF4-FFF2-40B4-BE49-F238E27FC236}">
-                  <a16:creationId xmlns:a16="http://schemas.microsoft.com/office/drawing/2014/main" id="{1918F898-F55F-E4F5-419F-6CDC9C9464E8}"/>
-                </a:ext>
-              </a:extLst>
-            </p:cNvPr>
-            <p:cNvCxnSpPr/>
-            <p:nvPr/>
-          </p:nvCxnSpPr>
-          <p:spPr>
-            <a:xfrm>
-              <a:off x="8773795" y="3890695"/>
-              <a:ext cx="1945260" cy="0"/>
-            </a:xfrm>
-            <a:prstGeom prst="line">
-              <a:avLst/>
-            </a:prstGeom>
-            <a:noFill/>
-            <a:ln w="12700" cap="flat">
-              <a:solidFill>
-                <a:srgbClr val="4874CB">
-                  <a:alpha val="100000"/>
-                </a:srgbClr>
-              </a:solidFill>
-              <a:prstDash val="solid"/>
-              <a:headEnd type="none" w="med" len="med"/>
-              <a:tailEnd type="triangle" w="med" len="med"/>
-            </a:ln>
-          </p:spPr>
-        </p:cxnSp>
-        <p:sp>
-          <p:nvSpPr>
-            <p:cNvPr id="298" name="AutoShape 70">
-              <a:extLst>
-                <a:ext uri="{FF2B5EF4-FFF2-40B4-BE49-F238E27FC236}">
-                  <a16:creationId xmlns:a16="http://schemas.microsoft.com/office/drawing/2014/main" id="{6196A3E6-8F72-5091-B428-099FA75E83EE}"/>
-                </a:ext>
-              </a:extLst>
-            </p:cNvPr>
-            <p:cNvSpPr/>
-            <p:nvPr/>
-          </p:nvSpPr>
-          <p:spPr>
-            <a:xfrm>
-              <a:off x="8697999" y="3445922"/>
-              <a:ext cx="1079500" cy="172135"/>
-            </a:xfrm>
-            <a:prstGeom prst="chevron">
-              <a:avLst/>
-            </a:prstGeom>
-            <a:gradFill rotWithShape="0">
-              <a:gsLst>
-                <a:gs pos="0">
-                  <a:srgbClr val="8EA9DF">
-                    <a:alpha val="100000"/>
-                  </a:srgbClr>
-                </a:gs>
-                <a:gs pos="100000">
-                  <a:srgbClr val="4874CB">
-                    <a:alpha val="100000"/>
-                  </a:srgbClr>
-                </a:gs>
-              </a:gsLst>
-              <a:lin ang="2700000"/>
-            </a:gradFill>
-            <a:ln w="12700" cap="flat">
-              <a:noFill/>
-              <a:prstDash val="solid"/>
-            </a:ln>
-            <a:effectLst>
-              <a:outerShdw blurRad="101600" dist="50800" dir="5400000" algn="ctr" rotWithShape="0">
-                <a:srgbClr val="FFFFFF">
-                  <a:alpha val="60000"/>
-                </a:srgbClr>
-              </a:outerShdw>
-            </a:effectLst>
-          </p:spPr>
-          <p:txBody>
-            <a:bodyPr lIns="0" tIns="0" rIns="0" bIns="0" rtlCol="0" anchor="ctr">
-              <a:noAutofit/>
-            </a:bodyPr>
-            <a:lstStyle/>
-            <a:p>
-              <a:pPr algn="ctr">
-                <a:defRPr/>
-              </a:pPr>
-              <a:r>
-                <a:rPr lang="en-US" sz="1000" dirty="0">
-                  <a:latin typeface="+mj-lt"/>
-                  <a:ea typeface="Times New Roman"/>
-                  <a:cs typeface="Times New Roman"/>
-                  <a:sym typeface="Times New Roman"/>
-                </a:rPr>
-                <a:t>Move Action</a:t>
-              </a:r>
-              <a:endParaRPr lang="en-US" sz="1100" dirty="0">
-                <a:latin typeface="+mj-lt"/>
-              </a:endParaRPr>
-            </a:p>
-          </p:txBody>
-        </p:sp>
-        <p:sp>
-          <p:nvSpPr>
-            <p:cNvPr id="299" name="AutoShape 71">
-              <a:extLst>
-                <a:ext uri="{FF2B5EF4-FFF2-40B4-BE49-F238E27FC236}">
-                  <a16:creationId xmlns:a16="http://schemas.microsoft.com/office/drawing/2014/main" id="{AB984B33-70B2-903B-FFCF-BF852F06A3D9}"/>
-                </a:ext>
-              </a:extLst>
-            </p:cNvPr>
-            <p:cNvSpPr/>
-            <p:nvPr/>
-          </p:nvSpPr>
-          <p:spPr>
-            <a:xfrm>
-              <a:off x="9723211" y="3443734"/>
-              <a:ext cx="1079500" cy="172135"/>
-            </a:xfrm>
-            <a:prstGeom prst="chevron">
-              <a:avLst/>
-            </a:prstGeom>
-            <a:gradFill rotWithShape="0">
-              <a:gsLst>
-                <a:gs pos="0">
-                  <a:srgbClr val="8EA9DF">
-                    <a:alpha val="100000"/>
-                  </a:srgbClr>
-                </a:gs>
-                <a:gs pos="100000">
-                  <a:srgbClr val="4874CB">
-                    <a:alpha val="100000"/>
-                  </a:srgbClr>
-                </a:gs>
-              </a:gsLst>
-              <a:lin ang="2700000"/>
-            </a:gradFill>
-            <a:ln w="12700" cap="flat">
-              <a:noFill/>
-              <a:prstDash val="solid"/>
-            </a:ln>
-            <a:effectLst>
-              <a:outerShdw blurRad="101600" dist="50800" dir="5400000" algn="ctr" rotWithShape="0">
-                <a:srgbClr val="FFFFFF">
-                  <a:alpha val="60000"/>
-                </a:srgbClr>
-              </a:outerShdw>
-            </a:effectLst>
-          </p:spPr>
-          <p:txBody>
-            <a:bodyPr lIns="0" tIns="0" rIns="0" bIns="0" rtlCol="0" anchor="ctr">
-              <a:noAutofit/>
-            </a:bodyPr>
-            <a:lstStyle/>
-            <a:p>
-              <a:pPr algn="ctr">
-                <a:defRPr/>
-              </a:pPr>
-              <a:r>
-                <a:rPr lang="en-US" sz="1000" dirty="0">
-                  <a:latin typeface="+mj-lt"/>
-                  <a:ea typeface="Times New Roman"/>
-                  <a:cs typeface="Times New Roman"/>
-                  <a:sym typeface="Times New Roman"/>
-                </a:rPr>
-                <a:t>Grab Action</a:t>
-              </a:r>
-              <a:endParaRPr lang="en-US" sz="1100" dirty="0">
-                <a:latin typeface="+mj-lt"/>
-              </a:endParaRPr>
-            </a:p>
-          </p:txBody>
-        </p:sp>
-        <p:sp>
-          <p:nvSpPr>
-            <p:cNvPr id="300" name="AutoShape 72">
-              <a:extLst>
-                <a:ext uri="{FF2B5EF4-FFF2-40B4-BE49-F238E27FC236}">
-                  <a16:creationId xmlns:a16="http://schemas.microsoft.com/office/drawing/2014/main" id="{9538AEE2-F472-F6DD-89C2-6E5BFEB7B349}"/>
-                </a:ext>
-              </a:extLst>
-            </p:cNvPr>
-            <p:cNvSpPr/>
-            <p:nvPr/>
-          </p:nvSpPr>
-          <p:spPr>
-            <a:xfrm>
-              <a:off x="9723211" y="3643626"/>
-              <a:ext cx="1079500" cy="172135"/>
-            </a:xfrm>
-            <a:prstGeom prst="chevron">
-              <a:avLst/>
-            </a:prstGeom>
-            <a:gradFill rotWithShape="0">
-              <a:gsLst>
-                <a:gs pos="0">
-                  <a:srgbClr val="8EA9DF">
-                    <a:alpha val="100000"/>
-                  </a:srgbClr>
-                </a:gs>
-                <a:gs pos="100000">
-                  <a:srgbClr val="4874CB">
-                    <a:alpha val="100000"/>
-                  </a:srgbClr>
-                </a:gs>
-              </a:gsLst>
-              <a:lin ang="2700000"/>
-            </a:gradFill>
-            <a:ln w="12700" cap="flat">
-              <a:noFill/>
-              <a:prstDash val="solid"/>
-            </a:ln>
-            <a:effectLst>
-              <a:outerShdw blurRad="101600" dist="50800" dir="5400000" algn="ctr" rotWithShape="0">
-                <a:srgbClr val="FFFFFF">
-                  <a:alpha val="60000"/>
-                </a:srgbClr>
-              </a:outerShdw>
-            </a:effectLst>
-          </p:spPr>
-          <p:txBody>
-            <a:bodyPr lIns="0" tIns="0" rIns="0" bIns="0" rtlCol="0" anchor="ctr">
-              <a:noAutofit/>
-            </a:bodyPr>
-            <a:lstStyle/>
-            <a:p>
-              <a:pPr algn="ctr">
-                <a:defRPr/>
-              </a:pPr>
-              <a:r>
-                <a:rPr lang="en-US" sz="1000" dirty="0">
-                  <a:latin typeface="+mj-lt"/>
-                  <a:ea typeface="Times New Roman"/>
-                  <a:cs typeface="Times New Roman"/>
-                  <a:sym typeface="Times New Roman"/>
-                </a:rPr>
-                <a:t>Move Action</a:t>
-              </a:r>
-              <a:endParaRPr lang="en-US" sz="1100" dirty="0">
-                <a:latin typeface="+mj-lt"/>
-              </a:endParaRPr>
-            </a:p>
-          </p:txBody>
-        </p:sp>
-        <p:sp>
-          <p:nvSpPr>
-            <p:cNvPr id="301" name="AutoShape 73">
-              <a:extLst>
-                <a:ext uri="{FF2B5EF4-FFF2-40B4-BE49-F238E27FC236}">
-                  <a16:creationId xmlns:a16="http://schemas.microsoft.com/office/drawing/2014/main" id="{957B3DA1-5B75-3143-8CFC-29473D13BB77}"/>
-                </a:ext>
-              </a:extLst>
-            </p:cNvPr>
-            <p:cNvSpPr/>
-            <p:nvPr/>
-          </p:nvSpPr>
-          <p:spPr>
-            <a:xfrm>
-              <a:off x="9206173" y="3838650"/>
-              <a:ext cx="1718752" cy="228600"/>
-            </a:xfrm>
-            <a:prstGeom prst="rect">
-              <a:avLst/>
-            </a:prstGeom>
-            <a:noFill/>
-            <a:ln w="12700">
-              <a:noFill/>
-              <a:prstDash val="solid"/>
-            </a:ln>
-          </p:spPr>
-          <p:txBody>
-            <a:bodyPr lIns="91440" tIns="45720" rIns="91440" bIns="45720" rtlCol="0" anchor="t">
-              <a:noAutofit/>
-            </a:bodyPr>
-            <a:lstStyle/>
-            <a:p>
-              <a:pPr>
-                <a:defRPr/>
-              </a:pPr>
-              <a:r>
-                <a:rPr lang="en-US" sz="800" b="1" i="1" dirty="0">
-                  <a:latin typeface="Times New Roman" panose="02020603050405020304" pitchFamily="18" charset="0"/>
-                  <a:ea typeface="Times New Roman"/>
-                  <a:cs typeface="Times New Roman" panose="02020603050405020304" pitchFamily="18" charset="0"/>
-                  <a:sym typeface="Times New Roman"/>
-                </a:rPr>
-                <a:t>Asynchronous </a:t>
-              </a:r>
-              <a:r>
-                <a:rPr lang="en-US" altLang="zh-CN" sz="800" b="1" i="1" dirty="0">
-                  <a:solidFill>
-                    <a:schemeClr val="tx1"/>
-                  </a:solidFill>
-                  <a:latin typeface="Times New Roman" panose="02020603050405020304" pitchFamily="18" charset="0"/>
-                  <a:ea typeface="Consolas"/>
-                  <a:cs typeface="Times New Roman" panose="02020603050405020304" pitchFamily="18" charset="0"/>
-                  <a:sym typeface="Consolas"/>
-                </a:rPr>
-                <a:t>Action</a:t>
-              </a:r>
-              <a:endParaRPr lang="en-US" sz="1050" b="1" i="1" dirty="0">
-                <a:solidFill>
-                  <a:schemeClr val="tx1"/>
-                </a:solidFill>
-                <a:latin typeface="Times New Roman" panose="02020603050405020304" pitchFamily="18" charset="0"/>
-                <a:cs typeface="Times New Roman" panose="02020603050405020304" pitchFamily="18" charset="0"/>
-              </a:endParaRPr>
-            </a:p>
-          </p:txBody>
-        </p:sp>
-        <p:sp>
-          <p:nvSpPr>
-            <p:cNvPr id="302" name="AutoShape 74">
-              <a:extLst>
-                <a:ext uri="{FF2B5EF4-FFF2-40B4-BE49-F238E27FC236}">
-                  <a16:creationId xmlns:a16="http://schemas.microsoft.com/office/drawing/2014/main" id="{83D84914-3362-0329-3DB3-9B6529F1B454}"/>
-                </a:ext>
-              </a:extLst>
-            </p:cNvPr>
-            <p:cNvSpPr/>
-            <p:nvPr/>
-          </p:nvSpPr>
-          <p:spPr>
-            <a:xfrm>
-              <a:off x="9837374" y="3258035"/>
-              <a:ext cx="1130194" cy="228600"/>
-            </a:xfrm>
-            <a:prstGeom prst="rect">
-              <a:avLst/>
-            </a:prstGeom>
-            <a:noFill/>
-            <a:ln w="12700">
-              <a:noFill/>
-              <a:prstDash val="solid"/>
-            </a:ln>
-          </p:spPr>
-          <p:txBody>
-            <a:bodyPr lIns="91440" tIns="45720" rIns="91440" bIns="45720" rtlCol="0" anchor="t">
-              <a:noAutofit/>
-            </a:bodyPr>
-            <a:lstStyle/>
-            <a:p>
-              <a:pPr>
-                <a:defRPr/>
-              </a:pPr>
-              <a:r>
-                <a:rPr lang="en-US" sz="800" b="1" i="1" dirty="0">
-                  <a:latin typeface="Times New Roman" panose="02020603050405020304" pitchFamily="18" charset="0"/>
-                  <a:ea typeface="Times New Roman"/>
-                  <a:cs typeface="Times New Roman" panose="02020603050405020304" pitchFamily="18" charset="0"/>
-                  <a:sym typeface="Times New Roman"/>
-                </a:rPr>
-                <a:t>Parallel Action</a:t>
-              </a:r>
-              <a:endParaRPr lang="en-US" sz="800" b="1" i="1" dirty="0">
-                <a:latin typeface="Times New Roman" panose="02020603050405020304" pitchFamily="18" charset="0"/>
-                <a:cs typeface="Times New Roman" panose="02020603050405020304" pitchFamily="18" charset="0"/>
-              </a:endParaRPr>
-            </a:p>
-          </p:txBody>
-        </p:sp>
-      </p:grpSp>
-      <p:grpSp>
-        <p:nvGrpSpPr>
-          <p:cNvPr id="303" name="Group 75">
-            <a:extLst>
-              <a:ext uri="{FF2B5EF4-FFF2-40B4-BE49-F238E27FC236}">
-                <a16:creationId xmlns:a16="http://schemas.microsoft.com/office/drawing/2014/main" id="{9C8ED21D-461E-3296-45EA-83E294E3A468}"/>
-              </a:ext>
-            </a:extLst>
-          </p:cNvPr>
-          <p:cNvGrpSpPr/>
-          <p:nvPr/>
-        </p:nvGrpSpPr>
-        <p:grpSpPr>
-          <a:xfrm>
-            <a:off x="7805147" y="3755553"/>
-            <a:ext cx="1261461" cy="964593"/>
-            <a:chOff x="10984860" y="3003295"/>
-            <a:chExt cx="1261461" cy="964593"/>
-          </a:xfrm>
-        </p:grpSpPr>
-        <p:pic>
-          <p:nvPicPr>
-            <p:cNvPr id="304" name="Picture 76">
-              <a:extLst>
-                <a:ext uri="{FF2B5EF4-FFF2-40B4-BE49-F238E27FC236}">
-                  <a16:creationId xmlns:a16="http://schemas.microsoft.com/office/drawing/2014/main" id="{B0F21D8B-30E0-60E1-3AB0-CBB135E399D0}"/>
-                </a:ext>
-              </a:extLst>
-            </p:cNvPr>
-            <p:cNvPicPr>
-              <a:picLocks noChangeAspect="1"/>
-            </p:cNvPicPr>
-            <p:nvPr/>
-          </p:nvPicPr>
-          <p:blipFill>
-            <a:blip r:embed="rId9"/>
-            <a:srcRect/>
-            <a:stretch>
-              <a:fillRect/>
-            </a:stretch>
-          </p:blipFill>
-          <p:spPr>
-            <a:xfrm>
-              <a:off x="11127064" y="3384261"/>
-              <a:ext cx="454524" cy="461666"/>
-            </a:xfrm>
-            <a:prstGeom prst="rect">
-              <a:avLst/>
-            </a:prstGeom>
-            <a:ln w="12700">
-              <a:noFill/>
-              <a:prstDash val="solid"/>
-            </a:ln>
-          </p:spPr>
-        </p:pic>
-        <p:grpSp>
-          <p:nvGrpSpPr>
-            <p:cNvPr id="305" name="Group 77">
-              <a:extLst>
-                <a:ext uri="{FF2B5EF4-FFF2-40B4-BE49-F238E27FC236}">
-                  <a16:creationId xmlns:a16="http://schemas.microsoft.com/office/drawing/2014/main" id="{668AE94E-298E-ACCE-C605-8897A77A0FDC}"/>
+                  <a16:creationId xmlns:a16="http://schemas.microsoft.com/office/drawing/2014/main" id="{AEAA26F5-7B4B-24EC-782A-A15200C4C581}"/>
                 </a:ext>
               </a:extLst>
             </p:cNvPr>
@@ -15215,53 +13920,80 @@
           </p:nvGrpSpPr>
           <p:grpSpPr>
             <a:xfrm>
-              <a:off x="10984860" y="3003295"/>
-              <a:ext cx="1261461" cy="387488"/>
-              <a:chOff x="10984860" y="3003295"/>
-              <a:chExt cx="1261461" cy="387488"/>
+              <a:off x="4561588" y="6714018"/>
+              <a:ext cx="2426712" cy="973427"/>
+              <a:chOff x="8543838" y="3093823"/>
+              <a:chExt cx="2426712" cy="973427"/>
             </a:xfrm>
           </p:grpSpPr>
-          <p:pic>
-            <p:nvPicPr>
-              <p:cNvPr id="308" name="Picture 78">
+          <p:sp>
+            <p:nvSpPr>
+              <p:cNvPr id="296" name="AutoShape 68">
                 <a:extLst>
                   <a:ext uri="{FF2B5EF4-FFF2-40B4-BE49-F238E27FC236}">
-                    <a16:creationId xmlns:a16="http://schemas.microsoft.com/office/drawing/2014/main" id="{F8AF6EDD-A22C-8F82-E653-89A6FE65A7FA}"/>
+                    <a16:creationId xmlns:a16="http://schemas.microsoft.com/office/drawing/2014/main" id="{3B21FAC0-A4F8-4A25-DB58-D94E47CBF06E}"/>
                   </a:ext>
                 </a:extLst>
               </p:cNvPr>
-              <p:cNvPicPr>
-                <a:picLocks noChangeAspect="1"/>
-              </p:cNvPicPr>
+              <p:cNvSpPr/>
               <p:nvPr/>
-            </p:nvPicPr>
-            <p:blipFill>
-              <a:blip r:embed="rId10"/>
-              <a:srcRect/>
-              <a:stretch>
-                <a:fillRect/>
-              </a:stretch>
-            </p:blipFill>
+            </p:nvSpPr>
             <p:spPr>
-              <a:xfrm rot="10800000" flipV="1">
-                <a:off x="10984860" y="3003295"/>
-                <a:ext cx="1116923" cy="361206"/>
+              <a:xfrm>
+                <a:off x="8543838" y="3093823"/>
+                <a:ext cx="2426712" cy="948285"/>
               </a:xfrm>
-              <a:prstGeom prst="rect">
-                <a:avLst/>
+              <a:prstGeom prst="roundRect">
+                <a:avLst>
+                  <a:gd name="adj" fmla="val 16666"/>
+                </a:avLst>
               </a:prstGeom>
-              <a:ln w="12700">
+              <a:solidFill>
+                <a:srgbClr val="64E8D6"/>
+              </a:solidFill>
+              <a:ln w="12700" cap="flat">
                 <a:noFill/>
                 <a:prstDash val="solid"/>
               </a:ln>
+              <a:effectLst>
+                <a:outerShdw blurRad="101600" dist="50800" dir="5400000" algn="ctr" rotWithShape="0">
+                  <a:srgbClr val="FFFFFF">
+                    <a:alpha val="60000"/>
+                  </a:srgbClr>
+                </a:outerShdw>
+              </a:effectLst>
             </p:spPr>
-          </p:pic>
+            <p:txBody>
+              <a:bodyPr lIns="91440" tIns="0" rIns="91440" bIns="45720" rtlCol="0" anchor="t">
+                <a:noAutofit/>
+              </a:bodyPr>
+              <a:lstStyle/>
+              <a:p>
+                <a:pPr algn="ctr">
+                  <a:defRPr/>
+                </a:pPr>
+                <a:r>
+                  <a:rPr lang="en-US" sz="1200" b="1" dirty="0">
+                    <a:latin typeface="+mj-lt"/>
+                    <a:ea typeface="Times New Roman"/>
+                    <a:cs typeface="Times New Roman" panose="02020603050405020304" pitchFamily="18" charset="0"/>
+                    <a:sym typeface="Times New Roman"/>
+                  </a:rPr>
+                  <a:t>Grab-And-Drag-Box Task</a:t>
+                </a:r>
+                <a:endParaRPr lang="en-US" sz="1100" b="1" dirty="0">
+                  <a:latin typeface="+mj-lt"/>
+                  <a:cs typeface="Times New Roman" panose="02020603050405020304" pitchFamily="18" charset="0"/>
+                </a:endParaRPr>
+              </a:p>
+            </p:txBody>
+          </p:sp>
           <p:cxnSp>
             <p:nvCxnSpPr>
-              <p:cNvPr id="309" name="Connector 79">
+              <p:cNvPr id="297" name="Connector 69">
                 <a:extLst>
                   <a:ext uri="{FF2B5EF4-FFF2-40B4-BE49-F238E27FC236}">
-                    <a16:creationId xmlns:a16="http://schemas.microsoft.com/office/drawing/2014/main" id="{B6D45FDE-6CC1-7884-7EC2-DC69609F99E4}"/>
+                    <a16:creationId xmlns:a16="http://schemas.microsoft.com/office/drawing/2014/main" id="{1918F898-F55F-E4F5-419F-6CDC9C9464E8}"/>
                   </a:ext>
                 </a:extLst>
               </p:cNvPr>
@@ -15270,8 +14002,8 @@
             </p:nvCxnSpPr>
             <p:spPr>
               <a:xfrm>
-                <a:off x="11191883" y="3210964"/>
-                <a:ext cx="748955" cy="82211"/>
+                <a:off x="8773795" y="3890695"/>
+                <a:ext cx="1945260" cy="0"/>
               </a:xfrm>
               <a:prstGeom prst="line">
                 <a:avLst/>
@@ -15279,7 +14011,7 @@
               <a:noFill/>
               <a:ln w="12700" cap="flat">
                 <a:solidFill>
-                  <a:srgbClr val="000000">
+                  <a:srgbClr val="4874CB">
                     <a:alpha val="100000"/>
                   </a:srgbClr>
                 </a:solidFill>
@@ -15291,10 +14023,10 @@
           </p:cxnSp>
           <p:sp>
             <p:nvSpPr>
-              <p:cNvPr id="310" name="AutoShape 80">
+              <p:cNvPr id="298" name="AutoShape 70">
                 <a:extLst>
                   <a:ext uri="{FF2B5EF4-FFF2-40B4-BE49-F238E27FC236}">
-                    <a16:creationId xmlns:a16="http://schemas.microsoft.com/office/drawing/2014/main" id="{5E679331-24FF-40ED-AB43-5E9EC30E98E0}"/>
+                    <a16:creationId xmlns:a16="http://schemas.microsoft.com/office/drawing/2014/main" id="{6196A3E6-8F72-5091-B428-099FA75E83EE}"/>
                   </a:ext>
                 </a:extLst>
               </p:cNvPr>
@@ -15302,9 +14034,222 @@
               <p:nvPr/>
             </p:nvSpPr>
             <p:spPr>
-              <a:xfrm rot="330564">
-                <a:off x="11110076" y="3249091"/>
-                <a:ext cx="1136245" cy="141692"/>
+              <a:xfrm>
+                <a:off x="8697999" y="3445922"/>
+                <a:ext cx="1079500" cy="172135"/>
+              </a:xfrm>
+              <a:prstGeom prst="chevron">
+                <a:avLst/>
+              </a:prstGeom>
+              <a:gradFill rotWithShape="0">
+                <a:gsLst>
+                  <a:gs pos="0">
+                    <a:srgbClr val="8EA9DF">
+                      <a:alpha val="100000"/>
+                    </a:srgbClr>
+                  </a:gs>
+                  <a:gs pos="100000">
+                    <a:srgbClr val="4874CB">
+                      <a:alpha val="100000"/>
+                    </a:srgbClr>
+                  </a:gs>
+                </a:gsLst>
+                <a:lin ang="2700000"/>
+              </a:gradFill>
+              <a:ln w="12700" cap="flat">
+                <a:noFill/>
+                <a:prstDash val="solid"/>
+              </a:ln>
+              <a:effectLst>
+                <a:outerShdw blurRad="101600" dist="50800" dir="5400000" algn="ctr" rotWithShape="0">
+                  <a:srgbClr val="FFFFFF">
+                    <a:alpha val="60000"/>
+                  </a:srgbClr>
+                </a:outerShdw>
+              </a:effectLst>
+            </p:spPr>
+            <p:txBody>
+              <a:bodyPr lIns="0" tIns="0" rIns="0" bIns="0" rtlCol="0" anchor="ctr">
+                <a:noAutofit/>
+              </a:bodyPr>
+              <a:lstStyle/>
+              <a:p>
+                <a:pPr algn="ctr">
+                  <a:defRPr/>
+                </a:pPr>
+                <a:r>
+                  <a:rPr lang="en-US" sz="1000" dirty="0">
+                    <a:latin typeface="+mj-lt"/>
+                    <a:ea typeface="Times New Roman"/>
+                    <a:cs typeface="Times New Roman"/>
+                    <a:sym typeface="Times New Roman"/>
+                  </a:rPr>
+                  <a:t>Move Action</a:t>
+                </a:r>
+                <a:endParaRPr lang="en-US" sz="1100" dirty="0">
+                  <a:latin typeface="+mj-lt"/>
+                </a:endParaRPr>
+              </a:p>
+            </p:txBody>
+          </p:sp>
+          <p:sp>
+            <p:nvSpPr>
+              <p:cNvPr id="299" name="AutoShape 71">
+                <a:extLst>
+                  <a:ext uri="{FF2B5EF4-FFF2-40B4-BE49-F238E27FC236}">
+                    <a16:creationId xmlns:a16="http://schemas.microsoft.com/office/drawing/2014/main" id="{AB984B33-70B2-903B-FFCF-BF852F06A3D9}"/>
+                  </a:ext>
+                </a:extLst>
+              </p:cNvPr>
+              <p:cNvSpPr/>
+              <p:nvPr/>
+            </p:nvSpPr>
+            <p:spPr>
+              <a:xfrm>
+                <a:off x="9723211" y="3443734"/>
+                <a:ext cx="1079500" cy="172135"/>
+              </a:xfrm>
+              <a:prstGeom prst="chevron">
+                <a:avLst/>
+              </a:prstGeom>
+              <a:gradFill rotWithShape="0">
+                <a:gsLst>
+                  <a:gs pos="0">
+                    <a:srgbClr val="8EA9DF">
+                      <a:alpha val="100000"/>
+                    </a:srgbClr>
+                  </a:gs>
+                  <a:gs pos="100000">
+                    <a:srgbClr val="4874CB">
+                      <a:alpha val="100000"/>
+                    </a:srgbClr>
+                  </a:gs>
+                </a:gsLst>
+                <a:lin ang="2700000"/>
+              </a:gradFill>
+              <a:ln w="12700" cap="flat">
+                <a:noFill/>
+                <a:prstDash val="solid"/>
+              </a:ln>
+              <a:effectLst>
+                <a:outerShdw blurRad="101600" dist="50800" dir="5400000" algn="ctr" rotWithShape="0">
+                  <a:srgbClr val="FFFFFF">
+                    <a:alpha val="60000"/>
+                  </a:srgbClr>
+                </a:outerShdw>
+              </a:effectLst>
+            </p:spPr>
+            <p:txBody>
+              <a:bodyPr lIns="0" tIns="0" rIns="0" bIns="0" rtlCol="0" anchor="ctr">
+                <a:noAutofit/>
+              </a:bodyPr>
+              <a:lstStyle/>
+              <a:p>
+                <a:pPr algn="ctr">
+                  <a:defRPr/>
+                </a:pPr>
+                <a:r>
+                  <a:rPr lang="en-US" sz="1000" dirty="0">
+                    <a:latin typeface="+mj-lt"/>
+                    <a:ea typeface="Times New Roman"/>
+                    <a:cs typeface="Times New Roman"/>
+                    <a:sym typeface="Times New Roman"/>
+                  </a:rPr>
+                  <a:t>Grab Action</a:t>
+                </a:r>
+                <a:endParaRPr lang="en-US" sz="1100" dirty="0">
+                  <a:latin typeface="+mj-lt"/>
+                </a:endParaRPr>
+              </a:p>
+            </p:txBody>
+          </p:sp>
+          <p:sp>
+            <p:nvSpPr>
+              <p:cNvPr id="300" name="AutoShape 72">
+                <a:extLst>
+                  <a:ext uri="{FF2B5EF4-FFF2-40B4-BE49-F238E27FC236}">
+                    <a16:creationId xmlns:a16="http://schemas.microsoft.com/office/drawing/2014/main" id="{9538AEE2-F472-F6DD-89C2-6E5BFEB7B349}"/>
+                  </a:ext>
+                </a:extLst>
+              </p:cNvPr>
+              <p:cNvSpPr/>
+              <p:nvPr/>
+            </p:nvSpPr>
+            <p:spPr>
+              <a:xfrm>
+                <a:off x="9723211" y="3643626"/>
+                <a:ext cx="1079500" cy="172135"/>
+              </a:xfrm>
+              <a:prstGeom prst="chevron">
+                <a:avLst/>
+              </a:prstGeom>
+              <a:gradFill rotWithShape="0">
+                <a:gsLst>
+                  <a:gs pos="0">
+                    <a:srgbClr val="8EA9DF">
+                      <a:alpha val="100000"/>
+                    </a:srgbClr>
+                  </a:gs>
+                  <a:gs pos="100000">
+                    <a:srgbClr val="4874CB">
+                      <a:alpha val="100000"/>
+                    </a:srgbClr>
+                  </a:gs>
+                </a:gsLst>
+                <a:lin ang="2700000"/>
+              </a:gradFill>
+              <a:ln w="12700" cap="flat">
+                <a:noFill/>
+                <a:prstDash val="solid"/>
+              </a:ln>
+              <a:effectLst>
+                <a:outerShdw blurRad="101600" dist="50800" dir="5400000" algn="ctr" rotWithShape="0">
+                  <a:srgbClr val="FFFFFF">
+                    <a:alpha val="60000"/>
+                  </a:srgbClr>
+                </a:outerShdw>
+              </a:effectLst>
+            </p:spPr>
+            <p:txBody>
+              <a:bodyPr lIns="0" tIns="0" rIns="0" bIns="0" rtlCol="0" anchor="ctr">
+                <a:noAutofit/>
+              </a:bodyPr>
+              <a:lstStyle/>
+              <a:p>
+                <a:pPr algn="ctr">
+                  <a:defRPr/>
+                </a:pPr>
+                <a:r>
+                  <a:rPr lang="en-US" sz="1000" dirty="0">
+                    <a:latin typeface="+mj-lt"/>
+                    <a:ea typeface="Times New Roman"/>
+                    <a:cs typeface="Times New Roman"/>
+                    <a:sym typeface="Times New Roman"/>
+                  </a:rPr>
+                  <a:t>Move Action</a:t>
+                </a:r>
+                <a:endParaRPr lang="en-US" sz="1100" dirty="0">
+                  <a:latin typeface="+mj-lt"/>
+                </a:endParaRPr>
+              </a:p>
+            </p:txBody>
+          </p:sp>
+          <p:sp>
+            <p:nvSpPr>
+              <p:cNvPr id="301" name="AutoShape 73">
+                <a:extLst>
+                  <a:ext uri="{FF2B5EF4-FFF2-40B4-BE49-F238E27FC236}">
+                    <a16:creationId xmlns:a16="http://schemas.microsoft.com/office/drawing/2014/main" id="{957B3DA1-5B75-3143-8CFC-29473D13BB77}"/>
+                  </a:ext>
+                </a:extLst>
+              </p:cNvPr>
+              <p:cNvSpPr/>
+              <p:nvPr/>
+            </p:nvSpPr>
+            <p:spPr>
+              <a:xfrm>
+                <a:off x="9206173" y="3838650"/>
+                <a:ext cx="1718752" cy="228600"/>
               </a:xfrm>
               <a:prstGeom prst="rect">
                 <a:avLst/>
@@ -15325,121 +14270,383 @@
                   <a:defRPr/>
                 </a:pPr>
                 <a:r>
-                  <a:rPr lang="en-US" sz="700" dirty="0">
+                  <a:rPr lang="en-US" sz="800" b="1" i="1" dirty="0">
+                    <a:latin typeface="Times New Roman" panose="02020603050405020304" pitchFamily="18" charset="0"/>
+                    <a:ea typeface="Times New Roman"/>
+                    <a:cs typeface="Times New Roman" panose="02020603050405020304" pitchFamily="18" charset="0"/>
+                    <a:sym typeface="Times New Roman"/>
+                  </a:rPr>
+                  <a:t>Asynchronous </a:t>
+                </a:r>
+                <a:r>
+                  <a:rPr lang="en-US" altLang="zh-CN" sz="800" b="1" i="1" dirty="0">
+                    <a:solidFill>
+                      <a:schemeClr val="tx1"/>
+                    </a:solidFill>
+                    <a:latin typeface="Times New Roman" panose="02020603050405020304" pitchFamily="18" charset="0"/>
+                    <a:ea typeface="Consolas"/>
+                    <a:cs typeface="Times New Roman" panose="02020603050405020304" pitchFamily="18" charset="0"/>
+                    <a:sym typeface="Consolas"/>
+                  </a:rPr>
+                  <a:t>Action</a:t>
+                </a:r>
+                <a:endParaRPr lang="en-US" sz="1050" b="1" i="1" dirty="0">
+                  <a:solidFill>
+                    <a:schemeClr val="tx1"/>
+                  </a:solidFill>
+                  <a:latin typeface="Times New Roman" panose="02020603050405020304" pitchFamily="18" charset="0"/>
+                  <a:cs typeface="Times New Roman" panose="02020603050405020304" pitchFamily="18" charset="0"/>
+                </a:endParaRPr>
+              </a:p>
+            </p:txBody>
+          </p:sp>
+          <p:sp>
+            <p:nvSpPr>
+              <p:cNvPr id="302" name="AutoShape 74">
+                <a:extLst>
+                  <a:ext uri="{FF2B5EF4-FFF2-40B4-BE49-F238E27FC236}">
+                    <a16:creationId xmlns:a16="http://schemas.microsoft.com/office/drawing/2014/main" id="{83D84914-3362-0329-3DB3-9B6529F1B454}"/>
+                  </a:ext>
+                </a:extLst>
+              </p:cNvPr>
+              <p:cNvSpPr/>
+              <p:nvPr/>
+            </p:nvSpPr>
+            <p:spPr>
+              <a:xfrm>
+                <a:off x="9837374" y="3258035"/>
+                <a:ext cx="1130194" cy="228600"/>
+              </a:xfrm>
+              <a:prstGeom prst="rect">
+                <a:avLst/>
+              </a:prstGeom>
+              <a:noFill/>
+              <a:ln w="12700">
+                <a:noFill/>
+                <a:prstDash val="solid"/>
+              </a:ln>
+            </p:spPr>
+            <p:txBody>
+              <a:bodyPr lIns="91440" tIns="45720" rIns="91440" bIns="45720" rtlCol="0" anchor="t">
+                <a:noAutofit/>
+              </a:bodyPr>
+              <a:lstStyle/>
+              <a:p>
+                <a:pPr>
+                  <a:defRPr/>
+                </a:pPr>
+                <a:r>
+                  <a:rPr lang="en-US" sz="800" b="1" i="1" dirty="0">
+                    <a:latin typeface="Times New Roman" panose="02020603050405020304" pitchFamily="18" charset="0"/>
+                    <a:ea typeface="Times New Roman"/>
+                    <a:cs typeface="Times New Roman" panose="02020603050405020304" pitchFamily="18" charset="0"/>
+                    <a:sym typeface="Times New Roman"/>
+                  </a:rPr>
+                  <a:t>Parallel Action</a:t>
+                </a:r>
+                <a:endParaRPr lang="en-US" sz="800" b="1" i="1" dirty="0">
+                  <a:latin typeface="Times New Roman" panose="02020603050405020304" pitchFamily="18" charset="0"/>
+                  <a:cs typeface="Times New Roman" panose="02020603050405020304" pitchFamily="18" charset="0"/>
+                </a:endParaRPr>
+              </a:p>
+            </p:txBody>
+          </p:sp>
+        </p:grpSp>
+        <p:grpSp>
+          <p:nvGrpSpPr>
+            <p:cNvPr id="303" name="Group 75">
+              <a:extLst>
+                <a:ext uri="{FF2B5EF4-FFF2-40B4-BE49-F238E27FC236}">
+                  <a16:creationId xmlns:a16="http://schemas.microsoft.com/office/drawing/2014/main" id="{9C8ED21D-461E-3296-45EA-83E294E3A468}"/>
+                </a:ext>
+              </a:extLst>
+            </p:cNvPr>
+            <p:cNvGrpSpPr/>
+            <p:nvPr/>
+          </p:nvGrpSpPr>
+          <p:grpSpPr>
+            <a:xfrm>
+              <a:off x="3374826" y="6736985"/>
+              <a:ext cx="1261461" cy="964593"/>
+              <a:chOff x="10984860" y="3003295"/>
+              <a:chExt cx="1261461" cy="964593"/>
+            </a:xfrm>
+          </p:grpSpPr>
+          <p:pic>
+            <p:nvPicPr>
+              <p:cNvPr id="304" name="Picture 76">
+                <a:extLst>
+                  <a:ext uri="{FF2B5EF4-FFF2-40B4-BE49-F238E27FC236}">
+                    <a16:creationId xmlns:a16="http://schemas.microsoft.com/office/drawing/2014/main" id="{B0F21D8B-30E0-60E1-3AB0-CBB135E399D0}"/>
+                  </a:ext>
+                </a:extLst>
+              </p:cNvPr>
+              <p:cNvPicPr>
+                <a:picLocks noChangeAspect="1"/>
+              </p:cNvPicPr>
+              <p:nvPr/>
+            </p:nvPicPr>
+            <p:blipFill>
+              <a:blip r:embed="rId8"/>
+              <a:srcRect/>
+              <a:stretch>
+                <a:fillRect/>
+              </a:stretch>
+            </p:blipFill>
+            <p:spPr>
+              <a:xfrm>
+                <a:off x="11127064" y="3384261"/>
+                <a:ext cx="454524" cy="461666"/>
+              </a:xfrm>
+              <a:prstGeom prst="rect">
+                <a:avLst/>
+              </a:prstGeom>
+              <a:ln w="12700">
+                <a:noFill/>
+                <a:prstDash val="solid"/>
+              </a:ln>
+            </p:spPr>
+          </p:pic>
+          <p:grpSp>
+            <p:nvGrpSpPr>
+              <p:cNvPr id="305" name="Group 77">
+                <a:extLst>
+                  <a:ext uri="{FF2B5EF4-FFF2-40B4-BE49-F238E27FC236}">
+                    <a16:creationId xmlns:a16="http://schemas.microsoft.com/office/drawing/2014/main" id="{668AE94E-298E-ACCE-C605-8897A77A0FDC}"/>
+                  </a:ext>
+                </a:extLst>
+              </p:cNvPr>
+              <p:cNvGrpSpPr/>
+              <p:nvPr/>
+            </p:nvGrpSpPr>
+            <p:grpSpPr>
+              <a:xfrm>
+                <a:off x="10984860" y="3003295"/>
+                <a:ext cx="1261461" cy="387488"/>
+                <a:chOff x="10984860" y="3003295"/>
+                <a:chExt cx="1261461" cy="387488"/>
+              </a:xfrm>
+            </p:grpSpPr>
+            <p:pic>
+              <p:nvPicPr>
+                <p:cNvPr id="308" name="Picture 78">
+                  <a:extLst>
+                    <a:ext uri="{FF2B5EF4-FFF2-40B4-BE49-F238E27FC236}">
+                      <a16:creationId xmlns:a16="http://schemas.microsoft.com/office/drawing/2014/main" id="{F8AF6EDD-A22C-8F82-E653-89A6FE65A7FA}"/>
+                    </a:ext>
+                  </a:extLst>
+                </p:cNvPr>
+                <p:cNvPicPr>
+                  <a:picLocks noChangeAspect="1"/>
+                </p:cNvPicPr>
+                <p:nvPr/>
+              </p:nvPicPr>
+              <p:blipFill>
+                <a:blip r:embed="rId9"/>
+                <a:srcRect/>
+                <a:stretch>
+                  <a:fillRect/>
+                </a:stretch>
+              </p:blipFill>
+              <p:spPr>
+                <a:xfrm rot="10800000" flipV="1">
+                  <a:off x="10984860" y="3003295"/>
+                  <a:ext cx="1116923" cy="361206"/>
+                </a:xfrm>
+                <a:prstGeom prst="rect">
+                  <a:avLst/>
+                </a:prstGeom>
+                <a:ln w="12700">
+                  <a:noFill/>
+                  <a:prstDash val="solid"/>
+                </a:ln>
+              </p:spPr>
+            </p:pic>
+            <p:cxnSp>
+              <p:nvCxnSpPr>
+                <p:cNvPr id="309" name="Connector 79">
+                  <a:extLst>
+                    <a:ext uri="{FF2B5EF4-FFF2-40B4-BE49-F238E27FC236}">
+                      <a16:creationId xmlns:a16="http://schemas.microsoft.com/office/drawing/2014/main" id="{B6D45FDE-6CC1-7884-7EC2-DC69609F99E4}"/>
+                    </a:ext>
+                  </a:extLst>
+                </p:cNvPr>
+                <p:cNvCxnSpPr/>
+                <p:nvPr/>
+              </p:nvCxnSpPr>
+              <p:spPr>
+                <a:xfrm>
+                  <a:off x="11191883" y="3210964"/>
+                  <a:ext cx="748955" cy="82211"/>
+                </a:xfrm>
+                <a:prstGeom prst="line">
+                  <a:avLst/>
+                </a:prstGeom>
+                <a:noFill/>
+                <a:ln w="12700" cap="flat">
+                  <a:solidFill>
+                    <a:srgbClr val="000000">
+                      <a:alpha val="100000"/>
+                    </a:srgbClr>
+                  </a:solidFill>
+                  <a:prstDash val="solid"/>
+                  <a:headEnd type="none" w="med" len="med"/>
+                  <a:tailEnd type="triangle" w="med" len="med"/>
+                </a:ln>
+              </p:spPr>
+            </p:cxnSp>
+            <p:sp>
+              <p:nvSpPr>
+                <p:cNvPr id="310" name="AutoShape 80">
+                  <a:extLst>
+                    <a:ext uri="{FF2B5EF4-FFF2-40B4-BE49-F238E27FC236}">
+                      <a16:creationId xmlns:a16="http://schemas.microsoft.com/office/drawing/2014/main" id="{5E679331-24FF-40ED-AB43-5E9EC30E98E0}"/>
+                    </a:ext>
+                  </a:extLst>
+                </p:cNvPr>
+                <p:cNvSpPr/>
+                <p:nvPr/>
+              </p:nvSpPr>
+              <p:spPr>
+                <a:xfrm rot="330564">
+                  <a:off x="11110076" y="3249091"/>
+                  <a:ext cx="1136245" cy="141692"/>
+                </a:xfrm>
+                <a:prstGeom prst="rect">
+                  <a:avLst/>
+                </a:prstGeom>
+                <a:noFill/>
+                <a:ln w="12700">
+                  <a:noFill/>
+                  <a:prstDash val="solid"/>
+                </a:ln>
+              </p:spPr>
+              <p:txBody>
+                <a:bodyPr lIns="91440" tIns="45720" rIns="91440" bIns="45720" rtlCol="0" anchor="t">
+                  <a:noAutofit/>
+                </a:bodyPr>
+                <a:lstStyle/>
+                <a:p>
+                  <a:pPr>
+                    <a:defRPr/>
+                  </a:pPr>
+                  <a:r>
+                    <a:rPr lang="en-US" sz="700" dirty="0">
+                      <a:latin typeface="+mj-lt"/>
+                      <a:ea typeface="Times New Roman"/>
+                      <a:cs typeface="Times New Roman"/>
+                      <a:sym typeface="Times New Roman"/>
+                    </a:rPr>
+                    <a:t>Move to Approcach</a:t>
+                  </a:r>
+                  <a:endParaRPr lang="en-US" sz="1100" dirty="0">
+                    <a:latin typeface="+mj-lt"/>
+                  </a:endParaRPr>
+                </a:p>
+              </p:txBody>
+            </p:sp>
+          </p:grpSp>
+          <p:sp>
+            <p:nvSpPr>
+              <p:cNvPr id="306" name="AutoShape 81">
+                <a:extLst>
+                  <a:ext uri="{FF2B5EF4-FFF2-40B4-BE49-F238E27FC236}">
+                    <a16:creationId xmlns:a16="http://schemas.microsoft.com/office/drawing/2014/main" id="{60F4A7BE-D4CA-76C7-7DD2-B56EF25848D8}"/>
+                  </a:ext>
+                </a:extLst>
+              </p:cNvPr>
+              <p:cNvSpPr/>
+              <p:nvPr/>
+            </p:nvSpPr>
+            <p:spPr>
+              <a:xfrm>
+                <a:off x="11448211" y="3466429"/>
+                <a:ext cx="537858" cy="177824"/>
+              </a:xfrm>
+              <a:prstGeom prst="rect">
+                <a:avLst/>
+              </a:prstGeom>
+              <a:noFill/>
+              <a:ln w="12700">
+                <a:noFill/>
+                <a:prstDash val="solid"/>
+              </a:ln>
+            </p:spPr>
+            <p:txBody>
+              <a:bodyPr lIns="91440" tIns="45720" rIns="91440" bIns="45720" rtlCol="0" anchor="t">
+                <a:noAutofit/>
+              </a:bodyPr>
+              <a:lstStyle/>
+              <a:p>
+                <a:pPr>
+                  <a:defRPr/>
+                </a:pPr>
+                <a:r>
+                  <a:rPr lang="en-US" sz="800" dirty="0">
                     <a:latin typeface="+mj-lt"/>
                     <a:ea typeface="Times New Roman"/>
                     <a:cs typeface="Times New Roman"/>
                     <a:sym typeface="Times New Roman"/>
                   </a:rPr>
-                  <a:t>Move to Approcach</a:t>
+                  <a:t>Grab</a:t>
                 </a:r>
-                <a:endParaRPr lang="en-US" sz="1100" dirty="0">
+                <a:endParaRPr lang="en-US" sz="1200" dirty="0">
+                  <a:latin typeface="+mj-lt"/>
+                </a:endParaRPr>
+              </a:p>
+            </p:txBody>
+          </p:sp>
+          <p:sp>
+            <p:nvSpPr>
+              <p:cNvPr id="307" name="AutoShape 82">
+                <a:extLst>
+                  <a:ext uri="{FF2B5EF4-FFF2-40B4-BE49-F238E27FC236}">
+                    <a16:creationId xmlns:a16="http://schemas.microsoft.com/office/drawing/2014/main" id="{652A3FF0-D484-AE56-75EB-29CF98528944}"/>
+                  </a:ext>
+                </a:extLst>
+              </p:cNvPr>
+              <p:cNvSpPr/>
+              <p:nvPr/>
+            </p:nvSpPr>
+            <p:spPr>
+              <a:xfrm>
+                <a:off x="11110975" y="3777388"/>
+                <a:ext cx="876355" cy="190500"/>
+              </a:xfrm>
+              <a:prstGeom prst="rect">
+                <a:avLst/>
+              </a:prstGeom>
+              <a:noFill/>
+              <a:ln w="12700">
+                <a:noFill/>
+                <a:prstDash val="solid"/>
+              </a:ln>
+            </p:spPr>
+            <p:txBody>
+              <a:bodyPr lIns="91440" tIns="45720" rIns="91440" bIns="45720" rtlCol="0" anchor="t">
+                <a:noAutofit/>
+              </a:bodyPr>
+              <a:lstStyle/>
+              <a:p>
+                <a:pPr>
+                  <a:defRPr/>
+                </a:pPr>
+                <a:r>
+                  <a:rPr lang="en-US" sz="800" dirty="0">
+                    <a:latin typeface="+mj-lt"/>
+                    <a:ea typeface="Times New Roman"/>
+                    <a:cs typeface="Times New Roman"/>
+                    <a:sym typeface="Times New Roman"/>
+                  </a:rPr>
+                  <a:t>Walk Around</a:t>
+                </a:r>
+                <a:endParaRPr lang="en-US" sz="1200" dirty="0">
                   <a:latin typeface="+mj-lt"/>
                 </a:endParaRPr>
               </a:p>
             </p:txBody>
           </p:sp>
         </p:grpSp>
-        <p:sp>
-          <p:nvSpPr>
-            <p:cNvPr id="306" name="AutoShape 81">
-              <a:extLst>
-                <a:ext uri="{FF2B5EF4-FFF2-40B4-BE49-F238E27FC236}">
-                  <a16:creationId xmlns:a16="http://schemas.microsoft.com/office/drawing/2014/main" id="{60F4A7BE-D4CA-76C7-7DD2-B56EF25848D8}"/>
-                </a:ext>
-              </a:extLst>
-            </p:cNvPr>
-            <p:cNvSpPr/>
-            <p:nvPr/>
-          </p:nvSpPr>
-          <p:spPr>
-            <a:xfrm>
-              <a:off x="11448211" y="3466429"/>
-              <a:ext cx="537858" cy="177824"/>
-            </a:xfrm>
-            <a:prstGeom prst="rect">
-              <a:avLst/>
-            </a:prstGeom>
-            <a:noFill/>
-            <a:ln w="12700">
-              <a:noFill/>
-              <a:prstDash val="solid"/>
-            </a:ln>
-          </p:spPr>
-          <p:txBody>
-            <a:bodyPr lIns="91440" tIns="45720" rIns="91440" bIns="45720" rtlCol="0" anchor="t">
-              <a:noAutofit/>
-            </a:bodyPr>
-            <a:lstStyle/>
-            <a:p>
-              <a:pPr>
-                <a:defRPr/>
-              </a:pPr>
-              <a:r>
-                <a:rPr lang="en-US" sz="800" dirty="0">
-                  <a:latin typeface="+mj-lt"/>
-                  <a:ea typeface="Times New Roman"/>
-                  <a:cs typeface="Times New Roman"/>
-                  <a:sym typeface="Times New Roman"/>
-                </a:rPr>
-                <a:t>Grab</a:t>
-              </a:r>
-              <a:endParaRPr lang="en-US" sz="1200" dirty="0">
-                <a:latin typeface="+mj-lt"/>
-              </a:endParaRPr>
-            </a:p>
-          </p:txBody>
-        </p:sp>
-        <p:sp>
-          <p:nvSpPr>
-            <p:cNvPr id="307" name="AutoShape 82">
-              <a:extLst>
-                <a:ext uri="{FF2B5EF4-FFF2-40B4-BE49-F238E27FC236}">
-                  <a16:creationId xmlns:a16="http://schemas.microsoft.com/office/drawing/2014/main" id="{652A3FF0-D484-AE56-75EB-29CF98528944}"/>
-                </a:ext>
-              </a:extLst>
-            </p:cNvPr>
-            <p:cNvSpPr/>
-            <p:nvPr/>
-          </p:nvSpPr>
-          <p:spPr>
-            <a:xfrm>
-              <a:off x="11110975" y="3777388"/>
-              <a:ext cx="876355" cy="190500"/>
-            </a:xfrm>
-            <a:prstGeom prst="rect">
-              <a:avLst/>
-            </a:prstGeom>
-            <a:noFill/>
-            <a:ln w="12700">
-              <a:noFill/>
-              <a:prstDash val="solid"/>
-            </a:ln>
-          </p:spPr>
-          <p:txBody>
-            <a:bodyPr lIns="91440" tIns="45720" rIns="91440" bIns="45720" rtlCol="0" anchor="t">
-              <a:noAutofit/>
-            </a:bodyPr>
-            <a:lstStyle/>
-            <a:p>
-              <a:pPr>
-                <a:defRPr/>
-              </a:pPr>
-              <a:r>
-                <a:rPr lang="en-US" sz="800" dirty="0">
-                  <a:latin typeface="+mj-lt"/>
-                  <a:ea typeface="Times New Roman"/>
-                  <a:cs typeface="Times New Roman"/>
-                  <a:sym typeface="Times New Roman"/>
-                </a:rPr>
-                <a:t>Walk Around</a:t>
-              </a:r>
-              <a:endParaRPr lang="en-US" sz="1200" dirty="0">
-                <a:latin typeface="+mj-lt"/>
-              </a:endParaRPr>
-            </a:p>
-          </p:txBody>
-        </p:sp>
       </p:grpSp>
       <p:sp>
         <p:nvSpPr>
@@ -15455,7 +14662,7 @@
         </p:nvSpPr>
         <p:spPr>
           <a:xfrm>
-            <a:off x="9218167" y="2943875"/>
+            <a:off x="9165436" y="4834642"/>
             <a:ext cx="614902" cy="264716"/>
           </a:xfrm>
           <a:prstGeom prst="rect">
@@ -15490,7 +14697,7 @@
         </p:nvSpPr>
         <p:spPr>
           <a:xfrm>
-            <a:off x="7616314" y="2706495"/>
+            <a:off x="7563583" y="4597262"/>
             <a:ext cx="1468648" cy="436003"/>
           </a:xfrm>
           <a:prstGeom prst="rect">
@@ -15535,8 +14742,8 @@
         </p:nvSpPr>
         <p:spPr>
           <a:xfrm rot="16200000" flipV="1">
-            <a:off x="9879773" y="1576841"/>
-            <a:ext cx="2750159" cy="675414"/>
+            <a:off x="9749143" y="3493413"/>
+            <a:ext cx="2750159" cy="621423"/>
           </a:xfrm>
           <a:prstGeom prst="uturnArrow">
             <a:avLst>
@@ -15589,7 +14796,7 @@
         </p:nvSpPr>
         <p:spPr>
           <a:xfrm rot="16200000">
-            <a:off x="9408057" y="3077583"/>
+            <a:off x="9355326" y="4968350"/>
             <a:ext cx="220337" cy="365685"/>
           </a:xfrm>
           <a:prstGeom prst="downArrow">
@@ -15641,7 +14848,7 @@
         </p:nvSpPr>
         <p:spPr>
           <a:xfrm rot="5400000">
-            <a:off x="11038252" y="1938220"/>
+            <a:off x="10828242" y="3830079"/>
             <a:ext cx="1405133" cy="249144"/>
           </a:xfrm>
           <a:prstGeom prst="rect">
@@ -15698,14 +14905,14 @@
           <p:nvPr/>
         </p:nvSpPr>
         <p:spPr>
-          <a:xfrm rot="10800000">
-            <a:off x="3410241" y="63495"/>
-            <a:ext cx="8597022" cy="4995204"/>
+          <a:xfrm rot="10800000" flipV="1">
+            <a:off x="3333887" y="1939817"/>
+            <a:ext cx="8446631" cy="3728617"/>
           </a:xfrm>
           <a:prstGeom prst="corner">
             <a:avLst>
-              <a:gd name="adj1" fmla="val 58018"/>
-              <a:gd name="adj2" fmla="val 90967"/>
+              <a:gd name="adj1" fmla="val 67699"/>
+              <a:gd name="adj2" fmla="val 119997"/>
             </a:avLst>
           </a:prstGeom>
           <a:noFill/>
@@ -15755,10 +14962,10 @@
         </p:nvGrpSpPr>
         <p:grpSpPr>
           <a:xfrm>
-            <a:off x="3560436" y="1464997"/>
-            <a:ext cx="4051401" cy="1358054"/>
-            <a:chOff x="3390598" y="1821226"/>
-            <a:chExt cx="4051401" cy="1358054"/>
+            <a:off x="3445329" y="4528209"/>
+            <a:ext cx="4029327" cy="993539"/>
+            <a:chOff x="3390598" y="1787729"/>
+            <a:chExt cx="4029327" cy="993539"/>
           </a:xfrm>
         </p:grpSpPr>
         <p:grpSp>
@@ -15769,10 +14976,10 @@
           </p:nvGrpSpPr>
           <p:grpSpPr>
             <a:xfrm>
-              <a:off x="4940099" y="1831134"/>
-              <a:ext cx="2501900" cy="279400"/>
-              <a:chOff x="4280197" y="2830813"/>
-              <a:chExt cx="2501900" cy="279400"/>
+              <a:off x="4900746" y="1787729"/>
+              <a:ext cx="2519179" cy="279400"/>
+              <a:chOff x="4240844" y="2787408"/>
+              <a:chExt cx="2519179" cy="279400"/>
             </a:xfrm>
           </p:grpSpPr>
           <p:sp>
@@ -15783,7 +14990,7 @@
             </p:nvSpPr>
             <p:spPr>
               <a:xfrm>
-                <a:off x="4394497" y="2830813"/>
+                <a:off x="4372423" y="2787408"/>
                 <a:ext cx="2387600" cy="279400"/>
               </a:xfrm>
               <a:prstGeom prst="rect">
@@ -15830,9 +15037,9 @@
             </p:nvGrpSpPr>
             <p:grpSpPr>
               <a:xfrm>
-                <a:off x="4280197" y="2850262"/>
+                <a:off x="4240844" y="2831721"/>
                 <a:ext cx="183799" cy="196451"/>
-                <a:chOff x="4280197" y="2850262"/>
+                <a:chOff x="4240844" y="2831721"/>
                 <a:chExt cx="183799" cy="196451"/>
               </a:xfrm>
             </p:grpSpPr>
@@ -15844,7 +15051,7 @@
               </p:nvSpPr>
               <p:spPr>
                 <a:xfrm>
-                  <a:off x="4280197" y="2868913"/>
+                  <a:off x="4240844" y="2850372"/>
                   <a:ext cx="177800" cy="177800"/>
                 </a:xfrm>
                 <a:prstGeom prst="ellipse">
@@ -15881,7 +15088,7 @@
               </p:nvSpPr>
               <p:spPr>
                 <a:xfrm>
-                  <a:off x="4336996" y="2850262"/>
+                  <a:off x="4297643" y="2831721"/>
                   <a:ext cx="127000" cy="190500"/>
                 </a:xfrm>
                 <a:prstGeom prst="rect">
@@ -15938,9 +15145,9 @@
           <p:grpSpPr>
             <a:xfrm>
               <a:off x="3390598" y="1821226"/>
-              <a:ext cx="3722489" cy="1358054"/>
+              <a:ext cx="3722489" cy="960042"/>
               <a:chOff x="2735873" y="1864080"/>
-              <a:chExt cx="3722489" cy="1358054"/>
+              <a:chExt cx="3722489" cy="960042"/>
             </a:xfrm>
           </p:grpSpPr>
           <p:grpSp>
@@ -15951,10 +15158,10 @@
             </p:nvGrpSpPr>
             <p:grpSpPr>
               <a:xfrm>
-                <a:off x="5134938" y="2241065"/>
-                <a:ext cx="1318745" cy="881773"/>
-                <a:chOff x="5129760" y="3197890"/>
-                <a:chExt cx="1318745" cy="881773"/>
+                <a:off x="5158874" y="2114808"/>
+                <a:ext cx="1247933" cy="599999"/>
+                <a:chOff x="5153696" y="3071633"/>
+                <a:chExt cx="1247933" cy="599999"/>
               </a:xfrm>
             </p:grpSpPr>
             <p:sp>
@@ -15965,8 +15172,8 @@
               </p:nvSpPr>
               <p:spPr>
                 <a:xfrm>
-                  <a:off x="5129760" y="3197890"/>
-                  <a:ext cx="1231900" cy="881773"/>
+                  <a:off x="5169729" y="3071633"/>
+                  <a:ext cx="1231900" cy="599999"/>
                 </a:xfrm>
                 <a:prstGeom prst="roundRect">
                   <a:avLst>
@@ -16003,10 +15210,10 @@
               </p:nvGrpSpPr>
               <p:grpSpPr>
                 <a:xfrm>
-                  <a:off x="5315414" y="3279362"/>
-                  <a:ext cx="432300" cy="456990"/>
-                  <a:chOff x="5315414" y="3279362"/>
-                  <a:chExt cx="432300" cy="456990"/>
+                  <a:off x="6022393" y="3158305"/>
+                  <a:ext cx="299494" cy="305000"/>
+                  <a:chOff x="6022393" y="3158305"/>
+                  <a:chExt cx="299494" cy="305000"/>
                 </a:xfrm>
               </p:grpSpPr>
               <p:pic>
@@ -16018,15 +15225,15 @@
                   <p:nvPr/>
                 </p:nvPicPr>
                 <p:blipFill>
-                  <a:blip r:embed="rId5"/>
+                  <a:blip r:embed="rId4"/>
                   <a:stretch>
                     <a:fillRect/>
                   </a:stretch>
                 </p:blipFill>
                 <p:spPr>
                   <a:xfrm>
-                    <a:off x="5315414" y="3279362"/>
-                    <a:ext cx="385930" cy="378504"/>
+                    <a:off x="6022393" y="3158305"/>
+                    <a:ext cx="255500" cy="250584"/>
                   </a:xfrm>
                   <a:prstGeom prst="roundRect">
                     <a:avLst>
@@ -16048,15 +15255,15 @@
                   <p:nvPr/>
                 </p:nvPicPr>
                 <p:blipFill>
-                  <a:blip r:embed="rId3"/>
+                  <a:blip r:embed="rId5"/>
                   <a:stretch>
                     <a:fillRect/>
                   </a:stretch>
                 </p:blipFill>
                 <p:spPr>
                   <a:xfrm>
-                    <a:off x="5548991" y="3541452"/>
-                    <a:ext cx="198723" cy="194900"/>
+                    <a:off x="6190325" y="3334274"/>
+                    <a:ext cx="131562" cy="129031"/>
                   </a:xfrm>
                   <a:prstGeom prst="rect">
                     <a:avLst/>
@@ -16076,8 +15283,8 @@
               </p:nvSpPr>
               <p:spPr>
                 <a:xfrm>
-                  <a:off x="5129760" y="3701700"/>
-                  <a:ext cx="1318745" cy="304800"/>
+                  <a:off x="5153696" y="3087674"/>
+                  <a:ext cx="985388" cy="460951"/>
                 </a:xfrm>
                 <a:prstGeom prst="rect">
                   <a:avLst/>
@@ -16114,79 +15321,6 @@
                 </a:p>
               </p:txBody>
             </p:sp>
-            <p:grpSp>
-              <p:nvGrpSpPr>
-                <p:cNvPr id="101" name="Group 101"/>
-                <p:cNvGrpSpPr/>
-                <p:nvPr/>
-              </p:nvGrpSpPr>
-              <p:grpSpPr>
-                <a:xfrm>
-                  <a:off x="5761861" y="3292477"/>
-                  <a:ext cx="419164" cy="446593"/>
-                  <a:chOff x="5761861" y="3292477"/>
-                  <a:chExt cx="419164" cy="446593"/>
-                </a:xfrm>
-              </p:grpSpPr>
-              <p:pic>
-                <p:nvPicPr>
-                  <p:cNvPr id="102" name="Picture 102"/>
-                  <p:cNvPicPr>
-                    <a:picLocks noChangeAspect="1"/>
-                  </p:cNvPicPr>
-                  <p:nvPr/>
-                </p:nvPicPr>
-                <p:blipFill>
-                  <a:blip r:embed="rId5"/>
-                  <a:stretch>
-                    <a:fillRect/>
-                  </a:stretch>
-                </p:blipFill>
-                <p:spPr>
-                  <a:xfrm>
-                    <a:off x="5761861" y="3292477"/>
-                    <a:ext cx="385930" cy="378504"/>
-                  </a:xfrm>
-                  <a:prstGeom prst="roundRect">
-                    <a:avLst>
-                      <a:gd name="adj" fmla="val 10920"/>
-                    </a:avLst>
-                  </a:prstGeom>
-                  <a:ln>
-                    <a:noFill/>
-                    <a:prstDash val="solid"/>
-                  </a:ln>
-                </p:spPr>
-              </p:pic>
-              <p:pic>
-                <p:nvPicPr>
-                  <p:cNvPr id="103" name="Picture 103"/>
-                  <p:cNvPicPr>
-                    <a:picLocks noChangeAspect="1"/>
-                  </p:cNvPicPr>
-                  <p:nvPr/>
-                </p:nvPicPr>
-                <p:blipFill>
-                  <a:blip r:embed="rId3"/>
-                  <a:stretch>
-                    <a:fillRect/>
-                  </a:stretch>
-                </p:blipFill>
-                <p:spPr>
-                  <a:xfrm>
-                    <a:off x="5982302" y="3544170"/>
-                    <a:ext cx="198723" cy="194900"/>
-                  </a:xfrm>
-                  <a:prstGeom prst="rect">
-                    <a:avLst/>
-                  </a:prstGeom>
-                  <a:ln>
-                    <a:noFill/>
-                    <a:prstDash val="solid"/>
-                  </a:ln>
-                </p:spPr>
-              </p:pic>
-            </p:grpSp>
           </p:grpSp>
           <p:sp>
             <p:nvSpPr>
@@ -16196,8 +15330,8 @@
             </p:nvSpPr>
             <p:spPr>
               <a:xfrm>
-                <a:off x="4132475" y="2087674"/>
-                <a:ext cx="1108143" cy="660400"/>
+                <a:off x="4098347" y="2004941"/>
+                <a:ext cx="1050062" cy="613284"/>
               </a:xfrm>
               <a:prstGeom prst="rect">
                 <a:avLst/>
@@ -16221,297 +15355,131 @@
                   <a:defRPr/>
                 </a:pPr>
                 <a:r>
-                  <a:rPr lang="en-US" sz="1000" dirty="0">
+                  <a:rPr lang="en-US" sz="900" dirty="0">
                     <a:solidFill>
                       <a:srgbClr val="2B2F36"/>
                     </a:solidFill>
                   </a:rPr>
                   <a:t> Customizing Entity Interface Configuration</a:t>
                 </a:r>
-                <a:endParaRPr lang="en-US" sz="1100" dirty="0"/>
+                <a:endParaRPr lang="en-US" sz="1050" dirty="0"/>
               </a:p>
             </p:txBody>
           </p:sp>
           <p:grpSp>
             <p:nvGrpSpPr>
-              <p:cNvPr id="113" name="Group 113"/>
+              <p:cNvPr id="114" name="Group 114"/>
               <p:cNvGrpSpPr/>
               <p:nvPr/>
             </p:nvGrpSpPr>
             <p:grpSpPr>
               <a:xfrm>
                 <a:off x="2805451" y="1922466"/>
-                <a:ext cx="1397000" cy="1197740"/>
+                <a:ext cx="1354736" cy="734042"/>
                 <a:chOff x="2800273" y="2879291"/>
-                <a:chExt cx="1397000" cy="1197740"/>
+                <a:chExt cx="1354736" cy="734042"/>
               </a:xfrm>
             </p:grpSpPr>
-            <p:grpSp>
-              <p:nvGrpSpPr>
-                <p:cNvPr id="114" name="Group 114"/>
-                <p:cNvGrpSpPr/>
+            <p:sp>
+              <p:nvSpPr>
+                <p:cNvPr id="115" name="AutoShape 115"/>
+                <p:cNvSpPr/>
                 <p:nvPr/>
-              </p:nvGrpSpPr>
-              <p:grpSpPr>
+              </p:nvSpPr>
+              <p:spPr>
                 <a:xfrm>
                   <a:off x="2800273" y="2879291"/>
-                  <a:ext cx="1397000" cy="1197740"/>
-                  <a:chOff x="2800273" y="2879291"/>
-                  <a:chExt cx="1397000" cy="1197740"/>
+                  <a:ext cx="1354736" cy="734042"/>
                 </a:xfrm>
-              </p:grpSpPr>
-              <p:sp>
-                <p:nvSpPr>
-                  <p:cNvPr id="115" name="AutoShape 115"/>
-                  <p:cNvSpPr/>
-                  <p:nvPr/>
-                </p:nvSpPr>
-                <p:spPr>
-                  <a:xfrm>
-                    <a:off x="2800273" y="2879291"/>
-                    <a:ext cx="1397000" cy="1197740"/>
-                  </a:xfrm>
-                  <a:prstGeom prst="roundRect">
-                    <a:avLst>
-                      <a:gd name="adj" fmla="val 9090"/>
-                    </a:avLst>
-                  </a:prstGeom>
+                <a:prstGeom prst="roundRect">
+                  <a:avLst>
+                    <a:gd name="adj" fmla="val 9090"/>
+                  </a:avLst>
+                </a:prstGeom>
+                <a:solidFill>
+                  <a:srgbClr val="DEE0E3">
+                    <a:alpha val="20000"/>
+                  </a:srgbClr>
+                </a:solidFill>
+                <a:ln w="25400" cap="flat" cmpd="sng">
                   <a:solidFill>
-                    <a:srgbClr val="DEE0E3">
+                    <a:srgbClr val="2B2F36">
                       <a:alpha val="20000"/>
                     </a:srgbClr>
                   </a:solidFill>
-                  <a:ln w="25400" cap="flat" cmpd="sng">
-                    <a:solidFill>
-                      <a:srgbClr val="2B2F36">
-                        <a:alpha val="20000"/>
-                      </a:srgbClr>
-                    </a:solidFill>
-                    <a:prstDash val="solid"/>
-                    <a:round/>
-                  </a:ln>
-                </p:spPr>
-                <p:txBody>
-                  <a:bodyPr lIns="63500" tIns="63500" rIns="63500" bIns="63500" rtlCol="0" anchor="ctr">
-                    <a:noAutofit/>
-                  </a:bodyPr>
-                  <a:lstStyle/>
-                  <a:p>
-                    <a:pPr algn="ctr">
-                      <a:defRPr/>
-                    </a:pPr>
-                    <a:endParaRPr sz="2628" dirty="0"/>
-                  </a:p>
-                </p:txBody>
-              </p:sp>
-              <p:sp>
-                <p:nvSpPr>
-                  <p:cNvPr id="116" name="AutoShape 116"/>
-                  <p:cNvSpPr/>
-                  <p:nvPr/>
-                </p:nvSpPr>
-                <p:spPr>
-                  <a:xfrm>
-                    <a:off x="2952328" y="3385993"/>
-                    <a:ext cx="1114207" cy="649260"/>
-                  </a:xfrm>
-                  <a:prstGeom prst="roundRect">
-                    <a:avLst>
-                      <a:gd name="adj" fmla="val 17647"/>
-                    </a:avLst>
-                  </a:prstGeom>
-                  <a:solidFill>
-                    <a:srgbClr val="FAD355"/>
-                  </a:solidFill>
-                  <a:ln w="25400" cap="flat" cmpd="sng">
-                    <a:noFill/>
-                    <a:prstDash val="solid"/>
-                    <a:round/>
-                  </a:ln>
-                </p:spPr>
-                <p:txBody>
-                  <a:bodyPr lIns="63500" tIns="63500" rIns="63500" bIns="63500" rtlCol="0" anchor="ctr">
-                    <a:noAutofit/>
-                  </a:bodyPr>
-                  <a:lstStyle/>
-                  <a:p>
-                    <a:pPr algn="ctr">
-                      <a:defRPr/>
-                    </a:pPr>
-                    <a:endParaRPr sz="2628" dirty="0"/>
-                  </a:p>
-                </p:txBody>
-              </p:sp>
-              <p:pic>
-                <p:nvPicPr>
-                  <p:cNvPr id="117" name="Picture 117"/>
-                  <p:cNvPicPr>
-                    <a:picLocks noChangeAspect="1"/>
-                  </p:cNvPicPr>
-                  <p:nvPr/>
-                </p:nvPicPr>
-                <p:blipFill>
-                  <a:blip r:embed="rId5"/>
-                  <a:stretch>
-                    <a:fillRect/>
-                  </a:stretch>
-                </p:blipFill>
-                <p:spPr>
-                  <a:xfrm>
-                    <a:off x="3133953" y="3588519"/>
-                    <a:ext cx="370016" cy="349489"/>
-                  </a:xfrm>
-                  <a:prstGeom prst="roundRect">
-                    <a:avLst>
-                      <a:gd name="adj" fmla="val 10768"/>
-                    </a:avLst>
-                  </a:prstGeom>
-                  <a:ln>
-                    <a:noFill/>
-                    <a:prstDash val="solid"/>
-                  </a:ln>
-                </p:spPr>
-              </p:pic>
-              <p:pic>
-                <p:nvPicPr>
-                  <p:cNvPr id="118" name="Picture 118"/>
-                  <p:cNvPicPr>
-                    <a:picLocks noChangeAspect="1"/>
-                  </p:cNvPicPr>
-                  <p:nvPr/>
-                </p:nvPicPr>
-                <p:blipFill>
-                  <a:blip r:embed="rId7"/>
-                  <a:stretch>
-                    <a:fillRect/>
-                  </a:stretch>
-                </p:blipFill>
-                <p:spPr>
-                  <a:xfrm>
-                    <a:off x="3064178" y="3079332"/>
-                    <a:ext cx="282023" cy="266378"/>
-                  </a:xfrm>
-                  <a:prstGeom prst="rect">
-                    <a:avLst/>
-                  </a:prstGeom>
-                  <a:ln>
-                    <a:noFill/>
-                    <a:prstDash val="solid"/>
-                  </a:ln>
-                </p:spPr>
-              </p:pic>
-              <p:sp>
-                <p:nvSpPr>
-                  <p:cNvPr id="119" name="AutoShape 119"/>
-                  <p:cNvSpPr/>
-                  <p:nvPr/>
-                </p:nvSpPr>
-                <p:spPr>
-                  <a:xfrm>
-                    <a:off x="3099301" y="3370933"/>
-                    <a:ext cx="860063" cy="239218"/>
-                  </a:xfrm>
-                  <a:prstGeom prst="rect">
-                    <a:avLst/>
-                  </a:prstGeom>
+                  <a:prstDash val="solid"/>
+                  <a:round/>
+                </a:ln>
+              </p:spPr>
+              <p:txBody>
+                <a:bodyPr lIns="63500" tIns="63500" rIns="63500" bIns="63500" rtlCol="0" anchor="ctr">
+                  <a:noAutofit/>
+                </a:bodyPr>
+                <a:lstStyle/>
+                <a:p>
+                  <a:pPr algn="ctr">
+                    <a:defRPr/>
+                  </a:pPr>
+                  <a:endParaRPr sz="2628" dirty="0"/>
+                </a:p>
+              </p:txBody>
+            </p:sp>
+            <p:sp>
+              <p:nvSpPr>
+                <p:cNvPr id="116" name="AutoShape 116"/>
+                <p:cNvSpPr/>
+                <p:nvPr/>
+              </p:nvSpPr>
+              <p:spPr>
+                <a:xfrm>
+                  <a:off x="2857522" y="3157102"/>
+                  <a:ext cx="1114207" cy="359308"/>
+                </a:xfrm>
+                <a:prstGeom prst="roundRect">
+                  <a:avLst>
+                    <a:gd name="adj" fmla="val 17647"/>
+                  </a:avLst>
+                </a:prstGeom>
+                <a:solidFill>
+                  <a:srgbClr val="FAD355"/>
+                </a:solidFill>
+                <a:ln w="25400" cap="flat" cmpd="sng">
                   <a:noFill/>
-                  <a:ln w="12700">
-                    <a:noFill/>
-                    <a:prstDash val="solid"/>
-                  </a:ln>
-                </p:spPr>
-                <p:txBody>
-                  <a:bodyPr lIns="91440" tIns="45720" rIns="91440" bIns="45720" rtlCol="0" anchor="t">
-                    <a:noAutofit/>
-                  </a:bodyPr>
-                  <a:lstStyle/>
-                  <a:p>
-                    <a:pPr>
-                      <a:defRPr/>
-                    </a:pPr>
-                    <a:r>
-                      <a:rPr lang="en-US" sz="900" dirty="0"/>
-                      <a:t>Core Scripts</a:t>
-                    </a:r>
-                    <a:endParaRPr lang="en-US" sz="1200" dirty="0"/>
-                  </a:p>
-                </p:txBody>
-              </p:sp>
-              <p:pic>
-                <p:nvPicPr>
-                  <p:cNvPr id="121" name="Picture 121"/>
-                  <p:cNvPicPr>
-                    <a:picLocks noChangeAspect="1"/>
-                  </p:cNvPicPr>
-                  <p:nvPr/>
-                </p:nvPicPr>
-                <p:blipFill>
-                  <a:blip r:embed="rId7"/>
-                  <a:stretch>
-                    <a:fillRect/>
-                  </a:stretch>
-                </p:blipFill>
-                <p:spPr>
-                  <a:xfrm>
-                    <a:off x="3370096" y="3084686"/>
-                    <a:ext cx="282023" cy="266378"/>
-                  </a:xfrm>
-                  <a:prstGeom prst="rect">
-                    <a:avLst/>
-                  </a:prstGeom>
-                  <a:ln>
-                    <a:noFill/>
-                    <a:prstDash val="solid"/>
-                  </a:ln>
-                </p:spPr>
-              </p:pic>
-              <p:pic>
-                <p:nvPicPr>
-                  <p:cNvPr id="122" name="Picture 122"/>
-                  <p:cNvPicPr>
-                    <a:picLocks noChangeAspect="1"/>
-                  </p:cNvPicPr>
-                  <p:nvPr/>
-                </p:nvPicPr>
-                <p:blipFill>
-                  <a:blip r:embed="rId7"/>
-                  <a:stretch>
-                    <a:fillRect/>
-                  </a:stretch>
-                </p:blipFill>
-                <p:spPr>
-                  <a:xfrm>
-                    <a:off x="3693443" y="3084686"/>
-                    <a:ext cx="282023" cy="266378"/>
-                  </a:xfrm>
-                  <a:prstGeom prst="rect">
-                    <a:avLst/>
-                  </a:prstGeom>
-                  <a:ln>
-                    <a:noFill/>
-                    <a:prstDash val="solid"/>
-                  </a:ln>
-                </p:spPr>
-              </p:pic>
-            </p:grpSp>
+                  <a:prstDash val="solid"/>
+                  <a:round/>
+                </a:ln>
+              </p:spPr>
+              <p:txBody>
+                <a:bodyPr lIns="63500" tIns="63500" rIns="63500" bIns="63500" rtlCol="0" anchor="ctr">
+                  <a:noAutofit/>
+                </a:bodyPr>
+                <a:lstStyle/>
+                <a:p>
+                  <a:pPr algn="ctr">
+                    <a:defRPr/>
+                  </a:pPr>
+                  <a:endParaRPr sz="2628" dirty="0"/>
+                </a:p>
+              </p:txBody>
+            </p:sp>
             <p:pic>
               <p:nvPicPr>
-                <p:cNvPr id="123" name="Picture 123"/>
+                <p:cNvPr id="117" name="Picture 117"/>
                 <p:cNvPicPr>
                   <a:picLocks noChangeAspect="1"/>
                 </p:cNvPicPr>
                 <p:nvPr/>
               </p:nvPicPr>
               <p:blipFill>
-                <a:blip r:embed="rId5"/>
+                <a:blip r:embed="rId4"/>
                 <a:stretch>
                   <a:fillRect/>
                 </a:stretch>
               </p:blipFill>
               <p:spPr>
                 <a:xfrm>
-                  <a:off x="3512186" y="3591602"/>
-                  <a:ext cx="371341" cy="350741"/>
+                  <a:off x="3565906" y="3211009"/>
+                  <a:ext cx="263983" cy="249338"/>
                 </a:xfrm>
                 <a:prstGeom prst="roundRect">
                   <a:avLst>
@@ -16524,6 +15492,71 @@
                 </a:ln>
               </p:spPr>
             </p:pic>
+            <p:pic>
+              <p:nvPicPr>
+                <p:cNvPr id="118" name="Picture 118"/>
+                <p:cNvPicPr>
+                  <a:picLocks noChangeAspect="1"/>
+                </p:cNvPicPr>
+                <p:nvPr/>
+              </p:nvPicPr>
+              <p:blipFill>
+                <a:blip r:embed="rId10"/>
+                <a:stretch>
+                  <a:fillRect/>
+                </a:stretch>
+              </p:blipFill>
+              <p:spPr>
+                <a:xfrm>
+                  <a:off x="3554461" y="2910553"/>
+                  <a:ext cx="247891" cy="234139"/>
+                </a:xfrm>
+                <a:prstGeom prst="rect">
+                  <a:avLst/>
+                </a:prstGeom>
+                <a:ln>
+                  <a:noFill/>
+                  <a:prstDash val="solid"/>
+                </a:ln>
+              </p:spPr>
+            </p:pic>
+            <p:sp>
+              <p:nvSpPr>
+                <p:cNvPr id="119" name="AutoShape 119"/>
+                <p:cNvSpPr/>
+                <p:nvPr/>
+              </p:nvSpPr>
+              <p:spPr>
+                <a:xfrm>
+                  <a:off x="2840813" y="3172174"/>
+                  <a:ext cx="860063" cy="239218"/>
+                </a:xfrm>
+                <a:prstGeom prst="rect">
+                  <a:avLst/>
+                </a:prstGeom>
+                <a:noFill/>
+                <a:ln w="12700">
+                  <a:noFill/>
+                  <a:prstDash val="solid"/>
+                </a:ln>
+              </p:spPr>
+              <p:txBody>
+                <a:bodyPr lIns="91440" tIns="45720" rIns="91440" bIns="45720" rtlCol="0" anchor="t">
+                  <a:noAutofit/>
+                </a:bodyPr>
+                <a:lstStyle/>
+                <a:p>
+                  <a:pPr>
+                    <a:defRPr/>
+                  </a:pPr>
+                  <a:r>
+                    <a:rPr lang="en-US" sz="900" dirty="0"/>
+                    <a:t>Core Scripts</a:t>
+                  </a:r>
+                  <a:endParaRPr lang="en-US" sz="1200" dirty="0"/>
+                </a:p>
+              </p:txBody>
+            </p:sp>
           </p:grpSp>
           <p:sp>
             <p:nvSpPr>
@@ -16533,7 +15566,7 @@
             </p:nvSpPr>
             <p:spPr>
               <a:xfrm rot="16200000">
-                <a:off x="4587167" y="2372666"/>
+                <a:off x="4584906" y="2221038"/>
                 <a:ext cx="177109" cy="806095"/>
               </a:xfrm>
               <a:prstGeom prst="downArrow">
@@ -16586,7 +15619,7 @@
             <p:spPr>
               <a:xfrm>
                 <a:off x="2735873" y="1864080"/>
-                <a:ext cx="3722489" cy="1358054"/>
+                <a:ext cx="3722489" cy="960042"/>
               </a:xfrm>
               <a:prstGeom prst="roundRect">
                 <a:avLst>
@@ -16617,50 +15650,157 @@
           </p:sp>
         </p:grpSp>
       </p:grpSp>
+      <p:sp>
+        <p:nvSpPr>
+          <p:cNvPr id="8" name="AutoShape 8"/>
+          <p:cNvSpPr/>
+          <p:nvPr/>
+        </p:nvSpPr>
+        <p:spPr>
+          <a:xfrm>
+            <a:off x="143808" y="56713"/>
+            <a:ext cx="2966707" cy="3884520"/>
+          </a:xfrm>
+          <a:prstGeom prst="roundRect">
+            <a:avLst>
+              <a:gd name="adj" fmla="val 0"/>
+            </a:avLst>
+          </a:prstGeom>
+          <a:noFill/>
+          <a:ln w="28575" cap="flat">
+            <a:solidFill>
+              <a:srgbClr val="000000">
+                <a:alpha val="100000"/>
+              </a:srgbClr>
+            </a:solidFill>
+            <a:prstDash val="dash"/>
+          </a:ln>
+        </p:spPr>
+        <p:txBody>
+          <a:bodyPr lIns="91440" tIns="45720" rIns="91440" bIns="45720" rtlCol="0" anchor="ctr">
+            <a:noAutofit/>
+          </a:bodyPr>
+          <a:lstStyle/>
+          <a:p>
+            <a:pPr algn="ctr">
+              <a:defRPr/>
+            </a:pPr>
+            <a:endParaRPr sz="2628" dirty="0"/>
+          </a:p>
+        </p:txBody>
+      </p:sp>
+      <p:sp>
+        <p:nvSpPr>
+          <p:cNvPr id="9" name="AutoShape 9"/>
+          <p:cNvSpPr/>
+          <p:nvPr/>
+        </p:nvSpPr>
+        <p:spPr>
+          <a:xfrm>
+            <a:off x="464996" y="41149"/>
+            <a:ext cx="2392237" cy="649513"/>
+          </a:xfrm>
+          <a:prstGeom prst="rect">
+            <a:avLst/>
+          </a:prstGeom>
+          <a:noFill/>
+          <a:ln w="12700">
+            <a:noFill/>
+            <a:prstDash val="solid"/>
+          </a:ln>
+        </p:spPr>
+        <p:txBody>
+          <a:bodyPr lIns="91440" tIns="45720" rIns="91440" bIns="45720" rtlCol="0" anchor="t">
+            <a:noAutofit/>
+          </a:bodyPr>
+          <a:lstStyle/>
+          <a:p>
+            <a:pPr>
+              <a:defRPr/>
+            </a:pPr>
+            <a:r>
+              <a:rPr lang="en-US" sz="1800" b="1" dirty="0"/>
+              <a:t>Project Collection </a:t>
+            </a:r>
+          </a:p>
+          <a:p>
+            <a:pPr>
+              <a:defRPr/>
+            </a:pPr>
+            <a:r>
+              <a:rPr lang="en-US" sz="1800" b="1" dirty="0"/>
+              <a:t>&amp; Analysis </a:t>
+            </a:r>
+            <a:r>
+              <a:rPr lang="en-US" sz="1600" dirty="0">
+                <a:latin typeface="Times New Roman" panose="02020603050405020304" pitchFamily="18" charset="0"/>
+                <a:cs typeface="Times New Roman" panose="02020603050405020304" pitchFamily="18" charset="0"/>
+              </a:rPr>
+              <a:t>(</a:t>
+            </a:r>
+            <a:r>
+              <a:rPr lang="en-US" altLang="zh-CN" sz="1600" dirty="0">
+                <a:latin typeface="Times New Roman" panose="02020603050405020304" pitchFamily="18" charset="0"/>
+                <a:cs typeface="Times New Roman" panose="02020603050405020304" pitchFamily="18" charset="0"/>
+              </a:rPr>
+              <a:t>§ </a:t>
+            </a:r>
+            <a:r>
+              <a:rPr lang="en-US" altLang="zh-CN" sz="1600" dirty="0">
+                <a:solidFill>
+                  <a:srgbClr val="FF0000"/>
+                </a:solidFill>
+                <a:latin typeface="Times New Roman" panose="02020603050405020304" pitchFamily="18" charset="0"/>
+                <a:cs typeface="Times New Roman" panose="02020603050405020304" pitchFamily="18" charset="0"/>
+              </a:rPr>
+              <a:t>III-A</a:t>
+            </a:r>
+            <a:r>
+              <a:rPr lang="en-US" sz="1600" dirty="0"/>
+              <a:t>) </a:t>
+            </a:r>
+            <a:endParaRPr lang="en-US" sz="1100" dirty="0"/>
+          </a:p>
+        </p:txBody>
+      </p:sp>
       <p:grpSp>
         <p:nvGrpSpPr>
-          <p:cNvPr id="405" name="组合 404">
-            <a:extLst>
-              <a:ext uri="{FF2B5EF4-FFF2-40B4-BE49-F238E27FC236}">
-                <a16:creationId xmlns:a16="http://schemas.microsoft.com/office/drawing/2014/main" id="{DB7E7459-27E4-1248-39D5-416EF9192940}"/>
-              </a:ext>
-            </a:extLst>
-          </p:cNvPr>
+          <p:cNvPr id="10" name="Group 10"/>
           <p:cNvGrpSpPr/>
           <p:nvPr/>
         </p:nvGrpSpPr>
         <p:grpSpPr>
           <a:xfrm>
-            <a:off x="126875" y="41149"/>
-            <a:ext cx="3079879" cy="2581123"/>
-            <a:chOff x="249387" y="-216579"/>
-            <a:chExt cx="3079879" cy="2581123"/>
+            <a:off x="216058" y="653850"/>
+            <a:ext cx="1330953" cy="435256"/>
+            <a:chOff x="785432" y="1618542"/>
+            <a:chExt cx="1330953" cy="363206"/>
           </a:xfrm>
         </p:grpSpPr>
         <p:sp>
           <p:nvSpPr>
-            <p:cNvPr id="8" name="AutoShape 8"/>
+            <p:cNvPr id="11" name="AutoShape 11"/>
             <p:cNvSpPr/>
             <p:nvPr/>
           </p:nvSpPr>
           <p:spPr>
             <a:xfrm>
-              <a:off x="249387" y="-201014"/>
-              <a:ext cx="3079879" cy="2565558"/>
+              <a:off x="785432" y="1618542"/>
+              <a:ext cx="1232820" cy="363206"/>
             </a:xfrm>
             <a:prstGeom prst="roundRect">
               <a:avLst>
-                <a:gd name="adj" fmla="val 0"/>
+                <a:gd name="adj" fmla="val 6803"/>
               </a:avLst>
             </a:prstGeom>
             <a:noFill/>
-            <a:ln w="28575" cap="flat">
+            <a:ln w="25400" cap="flat">
               <a:solidFill>
-                <a:srgbClr val="000000">
+                <a:srgbClr val="262626">
                   <a:alpha val="100000"/>
                 </a:srgbClr>
               </a:solidFill>
-              <a:prstDash val="dash"/>
+              <a:prstDash val="solid"/>
             </a:ln>
           </p:spPr>
           <p:txBody>
@@ -16676,16 +15816,45 @@
             </a:p>
           </p:txBody>
         </p:sp>
+        <p:pic>
+          <p:nvPicPr>
+            <p:cNvPr id="12" name="Picture 12"/>
+            <p:cNvPicPr>
+              <a:picLocks noChangeAspect="1"/>
+            </p:cNvPicPr>
+            <p:nvPr/>
+          </p:nvPicPr>
+          <p:blipFill>
+            <a:blip r:embed="rId11"/>
+            <a:srcRect/>
+            <a:stretch>
+              <a:fillRect/>
+            </a:stretch>
+          </p:blipFill>
+          <p:spPr>
+            <a:xfrm>
+              <a:off x="865086" y="1632386"/>
+              <a:ext cx="330115" cy="289289"/>
+            </a:xfrm>
+            <a:prstGeom prst="rect">
+              <a:avLst/>
+            </a:prstGeom>
+            <a:ln w="12700">
+              <a:noFill/>
+              <a:prstDash val="solid"/>
+            </a:ln>
+          </p:spPr>
+        </p:pic>
         <p:sp>
           <p:nvSpPr>
-            <p:cNvPr id="9" name="AutoShape 9"/>
+            <p:cNvPr id="13" name="AutoShape 13"/>
             <p:cNvSpPr/>
             <p:nvPr/>
           </p:nvSpPr>
           <p:spPr>
             <a:xfrm>
-              <a:off x="587508" y="-216579"/>
-              <a:ext cx="2392237" cy="649513"/>
+              <a:off x="1047099" y="1630760"/>
+              <a:ext cx="1069286" cy="349637"/>
             </a:xfrm>
             <a:prstGeom prst="rect">
               <a:avLst/>
@@ -16702,74 +15871,182 @@
             </a:bodyPr>
             <a:lstStyle/>
             <a:p>
-              <a:pPr>
+              <a:pPr algn="ctr">
                 <a:defRPr/>
               </a:pPr>
               <a:r>
-                <a:rPr lang="en-US" sz="1800" b="1" dirty="0"/>
-                <a:t>Project Collection </a:t>
+                <a:rPr lang="en-US" sz="1000" dirty="0"/>
+                <a:t>Open Source </a:t>
               </a:r>
             </a:p>
             <a:p>
-              <a:pPr>
+              <a:pPr algn="ctr">
                 <a:defRPr/>
               </a:pPr>
               <a:r>
-                <a:rPr lang="en-US" sz="1800" b="1" dirty="0"/>
-                <a:t>&amp; Analysis </a:t>
+                <a:rPr lang="en-US" sz="1000" dirty="0"/>
+                <a:t>Repositories</a:t>
               </a:r>
-              <a:r>
-                <a:rPr lang="en-US" sz="1800" dirty="0"/>
-                <a:t>(</a:t>
-              </a:r>
-              <a:r>
-                <a:rPr lang="en-US" altLang="zh-CN" sz="1800" dirty="0"/>
-                <a:t>§</a:t>
-              </a:r>
-              <a:r>
-                <a:rPr lang="en-US" altLang="zh-CN" sz="1800" dirty="0">
-                  <a:solidFill>
-                    <a:srgbClr val="FF0000"/>
-                  </a:solidFill>
-                </a:rPr>
-                <a:t>3.1</a:t>
-              </a:r>
-              <a:r>
-                <a:rPr lang="en-US" sz="1800" dirty="0"/>
-                <a:t>) </a:t>
-              </a:r>
-              <a:endParaRPr lang="en-US" sz="1100" dirty="0"/>
             </a:p>
           </p:txBody>
         </p:sp>
+      </p:grpSp>
+      <p:grpSp>
+        <p:nvGrpSpPr>
+          <p:cNvPr id="148" name="组合 147">
+            <a:extLst>
+              <a:ext uri="{FF2B5EF4-FFF2-40B4-BE49-F238E27FC236}">
+                <a16:creationId xmlns:a16="http://schemas.microsoft.com/office/drawing/2014/main" id="{9F0F279B-D923-371E-2484-808A01A2B079}"/>
+              </a:ext>
+            </a:extLst>
+          </p:cNvPr>
+          <p:cNvGrpSpPr/>
+          <p:nvPr/>
+        </p:nvGrpSpPr>
+        <p:grpSpPr>
+          <a:xfrm>
+            <a:off x="1509063" y="614367"/>
+            <a:ext cx="1581568" cy="379133"/>
+            <a:chOff x="474475" y="768053"/>
+            <a:chExt cx="1581568" cy="316375"/>
+          </a:xfrm>
+        </p:grpSpPr>
+        <p:sp>
+          <p:nvSpPr>
+            <p:cNvPr id="14" name="AutoShape 14"/>
+            <p:cNvSpPr/>
+            <p:nvPr/>
+          </p:nvSpPr>
+          <p:spPr>
+            <a:xfrm rot="17300012">
+              <a:off x="520926" y="881006"/>
+              <a:ext cx="156971" cy="249873"/>
+            </a:xfrm>
+            <a:prstGeom prst="downArrow">
+              <a:avLst>
+                <a:gd name="adj1" fmla="val 50000"/>
+                <a:gd name="adj2" fmla="val 50000"/>
+              </a:avLst>
+            </a:prstGeom>
+            <a:ln/>
+          </p:spPr>
+          <p:style>
+            <a:lnRef idx="1">
+              <a:schemeClr val="dk1"/>
+            </a:lnRef>
+            <a:fillRef idx="2">
+              <a:schemeClr val="dk1"/>
+            </a:fillRef>
+            <a:effectRef idx="1">
+              <a:schemeClr val="dk1"/>
+            </a:effectRef>
+            <a:fontRef idx="minor">
+              <a:schemeClr val="dk1"/>
+            </a:fontRef>
+          </p:style>
+          <p:txBody>
+            <a:bodyPr lIns="91440" tIns="45720" rIns="35559" bIns="45720" rtlCol="0" anchor="ctr">
+              <a:noAutofit/>
+            </a:bodyPr>
+            <a:lstStyle/>
+            <a:p>
+              <a:pPr algn="ctr">
+                <a:defRPr/>
+              </a:pPr>
+              <a:endParaRPr sz="2628" dirty="0"/>
+            </a:p>
+          </p:txBody>
+        </p:sp>
+        <p:sp>
+          <p:nvSpPr>
+            <p:cNvPr id="15" name="AutoShape 15"/>
+            <p:cNvSpPr/>
+            <p:nvPr/>
+          </p:nvSpPr>
+          <p:spPr>
+            <a:xfrm>
+              <a:off x="686655" y="768053"/>
+              <a:ext cx="1369388" cy="240942"/>
+            </a:xfrm>
+            <a:prstGeom prst="rect">
+              <a:avLst/>
+            </a:prstGeom>
+            <a:noFill/>
+            <a:ln w="12700">
+              <a:noFill/>
+              <a:prstDash val="solid"/>
+            </a:ln>
+          </p:spPr>
+          <p:txBody>
+            <a:bodyPr lIns="91440" tIns="45720" rIns="91440" bIns="45720" rtlCol="0" anchor="t">
+              <a:noAutofit/>
+            </a:bodyPr>
+            <a:lstStyle/>
+            <a:p>
+              <a:pPr algn="ctr">
+                <a:defRPr/>
+              </a:pPr>
+              <a:r>
+                <a:rPr lang="en-US" altLang="zh-CN" sz="1050" dirty="0"/>
+                <a:t>Collect By </a:t>
+              </a:r>
+              <a:r>
+                <a:rPr lang="en-US" sz="1050" dirty="0"/>
+                <a:t>Tags</a:t>
+              </a:r>
+              <a:endParaRPr lang="en-US" sz="1000" dirty="0"/>
+            </a:p>
+          </p:txBody>
+        </p:sp>
+      </p:grpSp>
+      <p:grpSp>
+        <p:nvGrpSpPr>
+          <p:cNvPr id="402" name="组合 401">
+            <a:extLst>
+              <a:ext uri="{FF2B5EF4-FFF2-40B4-BE49-F238E27FC236}">
+                <a16:creationId xmlns:a16="http://schemas.microsoft.com/office/drawing/2014/main" id="{ADD6D036-ABF5-0AB1-19A9-7A70069F79D2}"/>
+              </a:ext>
+            </a:extLst>
+          </p:cNvPr>
+          <p:cNvGrpSpPr/>
+          <p:nvPr/>
+        </p:nvGrpSpPr>
+        <p:grpSpPr>
+          <a:xfrm>
+            <a:off x="1840088" y="874028"/>
+            <a:ext cx="1258368" cy="429655"/>
+            <a:chOff x="617582" y="1475638"/>
+            <a:chExt cx="1258368" cy="429655"/>
+          </a:xfrm>
+        </p:grpSpPr>
         <p:grpSp>
           <p:nvGrpSpPr>
-            <p:cNvPr id="10" name="Group 10"/>
+            <p:cNvPr id="16" name="Group 16"/>
             <p:cNvGrpSpPr/>
             <p:nvPr/>
           </p:nvGrpSpPr>
           <p:grpSpPr>
             <a:xfrm>
-              <a:off x="386315" y="520719"/>
-              <a:ext cx="1330953" cy="435256"/>
-              <a:chOff x="785432" y="1618543"/>
-              <a:chExt cx="1330953" cy="363206"/>
+              <a:off x="617582" y="1475638"/>
+              <a:ext cx="1258368" cy="429655"/>
+              <a:chOff x="616845" y="2329864"/>
+              <a:chExt cx="791772" cy="444893"/>
             </a:xfrm>
           </p:grpSpPr>
           <p:sp>
             <p:nvSpPr>
-              <p:cNvPr id="11" name="AutoShape 11"/>
+              <p:cNvPr id="17" name="AutoShape 17"/>
               <p:cNvSpPr/>
               <p:nvPr/>
             </p:nvSpPr>
             <p:spPr>
               <a:xfrm>
-                <a:off x="785432" y="1618543"/>
-                <a:ext cx="1232820" cy="363206"/>
+                <a:off x="616845" y="2329864"/>
+                <a:ext cx="718399" cy="429942"/>
               </a:xfrm>
               <a:prstGeom prst="roundRect">
                 <a:avLst>
-                  <a:gd name="adj" fmla="val 6803"/>
+                  <a:gd name="adj" fmla="val 6802"/>
                 </a:avLst>
               </a:prstGeom>
               <a:noFill/>
@@ -16795,45 +16072,16 @@
               </a:p>
             </p:txBody>
           </p:sp>
-          <p:pic>
-            <p:nvPicPr>
-              <p:cNvPr id="12" name="Picture 12"/>
-              <p:cNvPicPr>
-                <a:picLocks noChangeAspect="1"/>
-              </p:cNvPicPr>
-              <p:nvPr/>
-            </p:nvPicPr>
-            <p:blipFill>
-              <a:blip r:embed="rId11"/>
-              <a:srcRect/>
-              <a:stretch>
-                <a:fillRect/>
-              </a:stretch>
-            </p:blipFill>
-            <p:spPr>
-              <a:xfrm>
-                <a:off x="865086" y="1632386"/>
-                <a:ext cx="330115" cy="289289"/>
-              </a:xfrm>
-              <a:prstGeom prst="rect">
-                <a:avLst/>
-              </a:prstGeom>
-              <a:ln w="12700">
-                <a:noFill/>
-                <a:prstDash val="solid"/>
-              </a:ln>
-            </p:spPr>
-          </p:pic>
           <p:sp>
             <p:nvSpPr>
-              <p:cNvPr id="13" name="AutoShape 13"/>
+              <p:cNvPr id="18" name="AutoShape 18"/>
               <p:cNvSpPr/>
               <p:nvPr/>
             </p:nvSpPr>
             <p:spPr>
               <a:xfrm>
-                <a:off x="1047099" y="1630761"/>
-                <a:ext cx="1069286" cy="349637"/>
+                <a:off x="773258" y="2347712"/>
+                <a:ext cx="635359" cy="427045"/>
               </a:xfrm>
               <a:prstGeom prst="rect">
                 <a:avLst/>
@@ -16855,7 +16103,7 @@
                 </a:pPr>
                 <a:r>
                   <a:rPr lang="en-US" sz="1000" dirty="0"/>
-                  <a:t>Open Source </a:t>
+                  <a:t>Unity-based </a:t>
                 </a:r>
               </a:p>
               <a:p>
@@ -16864,1036 +16112,41 @@
                 </a:pPr>
                 <a:r>
                   <a:rPr lang="en-US" sz="1000" dirty="0"/>
-                  <a:t>Repositories</a:t>
+                  <a:t>VR Projects</a:t>
                 </a:r>
               </a:p>
             </p:txBody>
           </p:sp>
         </p:grpSp>
-        <p:grpSp>
-          <p:nvGrpSpPr>
-            <p:cNvPr id="148" name="组合 147">
-              <a:extLst>
-                <a:ext uri="{FF2B5EF4-FFF2-40B4-BE49-F238E27FC236}">
-                  <a16:creationId xmlns:a16="http://schemas.microsoft.com/office/drawing/2014/main" id="{9F0F279B-D923-371E-2484-808A01A2B079}"/>
-                </a:ext>
-              </a:extLst>
-            </p:cNvPr>
-            <p:cNvGrpSpPr/>
+        <p:pic>
+          <p:nvPicPr>
+            <p:cNvPr id="19" name="Picture 19"/>
+            <p:cNvPicPr>
+              <a:picLocks noChangeAspect="1"/>
+            </p:cNvPicPr>
             <p:nvPr/>
-          </p:nvGrpSpPr>
-          <p:grpSpPr>
-            <a:xfrm>
-              <a:off x="1708045" y="382681"/>
-              <a:ext cx="1230018" cy="495724"/>
-              <a:chOff x="459035" y="691742"/>
-              <a:chExt cx="1230018" cy="413666"/>
-            </a:xfrm>
-          </p:grpSpPr>
-          <p:sp>
-            <p:nvSpPr>
-              <p:cNvPr id="14" name="AutoShape 14"/>
-              <p:cNvSpPr/>
-              <p:nvPr/>
-            </p:nvSpPr>
-            <p:spPr>
-              <a:xfrm rot="17300012">
-                <a:off x="505486" y="901986"/>
-                <a:ext cx="156971" cy="249873"/>
-              </a:xfrm>
-              <a:prstGeom prst="downArrow">
-                <a:avLst>
-                  <a:gd name="adj1" fmla="val 50000"/>
-                  <a:gd name="adj2" fmla="val 50000"/>
-                </a:avLst>
-              </a:prstGeom>
-              <a:ln/>
-            </p:spPr>
-            <p:style>
-              <a:lnRef idx="1">
-                <a:schemeClr val="dk1"/>
-              </a:lnRef>
-              <a:fillRef idx="2">
-                <a:schemeClr val="dk1"/>
-              </a:fillRef>
-              <a:effectRef idx="1">
-                <a:schemeClr val="dk1"/>
-              </a:effectRef>
-              <a:fontRef idx="minor">
-                <a:schemeClr val="dk1"/>
-              </a:fontRef>
-            </p:style>
-            <p:txBody>
-              <a:bodyPr lIns="91440" tIns="45720" rIns="35559" bIns="45720" rtlCol="0" anchor="ctr">
-                <a:noAutofit/>
-              </a:bodyPr>
-              <a:lstStyle/>
-              <a:p>
-                <a:pPr algn="ctr">
-                  <a:defRPr/>
-                </a:pPr>
-                <a:endParaRPr sz="2628" dirty="0"/>
-              </a:p>
-            </p:txBody>
-          </p:sp>
-          <p:sp>
-            <p:nvSpPr>
-              <p:cNvPr id="15" name="AutoShape 15"/>
-              <p:cNvSpPr/>
-              <p:nvPr/>
-            </p:nvSpPr>
-            <p:spPr>
-              <a:xfrm>
-                <a:off x="632012" y="691742"/>
-                <a:ext cx="1057041" cy="371372"/>
-              </a:xfrm>
-              <a:prstGeom prst="rect">
-                <a:avLst/>
-              </a:prstGeom>
-              <a:noFill/>
-              <a:ln w="12700">
-                <a:noFill/>
-                <a:prstDash val="solid"/>
-              </a:ln>
-            </p:spPr>
-            <p:txBody>
-              <a:bodyPr lIns="91440" tIns="45720" rIns="91440" bIns="45720" rtlCol="0" anchor="t">
-                <a:noAutofit/>
-              </a:bodyPr>
-              <a:lstStyle/>
-              <a:p>
-                <a:pPr algn="ctr">
-                  <a:defRPr/>
-                </a:pPr>
-                <a:r>
-                  <a:rPr lang="en-US" altLang="zh-CN" sz="1050" dirty="0"/>
-                  <a:t>Collect By </a:t>
-                </a:r>
-                <a:r>
-                  <a:rPr lang="en-US" sz="1050" dirty="0"/>
-                  <a:t>Tags &amp; Topics</a:t>
-                </a:r>
-                <a:endParaRPr lang="en-US" sz="1000" dirty="0"/>
-              </a:p>
-            </p:txBody>
-          </p:sp>
-        </p:grpSp>
-        <p:grpSp>
-          <p:nvGrpSpPr>
-            <p:cNvPr id="402" name="组合 401">
-              <a:extLst>
-                <a:ext uri="{FF2B5EF4-FFF2-40B4-BE49-F238E27FC236}">
-                  <a16:creationId xmlns:a16="http://schemas.microsoft.com/office/drawing/2014/main" id="{ADD6D036-ABF5-0AB1-19A9-7A70069F79D2}"/>
-                </a:ext>
-              </a:extLst>
-            </p:cNvPr>
-            <p:cNvGrpSpPr/>
-            <p:nvPr/>
-          </p:nvGrpSpPr>
-          <p:grpSpPr>
-            <a:xfrm>
-              <a:off x="1992605" y="787201"/>
-              <a:ext cx="1258368" cy="429655"/>
-              <a:chOff x="617582" y="1475638"/>
-              <a:chExt cx="1258368" cy="429655"/>
-            </a:xfrm>
-          </p:grpSpPr>
-          <p:grpSp>
-            <p:nvGrpSpPr>
-              <p:cNvPr id="16" name="Group 16"/>
-              <p:cNvGrpSpPr/>
-              <p:nvPr/>
-            </p:nvGrpSpPr>
-            <p:grpSpPr>
-              <a:xfrm>
-                <a:off x="617582" y="1475638"/>
-                <a:ext cx="1258368" cy="429655"/>
-                <a:chOff x="616845" y="2329864"/>
-                <a:chExt cx="791772" cy="444893"/>
-              </a:xfrm>
-            </p:grpSpPr>
-            <p:sp>
-              <p:nvSpPr>
-                <p:cNvPr id="17" name="AutoShape 17"/>
-                <p:cNvSpPr/>
-                <p:nvPr/>
-              </p:nvSpPr>
-              <p:spPr>
-                <a:xfrm>
-                  <a:off x="616845" y="2329864"/>
-                  <a:ext cx="770744" cy="429942"/>
-                </a:xfrm>
-                <a:prstGeom prst="roundRect">
-                  <a:avLst>
-                    <a:gd name="adj" fmla="val 6802"/>
-                  </a:avLst>
-                </a:prstGeom>
-                <a:noFill/>
-                <a:ln w="25400" cap="flat">
-                  <a:solidFill>
-                    <a:srgbClr val="262626">
-                      <a:alpha val="100000"/>
-                    </a:srgbClr>
-                  </a:solidFill>
-                  <a:prstDash val="solid"/>
-                </a:ln>
-              </p:spPr>
-              <p:txBody>
-                <a:bodyPr lIns="91440" tIns="45720" rIns="91440" bIns="45720" rtlCol="0" anchor="ctr">
-                  <a:noAutofit/>
-                </a:bodyPr>
-                <a:lstStyle/>
-                <a:p>
-                  <a:pPr algn="ctr">
-                    <a:defRPr/>
-                  </a:pPr>
-                  <a:endParaRPr sz="2628" dirty="0"/>
-                </a:p>
-              </p:txBody>
-            </p:sp>
-            <p:sp>
-              <p:nvSpPr>
-                <p:cNvPr id="18" name="AutoShape 18"/>
-                <p:cNvSpPr/>
-                <p:nvPr/>
-              </p:nvSpPr>
-              <p:spPr>
-                <a:xfrm>
-                  <a:off x="773258" y="2347712"/>
-                  <a:ext cx="635359" cy="427045"/>
-                </a:xfrm>
-                <a:prstGeom prst="rect">
-                  <a:avLst/>
-                </a:prstGeom>
-                <a:noFill/>
-                <a:ln w="12700">
-                  <a:noFill/>
-                  <a:prstDash val="solid"/>
-                </a:ln>
-              </p:spPr>
-              <p:txBody>
-                <a:bodyPr lIns="91440" tIns="45720" rIns="91440" bIns="45720" rtlCol="0" anchor="t">
-                  <a:noAutofit/>
-                </a:bodyPr>
-                <a:lstStyle/>
-                <a:p>
-                  <a:pPr algn="ctr">
-                    <a:defRPr/>
-                  </a:pPr>
-                  <a:r>
-                    <a:rPr lang="en-US" sz="1000" dirty="0"/>
-                    <a:t>Unity-based </a:t>
-                  </a:r>
-                </a:p>
-                <a:p>
-                  <a:pPr algn="ctr">
-                    <a:defRPr/>
-                  </a:pPr>
-                  <a:r>
-                    <a:rPr lang="en-US" sz="1000" dirty="0"/>
-                    <a:t>VR Projects</a:t>
-                  </a:r>
-                </a:p>
-              </p:txBody>
-            </p:sp>
-          </p:grpSp>
-          <p:pic>
-            <p:nvPicPr>
-              <p:cNvPr id="19" name="Picture 19"/>
-              <p:cNvPicPr>
-                <a:picLocks noChangeAspect="1"/>
-              </p:cNvPicPr>
-              <p:nvPr/>
-            </p:nvPicPr>
-            <p:blipFill>
-              <a:blip r:embed="rId12"/>
-              <a:srcRect/>
-              <a:stretch>
-                <a:fillRect/>
-              </a:stretch>
-            </p:blipFill>
-            <p:spPr>
-              <a:xfrm>
-                <a:off x="672440" y="1521725"/>
-                <a:ext cx="230750" cy="277464"/>
-              </a:xfrm>
-              <a:prstGeom prst="rect">
-                <a:avLst/>
-              </a:prstGeom>
-              <a:ln w="12700">
-                <a:noFill/>
-                <a:prstDash val="solid"/>
-              </a:ln>
-            </p:spPr>
-          </p:pic>
-        </p:grpSp>
-      </p:grpSp>
-      <p:grpSp>
-        <p:nvGrpSpPr>
-          <p:cNvPr id="269" name="组合 268">
-            <a:extLst>
-              <a:ext uri="{FF2B5EF4-FFF2-40B4-BE49-F238E27FC236}">
-                <a16:creationId xmlns:a16="http://schemas.microsoft.com/office/drawing/2014/main" id="{6887D120-676A-9A50-9918-2066672C53AD}"/>
-              </a:ext>
-            </a:extLst>
-          </p:cNvPr>
-          <p:cNvGrpSpPr/>
-          <p:nvPr/>
-        </p:nvGrpSpPr>
-        <p:grpSpPr>
-          <a:xfrm>
-            <a:off x="259880" y="1620958"/>
-            <a:ext cx="1480772" cy="836475"/>
-            <a:chOff x="2849604" y="5935875"/>
-            <a:chExt cx="2559652" cy="1267433"/>
-          </a:xfrm>
-        </p:grpSpPr>
-        <p:sp>
-          <p:nvSpPr>
-            <p:cNvPr id="3" name="AutoShape 3"/>
-            <p:cNvSpPr/>
-            <p:nvPr/>
-          </p:nvSpPr>
+          </p:nvPicPr>
+          <p:blipFill>
+            <a:blip r:embed="rId12"/>
+            <a:srcRect/>
+            <a:stretch>
+              <a:fillRect/>
+            </a:stretch>
+          </p:blipFill>
           <p:spPr>
             <a:xfrm>
-              <a:off x="2849604" y="5935875"/>
-              <a:ext cx="2088674" cy="1267433"/>
-            </a:xfrm>
-            <a:prstGeom prst="roundRect">
-              <a:avLst>
-                <a:gd name="adj" fmla="val 6034"/>
-              </a:avLst>
-            </a:prstGeom>
-            <a:solidFill>
-              <a:srgbClr val="DEE0E3">
-                <a:alpha val="20000"/>
-              </a:srgbClr>
-            </a:solidFill>
-            <a:ln w="25400" cap="flat" cmpd="sng">
-              <a:solidFill>
-                <a:srgbClr val="2B2F36">
-                  <a:alpha val="20000"/>
-                </a:srgbClr>
-              </a:solidFill>
-              <a:prstDash val="solid"/>
-              <a:round/>
-            </a:ln>
-          </p:spPr>
-          <p:txBody>
-            <a:bodyPr lIns="63500" tIns="63500" rIns="63500" bIns="63500" rtlCol="0" anchor="ctr">
-              <a:noAutofit/>
-            </a:bodyPr>
-            <a:lstStyle/>
-            <a:p>
-              <a:pPr algn="ctr">
-                <a:defRPr/>
-              </a:pPr>
-              <a:endParaRPr sz="1400" dirty="0"/>
-            </a:p>
-          </p:txBody>
-        </p:sp>
-        <p:sp>
-          <p:nvSpPr>
-            <p:cNvPr id="29" name="AutoShape 29"/>
-            <p:cNvSpPr/>
-            <p:nvPr/>
-          </p:nvSpPr>
-          <p:spPr>
-            <a:xfrm>
-              <a:off x="3448537" y="5937641"/>
-              <a:ext cx="1960719" cy="256728"/>
+              <a:off x="672440" y="1521725"/>
+              <a:ext cx="230750" cy="277464"/>
             </a:xfrm>
             <a:prstGeom prst="rect">
               <a:avLst/>
             </a:prstGeom>
-            <a:noFill/>
             <a:ln w="12700">
               <a:noFill/>
               <a:prstDash val="solid"/>
             </a:ln>
           </p:spPr>
-          <p:txBody>
-            <a:bodyPr lIns="0" tIns="0" rIns="0" bIns="0" rtlCol="0" anchor="ctr">
-              <a:noAutofit/>
-            </a:bodyPr>
-            <a:lstStyle/>
-            <a:p>
-              <a:pPr>
-                <a:lnSpc>
-                  <a:spcPct val="125000"/>
-                </a:lnSpc>
-                <a:defRPr/>
-              </a:pPr>
-              <a:r>
-                <a:rPr lang="en-US" altLang="zh-CN" sz="1050" dirty="0">
-                  <a:solidFill>
-                    <a:srgbClr val="1F2329"/>
-                  </a:solidFill>
-                </a:rPr>
-                <a:t>Hierarchy</a:t>
-              </a:r>
-              <a:endParaRPr lang="en-US" sz="1050" dirty="0"/>
-            </a:p>
-          </p:txBody>
-        </p:sp>
-        <p:grpSp>
-          <p:nvGrpSpPr>
-            <p:cNvPr id="222" name="组合 221">
-              <a:extLst>
-                <a:ext uri="{FF2B5EF4-FFF2-40B4-BE49-F238E27FC236}">
-                  <a16:creationId xmlns:a16="http://schemas.microsoft.com/office/drawing/2014/main" id="{82931C69-CC4F-BC3B-2851-AA6DEDF8730F}"/>
-                </a:ext>
-              </a:extLst>
-            </p:cNvPr>
-            <p:cNvGrpSpPr/>
-            <p:nvPr/>
-          </p:nvGrpSpPr>
-          <p:grpSpPr>
-            <a:xfrm>
-              <a:off x="2996363" y="6128974"/>
-              <a:ext cx="995274" cy="945472"/>
-              <a:chOff x="5041746" y="5728664"/>
-              <a:chExt cx="1665805" cy="1393035"/>
-            </a:xfrm>
-          </p:grpSpPr>
-          <p:pic>
-            <p:nvPicPr>
-              <p:cNvPr id="174" name="Picture 71">
-                <a:extLst>
-                  <a:ext uri="{FF2B5EF4-FFF2-40B4-BE49-F238E27FC236}">
-                    <a16:creationId xmlns:a16="http://schemas.microsoft.com/office/drawing/2014/main" id="{4F2859AF-E10A-28CB-5893-07A73E6A6EFA}"/>
-                  </a:ext>
-                </a:extLst>
-              </p:cNvPr>
-              <p:cNvPicPr>
-                <a:picLocks noChangeAspect="1"/>
-              </p:cNvPicPr>
-              <p:nvPr/>
-            </p:nvPicPr>
-            <p:blipFill>
-              <a:blip r:embed="rId4"/>
-              <a:stretch>
-                <a:fillRect/>
-              </a:stretch>
-            </p:blipFill>
-            <p:spPr>
-              <a:xfrm>
-                <a:off x="5041746" y="5728664"/>
-                <a:ext cx="418839" cy="388598"/>
-              </a:xfrm>
-              <a:prstGeom prst="rect">
-                <a:avLst/>
-              </a:prstGeom>
-              <a:ln>
-                <a:noFill/>
-                <a:prstDash val="solid"/>
-              </a:ln>
-              <a:effectLst>
-                <a:outerShdw blurRad="50800" dist="38100" dir="2700000" algn="tl" rotWithShape="0">
-                  <a:prstClr val="black">
-                    <a:alpha val="40000"/>
-                  </a:prstClr>
-                </a:outerShdw>
-              </a:effectLst>
-            </p:spPr>
-          </p:pic>
-          <p:cxnSp>
-            <p:nvCxnSpPr>
-              <p:cNvPr id="179" name="连接符: 肘形 178">
-                <a:extLst>
-                  <a:ext uri="{FF2B5EF4-FFF2-40B4-BE49-F238E27FC236}">
-                    <a16:creationId xmlns:a16="http://schemas.microsoft.com/office/drawing/2014/main" id="{585B0AC1-AB6D-1944-60FE-4DFDCCCEB109}"/>
-                  </a:ext>
-                </a:extLst>
-              </p:cNvPr>
-              <p:cNvCxnSpPr>
-                <a:cxnSpLocks/>
-                <a:stCxn id="174" idx="2"/>
-                <a:endCxn id="207" idx="1"/>
-              </p:cNvCxnSpPr>
-              <p:nvPr/>
-            </p:nvCxnSpPr>
-            <p:spPr>
-              <a:xfrm rot="16200000" flipH="1">
-                <a:off x="5429003" y="5939424"/>
-                <a:ext cx="140094" cy="495769"/>
-              </a:xfrm>
-              <a:prstGeom prst="bentConnector2">
-                <a:avLst/>
-              </a:prstGeom>
-              <a:ln w="22225">
-                <a:solidFill>
-                  <a:schemeClr val="tx1"/>
-                </a:solidFill>
-              </a:ln>
-            </p:spPr>
-            <p:style>
-              <a:lnRef idx="1">
-                <a:schemeClr val="dk1"/>
-              </a:lnRef>
-              <a:fillRef idx="0">
-                <a:schemeClr val="dk1"/>
-              </a:fillRef>
-              <a:effectRef idx="0">
-                <a:schemeClr val="dk1"/>
-              </a:effectRef>
-              <a:fontRef idx="minor">
-                <a:schemeClr val="tx1"/>
-              </a:fontRef>
-            </p:style>
-          </p:cxnSp>
-          <p:cxnSp>
-            <p:nvCxnSpPr>
-              <p:cNvPr id="184" name="连接符: 肘形 183">
-                <a:extLst>
-                  <a:ext uri="{FF2B5EF4-FFF2-40B4-BE49-F238E27FC236}">
-                    <a16:creationId xmlns:a16="http://schemas.microsoft.com/office/drawing/2014/main" id="{F9187178-B746-1151-B21D-AEC47E9C851B}"/>
-                  </a:ext>
-                </a:extLst>
-              </p:cNvPr>
-              <p:cNvCxnSpPr>
-                <a:cxnSpLocks/>
-                <a:stCxn id="174" idx="2"/>
-                <a:endCxn id="209" idx="1"/>
-              </p:cNvCxnSpPr>
-              <p:nvPr/>
-            </p:nvCxnSpPr>
-            <p:spPr>
-              <a:xfrm rot="16200000" flipH="1">
-                <a:off x="5093981" y="6274446"/>
-                <a:ext cx="810139" cy="495769"/>
-              </a:xfrm>
-              <a:prstGeom prst="bentConnector2">
-                <a:avLst/>
-              </a:prstGeom>
-              <a:ln w="22225">
-                <a:solidFill>
-                  <a:schemeClr val="tx1"/>
-                </a:solidFill>
-              </a:ln>
-            </p:spPr>
-            <p:style>
-              <a:lnRef idx="1">
-                <a:schemeClr val="accent1"/>
-              </a:lnRef>
-              <a:fillRef idx="0">
-                <a:schemeClr val="accent1"/>
-              </a:fillRef>
-              <a:effectRef idx="0">
-                <a:schemeClr val="accent1"/>
-              </a:effectRef>
-              <a:fontRef idx="minor">
-                <a:schemeClr val="tx1"/>
-              </a:fontRef>
-            </p:style>
-          </p:cxnSp>
-          <p:pic>
-            <p:nvPicPr>
-              <p:cNvPr id="207" name="Picture 71">
-                <a:extLst>
-                  <a:ext uri="{FF2B5EF4-FFF2-40B4-BE49-F238E27FC236}">
-                    <a16:creationId xmlns:a16="http://schemas.microsoft.com/office/drawing/2014/main" id="{0854C228-EF0C-8693-2BDA-8119CE04CCFB}"/>
-                  </a:ext>
-                </a:extLst>
-              </p:cNvPr>
-              <p:cNvPicPr>
-                <a:picLocks noChangeAspect="1"/>
-              </p:cNvPicPr>
-              <p:nvPr/>
-            </p:nvPicPr>
-            <p:blipFill>
-              <a:blip r:embed="rId4"/>
-              <a:stretch>
-                <a:fillRect/>
-              </a:stretch>
-            </p:blipFill>
-            <p:spPr>
-              <a:xfrm>
-                <a:off x="5746935" y="6063057"/>
-                <a:ext cx="418839" cy="388598"/>
-              </a:xfrm>
-              <a:prstGeom prst="rect">
-                <a:avLst/>
-              </a:prstGeom>
-              <a:ln>
-                <a:noFill/>
-                <a:prstDash val="solid"/>
-              </a:ln>
-              <a:effectLst>
-                <a:outerShdw blurRad="50800" dist="38100" dir="2700000" algn="tl" rotWithShape="0">
-                  <a:prstClr val="black">
-                    <a:alpha val="40000"/>
-                  </a:prstClr>
-                </a:outerShdw>
-              </a:effectLst>
-            </p:spPr>
-          </p:pic>
-          <p:pic>
-            <p:nvPicPr>
-              <p:cNvPr id="209" name="Picture 71">
-                <a:extLst>
-                  <a:ext uri="{FF2B5EF4-FFF2-40B4-BE49-F238E27FC236}">
-                    <a16:creationId xmlns:a16="http://schemas.microsoft.com/office/drawing/2014/main" id="{D51BB2A2-5A39-4E7C-7C1D-C85A93349C9D}"/>
-                  </a:ext>
-                </a:extLst>
-              </p:cNvPr>
-              <p:cNvPicPr>
-                <a:picLocks noChangeAspect="1"/>
-              </p:cNvPicPr>
-              <p:nvPr/>
-            </p:nvPicPr>
-            <p:blipFill>
-              <a:blip r:embed="rId4"/>
-              <a:stretch>
-                <a:fillRect/>
-              </a:stretch>
-            </p:blipFill>
-            <p:spPr>
-              <a:xfrm>
-                <a:off x="5746935" y="6733101"/>
-                <a:ext cx="418839" cy="388598"/>
-              </a:xfrm>
-              <a:prstGeom prst="rect">
-                <a:avLst/>
-              </a:prstGeom>
-              <a:ln>
-                <a:noFill/>
-                <a:prstDash val="solid"/>
-              </a:ln>
-              <a:effectLst>
-                <a:outerShdw blurRad="50800" dist="38100" dir="2700000" algn="tl" rotWithShape="0">
-                  <a:prstClr val="black">
-                    <a:alpha val="40000"/>
-                  </a:prstClr>
-                </a:outerShdw>
-              </a:effectLst>
-            </p:spPr>
-          </p:pic>
-          <p:pic>
-            <p:nvPicPr>
-              <p:cNvPr id="211" name="Picture 71">
-                <a:extLst>
-                  <a:ext uri="{FF2B5EF4-FFF2-40B4-BE49-F238E27FC236}">
-                    <a16:creationId xmlns:a16="http://schemas.microsoft.com/office/drawing/2014/main" id="{AECC4CD5-87C4-14A0-0FCE-79E58A5F985D}"/>
-                  </a:ext>
-                </a:extLst>
-              </p:cNvPr>
-              <p:cNvPicPr>
-                <a:picLocks noChangeAspect="1"/>
-              </p:cNvPicPr>
-              <p:nvPr/>
-            </p:nvPicPr>
-            <p:blipFill>
-              <a:blip r:embed="rId4"/>
-              <a:stretch>
-                <a:fillRect/>
-              </a:stretch>
-            </p:blipFill>
-            <p:spPr>
-              <a:xfrm>
-                <a:off x="6288712" y="6386768"/>
-                <a:ext cx="418839" cy="388598"/>
-              </a:xfrm>
-              <a:prstGeom prst="rect">
-                <a:avLst/>
-              </a:prstGeom>
-              <a:ln>
-                <a:noFill/>
-                <a:prstDash val="solid"/>
-              </a:ln>
-              <a:effectLst>
-                <a:outerShdw blurRad="50800" dist="38100" dir="2700000" algn="tl" rotWithShape="0">
-                  <a:prstClr val="black">
-                    <a:alpha val="40000"/>
-                  </a:prstClr>
-                </a:outerShdw>
-              </a:effectLst>
-            </p:spPr>
-          </p:pic>
-          <p:cxnSp>
-            <p:nvCxnSpPr>
-              <p:cNvPr id="217" name="连接符: 肘形 216">
-                <a:extLst>
-                  <a:ext uri="{FF2B5EF4-FFF2-40B4-BE49-F238E27FC236}">
-                    <a16:creationId xmlns:a16="http://schemas.microsoft.com/office/drawing/2014/main" id="{E301C996-5C5C-7E26-C933-920765F88744}"/>
-                  </a:ext>
-                </a:extLst>
-              </p:cNvPr>
-              <p:cNvCxnSpPr>
-                <a:cxnSpLocks/>
-                <a:stCxn id="207" idx="2"/>
-                <a:endCxn id="211" idx="1"/>
-              </p:cNvCxnSpPr>
-              <p:nvPr/>
-            </p:nvCxnSpPr>
-            <p:spPr>
-              <a:xfrm rot="16200000" flipH="1">
-                <a:off x="6057828" y="6350183"/>
-                <a:ext cx="129412" cy="332356"/>
-              </a:xfrm>
-              <a:prstGeom prst="bentConnector2">
-                <a:avLst/>
-              </a:prstGeom>
-              <a:ln w="22225">
-                <a:solidFill>
-                  <a:schemeClr val="tx1"/>
-                </a:solidFill>
-              </a:ln>
-            </p:spPr>
-            <p:style>
-              <a:lnRef idx="1">
-                <a:schemeClr val="accent1"/>
-              </a:lnRef>
-              <a:fillRef idx="0">
-                <a:schemeClr val="accent1"/>
-              </a:fillRef>
-              <a:effectRef idx="0">
-                <a:schemeClr val="accent1"/>
-              </a:effectRef>
-              <a:fontRef idx="minor">
-                <a:schemeClr val="tx1"/>
-              </a:fontRef>
-            </p:style>
-          </p:cxnSp>
-        </p:grpSp>
-        <p:sp>
-          <p:nvSpPr>
-            <p:cNvPr id="223" name="AutoShape 119">
-              <a:extLst>
-                <a:ext uri="{FF2B5EF4-FFF2-40B4-BE49-F238E27FC236}">
-                  <a16:creationId xmlns:a16="http://schemas.microsoft.com/office/drawing/2014/main" id="{7A5582B4-F4EF-5070-8E6C-498B191DD695}"/>
-                </a:ext>
-              </a:extLst>
-            </p:cNvPr>
-            <p:cNvSpPr/>
-            <p:nvPr/>
-          </p:nvSpPr>
-          <p:spPr>
-            <a:xfrm>
-              <a:off x="3562747" y="6332845"/>
-              <a:ext cx="1484146" cy="253128"/>
-            </a:xfrm>
-            <a:prstGeom prst="rect">
-              <a:avLst/>
-            </a:prstGeom>
-            <a:noFill/>
-            <a:ln w="12700">
-              <a:noFill/>
-              <a:prstDash val="solid"/>
-            </a:ln>
-          </p:spPr>
-          <p:txBody>
-            <a:bodyPr lIns="91440" tIns="45720" rIns="91440" bIns="45720" rtlCol="0" anchor="t">
-              <a:noAutofit/>
-            </a:bodyPr>
-            <a:lstStyle/>
-            <a:p>
-              <a:pPr>
-                <a:defRPr/>
-              </a:pPr>
-              <a:r>
-                <a:rPr lang="en-US" sz="900" dirty="0"/>
-                <a:t>Interactables</a:t>
-              </a:r>
-              <a:endParaRPr lang="en-US" sz="1200" dirty="0"/>
-            </a:p>
-          </p:txBody>
-        </p:sp>
-        <p:sp>
-          <p:nvSpPr>
-            <p:cNvPr id="267" name="AutoShape 119">
-              <a:extLst>
-                <a:ext uri="{FF2B5EF4-FFF2-40B4-BE49-F238E27FC236}">
-                  <a16:creationId xmlns:a16="http://schemas.microsoft.com/office/drawing/2014/main" id="{1293F4BD-560C-D4C3-09DB-72034663940B}"/>
-                </a:ext>
-              </a:extLst>
-            </p:cNvPr>
-            <p:cNvSpPr/>
-            <p:nvPr/>
-          </p:nvSpPr>
-          <p:spPr>
-            <a:xfrm>
-              <a:off x="3145136" y="6111001"/>
-              <a:ext cx="1590390" cy="215899"/>
-            </a:xfrm>
-            <a:prstGeom prst="rect">
-              <a:avLst/>
-            </a:prstGeom>
-            <a:noFill/>
-            <a:ln w="12700">
-              <a:noFill/>
-              <a:prstDash val="solid"/>
-            </a:ln>
-          </p:spPr>
-          <p:txBody>
-            <a:bodyPr lIns="91440" tIns="45720" rIns="91440" bIns="45720" rtlCol="0" anchor="t">
-              <a:noAutofit/>
-            </a:bodyPr>
-            <a:lstStyle/>
-            <a:p>
-              <a:pPr>
-                <a:defRPr/>
-              </a:pPr>
-              <a:r>
-                <a:rPr lang="en-US" sz="900" dirty="0"/>
-                <a:t>Environment</a:t>
-              </a:r>
-              <a:endParaRPr lang="en-US" sz="1200" dirty="0"/>
-            </a:p>
-          </p:txBody>
-        </p:sp>
-        <p:sp>
-          <p:nvSpPr>
-            <p:cNvPr id="268" name="AutoShape 119">
-              <a:extLst>
-                <a:ext uri="{FF2B5EF4-FFF2-40B4-BE49-F238E27FC236}">
-                  <a16:creationId xmlns:a16="http://schemas.microsoft.com/office/drawing/2014/main" id="{9F20133E-2D00-92F4-A9BD-78E89364480C}"/>
-                </a:ext>
-              </a:extLst>
-            </p:cNvPr>
-            <p:cNvSpPr/>
-            <p:nvPr/>
-          </p:nvSpPr>
-          <p:spPr>
-            <a:xfrm>
-              <a:off x="3892336" y="6547446"/>
-              <a:ext cx="809640" cy="253128"/>
-            </a:xfrm>
-            <a:prstGeom prst="rect">
-              <a:avLst/>
-            </a:prstGeom>
-            <a:noFill/>
-            <a:ln w="12700">
-              <a:noFill/>
-              <a:prstDash val="solid"/>
-            </a:ln>
-          </p:spPr>
-          <p:txBody>
-            <a:bodyPr lIns="91440" tIns="45720" rIns="91440" bIns="45720" rtlCol="0" anchor="t">
-              <a:noAutofit/>
-            </a:bodyPr>
-            <a:lstStyle/>
-            <a:p>
-              <a:pPr>
-                <a:defRPr/>
-              </a:pPr>
-              <a:r>
-                <a:rPr lang="en-US" sz="900" dirty="0"/>
-                <a:t>Box</a:t>
-              </a:r>
-              <a:endParaRPr lang="en-US" sz="1200" dirty="0"/>
-            </a:p>
-          </p:txBody>
-        </p:sp>
-      </p:grpSp>
-      <p:grpSp>
-        <p:nvGrpSpPr>
-          <p:cNvPr id="259" name="组合 258">
-            <a:extLst>
-              <a:ext uri="{FF2B5EF4-FFF2-40B4-BE49-F238E27FC236}">
-                <a16:creationId xmlns:a16="http://schemas.microsoft.com/office/drawing/2014/main" id="{D28E1A87-2422-D088-DFCD-F7D5EB7F33CA}"/>
-              </a:ext>
-            </a:extLst>
-          </p:cNvPr>
-          <p:cNvGrpSpPr/>
-          <p:nvPr/>
-        </p:nvGrpSpPr>
-        <p:grpSpPr>
-          <a:xfrm>
-            <a:off x="1843690" y="1850959"/>
-            <a:ext cx="1289150" cy="710715"/>
-            <a:chOff x="201783" y="7309654"/>
-            <a:chExt cx="1185419" cy="429113"/>
-          </a:xfrm>
-        </p:grpSpPr>
-        <p:grpSp>
-          <p:nvGrpSpPr>
-            <p:cNvPr id="258" name="组合 257">
-              <a:extLst>
-                <a:ext uri="{FF2B5EF4-FFF2-40B4-BE49-F238E27FC236}">
-                  <a16:creationId xmlns:a16="http://schemas.microsoft.com/office/drawing/2014/main" id="{C25DF972-C8EB-B422-6BBB-6445B2F4F14A}"/>
-                </a:ext>
-              </a:extLst>
-            </p:cNvPr>
-            <p:cNvGrpSpPr/>
-            <p:nvPr/>
-          </p:nvGrpSpPr>
-          <p:grpSpPr>
-            <a:xfrm>
-              <a:off x="201783" y="7326304"/>
-              <a:ext cx="1157836" cy="412463"/>
-              <a:chOff x="201783" y="7326304"/>
-              <a:chExt cx="1157836" cy="412463"/>
-            </a:xfrm>
-          </p:grpSpPr>
-          <p:sp>
-            <p:nvSpPr>
-              <p:cNvPr id="348" name="AutoShape 115">
-                <a:extLst>
-                  <a:ext uri="{FF2B5EF4-FFF2-40B4-BE49-F238E27FC236}">
-                    <a16:creationId xmlns:a16="http://schemas.microsoft.com/office/drawing/2014/main" id="{855CDF71-8E19-40F0-D035-1AA815038D88}"/>
-                  </a:ext>
-                </a:extLst>
-              </p:cNvPr>
-              <p:cNvSpPr/>
-              <p:nvPr/>
-            </p:nvSpPr>
-            <p:spPr>
-              <a:xfrm>
-                <a:off x="201783" y="7326304"/>
-                <a:ext cx="1157836" cy="412463"/>
-              </a:xfrm>
-              <a:prstGeom prst="roundRect">
-                <a:avLst>
-                  <a:gd name="adj" fmla="val 9090"/>
-                </a:avLst>
-              </a:prstGeom>
-              <a:solidFill>
-                <a:srgbClr val="DEE0E3">
-                  <a:alpha val="20000"/>
-                </a:srgbClr>
-              </a:solidFill>
-              <a:ln w="25400" cap="flat" cmpd="sng">
-                <a:solidFill>
-                  <a:srgbClr val="2B2F36">
-                    <a:alpha val="20000"/>
-                  </a:srgbClr>
-                </a:solidFill>
-                <a:prstDash val="solid"/>
-                <a:round/>
-              </a:ln>
-            </p:spPr>
-            <p:txBody>
-              <a:bodyPr lIns="63500" tIns="63500" rIns="63500" bIns="63500" rtlCol="0" anchor="ctr">
-                <a:noAutofit/>
-              </a:bodyPr>
-              <a:lstStyle/>
-              <a:p>
-                <a:pPr algn="ctr">
-                  <a:defRPr/>
-                </a:pPr>
-                <a:endParaRPr sz="1400" dirty="0"/>
-              </a:p>
-            </p:txBody>
-          </p:sp>
-          <p:pic>
-            <p:nvPicPr>
-              <p:cNvPr id="350" name="Picture 123">
-                <a:extLst>
-                  <a:ext uri="{FF2B5EF4-FFF2-40B4-BE49-F238E27FC236}">
-                    <a16:creationId xmlns:a16="http://schemas.microsoft.com/office/drawing/2014/main" id="{5F335CBE-C642-1672-5AEC-A9A13DDAC6BF}"/>
-                  </a:ext>
-                </a:extLst>
-              </p:cNvPr>
-              <p:cNvPicPr>
-                <a:picLocks noChangeAspect="1"/>
-              </p:cNvPicPr>
-              <p:nvPr/>
-            </p:nvPicPr>
-            <p:blipFill>
-              <a:blip r:embed="rId5"/>
-              <a:stretch>
-                <a:fillRect/>
-              </a:stretch>
-            </p:blipFill>
-            <p:spPr>
-              <a:xfrm>
-                <a:off x="384931" y="7530259"/>
-                <a:ext cx="248964" cy="176862"/>
-              </a:xfrm>
-              <a:prstGeom prst="roundRect">
-                <a:avLst>
-                  <a:gd name="adj" fmla="val 10768"/>
-                </a:avLst>
-              </a:prstGeom>
-              <a:ln>
-                <a:noFill/>
-                <a:prstDash val="solid"/>
-              </a:ln>
-            </p:spPr>
-          </p:pic>
-          <p:pic>
-            <p:nvPicPr>
-              <p:cNvPr id="352" name="Picture 122">
-                <a:extLst>
-                  <a:ext uri="{FF2B5EF4-FFF2-40B4-BE49-F238E27FC236}">
-                    <a16:creationId xmlns:a16="http://schemas.microsoft.com/office/drawing/2014/main" id="{F2098F1F-04F1-A9C0-18DE-9F55A9850408}"/>
-                  </a:ext>
-                </a:extLst>
-              </p:cNvPr>
-              <p:cNvPicPr>
-                <a:picLocks noChangeAspect="1"/>
-              </p:cNvPicPr>
-              <p:nvPr/>
-            </p:nvPicPr>
-            <p:blipFill>
-              <a:blip r:embed="rId7"/>
-              <a:stretch>
-                <a:fillRect/>
-              </a:stretch>
-            </p:blipFill>
-            <p:spPr>
-              <a:xfrm>
-                <a:off x="633895" y="7532846"/>
-                <a:ext cx="244045" cy="174940"/>
-              </a:xfrm>
-              <a:prstGeom prst="rect">
-                <a:avLst/>
-              </a:prstGeom>
-              <a:ln>
-                <a:noFill/>
-                <a:prstDash val="solid"/>
-              </a:ln>
-            </p:spPr>
-          </p:pic>
-        </p:grpSp>
-        <p:sp>
-          <p:nvSpPr>
-            <p:cNvPr id="355" name="AutoShape 29">
-              <a:extLst>
-                <a:ext uri="{FF2B5EF4-FFF2-40B4-BE49-F238E27FC236}">
-                  <a16:creationId xmlns:a16="http://schemas.microsoft.com/office/drawing/2014/main" id="{262866A7-482F-E818-5A3A-C3169C6D9860}"/>
-                </a:ext>
-              </a:extLst>
-            </p:cNvPr>
-            <p:cNvSpPr/>
-            <p:nvPr/>
-          </p:nvSpPr>
-          <p:spPr>
-            <a:xfrm>
-              <a:off x="228005" y="7309654"/>
-              <a:ext cx="1159197" cy="233277"/>
-            </a:xfrm>
-            <a:prstGeom prst="rect">
-              <a:avLst/>
-            </a:prstGeom>
-            <a:noFill/>
-            <a:ln w="12700">
-              <a:noFill/>
-              <a:prstDash val="solid"/>
-            </a:ln>
-          </p:spPr>
-          <p:txBody>
-            <a:bodyPr lIns="0" tIns="0" rIns="0" bIns="0" rtlCol="0" anchor="ctr">
-              <a:noAutofit/>
-            </a:bodyPr>
-            <a:lstStyle/>
-            <a:p>
-              <a:pPr>
-                <a:defRPr/>
-              </a:pPr>
-              <a:r>
-                <a:rPr lang="en-US" sz="1000" dirty="0">
-                  <a:solidFill>
-                    <a:srgbClr val="1F2329"/>
-                  </a:solidFill>
-                </a:rPr>
-                <a:t>Core Logic Code &amp; Third Plugin Analysis</a:t>
-              </a:r>
-              <a:endParaRPr lang="en-US" sz="1000" dirty="0"/>
-            </a:p>
-          </p:txBody>
-        </p:sp>
+        </p:pic>
       </p:grpSp>
       <p:graphicFrame>
         <p:nvGraphicFramePr>
@@ -17910,13 +16163,13 @@
           <p:nvPr>
             <p:extLst>
               <p:ext uri="{D42A27DB-BD31-4B8C-83A1-F6EECF244321}">
-                <p14:modId xmlns:p14="http://schemas.microsoft.com/office/powerpoint/2010/main" val="976347014"/>
+                <p14:modId xmlns:p14="http://schemas.microsoft.com/office/powerpoint/2010/main" val="2988621660"/>
               </p:ext>
             </p:extLst>
           </p:nvPr>
         </p:nvGraphicFramePr>
         <p:xfrm>
-          <a:off x="1762178" y="5017273"/>
+          <a:off x="-2579208" y="4657217"/>
           <a:ext cx="1204349" cy="798634"/>
         </p:xfrm>
         <a:graphic>
@@ -18071,7 +16324,7 @@
         </p:nvSpPr>
         <p:spPr>
           <a:xfrm>
-            <a:off x="412974" y="3039528"/>
+            <a:off x="432127" y="4272821"/>
             <a:ext cx="2780079" cy="335688"/>
           </a:xfrm>
           <a:prstGeom prst="rect">
@@ -18093,7 +16346,7 @@
               <a:defRPr/>
             </a:pPr>
             <a:r>
-              <a:rPr lang="en-US" sz="1800" b="1" dirty="0">
+              <a:rPr lang="en-US" sz="1600" b="1" dirty="0">
                 <a:solidFill>
                   <a:srgbClr val="1F2329"/>
                 </a:solidFill>
@@ -18101,16 +16354,21 @@
               <a:t>Model Abstraction </a:t>
             </a:r>
             <a:r>
-              <a:rPr lang="en-US" altLang="zh-CN" sz="1800" dirty="0"/>
-              <a:t>(§</a:t>
+              <a:rPr lang="en-US" altLang="zh-CN" sz="1400" dirty="0">
+                <a:latin typeface="Times New Roman" panose="02020603050405020304" pitchFamily="18" charset="0"/>
+                <a:cs typeface="Times New Roman" panose="02020603050405020304" pitchFamily="18" charset="0"/>
+              </a:rPr>
+              <a:t>(§ </a:t>
             </a:r>
             <a:r>
-              <a:rPr lang="en-US" altLang="zh-CN" sz="1800" dirty="0">
+              <a:rPr lang="en-US" altLang="zh-CN" sz="1400" dirty="0">
                 <a:solidFill>
                   <a:srgbClr val="FF0000"/>
                 </a:solidFill>
+                <a:latin typeface="Times New Roman" panose="02020603050405020304" pitchFamily="18" charset="0"/>
+                <a:cs typeface="Times New Roman" panose="02020603050405020304" pitchFamily="18" charset="0"/>
               </a:rPr>
-              <a:t>3.2</a:t>
+              <a:t>III-B</a:t>
             </a:r>
             <a:r>
               <a:rPr lang="en-US" altLang="zh-CN" sz="1800" dirty="0"/>
@@ -18134,8 +16392,8 @@
         </p:nvSpPr>
         <p:spPr>
           <a:xfrm>
-            <a:off x="105648" y="3009616"/>
-            <a:ext cx="3096453" cy="3012019"/>
+            <a:off x="124343" y="4264220"/>
+            <a:ext cx="3087863" cy="1404214"/>
           </a:xfrm>
           <a:prstGeom prst="roundRect">
             <a:avLst>
@@ -18179,7 +16437,7 @@
         </p:nvGrpSpPr>
         <p:grpSpPr>
           <a:xfrm>
-            <a:off x="390055" y="4741864"/>
+            <a:off x="-3951331" y="4381808"/>
             <a:ext cx="2032284" cy="1033849"/>
             <a:chOff x="493141" y="5212803"/>
             <a:chExt cx="2032285" cy="1033849"/>
@@ -19046,7 +17304,7 @@
         </p:nvGrpSpPr>
         <p:grpSpPr>
           <a:xfrm>
-            <a:off x="180668" y="3444429"/>
+            <a:off x="-4110362" y="5455851"/>
             <a:ext cx="2937363" cy="1173619"/>
             <a:chOff x="205591" y="4062081"/>
             <a:chExt cx="2937363" cy="1173619"/>
@@ -19772,7 +18030,7 @@
         </p:nvSpPr>
         <p:spPr>
           <a:xfrm>
-            <a:off x="188027" y="3071228"/>
+            <a:off x="208751" y="4328290"/>
             <a:ext cx="292100" cy="280219"/>
           </a:xfrm>
           <a:prstGeom prst="ellipse">
@@ -19825,7 +18083,7 @@
         </p:nvSpPr>
         <p:spPr>
           <a:xfrm>
-            <a:off x="3562197" y="121202"/>
+            <a:off x="3447090" y="3217911"/>
             <a:ext cx="292100" cy="280219"/>
           </a:xfrm>
           <a:prstGeom prst="ellipse">
@@ -19878,7 +18136,7 @@
         </p:nvSpPr>
         <p:spPr>
           <a:xfrm>
-            <a:off x="3559794" y="4740728"/>
+            <a:off x="3398454" y="1698843"/>
             <a:ext cx="3607896" cy="674565"/>
           </a:xfrm>
           <a:prstGeom prst="rect">
@@ -19927,7 +18185,7 @@
         </p:nvSpPr>
         <p:spPr>
           <a:xfrm>
-            <a:off x="3559392" y="3981977"/>
+            <a:off x="3398052" y="940092"/>
             <a:ext cx="3607896" cy="658987"/>
           </a:xfrm>
           <a:prstGeom prst="rect">
@@ -19976,7 +18234,7 @@
         </p:nvSpPr>
         <p:spPr>
           <a:xfrm>
-            <a:off x="4824899" y="4034509"/>
+            <a:off x="4663559" y="992624"/>
             <a:ext cx="1016853" cy="180000"/>
           </a:xfrm>
           <a:prstGeom prst="roundRect">
@@ -20054,7 +18312,7 @@
         </p:nvSpPr>
         <p:spPr>
           <a:xfrm>
-            <a:off x="4142631" y="4364573"/>
+            <a:off x="3981291" y="1322688"/>
             <a:ext cx="1016853" cy="180000"/>
           </a:xfrm>
           <a:prstGeom prst="roundRect">
@@ -20132,7 +18390,7 @@
         </p:nvSpPr>
         <p:spPr>
           <a:xfrm>
-            <a:off x="5488961" y="4365750"/>
+            <a:off x="5327621" y="1323865"/>
             <a:ext cx="1155013" cy="180000"/>
           </a:xfrm>
           <a:prstGeom prst="roundRect">
@@ -20210,7 +18468,7 @@
         </p:nvSpPr>
         <p:spPr>
           <a:xfrm>
-            <a:off x="5036575" y="4160390"/>
+            <a:off x="4489278" y="1124409"/>
             <a:ext cx="573466" cy="256931"/>
           </a:xfrm>
           <a:prstGeom prst="rect">
@@ -20268,7 +18526,7 @@
         </p:nvCxnSpPr>
         <p:spPr>
           <a:xfrm rot="5400000" flipH="1" flipV="1">
-            <a:off x="4617943" y="4157624"/>
+            <a:off x="4456603" y="1115739"/>
             <a:ext cx="240064" cy="173841"/>
           </a:xfrm>
           <a:prstGeom prst="curvedConnector2">
@@ -20304,7 +18562,7 @@
         </p:nvCxnSpPr>
         <p:spPr>
           <a:xfrm rot="16200000" flipV="1">
-            <a:off x="5833490" y="4132772"/>
+            <a:off x="5672150" y="1090887"/>
             <a:ext cx="241241" cy="224716"/>
           </a:xfrm>
           <a:prstGeom prst="curvedConnector2">
@@ -20336,7 +18594,7 @@
         </p:nvSpPr>
         <p:spPr>
           <a:xfrm>
-            <a:off x="4817240" y="4776933"/>
+            <a:off x="4655900" y="1735048"/>
             <a:ext cx="1016853" cy="180000"/>
           </a:xfrm>
           <a:prstGeom prst="roundRect">
@@ -20414,7 +18672,7 @@
         </p:nvSpPr>
         <p:spPr>
           <a:xfrm>
-            <a:off x="3882412" y="5148701"/>
+            <a:off x="3721072" y="2106816"/>
             <a:ext cx="1290461" cy="180000"/>
           </a:xfrm>
           <a:prstGeom prst="roundRect">
@@ -20492,7 +18750,7 @@
         </p:nvSpPr>
         <p:spPr>
           <a:xfrm>
-            <a:off x="5472028" y="5148701"/>
+            <a:off x="5310688" y="2106816"/>
             <a:ext cx="1375593" cy="180000"/>
           </a:xfrm>
           <a:prstGeom prst="roundRect">
@@ -20570,7 +18828,7 @@
         </p:nvSpPr>
         <p:spPr>
           <a:xfrm>
-            <a:off x="5055328" y="4938990"/>
+            <a:off x="4411493" y="1886125"/>
             <a:ext cx="573466" cy="256931"/>
           </a:xfrm>
           <a:prstGeom prst="rect">
@@ -20628,7 +18886,7 @@
         </p:nvCxnSpPr>
         <p:spPr>
           <a:xfrm rot="5400000" flipH="1" flipV="1">
-            <a:off x="4531554" y="4863022"/>
+            <a:off x="4370214" y="1821137"/>
             <a:ext cx="281768" cy="289597"/>
           </a:xfrm>
           <a:prstGeom prst="curvedConnector2">
@@ -20664,7 +18922,7 @@
         </p:nvCxnSpPr>
         <p:spPr>
           <a:xfrm rot="16200000" flipV="1">
-            <a:off x="5856072" y="4844951"/>
+            <a:off x="5694732" y="1803066"/>
             <a:ext cx="281768" cy="325732"/>
           </a:xfrm>
           <a:prstGeom prst="curvedConnector2">
@@ -20700,7 +18958,7 @@
         </p:nvCxnSpPr>
         <p:spPr>
           <a:xfrm rot="10800000" flipV="1">
-            <a:off x="3882413" y="4454573"/>
+            <a:off x="3721073" y="1412688"/>
             <a:ext cx="260219" cy="784128"/>
           </a:xfrm>
           <a:prstGeom prst="curvedConnector3">
@@ -20738,7 +18996,7 @@
         </p:nvCxnSpPr>
         <p:spPr>
           <a:xfrm>
-            <a:off x="6643974" y="4455753"/>
+            <a:off x="6482634" y="1413868"/>
             <a:ext cx="203647" cy="782951"/>
           </a:xfrm>
           <a:prstGeom prst="curvedConnector3">
@@ -20772,7 +19030,7 @@
         </p:nvSpPr>
         <p:spPr>
           <a:xfrm>
-            <a:off x="3670554" y="4750288"/>
+            <a:off x="3509214" y="1708403"/>
             <a:ext cx="693736" cy="256931"/>
           </a:xfrm>
           <a:prstGeom prst="rect">
@@ -20826,7 +19084,7 @@
         </p:nvSpPr>
         <p:spPr>
           <a:xfrm>
-            <a:off x="6444649" y="4724771"/>
+            <a:off x="6283309" y="1682886"/>
             <a:ext cx="690374" cy="256931"/>
           </a:xfrm>
           <a:prstGeom prst="rect">
@@ -20880,7 +19138,7 @@
         </p:nvGrpSpPr>
         <p:grpSpPr>
           <a:xfrm>
-            <a:off x="3410247" y="3104239"/>
+            <a:off x="3248901" y="69122"/>
             <a:ext cx="3894239" cy="2400933"/>
             <a:chOff x="3488650" y="3452122"/>
             <a:chExt cx="3894239" cy="2400933"/>
@@ -21088,8 +19346,8 @@
           </p:nvSpPr>
           <p:spPr>
             <a:xfrm>
-              <a:off x="3608528" y="3515611"/>
-              <a:ext cx="3139182" cy="266700"/>
+              <a:off x="3960820" y="3515611"/>
+              <a:ext cx="2786889" cy="266700"/>
             </a:xfrm>
             <a:prstGeom prst="rect">
               <a:avLst/>
@@ -21106,7 +19364,7 @@
             </a:bodyPr>
             <a:lstStyle/>
             <a:p>
-              <a:pPr algn="ctr">
+              <a:pPr>
                 <a:lnSpc>
                   <a:spcPct val="125000"/>
                 </a:lnSpc>
@@ -21122,18 +19380,27 @@
               </a:r>
               <a:r>
                 <a:rPr lang="en-US" altLang="zh-CN" sz="1800" dirty="0"/>
-                <a:t> (§</a:t>
+                <a:t> </a:t>
               </a:r>
               <a:r>
-                <a:rPr lang="en-US" altLang="zh-CN" sz="1800" dirty="0">
+                <a:rPr lang="en-US" altLang="zh-CN" sz="1600" dirty="0">
+                  <a:latin typeface="Times New Roman" panose="02020603050405020304" pitchFamily="18" charset="0"/>
+                  <a:cs typeface="Times New Roman" panose="02020603050405020304" pitchFamily="18" charset="0"/>
+                </a:rPr>
+                <a:t>(§ </a:t>
+              </a:r>
+              <a:r>
+                <a:rPr lang="en-US" altLang="zh-CN" sz="1600" dirty="0">
                   <a:solidFill>
                     <a:srgbClr val="FF0000"/>
                   </a:solidFill>
+                  <a:latin typeface="Times New Roman" panose="02020603050405020304" pitchFamily="18" charset="0"/>
+                  <a:cs typeface="Times New Roman" panose="02020603050405020304" pitchFamily="18" charset="0"/>
                 </a:rPr>
-                <a:t>3.3</a:t>
+                <a:t>III-C</a:t>
               </a:r>
               <a:r>
-                <a:rPr lang="en-US" altLang="zh-CN" sz="1800" dirty="0"/>
+                <a:rPr lang="en-US" altLang="zh-CN" sz="1600" dirty="0"/>
                 <a:t>) </a:t>
               </a:r>
               <a:endParaRPr lang="en-US" sz="1800" dirty="0"/>
@@ -21208,7 +19475,7 @@
         </p:nvSpPr>
         <p:spPr>
           <a:xfrm>
-            <a:off x="8768372" y="2192717"/>
+            <a:off x="8715641" y="4083484"/>
             <a:ext cx="1286061" cy="264716"/>
           </a:xfrm>
           <a:prstGeom prst="rect">
@@ -21243,7 +19510,7 @@
         </p:nvSpPr>
         <p:spPr>
           <a:xfrm>
-            <a:off x="3963684" y="1530722"/>
+            <a:off x="3555447" y="4635397"/>
             <a:ext cx="860063" cy="239218"/>
           </a:xfrm>
           <a:prstGeom prst="rect">
@@ -21294,7 +19561,7 @@
         </p:nvGrpSpPr>
         <p:grpSpPr>
           <a:xfrm>
-            <a:off x="7702072" y="2437423"/>
+            <a:off x="7649341" y="4328190"/>
             <a:ext cx="1547419" cy="290428"/>
             <a:chOff x="4384241" y="5275402"/>
             <a:chExt cx="1601074" cy="348132"/>
@@ -21427,7 +19694,7 @@
         </p:nvGrpSpPr>
         <p:grpSpPr>
           <a:xfrm>
-            <a:off x="9320143" y="2432306"/>
+            <a:off x="9267412" y="4323073"/>
             <a:ext cx="1468649" cy="493708"/>
             <a:chOff x="4410595" y="5275397"/>
             <a:chExt cx="1601074" cy="352537"/>
@@ -21577,8 +19844,8 @@
         </p:nvSpPr>
         <p:spPr>
           <a:xfrm rot="16200000" flipV="1">
-            <a:off x="10155943" y="1578346"/>
-            <a:ext cx="1860845" cy="452741"/>
+            <a:off x="10078989" y="3493335"/>
+            <a:ext cx="1860845" cy="404296"/>
           </a:xfrm>
           <a:prstGeom prst="uturnArrow">
             <a:avLst>
@@ -21631,7 +19898,7 @@
         </p:nvSpPr>
         <p:spPr>
           <a:xfrm rot="5400000">
-            <a:off x="10436534" y="1664394"/>
+            <a:off x="10348216" y="3556700"/>
             <a:ext cx="1168335" cy="352954"/>
           </a:xfrm>
           <a:prstGeom prst="rect">
@@ -21675,7 +19942,7 @@
         </p:nvCxnSpPr>
         <p:spPr>
           <a:xfrm rot="5400000">
-            <a:off x="8803149" y="1713771"/>
+            <a:off x="8750418" y="3604538"/>
             <a:ext cx="400840" cy="1055579"/>
           </a:xfrm>
           <a:prstGeom prst="curvedConnector3">
@@ -21713,7 +19980,7 @@
         </p:nvCxnSpPr>
         <p:spPr>
           <a:xfrm rot="16200000" flipH="1">
-            <a:off x="9590423" y="1982077"/>
+            <a:off x="9537692" y="3872844"/>
             <a:ext cx="404983" cy="523107"/>
           </a:xfrm>
           <a:prstGeom prst="curvedConnector3">
@@ -21747,7 +20014,7 @@
         </p:nvGrpSpPr>
         <p:grpSpPr>
           <a:xfrm>
-            <a:off x="9761963" y="3007806"/>
+            <a:off x="9709232" y="4898573"/>
             <a:ext cx="1111560" cy="436625"/>
             <a:chOff x="4754975" y="6385862"/>
             <a:chExt cx="3263907" cy="512405"/>
@@ -21873,15 +20140,14 @@
           </p:cNvPr>
           <p:cNvCxnSpPr>
             <a:cxnSpLocks/>
-            <a:stCxn id="34" idx="2"/>
             <a:endCxn id="51" idx="0"/>
           </p:cNvCxnSpPr>
           <p:nvPr/>
         </p:nvCxnSpPr>
         <p:spPr>
           <a:xfrm flipH="1">
-            <a:off x="9701065" y="3444428"/>
-            <a:ext cx="594196" cy="208594"/>
+            <a:off x="-3506590" y="2458349"/>
+            <a:ext cx="316088" cy="367498"/>
           </a:xfrm>
           <a:prstGeom prst="line">
             <a:avLst/>
@@ -21910,82 +20176,6 @@
           </a:fontRef>
         </p:style>
       </p:cxnSp>
-      <p:sp>
-        <p:nvSpPr>
-          <p:cNvPr id="159" name="文本框 158">
-            <a:extLst>
-              <a:ext uri="{FF2B5EF4-FFF2-40B4-BE49-F238E27FC236}">
-                <a16:creationId xmlns:a16="http://schemas.microsoft.com/office/drawing/2014/main" id="{CE90E1EA-2DB5-BD5C-93BE-D5D1BCB5854B}"/>
-              </a:ext>
-            </a:extLst>
-          </p:cNvPr>
-          <p:cNvSpPr txBox="1"/>
-          <p:nvPr/>
-        </p:nvSpPr>
-        <p:spPr>
-          <a:xfrm>
-            <a:off x="8472245" y="3398892"/>
-            <a:ext cx="1638140" cy="264716"/>
-          </a:xfrm>
-          <a:prstGeom prst="rect">
-            <a:avLst/>
-          </a:prstGeom>
-          <a:noFill/>
-        </p:spPr>
-        <p:txBody>
-          <a:bodyPr wrap="square" rtlCol="0">
-            <a:spAutoFit/>
-          </a:bodyPr>
-          <a:lstStyle/>
-          <a:p>
-            <a:r>
-              <a:rPr lang="en-US" altLang="zh-CN" sz="1100" dirty="0"/>
-              <a:t>Example Task Model</a:t>
-            </a:r>
-          </a:p>
-        </p:txBody>
-      </p:sp>
-      <p:cxnSp>
-        <p:nvCxnSpPr>
-          <p:cNvPr id="238" name="直接箭头连接符 237">
-            <a:extLst>
-              <a:ext uri="{FF2B5EF4-FFF2-40B4-BE49-F238E27FC236}">
-                <a16:creationId xmlns:a16="http://schemas.microsoft.com/office/drawing/2014/main" id="{AF55C9DD-19D1-A955-ABAC-CC56500E0986}"/>
-              </a:ext>
-            </a:extLst>
-          </p:cNvPr>
-          <p:cNvCxnSpPr>
-            <a:cxnSpLocks/>
-          </p:cNvCxnSpPr>
-          <p:nvPr/>
-        </p:nvCxnSpPr>
-        <p:spPr>
-          <a:xfrm>
-            <a:off x="780947" y="2647687"/>
-            <a:ext cx="0" cy="354243"/>
-          </a:xfrm>
-          <a:prstGeom prst="straightConnector1">
-            <a:avLst/>
-          </a:prstGeom>
-          <a:ln w="31750">
-            <a:tailEnd type="triangle"/>
-          </a:ln>
-        </p:spPr>
-        <p:style>
-          <a:lnRef idx="1">
-            <a:schemeClr val="dk1"/>
-          </a:lnRef>
-          <a:fillRef idx="0">
-            <a:schemeClr val="dk1"/>
-          </a:fillRef>
-          <a:effectRef idx="0">
-            <a:schemeClr val="dk1"/>
-          </a:effectRef>
-          <a:fontRef idx="minor">
-            <a:schemeClr val="tx1"/>
-          </a:fontRef>
-        </p:style>
-      </p:cxnSp>
       <p:cxnSp>
         <p:nvCxnSpPr>
           <p:cNvPr id="201" name="连接符: 曲线 200">
@@ -22004,7 +20194,7 @@
         </p:nvCxnSpPr>
         <p:spPr>
           <a:xfrm rot="5400000" flipH="1" flipV="1">
-            <a:off x="4089049" y="5328826"/>
+            <a:off x="3927709" y="2286941"/>
             <a:ext cx="438719" cy="438470"/>
           </a:xfrm>
           <a:prstGeom prst="curvedConnector3">
@@ -22042,7 +20232,7 @@
         </p:nvCxnSpPr>
         <p:spPr>
           <a:xfrm rot="16200000" flipV="1">
-            <a:off x="6159957" y="5328566"/>
+            <a:off x="5998617" y="2286681"/>
             <a:ext cx="464316" cy="464586"/>
           </a:xfrm>
           <a:prstGeom prst="curvedConnector3">
@@ -22081,7 +20271,7 @@
         </p:nvCxnSpPr>
         <p:spPr>
           <a:xfrm rot="5400000" flipH="1" flipV="1">
-            <a:off x="5546550" y="5172219"/>
+            <a:off x="5385210" y="2130334"/>
             <a:ext cx="456789" cy="769761"/>
           </a:xfrm>
           <a:prstGeom prst="curvedConnector3">
@@ -22125,7 +20315,7 @@
         </p:blipFill>
         <p:spPr>
           <a:xfrm>
-            <a:off x="2124389" y="1329416"/>
+            <a:off x="2045513" y="1097795"/>
             <a:ext cx="131895" cy="134817"/>
           </a:xfrm>
           <a:prstGeom prst="rect">
@@ -22150,8 +20340,8 @@
           <p:nvPr/>
         </p:nvSpPr>
         <p:spPr>
-          <a:xfrm rot="3969963">
-            <a:off x="1535836" y="1404253"/>
+          <a:xfrm rot="2775143">
+            <a:off x="1570048" y="1091772"/>
             <a:ext cx="188109" cy="249873"/>
           </a:xfrm>
           <a:prstGeom prst="downArrow">
@@ -22202,9 +20392,9 @@
           <p:nvPr/>
         </p:nvSpPr>
         <p:spPr>
-          <a:xfrm rot="17300012">
-            <a:off x="1547749" y="1745451"/>
-            <a:ext cx="188109" cy="249873"/>
+          <a:xfrm>
+            <a:off x="638919" y="2626230"/>
+            <a:ext cx="136134" cy="159836"/>
           </a:xfrm>
           <a:prstGeom prst="downArrow">
             <a:avLst>
@@ -22243,49 +20433,6 @@
       </p:sp>
       <p:sp>
         <p:nvSpPr>
-          <p:cNvPr id="50" name="AutoShape 15">
-            <a:extLst>
-              <a:ext uri="{FF2B5EF4-FFF2-40B4-BE49-F238E27FC236}">
-                <a16:creationId xmlns:a16="http://schemas.microsoft.com/office/drawing/2014/main" id="{3DEE719F-58C1-E218-3230-4CE2EF87A1C1}"/>
-              </a:ext>
-            </a:extLst>
-          </p:cNvPr>
-          <p:cNvSpPr/>
-          <p:nvPr/>
-        </p:nvSpPr>
-        <p:spPr>
-          <a:xfrm>
-            <a:off x="248395" y="1311093"/>
-            <a:ext cx="1372208" cy="257159"/>
-          </a:xfrm>
-          <a:prstGeom prst="rect">
-            <a:avLst/>
-          </a:prstGeom>
-          <a:noFill/>
-          <a:ln w="12700">
-            <a:noFill/>
-            <a:prstDash val="solid"/>
-          </a:ln>
-        </p:spPr>
-        <p:txBody>
-          <a:bodyPr lIns="91440" tIns="45720" rIns="91440" bIns="45720" rtlCol="0" anchor="t">
-            <a:noAutofit/>
-          </a:bodyPr>
-          <a:lstStyle/>
-          <a:p>
-            <a:pPr>
-              <a:defRPr/>
-            </a:pPr>
-            <a:r>
-              <a:rPr lang="en-US" altLang="zh-CN" sz="1050" dirty="0"/>
-              <a:t>Hierarchy Analysis</a:t>
-            </a:r>
-            <a:endParaRPr lang="en-US" sz="1000" dirty="0"/>
-          </a:p>
-        </p:txBody>
-      </p:sp>
-      <p:sp>
-        <p:nvSpPr>
           <p:cNvPr id="52" name="AutoShape 15">
             <a:extLst>
               <a:ext uri="{FF2B5EF4-FFF2-40B4-BE49-F238E27FC236}">
@@ -22298,8 +20445,8 @@
         </p:nvSpPr>
         <p:spPr>
           <a:xfrm>
-            <a:off x="1700810" y="1610766"/>
-            <a:ext cx="1199870" cy="273040"/>
+            <a:off x="732902" y="2577568"/>
+            <a:ext cx="1498342" cy="257159"/>
           </a:xfrm>
           <a:prstGeom prst="rect">
             <a:avLst/>
@@ -22321,7 +20468,7 @@
             </a:pPr>
             <a:r>
               <a:rPr lang="en-US" altLang="zh-CN" sz="1050" dirty="0"/>
-              <a:t>Code Analysis</a:t>
+              <a:t>Dynamic Analysis</a:t>
             </a:r>
             <a:endParaRPr lang="en-US" sz="1000" dirty="0"/>
           </a:p>
@@ -22341,8 +20488,8 @@
         </p:nvSpPr>
         <p:spPr>
           <a:xfrm>
-            <a:off x="1081012" y="2595203"/>
-            <a:ext cx="1354996" cy="430887"/>
+            <a:off x="1719589" y="4706897"/>
+            <a:ext cx="1445639" cy="400110"/>
           </a:xfrm>
           <a:prstGeom prst="rect">
             <a:avLst/>
@@ -22357,93 +20504,947 @@
           <a:p>
             <a:pPr algn="ctr"/>
             <a:r>
-              <a:rPr lang="zh-CN" altLang="en-US" sz="1100" dirty="0"/>
-              <a:t>extract the </a:t>
+              <a:rPr lang="en-US" altLang="zh-CN" sz="1000" dirty="0"/>
+              <a:t>Researchers </a:t>
             </a:r>
-            <a:endParaRPr lang="en-US" altLang="zh-CN" sz="1100" dirty="0"/>
+            <a:r>
+              <a:rPr lang="zh-CN" altLang="en-US" sz="1000" dirty="0"/>
+              <a:t>extract</a:t>
+            </a:r>
+            <a:r>
+              <a:rPr lang="en-US" altLang="zh-CN" sz="1000" dirty="0"/>
+              <a:t> </a:t>
+            </a:r>
           </a:p>
           <a:p>
             <a:pPr algn="ctr"/>
             <a:r>
-              <a:rPr lang="zh-CN" altLang="en-US" sz="1100" dirty="0"/>
-              <a:t>abstraction model</a:t>
+              <a:rPr lang="en-US" altLang="zh-CN" sz="1000" dirty="0"/>
+              <a:t>the abstraction</a:t>
             </a:r>
+            <a:r>
+              <a:rPr lang="zh-CN" altLang="en-US" sz="1000" dirty="0"/>
+              <a:t> </a:t>
+            </a:r>
+            <a:r>
+              <a:rPr lang="en-US" altLang="zh-CN" sz="1000" dirty="0"/>
+              <a:t>model </a:t>
+            </a:r>
+            <a:endParaRPr lang="zh-CN" altLang="en-US" sz="1000" dirty="0"/>
           </a:p>
         </p:txBody>
       </p:sp>
-      <p:pic>
-        <p:nvPicPr>
-          <p:cNvPr id="250" name="图片 249">
+      <p:grpSp>
+        <p:nvGrpSpPr>
+          <p:cNvPr id="26" name="组合 25">
             <a:extLst>
               <a:ext uri="{FF2B5EF4-FFF2-40B4-BE49-F238E27FC236}">
-                <a16:creationId xmlns:a16="http://schemas.microsoft.com/office/drawing/2014/main" id="{8EF70654-511C-15CC-1985-DE41D21DAB5F}"/>
+                <a16:creationId xmlns:a16="http://schemas.microsoft.com/office/drawing/2014/main" id="{0B49D880-D4AC-860B-BC8C-165C055EA836}"/>
               </a:ext>
             </a:extLst>
           </p:cNvPr>
-          <p:cNvPicPr>
-            <a:picLocks noChangeAspect="1"/>
-          </p:cNvPicPr>
+          <p:cNvGrpSpPr/>
           <p:nvPr/>
-        </p:nvPicPr>
-        <p:blipFill>
-          <a:blip r:embed="rId14"/>
-          <a:stretch>
-            <a:fillRect/>
-          </a:stretch>
-        </p:blipFill>
-        <p:spPr>
+        </p:nvGrpSpPr>
+        <p:grpSpPr>
           <a:xfrm>
-            <a:off x="10202770" y="5762692"/>
-            <a:ext cx="231879" cy="231879"/>
+            <a:off x="7444992" y="391946"/>
+            <a:ext cx="4221687" cy="810713"/>
+            <a:chOff x="7703509" y="8286925"/>
+            <a:chExt cx="4221687" cy="810713"/>
           </a:xfrm>
-          <a:prstGeom prst="rect">
-            <a:avLst/>
-          </a:prstGeom>
-        </p:spPr>
-      </p:pic>
-      <p:sp>
-        <p:nvSpPr>
-          <p:cNvPr id="254" name="AutoShape 44">
-            <a:extLst>
-              <a:ext uri="{FF2B5EF4-FFF2-40B4-BE49-F238E27FC236}">
-                <a16:creationId xmlns:a16="http://schemas.microsoft.com/office/drawing/2014/main" id="{0478B795-1199-532E-EC36-1FDB39E4C793}"/>
-              </a:ext>
-            </a:extLst>
-          </p:cNvPr>
-          <p:cNvSpPr/>
-          <p:nvPr/>
-        </p:nvSpPr>
-        <p:spPr>
-          <a:xfrm>
-            <a:off x="10369497" y="5740571"/>
-            <a:ext cx="1038093" cy="254000"/>
-          </a:xfrm>
-          <a:prstGeom prst="rect">
-            <a:avLst/>
-          </a:prstGeom>
-          <a:noFill/>
-          <a:ln w="12700">
+        </p:grpSpPr>
+        <p:grpSp>
+          <p:nvGrpSpPr>
+            <p:cNvPr id="247" name="组合 246">
+              <a:extLst>
+                <a:ext uri="{FF2B5EF4-FFF2-40B4-BE49-F238E27FC236}">
+                  <a16:creationId xmlns:a16="http://schemas.microsoft.com/office/drawing/2014/main" id="{469FDF72-A37C-D250-DBF8-BEAD934C5DF5}"/>
+                </a:ext>
+              </a:extLst>
+            </p:cNvPr>
+            <p:cNvGrpSpPr/>
+            <p:nvPr/>
+          </p:nvGrpSpPr>
+          <p:grpSpPr>
+            <a:xfrm>
+              <a:off x="7703509" y="8286925"/>
+              <a:ext cx="4221687" cy="810713"/>
+              <a:chOff x="7659350" y="5399121"/>
+              <a:chExt cx="4221687" cy="810713"/>
+            </a:xfrm>
+          </p:grpSpPr>
+          <p:sp>
+            <p:nvSpPr>
+              <p:cNvPr id="274" name="AutoShape 34">
+                <a:extLst>
+                  <a:ext uri="{FF2B5EF4-FFF2-40B4-BE49-F238E27FC236}">
+                    <a16:creationId xmlns:a16="http://schemas.microsoft.com/office/drawing/2014/main" id="{19A3580A-56B3-6C16-5F64-FB18DE9881D8}"/>
+                  </a:ext>
+                </a:extLst>
+              </p:cNvPr>
+              <p:cNvSpPr/>
+              <p:nvPr/>
+            </p:nvSpPr>
+            <p:spPr>
+              <a:xfrm>
+                <a:off x="7659350" y="5399121"/>
+                <a:ext cx="4221687" cy="810713"/>
+              </a:xfrm>
+              <a:prstGeom prst="roundRect">
+                <a:avLst>
+                  <a:gd name="adj" fmla="val 0"/>
+                </a:avLst>
+              </a:prstGeom>
+              <a:noFill/>
+              <a:ln w="12700" cap="flat" cmpd="sng">
+                <a:solidFill>
+                  <a:srgbClr val="2B2F36">
+                    <a:alpha val="100000"/>
+                  </a:srgbClr>
+                </a:solidFill>
+                <a:prstDash val="solid"/>
+                <a:round/>
+              </a:ln>
+            </p:spPr>
+            <p:txBody>
+              <a:bodyPr lIns="63500" tIns="63500" rIns="63500" bIns="63500" rtlCol="0" anchor="ctr">
+                <a:noAutofit/>
+              </a:bodyPr>
+              <a:lstStyle/>
+              <a:p>
+                <a:pPr algn="ctr">
+                  <a:defRPr/>
+                </a:pPr>
+                <a:endParaRPr sz="1000" dirty="0"/>
+              </a:p>
+            </p:txBody>
+          </p:sp>
+          <p:grpSp>
+            <p:nvGrpSpPr>
+              <p:cNvPr id="245" name="组合 244">
+                <a:extLst>
+                  <a:ext uri="{FF2B5EF4-FFF2-40B4-BE49-F238E27FC236}">
+                    <a16:creationId xmlns:a16="http://schemas.microsoft.com/office/drawing/2014/main" id="{F2F0D3B8-F2DB-19FA-EC9E-17BA861E489A}"/>
+                  </a:ext>
+                </a:extLst>
+              </p:cNvPr>
+              <p:cNvGrpSpPr/>
+              <p:nvPr/>
+            </p:nvGrpSpPr>
+            <p:grpSpPr>
+              <a:xfrm>
+                <a:off x="7775277" y="5412310"/>
+                <a:ext cx="3697523" cy="793856"/>
+                <a:chOff x="7509300" y="5396492"/>
+                <a:chExt cx="3697523" cy="793856"/>
+              </a:xfrm>
+            </p:grpSpPr>
+            <p:grpSp>
+              <p:nvGrpSpPr>
+                <p:cNvPr id="35" name="Group 35"/>
+                <p:cNvGrpSpPr/>
+                <p:nvPr/>
+              </p:nvGrpSpPr>
+              <p:grpSpPr>
+                <a:xfrm>
+                  <a:off x="7509300" y="5396492"/>
+                  <a:ext cx="1629696" cy="793856"/>
+                  <a:chOff x="9007132" y="6822702"/>
+                  <a:chExt cx="1629696" cy="793856"/>
+                </a:xfrm>
+              </p:grpSpPr>
+              <p:sp>
+                <p:nvSpPr>
+                  <p:cNvPr id="37" name="AutoShape 37"/>
+                  <p:cNvSpPr/>
+                  <p:nvPr/>
+                </p:nvSpPr>
+                <p:spPr>
+                  <a:xfrm>
+                    <a:off x="9007133" y="7387068"/>
+                    <a:ext cx="447840" cy="160990"/>
+                  </a:xfrm>
+                  <a:prstGeom prst="rect">
+                    <a:avLst/>
+                  </a:prstGeom>
+                  <a:solidFill>
+                    <a:srgbClr val="FAD355">
+                      <a:alpha val="70000"/>
+                    </a:srgbClr>
+                  </a:solidFill>
+                  <a:ln w="12700" cap="flat">
+                    <a:noFill/>
+                    <a:prstDash val="solid"/>
+                  </a:ln>
+                </p:spPr>
+                <p:txBody>
+                  <a:bodyPr lIns="91440" tIns="45720" rIns="91440" bIns="45720" rtlCol="0" anchor="ctr">
+                    <a:noAutofit/>
+                  </a:bodyPr>
+                  <a:lstStyle/>
+                  <a:p>
+                    <a:pPr algn="ctr">
+                      <a:defRPr/>
+                    </a:pPr>
+                    <a:endParaRPr sz="1000" dirty="0"/>
+                  </a:p>
+                </p:txBody>
+              </p:sp>
+              <p:sp>
+                <p:nvSpPr>
+                  <p:cNvPr id="38" name="AutoShape 38"/>
+                  <p:cNvSpPr/>
+                  <p:nvPr/>
+                </p:nvSpPr>
+                <p:spPr>
+                  <a:xfrm>
+                    <a:off x="9007132" y="7224132"/>
+                    <a:ext cx="447840" cy="161648"/>
+                  </a:xfrm>
+                  <a:prstGeom prst="rect">
+                    <a:avLst/>
+                  </a:prstGeom>
+                  <a:solidFill>
+                    <a:srgbClr val="FFBA6B">
+                      <a:alpha val="100000"/>
+                    </a:srgbClr>
+                  </a:solidFill>
+                  <a:ln w="12700" cap="flat">
+                    <a:noFill/>
+                    <a:prstDash val="solid"/>
+                  </a:ln>
+                </p:spPr>
+                <p:txBody>
+                  <a:bodyPr lIns="91440" tIns="45720" rIns="91440" bIns="45720" rtlCol="0" anchor="ctr">
+                    <a:noAutofit/>
+                  </a:bodyPr>
+                  <a:lstStyle/>
+                  <a:p>
+                    <a:pPr algn="ctr">
+                      <a:defRPr/>
+                    </a:pPr>
+                    <a:endParaRPr sz="1000" dirty="0"/>
+                  </a:p>
+                </p:txBody>
+              </p:sp>
+              <p:sp>
+                <p:nvSpPr>
+                  <p:cNvPr id="39" name="AutoShape 39"/>
+                  <p:cNvSpPr/>
+                  <p:nvPr/>
+                </p:nvSpPr>
+                <p:spPr>
+                  <a:xfrm>
+                    <a:off x="9007133" y="7046599"/>
+                    <a:ext cx="447840" cy="175140"/>
+                  </a:xfrm>
+                  <a:prstGeom prst="rect">
+                    <a:avLst/>
+                  </a:prstGeom>
+                  <a:solidFill>
+                    <a:srgbClr val="6A8ED5"/>
+                  </a:solidFill>
+                  <a:ln w="12700" cap="flat">
+                    <a:noFill/>
+                    <a:prstDash val="solid"/>
+                  </a:ln>
+                </p:spPr>
+                <p:txBody>
+                  <a:bodyPr lIns="91440" tIns="45720" rIns="91440" bIns="45720" rtlCol="0" anchor="ctr">
+                    <a:noAutofit/>
+                  </a:bodyPr>
+                  <a:lstStyle/>
+                  <a:p>
+                    <a:pPr algn="ctr">
+                      <a:defRPr/>
+                    </a:pPr>
+                    <a:endParaRPr sz="1000" dirty="0"/>
+                  </a:p>
+                </p:txBody>
+              </p:sp>
+              <p:sp>
+                <p:nvSpPr>
+                  <p:cNvPr id="40" name="AutoShape 40"/>
+                  <p:cNvSpPr/>
+                  <p:nvPr/>
+                </p:nvSpPr>
+                <p:spPr>
+                  <a:xfrm flipV="1">
+                    <a:off x="9008672" y="6861948"/>
+                    <a:ext cx="447840" cy="184172"/>
+                  </a:xfrm>
+                  <a:prstGeom prst="rect">
+                    <a:avLst/>
+                  </a:prstGeom>
+                  <a:solidFill>
+                    <a:srgbClr val="64E8D6">
+                      <a:alpha val="100000"/>
+                    </a:srgbClr>
+                  </a:solidFill>
+                  <a:ln w="12700" cap="flat">
+                    <a:noFill/>
+                    <a:prstDash val="solid"/>
+                  </a:ln>
+                </p:spPr>
+                <p:txBody>
+                  <a:bodyPr lIns="91440" tIns="45720" rIns="91440" bIns="45720" rtlCol="0" anchor="ctr">
+                    <a:noAutofit/>
+                  </a:bodyPr>
+                  <a:lstStyle/>
+                  <a:p>
+                    <a:pPr algn="ctr">
+                      <a:defRPr/>
+                    </a:pPr>
+                    <a:endParaRPr sz="1000" dirty="0"/>
+                  </a:p>
+                </p:txBody>
+              </p:sp>
+              <p:sp>
+                <p:nvSpPr>
+                  <p:cNvPr id="41" name="AutoShape 41"/>
+                  <p:cNvSpPr/>
+                  <p:nvPr/>
+                </p:nvSpPr>
+                <p:spPr>
+                  <a:xfrm>
+                    <a:off x="9383300" y="7006841"/>
+                    <a:ext cx="1143000" cy="254000"/>
+                  </a:xfrm>
+                  <a:prstGeom prst="rect">
+                    <a:avLst/>
+                  </a:prstGeom>
+                  <a:noFill/>
+                  <a:ln w="12700">
+                    <a:noFill/>
+                    <a:prstDash val="solid"/>
+                  </a:ln>
+                </p:spPr>
+                <p:txBody>
+                  <a:bodyPr lIns="91440" tIns="45720" rIns="91440" bIns="45720" rtlCol="0" anchor="t">
+                    <a:noAutofit/>
+                  </a:bodyPr>
+                  <a:lstStyle/>
+                  <a:p>
+                    <a:pPr>
+                      <a:defRPr/>
+                    </a:pPr>
+                    <a:r>
+                      <a:rPr lang="en-US" sz="1000" dirty="0"/>
+                      <a:t>Action Layer</a:t>
+                    </a:r>
+                  </a:p>
+                </p:txBody>
+              </p:sp>
+              <p:sp>
+                <p:nvSpPr>
+                  <p:cNvPr id="42" name="AutoShape 42"/>
+                  <p:cNvSpPr/>
+                  <p:nvPr/>
+                </p:nvSpPr>
+                <p:spPr>
+                  <a:xfrm>
+                    <a:off x="9381814" y="7192960"/>
+                    <a:ext cx="1206500" cy="254000"/>
+                  </a:xfrm>
+                  <a:prstGeom prst="rect">
+                    <a:avLst/>
+                  </a:prstGeom>
+                  <a:noFill/>
+                  <a:ln w="12700">
+                    <a:noFill/>
+                    <a:prstDash val="solid"/>
+                  </a:ln>
+                </p:spPr>
+                <p:txBody>
+                  <a:bodyPr lIns="91440" tIns="45720" rIns="91440" bIns="45720" rtlCol="0" anchor="t">
+                    <a:noAutofit/>
+                  </a:bodyPr>
+                  <a:lstStyle/>
+                  <a:p>
+                    <a:pPr>
+                      <a:defRPr/>
+                    </a:pPr>
+                    <a:r>
+                      <a:rPr lang="en-US" sz="1000" dirty="0"/>
+                      <a:t>Entity Layer</a:t>
+                    </a:r>
+                  </a:p>
+                </p:txBody>
+              </p:sp>
+              <p:sp>
+                <p:nvSpPr>
+                  <p:cNvPr id="43" name="AutoShape 43"/>
+                  <p:cNvSpPr/>
+                  <p:nvPr/>
+                </p:nvSpPr>
+                <p:spPr>
+                  <a:xfrm rot="10800000" flipV="1">
+                    <a:off x="9379528" y="7362558"/>
+                    <a:ext cx="1257300" cy="254000"/>
+                  </a:xfrm>
+                  <a:prstGeom prst="rect">
+                    <a:avLst/>
+                  </a:prstGeom>
+                  <a:noFill/>
+                  <a:ln w="12700">
+                    <a:noFill/>
+                    <a:prstDash val="solid"/>
+                  </a:ln>
+                </p:spPr>
+                <p:txBody>
+                  <a:bodyPr lIns="91440" tIns="45720" rIns="91440" bIns="45720" rtlCol="0" anchor="t">
+                    <a:noAutofit/>
+                  </a:bodyPr>
+                  <a:lstStyle/>
+                  <a:p>
+                    <a:pPr>
+                      <a:defRPr/>
+                    </a:pPr>
+                    <a:r>
+                      <a:rPr lang="en-US" sz="1000" dirty="0"/>
+                      <a:t>Mono Scripts</a:t>
+                    </a:r>
+                  </a:p>
+                </p:txBody>
+              </p:sp>
+              <p:sp>
+                <p:nvSpPr>
+                  <p:cNvPr id="44" name="AutoShape 44"/>
+                  <p:cNvSpPr/>
+                  <p:nvPr/>
+                </p:nvSpPr>
+                <p:spPr>
+                  <a:xfrm>
+                    <a:off x="9377930" y="6822702"/>
+                    <a:ext cx="900144" cy="254000"/>
+                  </a:xfrm>
+                  <a:prstGeom prst="rect">
+                    <a:avLst/>
+                  </a:prstGeom>
+                  <a:noFill/>
+                  <a:ln w="12700">
+                    <a:noFill/>
+                    <a:prstDash val="solid"/>
+                  </a:ln>
+                </p:spPr>
+                <p:txBody>
+                  <a:bodyPr lIns="91440" tIns="45720" rIns="91440" bIns="45720" rtlCol="0" anchor="t">
+                    <a:noAutofit/>
+                  </a:bodyPr>
+                  <a:lstStyle/>
+                  <a:p>
+                    <a:pPr>
+                      <a:defRPr/>
+                    </a:pPr>
+                    <a:r>
+                      <a:rPr lang="en-US" sz="1000" dirty="0"/>
+                      <a:t>Task Layer</a:t>
+                    </a:r>
+                  </a:p>
+                </p:txBody>
+              </p:sp>
+            </p:grpSp>
+            <p:grpSp>
+              <p:nvGrpSpPr>
+                <p:cNvPr id="244" name="组合 243">
+                  <a:extLst>
+                    <a:ext uri="{FF2B5EF4-FFF2-40B4-BE49-F238E27FC236}">
+                      <a16:creationId xmlns:a16="http://schemas.microsoft.com/office/drawing/2014/main" id="{86F9A555-86DA-4506-1E96-B8CFDF4FC07B}"/>
+                    </a:ext>
+                  </a:extLst>
+                </p:cNvPr>
+                <p:cNvGrpSpPr/>
+                <p:nvPr/>
+              </p:nvGrpSpPr>
+              <p:grpSpPr>
+                <a:xfrm>
+                  <a:off x="8755920" y="5412762"/>
+                  <a:ext cx="2450903" cy="755157"/>
+                  <a:chOff x="8959361" y="5461295"/>
+                  <a:chExt cx="2450903" cy="755157"/>
+                </a:xfrm>
+              </p:grpSpPr>
+              <p:grpSp>
+                <p:nvGrpSpPr>
+                  <p:cNvPr id="284" name="组合 283">
+                    <a:extLst>
+                      <a:ext uri="{FF2B5EF4-FFF2-40B4-BE49-F238E27FC236}">
+                        <a16:creationId xmlns:a16="http://schemas.microsoft.com/office/drawing/2014/main" id="{748C70A0-B91A-4059-D5B5-9B46543619EC}"/>
+                      </a:ext>
+                    </a:extLst>
+                  </p:cNvPr>
+                  <p:cNvGrpSpPr/>
+                  <p:nvPr/>
+                </p:nvGrpSpPr>
+                <p:grpSpPr>
+                  <a:xfrm>
+                    <a:off x="8982302" y="5461295"/>
+                    <a:ext cx="2427962" cy="533423"/>
+                    <a:chOff x="10593447" y="5721681"/>
+                    <a:chExt cx="2427962" cy="533423"/>
+                  </a:xfrm>
+                </p:grpSpPr>
+                <p:pic>
+                  <p:nvPicPr>
+                    <p:cNvPr id="275" name="Picture 103">
+                      <a:extLst>
+                        <a:ext uri="{FF2B5EF4-FFF2-40B4-BE49-F238E27FC236}">
+                          <a16:creationId xmlns:a16="http://schemas.microsoft.com/office/drawing/2014/main" id="{71CC9F1D-E2BD-750A-C7DE-C6BFC80CB20D}"/>
+                        </a:ext>
+                      </a:extLst>
+                    </p:cNvPr>
+                    <p:cNvPicPr>
+                      <a:picLocks noChangeAspect="1"/>
+                    </p:cNvPicPr>
+                    <p:nvPr/>
+                  </p:nvPicPr>
+                  <p:blipFill>
+                    <a:blip r:embed="rId5"/>
+                    <a:stretch>
+                      <a:fillRect/>
+                    </a:stretch>
+                  </p:blipFill>
+                  <p:spPr>
+                    <a:xfrm>
+                      <a:off x="10593447" y="5728619"/>
+                      <a:ext cx="223202" cy="218908"/>
+                    </a:xfrm>
+                    <a:prstGeom prst="rect">
+                      <a:avLst/>
+                    </a:prstGeom>
+                    <a:ln>
+                      <a:noFill/>
+                      <a:prstDash val="solid"/>
+                    </a:ln>
+                  </p:spPr>
+                </p:pic>
+                <p:pic>
+                  <p:nvPicPr>
+                    <p:cNvPr id="276" name="Picture 71">
+                      <a:extLst>
+                        <a:ext uri="{FF2B5EF4-FFF2-40B4-BE49-F238E27FC236}">
+                          <a16:creationId xmlns:a16="http://schemas.microsoft.com/office/drawing/2014/main" id="{4FDB8312-AA5A-7045-403E-3F6A7D82E057}"/>
+                        </a:ext>
+                      </a:extLst>
+                    </p:cNvPr>
+                    <p:cNvPicPr>
+                      <a:picLocks noChangeAspect="1"/>
+                    </p:cNvPicPr>
+                    <p:nvPr/>
+                  </p:nvPicPr>
+                  <p:blipFill>
+                    <a:blip r:embed="rId3"/>
+                    <a:stretch>
+                      <a:fillRect/>
+                    </a:stretch>
+                  </p:blipFill>
+                  <p:spPr>
+                    <a:xfrm>
+                      <a:off x="11841433" y="6001222"/>
+                      <a:ext cx="223202" cy="223900"/>
+                    </a:xfrm>
+                    <a:prstGeom prst="rect">
+                      <a:avLst/>
+                    </a:prstGeom>
+                    <a:ln>
+                      <a:noFill/>
+                      <a:prstDash val="solid"/>
+                    </a:ln>
+                  </p:spPr>
+                </p:pic>
+                <p:pic>
+                  <p:nvPicPr>
+                    <p:cNvPr id="279" name="Picture 123">
+                      <a:extLst>
+                        <a:ext uri="{FF2B5EF4-FFF2-40B4-BE49-F238E27FC236}">
+                          <a16:creationId xmlns:a16="http://schemas.microsoft.com/office/drawing/2014/main" id="{E061F5A0-17A1-CB31-425B-2267BDBDE5CF}"/>
+                        </a:ext>
+                      </a:extLst>
+                    </p:cNvPr>
+                    <p:cNvPicPr>
+                      <a:picLocks noChangeAspect="1"/>
+                    </p:cNvPicPr>
+                    <p:nvPr/>
+                  </p:nvPicPr>
+                  <p:blipFill>
+                    <a:blip r:embed="rId4"/>
+                    <a:stretch>
+                      <a:fillRect/>
+                    </a:stretch>
+                  </p:blipFill>
+                  <p:spPr>
+                    <a:xfrm>
+                      <a:off x="11817092" y="5734826"/>
+                      <a:ext cx="223202" cy="250737"/>
+                    </a:xfrm>
+                    <a:prstGeom prst="roundRect">
+                      <a:avLst>
+                        <a:gd name="adj" fmla="val 10768"/>
+                      </a:avLst>
+                    </a:prstGeom>
+                    <a:ln>
+                      <a:noFill/>
+                      <a:prstDash val="solid"/>
+                    </a:ln>
+                  </p:spPr>
+                </p:pic>
+                <p:sp>
+                  <p:nvSpPr>
+                    <p:cNvPr id="280" name="AutoShape 44">
+                      <a:extLst>
+                        <a:ext uri="{FF2B5EF4-FFF2-40B4-BE49-F238E27FC236}">
+                          <a16:creationId xmlns:a16="http://schemas.microsoft.com/office/drawing/2014/main" id="{F06ECEF4-F44C-6BBC-A808-566ADA75CF4B}"/>
+                        </a:ext>
+                      </a:extLst>
+                    </p:cNvPr>
+                    <p:cNvSpPr/>
+                    <p:nvPr/>
+                  </p:nvSpPr>
+                  <p:spPr>
+                    <a:xfrm>
+                      <a:off x="11983316" y="5751449"/>
+                      <a:ext cx="1038093" cy="254000"/>
+                    </a:xfrm>
+                    <a:prstGeom prst="rect">
+                      <a:avLst/>
+                    </a:prstGeom>
+                    <a:noFill/>
+                    <a:ln w="12700">
+                      <a:noFill/>
+                      <a:prstDash val="solid"/>
+                    </a:ln>
+                  </p:spPr>
+                  <p:txBody>
+                    <a:bodyPr lIns="91440" tIns="45720" rIns="91440" bIns="45720" rtlCol="0" anchor="t">
+                      <a:noAutofit/>
+                    </a:bodyPr>
+                    <a:lstStyle/>
+                    <a:p>
+                      <a:pPr>
+                        <a:defRPr/>
+                      </a:pPr>
+                      <a:r>
+                        <a:rPr lang="en-US" sz="1000" dirty="0"/>
+                        <a:t>C# Scripts File</a:t>
+                      </a:r>
+                    </a:p>
+                  </p:txBody>
+                </p:sp>
+                <p:sp>
+                  <p:nvSpPr>
+                    <p:cNvPr id="281" name="AutoShape 44">
+                      <a:extLst>
+                        <a:ext uri="{FF2B5EF4-FFF2-40B4-BE49-F238E27FC236}">
+                          <a16:creationId xmlns:a16="http://schemas.microsoft.com/office/drawing/2014/main" id="{AD2A41C4-588D-ADC5-E1F3-BBFC626BD975}"/>
+                        </a:ext>
+                      </a:extLst>
+                    </p:cNvPr>
+                    <p:cNvSpPr/>
+                    <p:nvPr/>
+                  </p:nvSpPr>
+                  <p:spPr>
+                    <a:xfrm>
+                      <a:off x="10753321" y="5721681"/>
+                      <a:ext cx="1038093" cy="254000"/>
+                    </a:xfrm>
+                    <a:prstGeom prst="rect">
+                      <a:avLst/>
+                    </a:prstGeom>
+                    <a:noFill/>
+                    <a:ln w="12700">
+                      <a:noFill/>
+                      <a:prstDash val="solid"/>
+                    </a:ln>
+                  </p:spPr>
+                  <p:txBody>
+                    <a:bodyPr lIns="91440" tIns="45720" rIns="91440" bIns="45720" rtlCol="0" anchor="t">
+                      <a:noAutofit/>
+                    </a:bodyPr>
+                    <a:lstStyle/>
+                    <a:p>
+                      <a:pPr>
+                        <a:defRPr/>
+                      </a:pPr>
+                      <a:r>
+                        <a:rPr lang="en-US" sz="1000" dirty="0"/>
+                        <a:t>Entity Interface</a:t>
+                      </a:r>
+                    </a:p>
+                  </p:txBody>
+                </p:sp>
+                <p:sp>
+                  <p:nvSpPr>
+                    <p:cNvPr id="282" name="AutoShape 44">
+                      <a:extLst>
+                        <a:ext uri="{FF2B5EF4-FFF2-40B4-BE49-F238E27FC236}">
+                          <a16:creationId xmlns:a16="http://schemas.microsoft.com/office/drawing/2014/main" id="{05AA1ED6-473A-9840-69EB-378F3E6D4CBA}"/>
+                        </a:ext>
+                      </a:extLst>
+                    </p:cNvPr>
+                    <p:cNvSpPr/>
+                    <p:nvPr/>
+                  </p:nvSpPr>
+                  <p:spPr>
+                    <a:xfrm>
+                      <a:off x="11983316" y="6001104"/>
+                      <a:ext cx="1038093" cy="254000"/>
+                    </a:xfrm>
+                    <a:prstGeom prst="rect">
+                      <a:avLst/>
+                    </a:prstGeom>
+                    <a:noFill/>
+                    <a:ln w="12700">
+                      <a:noFill/>
+                      <a:prstDash val="solid"/>
+                    </a:ln>
+                  </p:spPr>
+                  <p:txBody>
+                    <a:bodyPr lIns="91440" tIns="45720" rIns="91440" bIns="45720" rtlCol="0" anchor="t">
+                      <a:noAutofit/>
+                    </a:bodyPr>
+                    <a:lstStyle/>
+                    <a:p>
+                      <a:pPr>
+                        <a:defRPr/>
+                      </a:pPr>
+                      <a:r>
+                        <a:rPr lang="en-US" sz="1000" dirty="0"/>
+                        <a:t>GameObjects</a:t>
+                      </a:r>
+                    </a:p>
+                  </p:txBody>
+                </p:sp>
+              </p:grpSp>
+              <p:pic>
+                <p:nvPicPr>
+                  <p:cNvPr id="285" name="Picture 77">
+                    <a:extLst>
+                      <a:ext uri="{FF2B5EF4-FFF2-40B4-BE49-F238E27FC236}">
+                        <a16:creationId xmlns:a16="http://schemas.microsoft.com/office/drawing/2014/main" id="{397E98B8-56B7-C927-FBEA-1C835BDFA981}"/>
+                      </a:ext>
+                    </a:extLst>
+                  </p:cNvPr>
+                  <p:cNvPicPr>
+                    <a:picLocks noChangeAspect="1"/>
+                  </p:cNvPicPr>
+                  <p:nvPr/>
+                </p:nvPicPr>
+                <p:blipFill>
+                  <a:blip r:embed="rId6"/>
+                  <a:stretch>
+                    <a:fillRect/>
+                  </a:stretch>
+                </p:blipFill>
+                <p:spPr>
+                  <a:xfrm>
+                    <a:off x="8959361" y="5707450"/>
+                    <a:ext cx="241575" cy="241575"/>
+                  </a:xfrm>
+                  <a:prstGeom prst="rect">
+                    <a:avLst/>
+                  </a:prstGeom>
+                  <a:ln>
+                    <a:noFill/>
+                    <a:prstDash val="solid"/>
+                  </a:ln>
+                </p:spPr>
+              </p:pic>
+              <p:sp>
+                <p:nvSpPr>
+                  <p:cNvPr id="286" name="AutoShape 44">
+                    <a:extLst>
+                      <a:ext uri="{FF2B5EF4-FFF2-40B4-BE49-F238E27FC236}">
+                        <a16:creationId xmlns:a16="http://schemas.microsoft.com/office/drawing/2014/main" id="{2C79EEA9-1F33-A927-2B59-3D9988D2D38E}"/>
+                      </a:ext>
+                    </a:extLst>
+                  </p:cNvPr>
+                  <p:cNvSpPr/>
+                  <p:nvPr/>
+                </p:nvSpPr>
+                <p:spPr>
+                  <a:xfrm>
+                    <a:off x="9140083" y="5708074"/>
+                    <a:ext cx="1038093" cy="254000"/>
+                  </a:xfrm>
+                  <a:prstGeom prst="rect">
+                    <a:avLst/>
+                  </a:prstGeom>
+                  <a:noFill/>
+                  <a:ln w="12700">
+                    <a:noFill/>
+                    <a:prstDash val="solid"/>
+                  </a:ln>
+                </p:spPr>
+                <p:txBody>
+                  <a:bodyPr lIns="91440" tIns="45720" rIns="91440" bIns="45720" rtlCol="0" anchor="t">
+                    <a:noAutofit/>
+                  </a:bodyPr>
+                  <a:lstStyle/>
+                  <a:p>
+                    <a:pPr>
+                      <a:defRPr/>
+                    </a:pPr>
+                    <a:r>
+                      <a:rPr lang="en-US" sz="1000" dirty="0"/>
+                      <a:t>Unity Scene</a:t>
+                    </a:r>
+                  </a:p>
+                </p:txBody>
+              </p:sp>
+              <p:pic>
+                <p:nvPicPr>
+                  <p:cNvPr id="356" name="Picture 122">
+                    <a:extLst>
+                      <a:ext uri="{FF2B5EF4-FFF2-40B4-BE49-F238E27FC236}">
+                        <a16:creationId xmlns:a16="http://schemas.microsoft.com/office/drawing/2014/main" id="{5ACC8A48-B1A3-DAFC-3111-85339A0E8829}"/>
+                      </a:ext>
+                    </a:extLst>
+                  </p:cNvPr>
+                  <p:cNvPicPr>
+                    <a:picLocks noChangeAspect="1"/>
+                  </p:cNvPicPr>
+                  <p:nvPr/>
+                </p:nvPicPr>
+                <p:blipFill>
+                  <a:blip r:embed="rId10"/>
+                  <a:stretch>
+                    <a:fillRect/>
+                  </a:stretch>
+                </p:blipFill>
+                <p:spPr>
+                  <a:xfrm>
+                    <a:off x="8989660" y="5978550"/>
+                    <a:ext cx="224230" cy="211791"/>
+                  </a:xfrm>
+                  <a:prstGeom prst="rect">
+                    <a:avLst/>
+                  </a:prstGeom>
+                  <a:ln>
+                    <a:noFill/>
+                    <a:prstDash val="solid"/>
+                  </a:ln>
+                </p:spPr>
+              </p:pic>
+              <p:sp>
+                <p:nvSpPr>
+                  <p:cNvPr id="357" name="AutoShape 44">
+                    <a:extLst>
+                      <a:ext uri="{FF2B5EF4-FFF2-40B4-BE49-F238E27FC236}">
+                        <a16:creationId xmlns:a16="http://schemas.microsoft.com/office/drawing/2014/main" id="{36EA9BC7-35E4-945A-D9F7-2D3759647C2E}"/>
+                      </a:ext>
+                    </a:extLst>
+                  </p:cNvPr>
+                  <p:cNvSpPr/>
+                  <p:nvPr/>
+                </p:nvSpPr>
+                <p:spPr>
+                  <a:xfrm>
+                    <a:off x="9129652" y="5962452"/>
+                    <a:ext cx="938158" cy="254000"/>
+                  </a:xfrm>
+                  <a:prstGeom prst="rect">
+                    <a:avLst/>
+                  </a:prstGeom>
+                  <a:noFill/>
+                  <a:ln w="12700">
+                    <a:noFill/>
+                    <a:prstDash val="solid"/>
+                  </a:ln>
+                </p:spPr>
+                <p:txBody>
+                  <a:bodyPr lIns="91440" tIns="45720" rIns="91440" bIns="45720" rtlCol="0" anchor="t">
+                    <a:noAutofit/>
+                  </a:bodyPr>
+                  <a:lstStyle/>
+                  <a:p>
+                    <a:pPr>
+                      <a:defRPr/>
+                    </a:pPr>
+                    <a:r>
+                      <a:rPr lang="en-US" sz="1000" dirty="0"/>
+                      <a:t>Third Plugins</a:t>
+                    </a:r>
+                  </a:p>
+                </p:txBody>
+              </p:sp>
+            </p:grpSp>
+          </p:grpSp>
+        </p:grpSp>
+        <p:pic>
+          <p:nvPicPr>
+            <p:cNvPr id="250" name="图片 249">
+              <a:extLst>
+                <a:ext uri="{FF2B5EF4-FFF2-40B4-BE49-F238E27FC236}">
+                  <a16:creationId xmlns:a16="http://schemas.microsoft.com/office/drawing/2014/main" id="{8EF70654-511C-15CC-1985-DE41D21DAB5F}"/>
+                </a:ext>
+              </a:extLst>
+            </p:cNvPr>
+            <p:cNvPicPr>
+              <a:picLocks noChangeAspect="1"/>
+            </p:cNvPicPr>
+            <p:nvPr/>
+          </p:nvPicPr>
+          <p:blipFill>
+            <a:blip r:embed="rId14"/>
+            <a:stretch>
+              <a:fillRect/>
+            </a:stretch>
+          </p:blipFill>
+          <p:spPr>
+            <a:xfrm>
+              <a:off x="10316055" y="8839018"/>
+              <a:ext cx="231879" cy="231879"/>
+            </a:xfrm>
+            <a:prstGeom prst="rect">
+              <a:avLst/>
+            </a:prstGeom>
+          </p:spPr>
+        </p:pic>
+        <p:sp>
+          <p:nvSpPr>
+            <p:cNvPr id="254" name="AutoShape 44">
+              <a:extLst>
+                <a:ext uri="{FF2B5EF4-FFF2-40B4-BE49-F238E27FC236}">
+                  <a16:creationId xmlns:a16="http://schemas.microsoft.com/office/drawing/2014/main" id="{0478B795-1199-532E-EC36-1FDB39E4C793}"/>
+                </a:ext>
+              </a:extLst>
+            </p:cNvPr>
+            <p:cNvSpPr/>
+            <p:nvPr/>
+          </p:nvSpPr>
+          <p:spPr>
+            <a:xfrm>
+              <a:off x="10482782" y="8816897"/>
+              <a:ext cx="1038093" cy="254000"/>
+            </a:xfrm>
+            <a:prstGeom prst="rect">
+              <a:avLst/>
+            </a:prstGeom>
             <a:noFill/>
-            <a:prstDash val="solid"/>
-          </a:ln>
-        </p:spPr>
-        <p:txBody>
-          <a:bodyPr lIns="91440" tIns="45720" rIns="91440" bIns="45720" rtlCol="0" anchor="t">
-            <a:noAutofit/>
-          </a:bodyPr>
-          <a:lstStyle/>
-          <a:p>
-            <a:pPr>
-              <a:defRPr/>
-            </a:pPr>
-            <a:r>
-              <a:rPr lang="en-US" altLang="zh-CN" sz="1000" dirty="0"/>
-              <a:t>NavMesh Data</a:t>
-            </a:r>
-            <a:endParaRPr lang="en-US" sz="1000" dirty="0"/>
-          </a:p>
-        </p:txBody>
-      </p:sp>
+            <a:ln w="12700">
+              <a:noFill/>
+              <a:prstDash val="solid"/>
+            </a:ln>
+          </p:spPr>
+          <p:txBody>
+            <a:bodyPr lIns="91440" tIns="45720" rIns="91440" bIns="45720" rtlCol="0" anchor="t">
+              <a:noAutofit/>
+            </a:bodyPr>
+            <a:lstStyle/>
+            <a:p>
+              <a:pPr>
+                <a:defRPr/>
+              </a:pPr>
+              <a:r>
+                <a:rPr lang="en-US" altLang="zh-CN" sz="1000" dirty="0"/>
+                <a:t>NavMesh Data</a:t>
+              </a:r>
+              <a:endParaRPr lang="en-US" sz="1000" dirty="0"/>
+            </a:p>
+          </p:txBody>
+        </p:sp>
+      </p:grpSp>
       <p:pic>
         <p:nvPicPr>
           <p:cNvPr id="255" name="Picture 77">
@@ -22466,7 +21467,7 @@
         </p:blipFill>
         <p:spPr>
           <a:xfrm>
-            <a:off x="3973033" y="731132"/>
+            <a:off x="3857926" y="3827841"/>
             <a:ext cx="354316" cy="354316"/>
           </a:xfrm>
           <a:prstGeom prst="rect">
@@ -22500,7 +21501,7 @@
         </p:blipFill>
         <p:spPr>
           <a:xfrm>
-            <a:off x="5842169" y="710208"/>
+            <a:off x="5727062" y="3806917"/>
             <a:ext cx="354316" cy="354316"/>
           </a:xfrm>
           <a:prstGeom prst="rect">
@@ -22534,7 +21535,7 @@
         </p:blipFill>
         <p:spPr>
           <a:xfrm>
-            <a:off x="6415970" y="685948"/>
+            <a:off x="6300863" y="3782657"/>
             <a:ext cx="403474" cy="403474"/>
           </a:xfrm>
           <a:prstGeom prst="rect">
@@ -22564,7 +21565,7 @@
         </p:blipFill>
         <p:spPr>
           <a:xfrm>
-            <a:off x="6181526" y="766493"/>
+            <a:off x="6066419" y="3863202"/>
             <a:ext cx="252189" cy="252189"/>
           </a:xfrm>
           <a:prstGeom prst="rect">
@@ -22572,6 +21573,1960 @@
           </a:prstGeom>
         </p:spPr>
       </p:pic>
+      <p:sp>
+        <p:nvSpPr>
+          <p:cNvPr id="50" name="AutoShape 15">
+            <a:extLst>
+              <a:ext uri="{FF2B5EF4-FFF2-40B4-BE49-F238E27FC236}">
+                <a16:creationId xmlns:a16="http://schemas.microsoft.com/office/drawing/2014/main" id="{3DEE719F-58C1-E218-3230-4CE2EF87A1C1}"/>
+              </a:ext>
+            </a:extLst>
+          </p:cNvPr>
+          <p:cNvSpPr/>
+          <p:nvPr/>
+        </p:nvSpPr>
+        <p:spPr>
+          <a:xfrm>
+            <a:off x="471193" y="1092045"/>
+            <a:ext cx="1065894" cy="257159"/>
+          </a:xfrm>
+          <a:prstGeom prst="rect">
+            <a:avLst/>
+          </a:prstGeom>
+          <a:noFill/>
+          <a:ln w="12700">
+            <a:noFill/>
+            <a:prstDash val="solid"/>
+          </a:ln>
+        </p:spPr>
+        <p:txBody>
+          <a:bodyPr lIns="91440" tIns="45720" rIns="91440" bIns="45720" rtlCol="0" anchor="t">
+            <a:noAutofit/>
+          </a:bodyPr>
+          <a:lstStyle/>
+          <a:p>
+            <a:pPr>
+              <a:defRPr/>
+            </a:pPr>
+            <a:r>
+              <a:rPr lang="en-US" altLang="zh-CN" sz="1050" dirty="0"/>
+              <a:t>Static Analysis</a:t>
+            </a:r>
+            <a:endParaRPr lang="en-US" sz="1000" dirty="0"/>
+          </a:p>
+        </p:txBody>
+      </p:sp>
+      <p:grpSp>
+        <p:nvGrpSpPr>
+          <p:cNvPr id="146" name="组合 145">
+            <a:extLst>
+              <a:ext uri="{FF2B5EF4-FFF2-40B4-BE49-F238E27FC236}">
+                <a16:creationId xmlns:a16="http://schemas.microsoft.com/office/drawing/2014/main" id="{D20E3465-ACDF-4E85-9911-90C9DA9C364D}"/>
+              </a:ext>
+            </a:extLst>
+          </p:cNvPr>
+          <p:cNvGrpSpPr/>
+          <p:nvPr/>
+        </p:nvGrpSpPr>
+        <p:grpSpPr>
+          <a:xfrm>
+            <a:off x="343492" y="1362097"/>
+            <a:ext cx="2578673" cy="1242537"/>
+            <a:chOff x="279090" y="1770434"/>
+            <a:chExt cx="2109438" cy="1010171"/>
+          </a:xfrm>
+        </p:grpSpPr>
+        <p:grpSp>
+          <p:nvGrpSpPr>
+            <p:cNvPr id="143" name="组合 142">
+              <a:extLst>
+                <a:ext uri="{FF2B5EF4-FFF2-40B4-BE49-F238E27FC236}">
+                  <a16:creationId xmlns:a16="http://schemas.microsoft.com/office/drawing/2014/main" id="{E46EB6A6-4328-BD5B-F59B-BA795C132FB2}"/>
+                </a:ext>
+              </a:extLst>
+            </p:cNvPr>
+            <p:cNvGrpSpPr/>
+            <p:nvPr/>
+          </p:nvGrpSpPr>
+          <p:grpSpPr>
+            <a:xfrm>
+              <a:off x="353861" y="1834385"/>
+              <a:ext cx="2034667" cy="429397"/>
+              <a:chOff x="-2361745" y="1565337"/>
+              <a:chExt cx="2034667" cy="429397"/>
+            </a:xfrm>
+          </p:grpSpPr>
+          <p:grpSp>
+            <p:nvGrpSpPr>
+              <p:cNvPr id="5" name="组合 4">
+                <a:extLst>
+                  <a:ext uri="{FF2B5EF4-FFF2-40B4-BE49-F238E27FC236}">
+                    <a16:creationId xmlns:a16="http://schemas.microsoft.com/office/drawing/2014/main" id="{43CF2EC6-52D2-C89D-0249-FF0D91BE4BBE}"/>
+                  </a:ext>
+                </a:extLst>
+              </p:cNvPr>
+              <p:cNvGrpSpPr/>
+              <p:nvPr/>
+            </p:nvGrpSpPr>
+            <p:grpSpPr>
+              <a:xfrm>
+                <a:off x="-2361745" y="1565337"/>
+                <a:ext cx="2034667" cy="429397"/>
+                <a:chOff x="-580286" y="1626627"/>
+                <a:chExt cx="2034667" cy="429397"/>
+              </a:xfrm>
+            </p:grpSpPr>
+            <p:sp>
+              <p:nvSpPr>
+                <p:cNvPr id="3" name="AutoShape 3"/>
+                <p:cNvSpPr/>
+                <p:nvPr/>
+              </p:nvSpPr>
+              <p:spPr>
+                <a:xfrm>
+                  <a:off x="-580286" y="1628449"/>
+                  <a:ext cx="1877219" cy="427575"/>
+                </a:xfrm>
+                <a:prstGeom prst="roundRect">
+                  <a:avLst>
+                    <a:gd name="adj" fmla="val 6034"/>
+                  </a:avLst>
+                </a:prstGeom>
+                <a:solidFill>
+                  <a:srgbClr val="DEE0E3">
+                    <a:alpha val="20000"/>
+                  </a:srgbClr>
+                </a:solidFill>
+                <a:ln w="25400" cap="flat" cmpd="sng">
+                  <a:solidFill>
+                    <a:srgbClr val="2B2F36">
+                      <a:alpha val="20000"/>
+                    </a:srgbClr>
+                  </a:solidFill>
+                  <a:prstDash val="solid"/>
+                  <a:round/>
+                </a:ln>
+              </p:spPr>
+              <p:txBody>
+                <a:bodyPr lIns="63500" tIns="63500" rIns="63500" bIns="63500" rtlCol="0" anchor="ctr">
+                  <a:noAutofit/>
+                </a:bodyPr>
+                <a:lstStyle/>
+                <a:p>
+                  <a:pPr algn="ctr">
+                    <a:defRPr/>
+                  </a:pPr>
+                  <a:endParaRPr sz="1400" dirty="0"/>
+                </a:p>
+              </p:txBody>
+            </p:sp>
+            <p:grpSp>
+              <p:nvGrpSpPr>
+                <p:cNvPr id="222" name="组合 221">
+                  <a:extLst>
+                    <a:ext uri="{FF2B5EF4-FFF2-40B4-BE49-F238E27FC236}">
+                      <a16:creationId xmlns:a16="http://schemas.microsoft.com/office/drawing/2014/main" id="{82931C69-CC4F-BC3B-2851-AA6DEDF8730F}"/>
+                    </a:ext>
+                  </a:extLst>
+                </p:cNvPr>
+                <p:cNvGrpSpPr/>
+                <p:nvPr/>
+              </p:nvGrpSpPr>
+              <p:grpSpPr>
+                <a:xfrm>
+                  <a:off x="380262" y="1655809"/>
+                  <a:ext cx="503746" cy="363725"/>
+                  <a:chOff x="5041746" y="5728664"/>
+                  <a:chExt cx="1665805" cy="1046702"/>
+                </a:xfrm>
+              </p:grpSpPr>
+              <p:pic>
+                <p:nvPicPr>
+                  <p:cNvPr id="174" name="Picture 71">
+                    <a:extLst>
+                      <a:ext uri="{FF2B5EF4-FFF2-40B4-BE49-F238E27FC236}">
+                        <a16:creationId xmlns:a16="http://schemas.microsoft.com/office/drawing/2014/main" id="{4F2859AF-E10A-28CB-5893-07A73E6A6EFA}"/>
+                      </a:ext>
+                    </a:extLst>
+                  </p:cNvPr>
+                  <p:cNvPicPr>
+                    <a:picLocks noChangeAspect="1"/>
+                  </p:cNvPicPr>
+                  <p:nvPr/>
+                </p:nvPicPr>
+                <p:blipFill>
+                  <a:blip r:embed="rId3"/>
+                  <a:stretch>
+                    <a:fillRect/>
+                  </a:stretch>
+                </p:blipFill>
+                <p:spPr>
+                  <a:xfrm>
+                    <a:off x="5041746" y="5728664"/>
+                    <a:ext cx="418839" cy="388598"/>
+                  </a:xfrm>
+                  <a:prstGeom prst="rect">
+                    <a:avLst/>
+                  </a:prstGeom>
+                  <a:ln>
+                    <a:noFill/>
+                    <a:prstDash val="solid"/>
+                  </a:ln>
+                  <a:effectLst>
+                    <a:outerShdw blurRad="50800" dist="38100" dir="2700000" algn="tl" rotWithShape="0">
+                      <a:prstClr val="black">
+                        <a:alpha val="40000"/>
+                      </a:prstClr>
+                    </a:outerShdw>
+                  </a:effectLst>
+                </p:spPr>
+              </p:pic>
+              <p:cxnSp>
+                <p:nvCxnSpPr>
+                  <p:cNvPr id="179" name="连接符: 肘形 178">
+                    <a:extLst>
+                      <a:ext uri="{FF2B5EF4-FFF2-40B4-BE49-F238E27FC236}">
+                        <a16:creationId xmlns:a16="http://schemas.microsoft.com/office/drawing/2014/main" id="{585B0AC1-AB6D-1944-60FE-4DFDCCCEB109}"/>
+                      </a:ext>
+                    </a:extLst>
+                  </p:cNvPr>
+                  <p:cNvCxnSpPr>
+                    <a:cxnSpLocks/>
+                    <a:stCxn id="174" idx="2"/>
+                    <a:endCxn id="207" idx="1"/>
+                  </p:cNvCxnSpPr>
+                  <p:nvPr/>
+                </p:nvCxnSpPr>
+                <p:spPr>
+                  <a:xfrm rot="16200000" flipH="1">
+                    <a:off x="5429003" y="5939424"/>
+                    <a:ext cx="140094" cy="495769"/>
+                  </a:xfrm>
+                  <a:prstGeom prst="bentConnector2">
+                    <a:avLst/>
+                  </a:prstGeom>
+                  <a:ln w="22225">
+                    <a:solidFill>
+                      <a:schemeClr val="tx1"/>
+                    </a:solidFill>
+                  </a:ln>
+                </p:spPr>
+                <p:style>
+                  <a:lnRef idx="1">
+                    <a:schemeClr val="dk1"/>
+                  </a:lnRef>
+                  <a:fillRef idx="0">
+                    <a:schemeClr val="dk1"/>
+                  </a:fillRef>
+                  <a:effectRef idx="0">
+                    <a:schemeClr val="dk1"/>
+                  </a:effectRef>
+                  <a:fontRef idx="minor">
+                    <a:schemeClr val="tx1"/>
+                  </a:fontRef>
+                </p:style>
+              </p:cxnSp>
+              <p:pic>
+                <p:nvPicPr>
+                  <p:cNvPr id="207" name="Picture 71">
+                    <a:extLst>
+                      <a:ext uri="{FF2B5EF4-FFF2-40B4-BE49-F238E27FC236}">
+                        <a16:creationId xmlns:a16="http://schemas.microsoft.com/office/drawing/2014/main" id="{0854C228-EF0C-8693-2BDA-8119CE04CCFB}"/>
+                      </a:ext>
+                    </a:extLst>
+                  </p:cNvPr>
+                  <p:cNvPicPr>
+                    <a:picLocks noChangeAspect="1"/>
+                  </p:cNvPicPr>
+                  <p:nvPr/>
+                </p:nvPicPr>
+                <p:blipFill>
+                  <a:blip r:embed="rId3"/>
+                  <a:stretch>
+                    <a:fillRect/>
+                  </a:stretch>
+                </p:blipFill>
+                <p:spPr>
+                  <a:xfrm>
+                    <a:off x="5746935" y="6063057"/>
+                    <a:ext cx="418839" cy="388598"/>
+                  </a:xfrm>
+                  <a:prstGeom prst="rect">
+                    <a:avLst/>
+                  </a:prstGeom>
+                  <a:ln>
+                    <a:noFill/>
+                    <a:prstDash val="solid"/>
+                  </a:ln>
+                  <a:effectLst>
+                    <a:outerShdw blurRad="50800" dist="38100" dir="2700000" algn="tl" rotWithShape="0">
+                      <a:prstClr val="black">
+                        <a:alpha val="40000"/>
+                      </a:prstClr>
+                    </a:outerShdw>
+                  </a:effectLst>
+                </p:spPr>
+              </p:pic>
+              <p:pic>
+                <p:nvPicPr>
+                  <p:cNvPr id="211" name="Picture 71">
+                    <a:extLst>
+                      <a:ext uri="{FF2B5EF4-FFF2-40B4-BE49-F238E27FC236}">
+                        <a16:creationId xmlns:a16="http://schemas.microsoft.com/office/drawing/2014/main" id="{AECC4CD5-87C4-14A0-0FCE-79E58A5F985D}"/>
+                      </a:ext>
+                    </a:extLst>
+                  </p:cNvPr>
+                  <p:cNvPicPr>
+                    <a:picLocks noChangeAspect="1"/>
+                  </p:cNvPicPr>
+                  <p:nvPr/>
+                </p:nvPicPr>
+                <p:blipFill>
+                  <a:blip r:embed="rId3"/>
+                  <a:stretch>
+                    <a:fillRect/>
+                  </a:stretch>
+                </p:blipFill>
+                <p:spPr>
+                  <a:xfrm>
+                    <a:off x="6288712" y="6386768"/>
+                    <a:ext cx="418839" cy="388598"/>
+                  </a:xfrm>
+                  <a:prstGeom prst="rect">
+                    <a:avLst/>
+                  </a:prstGeom>
+                  <a:ln>
+                    <a:noFill/>
+                    <a:prstDash val="solid"/>
+                  </a:ln>
+                  <a:effectLst>
+                    <a:outerShdw blurRad="50800" dist="38100" dir="2700000" algn="tl" rotWithShape="0">
+                      <a:prstClr val="black">
+                        <a:alpha val="40000"/>
+                      </a:prstClr>
+                    </a:outerShdw>
+                  </a:effectLst>
+                </p:spPr>
+              </p:pic>
+              <p:cxnSp>
+                <p:nvCxnSpPr>
+                  <p:cNvPr id="217" name="连接符: 肘形 216">
+                    <a:extLst>
+                      <a:ext uri="{FF2B5EF4-FFF2-40B4-BE49-F238E27FC236}">
+                        <a16:creationId xmlns:a16="http://schemas.microsoft.com/office/drawing/2014/main" id="{E301C996-5C5C-7E26-C933-920765F88744}"/>
+                      </a:ext>
+                    </a:extLst>
+                  </p:cNvPr>
+                  <p:cNvCxnSpPr>
+                    <a:cxnSpLocks/>
+                    <a:stCxn id="207" idx="2"/>
+                    <a:endCxn id="211" idx="1"/>
+                  </p:cNvCxnSpPr>
+                  <p:nvPr/>
+                </p:nvCxnSpPr>
+                <p:spPr>
+                  <a:xfrm rot="16200000" flipH="1">
+                    <a:off x="6057828" y="6350183"/>
+                    <a:ext cx="129412" cy="332356"/>
+                  </a:xfrm>
+                  <a:prstGeom prst="bentConnector2">
+                    <a:avLst/>
+                  </a:prstGeom>
+                  <a:ln w="22225">
+                    <a:solidFill>
+                      <a:schemeClr val="tx1"/>
+                    </a:solidFill>
+                  </a:ln>
+                </p:spPr>
+                <p:style>
+                  <a:lnRef idx="1">
+                    <a:schemeClr val="accent1"/>
+                  </a:lnRef>
+                  <a:fillRef idx="0">
+                    <a:schemeClr val="accent1"/>
+                  </a:fillRef>
+                  <a:effectRef idx="0">
+                    <a:schemeClr val="accent1"/>
+                  </a:effectRef>
+                  <a:fontRef idx="minor">
+                    <a:schemeClr val="tx1"/>
+                  </a:fontRef>
+                </p:style>
+              </p:cxnSp>
+            </p:grpSp>
+            <p:sp>
+              <p:nvSpPr>
+                <p:cNvPr id="223" name="AutoShape 119">
+                  <a:extLst>
+                    <a:ext uri="{FF2B5EF4-FFF2-40B4-BE49-F238E27FC236}">
+                      <a16:creationId xmlns:a16="http://schemas.microsoft.com/office/drawing/2014/main" id="{7A5582B4-F4EF-5070-8E6C-498B191DD695}"/>
+                    </a:ext>
+                  </a:extLst>
+                </p:cNvPr>
+                <p:cNvSpPr/>
+                <p:nvPr/>
+              </p:nvSpPr>
+              <p:spPr>
+                <a:xfrm>
+                  <a:off x="647564" y="1731551"/>
+                  <a:ext cx="806817" cy="119720"/>
+                </a:xfrm>
+                <a:prstGeom prst="rect">
+                  <a:avLst/>
+                </a:prstGeom>
+                <a:noFill/>
+                <a:ln w="12700">
+                  <a:noFill/>
+                  <a:prstDash val="solid"/>
+                </a:ln>
+              </p:spPr>
+              <p:txBody>
+                <a:bodyPr lIns="91440" tIns="45720" rIns="91440" bIns="45720" rtlCol="0" anchor="t">
+                  <a:noAutofit/>
+                </a:bodyPr>
+                <a:lstStyle/>
+                <a:p>
+                  <a:pPr>
+                    <a:defRPr/>
+                  </a:pPr>
+                  <a:r>
+                    <a:rPr lang="en-US" sz="900" dirty="0"/>
+                    <a:t>Interactables</a:t>
+                  </a:r>
+                  <a:endParaRPr lang="en-US" sz="1200" dirty="0"/>
+                </a:p>
+              </p:txBody>
+            </p:sp>
+            <p:sp>
+              <p:nvSpPr>
+                <p:cNvPr id="267" name="AutoShape 119">
+                  <a:extLst>
+                    <a:ext uri="{FF2B5EF4-FFF2-40B4-BE49-F238E27FC236}">
+                      <a16:creationId xmlns:a16="http://schemas.microsoft.com/office/drawing/2014/main" id="{1293F4BD-560C-D4C3-09DB-72034663940B}"/>
+                    </a:ext>
+                  </a:extLst>
+                </p:cNvPr>
+                <p:cNvSpPr/>
+                <p:nvPr/>
+              </p:nvSpPr>
+              <p:spPr>
+                <a:xfrm>
+                  <a:off x="420540" y="1626627"/>
+                  <a:ext cx="849820" cy="110539"/>
+                </a:xfrm>
+                <a:prstGeom prst="rect">
+                  <a:avLst/>
+                </a:prstGeom>
+                <a:noFill/>
+                <a:ln w="12700">
+                  <a:noFill/>
+                  <a:prstDash val="solid"/>
+                </a:ln>
+              </p:spPr>
+              <p:txBody>
+                <a:bodyPr lIns="91440" tIns="45720" rIns="91440" bIns="45720" rtlCol="0" anchor="t">
+                  <a:noAutofit/>
+                </a:bodyPr>
+                <a:lstStyle/>
+                <a:p>
+                  <a:pPr>
+                    <a:defRPr/>
+                  </a:pPr>
+                  <a:r>
+                    <a:rPr lang="en-US" sz="900" dirty="0"/>
+                    <a:t>Environment</a:t>
+                  </a:r>
+                  <a:endParaRPr lang="en-US" sz="1200" dirty="0"/>
+                </a:p>
+              </p:txBody>
+            </p:sp>
+            <p:sp>
+              <p:nvSpPr>
+                <p:cNvPr id="268" name="AutoShape 119">
+                  <a:extLst>
+                    <a:ext uri="{FF2B5EF4-FFF2-40B4-BE49-F238E27FC236}">
+                      <a16:creationId xmlns:a16="http://schemas.microsoft.com/office/drawing/2014/main" id="{9F20133E-2D00-92F4-A9BD-78E89364480C}"/>
+                    </a:ext>
+                  </a:extLst>
+                </p:cNvPr>
+                <p:cNvSpPr/>
+                <p:nvPr/>
+              </p:nvSpPr>
+              <p:spPr>
+                <a:xfrm>
+                  <a:off x="826736" y="1833049"/>
+                  <a:ext cx="432630" cy="129600"/>
+                </a:xfrm>
+                <a:prstGeom prst="rect">
+                  <a:avLst/>
+                </a:prstGeom>
+                <a:noFill/>
+                <a:ln w="12700">
+                  <a:noFill/>
+                  <a:prstDash val="solid"/>
+                </a:ln>
+              </p:spPr>
+              <p:txBody>
+                <a:bodyPr lIns="91440" tIns="45720" rIns="91440" bIns="45720" rtlCol="0" anchor="t">
+                  <a:noAutofit/>
+                </a:bodyPr>
+                <a:lstStyle/>
+                <a:p>
+                  <a:pPr>
+                    <a:defRPr/>
+                  </a:pPr>
+                  <a:r>
+                    <a:rPr lang="en-US" sz="900" dirty="0"/>
+                    <a:t>Box</a:t>
+                  </a:r>
+                  <a:endParaRPr lang="en-US" sz="1200" dirty="0"/>
+                </a:p>
+              </p:txBody>
+            </p:sp>
+          </p:grpSp>
+          <p:sp>
+            <p:nvSpPr>
+              <p:cNvPr id="29" name="AutoShape 29"/>
+              <p:cNvSpPr/>
+              <p:nvPr/>
+            </p:nvSpPr>
+            <p:spPr>
+              <a:xfrm>
+                <a:off x="-2322011" y="1829442"/>
+                <a:ext cx="1225913" cy="121422"/>
+              </a:xfrm>
+              <a:prstGeom prst="rect">
+                <a:avLst/>
+              </a:prstGeom>
+              <a:noFill/>
+              <a:ln w="12700">
+                <a:noFill/>
+                <a:prstDash val="solid"/>
+              </a:ln>
+            </p:spPr>
+            <p:txBody>
+              <a:bodyPr lIns="0" tIns="0" rIns="0" bIns="0" rtlCol="0" anchor="ctr">
+                <a:noAutofit/>
+              </a:bodyPr>
+              <a:lstStyle/>
+              <a:p>
+                <a:pPr>
+                  <a:lnSpc>
+                    <a:spcPct val="125000"/>
+                  </a:lnSpc>
+                  <a:defRPr/>
+                </a:pPr>
+                <a:r>
+                  <a:rPr lang="en-US" altLang="zh-CN" sz="1050" dirty="0">
+                    <a:solidFill>
+                      <a:srgbClr val="1F2329"/>
+                    </a:solidFill>
+                  </a:rPr>
+                  <a:t>S1. Scene/prefab scan</a:t>
+                </a:r>
+                <a:endParaRPr lang="en-US" sz="1050" dirty="0"/>
+              </a:p>
+            </p:txBody>
+          </p:sp>
+        </p:grpSp>
+        <p:grpSp>
+          <p:nvGrpSpPr>
+            <p:cNvPr id="139" name="组合 138">
+              <a:extLst>
+                <a:ext uri="{FF2B5EF4-FFF2-40B4-BE49-F238E27FC236}">
+                  <a16:creationId xmlns:a16="http://schemas.microsoft.com/office/drawing/2014/main" id="{A63130D6-871A-E622-0EF4-4C3E3A2BF9C3}"/>
+                </a:ext>
+              </a:extLst>
+            </p:cNvPr>
+            <p:cNvGrpSpPr/>
+            <p:nvPr/>
+          </p:nvGrpSpPr>
+          <p:grpSpPr>
+            <a:xfrm>
+              <a:off x="358597" y="2317959"/>
+              <a:ext cx="1866166" cy="181409"/>
+              <a:chOff x="163717" y="2878489"/>
+              <a:chExt cx="1502100" cy="181409"/>
+            </a:xfrm>
+          </p:grpSpPr>
+          <p:sp>
+            <p:nvSpPr>
+              <p:cNvPr id="20" name="AutoShape 3">
+                <a:extLst>
+                  <a:ext uri="{FF2B5EF4-FFF2-40B4-BE49-F238E27FC236}">
+                    <a16:creationId xmlns:a16="http://schemas.microsoft.com/office/drawing/2014/main" id="{23F4B7B8-7C1A-FE17-CEE6-D5E72BC2BD99}"/>
+                  </a:ext>
+                </a:extLst>
+              </p:cNvPr>
+              <p:cNvSpPr/>
+              <p:nvPr/>
+            </p:nvSpPr>
+            <p:spPr>
+              <a:xfrm>
+                <a:off x="163717" y="2878489"/>
+                <a:ext cx="1502100" cy="181409"/>
+              </a:xfrm>
+              <a:prstGeom prst="roundRect">
+                <a:avLst>
+                  <a:gd name="adj" fmla="val 6034"/>
+                </a:avLst>
+              </a:prstGeom>
+              <a:solidFill>
+                <a:srgbClr val="DEE0E3">
+                  <a:alpha val="20000"/>
+                </a:srgbClr>
+              </a:solidFill>
+              <a:ln w="25400" cap="flat" cmpd="sng">
+                <a:solidFill>
+                  <a:srgbClr val="2B2F36">
+                    <a:alpha val="20000"/>
+                  </a:srgbClr>
+                </a:solidFill>
+                <a:prstDash val="solid"/>
+                <a:round/>
+              </a:ln>
+            </p:spPr>
+            <p:txBody>
+              <a:bodyPr lIns="63500" tIns="63500" rIns="63500" bIns="63500" rtlCol="0" anchor="ctr">
+                <a:noAutofit/>
+              </a:bodyPr>
+              <a:lstStyle/>
+              <a:p>
+                <a:pPr algn="ctr">
+                  <a:defRPr/>
+                </a:pPr>
+                <a:endParaRPr sz="1400" dirty="0"/>
+              </a:p>
+            </p:txBody>
+          </p:sp>
+          <p:sp>
+            <p:nvSpPr>
+              <p:cNvPr id="112" name="AutoShape 29">
+                <a:extLst>
+                  <a:ext uri="{FF2B5EF4-FFF2-40B4-BE49-F238E27FC236}">
+                    <a16:creationId xmlns:a16="http://schemas.microsoft.com/office/drawing/2014/main" id="{4A7F88DD-9A20-F3C2-DA21-B14707D3FA99}"/>
+                  </a:ext>
+                </a:extLst>
+              </p:cNvPr>
+              <p:cNvSpPr/>
+              <p:nvPr/>
+            </p:nvSpPr>
+            <p:spPr>
+              <a:xfrm>
+                <a:off x="199414" y="2883164"/>
+                <a:ext cx="1413589" cy="145786"/>
+              </a:xfrm>
+              <a:prstGeom prst="rect">
+                <a:avLst/>
+              </a:prstGeom>
+              <a:noFill/>
+              <a:ln w="12700">
+                <a:noFill/>
+                <a:prstDash val="solid"/>
+              </a:ln>
+            </p:spPr>
+            <p:txBody>
+              <a:bodyPr lIns="0" tIns="0" rIns="0" bIns="0" rtlCol="0" anchor="ctr">
+                <a:noAutofit/>
+              </a:bodyPr>
+              <a:lstStyle/>
+              <a:p>
+                <a:pPr>
+                  <a:lnSpc>
+                    <a:spcPct val="125000"/>
+                  </a:lnSpc>
+                  <a:defRPr/>
+                </a:pPr>
+                <a:r>
+                  <a:rPr lang="en-US" altLang="zh-CN" sz="1050" dirty="0">
+                    <a:solidFill>
+                      <a:srgbClr val="1F2329"/>
+                    </a:solidFill>
+                  </a:rPr>
+                  <a:t>S2. Script binding extraction</a:t>
+                </a:r>
+                <a:endParaRPr lang="en-US" sz="1050" dirty="0"/>
+              </a:p>
+            </p:txBody>
+          </p:sp>
+        </p:grpSp>
+        <p:grpSp>
+          <p:nvGrpSpPr>
+            <p:cNvPr id="140" name="组合 139">
+              <a:extLst>
+                <a:ext uri="{FF2B5EF4-FFF2-40B4-BE49-F238E27FC236}">
+                  <a16:creationId xmlns:a16="http://schemas.microsoft.com/office/drawing/2014/main" id="{4DEB5BB6-7A9F-4303-2978-A4C6D7736CB0}"/>
+                </a:ext>
+              </a:extLst>
+            </p:cNvPr>
+            <p:cNvGrpSpPr/>
+            <p:nvPr/>
+          </p:nvGrpSpPr>
+          <p:grpSpPr>
+            <a:xfrm>
+              <a:off x="359074" y="2547688"/>
+              <a:ext cx="1931783" cy="181409"/>
+              <a:chOff x="164194" y="3108219"/>
+              <a:chExt cx="1931783" cy="181409"/>
+            </a:xfrm>
+          </p:grpSpPr>
+          <p:sp>
+            <p:nvSpPr>
+              <p:cNvPr id="120" name="AutoShape 3">
+                <a:extLst>
+                  <a:ext uri="{FF2B5EF4-FFF2-40B4-BE49-F238E27FC236}">
+                    <a16:creationId xmlns:a16="http://schemas.microsoft.com/office/drawing/2014/main" id="{B26A646C-803A-BE08-95EC-428C27BEB849}"/>
+                  </a:ext>
+                </a:extLst>
+              </p:cNvPr>
+              <p:cNvSpPr/>
+              <p:nvPr/>
+            </p:nvSpPr>
+            <p:spPr>
+              <a:xfrm>
+                <a:off x="164194" y="3108219"/>
+                <a:ext cx="1869923" cy="181409"/>
+              </a:xfrm>
+              <a:prstGeom prst="roundRect">
+                <a:avLst>
+                  <a:gd name="adj" fmla="val 6034"/>
+                </a:avLst>
+              </a:prstGeom>
+              <a:solidFill>
+                <a:srgbClr val="DEE0E3">
+                  <a:alpha val="20000"/>
+                </a:srgbClr>
+              </a:solidFill>
+              <a:ln w="25400" cap="flat" cmpd="sng">
+                <a:solidFill>
+                  <a:srgbClr val="2B2F36">
+                    <a:alpha val="20000"/>
+                  </a:srgbClr>
+                </a:solidFill>
+                <a:prstDash val="solid"/>
+                <a:round/>
+              </a:ln>
+            </p:spPr>
+            <p:txBody>
+              <a:bodyPr lIns="63500" tIns="63500" rIns="63500" bIns="63500" rtlCol="0" anchor="ctr">
+                <a:noAutofit/>
+              </a:bodyPr>
+              <a:lstStyle/>
+              <a:p>
+                <a:pPr algn="ctr">
+                  <a:defRPr/>
+                </a:pPr>
+                <a:endParaRPr sz="1400" dirty="0"/>
+              </a:p>
+            </p:txBody>
+          </p:sp>
+          <p:sp>
+            <p:nvSpPr>
+              <p:cNvPr id="124" name="AutoShape 29">
+                <a:extLst>
+                  <a:ext uri="{FF2B5EF4-FFF2-40B4-BE49-F238E27FC236}">
+                    <a16:creationId xmlns:a16="http://schemas.microsoft.com/office/drawing/2014/main" id="{91AC0066-9032-B14A-5038-A617ADC9B17E}"/>
+                  </a:ext>
+                </a:extLst>
+              </p:cNvPr>
+              <p:cNvSpPr/>
+              <p:nvPr/>
+            </p:nvSpPr>
+            <p:spPr>
+              <a:xfrm>
+                <a:off x="199891" y="3112894"/>
+                <a:ext cx="1896086" cy="145786"/>
+              </a:xfrm>
+              <a:prstGeom prst="rect">
+                <a:avLst/>
+              </a:prstGeom>
+              <a:noFill/>
+              <a:ln w="12700">
+                <a:noFill/>
+                <a:prstDash val="solid"/>
+              </a:ln>
+            </p:spPr>
+            <p:txBody>
+              <a:bodyPr lIns="0" tIns="0" rIns="0" bIns="0" rtlCol="0" anchor="ctr">
+                <a:noAutofit/>
+              </a:bodyPr>
+              <a:lstStyle/>
+              <a:p>
+                <a:pPr>
+                  <a:lnSpc>
+                    <a:spcPct val="125000"/>
+                  </a:lnSpc>
+                  <a:defRPr/>
+                </a:pPr>
+                <a:r>
+                  <a:rPr lang="en-US" altLang="zh-CN" sz="1050" dirty="0">
+                    <a:solidFill>
+                      <a:srgbClr val="1F2329"/>
+                    </a:solidFill>
+                  </a:rPr>
+                  <a:t>S3. Interaction pattern identification</a:t>
+                </a:r>
+                <a:endParaRPr lang="en-US" sz="1050" dirty="0"/>
+              </a:p>
+            </p:txBody>
+          </p:sp>
+        </p:grpSp>
+        <p:sp>
+          <p:nvSpPr>
+            <p:cNvPr id="144" name="AutoShape 11">
+              <a:extLst>
+                <a:ext uri="{FF2B5EF4-FFF2-40B4-BE49-F238E27FC236}">
+                  <a16:creationId xmlns:a16="http://schemas.microsoft.com/office/drawing/2014/main" id="{D5CD180B-8E27-80CB-3E53-B23C67F5BD7E}"/>
+                </a:ext>
+              </a:extLst>
+            </p:cNvPr>
+            <p:cNvSpPr/>
+            <p:nvPr/>
+          </p:nvSpPr>
+          <p:spPr>
+            <a:xfrm>
+              <a:off x="279090" y="1770434"/>
+              <a:ext cx="2046956" cy="1010171"/>
+            </a:xfrm>
+            <a:prstGeom prst="roundRect">
+              <a:avLst>
+                <a:gd name="adj" fmla="val 6803"/>
+              </a:avLst>
+            </a:prstGeom>
+            <a:noFill/>
+            <a:ln w="25400" cap="flat">
+              <a:solidFill>
+                <a:srgbClr val="262626">
+                  <a:alpha val="100000"/>
+                </a:srgbClr>
+              </a:solidFill>
+              <a:prstDash val="solid"/>
+            </a:ln>
+          </p:spPr>
+          <p:txBody>
+            <a:bodyPr lIns="91440" tIns="45720" rIns="91440" bIns="45720" rtlCol="0" anchor="ctr">
+              <a:noAutofit/>
+            </a:bodyPr>
+            <a:lstStyle/>
+            <a:p>
+              <a:pPr algn="ctr">
+                <a:defRPr/>
+              </a:pPr>
+              <a:endParaRPr sz="3200" dirty="0"/>
+            </a:p>
+          </p:txBody>
+        </p:sp>
+      </p:grpSp>
+      <p:grpSp>
+        <p:nvGrpSpPr>
+          <p:cNvPr id="312" name="组合 311">
+            <a:extLst>
+              <a:ext uri="{FF2B5EF4-FFF2-40B4-BE49-F238E27FC236}">
+                <a16:creationId xmlns:a16="http://schemas.microsoft.com/office/drawing/2014/main" id="{51ED0DAB-DF41-8263-102D-F0192BB1AA7A}"/>
+              </a:ext>
+            </a:extLst>
+          </p:cNvPr>
+          <p:cNvGrpSpPr/>
+          <p:nvPr/>
+        </p:nvGrpSpPr>
+        <p:grpSpPr>
+          <a:xfrm>
+            <a:off x="367352" y="2830413"/>
+            <a:ext cx="2519617" cy="955974"/>
+            <a:chOff x="-2809952" y="835824"/>
+            <a:chExt cx="2519617" cy="955974"/>
+          </a:xfrm>
+        </p:grpSpPr>
+        <p:sp>
+          <p:nvSpPr>
+            <p:cNvPr id="234" name="AutoShape 29">
+              <a:extLst>
+                <a:ext uri="{FF2B5EF4-FFF2-40B4-BE49-F238E27FC236}">
+                  <a16:creationId xmlns:a16="http://schemas.microsoft.com/office/drawing/2014/main" id="{C29266F4-FBBF-6819-FE84-B21E8354D189}"/>
+                </a:ext>
+              </a:extLst>
+            </p:cNvPr>
+            <p:cNvSpPr/>
+            <p:nvPr/>
+          </p:nvSpPr>
+          <p:spPr>
+            <a:xfrm>
+              <a:off x="-2642420" y="965011"/>
+              <a:ext cx="2171826" cy="158476"/>
+            </a:xfrm>
+            <a:prstGeom prst="rect">
+              <a:avLst/>
+            </a:prstGeom>
+            <a:noFill/>
+            <a:ln w="12700">
+              <a:noFill/>
+              <a:prstDash val="solid"/>
+            </a:ln>
+          </p:spPr>
+          <p:txBody>
+            <a:bodyPr lIns="0" tIns="0" rIns="0" bIns="0" rtlCol="0" anchor="ctr">
+              <a:noAutofit/>
+            </a:bodyPr>
+            <a:lstStyle/>
+            <a:p>
+              <a:pPr>
+                <a:lnSpc>
+                  <a:spcPct val="125000"/>
+                </a:lnSpc>
+                <a:defRPr/>
+              </a:pPr>
+              <a:r>
+                <a:rPr lang="en-US" altLang="zh-CN" sz="1000" dirty="0">
+                  <a:solidFill>
+                    <a:srgbClr val="1F2329"/>
+                  </a:solidFill>
+                </a:rPr>
+                <a:t>D1. Runtime state observation</a:t>
+              </a:r>
+              <a:endParaRPr lang="en-US" sz="1000" dirty="0"/>
+            </a:p>
+          </p:txBody>
+        </p:sp>
+        <p:grpSp>
+          <p:nvGrpSpPr>
+            <p:cNvPr id="154" name="组合 153">
+              <a:extLst>
+                <a:ext uri="{FF2B5EF4-FFF2-40B4-BE49-F238E27FC236}">
+                  <a16:creationId xmlns:a16="http://schemas.microsoft.com/office/drawing/2014/main" id="{95E149D8-A965-CB4A-76B9-B0AEBBAFE347}"/>
+                </a:ext>
+              </a:extLst>
+            </p:cNvPr>
+            <p:cNvGrpSpPr/>
+            <p:nvPr/>
+          </p:nvGrpSpPr>
+          <p:grpSpPr>
+            <a:xfrm>
+              <a:off x="-2709068" y="1211644"/>
+              <a:ext cx="2297081" cy="236769"/>
+              <a:chOff x="163717" y="2878489"/>
+              <a:chExt cx="1502100" cy="181409"/>
+            </a:xfrm>
+          </p:grpSpPr>
+          <p:sp>
+            <p:nvSpPr>
+              <p:cNvPr id="225" name="AutoShape 3">
+                <a:extLst>
+                  <a:ext uri="{FF2B5EF4-FFF2-40B4-BE49-F238E27FC236}">
+                    <a16:creationId xmlns:a16="http://schemas.microsoft.com/office/drawing/2014/main" id="{809C69BD-850D-B1E1-A555-803A7AFC5BA0}"/>
+                  </a:ext>
+                </a:extLst>
+              </p:cNvPr>
+              <p:cNvSpPr/>
+              <p:nvPr/>
+            </p:nvSpPr>
+            <p:spPr>
+              <a:xfrm>
+                <a:off x="163717" y="2878489"/>
+                <a:ext cx="1502100" cy="181409"/>
+              </a:xfrm>
+              <a:prstGeom prst="roundRect">
+                <a:avLst>
+                  <a:gd name="adj" fmla="val 6034"/>
+                </a:avLst>
+              </a:prstGeom>
+              <a:solidFill>
+                <a:srgbClr val="DEE0E3">
+                  <a:alpha val="20000"/>
+                </a:srgbClr>
+              </a:solidFill>
+              <a:ln w="25400" cap="flat" cmpd="sng">
+                <a:solidFill>
+                  <a:srgbClr val="2B2F36">
+                    <a:alpha val="20000"/>
+                  </a:srgbClr>
+                </a:solidFill>
+                <a:prstDash val="solid"/>
+                <a:round/>
+              </a:ln>
+            </p:spPr>
+            <p:txBody>
+              <a:bodyPr lIns="63500" tIns="63500" rIns="63500" bIns="63500" rtlCol="0" anchor="ctr">
+                <a:noAutofit/>
+              </a:bodyPr>
+              <a:lstStyle/>
+              <a:p>
+                <a:pPr algn="ctr">
+                  <a:defRPr/>
+                </a:pPr>
+                <a:endParaRPr sz="1200" dirty="0"/>
+              </a:p>
+            </p:txBody>
+          </p:sp>
+          <p:sp>
+            <p:nvSpPr>
+              <p:cNvPr id="229" name="AutoShape 29">
+                <a:extLst>
+                  <a:ext uri="{FF2B5EF4-FFF2-40B4-BE49-F238E27FC236}">
+                    <a16:creationId xmlns:a16="http://schemas.microsoft.com/office/drawing/2014/main" id="{5D121CD7-68B9-A1B0-9ADF-54DCF0A4B012}"/>
+                  </a:ext>
+                </a:extLst>
+              </p:cNvPr>
+              <p:cNvSpPr/>
+              <p:nvPr/>
+            </p:nvSpPr>
+            <p:spPr>
+              <a:xfrm>
+                <a:off x="199414" y="2883164"/>
+                <a:ext cx="1413589" cy="145786"/>
+              </a:xfrm>
+              <a:prstGeom prst="rect">
+                <a:avLst/>
+              </a:prstGeom>
+              <a:noFill/>
+              <a:ln w="12700">
+                <a:noFill/>
+                <a:prstDash val="solid"/>
+              </a:ln>
+            </p:spPr>
+            <p:txBody>
+              <a:bodyPr lIns="0" tIns="0" rIns="0" bIns="0" rtlCol="0" anchor="ctr">
+                <a:noAutofit/>
+              </a:bodyPr>
+              <a:lstStyle/>
+              <a:p>
+                <a:pPr>
+                  <a:lnSpc>
+                    <a:spcPct val="125000"/>
+                  </a:lnSpc>
+                  <a:defRPr/>
+                </a:pPr>
+                <a:r>
+                  <a:rPr lang="en-US" altLang="zh-CN" sz="1000" dirty="0">
+                    <a:solidFill>
+                      <a:srgbClr val="1F2329"/>
+                    </a:solidFill>
+                  </a:rPr>
+                  <a:t>D2. Interaction flow tracing</a:t>
+                </a:r>
+                <a:endParaRPr lang="en-US" sz="1000" dirty="0"/>
+              </a:p>
+            </p:txBody>
+          </p:sp>
+        </p:grpSp>
+        <p:sp>
+          <p:nvSpPr>
+            <p:cNvPr id="292" name="AutoShape 3">
+              <a:extLst>
+                <a:ext uri="{FF2B5EF4-FFF2-40B4-BE49-F238E27FC236}">
+                  <a16:creationId xmlns:a16="http://schemas.microsoft.com/office/drawing/2014/main" id="{FCD270F7-D1F4-B34B-BA8E-847C6CFB4562}"/>
+                </a:ext>
+              </a:extLst>
+            </p:cNvPr>
+            <p:cNvSpPr/>
+            <p:nvPr/>
+          </p:nvSpPr>
+          <p:spPr>
+            <a:xfrm>
+              <a:off x="-2715618" y="924933"/>
+              <a:ext cx="2297081" cy="236769"/>
+            </a:xfrm>
+            <a:prstGeom prst="roundRect">
+              <a:avLst>
+                <a:gd name="adj" fmla="val 6034"/>
+              </a:avLst>
+            </a:prstGeom>
+            <a:solidFill>
+              <a:srgbClr val="DEE0E3">
+                <a:alpha val="20000"/>
+              </a:srgbClr>
+            </a:solidFill>
+            <a:ln w="25400" cap="flat" cmpd="sng">
+              <a:solidFill>
+                <a:srgbClr val="2B2F36">
+                  <a:alpha val="20000"/>
+                </a:srgbClr>
+              </a:solidFill>
+              <a:prstDash val="solid"/>
+              <a:round/>
+            </a:ln>
+          </p:spPr>
+          <p:txBody>
+            <a:bodyPr lIns="63500" tIns="63500" rIns="63500" bIns="63500" rtlCol="0" anchor="ctr">
+              <a:noAutofit/>
+            </a:bodyPr>
+            <a:lstStyle/>
+            <a:p>
+              <a:pPr algn="ctr">
+                <a:defRPr/>
+              </a:pPr>
+              <a:endParaRPr sz="1200" dirty="0"/>
+            </a:p>
+          </p:txBody>
+        </p:sp>
+        <p:grpSp>
+          <p:nvGrpSpPr>
+            <p:cNvPr id="165" name="组合 164">
+              <a:extLst>
+                <a:ext uri="{FF2B5EF4-FFF2-40B4-BE49-F238E27FC236}">
+                  <a16:creationId xmlns:a16="http://schemas.microsoft.com/office/drawing/2014/main" id="{0E9FECF4-54B7-91B3-F1DE-E3746B67237C}"/>
+                </a:ext>
+              </a:extLst>
+            </p:cNvPr>
+            <p:cNvGrpSpPr/>
+            <p:nvPr/>
+          </p:nvGrpSpPr>
+          <p:grpSpPr>
+            <a:xfrm>
+              <a:off x="-2711499" y="1487803"/>
+              <a:ext cx="2377849" cy="236769"/>
+              <a:chOff x="164194" y="3108219"/>
+              <a:chExt cx="1931783" cy="181409"/>
+            </a:xfrm>
+          </p:grpSpPr>
+          <p:sp>
+            <p:nvSpPr>
+              <p:cNvPr id="185" name="AutoShape 3">
+                <a:extLst>
+                  <a:ext uri="{FF2B5EF4-FFF2-40B4-BE49-F238E27FC236}">
+                    <a16:creationId xmlns:a16="http://schemas.microsoft.com/office/drawing/2014/main" id="{68D67C83-E6D9-7C18-6FDA-FC627CEFF7C7}"/>
+                  </a:ext>
+                </a:extLst>
+              </p:cNvPr>
+              <p:cNvSpPr/>
+              <p:nvPr/>
+            </p:nvSpPr>
+            <p:spPr>
+              <a:xfrm>
+                <a:off x="164194" y="3108219"/>
+                <a:ext cx="1869923" cy="181409"/>
+              </a:xfrm>
+              <a:prstGeom prst="roundRect">
+                <a:avLst>
+                  <a:gd name="adj" fmla="val 6034"/>
+                </a:avLst>
+              </a:prstGeom>
+              <a:solidFill>
+                <a:srgbClr val="DEE0E3">
+                  <a:alpha val="20000"/>
+                </a:srgbClr>
+              </a:solidFill>
+              <a:ln w="25400" cap="flat" cmpd="sng">
+                <a:solidFill>
+                  <a:srgbClr val="2B2F36">
+                    <a:alpha val="20000"/>
+                  </a:srgbClr>
+                </a:solidFill>
+                <a:prstDash val="solid"/>
+                <a:round/>
+              </a:ln>
+            </p:spPr>
+            <p:txBody>
+              <a:bodyPr lIns="63500" tIns="63500" rIns="63500" bIns="63500" rtlCol="0" anchor="ctr">
+                <a:noAutofit/>
+              </a:bodyPr>
+              <a:lstStyle/>
+              <a:p>
+                <a:pPr algn="ctr">
+                  <a:defRPr/>
+                </a:pPr>
+                <a:endParaRPr sz="1200" dirty="0"/>
+              </a:p>
+            </p:txBody>
+          </p:sp>
+          <p:sp>
+            <p:nvSpPr>
+              <p:cNvPr id="220" name="AutoShape 29">
+                <a:extLst>
+                  <a:ext uri="{FF2B5EF4-FFF2-40B4-BE49-F238E27FC236}">
+                    <a16:creationId xmlns:a16="http://schemas.microsoft.com/office/drawing/2014/main" id="{6210F749-1C03-0F01-2405-FDCA145CF341}"/>
+                  </a:ext>
+                </a:extLst>
+              </p:cNvPr>
+              <p:cNvSpPr/>
+              <p:nvPr/>
+            </p:nvSpPr>
+            <p:spPr>
+              <a:xfrm>
+                <a:off x="199891" y="3112894"/>
+                <a:ext cx="1896086" cy="145786"/>
+              </a:xfrm>
+              <a:prstGeom prst="rect">
+                <a:avLst/>
+              </a:prstGeom>
+              <a:noFill/>
+              <a:ln w="12700">
+                <a:noFill/>
+                <a:prstDash val="solid"/>
+              </a:ln>
+            </p:spPr>
+            <p:txBody>
+              <a:bodyPr lIns="0" tIns="0" rIns="0" bIns="0" rtlCol="0" anchor="ctr">
+                <a:noAutofit/>
+              </a:bodyPr>
+              <a:lstStyle/>
+              <a:p>
+                <a:pPr>
+                  <a:lnSpc>
+                    <a:spcPct val="125000"/>
+                  </a:lnSpc>
+                  <a:defRPr/>
+                </a:pPr>
+                <a:r>
+                  <a:rPr lang="en-US" altLang="zh-CN" sz="1000" dirty="0">
+                    <a:solidFill>
+                      <a:srgbClr val="1F2329"/>
+                    </a:solidFill>
+                  </a:rPr>
+                  <a:t>D3. Heuristic validation of task logic</a:t>
+                </a:r>
+                <a:endParaRPr lang="en-US" sz="1000" dirty="0"/>
+              </a:p>
+            </p:txBody>
+          </p:sp>
+        </p:grpSp>
+        <p:sp>
+          <p:nvSpPr>
+            <p:cNvPr id="180" name="AutoShape 11">
+              <a:extLst>
+                <a:ext uri="{FF2B5EF4-FFF2-40B4-BE49-F238E27FC236}">
+                  <a16:creationId xmlns:a16="http://schemas.microsoft.com/office/drawing/2014/main" id="{F4B0652A-2F8D-3D6E-E8C5-188B3D5AC194}"/>
+                </a:ext>
+              </a:extLst>
+            </p:cNvPr>
+            <p:cNvSpPr/>
+            <p:nvPr/>
+          </p:nvSpPr>
+          <p:spPr>
+            <a:xfrm>
+              <a:off x="-2809952" y="835824"/>
+              <a:ext cx="2519617" cy="955974"/>
+            </a:xfrm>
+            <a:prstGeom prst="roundRect">
+              <a:avLst>
+                <a:gd name="adj" fmla="val 6803"/>
+              </a:avLst>
+            </a:prstGeom>
+            <a:noFill/>
+            <a:ln w="25400" cap="flat">
+              <a:solidFill>
+                <a:srgbClr val="262626">
+                  <a:alpha val="100000"/>
+                </a:srgbClr>
+              </a:solidFill>
+              <a:prstDash val="solid"/>
+            </a:ln>
+          </p:spPr>
+          <p:txBody>
+            <a:bodyPr lIns="91440" tIns="45720" rIns="91440" bIns="45720" rtlCol="0" anchor="ctr">
+              <a:noAutofit/>
+            </a:bodyPr>
+            <a:lstStyle/>
+            <a:p>
+              <a:pPr algn="ctr">
+                <a:defRPr/>
+              </a:pPr>
+              <a:endParaRPr sz="3200" dirty="0"/>
+            </a:p>
+          </p:txBody>
+        </p:sp>
+      </p:grpSp>
+      <p:sp>
+        <p:nvSpPr>
+          <p:cNvPr id="316" name="文本框 315">
+            <a:extLst>
+              <a:ext uri="{FF2B5EF4-FFF2-40B4-BE49-F238E27FC236}">
+                <a16:creationId xmlns:a16="http://schemas.microsoft.com/office/drawing/2014/main" id="{7C588A01-606F-E5B1-881A-60DD1905C772}"/>
+              </a:ext>
+            </a:extLst>
+          </p:cNvPr>
+          <p:cNvSpPr txBox="1"/>
+          <p:nvPr/>
+        </p:nvSpPr>
+        <p:spPr>
+          <a:xfrm>
+            <a:off x="266760" y="3956671"/>
+            <a:ext cx="2674703" cy="261610"/>
+          </a:xfrm>
+          <a:prstGeom prst="rect">
+            <a:avLst/>
+          </a:prstGeom>
+          <a:noFill/>
+        </p:spPr>
+        <p:txBody>
+          <a:bodyPr wrap="square">
+            <a:spAutoFit/>
+          </a:bodyPr>
+          <a:lstStyle/>
+          <a:p>
+            <a:pPr algn="ctr"/>
+            <a:r>
+              <a:rPr lang="en-US" altLang="zh-CN" sz="1100" dirty="0"/>
+              <a:t>Output the heuristic rules &amp; experiences</a:t>
+            </a:r>
+            <a:endParaRPr lang="zh-CN" altLang="en-US" sz="1100" dirty="0"/>
+          </a:p>
+        </p:txBody>
+      </p:sp>
+      <p:grpSp>
+        <p:nvGrpSpPr>
+          <p:cNvPr id="351" name="组合 350">
+            <a:extLst>
+              <a:ext uri="{FF2B5EF4-FFF2-40B4-BE49-F238E27FC236}">
+                <a16:creationId xmlns:a16="http://schemas.microsoft.com/office/drawing/2014/main" id="{D1250DBB-7364-B7A4-3B8C-472129E9E7EA}"/>
+              </a:ext>
+            </a:extLst>
+          </p:cNvPr>
+          <p:cNvGrpSpPr/>
+          <p:nvPr/>
+        </p:nvGrpSpPr>
+        <p:grpSpPr>
+          <a:xfrm>
+            <a:off x="191483" y="4675328"/>
+            <a:ext cx="1331377" cy="420735"/>
+            <a:chOff x="-1530304" y="3709843"/>
+            <a:chExt cx="1331377" cy="420735"/>
+          </a:xfrm>
+        </p:grpSpPr>
+        <p:grpSp>
+          <p:nvGrpSpPr>
+            <p:cNvPr id="330" name="Group 10">
+              <a:extLst>
+                <a:ext uri="{FF2B5EF4-FFF2-40B4-BE49-F238E27FC236}">
+                  <a16:creationId xmlns:a16="http://schemas.microsoft.com/office/drawing/2014/main" id="{FA8C27A0-140D-951D-BFE6-4A09D5AB8B34}"/>
+                </a:ext>
+              </a:extLst>
+            </p:cNvPr>
+            <p:cNvGrpSpPr/>
+            <p:nvPr/>
+          </p:nvGrpSpPr>
+          <p:grpSpPr>
+            <a:xfrm>
+              <a:off x="-1525266" y="3709843"/>
+              <a:ext cx="1326339" cy="420735"/>
+              <a:chOff x="640815" y="1618542"/>
+              <a:chExt cx="1326339" cy="351088"/>
+            </a:xfrm>
+          </p:grpSpPr>
+          <p:sp>
+            <p:nvSpPr>
+              <p:cNvPr id="336" name="AutoShape 11">
+                <a:extLst>
+                  <a:ext uri="{FF2B5EF4-FFF2-40B4-BE49-F238E27FC236}">
+                    <a16:creationId xmlns:a16="http://schemas.microsoft.com/office/drawing/2014/main" id="{C1ADA4B2-BAA1-668A-C8A6-90180263756F}"/>
+                  </a:ext>
+                </a:extLst>
+              </p:cNvPr>
+              <p:cNvSpPr/>
+              <p:nvPr/>
+            </p:nvSpPr>
+            <p:spPr>
+              <a:xfrm>
+                <a:off x="640815" y="1618542"/>
+                <a:ext cx="1279408" cy="321922"/>
+              </a:xfrm>
+              <a:prstGeom prst="roundRect">
+                <a:avLst>
+                  <a:gd name="adj" fmla="val 6803"/>
+                </a:avLst>
+              </a:prstGeom>
+              <a:noFill/>
+              <a:ln w="25400" cap="flat">
+                <a:solidFill>
+                  <a:srgbClr val="262626">
+                    <a:alpha val="100000"/>
+                  </a:srgbClr>
+                </a:solidFill>
+                <a:prstDash val="solid"/>
+              </a:ln>
+            </p:spPr>
+            <p:txBody>
+              <a:bodyPr lIns="91440" tIns="45720" rIns="91440" bIns="45720" rtlCol="0" anchor="ctr">
+                <a:noAutofit/>
+              </a:bodyPr>
+              <a:lstStyle/>
+              <a:p>
+                <a:pPr algn="ctr">
+                  <a:defRPr/>
+                </a:pPr>
+                <a:endParaRPr sz="2628" dirty="0"/>
+              </a:p>
+            </p:txBody>
+          </p:sp>
+          <p:sp>
+            <p:nvSpPr>
+              <p:cNvPr id="339" name="AutoShape 13">
+                <a:extLst>
+                  <a:ext uri="{FF2B5EF4-FFF2-40B4-BE49-F238E27FC236}">
+                    <a16:creationId xmlns:a16="http://schemas.microsoft.com/office/drawing/2014/main" id="{5DB347BD-2EF7-35DC-6728-93A38ABD9EF0}"/>
+                  </a:ext>
+                </a:extLst>
+              </p:cNvPr>
+              <p:cNvSpPr/>
+              <p:nvPr/>
+            </p:nvSpPr>
+            <p:spPr>
+              <a:xfrm>
+                <a:off x="804317" y="1619993"/>
+                <a:ext cx="1162837" cy="349637"/>
+              </a:xfrm>
+              <a:prstGeom prst="rect">
+                <a:avLst/>
+              </a:prstGeom>
+              <a:noFill/>
+              <a:ln w="12700">
+                <a:noFill/>
+                <a:prstDash val="solid"/>
+              </a:ln>
+            </p:spPr>
+            <p:txBody>
+              <a:bodyPr lIns="91440" tIns="45720" rIns="91440" bIns="45720" rtlCol="0" anchor="t">
+                <a:noAutofit/>
+              </a:bodyPr>
+              <a:lstStyle/>
+              <a:p>
+                <a:pPr algn="ctr">
+                  <a:defRPr/>
+                </a:pPr>
+                <a:r>
+                  <a:rPr lang="en-US" altLang="zh-CN" sz="1000" dirty="0"/>
+                  <a:t>Heuristic rules &amp; experiences</a:t>
+                </a:r>
+              </a:p>
+            </p:txBody>
+          </p:sp>
+        </p:grpSp>
+        <p:pic>
+          <p:nvPicPr>
+            <p:cNvPr id="341" name="图片 340">
+              <a:extLst>
+                <a:ext uri="{FF2B5EF4-FFF2-40B4-BE49-F238E27FC236}">
+                  <a16:creationId xmlns:a16="http://schemas.microsoft.com/office/drawing/2014/main" id="{D6F97993-A511-77EC-1D7A-C9DB713A5B52}"/>
+                </a:ext>
+              </a:extLst>
+            </p:cNvPr>
+            <p:cNvPicPr>
+              <a:picLocks noChangeAspect="1"/>
+            </p:cNvPicPr>
+            <p:nvPr/>
+          </p:nvPicPr>
+          <p:blipFill>
+            <a:blip r:embed="rId16"/>
+            <a:stretch>
+              <a:fillRect/>
+            </a:stretch>
+          </p:blipFill>
+          <p:spPr>
+            <a:xfrm>
+              <a:off x="-1530304" y="3729586"/>
+              <a:ext cx="339389" cy="329635"/>
+            </a:xfrm>
+            <a:prstGeom prst="rect">
+              <a:avLst/>
+            </a:prstGeom>
+          </p:spPr>
+        </p:pic>
+      </p:grpSp>
+      <p:pic>
+        <p:nvPicPr>
+          <p:cNvPr id="347" name="图片 346">
+            <a:extLst>
+              <a:ext uri="{FF2B5EF4-FFF2-40B4-BE49-F238E27FC236}">
+                <a16:creationId xmlns:a16="http://schemas.microsoft.com/office/drawing/2014/main" id="{A1FDB3E9-60AD-DA41-4037-9EA59DFD2469}"/>
+              </a:ext>
+            </a:extLst>
+          </p:cNvPr>
+          <p:cNvPicPr>
+            <a:picLocks noChangeAspect="1"/>
+          </p:cNvPicPr>
+          <p:nvPr/>
+        </p:nvPicPr>
+        <p:blipFill>
+          <a:blip r:embed="rId17"/>
+          <a:stretch>
+            <a:fillRect/>
+          </a:stretch>
+        </p:blipFill>
+        <p:spPr>
+          <a:xfrm>
+            <a:off x="1537921" y="4806589"/>
+            <a:ext cx="258127" cy="283676"/>
+          </a:xfrm>
+          <a:prstGeom prst="rect">
+            <a:avLst/>
+          </a:prstGeom>
+        </p:spPr>
+      </p:pic>
+      <p:sp>
+        <p:nvSpPr>
+          <p:cNvPr id="353" name="AutoShape 14">
+            <a:extLst>
+              <a:ext uri="{FF2B5EF4-FFF2-40B4-BE49-F238E27FC236}">
+                <a16:creationId xmlns:a16="http://schemas.microsoft.com/office/drawing/2014/main" id="{339C29FB-DC0F-540D-B4EB-BF497971D507}"/>
+              </a:ext>
+            </a:extLst>
+          </p:cNvPr>
+          <p:cNvSpPr/>
+          <p:nvPr/>
+        </p:nvSpPr>
+        <p:spPr>
+          <a:xfrm rot="18562953">
+            <a:off x="1352597" y="5096059"/>
+            <a:ext cx="180235" cy="249544"/>
+          </a:xfrm>
+          <a:prstGeom prst="downArrow">
+            <a:avLst>
+              <a:gd name="adj1" fmla="val 50000"/>
+              <a:gd name="adj2" fmla="val 50000"/>
+            </a:avLst>
+          </a:prstGeom>
+          <a:ln/>
+        </p:spPr>
+        <p:style>
+          <a:lnRef idx="1">
+            <a:schemeClr val="dk1"/>
+          </a:lnRef>
+          <a:fillRef idx="2">
+            <a:schemeClr val="dk1"/>
+          </a:fillRef>
+          <a:effectRef idx="1">
+            <a:schemeClr val="dk1"/>
+          </a:effectRef>
+          <a:fontRef idx="minor">
+            <a:schemeClr val="dk1"/>
+          </a:fontRef>
+        </p:style>
+        <p:txBody>
+          <a:bodyPr lIns="91440" tIns="45720" rIns="35559" bIns="45720" rtlCol="0" anchor="ctr">
+            <a:noAutofit/>
+          </a:bodyPr>
+          <a:lstStyle/>
+          <a:p>
+            <a:pPr algn="ctr">
+              <a:defRPr/>
+            </a:pPr>
+            <a:endParaRPr sz="2628" dirty="0"/>
+          </a:p>
+        </p:txBody>
+      </p:sp>
+      <p:grpSp>
+        <p:nvGrpSpPr>
+          <p:cNvPr id="361" name="组合 360">
+            <a:extLst>
+              <a:ext uri="{FF2B5EF4-FFF2-40B4-BE49-F238E27FC236}">
+                <a16:creationId xmlns:a16="http://schemas.microsoft.com/office/drawing/2014/main" id="{B6E2D281-7F73-24A0-858A-B8ED6E05BF2A}"/>
+              </a:ext>
+            </a:extLst>
+          </p:cNvPr>
+          <p:cNvGrpSpPr/>
+          <p:nvPr/>
+        </p:nvGrpSpPr>
+        <p:grpSpPr>
+          <a:xfrm>
+            <a:off x="1593006" y="5144884"/>
+            <a:ext cx="1481598" cy="447166"/>
+            <a:chOff x="282952" y="5346144"/>
+            <a:chExt cx="1481598" cy="447166"/>
+          </a:xfrm>
+        </p:grpSpPr>
+        <p:sp>
+          <p:nvSpPr>
+            <p:cNvPr id="324" name="AutoShape 11">
+              <a:extLst>
+                <a:ext uri="{FF2B5EF4-FFF2-40B4-BE49-F238E27FC236}">
+                  <a16:creationId xmlns:a16="http://schemas.microsoft.com/office/drawing/2014/main" id="{2ACCF0E8-63A5-6DEA-8379-457D21609518}"/>
+                </a:ext>
+              </a:extLst>
+            </p:cNvPr>
+            <p:cNvSpPr/>
+            <p:nvPr/>
+          </p:nvSpPr>
+          <p:spPr>
+            <a:xfrm>
+              <a:off x="282952" y="5346144"/>
+              <a:ext cx="1427862" cy="435256"/>
+            </a:xfrm>
+            <a:prstGeom prst="roundRect">
+              <a:avLst>
+                <a:gd name="adj" fmla="val 6803"/>
+              </a:avLst>
+            </a:prstGeom>
+            <a:noFill/>
+            <a:ln w="25400" cap="flat">
+              <a:solidFill>
+                <a:srgbClr val="262626">
+                  <a:alpha val="100000"/>
+                </a:srgbClr>
+              </a:solidFill>
+              <a:prstDash val="solid"/>
+            </a:ln>
+          </p:spPr>
+          <p:txBody>
+            <a:bodyPr lIns="91440" tIns="45720" rIns="91440" bIns="45720" rtlCol="0" anchor="ctr">
+              <a:noAutofit/>
+            </a:bodyPr>
+            <a:lstStyle/>
+            <a:p>
+              <a:pPr algn="ctr">
+                <a:defRPr/>
+              </a:pPr>
+              <a:endParaRPr sz="2628" dirty="0"/>
+            </a:p>
+          </p:txBody>
+        </p:sp>
+        <p:pic>
+          <p:nvPicPr>
+            <p:cNvPr id="359" name="Picture 117">
+              <a:extLst>
+                <a:ext uri="{FF2B5EF4-FFF2-40B4-BE49-F238E27FC236}">
+                  <a16:creationId xmlns:a16="http://schemas.microsoft.com/office/drawing/2014/main" id="{32655E39-BAFB-BFB7-53A2-A67DDF9B1D4A}"/>
+                </a:ext>
+              </a:extLst>
+            </p:cNvPr>
+            <p:cNvPicPr>
+              <a:picLocks noChangeAspect="1"/>
+            </p:cNvPicPr>
+            <p:nvPr/>
+          </p:nvPicPr>
+          <p:blipFill>
+            <a:blip r:embed="rId4"/>
+            <a:stretch>
+              <a:fillRect/>
+            </a:stretch>
+          </p:blipFill>
+          <p:spPr>
+            <a:xfrm>
+              <a:off x="356734" y="5436470"/>
+              <a:ext cx="269557" cy="254603"/>
+            </a:xfrm>
+            <a:prstGeom prst="roundRect">
+              <a:avLst>
+                <a:gd name="adj" fmla="val 10768"/>
+              </a:avLst>
+            </a:prstGeom>
+            <a:ln>
+              <a:noFill/>
+              <a:prstDash val="solid"/>
+            </a:ln>
+          </p:spPr>
+        </p:pic>
+        <p:pic>
+          <p:nvPicPr>
+            <p:cNvPr id="358" name="图片 357">
+              <a:extLst>
+                <a:ext uri="{FF2B5EF4-FFF2-40B4-BE49-F238E27FC236}">
+                  <a16:creationId xmlns:a16="http://schemas.microsoft.com/office/drawing/2014/main" id="{DC4FECEF-7834-C100-0571-54F2A3CCB8A0}"/>
+                </a:ext>
+              </a:extLst>
+            </p:cNvPr>
+            <p:cNvPicPr>
+              <a:picLocks noChangeAspect="1"/>
+            </p:cNvPicPr>
+            <p:nvPr/>
+          </p:nvPicPr>
+          <p:blipFill>
+            <a:blip r:embed="rId18"/>
+            <a:stretch>
+              <a:fillRect/>
+            </a:stretch>
+          </p:blipFill>
+          <p:spPr>
+            <a:xfrm>
+              <a:off x="496885" y="5556371"/>
+              <a:ext cx="206321" cy="206321"/>
+            </a:xfrm>
+            <a:prstGeom prst="rect">
+              <a:avLst/>
+            </a:prstGeom>
+          </p:spPr>
+        </p:pic>
+        <p:sp>
+          <p:nvSpPr>
+            <p:cNvPr id="360" name="AutoShape 13">
+              <a:extLst>
+                <a:ext uri="{FF2B5EF4-FFF2-40B4-BE49-F238E27FC236}">
+                  <a16:creationId xmlns:a16="http://schemas.microsoft.com/office/drawing/2014/main" id="{4BCE577D-07B0-3E2F-E65D-EE465040BEE8}"/>
+                </a:ext>
+              </a:extLst>
+            </p:cNvPr>
+            <p:cNvSpPr/>
+            <p:nvPr/>
+          </p:nvSpPr>
+          <p:spPr>
+            <a:xfrm>
+              <a:off x="609265" y="5428345"/>
+              <a:ext cx="1155285" cy="364965"/>
+            </a:xfrm>
+            <a:prstGeom prst="rect">
+              <a:avLst/>
+            </a:prstGeom>
+            <a:noFill/>
+            <a:ln w="12700">
+              <a:noFill/>
+              <a:prstDash val="solid"/>
+            </a:ln>
+          </p:spPr>
+          <p:txBody>
+            <a:bodyPr lIns="91440" tIns="45720" rIns="91440" bIns="45720" rtlCol="0" anchor="t">
+              <a:noAutofit/>
+            </a:bodyPr>
+            <a:lstStyle/>
+            <a:p>
+              <a:pPr algn="ctr">
+                <a:defRPr/>
+              </a:pPr>
+              <a:r>
+                <a:rPr lang="en-US" altLang="zh-CN" sz="1000" dirty="0"/>
+                <a:t>Abstract Models</a:t>
+              </a:r>
+            </a:p>
+          </p:txBody>
+        </p:sp>
+      </p:grpSp>
+      <p:pic>
+        <p:nvPicPr>
+          <p:cNvPr id="24" name="Picture 118">
+            <a:extLst>
+              <a:ext uri="{FF2B5EF4-FFF2-40B4-BE49-F238E27FC236}">
+                <a16:creationId xmlns:a16="http://schemas.microsoft.com/office/drawing/2014/main" id="{A05FE58D-17BE-B60D-C991-93CBE38A0175}"/>
+              </a:ext>
+            </a:extLst>
+          </p:cNvPr>
+          <p:cNvPicPr>
+            <a:picLocks noChangeAspect="1"/>
+          </p:cNvPicPr>
+          <p:nvPr/>
+        </p:nvPicPr>
+        <p:blipFill>
+          <a:blip r:embed="rId10"/>
+          <a:stretch>
+            <a:fillRect/>
+          </a:stretch>
+        </p:blipFill>
+        <p:spPr>
+          <a:xfrm>
+            <a:off x="4518044" y="4656388"/>
+            <a:ext cx="247891" cy="234139"/>
+          </a:xfrm>
+          <a:prstGeom prst="rect">
+            <a:avLst/>
+          </a:prstGeom>
+          <a:ln>
+            <a:noFill/>
+            <a:prstDash val="solid"/>
+          </a:ln>
+        </p:spPr>
+      </p:pic>
+      <p:sp>
+        <p:nvSpPr>
+          <p:cNvPr id="395" name="文本框 394">
+            <a:extLst>
+              <a:ext uri="{FF2B5EF4-FFF2-40B4-BE49-F238E27FC236}">
+                <a16:creationId xmlns:a16="http://schemas.microsoft.com/office/drawing/2014/main" id="{5164A50F-9CA6-A687-CBF9-C0D9B351CE69}"/>
+              </a:ext>
+            </a:extLst>
+          </p:cNvPr>
+          <p:cNvSpPr txBox="1"/>
+          <p:nvPr/>
+        </p:nvSpPr>
+        <p:spPr>
+          <a:xfrm>
+            <a:off x="5327701" y="2527496"/>
+            <a:ext cx="955608" cy="256931"/>
+          </a:xfrm>
+          <a:prstGeom prst="rect">
+            <a:avLst/>
+          </a:prstGeom>
+          <a:noFill/>
+        </p:spPr>
+        <p:txBody>
+          <a:bodyPr wrap="square" rtlCol="0">
+            <a:spAutoFit/>
+          </a:bodyPr>
+          <a:lstStyle/>
+          <a:p>
+            <a:pPr defTabSz="914335">
+              <a:buClrTx/>
+              <a:defRPr/>
+            </a:pPr>
+            <a:r>
+              <a:rPr lang="en-US" altLang="zh-CN" sz="1050" kern="1200" dirty="0">
+                <a:solidFill>
+                  <a:prstClr val="black"/>
+                </a:solidFill>
+                <a:latin typeface="+mj-lt"/>
+                <a:ea typeface="微软雅黑"/>
+                <a:cs typeface="Times New Roman" panose="02020603050405020304" pitchFamily="18" charset="0"/>
+              </a:rPr>
+              <a:t>Implement</a:t>
+            </a:r>
+            <a:endParaRPr lang="zh-CN" altLang="en-US" sz="1050" kern="1200" dirty="0">
+              <a:solidFill>
+                <a:prstClr val="black"/>
+              </a:solidFill>
+              <a:latin typeface="+mj-lt"/>
+              <a:ea typeface="微软雅黑"/>
+              <a:cs typeface="Times New Roman" panose="02020603050405020304" pitchFamily="18" charset="0"/>
+            </a:endParaRPr>
+          </a:p>
+        </p:txBody>
+      </p:sp>
+      <p:sp>
+        <p:nvSpPr>
+          <p:cNvPr id="396" name="文本框 395">
+            <a:extLst>
+              <a:ext uri="{FF2B5EF4-FFF2-40B4-BE49-F238E27FC236}">
+                <a16:creationId xmlns:a16="http://schemas.microsoft.com/office/drawing/2014/main" id="{3B894EF9-E395-6813-42C6-8758346B5EF0}"/>
+              </a:ext>
+            </a:extLst>
+          </p:cNvPr>
+          <p:cNvSpPr txBox="1"/>
+          <p:nvPr/>
+        </p:nvSpPr>
+        <p:spPr>
+          <a:xfrm>
+            <a:off x="6384825" y="2527496"/>
+            <a:ext cx="955608" cy="256931"/>
+          </a:xfrm>
+          <a:prstGeom prst="rect">
+            <a:avLst/>
+          </a:prstGeom>
+          <a:noFill/>
+        </p:spPr>
+        <p:txBody>
+          <a:bodyPr wrap="square" rtlCol="0">
+            <a:spAutoFit/>
+          </a:bodyPr>
+          <a:lstStyle/>
+          <a:p>
+            <a:pPr defTabSz="914335">
+              <a:buClrTx/>
+              <a:defRPr/>
+            </a:pPr>
+            <a:r>
+              <a:rPr lang="en-US" altLang="zh-CN" sz="1050" kern="1200" dirty="0">
+                <a:solidFill>
+                  <a:prstClr val="black"/>
+                </a:solidFill>
+                <a:latin typeface="+mj-lt"/>
+                <a:ea typeface="微软雅黑"/>
+                <a:cs typeface="Times New Roman" panose="02020603050405020304" pitchFamily="18" charset="0"/>
+              </a:rPr>
+              <a:t>Implement</a:t>
+            </a:r>
+            <a:endParaRPr lang="zh-CN" altLang="en-US" sz="1050" kern="1200" dirty="0">
+              <a:solidFill>
+                <a:prstClr val="black"/>
+              </a:solidFill>
+              <a:latin typeface="+mj-lt"/>
+              <a:ea typeface="微软雅黑"/>
+              <a:cs typeface="Times New Roman" panose="02020603050405020304" pitchFamily="18" charset="0"/>
+            </a:endParaRPr>
+          </a:p>
+        </p:txBody>
+      </p:sp>
+      <p:sp>
+        <p:nvSpPr>
+          <p:cNvPr id="397" name="文本框 396">
+            <a:extLst>
+              <a:ext uri="{FF2B5EF4-FFF2-40B4-BE49-F238E27FC236}">
+                <a16:creationId xmlns:a16="http://schemas.microsoft.com/office/drawing/2014/main" id="{73D29DCE-918D-9262-0CBF-105D3C78E786}"/>
+              </a:ext>
+            </a:extLst>
+          </p:cNvPr>
+          <p:cNvSpPr txBox="1"/>
+          <p:nvPr/>
+        </p:nvSpPr>
+        <p:spPr>
+          <a:xfrm>
+            <a:off x="5960491" y="1880938"/>
+            <a:ext cx="573466" cy="256931"/>
+          </a:xfrm>
+          <a:prstGeom prst="rect">
+            <a:avLst/>
+          </a:prstGeom>
+          <a:noFill/>
+        </p:spPr>
+        <p:txBody>
+          <a:bodyPr wrap="square" rtlCol="0">
+            <a:spAutoFit/>
+          </a:bodyPr>
+          <a:lstStyle/>
+          <a:p>
+            <a:pPr defTabSz="914335">
+              <a:buClrTx/>
+              <a:defRPr/>
+            </a:pPr>
+            <a:r>
+              <a:rPr lang="en-US" altLang="zh-CN" sz="1050" kern="1200" dirty="0">
+                <a:solidFill>
+                  <a:prstClr val="black"/>
+                </a:solidFill>
+                <a:latin typeface="+mj-lt"/>
+                <a:ea typeface="微软雅黑"/>
+                <a:cs typeface="Times New Roman" panose="02020603050405020304" pitchFamily="18" charset="0"/>
+              </a:rPr>
+              <a:t>Inherit</a:t>
+            </a:r>
+            <a:endParaRPr lang="zh-CN" altLang="en-US" sz="1050" kern="1200" dirty="0">
+              <a:solidFill>
+                <a:prstClr val="black"/>
+              </a:solidFill>
+              <a:latin typeface="+mj-lt"/>
+              <a:ea typeface="微软雅黑"/>
+              <a:cs typeface="Times New Roman" panose="02020603050405020304" pitchFamily="18" charset="0"/>
+            </a:endParaRPr>
+          </a:p>
+        </p:txBody>
+      </p:sp>
+      <p:sp>
+        <p:nvSpPr>
+          <p:cNvPr id="398" name="文本框 397">
+            <a:extLst>
+              <a:ext uri="{FF2B5EF4-FFF2-40B4-BE49-F238E27FC236}">
+                <a16:creationId xmlns:a16="http://schemas.microsoft.com/office/drawing/2014/main" id="{744BFB4D-7E54-5965-AFF8-935276B2103D}"/>
+              </a:ext>
+            </a:extLst>
+          </p:cNvPr>
+          <p:cNvSpPr txBox="1"/>
+          <p:nvPr/>
+        </p:nvSpPr>
+        <p:spPr>
+          <a:xfrm>
+            <a:off x="5855360" y="1115755"/>
+            <a:ext cx="573466" cy="256931"/>
+          </a:xfrm>
+          <a:prstGeom prst="rect">
+            <a:avLst/>
+          </a:prstGeom>
+          <a:noFill/>
+        </p:spPr>
+        <p:txBody>
+          <a:bodyPr wrap="square" rtlCol="0">
+            <a:spAutoFit/>
+          </a:bodyPr>
+          <a:lstStyle/>
+          <a:p>
+            <a:pPr defTabSz="914335">
+              <a:buClrTx/>
+              <a:defRPr/>
+            </a:pPr>
+            <a:r>
+              <a:rPr lang="en-US" altLang="zh-CN" sz="1050" kern="1200" dirty="0">
+                <a:solidFill>
+                  <a:prstClr val="black"/>
+                </a:solidFill>
+                <a:latin typeface="+mj-lt"/>
+                <a:ea typeface="微软雅黑"/>
+                <a:cs typeface="Times New Roman" panose="02020603050405020304" pitchFamily="18" charset="0"/>
+              </a:rPr>
+              <a:t>Inherit</a:t>
+            </a:r>
+            <a:endParaRPr lang="zh-CN" altLang="en-US" sz="1050" kern="1200" dirty="0">
+              <a:solidFill>
+                <a:prstClr val="black"/>
+              </a:solidFill>
+              <a:latin typeface="+mj-lt"/>
+              <a:ea typeface="微软雅黑"/>
+              <a:cs typeface="Times New Roman" panose="02020603050405020304" pitchFamily="18" charset="0"/>
+            </a:endParaRPr>
+          </a:p>
+        </p:txBody>
+      </p:sp>
     </p:spTree>
   </p:cSld>
   <p:clrMapOvr>
